--- a/6조_외부환경영향.pptx
+++ b/6조_외부환경영향.pptx
@@ -5,28 +5,32 @@
     <p:sldMasterId id="2147483656" r:id="rId1"/>
   </p:sldMasterIdLst>
   <p:notesMasterIdLst>
-    <p:notesMasterId r:id="rId13"/>
+    <p:notesMasterId r:id="rId17"/>
   </p:notesMasterIdLst>
   <p:sldIdLst>
     <p:sldId id="257" r:id="rId2"/>
     <p:sldId id="262" r:id="rId3"/>
     <p:sldId id="261" r:id="rId4"/>
     <p:sldId id="258" r:id="rId5"/>
-    <p:sldId id="263" r:id="rId6"/>
-    <p:sldId id="264" r:id="rId7"/>
-    <p:sldId id="265" r:id="rId8"/>
-    <p:sldId id="266" r:id="rId9"/>
-    <p:sldId id="267" r:id="rId10"/>
-    <p:sldId id="268" r:id="rId11"/>
-    <p:sldId id="269" r:id="rId12"/>
+    <p:sldId id="270" r:id="rId6"/>
+    <p:sldId id="271" r:id="rId7"/>
+    <p:sldId id="263" r:id="rId8"/>
+    <p:sldId id="264" r:id="rId9"/>
+    <p:sldId id="272" r:id="rId10"/>
+    <p:sldId id="265" r:id="rId11"/>
+    <p:sldId id="266" r:id="rId12"/>
+    <p:sldId id="273" r:id="rId13"/>
+    <p:sldId id="267" r:id="rId14"/>
+    <p:sldId id="268" r:id="rId15"/>
+    <p:sldId id="269" r:id="rId16"/>
   </p:sldIdLst>
   <p:sldSz cx="12192000" cy="6858000"/>
   <p:notesSz cx="6858000" cy="9144000"/>
   <p:embeddedFontLst>
     <p:embeddedFont>
       <p:font typeface="맑은 고딕" panose="020B0503020000020004" pitchFamily="50" charset="-127"/>
-      <p:regular r:id="rId14"/>
-      <p:bold r:id="rId15"/>
+      <p:regular r:id="rId18"/>
+      <p:bold r:id="rId19"/>
     </p:embeddedFont>
   </p:embeddedFontLst>
   <p:defaultTextStyle>
@@ -1136,6 +1140,132 @@
       </p:grpSpPr>
       <p:sp>
         <p:nvSpPr>
+          <p:cNvPr id="2" name="TextBox 1"/>
+          <p:cNvSpPr txBox="1"/>
+          <p:nvPr/>
+        </p:nvSpPr>
+        <p:spPr>
+          <a:xfrm>
+            <a:off x="4000500" y="2472873"/>
+            <a:ext cx="797013" cy="769441"/>
+          </a:xfrm>
+          <a:prstGeom prst="rect">
+            <a:avLst/>
+          </a:prstGeom>
+          <a:noFill/>
+        </p:spPr>
+        <p:txBody>
+          <a:bodyPr wrap="none" rtlCol="0">
+            <a:spAutoFit/>
+          </a:bodyPr>
+          <a:lstStyle/>
+          <a:p>
+            <a:r>
+              <a:rPr lang="en-US" altLang="ko-KR" sz="4400" spc="-300" dirty="0">
+                <a:solidFill>
+                  <a:srgbClr val="00002F"/>
+                </a:solidFill>
+                <a:latin typeface="나눔스퀘어 Bold" panose="020B0600000101010101" pitchFamily="50" charset="-127"/>
+                <a:ea typeface="나눔스퀘어 Bold" panose="020B0600000101010101" pitchFamily="50" charset="-127"/>
+              </a:rPr>
+              <a:t>03</a:t>
+            </a:r>
+            <a:endParaRPr lang="ko-KR" altLang="en-US" sz="4400" spc="-300" dirty="0">
+              <a:solidFill>
+                <a:srgbClr val="00002F"/>
+              </a:solidFill>
+              <a:latin typeface="나눔스퀘어 Bold" panose="020B0600000101010101" pitchFamily="50" charset="-127"/>
+              <a:ea typeface="나눔스퀘어 Bold" panose="020B0600000101010101" pitchFamily="50" charset="-127"/>
+            </a:endParaRPr>
+          </a:p>
+        </p:txBody>
+      </p:sp>
+      <p:sp>
+        <p:nvSpPr>
+          <p:cNvPr id="3" name="직사각형 2"/>
+          <p:cNvSpPr/>
+          <p:nvPr/>
+        </p:nvSpPr>
+        <p:spPr>
+          <a:xfrm>
+            <a:off x="4000499" y="3169741"/>
+            <a:ext cx="4200071" cy="473345"/>
+          </a:xfrm>
+          <a:prstGeom prst="rect">
+            <a:avLst/>
+          </a:prstGeom>
+          <a:solidFill>
+            <a:srgbClr val="8DBABD"/>
+          </a:solidFill>
+          <a:ln>
+            <a:solidFill>
+              <a:srgbClr val="8DBABD"/>
+            </a:solidFill>
+          </a:ln>
+        </p:spPr>
+        <p:style>
+          <a:lnRef idx="2">
+            <a:schemeClr val="accent1">
+              <a:shade val="50000"/>
+            </a:schemeClr>
+          </a:lnRef>
+          <a:fillRef idx="1">
+            <a:schemeClr val="accent1"/>
+          </a:fillRef>
+          <a:effectRef idx="0">
+            <a:schemeClr val="accent1"/>
+          </a:effectRef>
+          <a:fontRef idx="minor">
+            <a:schemeClr val="lt1"/>
+          </a:fontRef>
+        </p:style>
+        <p:txBody>
+          <a:bodyPr rtlCol="0" anchor="ctr"/>
+          <a:lstStyle/>
+          <a:p>
+            <a:pPr algn="ctr"/>
+            <a:r>
+              <a:rPr lang="ko-KR" altLang="en-US" dirty="0">
+                <a:latin typeface="나눔스퀘어 Bold" panose="020B0600000101010101" pitchFamily="50" charset="-127"/>
+                <a:ea typeface="나눔스퀘어 Bold" panose="020B0600000101010101" pitchFamily="50" charset="-127"/>
+              </a:rPr>
+              <a:t>제주 예산 현황</a:t>
+            </a:r>
+          </a:p>
+        </p:txBody>
+      </p:sp>
+    </p:spTree>
+    <p:extLst>
+      <p:ext uri="{BB962C8B-B14F-4D97-AF65-F5344CB8AC3E}">
+        <p14:creationId xmlns:p14="http://schemas.microsoft.com/office/powerpoint/2010/main" val="244040977"/>
+      </p:ext>
+    </p:extLst>
+  </p:cSld>
+  <p:clrMapOvr>
+    <a:masterClrMapping/>
+  </p:clrMapOvr>
+</p:sld>
+</file>
+
+<file path=ppt/slides/slide11.xml><?xml version="1.0" encoding="utf-8"?>
+<p:sld xmlns:a="http://schemas.openxmlformats.org/drawingml/2006/main" xmlns:r="http://schemas.openxmlformats.org/officeDocument/2006/relationships" xmlns:p="http://schemas.openxmlformats.org/presentationml/2006/main">
+  <p:cSld>
+    <p:spTree>
+      <p:nvGrpSpPr>
+        <p:cNvPr id="1" name=""/>
+        <p:cNvGrpSpPr/>
+        <p:nvPr/>
+      </p:nvGrpSpPr>
+      <p:grpSpPr>
+        <a:xfrm>
+          <a:off x="0" y="0"/>
+          <a:ext cx="0" cy="0"/>
+          <a:chOff x="0" y="0"/>
+          <a:chExt cx="0" cy="0"/>
+        </a:xfrm>
+      </p:grpSpPr>
+      <p:sp>
+        <p:nvSpPr>
           <p:cNvPr id="11" name="TextBox 10"/>
           <p:cNvSpPr txBox="1"/>
           <p:nvPr/>
@@ -1279,6 +1409,48 @@
           </a:prstGeom>
           <a:ln w="44450" cap="rnd">
             <a:solidFill>
+              <a:srgbClr val="8DBABD"/>
+            </a:solidFill>
+          </a:ln>
+          <a:effectLst>
+            <a:outerShdw blurRad="50800" dist="38100" dir="5400000" algn="t" rotWithShape="0">
+              <a:prstClr val="black">
+                <a:alpha val="40000"/>
+              </a:prstClr>
+            </a:outerShdw>
+          </a:effectLst>
+        </p:spPr>
+        <p:style>
+          <a:lnRef idx="1">
+            <a:schemeClr val="accent1"/>
+          </a:lnRef>
+          <a:fillRef idx="0">
+            <a:schemeClr val="accent1"/>
+          </a:fillRef>
+          <a:effectRef idx="0">
+            <a:schemeClr val="accent1"/>
+          </a:effectRef>
+          <a:fontRef idx="minor">
+            <a:schemeClr val="tx1"/>
+          </a:fontRef>
+        </p:style>
+      </p:cxnSp>
+      <p:cxnSp>
+        <p:nvCxnSpPr>
+          <p:cNvPr id="17" name="직선 연결선 16"/>
+          <p:cNvCxnSpPr/>
+          <p:nvPr/>
+        </p:nvCxnSpPr>
+        <p:spPr>
+          <a:xfrm>
+            <a:off x="11713592" y="144941"/>
+            <a:ext cx="360000" cy="0"/>
+          </a:xfrm>
+          <a:prstGeom prst="line">
+            <a:avLst/>
+          </a:prstGeom>
+          <a:ln w="44450" cap="rnd">
+            <a:solidFill>
               <a:schemeClr val="bg2">
                 <a:lumMod val="90000"/>
               </a:schemeClr>
@@ -1309,13 +1481,333 @@
       </p:cxnSp>
       <p:cxnSp>
         <p:nvCxnSpPr>
-          <p:cNvPr id="17" name="직선 연결선 16"/>
+          <p:cNvPr id="18" name="직선 연결선 17"/>
+          <p:cNvCxnSpPr>
+            <a:cxnSpLocks/>
+          </p:cNvCxnSpPr>
+          <p:nvPr/>
+        </p:nvCxnSpPr>
+        <p:spPr>
+          <a:xfrm>
+            <a:off x="1102722" y="989148"/>
+            <a:ext cx="2377078" cy="0"/>
+          </a:xfrm>
+          <a:prstGeom prst="line">
+            <a:avLst/>
+          </a:prstGeom>
+          <a:ln>
+            <a:solidFill>
+              <a:schemeClr val="bg1">
+                <a:lumMod val="50000"/>
+              </a:schemeClr>
+            </a:solidFill>
+          </a:ln>
+        </p:spPr>
+        <p:style>
+          <a:lnRef idx="1">
+            <a:schemeClr val="accent1"/>
+          </a:lnRef>
+          <a:fillRef idx="0">
+            <a:schemeClr val="accent1"/>
+          </a:fillRef>
+          <a:effectRef idx="0">
+            <a:schemeClr val="accent1"/>
+          </a:effectRef>
+          <a:fontRef idx="minor">
+            <a:schemeClr val="tx1"/>
+          </a:fontRef>
+        </p:style>
+      </p:cxnSp>
+      <p:sp>
+        <p:nvSpPr>
+          <p:cNvPr id="19" name="TextBox 18"/>
+          <p:cNvSpPr txBox="1"/>
+          <p:nvPr/>
+        </p:nvSpPr>
+        <p:spPr>
+          <a:xfrm>
+            <a:off x="907644" y="437393"/>
+            <a:ext cx="2781532" cy="584775"/>
+          </a:xfrm>
+          <a:prstGeom prst="rect">
+            <a:avLst/>
+          </a:prstGeom>
+          <a:noFill/>
+        </p:spPr>
+        <p:txBody>
+          <a:bodyPr wrap="none" rtlCol="0">
+            <a:spAutoFit/>
+          </a:bodyPr>
+          <a:lstStyle/>
+          <a:p>
+            <a:pPr algn="ctr"/>
+            <a:r>
+              <a:rPr lang="ko-KR" altLang="en-US" sz="3200" spc="-150">
+                <a:solidFill>
+                  <a:srgbClr val="00002F"/>
+                </a:solidFill>
+                <a:latin typeface="나눔스퀘어 ExtraBold" panose="020B0600000101010101" pitchFamily="50" charset="-127"/>
+                <a:ea typeface="나눔스퀘어 ExtraBold" panose="020B0600000101010101" pitchFamily="50" charset="-127"/>
+              </a:rPr>
+              <a:t>제주 예산 현황</a:t>
+            </a:r>
+            <a:endParaRPr lang="ko-KR" altLang="en-US" sz="3200" spc="-150" dirty="0">
+              <a:solidFill>
+                <a:srgbClr val="00002F"/>
+              </a:solidFill>
+              <a:latin typeface="나눔스퀘어 ExtraBold" panose="020B0600000101010101" pitchFamily="50" charset="-127"/>
+              <a:ea typeface="나눔스퀘어 ExtraBold" panose="020B0600000101010101" pitchFamily="50" charset="-127"/>
+            </a:endParaRPr>
+          </a:p>
+        </p:txBody>
+      </p:sp>
+      <p:sp>
+        <p:nvSpPr>
+          <p:cNvPr id="20" name="TextBox 19"/>
+          <p:cNvSpPr txBox="1"/>
+          <p:nvPr/>
+        </p:nvSpPr>
+        <p:spPr>
+          <a:xfrm>
+            <a:off x="455532" y="498947"/>
+            <a:ext cx="614271" cy="461665"/>
+          </a:xfrm>
+          <a:prstGeom prst="rect">
+            <a:avLst/>
+          </a:prstGeom>
+          <a:noFill/>
+        </p:spPr>
+        <p:txBody>
+          <a:bodyPr wrap="none" rtlCol="0">
+            <a:spAutoFit/>
+          </a:bodyPr>
+          <a:lstStyle/>
+          <a:p>
+            <a:pPr algn="ctr"/>
+            <a:r>
+              <a:rPr lang="en-US" altLang="ko-KR" sz="2400" spc="-150" dirty="0">
+                <a:solidFill>
+                  <a:srgbClr val="00002F"/>
+                </a:solidFill>
+                <a:latin typeface="나눔스퀘어 ExtraBold" panose="020B0600000101010101" pitchFamily="50" charset="-127"/>
+                <a:ea typeface="나눔스퀘어 ExtraBold" panose="020B0600000101010101" pitchFamily="50" charset="-127"/>
+              </a:rPr>
+              <a:t>03.</a:t>
+            </a:r>
+            <a:endParaRPr lang="ko-KR" altLang="en-US" sz="2400" spc="-150" dirty="0">
+              <a:solidFill>
+                <a:srgbClr val="00002F"/>
+              </a:solidFill>
+              <a:latin typeface="나눔스퀘어 ExtraBold" panose="020B0600000101010101" pitchFamily="50" charset="-127"/>
+              <a:ea typeface="나눔스퀘어 ExtraBold" panose="020B0600000101010101" pitchFamily="50" charset="-127"/>
+            </a:endParaRPr>
+          </a:p>
+        </p:txBody>
+      </p:sp>
+      <p:sp>
+        <p:nvSpPr>
+          <p:cNvPr id="21" name="TextBox 20"/>
+          <p:cNvSpPr txBox="1"/>
+          <p:nvPr/>
+        </p:nvSpPr>
+        <p:spPr>
+          <a:xfrm>
+            <a:off x="914057" y="1006929"/>
+            <a:ext cx="1093569" cy="369332"/>
+          </a:xfrm>
+          <a:prstGeom prst="rect">
+            <a:avLst/>
+          </a:prstGeom>
+          <a:noFill/>
+        </p:spPr>
+        <p:txBody>
+          <a:bodyPr wrap="none" rtlCol="0">
+            <a:spAutoFit/>
+          </a:bodyPr>
+          <a:lstStyle/>
+          <a:p>
+            <a:pPr algn="ctr"/>
+            <a:r>
+              <a:rPr lang="ko-KR" altLang="en-US" spc="-150" dirty="0">
+                <a:solidFill>
+                  <a:srgbClr val="00002F"/>
+                </a:solidFill>
+                <a:latin typeface="나눔스퀘어 ExtraBold" panose="020B0600000101010101" pitchFamily="50" charset="-127"/>
+                <a:ea typeface="나눔스퀘어 ExtraBold" panose="020B0600000101010101" pitchFamily="50" charset="-127"/>
+              </a:rPr>
+              <a:t>예산 현황</a:t>
+            </a:r>
+          </a:p>
+        </p:txBody>
+      </p:sp>
+    </p:spTree>
+    <p:extLst>
+      <p:ext uri="{BB962C8B-B14F-4D97-AF65-F5344CB8AC3E}">
+        <p14:creationId xmlns:p14="http://schemas.microsoft.com/office/powerpoint/2010/main" val="1531280797"/>
+      </p:ext>
+    </p:extLst>
+  </p:cSld>
+  <p:clrMapOvr>
+    <a:masterClrMapping/>
+  </p:clrMapOvr>
+</p:sld>
+</file>
+
+<file path=ppt/slides/slide12.xml><?xml version="1.0" encoding="utf-8"?>
+<p:sld xmlns:a="http://schemas.openxmlformats.org/drawingml/2006/main" xmlns:r="http://schemas.openxmlformats.org/officeDocument/2006/relationships" xmlns:p="http://schemas.openxmlformats.org/presentationml/2006/main">
+  <p:cSld>
+    <p:spTree>
+      <p:nvGrpSpPr>
+        <p:cNvPr id="1" name=""/>
+        <p:cNvGrpSpPr/>
+        <p:nvPr/>
+      </p:nvGrpSpPr>
+      <p:grpSpPr>
+        <a:xfrm>
+          <a:off x="0" y="0"/>
+          <a:ext cx="0" cy="0"/>
+          <a:chOff x="0" y="0"/>
+          <a:chExt cx="0" cy="0"/>
+        </a:xfrm>
+      </p:grpSpPr>
+      <p:sp>
+        <p:nvSpPr>
+          <p:cNvPr id="11" name="TextBox 10"/>
+          <p:cNvSpPr txBox="1"/>
+          <p:nvPr/>
+        </p:nvSpPr>
+        <p:spPr>
+          <a:xfrm>
+            <a:off x="2693979" y="2091297"/>
+            <a:ext cx="946221" cy="584775"/>
+          </a:xfrm>
+          <a:prstGeom prst="rect">
+            <a:avLst/>
+          </a:prstGeom>
+          <a:noFill/>
+        </p:spPr>
+        <p:txBody>
+          <a:bodyPr wrap="none" rtlCol="0">
+            <a:spAutoFit/>
+          </a:bodyPr>
+          <a:lstStyle/>
+          <a:p>
+            <a:pPr algn="ctr"/>
+            <a:r>
+              <a:rPr lang="en-US" altLang="ko-KR" sz="3200" spc="-150" dirty="0">
+                <a:solidFill>
+                  <a:srgbClr val="8DBABD"/>
+                </a:solidFill>
+                <a:latin typeface="나눔스퀘어 ExtraBold" panose="020B0600000101010101" pitchFamily="50" charset="-127"/>
+                <a:ea typeface="나눔스퀘어 ExtraBold" panose="020B0600000101010101" pitchFamily="50" charset="-127"/>
+              </a:rPr>
+              <a:t>Text</a:t>
+            </a:r>
+            <a:endParaRPr lang="ko-KR" altLang="en-US" sz="3200" spc="-150" dirty="0">
+              <a:solidFill>
+                <a:srgbClr val="8DBABD"/>
+              </a:solidFill>
+              <a:latin typeface="나눔스퀘어 ExtraBold" panose="020B0600000101010101" pitchFamily="50" charset="-127"/>
+              <a:ea typeface="나눔스퀘어 ExtraBold" panose="020B0600000101010101" pitchFamily="50" charset="-127"/>
+            </a:endParaRPr>
+          </a:p>
+        </p:txBody>
+      </p:sp>
+      <p:cxnSp>
+        <p:nvCxnSpPr>
+          <p:cNvPr id="14" name="직선 연결선 13"/>
           <p:cNvCxnSpPr/>
           <p:nvPr/>
         </p:nvCxnSpPr>
         <p:spPr>
           <a:xfrm>
-            <a:off x="11713592" y="144941"/>
+            <a:off x="10430892" y="144941"/>
+            <a:ext cx="360000" cy="0"/>
+          </a:xfrm>
+          <a:prstGeom prst="line">
+            <a:avLst/>
+          </a:prstGeom>
+          <a:ln w="44450" cap="rnd">
+            <a:solidFill>
+              <a:srgbClr val="D0CECE"/>
+            </a:solidFill>
+          </a:ln>
+          <a:effectLst>
+            <a:outerShdw blurRad="50800" dist="38100" dir="5400000" algn="t" rotWithShape="0">
+              <a:prstClr val="black">
+                <a:alpha val="40000"/>
+              </a:prstClr>
+            </a:outerShdw>
+          </a:effectLst>
+        </p:spPr>
+        <p:style>
+          <a:lnRef idx="1">
+            <a:schemeClr val="accent1"/>
+          </a:lnRef>
+          <a:fillRef idx="0">
+            <a:schemeClr val="accent1"/>
+          </a:fillRef>
+          <a:effectRef idx="0">
+            <a:schemeClr val="accent1"/>
+          </a:effectRef>
+          <a:fontRef idx="minor">
+            <a:schemeClr val="tx1"/>
+          </a:fontRef>
+        </p:style>
+      </p:cxnSp>
+      <p:cxnSp>
+        <p:nvCxnSpPr>
+          <p:cNvPr id="15" name="직선 연결선 14"/>
+          <p:cNvCxnSpPr/>
+          <p:nvPr/>
+        </p:nvCxnSpPr>
+        <p:spPr>
+          <a:xfrm>
+            <a:off x="10858459" y="144941"/>
+            <a:ext cx="360000" cy="0"/>
+          </a:xfrm>
+          <a:prstGeom prst="line">
+            <a:avLst/>
+          </a:prstGeom>
+          <a:ln w="44450" cap="rnd">
+            <a:solidFill>
+              <a:schemeClr val="bg2">
+                <a:lumMod val="90000"/>
+              </a:schemeClr>
+            </a:solidFill>
+          </a:ln>
+          <a:effectLst>
+            <a:outerShdw blurRad="50800" dist="38100" dir="5400000" algn="t" rotWithShape="0">
+              <a:prstClr val="black">
+                <a:alpha val="40000"/>
+              </a:prstClr>
+            </a:outerShdw>
+          </a:effectLst>
+        </p:spPr>
+        <p:style>
+          <a:lnRef idx="1">
+            <a:schemeClr val="accent1"/>
+          </a:lnRef>
+          <a:fillRef idx="0">
+            <a:schemeClr val="accent1"/>
+          </a:fillRef>
+          <a:effectRef idx="0">
+            <a:schemeClr val="accent1"/>
+          </a:effectRef>
+          <a:fontRef idx="minor">
+            <a:schemeClr val="tx1"/>
+          </a:fontRef>
+        </p:style>
+      </p:cxnSp>
+      <p:cxnSp>
+        <p:nvCxnSpPr>
+          <p:cNvPr id="16" name="직선 연결선 15"/>
+          <p:cNvCxnSpPr/>
+          <p:nvPr/>
+        </p:nvCxnSpPr>
+        <p:spPr>
+          <a:xfrm>
+            <a:off x="11286026" y="144941"/>
             <a:ext cx="360000" cy="0"/>
           </a:xfrm>
           <a:prstGeom prst="line">
@@ -1351,14 +1843,60 @@
       </p:cxnSp>
       <p:cxnSp>
         <p:nvCxnSpPr>
+          <p:cNvPr id="17" name="직선 연결선 16"/>
+          <p:cNvCxnSpPr/>
+          <p:nvPr/>
+        </p:nvCxnSpPr>
+        <p:spPr>
+          <a:xfrm>
+            <a:off x="11713592" y="144941"/>
+            <a:ext cx="360000" cy="0"/>
+          </a:xfrm>
+          <a:prstGeom prst="line">
+            <a:avLst/>
+          </a:prstGeom>
+          <a:ln w="44450" cap="rnd">
+            <a:solidFill>
+              <a:schemeClr val="bg2">
+                <a:lumMod val="90000"/>
+              </a:schemeClr>
+            </a:solidFill>
+          </a:ln>
+          <a:effectLst>
+            <a:outerShdw blurRad="50800" dist="38100" dir="5400000" algn="t" rotWithShape="0">
+              <a:prstClr val="black">
+                <a:alpha val="40000"/>
+              </a:prstClr>
+            </a:outerShdw>
+          </a:effectLst>
+        </p:spPr>
+        <p:style>
+          <a:lnRef idx="1">
+            <a:schemeClr val="accent1"/>
+          </a:lnRef>
+          <a:fillRef idx="0">
+            <a:schemeClr val="accent1"/>
+          </a:fillRef>
+          <a:effectRef idx="0">
+            <a:schemeClr val="accent1"/>
+          </a:effectRef>
+          <a:fontRef idx="minor">
+            <a:schemeClr val="tx1"/>
+          </a:fontRef>
+        </p:style>
+      </p:cxnSp>
+      <p:cxnSp>
+        <p:nvCxnSpPr>
           <p:cNvPr id="18" name="직선 연결선 17"/>
-          <p:cNvCxnSpPr/>
+          <p:cNvCxnSpPr>
+            <a:cxnSpLocks/>
+          </p:cNvCxnSpPr>
           <p:nvPr/>
         </p:nvCxnSpPr>
         <p:spPr>
           <a:xfrm>
-            <a:off x="1026522" y="989148"/>
-            <a:ext cx="2160000" cy="0"/>
+            <a:off x="1102722" y="989148"/>
+            <a:ext cx="2377078" cy="0"/>
           </a:xfrm>
           <a:prstGeom prst="line">
             <a:avLst/>
@@ -1394,8 +1932,8 @@
         </p:nvSpPr>
         <p:spPr>
           <a:xfrm>
-            <a:off x="1026522" y="437393"/>
-            <a:ext cx="2162773" cy="584775"/>
+            <a:off x="907644" y="437393"/>
+            <a:ext cx="2781532" cy="584775"/>
           </a:xfrm>
           <a:prstGeom prst="rect">
             <a:avLst/>
@@ -1410,14 +1948,553 @@
           <a:p>
             <a:pPr algn="ctr"/>
             <a:r>
-              <a:rPr lang="en-US" altLang="ko-KR" sz="3200" spc="-150" dirty="0">
+              <a:rPr lang="ko-KR" altLang="en-US" sz="3200" spc="-150">
                 <a:solidFill>
                   <a:srgbClr val="00002F"/>
                 </a:solidFill>
                 <a:latin typeface="나눔스퀘어 ExtraBold" panose="020B0600000101010101" pitchFamily="50" charset="-127"/>
                 <a:ea typeface="나눔스퀘어 ExtraBold" panose="020B0600000101010101" pitchFamily="50" charset="-127"/>
               </a:rPr>
-              <a:t>CONTENTS</a:t>
+              <a:t>제주 예산 현황</a:t>
+            </a:r>
+            <a:endParaRPr lang="ko-KR" altLang="en-US" sz="3200" spc="-150" dirty="0">
+              <a:solidFill>
+                <a:srgbClr val="00002F"/>
+              </a:solidFill>
+              <a:latin typeface="나눔스퀘어 ExtraBold" panose="020B0600000101010101" pitchFamily="50" charset="-127"/>
+              <a:ea typeface="나눔스퀘어 ExtraBold" panose="020B0600000101010101" pitchFamily="50" charset="-127"/>
+            </a:endParaRPr>
+          </a:p>
+        </p:txBody>
+      </p:sp>
+      <p:sp>
+        <p:nvSpPr>
+          <p:cNvPr id="20" name="TextBox 19"/>
+          <p:cNvSpPr txBox="1"/>
+          <p:nvPr/>
+        </p:nvSpPr>
+        <p:spPr>
+          <a:xfrm>
+            <a:off x="455532" y="498947"/>
+            <a:ext cx="614271" cy="461665"/>
+          </a:xfrm>
+          <a:prstGeom prst="rect">
+            <a:avLst/>
+          </a:prstGeom>
+          <a:noFill/>
+        </p:spPr>
+        <p:txBody>
+          <a:bodyPr wrap="none" rtlCol="0">
+            <a:spAutoFit/>
+          </a:bodyPr>
+          <a:lstStyle/>
+          <a:p>
+            <a:pPr algn="ctr"/>
+            <a:r>
+              <a:rPr lang="en-US" altLang="ko-KR" sz="2400" spc="-150" dirty="0">
+                <a:solidFill>
+                  <a:srgbClr val="00002F"/>
+                </a:solidFill>
+                <a:latin typeface="나눔스퀘어 ExtraBold" panose="020B0600000101010101" pitchFamily="50" charset="-127"/>
+                <a:ea typeface="나눔스퀘어 ExtraBold" panose="020B0600000101010101" pitchFamily="50" charset="-127"/>
+              </a:rPr>
+              <a:t>03.</a:t>
+            </a:r>
+            <a:endParaRPr lang="ko-KR" altLang="en-US" sz="2400" spc="-150" dirty="0">
+              <a:solidFill>
+                <a:srgbClr val="00002F"/>
+              </a:solidFill>
+              <a:latin typeface="나눔스퀘어 ExtraBold" panose="020B0600000101010101" pitchFamily="50" charset="-127"/>
+              <a:ea typeface="나눔스퀘어 ExtraBold" panose="020B0600000101010101" pitchFamily="50" charset="-127"/>
+            </a:endParaRPr>
+          </a:p>
+        </p:txBody>
+      </p:sp>
+      <p:sp>
+        <p:nvSpPr>
+          <p:cNvPr id="21" name="TextBox 20"/>
+          <p:cNvSpPr txBox="1"/>
+          <p:nvPr/>
+        </p:nvSpPr>
+        <p:spPr>
+          <a:xfrm>
+            <a:off x="914057" y="1006929"/>
+            <a:ext cx="1093569" cy="369332"/>
+          </a:xfrm>
+          <a:prstGeom prst="rect">
+            <a:avLst/>
+          </a:prstGeom>
+          <a:noFill/>
+        </p:spPr>
+        <p:txBody>
+          <a:bodyPr wrap="none" rtlCol="0">
+            <a:spAutoFit/>
+          </a:bodyPr>
+          <a:lstStyle/>
+          <a:p>
+            <a:pPr algn="ctr"/>
+            <a:r>
+              <a:rPr lang="ko-KR" altLang="en-US" spc="-150">
+                <a:solidFill>
+                  <a:srgbClr val="00002F"/>
+                </a:solidFill>
+                <a:latin typeface="나눔스퀘어 ExtraBold" panose="020B0600000101010101" pitchFamily="50" charset="-127"/>
+                <a:ea typeface="나눔스퀘어 ExtraBold" panose="020B0600000101010101" pitchFamily="50" charset="-127"/>
+              </a:rPr>
+              <a:t>예산 분배</a:t>
+            </a:r>
+            <a:endParaRPr lang="ko-KR" altLang="en-US" spc="-150" dirty="0">
+              <a:solidFill>
+                <a:srgbClr val="00002F"/>
+              </a:solidFill>
+              <a:latin typeface="나눔스퀘어 ExtraBold" panose="020B0600000101010101" pitchFamily="50" charset="-127"/>
+              <a:ea typeface="나눔스퀘어 ExtraBold" panose="020B0600000101010101" pitchFamily="50" charset="-127"/>
+            </a:endParaRPr>
+          </a:p>
+        </p:txBody>
+      </p:sp>
+    </p:spTree>
+    <p:extLst>
+      <p:ext uri="{BB962C8B-B14F-4D97-AF65-F5344CB8AC3E}">
+        <p14:creationId xmlns:p14="http://schemas.microsoft.com/office/powerpoint/2010/main" val="4104920165"/>
+      </p:ext>
+    </p:extLst>
+  </p:cSld>
+  <p:clrMapOvr>
+    <a:masterClrMapping/>
+  </p:clrMapOvr>
+</p:sld>
+</file>
+
+<file path=ppt/slides/slide13.xml><?xml version="1.0" encoding="utf-8"?>
+<p:sld xmlns:a="http://schemas.openxmlformats.org/drawingml/2006/main" xmlns:r="http://schemas.openxmlformats.org/officeDocument/2006/relationships" xmlns:p="http://schemas.openxmlformats.org/presentationml/2006/main">
+  <p:cSld>
+    <p:spTree>
+      <p:nvGrpSpPr>
+        <p:cNvPr id="1" name=""/>
+        <p:cNvGrpSpPr/>
+        <p:nvPr/>
+      </p:nvGrpSpPr>
+      <p:grpSpPr>
+        <a:xfrm>
+          <a:off x="0" y="0"/>
+          <a:ext cx="0" cy="0"/>
+          <a:chOff x="0" y="0"/>
+          <a:chExt cx="0" cy="0"/>
+        </a:xfrm>
+      </p:grpSpPr>
+      <p:sp>
+        <p:nvSpPr>
+          <p:cNvPr id="2" name="TextBox 1"/>
+          <p:cNvSpPr txBox="1"/>
+          <p:nvPr/>
+        </p:nvSpPr>
+        <p:spPr>
+          <a:xfrm>
+            <a:off x="4000500" y="2472873"/>
+            <a:ext cx="797013" cy="769441"/>
+          </a:xfrm>
+          <a:prstGeom prst="rect">
+            <a:avLst/>
+          </a:prstGeom>
+          <a:noFill/>
+        </p:spPr>
+        <p:txBody>
+          <a:bodyPr wrap="none" rtlCol="0">
+            <a:spAutoFit/>
+          </a:bodyPr>
+          <a:lstStyle/>
+          <a:p>
+            <a:r>
+              <a:rPr lang="en-US" altLang="ko-KR" sz="4400" spc="-300" dirty="0">
+                <a:solidFill>
+                  <a:srgbClr val="00002F"/>
+                </a:solidFill>
+                <a:latin typeface="나눔스퀘어 Bold" panose="020B0600000101010101" pitchFamily="50" charset="-127"/>
+                <a:ea typeface="나눔스퀘어 Bold" panose="020B0600000101010101" pitchFamily="50" charset="-127"/>
+              </a:rPr>
+              <a:t>04</a:t>
+            </a:r>
+            <a:endParaRPr lang="ko-KR" altLang="en-US" sz="4400" spc="-300" dirty="0">
+              <a:solidFill>
+                <a:srgbClr val="00002F"/>
+              </a:solidFill>
+              <a:latin typeface="나눔스퀘어 Bold" panose="020B0600000101010101" pitchFamily="50" charset="-127"/>
+              <a:ea typeface="나눔스퀘어 Bold" panose="020B0600000101010101" pitchFamily="50" charset="-127"/>
+            </a:endParaRPr>
+          </a:p>
+        </p:txBody>
+      </p:sp>
+      <p:sp>
+        <p:nvSpPr>
+          <p:cNvPr id="3" name="직사각형 2"/>
+          <p:cNvSpPr/>
+          <p:nvPr/>
+        </p:nvSpPr>
+        <p:spPr>
+          <a:xfrm>
+            <a:off x="4000499" y="3169741"/>
+            <a:ext cx="4200071" cy="473345"/>
+          </a:xfrm>
+          <a:prstGeom prst="rect">
+            <a:avLst/>
+          </a:prstGeom>
+          <a:solidFill>
+            <a:srgbClr val="8DBABD"/>
+          </a:solidFill>
+          <a:ln>
+            <a:solidFill>
+              <a:srgbClr val="8DBABD"/>
+            </a:solidFill>
+          </a:ln>
+        </p:spPr>
+        <p:style>
+          <a:lnRef idx="2">
+            <a:schemeClr val="accent1">
+              <a:shade val="50000"/>
+            </a:schemeClr>
+          </a:lnRef>
+          <a:fillRef idx="1">
+            <a:schemeClr val="accent1"/>
+          </a:fillRef>
+          <a:effectRef idx="0">
+            <a:schemeClr val="accent1"/>
+          </a:effectRef>
+          <a:fontRef idx="minor">
+            <a:schemeClr val="lt1"/>
+          </a:fontRef>
+        </p:style>
+        <p:txBody>
+          <a:bodyPr rtlCol="0" anchor="ctr"/>
+          <a:lstStyle/>
+          <a:p>
+            <a:pPr algn="ctr"/>
+            <a:r>
+              <a:rPr lang="ko-KR" altLang="en-US" dirty="0">
+                <a:latin typeface="나눔스퀘어 Bold" panose="020B0600000101010101" pitchFamily="50" charset="-127"/>
+                <a:ea typeface="나눔스퀘어 Bold" panose="020B0600000101010101" pitchFamily="50" charset="-127"/>
+              </a:rPr>
+              <a:t>최종 결과물 방향</a:t>
+            </a:r>
+          </a:p>
+        </p:txBody>
+      </p:sp>
+    </p:spTree>
+    <p:extLst>
+      <p:ext uri="{BB962C8B-B14F-4D97-AF65-F5344CB8AC3E}">
+        <p14:creationId xmlns:p14="http://schemas.microsoft.com/office/powerpoint/2010/main" val="2671169022"/>
+      </p:ext>
+    </p:extLst>
+  </p:cSld>
+  <p:clrMapOvr>
+    <a:masterClrMapping/>
+  </p:clrMapOvr>
+</p:sld>
+</file>
+
+<file path=ppt/slides/slide14.xml><?xml version="1.0" encoding="utf-8"?>
+<p:sld xmlns:a="http://schemas.openxmlformats.org/drawingml/2006/main" xmlns:r="http://schemas.openxmlformats.org/officeDocument/2006/relationships" xmlns:p="http://schemas.openxmlformats.org/presentationml/2006/main">
+  <p:cSld>
+    <p:spTree>
+      <p:nvGrpSpPr>
+        <p:cNvPr id="1" name=""/>
+        <p:cNvGrpSpPr/>
+        <p:nvPr/>
+      </p:nvGrpSpPr>
+      <p:grpSpPr>
+        <a:xfrm>
+          <a:off x="0" y="0"/>
+          <a:ext cx="0" cy="0"/>
+          <a:chOff x="0" y="0"/>
+          <a:chExt cx="0" cy="0"/>
+        </a:xfrm>
+      </p:grpSpPr>
+      <p:sp>
+        <p:nvSpPr>
+          <p:cNvPr id="11" name="TextBox 10"/>
+          <p:cNvSpPr txBox="1"/>
+          <p:nvPr/>
+        </p:nvSpPr>
+        <p:spPr>
+          <a:xfrm>
+            <a:off x="2693979" y="2091297"/>
+            <a:ext cx="946221" cy="584775"/>
+          </a:xfrm>
+          <a:prstGeom prst="rect">
+            <a:avLst/>
+          </a:prstGeom>
+          <a:noFill/>
+        </p:spPr>
+        <p:txBody>
+          <a:bodyPr wrap="none" rtlCol="0">
+            <a:spAutoFit/>
+          </a:bodyPr>
+          <a:lstStyle/>
+          <a:p>
+            <a:pPr algn="ctr"/>
+            <a:r>
+              <a:rPr lang="en-US" altLang="ko-KR" sz="3200" spc="-150" dirty="0">
+                <a:solidFill>
+                  <a:srgbClr val="8DBABD"/>
+                </a:solidFill>
+                <a:latin typeface="나눔스퀘어 ExtraBold" panose="020B0600000101010101" pitchFamily="50" charset="-127"/>
+                <a:ea typeface="나눔스퀘어 ExtraBold" panose="020B0600000101010101" pitchFamily="50" charset="-127"/>
+              </a:rPr>
+              <a:t>Text</a:t>
+            </a:r>
+            <a:endParaRPr lang="ko-KR" altLang="en-US" sz="3200" spc="-150" dirty="0">
+              <a:solidFill>
+                <a:srgbClr val="8DBABD"/>
+              </a:solidFill>
+              <a:latin typeface="나눔스퀘어 ExtraBold" panose="020B0600000101010101" pitchFamily="50" charset="-127"/>
+              <a:ea typeface="나눔스퀘어 ExtraBold" panose="020B0600000101010101" pitchFamily="50" charset="-127"/>
+            </a:endParaRPr>
+          </a:p>
+        </p:txBody>
+      </p:sp>
+      <p:cxnSp>
+        <p:nvCxnSpPr>
+          <p:cNvPr id="14" name="직선 연결선 13"/>
+          <p:cNvCxnSpPr/>
+          <p:nvPr/>
+        </p:nvCxnSpPr>
+        <p:spPr>
+          <a:xfrm>
+            <a:off x="10430892" y="144941"/>
+            <a:ext cx="360000" cy="0"/>
+          </a:xfrm>
+          <a:prstGeom prst="line">
+            <a:avLst/>
+          </a:prstGeom>
+          <a:ln w="44450" cap="rnd">
+            <a:solidFill>
+              <a:srgbClr val="D0CECE"/>
+            </a:solidFill>
+          </a:ln>
+          <a:effectLst>
+            <a:outerShdw blurRad="50800" dist="38100" dir="5400000" algn="t" rotWithShape="0">
+              <a:prstClr val="black">
+                <a:alpha val="40000"/>
+              </a:prstClr>
+            </a:outerShdw>
+          </a:effectLst>
+        </p:spPr>
+        <p:style>
+          <a:lnRef idx="1">
+            <a:schemeClr val="accent1"/>
+          </a:lnRef>
+          <a:fillRef idx="0">
+            <a:schemeClr val="accent1"/>
+          </a:fillRef>
+          <a:effectRef idx="0">
+            <a:schemeClr val="accent1"/>
+          </a:effectRef>
+          <a:fontRef idx="minor">
+            <a:schemeClr val="tx1"/>
+          </a:fontRef>
+        </p:style>
+      </p:cxnSp>
+      <p:cxnSp>
+        <p:nvCxnSpPr>
+          <p:cNvPr id="15" name="직선 연결선 14"/>
+          <p:cNvCxnSpPr/>
+          <p:nvPr/>
+        </p:nvCxnSpPr>
+        <p:spPr>
+          <a:xfrm>
+            <a:off x="10858459" y="144941"/>
+            <a:ext cx="360000" cy="0"/>
+          </a:xfrm>
+          <a:prstGeom prst="line">
+            <a:avLst/>
+          </a:prstGeom>
+          <a:ln w="44450" cap="rnd">
+            <a:solidFill>
+              <a:schemeClr val="bg2">
+                <a:lumMod val="90000"/>
+              </a:schemeClr>
+            </a:solidFill>
+          </a:ln>
+          <a:effectLst>
+            <a:outerShdw blurRad="50800" dist="38100" dir="5400000" algn="t" rotWithShape="0">
+              <a:prstClr val="black">
+                <a:alpha val="40000"/>
+              </a:prstClr>
+            </a:outerShdw>
+          </a:effectLst>
+        </p:spPr>
+        <p:style>
+          <a:lnRef idx="1">
+            <a:schemeClr val="accent1"/>
+          </a:lnRef>
+          <a:fillRef idx="0">
+            <a:schemeClr val="accent1"/>
+          </a:fillRef>
+          <a:effectRef idx="0">
+            <a:schemeClr val="accent1"/>
+          </a:effectRef>
+          <a:fontRef idx="minor">
+            <a:schemeClr val="tx1"/>
+          </a:fontRef>
+        </p:style>
+      </p:cxnSp>
+      <p:cxnSp>
+        <p:nvCxnSpPr>
+          <p:cNvPr id="16" name="직선 연결선 15"/>
+          <p:cNvCxnSpPr/>
+          <p:nvPr/>
+        </p:nvCxnSpPr>
+        <p:spPr>
+          <a:xfrm>
+            <a:off x="11286026" y="144941"/>
+            <a:ext cx="360000" cy="0"/>
+          </a:xfrm>
+          <a:prstGeom prst="line">
+            <a:avLst/>
+          </a:prstGeom>
+          <a:ln w="44450" cap="rnd">
+            <a:solidFill>
+              <a:schemeClr val="bg2">
+                <a:lumMod val="90000"/>
+              </a:schemeClr>
+            </a:solidFill>
+          </a:ln>
+          <a:effectLst>
+            <a:outerShdw blurRad="50800" dist="38100" dir="5400000" algn="t" rotWithShape="0">
+              <a:prstClr val="black">
+                <a:alpha val="40000"/>
+              </a:prstClr>
+            </a:outerShdw>
+          </a:effectLst>
+        </p:spPr>
+        <p:style>
+          <a:lnRef idx="1">
+            <a:schemeClr val="accent1"/>
+          </a:lnRef>
+          <a:fillRef idx="0">
+            <a:schemeClr val="accent1"/>
+          </a:fillRef>
+          <a:effectRef idx="0">
+            <a:schemeClr val="accent1"/>
+          </a:effectRef>
+          <a:fontRef idx="minor">
+            <a:schemeClr val="tx1"/>
+          </a:fontRef>
+        </p:style>
+      </p:cxnSp>
+      <p:cxnSp>
+        <p:nvCxnSpPr>
+          <p:cNvPr id="17" name="직선 연결선 16"/>
+          <p:cNvCxnSpPr/>
+          <p:nvPr/>
+        </p:nvCxnSpPr>
+        <p:spPr>
+          <a:xfrm>
+            <a:off x="11713592" y="144941"/>
+            <a:ext cx="360000" cy="0"/>
+          </a:xfrm>
+          <a:prstGeom prst="line">
+            <a:avLst/>
+          </a:prstGeom>
+          <a:ln w="44450" cap="rnd">
+            <a:solidFill>
+              <a:srgbClr val="8DBABD"/>
+            </a:solidFill>
+          </a:ln>
+          <a:effectLst>
+            <a:outerShdw blurRad="50800" dist="38100" dir="5400000" algn="t" rotWithShape="0">
+              <a:prstClr val="black">
+                <a:alpha val="40000"/>
+              </a:prstClr>
+            </a:outerShdw>
+          </a:effectLst>
+        </p:spPr>
+        <p:style>
+          <a:lnRef idx="1">
+            <a:schemeClr val="accent1"/>
+          </a:lnRef>
+          <a:fillRef idx="0">
+            <a:schemeClr val="accent1"/>
+          </a:fillRef>
+          <a:effectRef idx="0">
+            <a:schemeClr val="accent1"/>
+          </a:effectRef>
+          <a:fontRef idx="minor">
+            <a:schemeClr val="tx1"/>
+          </a:fontRef>
+        </p:style>
+      </p:cxnSp>
+      <p:cxnSp>
+        <p:nvCxnSpPr>
+          <p:cNvPr id="18" name="직선 연결선 17"/>
+          <p:cNvCxnSpPr>
+            <a:cxnSpLocks/>
+          </p:cNvCxnSpPr>
+          <p:nvPr/>
+        </p:nvCxnSpPr>
+        <p:spPr>
+          <a:xfrm>
+            <a:off x="1153522" y="989148"/>
+            <a:ext cx="2732678" cy="0"/>
+          </a:xfrm>
+          <a:prstGeom prst="line">
+            <a:avLst/>
+          </a:prstGeom>
+          <a:ln>
+            <a:solidFill>
+              <a:schemeClr val="bg1">
+                <a:lumMod val="50000"/>
+              </a:schemeClr>
+            </a:solidFill>
+          </a:ln>
+        </p:spPr>
+        <p:style>
+          <a:lnRef idx="1">
+            <a:schemeClr val="accent1"/>
+          </a:lnRef>
+          <a:fillRef idx="0">
+            <a:schemeClr val="accent1"/>
+          </a:fillRef>
+          <a:effectRef idx="0">
+            <a:schemeClr val="accent1"/>
+          </a:effectRef>
+          <a:fontRef idx="minor">
+            <a:schemeClr val="tx1"/>
+          </a:fontRef>
+        </p:style>
+      </p:cxnSp>
+      <p:sp>
+        <p:nvSpPr>
+          <p:cNvPr id="19" name="TextBox 18"/>
+          <p:cNvSpPr txBox="1"/>
+          <p:nvPr/>
+        </p:nvSpPr>
+        <p:spPr>
+          <a:xfrm>
+            <a:off x="940679" y="437393"/>
+            <a:ext cx="3172663" cy="584775"/>
+          </a:xfrm>
+          <a:prstGeom prst="rect">
+            <a:avLst/>
+          </a:prstGeom>
+          <a:noFill/>
+        </p:spPr>
+        <p:txBody>
+          <a:bodyPr wrap="none" rtlCol="0">
+            <a:spAutoFit/>
+          </a:bodyPr>
+          <a:lstStyle/>
+          <a:p>
+            <a:pPr algn="ctr"/>
+            <a:r>
+              <a:rPr lang="ko-KR" altLang="en-US" sz="3200" spc="-150">
+                <a:solidFill>
+                  <a:srgbClr val="00002F"/>
+                </a:solidFill>
+                <a:latin typeface="나눔스퀘어 ExtraBold" panose="020B0600000101010101" pitchFamily="50" charset="-127"/>
+                <a:ea typeface="나눔스퀘어 ExtraBold" panose="020B0600000101010101" pitchFamily="50" charset="-127"/>
+              </a:rPr>
+              <a:t>최종 결과물 방향</a:t>
             </a:r>
             <a:endParaRPr lang="ko-KR" altLang="en-US" sz="3200" spc="-150" dirty="0">
               <a:solidFill>
@@ -1528,7 +2605,7 @@
 </p:sld>
 </file>
 
-<file path=ppt/slides/slide11.xml><?xml version="1.0" encoding="utf-8"?>
+<file path=ppt/slides/slide15.xml><?xml version="1.0" encoding="utf-8"?>
 <p:sld xmlns:a="http://schemas.openxmlformats.org/drawingml/2006/main" xmlns:r="http://schemas.openxmlformats.org/officeDocument/2006/relationships" xmlns:p="http://schemas.openxmlformats.org/presentationml/2006/main">
   <p:cSld>
     <p:spTree>
@@ -2065,7 +3142,7 @@
                 <a:latin typeface="나눔스퀘어 ExtraBold" panose="020B0600000101010101" pitchFamily="50" charset="-127"/>
                 <a:ea typeface="나눔스퀘어 ExtraBold" panose="020B0600000101010101" pitchFamily="50" charset="-127"/>
               </a:rPr>
-              <a:t>다음 프로젝트 방향</a:t>
+              <a:t>최종 결과물 방향</a:t>
             </a:r>
           </a:p>
         </p:txBody>
@@ -2279,7 +3356,7 @@
                 <a:latin typeface="나눔스퀘어 Bold" panose="020B0600000101010101" pitchFamily="50" charset="-127"/>
                 <a:ea typeface="나눔스퀘어 Bold" panose="020B0600000101010101" pitchFamily="50" charset="-127"/>
               </a:rPr>
-              <a:t>내국인 영향</a:t>
+              <a:t>내국인 관광객 영향</a:t>
             </a:r>
           </a:p>
         </p:txBody>
@@ -2292,8 +3369,8 @@
         </p:nvSpPr>
         <p:spPr>
           <a:xfrm>
-            <a:off x="6804217" y="5022850"/>
-            <a:ext cx="1733168" cy="646331"/>
+            <a:off x="7075926" y="5022850"/>
+            <a:ext cx="1189749" cy="646331"/>
           </a:xfrm>
           <a:prstGeom prst="rect">
             <a:avLst/>
@@ -2325,7 +3402,7 @@
                 <a:latin typeface="나눔스퀘어 Bold" panose="020B0600000101010101" pitchFamily="50" charset="-127"/>
                 <a:ea typeface="나눔스퀘어 Bold" panose="020B0600000101010101" pitchFamily="50" charset="-127"/>
               </a:rPr>
-              <a:t>예산 지원 분야</a:t>
+              <a:t>예산 분배</a:t>
             </a:r>
           </a:p>
         </p:txBody>
@@ -2515,19 +3592,8 @@
                 <a:latin typeface="나눔스퀘어 Bold" panose="020B0600000101010101" pitchFamily="50" charset="-127"/>
                 <a:ea typeface="나눔스퀘어 Bold" panose="020B0600000101010101" pitchFamily="50" charset="-127"/>
               </a:rPr>
-              <a:t>내용을 입력하세요</a:t>
-            </a:r>
-            <a:r>
-              <a:rPr lang="en-US" altLang="ko-KR" dirty="0">
-                <a:latin typeface="나눔스퀘어 Bold" panose="020B0600000101010101" pitchFamily="50" charset="-127"/>
-                <a:ea typeface="나눔스퀘어 Bold" panose="020B0600000101010101" pitchFamily="50" charset="-127"/>
-              </a:rPr>
-              <a:t>.</a:t>
-            </a:r>
-            <a:endParaRPr lang="ko-KR" altLang="en-US" dirty="0">
-              <a:latin typeface="나눔스퀘어 Bold" panose="020B0600000101010101" pitchFamily="50" charset="-127"/>
-              <a:ea typeface="나눔스퀘어 Bold" panose="020B0600000101010101" pitchFamily="50" charset="-127"/>
-            </a:endParaRPr>
+              <a:t>제주도 관광객 수</a:t>
+            </a:r>
           </a:p>
         </p:txBody>
       </p:sp>
@@ -2564,13 +3630,15 @@
       <p:cxnSp>
         <p:nvCxnSpPr>
           <p:cNvPr id="4" name="직선 연결선 3"/>
-          <p:cNvCxnSpPr/>
+          <p:cNvCxnSpPr>
+            <a:cxnSpLocks/>
+          </p:cNvCxnSpPr>
           <p:nvPr/>
         </p:nvCxnSpPr>
         <p:spPr>
           <a:xfrm>
-            <a:off x="1026522" y="989148"/>
-            <a:ext cx="2160000" cy="0"/>
+            <a:off x="1242422" y="989148"/>
+            <a:ext cx="2618378" cy="0"/>
           </a:xfrm>
           <a:prstGeom prst="line">
             <a:avLst/>
@@ -2606,8 +3674,8 @@
         </p:nvSpPr>
         <p:spPr>
           <a:xfrm>
-            <a:off x="1026522" y="437393"/>
-            <a:ext cx="2162773" cy="584775"/>
+            <a:off x="1028595" y="437393"/>
+            <a:ext cx="3047629" cy="584775"/>
           </a:xfrm>
           <a:prstGeom prst="rect">
             <a:avLst/>
@@ -2622,22 +3690,15 @@
           <a:p>
             <a:pPr algn="ctr"/>
             <a:r>
-              <a:rPr lang="en-US" altLang="ko-KR" sz="3200" spc="-150" dirty="0">
+              <a:rPr lang="ko-KR" altLang="en-US" sz="3200" spc="-150" dirty="0">
                 <a:solidFill>
                   <a:srgbClr val="00002F"/>
                 </a:solidFill>
                 <a:latin typeface="나눔스퀘어 ExtraBold" panose="020B0600000101010101" pitchFamily="50" charset="-127"/>
                 <a:ea typeface="나눔스퀘어 ExtraBold" panose="020B0600000101010101" pitchFamily="50" charset="-127"/>
               </a:rPr>
-              <a:t>CONTENTS</a:t>
-            </a:r>
-            <a:endParaRPr lang="ko-KR" altLang="en-US" sz="3200" spc="-150" dirty="0">
-              <a:solidFill>
-                <a:srgbClr val="00002F"/>
-              </a:solidFill>
-              <a:latin typeface="나눔스퀘어 ExtraBold" panose="020B0600000101010101" pitchFamily="50" charset="-127"/>
-              <a:ea typeface="나눔스퀘어 ExtraBold" panose="020B0600000101010101" pitchFamily="50" charset="-127"/>
-            </a:endParaRPr>
+              <a:t>제주도 관광객수</a:t>
+            </a:r>
           </a:p>
         </p:txBody>
       </p:sp>
@@ -2909,8 +3970,8 @@
         </p:nvSpPr>
         <p:spPr>
           <a:xfrm>
-            <a:off x="1069803" y="1006929"/>
-            <a:ext cx="578876" cy="369332"/>
+            <a:off x="1103483" y="1006929"/>
+            <a:ext cx="2137124" cy="369332"/>
           </a:xfrm>
           <a:prstGeom prst="rect">
             <a:avLst/>
@@ -2924,6 +3985,16 @@
           <a:lstStyle/>
           <a:p>
             <a:pPr algn="ctr"/>
+            <a:r>
+              <a:rPr lang="ko-KR" altLang="en-US" spc="-150" dirty="0">
+                <a:solidFill>
+                  <a:srgbClr val="00002F"/>
+                </a:solidFill>
+                <a:latin typeface="나눔스퀘어 ExtraBold" panose="020B0600000101010101" pitchFamily="50" charset="-127"/>
+                <a:ea typeface="나눔스퀘어 ExtraBold" panose="020B0600000101010101" pitchFamily="50" charset="-127"/>
+              </a:rPr>
+              <a:t>내</a:t>
+            </a:r>
             <a:r>
               <a:rPr lang="en-US" altLang="ko-KR" spc="-150" dirty="0">
                 <a:solidFill>
@@ -2932,15 +4003,18 @@
                 <a:latin typeface="나눔스퀘어 ExtraBold" panose="020B0600000101010101" pitchFamily="50" charset="-127"/>
                 <a:ea typeface="나눔스퀘어 ExtraBold" panose="020B0600000101010101" pitchFamily="50" charset="-127"/>
               </a:rPr>
-              <a:t>Text</a:t>
-            </a:r>
-            <a:endParaRPr lang="ko-KR" altLang="en-US" spc="-150" dirty="0">
-              <a:solidFill>
-                <a:srgbClr val="00002F"/>
-              </a:solidFill>
-              <a:latin typeface="나눔스퀘어 ExtraBold" panose="020B0600000101010101" pitchFamily="50" charset="-127"/>
-              <a:ea typeface="나눔스퀘어 ExtraBold" panose="020B0600000101010101" pitchFamily="50" charset="-127"/>
-            </a:endParaRPr>
+              <a:t>/</a:t>
+            </a:r>
+            <a:r>
+              <a:rPr lang="ko-KR" altLang="en-US" spc="-150" dirty="0">
+                <a:solidFill>
+                  <a:srgbClr val="00002F"/>
+                </a:solidFill>
+                <a:latin typeface="나눔스퀘어 ExtraBold" panose="020B0600000101010101" pitchFamily="50" charset="-127"/>
+                <a:ea typeface="나눔스퀘어 ExtraBold" panose="020B0600000101010101" pitchFamily="50" charset="-127"/>
+              </a:rPr>
+              <a:t>외국인 관광객 수 </a:t>
+            </a:r>
           </a:p>
         </p:txBody>
       </p:sp>
@@ -2974,16 +4048,55 @@
           <a:chExt cx="0" cy="0"/>
         </a:xfrm>
       </p:grpSpPr>
-      <p:sp>
-        <p:nvSpPr>
-          <p:cNvPr id="2" name="TextBox 1"/>
+      <p:cxnSp>
+        <p:nvCxnSpPr>
+          <p:cNvPr id="4" name="직선 연결선 3"/>
+          <p:cNvCxnSpPr>
+            <a:cxnSpLocks/>
+          </p:cNvCxnSpPr>
+          <p:nvPr/>
+        </p:nvCxnSpPr>
+        <p:spPr>
+          <a:xfrm>
+            <a:off x="1242422" y="989148"/>
+            <a:ext cx="2618378" cy="0"/>
+          </a:xfrm>
+          <a:prstGeom prst="line">
+            <a:avLst/>
+          </a:prstGeom>
+          <a:ln>
+            <a:solidFill>
+              <a:schemeClr val="bg1">
+                <a:lumMod val="50000"/>
+              </a:schemeClr>
+            </a:solidFill>
+          </a:ln>
+        </p:spPr>
+        <p:style>
+          <a:lnRef idx="1">
+            <a:schemeClr val="accent1"/>
+          </a:lnRef>
+          <a:fillRef idx="0">
+            <a:schemeClr val="accent1"/>
+          </a:fillRef>
+          <a:effectRef idx="0">
+            <a:schemeClr val="accent1"/>
+          </a:effectRef>
+          <a:fontRef idx="minor">
+            <a:schemeClr val="tx1"/>
+          </a:fontRef>
+        </p:style>
+      </p:cxnSp>
+      <p:sp>
+        <p:nvSpPr>
+          <p:cNvPr id="5" name="TextBox 4"/>
           <p:cNvSpPr txBox="1"/>
           <p:nvPr/>
         </p:nvSpPr>
         <p:spPr>
           <a:xfrm>
-            <a:off x="4000500" y="2472873"/>
-            <a:ext cx="797013" cy="769441"/>
+            <a:off x="1028595" y="437393"/>
+            <a:ext cx="3047629" cy="584775"/>
           </a:xfrm>
           <a:prstGeom prst="rect">
             <a:avLst/>
@@ -2996,95 +4109,340 @@
           </a:bodyPr>
           <a:lstStyle/>
           <a:p>
-            <a:r>
-              <a:rPr lang="en-US" altLang="ko-KR" sz="4400" spc="-300" dirty="0">
+            <a:pPr algn="ctr"/>
+            <a:r>
+              <a:rPr lang="ko-KR" altLang="en-US" sz="3200" spc="-150" dirty="0">
                 <a:solidFill>
                   <a:srgbClr val="00002F"/>
                 </a:solidFill>
-                <a:latin typeface="나눔스퀘어 Bold" panose="020B0600000101010101" pitchFamily="50" charset="-127"/>
-                <a:ea typeface="나눔스퀘어 Bold" panose="020B0600000101010101" pitchFamily="50" charset="-127"/>
-              </a:rPr>
-              <a:t>02</a:t>
-            </a:r>
-            <a:endParaRPr lang="ko-KR" altLang="en-US" sz="4400" spc="-300" dirty="0">
+                <a:latin typeface="나눔스퀘어 ExtraBold" panose="020B0600000101010101" pitchFamily="50" charset="-127"/>
+                <a:ea typeface="나눔스퀘어 ExtraBold" panose="020B0600000101010101" pitchFamily="50" charset="-127"/>
+              </a:rPr>
+              <a:t>제주도 관광객수</a:t>
+            </a:r>
+          </a:p>
+        </p:txBody>
+      </p:sp>
+      <p:sp>
+        <p:nvSpPr>
+          <p:cNvPr id="12" name="TextBox 11"/>
+          <p:cNvSpPr txBox="1"/>
+          <p:nvPr/>
+        </p:nvSpPr>
+        <p:spPr>
+          <a:xfrm>
+            <a:off x="455532" y="498947"/>
+            <a:ext cx="614271" cy="461665"/>
+          </a:xfrm>
+          <a:prstGeom prst="rect">
+            <a:avLst/>
+          </a:prstGeom>
+          <a:noFill/>
+        </p:spPr>
+        <p:txBody>
+          <a:bodyPr wrap="none" rtlCol="0">
+            <a:spAutoFit/>
+          </a:bodyPr>
+          <a:lstStyle/>
+          <a:p>
+            <a:pPr algn="ctr"/>
+            <a:r>
+              <a:rPr lang="en-US" altLang="ko-KR" sz="2400" spc="-150" dirty="0">
+                <a:solidFill>
+                  <a:srgbClr val="00002F"/>
+                </a:solidFill>
+                <a:latin typeface="나눔스퀘어 ExtraBold" panose="020B0600000101010101" pitchFamily="50" charset="-127"/>
+                <a:ea typeface="나눔스퀘어 ExtraBold" panose="020B0600000101010101" pitchFamily="50" charset="-127"/>
+              </a:rPr>
+              <a:t>01.</a:t>
+            </a:r>
+            <a:endParaRPr lang="ko-KR" altLang="en-US" sz="2400" spc="-150" dirty="0">
               <a:solidFill>
                 <a:srgbClr val="00002F"/>
               </a:solidFill>
-              <a:latin typeface="나눔스퀘어 Bold" panose="020B0600000101010101" pitchFamily="50" charset="-127"/>
-              <a:ea typeface="나눔스퀘어 Bold" panose="020B0600000101010101" pitchFamily="50" charset="-127"/>
+              <a:latin typeface="나눔스퀘어 ExtraBold" panose="020B0600000101010101" pitchFamily="50" charset="-127"/>
+              <a:ea typeface="나눔스퀘어 ExtraBold" panose="020B0600000101010101" pitchFamily="50" charset="-127"/>
             </a:endParaRPr>
           </a:p>
         </p:txBody>
       </p:sp>
-      <p:sp>
-        <p:nvSpPr>
-          <p:cNvPr id="3" name="직사각형 2"/>
-          <p:cNvSpPr/>
-          <p:nvPr/>
-        </p:nvSpPr>
-        <p:spPr>
-          <a:xfrm>
-            <a:off x="4000499" y="3169741"/>
-            <a:ext cx="4200071" cy="473345"/>
-          </a:xfrm>
-          <a:prstGeom prst="rect">
-            <a:avLst/>
-          </a:prstGeom>
-          <a:solidFill>
-            <a:srgbClr val="8DBABD"/>
-          </a:solidFill>
-          <a:ln>
+      <p:cxnSp>
+        <p:nvCxnSpPr>
+          <p:cNvPr id="7" name="직선 연결선 6"/>
+          <p:cNvCxnSpPr/>
+          <p:nvPr/>
+        </p:nvCxnSpPr>
+        <p:spPr>
+          <a:xfrm>
+            <a:off x="10430892" y="144941"/>
+            <a:ext cx="360000" cy="0"/>
+          </a:xfrm>
+          <a:prstGeom prst="line">
+            <a:avLst/>
+          </a:prstGeom>
+          <a:ln w="44450" cap="rnd">
             <a:solidFill>
               <a:srgbClr val="8DBABD"/>
             </a:solidFill>
           </a:ln>
+          <a:effectLst>
+            <a:outerShdw blurRad="50800" dist="38100" dir="5400000" algn="t" rotWithShape="0">
+              <a:prstClr val="black">
+                <a:alpha val="40000"/>
+              </a:prstClr>
+            </a:outerShdw>
+          </a:effectLst>
         </p:spPr>
         <p:style>
-          <a:lnRef idx="2">
-            <a:schemeClr val="accent1">
-              <a:shade val="50000"/>
-            </a:schemeClr>
+          <a:lnRef idx="1">
+            <a:schemeClr val="accent1"/>
           </a:lnRef>
-          <a:fillRef idx="1">
+          <a:fillRef idx="0">
             <a:schemeClr val="accent1"/>
           </a:fillRef>
           <a:effectRef idx="0">
             <a:schemeClr val="accent1"/>
           </a:effectRef>
           <a:fontRef idx="minor">
-            <a:schemeClr val="lt1"/>
+            <a:schemeClr val="tx1"/>
           </a:fontRef>
         </p:style>
-        <p:txBody>
-          <a:bodyPr rtlCol="0" anchor="ctr"/>
+      </p:cxnSp>
+      <p:cxnSp>
+        <p:nvCxnSpPr>
+          <p:cNvPr id="8" name="직선 연결선 7"/>
+          <p:cNvCxnSpPr/>
+          <p:nvPr/>
+        </p:nvCxnSpPr>
+        <p:spPr>
+          <a:xfrm>
+            <a:off x="10858459" y="144941"/>
+            <a:ext cx="360000" cy="0"/>
+          </a:xfrm>
+          <a:prstGeom prst="line">
+            <a:avLst/>
+          </a:prstGeom>
+          <a:ln w="44450" cap="rnd">
+            <a:solidFill>
+              <a:schemeClr val="bg2">
+                <a:lumMod val="90000"/>
+              </a:schemeClr>
+            </a:solidFill>
+          </a:ln>
+          <a:effectLst>
+            <a:outerShdw blurRad="50800" dist="38100" dir="5400000" algn="t" rotWithShape="0">
+              <a:prstClr val="black">
+                <a:alpha val="40000"/>
+              </a:prstClr>
+            </a:outerShdw>
+          </a:effectLst>
+        </p:spPr>
+        <p:style>
+          <a:lnRef idx="1">
+            <a:schemeClr val="accent1"/>
+          </a:lnRef>
+          <a:fillRef idx="0">
+            <a:schemeClr val="accent1"/>
+          </a:fillRef>
+          <a:effectRef idx="0">
+            <a:schemeClr val="accent1"/>
+          </a:effectRef>
+          <a:fontRef idx="minor">
+            <a:schemeClr val="tx1"/>
+          </a:fontRef>
+        </p:style>
+      </p:cxnSp>
+      <p:cxnSp>
+        <p:nvCxnSpPr>
+          <p:cNvPr id="9" name="직선 연결선 8"/>
+          <p:cNvCxnSpPr/>
+          <p:nvPr/>
+        </p:nvCxnSpPr>
+        <p:spPr>
+          <a:xfrm>
+            <a:off x="11286026" y="144941"/>
+            <a:ext cx="360000" cy="0"/>
+          </a:xfrm>
+          <a:prstGeom prst="line">
+            <a:avLst/>
+          </a:prstGeom>
+          <a:ln w="44450" cap="rnd">
+            <a:solidFill>
+              <a:schemeClr val="bg2">
+                <a:lumMod val="90000"/>
+              </a:schemeClr>
+            </a:solidFill>
+          </a:ln>
+          <a:effectLst>
+            <a:outerShdw blurRad="50800" dist="38100" dir="5400000" algn="t" rotWithShape="0">
+              <a:prstClr val="black">
+                <a:alpha val="40000"/>
+              </a:prstClr>
+            </a:outerShdw>
+          </a:effectLst>
+        </p:spPr>
+        <p:style>
+          <a:lnRef idx="1">
+            <a:schemeClr val="accent1"/>
+          </a:lnRef>
+          <a:fillRef idx="0">
+            <a:schemeClr val="accent1"/>
+          </a:fillRef>
+          <a:effectRef idx="0">
+            <a:schemeClr val="accent1"/>
+          </a:effectRef>
+          <a:fontRef idx="minor">
+            <a:schemeClr val="tx1"/>
+          </a:fontRef>
+        </p:style>
+      </p:cxnSp>
+      <p:cxnSp>
+        <p:nvCxnSpPr>
+          <p:cNvPr id="10" name="직선 연결선 9"/>
+          <p:cNvCxnSpPr/>
+          <p:nvPr/>
+        </p:nvCxnSpPr>
+        <p:spPr>
+          <a:xfrm>
+            <a:off x="11713592" y="144941"/>
+            <a:ext cx="360000" cy="0"/>
+          </a:xfrm>
+          <a:prstGeom prst="line">
+            <a:avLst/>
+          </a:prstGeom>
+          <a:ln w="44450" cap="rnd">
+            <a:solidFill>
+              <a:schemeClr val="bg2">
+                <a:lumMod val="90000"/>
+              </a:schemeClr>
+            </a:solidFill>
+          </a:ln>
+          <a:effectLst>
+            <a:outerShdw blurRad="50800" dist="38100" dir="5400000" algn="t" rotWithShape="0">
+              <a:prstClr val="black">
+                <a:alpha val="40000"/>
+              </a:prstClr>
+            </a:outerShdw>
+          </a:effectLst>
+        </p:spPr>
+        <p:style>
+          <a:lnRef idx="1">
+            <a:schemeClr val="accent1"/>
+          </a:lnRef>
+          <a:fillRef idx="0">
+            <a:schemeClr val="accent1"/>
+          </a:fillRef>
+          <a:effectRef idx="0">
+            <a:schemeClr val="accent1"/>
+          </a:effectRef>
+          <a:fontRef idx="minor">
+            <a:schemeClr val="tx1"/>
+          </a:fontRef>
+        </p:style>
+      </p:cxnSp>
+      <p:sp>
+        <p:nvSpPr>
+          <p:cNvPr id="11" name="TextBox 10"/>
+          <p:cNvSpPr txBox="1"/>
+          <p:nvPr/>
+        </p:nvSpPr>
+        <p:spPr>
+          <a:xfrm>
+            <a:off x="2693979" y="2091297"/>
+            <a:ext cx="946221" cy="584775"/>
+          </a:xfrm>
+          <a:prstGeom prst="rect">
+            <a:avLst/>
+          </a:prstGeom>
+          <a:noFill/>
+        </p:spPr>
+        <p:txBody>
+          <a:bodyPr wrap="none" rtlCol="0">
+            <a:spAutoFit/>
+          </a:bodyPr>
           <a:lstStyle/>
           <a:p>
             <a:pPr algn="ctr"/>
             <a:r>
-              <a:rPr lang="ko-KR" altLang="en-US" dirty="0">
-                <a:latin typeface="나눔스퀘어 Bold" panose="020B0600000101010101" pitchFamily="50" charset="-127"/>
-                <a:ea typeface="나눔스퀘어 Bold" panose="020B0600000101010101" pitchFamily="50" charset="-127"/>
-              </a:rPr>
-              <a:t>내용을 입력하세요</a:t>
-            </a:r>
-            <a:r>
-              <a:rPr lang="en-US" altLang="ko-KR" dirty="0">
-                <a:latin typeface="나눔스퀘어 Bold" panose="020B0600000101010101" pitchFamily="50" charset="-127"/>
-                <a:ea typeface="나눔스퀘어 Bold" panose="020B0600000101010101" pitchFamily="50" charset="-127"/>
-              </a:rPr>
-              <a:t>.</a:t>
-            </a:r>
-            <a:endParaRPr lang="ko-KR" altLang="en-US" dirty="0">
-              <a:latin typeface="나눔스퀘어 Bold" panose="020B0600000101010101" pitchFamily="50" charset="-127"/>
-              <a:ea typeface="나눔스퀘어 Bold" panose="020B0600000101010101" pitchFamily="50" charset="-127"/>
+              <a:rPr lang="en-US" altLang="ko-KR" sz="3200" spc="-150" dirty="0">
+                <a:solidFill>
+                  <a:srgbClr val="8DBABD"/>
+                </a:solidFill>
+                <a:latin typeface="나눔스퀘어 ExtraBold" panose="020B0600000101010101" pitchFamily="50" charset="-127"/>
+                <a:ea typeface="나눔스퀘어 ExtraBold" panose="020B0600000101010101" pitchFamily="50" charset="-127"/>
+              </a:rPr>
+              <a:t>Text</a:t>
+            </a:r>
+            <a:endParaRPr lang="ko-KR" altLang="en-US" sz="3200" spc="-150" dirty="0">
+              <a:solidFill>
+                <a:srgbClr val="8DBABD"/>
+              </a:solidFill>
+              <a:latin typeface="나눔스퀘어 ExtraBold" panose="020B0600000101010101" pitchFamily="50" charset="-127"/>
+              <a:ea typeface="나눔스퀘어 ExtraBold" panose="020B0600000101010101" pitchFamily="50" charset="-127"/>
             </a:endParaRPr>
+          </a:p>
+        </p:txBody>
+      </p:sp>
+      <p:sp>
+        <p:nvSpPr>
+          <p:cNvPr id="13" name="TextBox 12"/>
+          <p:cNvSpPr txBox="1"/>
+          <p:nvPr/>
+        </p:nvSpPr>
+        <p:spPr>
+          <a:xfrm>
+            <a:off x="1110894" y="1006929"/>
+            <a:ext cx="1588897" cy="369332"/>
+          </a:xfrm>
+          <a:prstGeom prst="rect">
+            <a:avLst/>
+          </a:prstGeom>
+          <a:noFill/>
+        </p:spPr>
+        <p:txBody>
+          <a:bodyPr wrap="none" rtlCol="0">
+            <a:spAutoFit/>
+          </a:bodyPr>
+          <a:lstStyle/>
+          <a:p>
+            <a:pPr algn="ctr"/>
+            <a:r>
+              <a:rPr lang="ko-KR" altLang="en-US" spc="-150" dirty="0">
+                <a:solidFill>
+                  <a:srgbClr val="00002F"/>
+                </a:solidFill>
+                <a:latin typeface="나눔스퀘어 ExtraBold" panose="020B0600000101010101" pitchFamily="50" charset="-127"/>
+                <a:ea typeface="나눔스퀘어 ExtraBold" panose="020B0600000101010101" pitchFamily="50" charset="-127"/>
+              </a:rPr>
+              <a:t>내</a:t>
+            </a:r>
+            <a:r>
+              <a:rPr lang="en-US" altLang="ko-KR" spc="-150" dirty="0">
+                <a:solidFill>
+                  <a:srgbClr val="00002F"/>
+                </a:solidFill>
+                <a:latin typeface="나눔스퀘어 ExtraBold" panose="020B0600000101010101" pitchFamily="50" charset="-127"/>
+                <a:ea typeface="나눔스퀘어 ExtraBold" panose="020B0600000101010101" pitchFamily="50" charset="-127"/>
+              </a:rPr>
+              <a:t>/</a:t>
+            </a:r>
+            <a:r>
+              <a:rPr lang="ko-KR" altLang="en-US" spc="-150" dirty="0">
+                <a:solidFill>
+                  <a:srgbClr val="00002F"/>
+                </a:solidFill>
+                <a:latin typeface="나눔스퀘어 ExtraBold" panose="020B0600000101010101" pitchFamily="50" charset="-127"/>
+                <a:ea typeface="나눔스퀘어 ExtraBold" panose="020B0600000101010101" pitchFamily="50" charset="-127"/>
+              </a:rPr>
+              <a:t>외국인 비교</a:t>
+            </a:r>
           </a:p>
         </p:txBody>
       </p:sp>
     </p:spTree>
     <p:extLst>
       <p:ext uri="{BB962C8B-B14F-4D97-AF65-F5344CB8AC3E}">
-        <p14:creationId xmlns:p14="http://schemas.microsoft.com/office/powerpoint/2010/main" val="2963228856"/>
+        <p14:creationId xmlns:p14="http://schemas.microsoft.com/office/powerpoint/2010/main" val="3415853645"/>
       </p:ext>
     </p:extLst>
   </p:cSld>
@@ -3111,75 +4469,29 @@
           <a:chExt cx="0" cy="0"/>
         </a:xfrm>
       </p:grpSpPr>
-      <p:sp>
-        <p:nvSpPr>
-          <p:cNvPr id="11" name="TextBox 10"/>
-          <p:cNvSpPr txBox="1"/>
-          <p:nvPr/>
-        </p:nvSpPr>
-        <p:spPr>
-          <a:xfrm>
-            <a:off x="2693979" y="2091297"/>
-            <a:ext cx="946221" cy="584775"/>
-          </a:xfrm>
-          <a:prstGeom prst="rect">
-            <a:avLst/>
-          </a:prstGeom>
-          <a:noFill/>
-        </p:spPr>
-        <p:txBody>
-          <a:bodyPr wrap="none" rtlCol="0">
-            <a:spAutoFit/>
-          </a:bodyPr>
-          <a:lstStyle/>
-          <a:p>
-            <a:pPr algn="ctr"/>
-            <a:r>
-              <a:rPr lang="en-US" altLang="ko-KR" sz="3200" spc="-150" dirty="0">
-                <a:solidFill>
-                  <a:srgbClr val="8DBABD"/>
-                </a:solidFill>
-                <a:latin typeface="나눔스퀘어 ExtraBold" panose="020B0600000101010101" pitchFamily="50" charset="-127"/>
-                <a:ea typeface="나눔스퀘어 ExtraBold" panose="020B0600000101010101" pitchFamily="50" charset="-127"/>
-              </a:rPr>
-              <a:t>Text</a:t>
-            </a:r>
-            <a:endParaRPr lang="ko-KR" altLang="en-US" sz="3200" spc="-150" dirty="0">
-              <a:solidFill>
-                <a:srgbClr val="8DBABD"/>
-              </a:solidFill>
-              <a:latin typeface="나눔스퀘어 ExtraBold" panose="020B0600000101010101" pitchFamily="50" charset="-127"/>
-              <a:ea typeface="나눔스퀘어 ExtraBold" panose="020B0600000101010101" pitchFamily="50" charset="-127"/>
-            </a:endParaRPr>
-          </a:p>
-        </p:txBody>
-      </p:sp>
       <p:cxnSp>
         <p:nvCxnSpPr>
-          <p:cNvPr id="14" name="직선 연결선 13"/>
-          <p:cNvCxnSpPr/>
+          <p:cNvPr id="4" name="직선 연결선 3"/>
+          <p:cNvCxnSpPr>
+            <a:cxnSpLocks/>
+          </p:cNvCxnSpPr>
           <p:nvPr/>
         </p:nvCxnSpPr>
         <p:spPr>
           <a:xfrm>
-            <a:off x="10430892" y="144941"/>
-            <a:ext cx="360000" cy="0"/>
+            <a:off x="1242422" y="989148"/>
+            <a:ext cx="2618378" cy="0"/>
           </a:xfrm>
           <a:prstGeom prst="line">
             <a:avLst/>
           </a:prstGeom>
-          <a:ln w="44450" cap="rnd">
+          <a:ln>
             <a:solidFill>
-              <a:srgbClr val="D0CECE"/>
+              <a:schemeClr val="bg1">
+                <a:lumMod val="50000"/>
+              </a:schemeClr>
             </a:solidFill>
           </a:ln>
-          <a:effectLst>
-            <a:outerShdw blurRad="50800" dist="38100" dir="5400000" algn="t" rotWithShape="0">
-              <a:prstClr val="black">
-                <a:alpha val="40000"/>
-              </a:prstClr>
-            </a:outerShdw>
-          </a:effectLst>
         </p:spPr>
         <p:style>
           <a:lnRef idx="1">
@@ -3196,15 +4508,94 @@
           </a:fontRef>
         </p:style>
       </p:cxnSp>
+      <p:sp>
+        <p:nvSpPr>
+          <p:cNvPr id="5" name="TextBox 4"/>
+          <p:cNvSpPr txBox="1"/>
+          <p:nvPr/>
+        </p:nvSpPr>
+        <p:spPr>
+          <a:xfrm>
+            <a:off x="1028595" y="437393"/>
+            <a:ext cx="3047629" cy="584775"/>
+          </a:xfrm>
+          <a:prstGeom prst="rect">
+            <a:avLst/>
+          </a:prstGeom>
+          <a:noFill/>
+        </p:spPr>
+        <p:txBody>
+          <a:bodyPr wrap="none" rtlCol="0">
+            <a:spAutoFit/>
+          </a:bodyPr>
+          <a:lstStyle/>
+          <a:p>
+            <a:pPr algn="ctr"/>
+            <a:r>
+              <a:rPr lang="ko-KR" altLang="en-US" sz="3200" spc="-150" dirty="0">
+                <a:solidFill>
+                  <a:srgbClr val="00002F"/>
+                </a:solidFill>
+                <a:latin typeface="나눔스퀘어 ExtraBold" panose="020B0600000101010101" pitchFamily="50" charset="-127"/>
+                <a:ea typeface="나눔스퀘어 ExtraBold" panose="020B0600000101010101" pitchFamily="50" charset="-127"/>
+              </a:rPr>
+              <a:t>제주도 관광객수</a:t>
+            </a:r>
+          </a:p>
+        </p:txBody>
+      </p:sp>
+      <p:sp>
+        <p:nvSpPr>
+          <p:cNvPr id="12" name="TextBox 11"/>
+          <p:cNvSpPr txBox="1"/>
+          <p:nvPr/>
+        </p:nvSpPr>
+        <p:spPr>
+          <a:xfrm>
+            <a:off x="455532" y="498947"/>
+            <a:ext cx="614271" cy="461665"/>
+          </a:xfrm>
+          <a:prstGeom prst="rect">
+            <a:avLst/>
+          </a:prstGeom>
+          <a:noFill/>
+        </p:spPr>
+        <p:txBody>
+          <a:bodyPr wrap="none" rtlCol="0">
+            <a:spAutoFit/>
+          </a:bodyPr>
+          <a:lstStyle/>
+          <a:p>
+            <a:pPr algn="ctr"/>
+            <a:r>
+              <a:rPr lang="en-US" altLang="ko-KR" sz="2400" spc="-150" dirty="0">
+                <a:solidFill>
+                  <a:srgbClr val="00002F"/>
+                </a:solidFill>
+                <a:latin typeface="나눔스퀘어 ExtraBold" panose="020B0600000101010101" pitchFamily="50" charset="-127"/>
+                <a:ea typeface="나눔스퀘어 ExtraBold" panose="020B0600000101010101" pitchFamily="50" charset="-127"/>
+              </a:rPr>
+              <a:t>01.</a:t>
+            </a:r>
+            <a:endParaRPr lang="ko-KR" altLang="en-US" sz="2400" spc="-150" dirty="0">
+              <a:solidFill>
+                <a:srgbClr val="00002F"/>
+              </a:solidFill>
+              <a:latin typeface="나눔스퀘어 ExtraBold" panose="020B0600000101010101" pitchFamily="50" charset="-127"/>
+              <a:ea typeface="나눔스퀘어 ExtraBold" panose="020B0600000101010101" pitchFamily="50" charset="-127"/>
+            </a:endParaRPr>
+          </a:p>
+        </p:txBody>
+      </p:sp>
       <p:cxnSp>
         <p:nvCxnSpPr>
-          <p:cNvPr id="15" name="직선 연결선 14"/>
+          <p:cNvPr id="7" name="직선 연결선 6"/>
           <p:cNvCxnSpPr/>
           <p:nvPr/>
         </p:nvCxnSpPr>
         <p:spPr>
           <a:xfrm>
-            <a:off x="10858459" y="144941"/>
+            <a:off x="10430892" y="144941"/>
             <a:ext cx="360000" cy="0"/>
           </a:xfrm>
           <a:prstGeom prst="line">
@@ -3240,13 +4631,13 @@
       </p:cxnSp>
       <p:cxnSp>
         <p:nvCxnSpPr>
-          <p:cNvPr id="16" name="직선 연결선 15"/>
+          <p:cNvPr id="8" name="직선 연결선 7"/>
           <p:cNvCxnSpPr/>
           <p:nvPr/>
         </p:nvCxnSpPr>
         <p:spPr>
           <a:xfrm>
-            <a:off x="11286026" y="144941"/>
+            <a:off x="10858459" y="144941"/>
             <a:ext cx="360000" cy="0"/>
           </a:xfrm>
           <a:prstGeom prst="line">
@@ -3284,13 +4675,13 @@
       </p:cxnSp>
       <p:cxnSp>
         <p:nvCxnSpPr>
-          <p:cNvPr id="17" name="직선 연결선 16"/>
+          <p:cNvPr id="9" name="직선 연결선 8"/>
           <p:cNvCxnSpPr/>
           <p:nvPr/>
         </p:nvCxnSpPr>
         <p:spPr>
           <a:xfrm>
-            <a:off x="11713592" y="144941"/>
+            <a:off x="11286026" y="144941"/>
             <a:ext cx="360000" cy="0"/>
           </a:xfrm>
           <a:prstGeom prst="line">
@@ -3328,25 +4719,32 @@
       </p:cxnSp>
       <p:cxnSp>
         <p:nvCxnSpPr>
-          <p:cNvPr id="18" name="직선 연결선 17"/>
+          <p:cNvPr id="10" name="직선 연결선 9"/>
           <p:cNvCxnSpPr/>
           <p:nvPr/>
         </p:nvCxnSpPr>
         <p:spPr>
           <a:xfrm>
-            <a:off x="1026522" y="989148"/>
-            <a:ext cx="2160000" cy="0"/>
+            <a:off x="11713592" y="144941"/>
+            <a:ext cx="360000" cy="0"/>
           </a:xfrm>
           <a:prstGeom prst="line">
             <a:avLst/>
           </a:prstGeom>
-          <a:ln>
+          <a:ln w="44450" cap="rnd">
             <a:solidFill>
-              <a:schemeClr val="bg1">
-                <a:lumMod val="50000"/>
+              <a:schemeClr val="bg2">
+                <a:lumMod val="90000"/>
               </a:schemeClr>
             </a:solidFill>
           </a:ln>
+          <a:effectLst>
+            <a:outerShdw blurRad="50800" dist="38100" dir="5400000" algn="t" rotWithShape="0">
+              <a:prstClr val="black">
+                <a:alpha val="40000"/>
+              </a:prstClr>
+            </a:outerShdw>
+          </a:effectLst>
         </p:spPr>
         <p:style>
           <a:lnRef idx="1">
@@ -3365,14 +4763,14 @@
       </p:cxnSp>
       <p:sp>
         <p:nvSpPr>
-          <p:cNvPr id="19" name="TextBox 18"/>
+          <p:cNvPr id="11" name="TextBox 10"/>
           <p:cNvSpPr txBox="1"/>
           <p:nvPr/>
         </p:nvSpPr>
         <p:spPr>
           <a:xfrm>
-            <a:off x="1026522" y="437393"/>
-            <a:ext cx="2162773" cy="584775"/>
+            <a:off x="2693979" y="2091297"/>
+            <a:ext cx="946221" cy="584775"/>
           </a:xfrm>
           <a:prstGeom prst="rect">
             <a:avLst/>
@@ -3388,114 +4786,64 @@
             <a:pPr algn="ctr"/>
             <a:r>
               <a:rPr lang="en-US" altLang="ko-KR" sz="3200" spc="-150" dirty="0">
+                <a:solidFill>
+                  <a:srgbClr val="8DBABD"/>
+                </a:solidFill>
+                <a:latin typeface="나눔스퀘어 ExtraBold" panose="020B0600000101010101" pitchFamily="50" charset="-127"/>
+                <a:ea typeface="나눔스퀘어 ExtraBold" panose="020B0600000101010101" pitchFamily="50" charset="-127"/>
+              </a:rPr>
+              <a:t>Text</a:t>
+            </a:r>
+            <a:endParaRPr lang="ko-KR" altLang="en-US" sz="3200" spc="-150" dirty="0">
+              <a:solidFill>
+                <a:srgbClr val="8DBABD"/>
+              </a:solidFill>
+              <a:latin typeface="나눔스퀘어 ExtraBold" panose="020B0600000101010101" pitchFamily="50" charset="-127"/>
+              <a:ea typeface="나눔스퀘어 ExtraBold" panose="020B0600000101010101" pitchFamily="50" charset="-127"/>
+            </a:endParaRPr>
+          </a:p>
+        </p:txBody>
+      </p:sp>
+      <p:sp>
+        <p:nvSpPr>
+          <p:cNvPr id="13" name="TextBox 12"/>
+          <p:cNvSpPr txBox="1"/>
+          <p:nvPr/>
+        </p:nvSpPr>
+        <p:spPr>
+          <a:xfrm>
+            <a:off x="1065009" y="1006929"/>
+            <a:ext cx="2214068" cy="369332"/>
+          </a:xfrm>
+          <a:prstGeom prst="rect">
+            <a:avLst/>
+          </a:prstGeom>
+          <a:noFill/>
+        </p:spPr>
+        <p:txBody>
+          <a:bodyPr wrap="none" rtlCol="0">
+            <a:spAutoFit/>
+          </a:bodyPr>
+          <a:lstStyle/>
+          <a:p>
+            <a:pPr algn="ctr"/>
+            <a:r>
+              <a:rPr lang="ko-KR" altLang="en-US" spc="-150" dirty="0">
                 <a:solidFill>
                   <a:srgbClr val="00002F"/>
                 </a:solidFill>
                 <a:latin typeface="나눔스퀘어 ExtraBold" panose="020B0600000101010101" pitchFamily="50" charset="-127"/>
                 <a:ea typeface="나눔스퀘어 ExtraBold" panose="020B0600000101010101" pitchFamily="50" charset="-127"/>
               </a:rPr>
-              <a:t>CONTENTS</a:t>
-            </a:r>
-            <a:endParaRPr lang="ko-KR" altLang="en-US" sz="3200" spc="-150" dirty="0">
-              <a:solidFill>
-                <a:srgbClr val="00002F"/>
-              </a:solidFill>
-              <a:latin typeface="나눔스퀘어 ExtraBold" panose="020B0600000101010101" pitchFamily="50" charset="-127"/>
-              <a:ea typeface="나눔스퀘어 ExtraBold" panose="020B0600000101010101" pitchFamily="50" charset="-127"/>
-            </a:endParaRPr>
-          </a:p>
-        </p:txBody>
-      </p:sp>
-      <p:sp>
-        <p:nvSpPr>
-          <p:cNvPr id="20" name="TextBox 19"/>
-          <p:cNvSpPr txBox="1"/>
-          <p:nvPr/>
-        </p:nvSpPr>
-        <p:spPr>
-          <a:xfrm>
-            <a:off x="455532" y="498947"/>
-            <a:ext cx="614271" cy="461665"/>
-          </a:xfrm>
-          <a:prstGeom prst="rect">
-            <a:avLst/>
-          </a:prstGeom>
-          <a:noFill/>
-        </p:spPr>
-        <p:txBody>
-          <a:bodyPr wrap="none" rtlCol="0">
-            <a:spAutoFit/>
-          </a:bodyPr>
-          <a:lstStyle/>
-          <a:p>
-            <a:pPr algn="ctr"/>
-            <a:r>
-              <a:rPr lang="en-US" altLang="ko-KR" sz="2400" spc="-150" dirty="0">
-                <a:solidFill>
-                  <a:srgbClr val="00002F"/>
-                </a:solidFill>
-                <a:latin typeface="나눔스퀘어 ExtraBold" panose="020B0600000101010101" pitchFamily="50" charset="-127"/>
-                <a:ea typeface="나눔스퀘어 ExtraBold" panose="020B0600000101010101" pitchFamily="50" charset="-127"/>
-              </a:rPr>
-              <a:t>02.</a:t>
-            </a:r>
-            <a:endParaRPr lang="ko-KR" altLang="en-US" sz="2400" spc="-150" dirty="0">
-              <a:solidFill>
-                <a:srgbClr val="00002F"/>
-              </a:solidFill>
-              <a:latin typeface="나눔스퀘어 ExtraBold" panose="020B0600000101010101" pitchFamily="50" charset="-127"/>
-              <a:ea typeface="나눔스퀘어 ExtraBold" panose="020B0600000101010101" pitchFamily="50" charset="-127"/>
-            </a:endParaRPr>
-          </a:p>
-        </p:txBody>
-      </p:sp>
-      <p:sp>
-        <p:nvSpPr>
-          <p:cNvPr id="21" name="TextBox 20"/>
-          <p:cNvSpPr txBox="1"/>
-          <p:nvPr/>
-        </p:nvSpPr>
-        <p:spPr>
-          <a:xfrm>
-            <a:off x="1069803" y="1006929"/>
-            <a:ext cx="578876" cy="369332"/>
-          </a:xfrm>
-          <a:prstGeom prst="rect">
-            <a:avLst/>
-          </a:prstGeom>
-          <a:noFill/>
-        </p:spPr>
-        <p:txBody>
-          <a:bodyPr wrap="none" rtlCol="0">
-            <a:spAutoFit/>
-          </a:bodyPr>
-          <a:lstStyle/>
-          <a:p>
-            <a:pPr algn="ctr"/>
-            <a:r>
-              <a:rPr lang="en-US" altLang="ko-KR" spc="-150" dirty="0">
-                <a:solidFill>
-                  <a:srgbClr val="00002F"/>
-                </a:solidFill>
-                <a:latin typeface="나눔스퀘어 ExtraBold" panose="020B0600000101010101" pitchFamily="50" charset="-127"/>
-                <a:ea typeface="나눔스퀘어 ExtraBold" panose="020B0600000101010101" pitchFamily="50" charset="-127"/>
-              </a:rPr>
-              <a:t>Text</a:t>
-            </a:r>
-            <a:endParaRPr lang="ko-KR" altLang="en-US" spc="-150" dirty="0">
-              <a:solidFill>
-                <a:srgbClr val="00002F"/>
-              </a:solidFill>
-              <a:latin typeface="나눔스퀘어 ExtraBold" panose="020B0600000101010101" pitchFamily="50" charset="-127"/>
-              <a:ea typeface="나눔스퀘어 ExtraBold" panose="020B0600000101010101" pitchFamily="50" charset="-127"/>
-            </a:endParaRPr>
+              <a:t>외국인 관광객 세분화</a:t>
+            </a:r>
           </a:p>
         </p:txBody>
       </p:sp>
     </p:spTree>
     <p:extLst>
       <p:ext uri="{BB962C8B-B14F-4D97-AF65-F5344CB8AC3E}">
-        <p14:creationId xmlns:p14="http://schemas.microsoft.com/office/powerpoint/2010/main" val="2825203591"/>
+        <p14:creationId xmlns:p14="http://schemas.microsoft.com/office/powerpoint/2010/main" val="3338470855"/>
       </p:ext>
     </p:extLst>
   </p:cSld>
@@ -3552,7 +4900,7 @@
                 <a:latin typeface="나눔스퀘어 Bold" panose="020B0600000101010101" pitchFamily="50" charset="-127"/>
                 <a:ea typeface="나눔스퀘어 Bold" panose="020B0600000101010101" pitchFamily="50" charset="-127"/>
               </a:rPr>
-              <a:t>03</a:t>
+              <a:t>02</a:t>
             </a:r>
             <a:endParaRPr lang="ko-KR" altLang="en-US" sz="4400" spc="-300" dirty="0">
               <a:solidFill>
@@ -3613,26 +4961,15 @@
                 <a:latin typeface="나눔스퀘어 Bold" panose="020B0600000101010101" pitchFamily="50" charset="-127"/>
                 <a:ea typeface="나눔스퀘어 Bold" panose="020B0600000101010101" pitchFamily="50" charset="-127"/>
               </a:rPr>
-              <a:t>내용을 입력하세요</a:t>
-            </a:r>
-            <a:r>
-              <a:rPr lang="en-US" altLang="ko-KR" dirty="0">
-                <a:latin typeface="나눔스퀘어 Bold" panose="020B0600000101010101" pitchFamily="50" charset="-127"/>
-                <a:ea typeface="나눔스퀘어 Bold" panose="020B0600000101010101" pitchFamily="50" charset="-127"/>
-              </a:rPr>
-              <a:t>.</a:t>
-            </a:r>
-            <a:endParaRPr lang="ko-KR" altLang="en-US" dirty="0">
-              <a:latin typeface="나눔스퀘어 Bold" panose="020B0600000101010101" pitchFamily="50" charset="-127"/>
-              <a:ea typeface="나눔스퀘어 Bold" panose="020B0600000101010101" pitchFamily="50" charset="-127"/>
-            </a:endParaRPr>
+              <a:t>외부요인</a:t>
+            </a:r>
           </a:p>
         </p:txBody>
       </p:sp>
     </p:spTree>
     <p:extLst>
       <p:ext uri="{BB962C8B-B14F-4D97-AF65-F5344CB8AC3E}">
-        <p14:creationId xmlns:p14="http://schemas.microsoft.com/office/powerpoint/2010/main" val="244040977"/>
+        <p14:creationId xmlns:p14="http://schemas.microsoft.com/office/powerpoint/2010/main" val="2963228856"/>
       </p:ext>
     </p:extLst>
   </p:cSld>
@@ -3760,9 +5097,7 @@
           </a:prstGeom>
           <a:ln w="44450" cap="rnd">
             <a:solidFill>
-              <a:schemeClr val="bg2">
-                <a:lumMod val="90000"/>
-              </a:schemeClr>
+              <a:srgbClr val="8DBABD"/>
             </a:solidFill>
           </a:ln>
           <a:effectLst>
@@ -3797,48 +5132,6 @@
         <p:spPr>
           <a:xfrm>
             <a:off x="11286026" y="144941"/>
-            <a:ext cx="360000" cy="0"/>
-          </a:xfrm>
-          <a:prstGeom prst="line">
-            <a:avLst/>
-          </a:prstGeom>
-          <a:ln w="44450" cap="rnd">
-            <a:solidFill>
-              <a:srgbClr val="8DBABD"/>
-            </a:solidFill>
-          </a:ln>
-          <a:effectLst>
-            <a:outerShdw blurRad="50800" dist="38100" dir="5400000" algn="t" rotWithShape="0">
-              <a:prstClr val="black">
-                <a:alpha val="40000"/>
-              </a:prstClr>
-            </a:outerShdw>
-          </a:effectLst>
-        </p:spPr>
-        <p:style>
-          <a:lnRef idx="1">
-            <a:schemeClr val="accent1"/>
-          </a:lnRef>
-          <a:fillRef idx="0">
-            <a:schemeClr val="accent1"/>
-          </a:fillRef>
-          <a:effectRef idx="0">
-            <a:schemeClr val="accent1"/>
-          </a:effectRef>
-          <a:fontRef idx="minor">
-            <a:schemeClr val="tx1"/>
-          </a:fontRef>
-        </p:style>
-      </p:cxnSp>
-      <p:cxnSp>
-        <p:nvCxnSpPr>
-          <p:cNvPr id="17" name="직선 연결선 16"/>
-          <p:cNvCxnSpPr/>
-          <p:nvPr/>
-        </p:nvCxnSpPr>
-        <p:spPr>
-          <a:xfrm>
-            <a:off x="11713592" y="144941"/>
             <a:ext cx="360000" cy="0"/>
           </a:xfrm>
           <a:prstGeom prst="line">
@@ -3876,6 +5169,50 @@
       </p:cxnSp>
       <p:cxnSp>
         <p:nvCxnSpPr>
+          <p:cNvPr id="17" name="직선 연결선 16"/>
+          <p:cNvCxnSpPr/>
+          <p:nvPr/>
+        </p:nvCxnSpPr>
+        <p:spPr>
+          <a:xfrm>
+            <a:off x="11713592" y="144941"/>
+            <a:ext cx="360000" cy="0"/>
+          </a:xfrm>
+          <a:prstGeom prst="line">
+            <a:avLst/>
+          </a:prstGeom>
+          <a:ln w="44450" cap="rnd">
+            <a:solidFill>
+              <a:schemeClr val="bg2">
+                <a:lumMod val="90000"/>
+              </a:schemeClr>
+            </a:solidFill>
+          </a:ln>
+          <a:effectLst>
+            <a:outerShdw blurRad="50800" dist="38100" dir="5400000" algn="t" rotWithShape="0">
+              <a:prstClr val="black">
+                <a:alpha val="40000"/>
+              </a:prstClr>
+            </a:outerShdw>
+          </a:effectLst>
+        </p:spPr>
+        <p:style>
+          <a:lnRef idx="1">
+            <a:schemeClr val="accent1"/>
+          </a:lnRef>
+          <a:fillRef idx="0">
+            <a:schemeClr val="accent1"/>
+          </a:fillRef>
+          <a:effectRef idx="0">
+            <a:schemeClr val="accent1"/>
+          </a:effectRef>
+          <a:fontRef idx="minor">
+            <a:schemeClr val="tx1"/>
+          </a:fontRef>
+        </p:style>
+      </p:cxnSp>
+      <p:cxnSp>
+        <p:nvCxnSpPr>
           <p:cNvPr id="18" name="직선 연결선 17"/>
           <p:cNvCxnSpPr/>
           <p:nvPr/>
@@ -3919,8 +5256,8 @@
         </p:nvSpPr>
         <p:spPr>
           <a:xfrm>
-            <a:off x="1026522" y="437393"/>
-            <a:ext cx="2162773" cy="584775"/>
+            <a:off x="1233310" y="437393"/>
+            <a:ext cx="1749197" cy="584775"/>
           </a:xfrm>
           <a:prstGeom prst="rect">
             <a:avLst/>
@@ -3935,22 +5272,15 @@
           <a:p>
             <a:pPr algn="ctr"/>
             <a:r>
-              <a:rPr lang="en-US" altLang="ko-KR" sz="3200" spc="-150" dirty="0">
+              <a:rPr lang="ko-KR" altLang="en-US" sz="3200" spc="-150" dirty="0">
                 <a:solidFill>
                   <a:srgbClr val="00002F"/>
                 </a:solidFill>
                 <a:latin typeface="나눔스퀘어 ExtraBold" panose="020B0600000101010101" pitchFamily="50" charset="-127"/>
                 <a:ea typeface="나눔스퀘어 ExtraBold" panose="020B0600000101010101" pitchFamily="50" charset="-127"/>
               </a:rPr>
-              <a:t>CONTENTS</a:t>
-            </a:r>
-            <a:endParaRPr lang="ko-KR" altLang="en-US" sz="3200" spc="-150" dirty="0">
-              <a:solidFill>
-                <a:srgbClr val="00002F"/>
-              </a:solidFill>
-              <a:latin typeface="나눔스퀘어 ExtraBold" panose="020B0600000101010101" pitchFamily="50" charset="-127"/>
-              <a:ea typeface="나눔스퀘어 ExtraBold" panose="020B0600000101010101" pitchFamily="50" charset="-127"/>
-            </a:endParaRPr>
+              <a:t>외부요인</a:t>
+            </a:r>
           </a:p>
         </p:txBody>
       </p:sp>
@@ -3985,7 +5315,7 @@
                 <a:latin typeface="나눔스퀘어 ExtraBold" panose="020B0600000101010101" pitchFamily="50" charset="-127"/>
                 <a:ea typeface="나눔스퀘어 ExtraBold" panose="020B0600000101010101" pitchFamily="50" charset="-127"/>
               </a:rPr>
-              <a:t>03.</a:t>
+              <a:t>02.</a:t>
             </a:r>
             <a:endParaRPr lang="ko-KR" altLang="en-US" sz="2400" spc="-150" dirty="0">
               <a:solidFill>
@@ -4005,8 +5335,8 @@
         </p:nvSpPr>
         <p:spPr>
           <a:xfrm>
-            <a:off x="1069803" y="1006929"/>
-            <a:ext cx="578876" cy="369332"/>
+            <a:off x="1043807" y="1006929"/>
+            <a:ext cx="2002472" cy="369332"/>
           </a:xfrm>
           <a:prstGeom prst="rect">
             <a:avLst/>
@@ -4021,29 +5351,22 @@
           <a:p>
             <a:pPr algn="ctr"/>
             <a:r>
-              <a:rPr lang="en-US" altLang="ko-KR" spc="-150" dirty="0">
+              <a:rPr lang="ko-KR" altLang="en-US" spc="-150" dirty="0">
                 <a:solidFill>
                   <a:srgbClr val="00002F"/>
                 </a:solidFill>
                 <a:latin typeface="나눔스퀘어 ExtraBold" panose="020B0600000101010101" pitchFamily="50" charset="-127"/>
                 <a:ea typeface="나눔스퀘어 ExtraBold" panose="020B0600000101010101" pitchFamily="50" charset="-127"/>
               </a:rPr>
-              <a:t>Text</a:t>
-            </a:r>
-            <a:endParaRPr lang="ko-KR" altLang="en-US" spc="-150" dirty="0">
-              <a:solidFill>
-                <a:srgbClr val="00002F"/>
-              </a:solidFill>
-              <a:latin typeface="나눔스퀘어 ExtraBold" panose="020B0600000101010101" pitchFamily="50" charset="-127"/>
-              <a:ea typeface="나눔스퀘어 ExtraBold" panose="020B0600000101010101" pitchFamily="50" charset="-127"/>
-            </a:endParaRPr>
+              <a:t>외국인 관광객 영향</a:t>
+            </a:r>
           </a:p>
         </p:txBody>
       </p:sp>
     </p:spTree>
     <p:extLst>
       <p:ext uri="{BB962C8B-B14F-4D97-AF65-F5344CB8AC3E}">
-        <p14:creationId xmlns:p14="http://schemas.microsoft.com/office/powerpoint/2010/main" val="1531280797"/>
+        <p14:creationId xmlns:p14="http://schemas.microsoft.com/office/powerpoint/2010/main" val="2825203591"/>
       </p:ext>
     </p:extLst>
   </p:cSld>
@@ -4072,14 +5395,14 @@
       </p:grpSpPr>
       <p:sp>
         <p:nvSpPr>
-          <p:cNvPr id="2" name="TextBox 1"/>
+          <p:cNvPr id="11" name="TextBox 10"/>
           <p:cNvSpPr txBox="1"/>
           <p:nvPr/>
         </p:nvSpPr>
         <p:spPr>
           <a:xfrm>
-            <a:off x="4000500" y="2472873"/>
-            <a:ext cx="797013" cy="769441"/>
+            <a:off x="2693979" y="2091297"/>
+            <a:ext cx="946221" cy="584775"/>
           </a:xfrm>
           <a:prstGeom prst="rect">
             <a:avLst/>
@@ -4092,95 +5415,362 @@
           </a:bodyPr>
           <a:lstStyle/>
           <a:p>
-            <a:r>
-              <a:rPr lang="en-US" altLang="ko-KR" sz="4400" spc="-300" dirty="0">
+            <a:pPr algn="ctr"/>
+            <a:r>
+              <a:rPr lang="en-US" altLang="ko-KR" sz="3200" spc="-150" dirty="0">
                 <a:solidFill>
-                  <a:srgbClr val="00002F"/>
+                  <a:srgbClr val="8DBABD"/>
                 </a:solidFill>
-                <a:latin typeface="나눔스퀘어 Bold" panose="020B0600000101010101" pitchFamily="50" charset="-127"/>
-                <a:ea typeface="나눔스퀘어 Bold" panose="020B0600000101010101" pitchFamily="50" charset="-127"/>
-              </a:rPr>
-              <a:t>04</a:t>
-            </a:r>
-            <a:endParaRPr lang="ko-KR" altLang="en-US" sz="4400" spc="-300" dirty="0">
+                <a:latin typeface="나눔스퀘어 ExtraBold" panose="020B0600000101010101" pitchFamily="50" charset="-127"/>
+                <a:ea typeface="나눔스퀘어 ExtraBold" panose="020B0600000101010101" pitchFamily="50" charset="-127"/>
+              </a:rPr>
+              <a:t>Text</a:t>
+            </a:r>
+            <a:endParaRPr lang="ko-KR" altLang="en-US" sz="3200" spc="-150" dirty="0">
               <a:solidFill>
-                <a:srgbClr val="00002F"/>
+                <a:srgbClr val="8DBABD"/>
               </a:solidFill>
-              <a:latin typeface="나눔스퀘어 Bold" panose="020B0600000101010101" pitchFamily="50" charset="-127"/>
-              <a:ea typeface="나눔스퀘어 Bold" panose="020B0600000101010101" pitchFamily="50" charset="-127"/>
+              <a:latin typeface="나눔스퀘어 ExtraBold" panose="020B0600000101010101" pitchFamily="50" charset="-127"/>
+              <a:ea typeface="나눔스퀘어 ExtraBold" panose="020B0600000101010101" pitchFamily="50" charset="-127"/>
             </a:endParaRPr>
           </a:p>
         </p:txBody>
       </p:sp>
-      <p:sp>
-        <p:nvSpPr>
-          <p:cNvPr id="3" name="직사각형 2"/>
-          <p:cNvSpPr/>
-          <p:nvPr/>
-        </p:nvSpPr>
-        <p:spPr>
-          <a:xfrm>
-            <a:off x="4000499" y="3169741"/>
-            <a:ext cx="4200071" cy="473345"/>
-          </a:xfrm>
-          <a:prstGeom prst="rect">
-            <a:avLst/>
-          </a:prstGeom>
-          <a:solidFill>
-            <a:srgbClr val="8DBABD"/>
-          </a:solidFill>
-          <a:ln>
+      <p:cxnSp>
+        <p:nvCxnSpPr>
+          <p:cNvPr id="14" name="직선 연결선 13"/>
+          <p:cNvCxnSpPr/>
+          <p:nvPr/>
+        </p:nvCxnSpPr>
+        <p:spPr>
+          <a:xfrm>
+            <a:off x="10430892" y="144941"/>
+            <a:ext cx="360000" cy="0"/>
+          </a:xfrm>
+          <a:prstGeom prst="line">
+            <a:avLst/>
+          </a:prstGeom>
+          <a:ln w="44450" cap="rnd">
+            <a:solidFill>
+              <a:srgbClr val="D0CECE"/>
+            </a:solidFill>
+          </a:ln>
+          <a:effectLst>
+            <a:outerShdw blurRad="50800" dist="38100" dir="5400000" algn="t" rotWithShape="0">
+              <a:prstClr val="black">
+                <a:alpha val="40000"/>
+              </a:prstClr>
+            </a:outerShdw>
+          </a:effectLst>
+        </p:spPr>
+        <p:style>
+          <a:lnRef idx="1">
+            <a:schemeClr val="accent1"/>
+          </a:lnRef>
+          <a:fillRef idx="0">
+            <a:schemeClr val="accent1"/>
+          </a:fillRef>
+          <a:effectRef idx="0">
+            <a:schemeClr val="accent1"/>
+          </a:effectRef>
+          <a:fontRef idx="minor">
+            <a:schemeClr val="tx1"/>
+          </a:fontRef>
+        </p:style>
+      </p:cxnSp>
+      <p:cxnSp>
+        <p:nvCxnSpPr>
+          <p:cNvPr id="15" name="직선 연결선 14"/>
+          <p:cNvCxnSpPr/>
+          <p:nvPr/>
+        </p:nvCxnSpPr>
+        <p:spPr>
+          <a:xfrm>
+            <a:off x="10858459" y="144941"/>
+            <a:ext cx="360000" cy="0"/>
+          </a:xfrm>
+          <a:prstGeom prst="line">
+            <a:avLst/>
+          </a:prstGeom>
+          <a:ln w="44450" cap="rnd">
             <a:solidFill>
               <a:srgbClr val="8DBABD"/>
             </a:solidFill>
           </a:ln>
+          <a:effectLst>
+            <a:outerShdw blurRad="50800" dist="38100" dir="5400000" algn="t" rotWithShape="0">
+              <a:prstClr val="black">
+                <a:alpha val="40000"/>
+              </a:prstClr>
+            </a:outerShdw>
+          </a:effectLst>
         </p:spPr>
         <p:style>
-          <a:lnRef idx="2">
-            <a:schemeClr val="accent1">
-              <a:shade val="50000"/>
-            </a:schemeClr>
+          <a:lnRef idx="1">
+            <a:schemeClr val="accent1"/>
           </a:lnRef>
-          <a:fillRef idx="1">
+          <a:fillRef idx="0">
             <a:schemeClr val="accent1"/>
           </a:fillRef>
           <a:effectRef idx="0">
             <a:schemeClr val="accent1"/>
           </a:effectRef>
           <a:fontRef idx="minor">
-            <a:schemeClr val="lt1"/>
+            <a:schemeClr val="tx1"/>
           </a:fontRef>
         </p:style>
-        <p:txBody>
-          <a:bodyPr rtlCol="0" anchor="ctr"/>
+      </p:cxnSp>
+      <p:cxnSp>
+        <p:nvCxnSpPr>
+          <p:cNvPr id="16" name="직선 연결선 15"/>
+          <p:cNvCxnSpPr/>
+          <p:nvPr/>
+        </p:nvCxnSpPr>
+        <p:spPr>
+          <a:xfrm>
+            <a:off x="11286026" y="144941"/>
+            <a:ext cx="360000" cy="0"/>
+          </a:xfrm>
+          <a:prstGeom prst="line">
+            <a:avLst/>
+          </a:prstGeom>
+          <a:ln w="44450" cap="rnd">
+            <a:solidFill>
+              <a:schemeClr val="bg2">
+                <a:lumMod val="90000"/>
+              </a:schemeClr>
+            </a:solidFill>
+          </a:ln>
+          <a:effectLst>
+            <a:outerShdw blurRad="50800" dist="38100" dir="5400000" algn="t" rotWithShape="0">
+              <a:prstClr val="black">
+                <a:alpha val="40000"/>
+              </a:prstClr>
+            </a:outerShdw>
+          </a:effectLst>
+        </p:spPr>
+        <p:style>
+          <a:lnRef idx="1">
+            <a:schemeClr val="accent1"/>
+          </a:lnRef>
+          <a:fillRef idx="0">
+            <a:schemeClr val="accent1"/>
+          </a:fillRef>
+          <a:effectRef idx="0">
+            <a:schemeClr val="accent1"/>
+          </a:effectRef>
+          <a:fontRef idx="minor">
+            <a:schemeClr val="tx1"/>
+          </a:fontRef>
+        </p:style>
+      </p:cxnSp>
+      <p:cxnSp>
+        <p:nvCxnSpPr>
+          <p:cNvPr id="17" name="직선 연결선 16"/>
+          <p:cNvCxnSpPr/>
+          <p:nvPr/>
+        </p:nvCxnSpPr>
+        <p:spPr>
+          <a:xfrm>
+            <a:off x="11713592" y="144941"/>
+            <a:ext cx="360000" cy="0"/>
+          </a:xfrm>
+          <a:prstGeom prst="line">
+            <a:avLst/>
+          </a:prstGeom>
+          <a:ln w="44450" cap="rnd">
+            <a:solidFill>
+              <a:schemeClr val="bg2">
+                <a:lumMod val="90000"/>
+              </a:schemeClr>
+            </a:solidFill>
+          </a:ln>
+          <a:effectLst>
+            <a:outerShdw blurRad="50800" dist="38100" dir="5400000" algn="t" rotWithShape="0">
+              <a:prstClr val="black">
+                <a:alpha val="40000"/>
+              </a:prstClr>
+            </a:outerShdw>
+          </a:effectLst>
+        </p:spPr>
+        <p:style>
+          <a:lnRef idx="1">
+            <a:schemeClr val="accent1"/>
+          </a:lnRef>
+          <a:fillRef idx="0">
+            <a:schemeClr val="accent1"/>
+          </a:fillRef>
+          <a:effectRef idx="0">
+            <a:schemeClr val="accent1"/>
+          </a:effectRef>
+          <a:fontRef idx="minor">
+            <a:schemeClr val="tx1"/>
+          </a:fontRef>
+        </p:style>
+      </p:cxnSp>
+      <p:cxnSp>
+        <p:nvCxnSpPr>
+          <p:cNvPr id="18" name="직선 연결선 17"/>
+          <p:cNvCxnSpPr/>
+          <p:nvPr/>
+        </p:nvCxnSpPr>
+        <p:spPr>
+          <a:xfrm>
+            <a:off x="1026522" y="989148"/>
+            <a:ext cx="2160000" cy="0"/>
+          </a:xfrm>
+          <a:prstGeom prst="line">
+            <a:avLst/>
+          </a:prstGeom>
+          <a:ln>
+            <a:solidFill>
+              <a:schemeClr val="bg1">
+                <a:lumMod val="50000"/>
+              </a:schemeClr>
+            </a:solidFill>
+          </a:ln>
+        </p:spPr>
+        <p:style>
+          <a:lnRef idx="1">
+            <a:schemeClr val="accent1"/>
+          </a:lnRef>
+          <a:fillRef idx="0">
+            <a:schemeClr val="accent1"/>
+          </a:fillRef>
+          <a:effectRef idx="0">
+            <a:schemeClr val="accent1"/>
+          </a:effectRef>
+          <a:fontRef idx="minor">
+            <a:schemeClr val="tx1"/>
+          </a:fontRef>
+        </p:style>
+      </p:cxnSp>
+      <p:sp>
+        <p:nvSpPr>
+          <p:cNvPr id="19" name="TextBox 18"/>
+          <p:cNvSpPr txBox="1"/>
+          <p:nvPr/>
+        </p:nvSpPr>
+        <p:spPr>
+          <a:xfrm>
+            <a:off x="1233310" y="437393"/>
+            <a:ext cx="1749197" cy="584775"/>
+          </a:xfrm>
+          <a:prstGeom prst="rect">
+            <a:avLst/>
+          </a:prstGeom>
+          <a:noFill/>
+        </p:spPr>
+        <p:txBody>
+          <a:bodyPr wrap="none" rtlCol="0">
+            <a:spAutoFit/>
+          </a:bodyPr>
           <a:lstStyle/>
           <a:p>
             <a:pPr algn="ctr"/>
             <a:r>
-              <a:rPr lang="ko-KR" altLang="en-US" dirty="0">
-                <a:latin typeface="나눔스퀘어 Bold" panose="020B0600000101010101" pitchFamily="50" charset="-127"/>
-                <a:ea typeface="나눔스퀘어 Bold" panose="020B0600000101010101" pitchFamily="50" charset="-127"/>
-              </a:rPr>
-              <a:t>내용을 입력하세요</a:t>
-            </a:r>
-            <a:r>
-              <a:rPr lang="en-US" altLang="ko-KR" dirty="0">
-                <a:latin typeface="나눔스퀘어 Bold" panose="020B0600000101010101" pitchFamily="50" charset="-127"/>
-                <a:ea typeface="나눔스퀘어 Bold" panose="020B0600000101010101" pitchFamily="50" charset="-127"/>
-              </a:rPr>
-              <a:t>.</a:t>
-            </a:r>
-            <a:endParaRPr lang="ko-KR" altLang="en-US" dirty="0">
-              <a:latin typeface="나눔스퀘어 Bold" panose="020B0600000101010101" pitchFamily="50" charset="-127"/>
-              <a:ea typeface="나눔스퀘어 Bold" panose="020B0600000101010101" pitchFamily="50" charset="-127"/>
+              <a:rPr lang="ko-KR" altLang="en-US" sz="3200" spc="-150">
+                <a:solidFill>
+                  <a:srgbClr val="00002F"/>
+                </a:solidFill>
+                <a:latin typeface="나눔스퀘어 ExtraBold" panose="020B0600000101010101" pitchFamily="50" charset="-127"/>
+                <a:ea typeface="나눔스퀘어 ExtraBold" panose="020B0600000101010101" pitchFamily="50" charset="-127"/>
+              </a:rPr>
+              <a:t>외부요인</a:t>
+            </a:r>
+            <a:endParaRPr lang="ko-KR" altLang="en-US" sz="3200" spc="-150" dirty="0">
+              <a:solidFill>
+                <a:srgbClr val="00002F"/>
+              </a:solidFill>
+              <a:latin typeface="나눔스퀘어 ExtraBold" panose="020B0600000101010101" pitchFamily="50" charset="-127"/>
+              <a:ea typeface="나눔스퀘어 ExtraBold" panose="020B0600000101010101" pitchFamily="50" charset="-127"/>
             </a:endParaRPr>
+          </a:p>
+        </p:txBody>
+      </p:sp>
+      <p:sp>
+        <p:nvSpPr>
+          <p:cNvPr id="20" name="TextBox 19"/>
+          <p:cNvSpPr txBox="1"/>
+          <p:nvPr/>
+        </p:nvSpPr>
+        <p:spPr>
+          <a:xfrm>
+            <a:off x="455532" y="498947"/>
+            <a:ext cx="614271" cy="461665"/>
+          </a:xfrm>
+          <a:prstGeom prst="rect">
+            <a:avLst/>
+          </a:prstGeom>
+          <a:noFill/>
+        </p:spPr>
+        <p:txBody>
+          <a:bodyPr wrap="none" rtlCol="0">
+            <a:spAutoFit/>
+          </a:bodyPr>
+          <a:lstStyle/>
+          <a:p>
+            <a:pPr algn="ctr"/>
+            <a:r>
+              <a:rPr lang="en-US" altLang="ko-KR" sz="2400" spc="-150" dirty="0">
+                <a:solidFill>
+                  <a:srgbClr val="00002F"/>
+                </a:solidFill>
+                <a:latin typeface="나눔스퀘어 ExtraBold" panose="020B0600000101010101" pitchFamily="50" charset="-127"/>
+                <a:ea typeface="나눔스퀘어 ExtraBold" panose="020B0600000101010101" pitchFamily="50" charset="-127"/>
+              </a:rPr>
+              <a:t>02.</a:t>
+            </a:r>
+            <a:endParaRPr lang="ko-KR" altLang="en-US" sz="2400" spc="-150" dirty="0">
+              <a:solidFill>
+                <a:srgbClr val="00002F"/>
+              </a:solidFill>
+              <a:latin typeface="나눔스퀘어 ExtraBold" panose="020B0600000101010101" pitchFamily="50" charset="-127"/>
+              <a:ea typeface="나눔스퀘어 ExtraBold" panose="020B0600000101010101" pitchFamily="50" charset="-127"/>
+            </a:endParaRPr>
+          </a:p>
+        </p:txBody>
+      </p:sp>
+      <p:sp>
+        <p:nvSpPr>
+          <p:cNvPr id="21" name="TextBox 20"/>
+          <p:cNvSpPr txBox="1"/>
+          <p:nvPr/>
+        </p:nvSpPr>
+        <p:spPr>
+          <a:xfrm>
+            <a:off x="1043807" y="1006929"/>
+            <a:ext cx="2002472" cy="369332"/>
+          </a:xfrm>
+          <a:prstGeom prst="rect">
+            <a:avLst/>
+          </a:prstGeom>
+          <a:noFill/>
+        </p:spPr>
+        <p:txBody>
+          <a:bodyPr wrap="none" rtlCol="0">
+            <a:spAutoFit/>
+          </a:bodyPr>
+          <a:lstStyle/>
+          <a:p>
+            <a:pPr algn="ctr"/>
+            <a:r>
+              <a:rPr lang="ko-KR" altLang="en-US" spc="-150" dirty="0">
+                <a:solidFill>
+                  <a:srgbClr val="00002F"/>
+                </a:solidFill>
+                <a:latin typeface="나눔스퀘어 ExtraBold" panose="020B0600000101010101" pitchFamily="50" charset="-127"/>
+                <a:ea typeface="나눔스퀘어 ExtraBold" panose="020B0600000101010101" pitchFamily="50" charset="-127"/>
+              </a:rPr>
+              <a:t>내국인 관광객 요인</a:t>
+            </a:r>
           </a:p>
         </p:txBody>
       </p:sp>
     </p:spTree>
     <p:extLst>
       <p:ext uri="{BB962C8B-B14F-4D97-AF65-F5344CB8AC3E}">
-        <p14:creationId xmlns:p14="http://schemas.microsoft.com/office/powerpoint/2010/main" val="2671169022"/>
+        <p14:creationId xmlns:p14="http://schemas.microsoft.com/office/powerpoint/2010/main" val="2356050672"/>
       </p:ext>
     </p:extLst>
   </p:cSld>

--- a/6조_외부환경영향.pptx
+++ b/6조_외부환경영향.pptx
@@ -5,7 +5,7 @@
     <p:sldMasterId id="2147483656" r:id="rId1"/>
   </p:sldMasterIdLst>
   <p:notesMasterIdLst>
-    <p:notesMasterId r:id="rId17"/>
+    <p:notesMasterId r:id="rId18"/>
   </p:notesMasterIdLst>
   <p:sldIdLst>
     <p:sldId id="257" r:id="rId2"/>
@@ -22,15 +22,16 @@
     <p:sldId id="273" r:id="rId13"/>
     <p:sldId id="267" r:id="rId14"/>
     <p:sldId id="268" r:id="rId15"/>
-    <p:sldId id="269" r:id="rId16"/>
+    <p:sldId id="274" r:id="rId16"/>
+    <p:sldId id="269" r:id="rId17"/>
   </p:sldIdLst>
   <p:sldSz cx="12192000" cy="6858000"/>
   <p:notesSz cx="6858000" cy="9144000"/>
   <p:embeddedFontLst>
     <p:embeddedFont>
       <p:font typeface="맑은 고딕" panose="020B0503020000020004" pitchFamily="50" charset="-127"/>
-      <p:regular r:id="rId18"/>
-      <p:bold r:id="rId19"/>
+      <p:regular r:id="rId19"/>
+      <p:bold r:id="rId20"/>
     </p:embeddedFont>
   </p:embeddedFontLst>
   <p:defaultTextStyle>
@@ -2606,6 +2607,79 @@
 </file>
 
 <file path=ppt/slides/slide15.xml><?xml version="1.0" encoding="utf-8"?>
+<p:sld xmlns:a="http://schemas.openxmlformats.org/drawingml/2006/main" xmlns:r="http://schemas.openxmlformats.org/officeDocument/2006/relationships" xmlns:p="http://schemas.openxmlformats.org/presentationml/2006/main">
+  <p:cSld>
+    <p:spTree>
+      <p:nvGrpSpPr>
+        <p:cNvPr id="1" name=""/>
+        <p:cNvGrpSpPr/>
+        <p:nvPr/>
+      </p:nvGrpSpPr>
+      <p:grpSpPr>
+        <a:xfrm>
+          <a:off x="0" y="0"/>
+          <a:ext cx="0" cy="0"/>
+          <a:chOff x="0" y="0"/>
+          <a:chExt cx="0" cy="0"/>
+        </a:xfrm>
+      </p:grpSpPr>
+      <p:sp>
+        <p:nvSpPr>
+          <p:cNvPr id="2" name="TextBox 1"/>
+          <p:cNvSpPr txBox="1"/>
+          <p:nvPr/>
+        </p:nvSpPr>
+        <p:spPr>
+          <a:xfrm>
+            <a:off x="5022635" y="2447473"/>
+            <a:ext cx="2146743" cy="1200329"/>
+          </a:xfrm>
+          <a:prstGeom prst="rect">
+            <a:avLst/>
+          </a:prstGeom>
+          <a:noFill/>
+        </p:spPr>
+        <p:txBody>
+          <a:bodyPr wrap="square" rtlCol="0">
+            <a:spAutoFit/>
+          </a:bodyPr>
+          <a:lstStyle/>
+          <a:p>
+            <a:pPr algn="ctr"/>
+            <a:r>
+              <a:rPr lang="en-US" altLang="ko-KR" sz="7200" spc="-300" dirty="0">
+                <a:solidFill>
+                  <a:srgbClr val="00002F"/>
+                </a:solidFill>
+                <a:latin typeface="나눔스퀘어 ExtraBold" panose="020B0600000101010101" pitchFamily="50" charset="-127"/>
+                <a:ea typeface="나눔스퀘어 ExtraBold" panose="020B0600000101010101" pitchFamily="50" charset="-127"/>
+              </a:rPr>
+              <a:t>Q&amp;A</a:t>
+            </a:r>
+            <a:endParaRPr lang="ko-KR" altLang="en-US" sz="7200" spc="-300" dirty="0">
+              <a:solidFill>
+                <a:srgbClr val="00002F"/>
+              </a:solidFill>
+              <a:latin typeface="나눔스퀘어 ExtraBold" panose="020B0600000101010101" pitchFamily="50" charset="-127"/>
+              <a:ea typeface="나눔스퀘어 ExtraBold" panose="020B0600000101010101" pitchFamily="50" charset="-127"/>
+            </a:endParaRPr>
+          </a:p>
+        </p:txBody>
+      </p:sp>
+    </p:spTree>
+    <p:extLst>
+      <p:ext uri="{BB962C8B-B14F-4D97-AF65-F5344CB8AC3E}">
+        <p14:creationId xmlns:p14="http://schemas.microsoft.com/office/powerpoint/2010/main" val="1880830868"/>
+      </p:ext>
+    </p:extLst>
+  </p:cSld>
+  <p:clrMapOvr>
+    <a:masterClrMapping/>
+  </p:clrMapOvr>
+</p:sld>
+</file>
+
+<file path=ppt/slides/slide16.xml><?xml version="1.0" encoding="utf-8"?>
 <p:sld xmlns:a="http://schemas.openxmlformats.org/drawingml/2006/main" xmlns:r="http://schemas.openxmlformats.org/officeDocument/2006/relationships" xmlns:p="http://schemas.openxmlformats.org/presentationml/2006/main">
   <p:cSld>
     <p:spTree>

--- a/6조_외부환경영향.pptx
+++ b/6조_외부환경영향.pptx
@@ -1273,8 +1273,8 @@
         </p:nvSpPr>
         <p:spPr>
           <a:xfrm>
-            <a:off x="2693979" y="2091297"/>
-            <a:ext cx="946221" cy="584775"/>
+            <a:off x="455532" y="1945797"/>
+            <a:ext cx="6926896" cy="584775"/>
           </a:xfrm>
           <a:prstGeom prst="rect">
             <a:avLst/>
@@ -1289,22 +1289,15 @@
           <a:p>
             <a:pPr algn="ctr"/>
             <a:r>
-              <a:rPr lang="en-US" altLang="ko-KR" sz="3200" spc="-150" dirty="0">
+              <a:rPr lang="ko-KR" altLang="en-US" sz="3200" spc="-150" dirty="0">
                 <a:solidFill>
                   <a:srgbClr val="8DBABD"/>
                 </a:solidFill>
                 <a:latin typeface="나눔스퀘어 ExtraBold" panose="020B0600000101010101" pitchFamily="50" charset="-127"/>
                 <a:ea typeface="나눔스퀘어 ExtraBold" panose="020B0600000101010101" pitchFamily="50" charset="-127"/>
               </a:rPr>
-              <a:t>Text</a:t>
-            </a:r>
-            <a:endParaRPr lang="ko-KR" altLang="en-US" sz="3200" spc="-150" dirty="0">
-              <a:solidFill>
-                <a:srgbClr val="8DBABD"/>
-              </a:solidFill>
-              <a:latin typeface="나눔스퀘어 ExtraBold" panose="020B0600000101010101" pitchFamily="50" charset="-127"/>
-              <a:ea typeface="나눔스퀘어 ExtraBold" panose="020B0600000101010101" pitchFamily="50" charset="-127"/>
-            </a:endParaRPr>
+              <a:t>사드 이후 대폭 상승한 것을 볼 수 있음</a:t>
+            </a:r>
           </a:p>
         </p:txBody>
       </p:sp>
@@ -1679,8 +1672,8 @@
         </p:nvSpPr>
         <p:spPr>
           <a:xfrm>
-            <a:off x="2693979" y="2091297"/>
-            <a:ext cx="946221" cy="584775"/>
+            <a:off x="1189627" y="2091297"/>
+            <a:ext cx="3954930" cy="584775"/>
           </a:xfrm>
           <a:prstGeom prst="rect">
             <a:avLst/>
@@ -1695,22 +1688,15 @@
           <a:p>
             <a:pPr algn="ctr"/>
             <a:r>
-              <a:rPr lang="en-US" altLang="ko-KR" sz="3200" spc="-150" dirty="0">
+              <a:rPr lang="ko-KR" altLang="en-US" sz="3200" spc="-150" dirty="0">
                 <a:solidFill>
                   <a:srgbClr val="8DBABD"/>
                 </a:solidFill>
                 <a:latin typeface="나눔스퀘어 ExtraBold" panose="020B0600000101010101" pitchFamily="50" charset="-127"/>
                 <a:ea typeface="나눔스퀘어 ExtraBold" panose="020B0600000101010101" pitchFamily="50" charset="-127"/>
               </a:rPr>
-              <a:t>Text</a:t>
-            </a:r>
-            <a:endParaRPr lang="ko-KR" altLang="en-US" sz="3200" spc="-150" dirty="0">
-              <a:solidFill>
-                <a:srgbClr val="8DBABD"/>
-              </a:solidFill>
-              <a:latin typeface="나눔스퀘어 ExtraBold" panose="020B0600000101010101" pitchFamily="50" charset="-127"/>
-              <a:ea typeface="나눔스퀘어 ExtraBold" panose="020B0600000101010101" pitchFamily="50" charset="-127"/>
-            </a:endParaRPr>
+              <a:t>전분야 지원금액 증가</a:t>
+            </a:r>
           </a:p>
         </p:txBody>
       </p:sp>
@@ -2051,6 +2037,147 @@
               <a:latin typeface="나눔스퀘어 ExtraBold" panose="020B0600000101010101" pitchFamily="50" charset="-127"/>
               <a:ea typeface="나눔스퀘어 ExtraBold" panose="020B0600000101010101" pitchFamily="50" charset="-127"/>
             </a:endParaRPr>
+          </a:p>
+        </p:txBody>
+      </p:sp>
+      <p:sp>
+        <p:nvSpPr>
+          <p:cNvPr id="13" name="TextBox 12">
+            <a:extLst>
+              <a:ext uri="{FF2B5EF4-FFF2-40B4-BE49-F238E27FC236}">
+                <a16:creationId xmlns:a16="http://schemas.microsoft.com/office/drawing/2014/main" id="{5332C529-7F04-45DB-B18A-1F065F9C06BB}"/>
+              </a:ext>
+            </a:extLst>
+          </p:cNvPr>
+          <p:cNvSpPr txBox="1"/>
+          <p:nvPr/>
+        </p:nvSpPr>
+        <p:spPr>
+          <a:xfrm>
+            <a:off x="1219444" y="4773853"/>
+            <a:ext cx="7850226" cy="1077218"/>
+          </a:xfrm>
+          <a:prstGeom prst="rect">
+            <a:avLst/>
+          </a:prstGeom>
+          <a:noFill/>
+        </p:spPr>
+        <p:txBody>
+          <a:bodyPr wrap="none" rtlCol="0">
+            <a:spAutoFit/>
+          </a:bodyPr>
+          <a:lstStyle/>
+          <a:p>
+            <a:pPr algn="ctr"/>
+            <a:r>
+              <a:rPr lang="ko-KR" altLang="en-US" sz="3200" spc="-150" dirty="0">
+                <a:solidFill>
+                  <a:srgbClr val="8DBABD"/>
+                </a:solidFill>
+                <a:latin typeface="나눔스퀘어 ExtraBold" panose="020B0600000101010101" pitchFamily="50" charset="-127"/>
+                <a:ea typeface="나눔스퀘어 ExtraBold" panose="020B0600000101010101" pitchFamily="50" charset="-127"/>
+              </a:rPr>
+              <a:t>중국에 의지하여 수익을 창출하는 것이 아닌</a:t>
+            </a:r>
+            <a:endParaRPr lang="en-US" altLang="ko-KR" sz="3200" spc="-150" dirty="0">
+              <a:solidFill>
+                <a:srgbClr val="8DBABD"/>
+              </a:solidFill>
+              <a:latin typeface="나눔스퀘어 ExtraBold" panose="020B0600000101010101" pitchFamily="50" charset="-127"/>
+              <a:ea typeface="나눔스퀘어 ExtraBold" panose="020B0600000101010101" pitchFamily="50" charset="-127"/>
+            </a:endParaRPr>
+          </a:p>
+          <a:p>
+            <a:pPr algn="ctr"/>
+            <a:r>
+              <a:rPr lang="ko-KR" altLang="en-US" sz="3200" spc="-150" dirty="0">
+                <a:solidFill>
+                  <a:srgbClr val="FF0000"/>
+                </a:solidFill>
+                <a:latin typeface="나눔스퀘어 ExtraBold" panose="020B0600000101010101" pitchFamily="50" charset="-127"/>
+                <a:ea typeface="나눔스퀘어 ExtraBold" panose="020B0600000101010101" pitchFamily="50" charset="-127"/>
+              </a:rPr>
+              <a:t>다른 발전 방향</a:t>
+            </a:r>
+            <a:r>
+              <a:rPr lang="ko-KR" altLang="en-US" sz="3200" spc="-150" dirty="0">
+                <a:solidFill>
+                  <a:srgbClr val="8DBABD"/>
+                </a:solidFill>
+                <a:latin typeface="나눔스퀘어 ExtraBold" panose="020B0600000101010101" pitchFamily="50" charset="-127"/>
+                <a:ea typeface="나눔스퀘어 ExtraBold" panose="020B0600000101010101" pitchFamily="50" charset="-127"/>
+              </a:rPr>
+              <a:t>을</a:t>
+            </a:r>
+            <a:r>
+              <a:rPr lang="ko-KR" altLang="en-US" sz="3200" spc="-150" dirty="0">
+                <a:solidFill>
+                  <a:srgbClr val="FF0000"/>
+                </a:solidFill>
+                <a:latin typeface="나눔스퀘어 ExtraBold" panose="020B0600000101010101" pitchFamily="50" charset="-127"/>
+                <a:ea typeface="나눔스퀘어 ExtraBold" panose="020B0600000101010101" pitchFamily="50" charset="-127"/>
+              </a:rPr>
+              <a:t> </a:t>
+            </a:r>
+            <a:r>
+              <a:rPr lang="ko-KR" altLang="en-US" sz="3200" spc="-150" dirty="0">
+                <a:solidFill>
+                  <a:srgbClr val="8DBABD"/>
+                </a:solidFill>
+                <a:latin typeface="나눔스퀘어 ExtraBold" panose="020B0600000101010101" pitchFamily="50" charset="-127"/>
+                <a:ea typeface="나눔스퀘어 ExtraBold" panose="020B0600000101010101" pitchFamily="50" charset="-127"/>
+              </a:rPr>
+              <a:t>탐색 지원하겠다는 의미</a:t>
+            </a:r>
+          </a:p>
+        </p:txBody>
+      </p:sp>
+      <p:sp>
+        <p:nvSpPr>
+          <p:cNvPr id="2" name="화살표: 아래쪽 1">
+            <a:extLst>
+              <a:ext uri="{FF2B5EF4-FFF2-40B4-BE49-F238E27FC236}">
+                <a16:creationId xmlns:a16="http://schemas.microsoft.com/office/drawing/2014/main" id="{28779F0D-C9FB-48C8-8E9F-774987FB3B16}"/>
+              </a:ext>
+            </a:extLst>
+          </p:cNvPr>
+          <p:cNvSpPr/>
+          <p:nvPr/>
+        </p:nvSpPr>
+        <p:spPr>
+          <a:xfrm>
+            <a:off x="2806700" y="2988129"/>
+            <a:ext cx="355600" cy="1130300"/>
+          </a:xfrm>
+          <a:prstGeom prst="downArrow">
+            <a:avLst/>
+          </a:prstGeom>
+          <a:solidFill>
+            <a:srgbClr val="8DBABD"/>
+          </a:solidFill>
+        </p:spPr>
+        <p:style>
+          <a:lnRef idx="2">
+            <a:schemeClr val="accent1">
+              <a:shade val="50000"/>
+            </a:schemeClr>
+          </a:lnRef>
+          <a:fillRef idx="1">
+            <a:schemeClr val="accent1"/>
+          </a:fillRef>
+          <a:effectRef idx="0">
+            <a:schemeClr val="accent1"/>
+          </a:effectRef>
+          <a:fontRef idx="minor">
+            <a:schemeClr val="lt1"/>
+          </a:fontRef>
+        </p:style>
+        <p:txBody>
+          <a:bodyPr rtlCol="0" anchor="ctr"/>
+          <a:lstStyle/>
+          <a:p>
+            <a:pPr algn="ctr"/>
+            <a:endParaRPr lang="ko-KR" altLang="en-US"/>
           </a:p>
         </p:txBody>
       </p:sp>
@@ -2218,8 +2345,8 @@
         </p:nvSpPr>
         <p:spPr>
           <a:xfrm>
-            <a:off x="2693979" y="2091297"/>
-            <a:ext cx="946221" cy="584775"/>
+            <a:off x="2827120" y="1573923"/>
+            <a:ext cx="5769528" cy="1569660"/>
           </a:xfrm>
           <a:prstGeom prst="rect">
             <a:avLst/>
@@ -2234,22 +2361,75 @@
           <a:p>
             <a:pPr algn="ctr"/>
             <a:r>
-              <a:rPr lang="en-US" altLang="ko-KR" sz="3200" spc="-150" dirty="0">
+              <a:rPr lang="ko-KR" altLang="en-US" sz="3200" spc="-150" dirty="0">
                 <a:solidFill>
                   <a:srgbClr val="8DBABD"/>
                 </a:solidFill>
                 <a:latin typeface="나눔스퀘어 ExtraBold" panose="020B0600000101010101" pitchFamily="50" charset="-127"/>
                 <a:ea typeface="나눔스퀘어 ExtraBold" panose="020B0600000101010101" pitchFamily="50" charset="-127"/>
               </a:rPr>
-              <a:t>Text</a:t>
-            </a:r>
-            <a:endParaRPr lang="ko-KR" altLang="en-US" sz="3200" spc="-150" dirty="0">
+              <a:t>앞으로의 발전을 위해</a:t>
+            </a:r>
+            <a:endParaRPr lang="en-US" altLang="ko-KR" sz="3200" spc="-150" dirty="0">
               <a:solidFill>
                 <a:srgbClr val="8DBABD"/>
               </a:solidFill>
               <a:latin typeface="나눔스퀘어 ExtraBold" panose="020B0600000101010101" pitchFamily="50" charset="-127"/>
               <a:ea typeface="나눔스퀘어 ExtraBold" panose="020B0600000101010101" pitchFamily="50" charset="-127"/>
             </a:endParaRPr>
+          </a:p>
+          <a:p>
+            <a:pPr algn="ctr"/>
+            <a:r>
+              <a:rPr lang="ko-KR" altLang="en-US" sz="3200" spc="-150" dirty="0">
+                <a:solidFill>
+                  <a:srgbClr val="8DBABD"/>
+                </a:solidFill>
+                <a:latin typeface="나눔스퀘어 ExtraBold" panose="020B0600000101010101" pitchFamily="50" charset="-127"/>
+                <a:ea typeface="나눔스퀘어 ExtraBold" panose="020B0600000101010101" pitchFamily="50" charset="-127"/>
+              </a:rPr>
+              <a:t>예산을 효율적으로 사용하여</a:t>
+            </a:r>
+            <a:endParaRPr lang="en-US" altLang="ko-KR" sz="3200" spc="-150" dirty="0">
+              <a:solidFill>
+                <a:srgbClr val="8DBABD"/>
+              </a:solidFill>
+              <a:latin typeface="나눔스퀘어 ExtraBold" panose="020B0600000101010101" pitchFamily="50" charset="-127"/>
+              <a:ea typeface="나눔스퀘어 ExtraBold" panose="020B0600000101010101" pitchFamily="50" charset="-127"/>
+            </a:endParaRPr>
+          </a:p>
+          <a:p>
+            <a:pPr algn="ctr"/>
+            <a:r>
+              <a:rPr lang="ko-KR" altLang="en-US" sz="3200" spc="-150" dirty="0">
+                <a:solidFill>
+                  <a:srgbClr val="8DBABD"/>
+                </a:solidFill>
+                <a:latin typeface="나눔스퀘어 ExtraBold" panose="020B0600000101010101" pitchFamily="50" charset="-127"/>
+                <a:ea typeface="나눔스퀘어 ExtraBold" panose="020B0600000101010101" pitchFamily="50" charset="-127"/>
+              </a:rPr>
+              <a:t>탄탄한 </a:t>
+            </a:r>
+            <a:r>
+              <a:rPr lang="ko-KR" altLang="en-US" sz="3200" spc="-150" dirty="0">
+                <a:solidFill>
+                  <a:srgbClr val="FF0000"/>
+                </a:solidFill>
+                <a:latin typeface="나눔스퀘어 ExtraBold" panose="020B0600000101010101" pitchFamily="50" charset="-127"/>
+                <a:ea typeface="나눔스퀘어 ExtraBold" panose="020B0600000101010101" pitchFamily="50" charset="-127"/>
+              </a:rPr>
+              <a:t>내국인 고객 </a:t>
+            </a:r>
+            <a:r>
+              <a:rPr lang="ko-KR" altLang="en-US" sz="3200" spc="-150" dirty="0">
+                <a:solidFill>
+                  <a:srgbClr val="8DBABD"/>
+                </a:solidFill>
+                <a:latin typeface="나눔스퀘어 ExtraBold" panose="020B0600000101010101" pitchFamily="50" charset="-127"/>
+                <a:ea typeface="나눔스퀘어 ExtraBold" panose="020B0600000101010101" pitchFamily="50" charset="-127"/>
+              </a:rPr>
+              <a:t>유치가 관건</a:t>
+            </a:r>
           </a:p>
         </p:txBody>
       </p:sp>
@@ -2590,6 +2770,114 @@
               <a:latin typeface="나눔스퀘어 ExtraBold" panose="020B0600000101010101" pitchFamily="50" charset="-127"/>
               <a:ea typeface="나눔스퀘어 ExtraBold" panose="020B0600000101010101" pitchFamily="50" charset="-127"/>
             </a:endParaRPr>
+          </a:p>
+        </p:txBody>
+      </p:sp>
+      <p:sp>
+        <p:nvSpPr>
+          <p:cNvPr id="12" name="TextBox 11">
+            <a:extLst>
+              <a:ext uri="{FF2B5EF4-FFF2-40B4-BE49-F238E27FC236}">
+                <a16:creationId xmlns:a16="http://schemas.microsoft.com/office/drawing/2014/main" id="{DA5FDF32-9ADD-49FD-B8AE-02C936951E6A}"/>
+              </a:ext>
+            </a:extLst>
+          </p:cNvPr>
+          <p:cNvSpPr txBox="1"/>
+          <p:nvPr/>
+        </p:nvSpPr>
+        <p:spPr>
+          <a:xfrm>
+            <a:off x="1075042" y="4041170"/>
+            <a:ext cx="9273694" cy="584775"/>
+          </a:xfrm>
+          <a:prstGeom prst="rect">
+            <a:avLst/>
+          </a:prstGeom>
+          <a:noFill/>
+        </p:spPr>
+        <p:txBody>
+          <a:bodyPr wrap="none" rtlCol="0">
+            <a:spAutoFit/>
+          </a:bodyPr>
+          <a:lstStyle/>
+          <a:p>
+            <a:pPr algn="ctr"/>
+            <a:r>
+              <a:rPr lang="ko-KR" altLang="en-US" sz="3200" spc="-150" dirty="0">
+                <a:solidFill>
+                  <a:srgbClr val="8DBABD"/>
+                </a:solidFill>
+                <a:latin typeface="나눔스퀘어 ExtraBold" panose="020B0600000101010101" pitchFamily="50" charset="-127"/>
+                <a:ea typeface="나눔스퀘어 ExtraBold" panose="020B0600000101010101" pitchFamily="50" charset="-127"/>
+              </a:rPr>
+              <a:t>내국인을 유치 할 수 있는 관광 아이템을 제시하겠다</a:t>
+            </a:r>
+            <a:r>
+              <a:rPr lang="en-US" altLang="ko-KR" sz="3200" spc="-150" dirty="0">
+                <a:solidFill>
+                  <a:srgbClr val="8DBABD"/>
+                </a:solidFill>
+                <a:latin typeface="나눔스퀘어 ExtraBold" panose="020B0600000101010101" pitchFamily="50" charset="-127"/>
+                <a:ea typeface="나눔스퀘어 ExtraBold" panose="020B0600000101010101" pitchFamily="50" charset="-127"/>
+              </a:rPr>
+              <a:t>.</a:t>
+            </a:r>
+            <a:endParaRPr lang="ko-KR" altLang="en-US" sz="3200" spc="-150" dirty="0">
+              <a:solidFill>
+                <a:srgbClr val="8DBABD"/>
+              </a:solidFill>
+              <a:latin typeface="나눔스퀘어 ExtraBold" panose="020B0600000101010101" pitchFamily="50" charset="-127"/>
+              <a:ea typeface="나눔스퀘어 ExtraBold" panose="020B0600000101010101" pitchFamily="50" charset="-127"/>
+            </a:endParaRPr>
+          </a:p>
+        </p:txBody>
+      </p:sp>
+      <p:sp>
+        <p:nvSpPr>
+          <p:cNvPr id="2" name="화살표: 아래쪽 1">
+            <a:extLst>
+              <a:ext uri="{FF2B5EF4-FFF2-40B4-BE49-F238E27FC236}">
+                <a16:creationId xmlns:a16="http://schemas.microsoft.com/office/drawing/2014/main" id="{BEB7287D-3432-46F9-823A-CDE4E83437EA}"/>
+              </a:ext>
+            </a:extLst>
+          </p:cNvPr>
+          <p:cNvSpPr/>
+          <p:nvPr/>
+        </p:nvSpPr>
+        <p:spPr>
+          <a:xfrm>
+            <a:off x="5156200" y="3302000"/>
+            <a:ext cx="939800" cy="584775"/>
+          </a:xfrm>
+          <a:prstGeom prst="downArrow">
+            <a:avLst/>
+          </a:prstGeom>
+          <a:solidFill>
+            <a:srgbClr val="8DBABD"/>
+          </a:solidFill>
+        </p:spPr>
+        <p:style>
+          <a:lnRef idx="2">
+            <a:schemeClr val="accent1">
+              <a:shade val="50000"/>
+            </a:schemeClr>
+          </a:lnRef>
+          <a:fillRef idx="1">
+            <a:schemeClr val="accent1"/>
+          </a:fillRef>
+          <a:effectRef idx="0">
+            <a:schemeClr val="accent1"/>
+          </a:effectRef>
+          <a:fontRef idx="minor">
+            <a:schemeClr val="lt1"/>
+          </a:fontRef>
+        </p:style>
+        <p:txBody>
+          <a:bodyPr rtlCol="0" anchor="ctr"/>
+          <a:lstStyle/>
+          <a:p>
+            <a:pPr algn="ctr"/>
+            <a:endParaRPr lang="ko-KR" altLang="en-US"/>
           </a:p>
         </p:txBody>
       </p:sp>
@@ -4001,8 +4289,8 @@
         </p:nvSpPr>
         <p:spPr>
           <a:xfrm>
-            <a:off x="2693979" y="2091297"/>
-            <a:ext cx="946221" cy="584775"/>
+            <a:off x="713536" y="2091297"/>
+            <a:ext cx="4907113" cy="1077218"/>
           </a:xfrm>
           <a:prstGeom prst="rect">
             <a:avLst/>
@@ -4017,6 +4305,16 @@
           <a:p>
             <a:pPr algn="ctr"/>
             <a:r>
+              <a:rPr lang="ko-KR" altLang="en-US" sz="3200" spc="-150" dirty="0">
+                <a:solidFill>
+                  <a:srgbClr val="8DBABD"/>
+                </a:solidFill>
+                <a:latin typeface="나눔스퀘어 ExtraBold" panose="020B0600000101010101" pitchFamily="50" charset="-127"/>
+                <a:ea typeface="나눔스퀘어 ExtraBold" panose="020B0600000101010101" pitchFamily="50" charset="-127"/>
+              </a:rPr>
+              <a:t>내국인 </a:t>
+            </a:r>
+            <a:r>
               <a:rPr lang="en-US" altLang="ko-KR" sz="3200" spc="-150" dirty="0">
                 <a:solidFill>
                   <a:srgbClr val="8DBABD"/>
@@ -4024,7 +4322,57 @@
                 <a:latin typeface="나눔스퀘어 ExtraBold" panose="020B0600000101010101" pitchFamily="50" charset="-127"/>
                 <a:ea typeface="나눔스퀘어 ExtraBold" panose="020B0600000101010101" pitchFamily="50" charset="-127"/>
               </a:rPr>
-              <a:t>Text</a:t>
+              <a:t>2017</a:t>
+            </a:r>
+            <a:r>
+              <a:rPr lang="ko-KR" altLang="en-US" sz="3200" spc="-150" dirty="0">
+                <a:solidFill>
+                  <a:srgbClr val="8DBABD"/>
+                </a:solidFill>
+                <a:latin typeface="나눔스퀘어 ExtraBold" panose="020B0600000101010101" pitchFamily="50" charset="-127"/>
+                <a:ea typeface="나눔스퀘어 ExtraBold" panose="020B0600000101010101" pitchFamily="50" charset="-127"/>
+              </a:rPr>
+              <a:t>이후 약간 하락</a:t>
+            </a:r>
+            <a:endParaRPr lang="en-US" altLang="ko-KR" sz="3200" spc="-150" dirty="0">
+              <a:solidFill>
+                <a:srgbClr val="8DBABD"/>
+              </a:solidFill>
+              <a:latin typeface="나눔스퀘어 ExtraBold" panose="020B0600000101010101" pitchFamily="50" charset="-127"/>
+              <a:ea typeface="나눔스퀘어 ExtraBold" panose="020B0600000101010101" pitchFamily="50" charset="-127"/>
+            </a:endParaRPr>
+          </a:p>
+          <a:p>
+            <a:pPr algn="ctr"/>
+            <a:r>
+              <a:rPr lang="en-US" altLang="ko-KR" sz="3200" spc="-150" dirty="0">
+                <a:solidFill>
+                  <a:srgbClr val="8DBABD"/>
+                </a:solidFill>
+                <a:latin typeface="나눔스퀘어 ExtraBold" panose="020B0600000101010101" pitchFamily="50" charset="-127"/>
+                <a:ea typeface="나눔스퀘어 ExtraBold" panose="020B0600000101010101" pitchFamily="50" charset="-127"/>
+              </a:rPr>
+              <a:t>But </a:t>
+            </a:r>
+            <a:r>
+              <a:rPr lang="ko-KR" altLang="en-US" sz="3200" spc="-150" dirty="0">
+                <a:solidFill>
+                  <a:srgbClr val="8DBABD"/>
+                </a:solidFill>
+                <a:latin typeface="나눔스퀘어 ExtraBold" panose="020B0600000101010101" pitchFamily="50" charset="-127"/>
+                <a:ea typeface="나눔스퀘어 ExtraBold" panose="020B0600000101010101" pitchFamily="50" charset="-127"/>
+              </a:rPr>
+              <a:t>큰 영향</a:t>
+            </a:r>
+            <a:r>
+              <a:rPr lang="en-US" altLang="ko-KR" sz="3200" spc="-150" dirty="0">
+                <a:solidFill>
+                  <a:srgbClr val="8DBABD"/>
+                </a:solidFill>
+                <a:latin typeface="나눔스퀘어 ExtraBold" panose="020B0600000101010101" pitchFamily="50" charset="-127"/>
+                <a:ea typeface="나눔스퀘어 ExtraBold" panose="020B0600000101010101" pitchFamily="50" charset="-127"/>
+              </a:rPr>
+              <a:t>X</a:t>
             </a:r>
             <a:endParaRPr lang="ko-KR" altLang="en-US" sz="3200" spc="-150" dirty="0">
               <a:solidFill>
@@ -4089,6 +4437,75 @@
               </a:rPr>
               <a:t>외국인 관광객 수 </a:t>
             </a:r>
+          </a:p>
+        </p:txBody>
+      </p:sp>
+      <p:sp>
+        <p:nvSpPr>
+          <p:cNvPr id="14" name="TextBox 13">
+            <a:extLst>
+              <a:ext uri="{FF2B5EF4-FFF2-40B4-BE49-F238E27FC236}">
+                <a16:creationId xmlns:a16="http://schemas.microsoft.com/office/drawing/2014/main" id="{0FD2D1F1-8DF3-470C-818D-FD0B10FA4093}"/>
+              </a:ext>
+            </a:extLst>
+          </p:cNvPr>
+          <p:cNvSpPr txBox="1"/>
+          <p:nvPr/>
+        </p:nvSpPr>
+        <p:spPr>
+          <a:xfrm>
+            <a:off x="7012561" y="4402697"/>
+            <a:ext cx="3999813" cy="584775"/>
+          </a:xfrm>
+          <a:prstGeom prst="rect">
+            <a:avLst/>
+          </a:prstGeom>
+          <a:noFill/>
+        </p:spPr>
+        <p:txBody>
+          <a:bodyPr wrap="none" rtlCol="0">
+            <a:spAutoFit/>
+          </a:bodyPr>
+          <a:lstStyle/>
+          <a:p>
+            <a:pPr algn="ctr"/>
+            <a:r>
+              <a:rPr lang="ko-KR" altLang="en-US" sz="3200" spc="-150" dirty="0">
+                <a:solidFill>
+                  <a:srgbClr val="8DBABD"/>
+                </a:solidFill>
+                <a:latin typeface="나눔스퀘어 ExtraBold" panose="020B0600000101010101" pitchFamily="50" charset="-127"/>
+                <a:ea typeface="나눔스퀘어 ExtraBold" panose="020B0600000101010101" pitchFamily="50" charset="-127"/>
+              </a:rPr>
+              <a:t>외국인 </a:t>
+            </a:r>
+            <a:r>
+              <a:rPr lang="en-US" altLang="ko-KR" sz="3200" spc="-150" dirty="0">
+                <a:solidFill>
+                  <a:srgbClr val="8DBABD"/>
+                </a:solidFill>
+                <a:latin typeface="나눔스퀘어 ExtraBold" panose="020B0600000101010101" pitchFamily="50" charset="-127"/>
+                <a:ea typeface="나눔스퀘어 ExtraBold" panose="020B0600000101010101" pitchFamily="50" charset="-127"/>
+              </a:rPr>
+              <a:t>2017</a:t>
+            </a:r>
+            <a:r>
+              <a:rPr lang="ko-KR" altLang="en-US" sz="3200" spc="-150" dirty="0">
+                <a:solidFill>
+                  <a:srgbClr val="8DBABD"/>
+                </a:solidFill>
+                <a:latin typeface="나눔스퀘어 ExtraBold" panose="020B0600000101010101" pitchFamily="50" charset="-127"/>
+                <a:ea typeface="나눔스퀘어 ExtraBold" panose="020B0600000101010101" pitchFamily="50" charset="-127"/>
+              </a:rPr>
+              <a:t> 대폭하락</a:t>
+            </a:r>
+            <a:endParaRPr lang="en-US" altLang="ko-KR" sz="3200" spc="-150" dirty="0">
+              <a:solidFill>
+                <a:srgbClr val="8DBABD"/>
+              </a:solidFill>
+              <a:latin typeface="나눔스퀘어 ExtraBold" panose="020B0600000101010101" pitchFamily="50" charset="-127"/>
+              <a:ea typeface="나눔스퀘어 ExtraBold" panose="020B0600000101010101" pitchFamily="50" charset="-127"/>
+            </a:endParaRPr>
           </a:p>
         </p:txBody>
       </p:sp>
@@ -4422,8 +4839,8 @@
         </p:nvSpPr>
         <p:spPr>
           <a:xfrm>
-            <a:off x="2693979" y="2091297"/>
-            <a:ext cx="946221" cy="584775"/>
+            <a:off x="4472612" y="2091297"/>
+            <a:ext cx="2799164" cy="1077218"/>
           </a:xfrm>
           <a:prstGeom prst="rect">
             <a:avLst/>
@@ -4438,22 +4855,55 @@
           <a:p>
             <a:pPr algn="ctr"/>
             <a:r>
-              <a:rPr lang="en-US" altLang="ko-KR" sz="3200" spc="-150" dirty="0">
+              <a:rPr lang="ko-KR" altLang="en-US" sz="3200" spc="-150" dirty="0">
                 <a:solidFill>
                   <a:srgbClr val="8DBABD"/>
                 </a:solidFill>
                 <a:latin typeface="나눔스퀘어 ExtraBold" panose="020B0600000101010101" pitchFamily="50" charset="-127"/>
                 <a:ea typeface="나눔스퀘어 ExtraBold" panose="020B0600000101010101" pitchFamily="50" charset="-127"/>
               </a:rPr>
-              <a:t>Text</a:t>
-            </a:r>
-            <a:endParaRPr lang="ko-KR" altLang="en-US" sz="3200" spc="-150" dirty="0">
+              <a:t>방문자 수</a:t>
+            </a:r>
+            <a:endParaRPr lang="en-US" altLang="ko-KR" sz="3200" spc="-150" dirty="0">
               <a:solidFill>
                 <a:srgbClr val="8DBABD"/>
               </a:solidFill>
               <a:latin typeface="나눔스퀘어 ExtraBold" panose="020B0600000101010101" pitchFamily="50" charset="-127"/>
               <a:ea typeface="나눔스퀘어 ExtraBold" panose="020B0600000101010101" pitchFamily="50" charset="-127"/>
             </a:endParaRPr>
+          </a:p>
+          <a:p>
+            <a:pPr algn="ctr"/>
+            <a:r>
+              <a:rPr lang="ko-KR" altLang="en-US" sz="3200" spc="-150" dirty="0">
+                <a:solidFill>
+                  <a:srgbClr val="8DBABD"/>
+                </a:solidFill>
+                <a:latin typeface="나눔스퀘어 ExtraBold" panose="020B0600000101010101" pitchFamily="50" charset="-127"/>
+                <a:ea typeface="나눔스퀘어 ExtraBold" panose="020B0600000101010101" pitchFamily="50" charset="-127"/>
+              </a:rPr>
+              <a:t>내국인</a:t>
+            </a:r>
+            <a:r>
+              <a:rPr lang="en-US" altLang="ko-KR" sz="3200" spc="-150" dirty="0">
+                <a:solidFill>
+                  <a:srgbClr val="8DBABD"/>
+                </a:solidFill>
+                <a:latin typeface="나눔스퀘어 ExtraBold" panose="020B0600000101010101" pitchFamily="50" charset="-127"/>
+                <a:ea typeface="나눔스퀘어 ExtraBold" panose="020B0600000101010101" pitchFamily="50" charset="-127"/>
+              </a:rPr>
+              <a:t>&gt;</a:t>
+            </a:r>
+            <a:r>
+              <a:rPr lang="ko-KR" altLang="en-US" sz="3200" spc="-150" dirty="0">
+                <a:solidFill>
+                  <a:srgbClr val="8DBABD"/>
+                </a:solidFill>
+                <a:latin typeface="나눔스퀘어 ExtraBold" panose="020B0600000101010101" pitchFamily="50" charset="-127"/>
+                <a:ea typeface="나눔스퀘어 ExtraBold" panose="020B0600000101010101" pitchFamily="50" charset="-127"/>
+              </a:rPr>
+              <a:t>외국인</a:t>
+            </a:r>
           </a:p>
         </p:txBody>
       </p:sp>
@@ -4843,8 +5293,8 @@
         </p:nvSpPr>
         <p:spPr>
           <a:xfrm>
-            <a:off x="2693979" y="2091297"/>
-            <a:ext cx="946221" cy="584775"/>
+            <a:off x="735976" y="2091297"/>
+            <a:ext cx="4862228" cy="1077218"/>
           </a:xfrm>
           <a:prstGeom prst="rect">
             <a:avLst/>
@@ -4859,6 +5309,26 @@
           <a:p>
             <a:pPr algn="ctr"/>
             <a:r>
+              <a:rPr lang="ko-KR" altLang="en-US" sz="3200" spc="-150" dirty="0">
+                <a:solidFill>
+                  <a:srgbClr val="8DBABD"/>
+                </a:solidFill>
+                <a:latin typeface="나눔스퀘어 ExtraBold" panose="020B0600000101010101" pitchFamily="50" charset="-127"/>
+                <a:ea typeface="나눔스퀘어 ExtraBold" panose="020B0600000101010101" pitchFamily="50" charset="-127"/>
+              </a:rPr>
+              <a:t>제주도 방문 외국인 관광객</a:t>
+            </a:r>
+            <a:endParaRPr lang="en-US" altLang="ko-KR" sz="3200" spc="-150" dirty="0">
+              <a:solidFill>
+                <a:srgbClr val="8DBABD"/>
+              </a:solidFill>
+              <a:latin typeface="나눔스퀘어 ExtraBold" panose="020B0600000101010101" pitchFamily="50" charset="-127"/>
+              <a:ea typeface="나눔스퀘어 ExtraBold" panose="020B0600000101010101" pitchFamily="50" charset="-127"/>
+            </a:endParaRPr>
+          </a:p>
+          <a:p>
+            <a:pPr algn="ctr"/>
+            <a:r>
               <a:rPr lang="en-US" altLang="ko-KR" sz="3200" spc="-150" dirty="0">
                 <a:solidFill>
                   <a:srgbClr val="8DBABD"/>
@@ -4866,7 +5336,27 @@
                 <a:latin typeface="나눔스퀘어 ExtraBold" panose="020B0600000101010101" pitchFamily="50" charset="-127"/>
                 <a:ea typeface="나눔스퀘어 ExtraBold" panose="020B0600000101010101" pitchFamily="50" charset="-127"/>
               </a:rPr>
-              <a:t>Text</a:t>
+              <a:t>-&gt; </a:t>
+            </a:r>
+            <a:r>
+              <a:rPr lang="ko-KR" altLang="en-US" sz="3200" spc="-150" dirty="0">
+                <a:solidFill>
+                  <a:srgbClr val="8DBABD"/>
+                </a:solidFill>
+                <a:latin typeface="나눔스퀘어 ExtraBold" panose="020B0600000101010101" pitchFamily="50" charset="-127"/>
+                <a:ea typeface="나눔스퀘어 ExtraBold" panose="020B0600000101010101" pitchFamily="50" charset="-127"/>
+              </a:rPr>
+              <a:t>중국이 </a:t>
+            </a:r>
+            <a:r>
+              <a:rPr lang="ko-KR" altLang="en-US" sz="3200" spc="-150" dirty="0" err="1">
+                <a:solidFill>
+                  <a:srgbClr val="8DBABD"/>
+                </a:solidFill>
+                <a:latin typeface="나눔스퀘어 ExtraBold" panose="020B0600000101010101" pitchFamily="50" charset="-127"/>
+                <a:ea typeface="나눔스퀘어 ExtraBold" panose="020B0600000101010101" pitchFamily="50" charset="-127"/>
+              </a:rPr>
+              <a:t>앞도적</a:t>
             </a:r>
             <a:endParaRPr lang="ko-KR" altLang="en-US" sz="3200" spc="-150" dirty="0">
               <a:solidFill>
@@ -5079,7 +5569,7 @@
         <p:spPr>
           <a:xfrm>
             <a:off x="2693979" y="2091297"/>
-            <a:ext cx="946221" cy="584775"/>
+            <a:ext cx="4799021" cy="584775"/>
           </a:xfrm>
           <a:prstGeom prst="rect">
             <a:avLst/>
@@ -5087,21 +5577,21 @@
           <a:noFill/>
         </p:spPr>
         <p:txBody>
-          <a:bodyPr wrap="none" rtlCol="0">
+          <a:bodyPr wrap="square" rtlCol="0">
             <a:spAutoFit/>
           </a:bodyPr>
           <a:lstStyle/>
           <a:p>
             <a:pPr algn="ctr"/>
             <a:r>
-              <a:rPr lang="en-US" altLang="ko-KR" sz="3200" spc="-150" dirty="0">
+              <a:rPr lang="ko-KR" altLang="en-US" sz="3200" spc="-150">
                 <a:solidFill>
                   <a:srgbClr val="8DBABD"/>
                 </a:solidFill>
                 <a:latin typeface="나눔스퀘어 ExtraBold" panose="020B0600000101010101" pitchFamily="50" charset="-127"/>
                 <a:ea typeface="나눔스퀘어 ExtraBold" panose="020B0600000101010101" pitchFamily="50" charset="-127"/>
               </a:rPr>
-              <a:t>Text</a:t>
+              <a:t>사드의 영향으로 큰 변화</a:t>
             </a:r>
             <a:endParaRPr lang="ko-KR" altLang="en-US" sz="3200" spc="-150" dirty="0">
               <a:solidFill>
@@ -5475,8 +5965,8 @@
         </p:nvSpPr>
         <p:spPr>
           <a:xfrm>
-            <a:off x="2693979" y="2091297"/>
-            <a:ext cx="946221" cy="584775"/>
+            <a:off x="756015" y="2091297"/>
+            <a:ext cx="4822154" cy="1077218"/>
           </a:xfrm>
           <a:prstGeom prst="rect">
             <a:avLst/>
@@ -5498,15 +5988,68 @@
                 <a:latin typeface="나눔스퀘어 ExtraBold" panose="020B0600000101010101" pitchFamily="50" charset="-127"/>
                 <a:ea typeface="나눔스퀘어 ExtraBold" panose="020B0600000101010101" pitchFamily="50" charset="-127"/>
               </a:rPr>
-              <a:t>Text</a:t>
-            </a:r>
-            <a:endParaRPr lang="ko-KR" altLang="en-US" sz="3200" spc="-150" dirty="0">
+              <a:t>GNI(</a:t>
+            </a:r>
+            <a:r>
+              <a:rPr lang="ko-KR" altLang="en-US" sz="3200" spc="-150" dirty="0">
+                <a:solidFill>
+                  <a:srgbClr val="8DBABD"/>
+                </a:solidFill>
+                <a:latin typeface="나눔스퀘어 ExtraBold" panose="020B0600000101010101" pitchFamily="50" charset="-127"/>
+                <a:ea typeface="나눔스퀘어 ExtraBold" panose="020B0600000101010101" pitchFamily="50" charset="-127"/>
+              </a:rPr>
+              <a:t>국내총소득</a:t>
+            </a:r>
+            <a:r>
+              <a:rPr lang="en-US" altLang="ko-KR" sz="3200" spc="-150" dirty="0">
+                <a:solidFill>
+                  <a:srgbClr val="8DBABD"/>
+                </a:solidFill>
+                <a:latin typeface="나눔스퀘어 ExtraBold" panose="020B0600000101010101" pitchFamily="50" charset="-127"/>
+                <a:ea typeface="나눔스퀘어 ExtraBold" panose="020B0600000101010101" pitchFamily="50" charset="-127"/>
+              </a:rPr>
+              <a:t>)</a:t>
+            </a:r>
+            <a:r>
+              <a:rPr lang="ko-KR" altLang="en-US" sz="3200" spc="-150" dirty="0">
+                <a:solidFill>
+                  <a:srgbClr val="8DBABD"/>
+                </a:solidFill>
+                <a:latin typeface="나눔스퀘어 ExtraBold" panose="020B0600000101010101" pitchFamily="50" charset="-127"/>
+                <a:ea typeface="나눔스퀘어 ExtraBold" panose="020B0600000101010101" pitchFamily="50" charset="-127"/>
+              </a:rPr>
+              <a:t>과 비교 시</a:t>
+            </a:r>
+            <a:endParaRPr lang="en-US" altLang="ko-KR" sz="3200" spc="-150" dirty="0">
               <a:solidFill>
                 <a:srgbClr val="8DBABD"/>
               </a:solidFill>
               <a:latin typeface="나눔스퀘어 ExtraBold" panose="020B0600000101010101" pitchFamily="50" charset="-127"/>
               <a:ea typeface="나눔스퀘어 ExtraBold" panose="020B0600000101010101" pitchFamily="50" charset="-127"/>
             </a:endParaRPr>
+          </a:p>
+          <a:p>
+            <a:pPr algn="ctr"/>
+            <a:r>
+              <a:rPr lang="ko-KR" altLang="en-US" sz="3200" spc="-150" dirty="0">
+                <a:solidFill>
+                  <a:srgbClr val="8DBABD"/>
+                </a:solidFill>
+                <a:latin typeface="나눔스퀘어 ExtraBold" panose="020B0600000101010101" pitchFamily="50" charset="-127"/>
+                <a:ea typeface="나눔스퀘어 ExtraBold" panose="020B0600000101010101" pitchFamily="50" charset="-127"/>
+              </a:rPr>
+              <a:t>상관관계 없음 </a:t>
+            </a:r>
+            <a:r>
+              <a:rPr lang="en-US" altLang="ko-KR" sz="3200" spc="-150" dirty="0">
+                <a:solidFill>
+                  <a:srgbClr val="8DBABD"/>
+                </a:solidFill>
+                <a:latin typeface="나눔스퀘어 ExtraBold" panose="020B0600000101010101" pitchFamily="50" charset="-127"/>
+                <a:ea typeface="나눔스퀘어 ExtraBold" panose="020B0600000101010101" pitchFamily="50" charset="-127"/>
+              </a:rPr>
+              <a:t>0.3xxxx</a:t>
+            </a:r>
           </a:p>
         </p:txBody>
       </p:sp>

--- a/6조_외부환경영향.pptx
+++ b/6조_외부환경영향.pptx
@@ -1,39 +1,33 @@
 
 <file path=ppt/presentation.xml><?xml version="1.0" encoding="utf-8"?>
-<p:presentation xmlns:a="http://schemas.openxmlformats.org/drawingml/2006/main" xmlns:r="http://schemas.openxmlformats.org/officeDocument/2006/relationships" xmlns:p="http://schemas.openxmlformats.org/presentationml/2006/main" embedTrueTypeFonts="1" saveSubsetFonts="1">
+<p:presentation xmlns:r="http://schemas.openxmlformats.org/officeDocument/2006/relationships" xmlns:c="http://schemas.openxmlformats.org/drawingml/2006/chart" xmlns:a="http://schemas.openxmlformats.org/drawingml/2006/main" xmlns:dgm="http://schemas.openxmlformats.org/drawingml/2006/diagram" xmlns:dsp="http://schemas.microsoft.com/office/drawing/2008/diagram" xmlns:p="http://schemas.openxmlformats.org/presentationml/2006/main" embedTrueTypeFonts="1" saveSubsetFonts="1">
   <p:sldMasterIdLst>
-    <p:sldMasterId id="2147483656" r:id="rId1"/>
+    <p:sldMasterId id="2147483663" r:id="rId1"/>
   </p:sldMasterIdLst>
   <p:notesMasterIdLst>
-    <p:notesMasterId r:id="rId18"/>
+    <p:notesMasterId r:id="rId2"/>
   </p:notesMasterIdLst>
   <p:sldIdLst>
-    <p:sldId id="257" r:id="rId2"/>
-    <p:sldId id="262" r:id="rId3"/>
-    <p:sldId id="261" r:id="rId4"/>
+    <p:sldId id="256" r:id="rId3"/>
+    <p:sldId id="257" r:id="rId4"/>
     <p:sldId id="258" r:id="rId5"/>
-    <p:sldId id="270" r:id="rId6"/>
-    <p:sldId id="271" r:id="rId7"/>
-    <p:sldId id="263" r:id="rId8"/>
-    <p:sldId id="264" r:id="rId9"/>
-    <p:sldId id="272" r:id="rId10"/>
-    <p:sldId id="265" r:id="rId11"/>
-    <p:sldId id="266" r:id="rId12"/>
-    <p:sldId id="273" r:id="rId13"/>
+    <p:sldId id="259" r:id="rId6"/>
+    <p:sldId id="260" r:id="rId7"/>
+    <p:sldId id="261" r:id="rId8"/>
+    <p:sldId id="262" r:id="rId9"/>
+    <p:sldId id="263" r:id="rId10"/>
+    <p:sldId id="264" r:id="rId11"/>
+    <p:sldId id="265" r:id="rId12"/>
+    <p:sldId id="266" r:id="rId13"/>
     <p:sldId id="267" r:id="rId14"/>
     <p:sldId id="268" r:id="rId15"/>
-    <p:sldId id="274" r:id="rId16"/>
-    <p:sldId id="269" r:id="rId17"/>
+    <p:sldId id="269" r:id="rId16"/>
+    <p:sldId id="270" r:id="rId17"/>
+    <p:sldId id="271" r:id="rId18"/>
+    <p:sldId id="272" r:id="rId19"/>
   </p:sldIdLst>
   <p:sldSz cx="12192000" cy="6858000"/>
   <p:notesSz cx="6858000" cy="9144000"/>
-  <p:embeddedFontLst>
-    <p:embeddedFont>
-      <p:font typeface="맑은 고딕" panose="020B0503020000020004" pitchFamily="50" charset="-127"/>
-      <p:regular r:id="rId19"/>
-      <p:bold r:id="rId20"/>
-    </p:embeddedFont>
-  </p:embeddedFontLst>
   <p:defaultTextStyle>
     <a:defPPr>
       <a:defRPr lang="ko-KR"/>
@@ -129,16 +123,11 @@
       </a:defRPr>
     </a:lvl9pPr>
   </p:defaultTextStyle>
-  <p:extLst>
-    <p:ext uri="{EFAFB233-063F-42B5-8137-9DF3F51BA10A}">
-      <p15:sldGuideLst xmlns:p15="http://schemas.microsoft.com/office/powerpoint/2012/main"/>
-    </p:ext>
-  </p:extLst>
 </p:presentation>
 </file>
 
 <file path=ppt/notesMasters/notesMaster1.xml><?xml version="1.0" encoding="utf-8"?>
-<p:notesMaster xmlns:a="http://schemas.openxmlformats.org/drawingml/2006/main" xmlns:r="http://schemas.openxmlformats.org/officeDocument/2006/relationships" xmlns:p="http://schemas.openxmlformats.org/presentationml/2006/main">
+<p:notesMaster xmlns:r="http://schemas.openxmlformats.org/officeDocument/2006/relationships" xmlns:c="http://schemas.openxmlformats.org/drawingml/2006/chart" xmlns:a="http://schemas.openxmlformats.org/drawingml/2006/main" xmlns:dgm="http://schemas.openxmlformats.org/drawingml/2006/diagram" xmlns:dsp="http://schemas.microsoft.com/office/drawing/2008/diagram" xmlns:p="http://schemas.openxmlformats.org/presentationml/2006/main">
   <p:cSld>
     <p:bg>
       <p:bgRef idx="1001">
@@ -166,7 +155,7 @@
             <a:spLocks noGrp="1"/>
           </p:cNvSpPr>
           <p:nvPr>
-            <p:ph type="hdr" sz="quarter"/>
+            <p:ph type="hdr" sz="quarter" idx="0"/>
           </p:nvPr>
         </p:nvSpPr>
         <p:spPr>
@@ -179,13 +168,20 @@
           </a:prstGeom>
         </p:spPr>
         <p:txBody>
-          <a:bodyPr vert="horz" lIns="91440" tIns="45720" rIns="91440" bIns="45720" rtlCol="0"/>
+          <a:bodyPr vert="horz" lIns="91440" tIns="45720" rIns="91440" bIns="45720"/>
           <a:lstStyle>
             <a:lvl1pPr algn="l">
               <a:defRPr sz="1200"/>
             </a:lvl1pPr>
           </a:lstStyle>
           <a:p>
+            <a:pPr lvl="0">
+              <a:defRPr/>
+            </a:pPr>
+            <a:r>
+              <a:rPr lang="ko-KR" altLang="en-US"/>
+              <a:t/>
+            </a:r>
             <a:endParaRPr lang="ko-KR" altLang="en-US"/>
           </a:p>
         </p:txBody>
@@ -210,15 +206,21 @@
           </a:prstGeom>
         </p:spPr>
         <p:txBody>
-          <a:bodyPr vert="horz" lIns="91440" tIns="45720" rIns="91440" bIns="45720" rtlCol="0"/>
+          <a:bodyPr vert="horz" lIns="91440" tIns="45720" rIns="91440" bIns="45720"/>
           <a:lstStyle>
             <a:lvl1pPr algn="r">
               <a:defRPr sz="1200"/>
             </a:lvl1pPr>
           </a:lstStyle>
           <a:p>
-            <a:fld id="{17FB36FB-C10C-479A-9DFD-15DEB134881C}" type="datetimeFigureOut">
-              <a:rPr lang="ko-KR" altLang="en-US" smtClean="0"/>
+            <a:pPr lvl="0">
+              <a:defRPr/>
+            </a:pPr>
+            <a:fld id="{17FB36FB-C10C-479A-9DFD-15DEB134881C}" type="datetime1">
+              <a:rPr lang="ko-KR" altLang="en-US"/>
+              <a:pPr lvl="0">
+                <a:defRPr/>
+              </a:pPr>
               <a:t>2019-12-12</a:t>
             </a:fld>
             <a:endParaRPr lang="ko-KR" altLang="en-US"/>
@@ -229,7 +231,7 @@
         <p:nvSpPr>
           <p:cNvPr id="4" name="슬라이드 이미지 개체 틀 3"/>
           <p:cNvSpPr>
-            <a:spLocks noGrp="1" noRot="1" noChangeAspect="1"/>
+            <a:spLocks noGrp="1" noRot="1" noChangeAspect="1" noTextEdit="1"/>
           </p:cNvSpPr>
           <p:nvPr>
             <p:ph type="sldImg" idx="2"/>
@@ -251,9 +253,12 @@
           </a:ln>
         </p:spPr>
         <p:txBody>
-          <a:bodyPr vert="horz" lIns="91440" tIns="45720" rIns="91440" bIns="45720" rtlCol="0" anchor="ctr"/>
+          <a:bodyPr vert="horz" lIns="91440" tIns="45720" rIns="91440" bIns="45720" anchor="ctr"/>
           <a:lstStyle/>
           <a:p>
+            <a:pPr lvl="0">
+              <a:defRPr/>
+            </a:pPr>
             <a:endParaRPr lang="ko-KR" altLang="en-US"/>
           </a:p>
         </p:txBody>
@@ -278,42 +283,57 @@
           </a:prstGeom>
         </p:spPr>
         <p:txBody>
-          <a:bodyPr vert="horz" lIns="91440" tIns="45720" rIns="91440" bIns="45720" rtlCol="0"/>
+          <a:bodyPr vert="horz" lIns="91440" tIns="45720" rIns="91440" bIns="45720"/>
           <a:lstStyle/>
           <a:p>
-            <a:pPr lvl="0"/>
+            <a:pPr lvl="0">
+              <a:defRPr/>
+            </a:pPr>
             <a:r>
               <a:rPr lang="ko-KR" altLang="en-US"/>
               <a:t>마스터 텍스트 스타일 편집</a:t>
             </a:r>
-          </a:p>
-          <a:p>
-            <a:pPr lvl="1"/>
+            <a:endParaRPr lang="ko-KR" altLang="en-US"/>
+          </a:p>
+          <a:p>
+            <a:pPr lvl="1">
+              <a:defRPr/>
+            </a:pPr>
             <a:r>
               <a:rPr lang="ko-KR" altLang="en-US"/>
               <a:t>둘째 수준</a:t>
             </a:r>
-          </a:p>
-          <a:p>
-            <a:pPr lvl="2"/>
+            <a:endParaRPr lang="ko-KR" altLang="en-US"/>
+          </a:p>
+          <a:p>
+            <a:pPr lvl="2">
+              <a:defRPr/>
+            </a:pPr>
             <a:r>
               <a:rPr lang="ko-KR" altLang="en-US"/>
               <a:t>셋째 수준</a:t>
             </a:r>
-          </a:p>
-          <a:p>
-            <a:pPr lvl="3"/>
+            <a:endParaRPr lang="ko-KR" altLang="en-US"/>
+          </a:p>
+          <a:p>
+            <a:pPr lvl="3">
+              <a:defRPr/>
+            </a:pPr>
             <a:r>
               <a:rPr lang="ko-KR" altLang="en-US"/>
               <a:t>넷째 수준</a:t>
             </a:r>
-          </a:p>
-          <a:p>
-            <a:pPr lvl="4"/>
+            <a:endParaRPr lang="ko-KR" altLang="en-US"/>
+          </a:p>
+          <a:p>
+            <a:pPr lvl="4">
+              <a:defRPr/>
+            </a:pPr>
             <a:r>
               <a:rPr lang="ko-KR" altLang="en-US"/>
               <a:t>다섯째 수준</a:t>
             </a:r>
+            <a:endParaRPr lang="ko-KR" altLang="en-US"/>
           </a:p>
         </p:txBody>
       </p:sp>
@@ -337,13 +357,20 @@
           </a:prstGeom>
         </p:spPr>
         <p:txBody>
-          <a:bodyPr vert="horz" lIns="91440" tIns="45720" rIns="91440" bIns="45720" rtlCol="0" anchor="b"/>
+          <a:bodyPr vert="horz" lIns="91440" tIns="45720" rIns="91440" bIns="45720" anchor="b"/>
           <a:lstStyle>
             <a:lvl1pPr algn="l">
               <a:defRPr sz="1200"/>
             </a:lvl1pPr>
           </a:lstStyle>
           <a:p>
+            <a:pPr lvl="0">
+              <a:defRPr/>
+            </a:pPr>
+            <a:r>
+              <a:rPr lang="ko-KR" altLang="en-US"/>
+              <a:t/>
+            </a:r>
             <a:endParaRPr lang="ko-KR" altLang="en-US"/>
           </a:p>
         </p:txBody>
@@ -368,15 +395,21 @@
           </a:prstGeom>
         </p:spPr>
         <p:txBody>
-          <a:bodyPr vert="horz" lIns="91440" tIns="45720" rIns="91440" bIns="45720" rtlCol="0" anchor="b"/>
+          <a:bodyPr vert="horz" lIns="91440" tIns="45720" rIns="91440" bIns="45720" anchor="b"/>
           <a:lstStyle>
             <a:lvl1pPr algn="r">
               <a:defRPr sz="1200"/>
             </a:lvl1pPr>
           </a:lstStyle>
           <a:p>
+            <a:pPr lvl="0">
+              <a:defRPr/>
+            </a:pPr>
             <a:fld id="{2D64B5D5-48B7-4F94-AE9E-F3674E44000D}" type="slidenum">
-              <a:rPr lang="ko-KR" altLang="en-US" smtClean="0"/>
+              <a:rPr lang="ko-KR" altLang="en-US"/>
+              <a:pPr lvl="0">
+                <a:defRPr/>
+              </a:pPr>
               <a:t>‹#›</a:t>
             </a:fld>
             <a:endParaRPr lang="ko-KR" altLang="en-US"/>
@@ -384,13 +417,9 @@
         </p:txBody>
       </p:sp>
     </p:spTree>
-    <p:extLst>
-      <p:ext uri="{BB962C8B-B14F-4D97-AF65-F5344CB8AC3E}">
-        <p14:creationId xmlns:p14="http://schemas.microsoft.com/office/powerpoint/2010/main" val="2025004814"/>
-      </p:ext>
-    </p:extLst>
   </p:cSld>
   <p:clrMap bg1="lt1" tx1="dk1" bg2="lt2" tx2="dk2" accent1="accent1" accent2="accent2" accent3="accent3" accent4="accent4" accent5="accent5" accent6="accent6" hlink="hlink" folHlink="folHlink"/>
+  <p:hf hdr="0" ftr="0" dt="0"/>
   <p:notesStyle>
     <a:lvl1pPr marL="0" algn="l" defTabSz="914400" rtl="0" eaLnBrk="1" latinLnBrk="1" hangingPunct="1">
       <a:defRPr sz="1200" kern="1200">
@@ -1249,7 +1278,7 @@
 </file>
 
 <file path=ppt/slides/slide11.xml><?xml version="1.0" encoding="utf-8"?>
-<p:sld xmlns:a="http://schemas.openxmlformats.org/drawingml/2006/main" xmlns:r="http://schemas.openxmlformats.org/officeDocument/2006/relationships" xmlns:p="http://schemas.openxmlformats.org/presentationml/2006/main">
+<p:sld xmlns:r="http://schemas.openxmlformats.org/officeDocument/2006/relationships" xmlns:c="http://schemas.openxmlformats.org/drawingml/2006/chart" xmlns:a="http://schemas.openxmlformats.org/drawingml/2006/main" xmlns:dgm="http://schemas.openxmlformats.org/drawingml/2006/diagram" xmlns:dsp="http://schemas.microsoft.com/office/drawing/2008/diagram" xmlns:p="http://schemas.openxmlformats.org/presentationml/2006/main">
   <p:cSld>
     <p:spTree>
       <p:nvGrpSpPr>
@@ -1273,8 +1302,8 @@
         </p:nvSpPr>
         <p:spPr>
           <a:xfrm>
-            <a:off x="455532" y="1945797"/>
-            <a:ext cx="6926896" cy="584775"/>
+            <a:off x="4339915" y="635265"/>
+            <a:ext cx="6526530" cy="572505"/>
           </a:xfrm>
           <a:prstGeom prst="rect">
             <a:avLst/>
@@ -1282,22 +1311,31 @@
           <a:noFill/>
         </p:spPr>
         <p:txBody>
-          <a:bodyPr wrap="none" rtlCol="0">
+          <a:bodyPr wrap="none">
             <a:spAutoFit/>
           </a:bodyPr>
           <a:lstStyle/>
           <a:p>
-            <a:pPr algn="ctr"/>
-            <a:r>
-              <a:rPr lang="ko-KR" altLang="en-US" sz="3200" spc="-150" dirty="0">
-                <a:solidFill>
-                  <a:srgbClr val="8DBABD"/>
-                </a:solidFill>
-                <a:latin typeface="나눔스퀘어 ExtraBold" panose="020B0600000101010101" pitchFamily="50" charset="-127"/>
-                <a:ea typeface="나눔스퀘어 ExtraBold" panose="020B0600000101010101" pitchFamily="50" charset="-127"/>
+            <a:pPr algn="ctr">
+              <a:defRPr/>
+            </a:pPr>
+            <a:r>
+              <a:rPr lang="ko-KR" altLang="en-US" sz="3200" spc="-150">
+                <a:solidFill>
+                  <a:srgbClr val="8dbabd"/>
+                </a:solidFill>
+                <a:latin typeface="나눔스퀘어 ExtraBold"/>
+                <a:ea typeface="나눔스퀘어 ExtraBold"/>
               </a:rPr>
               <a:t>사드 이후 대폭 상승한 것을 볼 수 있음</a:t>
             </a:r>
+            <a:endParaRPr lang="ko-KR" altLang="en-US" sz="3200" spc="-150">
+              <a:solidFill>
+                <a:srgbClr val="8dbabd"/>
+              </a:solidFill>
+              <a:latin typeface="나눔스퀘어 ExtraBold"/>
+              <a:ea typeface="나눔스퀘어 ExtraBold"/>
+            </a:endParaRPr>
           </a:p>
         </p:txBody>
       </p:sp>
@@ -1317,7 +1355,7 @@
           </a:prstGeom>
           <a:ln w="44450" cap="rnd">
             <a:solidFill>
-              <a:srgbClr val="D0CECE"/>
+              <a:srgbClr val="d0cece"/>
             </a:solidFill>
           </a:ln>
           <a:effectLst>
@@ -1403,7 +1441,7 @@
           </a:prstGeom>
           <a:ln w="44450" cap="rnd">
             <a:solidFill>
-              <a:srgbClr val="8DBABD"/>
+              <a:srgbClr val="8dbabd"/>
             </a:solidFill>
           </a:ln>
           <a:effectLst>
@@ -1476,9 +1514,7 @@
       <p:cxnSp>
         <p:nvCxnSpPr>
           <p:cNvPr id="18" name="직선 연결선 17"/>
-          <p:cNvCxnSpPr>
-            <a:cxnSpLocks/>
-          </p:cNvCxnSpPr>
+          <p:cNvCxnSpPr/>
           <p:nvPr/>
         </p:nvCxnSpPr>
         <p:spPr>
@@ -1520,8 +1556,8 @@
         </p:nvSpPr>
         <p:spPr>
           <a:xfrm>
-            <a:off x="907644" y="437393"/>
-            <a:ext cx="2781532" cy="584775"/>
+            <a:off x="965835" y="437393"/>
+            <a:ext cx="2640330" cy="570352"/>
           </a:xfrm>
           <a:prstGeom prst="rect">
             <a:avLst/>
@@ -1529,28 +1565,30 @@
           <a:noFill/>
         </p:spPr>
         <p:txBody>
-          <a:bodyPr wrap="none" rtlCol="0">
+          <a:bodyPr wrap="none">
             <a:spAutoFit/>
           </a:bodyPr>
           <a:lstStyle/>
           <a:p>
-            <a:pPr algn="ctr"/>
+            <a:pPr algn="ctr">
+              <a:defRPr/>
+            </a:pPr>
             <a:r>
               <a:rPr lang="ko-KR" altLang="en-US" sz="3200" spc="-150">
                 <a:solidFill>
-                  <a:srgbClr val="00002F"/>
-                </a:solidFill>
-                <a:latin typeface="나눔스퀘어 ExtraBold" panose="020B0600000101010101" pitchFamily="50" charset="-127"/>
-                <a:ea typeface="나눔스퀘어 ExtraBold" panose="020B0600000101010101" pitchFamily="50" charset="-127"/>
+                  <a:srgbClr val="00002f"/>
+                </a:solidFill>
+                <a:latin typeface="나눔스퀘어 ExtraBold"/>
+                <a:ea typeface="나눔스퀘어 ExtraBold"/>
               </a:rPr>
               <a:t>제주 예산 현황</a:t>
             </a:r>
-            <a:endParaRPr lang="ko-KR" altLang="en-US" sz="3200" spc="-150" dirty="0">
+            <a:endParaRPr lang="ko-KR" altLang="en-US" sz="3200" spc="-150">
               <a:solidFill>
-                <a:srgbClr val="00002F"/>
+                <a:srgbClr val="00002f"/>
               </a:solidFill>
-              <a:latin typeface="나눔스퀘어 ExtraBold" panose="020B0600000101010101" pitchFamily="50" charset="-127"/>
-              <a:ea typeface="나눔스퀘어 ExtraBold" panose="020B0600000101010101" pitchFamily="50" charset="-127"/>
+              <a:latin typeface="나눔스퀘어 ExtraBold"/>
+              <a:ea typeface="나눔스퀘어 ExtraBold"/>
             </a:endParaRPr>
           </a:p>
         </p:txBody>
@@ -1563,8 +1601,8 @@
         </p:nvSpPr>
         <p:spPr>
           <a:xfrm>
-            <a:off x="455532" y="498947"/>
-            <a:ext cx="614271" cy="461665"/>
+            <a:off x="480060" y="498947"/>
+            <a:ext cx="554355" cy="451648"/>
           </a:xfrm>
           <a:prstGeom prst="rect">
             <a:avLst/>
@@ -1572,28 +1610,30 @@
           <a:noFill/>
         </p:spPr>
         <p:txBody>
-          <a:bodyPr wrap="none" rtlCol="0">
+          <a:bodyPr wrap="none">
             <a:spAutoFit/>
           </a:bodyPr>
           <a:lstStyle/>
           <a:p>
-            <a:pPr algn="ctr"/>
-            <a:r>
-              <a:rPr lang="en-US" altLang="ko-KR" sz="2400" spc="-150" dirty="0">
-                <a:solidFill>
-                  <a:srgbClr val="00002F"/>
-                </a:solidFill>
-                <a:latin typeface="나눔스퀘어 ExtraBold" panose="020B0600000101010101" pitchFamily="50" charset="-127"/>
-                <a:ea typeface="나눔스퀘어 ExtraBold" panose="020B0600000101010101" pitchFamily="50" charset="-127"/>
+            <a:pPr algn="ctr">
+              <a:defRPr/>
+            </a:pPr>
+            <a:r>
+              <a:rPr lang="en-US" altLang="ko-KR" sz="2400" spc="-150">
+                <a:solidFill>
+                  <a:srgbClr val="00002f"/>
+                </a:solidFill>
+                <a:latin typeface="나눔스퀘어 ExtraBold"/>
+                <a:ea typeface="나눔스퀘어 ExtraBold"/>
               </a:rPr>
               <a:t>03.</a:t>
             </a:r>
-            <a:endParaRPr lang="ko-KR" altLang="en-US" sz="2400" spc="-150" dirty="0">
+            <a:endParaRPr lang="ko-KR" altLang="en-US" sz="2400" spc="-150">
               <a:solidFill>
-                <a:srgbClr val="00002F"/>
+                <a:srgbClr val="00002f"/>
               </a:solidFill>
-              <a:latin typeface="나눔스퀘어 ExtraBold" panose="020B0600000101010101" pitchFamily="50" charset="-127"/>
-              <a:ea typeface="나눔스퀘어 ExtraBold" panose="020B0600000101010101" pitchFamily="50" charset="-127"/>
+              <a:latin typeface="나눔스퀘어 ExtraBold"/>
+              <a:ea typeface="나눔스퀘어 ExtraBold"/>
             </a:endParaRPr>
           </a:p>
         </p:txBody>
@@ -1606,8 +1646,8 @@
         </p:nvSpPr>
         <p:spPr>
           <a:xfrm>
-            <a:off x="914057" y="1006929"/>
-            <a:ext cx="1093569" cy="369332"/>
+            <a:off x="927735" y="1006929"/>
+            <a:ext cx="1049655" cy="369332"/>
           </a:xfrm>
           <a:prstGeom prst="rect">
             <a:avLst/>
@@ -1615,40 +1655,123 @@
           <a:noFill/>
         </p:spPr>
         <p:txBody>
-          <a:bodyPr wrap="none" rtlCol="0">
+          <a:bodyPr wrap="none">
             <a:spAutoFit/>
           </a:bodyPr>
           <a:lstStyle/>
           <a:p>
-            <a:pPr algn="ctr"/>
-            <a:r>
-              <a:rPr lang="ko-KR" altLang="en-US" spc="-150" dirty="0">
-                <a:solidFill>
-                  <a:srgbClr val="00002F"/>
-                </a:solidFill>
-                <a:latin typeface="나눔스퀘어 ExtraBold" panose="020B0600000101010101" pitchFamily="50" charset="-127"/>
-                <a:ea typeface="나눔스퀘어 ExtraBold" panose="020B0600000101010101" pitchFamily="50" charset="-127"/>
+            <a:pPr algn="ctr">
+              <a:defRPr/>
+            </a:pPr>
+            <a:r>
+              <a:rPr lang="ko-KR" altLang="en-US" spc="-150">
+                <a:solidFill>
+                  <a:srgbClr val="00002f"/>
+                </a:solidFill>
+                <a:latin typeface="나눔스퀘어 ExtraBold"/>
+                <a:ea typeface="나눔스퀘어 ExtraBold"/>
               </a:rPr>
               <a:t>예산 현황</a:t>
             </a:r>
+            <a:endParaRPr lang="ko-KR" altLang="en-US" spc="-150">
+              <a:solidFill>
+                <a:srgbClr val="00002f"/>
+              </a:solidFill>
+              <a:latin typeface="나눔스퀘어 ExtraBold"/>
+              <a:ea typeface="나눔스퀘어 ExtraBold"/>
+            </a:endParaRPr>
+          </a:p>
+        </p:txBody>
+      </p:sp>
+      <p:pic>
+        <p:nvPicPr>
+          <p:cNvPr id="22" name=""/>
+          <p:cNvPicPr>
+            <a:picLocks noChangeAspect="1"/>
+          </p:cNvPicPr>
+          <p:nvPr/>
+        </p:nvPicPr>
+        <p:blipFill rotWithShape="1">
+          <a:blip r:embed="rId2"/>
+          <a:stretch>
+            <a:fillRect/>
+          </a:stretch>
+        </p:blipFill>
+        <p:spPr>
+          <a:xfrm>
+            <a:off x="301130" y="1369098"/>
+            <a:ext cx="11441123" cy="5193900"/>
+          </a:xfrm>
+          <a:prstGeom prst="rect">
+            <a:avLst/>
+          </a:prstGeom>
+        </p:spPr>
+      </p:pic>
+      <p:sp>
+        <p:nvSpPr>
+          <p:cNvPr id="23" name=""/>
+          <p:cNvSpPr/>
+          <p:nvPr/>
+        </p:nvSpPr>
+        <p:spPr>
+          <a:xfrm>
+            <a:off x="3667463" y="6195303"/>
+            <a:ext cx="391808" cy="216170"/>
+          </a:xfrm>
+          <a:prstGeom prst="rect">
+            <a:avLst/>
+          </a:prstGeom>
+          <a:noFill/>
+          <a:ln>
+            <a:solidFill>
+              <a:srgbClr val="ff0000"/>
+            </a:solidFill>
+          </a:ln>
+        </p:spPr>
+        <p:style>
+          <a:lnRef idx="2">
+            <a:schemeClr val="accent1">
+              <a:shade val="20000"/>
+            </a:schemeClr>
+          </a:lnRef>
+          <a:fillRef idx="1">
+            <a:schemeClr val="accent1"/>
+          </a:fillRef>
+          <a:effectRef idx="0">
+            <a:schemeClr val="accent1"/>
+          </a:effectRef>
+          <a:fontRef idx="minor">
+            <a:schemeClr val="lt1"/>
+          </a:fontRef>
+        </p:style>
+        <p:txBody>
+          <a:bodyPr anchor="ctr"/>
+          <a:p>
+            <a:pPr algn="ctr">
+              <a:defRPr/>
+            </a:pPr>
+            <a:endParaRPr lang="ko-KR" altLang="en-US"/>
           </a:p>
         </p:txBody>
       </p:sp>
     </p:spTree>
-    <p:extLst>
-      <p:ext uri="{BB962C8B-B14F-4D97-AF65-F5344CB8AC3E}">
-        <p14:creationId xmlns:p14="http://schemas.microsoft.com/office/powerpoint/2010/main" val="1531280797"/>
-      </p:ext>
-    </p:extLst>
   </p:cSld>
   <p:clrMapOvr>
     <a:masterClrMapping/>
   </p:clrMapOvr>
+  <mc:AlternateContent xmlns:mc="http://schemas.openxmlformats.org/markup-compatibility/2006">
+    <mc:Choice xmlns:p14="http://schemas.microsoft.com/office/powerpoint/2010/main" Requires="p14">
+      <p:transition xmlns:mc="http://schemas.openxmlformats.org/markup-compatibility/2006" xmlns:p14="http://schemas.microsoft.com/office/powerpoint/2010/main" mc:Ignorable="p14" p14:dur="500"/>
+    </mc:Choice>
+    <mc:Fallback>
+      <p:transition/>
+    </mc:Fallback>
+  </mc:AlternateContent>
 </p:sld>
 </file>
 
 <file path=ppt/slides/slide12.xml><?xml version="1.0" encoding="utf-8"?>
-<p:sld xmlns:a="http://schemas.openxmlformats.org/drawingml/2006/main" xmlns:r="http://schemas.openxmlformats.org/officeDocument/2006/relationships" xmlns:p="http://schemas.openxmlformats.org/presentationml/2006/main">
+<p:sld xmlns:r="http://schemas.openxmlformats.org/officeDocument/2006/relationships" xmlns:c="http://schemas.openxmlformats.org/drawingml/2006/chart" xmlns:a="http://schemas.openxmlformats.org/drawingml/2006/main" xmlns:dgm="http://schemas.openxmlformats.org/drawingml/2006/diagram" xmlns:dsp="http://schemas.microsoft.com/office/drawing/2008/diagram" xmlns:p="http://schemas.openxmlformats.org/presentationml/2006/main">
   <p:cSld>
     <p:spTree>
       <p:nvGrpSpPr>
@@ -1672,8 +1795,8 @@
         </p:nvSpPr>
         <p:spPr>
           <a:xfrm>
-            <a:off x="1189627" y="2091297"/>
-            <a:ext cx="3954930" cy="584775"/>
+            <a:off x="84467" y="3429000"/>
+            <a:ext cx="3764282" cy="573798"/>
           </a:xfrm>
           <a:prstGeom prst="rect">
             <a:avLst/>
@@ -1681,22 +1804,31 @@
           <a:noFill/>
         </p:spPr>
         <p:txBody>
-          <a:bodyPr wrap="none" rtlCol="0">
+          <a:bodyPr wrap="none">
             <a:spAutoFit/>
           </a:bodyPr>
           <a:lstStyle/>
           <a:p>
-            <a:pPr algn="ctr"/>
-            <a:r>
-              <a:rPr lang="ko-KR" altLang="en-US" sz="3200" spc="-150" dirty="0">
-                <a:solidFill>
-                  <a:srgbClr val="8DBABD"/>
-                </a:solidFill>
-                <a:latin typeface="나눔스퀘어 ExtraBold" panose="020B0600000101010101" pitchFamily="50" charset="-127"/>
-                <a:ea typeface="나눔스퀘어 ExtraBold" panose="020B0600000101010101" pitchFamily="50" charset="-127"/>
+            <a:pPr algn="ctr">
+              <a:defRPr/>
+            </a:pPr>
+            <a:r>
+              <a:rPr lang="ko-KR" altLang="en-US" sz="3200" spc="-150">
+                <a:solidFill>
+                  <a:srgbClr val="8dbabd"/>
+                </a:solidFill>
+                <a:latin typeface="나눔스퀘어 ExtraBold"/>
+                <a:ea typeface="나눔스퀘어 ExtraBold"/>
               </a:rPr>
               <a:t>전분야 지원금액 증가</a:t>
             </a:r>
+            <a:endParaRPr lang="ko-KR" altLang="en-US" sz="3200" spc="-150">
+              <a:solidFill>
+                <a:srgbClr val="8dbabd"/>
+              </a:solidFill>
+              <a:latin typeface="나눔스퀘어 ExtraBold"/>
+              <a:ea typeface="나눔스퀘어 ExtraBold"/>
+            </a:endParaRPr>
           </a:p>
         </p:txBody>
       </p:sp>
@@ -1716,7 +1848,7 @@
           </a:prstGeom>
           <a:ln w="44450" cap="rnd">
             <a:solidFill>
-              <a:srgbClr val="D0CECE"/>
+              <a:srgbClr val="d0cece"/>
             </a:solidFill>
           </a:ln>
           <a:effectLst>
@@ -1802,7 +1934,7 @@
           </a:prstGeom>
           <a:ln w="44450" cap="rnd">
             <a:solidFill>
-              <a:srgbClr val="8DBABD"/>
+              <a:srgbClr val="8dbabd"/>
             </a:solidFill>
           </a:ln>
           <a:effectLst>
@@ -1875,9 +2007,7 @@
       <p:cxnSp>
         <p:nvCxnSpPr>
           <p:cNvPr id="18" name="직선 연결선 17"/>
-          <p:cNvCxnSpPr>
-            <a:cxnSpLocks/>
-          </p:cNvCxnSpPr>
+          <p:cNvCxnSpPr/>
           <p:nvPr/>
         </p:nvCxnSpPr>
         <p:spPr>
@@ -1919,8 +2049,8 @@
         </p:nvSpPr>
         <p:spPr>
           <a:xfrm>
-            <a:off x="907644" y="437393"/>
-            <a:ext cx="2781532" cy="584775"/>
+            <a:off x="965835" y="437393"/>
+            <a:ext cx="2640330" cy="570352"/>
           </a:xfrm>
           <a:prstGeom prst="rect">
             <a:avLst/>
@@ -1928,28 +2058,30 @@
           <a:noFill/>
         </p:spPr>
         <p:txBody>
-          <a:bodyPr wrap="none" rtlCol="0">
+          <a:bodyPr wrap="none">
             <a:spAutoFit/>
           </a:bodyPr>
           <a:lstStyle/>
           <a:p>
-            <a:pPr algn="ctr"/>
+            <a:pPr algn="ctr">
+              <a:defRPr/>
+            </a:pPr>
             <a:r>
               <a:rPr lang="ko-KR" altLang="en-US" sz="3200" spc="-150">
                 <a:solidFill>
-                  <a:srgbClr val="00002F"/>
-                </a:solidFill>
-                <a:latin typeface="나눔스퀘어 ExtraBold" panose="020B0600000101010101" pitchFamily="50" charset="-127"/>
-                <a:ea typeface="나눔스퀘어 ExtraBold" panose="020B0600000101010101" pitchFamily="50" charset="-127"/>
+                  <a:srgbClr val="00002f"/>
+                </a:solidFill>
+                <a:latin typeface="나눔스퀘어 ExtraBold"/>
+                <a:ea typeface="나눔스퀘어 ExtraBold"/>
               </a:rPr>
               <a:t>제주 예산 현황</a:t>
             </a:r>
-            <a:endParaRPr lang="ko-KR" altLang="en-US" sz="3200" spc="-150" dirty="0">
+            <a:endParaRPr lang="ko-KR" altLang="en-US" sz="3200" spc="-150">
               <a:solidFill>
-                <a:srgbClr val="00002F"/>
+                <a:srgbClr val="00002f"/>
               </a:solidFill>
-              <a:latin typeface="나눔스퀘어 ExtraBold" panose="020B0600000101010101" pitchFamily="50" charset="-127"/>
-              <a:ea typeface="나눔스퀘어 ExtraBold" panose="020B0600000101010101" pitchFamily="50" charset="-127"/>
+              <a:latin typeface="나눔스퀘어 ExtraBold"/>
+              <a:ea typeface="나눔스퀘어 ExtraBold"/>
             </a:endParaRPr>
           </a:p>
         </p:txBody>
@@ -1962,8 +2094,8 @@
         </p:nvSpPr>
         <p:spPr>
           <a:xfrm>
-            <a:off x="455532" y="498947"/>
-            <a:ext cx="614271" cy="461665"/>
+            <a:off x="480060" y="498947"/>
+            <a:ext cx="554355" cy="451648"/>
           </a:xfrm>
           <a:prstGeom prst="rect">
             <a:avLst/>
@@ -1971,28 +2103,30 @@
           <a:noFill/>
         </p:spPr>
         <p:txBody>
-          <a:bodyPr wrap="none" rtlCol="0">
+          <a:bodyPr wrap="none">
             <a:spAutoFit/>
           </a:bodyPr>
           <a:lstStyle/>
           <a:p>
-            <a:pPr algn="ctr"/>
-            <a:r>
-              <a:rPr lang="en-US" altLang="ko-KR" sz="2400" spc="-150" dirty="0">
-                <a:solidFill>
-                  <a:srgbClr val="00002F"/>
-                </a:solidFill>
-                <a:latin typeface="나눔스퀘어 ExtraBold" panose="020B0600000101010101" pitchFamily="50" charset="-127"/>
-                <a:ea typeface="나눔스퀘어 ExtraBold" panose="020B0600000101010101" pitchFamily="50" charset="-127"/>
+            <a:pPr algn="ctr">
+              <a:defRPr/>
+            </a:pPr>
+            <a:r>
+              <a:rPr lang="en-US" altLang="ko-KR" sz="2400" spc="-150">
+                <a:solidFill>
+                  <a:srgbClr val="00002f"/>
+                </a:solidFill>
+                <a:latin typeface="나눔스퀘어 ExtraBold"/>
+                <a:ea typeface="나눔스퀘어 ExtraBold"/>
               </a:rPr>
               <a:t>03.</a:t>
             </a:r>
-            <a:endParaRPr lang="ko-KR" altLang="en-US" sz="2400" spc="-150" dirty="0">
+            <a:endParaRPr lang="ko-KR" altLang="en-US" sz="2400" spc="-150">
               <a:solidFill>
-                <a:srgbClr val="00002F"/>
+                <a:srgbClr val="00002f"/>
               </a:solidFill>
-              <a:latin typeface="나눔스퀘어 ExtraBold" panose="020B0600000101010101" pitchFamily="50" charset="-127"/>
-              <a:ea typeface="나눔스퀘어 ExtraBold" panose="020B0600000101010101" pitchFamily="50" charset="-127"/>
+              <a:latin typeface="나눔스퀘어 ExtraBold"/>
+              <a:ea typeface="나눔스퀘어 ExtraBold"/>
             </a:endParaRPr>
           </a:p>
         </p:txBody>
@@ -2005,8 +2139,8 @@
         </p:nvSpPr>
         <p:spPr>
           <a:xfrm>
-            <a:off x="914057" y="1006929"/>
-            <a:ext cx="1093569" cy="369332"/>
+            <a:off x="927735" y="1006929"/>
+            <a:ext cx="1049655" cy="369332"/>
           </a:xfrm>
           <a:prstGeom prst="rect">
             <a:avLst/>
@@ -2014,48 +2148,44 @@
           <a:noFill/>
         </p:spPr>
         <p:txBody>
-          <a:bodyPr wrap="none" rtlCol="0">
+          <a:bodyPr wrap="none">
             <a:spAutoFit/>
           </a:bodyPr>
           <a:lstStyle/>
           <a:p>
-            <a:pPr algn="ctr"/>
+            <a:pPr algn="ctr">
+              <a:defRPr/>
+            </a:pPr>
             <a:r>
               <a:rPr lang="ko-KR" altLang="en-US" spc="-150">
                 <a:solidFill>
-                  <a:srgbClr val="00002F"/>
-                </a:solidFill>
-                <a:latin typeface="나눔스퀘어 ExtraBold" panose="020B0600000101010101" pitchFamily="50" charset="-127"/>
-                <a:ea typeface="나눔스퀘어 ExtraBold" panose="020B0600000101010101" pitchFamily="50" charset="-127"/>
+                  <a:srgbClr val="00002f"/>
+                </a:solidFill>
+                <a:latin typeface="나눔스퀘어 ExtraBold"/>
+                <a:ea typeface="나눔스퀘어 ExtraBold"/>
               </a:rPr>
               <a:t>예산 분배</a:t>
             </a:r>
-            <a:endParaRPr lang="ko-KR" altLang="en-US" spc="-150" dirty="0">
+            <a:endParaRPr lang="ko-KR" altLang="en-US" spc="-150">
               <a:solidFill>
-                <a:srgbClr val="00002F"/>
+                <a:srgbClr val="00002f"/>
               </a:solidFill>
-              <a:latin typeface="나눔스퀘어 ExtraBold" panose="020B0600000101010101" pitchFamily="50" charset="-127"/>
-              <a:ea typeface="나눔스퀘어 ExtraBold" panose="020B0600000101010101" pitchFamily="50" charset="-127"/>
+              <a:latin typeface="나눔스퀘어 ExtraBold"/>
+              <a:ea typeface="나눔스퀘어 ExtraBold"/>
             </a:endParaRPr>
           </a:p>
         </p:txBody>
       </p:sp>
       <p:sp>
         <p:nvSpPr>
-          <p:cNvPr id="13" name="TextBox 12">
-            <a:extLst>
-              <a:ext uri="{FF2B5EF4-FFF2-40B4-BE49-F238E27FC236}">
-                <a16:creationId xmlns:a16="http://schemas.microsoft.com/office/drawing/2014/main" id="{5332C529-7F04-45DB-B18A-1F065F9C06BB}"/>
-              </a:ext>
-            </a:extLst>
-          </p:cNvPr>
+          <p:cNvPr id="13" name="TextBox 12"/>
           <p:cNvSpPr txBox="1"/>
           <p:nvPr/>
         </p:nvSpPr>
         <p:spPr>
           <a:xfrm>
-            <a:off x="1219444" y="4773853"/>
-            <a:ext cx="7850226" cy="1077218"/>
+            <a:off x="495933" y="5726353"/>
+            <a:ext cx="6736080" cy="974978"/>
           </a:xfrm>
           <a:prstGeom prst="rect">
             <a:avLst/>
@@ -2063,97 +2193,105 @@
           <a:noFill/>
         </p:spPr>
         <p:txBody>
-          <a:bodyPr wrap="none" rtlCol="0">
+          <a:bodyPr wrap="square">
             <a:spAutoFit/>
           </a:bodyPr>
           <a:lstStyle/>
           <a:p>
-            <a:pPr algn="ctr"/>
-            <a:r>
-              <a:rPr lang="ko-KR" altLang="en-US" sz="3200" spc="-150" dirty="0">
-                <a:solidFill>
-                  <a:srgbClr val="8DBABD"/>
-                </a:solidFill>
-                <a:latin typeface="나눔스퀘어 ExtraBold" panose="020B0600000101010101" pitchFamily="50" charset="-127"/>
-                <a:ea typeface="나눔스퀘어 ExtraBold" panose="020B0600000101010101" pitchFamily="50" charset="-127"/>
+            <a:pPr algn="ctr">
+              <a:defRPr/>
+            </a:pPr>
+            <a:r>
+              <a:rPr lang="ko-KR" altLang="en-US" sz="2900" spc="-150">
+                <a:solidFill>
+                  <a:srgbClr val="8dbabd"/>
+                </a:solidFill>
+                <a:latin typeface="나눔스퀘어 ExtraBold"/>
+                <a:ea typeface="나눔스퀘어 ExtraBold"/>
               </a:rPr>
               <a:t>중국에 의지하여 수익을 창출하는 것이 아닌</a:t>
             </a:r>
-            <a:endParaRPr lang="en-US" altLang="ko-KR" sz="3200" spc="-150" dirty="0">
+            <a:endParaRPr lang="ko-KR" altLang="en-US" sz="2900" spc="-150">
               <a:solidFill>
-                <a:srgbClr val="8DBABD"/>
+                <a:srgbClr val="8dbabd"/>
               </a:solidFill>
-              <a:latin typeface="나눔스퀘어 ExtraBold" panose="020B0600000101010101" pitchFamily="50" charset="-127"/>
-              <a:ea typeface="나눔스퀘어 ExtraBold" panose="020B0600000101010101" pitchFamily="50" charset="-127"/>
+              <a:latin typeface="나눔스퀘어 ExtraBold"/>
+              <a:ea typeface="나눔스퀘어 ExtraBold"/>
             </a:endParaRPr>
           </a:p>
           <a:p>
-            <a:pPr algn="ctr"/>
-            <a:r>
-              <a:rPr lang="ko-KR" altLang="en-US" sz="3200" spc="-150" dirty="0">
-                <a:solidFill>
-                  <a:srgbClr val="FF0000"/>
-                </a:solidFill>
-                <a:latin typeface="나눔스퀘어 ExtraBold" panose="020B0600000101010101" pitchFamily="50" charset="-127"/>
-                <a:ea typeface="나눔스퀘어 ExtraBold" panose="020B0600000101010101" pitchFamily="50" charset="-127"/>
+            <a:pPr algn="ctr">
+              <a:defRPr/>
+            </a:pPr>
+            <a:r>
+              <a:rPr lang="ko-KR" altLang="en-US" sz="2900" spc="-150">
+                <a:solidFill>
+                  <a:srgbClr val="ff0000"/>
+                </a:solidFill>
+                <a:latin typeface="나눔스퀘어 ExtraBold"/>
+                <a:ea typeface="나눔스퀘어 ExtraBold"/>
               </a:rPr>
               <a:t>다른 발전 방향</a:t>
             </a:r>
             <a:r>
-              <a:rPr lang="ko-KR" altLang="en-US" sz="3200" spc="-150" dirty="0">
-                <a:solidFill>
-                  <a:srgbClr val="8DBABD"/>
-                </a:solidFill>
-                <a:latin typeface="나눔스퀘어 ExtraBold" panose="020B0600000101010101" pitchFamily="50" charset="-127"/>
-                <a:ea typeface="나눔스퀘어 ExtraBold" panose="020B0600000101010101" pitchFamily="50" charset="-127"/>
+              <a:rPr lang="ko-KR" altLang="en-US" sz="2900" spc="-150">
+                <a:solidFill>
+                  <a:srgbClr val="8dbabd"/>
+                </a:solidFill>
+                <a:latin typeface="나눔스퀘어 ExtraBold"/>
+                <a:ea typeface="나눔스퀘어 ExtraBold"/>
               </a:rPr>
               <a:t>을</a:t>
             </a:r>
             <a:r>
-              <a:rPr lang="ko-KR" altLang="en-US" sz="3200" spc="-150" dirty="0">
-                <a:solidFill>
-                  <a:srgbClr val="FF0000"/>
-                </a:solidFill>
-                <a:latin typeface="나눔스퀘어 ExtraBold" panose="020B0600000101010101" pitchFamily="50" charset="-127"/>
-                <a:ea typeface="나눔스퀘어 ExtraBold" panose="020B0600000101010101" pitchFamily="50" charset="-127"/>
+              <a:rPr lang="ko-KR" altLang="en-US" sz="2900" spc="-150">
+                <a:solidFill>
+                  <a:srgbClr val="ff0000"/>
+                </a:solidFill>
+                <a:latin typeface="나눔스퀘어 ExtraBold"/>
+                <a:ea typeface="나눔스퀘어 ExtraBold"/>
               </a:rPr>
               <a:t> </a:t>
             </a:r>
             <a:r>
-              <a:rPr lang="ko-KR" altLang="en-US" sz="3200" spc="-150" dirty="0">
-                <a:solidFill>
-                  <a:srgbClr val="8DBABD"/>
-                </a:solidFill>
-                <a:latin typeface="나눔스퀘어 ExtraBold" panose="020B0600000101010101" pitchFamily="50" charset="-127"/>
-                <a:ea typeface="나눔스퀘어 ExtraBold" panose="020B0600000101010101" pitchFamily="50" charset="-127"/>
+              <a:rPr lang="ko-KR" altLang="en-US" sz="2900" spc="-150">
+                <a:solidFill>
+                  <a:srgbClr val="8dbabd"/>
+                </a:solidFill>
+                <a:latin typeface="나눔스퀘어 ExtraBold"/>
+                <a:ea typeface="나눔스퀘어 ExtraBold"/>
               </a:rPr>
               <a:t>탐색 지원하겠다는 의미</a:t>
             </a:r>
+            <a:endParaRPr lang="ko-KR" altLang="en-US" sz="2900" spc="-150">
+              <a:solidFill>
+                <a:srgbClr val="8dbabd"/>
+              </a:solidFill>
+              <a:latin typeface="나눔스퀘어 ExtraBold"/>
+              <a:ea typeface="나눔스퀘어 ExtraBold"/>
+            </a:endParaRPr>
           </a:p>
         </p:txBody>
       </p:sp>
       <p:sp>
         <p:nvSpPr>
-          <p:cNvPr id="2" name="화살표: 아래쪽 1">
-            <a:extLst>
-              <a:ext uri="{FF2B5EF4-FFF2-40B4-BE49-F238E27FC236}">
-                <a16:creationId xmlns:a16="http://schemas.microsoft.com/office/drawing/2014/main" id="{28779F0D-C9FB-48C8-8E9F-774987FB3B16}"/>
-              </a:ext>
-            </a:extLst>
-          </p:cNvPr>
+          <p:cNvPr id="2" name="화살표: 아래쪽 1"/>
           <p:cNvSpPr/>
           <p:nvPr/>
         </p:nvSpPr>
         <p:spPr>
           <a:xfrm>
-            <a:off x="2806700" y="2988129"/>
+            <a:off x="1752870" y="4332437"/>
             <a:ext cx="355600" cy="1130300"/>
           </a:xfrm>
           <a:prstGeom prst="downArrow">
-            <a:avLst/>
+            <a:avLst>
+              <a:gd name="adj1" fmla="val 50000"/>
+              <a:gd name="adj2" fmla="val 50000"/>
+            </a:avLst>
           </a:prstGeom>
           <a:solidFill>
-            <a:srgbClr val="8DBABD"/>
+            <a:srgbClr val="8dbabd"/>
           </a:solidFill>
         </p:spPr>
         <p:style>
@@ -2173,29 +2311,91 @@
           </a:fontRef>
         </p:style>
         <p:txBody>
-          <a:bodyPr rtlCol="0" anchor="ctr"/>
+          <a:bodyPr anchor="ctr"/>
           <a:lstStyle/>
           <a:p>
-            <a:pPr algn="ctr"/>
+            <a:pPr algn="ctr">
+              <a:defRPr/>
+            </a:pPr>
             <a:endParaRPr lang="ko-KR" altLang="en-US"/>
           </a:p>
         </p:txBody>
       </p:sp>
+      <p:pic>
+        <p:nvPicPr>
+          <p:cNvPr id="22" name=""/>
+          <p:cNvPicPr>
+            <a:picLocks noChangeAspect="1"/>
+          </p:cNvPicPr>
+          <p:nvPr/>
+        </p:nvPicPr>
+        <p:blipFill rotWithShape="1">
+          <a:blip r:embed="rId2"/>
+          <a:stretch>
+            <a:fillRect/>
+          </a:stretch>
+        </p:blipFill>
+        <p:spPr>
+          <a:xfrm>
+            <a:off x="3859518" y="269858"/>
+            <a:ext cx="7942114" cy="5494133"/>
+          </a:xfrm>
+          <a:prstGeom prst="rect">
+            <a:avLst/>
+          </a:prstGeom>
+        </p:spPr>
+      </p:pic>
     </p:spTree>
-    <p:extLst>
-      <p:ext uri="{BB962C8B-B14F-4D97-AF65-F5344CB8AC3E}">
-        <p14:creationId xmlns:p14="http://schemas.microsoft.com/office/powerpoint/2010/main" val="4104920165"/>
-      </p:ext>
-    </p:extLst>
   </p:cSld>
   <p:clrMapOvr>
     <a:masterClrMapping/>
   </p:clrMapOvr>
+  <mc:AlternateContent xmlns:mc="http://schemas.openxmlformats.org/markup-compatibility/2006">
+    <mc:Choice xmlns:p14="http://schemas.microsoft.com/office/powerpoint/2010/main" Requires="p14">
+      <p:transition xmlns:mc="http://schemas.openxmlformats.org/markup-compatibility/2006" xmlns:p14="http://schemas.microsoft.com/office/powerpoint/2010/main" mc:Ignorable="p14" p14:dur="500"/>
+    </mc:Choice>
+    <mc:Fallback>
+      <p:transition/>
+    </mc:Fallback>
+  </mc:AlternateContent>
 </p:sld>
 </file>
 
 <file path=ppt/slides/slide13.xml><?xml version="1.0" encoding="utf-8"?>
-<p:sld xmlns:a="http://schemas.openxmlformats.org/drawingml/2006/main" xmlns:r="http://schemas.openxmlformats.org/officeDocument/2006/relationships" xmlns:p="http://schemas.openxmlformats.org/presentationml/2006/main">
+<p:sld xmlns:r="http://schemas.openxmlformats.org/officeDocument/2006/relationships" xmlns:c="http://schemas.openxmlformats.org/drawingml/2006/chart" xmlns:a="http://schemas.openxmlformats.org/drawingml/2006/main" xmlns:dgm="http://schemas.openxmlformats.org/drawingml/2006/diagram" xmlns:dsp="http://schemas.microsoft.com/office/drawing/2008/diagram" xmlns:p="http://schemas.openxmlformats.org/presentationml/2006/main">
+  <p:cSld>
+    <p:spTree>
+      <p:nvGrpSpPr>
+        <p:cNvPr id="1" name=""/>
+        <p:cNvGrpSpPr/>
+        <p:nvPr/>
+      </p:nvGrpSpPr>
+      <p:grpSpPr>
+        <a:xfrm>
+          <a:off x="0" y="0"/>
+          <a:ext cx="0" cy="0"/>
+          <a:chOff x="0" y="0"/>
+          <a:chExt cx="0" cy="0"/>
+        </a:xfrm>
+      </p:grpSpPr>
+    </p:spTree>
+  </p:cSld>
+  <p:clrMapOvr>
+    <a:masterClrMapping/>
+  </p:clrMapOvr>
+  <mc:AlternateContent xmlns:mc="http://schemas.openxmlformats.org/markup-compatibility/2006">
+    <mc:Choice xmlns:p14="http://schemas.microsoft.com/office/powerpoint/2010/main" Requires="p14">
+      <p:transition xmlns:mc="http://schemas.openxmlformats.org/markup-compatibility/2006" xmlns:p14="http://schemas.microsoft.com/office/powerpoint/2010/main" mc:Ignorable="p14" p14:dur="500"/>
+    </mc:Choice>
+    <mc:Fallback>
+      <p:transition/>
+    </mc:Fallback>
+  </mc:AlternateContent>
+</p:sld>
+</file>
+
+<file path=ppt/slides/slide14.xml><?xml version="1.0" encoding="utf-8"?>
+<p:sld xmlns:r="http://schemas.openxmlformats.org/officeDocument/2006/relationships" xmlns:c="http://schemas.openxmlformats.org/drawingml/2006/chart" xmlns:a="http://schemas.openxmlformats.org/drawingml/2006/main" xmlns:dgm="http://schemas.openxmlformats.org/drawingml/2006/diagram" xmlns:dsp="http://schemas.microsoft.com/office/drawing/2008/diagram" xmlns:p="http://schemas.openxmlformats.org/presentationml/2006/main">
   <p:cSld>
     <p:spTree>
       <p:nvGrpSpPr>
@@ -2220,7 +2420,7 @@
         <p:spPr>
           <a:xfrm>
             <a:off x="4000500" y="2472873"/>
-            <a:ext cx="797013" cy="769441"/>
+            <a:ext cx="729615" cy="754197"/>
           </a:xfrm>
           <a:prstGeom prst="rect">
             <a:avLst/>
@@ -2228,27 +2428,30 @@
           <a:noFill/>
         </p:spPr>
         <p:txBody>
-          <a:bodyPr wrap="none" rtlCol="0">
+          <a:bodyPr wrap="none">
             <a:spAutoFit/>
           </a:bodyPr>
           <a:lstStyle/>
           <a:p>
-            <a:r>
-              <a:rPr lang="en-US" altLang="ko-KR" sz="4400" spc="-300" dirty="0">
-                <a:solidFill>
-                  <a:srgbClr val="00002F"/>
-                </a:solidFill>
-                <a:latin typeface="나눔스퀘어 Bold" panose="020B0600000101010101" pitchFamily="50" charset="-127"/>
-                <a:ea typeface="나눔스퀘어 Bold" panose="020B0600000101010101" pitchFamily="50" charset="-127"/>
+            <a:pPr lvl="0">
+              <a:defRPr/>
+            </a:pPr>
+            <a:r>
+              <a:rPr lang="en-US" altLang="ko-KR" sz="4400" spc="-300">
+                <a:solidFill>
+                  <a:srgbClr val="00002f"/>
+                </a:solidFill>
+                <a:latin typeface="나눔스퀘어 Bold"/>
+                <a:ea typeface="나눔스퀘어 Bold"/>
               </a:rPr>
               <a:t>04</a:t>
             </a:r>
-            <a:endParaRPr lang="ko-KR" altLang="en-US" sz="4400" spc="-300" dirty="0">
+            <a:endParaRPr lang="ko-KR" altLang="en-US" sz="4400" spc="-300">
               <a:solidFill>
-                <a:srgbClr val="00002F"/>
+                <a:srgbClr val="00002f"/>
               </a:solidFill>
-              <a:latin typeface="나눔스퀘어 Bold" panose="020B0600000101010101" pitchFamily="50" charset="-127"/>
-              <a:ea typeface="나눔스퀘어 Bold" panose="020B0600000101010101" pitchFamily="50" charset="-127"/>
+              <a:latin typeface="나눔스퀘어 Bold"/>
+              <a:ea typeface="나눔스퀘어 Bold"/>
             </a:endParaRPr>
           </a:p>
         </p:txBody>
@@ -2268,11 +2471,11 @@
             <a:avLst/>
           </a:prstGeom>
           <a:solidFill>
-            <a:srgbClr val="8DBABD"/>
+            <a:srgbClr val="8dbabd"/>
           </a:solidFill>
           <a:ln>
             <a:solidFill>
-              <a:srgbClr val="8DBABD"/>
+              <a:srgbClr val="8dbabd"/>
             </a:solidFill>
           </a:ln>
         </p:spPr>
@@ -2293,604 +2496,39 @@
           </a:fontRef>
         </p:style>
         <p:txBody>
-          <a:bodyPr rtlCol="0" anchor="ctr"/>
+          <a:bodyPr anchor="ctr"/>
           <a:lstStyle/>
           <a:p>
-            <a:pPr algn="ctr"/>
-            <a:r>
-              <a:rPr lang="ko-KR" altLang="en-US" dirty="0">
-                <a:latin typeface="나눔스퀘어 Bold" panose="020B0600000101010101" pitchFamily="50" charset="-127"/>
-                <a:ea typeface="나눔스퀘어 Bold" panose="020B0600000101010101" pitchFamily="50" charset="-127"/>
+            <a:pPr algn="ctr">
+              <a:defRPr/>
+            </a:pPr>
+            <a:r>
+              <a:rPr lang="ko-KR" altLang="en-US">
+                <a:latin typeface="나눔스퀘어 Bold"/>
+                <a:ea typeface="나눔스퀘어 Bold"/>
               </a:rPr>
               <a:t>최종 결과물 방향</a:t>
             </a:r>
+            <a:endParaRPr lang="ko-KR" altLang="en-US">
+              <a:latin typeface="나눔스퀘어 Bold"/>
+              <a:ea typeface="나눔스퀘어 Bold"/>
+            </a:endParaRPr>
           </a:p>
         </p:txBody>
       </p:sp>
     </p:spTree>
-    <p:extLst>
-      <p:ext uri="{BB962C8B-B14F-4D97-AF65-F5344CB8AC3E}">
-        <p14:creationId xmlns:p14="http://schemas.microsoft.com/office/powerpoint/2010/main" val="2671169022"/>
-      </p:ext>
-    </p:extLst>
   </p:cSld>
   <p:clrMapOvr>
     <a:masterClrMapping/>
   </p:clrMapOvr>
-</p:sld>
-</file>
-
-<file path=ppt/slides/slide14.xml><?xml version="1.0" encoding="utf-8"?>
-<p:sld xmlns:a="http://schemas.openxmlformats.org/drawingml/2006/main" xmlns:r="http://schemas.openxmlformats.org/officeDocument/2006/relationships" xmlns:p="http://schemas.openxmlformats.org/presentationml/2006/main">
-  <p:cSld>
-    <p:spTree>
-      <p:nvGrpSpPr>
-        <p:cNvPr id="1" name=""/>
-        <p:cNvGrpSpPr/>
-        <p:nvPr/>
-      </p:nvGrpSpPr>
-      <p:grpSpPr>
-        <a:xfrm>
-          <a:off x="0" y="0"/>
-          <a:ext cx="0" cy="0"/>
-          <a:chOff x="0" y="0"/>
-          <a:chExt cx="0" cy="0"/>
-        </a:xfrm>
-      </p:grpSpPr>
-      <p:sp>
-        <p:nvSpPr>
-          <p:cNvPr id="11" name="TextBox 10"/>
-          <p:cNvSpPr txBox="1"/>
-          <p:nvPr/>
-        </p:nvSpPr>
-        <p:spPr>
-          <a:xfrm>
-            <a:off x="2827120" y="1573923"/>
-            <a:ext cx="5769528" cy="1569660"/>
-          </a:xfrm>
-          <a:prstGeom prst="rect">
-            <a:avLst/>
-          </a:prstGeom>
-          <a:noFill/>
-        </p:spPr>
-        <p:txBody>
-          <a:bodyPr wrap="none" rtlCol="0">
-            <a:spAutoFit/>
-          </a:bodyPr>
-          <a:lstStyle/>
-          <a:p>
-            <a:pPr algn="ctr"/>
-            <a:r>
-              <a:rPr lang="ko-KR" altLang="en-US" sz="3200" spc="-150" dirty="0">
-                <a:solidFill>
-                  <a:srgbClr val="8DBABD"/>
-                </a:solidFill>
-                <a:latin typeface="나눔스퀘어 ExtraBold" panose="020B0600000101010101" pitchFamily="50" charset="-127"/>
-                <a:ea typeface="나눔스퀘어 ExtraBold" panose="020B0600000101010101" pitchFamily="50" charset="-127"/>
-              </a:rPr>
-              <a:t>앞으로의 발전을 위해</a:t>
-            </a:r>
-            <a:endParaRPr lang="en-US" altLang="ko-KR" sz="3200" spc="-150" dirty="0">
-              <a:solidFill>
-                <a:srgbClr val="8DBABD"/>
-              </a:solidFill>
-              <a:latin typeface="나눔스퀘어 ExtraBold" panose="020B0600000101010101" pitchFamily="50" charset="-127"/>
-              <a:ea typeface="나눔스퀘어 ExtraBold" panose="020B0600000101010101" pitchFamily="50" charset="-127"/>
-            </a:endParaRPr>
-          </a:p>
-          <a:p>
-            <a:pPr algn="ctr"/>
-            <a:r>
-              <a:rPr lang="ko-KR" altLang="en-US" sz="3200" spc="-150" dirty="0">
-                <a:solidFill>
-                  <a:srgbClr val="8DBABD"/>
-                </a:solidFill>
-                <a:latin typeface="나눔스퀘어 ExtraBold" panose="020B0600000101010101" pitchFamily="50" charset="-127"/>
-                <a:ea typeface="나눔스퀘어 ExtraBold" panose="020B0600000101010101" pitchFamily="50" charset="-127"/>
-              </a:rPr>
-              <a:t>예산을 효율적으로 사용하여</a:t>
-            </a:r>
-            <a:endParaRPr lang="en-US" altLang="ko-KR" sz="3200" spc="-150" dirty="0">
-              <a:solidFill>
-                <a:srgbClr val="8DBABD"/>
-              </a:solidFill>
-              <a:latin typeface="나눔스퀘어 ExtraBold" panose="020B0600000101010101" pitchFamily="50" charset="-127"/>
-              <a:ea typeface="나눔스퀘어 ExtraBold" panose="020B0600000101010101" pitchFamily="50" charset="-127"/>
-            </a:endParaRPr>
-          </a:p>
-          <a:p>
-            <a:pPr algn="ctr"/>
-            <a:r>
-              <a:rPr lang="ko-KR" altLang="en-US" sz="3200" spc="-150" dirty="0">
-                <a:solidFill>
-                  <a:srgbClr val="8DBABD"/>
-                </a:solidFill>
-                <a:latin typeface="나눔스퀘어 ExtraBold" panose="020B0600000101010101" pitchFamily="50" charset="-127"/>
-                <a:ea typeface="나눔스퀘어 ExtraBold" panose="020B0600000101010101" pitchFamily="50" charset="-127"/>
-              </a:rPr>
-              <a:t>탄탄한 </a:t>
-            </a:r>
-            <a:r>
-              <a:rPr lang="ko-KR" altLang="en-US" sz="3200" spc="-150" dirty="0">
-                <a:solidFill>
-                  <a:srgbClr val="FF0000"/>
-                </a:solidFill>
-                <a:latin typeface="나눔스퀘어 ExtraBold" panose="020B0600000101010101" pitchFamily="50" charset="-127"/>
-                <a:ea typeface="나눔스퀘어 ExtraBold" panose="020B0600000101010101" pitchFamily="50" charset="-127"/>
-              </a:rPr>
-              <a:t>내국인 고객 </a:t>
-            </a:r>
-            <a:r>
-              <a:rPr lang="ko-KR" altLang="en-US" sz="3200" spc="-150" dirty="0">
-                <a:solidFill>
-                  <a:srgbClr val="8DBABD"/>
-                </a:solidFill>
-                <a:latin typeface="나눔스퀘어 ExtraBold" panose="020B0600000101010101" pitchFamily="50" charset="-127"/>
-                <a:ea typeface="나눔스퀘어 ExtraBold" panose="020B0600000101010101" pitchFamily="50" charset="-127"/>
-              </a:rPr>
-              <a:t>유치가 관건</a:t>
-            </a:r>
-          </a:p>
-        </p:txBody>
-      </p:sp>
-      <p:cxnSp>
-        <p:nvCxnSpPr>
-          <p:cNvPr id="14" name="직선 연결선 13"/>
-          <p:cNvCxnSpPr/>
-          <p:nvPr/>
-        </p:nvCxnSpPr>
-        <p:spPr>
-          <a:xfrm>
-            <a:off x="10430892" y="144941"/>
-            <a:ext cx="360000" cy="0"/>
-          </a:xfrm>
-          <a:prstGeom prst="line">
-            <a:avLst/>
-          </a:prstGeom>
-          <a:ln w="44450" cap="rnd">
-            <a:solidFill>
-              <a:srgbClr val="D0CECE"/>
-            </a:solidFill>
-          </a:ln>
-          <a:effectLst>
-            <a:outerShdw blurRad="50800" dist="38100" dir="5400000" algn="t" rotWithShape="0">
-              <a:prstClr val="black">
-                <a:alpha val="40000"/>
-              </a:prstClr>
-            </a:outerShdw>
-          </a:effectLst>
-        </p:spPr>
-        <p:style>
-          <a:lnRef idx="1">
-            <a:schemeClr val="accent1"/>
-          </a:lnRef>
-          <a:fillRef idx="0">
-            <a:schemeClr val="accent1"/>
-          </a:fillRef>
-          <a:effectRef idx="0">
-            <a:schemeClr val="accent1"/>
-          </a:effectRef>
-          <a:fontRef idx="minor">
-            <a:schemeClr val="tx1"/>
-          </a:fontRef>
-        </p:style>
-      </p:cxnSp>
-      <p:cxnSp>
-        <p:nvCxnSpPr>
-          <p:cNvPr id="15" name="직선 연결선 14"/>
-          <p:cNvCxnSpPr/>
-          <p:nvPr/>
-        </p:nvCxnSpPr>
-        <p:spPr>
-          <a:xfrm>
-            <a:off x="10858459" y="144941"/>
-            <a:ext cx="360000" cy="0"/>
-          </a:xfrm>
-          <a:prstGeom prst="line">
-            <a:avLst/>
-          </a:prstGeom>
-          <a:ln w="44450" cap="rnd">
-            <a:solidFill>
-              <a:schemeClr val="bg2">
-                <a:lumMod val="90000"/>
-              </a:schemeClr>
-            </a:solidFill>
-          </a:ln>
-          <a:effectLst>
-            <a:outerShdw blurRad="50800" dist="38100" dir="5400000" algn="t" rotWithShape="0">
-              <a:prstClr val="black">
-                <a:alpha val="40000"/>
-              </a:prstClr>
-            </a:outerShdw>
-          </a:effectLst>
-        </p:spPr>
-        <p:style>
-          <a:lnRef idx="1">
-            <a:schemeClr val="accent1"/>
-          </a:lnRef>
-          <a:fillRef idx="0">
-            <a:schemeClr val="accent1"/>
-          </a:fillRef>
-          <a:effectRef idx="0">
-            <a:schemeClr val="accent1"/>
-          </a:effectRef>
-          <a:fontRef idx="minor">
-            <a:schemeClr val="tx1"/>
-          </a:fontRef>
-        </p:style>
-      </p:cxnSp>
-      <p:cxnSp>
-        <p:nvCxnSpPr>
-          <p:cNvPr id="16" name="직선 연결선 15"/>
-          <p:cNvCxnSpPr/>
-          <p:nvPr/>
-        </p:nvCxnSpPr>
-        <p:spPr>
-          <a:xfrm>
-            <a:off x="11286026" y="144941"/>
-            <a:ext cx="360000" cy="0"/>
-          </a:xfrm>
-          <a:prstGeom prst="line">
-            <a:avLst/>
-          </a:prstGeom>
-          <a:ln w="44450" cap="rnd">
-            <a:solidFill>
-              <a:schemeClr val="bg2">
-                <a:lumMod val="90000"/>
-              </a:schemeClr>
-            </a:solidFill>
-          </a:ln>
-          <a:effectLst>
-            <a:outerShdw blurRad="50800" dist="38100" dir="5400000" algn="t" rotWithShape="0">
-              <a:prstClr val="black">
-                <a:alpha val="40000"/>
-              </a:prstClr>
-            </a:outerShdw>
-          </a:effectLst>
-        </p:spPr>
-        <p:style>
-          <a:lnRef idx="1">
-            <a:schemeClr val="accent1"/>
-          </a:lnRef>
-          <a:fillRef idx="0">
-            <a:schemeClr val="accent1"/>
-          </a:fillRef>
-          <a:effectRef idx="0">
-            <a:schemeClr val="accent1"/>
-          </a:effectRef>
-          <a:fontRef idx="minor">
-            <a:schemeClr val="tx1"/>
-          </a:fontRef>
-        </p:style>
-      </p:cxnSp>
-      <p:cxnSp>
-        <p:nvCxnSpPr>
-          <p:cNvPr id="17" name="직선 연결선 16"/>
-          <p:cNvCxnSpPr/>
-          <p:nvPr/>
-        </p:nvCxnSpPr>
-        <p:spPr>
-          <a:xfrm>
-            <a:off x="11713592" y="144941"/>
-            <a:ext cx="360000" cy="0"/>
-          </a:xfrm>
-          <a:prstGeom prst="line">
-            <a:avLst/>
-          </a:prstGeom>
-          <a:ln w="44450" cap="rnd">
-            <a:solidFill>
-              <a:srgbClr val="8DBABD"/>
-            </a:solidFill>
-          </a:ln>
-          <a:effectLst>
-            <a:outerShdw blurRad="50800" dist="38100" dir="5400000" algn="t" rotWithShape="0">
-              <a:prstClr val="black">
-                <a:alpha val="40000"/>
-              </a:prstClr>
-            </a:outerShdw>
-          </a:effectLst>
-        </p:spPr>
-        <p:style>
-          <a:lnRef idx="1">
-            <a:schemeClr val="accent1"/>
-          </a:lnRef>
-          <a:fillRef idx="0">
-            <a:schemeClr val="accent1"/>
-          </a:fillRef>
-          <a:effectRef idx="0">
-            <a:schemeClr val="accent1"/>
-          </a:effectRef>
-          <a:fontRef idx="minor">
-            <a:schemeClr val="tx1"/>
-          </a:fontRef>
-        </p:style>
-      </p:cxnSp>
-      <p:cxnSp>
-        <p:nvCxnSpPr>
-          <p:cNvPr id="18" name="직선 연결선 17"/>
-          <p:cNvCxnSpPr>
-            <a:cxnSpLocks/>
-          </p:cNvCxnSpPr>
-          <p:nvPr/>
-        </p:nvCxnSpPr>
-        <p:spPr>
-          <a:xfrm>
-            <a:off x="1153522" y="989148"/>
-            <a:ext cx="2732678" cy="0"/>
-          </a:xfrm>
-          <a:prstGeom prst="line">
-            <a:avLst/>
-          </a:prstGeom>
-          <a:ln>
-            <a:solidFill>
-              <a:schemeClr val="bg1">
-                <a:lumMod val="50000"/>
-              </a:schemeClr>
-            </a:solidFill>
-          </a:ln>
-        </p:spPr>
-        <p:style>
-          <a:lnRef idx="1">
-            <a:schemeClr val="accent1"/>
-          </a:lnRef>
-          <a:fillRef idx="0">
-            <a:schemeClr val="accent1"/>
-          </a:fillRef>
-          <a:effectRef idx="0">
-            <a:schemeClr val="accent1"/>
-          </a:effectRef>
-          <a:fontRef idx="minor">
-            <a:schemeClr val="tx1"/>
-          </a:fontRef>
-        </p:style>
-      </p:cxnSp>
-      <p:sp>
-        <p:nvSpPr>
-          <p:cNvPr id="19" name="TextBox 18"/>
-          <p:cNvSpPr txBox="1"/>
-          <p:nvPr/>
-        </p:nvSpPr>
-        <p:spPr>
-          <a:xfrm>
-            <a:off x="940679" y="437393"/>
-            <a:ext cx="3172663" cy="584775"/>
-          </a:xfrm>
-          <a:prstGeom prst="rect">
-            <a:avLst/>
-          </a:prstGeom>
-          <a:noFill/>
-        </p:spPr>
-        <p:txBody>
-          <a:bodyPr wrap="none" rtlCol="0">
-            <a:spAutoFit/>
-          </a:bodyPr>
-          <a:lstStyle/>
-          <a:p>
-            <a:pPr algn="ctr"/>
-            <a:r>
-              <a:rPr lang="ko-KR" altLang="en-US" sz="3200" spc="-150">
-                <a:solidFill>
-                  <a:srgbClr val="00002F"/>
-                </a:solidFill>
-                <a:latin typeface="나눔스퀘어 ExtraBold" panose="020B0600000101010101" pitchFamily="50" charset="-127"/>
-                <a:ea typeface="나눔스퀘어 ExtraBold" panose="020B0600000101010101" pitchFamily="50" charset="-127"/>
-              </a:rPr>
-              <a:t>최종 결과물 방향</a:t>
-            </a:r>
-            <a:endParaRPr lang="ko-KR" altLang="en-US" sz="3200" spc="-150" dirty="0">
-              <a:solidFill>
-                <a:srgbClr val="00002F"/>
-              </a:solidFill>
-              <a:latin typeface="나눔스퀘어 ExtraBold" panose="020B0600000101010101" pitchFamily="50" charset="-127"/>
-              <a:ea typeface="나눔스퀘어 ExtraBold" panose="020B0600000101010101" pitchFamily="50" charset="-127"/>
-            </a:endParaRPr>
-          </a:p>
-        </p:txBody>
-      </p:sp>
-      <p:sp>
-        <p:nvSpPr>
-          <p:cNvPr id="20" name="TextBox 19"/>
-          <p:cNvSpPr txBox="1"/>
-          <p:nvPr/>
-        </p:nvSpPr>
-        <p:spPr>
-          <a:xfrm>
-            <a:off x="455532" y="498947"/>
-            <a:ext cx="614271" cy="461665"/>
-          </a:xfrm>
-          <a:prstGeom prst="rect">
-            <a:avLst/>
-          </a:prstGeom>
-          <a:noFill/>
-        </p:spPr>
-        <p:txBody>
-          <a:bodyPr wrap="none" rtlCol="0">
-            <a:spAutoFit/>
-          </a:bodyPr>
-          <a:lstStyle/>
-          <a:p>
-            <a:pPr algn="ctr"/>
-            <a:r>
-              <a:rPr lang="en-US" altLang="ko-KR" sz="2400" spc="-150" dirty="0">
-                <a:solidFill>
-                  <a:srgbClr val="00002F"/>
-                </a:solidFill>
-                <a:latin typeface="나눔스퀘어 ExtraBold" panose="020B0600000101010101" pitchFamily="50" charset="-127"/>
-                <a:ea typeface="나눔스퀘어 ExtraBold" panose="020B0600000101010101" pitchFamily="50" charset="-127"/>
-              </a:rPr>
-              <a:t>04.</a:t>
-            </a:r>
-            <a:endParaRPr lang="ko-KR" altLang="en-US" sz="2400" spc="-150" dirty="0">
-              <a:solidFill>
-                <a:srgbClr val="00002F"/>
-              </a:solidFill>
-              <a:latin typeface="나눔스퀘어 ExtraBold" panose="020B0600000101010101" pitchFamily="50" charset="-127"/>
-              <a:ea typeface="나눔스퀘어 ExtraBold" panose="020B0600000101010101" pitchFamily="50" charset="-127"/>
-            </a:endParaRPr>
-          </a:p>
-        </p:txBody>
-      </p:sp>
-      <p:sp>
-        <p:nvSpPr>
-          <p:cNvPr id="21" name="TextBox 20"/>
-          <p:cNvSpPr txBox="1"/>
-          <p:nvPr/>
-        </p:nvSpPr>
-        <p:spPr>
-          <a:xfrm>
-            <a:off x="1069803" y="1006929"/>
-            <a:ext cx="578876" cy="369332"/>
-          </a:xfrm>
-          <a:prstGeom prst="rect">
-            <a:avLst/>
-          </a:prstGeom>
-          <a:noFill/>
-        </p:spPr>
-        <p:txBody>
-          <a:bodyPr wrap="none" rtlCol="0">
-            <a:spAutoFit/>
-          </a:bodyPr>
-          <a:lstStyle/>
-          <a:p>
-            <a:pPr algn="ctr"/>
-            <a:r>
-              <a:rPr lang="en-US" altLang="ko-KR" spc="-150" dirty="0">
-                <a:solidFill>
-                  <a:srgbClr val="00002F"/>
-                </a:solidFill>
-                <a:latin typeface="나눔스퀘어 ExtraBold" panose="020B0600000101010101" pitchFamily="50" charset="-127"/>
-                <a:ea typeface="나눔스퀘어 ExtraBold" panose="020B0600000101010101" pitchFamily="50" charset="-127"/>
-              </a:rPr>
-              <a:t>Text</a:t>
-            </a:r>
-            <a:endParaRPr lang="ko-KR" altLang="en-US" spc="-150" dirty="0">
-              <a:solidFill>
-                <a:srgbClr val="00002F"/>
-              </a:solidFill>
-              <a:latin typeface="나눔스퀘어 ExtraBold" panose="020B0600000101010101" pitchFamily="50" charset="-127"/>
-              <a:ea typeface="나눔스퀘어 ExtraBold" panose="020B0600000101010101" pitchFamily="50" charset="-127"/>
-            </a:endParaRPr>
-          </a:p>
-        </p:txBody>
-      </p:sp>
-      <p:sp>
-        <p:nvSpPr>
-          <p:cNvPr id="12" name="TextBox 11">
-            <a:extLst>
-              <a:ext uri="{FF2B5EF4-FFF2-40B4-BE49-F238E27FC236}">
-                <a16:creationId xmlns:a16="http://schemas.microsoft.com/office/drawing/2014/main" id="{DA5FDF32-9ADD-49FD-B8AE-02C936951E6A}"/>
-              </a:ext>
-            </a:extLst>
-          </p:cNvPr>
-          <p:cNvSpPr txBox="1"/>
-          <p:nvPr/>
-        </p:nvSpPr>
-        <p:spPr>
-          <a:xfrm>
-            <a:off x="1075042" y="4041170"/>
-            <a:ext cx="9273694" cy="584775"/>
-          </a:xfrm>
-          <a:prstGeom prst="rect">
-            <a:avLst/>
-          </a:prstGeom>
-          <a:noFill/>
-        </p:spPr>
-        <p:txBody>
-          <a:bodyPr wrap="none" rtlCol="0">
-            <a:spAutoFit/>
-          </a:bodyPr>
-          <a:lstStyle/>
-          <a:p>
-            <a:pPr algn="ctr"/>
-            <a:r>
-              <a:rPr lang="ko-KR" altLang="en-US" sz="3200" spc="-150" dirty="0">
-                <a:solidFill>
-                  <a:srgbClr val="8DBABD"/>
-                </a:solidFill>
-                <a:latin typeface="나눔스퀘어 ExtraBold" panose="020B0600000101010101" pitchFamily="50" charset="-127"/>
-                <a:ea typeface="나눔스퀘어 ExtraBold" panose="020B0600000101010101" pitchFamily="50" charset="-127"/>
-              </a:rPr>
-              <a:t>내국인을 유치 할 수 있는 관광 아이템을 제시하겠다</a:t>
-            </a:r>
-            <a:r>
-              <a:rPr lang="en-US" altLang="ko-KR" sz="3200" spc="-150" dirty="0">
-                <a:solidFill>
-                  <a:srgbClr val="8DBABD"/>
-                </a:solidFill>
-                <a:latin typeface="나눔스퀘어 ExtraBold" panose="020B0600000101010101" pitchFamily="50" charset="-127"/>
-                <a:ea typeface="나눔스퀘어 ExtraBold" panose="020B0600000101010101" pitchFamily="50" charset="-127"/>
-              </a:rPr>
-              <a:t>.</a:t>
-            </a:r>
-            <a:endParaRPr lang="ko-KR" altLang="en-US" sz="3200" spc="-150" dirty="0">
-              <a:solidFill>
-                <a:srgbClr val="8DBABD"/>
-              </a:solidFill>
-              <a:latin typeface="나눔스퀘어 ExtraBold" panose="020B0600000101010101" pitchFamily="50" charset="-127"/>
-              <a:ea typeface="나눔스퀘어 ExtraBold" panose="020B0600000101010101" pitchFamily="50" charset="-127"/>
-            </a:endParaRPr>
-          </a:p>
-        </p:txBody>
-      </p:sp>
-      <p:sp>
-        <p:nvSpPr>
-          <p:cNvPr id="2" name="화살표: 아래쪽 1">
-            <a:extLst>
-              <a:ext uri="{FF2B5EF4-FFF2-40B4-BE49-F238E27FC236}">
-                <a16:creationId xmlns:a16="http://schemas.microsoft.com/office/drawing/2014/main" id="{BEB7287D-3432-46F9-823A-CDE4E83437EA}"/>
-              </a:ext>
-            </a:extLst>
-          </p:cNvPr>
-          <p:cNvSpPr/>
-          <p:nvPr/>
-        </p:nvSpPr>
-        <p:spPr>
-          <a:xfrm>
-            <a:off x="5156200" y="3302000"/>
-            <a:ext cx="939800" cy="584775"/>
-          </a:xfrm>
-          <a:prstGeom prst="downArrow">
-            <a:avLst/>
-          </a:prstGeom>
-          <a:solidFill>
-            <a:srgbClr val="8DBABD"/>
-          </a:solidFill>
-        </p:spPr>
-        <p:style>
-          <a:lnRef idx="2">
-            <a:schemeClr val="accent1">
-              <a:shade val="50000"/>
-            </a:schemeClr>
-          </a:lnRef>
-          <a:fillRef idx="1">
-            <a:schemeClr val="accent1"/>
-          </a:fillRef>
-          <a:effectRef idx="0">
-            <a:schemeClr val="accent1"/>
-          </a:effectRef>
-          <a:fontRef idx="minor">
-            <a:schemeClr val="lt1"/>
-          </a:fontRef>
-        </p:style>
-        <p:txBody>
-          <a:bodyPr rtlCol="0" anchor="ctr"/>
-          <a:lstStyle/>
-          <a:p>
-            <a:pPr algn="ctr"/>
-            <a:endParaRPr lang="ko-KR" altLang="en-US"/>
-          </a:p>
-        </p:txBody>
-      </p:sp>
-    </p:spTree>
-    <p:extLst>
-      <p:ext uri="{BB962C8B-B14F-4D97-AF65-F5344CB8AC3E}">
-        <p14:creationId xmlns:p14="http://schemas.microsoft.com/office/powerpoint/2010/main" val="2511007924"/>
-      </p:ext>
-    </p:extLst>
-  </p:cSld>
-  <p:clrMapOvr>
-    <a:masterClrMapping/>
-  </p:clrMapOvr>
+  <mc:AlternateContent xmlns:mc="http://schemas.openxmlformats.org/markup-compatibility/2006">
+    <mc:Choice xmlns:p14="http://schemas.microsoft.com/office/powerpoint/2010/main" Requires="p14">
+      <p:transition xmlns:mc="http://schemas.openxmlformats.org/markup-compatibility/2006" xmlns:p14="http://schemas.microsoft.com/office/powerpoint/2010/main" mc:Ignorable="p14" p14:dur="500"/>
+    </mc:Choice>
+    <mc:Fallback>
+      <p:transition/>
+    </mc:Fallback>
+  </mc:AlternateContent>
 </p:sld>
 </file>
 
@@ -2913,6 +2551,580 @@
       </p:grpSpPr>
       <p:sp>
         <p:nvSpPr>
+          <p:cNvPr id="11" name="TextBox 10"/>
+          <p:cNvSpPr txBox="1"/>
+          <p:nvPr/>
+        </p:nvSpPr>
+        <p:spPr>
+          <a:xfrm>
+            <a:off x="2827120" y="1573923"/>
+            <a:ext cx="5769528" cy="1569660"/>
+          </a:xfrm>
+          <a:prstGeom prst="rect">
+            <a:avLst/>
+          </a:prstGeom>
+          <a:noFill/>
+        </p:spPr>
+        <p:txBody>
+          <a:bodyPr wrap="none" rtlCol="0">
+            <a:spAutoFit/>
+          </a:bodyPr>
+          <a:lstStyle/>
+          <a:p>
+            <a:pPr algn="ctr"/>
+            <a:r>
+              <a:rPr lang="ko-KR" altLang="en-US" sz="3200" spc="-150" dirty="0">
+                <a:solidFill>
+                  <a:srgbClr val="8DBABD"/>
+                </a:solidFill>
+                <a:latin typeface="나눔스퀘어 ExtraBold" panose="020B0600000101010101" pitchFamily="50" charset="-127"/>
+                <a:ea typeface="나눔스퀘어 ExtraBold" panose="020B0600000101010101" pitchFamily="50" charset="-127"/>
+              </a:rPr>
+              <a:t>앞으로의 발전을 위해</a:t>
+            </a:r>
+            <a:endParaRPr lang="en-US" altLang="ko-KR" sz="3200" spc="-150" dirty="0">
+              <a:solidFill>
+                <a:srgbClr val="8DBABD"/>
+              </a:solidFill>
+              <a:latin typeface="나눔스퀘어 ExtraBold" panose="020B0600000101010101" pitchFamily="50" charset="-127"/>
+              <a:ea typeface="나눔스퀘어 ExtraBold" panose="020B0600000101010101" pitchFamily="50" charset="-127"/>
+            </a:endParaRPr>
+          </a:p>
+          <a:p>
+            <a:pPr algn="ctr"/>
+            <a:r>
+              <a:rPr lang="ko-KR" altLang="en-US" sz="3200" spc="-150" dirty="0">
+                <a:solidFill>
+                  <a:srgbClr val="8DBABD"/>
+                </a:solidFill>
+                <a:latin typeface="나눔스퀘어 ExtraBold" panose="020B0600000101010101" pitchFamily="50" charset="-127"/>
+                <a:ea typeface="나눔스퀘어 ExtraBold" panose="020B0600000101010101" pitchFamily="50" charset="-127"/>
+              </a:rPr>
+              <a:t>예산을 효율적으로 사용하여</a:t>
+            </a:r>
+            <a:endParaRPr lang="en-US" altLang="ko-KR" sz="3200" spc="-150" dirty="0">
+              <a:solidFill>
+                <a:srgbClr val="8DBABD"/>
+              </a:solidFill>
+              <a:latin typeface="나눔스퀘어 ExtraBold" panose="020B0600000101010101" pitchFamily="50" charset="-127"/>
+              <a:ea typeface="나눔스퀘어 ExtraBold" panose="020B0600000101010101" pitchFamily="50" charset="-127"/>
+            </a:endParaRPr>
+          </a:p>
+          <a:p>
+            <a:pPr algn="ctr"/>
+            <a:r>
+              <a:rPr lang="ko-KR" altLang="en-US" sz="3200" spc="-150" dirty="0">
+                <a:solidFill>
+                  <a:srgbClr val="8DBABD"/>
+                </a:solidFill>
+                <a:latin typeface="나눔스퀘어 ExtraBold" panose="020B0600000101010101" pitchFamily="50" charset="-127"/>
+                <a:ea typeface="나눔스퀘어 ExtraBold" panose="020B0600000101010101" pitchFamily="50" charset="-127"/>
+              </a:rPr>
+              <a:t>탄탄한 </a:t>
+            </a:r>
+            <a:r>
+              <a:rPr lang="ko-KR" altLang="en-US" sz="3200" spc="-150" dirty="0">
+                <a:solidFill>
+                  <a:srgbClr val="FF0000"/>
+                </a:solidFill>
+                <a:latin typeface="나눔스퀘어 ExtraBold" panose="020B0600000101010101" pitchFamily="50" charset="-127"/>
+                <a:ea typeface="나눔스퀘어 ExtraBold" panose="020B0600000101010101" pitchFamily="50" charset="-127"/>
+              </a:rPr>
+              <a:t>내국인 고객 </a:t>
+            </a:r>
+            <a:r>
+              <a:rPr lang="ko-KR" altLang="en-US" sz="3200" spc="-150" dirty="0">
+                <a:solidFill>
+                  <a:srgbClr val="8DBABD"/>
+                </a:solidFill>
+                <a:latin typeface="나눔스퀘어 ExtraBold" panose="020B0600000101010101" pitchFamily="50" charset="-127"/>
+                <a:ea typeface="나눔스퀘어 ExtraBold" panose="020B0600000101010101" pitchFamily="50" charset="-127"/>
+              </a:rPr>
+              <a:t>유치가 관건</a:t>
+            </a:r>
+          </a:p>
+        </p:txBody>
+      </p:sp>
+      <p:cxnSp>
+        <p:nvCxnSpPr>
+          <p:cNvPr id="14" name="직선 연결선 13"/>
+          <p:cNvCxnSpPr/>
+          <p:nvPr/>
+        </p:nvCxnSpPr>
+        <p:spPr>
+          <a:xfrm>
+            <a:off x="10430892" y="144941"/>
+            <a:ext cx="360000" cy="0"/>
+          </a:xfrm>
+          <a:prstGeom prst="line">
+            <a:avLst/>
+          </a:prstGeom>
+          <a:ln w="44450" cap="rnd">
+            <a:solidFill>
+              <a:srgbClr val="D0CECE"/>
+            </a:solidFill>
+          </a:ln>
+          <a:effectLst>
+            <a:outerShdw blurRad="50800" dist="38100" dir="5400000" algn="t" rotWithShape="0">
+              <a:prstClr val="black">
+                <a:alpha val="40000"/>
+              </a:prstClr>
+            </a:outerShdw>
+          </a:effectLst>
+        </p:spPr>
+        <p:style>
+          <a:lnRef idx="1">
+            <a:schemeClr val="accent1"/>
+          </a:lnRef>
+          <a:fillRef idx="0">
+            <a:schemeClr val="accent1"/>
+          </a:fillRef>
+          <a:effectRef idx="0">
+            <a:schemeClr val="accent1"/>
+          </a:effectRef>
+          <a:fontRef idx="minor">
+            <a:schemeClr val="tx1"/>
+          </a:fontRef>
+        </p:style>
+      </p:cxnSp>
+      <p:cxnSp>
+        <p:nvCxnSpPr>
+          <p:cNvPr id="15" name="직선 연결선 14"/>
+          <p:cNvCxnSpPr/>
+          <p:nvPr/>
+        </p:nvCxnSpPr>
+        <p:spPr>
+          <a:xfrm>
+            <a:off x="10858459" y="144941"/>
+            <a:ext cx="360000" cy="0"/>
+          </a:xfrm>
+          <a:prstGeom prst="line">
+            <a:avLst/>
+          </a:prstGeom>
+          <a:ln w="44450" cap="rnd">
+            <a:solidFill>
+              <a:schemeClr val="bg2">
+                <a:lumMod val="90000"/>
+              </a:schemeClr>
+            </a:solidFill>
+          </a:ln>
+          <a:effectLst>
+            <a:outerShdw blurRad="50800" dist="38100" dir="5400000" algn="t" rotWithShape="0">
+              <a:prstClr val="black">
+                <a:alpha val="40000"/>
+              </a:prstClr>
+            </a:outerShdw>
+          </a:effectLst>
+        </p:spPr>
+        <p:style>
+          <a:lnRef idx="1">
+            <a:schemeClr val="accent1"/>
+          </a:lnRef>
+          <a:fillRef idx="0">
+            <a:schemeClr val="accent1"/>
+          </a:fillRef>
+          <a:effectRef idx="0">
+            <a:schemeClr val="accent1"/>
+          </a:effectRef>
+          <a:fontRef idx="minor">
+            <a:schemeClr val="tx1"/>
+          </a:fontRef>
+        </p:style>
+      </p:cxnSp>
+      <p:cxnSp>
+        <p:nvCxnSpPr>
+          <p:cNvPr id="16" name="직선 연결선 15"/>
+          <p:cNvCxnSpPr/>
+          <p:nvPr/>
+        </p:nvCxnSpPr>
+        <p:spPr>
+          <a:xfrm>
+            <a:off x="11286026" y="144941"/>
+            <a:ext cx="360000" cy="0"/>
+          </a:xfrm>
+          <a:prstGeom prst="line">
+            <a:avLst/>
+          </a:prstGeom>
+          <a:ln w="44450" cap="rnd">
+            <a:solidFill>
+              <a:schemeClr val="bg2">
+                <a:lumMod val="90000"/>
+              </a:schemeClr>
+            </a:solidFill>
+          </a:ln>
+          <a:effectLst>
+            <a:outerShdw blurRad="50800" dist="38100" dir="5400000" algn="t" rotWithShape="0">
+              <a:prstClr val="black">
+                <a:alpha val="40000"/>
+              </a:prstClr>
+            </a:outerShdw>
+          </a:effectLst>
+        </p:spPr>
+        <p:style>
+          <a:lnRef idx="1">
+            <a:schemeClr val="accent1"/>
+          </a:lnRef>
+          <a:fillRef idx="0">
+            <a:schemeClr val="accent1"/>
+          </a:fillRef>
+          <a:effectRef idx="0">
+            <a:schemeClr val="accent1"/>
+          </a:effectRef>
+          <a:fontRef idx="minor">
+            <a:schemeClr val="tx1"/>
+          </a:fontRef>
+        </p:style>
+      </p:cxnSp>
+      <p:cxnSp>
+        <p:nvCxnSpPr>
+          <p:cNvPr id="17" name="직선 연결선 16"/>
+          <p:cNvCxnSpPr/>
+          <p:nvPr/>
+        </p:nvCxnSpPr>
+        <p:spPr>
+          <a:xfrm>
+            <a:off x="11713592" y="144941"/>
+            <a:ext cx="360000" cy="0"/>
+          </a:xfrm>
+          <a:prstGeom prst="line">
+            <a:avLst/>
+          </a:prstGeom>
+          <a:ln w="44450" cap="rnd">
+            <a:solidFill>
+              <a:srgbClr val="8DBABD"/>
+            </a:solidFill>
+          </a:ln>
+          <a:effectLst>
+            <a:outerShdw blurRad="50800" dist="38100" dir="5400000" algn="t" rotWithShape="0">
+              <a:prstClr val="black">
+                <a:alpha val="40000"/>
+              </a:prstClr>
+            </a:outerShdw>
+          </a:effectLst>
+        </p:spPr>
+        <p:style>
+          <a:lnRef idx="1">
+            <a:schemeClr val="accent1"/>
+          </a:lnRef>
+          <a:fillRef idx="0">
+            <a:schemeClr val="accent1"/>
+          </a:fillRef>
+          <a:effectRef idx="0">
+            <a:schemeClr val="accent1"/>
+          </a:effectRef>
+          <a:fontRef idx="minor">
+            <a:schemeClr val="tx1"/>
+          </a:fontRef>
+        </p:style>
+      </p:cxnSp>
+      <p:cxnSp>
+        <p:nvCxnSpPr>
+          <p:cNvPr id="18" name="직선 연결선 17"/>
+          <p:cNvCxnSpPr>
+            <a:cxnSpLocks/>
+          </p:cNvCxnSpPr>
+          <p:nvPr/>
+        </p:nvCxnSpPr>
+        <p:spPr>
+          <a:xfrm>
+            <a:off x="1153522" y="989148"/>
+            <a:ext cx="2732678" cy="0"/>
+          </a:xfrm>
+          <a:prstGeom prst="line">
+            <a:avLst/>
+          </a:prstGeom>
+          <a:ln>
+            <a:solidFill>
+              <a:schemeClr val="bg1">
+                <a:lumMod val="50000"/>
+              </a:schemeClr>
+            </a:solidFill>
+          </a:ln>
+        </p:spPr>
+        <p:style>
+          <a:lnRef idx="1">
+            <a:schemeClr val="accent1"/>
+          </a:lnRef>
+          <a:fillRef idx="0">
+            <a:schemeClr val="accent1"/>
+          </a:fillRef>
+          <a:effectRef idx="0">
+            <a:schemeClr val="accent1"/>
+          </a:effectRef>
+          <a:fontRef idx="minor">
+            <a:schemeClr val="tx1"/>
+          </a:fontRef>
+        </p:style>
+      </p:cxnSp>
+      <p:sp>
+        <p:nvSpPr>
+          <p:cNvPr id="19" name="TextBox 18"/>
+          <p:cNvSpPr txBox="1"/>
+          <p:nvPr/>
+        </p:nvSpPr>
+        <p:spPr>
+          <a:xfrm>
+            <a:off x="940679" y="437393"/>
+            <a:ext cx="3172663" cy="584775"/>
+          </a:xfrm>
+          <a:prstGeom prst="rect">
+            <a:avLst/>
+          </a:prstGeom>
+          <a:noFill/>
+        </p:spPr>
+        <p:txBody>
+          <a:bodyPr wrap="none" rtlCol="0">
+            <a:spAutoFit/>
+          </a:bodyPr>
+          <a:lstStyle/>
+          <a:p>
+            <a:pPr algn="ctr"/>
+            <a:r>
+              <a:rPr lang="ko-KR" altLang="en-US" sz="3200" spc="-150">
+                <a:solidFill>
+                  <a:srgbClr val="00002F"/>
+                </a:solidFill>
+                <a:latin typeface="나눔스퀘어 ExtraBold" panose="020B0600000101010101" pitchFamily="50" charset="-127"/>
+                <a:ea typeface="나눔스퀘어 ExtraBold" panose="020B0600000101010101" pitchFamily="50" charset="-127"/>
+              </a:rPr>
+              <a:t>최종 결과물 방향</a:t>
+            </a:r>
+            <a:endParaRPr lang="ko-KR" altLang="en-US" sz="3200" spc="-150" dirty="0">
+              <a:solidFill>
+                <a:srgbClr val="00002F"/>
+              </a:solidFill>
+              <a:latin typeface="나눔스퀘어 ExtraBold" panose="020B0600000101010101" pitchFamily="50" charset="-127"/>
+              <a:ea typeface="나눔스퀘어 ExtraBold" panose="020B0600000101010101" pitchFamily="50" charset="-127"/>
+            </a:endParaRPr>
+          </a:p>
+        </p:txBody>
+      </p:sp>
+      <p:sp>
+        <p:nvSpPr>
+          <p:cNvPr id="20" name="TextBox 19"/>
+          <p:cNvSpPr txBox="1"/>
+          <p:nvPr/>
+        </p:nvSpPr>
+        <p:spPr>
+          <a:xfrm>
+            <a:off x="455532" y="498947"/>
+            <a:ext cx="614271" cy="461665"/>
+          </a:xfrm>
+          <a:prstGeom prst="rect">
+            <a:avLst/>
+          </a:prstGeom>
+          <a:noFill/>
+        </p:spPr>
+        <p:txBody>
+          <a:bodyPr wrap="none" rtlCol="0">
+            <a:spAutoFit/>
+          </a:bodyPr>
+          <a:lstStyle/>
+          <a:p>
+            <a:pPr algn="ctr"/>
+            <a:r>
+              <a:rPr lang="en-US" altLang="ko-KR" sz="2400" spc="-150" dirty="0">
+                <a:solidFill>
+                  <a:srgbClr val="00002F"/>
+                </a:solidFill>
+                <a:latin typeface="나눔스퀘어 ExtraBold" panose="020B0600000101010101" pitchFamily="50" charset="-127"/>
+                <a:ea typeface="나눔스퀘어 ExtraBold" panose="020B0600000101010101" pitchFamily="50" charset="-127"/>
+              </a:rPr>
+              <a:t>04.</a:t>
+            </a:r>
+            <a:endParaRPr lang="ko-KR" altLang="en-US" sz="2400" spc="-150" dirty="0">
+              <a:solidFill>
+                <a:srgbClr val="00002F"/>
+              </a:solidFill>
+              <a:latin typeface="나눔스퀘어 ExtraBold" panose="020B0600000101010101" pitchFamily="50" charset="-127"/>
+              <a:ea typeface="나눔스퀘어 ExtraBold" panose="020B0600000101010101" pitchFamily="50" charset="-127"/>
+            </a:endParaRPr>
+          </a:p>
+        </p:txBody>
+      </p:sp>
+      <p:sp>
+        <p:nvSpPr>
+          <p:cNvPr id="21" name="TextBox 20"/>
+          <p:cNvSpPr txBox="1"/>
+          <p:nvPr/>
+        </p:nvSpPr>
+        <p:spPr>
+          <a:xfrm>
+            <a:off x="1069803" y="1006929"/>
+            <a:ext cx="578876" cy="369332"/>
+          </a:xfrm>
+          <a:prstGeom prst="rect">
+            <a:avLst/>
+          </a:prstGeom>
+          <a:noFill/>
+        </p:spPr>
+        <p:txBody>
+          <a:bodyPr wrap="none" rtlCol="0">
+            <a:spAutoFit/>
+          </a:bodyPr>
+          <a:lstStyle/>
+          <a:p>
+            <a:pPr algn="ctr"/>
+            <a:r>
+              <a:rPr lang="en-US" altLang="ko-KR" spc="-150" dirty="0">
+                <a:solidFill>
+                  <a:srgbClr val="00002F"/>
+                </a:solidFill>
+                <a:latin typeface="나눔스퀘어 ExtraBold" panose="020B0600000101010101" pitchFamily="50" charset="-127"/>
+                <a:ea typeface="나눔스퀘어 ExtraBold" panose="020B0600000101010101" pitchFamily="50" charset="-127"/>
+              </a:rPr>
+              <a:t>Text</a:t>
+            </a:r>
+            <a:endParaRPr lang="ko-KR" altLang="en-US" spc="-150" dirty="0">
+              <a:solidFill>
+                <a:srgbClr val="00002F"/>
+              </a:solidFill>
+              <a:latin typeface="나눔스퀘어 ExtraBold" panose="020B0600000101010101" pitchFamily="50" charset="-127"/>
+              <a:ea typeface="나눔스퀘어 ExtraBold" panose="020B0600000101010101" pitchFamily="50" charset="-127"/>
+            </a:endParaRPr>
+          </a:p>
+        </p:txBody>
+      </p:sp>
+      <p:sp>
+        <p:nvSpPr>
+          <p:cNvPr id="12" name="TextBox 11">
+            <a:extLst>
+              <a:ext uri="{FF2B5EF4-FFF2-40B4-BE49-F238E27FC236}">
+                <a16:creationId xmlns:a16="http://schemas.microsoft.com/office/drawing/2014/main" id="{DA5FDF32-9ADD-49FD-B8AE-02C936951E6A}"/>
+              </a:ext>
+            </a:extLst>
+          </p:cNvPr>
+          <p:cNvSpPr txBox="1"/>
+          <p:nvPr/>
+        </p:nvSpPr>
+        <p:spPr>
+          <a:xfrm>
+            <a:off x="1075042" y="4041170"/>
+            <a:ext cx="9273694" cy="584775"/>
+          </a:xfrm>
+          <a:prstGeom prst="rect">
+            <a:avLst/>
+          </a:prstGeom>
+          <a:noFill/>
+        </p:spPr>
+        <p:txBody>
+          <a:bodyPr wrap="none" rtlCol="0">
+            <a:spAutoFit/>
+          </a:bodyPr>
+          <a:lstStyle/>
+          <a:p>
+            <a:pPr algn="ctr"/>
+            <a:r>
+              <a:rPr lang="ko-KR" altLang="en-US" sz="3200" spc="-150" dirty="0">
+                <a:solidFill>
+                  <a:srgbClr val="8DBABD"/>
+                </a:solidFill>
+                <a:latin typeface="나눔스퀘어 ExtraBold" panose="020B0600000101010101" pitchFamily="50" charset="-127"/>
+                <a:ea typeface="나눔스퀘어 ExtraBold" panose="020B0600000101010101" pitchFamily="50" charset="-127"/>
+              </a:rPr>
+              <a:t>내국인을 유치 할 수 있는 관광 아이템을 제시하겠다</a:t>
+            </a:r>
+            <a:r>
+              <a:rPr lang="en-US" altLang="ko-KR" sz="3200" spc="-150" dirty="0">
+                <a:solidFill>
+                  <a:srgbClr val="8DBABD"/>
+                </a:solidFill>
+                <a:latin typeface="나눔스퀘어 ExtraBold" panose="020B0600000101010101" pitchFamily="50" charset="-127"/>
+                <a:ea typeface="나눔스퀘어 ExtraBold" panose="020B0600000101010101" pitchFamily="50" charset="-127"/>
+              </a:rPr>
+              <a:t>.</a:t>
+            </a:r>
+            <a:endParaRPr lang="ko-KR" altLang="en-US" sz="3200" spc="-150" dirty="0">
+              <a:solidFill>
+                <a:srgbClr val="8DBABD"/>
+              </a:solidFill>
+              <a:latin typeface="나눔스퀘어 ExtraBold" panose="020B0600000101010101" pitchFamily="50" charset="-127"/>
+              <a:ea typeface="나눔스퀘어 ExtraBold" panose="020B0600000101010101" pitchFamily="50" charset="-127"/>
+            </a:endParaRPr>
+          </a:p>
+        </p:txBody>
+      </p:sp>
+      <p:sp>
+        <p:nvSpPr>
+          <p:cNvPr id="2" name="화살표: 아래쪽 1">
+            <a:extLst>
+              <a:ext uri="{FF2B5EF4-FFF2-40B4-BE49-F238E27FC236}">
+                <a16:creationId xmlns:a16="http://schemas.microsoft.com/office/drawing/2014/main" id="{BEB7287D-3432-46F9-823A-CDE4E83437EA}"/>
+              </a:ext>
+            </a:extLst>
+          </p:cNvPr>
+          <p:cNvSpPr/>
+          <p:nvPr/>
+        </p:nvSpPr>
+        <p:spPr>
+          <a:xfrm>
+            <a:off x="5156200" y="3302000"/>
+            <a:ext cx="939800" cy="584775"/>
+          </a:xfrm>
+          <a:prstGeom prst="downArrow">
+            <a:avLst/>
+          </a:prstGeom>
+          <a:solidFill>
+            <a:srgbClr val="8DBABD"/>
+          </a:solidFill>
+        </p:spPr>
+        <p:style>
+          <a:lnRef idx="2">
+            <a:schemeClr val="accent1">
+              <a:shade val="50000"/>
+            </a:schemeClr>
+          </a:lnRef>
+          <a:fillRef idx="1">
+            <a:schemeClr val="accent1"/>
+          </a:fillRef>
+          <a:effectRef idx="0">
+            <a:schemeClr val="accent1"/>
+          </a:effectRef>
+          <a:fontRef idx="minor">
+            <a:schemeClr val="lt1"/>
+          </a:fontRef>
+        </p:style>
+        <p:txBody>
+          <a:bodyPr rtlCol="0" anchor="ctr"/>
+          <a:lstStyle/>
+          <a:p>
+            <a:pPr algn="ctr"/>
+            <a:endParaRPr lang="ko-KR" altLang="en-US"/>
+          </a:p>
+        </p:txBody>
+      </p:sp>
+    </p:spTree>
+    <p:extLst>
+      <p:ext uri="{BB962C8B-B14F-4D97-AF65-F5344CB8AC3E}">
+        <p14:creationId xmlns:p14="http://schemas.microsoft.com/office/powerpoint/2010/main" val="2511007924"/>
+      </p:ext>
+    </p:extLst>
+  </p:cSld>
+  <p:clrMapOvr>
+    <a:masterClrMapping/>
+  </p:clrMapOvr>
+</p:sld>
+</file>
+
+<file path=ppt/slides/slide16.xml><?xml version="1.0" encoding="utf-8"?>
+<p:sld xmlns:a="http://schemas.openxmlformats.org/drawingml/2006/main" xmlns:r="http://schemas.openxmlformats.org/officeDocument/2006/relationships" xmlns:p="http://schemas.openxmlformats.org/presentationml/2006/main">
+  <p:cSld>
+    <p:spTree>
+      <p:nvGrpSpPr>
+        <p:cNvPr id="1" name=""/>
+        <p:cNvGrpSpPr/>
+        <p:nvPr/>
+      </p:nvGrpSpPr>
+      <p:grpSpPr>
+        <a:xfrm>
+          <a:off x="0" y="0"/>
+          <a:ext cx="0" cy="0"/>
+          <a:chOff x="0" y="0"/>
+          <a:chExt cx="0" cy="0"/>
+        </a:xfrm>
+      </p:grpSpPr>
+      <p:sp>
+        <p:nvSpPr>
           <p:cNvPr id="2" name="TextBox 1"/>
           <p:cNvSpPr txBox="1"/>
           <p:nvPr/>
@@ -2967,7 +3179,7 @@
 </p:sld>
 </file>
 
-<file path=ppt/slides/slide16.xml><?xml version="1.0" encoding="utf-8"?>
+<file path=ppt/slides/slide17.xml><?xml version="1.0" encoding="utf-8"?>
 <p:sld xmlns:a="http://schemas.openxmlformats.org/drawingml/2006/main" xmlns:r="http://schemas.openxmlformats.org/officeDocument/2006/relationships" xmlns:p="http://schemas.openxmlformats.org/presentationml/2006/main">
   <p:cSld>
     <p:spTree>
@@ -6398,52 +6610,52 @@
 </file>
 
 <file path=ppt/theme/theme1.xml><?xml version="1.0" encoding="utf-8"?>
-<a:theme xmlns:a="http://schemas.openxmlformats.org/drawingml/2006/main" name="1_Office 테마">
+<a:theme xmlns:r="http://schemas.openxmlformats.org/officeDocument/2006/relationships" xmlns:c="http://schemas.openxmlformats.org/drawingml/2006/chart" xmlns:dgm="http://schemas.openxmlformats.org/drawingml/2006/diagram" xmlns:dsp="http://schemas.microsoft.com/office/drawing/2008/diagram" xmlns:a="http://schemas.openxmlformats.org/drawingml/2006/main" xmlns:pic="http://schemas.openxmlformats.org/drawingml/2006/picture" xmlns:wp="http://schemas.openxmlformats.org/drawingml/2006/wordprocessingDrawing" xmlns:xdr="http://schemas.openxmlformats.org/drawingml/2006/spreadsheetDrawing" xmlns:p="http://schemas.openxmlformats.org/presentationml/2006/main" name="1_Office 테마">
   <a:themeElements>
     <a:clrScheme name="Office">
       <a:dk1>
         <a:sysClr val="windowText" lastClr="000000"/>
       </a:dk1>
       <a:lt1>
-        <a:sysClr val="window" lastClr="FFFFFF"/>
+        <a:sysClr val="window" lastClr="ffffff"/>
       </a:lt1>
       <a:dk2>
-        <a:srgbClr val="44546A"/>
+        <a:srgbClr val="44546a"/>
       </a:dk2>
       <a:lt2>
-        <a:srgbClr val="E7E6E6"/>
+        <a:srgbClr val="e7e6e6"/>
       </a:lt2>
       <a:accent1>
-        <a:srgbClr val="5B9BD5"/>
+        <a:srgbClr val="5b9bd5"/>
       </a:accent1>
       <a:accent2>
-        <a:srgbClr val="ED7D31"/>
+        <a:srgbClr val="ed7d31"/>
       </a:accent2>
       <a:accent3>
-        <a:srgbClr val="A5A5A5"/>
+        <a:srgbClr val="a5a5a5"/>
       </a:accent3>
       <a:accent4>
-        <a:srgbClr val="FFC000"/>
+        <a:srgbClr val="ffc000"/>
       </a:accent4>
       <a:accent5>
-        <a:srgbClr val="4472C4"/>
+        <a:srgbClr val="4472c4"/>
       </a:accent5>
       <a:accent6>
-        <a:srgbClr val="70AD47"/>
+        <a:srgbClr val="70ad47"/>
       </a:accent6>
       <a:hlink>
-        <a:srgbClr val="0563C1"/>
+        <a:srgbClr val="0563c1"/>
       </a:hlink>
       <a:folHlink>
-        <a:srgbClr val="954F72"/>
+        <a:srgbClr val="954f72"/>
       </a:folHlink>
     </a:clrScheme>
     <a:fontScheme name="Office">
       <a:majorFont>
-        <a:latin typeface="맑은 고딕" panose="020F0302020204030204"/>
+        <a:latin typeface="맑은 고딕" panose="20"/>
         <a:ea typeface=""/>
         <a:cs typeface=""/>
-        <a:font script="Jpan" typeface="游ゴシック Light"/>
+        <a:font script="Jpan" typeface="Yu Gothic Light"/>
         <a:font script="Hang" typeface="맑은 고딕"/>
         <a:font script="Hans" typeface="等线 Light"/>
         <a:font script="Hant" typeface="新細明體"/>
@@ -6475,10 +6687,10 @@
         <a:font script="Geor" typeface="Sylfaen"/>
       </a:majorFont>
       <a:minorFont>
-        <a:latin typeface="맑은 고딕" panose="020F0502020204030204"/>
+        <a:latin typeface="맑은 고딕" panose="20"/>
         <a:ea typeface=""/>
         <a:cs typeface=""/>
-        <a:font script="Jpan" typeface="游ゴシック"/>
+        <a:font script="Jpan" typeface="Yu Gothic"/>
         <a:font script="Hang" typeface="맑은 고딕"/>
         <a:font script="Hans" typeface="等线"/>
         <a:font script="Hant" typeface="新細明體"/>
@@ -6574,21 +6786,21 @@
             <a:schemeClr val="phClr"/>
           </a:solidFill>
           <a:prstDash val="solid"/>
-          <a:miter lim="800000"/>
+          <a:miter/>
         </a:ln>
         <a:ln w="12700" cap="flat" cmpd="sng" algn="ctr">
           <a:solidFill>
             <a:schemeClr val="phClr"/>
           </a:solidFill>
           <a:prstDash val="solid"/>
-          <a:miter lim="800000"/>
+          <a:miter/>
         </a:ln>
         <a:ln w="19050" cap="flat" cmpd="sng" algn="ctr">
           <a:solidFill>
             <a:schemeClr val="phClr"/>
           </a:solidFill>
           <a:prstDash val="solid"/>
-          <a:miter lim="800000"/>
+          <a:miter/>
         </a:ln>
       </a:lnStyleLst>
       <a:effectStyleLst>
@@ -6648,63 +6860,56 @@
       </a:bgFillStyleLst>
     </a:fmtScheme>
   </a:themeElements>
-  <a:objectDefaults/>
-  <a:extraClrSchemeLst/>
-  <a:extLst>
-    <a:ext uri="{05A4C25C-085E-4340-85A3-A5531E510DB2}">
-      <thm15:themeFamily xmlns:thm15="http://schemas.microsoft.com/office/thememl/2012/main" name="Office Theme" id="{62F939B6-93AF-4DB8-9C6B-D6C7DFDC589F}" vid="{4A3C46E8-61CC-4603-A589-7422A47A8E4A}"/>
-    </a:ext>
-  </a:extLst>
 </a:theme>
 </file>
 
 <file path=ppt/theme/theme2.xml><?xml version="1.0" encoding="utf-8"?>
-<a:theme xmlns:a="http://schemas.openxmlformats.org/drawingml/2006/main" name="Office 테마">
+<a:theme xmlns:r="http://schemas.openxmlformats.org/officeDocument/2006/relationships" xmlns:c="http://schemas.openxmlformats.org/drawingml/2006/chart" xmlns:dgm="http://schemas.openxmlformats.org/drawingml/2006/diagram" xmlns:dsp="http://schemas.microsoft.com/office/drawing/2008/diagram" xmlns:a="http://schemas.openxmlformats.org/drawingml/2006/main" xmlns:pic="http://schemas.openxmlformats.org/drawingml/2006/picture" xmlns:wp="http://schemas.openxmlformats.org/drawingml/2006/wordprocessingDrawing" xmlns:xdr="http://schemas.openxmlformats.org/drawingml/2006/spreadsheetDrawing" xmlns:p="http://schemas.openxmlformats.org/presentationml/2006/main" name="Office 테마">
   <a:themeElements>
     <a:clrScheme name="Office">
       <a:dk1>
         <a:sysClr val="windowText" lastClr="000000"/>
       </a:dk1>
       <a:lt1>
-        <a:sysClr val="window" lastClr="FFFFFF"/>
+        <a:sysClr val="window" lastClr="ffffff"/>
       </a:lt1>
       <a:dk2>
-        <a:srgbClr val="44546A"/>
+        <a:srgbClr val="44546a"/>
       </a:dk2>
       <a:lt2>
-        <a:srgbClr val="E7E6E6"/>
+        <a:srgbClr val="e7e6e6"/>
       </a:lt2>
       <a:accent1>
-        <a:srgbClr val="5B9BD5"/>
+        <a:srgbClr val="5b9bd5"/>
       </a:accent1>
       <a:accent2>
-        <a:srgbClr val="ED7D31"/>
+        <a:srgbClr val="ed7d31"/>
       </a:accent2>
       <a:accent3>
-        <a:srgbClr val="A5A5A5"/>
+        <a:srgbClr val="a5a5a5"/>
       </a:accent3>
       <a:accent4>
-        <a:srgbClr val="FFC000"/>
+        <a:srgbClr val="ffc000"/>
       </a:accent4>
       <a:accent5>
-        <a:srgbClr val="4472C4"/>
+        <a:srgbClr val="4472c4"/>
       </a:accent5>
       <a:accent6>
-        <a:srgbClr val="70AD47"/>
+        <a:srgbClr val="70ad47"/>
       </a:accent6>
       <a:hlink>
-        <a:srgbClr val="0563C1"/>
+        <a:srgbClr val="0563c1"/>
       </a:hlink>
       <a:folHlink>
-        <a:srgbClr val="954F72"/>
+        <a:srgbClr val="954f72"/>
       </a:folHlink>
     </a:clrScheme>
     <a:fontScheme name="Office">
       <a:majorFont>
-        <a:latin typeface="맑은 고딕" panose="020F0302020204030204"/>
+        <a:latin typeface="맑은 고딕" panose="20"/>
         <a:ea typeface=""/>
         <a:cs typeface=""/>
-        <a:font script="Jpan" typeface="游ゴシック Light"/>
+        <a:font script="Jpan" typeface="Yu Gothic Light"/>
         <a:font script="Hang" typeface="맑은 고딕"/>
         <a:font script="Hans" typeface="等线 Light"/>
         <a:font script="Hant" typeface="新細明體"/>
@@ -6736,10 +6941,10 @@
         <a:font script="Geor" typeface="Sylfaen"/>
       </a:majorFont>
       <a:minorFont>
-        <a:latin typeface="맑은 고딕" panose="020F0502020204030204"/>
+        <a:latin typeface="맑은 고딕" panose="20"/>
         <a:ea typeface=""/>
         <a:cs typeface=""/>
-        <a:font script="Jpan" typeface="游ゴシック"/>
+        <a:font script="Jpan" typeface="Yu Gothic"/>
         <a:font script="Hang" typeface="맑은 고딕"/>
         <a:font script="Hans" typeface="等线"/>
         <a:font script="Hant" typeface="新細明體"/>
@@ -6835,21 +7040,21 @@
             <a:schemeClr val="phClr"/>
           </a:solidFill>
           <a:prstDash val="solid"/>
-          <a:miter lim="800000"/>
+          <a:miter/>
         </a:ln>
         <a:ln w="12700" cap="flat" cmpd="sng" algn="ctr">
           <a:solidFill>
             <a:schemeClr val="phClr"/>
           </a:solidFill>
           <a:prstDash val="solid"/>
-          <a:miter lim="800000"/>
+          <a:miter/>
         </a:ln>
         <a:ln w="19050" cap="flat" cmpd="sng" algn="ctr">
           <a:solidFill>
             <a:schemeClr val="phClr"/>
           </a:solidFill>
           <a:prstDash val="solid"/>
-          <a:miter lim="800000"/>
+          <a:miter/>
         </a:ln>
       </a:lnStyleLst>
       <a:effectStyleLst>
@@ -6909,12 +7114,5 @@
       </a:bgFillStyleLst>
     </a:fmtScheme>
   </a:themeElements>
-  <a:objectDefaults/>
-  <a:extraClrSchemeLst/>
-  <a:extLst>
-    <a:ext uri="{05A4C25C-085E-4340-85A3-A5531E510DB2}">
-      <thm15:themeFamily xmlns:thm15="http://schemas.microsoft.com/office/thememl/2012/main" name="Office Theme" id="{62F939B6-93AF-4DB8-9C6B-D6C7DFDC589F}" vid="{4A3C46E8-61CC-4603-A589-7422A47A8E4A}"/>
-    </a:ext>
-  </a:extLst>
 </a:theme>
 </file>
--- a/6조_외부환경영향.pptx
+++ b/6조_외부환경영향.pptx
@@ -1,33 +1,48 @@
 
 <file path=ppt/presentation.xml><?xml version="1.0" encoding="utf-8"?>
-<p:presentation xmlns:r="http://schemas.openxmlformats.org/officeDocument/2006/relationships" xmlns:c="http://schemas.openxmlformats.org/drawingml/2006/chart" xmlns:a="http://schemas.openxmlformats.org/drawingml/2006/main" xmlns:dgm="http://schemas.openxmlformats.org/drawingml/2006/diagram" xmlns:dsp="http://schemas.microsoft.com/office/drawing/2008/diagram" xmlns:p="http://schemas.openxmlformats.org/presentationml/2006/main" embedTrueTypeFonts="1" saveSubsetFonts="1">
+<p:presentation xmlns:a="http://schemas.openxmlformats.org/drawingml/2006/main" xmlns:r="http://schemas.openxmlformats.org/officeDocument/2006/relationships" xmlns:p="http://schemas.openxmlformats.org/presentationml/2006/main" embedTrueTypeFonts="1" saveSubsetFonts="1">
   <p:sldMasterIdLst>
     <p:sldMasterId id="2147483663" r:id="rId1"/>
   </p:sldMasterIdLst>
   <p:notesMasterIdLst>
-    <p:notesMasterId r:id="rId2"/>
+    <p:notesMasterId r:id="rId19"/>
   </p:notesMasterIdLst>
   <p:sldIdLst>
-    <p:sldId id="256" r:id="rId3"/>
-    <p:sldId id="257" r:id="rId4"/>
-    <p:sldId id="258" r:id="rId5"/>
-    <p:sldId id="259" r:id="rId6"/>
-    <p:sldId id="260" r:id="rId7"/>
-    <p:sldId id="261" r:id="rId8"/>
-    <p:sldId id="262" r:id="rId9"/>
-    <p:sldId id="263" r:id="rId10"/>
-    <p:sldId id="264" r:id="rId11"/>
-    <p:sldId id="265" r:id="rId12"/>
-    <p:sldId id="266" r:id="rId13"/>
-    <p:sldId id="267" r:id="rId14"/>
-    <p:sldId id="268" r:id="rId15"/>
-    <p:sldId id="269" r:id="rId16"/>
-    <p:sldId id="270" r:id="rId17"/>
-    <p:sldId id="271" r:id="rId18"/>
-    <p:sldId id="272" r:id="rId19"/>
+    <p:sldId id="256" r:id="rId2"/>
+    <p:sldId id="257" r:id="rId3"/>
+    <p:sldId id="258" r:id="rId4"/>
+    <p:sldId id="259" r:id="rId5"/>
+    <p:sldId id="260" r:id="rId6"/>
+    <p:sldId id="261" r:id="rId7"/>
+    <p:sldId id="262" r:id="rId8"/>
+    <p:sldId id="263" r:id="rId9"/>
+    <p:sldId id="264" r:id="rId10"/>
+    <p:sldId id="265" r:id="rId11"/>
+    <p:sldId id="266" r:id="rId12"/>
+    <p:sldId id="267" r:id="rId13"/>
+    <p:sldId id="268" r:id="rId14"/>
+    <p:sldId id="269" r:id="rId15"/>
+    <p:sldId id="270" r:id="rId16"/>
+    <p:sldId id="271" r:id="rId17"/>
+    <p:sldId id="272" r:id="rId18"/>
   </p:sldIdLst>
   <p:sldSz cx="12192000" cy="6858000"/>
   <p:notesSz cx="6858000" cy="9144000"/>
+  <p:embeddedFontLst>
+    <p:embeddedFont>
+      <p:font typeface="나눔스퀘어 Bold" panose="020B0600000101010101" pitchFamily="50" charset="-127"/>
+      <p:bold r:id="rId20"/>
+    </p:embeddedFont>
+    <p:embeddedFont>
+      <p:font typeface="나눔스퀘어 ExtraBold" panose="020B0600000101010101" pitchFamily="50" charset="-127"/>
+      <p:bold r:id="rId21"/>
+    </p:embeddedFont>
+    <p:embeddedFont>
+      <p:font typeface="맑은 고딕" panose="020B0503020000020004" pitchFamily="50" charset="-127"/>
+      <p:regular r:id="rId22"/>
+      <p:bold r:id="rId23"/>
+    </p:embeddedFont>
+  </p:embeddedFontLst>
   <p:defaultTextStyle>
     <a:defPPr>
       <a:defRPr lang="ko-KR"/>
@@ -123,11 +138,16 @@
       </a:defRPr>
     </a:lvl9pPr>
   </p:defaultTextStyle>
+  <p:extLst>
+    <p:ext uri="{EFAFB233-063F-42B5-8137-9DF3F51BA10A}">
+      <p15:sldGuideLst xmlns:p15="http://schemas.microsoft.com/office/powerpoint/2012/main"/>
+    </p:ext>
+  </p:extLst>
 </p:presentation>
 </file>
 
 <file path=ppt/notesMasters/notesMaster1.xml><?xml version="1.0" encoding="utf-8"?>
-<p:notesMaster xmlns:r="http://schemas.openxmlformats.org/officeDocument/2006/relationships" xmlns:c="http://schemas.openxmlformats.org/drawingml/2006/chart" xmlns:a="http://schemas.openxmlformats.org/drawingml/2006/main" xmlns:dgm="http://schemas.openxmlformats.org/drawingml/2006/diagram" xmlns:dsp="http://schemas.microsoft.com/office/drawing/2008/diagram" xmlns:p="http://schemas.openxmlformats.org/presentationml/2006/main">
+<p:notesMaster xmlns:a="http://schemas.openxmlformats.org/drawingml/2006/main" xmlns:r="http://schemas.openxmlformats.org/officeDocument/2006/relationships" xmlns:p="http://schemas.openxmlformats.org/presentationml/2006/main">
   <p:cSld>
     <p:bg>
       <p:bgRef idx="1001">
@@ -155,7 +175,7 @@
             <a:spLocks noGrp="1"/>
           </p:cNvSpPr>
           <p:nvPr>
-            <p:ph type="hdr" sz="quarter" idx="0"/>
+            <p:ph type="hdr" sz="quarter"/>
           </p:nvPr>
         </p:nvSpPr>
         <p:spPr>
@@ -178,10 +198,6 @@
             <a:pPr lvl="0">
               <a:defRPr/>
             </a:pPr>
-            <a:r>
-              <a:rPr lang="ko-KR" altLang="en-US"/>
-              <a:t/>
-            </a:r>
             <a:endParaRPr lang="ko-KR" altLang="en-US"/>
           </a:p>
         </p:txBody>
@@ -221,7 +237,7 @@
               <a:pPr lvl="0">
                 <a:defRPr/>
               </a:pPr>
-              <a:t>2019-12-12</a:t>
+              <a:t>2019-12-13</a:t>
             </a:fld>
             <a:endParaRPr lang="ko-KR" altLang="en-US"/>
           </a:p>
@@ -293,7 +309,6 @@
               <a:rPr lang="ko-KR" altLang="en-US"/>
               <a:t>마스터 텍스트 스타일 편집</a:t>
             </a:r>
-            <a:endParaRPr lang="ko-KR" altLang="en-US"/>
           </a:p>
           <a:p>
             <a:pPr lvl="1">
@@ -303,7 +318,6 @@
               <a:rPr lang="ko-KR" altLang="en-US"/>
               <a:t>둘째 수준</a:t>
             </a:r>
-            <a:endParaRPr lang="ko-KR" altLang="en-US"/>
           </a:p>
           <a:p>
             <a:pPr lvl="2">
@@ -313,7 +327,6 @@
               <a:rPr lang="ko-KR" altLang="en-US"/>
               <a:t>셋째 수준</a:t>
             </a:r>
-            <a:endParaRPr lang="ko-KR" altLang="en-US"/>
           </a:p>
           <a:p>
             <a:pPr lvl="3">
@@ -323,7 +336,6 @@
               <a:rPr lang="ko-KR" altLang="en-US"/>
               <a:t>넷째 수준</a:t>
             </a:r>
-            <a:endParaRPr lang="ko-KR" altLang="en-US"/>
           </a:p>
           <a:p>
             <a:pPr lvl="4">
@@ -333,7 +345,6 @@
               <a:rPr lang="ko-KR" altLang="en-US"/>
               <a:t>다섯째 수준</a:t>
             </a:r>
-            <a:endParaRPr lang="ko-KR" altLang="en-US"/>
           </a:p>
         </p:txBody>
       </p:sp>
@@ -367,10 +378,6 @@
             <a:pPr lvl="0">
               <a:defRPr/>
             </a:pPr>
-            <a:r>
-              <a:rPr lang="ko-KR" altLang="en-US"/>
-              <a:t/>
-            </a:r>
             <a:endParaRPr lang="ko-KR" altLang="en-US"/>
           </a:p>
         </p:txBody>
@@ -1278,7 +1285,7 @@
 </file>
 
 <file path=ppt/slides/slide11.xml><?xml version="1.0" encoding="utf-8"?>
-<p:sld xmlns:r="http://schemas.openxmlformats.org/officeDocument/2006/relationships" xmlns:c="http://schemas.openxmlformats.org/drawingml/2006/chart" xmlns:a="http://schemas.openxmlformats.org/drawingml/2006/main" xmlns:dgm="http://schemas.openxmlformats.org/drawingml/2006/diagram" xmlns:dsp="http://schemas.microsoft.com/office/drawing/2008/diagram" xmlns:p="http://schemas.openxmlformats.org/presentationml/2006/main">
+<p:sld xmlns:a="http://schemas.openxmlformats.org/drawingml/2006/main" xmlns:r="http://schemas.openxmlformats.org/officeDocument/2006/relationships" xmlns:p="http://schemas.openxmlformats.org/presentationml/2006/main">
   <p:cSld>
     <p:spTree>
       <p:nvGrpSpPr>
@@ -1322,20 +1329,13 @@
             <a:r>
               <a:rPr lang="ko-KR" altLang="en-US" sz="3200" spc="-150">
                 <a:solidFill>
-                  <a:srgbClr val="8dbabd"/>
+                  <a:srgbClr val="8DBABD"/>
                 </a:solidFill>
                 <a:latin typeface="나눔스퀘어 ExtraBold"/>
                 <a:ea typeface="나눔스퀘어 ExtraBold"/>
               </a:rPr>
               <a:t>사드 이후 대폭 상승한 것을 볼 수 있음</a:t>
             </a:r>
-            <a:endParaRPr lang="ko-KR" altLang="en-US" sz="3200" spc="-150">
-              <a:solidFill>
-                <a:srgbClr val="8dbabd"/>
-              </a:solidFill>
-              <a:latin typeface="나눔스퀘어 ExtraBold"/>
-              <a:ea typeface="나눔스퀘어 ExtraBold"/>
-            </a:endParaRPr>
           </a:p>
         </p:txBody>
       </p:sp>
@@ -1355,7 +1355,7 @@
           </a:prstGeom>
           <a:ln w="44450" cap="rnd">
             <a:solidFill>
-              <a:srgbClr val="d0cece"/>
+              <a:srgbClr val="D0CECE"/>
             </a:solidFill>
           </a:ln>
           <a:effectLst>
@@ -1441,7 +1441,7 @@
           </a:prstGeom>
           <a:ln w="44450" cap="rnd">
             <a:solidFill>
-              <a:srgbClr val="8dbabd"/>
+              <a:srgbClr val="8DBABD"/>
             </a:solidFill>
           </a:ln>
           <a:effectLst>
@@ -1576,20 +1576,13 @@
             <a:r>
               <a:rPr lang="ko-KR" altLang="en-US" sz="3200" spc="-150">
                 <a:solidFill>
-                  <a:srgbClr val="00002f"/>
+                  <a:srgbClr val="00002F"/>
                 </a:solidFill>
                 <a:latin typeface="나눔스퀘어 ExtraBold"/>
                 <a:ea typeface="나눔스퀘어 ExtraBold"/>
               </a:rPr>
               <a:t>제주 예산 현황</a:t>
             </a:r>
-            <a:endParaRPr lang="ko-KR" altLang="en-US" sz="3200" spc="-150">
-              <a:solidFill>
-                <a:srgbClr val="00002f"/>
-              </a:solidFill>
-              <a:latin typeface="나눔스퀘어 ExtraBold"/>
-              <a:ea typeface="나눔스퀘어 ExtraBold"/>
-            </a:endParaRPr>
           </a:p>
         </p:txBody>
       </p:sp>
@@ -1621,7 +1614,7 @@
             <a:r>
               <a:rPr lang="en-US" altLang="ko-KR" sz="2400" spc="-150">
                 <a:solidFill>
-                  <a:srgbClr val="00002f"/>
+                  <a:srgbClr val="00002F"/>
                 </a:solidFill>
                 <a:latin typeface="나눔스퀘어 ExtraBold"/>
                 <a:ea typeface="나눔스퀘어 ExtraBold"/>
@@ -1630,7 +1623,7 @@
             </a:r>
             <a:endParaRPr lang="ko-KR" altLang="en-US" sz="2400" spc="-150">
               <a:solidFill>
-                <a:srgbClr val="00002f"/>
+                <a:srgbClr val="00002F"/>
               </a:solidFill>
               <a:latin typeface="나눔스퀘어 ExtraBold"/>
               <a:ea typeface="나눔스퀘어 ExtraBold"/>
@@ -1666,26 +1659,19 @@
             <a:r>
               <a:rPr lang="ko-KR" altLang="en-US" spc="-150">
                 <a:solidFill>
-                  <a:srgbClr val="00002f"/>
+                  <a:srgbClr val="00002F"/>
                 </a:solidFill>
                 <a:latin typeface="나눔스퀘어 ExtraBold"/>
                 <a:ea typeface="나눔스퀘어 ExtraBold"/>
               </a:rPr>
               <a:t>예산 현황</a:t>
             </a:r>
-            <a:endParaRPr lang="ko-KR" altLang="en-US" spc="-150">
-              <a:solidFill>
-                <a:srgbClr val="00002f"/>
-              </a:solidFill>
-              <a:latin typeface="나눔스퀘어 ExtraBold"/>
-              <a:ea typeface="나눔스퀘어 ExtraBold"/>
-            </a:endParaRPr>
           </a:p>
         </p:txBody>
       </p:sp>
       <p:pic>
         <p:nvPicPr>
-          <p:cNvPr id="22" name=""/>
+          <p:cNvPr id="22" name="그림 21"/>
           <p:cNvPicPr>
             <a:picLocks noChangeAspect="1"/>
           </p:cNvPicPr>
@@ -1709,7 +1695,7 @@
       </p:pic>
       <p:sp>
         <p:nvSpPr>
-          <p:cNvPr id="23" name=""/>
+          <p:cNvPr id="23" name="직사각형 22"/>
           <p:cNvSpPr/>
           <p:nvPr/>
         </p:nvSpPr>
@@ -1724,7 +1710,7 @@
           <a:noFill/>
           <a:ln>
             <a:solidFill>
-              <a:srgbClr val="ff0000"/>
+              <a:srgbClr val="FF0000"/>
             </a:solidFill>
           </a:ln>
         </p:spPr>
@@ -1746,6 +1732,7 @@
         </p:style>
         <p:txBody>
           <a:bodyPr anchor="ctr"/>
+          <a:lstStyle/>
           <a:p>
             <a:pPr algn="ctr">
               <a:defRPr/>
@@ -1759,11 +1746,11 @@
   <p:clrMapOvr>
     <a:masterClrMapping/>
   </p:clrMapOvr>
-  <mc:AlternateContent xmlns:mc="http://schemas.openxmlformats.org/markup-compatibility/2006">
-    <mc:Choice xmlns:p14="http://schemas.microsoft.com/office/powerpoint/2010/main" Requires="p14">
-      <p:transition xmlns:mc="http://schemas.openxmlformats.org/markup-compatibility/2006" xmlns:p14="http://schemas.microsoft.com/office/powerpoint/2010/main" mc:Ignorable="p14" p14:dur="500"/>
+  <mc:AlternateContent xmlns:mc="http://schemas.openxmlformats.org/markup-compatibility/2006" xmlns:p14="http://schemas.microsoft.com/office/powerpoint/2010/main">
+    <mc:Choice Requires="p14">
+      <p:transition/>
     </mc:Choice>
-    <mc:Fallback>
+    <mc:Fallback xmlns:dsp="http://schemas.microsoft.com/office/drawing/2008/diagram" xmlns:dgm="http://schemas.openxmlformats.org/drawingml/2006/diagram" xmlns:c="http://schemas.openxmlformats.org/drawingml/2006/chart" xmlns="">
       <p:transition/>
     </mc:Fallback>
   </mc:AlternateContent>
@@ -1771,7 +1758,7 @@
 </file>
 
 <file path=ppt/slides/slide12.xml><?xml version="1.0" encoding="utf-8"?>
-<p:sld xmlns:r="http://schemas.openxmlformats.org/officeDocument/2006/relationships" xmlns:c="http://schemas.openxmlformats.org/drawingml/2006/chart" xmlns:a="http://schemas.openxmlformats.org/drawingml/2006/main" xmlns:dgm="http://schemas.openxmlformats.org/drawingml/2006/diagram" xmlns:dsp="http://schemas.microsoft.com/office/drawing/2008/diagram" xmlns:p="http://schemas.openxmlformats.org/presentationml/2006/main">
+<p:sld xmlns:a="http://schemas.openxmlformats.org/drawingml/2006/main" xmlns:r="http://schemas.openxmlformats.org/officeDocument/2006/relationships" xmlns:p="http://schemas.openxmlformats.org/presentationml/2006/main">
   <p:cSld>
     <p:spTree>
       <p:nvGrpSpPr>
@@ -1815,20 +1802,13 @@
             <a:r>
               <a:rPr lang="ko-KR" altLang="en-US" sz="3200" spc="-150">
                 <a:solidFill>
-                  <a:srgbClr val="8dbabd"/>
+                  <a:srgbClr val="8DBABD"/>
                 </a:solidFill>
                 <a:latin typeface="나눔스퀘어 ExtraBold"/>
                 <a:ea typeface="나눔스퀘어 ExtraBold"/>
               </a:rPr>
               <a:t>전분야 지원금액 증가</a:t>
             </a:r>
-            <a:endParaRPr lang="ko-KR" altLang="en-US" sz="3200" spc="-150">
-              <a:solidFill>
-                <a:srgbClr val="8dbabd"/>
-              </a:solidFill>
-              <a:latin typeface="나눔스퀘어 ExtraBold"/>
-              <a:ea typeface="나눔스퀘어 ExtraBold"/>
-            </a:endParaRPr>
           </a:p>
         </p:txBody>
       </p:sp>
@@ -1848,7 +1828,7 @@
           </a:prstGeom>
           <a:ln w="44450" cap="rnd">
             <a:solidFill>
-              <a:srgbClr val="d0cece"/>
+              <a:srgbClr val="D0CECE"/>
             </a:solidFill>
           </a:ln>
           <a:effectLst>
@@ -1934,7 +1914,7 @@
           </a:prstGeom>
           <a:ln w="44450" cap="rnd">
             <a:solidFill>
-              <a:srgbClr val="8dbabd"/>
+              <a:srgbClr val="8DBABD"/>
             </a:solidFill>
           </a:ln>
           <a:effectLst>
@@ -2069,20 +2049,13 @@
             <a:r>
               <a:rPr lang="ko-KR" altLang="en-US" sz="3200" spc="-150">
                 <a:solidFill>
-                  <a:srgbClr val="00002f"/>
+                  <a:srgbClr val="00002F"/>
                 </a:solidFill>
                 <a:latin typeface="나눔스퀘어 ExtraBold"/>
                 <a:ea typeface="나눔스퀘어 ExtraBold"/>
               </a:rPr>
               <a:t>제주 예산 현황</a:t>
             </a:r>
-            <a:endParaRPr lang="ko-KR" altLang="en-US" sz="3200" spc="-150">
-              <a:solidFill>
-                <a:srgbClr val="00002f"/>
-              </a:solidFill>
-              <a:latin typeface="나눔스퀘어 ExtraBold"/>
-              <a:ea typeface="나눔스퀘어 ExtraBold"/>
-            </a:endParaRPr>
           </a:p>
         </p:txBody>
       </p:sp>
@@ -2114,7 +2087,7 @@
             <a:r>
               <a:rPr lang="en-US" altLang="ko-KR" sz="2400" spc="-150">
                 <a:solidFill>
-                  <a:srgbClr val="00002f"/>
+                  <a:srgbClr val="00002F"/>
                 </a:solidFill>
                 <a:latin typeface="나눔스퀘어 ExtraBold"/>
                 <a:ea typeface="나눔스퀘어 ExtraBold"/>
@@ -2123,7 +2096,7 @@
             </a:r>
             <a:endParaRPr lang="ko-KR" altLang="en-US" sz="2400" spc="-150">
               <a:solidFill>
-                <a:srgbClr val="00002f"/>
+                <a:srgbClr val="00002F"/>
               </a:solidFill>
               <a:latin typeface="나눔스퀘어 ExtraBold"/>
               <a:ea typeface="나눔스퀘어 ExtraBold"/>
@@ -2159,20 +2132,13 @@
             <a:r>
               <a:rPr lang="ko-KR" altLang="en-US" spc="-150">
                 <a:solidFill>
-                  <a:srgbClr val="00002f"/>
+                  <a:srgbClr val="00002F"/>
                 </a:solidFill>
                 <a:latin typeface="나눔스퀘어 ExtraBold"/>
                 <a:ea typeface="나눔스퀘어 ExtraBold"/>
               </a:rPr>
               <a:t>예산 분배</a:t>
             </a:r>
-            <a:endParaRPr lang="ko-KR" altLang="en-US" spc="-150">
-              <a:solidFill>
-                <a:srgbClr val="00002f"/>
-              </a:solidFill>
-              <a:latin typeface="나눔스퀘어 ExtraBold"/>
-              <a:ea typeface="나눔스퀘어 ExtraBold"/>
-            </a:endParaRPr>
           </a:p>
         </p:txBody>
       </p:sp>
@@ -2204,20 +2170,13 @@
             <a:r>
               <a:rPr lang="ko-KR" altLang="en-US" sz="2900" spc="-150">
                 <a:solidFill>
-                  <a:srgbClr val="8dbabd"/>
+                  <a:srgbClr val="8DBABD"/>
                 </a:solidFill>
                 <a:latin typeface="나눔스퀘어 ExtraBold"/>
                 <a:ea typeface="나눔스퀘어 ExtraBold"/>
               </a:rPr>
               <a:t>중국에 의지하여 수익을 창출하는 것이 아닌</a:t>
             </a:r>
-            <a:endParaRPr lang="ko-KR" altLang="en-US" sz="2900" spc="-150">
-              <a:solidFill>
-                <a:srgbClr val="8dbabd"/>
-              </a:solidFill>
-              <a:latin typeface="나눔스퀘어 ExtraBold"/>
-              <a:ea typeface="나눔스퀘어 ExtraBold"/>
-            </a:endParaRPr>
           </a:p>
           <a:p>
             <a:pPr algn="ctr">
@@ -2226,7 +2185,7 @@
             <a:r>
               <a:rPr lang="ko-KR" altLang="en-US" sz="2900" spc="-150">
                 <a:solidFill>
-                  <a:srgbClr val="ff0000"/>
+                  <a:srgbClr val="FF0000"/>
                 </a:solidFill>
                 <a:latin typeface="나눔스퀘어 ExtraBold"/>
                 <a:ea typeface="나눔스퀘어 ExtraBold"/>
@@ -2236,7 +2195,7 @@
             <a:r>
               <a:rPr lang="ko-KR" altLang="en-US" sz="2900" spc="-150">
                 <a:solidFill>
-                  <a:srgbClr val="8dbabd"/>
+                  <a:srgbClr val="8DBABD"/>
                 </a:solidFill>
                 <a:latin typeface="나눔스퀘어 ExtraBold"/>
                 <a:ea typeface="나눔스퀘어 ExtraBold"/>
@@ -2246,7 +2205,7 @@
             <a:r>
               <a:rPr lang="ko-KR" altLang="en-US" sz="2900" spc="-150">
                 <a:solidFill>
-                  <a:srgbClr val="ff0000"/>
+                  <a:srgbClr val="FF0000"/>
                 </a:solidFill>
                 <a:latin typeface="나눔스퀘어 ExtraBold"/>
                 <a:ea typeface="나눔스퀘어 ExtraBold"/>
@@ -2256,20 +2215,13 @@
             <a:r>
               <a:rPr lang="ko-KR" altLang="en-US" sz="2900" spc="-150">
                 <a:solidFill>
-                  <a:srgbClr val="8dbabd"/>
+                  <a:srgbClr val="8DBABD"/>
                 </a:solidFill>
                 <a:latin typeface="나눔스퀘어 ExtraBold"/>
                 <a:ea typeface="나눔스퀘어 ExtraBold"/>
               </a:rPr>
               <a:t>탐색 지원하겠다는 의미</a:t>
             </a:r>
-            <a:endParaRPr lang="ko-KR" altLang="en-US" sz="2900" spc="-150">
-              <a:solidFill>
-                <a:srgbClr val="8dbabd"/>
-              </a:solidFill>
-              <a:latin typeface="나눔스퀘어 ExtraBold"/>
-              <a:ea typeface="나눔스퀘어 ExtraBold"/>
-            </a:endParaRPr>
           </a:p>
         </p:txBody>
       </p:sp>
@@ -2291,7 +2243,7 @@
             </a:avLst>
           </a:prstGeom>
           <a:solidFill>
-            <a:srgbClr val="8dbabd"/>
+            <a:srgbClr val="8DBABD"/>
           </a:solidFill>
         </p:spPr>
         <p:style>
@@ -2323,7 +2275,7 @@
       </p:sp>
       <p:pic>
         <p:nvPicPr>
-          <p:cNvPr id="22" name=""/>
+          <p:cNvPr id="22" name="그림 21"/>
           <p:cNvPicPr>
             <a:picLocks noChangeAspect="1"/>
           </p:cNvPicPr>
@@ -2350,11 +2302,11 @@
   <p:clrMapOvr>
     <a:masterClrMapping/>
   </p:clrMapOvr>
-  <mc:AlternateContent xmlns:mc="http://schemas.openxmlformats.org/markup-compatibility/2006">
-    <mc:Choice xmlns:p14="http://schemas.microsoft.com/office/powerpoint/2010/main" Requires="p14">
-      <p:transition xmlns:mc="http://schemas.openxmlformats.org/markup-compatibility/2006" xmlns:p14="http://schemas.microsoft.com/office/powerpoint/2010/main" mc:Ignorable="p14" p14:dur="500"/>
+  <mc:AlternateContent xmlns:mc="http://schemas.openxmlformats.org/markup-compatibility/2006" xmlns:p14="http://schemas.microsoft.com/office/powerpoint/2010/main">
+    <mc:Choice Requires="p14">
+      <p:transition/>
     </mc:Choice>
-    <mc:Fallback>
+    <mc:Fallback xmlns:dsp="http://schemas.microsoft.com/office/drawing/2008/diagram" xmlns:dgm="http://schemas.openxmlformats.org/drawingml/2006/diagram" xmlns:c="http://schemas.openxmlformats.org/drawingml/2006/chart" xmlns="">
       <p:transition/>
     </mc:Fallback>
   </mc:AlternateContent>
@@ -2362,7 +2314,7 @@
 </file>
 
 <file path=ppt/slides/slide13.xml><?xml version="1.0" encoding="utf-8"?>
-<p:sld xmlns:r="http://schemas.openxmlformats.org/officeDocument/2006/relationships" xmlns:c="http://schemas.openxmlformats.org/drawingml/2006/chart" xmlns:a="http://schemas.openxmlformats.org/drawingml/2006/main" xmlns:dgm="http://schemas.openxmlformats.org/drawingml/2006/diagram" xmlns:dsp="http://schemas.microsoft.com/office/drawing/2008/diagram" xmlns:p="http://schemas.openxmlformats.org/presentationml/2006/main">
+<p:sld xmlns:a="http://schemas.openxmlformats.org/drawingml/2006/main" xmlns:r="http://schemas.openxmlformats.org/officeDocument/2006/relationships" xmlns:p="http://schemas.openxmlformats.org/presentationml/2006/main">
   <p:cSld>
     <p:spTree>
       <p:nvGrpSpPr>
@@ -2383,11 +2335,11 @@
   <p:clrMapOvr>
     <a:masterClrMapping/>
   </p:clrMapOvr>
-  <mc:AlternateContent xmlns:mc="http://schemas.openxmlformats.org/markup-compatibility/2006">
-    <mc:Choice xmlns:p14="http://schemas.microsoft.com/office/powerpoint/2010/main" Requires="p14">
-      <p:transition xmlns:mc="http://schemas.openxmlformats.org/markup-compatibility/2006" xmlns:p14="http://schemas.microsoft.com/office/powerpoint/2010/main" mc:Ignorable="p14" p14:dur="500"/>
+  <mc:AlternateContent xmlns:mc="http://schemas.openxmlformats.org/markup-compatibility/2006" xmlns:p14="http://schemas.microsoft.com/office/powerpoint/2010/main">
+    <mc:Choice Requires="p14">
+      <p:transition/>
     </mc:Choice>
-    <mc:Fallback>
+    <mc:Fallback xmlns:dsp="http://schemas.microsoft.com/office/drawing/2008/diagram" xmlns:dgm="http://schemas.openxmlformats.org/drawingml/2006/diagram" xmlns:c="http://schemas.openxmlformats.org/drawingml/2006/chart" xmlns="">
       <p:transition/>
     </mc:Fallback>
   </mc:AlternateContent>
@@ -2395,7 +2347,7 @@
 </file>
 
 <file path=ppt/slides/slide14.xml><?xml version="1.0" encoding="utf-8"?>
-<p:sld xmlns:r="http://schemas.openxmlformats.org/officeDocument/2006/relationships" xmlns:c="http://schemas.openxmlformats.org/drawingml/2006/chart" xmlns:a="http://schemas.openxmlformats.org/drawingml/2006/main" xmlns:dgm="http://schemas.openxmlformats.org/drawingml/2006/diagram" xmlns:dsp="http://schemas.microsoft.com/office/drawing/2008/diagram" xmlns:p="http://schemas.openxmlformats.org/presentationml/2006/main">
+<p:sld xmlns:a="http://schemas.openxmlformats.org/drawingml/2006/main" xmlns:r="http://schemas.openxmlformats.org/officeDocument/2006/relationships" xmlns:p="http://schemas.openxmlformats.org/presentationml/2006/main">
   <p:cSld>
     <p:spTree>
       <p:nvGrpSpPr>
@@ -2439,7 +2391,7 @@
             <a:r>
               <a:rPr lang="en-US" altLang="ko-KR" sz="4400" spc="-300">
                 <a:solidFill>
-                  <a:srgbClr val="00002f"/>
+                  <a:srgbClr val="00002F"/>
                 </a:solidFill>
                 <a:latin typeface="나눔스퀘어 Bold"/>
                 <a:ea typeface="나눔스퀘어 Bold"/>
@@ -2448,7 +2400,7 @@
             </a:r>
             <a:endParaRPr lang="ko-KR" altLang="en-US" sz="4400" spc="-300">
               <a:solidFill>
-                <a:srgbClr val="00002f"/>
+                <a:srgbClr val="00002F"/>
               </a:solidFill>
               <a:latin typeface="나눔스퀘어 Bold"/>
               <a:ea typeface="나눔스퀘어 Bold"/>
@@ -2471,11 +2423,11 @@
             <a:avLst/>
           </a:prstGeom>
           <a:solidFill>
-            <a:srgbClr val="8dbabd"/>
+            <a:srgbClr val="8DBABD"/>
           </a:solidFill>
           <a:ln>
             <a:solidFill>
-              <a:srgbClr val="8dbabd"/>
+              <a:srgbClr val="8DBABD"/>
             </a:solidFill>
           </a:ln>
         </p:spPr>
@@ -2509,10 +2461,6 @@
               </a:rPr>
               <a:t>최종 결과물 방향</a:t>
             </a:r>
-            <a:endParaRPr lang="ko-KR" altLang="en-US">
-              <a:latin typeface="나눔스퀘어 Bold"/>
-              <a:ea typeface="나눔스퀘어 Bold"/>
-            </a:endParaRPr>
           </a:p>
         </p:txBody>
       </p:sp>
@@ -2521,11 +2469,11 @@
   <p:clrMapOvr>
     <a:masterClrMapping/>
   </p:clrMapOvr>
-  <mc:AlternateContent xmlns:mc="http://schemas.openxmlformats.org/markup-compatibility/2006">
-    <mc:Choice xmlns:p14="http://schemas.microsoft.com/office/powerpoint/2010/main" Requires="p14">
-      <p:transition xmlns:mc="http://schemas.openxmlformats.org/markup-compatibility/2006" xmlns:p14="http://schemas.microsoft.com/office/powerpoint/2010/main" mc:Ignorable="p14" p14:dur="500"/>
+  <mc:AlternateContent xmlns:mc="http://schemas.openxmlformats.org/markup-compatibility/2006" xmlns:p14="http://schemas.microsoft.com/office/powerpoint/2010/main">
+    <mc:Choice Requires="p14">
+      <p:transition/>
     </mc:Choice>
-    <mc:Fallback>
+    <mc:Fallback xmlns:dsp="http://schemas.microsoft.com/office/drawing/2008/diagram" xmlns:dgm="http://schemas.openxmlformats.org/drawingml/2006/diagram" xmlns:c="http://schemas.openxmlformats.org/drawingml/2006/chart" xmlns="">
       <p:transition/>
     </mc:Fallback>
   </mc:AlternateContent>
@@ -4666,7 +4614,7 @@
         </p:nvSpPr>
         <p:spPr>
           <a:xfrm>
-            <a:off x="7012561" y="4402697"/>
+            <a:off x="6773990" y="5444132"/>
             <a:ext cx="3999813" cy="584775"/>
           </a:xfrm>
           <a:prstGeom prst="rect">
@@ -4721,6 +4669,544 @@
           </a:p>
         </p:txBody>
       </p:sp>
+      <p:grpSp>
+        <p:nvGrpSpPr>
+          <p:cNvPr id="31" name="그룹 30">
+            <a:extLst>
+              <a:ext uri="{FF2B5EF4-FFF2-40B4-BE49-F238E27FC236}">
+                <a16:creationId xmlns:a16="http://schemas.microsoft.com/office/drawing/2014/main" id="{D7196987-1174-4641-8CC1-59B807AE8E97}"/>
+              </a:ext>
+            </a:extLst>
+          </p:cNvPr>
+          <p:cNvGrpSpPr/>
+          <p:nvPr/>
+        </p:nvGrpSpPr>
+        <p:grpSpPr>
+          <a:xfrm>
+            <a:off x="6096000" y="582922"/>
+            <a:ext cx="5319756" cy="4887007"/>
+            <a:chOff x="6441562" y="312396"/>
+            <a:chExt cx="5319756" cy="4887007"/>
+          </a:xfrm>
+        </p:grpSpPr>
+        <p:pic>
+          <p:nvPicPr>
+            <p:cNvPr id="15" name="그림 14">
+              <a:extLst>
+                <a:ext uri="{FF2B5EF4-FFF2-40B4-BE49-F238E27FC236}">
+                  <a16:creationId xmlns:a16="http://schemas.microsoft.com/office/drawing/2014/main" id="{57C129B2-3C9E-44B3-9649-D078E9F62A21}"/>
+                </a:ext>
+              </a:extLst>
+            </p:cNvPr>
+            <p:cNvPicPr>
+              <a:picLocks noChangeAspect="1"/>
+            </p:cNvPicPr>
+            <p:nvPr/>
+          </p:nvPicPr>
+          <p:blipFill>
+            <a:blip r:embed="rId2">
+              <a:extLst>
+                <a:ext uri="{28A0092B-C50C-407E-A947-70E740481C1C}">
+                  <a14:useLocalDpi xmlns:a14="http://schemas.microsoft.com/office/drawing/2010/main" val="0"/>
+                </a:ext>
+              </a:extLst>
+            </a:blip>
+            <a:stretch>
+              <a:fillRect/>
+            </a:stretch>
+          </p:blipFill>
+          <p:spPr>
+            <a:xfrm>
+              <a:off x="6441562" y="312396"/>
+              <a:ext cx="4429743" cy="4887007"/>
+            </a:xfrm>
+            <a:prstGeom prst="rect">
+              <a:avLst/>
+            </a:prstGeom>
+          </p:spPr>
+        </p:pic>
+        <p:grpSp>
+          <p:nvGrpSpPr>
+            <p:cNvPr id="21" name="그룹 20">
+              <a:extLst>
+                <a:ext uri="{FF2B5EF4-FFF2-40B4-BE49-F238E27FC236}">
+                  <a16:creationId xmlns:a16="http://schemas.microsoft.com/office/drawing/2014/main" id="{FD4CE69F-0A94-410D-835F-96AB00913CDB}"/>
+                </a:ext>
+              </a:extLst>
+            </p:cNvPr>
+            <p:cNvGrpSpPr/>
+            <p:nvPr/>
+          </p:nvGrpSpPr>
+          <p:grpSpPr>
+            <a:xfrm>
+              <a:off x="10610892" y="2387064"/>
+              <a:ext cx="1150426" cy="485684"/>
+              <a:chOff x="10610891" y="2402759"/>
+              <a:chExt cx="1150426" cy="485684"/>
+            </a:xfrm>
+          </p:grpSpPr>
+          <p:sp>
+            <p:nvSpPr>
+              <p:cNvPr id="16" name="직사각형 15">
+                <a:extLst>
+                  <a:ext uri="{FF2B5EF4-FFF2-40B4-BE49-F238E27FC236}">
+                    <a16:creationId xmlns:a16="http://schemas.microsoft.com/office/drawing/2014/main" id="{93F959DB-933D-41F2-95C1-CF400F7269E6}"/>
+                  </a:ext>
+                </a:extLst>
+              </p:cNvPr>
+              <p:cNvSpPr/>
+              <p:nvPr/>
+            </p:nvSpPr>
+            <p:spPr>
+              <a:xfrm>
+                <a:off x="10610891" y="2402759"/>
+                <a:ext cx="1150425" cy="485684"/>
+              </a:xfrm>
+              <a:prstGeom prst="rect">
+                <a:avLst/>
+              </a:prstGeom>
+              <a:noFill/>
+              <a:ln>
+                <a:solidFill>
+                  <a:schemeClr val="tx1"/>
+                </a:solidFill>
+              </a:ln>
+            </p:spPr>
+            <p:style>
+              <a:lnRef idx="2">
+                <a:schemeClr val="accent1">
+                  <a:shade val="50000"/>
+                </a:schemeClr>
+              </a:lnRef>
+              <a:fillRef idx="1">
+                <a:schemeClr val="accent1"/>
+              </a:fillRef>
+              <a:effectRef idx="0">
+                <a:schemeClr val="accent1"/>
+              </a:effectRef>
+              <a:fontRef idx="minor">
+                <a:schemeClr val="lt1"/>
+              </a:fontRef>
+            </p:style>
+            <p:txBody>
+              <a:bodyPr rtlCol="0" anchor="ctr"/>
+              <a:lstStyle/>
+              <a:p>
+                <a:pPr algn="ctr"/>
+                <a:endParaRPr lang="ko-KR" altLang="en-US"/>
+              </a:p>
+            </p:txBody>
+          </p:sp>
+          <p:sp>
+            <p:nvSpPr>
+              <p:cNvPr id="17" name="TextBox 16">
+                <a:extLst>
+                  <a:ext uri="{FF2B5EF4-FFF2-40B4-BE49-F238E27FC236}">
+                    <a16:creationId xmlns:a16="http://schemas.microsoft.com/office/drawing/2014/main" id="{25A1C6CF-D685-4EC0-A477-5A22FCCDF697}"/>
+                  </a:ext>
+                </a:extLst>
+              </p:cNvPr>
+              <p:cNvSpPr txBox="1"/>
+              <p:nvPr/>
+            </p:nvSpPr>
+            <p:spPr>
+              <a:xfrm>
+                <a:off x="10771944" y="2402759"/>
+                <a:ext cx="607859" cy="261610"/>
+              </a:xfrm>
+              <a:prstGeom prst="rect">
+                <a:avLst/>
+              </a:prstGeom>
+              <a:noFill/>
+            </p:spPr>
+            <p:txBody>
+              <a:bodyPr wrap="none" rtlCol="0">
+                <a:spAutoFit/>
+              </a:bodyPr>
+              <a:lstStyle/>
+              <a:p>
+                <a:r>
+                  <a:rPr lang="ko-KR" altLang="en-US" sz="1100" dirty="0"/>
+                  <a:t>중국인</a:t>
+                </a:r>
+              </a:p>
+            </p:txBody>
+          </p:sp>
+          <p:sp>
+            <p:nvSpPr>
+              <p:cNvPr id="18" name="TextBox 17">
+                <a:extLst>
+                  <a:ext uri="{FF2B5EF4-FFF2-40B4-BE49-F238E27FC236}">
+                    <a16:creationId xmlns:a16="http://schemas.microsoft.com/office/drawing/2014/main" id="{266745AE-07D1-4163-8AD8-C08EA679F730}"/>
+                  </a:ext>
+                </a:extLst>
+              </p:cNvPr>
+              <p:cNvSpPr txBox="1"/>
+              <p:nvPr/>
+            </p:nvSpPr>
+            <p:spPr>
+              <a:xfrm>
+                <a:off x="10771944" y="2626832"/>
+                <a:ext cx="989373" cy="261610"/>
+              </a:xfrm>
+              <a:prstGeom prst="rect">
+                <a:avLst/>
+              </a:prstGeom>
+              <a:noFill/>
+            </p:spPr>
+            <p:txBody>
+              <a:bodyPr wrap="none" rtlCol="0">
+                <a:spAutoFit/>
+              </a:bodyPr>
+              <a:lstStyle/>
+              <a:p>
+                <a:r>
+                  <a:rPr lang="ko-KR" altLang="en-US" sz="1100" dirty="0"/>
+                  <a:t>중국 외 국가</a:t>
+                </a:r>
+              </a:p>
+            </p:txBody>
+          </p:sp>
+          <p:sp>
+            <p:nvSpPr>
+              <p:cNvPr id="19" name="직사각형 18">
+                <a:extLst>
+                  <a:ext uri="{FF2B5EF4-FFF2-40B4-BE49-F238E27FC236}">
+                    <a16:creationId xmlns:a16="http://schemas.microsoft.com/office/drawing/2014/main" id="{1383781B-C879-441E-B871-8537CB8F5297}"/>
+                  </a:ext>
+                </a:extLst>
+              </p:cNvPr>
+              <p:cNvSpPr/>
+              <p:nvPr/>
+            </p:nvSpPr>
+            <p:spPr>
+              <a:xfrm>
+                <a:off x="10699889" y="2487227"/>
+                <a:ext cx="84755" cy="84755"/>
+              </a:xfrm>
+              <a:prstGeom prst="rect">
+                <a:avLst/>
+              </a:prstGeom>
+              <a:solidFill>
+                <a:srgbClr val="FF0000"/>
+              </a:solidFill>
+              <a:ln>
+                <a:noFill/>
+              </a:ln>
+            </p:spPr>
+            <p:style>
+              <a:lnRef idx="2">
+                <a:schemeClr val="accent1">
+                  <a:shade val="50000"/>
+                </a:schemeClr>
+              </a:lnRef>
+              <a:fillRef idx="1">
+                <a:schemeClr val="accent1"/>
+              </a:fillRef>
+              <a:effectRef idx="0">
+                <a:schemeClr val="accent1"/>
+              </a:effectRef>
+              <a:fontRef idx="minor">
+                <a:schemeClr val="lt1"/>
+              </a:fontRef>
+            </p:style>
+            <p:txBody>
+              <a:bodyPr rtlCol="0" anchor="ctr"/>
+              <a:lstStyle/>
+              <a:p>
+                <a:pPr algn="ctr"/>
+                <a:endParaRPr lang="ko-KR" altLang="en-US"/>
+              </a:p>
+            </p:txBody>
+          </p:sp>
+          <p:sp>
+            <p:nvSpPr>
+              <p:cNvPr id="20" name="직사각형 19">
+                <a:extLst>
+                  <a:ext uri="{FF2B5EF4-FFF2-40B4-BE49-F238E27FC236}">
+                    <a16:creationId xmlns:a16="http://schemas.microsoft.com/office/drawing/2014/main" id="{77C01B72-DA10-43F2-9C07-52E21EE15BDB}"/>
+                  </a:ext>
+                </a:extLst>
+              </p:cNvPr>
+              <p:cNvSpPr/>
+              <p:nvPr/>
+            </p:nvSpPr>
+            <p:spPr>
+              <a:xfrm>
+                <a:off x="10699889" y="2715259"/>
+                <a:ext cx="84755" cy="84755"/>
+              </a:xfrm>
+              <a:prstGeom prst="rect">
+                <a:avLst/>
+              </a:prstGeom>
+              <a:solidFill>
+                <a:srgbClr val="4545FF"/>
+              </a:solidFill>
+              <a:ln>
+                <a:noFill/>
+              </a:ln>
+            </p:spPr>
+            <p:style>
+              <a:lnRef idx="2">
+                <a:schemeClr val="accent1">
+                  <a:shade val="50000"/>
+                </a:schemeClr>
+              </a:lnRef>
+              <a:fillRef idx="1">
+                <a:schemeClr val="accent1"/>
+              </a:fillRef>
+              <a:effectRef idx="0">
+                <a:schemeClr val="accent1"/>
+              </a:effectRef>
+              <a:fontRef idx="minor">
+                <a:schemeClr val="lt1"/>
+              </a:fontRef>
+            </p:style>
+            <p:txBody>
+              <a:bodyPr rtlCol="0" anchor="ctr"/>
+              <a:lstStyle/>
+              <a:p>
+                <a:pPr algn="ctr"/>
+                <a:endParaRPr lang="ko-KR" altLang="en-US"/>
+              </a:p>
+            </p:txBody>
+          </p:sp>
+        </p:grpSp>
+        <p:sp>
+          <p:nvSpPr>
+            <p:cNvPr id="24" name="TextBox 23">
+              <a:extLst>
+                <a:ext uri="{FF2B5EF4-FFF2-40B4-BE49-F238E27FC236}">
+                  <a16:creationId xmlns:a16="http://schemas.microsoft.com/office/drawing/2014/main" id="{DD717677-4607-44C3-A647-0A613BF6E545}"/>
+                </a:ext>
+              </a:extLst>
+            </p:cNvPr>
+            <p:cNvSpPr txBox="1"/>
+            <p:nvPr/>
+          </p:nvSpPr>
+          <p:spPr>
+            <a:xfrm>
+              <a:off x="9764785" y="813732"/>
+              <a:ext cx="824265" cy="261610"/>
+            </a:xfrm>
+            <a:prstGeom prst="rect">
+              <a:avLst/>
+            </a:prstGeom>
+            <a:noFill/>
+          </p:spPr>
+          <p:txBody>
+            <a:bodyPr wrap="none" rtlCol="0">
+              <a:spAutoFit/>
+            </a:bodyPr>
+            <a:lstStyle/>
+            <a:p>
+              <a:r>
+                <a:rPr lang="en-US" altLang="ko-KR" sz="1100" dirty="0"/>
+                <a:t>[</a:t>
+              </a:r>
+              <a:r>
+                <a:rPr lang="ko-KR" altLang="en-US" sz="1100" dirty="0"/>
+                <a:t>단위 </a:t>
+              </a:r>
+              <a:r>
+                <a:rPr lang="en-US" altLang="ko-KR" sz="1100" dirty="0"/>
+                <a:t>: </a:t>
+              </a:r>
+              <a:r>
+                <a:rPr lang="ko-KR" altLang="en-US" sz="1100" dirty="0"/>
+                <a:t>명</a:t>
+              </a:r>
+              <a:r>
+                <a:rPr lang="en-US" altLang="ko-KR" sz="1100" dirty="0"/>
+                <a:t>]</a:t>
+              </a:r>
+              <a:endParaRPr lang="ko-KR" altLang="en-US" sz="1100" dirty="0"/>
+            </a:p>
+          </p:txBody>
+        </p:sp>
+        <p:sp>
+          <p:nvSpPr>
+            <p:cNvPr id="26" name="화살표: 오른쪽 25">
+              <a:extLst>
+                <a:ext uri="{FF2B5EF4-FFF2-40B4-BE49-F238E27FC236}">
+                  <a16:creationId xmlns:a16="http://schemas.microsoft.com/office/drawing/2014/main" id="{2FB0428F-EBE0-430A-ACF8-A6D68CAA45ED}"/>
+                </a:ext>
+              </a:extLst>
+            </p:cNvPr>
+            <p:cNvSpPr/>
+            <p:nvPr/>
+          </p:nvSpPr>
+          <p:spPr>
+            <a:xfrm rot="3899567">
+              <a:off x="7976268" y="2153446"/>
+              <a:ext cx="2276438" cy="154820"/>
+            </a:xfrm>
+            <a:prstGeom prst="rightArrow">
+              <a:avLst/>
+            </a:prstGeom>
+            <a:gradFill>
+              <a:gsLst>
+                <a:gs pos="0">
+                  <a:schemeClr val="accent1">
+                    <a:lumMod val="5000"/>
+                    <a:lumOff val="95000"/>
+                  </a:schemeClr>
+                </a:gs>
+                <a:gs pos="100000">
+                  <a:srgbClr val="FF0000"/>
+                </a:gs>
+              </a:gsLst>
+              <a:lin ang="0" scaled="0"/>
+            </a:gradFill>
+            <a:ln>
+              <a:noFill/>
+            </a:ln>
+          </p:spPr>
+          <p:style>
+            <a:lnRef idx="2">
+              <a:schemeClr val="accent1">
+                <a:shade val="50000"/>
+              </a:schemeClr>
+            </a:lnRef>
+            <a:fillRef idx="1">
+              <a:schemeClr val="accent1"/>
+            </a:fillRef>
+            <a:effectRef idx="0">
+              <a:schemeClr val="accent1"/>
+            </a:effectRef>
+            <a:fontRef idx="minor">
+              <a:schemeClr val="lt1"/>
+            </a:fontRef>
+          </p:style>
+          <p:txBody>
+            <a:bodyPr rtlCol="0" anchor="ctr"/>
+            <a:lstStyle/>
+            <a:p>
+              <a:pPr algn="ctr"/>
+              <a:endParaRPr lang="ko-KR" altLang="en-US"/>
+            </a:p>
+          </p:txBody>
+        </p:sp>
+        <p:sp>
+          <p:nvSpPr>
+            <p:cNvPr id="25" name="TextBox 24">
+              <a:extLst>
+                <a:ext uri="{FF2B5EF4-FFF2-40B4-BE49-F238E27FC236}">
+                  <a16:creationId xmlns:a16="http://schemas.microsoft.com/office/drawing/2014/main" id="{323E4836-76AC-4F74-8961-9A8EDE8E7533}"/>
+                </a:ext>
+              </a:extLst>
+            </p:cNvPr>
+            <p:cNvSpPr txBox="1"/>
+            <p:nvPr/>
+          </p:nvSpPr>
+          <p:spPr>
+            <a:xfrm>
+              <a:off x="8411599" y="755009"/>
+              <a:ext cx="832279" cy="261610"/>
+            </a:xfrm>
+            <a:prstGeom prst="rect">
+              <a:avLst/>
+            </a:prstGeom>
+            <a:noFill/>
+          </p:spPr>
+          <p:txBody>
+            <a:bodyPr wrap="none" rtlCol="0">
+              <a:spAutoFit/>
+            </a:bodyPr>
+            <a:lstStyle/>
+            <a:p>
+              <a:r>
+                <a:rPr lang="en-US" altLang="ko-KR" sz="1100" dirty="0"/>
+                <a:t>15</a:t>
+              </a:r>
+              <a:r>
+                <a:rPr lang="ko-KR" altLang="en-US" sz="1100" dirty="0"/>
+                <a:t>년</a:t>
+              </a:r>
+              <a:r>
+                <a:rPr lang="en-US" altLang="ko-KR" sz="1100" dirty="0"/>
+                <a:t>-18</a:t>
+              </a:r>
+              <a:r>
+                <a:rPr lang="ko-KR" altLang="en-US" sz="1100" dirty="0"/>
+                <a:t>년</a:t>
+              </a:r>
+            </a:p>
+          </p:txBody>
+        </p:sp>
+        <p:sp>
+          <p:nvSpPr>
+            <p:cNvPr id="22" name="TextBox 21">
+              <a:extLst>
+                <a:ext uri="{FF2B5EF4-FFF2-40B4-BE49-F238E27FC236}">
+                  <a16:creationId xmlns:a16="http://schemas.microsoft.com/office/drawing/2014/main" id="{405D554C-B93F-4332-AC19-3443D8DD2F57}"/>
+                </a:ext>
+              </a:extLst>
+            </p:cNvPr>
+            <p:cNvSpPr txBox="1"/>
+            <p:nvPr/>
+          </p:nvSpPr>
+          <p:spPr>
+            <a:xfrm>
+              <a:off x="8859589" y="2125454"/>
+              <a:ext cx="729687" cy="261610"/>
+            </a:xfrm>
+            <a:prstGeom prst="rect">
+              <a:avLst/>
+            </a:prstGeom>
+            <a:noFill/>
+          </p:spPr>
+          <p:txBody>
+            <a:bodyPr wrap="none" rtlCol="0">
+              <a:spAutoFit/>
+            </a:bodyPr>
+            <a:lstStyle/>
+            <a:p>
+              <a:r>
+                <a:rPr lang="en-US" altLang="ko-KR" sz="1100" b="1" dirty="0"/>
+                <a:t>-75.59%</a:t>
+              </a:r>
+              <a:endParaRPr lang="ko-KR" altLang="en-US" sz="1100" b="1" dirty="0"/>
+            </a:p>
+          </p:txBody>
+        </p:sp>
+      </p:grpSp>
+      <p:pic>
+        <p:nvPicPr>
+          <p:cNvPr id="28" name="그림 27">
+            <a:extLst>
+              <a:ext uri="{FF2B5EF4-FFF2-40B4-BE49-F238E27FC236}">
+                <a16:creationId xmlns:a16="http://schemas.microsoft.com/office/drawing/2014/main" id="{E85DE7A3-5AAB-4003-99BB-27ED4CE4DF89}"/>
+              </a:ext>
+            </a:extLst>
+          </p:cNvPr>
+          <p:cNvPicPr>
+            <a:picLocks noChangeAspect="1"/>
+          </p:cNvPicPr>
+          <p:nvPr/>
+        </p:nvPicPr>
+        <p:blipFill>
+          <a:blip r:embed="rId3">
+            <a:extLst>
+              <a:ext uri="{28A0092B-C50C-407E-A947-70E740481C1C}">
+                <a14:useLocalDpi xmlns:a14="http://schemas.microsoft.com/office/drawing/2010/main" val="0"/>
+              </a:ext>
+            </a:extLst>
+          </a:blip>
+          <a:stretch>
+            <a:fillRect/>
+          </a:stretch>
+        </p:blipFill>
+        <p:spPr>
+          <a:xfrm>
+            <a:off x="1069803" y="3166303"/>
+            <a:ext cx="4134427" cy="3467584"/>
+          </a:xfrm>
+          <a:prstGeom prst="rect">
+            <a:avLst/>
+          </a:prstGeom>
+        </p:spPr>
+      </p:pic>
     </p:spTree>
     <p:extLst>
       <p:ext uri="{BB962C8B-B14F-4D97-AF65-F5344CB8AC3E}">
@@ -5505,8 +5991,8 @@
         </p:nvSpPr>
         <p:spPr>
           <a:xfrm>
-            <a:off x="735976" y="2091297"/>
-            <a:ext cx="4862228" cy="1077218"/>
+            <a:off x="1001272" y="2091297"/>
+            <a:ext cx="4331635" cy="1077218"/>
           </a:xfrm>
           <a:prstGeom prst="rect">
             <a:avLst/>
@@ -5558,25 +6044,8 @@
                 <a:latin typeface="나눔스퀘어 ExtraBold" panose="020B0600000101010101" pitchFamily="50" charset="-127"/>
                 <a:ea typeface="나눔스퀘어 ExtraBold" panose="020B0600000101010101" pitchFamily="50" charset="-127"/>
               </a:rPr>
-              <a:t>중국이 </a:t>
-            </a:r>
-            <a:r>
-              <a:rPr lang="ko-KR" altLang="en-US" sz="3200" spc="-150" dirty="0" err="1">
-                <a:solidFill>
-                  <a:srgbClr val="8DBABD"/>
-                </a:solidFill>
-                <a:latin typeface="나눔스퀘어 ExtraBold" panose="020B0600000101010101" pitchFamily="50" charset="-127"/>
-                <a:ea typeface="나눔스퀘어 ExtraBold" panose="020B0600000101010101" pitchFamily="50" charset="-127"/>
-              </a:rPr>
-              <a:t>앞도적</a:t>
-            </a:r>
-            <a:endParaRPr lang="ko-KR" altLang="en-US" sz="3200" spc="-150" dirty="0">
-              <a:solidFill>
-                <a:srgbClr val="8DBABD"/>
-              </a:solidFill>
-              <a:latin typeface="나눔스퀘어 ExtraBold" panose="020B0600000101010101" pitchFamily="50" charset="-127"/>
-              <a:ea typeface="나눔스퀘어 ExtraBold" panose="020B0600000101010101" pitchFamily="50" charset="-127"/>
-            </a:endParaRPr>
+              <a:t>중국이 압도적</a:t>
+            </a:r>
           </a:p>
         </p:txBody>
       </p:sp>
@@ -6596,6 +7065,42 @@
           </a:p>
         </p:txBody>
       </p:sp>
+      <p:pic>
+        <p:nvPicPr>
+          <p:cNvPr id="12" name="그림 11">
+            <a:extLst>
+              <a:ext uri="{FF2B5EF4-FFF2-40B4-BE49-F238E27FC236}">
+                <a16:creationId xmlns:a16="http://schemas.microsoft.com/office/drawing/2014/main" id="{81F3AF4D-A2E4-4211-88F7-E1D880317713}"/>
+              </a:ext>
+            </a:extLst>
+          </p:cNvPr>
+          <p:cNvPicPr>
+            <a:picLocks noChangeAspect="1"/>
+          </p:cNvPicPr>
+          <p:nvPr/>
+        </p:nvPicPr>
+        <p:blipFill>
+          <a:blip r:embed="rId2">
+            <a:extLst>
+              <a:ext uri="{28A0092B-C50C-407E-A947-70E740481C1C}">
+                <a14:useLocalDpi xmlns:a14="http://schemas.microsoft.com/office/drawing/2010/main" val="0"/>
+              </a:ext>
+            </a:extLst>
+          </a:blip>
+          <a:stretch>
+            <a:fillRect/>
+          </a:stretch>
+        </p:blipFill>
+        <p:spPr>
+          <a:xfrm>
+            <a:off x="5492063" y="956917"/>
+            <a:ext cx="5201376" cy="4944165"/>
+          </a:xfrm>
+          <a:prstGeom prst="rect">
+            <a:avLst/>
+          </a:prstGeom>
+        </p:spPr>
+      </p:pic>
     </p:spTree>
     <p:extLst>
       <p:ext uri="{BB962C8B-B14F-4D97-AF65-F5344CB8AC3E}">
@@ -6610,49 +7115,49 @@
 </file>
 
 <file path=ppt/theme/theme1.xml><?xml version="1.0" encoding="utf-8"?>
-<a:theme xmlns:r="http://schemas.openxmlformats.org/officeDocument/2006/relationships" xmlns:c="http://schemas.openxmlformats.org/drawingml/2006/chart" xmlns:dgm="http://schemas.openxmlformats.org/drawingml/2006/diagram" xmlns:dsp="http://schemas.microsoft.com/office/drawing/2008/diagram" xmlns:a="http://schemas.openxmlformats.org/drawingml/2006/main" xmlns:pic="http://schemas.openxmlformats.org/drawingml/2006/picture" xmlns:wp="http://schemas.openxmlformats.org/drawingml/2006/wordprocessingDrawing" xmlns:xdr="http://schemas.openxmlformats.org/drawingml/2006/spreadsheetDrawing" xmlns:p="http://schemas.openxmlformats.org/presentationml/2006/main" name="1_Office 테마">
+<a:theme xmlns:a="http://schemas.openxmlformats.org/drawingml/2006/main" name="1_Office 테마">
   <a:themeElements>
     <a:clrScheme name="Office">
       <a:dk1>
         <a:sysClr val="windowText" lastClr="000000"/>
       </a:dk1>
       <a:lt1>
-        <a:sysClr val="window" lastClr="ffffff"/>
+        <a:sysClr val="window" lastClr="FFFFFF"/>
       </a:lt1>
       <a:dk2>
-        <a:srgbClr val="44546a"/>
+        <a:srgbClr val="44546A"/>
       </a:dk2>
       <a:lt2>
-        <a:srgbClr val="e7e6e6"/>
+        <a:srgbClr val="E7E6E6"/>
       </a:lt2>
       <a:accent1>
-        <a:srgbClr val="5b9bd5"/>
+        <a:srgbClr val="5B9BD5"/>
       </a:accent1>
       <a:accent2>
-        <a:srgbClr val="ed7d31"/>
+        <a:srgbClr val="ED7D31"/>
       </a:accent2>
       <a:accent3>
-        <a:srgbClr val="a5a5a5"/>
+        <a:srgbClr val="A5A5A5"/>
       </a:accent3>
       <a:accent4>
-        <a:srgbClr val="ffc000"/>
+        <a:srgbClr val="FFC000"/>
       </a:accent4>
       <a:accent5>
-        <a:srgbClr val="4472c4"/>
+        <a:srgbClr val="4472C4"/>
       </a:accent5>
       <a:accent6>
-        <a:srgbClr val="70ad47"/>
+        <a:srgbClr val="70AD47"/>
       </a:accent6>
       <a:hlink>
-        <a:srgbClr val="0563c1"/>
+        <a:srgbClr val="0563C1"/>
       </a:hlink>
       <a:folHlink>
-        <a:srgbClr val="954f72"/>
+        <a:srgbClr val="954F72"/>
       </a:folHlink>
     </a:clrScheme>
     <a:fontScheme name="Office">
       <a:majorFont>
-        <a:latin typeface="맑은 고딕" panose="20"/>
+        <a:latin typeface="맑은 고딕" panose="20000000000000000000"/>
         <a:ea typeface=""/>
         <a:cs typeface=""/>
         <a:font script="Jpan" typeface="Yu Gothic Light"/>
@@ -6687,7 +7192,7 @@
         <a:font script="Geor" typeface="Sylfaen"/>
       </a:majorFont>
       <a:minorFont>
-        <a:latin typeface="맑은 고딕" panose="20"/>
+        <a:latin typeface="맑은 고딕" panose="20000000000000000000"/>
         <a:ea typeface=""/>
         <a:cs typeface=""/>
         <a:font script="Jpan" typeface="Yu Gothic"/>
@@ -6860,53 +7365,55 @@
       </a:bgFillStyleLst>
     </a:fmtScheme>
   </a:themeElements>
+  <a:objectDefaults/>
+  <a:extraClrSchemeLst/>
 </a:theme>
 </file>
 
 <file path=ppt/theme/theme2.xml><?xml version="1.0" encoding="utf-8"?>
-<a:theme xmlns:r="http://schemas.openxmlformats.org/officeDocument/2006/relationships" xmlns:c="http://schemas.openxmlformats.org/drawingml/2006/chart" xmlns:dgm="http://schemas.openxmlformats.org/drawingml/2006/diagram" xmlns:dsp="http://schemas.microsoft.com/office/drawing/2008/diagram" xmlns:a="http://schemas.openxmlformats.org/drawingml/2006/main" xmlns:pic="http://schemas.openxmlformats.org/drawingml/2006/picture" xmlns:wp="http://schemas.openxmlformats.org/drawingml/2006/wordprocessingDrawing" xmlns:xdr="http://schemas.openxmlformats.org/drawingml/2006/spreadsheetDrawing" xmlns:p="http://schemas.openxmlformats.org/presentationml/2006/main" name="Office 테마">
+<a:theme xmlns:a="http://schemas.openxmlformats.org/drawingml/2006/main" name="Office 테마">
   <a:themeElements>
     <a:clrScheme name="Office">
       <a:dk1>
         <a:sysClr val="windowText" lastClr="000000"/>
       </a:dk1>
       <a:lt1>
-        <a:sysClr val="window" lastClr="ffffff"/>
+        <a:sysClr val="window" lastClr="FFFFFF"/>
       </a:lt1>
       <a:dk2>
-        <a:srgbClr val="44546a"/>
+        <a:srgbClr val="44546A"/>
       </a:dk2>
       <a:lt2>
-        <a:srgbClr val="e7e6e6"/>
+        <a:srgbClr val="E7E6E6"/>
       </a:lt2>
       <a:accent1>
-        <a:srgbClr val="5b9bd5"/>
+        <a:srgbClr val="5B9BD5"/>
       </a:accent1>
       <a:accent2>
-        <a:srgbClr val="ed7d31"/>
+        <a:srgbClr val="ED7D31"/>
       </a:accent2>
       <a:accent3>
-        <a:srgbClr val="a5a5a5"/>
+        <a:srgbClr val="A5A5A5"/>
       </a:accent3>
       <a:accent4>
-        <a:srgbClr val="ffc000"/>
+        <a:srgbClr val="FFC000"/>
       </a:accent4>
       <a:accent5>
-        <a:srgbClr val="4472c4"/>
+        <a:srgbClr val="4472C4"/>
       </a:accent5>
       <a:accent6>
-        <a:srgbClr val="70ad47"/>
+        <a:srgbClr val="70AD47"/>
       </a:accent6>
       <a:hlink>
-        <a:srgbClr val="0563c1"/>
+        <a:srgbClr val="0563C1"/>
       </a:hlink>
       <a:folHlink>
-        <a:srgbClr val="954f72"/>
+        <a:srgbClr val="954F72"/>
       </a:folHlink>
     </a:clrScheme>
     <a:fontScheme name="Office">
       <a:majorFont>
-        <a:latin typeface="맑은 고딕" panose="20"/>
+        <a:latin typeface="맑은 고딕" panose="20000000000000000000"/>
         <a:ea typeface=""/>
         <a:cs typeface=""/>
         <a:font script="Jpan" typeface="Yu Gothic Light"/>
@@ -6941,7 +7448,7 @@
         <a:font script="Geor" typeface="Sylfaen"/>
       </a:majorFont>
       <a:minorFont>
-        <a:latin typeface="맑은 고딕" panose="20"/>
+        <a:latin typeface="맑은 고딕" panose="20000000000000000000"/>
         <a:ea typeface=""/>
         <a:cs typeface=""/>
         <a:font script="Jpan" typeface="Yu Gothic"/>
@@ -7114,5 +7621,7 @@
       </a:bgFillStyleLst>
     </a:fmtScheme>
   </a:themeElements>
+  <a:objectDefaults/>
+  <a:extraClrSchemeLst/>
 </a:theme>
 </file>
--- a/6조_외부환경영향.pptx
+++ b/6조_외부환경영향.pptx
@@ -5,42 +5,43 @@
     <p:sldMasterId id="2147483663" r:id="rId1"/>
   </p:sldMasterIdLst>
   <p:notesMasterIdLst>
-    <p:notesMasterId r:id="rId19"/>
+    <p:notesMasterId r:id="rId20"/>
   </p:notesMasterIdLst>
   <p:sldIdLst>
     <p:sldId id="256" r:id="rId2"/>
     <p:sldId id="257" r:id="rId3"/>
     <p:sldId id="258" r:id="rId4"/>
     <p:sldId id="259" r:id="rId5"/>
-    <p:sldId id="260" r:id="rId6"/>
-    <p:sldId id="261" r:id="rId7"/>
-    <p:sldId id="262" r:id="rId8"/>
-    <p:sldId id="263" r:id="rId9"/>
-    <p:sldId id="264" r:id="rId10"/>
-    <p:sldId id="265" r:id="rId11"/>
-    <p:sldId id="266" r:id="rId12"/>
-    <p:sldId id="267" r:id="rId13"/>
-    <p:sldId id="268" r:id="rId14"/>
-    <p:sldId id="269" r:id="rId15"/>
-    <p:sldId id="270" r:id="rId16"/>
-    <p:sldId id="271" r:id="rId17"/>
-    <p:sldId id="272" r:id="rId18"/>
+    <p:sldId id="273" r:id="rId6"/>
+    <p:sldId id="260" r:id="rId7"/>
+    <p:sldId id="261" r:id="rId8"/>
+    <p:sldId id="262" r:id="rId9"/>
+    <p:sldId id="263" r:id="rId10"/>
+    <p:sldId id="264" r:id="rId11"/>
+    <p:sldId id="265" r:id="rId12"/>
+    <p:sldId id="266" r:id="rId13"/>
+    <p:sldId id="267" r:id="rId14"/>
+    <p:sldId id="268" r:id="rId15"/>
+    <p:sldId id="269" r:id="rId16"/>
+    <p:sldId id="270" r:id="rId17"/>
+    <p:sldId id="271" r:id="rId18"/>
+    <p:sldId id="272" r:id="rId19"/>
   </p:sldIdLst>
   <p:sldSz cx="12192000" cy="6858000"/>
   <p:notesSz cx="6858000" cy="9144000"/>
   <p:embeddedFontLst>
     <p:embeddedFont>
       <p:font typeface="나눔스퀘어 Bold" panose="020B0600000101010101" pitchFamily="50" charset="-127"/>
-      <p:bold r:id="rId20"/>
+      <p:bold r:id="rId21"/>
     </p:embeddedFont>
     <p:embeddedFont>
       <p:font typeface="나눔스퀘어 ExtraBold" panose="020B0600000101010101" pitchFamily="50" charset="-127"/>
-      <p:bold r:id="rId21"/>
+      <p:bold r:id="rId22"/>
     </p:embeddedFont>
     <p:embeddedFont>
       <p:font typeface="맑은 고딕" panose="020B0503020000020004" pitchFamily="50" charset="-127"/>
-      <p:regular r:id="rId22"/>
-      <p:bold r:id="rId23"/>
+      <p:regular r:id="rId23"/>
+      <p:bold r:id="rId24"/>
     </p:embeddedFont>
   </p:embeddedFontLst>
   <p:defaultTextStyle>
@@ -1177,14 +1178,14 @@
       </p:grpSpPr>
       <p:sp>
         <p:nvSpPr>
-          <p:cNvPr id="2" name="TextBox 1"/>
+          <p:cNvPr id="11" name="TextBox 10"/>
           <p:cNvSpPr txBox="1"/>
           <p:nvPr/>
         </p:nvSpPr>
         <p:spPr>
           <a:xfrm>
-            <a:off x="4000500" y="2472873"/>
-            <a:ext cx="797013" cy="769441"/>
+            <a:off x="756015" y="2091297"/>
+            <a:ext cx="4822154" cy="1077218"/>
           </a:xfrm>
           <a:prstGeom prst="rect">
             <a:avLst/>
@@ -1197,84 +1198,451 @@
           </a:bodyPr>
           <a:lstStyle/>
           <a:p>
-            <a:r>
-              <a:rPr lang="en-US" altLang="ko-KR" sz="4400" spc="-300" dirty="0">
+            <a:pPr algn="ctr"/>
+            <a:r>
+              <a:rPr lang="en-US" altLang="ko-KR" sz="3200" spc="-150" dirty="0">
+                <a:solidFill>
+                  <a:srgbClr val="8DBABD"/>
+                </a:solidFill>
+                <a:latin typeface="나눔스퀘어 ExtraBold" panose="020B0600000101010101" pitchFamily="50" charset="-127"/>
+                <a:ea typeface="나눔스퀘어 ExtraBold" panose="020B0600000101010101" pitchFamily="50" charset="-127"/>
+              </a:rPr>
+              <a:t>GNI(</a:t>
+            </a:r>
+            <a:r>
+              <a:rPr lang="ko-KR" altLang="en-US" sz="3200" spc="-150" dirty="0">
+                <a:solidFill>
+                  <a:srgbClr val="8DBABD"/>
+                </a:solidFill>
+                <a:latin typeface="나눔스퀘어 ExtraBold" panose="020B0600000101010101" pitchFamily="50" charset="-127"/>
+                <a:ea typeface="나눔스퀘어 ExtraBold" panose="020B0600000101010101" pitchFamily="50" charset="-127"/>
+              </a:rPr>
+              <a:t>국내총소득</a:t>
+            </a:r>
+            <a:r>
+              <a:rPr lang="en-US" altLang="ko-KR" sz="3200" spc="-150" dirty="0">
+                <a:solidFill>
+                  <a:srgbClr val="8DBABD"/>
+                </a:solidFill>
+                <a:latin typeface="나눔스퀘어 ExtraBold" panose="020B0600000101010101" pitchFamily="50" charset="-127"/>
+                <a:ea typeface="나눔스퀘어 ExtraBold" panose="020B0600000101010101" pitchFamily="50" charset="-127"/>
+              </a:rPr>
+              <a:t>)</a:t>
+            </a:r>
+            <a:r>
+              <a:rPr lang="ko-KR" altLang="en-US" sz="3200" spc="-150" dirty="0">
+                <a:solidFill>
+                  <a:srgbClr val="8DBABD"/>
+                </a:solidFill>
+                <a:latin typeface="나눔스퀘어 ExtraBold" panose="020B0600000101010101" pitchFamily="50" charset="-127"/>
+                <a:ea typeface="나눔스퀘어 ExtraBold" panose="020B0600000101010101" pitchFamily="50" charset="-127"/>
+              </a:rPr>
+              <a:t>과 비교 시</a:t>
+            </a:r>
+            <a:endParaRPr lang="en-US" altLang="ko-KR" sz="3200" spc="-150" dirty="0">
+              <a:solidFill>
+                <a:srgbClr val="8DBABD"/>
+              </a:solidFill>
+              <a:latin typeface="나눔스퀘어 ExtraBold" panose="020B0600000101010101" pitchFamily="50" charset="-127"/>
+              <a:ea typeface="나눔스퀘어 ExtraBold" panose="020B0600000101010101" pitchFamily="50" charset="-127"/>
+            </a:endParaRPr>
+          </a:p>
+          <a:p>
+            <a:pPr algn="ctr"/>
+            <a:r>
+              <a:rPr lang="ko-KR" altLang="en-US" sz="3200" spc="-150" dirty="0">
+                <a:solidFill>
+                  <a:srgbClr val="8DBABD"/>
+                </a:solidFill>
+                <a:latin typeface="나눔스퀘어 ExtraBold" panose="020B0600000101010101" pitchFamily="50" charset="-127"/>
+                <a:ea typeface="나눔스퀘어 ExtraBold" panose="020B0600000101010101" pitchFamily="50" charset="-127"/>
+              </a:rPr>
+              <a:t>상관관계 없음 </a:t>
+            </a:r>
+            <a:r>
+              <a:rPr lang="en-US" altLang="ko-KR" sz="3200" spc="-150" dirty="0">
+                <a:solidFill>
+                  <a:srgbClr val="8DBABD"/>
+                </a:solidFill>
+                <a:latin typeface="나눔스퀘어 ExtraBold" panose="020B0600000101010101" pitchFamily="50" charset="-127"/>
+                <a:ea typeface="나눔스퀘어 ExtraBold" panose="020B0600000101010101" pitchFamily="50" charset="-127"/>
+              </a:rPr>
+              <a:t>0.3xxxx</a:t>
+            </a:r>
+          </a:p>
+        </p:txBody>
+      </p:sp>
+      <p:cxnSp>
+        <p:nvCxnSpPr>
+          <p:cNvPr id="14" name="직선 연결선 13"/>
+          <p:cNvCxnSpPr/>
+          <p:nvPr/>
+        </p:nvCxnSpPr>
+        <p:spPr>
+          <a:xfrm>
+            <a:off x="10430892" y="144941"/>
+            <a:ext cx="360000" cy="0"/>
+          </a:xfrm>
+          <a:prstGeom prst="line">
+            <a:avLst/>
+          </a:prstGeom>
+          <a:ln w="44450" cap="rnd">
+            <a:solidFill>
+              <a:srgbClr val="D0CECE"/>
+            </a:solidFill>
+          </a:ln>
+          <a:effectLst>
+            <a:outerShdw blurRad="50800" dist="38100" dir="5400000" algn="t" rotWithShape="0">
+              <a:prstClr val="black">
+                <a:alpha val="40000"/>
+              </a:prstClr>
+            </a:outerShdw>
+          </a:effectLst>
+        </p:spPr>
+        <p:style>
+          <a:lnRef idx="1">
+            <a:schemeClr val="accent1"/>
+          </a:lnRef>
+          <a:fillRef idx="0">
+            <a:schemeClr val="accent1"/>
+          </a:fillRef>
+          <a:effectRef idx="0">
+            <a:schemeClr val="accent1"/>
+          </a:effectRef>
+          <a:fontRef idx="minor">
+            <a:schemeClr val="tx1"/>
+          </a:fontRef>
+        </p:style>
+      </p:cxnSp>
+      <p:cxnSp>
+        <p:nvCxnSpPr>
+          <p:cNvPr id="15" name="직선 연결선 14"/>
+          <p:cNvCxnSpPr/>
+          <p:nvPr/>
+        </p:nvCxnSpPr>
+        <p:spPr>
+          <a:xfrm>
+            <a:off x="10858459" y="144941"/>
+            <a:ext cx="360000" cy="0"/>
+          </a:xfrm>
+          <a:prstGeom prst="line">
+            <a:avLst/>
+          </a:prstGeom>
+          <a:ln w="44450" cap="rnd">
+            <a:solidFill>
+              <a:srgbClr val="8DBABD"/>
+            </a:solidFill>
+          </a:ln>
+          <a:effectLst>
+            <a:outerShdw blurRad="50800" dist="38100" dir="5400000" algn="t" rotWithShape="0">
+              <a:prstClr val="black">
+                <a:alpha val="40000"/>
+              </a:prstClr>
+            </a:outerShdw>
+          </a:effectLst>
+        </p:spPr>
+        <p:style>
+          <a:lnRef idx="1">
+            <a:schemeClr val="accent1"/>
+          </a:lnRef>
+          <a:fillRef idx="0">
+            <a:schemeClr val="accent1"/>
+          </a:fillRef>
+          <a:effectRef idx="0">
+            <a:schemeClr val="accent1"/>
+          </a:effectRef>
+          <a:fontRef idx="minor">
+            <a:schemeClr val="tx1"/>
+          </a:fontRef>
+        </p:style>
+      </p:cxnSp>
+      <p:cxnSp>
+        <p:nvCxnSpPr>
+          <p:cNvPr id="16" name="직선 연결선 15"/>
+          <p:cNvCxnSpPr/>
+          <p:nvPr/>
+        </p:nvCxnSpPr>
+        <p:spPr>
+          <a:xfrm>
+            <a:off x="11286026" y="144941"/>
+            <a:ext cx="360000" cy="0"/>
+          </a:xfrm>
+          <a:prstGeom prst="line">
+            <a:avLst/>
+          </a:prstGeom>
+          <a:ln w="44450" cap="rnd">
+            <a:solidFill>
+              <a:schemeClr val="bg2">
+                <a:lumMod val="90000"/>
+              </a:schemeClr>
+            </a:solidFill>
+          </a:ln>
+          <a:effectLst>
+            <a:outerShdw blurRad="50800" dist="38100" dir="5400000" algn="t" rotWithShape="0">
+              <a:prstClr val="black">
+                <a:alpha val="40000"/>
+              </a:prstClr>
+            </a:outerShdw>
+          </a:effectLst>
+        </p:spPr>
+        <p:style>
+          <a:lnRef idx="1">
+            <a:schemeClr val="accent1"/>
+          </a:lnRef>
+          <a:fillRef idx="0">
+            <a:schemeClr val="accent1"/>
+          </a:fillRef>
+          <a:effectRef idx="0">
+            <a:schemeClr val="accent1"/>
+          </a:effectRef>
+          <a:fontRef idx="minor">
+            <a:schemeClr val="tx1"/>
+          </a:fontRef>
+        </p:style>
+      </p:cxnSp>
+      <p:cxnSp>
+        <p:nvCxnSpPr>
+          <p:cNvPr id="17" name="직선 연결선 16"/>
+          <p:cNvCxnSpPr/>
+          <p:nvPr/>
+        </p:nvCxnSpPr>
+        <p:spPr>
+          <a:xfrm>
+            <a:off x="11713592" y="144941"/>
+            <a:ext cx="360000" cy="0"/>
+          </a:xfrm>
+          <a:prstGeom prst="line">
+            <a:avLst/>
+          </a:prstGeom>
+          <a:ln w="44450" cap="rnd">
+            <a:solidFill>
+              <a:schemeClr val="bg2">
+                <a:lumMod val="90000"/>
+              </a:schemeClr>
+            </a:solidFill>
+          </a:ln>
+          <a:effectLst>
+            <a:outerShdw blurRad="50800" dist="38100" dir="5400000" algn="t" rotWithShape="0">
+              <a:prstClr val="black">
+                <a:alpha val="40000"/>
+              </a:prstClr>
+            </a:outerShdw>
+          </a:effectLst>
+        </p:spPr>
+        <p:style>
+          <a:lnRef idx="1">
+            <a:schemeClr val="accent1"/>
+          </a:lnRef>
+          <a:fillRef idx="0">
+            <a:schemeClr val="accent1"/>
+          </a:fillRef>
+          <a:effectRef idx="0">
+            <a:schemeClr val="accent1"/>
+          </a:effectRef>
+          <a:fontRef idx="minor">
+            <a:schemeClr val="tx1"/>
+          </a:fontRef>
+        </p:style>
+      </p:cxnSp>
+      <p:cxnSp>
+        <p:nvCxnSpPr>
+          <p:cNvPr id="18" name="직선 연결선 17"/>
+          <p:cNvCxnSpPr/>
+          <p:nvPr/>
+        </p:nvCxnSpPr>
+        <p:spPr>
+          <a:xfrm>
+            <a:off x="1026522" y="989148"/>
+            <a:ext cx="2160000" cy="0"/>
+          </a:xfrm>
+          <a:prstGeom prst="line">
+            <a:avLst/>
+          </a:prstGeom>
+          <a:ln>
+            <a:solidFill>
+              <a:schemeClr val="bg1">
+                <a:lumMod val="50000"/>
+              </a:schemeClr>
+            </a:solidFill>
+          </a:ln>
+        </p:spPr>
+        <p:style>
+          <a:lnRef idx="1">
+            <a:schemeClr val="accent1"/>
+          </a:lnRef>
+          <a:fillRef idx="0">
+            <a:schemeClr val="accent1"/>
+          </a:fillRef>
+          <a:effectRef idx="0">
+            <a:schemeClr val="accent1"/>
+          </a:effectRef>
+          <a:fontRef idx="minor">
+            <a:schemeClr val="tx1"/>
+          </a:fontRef>
+        </p:style>
+      </p:cxnSp>
+      <p:sp>
+        <p:nvSpPr>
+          <p:cNvPr id="19" name="TextBox 18"/>
+          <p:cNvSpPr txBox="1"/>
+          <p:nvPr/>
+        </p:nvSpPr>
+        <p:spPr>
+          <a:xfrm>
+            <a:off x="1233310" y="437393"/>
+            <a:ext cx="1749197" cy="584775"/>
+          </a:xfrm>
+          <a:prstGeom prst="rect">
+            <a:avLst/>
+          </a:prstGeom>
+          <a:noFill/>
+        </p:spPr>
+        <p:txBody>
+          <a:bodyPr wrap="none" rtlCol="0">
+            <a:spAutoFit/>
+          </a:bodyPr>
+          <a:lstStyle/>
+          <a:p>
+            <a:pPr algn="ctr"/>
+            <a:r>
+              <a:rPr lang="ko-KR" altLang="en-US" sz="3200" spc="-150">
                 <a:solidFill>
                   <a:srgbClr val="00002F"/>
                 </a:solidFill>
-                <a:latin typeface="나눔스퀘어 Bold" panose="020B0600000101010101" pitchFamily="50" charset="-127"/>
-                <a:ea typeface="나눔스퀘어 Bold" panose="020B0600000101010101" pitchFamily="50" charset="-127"/>
-              </a:rPr>
-              <a:t>03</a:t>
-            </a:r>
-            <a:endParaRPr lang="ko-KR" altLang="en-US" sz="4400" spc="-300" dirty="0">
+                <a:latin typeface="나눔스퀘어 ExtraBold" panose="020B0600000101010101" pitchFamily="50" charset="-127"/>
+                <a:ea typeface="나눔스퀘어 ExtraBold" panose="020B0600000101010101" pitchFamily="50" charset="-127"/>
+              </a:rPr>
+              <a:t>외부요인</a:t>
+            </a:r>
+            <a:endParaRPr lang="ko-KR" altLang="en-US" sz="3200" spc="-150" dirty="0">
               <a:solidFill>
                 <a:srgbClr val="00002F"/>
               </a:solidFill>
-              <a:latin typeface="나눔스퀘어 Bold" panose="020B0600000101010101" pitchFamily="50" charset="-127"/>
-              <a:ea typeface="나눔스퀘어 Bold" panose="020B0600000101010101" pitchFamily="50" charset="-127"/>
+              <a:latin typeface="나눔스퀘어 ExtraBold" panose="020B0600000101010101" pitchFamily="50" charset="-127"/>
+              <a:ea typeface="나눔스퀘어 ExtraBold" panose="020B0600000101010101" pitchFamily="50" charset="-127"/>
             </a:endParaRPr>
           </a:p>
         </p:txBody>
       </p:sp>
       <p:sp>
         <p:nvSpPr>
-          <p:cNvPr id="3" name="직사각형 2"/>
-          <p:cNvSpPr/>
+          <p:cNvPr id="20" name="TextBox 19"/>
+          <p:cNvSpPr txBox="1"/>
           <p:nvPr/>
         </p:nvSpPr>
         <p:spPr>
           <a:xfrm>
-            <a:off x="4000499" y="3169741"/>
-            <a:ext cx="4200071" cy="473345"/>
+            <a:off x="455532" y="498947"/>
+            <a:ext cx="614271" cy="461665"/>
           </a:xfrm>
           <a:prstGeom prst="rect">
             <a:avLst/>
           </a:prstGeom>
-          <a:solidFill>
-            <a:srgbClr val="8DBABD"/>
-          </a:solidFill>
-          <a:ln>
-            <a:solidFill>
-              <a:srgbClr val="8DBABD"/>
-            </a:solidFill>
-          </a:ln>
-        </p:spPr>
-        <p:style>
-          <a:lnRef idx="2">
-            <a:schemeClr val="accent1">
-              <a:shade val="50000"/>
-            </a:schemeClr>
-          </a:lnRef>
-          <a:fillRef idx="1">
-            <a:schemeClr val="accent1"/>
-          </a:fillRef>
-          <a:effectRef idx="0">
-            <a:schemeClr val="accent1"/>
-          </a:effectRef>
-          <a:fontRef idx="minor">
-            <a:schemeClr val="lt1"/>
-          </a:fontRef>
-        </p:style>
+          <a:noFill/>
+        </p:spPr>
         <p:txBody>
-          <a:bodyPr rtlCol="0" anchor="ctr"/>
+          <a:bodyPr wrap="none" rtlCol="0">
+            <a:spAutoFit/>
+          </a:bodyPr>
           <a:lstStyle/>
           <a:p>
             <a:pPr algn="ctr"/>
             <a:r>
-              <a:rPr lang="ko-KR" altLang="en-US" dirty="0">
-                <a:latin typeface="나눔스퀘어 Bold" panose="020B0600000101010101" pitchFamily="50" charset="-127"/>
-                <a:ea typeface="나눔스퀘어 Bold" panose="020B0600000101010101" pitchFamily="50" charset="-127"/>
-              </a:rPr>
-              <a:t>제주 예산 현황</a:t>
-            </a:r>
+              <a:rPr lang="en-US" altLang="ko-KR" sz="2400" spc="-150" dirty="0">
+                <a:solidFill>
+                  <a:srgbClr val="00002F"/>
+                </a:solidFill>
+                <a:latin typeface="나눔스퀘어 ExtraBold" panose="020B0600000101010101" pitchFamily="50" charset="-127"/>
+                <a:ea typeface="나눔스퀘어 ExtraBold" panose="020B0600000101010101" pitchFamily="50" charset="-127"/>
+              </a:rPr>
+              <a:t>02.</a:t>
+            </a:r>
+            <a:endParaRPr lang="ko-KR" altLang="en-US" sz="2400" spc="-150" dirty="0">
+              <a:solidFill>
+                <a:srgbClr val="00002F"/>
+              </a:solidFill>
+              <a:latin typeface="나눔스퀘어 ExtraBold" panose="020B0600000101010101" pitchFamily="50" charset="-127"/>
+              <a:ea typeface="나눔스퀘어 ExtraBold" panose="020B0600000101010101" pitchFamily="50" charset="-127"/>
+            </a:endParaRPr>
           </a:p>
         </p:txBody>
       </p:sp>
+      <p:sp>
+        <p:nvSpPr>
+          <p:cNvPr id="21" name="TextBox 20"/>
+          <p:cNvSpPr txBox="1"/>
+          <p:nvPr/>
+        </p:nvSpPr>
+        <p:spPr>
+          <a:xfrm>
+            <a:off x="1043807" y="1006929"/>
+            <a:ext cx="2002472" cy="369332"/>
+          </a:xfrm>
+          <a:prstGeom prst="rect">
+            <a:avLst/>
+          </a:prstGeom>
+          <a:noFill/>
+        </p:spPr>
+        <p:txBody>
+          <a:bodyPr wrap="none" rtlCol="0">
+            <a:spAutoFit/>
+          </a:bodyPr>
+          <a:lstStyle/>
+          <a:p>
+            <a:pPr algn="ctr"/>
+            <a:r>
+              <a:rPr lang="ko-KR" altLang="en-US" spc="-150" dirty="0">
+                <a:solidFill>
+                  <a:srgbClr val="00002F"/>
+                </a:solidFill>
+                <a:latin typeface="나눔스퀘어 ExtraBold" panose="020B0600000101010101" pitchFamily="50" charset="-127"/>
+                <a:ea typeface="나눔스퀘어 ExtraBold" panose="020B0600000101010101" pitchFamily="50" charset="-127"/>
+              </a:rPr>
+              <a:t>내국인 관광객 요인</a:t>
+            </a:r>
+          </a:p>
+        </p:txBody>
+      </p:sp>
+      <p:pic>
+        <p:nvPicPr>
+          <p:cNvPr id="12" name="그림 11">
+            <a:extLst>
+              <a:ext uri="{FF2B5EF4-FFF2-40B4-BE49-F238E27FC236}">
+                <a16:creationId xmlns:a16="http://schemas.microsoft.com/office/drawing/2014/main" id="{81F3AF4D-A2E4-4211-88F7-E1D880317713}"/>
+              </a:ext>
+            </a:extLst>
+          </p:cNvPr>
+          <p:cNvPicPr>
+            <a:picLocks noChangeAspect="1"/>
+          </p:cNvPicPr>
+          <p:nvPr/>
+        </p:nvPicPr>
+        <p:blipFill>
+          <a:blip r:embed="rId2">
+            <a:extLst>
+              <a:ext uri="{28A0092B-C50C-407E-A947-70E740481C1C}">
+                <a14:useLocalDpi xmlns:a14="http://schemas.microsoft.com/office/drawing/2010/main" val="0"/>
+              </a:ext>
+            </a:extLst>
+          </a:blip>
+          <a:stretch>
+            <a:fillRect/>
+          </a:stretch>
+        </p:blipFill>
+        <p:spPr>
+          <a:xfrm>
+            <a:off x="5492063" y="956917"/>
+            <a:ext cx="5201376" cy="4944165"/>
+          </a:xfrm>
+          <a:prstGeom prst="rect">
+            <a:avLst/>
+          </a:prstGeom>
+        </p:spPr>
+      </p:pic>
     </p:spTree>
     <p:extLst>
       <p:ext uri="{BB962C8B-B14F-4D97-AF65-F5344CB8AC3E}">
-        <p14:creationId xmlns:p14="http://schemas.microsoft.com/office/powerpoint/2010/main" val="244040977"/>
+        <p14:creationId xmlns:p14="http://schemas.microsoft.com/office/powerpoint/2010/main" val="2356050672"/>
       </p:ext>
     </p:extLst>
   </p:cSld>
@@ -1303,14 +1671,14 @@
       </p:grpSpPr>
       <p:sp>
         <p:nvSpPr>
-          <p:cNvPr id="11" name="TextBox 10"/>
+          <p:cNvPr id="2" name="TextBox 1"/>
           <p:cNvSpPr txBox="1"/>
           <p:nvPr/>
         </p:nvSpPr>
         <p:spPr>
           <a:xfrm>
-            <a:off x="4339915" y="635265"/>
-            <a:ext cx="6526530" cy="572505"/>
+            <a:off x="4000500" y="2472873"/>
+            <a:ext cx="797013" cy="769441"/>
           </a:xfrm>
           <a:prstGeom prst="rect">
             <a:avLst/>
@@ -1318,406 +1686,58 @@
           <a:noFill/>
         </p:spPr>
         <p:txBody>
-          <a:bodyPr wrap="none">
+          <a:bodyPr wrap="none" rtlCol="0">
             <a:spAutoFit/>
           </a:bodyPr>
           <a:lstStyle/>
           <a:p>
-            <a:pPr algn="ctr">
-              <a:defRPr/>
-            </a:pPr>
-            <a:r>
-              <a:rPr lang="ko-KR" altLang="en-US" sz="3200" spc="-150">
-                <a:solidFill>
-                  <a:srgbClr val="8DBABD"/>
-                </a:solidFill>
-                <a:latin typeface="나눔스퀘어 ExtraBold"/>
-                <a:ea typeface="나눔스퀘어 ExtraBold"/>
-              </a:rPr>
-              <a:t>사드 이후 대폭 상승한 것을 볼 수 있음</a:t>
-            </a:r>
+            <a:r>
+              <a:rPr lang="en-US" altLang="ko-KR" sz="4400" spc="-300" dirty="0">
+                <a:solidFill>
+                  <a:srgbClr val="00002F"/>
+                </a:solidFill>
+                <a:latin typeface="나눔스퀘어 Bold" panose="020B0600000101010101" pitchFamily="50" charset="-127"/>
+                <a:ea typeface="나눔스퀘어 Bold" panose="020B0600000101010101" pitchFamily="50" charset="-127"/>
+              </a:rPr>
+              <a:t>03</a:t>
+            </a:r>
+            <a:endParaRPr lang="ko-KR" altLang="en-US" sz="4400" spc="-300" dirty="0">
+              <a:solidFill>
+                <a:srgbClr val="00002F"/>
+              </a:solidFill>
+              <a:latin typeface="나눔스퀘어 Bold" panose="020B0600000101010101" pitchFamily="50" charset="-127"/>
+              <a:ea typeface="나눔스퀘어 Bold" panose="020B0600000101010101" pitchFamily="50" charset="-127"/>
+            </a:endParaRPr>
           </a:p>
         </p:txBody>
       </p:sp>
-      <p:cxnSp>
-        <p:nvCxnSpPr>
-          <p:cNvPr id="14" name="직선 연결선 13"/>
-          <p:cNvCxnSpPr/>
-          <p:nvPr/>
-        </p:nvCxnSpPr>
-        <p:spPr>
-          <a:xfrm>
-            <a:off x="10430892" y="144941"/>
-            <a:ext cx="360000" cy="0"/>
-          </a:xfrm>
-          <a:prstGeom prst="line">
-            <a:avLst/>
-          </a:prstGeom>
-          <a:ln w="44450" cap="rnd">
-            <a:solidFill>
-              <a:srgbClr val="D0CECE"/>
-            </a:solidFill>
-          </a:ln>
-          <a:effectLst>
-            <a:outerShdw blurRad="50800" dist="38100" dir="5400000" algn="t" rotWithShape="0">
-              <a:prstClr val="black">
-                <a:alpha val="40000"/>
-              </a:prstClr>
-            </a:outerShdw>
-          </a:effectLst>
-        </p:spPr>
-        <p:style>
-          <a:lnRef idx="1">
-            <a:schemeClr val="accent1"/>
-          </a:lnRef>
-          <a:fillRef idx="0">
-            <a:schemeClr val="accent1"/>
-          </a:fillRef>
-          <a:effectRef idx="0">
-            <a:schemeClr val="accent1"/>
-          </a:effectRef>
-          <a:fontRef idx="minor">
-            <a:schemeClr val="tx1"/>
-          </a:fontRef>
-        </p:style>
-      </p:cxnSp>
-      <p:cxnSp>
-        <p:nvCxnSpPr>
-          <p:cNvPr id="15" name="직선 연결선 14"/>
-          <p:cNvCxnSpPr/>
-          <p:nvPr/>
-        </p:nvCxnSpPr>
-        <p:spPr>
-          <a:xfrm>
-            <a:off x="10858459" y="144941"/>
-            <a:ext cx="360000" cy="0"/>
-          </a:xfrm>
-          <a:prstGeom prst="line">
-            <a:avLst/>
-          </a:prstGeom>
-          <a:ln w="44450" cap="rnd">
-            <a:solidFill>
-              <a:schemeClr val="bg2">
-                <a:lumMod val="90000"/>
-              </a:schemeClr>
-            </a:solidFill>
-          </a:ln>
-          <a:effectLst>
-            <a:outerShdw blurRad="50800" dist="38100" dir="5400000" algn="t" rotWithShape="0">
-              <a:prstClr val="black">
-                <a:alpha val="40000"/>
-              </a:prstClr>
-            </a:outerShdw>
-          </a:effectLst>
-        </p:spPr>
-        <p:style>
-          <a:lnRef idx="1">
-            <a:schemeClr val="accent1"/>
-          </a:lnRef>
-          <a:fillRef idx="0">
-            <a:schemeClr val="accent1"/>
-          </a:fillRef>
-          <a:effectRef idx="0">
-            <a:schemeClr val="accent1"/>
-          </a:effectRef>
-          <a:fontRef idx="minor">
-            <a:schemeClr val="tx1"/>
-          </a:fontRef>
-        </p:style>
-      </p:cxnSp>
-      <p:cxnSp>
-        <p:nvCxnSpPr>
-          <p:cNvPr id="16" name="직선 연결선 15"/>
-          <p:cNvCxnSpPr/>
-          <p:nvPr/>
-        </p:nvCxnSpPr>
-        <p:spPr>
-          <a:xfrm>
-            <a:off x="11286026" y="144941"/>
-            <a:ext cx="360000" cy="0"/>
-          </a:xfrm>
-          <a:prstGeom prst="line">
-            <a:avLst/>
-          </a:prstGeom>
-          <a:ln w="44450" cap="rnd">
+      <p:sp>
+        <p:nvSpPr>
+          <p:cNvPr id="3" name="직사각형 2"/>
+          <p:cNvSpPr/>
+          <p:nvPr/>
+        </p:nvSpPr>
+        <p:spPr>
+          <a:xfrm>
+            <a:off x="4000499" y="3169741"/>
+            <a:ext cx="4200071" cy="473345"/>
+          </a:xfrm>
+          <a:prstGeom prst="rect">
+            <a:avLst/>
+          </a:prstGeom>
+          <a:solidFill>
+            <a:srgbClr val="8DBABD"/>
+          </a:solidFill>
+          <a:ln>
             <a:solidFill>
               <a:srgbClr val="8DBABD"/>
             </a:solidFill>
           </a:ln>
-          <a:effectLst>
-            <a:outerShdw blurRad="50800" dist="38100" dir="5400000" algn="t" rotWithShape="0">
-              <a:prstClr val="black">
-                <a:alpha val="40000"/>
-              </a:prstClr>
-            </a:outerShdw>
-          </a:effectLst>
-        </p:spPr>
-        <p:style>
-          <a:lnRef idx="1">
-            <a:schemeClr val="accent1"/>
-          </a:lnRef>
-          <a:fillRef idx="0">
-            <a:schemeClr val="accent1"/>
-          </a:fillRef>
-          <a:effectRef idx="0">
-            <a:schemeClr val="accent1"/>
-          </a:effectRef>
-          <a:fontRef idx="minor">
-            <a:schemeClr val="tx1"/>
-          </a:fontRef>
-        </p:style>
-      </p:cxnSp>
-      <p:cxnSp>
-        <p:nvCxnSpPr>
-          <p:cNvPr id="17" name="직선 연결선 16"/>
-          <p:cNvCxnSpPr/>
-          <p:nvPr/>
-        </p:nvCxnSpPr>
-        <p:spPr>
-          <a:xfrm>
-            <a:off x="11713592" y="144941"/>
-            <a:ext cx="360000" cy="0"/>
-          </a:xfrm>
-          <a:prstGeom prst="line">
-            <a:avLst/>
-          </a:prstGeom>
-          <a:ln w="44450" cap="rnd">
-            <a:solidFill>
-              <a:schemeClr val="bg2">
-                <a:lumMod val="90000"/>
-              </a:schemeClr>
-            </a:solidFill>
-          </a:ln>
-          <a:effectLst>
-            <a:outerShdw blurRad="50800" dist="38100" dir="5400000" algn="t" rotWithShape="0">
-              <a:prstClr val="black">
-                <a:alpha val="40000"/>
-              </a:prstClr>
-            </a:outerShdw>
-          </a:effectLst>
-        </p:spPr>
-        <p:style>
-          <a:lnRef idx="1">
-            <a:schemeClr val="accent1"/>
-          </a:lnRef>
-          <a:fillRef idx="0">
-            <a:schemeClr val="accent1"/>
-          </a:fillRef>
-          <a:effectRef idx="0">
-            <a:schemeClr val="accent1"/>
-          </a:effectRef>
-          <a:fontRef idx="minor">
-            <a:schemeClr val="tx1"/>
-          </a:fontRef>
-        </p:style>
-      </p:cxnSp>
-      <p:cxnSp>
-        <p:nvCxnSpPr>
-          <p:cNvPr id="18" name="직선 연결선 17"/>
-          <p:cNvCxnSpPr/>
-          <p:nvPr/>
-        </p:nvCxnSpPr>
-        <p:spPr>
-          <a:xfrm>
-            <a:off x="1102722" y="989148"/>
-            <a:ext cx="2377078" cy="0"/>
-          </a:xfrm>
-          <a:prstGeom prst="line">
-            <a:avLst/>
-          </a:prstGeom>
-          <a:ln>
-            <a:solidFill>
-              <a:schemeClr val="bg1">
-                <a:lumMod val="50000"/>
-              </a:schemeClr>
-            </a:solidFill>
-          </a:ln>
-        </p:spPr>
-        <p:style>
-          <a:lnRef idx="1">
-            <a:schemeClr val="accent1"/>
-          </a:lnRef>
-          <a:fillRef idx="0">
-            <a:schemeClr val="accent1"/>
-          </a:fillRef>
-          <a:effectRef idx="0">
-            <a:schemeClr val="accent1"/>
-          </a:effectRef>
-          <a:fontRef idx="minor">
-            <a:schemeClr val="tx1"/>
-          </a:fontRef>
-        </p:style>
-      </p:cxnSp>
-      <p:sp>
-        <p:nvSpPr>
-          <p:cNvPr id="19" name="TextBox 18"/>
-          <p:cNvSpPr txBox="1"/>
-          <p:nvPr/>
-        </p:nvSpPr>
-        <p:spPr>
-          <a:xfrm>
-            <a:off x="965835" y="437393"/>
-            <a:ext cx="2640330" cy="570352"/>
-          </a:xfrm>
-          <a:prstGeom prst="rect">
-            <a:avLst/>
-          </a:prstGeom>
-          <a:noFill/>
-        </p:spPr>
-        <p:txBody>
-          <a:bodyPr wrap="none">
-            <a:spAutoFit/>
-          </a:bodyPr>
-          <a:lstStyle/>
-          <a:p>
-            <a:pPr algn="ctr">
-              <a:defRPr/>
-            </a:pPr>
-            <a:r>
-              <a:rPr lang="ko-KR" altLang="en-US" sz="3200" spc="-150">
-                <a:solidFill>
-                  <a:srgbClr val="00002F"/>
-                </a:solidFill>
-                <a:latin typeface="나눔스퀘어 ExtraBold"/>
-                <a:ea typeface="나눔스퀘어 ExtraBold"/>
-              </a:rPr>
-              <a:t>제주 예산 현황</a:t>
-            </a:r>
-          </a:p>
-        </p:txBody>
-      </p:sp>
-      <p:sp>
-        <p:nvSpPr>
-          <p:cNvPr id="20" name="TextBox 19"/>
-          <p:cNvSpPr txBox="1"/>
-          <p:nvPr/>
-        </p:nvSpPr>
-        <p:spPr>
-          <a:xfrm>
-            <a:off x="480060" y="498947"/>
-            <a:ext cx="554355" cy="451648"/>
-          </a:xfrm>
-          <a:prstGeom prst="rect">
-            <a:avLst/>
-          </a:prstGeom>
-          <a:noFill/>
-        </p:spPr>
-        <p:txBody>
-          <a:bodyPr wrap="none">
-            <a:spAutoFit/>
-          </a:bodyPr>
-          <a:lstStyle/>
-          <a:p>
-            <a:pPr algn="ctr">
-              <a:defRPr/>
-            </a:pPr>
-            <a:r>
-              <a:rPr lang="en-US" altLang="ko-KR" sz="2400" spc="-150">
-                <a:solidFill>
-                  <a:srgbClr val="00002F"/>
-                </a:solidFill>
-                <a:latin typeface="나눔스퀘어 ExtraBold"/>
-                <a:ea typeface="나눔스퀘어 ExtraBold"/>
-              </a:rPr>
-              <a:t>03.</a:t>
-            </a:r>
-            <a:endParaRPr lang="ko-KR" altLang="en-US" sz="2400" spc="-150">
-              <a:solidFill>
-                <a:srgbClr val="00002F"/>
-              </a:solidFill>
-              <a:latin typeface="나눔스퀘어 ExtraBold"/>
-              <a:ea typeface="나눔스퀘어 ExtraBold"/>
-            </a:endParaRPr>
-          </a:p>
-        </p:txBody>
-      </p:sp>
-      <p:sp>
-        <p:nvSpPr>
-          <p:cNvPr id="21" name="TextBox 20"/>
-          <p:cNvSpPr txBox="1"/>
-          <p:nvPr/>
-        </p:nvSpPr>
-        <p:spPr>
-          <a:xfrm>
-            <a:off x="927735" y="1006929"/>
-            <a:ext cx="1049655" cy="369332"/>
-          </a:xfrm>
-          <a:prstGeom prst="rect">
-            <a:avLst/>
-          </a:prstGeom>
-          <a:noFill/>
-        </p:spPr>
-        <p:txBody>
-          <a:bodyPr wrap="none">
-            <a:spAutoFit/>
-          </a:bodyPr>
-          <a:lstStyle/>
-          <a:p>
-            <a:pPr algn="ctr">
-              <a:defRPr/>
-            </a:pPr>
-            <a:r>
-              <a:rPr lang="ko-KR" altLang="en-US" spc="-150">
-                <a:solidFill>
-                  <a:srgbClr val="00002F"/>
-                </a:solidFill>
-                <a:latin typeface="나눔스퀘어 ExtraBold"/>
-                <a:ea typeface="나눔스퀘어 ExtraBold"/>
-              </a:rPr>
-              <a:t>예산 현황</a:t>
-            </a:r>
-          </a:p>
-        </p:txBody>
-      </p:sp>
-      <p:pic>
-        <p:nvPicPr>
-          <p:cNvPr id="22" name="그림 21"/>
-          <p:cNvPicPr>
-            <a:picLocks noChangeAspect="1"/>
-          </p:cNvPicPr>
-          <p:nvPr/>
-        </p:nvPicPr>
-        <p:blipFill rotWithShape="1">
-          <a:blip r:embed="rId2"/>
-          <a:stretch>
-            <a:fillRect/>
-          </a:stretch>
-        </p:blipFill>
-        <p:spPr>
-          <a:xfrm>
-            <a:off x="301130" y="1369098"/>
-            <a:ext cx="11441123" cy="5193900"/>
-          </a:xfrm>
-          <a:prstGeom prst="rect">
-            <a:avLst/>
-          </a:prstGeom>
-        </p:spPr>
-      </p:pic>
-      <p:sp>
-        <p:nvSpPr>
-          <p:cNvPr id="23" name="직사각형 22"/>
-          <p:cNvSpPr/>
-          <p:nvPr/>
-        </p:nvSpPr>
-        <p:spPr>
-          <a:xfrm>
-            <a:off x="3667463" y="6195303"/>
-            <a:ext cx="391808" cy="216170"/>
-          </a:xfrm>
-          <a:prstGeom prst="rect">
-            <a:avLst/>
-          </a:prstGeom>
-          <a:noFill/>
-          <a:ln>
-            <a:solidFill>
-              <a:srgbClr val="FF0000"/>
-            </a:solidFill>
-          </a:ln>
         </p:spPr>
         <p:style>
           <a:lnRef idx="2">
             <a:schemeClr val="accent1">
-              <a:shade val="20000"/>
+              <a:shade val="50000"/>
             </a:schemeClr>
           </a:lnRef>
           <a:fillRef idx="1">
@@ -1731,29 +1751,30 @@
           </a:fontRef>
         </p:style>
         <p:txBody>
-          <a:bodyPr anchor="ctr"/>
+          <a:bodyPr rtlCol="0" anchor="ctr"/>
           <a:lstStyle/>
           <a:p>
-            <a:pPr algn="ctr">
-              <a:defRPr/>
-            </a:pPr>
-            <a:endParaRPr lang="ko-KR" altLang="en-US"/>
+            <a:pPr algn="ctr"/>
+            <a:r>
+              <a:rPr lang="ko-KR" altLang="en-US" dirty="0">
+                <a:latin typeface="나눔스퀘어 Bold" panose="020B0600000101010101" pitchFamily="50" charset="-127"/>
+                <a:ea typeface="나눔스퀘어 Bold" panose="020B0600000101010101" pitchFamily="50" charset="-127"/>
+              </a:rPr>
+              <a:t>제주 예산 현황</a:t>
+            </a:r>
           </a:p>
         </p:txBody>
       </p:sp>
     </p:spTree>
+    <p:extLst>
+      <p:ext uri="{BB962C8B-B14F-4D97-AF65-F5344CB8AC3E}">
+        <p14:creationId xmlns:p14="http://schemas.microsoft.com/office/powerpoint/2010/main" val="244040977"/>
+      </p:ext>
+    </p:extLst>
   </p:cSld>
   <p:clrMapOvr>
     <a:masterClrMapping/>
   </p:clrMapOvr>
-  <mc:AlternateContent xmlns:mc="http://schemas.openxmlformats.org/markup-compatibility/2006" xmlns:p14="http://schemas.microsoft.com/office/powerpoint/2010/main">
-    <mc:Choice Requires="p14">
-      <p:transition/>
-    </mc:Choice>
-    <mc:Fallback xmlns:dsp="http://schemas.microsoft.com/office/drawing/2008/diagram" xmlns:dgm="http://schemas.openxmlformats.org/drawingml/2006/diagram" xmlns:c="http://schemas.openxmlformats.org/drawingml/2006/chart" xmlns="">
-      <p:transition/>
-    </mc:Fallback>
-  </mc:AlternateContent>
 </p:sld>
 </file>
 
@@ -1782,8 +1803,8 @@
         </p:nvSpPr>
         <p:spPr>
           <a:xfrm>
-            <a:off x="84467" y="3429000"/>
-            <a:ext cx="3764282" cy="573798"/>
+            <a:off x="4339915" y="635265"/>
+            <a:ext cx="6526530" cy="572505"/>
           </a:xfrm>
           <a:prstGeom prst="rect">
             <a:avLst/>
@@ -1807,7 +1828,7 @@
                 <a:latin typeface="나눔스퀘어 ExtraBold"/>
                 <a:ea typeface="나눔스퀘어 ExtraBold"/>
               </a:rPr>
-              <a:t>전분야 지원금액 증가</a:t>
+              <a:t>사드 이후 대폭 상승한 것을 볼 수 있음</a:t>
             </a:r>
           </a:p>
         </p:txBody>
@@ -2137,119 +2158,60 @@
                 <a:latin typeface="나눔스퀘어 ExtraBold"/>
                 <a:ea typeface="나눔스퀘어 ExtraBold"/>
               </a:rPr>
-              <a:t>예산 분배</a:t>
+              <a:t>예산 현황</a:t>
             </a:r>
           </a:p>
         </p:txBody>
       </p:sp>
+      <p:pic>
+        <p:nvPicPr>
+          <p:cNvPr id="22" name="그림 21"/>
+          <p:cNvPicPr>
+            <a:picLocks noChangeAspect="1"/>
+          </p:cNvPicPr>
+          <p:nvPr/>
+        </p:nvPicPr>
+        <p:blipFill rotWithShape="1">
+          <a:blip r:embed="rId2"/>
+          <a:stretch>
+            <a:fillRect/>
+          </a:stretch>
+        </p:blipFill>
+        <p:spPr>
+          <a:xfrm>
+            <a:off x="301130" y="1369098"/>
+            <a:ext cx="11441123" cy="5193900"/>
+          </a:xfrm>
+          <a:prstGeom prst="rect">
+            <a:avLst/>
+          </a:prstGeom>
+        </p:spPr>
+      </p:pic>
       <p:sp>
         <p:nvSpPr>
-          <p:cNvPr id="13" name="TextBox 12"/>
-          <p:cNvSpPr txBox="1"/>
+          <p:cNvPr id="23" name="직사각형 22"/>
+          <p:cNvSpPr/>
           <p:nvPr/>
         </p:nvSpPr>
         <p:spPr>
           <a:xfrm>
-            <a:off x="495933" y="5726353"/>
-            <a:ext cx="6736080" cy="974978"/>
+            <a:off x="3667463" y="6195303"/>
+            <a:ext cx="391808" cy="216170"/>
           </a:xfrm>
           <a:prstGeom prst="rect">
             <a:avLst/>
           </a:prstGeom>
           <a:noFill/>
-        </p:spPr>
-        <p:txBody>
-          <a:bodyPr wrap="square">
-            <a:spAutoFit/>
-          </a:bodyPr>
-          <a:lstStyle/>
-          <a:p>
-            <a:pPr algn="ctr">
-              <a:defRPr/>
-            </a:pPr>
-            <a:r>
-              <a:rPr lang="ko-KR" altLang="en-US" sz="2900" spc="-150">
-                <a:solidFill>
-                  <a:srgbClr val="8DBABD"/>
-                </a:solidFill>
-                <a:latin typeface="나눔스퀘어 ExtraBold"/>
-                <a:ea typeface="나눔스퀘어 ExtraBold"/>
-              </a:rPr>
-              <a:t>중국에 의지하여 수익을 창출하는 것이 아닌</a:t>
-            </a:r>
-          </a:p>
-          <a:p>
-            <a:pPr algn="ctr">
-              <a:defRPr/>
-            </a:pPr>
-            <a:r>
-              <a:rPr lang="ko-KR" altLang="en-US" sz="2900" spc="-150">
-                <a:solidFill>
-                  <a:srgbClr val="FF0000"/>
-                </a:solidFill>
-                <a:latin typeface="나눔스퀘어 ExtraBold"/>
-                <a:ea typeface="나눔스퀘어 ExtraBold"/>
-              </a:rPr>
-              <a:t>다른 발전 방향</a:t>
-            </a:r>
-            <a:r>
-              <a:rPr lang="ko-KR" altLang="en-US" sz="2900" spc="-150">
-                <a:solidFill>
-                  <a:srgbClr val="8DBABD"/>
-                </a:solidFill>
-                <a:latin typeface="나눔스퀘어 ExtraBold"/>
-                <a:ea typeface="나눔스퀘어 ExtraBold"/>
-              </a:rPr>
-              <a:t>을</a:t>
-            </a:r>
-            <a:r>
-              <a:rPr lang="ko-KR" altLang="en-US" sz="2900" spc="-150">
-                <a:solidFill>
-                  <a:srgbClr val="FF0000"/>
-                </a:solidFill>
-                <a:latin typeface="나눔스퀘어 ExtraBold"/>
-                <a:ea typeface="나눔스퀘어 ExtraBold"/>
-              </a:rPr>
-              <a:t> </a:t>
-            </a:r>
-            <a:r>
-              <a:rPr lang="ko-KR" altLang="en-US" sz="2900" spc="-150">
-                <a:solidFill>
-                  <a:srgbClr val="8DBABD"/>
-                </a:solidFill>
-                <a:latin typeface="나눔스퀘어 ExtraBold"/>
-                <a:ea typeface="나눔스퀘어 ExtraBold"/>
-              </a:rPr>
-              <a:t>탐색 지원하겠다는 의미</a:t>
-            </a:r>
-          </a:p>
-        </p:txBody>
-      </p:sp>
-      <p:sp>
-        <p:nvSpPr>
-          <p:cNvPr id="2" name="화살표: 아래쪽 1"/>
-          <p:cNvSpPr/>
-          <p:nvPr/>
-        </p:nvSpPr>
-        <p:spPr>
-          <a:xfrm>
-            <a:off x="1752870" y="4332437"/>
-            <a:ext cx="355600" cy="1130300"/>
-          </a:xfrm>
-          <a:prstGeom prst="downArrow">
-            <a:avLst>
-              <a:gd name="adj1" fmla="val 50000"/>
-              <a:gd name="adj2" fmla="val 50000"/>
-            </a:avLst>
-          </a:prstGeom>
-          <a:solidFill>
-            <a:srgbClr val="8DBABD"/>
-          </a:solidFill>
+          <a:ln>
+            <a:solidFill>
+              <a:srgbClr val="FF0000"/>
+            </a:solidFill>
+          </a:ln>
         </p:spPr>
         <p:style>
           <a:lnRef idx="2">
             <a:schemeClr val="accent1">
-              <a:shade val="50000"/>
+              <a:shade val="20000"/>
             </a:schemeClr>
           </a:lnRef>
           <a:fillRef idx="1">
@@ -2273,30 +2235,6 @@
           </a:p>
         </p:txBody>
       </p:sp>
-      <p:pic>
-        <p:nvPicPr>
-          <p:cNvPr id="22" name="그림 21"/>
-          <p:cNvPicPr>
-            <a:picLocks noChangeAspect="1"/>
-          </p:cNvPicPr>
-          <p:nvPr/>
-        </p:nvPicPr>
-        <p:blipFill rotWithShape="1">
-          <a:blip r:embed="rId2"/>
-          <a:stretch>
-            <a:fillRect/>
-          </a:stretch>
-        </p:blipFill>
-        <p:spPr>
-          <a:xfrm>
-            <a:off x="3859518" y="269858"/>
-            <a:ext cx="7942114" cy="5494133"/>
-          </a:xfrm>
-          <a:prstGeom prst="rect">
-            <a:avLst/>
-          </a:prstGeom>
-        </p:spPr>
-      </p:pic>
     </p:spTree>
   </p:cSld>
   <p:clrMapOvr>
@@ -2330,6 +2268,529 @@
           <a:chExt cx="0" cy="0"/>
         </a:xfrm>
       </p:grpSpPr>
+      <p:sp>
+        <p:nvSpPr>
+          <p:cNvPr id="11" name="TextBox 10"/>
+          <p:cNvSpPr txBox="1"/>
+          <p:nvPr/>
+        </p:nvSpPr>
+        <p:spPr>
+          <a:xfrm>
+            <a:off x="84467" y="3429000"/>
+            <a:ext cx="3764282" cy="573798"/>
+          </a:xfrm>
+          <a:prstGeom prst="rect">
+            <a:avLst/>
+          </a:prstGeom>
+          <a:noFill/>
+        </p:spPr>
+        <p:txBody>
+          <a:bodyPr wrap="none">
+            <a:spAutoFit/>
+          </a:bodyPr>
+          <a:lstStyle/>
+          <a:p>
+            <a:pPr algn="ctr">
+              <a:defRPr/>
+            </a:pPr>
+            <a:r>
+              <a:rPr lang="ko-KR" altLang="en-US" sz="3200" spc="-150">
+                <a:solidFill>
+                  <a:srgbClr val="8DBABD"/>
+                </a:solidFill>
+                <a:latin typeface="나눔스퀘어 ExtraBold"/>
+                <a:ea typeface="나눔스퀘어 ExtraBold"/>
+              </a:rPr>
+              <a:t>전분야 지원금액 증가</a:t>
+            </a:r>
+          </a:p>
+        </p:txBody>
+      </p:sp>
+      <p:cxnSp>
+        <p:nvCxnSpPr>
+          <p:cNvPr id="14" name="직선 연결선 13"/>
+          <p:cNvCxnSpPr/>
+          <p:nvPr/>
+        </p:nvCxnSpPr>
+        <p:spPr>
+          <a:xfrm>
+            <a:off x="10430892" y="144941"/>
+            <a:ext cx="360000" cy="0"/>
+          </a:xfrm>
+          <a:prstGeom prst="line">
+            <a:avLst/>
+          </a:prstGeom>
+          <a:ln w="44450" cap="rnd">
+            <a:solidFill>
+              <a:srgbClr val="D0CECE"/>
+            </a:solidFill>
+          </a:ln>
+          <a:effectLst>
+            <a:outerShdw blurRad="50800" dist="38100" dir="5400000" algn="t" rotWithShape="0">
+              <a:prstClr val="black">
+                <a:alpha val="40000"/>
+              </a:prstClr>
+            </a:outerShdw>
+          </a:effectLst>
+        </p:spPr>
+        <p:style>
+          <a:lnRef idx="1">
+            <a:schemeClr val="accent1"/>
+          </a:lnRef>
+          <a:fillRef idx="0">
+            <a:schemeClr val="accent1"/>
+          </a:fillRef>
+          <a:effectRef idx="0">
+            <a:schemeClr val="accent1"/>
+          </a:effectRef>
+          <a:fontRef idx="minor">
+            <a:schemeClr val="tx1"/>
+          </a:fontRef>
+        </p:style>
+      </p:cxnSp>
+      <p:cxnSp>
+        <p:nvCxnSpPr>
+          <p:cNvPr id="15" name="직선 연결선 14"/>
+          <p:cNvCxnSpPr/>
+          <p:nvPr/>
+        </p:nvCxnSpPr>
+        <p:spPr>
+          <a:xfrm>
+            <a:off x="10858459" y="144941"/>
+            <a:ext cx="360000" cy="0"/>
+          </a:xfrm>
+          <a:prstGeom prst="line">
+            <a:avLst/>
+          </a:prstGeom>
+          <a:ln w="44450" cap="rnd">
+            <a:solidFill>
+              <a:schemeClr val="bg2">
+                <a:lumMod val="90000"/>
+              </a:schemeClr>
+            </a:solidFill>
+          </a:ln>
+          <a:effectLst>
+            <a:outerShdw blurRad="50800" dist="38100" dir="5400000" algn="t" rotWithShape="0">
+              <a:prstClr val="black">
+                <a:alpha val="40000"/>
+              </a:prstClr>
+            </a:outerShdw>
+          </a:effectLst>
+        </p:spPr>
+        <p:style>
+          <a:lnRef idx="1">
+            <a:schemeClr val="accent1"/>
+          </a:lnRef>
+          <a:fillRef idx="0">
+            <a:schemeClr val="accent1"/>
+          </a:fillRef>
+          <a:effectRef idx="0">
+            <a:schemeClr val="accent1"/>
+          </a:effectRef>
+          <a:fontRef idx="minor">
+            <a:schemeClr val="tx1"/>
+          </a:fontRef>
+        </p:style>
+      </p:cxnSp>
+      <p:cxnSp>
+        <p:nvCxnSpPr>
+          <p:cNvPr id="16" name="직선 연결선 15"/>
+          <p:cNvCxnSpPr/>
+          <p:nvPr/>
+        </p:nvCxnSpPr>
+        <p:spPr>
+          <a:xfrm>
+            <a:off x="11286026" y="144941"/>
+            <a:ext cx="360000" cy="0"/>
+          </a:xfrm>
+          <a:prstGeom prst="line">
+            <a:avLst/>
+          </a:prstGeom>
+          <a:ln w="44450" cap="rnd">
+            <a:solidFill>
+              <a:srgbClr val="8DBABD"/>
+            </a:solidFill>
+          </a:ln>
+          <a:effectLst>
+            <a:outerShdw blurRad="50800" dist="38100" dir="5400000" algn="t" rotWithShape="0">
+              <a:prstClr val="black">
+                <a:alpha val="40000"/>
+              </a:prstClr>
+            </a:outerShdw>
+          </a:effectLst>
+        </p:spPr>
+        <p:style>
+          <a:lnRef idx="1">
+            <a:schemeClr val="accent1"/>
+          </a:lnRef>
+          <a:fillRef idx="0">
+            <a:schemeClr val="accent1"/>
+          </a:fillRef>
+          <a:effectRef idx="0">
+            <a:schemeClr val="accent1"/>
+          </a:effectRef>
+          <a:fontRef idx="minor">
+            <a:schemeClr val="tx1"/>
+          </a:fontRef>
+        </p:style>
+      </p:cxnSp>
+      <p:cxnSp>
+        <p:nvCxnSpPr>
+          <p:cNvPr id="17" name="직선 연결선 16"/>
+          <p:cNvCxnSpPr/>
+          <p:nvPr/>
+        </p:nvCxnSpPr>
+        <p:spPr>
+          <a:xfrm>
+            <a:off x="11713592" y="144941"/>
+            <a:ext cx="360000" cy="0"/>
+          </a:xfrm>
+          <a:prstGeom prst="line">
+            <a:avLst/>
+          </a:prstGeom>
+          <a:ln w="44450" cap="rnd">
+            <a:solidFill>
+              <a:schemeClr val="bg2">
+                <a:lumMod val="90000"/>
+              </a:schemeClr>
+            </a:solidFill>
+          </a:ln>
+          <a:effectLst>
+            <a:outerShdw blurRad="50800" dist="38100" dir="5400000" algn="t" rotWithShape="0">
+              <a:prstClr val="black">
+                <a:alpha val="40000"/>
+              </a:prstClr>
+            </a:outerShdw>
+          </a:effectLst>
+        </p:spPr>
+        <p:style>
+          <a:lnRef idx="1">
+            <a:schemeClr val="accent1"/>
+          </a:lnRef>
+          <a:fillRef idx="0">
+            <a:schemeClr val="accent1"/>
+          </a:fillRef>
+          <a:effectRef idx="0">
+            <a:schemeClr val="accent1"/>
+          </a:effectRef>
+          <a:fontRef idx="minor">
+            <a:schemeClr val="tx1"/>
+          </a:fontRef>
+        </p:style>
+      </p:cxnSp>
+      <p:cxnSp>
+        <p:nvCxnSpPr>
+          <p:cNvPr id="18" name="직선 연결선 17"/>
+          <p:cNvCxnSpPr/>
+          <p:nvPr/>
+        </p:nvCxnSpPr>
+        <p:spPr>
+          <a:xfrm>
+            <a:off x="1102722" y="989148"/>
+            <a:ext cx="2377078" cy="0"/>
+          </a:xfrm>
+          <a:prstGeom prst="line">
+            <a:avLst/>
+          </a:prstGeom>
+          <a:ln>
+            <a:solidFill>
+              <a:schemeClr val="bg1">
+                <a:lumMod val="50000"/>
+              </a:schemeClr>
+            </a:solidFill>
+          </a:ln>
+        </p:spPr>
+        <p:style>
+          <a:lnRef idx="1">
+            <a:schemeClr val="accent1"/>
+          </a:lnRef>
+          <a:fillRef idx="0">
+            <a:schemeClr val="accent1"/>
+          </a:fillRef>
+          <a:effectRef idx="0">
+            <a:schemeClr val="accent1"/>
+          </a:effectRef>
+          <a:fontRef idx="minor">
+            <a:schemeClr val="tx1"/>
+          </a:fontRef>
+        </p:style>
+      </p:cxnSp>
+      <p:sp>
+        <p:nvSpPr>
+          <p:cNvPr id="19" name="TextBox 18"/>
+          <p:cNvSpPr txBox="1"/>
+          <p:nvPr/>
+        </p:nvSpPr>
+        <p:spPr>
+          <a:xfrm>
+            <a:off x="965835" y="437393"/>
+            <a:ext cx="2640330" cy="570352"/>
+          </a:xfrm>
+          <a:prstGeom prst="rect">
+            <a:avLst/>
+          </a:prstGeom>
+          <a:noFill/>
+        </p:spPr>
+        <p:txBody>
+          <a:bodyPr wrap="none">
+            <a:spAutoFit/>
+          </a:bodyPr>
+          <a:lstStyle/>
+          <a:p>
+            <a:pPr algn="ctr">
+              <a:defRPr/>
+            </a:pPr>
+            <a:r>
+              <a:rPr lang="ko-KR" altLang="en-US" sz="3200" spc="-150">
+                <a:solidFill>
+                  <a:srgbClr val="00002F"/>
+                </a:solidFill>
+                <a:latin typeface="나눔스퀘어 ExtraBold"/>
+                <a:ea typeface="나눔스퀘어 ExtraBold"/>
+              </a:rPr>
+              <a:t>제주 예산 현황</a:t>
+            </a:r>
+          </a:p>
+        </p:txBody>
+      </p:sp>
+      <p:sp>
+        <p:nvSpPr>
+          <p:cNvPr id="20" name="TextBox 19"/>
+          <p:cNvSpPr txBox="1"/>
+          <p:nvPr/>
+        </p:nvSpPr>
+        <p:spPr>
+          <a:xfrm>
+            <a:off x="480060" y="498947"/>
+            <a:ext cx="554355" cy="451648"/>
+          </a:xfrm>
+          <a:prstGeom prst="rect">
+            <a:avLst/>
+          </a:prstGeom>
+          <a:noFill/>
+        </p:spPr>
+        <p:txBody>
+          <a:bodyPr wrap="none">
+            <a:spAutoFit/>
+          </a:bodyPr>
+          <a:lstStyle/>
+          <a:p>
+            <a:pPr algn="ctr">
+              <a:defRPr/>
+            </a:pPr>
+            <a:r>
+              <a:rPr lang="en-US" altLang="ko-KR" sz="2400" spc="-150">
+                <a:solidFill>
+                  <a:srgbClr val="00002F"/>
+                </a:solidFill>
+                <a:latin typeface="나눔스퀘어 ExtraBold"/>
+                <a:ea typeface="나눔스퀘어 ExtraBold"/>
+              </a:rPr>
+              <a:t>03.</a:t>
+            </a:r>
+            <a:endParaRPr lang="ko-KR" altLang="en-US" sz="2400" spc="-150">
+              <a:solidFill>
+                <a:srgbClr val="00002F"/>
+              </a:solidFill>
+              <a:latin typeface="나눔스퀘어 ExtraBold"/>
+              <a:ea typeface="나눔스퀘어 ExtraBold"/>
+            </a:endParaRPr>
+          </a:p>
+        </p:txBody>
+      </p:sp>
+      <p:sp>
+        <p:nvSpPr>
+          <p:cNvPr id="21" name="TextBox 20"/>
+          <p:cNvSpPr txBox="1"/>
+          <p:nvPr/>
+        </p:nvSpPr>
+        <p:spPr>
+          <a:xfrm>
+            <a:off x="927735" y="1006929"/>
+            <a:ext cx="1049655" cy="369332"/>
+          </a:xfrm>
+          <a:prstGeom prst="rect">
+            <a:avLst/>
+          </a:prstGeom>
+          <a:noFill/>
+        </p:spPr>
+        <p:txBody>
+          <a:bodyPr wrap="none">
+            <a:spAutoFit/>
+          </a:bodyPr>
+          <a:lstStyle/>
+          <a:p>
+            <a:pPr algn="ctr">
+              <a:defRPr/>
+            </a:pPr>
+            <a:r>
+              <a:rPr lang="ko-KR" altLang="en-US" spc="-150">
+                <a:solidFill>
+                  <a:srgbClr val="00002F"/>
+                </a:solidFill>
+                <a:latin typeface="나눔스퀘어 ExtraBold"/>
+                <a:ea typeface="나눔스퀘어 ExtraBold"/>
+              </a:rPr>
+              <a:t>예산 분배</a:t>
+            </a:r>
+          </a:p>
+        </p:txBody>
+      </p:sp>
+      <p:sp>
+        <p:nvSpPr>
+          <p:cNvPr id="13" name="TextBox 12"/>
+          <p:cNvSpPr txBox="1"/>
+          <p:nvPr/>
+        </p:nvSpPr>
+        <p:spPr>
+          <a:xfrm>
+            <a:off x="495933" y="5726353"/>
+            <a:ext cx="6736080" cy="974978"/>
+          </a:xfrm>
+          <a:prstGeom prst="rect">
+            <a:avLst/>
+          </a:prstGeom>
+          <a:noFill/>
+        </p:spPr>
+        <p:txBody>
+          <a:bodyPr wrap="square">
+            <a:spAutoFit/>
+          </a:bodyPr>
+          <a:lstStyle/>
+          <a:p>
+            <a:pPr algn="ctr">
+              <a:defRPr/>
+            </a:pPr>
+            <a:r>
+              <a:rPr lang="ko-KR" altLang="en-US" sz="2900" spc="-150">
+                <a:solidFill>
+                  <a:srgbClr val="8DBABD"/>
+                </a:solidFill>
+                <a:latin typeface="나눔스퀘어 ExtraBold"/>
+                <a:ea typeface="나눔스퀘어 ExtraBold"/>
+              </a:rPr>
+              <a:t>중국에 의지하여 수익을 창출하는 것이 아닌</a:t>
+            </a:r>
+          </a:p>
+          <a:p>
+            <a:pPr algn="ctr">
+              <a:defRPr/>
+            </a:pPr>
+            <a:r>
+              <a:rPr lang="ko-KR" altLang="en-US" sz="2900" spc="-150">
+                <a:solidFill>
+                  <a:srgbClr val="FF0000"/>
+                </a:solidFill>
+                <a:latin typeface="나눔스퀘어 ExtraBold"/>
+                <a:ea typeface="나눔스퀘어 ExtraBold"/>
+              </a:rPr>
+              <a:t>다른 발전 방향</a:t>
+            </a:r>
+            <a:r>
+              <a:rPr lang="ko-KR" altLang="en-US" sz="2900" spc="-150">
+                <a:solidFill>
+                  <a:srgbClr val="8DBABD"/>
+                </a:solidFill>
+                <a:latin typeface="나눔스퀘어 ExtraBold"/>
+                <a:ea typeface="나눔스퀘어 ExtraBold"/>
+              </a:rPr>
+              <a:t>을</a:t>
+            </a:r>
+            <a:r>
+              <a:rPr lang="ko-KR" altLang="en-US" sz="2900" spc="-150">
+                <a:solidFill>
+                  <a:srgbClr val="FF0000"/>
+                </a:solidFill>
+                <a:latin typeface="나눔스퀘어 ExtraBold"/>
+                <a:ea typeface="나눔스퀘어 ExtraBold"/>
+              </a:rPr>
+              <a:t> </a:t>
+            </a:r>
+            <a:r>
+              <a:rPr lang="ko-KR" altLang="en-US" sz="2900" spc="-150">
+                <a:solidFill>
+                  <a:srgbClr val="8DBABD"/>
+                </a:solidFill>
+                <a:latin typeface="나눔스퀘어 ExtraBold"/>
+                <a:ea typeface="나눔스퀘어 ExtraBold"/>
+              </a:rPr>
+              <a:t>탐색 지원하겠다는 의미</a:t>
+            </a:r>
+          </a:p>
+        </p:txBody>
+      </p:sp>
+      <p:sp>
+        <p:nvSpPr>
+          <p:cNvPr id="2" name="화살표: 아래쪽 1"/>
+          <p:cNvSpPr/>
+          <p:nvPr/>
+        </p:nvSpPr>
+        <p:spPr>
+          <a:xfrm>
+            <a:off x="1752870" y="4332437"/>
+            <a:ext cx="355600" cy="1130300"/>
+          </a:xfrm>
+          <a:prstGeom prst="downArrow">
+            <a:avLst>
+              <a:gd name="adj1" fmla="val 50000"/>
+              <a:gd name="adj2" fmla="val 50000"/>
+            </a:avLst>
+          </a:prstGeom>
+          <a:solidFill>
+            <a:srgbClr val="8DBABD"/>
+          </a:solidFill>
+        </p:spPr>
+        <p:style>
+          <a:lnRef idx="2">
+            <a:schemeClr val="accent1">
+              <a:shade val="50000"/>
+            </a:schemeClr>
+          </a:lnRef>
+          <a:fillRef idx="1">
+            <a:schemeClr val="accent1"/>
+          </a:fillRef>
+          <a:effectRef idx="0">
+            <a:schemeClr val="accent1"/>
+          </a:effectRef>
+          <a:fontRef idx="minor">
+            <a:schemeClr val="lt1"/>
+          </a:fontRef>
+        </p:style>
+        <p:txBody>
+          <a:bodyPr anchor="ctr"/>
+          <a:lstStyle/>
+          <a:p>
+            <a:pPr algn="ctr">
+              <a:defRPr/>
+            </a:pPr>
+            <a:endParaRPr lang="ko-KR" altLang="en-US"/>
+          </a:p>
+        </p:txBody>
+      </p:sp>
+      <p:pic>
+        <p:nvPicPr>
+          <p:cNvPr id="22" name="그림 21"/>
+          <p:cNvPicPr>
+            <a:picLocks noChangeAspect="1"/>
+          </p:cNvPicPr>
+          <p:nvPr/>
+        </p:nvPicPr>
+        <p:blipFill rotWithShape="1">
+          <a:blip r:embed="rId2"/>
+          <a:stretch>
+            <a:fillRect/>
+          </a:stretch>
+        </p:blipFill>
+        <p:spPr>
+          <a:xfrm>
+            <a:off x="3859518" y="269858"/>
+            <a:ext cx="7942114" cy="5494133"/>
+          </a:xfrm>
+          <a:prstGeom prst="rect">
+            <a:avLst/>
+          </a:prstGeom>
+        </p:spPr>
+      </p:pic>
     </p:spTree>
   </p:cSld>
   <p:clrMapOvr>
@@ -2363,107 +2824,6 @@
           <a:chExt cx="0" cy="0"/>
         </a:xfrm>
       </p:grpSpPr>
-      <p:sp>
-        <p:nvSpPr>
-          <p:cNvPr id="2" name="TextBox 1"/>
-          <p:cNvSpPr txBox="1"/>
-          <p:nvPr/>
-        </p:nvSpPr>
-        <p:spPr>
-          <a:xfrm>
-            <a:off x="4000500" y="2472873"/>
-            <a:ext cx="729615" cy="754197"/>
-          </a:xfrm>
-          <a:prstGeom prst="rect">
-            <a:avLst/>
-          </a:prstGeom>
-          <a:noFill/>
-        </p:spPr>
-        <p:txBody>
-          <a:bodyPr wrap="none">
-            <a:spAutoFit/>
-          </a:bodyPr>
-          <a:lstStyle/>
-          <a:p>
-            <a:pPr lvl="0">
-              <a:defRPr/>
-            </a:pPr>
-            <a:r>
-              <a:rPr lang="en-US" altLang="ko-KR" sz="4400" spc="-300">
-                <a:solidFill>
-                  <a:srgbClr val="00002F"/>
-                </a:solidFill>
-                <a:latin typeface="나눔스퀘어 Bold"/>
-                <a:ea typeface="나눔스퀘어 Bold"/>
-              </a:rPr>
-              <a:t>04</a:t>
-            </a:r>
-            <a:endParaRPr lang="ko-KR" altLang="en-US" sz="4400" spc="-300">
-              <a:solidFill>
-                <a:srgbClr val="00002F"/>
-              </a:solidFill>
-              <a:latin typeface="나눔스퀘어 Bold"/>
-              <a:ea typeface="나눔스퀘어 Bold"/>
-            </a:endParaRPr>
-          </a:p>
-        </p:txBody>
-      </p:sp>
-      <p:sp>
-        <p:nvSpPr>
-          <p:cNvPr id="3" name="직사각형 2"/>
-          <p:cNvSpPr/>
-          <p:nvPr/>
-        </p:nvSpPr>
-        <p:spPr>
-          <a:xfrm>
-            <a:off x="4000499" y="3169741"/>
-            <a:ext cx="4200071" cy="473345"/>
-          </a:xfrm>
-          <a:prstGeom prst="rect">
-            <a:avLst/>
-          </a:prstGeom>
-          <a:solidFill>
-            <a:srgbClr val="8DBABD"/>
-          </a:solidFill>
-          <a:ln>
-            <a:solidFill>
-              <a:srgbClr val="8DBABD"/>
-            </a:solidFill>
-          </a:ln>
-        </p:spPr>
-        <p:style>
-          <a:lnRef idx="2">
-            <a:schemeClr val="accent1">
-              <a:shade val="50000"/>
-            </a:schemeClr>
-          </a:lnRef>
-          <a:fillRef idx="1">
-            <a:schemeClr val="accent1"/>
-          </a:fillRef>
-          <a:effectRef idx="0">
-            <a:schemeClr val="accent1"/>
-          </a:effectRef>
-          <a:fontRef idx="minor">
-            <a:schemeClr val="lt1"/>
-          </a:fontRef>
-        </p:style>
-        <p:txBody>
-          <a:bodyPr anchor="ctr"/>
-          <a:lstStyle/>
-          <a:p>
-            <a:pPr algn="ctr">
-              <a:defRPr/>
-            </a:pPr>
-            <a:r>
-              <a:rPr lang="ko-KR" altLang="en-US">
-                <a:latin typeface="나눔스퀘어 Bold"/>
-                <a:ea typeface="나눔스퀘어 Bold"/>
-              </a:rPr>
-              <a:t>최종 결과물 방향</a:t>
-            </a:r>
-          </a:p>
-        </p:txBody>
-      </p:sp>
     </p:spTree>
   </p:cSld>
   <p:clrMapOvr>
@@ -2499,14 +2859,14 @@
       </p:grpSpPr>
       <p:sp>
         <p:nvSpPr>
-          <p:cNvPr id="11" name="TextBox 10"/>
+          <p:cNvPr id="2" name="TextBox 1"/>
           <p:cNvSpPr txBox="1"/>
           <p:nvPr/>
         </p:nvSpPr>
         <p:spPr>
           <a:xfrm>
-            <a:off x="2827120" y="1573923"/>
-            <a:ext cx="5769528" cy="1569660"/>
+            <a:off x="4000500" y="2472873"/>
+            <a:ext cx="729615" cy="754197"/>
           </a:xfrm>
           <a:prstGeom prst="rect">
             <a:avLst/>
@@ -2514,507 +2874,56 @@
           <a:noFill/>
         </p:spPr>
         <p:txBody>
-          <a:bodyPr wrap="none" rtlCol="0">
+          <a:bodyPr wrap="none">
             <a:spAutoFit/>
           </a:bodyPr>
           <a:lstStyle/>
           <a:p>
-            <a:pPr algn="ctr"/>
-            <a:r>
-              <a:rPr lang="ko-KR" altLang="en-US" sz="3200" spc="-150" dirty="0">
-                <a:solidFill>
-                  <a:srgbClr val="8DBABD"/>
-                </a:solidFill>
-                <a:latin typeface="나눔스퀘어 ExtraBold" panose="020B0600000101010101" pitchFamily="50" charset="-127"/>
-                <a:ea typeface="나눔스퀘어 ExtraBold" panose="020B0600000101010101" pitchFamily="50" charset="-127"/>
-              </a:rPr>
-              <a:t>앞으로의 발전을 위해</a:t>
-            </a:r>
-            <a:endParaRPr lang="en-US" altLang="ko-KR" sz="3200" spc="-150" dirty="0">
+            <a:pPr lvl="0">
+              <a:defRPr/>
+            </a:pPr>
+            <a:r>
+              <a:rPr lang="en-US" altLang="ko-KR" sz="4400" spc="-300">
+                <a:solidFill>
+                  <a:srgbClr val="00002F"/>
+                </a:solidFill>
+                <a:latin typeface="나눔스퀘어 Bold"/>
+                <a:ea typeface="나눔스퀘어 Bold"/>
+              </a:rPr>
+              <a:t>04</a:t>
+            </a:r>
+            <a:endParaRPr lang="ko-KR" altLang="en-US" sz="4400" spc="-300">
               <a:solidFill>
-                <a:srgbClr val="8DBABD"/>
+                <a:srgbClr val="00002F"/>
               </a:solidFill>
-              <a:latin typeface="나눔스퀘어 ExtraBold" panose="020B0600000101010101" pitchFamily="50" charset="-127"/>
-              <a:ea typeface="나눔스퀘어 ExtraBold" panose="020B0600000101010101" pitchFamily="50" charset="-127"/>
+              <a:latin typeface="나눔스퀘어 Bold"/>
+              <a:ea typeface="나눔스퀘어 Bold"/>
             </a:endParaRPr>
-          </a:p>
-          <a:p>
-            <a:pPr algn="ctr"/>
-            <a:r>
-              <a:rPr lang="ko-KR" altLang="en-US" sz="3200" spc="-150" dirty="0">
-                <a:solidFill>
-                  <a:srgbClr val="8DBABD"/>
-                </a:solidFill>
-                <a:latin typeface="나눔스퀘어 ExtraBold" panose="020B0600000101010101" pitchFamily="50" charset="-127"/>
-                <a:ea typeface="나눔스퀘어 ExtraBold" panose="020B0600000101010101" pitchFamily="50" charset="-127"/>
-              </a:rPr>
-              <a:t>예산을 효율적으로 사용하여</a:t>
-            </a:r>
-            <a:endParaRPr lang="en-US" altLang="ko-KR" sz="3200" spc="-150" dirty="0">
-              <a:solidFill>
-                <a:srgbClr val="8DBABD"/>
-              </a:solidFill>
-              <a:latin typeface="나눔스퀘어 ExtraBold" panose="020B0600000101010101" pitchFamily="50" charset="-127"/>
-              <a:ea typeface="나눔스퀘어 ExtraBold" panose="020B0600000101010101" pitchFamily="50" charset="-127"/>
-            </a:endParaRPr>
-          </a:p>
-          <a:p>
-            <a:pPr algn="ctr"/>
-            <a:r>
-              <a:rPr lang="ko-KR" altLang="en-US" sz="3200" spc="-150" dirty="0">
-                <a:solidFill>
-                  <a:srgbClr val="8DBABD"/>
-                </a:solidFill>
-                <a:latin typeface="나눔스퀘어 ExtraBold" panose="020B0600000101010101" pitchFamily="50" charset="-127"/>
-                <a:ea typeface="나눔스퀘어 ExtraBold" panose="020B0600000101010101" pitchFamily="50" charset="-127"/>
-              </a:rPr>
-              <a:t>탄탄한 </a:t>
-            </a:r>
-            <a:r>
-              <a:rPr lang="ko-KR" altLang="en-US" sz="3200" spc="-150" dirty="0">
-                <a:solidFill>
-                  <a:srgbClr val="FF0000"/>
-                </a:solidFill>
-                <a:latin typeface="나눔스퀘어 ExtraBold" panose="020B0600000101010101" pitchFamily="50" charset="-127"/>
-                <a:ea typeface="나눔스퀘어 ExtraBold" panose="020B0600000101010101" pitchFamily="50" charset="-127"/>
-              </a:rPr>
-              <a:t>내국인 고객 </a:t>
-            </a:r>
-            <a:r>
-              <a:rPr lang="ko-KR" altLang="en-US" sz="3200" spc="-150" dirty="0">
-                <a:solidFill>
-                  <a:srgbClr val="8DBABD"/>
-                </a:solidFill>
-                <a:latin typeface="나눔스퀘어 ExtraBold" panose="020B0600000101010101" pitchFamily="50" charset="-127"/>
-                <a:ea typeface="나눔스퀘어 ExtraBold" panose="020B0600000101010101" pitchFamily="50" charset="-127"/>
-              </a:rPr>
-              <a:t>유치가 관건</a:t>
-            </a:r>
           </a:p>
         </p:txBody>
       </p:sp>
-      <p:cxnSp>
-        <p:nvCxnSpPr>
-          <p:cNvPr id="14" name="직선 연결선 13"/>
-          <p:cNvCxnSpPr/>
-          <p:nvPr/>
-        </p:nvCxnSpPr>
-        <p:spPr>
-          <a:xfrm>
-            <a:off x="10430892" y="144941"/>
-            <a:ext cx="360000" cy="0"/>
-          </a:xfrm>
-          <a:prstGeom prst="line">
-            <a:avLst/>
-          </a:prstGeom>
-          <a:ln w="44450" cap="rnd">
-            <a:solidFill>
-              <a:srgbClr val="D0CECE"/>
-            </a:solidFill>
-          </a:ln>
-          <a:effectLst>
-            <a:outerShdw blurRad="50800" dist="38100" dir="5400000" algn="t" rotWithShape="0">
-              <a:prstClr val="black">
-                <a:alpha val="40000"/>
-              </a:prstClr>
-            </a:outerShdw>
-          </a:effectLst>
-        </p:spPr>
-        <p:style>
-          <a:lnRef idx="1">
-            <a:schemeClr val="accent1"/>
-          </a:lnRef>
-          <a:fillRef idx="0">
-            <a:schemeClr val="accent1"/>
-          </a:fillRef>
-          <a:effectRef idx="0">
-            <a:schemeClr val="accent1"/>
-          </a:effectRef>
-          <a:fontRef idx="minor">
-            <a:schemeClr val="tx1"/>
-          </a:fontRef>
-        </p:style>
-      </p:cxnSp>
-      <p:cxnSp>
-        <p:nvCxnSpPr>
-          <p:cNvPr id="15" name="직선 연결선 14"/>
-          <p:cNvCxnSpPr/>
-          <p:nvPr/>
-        </p:nvCxnSpPr>
-        <p:spPr>
-          <a:xfrm>
-            <a:off x="10858459" y="144941"/>
-            <a:ext cx="360000" cy="0"/>
-          </a:xfrm>
-          <a:prstGeom prst="line">
-            <a:avLst/>
-          </a:prstGeom>
-          <a:ln w="44450" cap="rnd">
-            <a:solidFill>
-              <a:schemeClr val="bg2">
-                <a:lumMod val="90000"/>
-              </a:schemeClr>
-            </a:solidFill>
-          </a:ln>
-          <a:effectLst>
-            <a:outerShdw blurRad="50800" dist="38100" dir="5400000" algn="t" rotWithShape="0">
-              <a:prstClr val="black">
-                <a:alpha val="40000"/>
-              </a:prstClr>
-            </a:outerShdw>
-          </a:effectLst>
-        </p:spPr>
-        <p:style>
-          <a:lnRef idx="1">
-            <a:schemeClr val="accent1"/>
-          </a:lnRef>
-          <a:fillRef idx="0">
-            <a:schemeClr val="accent1"/>
-          </a:fillRef>
-          <a:effectRef idx="0">
-            <a:schemeClr val="accent1"/>
-          </a:effectRef>
-          <a:fontRef idx="minor">
-            <a:schemeClr val="tx1"/>
-          </a:fontRef>
-        </p:style>
-      </p:cxnSp>
-      <p:cxnSp>
-        <p:nvCxnSpPr>
-          <p:cNvPr id="16" name="직선 연결선 15"/>
-          <p:cNvCxnSpPr/>
-          <p:nvPr/>
-        </p:nvCxnSpPr>
-        <p:spPr>
-          <a:xfrm>
-            <a:off x="11286026" y="144941"/>
-            <a:ext cx="360000" cy="0"/>
-          </a:xfrm>
-          <a:prstGeom prst="line">
-            <a:avLst/>
-          </a:prstGeom>
-          <a:ln w="44450" cap="rnd">
-            <a:solidFill>
-              <a:schemeClr val="bg2">
-                <a:lumMod val="90000"/>
-              </a:schemeClr>
-            </a:solidFill>
-          </a:ln>
-          <a:effectLst>
-            <a:outerShdw blurRad="50800" dist="38100" dir="5400000" algn="t" rotWithShape="0">
-              <a:prstClr val="black">
-                <a:alpha val="40000"/>
-              </a:prstClr>
-            </a:outerShdw>
-          </a:effectLst>
-        </p:spPr>
-        <p:style>
-          <a:lnRef idx="1">
-            <a:schemeClr val="accent1"/>
-          </a:lnRef>
-          <a:fillRef idx="0">
-            <a:schemeClr val="accent1"/>
-          </a:fillRef>
-          <a:effectRef idx="0">
-            <a:schemeClr val="accent1"/>
-          </a:effectRef>
-          <a:fontRef idx="minor">
-            <a:schemeClr val="tx1"/>
-          </a:fontRef>
-        </p:style>
-      </p:cxnSp>
-      <p:cxnSp>
-        <p:nvCxnSpPr>
-          <p:cNvPr id="17" name="직선 연결선 16"/>
-          <p:cNvCxnSpPr/>
-          <p:nvPr/>
-        </p:nvCxnSpPr>
-        <p:spPr>
-          <a:xfrm>
-            <a:off x="11713592" y="144941"/>
-            <a:ext cx="360000" cy="0"/>
-          </a:xfrm>
-          <a:prstGeom prst="line">
-            <a:avLst/>
-          </a:prstGeom>
-          <a:ln w="44450" cap="rnd">
+      <p:sp>
+        <p:nvSpPr>
+          <p:cNvPr id="3" name="직사각형 2"/>
+          <p:cNvSpPr/>
+          <p:nvPr/>
+        </p:nvSpPr>
+        <p:spPr>
+          <a:xfrm>
+            <a:off x="4000499" y="3169741"/>
+            <a:ext cx="4200071" cy="473345"/>
+          </a:xfrm>
+          <a:prstGeom prst="rect">
+            <a:avLst/>
+          </a:prstGeom>
+          <a:solidFill>
+            <a:srgbClr val="8DBABD"/>
+          </a:solidFill>
+          <a:ln>
             <a:solidFill>
               <a:srgbClr val="8DBABD"/>
             </a:solidFill>
           </a:ln>
-          <a:effectLst>
-            <a:outerShdw blurRad="50800" dist="38100" dir="5400000" algn="t" rotWithShape="0">
-              <a:prstClr val="black">
-                <a:alpha val="40000"/>
-              </a:prstClr>
-            </a:outerShdw>
-          </a:effectLst>
-        </p:spPr>
-        <p:style>
-          <a:lnRef idx="1">
-            <a:schemeClr val="accent1"/>
-          </a:lnRef>
-          <a:fillRef idx="0">
-            <a:schemeClr val="accent1"/>
-          </a:fillRef>
-          <a:effectRef idx="0">
-            <a:schemeClr val="accent1"/>
-          </a:effectRef>
-          <a:fontRef idx="minor">
-            <a:schemeClr val="tx1"/>
-          </a:fontRef>
-        </p:style>
-      </p:cxnSp>
-      <p:cxnSp>
-        <p:nvCxnSpPr>
-          <p:cNvPr id="18" name="직선 연결선 17"/>
-          <p:cNvCxnSpPr>
-            <a:cxnSpLocks/>
-          </p:cNvCxnSpPr>
-          <p:nvPr/>
-        </p:nvCxnSpPr>
-        <p:spPr>
-          <a:xfrm>
-            <a:off x="1153522" y="989148"/>
-            <a:ext cx="2732678" cy="0"/>
-          </a:xfrm>
-          <a:prstGeom prst="line">
-            <a:avLst/>
-          </a:prstGeom>
-          <a:ln>
-            <a:solidFill>
-              <a:schemeClr val="bg1">
-                <a:lumMod val="50000"/>
-              </a:schemeClr>
-            </a:solidFill>
-          </a:ln>
-        </p:spPr>
-        <p:style>
-          <a:lnRef idx="1">
-            <a:schemeClr val="accent1"/>
-          </a:lnRef>
-          <a:fillRef idx="0">
-            <a:schemeClr val="accent1"/>
-          </a:fillRef>
-          <a:effectRef idx="0">
-            <a:schemeClr val="accent1"/>
-          </a:effectRef>
-          <a:fontRef idx="minor">
-            <a:schemeClr val="tx1"/>
-          </a:fontRef>
-        </p:style>
-      </p:cxnSp>
-      <p:sp>
-        <p:nvSpPr>
-          <p:cNvPr id="19" name="TextBox 18"/>
-          <p:cNvSpPr txBox="1"/>
-          <p:nvPr/>
-        </p:nvSpPr>
-        <p:spPr>
-          <a:xfrm>
-            <a:off x="940679" y="437393"/>
-            <a:ext cx="3172663" cy="584775"/>
-          </a:xfrm>
-          <a:prstGeom prst="rect">
-            <a:avLst/>
-          </a:prstGeom>
-          <a:noFill/>
-        </p:spPr>
-        <p:txBody>
-          <a:bodyPr wrap="none" rtlCol="0">
-            <a:spAutoFit/>
-          </a:bodyPr>
-          <a:lstStyle/>
-          <a:p>
-            <a:pPr algn="ctr"/>
-            <a:r>
-              <a:rPr lang="ko-KR" altLang="en-US" sz="3200" spc="-150">
-                <a:solidFill>
-                  <a:srgbClr val="00002F"/>
-                </a:solidFill>
-                <a:latin typeface="나눔스퀘어 ExtraBold" panose="020B0600000101010101" pitchFamily="50" charset="-127"/>
-                <a:ea typeface="나눔스퀘어 ExtraBold" panose="020B0600000101010101" pitchFamily="50" charset="-127"/>
-              </a:rPr>
-              <a:t>최종 결과물 방향</a:t>
-            </a:r>
-            <a:endParaRPr lang="ko-KR" altLang="en-US" sz="3200" spc="-150" dirty="0">
-              <a:solidFill>
-                <a:srgbClr val="00002F"/>
-              </a:solidFill>
-              <a:latin typeface="나눔스퀘어 ExtraBold" panose="020B0600000101010101" pitchFamily="50" charset="-127"/>
-              <a:ea typeface="나눔스퀘어 ExtraBold" panose="020B0600000101010101" pitchFamily="50" charset="-127"/>
-            </a:endParaRPr>
-          </a:p>
-        </p:txBody>
-      </p:sp>
-      <p:sp>
-        <p:nvSpPr>
-          <p:cNvPr id="20" name="TextBox 19"/>
-          <p:cNvSpPr txBox="1"/>
-          <p:nvPr/>
-        </p:nvSpPr>
-        <p:spPr>
-          <a:xfrm>
-            <a:off x="455532" y="498947"/>
-            <a:ext cx="614271" cy="461665"/>
-          </a:xfrm>
-          <a:prstGeom prst="rect">
-            <a:avLst/>
-          </a:prstGeom>
-          <a:noFill/>
-        </p:spPr>
-        <p:txBody>
-          <a:bodyPr wrap="none" rtlCol="0">
-            <a:spAutoFit/>
-          </a:bodyPr>
-          <a:lstStyle/>
-          <a:p>
-            <a:pPr algn="ctr"/>
-            <a:r>
-              <a:rPr lang="en-US" altLang="ko-KR" sz="2400" spc="-150" dirty="0">
-                <a:solidFill>
-                  <a:srgbClr val="00002F"/>
-                </a:solidFill>
-                <a:latin typeface="나눔스퀘어 ExtraBold" panose="020B0600000101010101" pitchFamily="50" charset="-127"/>
-                <a:ea typeface="나눔스퀘어 ExtraBold" panose="020B0600000101010101" pitchFamily="50" charset="-127"/>
-              </a:rPr>
-              <a:t>04.</a:t>
-            </a:r>
-            <a:endParaRPr lang="ko-KR" altLang="en-US" sz="2400" spc="-150" dirty="0">
-              <a:solidFill>
-                <a:srgbClr val="00002F"/>
-              </a:solidFill>
-              <a:latin typeface="나눔스퀘어 ExtraBold" panose="020B0600000101010101" pitchFamily="50" charset="-127"/>
-              <a:ea typeface="나눔스퀘어 ExtraBold" panose="020B0600000101010101" pitchFamily="50" charset="-127"/>
-            </a:endParaRPr>
-          </a:p>
-        </p:txBody>
-      </p:sp>
-      <p:sp>
-        <p:nvSpPr>
-          <p:cNvPr id="21" name="TextBox 20"/>
-          <p:cNvSpPr txBox="1"/>
-          <p:nvPr/>
-        </p:nvSpPr>
-        <p:spPr>
-          <a:xfrm>
-            <a:off x="1069803" y="1006929"/>
-            <a:ext cx="578876" cy="369332"/>
-          </a:xfrm>
-          <a:prstGeom prst="rect">
-            <a:avLst/>
-          </a:prstGeom>
-          <a:noFill/>
-        </p:spPr>
-        <p:txBody>
-          <a:bodyPr wrap="none" rtlCol="0">
-            <a:spAutoFit/>
-          </a:bodyPr>
-          <a:lstStyle/>
-          <a:p>
-            <a:pPr algn="ctr"/>
-            <a:r>
-              <a:rPr lang="en-US" altLang="ko-KR" spc="-150" dirty="0">
-                <a:solidFill>
-                  <a:srgbClr val="00002F"/>
-                </a:solidFill>
-                <a:latin typeface="나눔스퀘어 ExtraBold" panose="020B0600000101010101" pitchFamily="50" charset="-127"/>
-                <a:ea typeface="나눔스퀘어 ExtraBold" panose="020B0600000101010101" pitchFamily="50" charset="-127"/>
-              </a:rPr>
-              <a:t>Text</a:t>
-            </a:r>
-            <a:endParaRPr lang="ko-KR" altLang="en-US" spc="-150" dirty="0">
-              <a:solidFill>
-                <a:srgbClr val="00002F"/>
-              </a:solidFill>
-              <a:latin typeface="나눔스퀘어 ExtraBold" panose="020B0600000101010101" pitchFamily="50" charset="-127"/>
-              <a:ea typeface="나눔스퀘어 ExtraBold" panose="020B0600000101010101" pitchFamily="50" charset="-127"/>
-            </a:endParaRPr>
-          </a:p>
-        </p:txBody>
-      </p:sp>
-      <p:sp>
-        <p:nvSpPr>
-          <p:cNvPr id="12" name="TextBox 11">
-            <a:extLst>
-              <a:ext uri="{FF2B5EF4-FFF2-40B4-BE49-F238E27FC236}">
-                <a16:creationId xmlns:a16="http://schemas.microsoft.com/office/drawing/2014/main" id="{DA5FDF32-9ADD-49FD-B8AE-02C936951E6A}"/>
-              </a:ext>
-            </a:extLst>
-          </p:cNvPr>
-          <p:cNvSpPr txBox="1"/>
-          <p:nvPr/>
-        </p:nvSpPr>
-        <p:spPr>
-          <a:xfrm>
-            <a:off x="1075042" y="4041170"/>
-            <a:ext cx="9273694" cy="584775"/>
-          </a:xfrm>
-          <a:prstGeom prst="rect">
-            <a:avLst/>
-          </a:prstGeom>
-          <a:noFill/>
-        </p:spPr>
-        <p:txBody>
-          <a:bodyPr wrap="none" rtlCol="0">
-            <a:spAutoFit/>
-          </a:bodyPr>
-          <a:lstStyle/>
-          <a:p>
-            <a:pPr algn="ctr"/>
-            <a:r>
-              <a:rPr lang="ko-KR" altLang="en-US" sz="3200" spc="-150" dirty="0">
-                <a:solidFill>
-                  <a:srgbClr val="8DBABD"/>
-                </a:solidFill>
-                <a:latin typeface="나눔스퀘어 ExtraBold" panose="020B0600000101010101" pitchFamily="50" charset="-127"/>
-                <a:ea typeface="나눔스퀘어 ExtraBold" panose="020B0600000101010101" pitchFamily="50" charset="-127"/>
-              </a:rPr>
-              <a:t>내국인을 유치 할 수 있는 관광 아이템을 제시하겠다</a:t>
-            </a:r>
-            <a:r>
-              <a:rPr lang="en-US" altLang="ko-KR" sz="3200" spc="-150" dirty="0">
-                <a:solidFill>
-                  <a:srgbClr val="8DBABD"/>
-                </a:solidFill>
-                <a:latin typeface="나눔스퀘어 ExtraBold" panose="020B0600000101010101" pitchFamily="50" charset="-127"/>
-                <a:ea typeface="나눔스퀘어 ExtraBold" panose="020B0600000101010101" pitchFamily="50" charset="-127"/>
-              </a:rPr>
-              <a:t>.</a:t>
-            </a:r>
-            <a:endParaRPr lang="ko-KR" altLang="en-US" sz="3200" spc="-150" dirty="0">
-              <a:solidFill>
-                <a:srgbClr val="8DBABD"/>
-              </a:solidFill>
-              <a:latin typeface="나눔스퀘어 ExtraBold" panose="020B0600000101010101" pitchFamily="50" charset="-127"/>
-              <a:ea typeface="나눔스퀘어 ExtraBold" panose="020B0600000101010101" pitchFamily="50" charset="-127"/>
-            </a:endParaRPr>
-          </a:p>
-        </p:txBody>
-      </p:sp>
-      <p:sp>
-        <p:nvSpPr>
-          <p:cNvPr id="2" name="화살표: 아래쪽 1">
-            <a:extLst>
-              <a:ext uri="{FF2B5EF4-FFF2-40B4-BE49-F238E27FC236}">
-                <a16:creationId xmlns:a16="http://schemas.microsoft.com/office/drawing/2014/main" id="{BEB7287D-3432-46F9-823A-CDE4E83437EA}"/>
-              </a:ext>
-            </a:extLst>
-          </p:cNvPr>
-          <p:cNvSpPr/>
-          <p:nvPr/>
-        </p:nvSpPr>
-        <p:spPr>
-          <a:xfrm>
-            <a:off x="5156200" y="3302000"/>
-            <a:ext cx="939800" cy="584775"/>
-          </a:xfrm>
-          <a:prstGeom prst="downArrow">
-            <a:avLst/>
-          </a:prstGeom>
-          <a:solidFill>
-            <a:srgbClr val="8DBABD"/>
-          </a:solidFill>
         </p:spPr>
         <p:style>
           <a:lnRef idx="2">
@@ -3033,24 +2942,35 @@
           </a:fontRef>
         </p:style>
         <p:txBody>
-          <a:bodyPr rtlCol="0" anchor="ctr"/>
+          <a:bodyPr anchor="ctr"/>
           <a:lstStyle/>
           <a:p>
-            <a:pPr algn="ctr"/>
-            <a:endParaRPr lang="ko-KR" altLang="en-US"/>
+            <a:pPr algn="ctr">
+              <a:defRPr/>
+            </a:pPr>
+            <a:r>
+              <a:rPr lang="ko-KR" altLang="en-US">
+                <a:latin typeface="나눔스퀘어 Bold"/>
+                <a:ea typeface="나눔스퀘어 Bold"/>
+              </a:rPr>
+              <a:t>최종 결과물 방향</a:t>
+            </a:r>
           </a:p>
         </p:txBody>
       </p:sp>
     </p:spTree>
-    <p:extLst>
-      <p:ext uri="{BB962C8B-B14F-4D97-AF65-F5344CB8AC3E}">
-        <p14:creationId xmlns:p14="http://schemas.microsoft.com/office/powerpoint/2010/main" val="2511007924"/>
-      </p:ext>
-    </p:extLst>
   </p:cSld>
   <p:clrMapOvr>
     <a:masterClrMapping/>
   </p:clrMapOvr>
+  <mc:AlternateContent xmlns:mc="http://schemas.openxmlformats.org/markup-compatibility/2006" xmlns:p14="http://schemas.microsoft.com/office/powerpoint/2010/main">
+    <mc:Choice Requires="p14">
+      <p:transition/>
+    </mc:Choice>
+    <mc:Fallback xmlns:dsp="http://schemas.microsoft.com/office/drawing/2008/diagram" xmlns:dgm="http://schemas.openxmlformats.org/drawingml/2006/diagram" xmlns:c="http://schemas.openxmlformats.org/drawingml/2006/chart" xmlns="">
+      <p:transition/>
+    </mc:Fallback>
+  </mc:AlternateContent>
 </p:sld>
 </file>
 
@@ -3073,6 +2993,580 @@
       </p:grpSpPr>
       <p:sp>
         <p:nvSpPr>
+          <p:cNvPr id="11" name="TextBox 10"/>
+          <p:cNvSpPr txBox="1"/>
+          <p:nvPr/>
+        </p:nvSpPr>
+        <p:spPr>
+          <a:xfrm>
+            <a:off x="2827120" y="1573923"/>
+            <a:ext cx="5769528" cy="1569660"/>
+          </a:xfrm>
+          <a:prstGeom prst="rect">
+            <a:avLst/>
+          </a:prstGeom>
+          <a:noFill/>
+        </p:spPr>
+        <p:txBody>
+          <a:bodyPr wrap="none" rtlCol="0">
+            <a:spAutoFit/>
+          </a:bodyPr>
+          <a:lstStyle/>
+          <a:p>
+            <a:pPr algn="ctr"/>
+            <a:r>
+              <a:rPr lang="ko-KR" altLang="en-US" sz="3200" spc="-150" dirty="0">
+                <a:solidFill>
+                  <a:srgbClr val="8DBABD"/>
+                </a:solidFill>
+                <a:latin typeface="나눔스퀘어 ExtraBold" panose="020B0600000101010101" pitchFamily="50" charset="-127"/>
+                <a:ea typeface="나눔스퀘어 ExtraBold" panose="020B0600000101010101" pitchFamily="50" charset="-127"/>
+              </a:rPr>
+              <a:t>앞으로의 발전을 위해</a:t>
+            </a:r>
+            <a:endParaRPr lang="en-US" altLang="ko-KR" sz="3200" spc="-150" dirty="0">
+              <a:solidFill>
+                <a:srgbClr val="8DBABD"/>
+              </a:solidFill>
+              <a:latin typeface="나눔스퀘어 ExtraBold" panose="020B0600000101010101" pitchFamily="50" charset="-127"/>
+              <a:ea typeface="나눔스퀘어 ExtraBold" panose="020B0600000101010101" pitchFamily="50" charset="-127"/>
+            </a:endParaRPr>
+          </a:p>
+          <a:p>
+            <a:pPr algn="ctr"/>
+            <a:r>
+              <a:rPr lang="ko-KR" altLang="en-US" sz="3200" spc="-150" dirty="0">
+                <a:solidFill>
+                  <a:srgbClr val="8DBABD"/>
+                </a:solidFill>
+                <a:latin typeface="나눔스퀘어 ExtraBold" panose="020B0600000101010101" pitchFamily="50" charset="-127"/>
+                <a:ea typeface="나눔스퀘어 ExtraBold" panose="020B0600000101010101" pitchFamily="50" charset="-127"/>
+              </a:rPr>
+              <a:t>예산을 효율적으로 사용하여</a:t>
+            </a:r>
+            <a:endParaRPr lang="en-US" altLang="ko-KR" sz="3200" spc="-150" dirty="0">
+              <a:solidFill>
+                <a:srgbClr val="8DBABD"/>
+              </a:solidFill>
+              <a:latin typeface="나눔스퀘어 ExtraBold" panose="020B0600000101010101" pitchFamily="50" charset="-127"/>
+              <a:ea typeface="나눔스퀘어 ExtraBold" panose="020B0600000101010101" pitchFamily="50" charset="-127"/>
+            </a:endParaRPr>
+          </a:p>
+          <a:p>
+            <a:pPr algn="ctr"/>
+            <a:r>
+              <a:rPr lang="ko-KR" altLang="en-US" sz="3200" spc="-150" dirty="0">
+                <a:solidFill>
+                  <a:srgbClr val="8DBABD"/>
+                </a:solidFill>
+                <a:latin typeface="나눔스퀘어 ExtraBold" panose="020B0600000101010101" pitchFamily="50" charset="-127"/>
+                <a:ea typeface="나눔스퀘어 ExtraBold" panose="020B0600000101010101" pitchFamily="50" charset="-127"/>
+              </a:rPr>
+              <a:t>탄탄한 </a:t>
+            </a:r>
+            <a:r>
+              <a:rPr lang="ko-KR" altLang="en-US" sz="3200" spc="-150" dirty="0">
+                <a:solidFill>
+                  <a:srgbClr val="FF0000"/>
+                </a:solidFill>
+                <a:latin typeface="나눔스퀘어 ExtraBold" panose="020B0600000101010101" pitchFamily="50" charset="-127"/>
+                <a:ea typeface="나눔스퀘어 ExtraBold" panose="020B0600000101010101" pitchFamily="50" charset="-127"/>
+              </a:rPr>
+              <a:t>내국인 고객 </a:t>
+            </a:r>
+            <a:r>
+              <a:rPr lang="ko-KR" altLang="en-US" sz="3200" spc="-150" dirty="0">
+                <a:solidFill>
+                  <a:srgbClr val="8DBABD"/>
+                </a:solidFill>
+                <a:latin typeface="나눔스퀘어 ExtraBold" panose="020B0600000101010101" pitchFamily="50" charset="-127"/>
+                <a:ea typeface="나눔스퀘어 ExtraBold" panose="020B0600000101010101" pitchFamily="50" charset="-127"/>
+              </a:rPr>
+              <a:t>유치가 관건</a:t>
+            </a:r>
+          </a:p>
+        </p:txBody>
+      </p:sp>
+      <p:cxnSp>
+        <p:nvCxnSpPr>
+          <p:cNvPr id="14" name="직선 연결선 13"/>
+          <p:cNvCxnSpPr/>
+          <p:nvPr/>
+        </p:nvCxnSpPr>
+        <p:spPr>
+          <a:xfrm>
+            <a:off x="10430892" y="144941"/>
+            <a:ext cx="360000" cy="0"/>
+          </a:xfrm>
+          <a:prstGeom prst="line">
+            <a:avLst/>
+          </a:prstGeom>
+          <a:ln w="44450" cap="rnd">
+            <a:solidFill>
+              <a:srgbClr val="D0CECE"/>
+            </a:solidFill>
+          </a:ln>
+          <a:effectLst>
+            <a:outerShdw blurRad="50800" dist="38100" dir="5400000" algn="t" rotWithShape="0">
+              <a:prstClr val="black">
+                <a:alpha val="40000"/>
+              </a:prstClr>
+            </a:outerShdw>
+          </a:effectLst>
+        </p:spPr>
+        <p:style>
+          <a:lnRef idx="1">
+            <a:schemeClr val="accent1"/>
+          </a:lnRef>
+          <a:fillRef idx="0">
+            <a:schemeClr val="accent1"/>
+          </a:fillRef>
+          <a:effectRef idx="0">
+            <a:schemeClr val="accent1"/>
+          </a:effectRef>
+          <a:fontRef idx="minor">
+            <a:schemeClr val="tx1"/>
+          </a:fontRef>
+        </p:style>
+      </p:cxnSp>
+      <p:cxnSp>
+        <p:nvCxnSpPr>
+          <p:cNvPr id="15" name="직선 연결선 14"/>
+          <p:cNvCxnSpPr/>
+          <p:nvPr/>
+        </p:nvCxnSpPr>
+        <p:spPr>
+          <a:xfrm>
+            <a:off x="10858459" y="144941"/>
+            <a:ext cx="360000" cy="0"/>
+          </a:xfrm>
+          <a:prstGeom prst="line">
+            <a:avLst/>
+          </a:prstGeom>
+          <a:ln w="44450" cap="rnd">
+            <a:solidFill>
+              <a:schemeClr val="bg2">
+                <a:lumMod val="90000"/>
+              </a:schemeClr>
+            </a:solidFill>
+          </a:ln>
+          <a:effectLst>
+            <a:outerShdw blurRad="50800" dist="38100" dir="5400000" algn="t" rotWithShape="0">
+              <a:prstClr val="black">
+                <a:alpha val="40000"/>
+              </a:prstClr>
+            </a:outerShdw>
+          </a:effectLst>
+        </p:spPr>
+        <p:style>
+          <a:lnRef idx="1">
+            <a:schemeClr val="accent1"/>
+          </a:lnRef>
+          <a:fillRef idx="0">
+            <a:schemeClr val="accent1"/>
+          </a:fillRef>
+          <a:effectRef idx="0">
+            <a:schemeClr val="accent1"/>
+          </a:effectRef>
+          <a:fontRef idx="minor">
+            <a:schemeClr val="tx1"/>
+          </a:fontRef>
+        </p:style>
+      </p:cxnSp>
+      <p:cxnSp>
+        <p:nvCxnSpPr>
+          <p:cNvPr id="16" name="직선 연결선 15"/>
+          <p:cNvCxnSpPr/>
+          <p:nvPr/>
+        </p:nvCxnSpPr>
+        <p:spPr>
+          <a:xfrm>
+            <a:off x="11286026" y="144941"/>
+            <a:ext cx="360000" cy="0"/>
+          </a:xfrm>
+          <a:prstGeom prst="line">
+            <a:avLst/>
+          </a:prstGeom>
+          <a:ln w="44450" cap="rnd">
+            <a:solidFill>
+              <a:schemeClr val="bg2">
+                <a:lumMod val="90000"/>
+              </a:schemeClr>
+            </a:solidFill>
+          </a:ln>
+          <a:effectLst>
+            <a:outerShdw blurRad="50800" dist="38100" dir="5400000" algn="t" rotWithShape="0">
+              <a:prstClr val="black">
+                <a:alpha val="40000"/>
+              </a:prstClr>
+            </a:outerShdw>
+          </a:effectLst>
+        </p:spPr>
+        <p:style>
+          <a:lnRef idx="1">
+            <a:schemeClr val="accent1"/>
+          </a:lnRef>
+          <a:fillRef idx="0">
+            <a:schemeClr val="accent1"/>
+          </a:fillRef>
+          <a:effectRef idx="0">
+            <a:schemeClr val="accent1"/>
+          </a:effectRef>
+          <a:fontRef idx="minor">
+            <a:schemeClr val="tx1"/>
+          </a:fontRef>
+        </p:style>
+      </p:cxnSp>
+      <p:cxnSp>
+        <p:nvCxnSpPr>
+          <p:cNvPr id="17" name="직선 연결선 16"/>
+          <p:cNvCxnSpPr/>
+          <p:nvPr/>
+        </p:nvCxnSpPr>
+        <p:spPr>
+          <a:xfrm>
+            <a:off x="11713592" y="144941"/>
+            <a:ext cx="360000" cy="0"/>
+          </a:xfrm>
+          <a:prstGeom prst="line">
+            <a:avLst/>
+          </a:prstGeom>
+          <a:ln w="44450" cap="rnd">
+            <a:solidFill>
+              <a:srgbClr val="8DBABD"/>
+            </a:solidFill>
+          </a:ln>
+          <a:effectLst>
+            <a:outerShdw blurRad="50800" dist="38100" dir="5400000" algn="t" rotWithShape="0">
+              <a:prstClr val="black">
+                <a:alpha val="40000"/>
+              </a:prstClr>
+            </a:outerShdw>
+          </a:effectLst>
+        </p:spPr>
+        <p:style>
+          <a:lnRef idx="1">
+            <a:schemeClr val="accent1"/>
+          </a:lnRef>
+          <a:fillRef idx="0">
+            <a:schemeClr val="accent1"/>
+          </a:fillRef>
+          <a:effectRef idx="0">
+            <a:schemeClr val="accent1"/>
+          </a:effectRef>
+          <a:fontRef idx="minor">
+            <a:schemeClr val="tx1"/>
+          </a:fontRef>
+        </p:style>
+      </p:cxnSp>
+      <p:cxnSp>
+        <p:nvCxnSpPr>
+          <p:cNvPr id="18" name="직선 연결선 17"/>
+          <p:cNvCxnSpPr>
+            <a:cxnSpLocks/>
+          </p:cNvCxnSpPr>
+          <p:nvPr/>
+        </p:nvCxnSpPr>
+        <p:spPr>
+          <a:xfrm>
+            <a:off x="1153522" y="989148"/>
+            <a:ext cx="2732678" cy="0"/>
+          </a:xfrm>
+          <a:prstGeom prst="line">
+            <a:avLst/>
+          </a:prstGeom>
+          <a:ln>
+            <a:solidFill>
+              <a:schemeClr val="bg1">
+                <a:lumMod val="50000"/>
+              </a:schemeClr>
+            </a:solidFill>
+          </a:ln>
+        </p:spPr>
+        <p:style>
+          <a:lnRef idx="1">
+            <a:schemeClr val="accent1"/>
+          </a:lnRef>
+          <a:fillRef idx="0">
+            <a:schemeClr val="accent1"/>
+          </a:fillRef>
+          <a:effectRef idx="0">
+            <a:schemeClr val="accent1"/>
+          </a:effectRef>
+          <a:fontRef idx="minor">
+            <a:schemeClr val="tx1"/>
+          </a:fontRef>
+        </p:style>
+      </p:cxnSp>
+      <p:sp>
+        <p:nvSpPr>
+          <p:cNvPr id="19" name="TextBox 18"/>
+          <p:cNvSpPr txBox="1"/>
+          <p:nvPr/>
+        </p:nvSpPr>
+        <p:spPr>
+          <a:xfrm>
+            <a:off x="940679" y="437393"/>
+            <a:ext cx="3172663" cy="584775"/>
+          </a:xfrm>
+          <a:prstGeom prst="rect">
+            <a:avLst/>
+          </a:prstGeom>
+          <a:noFill/>
+        </p:spPr>
+        <p:txBody>
+          <a:bodyPr wrap="none" rtlCol="0">
+            <a:spAutoFit/>
+          </a:bodyPr>
+          <a:lstStyle/>
+          <a:p>
+            <a:pPr algn="ctr"/>
+            <a:r>
+              <a:rPr lang="ko-KR" altLang="en-US" sz="3200" spc="-150">
+                <a:solidFill>
+                  <a:srgbClr val="00002F"/>
+                </a:solidFill>
+                <a:latin typeface="나눔스퀘어 ExtraBold" panose="020B0600000101010101" pitchFamily="50" charset="-127"/>
+                <a:ea typeface="나눔스퀘어 ExtraBold" panose="020B0600000101010101" pitchFamily="50" charset="-127"/>
+              </a:rPr>
+              <a:t>최종 결과물 방향</a:t>
+            </a:r>
+            <a:endParaRPr lang="ko-KR" altLang="en-US" sz="3200" spc="-150" dirty="0">
+              <a:solidFill>
+                <a:srgbClr val="00002F"/>
+              </a:solidFill>
+              <a:latin typeface="나눔스퀘어 ExtraBold" panose="020B0600000101010101" pitchFamily="50" charset="-127"/>
+              <a:ea typeface="나눔스퀘어 ExtraBold" panose="020B0600000101010101" pitchFamily="50" charset="-127"/>
+            </a:endParaRPr>
+          </a:p>
+        </p:txBody>
+      </p:sp>
+      <p:sp>
+        <p:nvSpPr>
+          <p:cNvPr id="20" name="TextBox 19"/>
+          <p:cNvSpPr txBox="1"/>
+          <p:nvPr/>
+        </p:nvSpPr>
+        <p:spPr>
+          <a:xfrm>
+            <a:off x="455532" y="498947"/>
+            <a:ext cx="614271" cy="461665"/>
+          </a:xfrm>
+          <a:prstGeom prst="rect">
+            <a:avLst/>
+          </a:prstGeom>
+          <a:noFill/>
+        </p:spPr>
+        <p:txBody>
+          <a:bodyPr wrap="none" rtlCol="0">
+            <a:spAutoFit/>
+          </a:bodyPr>
+          <a:lstStyle/>
+          <a:p>
+            <a:pPr algn="ctr"/>
+            <a:r>
+              <a:rPr lang="en-US" altLang="ko-KR" sz="2400" spc="-150" dirty="0">
+                <a:solidFill>
+                  <a:srgbClr val="00002F"/>
+                </a:solidFill>
+                <a:latin typeface="나눔스퀘어 ExtraBold" panose="020B0600000101010101" pitchFamily="50" charset="-127"/>
+                <a:ea typeface="나눔스퀘어 ExtraBold" panose="020B0600000101010101" pitchFamily="50" charset="-127"/>
+              </a:rPr>
+              <a:t>04.</a:t>
+            </a:r>
+            <a:endParaRPr lang="ko-KR" altLang="en-US" sz="2400" spc="-150" dirty="0">
+              <a:solidFill>
+                <a:srgbClr val="00002F"/>
+              </a:solidFill>
+              <a:latin typeface="나눔스퀘어 ExtraBold" panose="020B0600000101010101" pitchFamily="50" charset="-127"/>
+              <a:ea typeface="나눔스퀘어 ExtraBold" panose="020B0600000101010101" pitchFamily="50" charset="-127"/>
+            </a:endParaRPr>
+          </a:p>
+        </p:txBody>
+      </p:sp>
+      <p:sp>
+        <p:nvSpPr>
+          <p:cNvPr id="21" name="TextBox 20"/>
+          <p:cNvSpPr txBox="1"/>
+          <p:nvPr/>
+        </p:nvSpPr>
+        <p:spPr>
+          <a:xfrm>
+            <a:off x="1069803" y="1006929"/>
+            <a:ext cx="578876" cy="369332"/>
+          </a:xfrm>
+          <a:prstGeom prst="rect">
+            <a:avLst/>
+          </a:prstGeom>
+          <a:noFill/>
+        </p:spPr>
+        <p:txBody>
+          <a:bodyPr wrap="none" rtlCol="0">
+            <a:spAutoFit/>
+          </a:bodyPr>
+          <a:lstStyle/>
+          <a:p>
+            <a:pPr algn="ctr"/>
+            <a:r>
+              <a:rPr lang="en-US" altLang="ko-KR" spc="-150" dirty="0">
+                <a:solidFill>
+                  <a:srgbClr val="00002F"/>
+                </a:solidFill>
+                <a:latin typeface="나눔스퀘어 ExtraBold" panose="020B0600000101010101" pitchFamily="50" charset="-127"/>
+                <a:ea typeface="나눔스퀘어 ExtraBold" panose="020B0600000101010101" pitchFamily="50" charset="-127"/>
+              </a:rPr>
+              <a:t>Text</a:t>
+            </a:r>
+            <a:endParaRPr lang="ko-KR" altLang="en-US" spc="-150" dirty="0">
+              <a:solidFill>
+                <a:srgbClr val="00002F"/>
+              </a:solidFill>
+              <a:latin typeface="나눔스퀘어 ExtraBold" panose="020B0600000101010101" pitchFamily="50" charset="-127"/>
+              <a:ea typeface="나눔스퀘어 ExtraBold" panose="020B0600000101010101" pitchFamily="50" charset="-127"/>
+            </a:endParaRPr>
+          </a:p>
+        </p:txBody>
+      </p:sp>
+      <p:sp>
+        <p:nvSpPr>
+          <p:cNvPr id="12" name="TextBox 11">
+            <a:extLst>
+              <a:ext uri="{FF2B5EF4-FFF2-40B4-BE49-F238E27FC236}">
+                <a16:creationId xmlns:a16="http://schemas.microsoft.com/office/drawing/2014/main" id="{DA5FDF32-9ADD-49FD-B8AE-02C936951E6A}"/>
+              </a:ext>
+            </a:extLst>
+          </p:cNvPr>
+          <p:cNvSpPr txBox="1"/>
+          <p:nvPr/>
+        </p:nvSpPr>
+        <p:spPr>
+          <a:xfrm>
+            <a:off x="1075042" y="4041170"/>
+            <a:ext cx="9273694" cy="584775"/>
+          </a:xfrm>
+          <a:prstGeom prst="rect">
+            <a:avLst/>
+          </a:prstGeom>
+          <a:noFill/>
+        </p:spPr>
+        <p:txBody>
+          <a:bodyPr wrap="none" rtlCol="0">
+            <a:spAutoFit/>
+          </a:bodyPr>
+          <a:lstStyle/>
+          <a:p>
+            <a:pPr algn="ctr"/>
+            <a:r>
+              <a:rPr lang="ko-KR" altLang="en-US" sz="3200" spc="-150" dirty="0">
+                <a:solidFill>
+                  <a:srgbClr val="8DBABD"/>
+                </a:solidFill>
+                <a:latin typeface="나눔스퀘어 ExtraBold" panose="020B0600000101010101" pitchFamily="50" charset="-127"/>
+                <a:ea typeface="나눔스퀘어 ExtraBold" panose="020B0600000101010101" pitchFamily="50" charset="-127"/>
+              </a:rPr>
+              <a:t>내국인을 유치 할 수 있는 관광 아이템을 제시하겠다</a:t>
+            </a:r>
+            <a:r>
+              <a:rPr lang="en-US" altLang="ko-KR" sz="3200" spc="-150" dirty="0">
+                <a:solidFill>
+                  <a:srgbClr val="8DBABD"/>
+                </a:solidFill>
+                <a:latin typeface="나눔스퀘어 ExtraBold" panose="020B0600000101010101" pitchFamily="50" charset="-127"/>
+                <a:ea typeface="나눔스퀘어 ExtraBold" panose="020B0600000101010101" pitchFamily="50" charset="-127"/>
+              </a:rPr>
+              <a:t>.</a:t>
+            </a:r>
+            <a:endParaRPr lang="ko-KR" altLang="en-US" sz="3200" spc="-150" dirty="0">
+              <a:solidFill>
+                <a:srgbClr val="8DBABD"/>
+              </a:solidFill>
+              <a:latin typeface="나눔스퀘어 ExtraBold" panose="020B0600000101010101" pitchFamily="50" charset="-127"/>
+              <a:ea typeface="나눔스퀘어 ExtraBold" panose="020B0600000101010101" pitchFamily="50" charset="-127"/>
+            </a:endParaRPr>
+          </a:p>
+        </p:txBody>
+      </p:sp>
+      <p:sp>
+        <p:nvSpPr>
+          <p:cNvPr id="2" name="화살표: 아래쪽 1">
+            <a:extLst>
+              <a:ext uri="{FF2B5EF4-FFF2-40B4-BE49-F238E27FC236}">
+                <a16:creationId xmlns:a16="http://schemas.microsoft.com/office/drawing/2014/main" id="{BEB7287D-3432-46F9-823A-CDE4E83437EA}"/>
+              </a:ext>
+            </a:extLst>
+          </p:cNvPr>
+          <p:cNvSpPr/>
+          <p:nvPr/>
+        </p:nvSpPr>
+        <p:spPr>
+          <a:xfrm>
+            <a:off x="5156200" y="3302000"/>
+            <a:ext cx="939800" cy="584775"/>
+          </a:xfrm>
+          <a:prstGeom prst="downArrow">
+            <a:avLst/>
+          </a:prstGeom>
+          <a:solidFill>
+            <a:srgbClr val="8DBABD"/>
+          </a:solidFill>
+        </p:spPr>
+        <p:style>
+          <a:lnRef idx="2">
+            <a:schemeClr val="accent1">
+              <a:shade val="50000"/>
+            </a:schemeClr>
+          </a:lnRef>
+          <a:fillRef idx="1">
+            <a:schemeClr val="accent1"/>
+          </a:fillRef>
+          <a:effectRef idx="0">
+            <a:schemeClr val="accent1"/>
+          </a:effectRef>
+          <a:fontRef idx="minor">
+            <a:schemeClr val="lt1"/>
+          </a:fontRef>
+        </p:style>
+        <p:txBody>
+          <a:bodyPr rtlCol="0" anchor="ctr"/>
+          <a:lstStyle/>
+          <a:p>
+            <a:pPr algn="ctr"/>
+            <a:endParaRPr lang="ko-KR" altLang="en-US"/>
+          </a:p>
+        </p:txBody>
+      </p:sp>
+    </p:spTree>
+    <p:extLst>
+      <p:ext uri="{BB962C8B-B14F-4D97-AF65-F5344CB8AC3E}">
+        <p14:creationId xmlns:p14="http://schemas.microsoft.com/office/powerpoint/2010/main" val="2511007924"/>
+      </p:ext>
+    </p:extLst>
+  </p:cSld>
+  <p:clrMapOvr>
+    <a:masterClrMapping/>
+  </p:clrMapOvr>
+</p:sld>
+</file>
+
+<file path=ppt/slides/slide17.xml><?xml version="1.0" encoding="utf-8"?>
+<p:sld xmlns:a="http://schemas.openxmlformats.org/drawingml/2006/main" xmlns:r="http://schemas.openxmlformats.org/officeDocument/2006/relationships" xmlns:p="http://schemas.openxmlformats.org/presentationml/2006/main">
+  <p:cSld>
+    <p:spTree>
+      <p:nvGrpSpPr>
+        <p:cNvPr id="1" name=""/>
+        <p:cNvGrpSpPr/>
+        <p:nvPr/>
+      </p:nvGrpSpPr>
+      <p:grpSpPr>
+        <a:xfrm>
+          <a:off x="0" y="0"/>
+          <a:ext cx="0" cy="0"/>
+          <a:chOff x="0" y="0"/>
+          <a:chExt cx="0" cy="0"/>
+        </a:xfrm>
+      </p:grpSpPr>
+      <p:sp>
+        <p:nvSpPr>
           <p:cNvPr id="2" name="TextBox 1"/>
           <p:cNvSpPr txBox="1"/>
           <p:nvPr/>
@@ -3127,7 +3621,7 @@
 </p:sld>
 </file>
 
-<file path=ppt/slides/slide17.xml><?xml version="1.0" encoding="utf-8"?>
+<file path=ppt/slides/slide18.xml><?xml version="1.0" encoding="utf-8"?>
 <p:sld xmlns:a="http://schemas.openxmlformats.org/drawingml/2006/main" xmlns:r="http://schemas.openxmlformats.org/officeDocument/2006/relationships" xmlns:p="http://schemas.openxmlformats.org/presentationml/2006/main">
   <p:cSld>
     <p:spTree>
@@ -4443,109 +4937,6 @@
       </p:cxnSp>
       <p:sp>
         <p:nvSpPr>
-          <p:cNvPr id="11" name="TextBox 10"/>
-          <p:cNvSpPr txBox="1"/>
-          <p:nvPr/>
-        </p:nvSpPr>
-        <p:spPr>
-          <a:xfrm>
-            <a:off x="713536" y="2091297"/>
-            <a:ext cx="4907113" cy="1077218"/>
-          </a:xfrm>
-          <a:prstGeom prst="rect">
-            <a:avLst/>
-          </a:prstGeom>
-          <a:noFill/>
-        </p:spPr>
-        <p:txBody>
-          <a:bodyPr wrap="none" rtlCol="0">
-            <a:spAutoFit/>
-          </a:bodyPr>
-          <a:lstStyle/>
-          <a:p>
-            <a:pPr algn="ctr"/>
-            <a:r>
-              <a:rPr lang="ko-KR" altLang="en-US" sz="3200" spc="-150" dirty="0">
-                <a:solidFill>
-                  <a:srgbClr val="8DBABD"/>
-                </a:solidFill>
-                <a:latin typeface="나눔스퀘어 ExtraBold" panose="020B0600000101010101" pitchFamily="50" charset="-127"/>
-                <a:ea typeface="나눔스퀘어 ExtraBold" panose="020B0600000101010101" pitchFamily="50" charset="-127"/>
-              </a:rPr>
-              <a:t>내국인 </a:t>
-            </a:r>
-            <a:r>
-              <a:rPr lang="en-US" altLang="ko-KR" sz="3200" spc="-150" dirty="0">
-                <a:solidFill>
-                  <a:srgbClr val="8DBABD"/>
-                </a:solidFill>
-                <a:latin typeface="나눔스퀘어 ExtraBold" panose="020B0600000101010101" pitchFamily="50" charset="-127"/>
-                <a:ea typeface="나눔스퀘어 ExtraBold" panose="020B0600000101010101" pitchFamily="50" charset="-127"/>
-              </a:rPr>
-              <a:t>2017</a:t>
-            </a:r>
-            <a:r>
-              <a:rPr lang="ko-KR" altLang="en-US" sz="3200" spc="-150" dirty="0">
-                <a:solidFill>
-                  <a:srgbClr val="8DBABD"/>
-                </a:solidFill>
-                <a:latin typeface="나눔스퀘어 ExtraBold" panose="020B0600000101010101" pitchFamily="50" charset="-127"/>
-                <a:ea typeface="나눔스퀘어 ExtraBold" panose="020B0600000101010101" pitchFamily="50" charset="-127"/>
-              </a:rPr>
-              <a:t>이후 약간 하락</a:t>
-            </a:r>
-            <a:endParaRPr lang="en-US" altLang="ko-KR" sz="3200" spc="-150" dirty="0">
-              <a:solidFill>
-                <a:srgbClr val="8DBABD"/>
-              </a:solidFill>
-              <a:latin typeface="나눔스퀘어 ExtraBold" panose="020B0600000101010101" pitchFamily="50" charset="-127"/>
-              <a:ea typeface="나눔스퀘어 ExtraBold" panose="020B0600000101010101" pitchFamily="50" charset="-127"/>
-            </a:endParaRPr>
-          </a:p>
-          <a:p>
-            <a:pPr algn="ctr"/>
-            <a:r>
-              <a:rPr lang="en-US" altLang="ko-KR" sz="3200" spc="-150" dirty="0">
-                <a:solidFill>
-                  <a:srgbClr val="8DBABD"/>
-                </a:solidFill>
-                <a:latin typeface="나눔스퀘어 ExtraBold" panose="020B0600000101010101" pitchFamily="50" charset="-127"/>
-                <a:ea typeface="나눔스퀘어 ExtraBold" panose="020B0600000101010101" pitchFamily="50" charset="-127"/>
-              </a:rPr>
-              <a:t>But </a:t>
-            </a:r>
-            <a:r>
-              <a:rPr lang="ko-KR" altLang="en-US" sz="3200" spc="-150" dirty="0">
-                <a:solidFill>
-                  <a:srgbClr val="8DBABD"/>
-                </a:solidFill>
-                <a:latin typeface="나눔스퀘어 ExtraBold" panose="020B0600000101010101" pitchFamily="50" charset="-127"/>
-                <a:ea typeface="나눔스퀘어 ExtraBold" panose="020B0600000101010101" pitchFamily="50" charset="-127"/>
-              </a:rPr>
-              <a:t>큰 영향</a:t>
-            </a:r>
-            <a:r>
-              <a:rPr lang="en-US" altLang="ko-KR" sz="3200" spc="-150" dirty="0">
-                <a:solidFill>
-                  <a:srgbClr val="8DBABD"/>
-                </a:solidFill>
-                <a:latin typeface="나눔스퀘어 ExtraBold" panose="020B0600000101010101" pitchFamily="50" charset="-127"/>
-                <a:ea typeface="나눔스퀘어 ExtraBold" panose="020B0600000101010101" pitchFamily="50" charset="-127"/>
-              </a:rPr>
-              <a:t>X</a:t>
-            </a:r>
-            <a:endParaRPr lang="ko-KR" altLang="en-US" sz="3200" spc="-150" dirty="0">
-              <a:solidFill>
-                <a:srgbClr val="8DBABD"/>
-              </a:solidFill>
-              <a:latin typeface="나눔스퀘어 ExtraBold" panose="020B0600000101010101" pitchFamily="50" charset="-127"/>
-              <a:ea typeface="나눔스퀘어 ExtraBold" panose="020B0600000101010101" pitchFamily="50" charset="-127"/>
-            </a:endParaRPr>
-          </a:p>
-        </p:txBody>
-      </p:sp>
-      <p:sp>
-        <p:nvSpPr>
           <p:cNvPr id="13" name="TextBox 12"/>
           <p:cNvSpPr txBox="1"/>
           <p:nvPr/>
@@ -4614,8 +5005,8 @@
         </p:nvSpPr>
         <p:spPr>
           <a:xfrm>
-            <a:off x="6773990" y="5444132"/>
-            <a:ext cx="3999813" cy="584775"/>
+            <a:off x="413592" y="6240716"/>
+            <a:ext cx="4919937" cy="584775"/>
           </a:xfrm>
           <a:prstGeom prst="rect">
             <a:avLst/>
@@ -4637,7 +5028,7 @@
                 <a:latin typeface="나눔스퀘어 ExtraBold" panose="020B0600000101010101" pitchFamily="50" charset="-127"/>
                 <a:ea typeface="나눔스퀘어 ExtraBold" panose="020B0600000101010101" pitchFamily="50" charset="-127"/>
               </a:rPr>
-              <a:t>외국인 </a:t>
+              <a:t>중국인 </a:t>
             </a:r>
             <a:r>
               <a:rPr lang="en-US" altLang="ko-KR" sz="3200" spc="-150" dirty="0">
@@ -4657,7 +5048,7 @@
                 <a:latin typeface="나눔스퀘어 ExtraBold" panose="020B0600000101010101" pitchFamily="50" charset="-127"/>
                 <a:ea typeface="나눔스퀘어 ExtraBold" panose="020B0600000101010101" pitchFamily="50" charset="-127"/>
               </a:rPr>
-              <a:t> 대폭하락</a:t>
+              <a:t>년 이후 대폭하락</a:t>
             </a:r>
             <a:endParaRPr lang="en-US" altLang="ko-KR" sz="3200" spc="-150" dirty="0">
               <a:solidFill>
@@ -4683,7 +5074,7 @@
         </p:nvGrpSpPr>
         <p:grpSpPr>
           <a:xfrm>
-            <a:off x="6096000" y="582922"/>
+            <a:off x="455532" y="1353709"/>
             <a:ext cx="5319756" cy="4887007"/>
             <a:chOff x="6441562" y="312396"/>
             <a:chExt cx="5319756" cy="4887007"/>
@@ -5171,12 +5562,121 @@
           </p:txBody>
         </p:sp>
       </p:grpSp>
+      <p:sp>
+        <p:nvSpPr>
+          <p:cNvPr id="27" name="TextBox 26">
+            <a:extLst>
+              <a:ext uri="{FF2B5EF4-FFF2-40B4-BE49-F238E27FC236}">
+                <a16:creationId xmlns:a16="http://schemas.microsoft.com/office/drawing/2014/main" id="{76227788-EC9B-4E62-AD36-2329D754C02B}"/>
+              </a:ext>
+            </a:extLst>
+          </p:cNvPr>
+          <p:cNvSpPr txBox="1"/>
+          <p:nvPr/>
+        </p:nvSpPr>
+        <p:spPr>
+          <a:xfrm>
+            <a:off x="6311346" y="5809829"/>
+            <a:ext cx="4907113" cy="1077218"/>
+          </a:xfrm>
+          <a:prstGeom prst="rect">
+            <a:avLst/>
+          </a:prstGeom>
+          <a:noFill/>
+        </p:spPr>
+        <p:txBody>
+          <a:bodyPr wrap="none" rtlCol="0">
+            <a:spAutoFit/>
+          </a:bodyPr>
+          <a:lstStyle/>
+          <a:p>
+            <a:pPr algn="ctr"/>
+            <a:r>
+              <a:rPr lang="ko-KR" altLang="en-US" sz="3200" spc="-150" dirty="0">
+                <a:solidFill>
+                  <a:srgbClr val="8DBABD"/>
+                </a:solidFill>
+                <a:latin typeface="나눔스퀘어 ExtraBold" panose="020B0600000101010101" pitchFamily="50" charset="-127"/>
+                <a:ea typeface="나눔스퀘어 ExtraBold" panose="020B0600000101010101" pitchFamily="50" charset="-127"/>
+              </a:rPr>
+              <a:t>내국인 </a:t>
+            </a:r>
+            <a:r>
+              <a:rPr lang="en-US" altLang="ko-KR" sz="3200" spc="-150" dirty="0">
+                <a:solidFill>
+                  <a:srgbClr val="8DBABD"/>
+                </a:solidFill>
+                <a:latin typeface="나눔스퀘어 ExtraBold" panose="020B0600000101010101" pitchFamily="50" charset="-127"/>
+                <a:ea typeface="나눔스퀘어 ExtraBold" panose="020B0600000101010101" pitchFamily="50" charset="-127"/>
+              </a:rPr>
+              <a:t>2017</a:t>
+            </a:r>
+            <a:r>
+              <a:rPr lang="ko-KR" altLang="en-US" sz="3200" spc="-150" dirty="0">
+                <a:solidFill>
+                  <a:srgbClr val="8DBABD"/>
+                </a:solidFill>
+                <a:latin typeface="나눔스퀘어 ExtraBold" panose="020B0600000101010101" pitchFamily="50" charset="-127"/>
+                <a:ea typeface="나눔스퀘어 ExtraBold" panose="020B0600000101010101" pitchFamily="50" charset="-127"/>
+              </a:rPr>
+              <a:t>이후 약간 하락</a:t>
+            </a:r>
+            <a:endParaRPr lang="en-US" altLang="ko-KR" sz="3200" spc="-150" dirty="0">
+              <a:solidFill>
+                <a:srgbClr val="8DBABD"/>
+              </a:solidFill>
+              <a:latin typeface="나눔스퀘어 ExtraBold" panose="020B0600000101010101" pitchFamily="50" charset="-127"/>
+              <a:ea typeface="나눔스퀘어 ExtraBold" panose="020B0600000101010101" pitchFamily="50" charset="-127"/>
+            </a:endParaRPr>
+          </a:p>
+          <a:p>
+            <a:pPr algn="ctr"/>
+            <a:r>
+              <a:rPr lang="en-US" altLang="ko-KR" sz="3200" spc="-150" dirty="0">
+                <a:solidFill>
+                  <a:srgbClr val="8DBABD"/>
+                </a:solidFill>
+                <a:latin typeface="나눔스퀘어 ExtraBold" panose="020B0600000101010101" pitchFamily="50" charset="-127"/>
+                <a:ea typeface="나눔스퀘어 ExtraBold" panose="020B0600000101010101" pitchFamily="50" charset="-127"/>
+              </a:rPr>
+              <a:t>But </a:t>
+            </a:r>
+            <a:r>
+              <a:rPr lang="ko-KR" altLang="en-US" sz="3200" spc="-150" dirty="0">
+                <a:solidFill>
+                  <a:srgbClr val="8DBABD"/>
+                </a:solidFill>
+                <a:latin typeface="나눔스퀘어 ExtraBold" panose="020B0600000101010101" pitchFamily="50" charset="-127"/>
+                <a:ea typeface="나눔스퀘어 ExtraBold" panose="020B0600000101010101" pitchFamily="50" charset="-127"/>
+              </a:rPr>
+              <a:t>큰 영향</a:t>
+            </a:r>
+            <a:r>
+              <a:rPr lang="en-US" altLang="ko-KR" sz="3200" spc="-150" dirty="0">
+                <a:solidFill>
+                  <a:srgbClr val="8DBABD"/>
+                </a:solidFill>
+                <a:latin typeface="나눔스퀘어 ExtraBold" panose="020B0600000101010101" pitchFamily="50" charset="-127"/>
+                <a:ea typeface="나눔스퀘어 ExtraBold" panose="020B0600000101010101" pitchFamily="50" charset="-127"/>
+              </a:rPr>
+              <a:t>X</a:t>
+            </a:r>
+            <a:endParaRPr lang="ko-KR" altLang="en-US" sz="3200" spc="-150" dirty="0">
+              <a:solidFill>
+                <a:srgbClr val="8DBABD"/>
+              </a:solidFill>
+              <a:latin typeface="나눔스퀘어 ExtraBold" panose="020B0600000101010101" pitchFamily="50" charset="-127"/>
+              <a:ea typeface="나눔스퀘어 ExtraBold" panose="020B0600000101010101" pitchFamily="50" charset="-127"/>
+            </a:endParaRPr>
+          </a:p>
+        </p:txBody>
+      </p:sp>
       <p:pic>
         <p:nvPicPr>
-          <p:cNvPr id="28" name="그림 27">
+          <p:cNvPr id="29" name="그림 28">
             <a:extLst>
               <a:ext uri="{FF2B5EF4-FFF2-40B4-BE49-F238E27FC236}">
-                <a16:creationId xmlns:a16="http://schemas.microsoft.com/office/drawing/2014/main" id="{E85DE7A3-5AAB-4003-99BB-27ED4CE4DF89}"/>
+                <a16:creationId xmlns:a16="http://schemas.microsoft.com/office/drawing/2014/main" id="{040F7451-77E0-477D-B6B6-AF87D2C23D20}"/>
               </a:ext>
             </a:extLst>
           </p:cNvPr>
@@ -5199,7 +5699,7 @@
         </p:blipFill>
         <p:spPr>
           <a:xfrm>
-            <a:off x="1069803" y="3166303"/>
+            <a:off x="6519014" y="1743651"/>
             <a:ext cx="4134427" cy="3467584"/>
           </a:xfrm>
           <a:prstGeom prst="rect">
@@ -5237,434 +5737,10 @@
           <a:chExt cx="0" cy="0"/>
         </a:xfrm>
       </p:grpSpPr>
-      <p:cxnSp>
-        <p:nvCxnSpPr>
-          <p:cNvPr id="4" name="직선 연결선 3"/>
-          <p:cNvCxnSpPr>
-            <a:cxnSpLocks/>
-          </p:cNvCxnSpPr>
-          <p:nvPr/>
-        </p:nvCxnSpPr>
-        <p:spPr>
-          <a:xfrm>
-            <a:off x="1242422" y="989148"/>
-            <a:ext cx="2618378" cy="0"/>
-          </a:xfrm>
-          <a:prstGeom prst="line">
-            <a:avLst/>
-          </a:prstGeom>
-          <a:ln>
-            <a:solidFill>
-              <a:schemeClr val="bg1">
-                <a:lumMod val="50000"/>
-              </a:schemeClr>
-            </a:solidFill>
-          </a:ln>
-        </p:spPr>
-        <p:style>
-          <a:lnRef idx="1">
-            <a:schemeClr val="accent1"/>
-          </a:lnRef>
-          <a:fillRef idx="0">
-            <a:schemeClr val="accent1"/>
-          </a:fillRef>
-          <a:effectRef idx="0">
-            <a:schemeClr val="accent1"/>
-          </a:effectRef>
-          <a:fontRef idx="minor">
-            <a:schemeClr val="tx1"/>
-          </a:fontRef>
-        </p:style>
-      </p:cxnSp>
-      <p:sp>
-        <p:nvSpPr>
-          <p:cNvPr id="5" name="TextBox 4"/>
-          <p:cNvSpPr txBox="1"/>
-          <p:nvPr/>
-        </p:nvSpPr>
-        <p:spPr>
-          <a:xfrm>
-            <a:off x="1028595" y="437393"/>
-            <a:ext cx="3047629" cy="584775"/>
-          </a:xfrm>
-          <a:prstGeom prst="rect">
-            <a:avLst/>
-          </a:prstGeom>
-          <a:noFill/>
-        </p:spPr>
-        <p:txBody>
-          <a:bodyPr wrap="none" rtlCol="0">
-            <a:spAutoFit/>
-          </a:bodyPr>
-          <a:lstStyle/>
-          <a:p>
-            <a:pPr algn="ctr"/>
-            <a:r>
-              <a:rPr lang="ko-KR" altLang="en-US" sz="3200" spc="-150" dirty="0">
-                <a:solidFill>
-                  <a:srgbClr val="00002F"/>
-                </a:solidFill>
-                <a:latin typeface="나눔스퀘어 ExtraBold" panose="020B0600000101010101" pitchFamily="50" charset="-127"/>
-                <a:ea typeface="나눔스퀘어 ExtraBold" panose="020B0600000101010101" pitchFamily="50" charset="-127"/>
-              </a:rPr>
-              <a:t>제주도 관광객수</a:t>
-            </a:r>
-          </a:p>
-        </p:txBody>
-      </p:sp>
-      <p:sp>
-        <p:nvSpPr>
-          <p:cNvPr id="12" name="TextBox 11"/>
-          <p:cNvSpPr txBox="1"/>
-          <p:nvPr/>
-        </p:nvSpPr>
-        <p:spPr>
-          <a:xfrm>
-            <a:off x="455532" y="498947"/>
-            <a:ext cx="614271" cy="461665"/>
-          </a:xfrm>
-          <a:prstGeom prst="rect">
-            <a:avLst/>
-          </a:prstGeom>
-          <a:noFill/>
-        </p:spPr>
-        <p:txBody>
-          <a:bodyPr wrap="none" rtlCol="0">
-            <a:spAutoFit/>
-          </a:bodyPr>
-          <a:lstStyle/>
-          <a:p>
-            <a:pPr algn="ctr"/>
-            <a:r>
-              <a:rPr lang="en-US" altLang="ko-KR" sz="2400" spc="-150" dirty="0">
-                <a:solidFill>
-                  <a:srgbClr val="00002F"/>
-                </a:solidFill>
-                <a:latin typeface="나눔스퀘어 ExtraBold" panose="020B0600000101010101" pitchFamily="50" charset="-127"/>
-                <a:ea typeface="나눔스퀘어 ExtraBold" panose="020B0600000101010101" pitchFamily="50" charset="-127"/>
-              </a:rPr>
-              <a:t>01.</a:t>
-            </a:r>
-            <a:endParaRPr lang="ko-KR" altLang="en-US" sz="2400" spc="-150" dirty="0">
-              <a:solidFill>
-                <a:srgbClr val="00002F"/>
-              </a:solidFill>
-              <a:latin typeface="나눔스퀘어 ExtraBold" panose="020B0600000101010101" pitchFamily="50" charset="-127"/>
-              <a:ea typeface="나눔스퀘어 ExtraBold" panose="020B0600000101010101" pitchFamily="50" charset="-127"/>
-            </a:endParaRPr>
-          </a:p>
-        </p:txBody>
-      </p:sp>
-      <p:cxnSp>
-        <p:nvCxnSpPr>
-          <p:cNvPr id="7" name="직선 연결선 6"/>
-          <p:cNvCxnSpPr/>
-          <p:nvPr/>
-        </p:nvCxnSpPr>
-        <p:spPr>
-          <a:xfrm>
-            <a:off x="10430892" y="144941"/>
-            <a:ext cx="360000" cy="0"/>
-          </a:xfrm>
-          <a:prstGeom prst="line">
-            <a:avLst/>
-          </a:prstGeom>
-          <a:ln w="44450" cap="rnd">
-            <a:solidFill>
-              <a:srgbClr val="8DBABD"/>
-            </a:solidFill>
-          </a:ln>
-          <a:effectLst>
-            <a:outerShdw blurRad="50800" dist="38100" dir="5400000" algn="t" rotWithShape="0">
-              <a:prstClr val="black">
-                <a:alpha val="40000"/>
-              </a:prstClr>
-            </a:outerShdw>
-          </a:effectLst>
-        </p:spPr>
-        <p:style>
-          <a:lnRef idx="1">
-            <a:schemeClr val="accent1"/>
-          </a:lnRef>
-          <a:fillRef idx="0">
-            <a:schemeClr val="accent1"/>
-          </a:fillRef>
-          <a:effectRef idx="0">
-            <a:schemeClr val="accent1"/>
-          </a:effectRef>
-          <a:fontRef idx="minor">
-            <a:schemeClr val="tx1"/>
-          </a:fontRef>
-        </p:style>
-      </p:cxnSp>
-      <p:cxnSp>
-        <p:nvCxnSpPr>
-          <p:cNvPr id="8" name="직선 연결선 7"/>
-          <p:cNvCxnSpPr/>
-          <p:nvPr/>
-        </p:nvCxnSpPr>
-        <p:spPr>
-          <a:xfrm>
-            <a:off x="10858459" y="144941"/>
-            <a:ext cx="360000" cy="0"/>
-          </a:xfrm>
-          <a:prstGeom prst="line">
-            <a:avLst/>
-          </a:prstGeom>
-          <a:ln w="44450" cap="rnd">
-            <a:solidFill>
-              <a:schemeClr val="bg2">
-                <a:lumMod val="90000"/>
-              </a:schemeClr>
-            </a:solidFill>
-          </a:ln>
-          <a:effectLst>
-            <a:outerShdw blurRad="50800" dist="38100" dir="5400000" algn="t" rotWithShape="0">
-              <a:prstClr val="black">
-                <a:alpha val="40000"/>
-              </a:prstClr>
-            </a:outerShdw>
-          </a:effectLst>
-        </p:spPr>
-        <p:style>
-          <a:lnRef idx="1">
-            <a:schemeClr val="accent1"/>
-          </a:lnRef>
-          <a:fillRef idx="0">
-            <a:schemeClr val="accent1"/>
-          </a:fillRef>
-          <a:effectRef idx="0">
-            <a:schemeClr val="accent1"/>
-          </a:effectRef>
-          <a:fontRef idx="minor">
-            <a:schemeClr val="tx1"/>
-          </a:fontRef>
-        </p:style>
-      </p:cxnSp>
-      <p:cxnSp>
-        <p:nvCxnSpPr>
-          <p:cNvPr id="9" name="직선 연결선 8"/>
-          <p:cNvCxnSpPr/>
-          <p:nvPr/>
-        </p:nvCxnSpPr>
-        <p:spPr>
-          <a:xfrm>
-            <a:off x="11286026" y="144941"/>
-            <a:ext cx="360000" cy="0"/>
-          </a:xfrm>
-          <a:prstGeom prst="line">
-            <a:avLst/>
-          </a:prstGeom>
-          <a:ln w="44450" cap="rnd">
-            <a:solidFill>
-              <a:schemeClr val="bg2">
-                <a:lumMod val="90000"/>
-              </a:schemeClr>
-            </a:solidFill>
-          </a:ln>
-          <a:effectLst>
-            <a:outerShdw blurRad="50800" dist="38100" dir="5400000" algn="t" rotWithShape="0">
-              <a:prstClr val="black">
-                <a:alpha val="40000"/>
-              </a:prstClr>
-            </a:outerShdw>
-          </a:effectLst>
-        </p:spPr>
-        <p:style>
-          <a:lnRef idx="1">
-            <a:schemeClr val="accent1"/>
-          </a:lnRef>
-          <a:fillRef idx="0">
-            <a:schemeClr val="accent1"/>
-          </a:fillRef>
-          <a:effectRef idx="0">
-            <a:schemeClr val="accent1"/>
-          </a:effectRef>
-          <a:fontRef idx="minor">
-            <a:schemeClr val="tx1"/>
-          </a:fontRef>
-        </p:style>
-      </p:cxnSp>
-      <p:cxnSp>
-        <p:nvCxnSpPr>
-          <p:cNvPr id="10" name="직선 연결선 9"/>
-          <p:cNvCxnSpPr/>
-          <p:nvPr/>
-        </p:nvCxnSpPr>
-        <p:spPr>
-          <a:xfrm>
-            <a:off x="11713592" y="144941"/>
-            <a:ext cx="360000" cy="0"/>
-          </a:xfrm>
-          <a:prstGeom prst="line">
-            <a:avLst/>
-          </a:prstGeom>
-          <a:ln w="44450" cap="rnd">
-            <a:solidFill>
-              <a:schemeClr val="bg2">
-                <a:lumMod val="90000"/>
-              </a:schemeClr>
-            </a:solidFill>
-          </a:ln>
-          <a:effectLst>
-            <a:outerShdw blurRad="50800" dist="38100" dir="5400000" algn="t" rotWithShape="0">
-              <a:prstClr val="black">
-                <a:alpha val="40000"/>
-              </a:prstClr>
-            </a:outerShdw>
-          </a:effectLst>
-        </p:spPr>
-        <p:style>
-          <a:lnRef idx="1">
-            <a:schemeClr val="accent1"/>
-          </a:lnRef>
-          <a:fillRef idx="0">
-            <a:schemeClr val="accent1"/>
-          </a:fillRef>
-          <a:effectRef idx="0">
-            <a:schemeClr val="accent1"/>
-          </a:effectRef>
-          <a:fontRef idx="minor">
-            <a:schemeClr val="tx1"/>
-          </a:fontRef>
-        </p:style>
-      </p:cxnSp>
-      <p:sp>
-        <p:nvSpPr>
-          <p:cNvPr id="11" name="TextBox 10"/>
-          <p:cNvSpPr txBox="1"/>
-          <p:nvPr/>
-        </p:nvSpPr>
-        <p:spPr>
-          <a:xfrm>
-            <a:off x="4472612" y="2091297"/>
-            <a:ext cx="2799164" cy="1077218"/>
-          </a:xfrm>
-          <a:prstGeom prst="rect">
-            <a:avLst/>
-          </a:prstGeom>
-          <a:noFill/>
-        </p:spPr>
-        <p:txBody>
-          <a:bodyPr wrap="none" rtlCol="0">
-            <a:spAutoFit/>
-          </a:bodyPr>
-          <a:lstStyle/>
-          <a:p>
-            <a:pPr algn="ctr"/>
-            <a:r>
-              <a:rPr lang="ko-KR" altLang="en-US" sz="3200" spc="-150" dirty="0">
-                <a:solidFill>
-                  <a:srgbClr val="8DBABD"/>
-                </a:solidFill>
-                <a:latin typeface="나눔스퀘어 ExtraBold" panose="020B0600000101010101" pitchFamily="50" charset="-127"/>
-                <a:ea typeface="나눔스퀘어 ExtraBold" panose="020B0600000101010101" pitchFamily="50" charset="-127"/>
-              </a:rPr>
-              <a:t>방문자 수</a:t>
-            </a:r>
-            <a:endParaRPr lang="en-US" altLang="ko-KR" sz="3200" spc="-150" dirty="0">
-              <a:solidFill>
-                <a:srgbClr val="8DBABD"/>
-              </a:solidFill>
-              <a:latin typeface="나눔스퀘어 ExtraBold" panose="020B0600000101010101" pitchFamily="50" charset="-127"/>
-              <a:ea typeface="나눔스퀘어 ExtraBold" panose="020B0600000101010101" pitchFamily="50" charset="-127"/>
-            </a:endParaRPr>
-          </a:p>
-          <a:p>
-            <a:pPr algn="ctr"/>
-            <a:r>
-              <a:rPr lang="ko-KR" altLang="en-US" sz="3200" spc="-150" dirty="0">
-                <a:solidFill>
-                  <a:srgbClr val="8DBABD"/>
-                </a:solidFill>
-                <a:latin typeface="나눔스퀘어 ExtraBold" panose="020B0600000101010101" pitchFamily="50" charset="-127"/>
-                <a:ea typeface="나눔스퀘어 ExtraBold" panose="020B0600000101010101" pitchFamily="50" charset="-127"/>
-              </a:rPr>
-              <a:t>내국인</a:t>
-            </a:r>
-            <a:r>
-              <a:rPr lang="en-US" altLang="ko-KR" sz="3200" spc="-150" dirty="0">
-                <a:solidFill>
-                  <a:srgbClr val="8DBABD"/>
-                </a:solidFill>
-                <a:latin typeface="나눔스퀘어 ExtraBold" panose="020B0600000101010101" pitchFamily="50" charset="-127"/>
-                <a:ea typeface="나눔스퀘어 ExtraBold" panose="020B0600000101010101" pitchFamily="50" charset="-127"/>
-              </a:rPr>
-              <a:t>&gt;</a:t>
-            </a:r>
-            <a:r>
-              <a:rPr lang="ko-KR" altLang="en-US" sz="3200" spc="-150" dirty="0">
-                <a:solidFill>
-                  <a:srgbClr val="8DBABD"/>
-                </a:solidFill>
-                <a:latin typeface="나눔스퀘어 ExtraBold" panose="020B0600000101010101" pitchFamily="50" charset="-127"/>
-                <a:ea typeface="나눔스퀘어 ExtraBold" panose="020B0600000101010101" pitchFamily="50" charset="-127"/>
-              </a:rPr>
-              <a:t>외국인</a:t>
-            </a:r>
-          </a:p>
-        </p:txBody>
-      </p:sp>
-      <p:sp>
-        <p:nvSpPr>
-          <p:cNvPr id="13" name="TextBox 12"/>
-          <p:cNvSpPr txBox="1"/>
-          <p:nvPr/>
-        </p:nvSpPr>
-        <p:spPr>
-          <a:xfrm>
-            <a:off x="1110894" y="1006929"/>
-            <a:ext cx="1588897" cy="369332"/>
-          </a:xfrm>
-          <a:prstGeom prst="rect">
-            <a:avLst/>
-          </a:prstGeom>
-          <a:noFill/>
-        </p:spPr>
-        <p:txBody>
-          <a:bodyPr wrap="none" rtlCol="0">
-            <a:spAutoFit/>
-          </a:bodyPr>
-          <a:lstStyle/>
-          <a:p>
-            <a:pPr algn="ctr"/>
-            <a:r>
-              <a:rPr lang="ko-KR" altLang="en-US" spc="-150" dirty="0">
-                <a:solidFill>
-                  <a:srgbClr val="00002F"/>
-                </a:solidFill>
-                <a:latin typeface="나눔스퀘어 ExtraBold" panose="020B0600000101010101" pitchFamily="50" charset="-127"/>
-                <a:ea typeface="나눔스퀘어 ExtraBold" panose="020B0600000101010101" pitchFamily="50" charset="-127"/>
-              </a:rPr>
-              <a:t>내</a:t>
-            </a:r>
-            <a:r>
-              <a:rPr lang="en-US" altLang="ko-KR" spc="-150" dirty="0">
-                <a:solidFill>
-                  <a:srgbClr val="00002F"/>
-                </a:solidFill>
-                <a:latin typeface="나눔스퀘어 ExtraBold" panose="020B0600000101010101" pitchFamily="50" charset="-127"/>
-                <a:ea typeface="나눔스퀘어 ExtraBold" panose="020B0600000101010101" pitchFamily="50" charset="-127"/>
-              </a:rPr>
-              <a:t>/</a:t>
-            </a:r>
-            <a:r>
-              <a:rPr lang="ko-KR" altLang="en-US" spc="-150" dirty="0">
-                <a:solidFill>
-                  <a:srgbClr val="00002F"/>
-                </a:solidFill>
-                <a:latin typeface="나눔스퀘어 ExtraBold" panose="020B0600000101010101" pitchFamily="50" charset="-127"/>
-                <a:ea typeface="나눔스퀘어 ExtraBold" panose="020B0600000101010101" pitchFamily="50" charset="-127"/>
-              </a:rPr>
-              <a:t>외국인 비교</a:t>
-            </a:r>
-          </a:p>
-        </p:txBody>
-      </p:sp>
     </p:spTree>
     <p:extLst>
       <p:ext uri="{BB962C8B-B14F-4D97-AF65-F5344CB8AC3E}">
-        <p14:creationId xmlns:p14="http://schemas.microsoft.com/office/powerpoint/2010/main" val="3415853645"/>
+        <p14:creationId xmlns:p14="http://schemas.microsoft.com/office/powerpoint/2010/main" val="4281573521"/>
       </p:ext>
     </p:extLst>
   </p:cSld>
@@ -5991,8 +6067,8 @@
         </p:nvSpPr>
         <p:spPr>
           <a:xfrm>
-            <a:off x="1001272" y="2091297"/>
-            <a:ext cx="4331635" cy="1077218"/>
+            <a:off x="4472612" y="2091297"/>
+            <a:ext cx="2799164" cy="1077218"/>
           </a:xfrm>
           <a:prstGeom prst="rect">
             <a:avLst/>
@@ -6014,7 +6090,7 @@
                 <a:latin typeface="나눔스퀘어 ExtraBold" panose="020B0600000101010101" pitchFamily="50" charset="-127"/>
                 <a:ea typeface="나눔스퀘어 ExtraBold" panose="020B0600000101010101" pitchFamily="50" charset="-127"/>
               </a:rPr>
-              <a:t>제주도 방문 외국인 관광객</a:t>
+              <a:t>방문자 수</a:t>
             </a:r>
             <a:endParaRPr lang="en-US" altLang="ko-KR" sz="3200" spc="-150" dirty="0">
               <a:solidFill>
@@ -6027,24 +6103,34 @@
           <a:p>
             <a:pPr algn="ctr"/>
             <a:r>
-              <a:rPr lang="en-US" altLang="ko-KR" sz="3200" spc="-150" dirty="0">
+              <a:rPr lang="ko-KR" altLang="en-US" sz="3200" spc="-150" dirty="0">
                 <a:solidFill>
                   <a:srgbClr val="8DBABD"/>
                 </a:solidFill>
                 <a:latin typeface="나눔스퀘어 ExtraBold" panose="020B0600000101010101" pitchFamily="50" charset="-127"/>
                 <a:ea typeface="나눔스퀘어 ExtraBold" panose="020B0600000101010101" pitchFamily="50" charset="-127"/>
               </a:rPr>
-              <a:t>-&gt; </a:t>
-            </a:r>
-            <a:r>
-              <a:rPr lang="ko-KR" altLang="en-US" sz="3200" spc="-150" dirty="0">
+              <a:t>내국인</a:t>
+            </a:r>
+            <a:r>
+              <a:rPr lang="en-US" altLang="ko-KR" sz="3200" spc="-150" dirty="0">
                 <a:solidFill>
                   <a:srgbClr val="8DBABD"/>
                 </a:solidFill>
                 <a:latin typeface="나눔스퀘어 ExtraBold" panose="020B0600000101010101" pitchFamily="50" charset="-127"/>
                 <a:ea typeface="나눔스퀘어 ExtraBold" panose="020B0600000101010101" pitchFamily="50" charset="-127"/>
               </a:rPr>
-              <a:t>중국이 압도적</a:t>
+              <a:t>&gt;</a:t>
+            </a:r>
+            <a:r>
+              <a:rPr lang="ko-KR" altLang="en-US" sz="3200" spc="-150" dirty="0">
+                <a:solidFill>
+                  <a:srgbClr val="8DBABD"/>
+                </a:solidFill>
+                <a:latin typeface="나눔스퀘어 ExtraBold" panose="020B0600000101010101" pitchFamily="50" charset="-127"/>
+                <a:ea typeface="나눔스퀘어 ExtraBold" panose="020B0600000101010101" pitchFamily="50" charset="-127"/>
+              </a:rPr>
+              <a:t>외국인</a:t>
             </a:r>
           </a:p>
         </p:txBody>
@@ -6057,8 +6143,8 @@
         </p:nvSpPr>
         <p:spPr>
           <a:xfrm>
-            <a:off x="1065009" y="1006929"/>
-            <a:ext cx="2214068" cy="369332"/>
+            <a:off x="1110894" y="1006929"/>
+            <a:ext cx="1588897" cy="369332"/>
           </a:xfrm>
           <a:prstGeom prst="rect">
             <a:avLst/>
@@ -6080,7 +6166,27 @@
                 <a:latin typeface="나눔스퀘어 ExtraBold" panose="020B0600000101010101" pitchFamily="50" charset="-127"/>
                 <a:ea typeface="나눔스퀘어 ExtraBold" panose="020B0600000101010101" pitchFamily="50" charset="-127"/>
               </a:rPr>
-              <a:t>외국인 관광객 세분화</a:t>
+              <a:t>내</a:t>
+            </a:r>
+            <a:r>
+              <a:rPr lang="en-US" altLang="ko-KR" spc="-150" dirty="0">
+                <a:solidFill>
+                  <a:srgbClr val="00002F"/>
+                </a:solidFill>
+                <a:latin typeface="나눔스퀘어 ExtraBold" panose="020B0600000101010101" pitchFamily="50" charset="-127"/>
+                <a:ea typeface="나눔스퀘어 ExtraBold" panose="020B0600000101010101" pitchFamily="50" charset="-127"/>
+              </a:rPr>
+              <a:t>/</a:t>
+            </a:r>
+            <a:r>
+              <a:rPr lang="ko-KR" altLang="en-US" spc="-150" dirty="0">
+                <a:solidFill>
+                  <a:srgbClr val="00002F"/>
+                </a:solidFill>
+                <a:latin typeface="나눔스퀘어 ExtraBold" panose="020B0600000101010101" pitchFamily="50" charset="-127"/>
+                <a:ea typeface="나눔스퀘어 ExtraBold" panose="020B0600000101010101" pitchFamily="50" charset="-127"/>
+              </a:rPr>
+              <a:t>외국인 비교</a:t>
             </a:r>
           </a:p>
         </p:txBody>
@@ -6088,7 +6194,7 @@
     </p:spTree>
     <p:extLst>
       <p:ext uri="{BB962C8B-B14F-4D97-AF65-F5344CB8AC3E}">
-        <p14:creationId xmlns:p14="http://schemas.microsoft.com/office/powerpoint/2010/main" val="3338470855"/>
+        <p14:creationId xmlns:p14="http://schemas.microsoft.com/office/powerpoint/2010/main" val="3415853645"/>
       </p:ext>
     </p:extLst>
   </p:cSld>
@@ -6115,16 +6221,55 @@
           <a:chExt cx="0" cy="0"/>
         </a:xfrm>
       </p:grpSpPr>
+      <p:cxnSp>
+        <p:nvCxnSpPr>
+          <p:cNvPr id="4" name="직선 연결선 3"/>
+          <p:cNvCxnSpPr>
+            <a:cxnSpLocks/>
+          </p:cNvCxnSpPr>
+          <p:nvPr/>
+        </p:nvCxnSpPr>
+        <p:spPr>
+          <a:xfrm>
+            <a:off x="1242422" y="989148"/>
+            <a:ext cx="2618378" cy="0"/>
+          </a:xfrm>
+          <a:prstGeom prst="line">
+            <a:avLst/>
+          </a:prstGeom>
+          <a:ln>
+            <a:solidFill>
+              <a:schemeClr val="bg1">
+                <a:lumMod val="50000"/>
+              </a:schemeClr>
+            </a:solidFill>
+          </a:ln>
+        </p:spPr>
+        <p:style>
+          <a:lnRef idx="1">
+            <a:schemeClr val="accent1"/>
+          </a:lnRef>
+          <a:fillRef idx="0">
+            <a:schemeClr val="accent1"/>
+          </a:fillRef>
+          <a:effectRef idx="0">
+            <a:schemeClr val="accent1"/>
+          </a:effectRef>
+          <a:fontRef idx="minor">
+            <a:schemeClr val="tx1"/>
+          </a:fontRef>
+        </p:style>
+      </p:cxnSp>
       <p:sp>
         <p:nvSpPr>
-          <p:cNvPr id="2" name="TextBox 1"/>
+          <p:cNvPr id="5" name="TextBox 4"/>
           <p:cNvSpPr txBox="1"/>
           <p:nvPr/>
         </p:nvSpPr>
         <p:spPr>
           <a:xfrm>
-            <a:off x="4000500" y="2472873"/>
-            <a:ext cx="797013" cy="769441"/>
+            <a:off x="1028595" y="437393"/>
+            <a:ext cx="3047629" cy="584775"/>
           </a:xfrm>
           <a:prstGeom prst="rect">
             <a:avLst/>
@@ -6137,76 +6282,335 @@
           </a:bodyPr>
           <a:lstStyle/>
           <a:p>
-            <a:r>
-              <a:rPr lang="en-US" altLang="ko-KR" sz="4400" spc="-300" dirty="0">
+            <a:pPr algn="ctr"/>
+            <a:r>
+              <a:rPr lang="ko-KR" altLang="en-US" sz="3200" spc="-150" dirty="0">
                 <a:solidFill>
                   <a:srgbClr val="00002F"/>
                 </a:solidFill>
-                <a:latin typeface="나눔스퀘어 Bold" panose="020B0600000101010101" pitchFamily="50" charset="-127"/>
-                <a:ea typeface="나눔스퀘어 Bold" panose="020B0600000101010101" pitchFamily="50" charset="-127"/>
-              </a:rPr>
-              <a:t>02</a:t>
-            </a:r>
-            <a:endParaRPr lang="ko-KR" altLang="en-US" sz="4400" spc="-300" dirty="0">
-              <a:solidFill>
-                <a:srgbClr val="00002F"/>
-              </a:solidFill>
-              <a:latin typeface="나눔스퀘어 Bold" panose="020B0600000101010101" pitchFamily="50" charset="-127"/>
-              <a:ea typeface="나눔스퀘어 Bold" panose="020B0600000101010101" pitchFamily="50" charset="-127"/>
-            </a:endParaRPr>
+                <a:latin typeface="나눔스퀘어 ExtraBold" panose="020B0600000101010101" pitchFamily="50" charset="-127"/>
+                <a:ea typeface="나눔스퀘어 ExtraBold" panose="020B0600000101010101" pitchFamily="50" charset="-127"/>
+              </a:rPr>
+              <a:t>제주도 관광객수</a:t>
+            </a:r>
           </a:p>
         </p:txBody>
       </p:sp>
       <p:sp>
         <p:nvSpPr>
-          <p:cNvPr id="3" name="직사각형 2"/>
-          <p:cNvSpPr/>
+          <p:cNvPr id="12" name="TextBox 11"/>
+          <p:cNvSpPr txBox="1"/>
           <p:nvPr/>
         </p:nvSpPr>
         <p:spPr>
           <a:xfrm>
-            <a:off x="4000499" y="3169741"/>
-            <a:ext cx="4200071" cy="473345"/>
+            <a:off x="455532" y="498947"/>
+            <a:ext cx="614271" cy="461665"/>
           </a:xfrm>
           <a:prstGeom prst="rect">
             <a:avLst/>
           </a:prstGeom>
-          <a:solidFill>
-            <a:srgbClr val="8DBABD"/>
-          </a:solidFill>
-          <a:ln>
+          <a:noFill/>
+        </p:spPr>
+        <p:txBody>
+          <a:bodyPr wrap="none" rtlCol="0">
+            <a:spAutoFit/>
+          </a:bodyPr>
+          <a:lstStyle/>
+          <a:p>
+            <a:pPr algn="ctr"/>
+            <a:r>
+              <a:rPr lang="en-US" altLang="ko-KR" sz="2400" spc="-150" dirty="0">
+                <a:solidFill>
+                  <a:srgbClr val="00002F"/>
+                </a:solidFill>
+                <a:latin typeface="나눔스퀘어 ExtraBold" panose="020B0600000101010101" pitchFamily="50" charset="-127"/>
+                <a:ea typeface="나눔스퀘어 ExtraBold" panose="020B0600000101010101" pitchFamily="50" charset="-127"/>
+              </a:rPr>
+              <a:t>01.</a:t>
+            </a:r>
+            <a:endParaRPr lang="ko-KR" altLang="en-US" sz="2400" spc="-150" dirty="0">
+              <a:solidFill>
+                <a:srgbClr val="00002F"/>
+              </a:solidFill>
+              <a:latin typeface="나눔스퀘어 ExtraBold" panose="020B0600000101010101" pitchFamily="50" charset="-127"/>
+              <a:ea typeface="나눔스퀘어 ExtraBold" panose="020B0600000101010101" pitchFamily="50" charset="-127"/>
+            </a:endParaRPr>
+          </a:p>
+        </p:txBody>
+      </p:sp>
+      <p:cxnSp>
+        <p:nvCxnSpPr>
+          <p:cNvPr id="7" name="직선 연결선 6"/>
+          <p:cNvCxnSpPr/>
+          <p:nvPr/>
+        </p:nvCxnSpPr>
+        <p:spPr>
+          <a:xfrm>
+            <a:off x="10430892" y="144941"/>
+            <a:ext cx="360000" cy="0"/>
+          </a:xfrm>
+          <a:prstGeom prst="line">
+            <a:avLst/>
+          </a:prstGeom>
+          <a:ln w="44450" cap="rnd">
             <a:solidFill>
               <a:srgbClr val="8DBABD"/>
             </a:solidFill>
           </a:ln>
+          <a:effectLst>
+            <a:outerShdw blurRad="50800" dist="38100" dir="5400000" algn="t" rotWithShape="0">
+              <a:prstClr val="black">
+                <a:alpha val="40000"/>
+              </a:prstClr>
+            </a:outerShdw>
+          </a:effectLst>
         </p:spPr>
         <p:style>
-          <a:lnRef idx="2">
-            <a:schemeClr val="accent1">
-              <a:shade val="50000"/>
-            </a:schemeClr>
+          <a:lnRef idx="1">
+            <a:schemeClr val="accent1"/>
           </a:lnRef>
-          <a:fillRef idx="1">
+          <a:fillRef idx="0">
             <a:schemeClr val="accent1"/>
           </a:fillRef>
           <a:effectRef idx="0">
             <a:schemeClr val="accent1"/>
           </a:effectRef>
           <a:fontRef idx="minor">
-            <a:schemeClr val="lt1"/>
+            <a:schemeClr val="tx1"/>
           </a:fontRef>
         </p:style>
+      </p:cxnSp>
+      <p:cxnSp>
+        <p:nvCxnSpPr>
+          <p:cNvPr id="8" name="직선 연결선 7"/>
+          <p:cNvCxnSpPr/>
+          <p:nvPr/>
+        </p:nvCxnSpPr>
+        <p:spPr>
+          <a:xfrm>
+            <a:off x="10858459" y="144941"/>
+            <a:ext cx="360000" cy="0"/>
+          </a:xfrm>
+          <a:prstGeom prst="line">
+            <a:avLst/>
+          </a:prstGeom>
+          <a:ln w="44450" cap="rnd">
+            <a:solidFill>
+              <a:schemeClr val="bg2">
+                <a:lumMod val="90000"/>
+              </a:schemeClr>
+            </a:solidFill>
+          </a:ln>
+          <a:effectLst>
+            <a:outerShdw blurRad="50800" dist="38100" dir="5400000" algn="t" rotWithShape="0">
+              <a:prstClr val="black">
+                <a:alpha val="40000"/>
+              </a:prstClr>
+            </a:outerShdw>
+          </a:effectLst>
+        </p:spPr>
+        <p:style>
+          <a:lnRef idx="1">
+            <a:schemeClr val="accent1"/>
+          </a:lnRef>
+          <a:fillRef idx="0">
+            <a:schemeClr val="accent1"/>
+          </a:fillRef>
+          <a:effectRef idx="0">
+            <a:schemeClr val="accent1"/>
+          </a:effectRef>
+          <a:fontRef idx="minor">
+            <a:schemeClr val="tx1"/>
+          </a:fontRef>
+        </p:style>
+      </p:cxnSp>
+      <p:cxnSp>
+        <p:nvCxnSpPr>
+          <p:cNvPr id="9" name="직선 연결선 8"/>
+          <p:cNvCxnSpPr/>
+          <p:nvPr/>
+        </p:nvCxnSpPr>
+        <p:spPr>
+          <a:xfrm>
+            <a:off x="11286026" y="144941"/>
+            <a:ext cx="360000" cy="0"/>
+          </a:xfrm>
+          <a:prstGeom prst="line">
+            <a:avLst/>
+          </a:prstGeom>
+          <a:ln w="44450" cap="rnd">
+            <a:solidFill>
+              <a:schemeClr val="bg2">
+                <a:lumMod val="90000"/>
+              </a:schemeClr>
+            </a:solidFill>
+          </a:ln>
+          <a:effectLst>
+            <a:outerShdw blurRad="50800" dist="38100" dir="5400000" algn="t" rotWithShape="0">
+              <a:prstClr val="black">
+                <a:alpha val="40000"/>
+              </a:prstClr>
+            </a:outerShdw>
+          </a:effectLst>
+        </p:spPr>
+        <p:style>
+          <a:lnRef idx="1">
+            <a:schemeClr val="accent1"/>
+          </a:lnRef>
+          <a:fillRef idx="0">
+            <a:schemeClr val="accent1"/>
+          </a:fillRef>
+          <a:effectRef idx="0">
+            <a:schemeClr val="accent1"/>
+          </a:effectRef>
+          <a:fontRef idx="minor">
+            <a:schemeClr val="tx1"/>
+          </a:fontRef>
+        </p:style>
+      </p:cxnSp>
+      <p:cxnSp>
+        <p:nvCxnSpPr>
+          <p:cNvPr id="10" name="직선 연결선 9"/>
+          <p:cNvCxnSpPr/>
+          <p:nvPr/>
+        </p:nvCxnSpPr>
+        <p:spPr>
+          <a:xfrm>
+            <a:off x="11713592" y="144941"/>
+            <a:ext cx="360000" cy="0"/>
+          </a:xfrm>
+          <a:prstGeom prst="line">
+            <a:avLst/>
+          </a:prstGeom>
+          <a:ln w="44450" cap="rnd">
+            <a:solidFill>
+              <a:schemeClr val="bg2">
+                <a:lumMod val="90000"/>
+              </a:schemeClr>
+            </a:solidFill>
+          </a:ln>
+          <a:effectLst>
+            <a:outerShdw blurRad="50800" dist="38100" dir="5400000" algn="t" rotWithShape="0">
+              <a:prstClr val="black">
+                <a:alpha val="40000"/>
+              </a:prstClr>
+            </a:outerShdw>
+          </a:effectLst>
+        </p:spPr>
+        <p:style>
+          <a:lnRef idx="1">
+            <a:schemeClr val="accent1"/>
+          </a:lnRef>
+          <a:fillRef idx="0">
+            <a:schemeClr val="accent1"/>
+          </a:fillRef>
+          <a:effectRef idx="0">
+            <a:schemeClr val="accent1"/>
+          </a:effectRef>
+          <a:fontRef idx="minor">
+            <a:schemeClr val="tx1"/>
+          </a:fontRef>
+        </p:style>
+      </p:cxnSp>
+      <p:sp>
+        <p:nvSpPr>
+          <p:cNvPr id="11" name="TextBox 10"/>
+          <p:cNvSpPr txBox="1"/>
+          <p:nvPr/>
+        </p:nvSpPr>
+        <p:spPr>
+          <a:xfrm>
+            <a:off x="1001272" y="2091297"/>
+            <a:ext cx="4331635" cy="1077218"/>
+          </a:xfrm>
+          <a:prstGeom prst="rect">
+            <a:avLst/>
+          </a:prstGeom>
+          <a:noFill/>
+        </p:spPr>
         <p:txBody>
-          <a:bodyPr rtlCol="0" anchor="ctr"/>
+          <a:bodyPr wrap="none" rtlCol="0">
+            <a:spAutoFit/>
+          </a:bodyPr>
           <a:lstStyle/>
           <a:p>
             <a:pPr algn="ctr"/>
             <a:r>
-              <a:rPr lang="ko-KR" altLang="en-US" dirty="0">
-                <a:latin typeface="나눔스퀘어 Bold" panose="020B0600000101010101" pitchFamily="50" charset="-127"/>
-                <a:ea typeface="나눔스퀘어 Bold" panose="020B0600000101010101" pitchFamily="50" charset="-127"/>
-              </a:rPr>
-              <a:t>외부요인</a:t>
+              <a:rPr lang="ko-KR" altLang="en-US" sz="3200" spc="-150" dirty="0">
+                <a:solidFill>
+                  <a:srgbClr val="8DBABD"/>
+                </a:solidFill>
+                <a:latin typeface="나눔스퀘어 ExtraBold" panose="020B0600000101010101" pitchFamily="50" charset="-127"/>
+                <a:ea typeface="나눔스퀘어 ExtraBold" panose="020B0600000101010101" pitchFamily="50" charset="-127"/>
+              </a:rPr>
+              <a:t>제주도 방문 외국인 관광객</a:t>
+            </a:r>
+            <a:endParaRPr lang="en-US" altLang="ko-KR" sz="3200" spc="-150" dirty="0">
+              <a:solidFill>
+                <a:srgbClr val="8DBABD"/>
+              </a:solidFill>
+              <a:latin typeface="나눔스퀘어 ExtraBold" panose="020B0600000101010101" pitchFamily="50" charset="-127"/>
+              <a:ea typeface="나눔스퀘어 ExtraBold" panose="020B0600000101010101" pitchFamily="50" charset="-127"/>
+            </a:endParaRPr>
+          </a:p>
+          <a:p>
+            <a:pPr algn="ctr"/>
+            <a:r>
+              <a:rPr lang="en-US" altLang="ko-KR" sz="3200" spc="-150" dirty="0">
+                <a:solidFill>
+                  <a:srgbClr val="8DBABD"/>
+                </a:solidFill>
+                <a:latin typeface="나눔스퀘어 ExtraBold" panose="020B0600000101010101" pitchFamily="50" charset="-127"/>
+                <a:ea typeface="나눔스퀘어 ExtraBold" panose="020B0600000101010101" pitchFamily="50" charset="-127"/>
+              </a:rPr>
+              <a:t>-&gt; </a:t>
+            </a:r>
+            <a:r>
+              <a:rPr lang="ko-KR" altLang="en-US" sz="3200" spc="-150" dirty="0">
+                <a:solidFill>
+                  <a:srgbClr val="8DBABD"/>
+                </a:solidFill>
+                <a:latin typeface="나눔스퀘어 ExtraBold" panose="020B0600000101010101" pitchFamily="50" charset="-127"/>
+                <a:ea typeface="나눔스퀘어 ExtraBold" panose="020B0600000101010101" pitchFamily="50" charset="-127"/>
+              </a:rPr>
+              <a:t>중국이 압도적</a:t>
+            </a:r>
+          </a:p>
+        </p:txBody>
+      </p:sp>
+      <p:sp>
+        <p:nvSpPr>
+          <p:cNvPr id="13" name="TextBox 12"/>
+          <p:cNvSpPr txBox="1"/>
+          <p:nvPr/>
+        </p:nvSpPr>
+        <p:spPr>
+          <a:xfrm>
+            <a:off x="1065009" y="1006929"/>
+            <a:ext cx="2214068" cy="369332"/>
+          </a:xfrm>
+          <a:prstGeom prst="rect">
+            <a:avLst/>
+          </a:prstGeom>
+          <a:noFill/>
+        </p:spPr>
+        <p:txBody>
+          <a:bodyPr wrap="none" rtlCol="0">
+            <a:spAutoFit/>
+          </a:bodyPr>
+          <a:lstStyle/>
+          <a:p>
+            <a:pPr algn="ctr"/>
+            <a:r>
+              <a:rPr lang="ko-KR" altLang="en-US" spc="-150" dirty="0">
+                <a:solidFill>
+                  <a:srgbClr val="00002F"/>
+                </a:solidFill>
+                <a:latin typeface="나눔스퀘어 ExtraBold" panose="020B0600000101010101" pitchFamily="50" charset="-127"/>
+                <a:ea typeface="나눔스퀘어 ExtraBold" panose="020B0600000101010101" pitchFamily="50" charset="-127"/>
+              </a:rPr>
+              <a:t>외국인 관광객 세분화</a:t>
             </a:r>
           </a:p>
         </p:txBody>
@@ -6214,7 +6618,7 @@
     </p:spTree>
     <p:extLst>
       <p:ext uri="{BB962C8B-B14F-4D97-AF65-F5344CB8AC3E}">
-        <p14:creationId xmlns:p14="http://schemas.microsoft.com/office/powerpoint/2010/main" val="2963228856"/>
+        <p14:creationId xmlns:p14="http://schemas.microsoft.com/office/powerpoint/2010/main" val="3338470855"/>
       </p:ext>
     </p:extLst>
   </p:cSld>
@@ -6243,266 +6647,14 @@
       </p:grpSpPr>
       <p:sp>
         <p:nvSpPr>
-          <p:cNvPr id="11" name="TextBox 10"/>
+          <p:cNvPr id="2" name="TextBox 1"/>
           <p:cNvSpPr txBox="1"/>
           <p:nvPr/>
         </p:nvSpPr>
         <p:spPr>
           <a:xfrm>
-            <a:off x="2693979" y="2091297"/>
-            <a:ext cx="4799021" cy="584775"/>
-          </a:xfrm>
-          <a:prstGeom prst="rect">
-            <a:avLst/>
-          </a:prstGeom>
-          <a:noFill/>
-        </p:spPr>
-        <p:txBody>
-          <a:bodyPr wrap="square" rtlCol="0">
-            <a:spAutoFit/>
-          </a:bodyPr>
-          <a:lstStyle/>
-          <a:p>
-            <a:pPr algn="ctr"/>
-            <a:r>
-              <a:rPr lang="ko-KR" altLang="en-US" sz="3200" spc="-150">
-                <a:solidFill>
-                  <a:srgbClr val="8DBABD"/>
-                </a:solidFill>
-                <a:latin typeface="나눔스퀘어 ExtraBold" panose="020B0600000101010101" pitchFamily="50" charset="-127"/>
-                <a:ea typeface="나눔스퀘어 ExtraBold" panose="020B0600000101010101" pitchFamily="50" charset="-127"/>
-              </a:rPr>
-              <a:t>사드의 영향으로 큰 변화</a:t>
-            </a:r>
-            <a:endParaRPr lang="ko-KR" altLang="en-US" sz="3200" spc="-150" dirty="0">
-              <a:solidFill>
-                <a:srgbClr val="8DBABD"/>
-              </a:solidFill>
-              <a:latin typeface="나눔스퀘어 ExtraBold" panose="020B0600000101010101" pitchFamily="50" charset="-127"/>
-              <a:ea typeface="나눔스퀘어 ExtraBold" panose="020B0600000101010101" pitchFamily="50" charset="-127"/>
-            </a:endParaRPr>
-          </a:p>
-        </p:txBody>
-      </p:sp>
-      <p:cxnSp>
-        <p:nvCxnSpPr>
-          <p:cNvPr id="14" name="직선 연결선 13"/>
-          <p:cNvCxnSpPr/>
-          <p:nvPr/>
-        </p:nvCxnSpPr>
-        <p:spPr>
-          <a:xfrm>
-            <a:off x="10430892" y="144941"/>
-            <a:ext cx="360000" cy="0"/>
-          </a:xfrm>
-          <a:prstGeom prst="line">
-            <a:avLst/>
-          </a:prstGeom>
-          <a:ln w="44450" cap="rnd">
-            <a:solidFill>
-              <a:srgbClr val="D0CECE"/>
-            </a:solidFill>
-          </a:ln>
-          <a:effectLst>
-            <a:outerShdw blurRad="50800" dist="38100" dir="5400000" algn="t" rotWithShape="0">
-              <a:prstClr val="black">
-                <a:alpha val="40000"/>
-              </a:prstClr>
-            </a:outerShdw>
-          </a:effectLst>
-        </p:spPr>
-        <p:style>
-          <a:lnRef idx="1">
-            <a:schemeClr val="accent1"/>
-          </a:lnRef>
-          <a:fillRef idx="0">
-            <a:schemeClr val="accent1"/>
-          </a:fillRef>
-          <a:effectRef idx="0">
-            <a:schemeClr val="accent1"/>
-          </a:effectRef>
-          <a:fontRef idx="minor">
-            <a:schemeClr val="tx1"/>
-          </a:fontRef>
-        </p:style>
-      </p:cxnSp>
-      <p:cxnSp>
-        <p:nvCxnSpPr>
-          <p:cNvPr id="15" name="직선 연결선 14"/>
-          <p:cNvCxnSpPr/>
-          <p:nvPr/>
-        </p:nvCxnSpPr>
-        <p:spPr>
-          <a:xfrm>
-            <a:off x="10858459" y="144941"/>
-            <a:ext cx="360000" cy="0"/>
-          </a:xfrm>
-          <a:prstGeom prst="line">
-            <a:avLst/>
-          </a:prstGeom>
-          <a:ln w="44450" cap="rnd">
-            <a:solidFill>
-              <a:srgbClr val="8DBABD"/>
-            </a:solidFill>
-          </a:ln>
-          <a:effectLst>
-            <a:outerShdw blurRad="50800" dist="38100" dir="5400000" algn="t" rotWithShape="0">
-              <a:prstClr val="black">
-                <a:alpha val="40000"/>
-              </a:prstClr>
-            </a:outerShdw>
-          </a:effectLst>
-        </p:spPr>
-        <p:style>
-          <a:lnRef idx="1">
-            <a:schemeClr val="accent1"/>
-          </a:lnRef>
-          <a:fillRef idx="0">
-            <a:schemeClr val="accent1"/>
-          </a:fillRef>
-          <a:effectRef idx="0">
-            <a:schemeClr val="accent1"/>
-          </a:effectRef>
-          <a:fontRef idx="minor">
-            <a:schemeClr val="tx1"/>
-          </a:fontRef>
-        </p:style>
-      </p:cxnSp>
-      <p:cxnSp>
-        <p:nvCxnSpPr>
-          <p:cNvPr id="16" name="직선 연결선 15"/>
-          <p:cNvCxnSpPr/>
-          <p:nvPr/>
-        </p:nvCxnSpPr>
-        <p:spPr>
-          <a:xfrm>
-            <a:off x="11286026" y="144941"/>
-            <a:ext cx="360000" cy="0"/>
-          </a:xfrm>
-          <a:prstGeom prst="line">
-            <a:avLst/>
-          </a:prstGeom>
-          <a:ln w="44450" cap="rnd">
-            <a:solidFill>
-              <a:schemeClr val="bg2">
-                <a:lumMod val="90000"/>
-              </a:schemeClr>
-            </a:solidFill>
-          </a:ln>
-          <a:effectLst>
-            <a:outerShdw blurRad="50800" dist="38100" dir="5400000" algn="t" rotWithShape="0">
-              <a:prstClr val="black">
-                <a:alpha val="40000"/>
-              </a:prstClr>
-            </a:outerShdw>
-          </a:effectLst>
-        </p:spPr>
-        <p:style>
-          <a:lnRef idx="1">
-            <a:schemeClr val="accent1"/>
-          </a:lnRef>
-          <a:fillRef idx="0">
-            <a:schemeClr val="accent1"/>
-          </a:fillRef>
-          <a:effectRef idx="0">
-            <a:schemeClr val="accent1"/>
-          </a:effectRef>
-          <a:fontRef idx="minor">
-            <a:schemeClr val="tx1"/>
-          </a:fontRef>
-        </p:style>
-      </p:cxnSp>
-      <p:cxnSp>
-        <p:nvCxnSpPr>
-          <p:cNvPr id="17" name="직선 연결선 16"/>
-          <p:cNvCxnSpPr/>
-          <p:nvPr/>
-        </p:nvCxnSpPr>
-        <p:spPr>
-          <a:xfrm>
-            <a:off x="11713592" y="144941"/>
-            <a:ext cx="360000" cy="0"/>
-          </a:xfrm>
-          <a:prstGeom prst="line">
-            <a:avLst/>
-          </a:prstGeom>
-          <a:ln w="44450" cap="rnd">
-            <a:solidFill>
-              <a:schemeClr val="bg2">
-                <a:lumMod val="90000"/>
-              </a:schemeClr>
-            </a:solidFill>
-          </a:ln>
-          <a:effectLst>
-            <a:outerShdw blurRad="50800" dist="38100" dir="5400000" algn="t" rotWithShape="0">
-              <a:prstClr val="black">
-                <a:alpha val="40000"/>
-              </a:prstClr>
-            </a:outerShdw>
-          </a:effectLst>
-        </p:spPr>
-        <p:style>
-          <a:lnRef idx="1">
-            <a:schemeClr val="accent1"/>
-          </a:lnRef>
-          <a:fillRef idx="0">
-            <a:schemeClr val="accent1"/>
-          </a:fillRef>
-          <a:effectRef idx="0">
-            <a:schemeClr val="accent1"/>
-          </a:effectRef>
-          <a:fontRef idx="minor">
-            <a:schemeClr val="tx1"/>
-          </a:fontRef>
-        </p:style>
-      </p:cxnSp>
-      <p:cxnSp>
-        <p:nvCxnSpPr>
-          <p:cNvPr id="18" name="직선 연결선 17"/>
-          <p:cNvCxnSpPr/>
-          <p:nvPr/>
-        </p:nvCxnSpPr>
-        <p:spPr>
-          <a:xfrm>
-            <a:off x="1026522" y="989148"/>
-            <a:ext cx="2160000" cy="0"/>
-          </a:xfrm>
-          <a:prstGeom prst="line">
-            <a:avLst/>
-          </a:prstGeom>
-          <a:ln>
-            <a:solidFill>
-              <a:schemeClr val="bg1">
-                <a:lumMod val="50000"/>
-              </a:schemeClr>
-            </a:solidFill>
-          </a:ln>
-        </p:spPr>
-        <p:style>
-          <a:lnRef idx="1">
-            <a:schemeClr val="accent1"/>
-          </a:lnRef>
-          <a:fillRef idx="0">
-            <a:schemeClr val="accent1"/>
-          </a:fillRef>
-          <a:effectRef idx="0">
-            <a:schemeClr val="accent1"/>
-          </a:effectRef>
-          <a:fontRef idx="minor">
-            <a:schemeClr val="tx1"/>
-          </a:fontRef>
-        </p:style>
-      </p:cxnSp>
-      <p:sp>
-        <p:nvSpPr>
-          <p:cNvPr id="19" name="TextBox 18"/>
-          <p:cNvSpPr txBox="1"/>
-          <p:nvPr/>
-        </p:nvSpPr>
-        <p:spPr>
-          <a:xfrm>
-            <a:off x="1233310" y="437393"/>
-            <a:ext cx="1749197" cy="584775"/>
+            <a:off x="4000500" y="2472873"/>
+            <a:ext cx="797013" cy="769441"/>
           </a:xfrm>
           <a:prstGeom prst="rect">
             <a:avLst/>
@@ -6515,95 +6667,76 @@
           </a:bodyPr>
           <a:lstStyle/>
           <a:p>
-            <a:pPr algn="ctr"/>
-            <a:r>
-              <a:rPr lang="ko-KR" altLang="en-US" sz="3200" spc="-150" dirty="0">
+            <a:r>
+              <a:rPr lang="en-US" altLang="ko-KR" sz="4400" spc="-300" dirty="0">
                 <a:solidFill>
                   <a:srgbClr val="00002F"/>
                 </a:solidFill>
-                <a:latin typeface="나눔스퀘어 ExtraBold" panose="020B0600000101010101" pitchFamily="50" charset="-127"/>
-                <a:ea typeface="나눔스퀘어 ExtraBold" panose="020B0600000101010101" pitchFamily="50" charset="-127"/>
-              </a:rPr>
-              <a:t>외부요인</a:t>
-            </a:r>
+                <a:latin typeface="나눔스퀘어 Bold" panose="020B0600000101010101" pitchFamily="50" charset="-127"/>
+                <a:ea typeface="나눔스퀘어 Bold" panose="020B0600000101010101" pitchFamily="50" charset="-127"/>
+              </a:rPr>
+              <a:t>02</a:t>
+            </a:r>
+            <a:endParaRPr lang="ko-KR" altLang="en-US" sz="4400" spc="-300" dirty="0">
+              <a:solidFill>
+                <a:srgbClr val="00002F"/>
+              </a:solidFill>
+              <a:latin typeface="나눔스퀘어 Bold" panose="020B0600000101010101" pitchFamily="50" charset="-127"/>
+              <a:ea typeface="나눔스퀘어 Bold" panose="020B0600000101010101" pitchFamily="50" charset="-127"/>
+            </a:endParaRPr>
           </a:p>
         </p:txBody>
       </p:sp>
       <p:sp>
         <p:nvSpPr>
-          <p:cNvPr id="20" name="TextBox 19"/>
-          <p:cNvSpPr txBox="1"/>
+          <p:cNvPr id="3" name="직사각형 2"/>
+          <p:cNvSpPr/>
           <p:nvPr/>
         </p:nvSpPr>
         <p:spPr>
           <a:xfrm>
-            <a:off x="455532" y="498947"/>
-            <a:ext cx="614271" cy="461665"/>
+            <a:off x="4000499" y="3169741"/>
+            <a:ext cx="4200071" cy="473345"/>
           </a:xfrm>
           <a:prstGeom prst="rect">
             <a:avLst/>
           </a:prstGeom>
-          <a:noFill/>
-        </p:spPr>
+          <a:solidFill>
+            <a:srgbClr val="8DBABD"/>
+          </a:solidFill>
+          <a:ln>
+            <a:solidFill>
+              <a:srgbClr val="8DBABD"/>
+            </a:solidFill>
+          </a:ln>
+        </p:spPr>
+        <p:style>
+          <a:lnRef idx="2">
+            <a:schemeClr val="accent1">
+              <a:shade val="50000"/>
+            </a:schemeClr>
+          </a:lnRef>
+          <a:fillRef idx="1">
+            <a:schemeClr val="accent1"/>
+          </a:fillRef>
+          <a:effectRef idx="0">
+            <a:schemeClr val="accent1"/>
+          </a:effectRef>
+          <a:fontRef idx="minor">
+            <a:schemeClr val="lt1"/>
+          </a:fontRef>
+        </p:style>
         <p:txBody>
-          <a:bodyPr wrap="none" rtlCol="0">
-            <a:spAutoFit/>
-          </a:bodyPr>
+          <a:bodyPr rtlCol="0" anchor="ctr"/>
           <a:lstStyle/>
           <a:p>
             <a:pPr algn="ctr"/>
             <a:r>
-              <a:rPr lang="en-US" altLang="ko-KR" sz="2400" spc="-150" dirty="0">
-                <a:solidFill>
-                  <a:srgbClr val="00002F"/>
-                </a:solidFill>
-                <a:latin typeface="나눔스퀘어 ExtraBold" panose="020B0600000101010101" pitchFamily="50" charset="-127"/>
-                <a:ea typeface="나눔스퀘어 ExtraBold" panose="020B0600000101010101" pitchFamily="50" charset="-127"/>
-              </a:rPr>
-              <a:t>02.</a:t>
-            </a:r>
-            <a:endParaRPr lang="ko-KR" altLang="en-US" sz="2400" spc="-150" dirty="0">
-              <a:solidFill>
-                <a:srgbClr val="00002F"/>
-              </a:solidFill>
-              <a:latin typeface="나눔스퀘어 ExtraBold" panose="020B0600000101010101" pitchFamily="50" charset="-127"/>
-              <a:ea typeface="나눔스퀘어 ExtraBold" panose="020B0600000101010101" pitchFamily="50" charset="-127"/>
-            </a:endParaRPr>
-          </a:p>
-        </p:txBody>
-      </p:sp>
-      <p:sp>
-        <p:nvSpPr>
-          <p:cNvPr id="21" name="TextBox 20"/>
-          <p:cNvSpPr txBox="1"/>
-          <p:nvPr/>
-        </p:nvSpPr>
-        <p:spPr>
-          <a:xfrm>
-            <a:off x="1043807" y="1006929"/>
-            <a:ext cx="2002472" cy="369332"/>
-          </a:xfrm>
-          <a:prstGeom prst="rect">
-            <a:avLst/>
-          </a:prstGeom>
-          <a:noFill/>
-        </p:spPr>
-        <p:txBody>
-          <a:bodyPr wrap="none" rtlCol="0">
-            <a:spAutoFit/>
-          </a:bodyPr>
-          <a:lstStyle/>
-          <a:p>
-            <a:pPr algn="ctr"/>
-            <a:r>
-              <a:rPr lang="ko-KR" altLang="en-US" spc="-150" dirty="0">
-                <a:solidFill>
-                  <a:srgbClr val="00002F"/>
-                </a:solidFill>
-                <a:latin typeface="나눔스퀘어 ExtraBold" panose="020B0600000101010101" pitchFamily="50" charset="-127"/>
-                <a:ea typeface="나눔스퀘어 ExtraBold" panose="020B0600000101010101" pitchFamily="50" charset="-127"/>
-              </a:rPr>
-              <a:t>외국인 관광객 영향</a:t>
+              <a:rPr lang="ko-KR" altLang="en-US" dirty="0">
+                <a:latin typeface="나눔스퀘어 Bold" panose="020B0600000101010101" pitchFamily="50" charset="-127"/>
+                <a:ea typeface="나눔스퀘어 Bold" panose="020B0600000101010101" pitchFamily="50" charset="-127"/>
+              </a:rPr>
+              <a:t>외부요인</a:t>
             </a:r>
           </a:p>
         </p:txBody>
@@ -6611,7 +6744,7 @@
     </p:spTree>
     <p:extLst>
       <p:ext uri="{BB962C8B-B14F-4D97-AF65-F5344CB8AC3E}">
-        <p14:creationId xmlns:p14="http://schemas.microsoft.com/office/powerpoint/2010/main" val="2825203591"/>
+        <p14:creationId xmlns:p14="http://schemas.microsoft.com/office/powerpoint/2010/main" val="2963228856"/>
       </p:ext>
     </p:extLst>
   </p:cSld>
@@ -6646,8 +6779,8 @@
         </p:nvSpPr>
         <p:spPr>
           <a:xfrm>
-            <a:off x="756015" y="2091297"/>
-            <a:ext cx="4822154" cy="1077218"/>
+            <a:off x="2693979" y="2091297"/>
+            <a:ext cx="4799021" cy="584775"/>
           </a:xfrm>
           <a:prstGeom prst="rect">
             <a:avLst/>
@@ -6655,82 +6788,29 @@
           <a:noFill/>
         </p:spPr>
         <p:txBody>
-          <a:bodyPr wrap="none" rtlCol="0">
+          <a:bodyPr wrap="square" rtlCol="0">
             <a:spAutoFit/>
           </a:bodyPr>
           <a:lstStyle/>
           <a:p>
             <a:pPr algn="ctr"/>
             <a:r>
-              <a:rPr lang="en-US" altLang="ko-KR" sz="3200" spc="-150" dirty="0">
+              <a:rPr lang="ko-KR" altLang="en-US" sz="3200" spc="-150">
                 <a:solidFill>
                   <a:srgbClr val="8DBABD"/>
                 </a:solidFill>
                 <a:latin typeface="나눔스퀘어 ExtraBold" panose="020B0600000101010101" pitchFamily="50" charset="-127"/>
                 <a:ea typeface="나눔스퀘어 ExtraBold" panose="020B0600000101010101" pitchFamily="50" charset="-127"/>
               </a:rPr>
-              <a:t>GNI(</a:t>
-            </a:r>
-            <a:r>
-              <a:rPr lang="ko-KR" altLang="en-US" sz="3200" spc="-150" dirty="0">
-                <a:solidFill>
-                  <a:srgbClr val="8DBABD"/>
-                </a:solidFill>
-                <a:latin typeface="나눔스퀘어 ExtraBold" panose="020B0600000101010101" pitchFamily="50" charset="-127"/>
-                <a:ea typeface="나눔스퀘어 ExtraBold" panose="020B0600000101010101" pitchFamily="50" charset="-127"/>
-              </a:rPr>
-              <a:t>국내총소득</a:t>
-            </a:r>
-            <a:r>
-              <a:rPr lang="en-US" altLang="ko-KR" sz="3200" spc="-150" dirty="0">
-                <a:solidFill>
-                  <a:srgbClr val="8DBABD"/>
-                </a:solidFill>
-                <a:latin typeface="나눔스퀘어 ExtraBold" panose="020B0600000101010101" pitchFamily="50" charset="-127"/>
-                <a:ea typeface="나눔스퀘어 ExtraBold" panose="020B0600000101010101" pitchFamily="50" charset="-127"/>
-              </a:rPr>
-              <a:t>)</a:t>
-            </a:r>
-            <a:r>
-              <a:rPr lang="ko-KR" altLang="en-US" sz="3200" spc="-150" dirty="0">
-                <a:solidFill>
-                  <a:srgbClr val="8DBABD"/>
-                </a:solidFill>
-                <a:latin typeface="나눔스퀘어 ExtraBold" panose="020B0600000101010101" pitchFamily="50" charset="-127"/>
-                <a:ea typeface="나눔스퀘어 ExtraBold" panose="020B0600000101010101" pitchFamily="50" charset="-127"/>
-              </a:rPr>
-              <a:t>과 비교 시</a:t>
-            </a:r>
-            <a:endParaRPr lang="en-US" altLang="ko-KR" sz="3200" spc="-150" dirty="0">
+              <a:t>사드의 영향으로 큰 변화</a:t>
+            </a:r>
+            <a:endParaRPr lang="ko-KR" altLang="en-US" sz="3200" spc="-150" dirty="0">
               <a:solidFill>
                 <a:srgbClr val="8DBABD"/>
               </a:solidFill>
               <a:latin typeface="나눔스퀘어 ExtraBold" panose="020B0600000101010101" pitchFamily="50" charset="-127"/>
               <a:ea typeface="나눔스퀘어 ExtraBold" panose="020B0600000101010101" pitchFamily="50" charset="-127"/>
             </a:endParaRPr>
-          </a:p>
-          <a:p>
-            <a:pPr algn="ctr"/>
-            <a:r>
-              <a:rPr lang="ko-KR" altLang="en-US" sz="3200" spc="-150" dirty="0">
-                <a:solidFill>
-                  <a:srgbClr val="8DBABD"/>
-                </a:solidFill>
-                <a:latin typeface="나눔스퀘어 ExtraBold" panose="020B0600000101010101" pitchFamily="50" charset="-127"/>
-                <a:ea typeface="나눔스퀘어 ExtraBold" panose="020B0600000101010101" pitchFamily="50" charset="-127"/>
-              </a:rPr>
-              <a:t>상관관계 없음 </a:t>
-            </a:r>
-            <a:r>
-              <a:rPr lang="en-US" altLang="ko-KR" sz="3200" spc="-150" dirty="0">
-                <a:solidFill>
-                  <a:srgbClr val="8DBABD"/>
-                </a:solidFill>
-                <a:latin typeface="나눔스퀘어 ExtraBold" panose="020B0600000101010101" pitchFamily="50" charset="-127"/>
-                <a:ea typeface="나눔스퀘어 ExtraBold" panose="020B0600000101010101" pitchFamily="50" charset="-127"/>
-              </a:rPr>
-              <a:t>0.3xxxx</a:t>
-            </a:r>
           </a:p>
         </p:txBody>
       </p:sp>
@@ -6967,7 +7047,7 @@
           <a:p>
             <a:pPr algn="ctr"/>
             <a:r>
-              <a:rPr lang="ko-KR" altLang="en-US" sz="3200" spc="-150">
+              <a:rPr lang="ko-KR" altLang="en-US" sz="3200" spc="-150" dirty="0">
                 <a:solidFill>
                   <a:srgbClr val="00002F"/>
                 </a:solidFill>
@@ -6976,13 +7056,6 @@
               </a:rPr>
               <a:t>외부요인</a:t>
             </a:r>
-            <a:endParaRPr lang="ko-KR" altLang="en-US" sz="3200" spc="-150" dirty="0">
-              <a:solidFill>
-                <a:srgbClr val="00002F"/>
-              </a:solidFill>
-              <a:latin typeface="나눔스퀘어 ExtraBold" panose="020B0600000101010101" pitchFamily="50" charset="-127"/>
-              <a:ea typeface="나눔스퀘어 ExtraBold" panose="020B0600000101010101" pitchFamily="50" charset="-127"/>
-            </a:endParaRPr>
           </a:p>
         </p:txBody>
       </p:sp>
@@ -7060,51 +7133,15 @@
                 <a:latin typeface="나눔스퀘어 ExtraBold" panose="020B0600000101010101" pitchFamily="50" charset="-127"/>
                 <a:ea typeface="나눔스퀘어 ExtraBold" panose="020B0600000101010101" pitchFamily="50" charset="-127"/>
               </a:rPr>
-              <a:t>내국인 관광객 요인</a:t>
+              <a:t>외국인 관광객 영향</a:t>
             </a:r>
           </a:p>
         </p:txBody>
       </p:sp>
-      <p:pic>
-        <p:nvPicPr>
-          <p:cNvPr id="12" name="그림 11">
-            <a:extLst>
-              <a:ext uri="{FF2B5EF4-FFF2-40B4-BE49-F238E27FC236}">
-                <a16:creationId xmlns:a16="http://schemas.microsoft.com/office/drawing/2014/main" id="{81F3AF4D-A2E4-4211-88F7-E1D880317713}"/>
-              </a:ext>
-            </a:extLst>
-          </p:cNvPr>
-          <p:cNvPicPr>
-            <a:picLocks noChangeAspect="1"/>
-          </p:cNvPicPr>
-          <p:nvPr/>
-        </p:nvPicPr>
-        <p:blipFill>
-          <a:blip r:embed="rId2">
-            <a:extLst>
-              <a:ext uri="{28A0092B-C50C-407E-A947-70E740481C1C}">
-                <a14:useLocalDpi xmlns:a14="http://schemas.microsoft.com/office/drawing/2010/main" val="0"/>
-              </a:ext>
-            </a:extLst>
-          </a:blip>
-          <a:stretch>
-            <a:fillRect/>
-          </a:stretch>
-        </p:blipFill>
-        <p:spPr>
-          <a:xfrm>
-            <a:off x="5492063" y="956917"/>
-            <a:ext cx="5201376" cy="4944165"/>
-          </a:xfrm>
-          <a:prstGeom prst="rect">
-            <a:avLst/>
-          </a:prstGeom>
-        </p:spPr>
-      </p:pic>
     </p:spTree>
     <p:extLst>
       <p:ext uri="{BB962C8B-B14F-4D97-AF65-F5344CB8AC3E}">
-        <p14:creationId xmlns:p14="http://schemas.microsoft.com/office/powerpoint/2010/main" val="2356050672"/>
+        <p14:creationId xmlns:p14="http://schemas.microsoft.com/office/powerpoint/2010/main" val="2825203591"/>
       </p:ext>
     </p:extLst>
   </p:cSld>

--- a/6조_외부환경영향.pptx
+++ b/6조_외부환경영향.pptx
@@ -145,6 +145,5494 @@
     </p:ext>
   </p:extLst>
 </p:presentation>
+</file>
+
+<file path=ppt/charts/chart1.xml><?xml version="1.0" encoding="utf-8"?>
+<c:chartSpace xmlns:c="http://schemas.openxmlformats.org/drawingml/2006/chart" xmlns:a="http://schemas.openxmlformats.org/drawingml/2006/main" xmlns:r="http://schemas.openxmlformats.org/officeDocument/2006/relationships" xmlns:c16r2="http://schemas.microsoft.com/office/drawing/2015/06/chart">
+  <c:date1904 val="0"/>
+  <c:lang val="ko-KR"/>
+  <c:roundedCorners val="0"/>
+  <mc:AlternateContent xmlns:mc="http://schemas.openxmlformats.org/markup-compatibility/2006">
+    <mc:Choice xmlns:c14="http://schemas.microsoft.com/office/drawing/2007/8/2/chart" Requires="c14">
+      <c14:style val="102"/>
+    </mc:Choice>
+    <mc:Fallback>
+      <c:style val="2"/>
+    </mc:Fallback>
+  </mc:AlternateContent>
+  <c:chart>
+    <c:title>
+      <c:tx>
+        <c:rich>
+          <a:bodyPr rot="0" spcFirstLastPara="1" vertOverflow="ellipsis" vert="horz" wrap="square" anchor="ctr" anchorCtr="1"/>
+          <a:lstStyle/>
+          <a:p>
+            <a:pPr>
+              <a:defRPr sz="1800" b="1" i="0" u="none" strike="noStrike" kern="1200" baseline="0">
+                <a:solidFill>
+                  <a:schemeClr val="dk1">
+                    <a:lumMod val="65000"/>
+                    <a:lumOff val="35000"/>
+                  </a:schemeClr>
+                </a:solidFill>
+                <a:latin typeface="+mn-lt"/>
+                <a:ea typeface="+mn-ea"/>
+                <a:cs typeface="+mn-cs"/>
+              </a:defRPr>
+            </a:pPr>
+            <a:r>
+              <a:rPr lang="en-US" altLang="ko-KR" sz="1600"/>
+              <a:t>2015</a:t>
+            </a:r>
+            <a:r>
+              <a:rPr lang="ko-KR" altLang="en-US" sz="1600"/>
+              <a:t>년</a:t>
+            </a:r>
+          </a:p>
+        </c:rich>
+      </c:tx>
+      <c:layout>
+        <c:manualLayout>
+          <c:xMode val="edge"/>
+          <c:yMode val="edge"/>
+          <c:x val="0.38557906433922462"/>
+          <c:y val="2.7777777777777776E-2"/>
+        </c:manualLayout>
+      </c:layout>
+      <c:overlay val="0"/>
+      <c:spPr>
+        <a:noFill/>
+        <a:ln>
+          <a:noFill/>
+        </a:ln>
+        <a:effectLst/>
+      </c:spPr>
+      <c:txPr>
+        <a:bodyPr rot="0" spcFirstLastPara="1" vertOverflow="ellipsis" vert="horz" wrap="square" anchor="ctr" anchorCtr="1"/>
+        <a:lstStyle/>
+        <a:p>
+          <a:pPr>
+            <a:defRPr sz="1800" b="1" i="0" u="none" strike="noStrike" kern="1200" baseline="0">
+              <a:solidFill>
+                <a:schemeClr val="dk1">
+                  <a:lumMod val="65000"/>
+                  <a:lumOff val="35000"/>
+                </a:schemeClr>
+              </a:solidFill>
+              <a:latin typeface="+mn-lt"/>
+              <a:ea typeface="+mn-ea"/>
+              <a:cs typeface="+mn-cs"/>
+            </a:defRPr>
+          </a:pPr>
+          <a:endParaRPr lang="ko-KR"/>
+        </a:p>
+      </c:txPr>
+    </c:title>
+    <c:autoTitleDeleted val="0"/>
+    <c:plotArea>
+      <c:layout/>
+      <c:pieChart>
+        <c:varyColors val="1"/>
+        <c:ser>
+          <c:idx val="0"/>
+          <c:order val="0"/>
+          <c:spPr>
+            <a:solidFill>
+              <a:srgbClr val="FF0000"/>
+            </a:solidFill>
+          </c:spPr>
+          <c:dPt>
+            <c:idx val="0"/>
+            <c:bubble3D val="0"/>
+            <c:spPr>
+              <a:solidFill>
+                <a:srgbClr val="F26464"/>
+              </a:solidFill>
+              <a:ln>
+                <a:noFill/>
+              </a:ln>
+              <a:effectLst>
+                <a:outerShdw blurRad="317500" algn="ctr" rotWithShape="0">
+                  <a:prstClr val="black">
+                    <a:alpha val="25000"/>
+                  </a:prstClr>
+                </a:outerShdw>
+              </a:effectLst>
+            </c:spPr>
+            <c:extLst>
+              <c:ext xmlns:c16="http://schemas.microsoft.com/office/drawing/2014/chart" uri="{C3380CC4-5D6E-409C-BE32-E72D297353CC}">
+                <c16:uniqueId val="{00000001-0B09-4138-A841-45F1BF33B1E0}"/>
+              </c:ext>
+            </c:extLst>
+          </c:dPt>
+          <c:dPt>
+            <c:idx val="1"/>
+            <c:bubble3D val="0"/>
+            <c:spPr>
+              <a:solidFill>
+                <a:schemeClr val="bg2">
+                  <a:lumMod val="75000"/>
+                </a:schemeClr>
+              </a:solidFill>
+              <a:ln>
+                <a:noFill/>
+              </a:ln>
+              <a:effectLst>
+                <a:outerShdw blurRad="317500" algn="ctr" rotWithShape="0">
+                  <a:prstClr val="black">
+                    <a:alpha val="25000"/>
+                  </a:prstClr>
+                </a:outerShdw>
+              </a:effectLst>
+            </c:spPr>
+            <c:extLst>
+              <c:ext xmlns:c16="http://schemas.microsoft.com/office/drawing/2014/chart" uri="{C3380CC4-5D6E-409C-BE32-E72D297353CC}">
+                <c16:uniqueId val="{00000003-0B09-4138-A841-45F1BF33B1E0}"/>
+              </c:ext>
+            </c:extLst>
+          </c:dPt>
+          <c:dLbls>
+            <c:spPr>
+              <a:noFill/>
+              <a:ln>
+                <a:noFill/>
+              </a:ln>
+              <a:effectLst/>
+            </c:spPr>
+            <c:txPr>
+              <a:bodyPr rot="0" spcFirstLastPara="1" vertOverflow="ellipsis" vert="horz" wrap="square" lIns="38100" tIns="19050" rIns="38100" bIns="19050" anchor="ctr" anchorCtr="1">
+                <a:spAutoFit/>
+              </a:bodyPr>
+              <a:lstStyle/>
+              <a:p>
+                <a:pPr>
+                  <a:defRPr sz="900" b="1" i="0" u="none" strike="noStrike" kern="1200" baseline="0">
+                    <a:solidFill>
+                      <a:schemeClr val="lt1"/>
+                    </a:solidFill>
+                    <a:latin typeface="+mn-lt"/>
+                    <a:ea typeface="+mn-ea"/>
+                    <a:cs typeface="+mn-cs"/>
+                  </a:defRPr>
+                </a:pPr>
+                <a:endParaRPr lang="ko-KR"/>
+              </a:p>
+            </c:txPr>
+            <c:dLblPos val="inEnd"/>
+            <c:showLegendKey val="0"/>
+            <c:showVal val="0"/>
+            <c:showCatName val="0"/>
+            <c:showSerName val="0"/>
+            <c:showPercent val="1"/>
+            <c:showBubbleSize val="0"/>
+            <c:showLeaderLines val="1"/>
+            <c:leaderLines>
+              <c:spPr>
+                <a:ln w="9525" cap="flat" cmpd="sng" algn="ctr">
+                  <a:solidFill>
+                    <a:schemeClr val="dk1">
+                      <a:lumMod val="35000"/>
+                      <a:lumOff val="65000"/>
+                    </a:schemeClr>
+                  </a:solidFill>
+                  <a:round/>
+                </a:ln>
+                <a:effectLst/>
+              </c:spPr>
+            </c:leaderLines>
+            <c:extLst>
+              <c:ext xmlns:c15="http://schemas.microsoft.com/office/drawing/2012/chart" uri="{CE6537A1-D6FC-4f65-9D91-7224C49458BB}"/>
+            </c:extLst>
+          </c:dLbls>
+          <c:cat>
+            <c:strRef>
+              <c:f>Sheet2!$B$1:$C$1</c:f>
+              <c:strCache>
+                <c:ptCount val="2"/>
+                <c:pt idx="0">
+                  <c:v>중국</c:v>
+                </c:pt>
+                <c:pt idx="1">
+                  <c:v>중국 외 국가</c:v>
+                </c:pt>
+              </c:strCache>
+            </c:strRef>
+          </c:cat>
+          <c:val>
+            <c:numRef>
+              <c:f>Sheet2!$B$2:$C$2</c:f>
+              <c:numCache>
+                <c:formatCode>General</c:formatCode>
+                <c:ptCount val="2"/>
+                <c:pt idx="0">
+                  <c:v>2237363</c:v>
+                </c:pt>
+                <c:pt idx="1">
+                  <c:v>341686</c:v>
+                </c:pt>
+              </c:numCache>
+            </c:numRef>
+          </c:val>
+          <c:extLst>
+            <c:ext xmlns:c16="http://schemas.microsoft.com/office/drawing/2014/chart" uri="{C3380CC4-5D6E-409C-BE32-E72D297353CC}">
+              <c16:uniqueId val="{00000004-0B09-4138-A841-45F1BF33B1E0}"/>
+            </c:ext>
+          </c:extLst>
+        </c:ser>
+        <c:dLbls>
+          <c:dLblPos val="inEnd"/>
+          <c:showLegendKey val="0"/>
+          <c:showVal val="0"/>
+          <c:showCatName val="0"/>
+          <c:showSerName val="0"/>
+          <c:showPercent val="1"/>
+          <c:showBubbleSize val="0"/>
+          <c:showLeaderLines val="1"/>
+        </c:dLbls>
+        <c:firstSliceAng val="0"/>
+        <c:extLst>
+          <c:ext xmlns:c15="http://schemas.microsoft.com/office/drawing/2012/chart" uri="{02D57815-91ED-43cb-92C2-25804820EDAC}">
+            <c15:filteredPieSeries>
+              <c15:ser>
+                <c:idx val="1"/>
+                <c:order val="1"/>
+                <c:dPt>
+                  <c:idx val="0"/>
+                  <c:bubble3D val="0"/>
+                  <c:spPr>
+                    <a:solidFill>
+                      <a:schemeClr val="accent1"/>
+                    </a:solidFill>
+                    <a:ln>
+                      <a:noFill/>
+                    </a:ln>
+                    <a:effectLst>
+                      <a:outerShdw blurRad="317500" algn="ctr" rotWithShape="0">
+                        <a:prstClr val="black">
+                          <a:alpha val="25000"/>
+                        </a:prstClr>
+                      </a:outerShdw>
+                    </a:effectLst>
+                  </c:spPr>
+                  <c:extLst>
+                    <c:ext xmlns:c16="http://schemas.microsoft.com/office/drawing/2014/chart" uri="{C3380CC4-5D6E-409C-BE32-E72D297353CC}">
+                      <c16:uniqueId val="{00000006-0B09-4138-A841-45F1BF33B1E0}"/>
+                    </c:ext>
+                  </c:extLst>
+                </c:dPt>
+                <c:dPt>
+                  <c:idx val="1"/>
+                  <c:bubble3D val="0"/>
+                  <c:spPr>
+                    <a:solidFill>
+                      <a:schemeClr val="accent3"/>
+                    </a:solidFill>
+                    <a:ln>
+                      <a:noFill/>
+                    </a:ln>
+                    <a:effectLst>
+                      <a:outerShdw blurRad="317500" algn="ctr" rotWithShape="0">
+                        <a:prstClr val="black">
+                          <a:alpha val="25000"/>
+                        </a:prstClr>
+                      </a:outerShdw>
+                    </a:effectLst>
+                  </c:spPr>
+                  <c:extLst>
+                    <c:ext xmlns:c16="http://schemas.microsoft.com/office/drawing/2014/chart" uri="{C3380CC4-5D6E-409C-BE32-E72D297353CC}">
+                      <c16:uniqueId val="{00000008-0B09-4138-A841-45F1BF33B1E0}"/>
+                    </c:ext>
+                  </c:extLst>
+                </c:dPt>
+                <c:dLbls>
+                  <c:spPr>
+                    <a:noFill/>
+                    <a:ln>
+                      <a:noFill/>
+                    </a:ln>
+                    <a:effectLst/>
+                  </c:spPr>
+                  <c:txPr>
+                    <a:bodyPr rot="0" spcFirstLastPara="1" vertOverflow="ellipsis" vert="horz" wrap="square" lIns="38100" tIns="19050" rIns="38100" bIns="19050" anchor="ctr" anchorCtr="1">
+                      <a:spAutoFit/>
+                    </a:bodyPr>
+                    <a:lstStyle/>
+                    <a:p>
+                      <a:pPr>
+                        <a:defRPr sz="900" b="1" i="0" u="none" strike="noStrike" kern="1200" baseline="0">
+                          <a:solidFill>
+                            <a:schemeClr val="lt1"/>
+                          </a:solidFill>
+                          <a:latin typeface="+mn-lt"/>
+                          <a:ea typeface="+mn-ea"/>
+                          <a:cs typeface="+mn-cs"/>
+                        </a:defRPr>
+                      </a:pPr>
+                      <a:endParaRPr lang="ko-KR"/>
+                    </a:p>
+                  </c:txPr>
+                  <c:dLblPos val="inEnd"/>
+                  <c:showLegendKey val="0"/>
+                  <c:showVal val="0"/>
+                  <c:showCatName val="0"/>
+                  <c:showSerName val="0"/>
+                  <c:showPercent val="1"/>
+                  <c:showBubbleSize val="0"/>
+                  <c:showLeaderLines val="1"/>
+                  <c:leaderLines>
+                    <c:spPr>
+                      <a:ln w="9525" cap="flat" cmpd="sng" algn="ctr">
+                        <a:solidFill>
+                          <a:schemeClr val="dk1">
+                            <a:lumMod val="35000"/>
+                            <a:lumOff val="65000"/>
+                          </a:schemeClr>
+                        </a:solidFill>
+                        <a:round/>
+                      </a:ln>
+                      <a:effectLst/>
+                    </c:spPr>
+                  </c:leaderLines>
+                  <c:extLst>
+                    <c:ext uri="{CE6537A1-D6FC-4f65-9D91-7224C49458BB}"/>
+                  </c:extLst>
+                </c:dLbls>
+                <c:cat>
+                  <c:strRef>
+                    <c:extLst>
+                      <c:ext uri="{02D57815-91ED-43cb-92C2-25804820EDAC}">
+                        <c15:formulaRef>
+                          <c15:sqref>Sheet2!$B$1:$C$1</c15:sqref>
+                        </c15:formulaRef>
+                      </c:ext>
+                    </c:extLst>
+                    <c:strCache>
+                      <c:ptCount val="2"/>
+                      <c:pt idx="0">
+                        <c:v>중국</c:v>
+                      </c:pt>
+                      <c:pt idx="1">
+                        <c:v>중국 외 국가</c:v>
+                      </c:pt>
+                    </c:strCache>
+                  </c:strRef>
+                </c:cat>
+                <c:val>
+                  <c:numRef>
+                    <c:extLst>
+                      <c:ext uri="{02D57815-91ED-43cb-92C2-25804820EDAC}">
+                        <c15:formulaRef>
+                          <c15:sqref>Sheet2!$B$3:$C$3</c15:sqref>
+                        </c15:formulaRef>
+                      </c:ext>
+                    </c:extLst>
+                    <c:numCache>
+                      <c:formatCode>General</c:formatCode>
+                      <c:ptCount val="2"/>
+                      <c:pt idx="0">
+                        <c:v>3061522</c:v>
+                      </c:pt>
+                      <c:pt idx="1">
+                        <c:v>929304</c:v>
+                      </c:pt>
+                    </c:numCache>
+                  </c:numRef>
+                </c:val>
+                <c:extLst>
+                  <c:ext xmlns:c16="http://schemas.microsoft.com/office/drawing/2014/chart" uri="{C3380CC4-5D6E-409C-BE32-E72D297353CC}">
+                    <c16:uniqueId val="{00000009-0B09-4138-A841-45F1BF33B1E0}"/>
+                  </c:ext>
+                </c:extLst>
+              </c15:ser>
+            </c15:filteredPieSeries>
+            <c15:filteredPieSeries>
+              <c15:ser>
+                <c:idx val="2"/>
+                <c:order val="2"/>
+                <c:dPt>
+                  <c:idx val="0"/>
+                  <c:bubble3D val="0"/>
+                  <c:spPr>
+                    <a:solidFill>
+                      <a:schemeClr val="accent1"/>
+                    </a:solidFill>
+                    <a:ln>
+                      <a:noFill/>
+                    </a:ln>
+                    <a:effectLst>
+                      <a:outerShdw blurRad="317500" algn="ctr" rotWithShape="0">
+                        <a:prstClr val="black">
+                          <a:alpha val="25000"/>
+                        </a:prstClr>
+                      </a:outerShdw>
+                    </a:effectLst>
+                  </c:spPr>
+                  <c:extLst>
+                    <c:ext xmlns:c16="http://schemas.microsoft.com/office/drawing/2014/chart" uri="{C3380CC4-5D6E-409C-BE32-E72D297353CC}">
+                      <c16:uniqueId val="{0000000B-0B09-4138-A841-45F1BF33B1E0}"/>
+                    </c:ext>
+                  </c:extLst>
+                </c:dPt>
+                <c:dPt>
+                  <c:idx val="1"/>
+                  <c:bubble3D val="0"/>
+                  <c:spPr>
+                    <a:solidFill>
+                      <a:schemeClr val="accent3"/>
+                    </a:solidFill>
+                    <a:ln>
+                      <a:noFill/>
+                    </a:ln>
+                    <a:effectLst>
+                      <a:outerShdw blurRad="317500" algn="ctr" rotWithShape="0">
+                        <a:prstClr val="black">
+                          <a:alpha val="25000"/>
+                        </a:prstClr>
+                      </a:outerShdw>
+                    </a:effectLst>
+                  </c:spPr>
+                  <c:extLst>
+                    <c:ext xmlns:c16="http://schemas.microsoft.com/office/drawing/2014/chart" uri="{C3380CC4-5D6E-409C-BE32-E72D297353CC}">
+                      <c16:uniqueId val="{0000000D-0B09-4138-A841-45F1BF33B1E0}"/>
+                    </c:ext>
+                  </c:extLst>
+                </c:dPt>
+                <c:dLbls>
+                  <c:spPr>
+                    <a:noFill/>
+                    <a:ln>
+                      <a:noFill/>
+                    </a:ln>
+                    <a:effectLst/>
+                  </c:spPr>
+                  <c:txPr>
+                    <a:bodyPr rot="0" spcFirstLastPara="1" vertOverflow="ellipsis" vert="horz" wrap="square" lIns="38100" tIns="19050" rIns="38100" bIns="19050" anchor="ctr" anchorCtr="1">
+                      <a:spAutoFit/>
+                    </a:bodyPr>
+                    <a:lstStyle/>
+                    <a:p>
+                      <a:pPr>
+                        <a:defRPr sz="900" b="1" i="0" u="none" strike="noStrike" kern="1200" baseline="0">
+                          <a:solidFill>
+                            <a:schemeClr val="lt1"/>
+                          </a:solidFill>
+                          <a:latin typeface="+mn-lt"/>
+                          <a:ea typeface="+mn-ea"/>
+                          <a:cs typeface="+mn-cs"/>
+                        </a:defRPr>
+                      </a:pPr>
+                      <a:endParaRPr lang="ko-KR"/>
+                    </a:p>
+                  </c:txPr>
+                  <c:dLblPos val="inEnd"/>
+                  <c:showLegendKey val="0"/>
+                  <c:showVal val="0"/>
+                  <c:showCatName val="0"/>
+                  <c:showSerName val="0"/>
+                  <c:showPercent val="1"/>
+                  <c:showBubbleSize val="0"/>
+                  <c:showLeaderLines val="1"/>
+                  <c:leaderLines>
+                    <c:spPr>
+                      <a:ln w="9525" cap="flat" cmpd="sng" algn="ctr">
+                        <a:solidFill>
+                          <a:schemeClr val="dk1">
+                            <a:lumMod val="35000"/>
+                            <a:lumOff val="65000"/>
+                          </a:schemeClr>
+                        </a:solidFill>
+                        <a:round/>
+                      </a:ln>
+                      <a:effectLst/>
+                    </c:spPr>
+                  </c:leaderLines>
+                  <c:extLst xmlns:c15="http://schemas.microsoft.com/office/drawing/2012/chart">
+                    <c:ext xmlns:c15="http://schemas.microsoft.com/office/drawing/2012/chart" uri="{CE6537A1-D6FC-4f65-9D91-7224C49458BB}"/>
+                  </c:extLst>
+                </c:dLbls>
+                <c:cat>
+                  <c:strRef>
+                    <c:extLst xmlns:c15="http://schemas.microsoft.com/office/drawing/2012/chart">
+                      <c:ext xmlns:c15="http://schemas.microsoft.com/office/drawing/2012/chart" uri="{02D57815-91ED-43cb-92C2-25804820EDAC}">
+                        <c15:formulaRef>
+                          <c15:sqref>Sheet2!$B$1:$C$1</c15:sqref>
+                        </c15:formulaRef>
+                      </c:ext>
+                    </c:extLst>
+                    <c:strCache>
+                      <c:ptCount val="2"/>
+                      <c:pt idx="0">
+                        <c:v>중국</c:v>
+                      </c:pt>
+                      <c:pt idx="1">
+                        <c:v>중국 외 국가</c:v>
+                      </c:pt>
+                    </c:strCache>
+                  </c:strRef>
+                </c:cat>
+                <c:val>
+                  <c:numRef>
+                    <c:extLst xmlns:c15="http://schemas.microsoft.com/office/drawing/2012/chart">
+                      <c:ext xmlns:c15="http://schemas.microsoft.com/office/drawing/2012/chart" uri="{02D57815-91ED-43cb-92C2-25804820EDAC}">
+                        <c15:formulaRef>
+                          <c15:sqref>Sheet2!$B$4:$C$4</c15:sqref>
+                        </c15:formulaRef>
+                      </c:ext>
+                    </c:extLst>
+                    <c:numCache>
+                      <c:formatCode>General</c:formatCode>
+                      <c:ptCount val="2"/>
+                      <c:pt idx="0">
+                        <c:v>747315</c:v>
+                      </c:pt>
+                      <c:pt idx="1">
+                        <c:v>459499</c:v>
+                      </c:pt>
+                    </c:numCache>
+                  </c:numRef>
+                </c:val>
+                <c:extLst>
+                  <c:ext xmlns:c16="http://schemas.microsoft.com/office/drawing/2014/chart" uri="{C3380CC4-5D6E-409C-BE32-E72D297353CC}">
+                    <c16:uniqueId val="{0000000E-0B09-4138-A841-45F1BF33B1E0}"/>
+                  </c:ext>
+                </c:extLst>
+              </c15:ser>
+            </c15:filteredPieSeries>
+            <c15:filteredPieSeries>
+              <c15:ser>
+                <c:idx val="3"/>
+                <c:order val="3"/>
+                <c:dPt>
+                  <c:idx val="0"/>
+                  <c:bubble3D val="0"/>
+                  <c:spPr>
+                    <a:solidFill>
+                      <a:schemeClr val="accent1"/>
+                    </a:solidFill>
+                    <a:ln>
+                      <a:noFill/>
+                    </a:ln>
+                    <a:effectLst>
+                      <a:outerShdw blurRad="317500" algn="ctr" rotWithShape="0">
+                        <a:prstClr val="black">
+                          <a:alpha val="25000"/>
+                        </a:prstClr>
+                      </a:outerShdw>
+                    </a:effectLst>
+                  </c:spPr>
+                  <c:extLst>
+                    <c:ext xmlns:c16="http://schemas.microsoft.com/office/drawing/2014/chart" uri="{C3380CC4-5D6E-409C-BE32-E72D297353CC}">
+                      <c16:uniqueId val="{00000010-0B09-4138-A841-45F1BF33B1E0}"/>
+                    </c:ext>
+                  </c:extLst>
+                </c:dPt>
+                <c:dPt>
+                  <c:idx val="1"/>
+                  <c:bubble3D val="0"/>
+                  <c:spPr>
+                    <a:solidFill>
+                      <a:schemeClr val="accent3"/>
+                    </a:solidFill>
+                    <a:ln>
+                      <a:noFill/>
+                    </a:ln>
+                    <a:effectLst>
+                      <a:outerShdw blurRad="317500" algn="ctr" rotWithShape="0">
+                        <a:prstClr val="black">
+                          <a:alpha val="25000"/>
+                        </a:prstClr>
+                      </a:outerShdw>
+                    </a:effectLst>
+                  </c:spPr>
+                  <c:extLst>
+                    <c:ext xmlns:c16="http://schemas.microsoft.com/office/drawing/2014/chart" uri="{C3380CC4-5D6E-409C-BE32-E72D297353CC}">
+                      <c16:uniqueId val="{00000012-0B09-4138-A841-45F1BF33B1E0}"/>
+                    </c:ext>
+                  </c:extLst>
+                </c:dPt>
+                <c:dLbls>
+                  <c:spPr>
+                    <a:noFill/>
+                    <a:ln>
+                      <a:noFill/>
+                    </a:ln>
+                    <a:effectLst/>
+                  </c:spPr>
+                  <c:txPr>
+                    <a:bodyPr rot="0" spcFirstLastPara="1" vertOverflow="ellipsis" vert="horz" wrap="square" lIns="38100" tIns="19050" rIns="38100" bIns="19050" anchor="ctr" anchorCtr="1">
+                      <a:spAutoFit/>
+                    </a:bodyPr>
+                    <a:lstStyle/>
+                    <a:p>
+                      <a:pPr>
+                        <a:defRPr sz="900" b="1" i="0" u="none" strike="noStrike" kern="1200" baseline="0">
+                          <a:solidFill>
+                            <a:schemeClr val="lt1"/>
+                          </a:solidFill>
+                          <a:latin typeface="+mn-lt"/>
+                          <a:ea typeface="+mn-ea"/>
+                          <a:cs typeface="+mn-cs"/>
+                        </a:defRPr>
+                      </a:pPr>
+                      <a:endParaRPr lang="ko-KR"/>
+                    </a:p>
+                  </c:txPr>
+                  <c:dLblPos val="inEnd"/>
+                  <c:showLegendKey val="0"/>
+                  <c:showVal val="0"/>
+                  <c:showCatName val="0"/>
+                  <c:showSerName val="0"/>
+                  <c:showPercent val="1"/>
+                  <c:showBubbleSize val="0"/>
+                  <c:showLeaderLines val="1"/>
+                  <c:leaderLines>
+                    <c:spPr>
+                      <a:ln w="9525" cap="flat" cmpd="sng" algn="ctr">
+                        <a:solidFill>
+                          <a:schemeClr val="dk1">
+                            <a:lumMod val="35000"/>
+                            <a:lumOff val="65000"/>
+                          </a:schemeClr>
+                        </a:solidFill>
+                        <a:round/>
+                      </a:ln>
+                      <a:effectLst/>
+                    </c:spPr>
+                  </c:leaderLines>
+                  <c:extLst xmlns:c15="http://schemas.microsoft.com/office/drawing/2012/chart">
+                    <c:ext xmlns:c15="http://schemas.microsoft.com/office/drawing/2012/chart" uri="{CE6537A1-D6FC-4f65-9D91-7224C49458BB}"/>
+                  </c:extLst>
+                </c:dLbls>
+                <c:cat>
+                  <c:strRef>
+                    <c:extLst xmlns:c15="http://schemas.microsoft.com/office/drawing/2012/chart">
+                      <c:ext xmlns:c15="http://schemas.microsoft.com/office/drawing/2012/chart" uri="{02D57815-91ED-43cb-92C2-25804820EDAC}">
+                        <c15:formulaRef>
+                          <c15:sqref>Sheet2!$B$1:$C$1</c15:sqref>
+                        </c15:formulaRef>
+                      </c:ext>
+                    </c:extLst>
+                    <c:strCache>
+                      <c:ptCount val="2"/>
+                      <c:pt idx="0">
+                        <c:v>중국</c:v>
+                      </c:pt>
+                      <c:pt idx="1">
+                        <c:v>중국 외 국가</c:v>
+                      </c:pt>
+                    </c:strCache>
+                  </c:strRef>
+                </c:cat>
+                <c:val>
+                  <c:numRef>
+                    <c:extLst xmlns:c15="http://schemas.microsoft.com/office/drawing/2012/chart">
+                      <c:ext xmlns:c15="http://schemas.microsoft.com/office/drawing/2012/chart" uri="{02D57815-91ED-43cb-92C2-25804820EDAC}">
+                        <c15:formulaRef>
+                          <c15:sqref>Sheet2!$B$5:$C$5</c15:sqref>
+                        </c15:formulaRef>
+                      </c:ext>
+                    </c:extLst>
+                    <c:numCache>
+                      <c:formatCode>General</c:formatCode>
+                      <c:ptCount val="2"/>
+                      <c:pt idx="0">
+                        <c:v>666120</c:v>
+                      </c:pt>
+                      <c:pt idx="1">
+                        <c:v>504007</c:v>
+                      </c:pt>
+                    </c:numCache>
+                  </c:numRef>
+                </c:val>
+                <c:extLst>
+                  <c:ext xmlns:c16="http://schemas.microsoft.com/office/drawing/2014/chart" uri="{C3380CC4-5D6E-409C-BE32-E72D297353CC}">
+                    <c16:uniqueId val="{00000013-0B09-4138-A841-45F1BF33B1E0}"/>
+                  </c:ext>
+                </c:extLst>
+              </c15:ser>
+            </c15:filteredPieSeries>
+          </c:ext>
+        </c:extLst>
+      </c:pieChart>
+      <c:spPr>
+        <a:noFill/>
+        <a:ln>
+          <a:noFill/>
+        </a:ln>
+        <a:effectLst/>
+      </c:spPr>
+    </c:plotArea>
+    <c:legend>
+      <c:legendPos val="b"/>
+      <c:overlay val="0"/>
+      <c:spPr>
+        <a:solidFill>
+          <a:schemeClr val="lt1">
+            <a:alpha val="78000"/>
+          </a:schemeClr>
+        </a:solidFill>
+        <a:ln>
+          <a:noFill/>
+        </a:ln>
+        <a:effectLst/>
+      </c:spPr>
+      <c:txPr>
+        <a:bodyPr rot="0" spcFirstLastPara="1" vertOverflow="ellipsis" vert="horz" wrap="square" anchor="ctr" anchorCtr="1"/>
+        <a:lstStyle/>
+        <a:p>
+          <a:pPr>
+            <a:defRPr sz="900" b="0" i="0" u="none" strike="noStrike" kern="1200" baseline="0">
+              <a:solidFill>
+                <a:schemeClr val="dk1">
+                  <a:lumMod val="65000"/>
+                  <a:lumOff val="35000"/>
+                </a:schemeClr>
+              </a:solidFill>
+              <a:latin typeface="+mn-lt"/>
+              <a:ea typeface="+mn-ea"/>
+              <a:cs typeface="+mn-cs"/>
+            </a:defRPr>
+          </a:pPr>
+          <a:endParaRPr lang="ko-KR"/>
+        </a:p>
+      </c:txPr>
+    </c:legend>
+    <c:plotVisOnly val="1"/>
+    <c:dispBlanksAs val="gap"/>
+    <c:extLst>
+      <c:ext xmlns:c16r3="http://schemas.microsoft.com/office/drawing/2017/03/chart" uri="{56B9EC1D-385E-4148-901F-78D8002777C0}">
+        <c16r3:dataDisplayOptions16>
+          <c16r3:dispNaAsBlank val="1"/>
+        </c16r3:dataDisplayOptions16>
+      </c:ext>
+    </c:extLst>
+    <c:showDLblsOverMax val="0"/>
+  </c:chart>
+  <c:spPr>
+    <a:pattFill prst="dkDnDiag">
+      <a:fgClr>
+        <a:schemeClr val="lt1">
+          <a:lumMod val="95000"/>
+        </a:schemeClr>
+      </a:fgClr>
+      <a:bgClr>
+        <a:schemeClr val="lt1"/>
+      </a:bgClr>
+    </a:pattFill>
+    <a:ln w="9525" cap="flat" cmpd="sng" algn="ctr">
+      <a:solidFill>
+        <a:schemeClr val="dk1">
+          <a:lumMod val="15000"/>
+          <a:lumOff val="85000"/>
+        </a:schemeClr>
+      </a:solidFill>
+      <a:round/>
+    </a:ln>
+    <a:effectLst/>
+  </c:spPr>
+  <c:txPr>
+    <a:bodyPr/>
+    <a:lstStyle/>
+    <a:p>
+      <a:pPr>
+        <a:defRPr/>
+      </a:pPr>
+      <a:endParaRPr lang="ko-KR"/>
+    </a:p>
+  </c:txPr>
+  <c:externalData r:id="rId3">
+    <c:autoUpdate val="0"/>
+  </c:externalData>
+</c:chartSpace>
+</file>
+
+<file path=ppt/charts/chart2.xml><?xml version="1.0" encoding="utf-8"?>
+<c:chartSpace xmlns:c="http://schemas.openxmlformats.org/drawingml/2006/chart" xmlns:a="http://schemas.openxmlformats.org/drawingml/2006/main" xmlns:r="http://schemas.openxmlformats.org/officeDocument/2006/relationships" xmlns:c16r2="http://schemas.microsoft.com/office/drawing/2015/06/chart">
+  <c:date1904 val="0"/>
+  <c:lang val="ko-KR"/>
+  <c:roundedCorners val="0"/>
+  <mc:AlternateContent xmlns:mc="http://schemas.openxmlformats.org/markup-compatibility/2006">
+    <mc:Choice xmlns:c14="http://schemas.microsoft.com/office/drawing/2007/8/2/chart" Requires="c14">
+      <c14:style val="102"/>
+    </mc:Choice>
+    <mc:Fallback>
+      <c:style val="2"/>
+    </mc:Fallback>
+  </mc:AlternateContent>
+  <c:chart>
+    <c:title>
+      <c:tx>
+        <c:rich>
+          <a:bodyPr rot="0" spcFirstLastPara="1" vertOverflow="ellipsis" vert="horz" wrap="square" anchor="ctr" anchorCtr="1"/>
+          <a:lstStyle/>
+          <a:p>
+            <a:pPr>
+              <a:defRPr sz="1800" b="1" i="0" u="none" strike="noStrike" kern="1200" baseline="0">
+                <a:solidFill>
+                  <a:schemeClr val="dk1">
+                    <a:lumMod val="65000"/>
+                    <a:lumOff val="35000"/>
+                  </a:schemeClr>
+                </a:solidFill>
+                <a:latin typeface="+mn-lt"/>
+                <a:ea typeface="+mn-ea"/>
+                <a:cs typeface="+mn-cs"/>
+              </a:defRPr>
+            </a:pPr>
+            <a:r>
+              <a:rPr lang="en-US" altLang="ko-KR" sz="1600"/>
+              <a:t>2016</a:t>
+            </a:r>
+            <a:r>
+              <a:rPr lang="ko-KR" altLang="en-US" sz="1600"/>
+              <a:t>년</a:t>
+            </a:r>
+          </a:p>
+        </c:rich>
+      </c:tx>
+      <c:layout>
+        <c:manualLayout>
+          <c:xMode val="edge"/>
+          <c:yMode val="edge"/>
+          <c:x val="0.38557906433922462"/>
+          <c:y val="2.7777777777777776E-2"/>
+        </c:manualLayout>
+      </c:layout>
+      <c:overlay val="0"/>
+      <c:spPr>
+        <a:noFill/>
+        <a:ln>
+          <a:noFill/>
+        </a:ln>
+        <a:effectLst/>
+      </c:spPr>
+      <c:txPr>
+        <a:bodyPr rot="0" spcFirstLastPara="1" vertOverflow="ellipsis" vert="horz" wrap="square" anchor="ctr" anchorCtr="1"/>
+        <a:lstStyle/>
+        <a:p>
+          <a:pPr>
+            <a:defRPr sz="1800" b="1" i="0" u="none" strike="noStrike" kern="1200" baseline="0">
+              <a:solidFill>
+                <a:schemeClr val="dk1">
+                  <a:lumMod val="65000"/>
+                  <a:lumOff val="35000"/>
+                </a:schemeClr>
+              </a:solidFill>
+              <a:latin typeface="+mn-lt"/>
+              <a:ea typeface="+mn-ea"/>
+              <a:cs typeface="+mn-cs"/>
+            </a:defRPr>
+          </a:pPr>
+          <a:endParaRPr lang="ko-KR"/>
+        </a:p>
+      </c:txPr>
+    </c:title>
+    <c:autoTitleDeleted val="0"/>
+    <c:plotArea>
+      <c:layout/>
+      <c:pieChart>
+        <c:varyColors val="1"/>
+        <c:ser>
+          <c:idx val="1"/>
+          <c:order val="1"/>
+          <c:spPr>
+            <a:solidFill>
+              <a:srgbClr val="F26464"/>
+            </a:solidFill>
+          </c:spPr>
+          <c:dPt>
+            <c:idx val="0"/>
+            <c:bubble3D val="0"/>
+            <c:spPr>
+              <a:solidFill>
+                <a:srgbClr val="F26464"/>
+              </a:solidFill>
+              <a:ln>
+                <a:noFill/>
+              </a:ln>
+              <a:effectLst>
+                <a:outerShdw blurRad="317500" algn="ctr" rotWithShape="0">
+                  <a:prstClr val="black">
+                    <a:alpha val="25000"/>
+                  </a:prstClr>
+                </a:outerShdw>
+              </a:effectLst>
+            </c:spPr>
+            <c:extLst>
+              <c:ext xmlns:c16="http://schemas.microsoft.com/office/drawing/2014/chart" uri="{C3380CC4-5D6E-409C-BE32-E72D297353CC}">
+                <c16:uniqueId val="{00000001-FD90-4203-8F9B-86E80D105410}"/>
+              </c:ext>
+            </c:extLst>
+          </c:dPt>
+          <c:dPt>
+            <c:idx val="1"/>
+            <c:bubble3D val="0"/>
+            <c:spPr>
+              <a:solidFill>
+                <a:schemeClr val="bg2">
+                  <a:lumMod val="75000"/>
+                </a:schemeClr>
+              </a:solidFill>
+              <a:ln>
+                <a:noFill/>
+              </a:ln>
+              <a:effectLst>
+                <a:outerShdw blurRad="317500" algn="ctr" rotWithShape="0">
+                  <a:prstClr val="black">
+                    <a:alpha val="25000"/>
+                  </a:prstClr>
+                </a:outerShdw>
+              </a:effectLst>
+            </c:spPr>
+            <c:extLst>
+              <c:ext xmlns:c16="http://schemas.microsoft.com/office/drawing/2014/chart" uri="{C3380CC4-5D6E-409C-BE32-E72D297353CC}">
+                <c16:uniqueId val="{00000003-FD90-4203-8F9B-86E80D105410}"/>
+              </c:ext>
+            </c:extLst>
+          </c:dPt>
+          <c:dLbls>
+            <c:spPr>
+              <a:noFill/>
+              <a:ln>
+                <a:noFill/>
+              </a:ln>
+              <a:effectLst/>
+            </c:spPr>
+            <c:txPr>
+              <a:bodyPr rot="0" spcFirstLastPara="1" vertOverflow="ellipsis" vert="horz" wrap="square" lIns="38100" tIns="19050" rIns="38100" bIns="19050" anchor="ctr" anchorCtr="1">
+                <a:spAutoFit/>
+              </a:bodyPr>
+              <a:lstStyle/>
+              <a:p>
+                <a:pPr>
+                  <a:defRPr sz="900" b="1" i="0" u="none" strike="noStrike" kern="1200" baseline="0">
+                    <a:solidFill>
+                      <a:schemeClr val="lt1"/>
+                    </a:solidFill>
+                    <a:latin typeface="+mn-lt"/>
+                    <a:ea typeface="+mn-ea"/>
+                    <a:cs typeface="+mn-cs"/>
+                  </a:defRPr>
+                </a:pPr>
+                <a:endParaRPr lang="ko-KR"/>
+              </a:p>
+            </c:txPr>
+            <c:dLblPos val="inEnd"/>
+            <c:showLegendKey val="0"/>
+            <c:showVal val="0"/>
+            <c:showCatName val="0"/>
+            <c:showSerName val="0"/>
+            <c:showPercent val="1"/>
+            <c:showBubbleSize val="0"/>
+            <c:showLeaderLines val="1"/>
+            <c:leaderLines>
+              <c:spPr>
+                <a:ln w="9525" cap="flat" cmpd="sng" algn="ctr">
+                  <a:solidFill>
+                    <a:schemeClr val="dk1">
+                      <a:lumMod val="35000"/>
+                      <a:lumOff val="65000"/>
+                    </a:schemeClr>
+                  </a:solidFill>
+                  <a:round/>
+                </a:ln>
+                <a:effectLst/>
+              </c:spPr>
+            </c:leaderLines>
+            <c:extLst xmlns:c15="http://schemas.microsoft.com/office/drawing/2012/chart">
+              <c:ext xmlns:c15="http://schemas.microsoft.com/office/drawing/2012/chart" uri="{CE6537A1-D6FC-4f65-9D91-7224C49458BB}"/>
+            </c:extLst>
+          </c:dLbls>
+          <c:cat>
+            <c:strRef>
+              <c:f>Sheet2!$B$1:$C$1</c:f>
+              <c:strCache>
+                <c:ptCount val="2"/>
+                <c:pt idx="0">
+                  <c:v>중국</c:v>
+                </c:pt>
+                <c:pt idx="1">
+                  <c:v>중국 외 국가</c:v>
+                </c:pt>
+              </c:strCache>
+              <c:extLst xmlns:c15="http://schemas.microsoft.com/office/drawing/2012/chart"/>
+            </c:strRef>
+          </c:cat>
+          <c:val>
+            <c:numRef>
+              <c:f>Sheet2!$B$3:$C$3</c:f>
+              <c:numCache>
+                <c:formatCode>General</c:formatCode>
+                <c:ptCount val="2"/>
+                <c:pt idx="0">
+                  <c:v>3061522</c:v>
+                </c:pt>
+                <c:pt idx="1">
+                  <c:v>929304</c:v>
+                </c:pt>
+              </c:numCache>
+              <c:extLst xmlns:c15="http://schemas.microsoft.com/office/drawing/2012/chart"/>
+            </c:numRef>
+          </c:val>
+          <c:extLst xmlns:c15="http://schemas.microsoft.com/office/drawing/2012/chart">
+            <c:ext xmlns:c16="http://schemas.microsoft.com/office/drawing/2014/chart" uri="{C3380CC4-5D6E-409C-BE32-E72D297353CC}">
+              <c16:uniqueId val="{00000004-FD90-4203-8F9B-86E80D105410}"/>
+            </c:ext>
+          </c:extLst>
+        </c:ser>
+        <c:dLbls>
+          <c:dLblPos val="inEnd"/>
+          <c:showLegendKey val="0"/>
+          <c:showVal val="0"/>
+          <c:showCatName val="0"/>
+          <c:showSerName val="0"/>
+          <c:showPercent val="1"/>
+          <c:showBubbleSize val="0"/>
+          <c:showLeaderLines val="1"/>
+        </c:dLbls>
+        <c:firstSliceAng val="0"/>
+        <c:extLst>
+          <c:ext xmlns:c15="http://schemas.microsoft.com/office/drawing/2012/chart" uri="{02D57815-91ED-43cb-92C2-25804820EDAC}">
+            <c15:filteredPieSeries>
+              <c15:ser>
+                <c:idx val="0"/>
+                <c:order val="0"/>
+                <c:spPr>
+                  <a:solidFill>
+                    <a:srgbClr val="FF0000"/>
+                  </a:solidFill>
+                </c:spPr>
+                <c:dPt>
+                  <c:idx val="0"/>
+                  <c:bubble3D val="0"/>
+                  <c:spPr>
+                    <a:solidFill>
+                      <a:srgbClr val="F26464"/>
+                    </a:solidFill>
+                    <a:ln>
+                      <a:noFill/>
+                    </a:ln>
+                    <a:effectLst>
+                      <a:outerShdw blurRad="317500" algn="ctr" rotWithShape="0">
+                        <a:prstClr val="black">
+                          <a:alpha val="25000"/>
+                        </a:prstClr>
+                      </a:outerShdw>
+                    </a:effectLst>
+                  </c:spPr>
+                  <c:extLst>
+                    <c:ext xmlns:c16="http://schemas.microsoft.com/office/drawing/2014/chart" uri="{C3380CC4-5D6E-409C-BE32-E72D297353CC}">
+                      <c16:uniqueId val="{00000006-FD90-4203-8F9B-86E80D105410}"/>
+                    </c:ext>
+                  </c:extLst>
+                </c:dPt>
+                <c:dPt>
+                  <c:idx val="1"/>
+                  <c:bubble3D val="0"/>
+                  <c:spPr>
+                    <a:solidFill>
+                      <a:schemeClr val="bg2">
+                        <a:lumMod val="75000"/>
+                      </a:schemeClr>
+                    </a:solidFill>
+                    <a:ln>
+                      <a:noFill/>
+                    </a:ln>
+                    <a:effectLst>
+                      <a:outerShdw blurRad="317500" algn="ctr" rotWithShape="0">
+                        <a:prstClr val="black">
+                          <a:alpha val="25000"/>
+                        </a:prstClr>
+                      </a:outerShdw>
+                    </a:effectLst>
+                  </c:spPr>
+                  <c:extLst>
+                    <c:ext xmlns:c16="http://schemas.microsoft.com/office/drawing/2014/chart" uri="{C3380CC4-5D6E-409C-BE32-E72D297353CC}">
+                      <c16:uniqueId val="{00000008-FD90-4203-8F9B-86E80D105410}"/>
+                    </c:ext>
+                  </c:extLst>
+                </c:dPt>
+                <c:dLbls>
+                  <c:spPr>
+                    <a:noFill/>
+                    <a:ln>
+                      <a:noFill/>
+                    </a:ln>
+                    <a:effectLst/>
+                  </c:spPr>
+                  <c:txPr>
+                    <a:bodyPr rot="0" spcFirstLastPara="1" vertOverflow="ellipsis" vert="horz" wrap="square" lIns="38100" tIns="19050" rIns="38100" bIns="19050" anchor="ctr" anchorCtr="1">
+                      <a:spAutoFit/>
+                    </a:bodyPr>
+                    <a:lstStyle/>
+                    <a:p>
+                      <a:pPr>
+                        <a:defRPr sz="900" b="1" i="0" u="none" strike="noStrike" kern="1200" baseline="0">
+                          <a:solidFill>
+                            <a:schemeClr val="lt1"/>
+                          </a:solidFill>
+                          <a:latin typeface="+mn-lt"/>
+                          <a:ea typeface="+mn-ea"/>
+                          <a:cs typeface="+mn-cs"/>
+                        </a:defRPr>
+                      </a:pPr>
+                      <a:endParaRPr lang="ko-KR"/>
+                    </a:p>
+                  </c:txPr>
+                  <c:dLblPos val="inEnd"/>
+                  <c:showLegendKey val="0"/>
+                  <c:showVal val="0"/>
+                  <c:showCatName val="0"/>
+                  <c:showSerName val="0"/>
+                  <c:showPercent val="1"/>
+                  <c:showBubbleSize val="0"/>
+                  <c:showLeaderLines val="1"/>
+                  <c:leaderLines>
+                    <c:spPr>
+                      <a:ln w="9525" cap="flat" cmpd="sng" algn="ctr">
+                        <a:solidFill>
+                          <a:schemeClr val="dk1">
+                            <a:lumMod val="35000"/>
+                            <a:lumOff val="65000"/>
+                          </a:schemeClr>
+                        </a:solidFill>
+                        <a:round/>
+                      </a:ln>
+                      <a:effectLst/>
+                    </c:spPr>
+                  </c:leaderLines>
+                  <c:extLst>
+                    <c:ext uri="{CE6537A1-D6FC-4f65-9D91-7224C49458BB}"/>
+                  </c:extLst>
+                </c:dLbls>
+                <c:cat>
+                  <c:strRef>
+                    <c:extLst>
+                      <c:ext uri="{02D57815-91ED-43cb-92C2-25804820EDAC}">
+                        <c15:formulaRef>
+                          <c15:sqref>Sheet2!$B$1:$C$1</c15:sqref>
+                        </c15:formulaRef>
+                      </c:ext>
+                    </c:extLst>
+                    <c:strCache>
+                      <c:ptCount val="2"/>
+                      <c:pt idx="0">
+                        <c:v>중국</c:v>
+                      </c:pt>
+                      <c:pt idx="1">
+                        <c:v>중국 외 국가</c:v>
+                      </c:pt>
+                    </c:strCache>
+                  </c:strRef>
+                </c:cat>
+                <c:val>
+                  <c:numRef>
+                    <c:extLst>
+                      <c:ext uri="{02D57815-91ED-43cb-92C2-25804820EDAC}">
+                        <c15:formulaRef>
+                          <c15:sqref>Sheet2!$B$2:$C$2</c15:sqref>
+                        </c15:formulaRef>
+                      </c:ext>
+                    </c:extLst>
+                    <c:numCache>
+                      <c:formatCode>General</c:formatCode>
+                      <c:ptCount val="2"/>
+                      <c:pt idx="0">
+                        <c:v>2237363</c:v>
+                      </c:pt>
+                      <c:pt idx="1">
+                        <c:v>341686</c:v>
+                      </c:pt>
+                    </c:numCache>
+                  </c:numRef>
+                </c:val>
+                <c:extLst>
+                  <c:ext xmlns:c16="http://schemas.microsoft.com/office/drawing/2014/chart" uri="{C3380CC4-5D6E-409C-BE32-E72D297353CC}">
+                    <c16:uniqueId val="{00000009-FD90-4203-8F9B-86E80D105410}"/>
+                  </c:ext>
+                </c:extLst>
+              </c15:ser>
+            </c15:filteredPieSeries>
+            <c15:filteredPieSeries>
+              <c15:ser>
+                <c:idx val="2"/>
+                <c:order val="2"/>
+                <c:dPt>
+                  <c:idx val="0"/>
+                  <c:bubble3D val="0"/>
+                  <c:spPr>
+                    <a:solidFill>
+                      <a:schemeClr val="accent1"/>
+                    </a:solidFill>
+                    <a:ln>
+                      <a:noFill/>
+                    </a:ln>
+                    <a:effectLst>
+                      <a:outerShdw blurRad="317500" algn="ctr" rotWithShape="0">
+                        <a:prstClr val="black">
+                          <a:alpha val="25000"/>
+                        </a:prstClr>
+                      </a:outerShdw>
+                    </a:effectLst>
+                  </c:spPr>
+                  <c:extLst>
+                    <c:ext xmlns:c16="http://schemas.microsoft.com/office/drawing/2014/chart" uri="{C3380CC4-5D6E-409C-BE32-E72D297353CC}">
+                      <c16:uniqueId val="{0000000B-FD90-4203-8F9B-86E80D105410}"/>
+                    </c:ext>
+                  </c:extLst>
+                </c:dPt>
+                <c:dPt>
+                  <c:idx val="1"/>
+                  <c:bubble3D val="0"/>
+                  <c:spPr>
+                    <a:solidFill>
+                      <a:schemeClr val="accent3"/>
+                    </a:solidFill>
+                    <a:ln>
+                      <a:noFill/>
+                    </a:ln>
+                    <a:effectLst>
+                      <a:outerShdw blurRad="317500" algn="ctr" rotWithShape="0">
+                        <a:prstClr val="black">
+                          <a:alpha val="25000"/>
+                        </a:prstClr>
+                      </a:outerShdw>
+                    </a:effectLst>
+                  </c:spPr>
+                  <c:extLst>
+                    <c:ext xmlns:c16="http://schemas.microsoft.com/office/drawing/2014/chart" uri="{C3380CC4-5D6E-409C-BE32-E72D297353CC}">
+                      <c16:uniqueId val="{0000000D-FD90-4203-8F9B-86E80D105410}"/>
+                    </c:ext>
+                  </c:extLst>
+                </c:dPt>
+                <c:dLbls>
+                  <c:spPr>
+                    <a:noFill/>
+                    <a:ln>
+                      <a:noFill/>
+                    </a:ln>
+                    <a:effectLst/>
+                  </c:spPr>
+                  <c:txPr>
+                    <a:bodyPr rot="0" spcFirstLastPara="1" vertOverflow="ellipsis" vert="horz" wrap="square" lIns="38100" tIns="19050" rIns="38100" bIns="19050" anchor="ctr" anchorCtr="1">
+                      <a:spAutoFit/>
+                    </a:bodyPr>
+                    <a:lstStyle/>
+                    <a:p>
+                      <a:pPr>
+                        <a:defRPr sz="900" b="1" i="0" u="none" strike="noStrike" kern="1200" baseline="0">
+                          <a:solidFill>
+                            <a:schemeClr val="lt1"/>
+                          </a:solidFill>
+                          <a:latin typeface="+mn-lt"/>
+                          <a:ea typeface="+mn-ea"/>
+                          <a:cs typeface="+mn-cs"/>
+                        </a:defRPr>
+                      </a:pPr>
+                      <a:endParaRPr lang="ko-KR"/>
+                    </a:p>
+                  </c:txPr>
+                  <c:dLblPos val="inEnd"/>
+                  <c:showLegendKey val="0"/>
+                  <c:showVal val="0"/>
+                  <c:showCatName val="0"/>
+                  <c:showSerName val="0"/>
+                  <c:showPercent val="1"/>
+                  <c:showBubbleSize val="0"/>
+                  <c:showLeaderLines val="1"/>
+                  <c:leaderLines>
+                    <c:spPr>
+                      <a:ln w="9525" cap="flat" cmpd="sng" algn="ctr">
+                        <a:solidFill>
+                          <a:schemeClr val="dk1">
+                            <a:lumMod val="35000"/>
+                            <a:lumOff val="65000"/>
+                          </a:schemeClr>
+                        </a:solidFill>
+                        <a:round/>
+                      </a:ln>
+                      <a:effectLst/>
+                    </c:spPr>
+                  </c:leaderLines>
+                  <c:extLst xmlns:c15="http://schemas.microsoft.com/office/drawing/2012/chart">
+                    <c:ext xmlns:c15="http://schemas.microsoft.com/office/drawing/2012/chart" uri="{CE6537A1-D6FC-4f65-9D91-7224C49458BB}"/>
+                  </c:extLst>
+                </c:dLbls>
+                <c:cat>
+                  <c:strRef>
+                    <c:extLst xmlns:c15="http://schemas.microsoft.com/office/drawing/2012/chart">
+                      <c:ext xmlns:c15="http://schemas.microsoft.com/office/drawing/2012/chart" uri="{02D57815-91ED-43cb-92C2-25804820EDAC}">
+                        <c15:formulaRef>
+                          <c15:sqref>Sheet2!$B$1:$C$1</c15:sqref>
+                        </c15:formulaRef>
+                      </c:ext>
+                    </c:extLst>
+                    <c:strCache>
+                      <c:ptCount val="2"/>
+                      <c:pt idx="0">
+                        <c:v>중국</c:v>
+                      </c:pt>
+                      <c:pt idx="1">
+                        <c:v>중국 외 국가</c:v>
+                      </c:pt>
+                    </c:strCache>
+                  </c:strRef>
+                </c:cat>
+                <c:val>
+                  <c:numRef>
+                    <c:extLst xmlns:c15="http://schemas.microsoft.com/office/drawing/2012/chart">
+                      <c:ext xmlns:c15="http://schemas.microsoft.com/office/drawing/2012/chart" uri="{02D57815-91ED-43cb-92C2-25804820EDAC}">
+                        <c15:formulaRef>
+                          <c15:sqref>Sheet2!$B$4:$C$4</c15:sqref>
+                        </c15:formulaRef>
+                      </c:ext>
+                    </c:extLst>
+                    <c:numCache>
+                      <c:formatCode>General</c:formatCode>
+                      <c:ptCount val="2"/>
+                      <c:pt idx="0">
+                        <c:v>747315</c:v>
+                      </c:pt>
+                      <c:pt idx="1">
+                        <c:v>459499</c:v>
+                      </c:pt>
+                    </c:numCache>
+                  </c:numRef>
+                </c:val>
+                <c:extLst xmlns:c15="http://schemas.microsoft.com/office/drawing/2012/chart">
+                  <c:ext xmlns:c16="http://schemas.microsoft.com/office/drawing/2014/chart" uri="{C3380CC4-5D6E-409C-BE32-E72D297353CC}">
+                    <c16:uniqueId val="{0000000E-FD90-4203-8F9B-86E80D105410}"/>
+                  </c:ext>
+                </c:extLst>
+              </c15:ser>
+            </c15:filteredPieSeries>
+            <c15:filteredPieSeries>
+              <c15:ser>
+                <c:idx val="3"/>
+                <c:order val="3"/>
+                <c:dPt>
+                  <c:idx val="0"/>
+                  <c:bubble3D val="0"/>
+                  <c:spPr>
+                    <a:solidFill>
+                      <a:schemeClr val="accent1"/>
+                    </a:solidFill>
+                    <a:ln>
+                      <a:noFill/>
+                    </a:ln>
+                    <a:effectLst>
+                      <a:outerShdw blurRad="317500" algn="ctr" rotWithShape="0">
+                        <a:prstClr val="black">
+                          <a:alpha val="25000"/>
+                        </a:prstClr>
+                      </a:outerShdw>
+                    </a:effectLst>
+                  </c:spPr>
+                  <c:extLst>
+                    <c:ext xmlns:c16="http://schemas.microsoft.com/office/drawing/2014/chart" uri="{C3380CC4-5D6E-409C-BE32-E72D297353CC}">
+                      <c16:uniqueId val="{00000010-FD90-4203-8F9B-86E80D105410}"/>
+                    </c:ext>
+                  </c:extLst>
+                </c:dPt>
+                <c:dPt>
+                  <c:idx val="1"/>
+                  <c:bubble3D val="0"/>
+                  <c:spPr>
+                    <a:solidFill>
+                      <a:schemeClr val="accent3"/>
+                    </a:solidFill>
+                    <a:ln>
+                      <a:noFill/>
+                    </a:ln>
+                    <a:effectLst>
+                      <a:outerShdw blurRad="317500" algn="ctr" rotWithShape="0">
+                        <a:prstClr val="black">
+                          <a:alpha val="25000"/>
+                        </a:prstClr>
+                      </a:outerShdw>
+                    </a:effectLst>
+                  </c:spPr>
+                  <c:extLst>
+                    <c:ext xmlns:c16="http://schemas.microsoft.com/office/drawing/2014/chart" uri="{C3380CC4-5D6E-409C-BE32-E72D297353CC}">
+                      <c16:uniqueId val="{00000012-FD90-4203-8F9B-86E80D105410}"/>
+                    </c:ext>
+                  </c:extLst>
+                </c:dPt>
+                <c:dLbls>
+                  <c:spPr>
+                    <a:noFill/>
+                    <a:ln>
+                      <a:noFill/>
+                    </a:ln>
+                    <a:effectLst/>
+                  </c:spPr>
+                  <c:txPr>
+                    <a:bodyPr rot="0" spcFirstLastPara="1" vertOverflow="ellipsis" vert="horz" wrap="square" lIns="38100" tIns="19050" rIns="38100" bIns="19050" anchor="ctr" anchorCtr="1">
+                      <a:spAutoFit/>
+                    </a:bodyPr>
+                    <a:lstStyle/>
+                    <a:p>
+                      <a:pPr>
+                        <a:defRPr sz="900" b="1" i="0" u="none" strike="noStrike" kern="1200" baseline="0">
+                          <a:solidFill>
+                            <a:schemeClr val="lt1"/>
+                          </a:solidFill>
+                          <a:latin typeface="+mn-lt"/>
+                          <a:ea typeface="+mn-ea"/>
+                          <a:cs typeface="+mn-cs"/>
+                        </a:defRPr>
+                      </a:pPr>
+                      <a:endParaRPr lang="ko-KR"/>
+                    </a:p>
+                  </c:txPr>
+                  <c:dLblPos val="inEnd"/>
+                  <c:showLegendKey val="0"/>
+                  <c:showVal val="0"/>
+                  <c:showCatName val="0"/>
+                  <c:showSerName val="0"/>
+                  <c:showPercent val="1"/>
+                  <c:showBubbleSize val="0"/>
+                  <c:showLeaderLines val="1"/>
+                  <c:leaderLines>
+                    <c:spPr>
+                      <a:ln w="9525" cap="flat" cmpd="sng" algn="ctr">
+                        <a:solidFill>
+                          <a:schemeClr val="dk1">
+                            <a:lumMod val="35000"/>
+                            <a:lumOff val="65000"/>
+                          </a:schemeClr>
+                        </a:solidFill>
+                        <a:round/>
+                      </a:ln>
+                      <a:effectLst/>
+                    </c:spPr>
+                  </c:leaderLines>
+                  <c:extLst xmlns:c15="http://schemas.microsoft.com/office/drawing/2012/chart">
+                    <c:ext xmlns:c15="http://schemas.microsoft.com/office/drawing/2012/chart" uri="{CE6537A1-D6FC-4f65-9D91-7224C49458BB}"/>
+                  </c:extLst>
+                </c:dLbls>
+                <c:cat>
+                  <c:strRef>
+                    <c:extLst xmlns:c15="http://schemas.microsoft.com/office/drawing/2012/chart">
+                      <c:ext xmlns:c15="http://schemas.microsoft.com/office/drawing/2012/chart" uri="{02D57815-91ED-43cb-92C2-25804820EDAC}">
+                        <c15:formulaRef>
+                          <c15:sqref>Sheet2!$B$1:$C$1</c15:sqref>
+                        </c15:formulaRef>
+                      </c:ext>
+                    </c:extLst>
+                    <c:strCache>
+                      <c:ptCount val="2"/>
+                      <c:pt idx="0">
+                        <c:v>중국</c:v>
+                      </c:pt>
+                      <c:pt idx="1">
+                        <c:v>중국 외 국가</c:v>
+                      </c:pt>
+                    </c:strCache>
+                  </c:strRef>
+                </c:cat>
+                <c:val>
+                  <c:numRef>
+                    <c:extLst xmlns:c15="http://schemas.microsoft.com/office/drawing/2012/chart">
+                      <c:ext xmlns:c15="http://schemas.microsoft.com/office/drawing/2012/chart" uri="{02D57815-91ED-43cb-92C2-25804820EDAC}">
+                        <c15:formulaRef>
+                          <c15:sqref>Sheet2!$B$5:$C$5</c15:sqref>
+                        </c15:formulaRef>
+                      </c:ext>
+                    </c:extLst>
+                    <c:numCache>
+                      <c:formatCode>General</c:formatCode>
+                      <c:ptCount val="2"/>
+                      <c:pt idx="0">
+                        <c:v>666120</c:v>
+                      </c:pt>
+                      <c:pt idx="1">
+                        <c:v>504007</c:v>
+                      </c:pt>
+                    </c:numCache>
+                  </c:numRef>
+                </c:val>
+                <c:extLst xmlns:c15="http://schemas.microsoft.com/office/drawing/2012/chart">
+                  <c:ext xmlns:c16="http://schemas.microsoft.com/office/drawing/2014/chart" uri="{C3380CC4-5D6E-409C-BE32-E72D297353CC}">
+                    <c16:uniqueId val="{00000013-FD90-4203-8F9B-86E80D105410}"/>
+                  </c:ext>
+                </c:extLst>
+              </c15:ser>
+            </c15:filteredPieSeries>
+          </c:ext>
+        </c:extLst>
+      </c:pieChart>
+      <c:spPr>
+        <a:noFill/>
+        <a:ln>
+          <a:noFill/>
+        </a:ln>
+        <a:effectLst/>
+      </c:spPr>
+    </c:plotArea>
+    <c:legend>
+      <c:legendPos val="b"/>
+      <c:overlay val="0"/>
+      <c:spPr>
+        <a:solidFill>
+          <a:schemeClr val="lt1">
+            <a:alpha val="78000"/>
+          </a:schemeClr>
+        </a:solidFill>
+        <a:ln>
+          <a:noFill/>
+        </a:ln>
+        <a:effectLst/>
+      </c:spPr>
+      <c:txPr>
+        <a:bodyPr rot="0" spcFirstLastPara="1" vertOverflow="ellipsis" vert="horz" wrap="square" anchor="ctr" anchorCtr="1"/>
+        <a:lstStyle/>
+        <a:p>
+          <a:pPr>
+            <a:defRPr sz="900" b="0" i="0" u="none" strike="noStrike" kern="1200" baseline="0">
+              <a:solidFill>
+                <a:schemeClr val="dk1">
+                  <a:lumMod val="65000"/>
+                  <a:lumOff val="35000"/>
+                </a:schemeClr>
+              </a:solidFill>
+              <a:latin typeface="+mn-lt"/>
+              <a:ea typeface="+mn-ea"/>
+              <a:cs typeface="+mn-cs"/>
+            </a:defRPr>
+          </a:pPr>
+          <a:endParaRPr lang="ko-KR"/>
+        </a:p>
+      </c:txPr>
+    </c:legend>
+    <c:plotVisOnly val="1"/>
+    <c:dispBlanksAs val="gap"/>
+    <c:extLst>
+      <c:ext xmlns:c16r3="http://schemas.microsoft.com/office/drawing/2017/03/chart" uri="{56B9EC1D-385E-4148-901F-78D8002777C0}">
+        <c16r3:dataDisplayOptions16>
+          <c16r3:dispNaAsBlank val="1"/>
+        </c16r3:dataDisplayOptions16>
+      </c:ext>
+    </c:extLst>
+    <c:showDLblsOverMax val="0"/>
+  </c:chart>
+  <c:spPr>
+    <a:pattFill prst="dkDnDiag">
+      <a:fgClr>
+        <a:schemeClr val="lt1">
+          <a:lumMod val="95000"/>
+        </a:schemeClr>
+      </a:fgClr>
+      <a:bgClr>
+        <a:schemeClr val="lt1"/>
+      </a:bgClr>
+    </a:pattFill>
+    <a:ln w="9525" cap="flat" cmpd="sng" algn="ctr">
+      <a:solidFill>
+        <a:schemeClr val="dk1">
+          <a:lumMod val="15000"/>
+          <a:lumOff val="85000"/>
+        </a:schemeClr>
+      </a:solidFill>
+      <a:round/>
+    </a:ln>
+    <a:effectLst/>
+  </c:spPr>
+  <c:txPr>
+    <a:bodyPr/>
+    <a:lstStyle/>
+    <a:p>
+      <a:pPr>
+        <a:defRPr/>
+      </a:pPr>
+      <a:endParaRPr lang="ko-KR"/>
+    </a:p>
+  </c:txPr>
+  <c:externalData r:id="rId3">
+    <c:autoUpdate val="0"/>
+  </c:externalData>
+</c:chartSpace>
+</file>
+
+<file path=ppt/charts/chart3.xml><?xml version="1.0" encoding="utf-8"?>
+<c:chartSpace xmlns:c="http://schemas.openxmlformats.org/drawingml/2006/chart" xmlns:a="http://schemas.openxmlformats.org/drawingml/2006/main" xmlns:r="http://schemas.openxmlformats.org/officeDocument/2006/relationships" xmlns:c16r2="http://schemas.microsoft.com/office/drawing/2015/06/chart">
+  <c:date1904 val="0"/>
+  <c:lang val="ko-KR"/>
+  <c:roundedCorners val="0"/>
+  <mc:AlternateContent xmlns:mc="http://schemas.openxmlformats.org/markup-compatibility/2006">
+    <mc:Choice xmlns:c14="http://schemas.microsoft.com/office/drawing/2007/8/2/chart" Requires="c14">
+      <c14:style val="102"/>
+    </mc:Choice>
+    <mc:Fallback>
+      <c:style val="2"/>
+    </mc:Fallback>
+  </mc:AlternateContent>
+  <c:chart>
+    <c:title>
+      <c:tx>
+        <c:rich>
+          <a:bodyPr rot="0" spcFirstLastPara="1" vertOverflow="ellipsis" vert="horz" wrap="square" anchor="ctr" anchorCtr="1"/>
+          <a:lstStyle/>
+          <a:p>
+            <a:pPr>
+              <a:defRPr sz="1800" b="1" i="0" u="none" strike="noStrike" kern="1200" baseline="0">
+                <a:solidFill>
+                  <a:schemeClr val="dk1">
+                    <a:lumMod val="65000"/>
+                    <a:lumOff val="35000"/>
+                  </a:schemeClr>
+                </a:solidFill>
+                <a:latin typeface="+mn-lt"/>
+                <a:ea typeface="+mn-ea"/>
+                <a:cs typeface="+mn-cs"/>
+              </a:defRPr>
+            </a:pPr>
+            <a:r>
+              <a:rPr lang="en-US" altLang="ko-KR" sz="1600"/>
+              <a:t>2017</a:t>
+            </a:r>
+            <a:r>
+              <a:rPr lang="ko-KR" altLang="en-US" sz="1600"/>
+              <a:t>년</a:t>
+            </a:r>
+          </a:p>
+        </c:rich>
+      </c:tx>
+      <c:layout>
+        <c:manualLayout>
+          <c:xMode val="edge"/>
+          <c:yMode val="edge"/>
+          <c:x val="0.38557906433922462"/>
+          <c:y val="2.7777777777777776E-2"/>
+        </c:manualLayout>
+      </c:layout>
+      <c:overlay val="0"/>
+      <c:spPr>
+        <a:noFill/>
+        <a:ln>
+          <a:noFill/>
+        </a:ln>
+        <a:effectLst/>
+      </c:spPr>
+      <c:txPr>
+        <a:bodyPr rot="0" spcFirstLastPara="1" vertOverflow="ellipsis" vert="horz" wrap="square" anchor="ctr" anchorCtr="1"/>
+        <a:lstStyle/>
+        <a:p>
+          <a:pPr>
+            <a:defRPr sz="1800" b="1" i="0" u="none" strike="noStrike" kern="1200" baseline="0">
+              <a:solidFill>
+                <a:schemeClr val="dk1">
+                  <a:lumMod val="65000"/>
+                  <a:lumOff val="35000"/>
+                </a:schemeClr>
+              </a:solidFill>
+              <a:latin typeface="+mn-lt"/>
+              <a:ea typeface="+mn-ea"/>
+              <a:cs typeface="+mn-cs"/>
+            </a:defRPr>
+          </a:pPr>
+          <a:endParaRPr lang="ko-KR"/>
+        </a:p>
+      </c:txPr>
+    </c:title>
+    <c:autoTitleDeleted val="0"/>
+    <c:plotArea>
+      <c:layout/>
+      <c:pieChart>
+        <c:varyColors val="1"/>
+        <c:ser>
+          <c:idx val="2"/>
+          <c:order val="2"/>
+          <c:spPr>
+            <a:solidFill>
+              <a:srgbClr val="F26464"/>
+            </a:solidFill>
+          </c:spPr>
+          <c:dPt>
+            <c:idx val="0"/>
+            <c:bubble3D val="0"/>
+            <c:spPr>
+              <a:solidFill>
+                <a:srgbClr val="F26464"/>
+              </a:solidFill>
+              <a:ln>
+                <a:noFill/>
+              </a:ln>
+              <a:effectLst>
+                <a:outerShdw blurRad="317500" algn="ctr" rotWithShape="0">
+                  <a:prstClr val="black">
+                    <a:alpha val="25000"/>
+                  </a:prstClr>
+                </a:outerShdw>
+              </a:effectLst>
+            </c:spPr>
+            <c:extLst xmlns:c15="http://schemas.microsoft.com/office/drawing/2012/chart">
+              <c:ext xmlns:c16="http://schemas.microsoft.com/office/drawing/2014/chart" uri="{C3380CC4-5D6E-409C-BE32-E72D297353CC}">
+                <c16:uniqueId val="{00000001-DBDA-46EC-A686-C07FA62FA6EB}"/>
+              </c:ext>
+            </c:extLst>
+          </c:dPt>
+          <c:dPt>
+            <c:idx val="1"/>
+            <c:bubble3D val="0"/>
+            <c:spPr>
+              <a:solidFill>
+                <a:schemeClr val="bg2">
+                  <a:lumMod val="75000"/>
+                </a:schemeClr>
+              </a:solidFill>
+              <a:ln>
+                <a:noFill/>
+              </a:ln>
+              <a:effectLst>
+                <a:outerShdw blurRad="317500" algn="ctr" rotWithShape="0">
+                  <a:prstClr val="black">
+                    <a:alpha val="25000"/>
+                  </a:prstClr>
+                </a:outerShdw>
+              </a:effectLst>
+            </c:spPr>
+            <c:extLst xmlns:c15="http://schemas.microsoft.com/office/drawing/2012/chart">
+              <c:ext xmlns:c16="http://schemas.microsoft.com/office/drawing/2014/chart" uri="{C3380CC4-5D6E-409C-BE32-E72D297353CC}">
+                <c16:uniqueId val="{00000003-DBDA-46EC-A686-C07FA62FA6EB}"/>
+              </c:ext>
+            </c:extLst>
+          </c:dPt>
+          <c:dLbls>
+            <c:spPr>
+              <a:noFill/>
+              <a:ln>
+                <a:noFill/>
+              </a:ln>
+              <a:effectLst/>
+            </c:spPr>
+            <c:txPr>
+              <a:bodyPr rot="0" spcFirstLastPara="1" vertOverflow="ellipsis" vert="horz" wrap="square" lIns="38100" tIns="19050" rIns="38100" bIns="19050" anchor="ctr" anchorCtr="1">
+                <a:spAutoFit/>
+              </a:bodyPr>
+              <a:lstStyle/>
+              <a:p>
+                <a:pPr>
+                  <a:defRPr sz="900" b="1" i="0" u="none" strike="noStrike" kern="1200" baseline="0">
+                    <a:solidFill>
+                      <a:schemeClr val="lt1"/>
+                    </a:solidFill>
+                    <a:latin typeface="+mn-lt"/>
+                    <a:ea typeface="+mn-ea"/>
+                    <a:cs typeface="+mn-cs"/>
+                  </a:defRPr>
+                </a:pPr>
+                <a:endParaRPr lang="ko-KR"/>
+              </a:p>
+            </c:txPr>
+            <c:dLblPos val="inEnd"/>
+            <c:showLegendKey val="0"/>
+            <c:showVal val="0"/>
+            <c:showCatName val="0"/>
+            <c:showSerName val="0"/>
+            <c:showPercent val="1"/>
+            <c:showBubbleSize val="0"/>
+            <c:showLeaderLines val="1"/>
+            <c:leaderLines>
+              <c:spPr>
+                <a:ln w="9525" cap="flat" cmpd="sng" algn="ctr">
+                  <a:solidFill>
+                    <a:schemeClr val="dk1">
+                      <a:lumMod val="35000"/>
+                      <a:lumOff val="65000"/>
+                    </a:schemeClr>
+                  </a:solidFill>
+                  <a:round/>
+                </a:ln>
+                <a:effectLst/>
+              </c:spPr>
+            </c:leaderLines>
+            <c:extLst xmlns:c15="http://schemas.microsoft.com/office/drawing/2012/chart">
+              <c:ext xmlns:c15="http://schemas.microsoft.com/office/drawing/2012/chart" uri="{CE6537A1-D6FC-4f65-9D91-7224C49458BB}"/>
+            </c:extLst>
+          </c:dLbls>
+          <c:cat>
+            <c:strRef>
+              <c:f>Sheet2!$B$1:$C$1</c:f>
+              <c:strCache>
+                <c:ptCount val="2"/>
+                <c:pt idx="0">
+                  <c:v>중국</c:v>
+                </c:pt>
+                <c:pt idx="1">
+                  <c:v>중국 외 국가</c:v>
+                </c:pt>
+              </c:strCache>
+              <c:extLst xmlns:c15="http://schemas.microsoft.com/office/drawing/2012/chart"/>
+            </c:strRef>
+          </c:cat>
+          <c:val>
+            <c:numRef>
+              <c:f>Sheet2!$B$4:$C$4</c:f>
+              <c:numCache>
+                <c:formatCode>General</c:formatCode>
+                <c:ptCount val="2"/>
+                <c:pt idx="0">
+                  <c:v>747315</c:v>
+                </c:pt>
+                <c:pt idx="1">
+                  <c:v>459499</c:v>
+                </c:pt>
+              </c:numCache>
+              <c:extLst xmlns:c15="http://schemas.microsoft.com/office/drawing/2012/chart"/>
+            </c:numRef>
+          </c:val>
+          <c:extLst xmlns:c15="http://schemas.microsoft.com/office/drawing/2012/chart">
+            <c:ext xmlns:c16="http://schemas.microsoft.com/office/drawing/2014/chart" uri="{C3380CC4-5D6E-409C-BE32-E72D297353CC}">
+              <c16:uniqueId val="{00000004-DBDA-46EC-A686-C07FA62FA6EB}"/>
+            </c:ext>
+          </c:extLst>
+        </c:ser>
+        <c:dLbls>
+          <c:dLblPos val="inEnd"/>
+          <c:showLegendKey val="0"/>
+          <c:showVal val="0"/>
+          <c:showCatName val="0"/>
+          <c:showSerName val="0"/>
+          <c:showPercent val="1"/>
+          <c:showBubbleSize val="0"/>
+          <c:showLeaderLines val="1"/>
+        </c:dLbls>
+        <c:firstSliceAng val="0"/>
+        <c:extLst>
+          <c:ext xmlns:c15="http://schemas.microsoft.com/office/drawing/2012/chart" uri="{02D57815-91ED-43cb-92C2-25804820EDAC}">
+            <c15:filteredPieSeries>
+              <c15:ser>
+                <c:idx val="0"/>
+                <c:order val="0"/>
+                <c:spPr>
+                  <a:solidFill>
+                    <a:srgbClr val="FF0000"/>
+                  </a:solidFill>
+                </c:spPr>
+                <c:dPt>
+                  <c:idx val="0"/>
+                  <c:bubble3D val="0"/>
+                  <c:spPr>
+                    <a:solidFill>
+                      <a:srgbClr val="F26464"/>
+                    </a:solidFill>
+                    <a:ln>
+                      <a:noFill/>
+                    </a:ln>
+                    <a:effectLst>
+                      <a:outerShdw blurRad="317500" algn="ctr" rotWithShape="0">
+                        <a:prstClr val="black">
+                          <a:alpha val="25000"/>
+                        </a:prstClr>
+                      </a:outerShdw>
+                    </a:effectLst>
+                  </c:spPr>
+                  <c:extLst>
+                    <c:ext xmlns:c16="http://schemas.microsoft.com/office/drawing/2014/chart" uri="{C3380CC4-5D6E-409C-BE32-E72D297353CC}">
+                      <c16:uniqueId val="{00000006-DBDA-46EC-A686-C07FA62FA6EB}"/>
+                    </c:ext>
+                  </c:extLst>
+                </c:dPt>
+                <c:dPt>
+                  <c:idx val="1"/>
+                  <c:bubble3D val="0"/>
+                  <c:spPr>
+                    <a:solidFill>
+                      <a:schemeClr val="bg2">
+                        <a:lumMod val="75000"/>
+                      </a:schemeClr>
+                    </a:solidFill>
+                    <a:ln>
+                      <a:noFill/>
+                    </a:ln>
+                    <a:effectLst>
+                      <a:outerShdw blurRad="317500" algn="ctr" rotWithShape="0">
+                        <a:prstClr val="black">
+                          <a:alpha val="25000"/>
+                        </a:prstClr>
+                      </a:outerShdw>
+                    </a:effectLst>
+                  </c:spPr>
+                  <c:extLst>
+                    <c:ext xmlns:c16="http://schemas.microsoft.com/office/drawing/2014/chart" uri="{C3380CC4-5D6E-409C-BE32-E72D297353CC}">
+                      <c16:uniqueId val="{00000008-DBDA-46EC-A686-C07FA62FA6EB}"/>
+                    </c:ext>
+                  </c:extLst>
+                </c:dPt>
+                <c:dLbls>
+                  <c:spPr>
+                    <a:noFill/>
+                    <a:ln>
+                      <a:noFill/>
+                    </a:ln>
+                    <a:effectLst/>
+                  </c:spPr>
+                  <c:txPr>
+                    <a:bodyPr rot="0" spcFirstLastPara="1" vertOverflow="ellipsis" vert="horz" wrap="square" lIns="38100" tIns="19050" rIns="38100" bIns="19050" anchor="ctr" anchorCtr="1">
+                      <a:spAutoFit/>
+                    </a:bodyPr>
+                    <a:lstStyle/>
+                    <a:p>
+                      <a:pPr>
+                        <a:defRPr sz="900" b="1" i="0" u="none" strike="noStrike" kern="1200" baseline="0">
+                          <a:solidFill>
+                            <a:schemeClr val="lt1"/>
+                          </a:solidFill>
+                          <a:latin typeface="+mn-lt"/>
+                          <a:ea typeface="+mn-ea"/>
+                          <a:cs typeface="+mn-cs"/>
+                        </a:defRPr>
+                      </a:pPr>
+                      <a:endParaRPr lang="ko-KR"/>
+                    </a:p>
+                  </c:txPr>
+                  <c:dLblPos val="inEnd"/>
+                  <c:showLegendKey val="0"/>
+                  <c:showVal val="0"/>
+                  <c:showCatName val="0"/>
+                  <c:showSerName val="0"/>
+                  <c:showPercent val="1"/>
+                  <c:showBubbleSize val="0"/>
+                  <c:showLeaderLines val="1"/>
+                  <c:leaderLines>
+                    <c:spPr>
+                      <a:ln w="9525" cap="flat" cmpd="sng" algn="ctr">
+                        <a:solidFill>
+                          <a:schemeClr val="dk1">
+                            <a:lumMod val="35000"/>
+                            <a:lumOff val="65000"/>
+                          </a:schemeClr>
+                        </a:solidFill>
+                        <a:round/>
+                      </a:ln>
+                      <a:effectLst/>
+                    </c:spPr>
+                  </c:leaderLines>
+                  <c:extLst>
+                    <c:ext uri="{CE6537A1-D6FC-4f65-9D91-7224C49458BB}"/>
+                  </c:extLst>
+                </c:dLbls>
+                <c:cat>
+                  <c:strRef>
+                    <c:extLst>
+                      <c:ext uri="{02D57815-91ED-43cb-92C2-25804820EDAC}">
+                        <c15:formulaRef>
+                          <c15:sqref>Sheet2!$B$1:$C$1</c15:sqref>
+                        </c15:formulaRef>
+                      </c:ext>
+                    </c:extLst>
+                    <c:strCache>
+                      <c:ptCount val="2"/>
+                      <c:pt idx="0">
+                        <c:v>중국</c:v>
+                      </c:pt>
+                      <c:pt idx="1">
+                        <c:v>중국 외 국가</c:v>
+                      </c:pt>
+                    </c:strCache>
+                  </c:strRef>
+                </c:cat>
+                <c:val>
+                  <c:numRef>
+                    <c:extLst>
+                      <c:ext uri="{02D57815-91ED-43cb-92C2-25804820EDAC}">
+                        <c15:formulaRef>
+                          <c15:sqref>Sheet2!$B$2:$C$2</c15:sqref>
+                        </c15:formulaRef>
+                      </c:ext>
+                    </c:extLst>
+                    <c:numCache>
+                      <c:formatCode>General</c:formatCode>
+                      <c:ptCount val="2"/>
+                      <c:pt idx="0">
+                        <c:v>2237363</c:v>
+                      </c:pt>
+                      <c:pt idx="1">
+                        <c:v>341686</c:v>
+                      </c:pt>
+                    </c:numCache>
+                  </c:numRef>
+                </c:val>
+                <c:extLst>
+                  <c:ext xmlns:c16="http://schemas.microsoft.com/office/drawing/2014/chart" uri="{C3380CC4-5D6E-409C-BE32-E72D297353CC}">
+                    <c16:uniqueId val="{00000009-DBDA-46EC-A686-C07FA62FA6EB}"/>
+                  </c:ext>
+                </c:extLst>
+              </c15:ser>
+            </c15:filteredPieSeries>
+            <c15:filteredPieSeries>
+              <c15:ser>
+                <c:idx val="1"/>
+                <c:order val="1"/>
+                <c:dPt>
+                  <c:idx val="0"/>
+                  <c:bubble3D val="0"/>
+                  <c:spPr>
+                    <a:solidFill>
+                      <a:schemeClr val="accent1"/>
+                    </a:solidFill>
+                    <a:ln>
+                      <a:noFill/>
+                    </a:ln>
+                    <a:effectLst>
+                      <a:outerShdw blurRad="317500" algn="ctr" rotWithShape="0">
+                        <a:prstClr val="black">
+                          <a:alpha val="25000"/>
+                        </a:prstClr>
+                      </a:outerShdw>
+                    </a:effectLst>
+                  </c:spPr>
+                  <c:extLst xmlns:c15="http://schemas.microsoft.com/office/drawing/2012/chart">
+                    <c:ext xmlns:c16="http://schemas.microsoft.com/office/drawing/2014/chart" uri="{C3380CC4-5D6E-409C-BE32-E72D297353CC}">
+                      <c16:uniqueId val="{0000000B-DBDA-46EC-A686-C07FA62FA6EB}"/>
+                    </c:ext>
+                  </c:extLst>
+                </c:dPt>
+                <c:dPt>
+                  <c:idx val="1"/>
+                  <c:bubble3D val="0"/>
+                  <c:spPr>
+                    <a:solidFill>
+                      <a:schemeClr val="accent3"/>
+                    </a:solidFill>
+                    <a:ln>
+                      <a:noFill/>
+                    </a:ln>
+                    <a:effectLst>
+                      <a:outerShdw blurRad="317500" algn="ctr" rotWithShape="0">
+                        <a:prstClr val="black">
+                          <a:alpha val="25000"/>
+                        </a:prstClr>
+                      </a:outerShdw>
+                    </a:effectLst>
+                  </c:spPr>
+                  <c:extLst xmlns:c15="http://schemas.microsoft.com/office/drawing/2012/chart">
+                    <c:ext xmlns:c16="http://schemas.microsoft.com/office/drawing/2014/chart" uri="{C3380CC4-5D6E-409C-BE32-E72D297353CC}">
+                      <c16:uniqueId val="{0000000D-DBDA-46EC-A686-C07FA62FA6EB}"/>
+                    </c:ext>
+                  </c:extLst>
+                </c:dPt>
+                <c:dLbls>
+                  <c:spPr>
+                    <a:noFill/>
+                    <a:ln>
+                      <a:noFill/>
+                    </a:ln>
+                    <a:effectLst/>
+                  </c:spPr>
+                  <c:txPr>
+                    <a:bodyPr rot="0" spcFirstLastPara="1" vertOverflow="ellipsis" vert="horz" wrap="square" lIns="38100" tIns="19050" rIns="38100" bIns="19050" anchor="ctr" anchorCtr="1">
+                      <a:spAutoFit/>
+                    </a:bodyPr>
+                    <a:lstStyle/>
+                    <a:p>
+                      <a:pPr>
+                        <a:defRPr sz="900" b="1" i="0" u="none" strike="noStrike" kern="1200" baseline="0">
+                          <a:solidFill>
+                            <a:schemeClr val="lt1"/>
+                          </a:solidFill>
+                          <a:latin typeface="+mn-lt"/>
+                          <a:ea typeface="+mn-ea"/>
+                          <a:cs typeface="+mn-cs"/>
+                        </a:defRPr>
+                      </a:pPr>
+                      <a:endParaRPr lang="ko-KR"/>
+                    </a:p>
+                  </c:txPr>
+                  <c:dLblPos val="inEnd"/>
+                  <c:showLegendKey val="0"/>
+                  <c:showVal val="0"/>
+                  <c:showCatName val="0"/>
+                  <c:showSerName val="0"/>
+                  <c:showPercent val="1"/>
+                  <c:showBubbleSize val="0"/>
+                  <c:showLeaderLines val="1"/>
+                  <c:leaderLines>
+                    <c:spPr>
+                      <a:ln w="9525" cap="flat" cmpd="sng" algn="ctr">
+                        <a:solidFill>
+                          <a:schemeClr val="dk1">
+                            <a:lumMod val="35000"/>
+                            <a:lumOff val="65000"/>
+                          </a:schemeClr>
+                        </a:solidFill>
+                        <a:round/>
+                      </a:ln>
+                      <a:effectLst/>
+                    </c:spPr>
+                  </c:leaderLines>
+                  <c:extLst xmlns:c15="http://schemas.microsoft.com/office/drawing/2012/chart">
+                    <c:ext xmlns:c15="http://schemas.microsoft.com/office/drawing/2012/chart" uri="{CE6537A1-D6FC-4f65-9D91-7224C49458BB}"/>
+                  </c:extLst>
+                </c:dLbls>
+                <c:cat>
+                  <c:strRef>
+                    <c:extLst xmlns:c15="http://schemas.microsoft.com/office/drawing/2012/chart">
+                      <c:ext xmlns:c15="http://schemas.microsoft.com/office/drawing/2012/chart" uri="{02D57815-91ED-43cb-92C2-25804820EDAC}">
+                        <c15:formulaRef>
+                          <c15:sqref>Sheet2!$B$1:$C$1</c15:sqref>
+                        </c15:formulaRef>
+                      </c:ext>
+                    </c:extLst>
+                    <c:strCache>
+                      <c:ptCount val="2"/>
+                      <c:pt idx="0">
+                        <c:v>중국</c:v>
+                      </c:pt>
+                      <c:pt idx="1">
+                        <c:v>중국 외 국가</c:v>
+                      </c:pt>
+                    </c:strCache>
+                  </c:strRef>
+                </c:cat>
+                <c:val>
+                  <c:numRef>
+                    <c:extLst xmlns:c15="http://schemas.microsoft.com/office/drawing/2012/chart">
+                      <c:ext xmlns:c15="http://schemas.microsoft.com/office/drawing/2012/chart" uri="{02D57815-91ED-43cb-92C2-25804820EDAC}">
+                        <c15:formulaRef>
+                          <c15:sqref>Sheet2!$B$3:$C$3</c15:sqref>
+                        </c15:formulaRef>
+                      </c:ext>
+                    </c:extLst>
+                    <c:numCache>
+                      <c:formatCode>General</c:formatCode>
+                      <c:ptCount val="2"/>
+                      <c:pt idx="0">
+                        <c:v>3061522</c:v>
+                      </c:pt>
+                      <c:pt idx="1">
+                        <c:v>929304</c:v>
+                      </c:pt>
+                    </c:numCache>
+                  </c:numRef>
+                </c:val>
+                <c:extLst xmlns:c15="http://schemas.microsoft.com/office/drawing/2012/chart">
+                  <c:ext xmlns:c16="http://schemas.microsoft.com/office/drawing/2014/chart" uri="{C3380CC4-5D6E-409C-BE32-E72D297353CC}">
+                    <c16:uniqueId val="{0000000E-DBDA-46EC-A686-C07FA62FA6EB}"/>
+                  </c:ext>
+                </c:extLst>
+              </c15:ser>
+            </c15:filteredPieSeries>
+            <c15:filteredPieSeries>
+              <c15:ser>
+                <c:idx val="3"/>
+                <c:order val="3"/>
+                <c:dPt>
+                  <c:idx val="0"/>
+                  <c:bubble3D val="0"/>
+                  <c:spPr>
+                    <a:solidFill>
+                      <a:schemeClr val="accent1"/>
+                    </a:solidFill>
+                    <a:ln>
+                      <a:noFill/>
+                    </a:ln>
+                    <a:effectLst>
+                      <a:outerShdw blurRad="317500" algn="ctr" rotWithShape="0">
+                        <a:prstClr val="black">
+                          <a:alpha val="25000"/>
+                        </a:prstClr>
+                      </a:outerShdw>
+                    </a:effectLst>
+                  </c:spPr>
+                  <c:extLst xmlns:c15="http://schemas.microsoft.com/office/drawing/2012/chart">
+                    <c:ext xmlns:c16="http://schemas.microsoft.com/office/drawing/2014/chart" uri="{C3380CC4-5D6E-409C-BE32-E72D297353CC}">
+                      <c16:uniqueId val="{00000010-DBDA-46EC-A686-C07FA62FA6EB}"/>
+                    </c:ext>
+                  </c:extLst>
+                </c:dPt>
+                <c:dPt>
+                  <c:idx val="1"/>
+                  <c:bubble3D val="0"/>
+                  <c:spPr>
+                    <a:solidFill>
+                      <a:schemeClr val="accent3"/>
+                    </a:solidFill>
+                    <a:ln>
+                      <a:noFill/>
+                    </a:ln>
+                    <a:effectLst>
+                      <a:outerShdw blurRad="317500" algn="ctr" rotWithShape="0">
+                        <a:prstClr val="black">
+                          <a:alpha val="25000"/>
+                        </a:prstClr>
+                      </a:outerShdw>
+                    </a:effectLst>
+                  </c:spPr>
+                  <c:extLst xmlns:c15="http://schemas.microsoft.com/office/drawing/2012/chart">
+                    <c:ext xmlns:c16="http://schemas.microsoft.com/office/drawing/2014/chart" uri="{C3380CC4-5D6E-409C-BE32-E72D297353CC}">
+                      <c16:uniqueId val="{00000012-DBDA-46EC-A686-C07FA62FA6EB}"/>
+                    </c:ext>
+                  </c:extLst>
+                </c:dPt>
+                <c:dLbls>
+                  <c:spPr>
+                    <a:noFill/>
+                    <a:ln>
+                      <a:noFill/>
+                    </a:ln>
+                    <a:effectLst/>
+                  </c:spPr>
+                  <c:txPr>
+                    <a:bodyPr rot="0" spcFirstLastPara="1" vertOverflow="ellipsis" vert="horz" wrap="square" lIns="38100" tIns="19050" rIns="38100" bIns="19050" anchor="ctr" anchorCtr="1">
+                      <a:spAutoFit/>
+                    </a:bodyPr>
+                    <a:lstStyle/>
+                    <a:p>
+                      <a:pPr>
+                        <a:defRPr sz="900" b="1" i="0" u="none" strike="noStrike" kern="1200" baseline="0">
+                          <a:solidFill>
+                            <a:schemeClr val="lt1"/>
+                          </a:solidFill>
+                          <a:latin typeface="+mn-lt"/>
+                          <a:ea typeface="+mn-ea"/>
+                          <a:cs typeface="+mn-cs"/>
+                        </a:defRPr>
+                      </a:pPr>
+                      <a:endParaRPr lang="ko-KR"/>
+                    </a:p>
+                  </c:txPr>
+                  <c:dLblPos val="inEnd"/>
+                  <c:showLegendKey val="0"/>
+                  <c:showVal val="0"/>
+                  <c:showCatName val="0"/>
+                  <c:showSerName val="0"/>
+                  <c:showPercent val="1"/>
+                  <c:showBubbleSize val="0"/>
+                  <c:showLeaderLines val="1"/>
+                  <c:leaderLines>
+                    <c:spPr>
+                      <a:ln w="9525" cap="flat" cmpd="sng" algn="ctr">
+                        <a:solidFill>
+                          <a:schemeClr val="dk1">
+                            <a:lumMod val="35000"/>
+                            <a:lumOff val="65000"/>
+                          </a:schemeClr>
+                        </a:solidFill>
+                        <a:round/>
+                      </a:ln>
+                      <a:effectLst/>
+                    </c:spPr>
+                  </c:leaderLines>
+                  <c:extLst xmlns:c15="http://schemas.microsoft.com/office/drawing/2012/chart">
+                    <c:ext xmlns:c15="http://schemas.microsoft.com/office/drawing/2012/chart" uri="{CE6537A1-D6FC-4f65-9D91-7224C49458BB}"/>
+                  </c:extLst>
+                </c:dLbls>
+                <c:cat>
+                  <c:strRef>
+                    <c:extLst xmlns:c15="http://schemas.microsoft.com/office/drawing/2012/chart">
+                      <c:ext xmlns:c15="http://schemas.microsoft.com/office/drawing/2012/chart" uri="{02D57815-91ED-43cb-92C2-25804820EDAC}">
+                        <c15:formulaRef>
+                          <c15:sqref>Sheet2!$B$1:$C$1</c15:sqref>
+                        </c15:formulaRef>
+                      </c:ext>
+                    </c:extLst>
+                    <c:strCache>
+                      <c:ptCount val="2"/>
+                      <c:pt idx="0">
+                        <c:v>중국</c:v>
+                      </c:pt>
+                      <c:pt idx="1">
+                        <c:v>중국 외 국가</c:v>
+                      </c:pt>
+                    </c:strCache>
+                  </c:strRef>
+                </c:cat>
+                <c:val>
+                  <c:numRef>
+                    <c:extLst xmlns:c15="http://schemas.microsoft.com/office/drawing/2012/chart">
+                      <c:ext xmlns:c15="http://schemas.microsoft.com/office/drawing/2012/chart" uri="{02D57815-91ED-43cb-92C2-25804820EDAC}">
+                        <c15:formulaRef>
+                          <c15:sqref>Sheet2!$B$5:$C$5</c15:sqref>
+                        </c15:formulaRef>
+                      </c:ext>
+                    </c:extLst>
+                    <c:numCache>
+                      <c:formatCode>General</c:formatCode>
+                      <c:ptCount val="2"/>
+                      <c:pt idx="0">
+                        <c:v>666120</c:v>
+                      </c:pt>
+                      <c:pt idx="1">
+                        <c:v>504007</c:v>
+                      </c:pt>
+                    </c:numCache>
+                  </c:numRef>
+                </c:val>
+                <c:extLst xmlns:c15="http://schemas.microsoft.com/office/drawing/2012/chart">
+                  <c:ext xmlns:c16="http://schemas.microsoft.com/office/drawing/2014/chart" uri="{C3380CC4-5D6E-409C-BE32-E72D297353CC}">
+                    <c16:uniqueId val="{00000013-DBDA-46EC-A686-C07FA62FA6EB}"/>
+                  </c:ext>
+                </c:extLst>
+              </c15:ser>
+            </c15:filteredPieSeries>
+          </c:ext>
+        </c:extLst>
+      </c:pieChart>
+      <c:spPr>
+        <a:noFill/>
+        <a:ln>
+          <a:noFill/>
+        </a:ln>
+        <a:effectLst/>
+      </c:spPr>
+    </c:plotArea>
+    <c:legend>
+      <c:legendPos val="b"/>
+      <c:overlay val="0"/>
+      <c:spPr>
+        <a:solidFill>
+          <a:schemeClr val="lt1">
+            <a:alpha val="78000"/>
+          </a:schemeClr>
+        </a:solidFill>
+        <a:ln>
+          <a:noFill/>
+        </a:ln>
+        <a:effectLst/>
+      </c:spPr>
+      <c:txPr>
+        <a:bodyPr rot="0" spcFirstLastPara="1" vertOverflow="ellipsis" vert="horz" wrap="square" anchor="ctr" anchorCtr="1"/>
+        <a:lstStyle/>
+        <a:p>
+          <a:pPr>
+            <a:defRPr sz="900" b="0" i="0" u="none" strike="noStrike" kern="1200" baseline="0">
+              <a:solidFill>
+                <a:schemeClr val="dk1">
+                  <a:lumMod val="65000"/>
+                  <a:lumOff val="35000"/>
+                </a:schemeClr>
+              </a:solidFill>
+              <a:latin typeface="+mn-lt"/>
+              <a:ea typeface="+mn-ea"/>
+              <a:cs typeface="+mn-cs"/>
+            </a:defRPr>
+          </a:pPr>
+          <a:endParaRPr lang="ko-KR"/>
+        </a:p>
+      </c:txPr>
+    </c:legend>
+    <c:plotVisOnly val="1"/>
+    <c:dispBlanksAs val="gap"/>
+    <c:extLst>
+      <c:ext xmlns:c16r3="http://schemas.microsoft.com/office/drawing/2017/03/chart" uri="{56B9EC1D-385E-4148-901F-78D8002777C0}">
+        <c16r3:dataDisplayOptions16>
+          <c16r3:dispNaAsBlank val="1"/>
+        </c16r3:dataDisplayOptions16>
+      </c:ext>
+    </c:extLst>
+    <c:showDLblsOverMax val="0"/>
+  </c:chart>
+  <c:spPr>
+    <a:pattFill prst="dkDnDiag">
+      <a:fgClr>
+        <a:schemeClr val="lt1">
+          <a:lumMod val="95000"/>
+        </a:schemeClr>
+      </a:fgClr>
+      <a:bgClr>
+        <a:schemeClr val="lt1"/>
+      </a:bgClr>
+    </a:pattFill>
+    <a:ln w="9525" cap="flat" cmpd="sng" algn="ctr">
+      <a:solidFill>
+        <a:schemeClr val="dk1">
+          <a:lumMod val="15000"/>
+          <a:lumOff val="85000"/>
+        </a:schemeClr>
+      </a:solidFill>
+      <a:round/>
+    </a:ln>
+    <a:effectLst/>
+  </c:spPr>
+  <c:txPr>
+    <a:bodyPr/>
+    <a:lstStyle/>
+    <a:p>
+      <a:pPr>
+        <a:defRPr/>
+      </a:pPr>
+      <a:endParaRPr lang="ko-KR"/>
+    </a:p>
+  </c:txPr>
+  <c:externalData r:id="rId3">
+    <c:autoUpdate val="0"/>
+  </c:externalData>
+</c:chartSpace>
+</file>
+
+<file path=ppt/charts/chart4.xml><?xml version="1.0" encoding="utf-8"?>
+<c:chartSpace xmlns:c="http://schemas.openxmlformats.org/drawingml/2006/chart" xmlns:a="http://schemas.openxmlformats.org/drawingml/2006/main" xmlns:r="http://schemas.openxmlformats.org/officeDocument/2006/relationships" xmlns:c16r2="http://schemas.microsoft.com/office/drawing/2015/06/chart">
+  <c:date1904 val="0"/>
+  <c:lang val="ko-KR"/>
+  <c:roundedCorners val="0"/>
+  <mc:AlternateContent xmlns:mc="http://schemas.openxmlformats.org/markup-compatibility/2006">
+    <mc:Choice xmlns:c14="http://schemas.microsoft.com/office/drawing/2007/8/2/chart" Requires="c14">
+      <c14:style val="102"/>
+    </mc:Choice>
+    <mc:Fallback>
+      <c:style val="2"/>
+    </mc:Fallback>
+  </mc:AlternateContent>
+  <c:chart>
+    <c:title>
+      <c:tx>
+        <c:rich>
+          <a:bodyPr rot="0" spcFirstLastPara="1" vertOverflow="ellipsis" vert="horz" wrap="square" anchor="ctr" anchorCtr="1"/>
+          <a:lstStyle/>
+          <a:p>
+            <a:pPr>
+              <a:defRPr sz="1800" b="1" i="0" u="none" strike="noStrike" kern="1200" baseline="0">
+                <a:solidFill>
+                  <a:schemeClr val="dk1">
+                    <a:lumMod val="65000"/>
+                    <a:lumOff val="35000"/>
+                  </a:schemeClr>
+                </a:solidFill>
+                <a:latin typeface="+mn-lt"/>
+                <a:ea typeface="+mn-ea"/>
+                <a:cs typeface="+mn-cs"/>
+              </a:defRPr>
+            </a:pPr>
+            <a:r>
+              <a:rPr lang="en-US" altLang="ko-KR" sz="1600"/>
+              <a:t>2018</a:t>
+            </a:r>
+            <a:r>
+              <a:rPr lang="ko-KR" altLang="en-US" sz="1600"/>
+              <a:t>년</a:t>
+            </a:r>
+          </a:p>
+        </c:rich>
+      </c:tx>
+      <c:layout>
+        <c:manualLayout>
+          <c:xMode val="edge"/>
+          <c:yMode val="edge"/>
+          <c:x val="0.38557906433922462"/>
+          <c:y val="2.7777777777777776E-2"/>
+        </c:manualLayout>
+      </c:layout>
+      <c:overlay val="0"/>
+      <c:spPr>
+        <a:noFill/>
+        <a:ln>
+          <a:noFill/>
+        </a:ln>
+        <a:effectLst/>
+      </c:spPr>
+      <c:txPr>
+        <a:bodyPr rot="0" spcFirstLastPara="1" vertOverflow="ellipsis" vert="horz" wrap="square" anchor="ctr" anchorCtr="1"/>
+        <a:lstStyle/>
+        <a:p>
+          <a:pPr>
+            <a:defRPr sz="1800" b="1" i="0" u="none" strike="noStrike" kern="1200" baseline="0">
+              <a:solidFill>
+                <a:schemeClr val="dk1">
+                  <a:lumMod val="65000"/>
+                  <a:lumOff val="35000"/>
+                </a:schemeClr>
+              </a:solidFill>
+              <a:latin typeface="+mn-lt"/>
+              <a:ea typeface="+mn-ea"/>
+              <a:cs typeface="+mn-cs"/>
+            </a:defRPr>
+          </a:pPr>
+          <a:endParaRPr lang="ko-KR"/>
+        </a:p>
+      </c:txPr>
+    </c:title>
+    <c:autoTitleDeleted val="0"/>
+    <c:plotArea>
+      <c:layout/>
+      <c:pieChart>
+        <c:varyColors val="1"/>
+        <c:ser>
+          <c:idx val="3"/>
+          <c:order val="3"/>
+          <c:dPt>
+            <c:idx val="0"/>
+            <c:bubble3D val="0"/>
+            <c:spPr>
+              <a:solidFill>
+                <a:srgbClr val="F26464"/>
+              </a:solidFill>
+              <a:ln>
+                <a:noFill/>
+              </a:ln>
+              <a:effectLst>
+                <a:outerShdw blurRad="317500" algn="ctr" rotWithShape="0">
+                  <a:prstClr val="black">
+                    <a:alpha val="25000"/>
+                  </a:prstClr>
+                </a:outerShdw>
+              </a:effectLst>
+            </c:spPr>
+            <c:extLst xmlns:c15="http://schemas.microsoft.com/office/drawing/2012/chart">
+              <c:ext xmlns:c16="http://schemas.microsoft.com/office/drawing/2014/chart" uri="{C3380CC4-5D6E-409C-BE32-E72D297353CC}">
+                <c16:uniqueId val="{00000001-B88F-4E12-9BB5-899A17D7C23E}"/>
+              </c:ext>
+            </c:extLst>
+          </c:dPt>
+          <c:dPt>
+            <c:idx val="1"/>
+            <c:bubble3D val="0"/>
+            <c:spPr>
+              <a:solidFill>
+                <a:schemeClr val="accent3"/>
+              </a:solidFill>
+              <a:ln>
+                <a:noFill/>
+              </a:ln>
+              <a:effectLst>
+                <a:outerShdw blurRad="317500" algn="ctr" rotWithShape="0">
+                  <a:prstClr val="black">
+                    <a:alpha val="25000"/>
+                  </a:prstClr>
+                </a:outerShdw>
+              </a:effectLst>
+            </c:spPr>
+            <c:extLst xmlns:c15="http://schemas.microsoft.com/office/drawing/2012/chart">
+              <c:ext xmlns:c16="http://schemas.microsoft.com/office/drawing/2014/chart" uri="{C3380CC4-5D6E-409C-BE32-E72D297353CC}">
+                <c16:uniqueId val="{00000003-B88F-4E12-9BB5-899A17D7C23E}"/>
+              </c:ext>
+            </c:extLst>
+          </c:dPt>
+          <c:dLbls>
+            <c:spPr>
+              <a:noFill/>
+              <a:ln>
+                <a:noFill/>
+              </a:ln>
+              <a:effectLst/>
+            </c:spPr>
+            <c:txPr>
+              <a:bodyPr rot="0" spcFirstLastPara="1" vertOverflow="ellipsis" vert="horz" wrap="square" lIns="38100" tIns="19050" rIns="38100" bIns="19050" anchor="ctr" anchorCtr="1">
+                <a:spAutoFit/>
+              </a:bodyPr>
+              <a:lstStyle/>
+              <a:p>
+                <a:pPr>
+                  <a:defRPr sz="900" b="1" i="0" u="none" strike="noStrike" kern="1200" baseline="0">
+                    <a:solidFill>
+                      <a:schemeClr val="lt1"/>
+                    </a:solidFill>
+                    <a:latin typeface="+mn-lt"/>
+                    <a:ea typeface="+mn-ea"/>
+                    <a:cs typeface="+mn-cs"/>
+                  </a:defRPr>
+                </a:pPr>
+                <a:endParaRPr lang="ko-KR"/>
+              </a:p>
+            </c:txPr>
+            <c:dLblPos val="inEnd"/>
+            <c:showLegendKey val="0"/>
+            <c:showVal val="0"/>
+            <c:showCatName val="0"/>
+            <c:showSerName val="0"/>
+            <c:showPercent val="1"/>
+            <c:showBubbleSize val="0"/>
+            <c:showLeaderLines val="1"/>
+            <c:leaderLines>
+              <c:spPr>
+                <a:ln w="9525" cap="flat" cmpd="sng" algn="ctr">
+                  <a:solidFill>
+                    <a:schemeClr val="dk1">
+                      <a:lumMod val="35000"/>
+                      <a:lumOff val="65000"/>
+                    </a:schemeClr>
+                  </a:solidFill>
+                  <a:round/>
+                </a:ln>
+                <a:effectLst/>
+              </c:spPr>
+            </c:leaderLines>
+            <c:extLst xmlns:c15="http://schemas.microsoft.com/office/drawing/2012/chart">
+              <c:ext xmlns:c15="http://schemas.microsoft.com/office/drawing/2012/chart" uri="{CE6537A1-D6FC-4f65-9D91-7224C49458BB}"/>
+            </c:extLst>
+          </c:dLbls>
+          <c:cat>
+            <c:strRef>
+              <c:f>Sheet2!$B$1:$C$1</c:f>
+              <c:strCache>
+                <c:ptCount val="2"/>
+                <c:pt idx="0">
+                  <c:v>중국</c:v>
+                </c:pt>
+                <c:pt idx="1">
+                  <c:v>중국 외 국가</c:v>
+                </c:pt>
+              </c:strCache>
+              <c:extLst xmlns:c15="http://schemas.microsoft.com/office/drawing/2012/chart"/>
+            </c:strRef>
+          </c:cat>
+          <c:val>
+            <c:numRef>
+              <c:f>Sheet2!$B$5:$C$5</c:f>
+              <c:numCache>
+                <c:formatCode>General</c:formatCode>
+                <c:ptCount val="2"/>
+                <c:pt idx="0">
+                  <c:v>666120</c:v>
+                </c:pt>
+                <c:pt idx="1">
+                  <c:v>504007</c:v>
+                </c:pt>
+              </c:numCache>
+              <c:extLst xmlns:c15="http://schemas.microsoft.com/office/drawing/2012/chart"/>
+            </c:numRef>
+          </c:val>
+          <c:extLst xmlns:c15="http://schemas.microsoft.com/office/drawing/2012/chart">
+            <c:ext xmlns:c16="http://schemas.microsoft.com/office/drawing/2014/chart" uri="{C3380CC4-5D6E-409C-BE32-E72D297353CC}">
+              <c16:uniqueId val="{00000004-B88F-4E12-9BB5-899A17D7C23E}"/>
+            </c:ext>
+          </c:extLst>
+        </c:ser>
+        <c:dLbls>
+          <c:dLblPos val="inEnd"/>
+          <c:showLegendKey val="0"/>
+          <c:showVal val="0"/>
+          <c:showCatName val="0"/>
+          <c:showSerName val="0"/>
+          <c:showPercent val="1"/>
+          <c:showBubbleSize val="0"/>
+          <c:showLeaderLines val="1"/>
+        </c:dLbls>
+        <c:firstSliceAng val="0"/>
+        <c:extLst>
+          <c:ext xmlns:c15="http://schemas.microsoft.com/office/drawing/2012/chart" uri="{02D57815-91ED-43cb-92C2-25804820EDAC}">
+            <c15:filteredPieSeries>
+              <c15:ser>
+                <c:idx val="0"/>
+                <c:order val="0"/>
+                <c:spPr>
+                  <a:solidFill>
+                    <a:srgbClr val="FF0000"/>
+                  </a:solidFill>
+                </c:spPr>
+                <c:dPt>
+                  <c:idx val="0"/>
+                  <c:bubble3D val="0"/>
+                  <c:spPr>
+                    <a:solidFill>
+                      <a:srgbClr val="F26464"/>
+                    </a:solidFill>
+                    <a:ln>
+                      <a:noFill/>
+                    </a:ln>
+                    <a:effectLst>
+                      <a:outerShdw blurRad="317500" algn="ctr" rotWithShape="0">
+                        <a:prstClr val="black">
+                          <a:alpha val="25000"/>
+                        </a:prstClr>
+                      </a:outerShdw>
+                    </a:effectLst>
+                  </c:spPr>
+                  <c:extLst>
+                    <c:ext xmlns:c16="http://schemas.microsoft.com/office/drawing/2014/chart" uri="{C3380CC4-5D6E-409C-BE32-E72D297353CC}">
+                      <c16:uniqueId val="{00000006-B88F-4E12-9BB5-899A17D7C23E}"/>
+                    </c:ext>
+                  </c:extLst>
+                </c:dPt>
+                <c:dPt>
+                  <c:idx val="1"/>
+                  <c:bubble3D val="0"/>
+                  <c:spPr>
+                    <a:solidFill>
+                      <a:schemeClr val="bg2">
+                        <a:lumMod val="75000"/>
+                      </a:schemeClr>
+                    </a:solidFill>
+                    <a:ln>
+                      <a:noFill/>
+                    </a:ln>
+                    <a:effectLst>
+                      <a:outerShdw blurRad="317500" algn="ctr" rotWithShape="0">
+                        <a:prstClr val="black">
+                          <a:alpha val="25000"/>
+                        </a:prstClr>
+                      </a:outerShdw>
+                    </a:effectLst>
+                  </c:spPr>
+                  <c:extLst>
+                    <c:ext xmlns:c16="http://schemas.microsoft.com/office/drawing/2014/chart" uri="{C3380CC4-5D6E-409C-BE32-E72D297353CC}">
+                      <c16:uniqueId val="{00000008-B88F-4E12-9BB5-899A17D7C23E}"/>
+                    </c:ext>
+                  </c:extLst>
+                </c:dPt>
+                <c:dLbls>
+                  <c:spPr>
+                    <a:noFill/>
+                    <a:ln>
+                      <a:noFill/>
+                    </a:ln>
+                    <a:effectLst/>
+                  </c:spPr>
+                  <c:txPr>
+                    <a:bodyPr rot="0" spcFirstLastPara="1" vertOverflow="ellipsis" vert="horz" wrap="square" lIns="38100" tIns="19050" rIns="38100" bIns="19050" anchor="ctr" anchorCtr="1">
+                      <a:spAutoFit/>
+                    </a:bodyPr>
+                    <a:lstStyle/>
+                    <a:p>
+                      <a:pPr>
+                        <a:defRPr sz="900" b="1" i="0" u="none" strike="noStrike" kern="1200" baseline="0">
+                          <a:solidFill>
+                            <a:schemeClr val="lt1"/>
+                          </a:solidFill>
+                          <a:latin typeface="+mn-lt"/>
+                          <a:ea typeface="+mn-ea"/>
+                          <a:cs typeface="+mn-cs"/>
+                        </a:defRPr>
+                      </a:pPr>
+                      <a:endParaRPr lang="ko-KR"/>
+                    </a:p>
+                  </c:txPr>
+                  <c:dLblPos val="inEnd"/>
+                  <c:showLegendKey val="0"/>
+                  <c:showVal val="0"/>
+                  <c:showCatName val="0"/>
+                  <c:showSerName val="0"/>
+                  <c:showPercent val="1"/>
+                  <c:showBubbleSize val="0"/>
+                  <c:showLeaderLines val="1"/>
+                  <c:leaderLines>
+                    <c:spPr>
+                      <a:ln w="9525" cap="flat" cmpd="sng" algn="ctr">
+                        <a:solidFill>
+                          <a:schemeClr val="dk1">
+                            <a:lumMod val="35000"/>
+                            <a:lumOff val="65000"/>
+                          </a:schemeClr>
+                        </a:solidFill>
+                        <a:round/>
+                      </a:ln>
+                      <a:effectLst/>
+                    </c:spPr>
+                  </c:leaderLines>
+                  <c:extLst>
+                    <c:ext uri="{CE6537A1-D6FC-4f65-9D91-7224C49458BB}"/>
+                  </c:extLst>
+                </c:dLbls>
+                <c:cat>
+                  <c:strRef>
+                    <c:extLst>
+                      <c:ext uri="{02D57815-91ED-43cb-92C2-25804820EDAC}">
+                        <c15:formulaRef>
+                          <c15:sqref>Sheet2!$B$1:$C$1</c15:sqref>
+                        </c15:formulaRef>
+                      </c:ext>
+                    </c:extLst>
+                    <c:strCache>
+                      <c:ptCount val="2"/>
+                      <c:pt idx="0">
+                        <c:v>중국</c:v>
+                      </c:pt>
+                      <c:pt idx="1">
+                        <c:v>중국 외 국가</c:v>
+                      </c:pt>
+                    </c:strCache>
+                  </c:strRef>
+                </c:cat>
+                <c:val>
+                  <c:numRef>
+                    <c:extLst>
+                      <c:ext uri="{02D57815-91ED-43cb-92C2-25804820EDAC}">
+                        <c15:formulaRef>
+                          <c15:sqref>Sheet2!$B$2:$C$2</c15:sqref>
+                        </c15:formulaRef>
+                      </c:ext>
+                    </c:extLst>
+                    <c:numCache>
+                      <c:formatCode>General</c:formatCode>
+                      <c:ptCount val="2"/>
+                      <c:pt idx="0">
+                        <c:v>2237363</c:v>
+                      </c:pt>
+                      <c:pt idx="1">
+                        <c:v>341686</c:v>
+                      </c:pt>
+                    </c:numCache>
+                  </c:numRef>
+                </c:val>
+                <c:extLst>
+                  <c:ext xmlns:c16="http://schemas.microsoft.com/office/drawing/2014/chart" uri="{C3380CC4-5D6E-409C-BE32-E72D297353CC}">
+                    <c16:uniqueId val="{00000009-B88F-4E12-9BB5-899A17D7C23E}"/>
+                  </c:ext>
+                </c:extLst>
+              </c15:ser>
+            </c15:filteredPieSeries>
+            <c15:filteredPieSeries>
+              <c15:ser>
+                <c:idx val="1"/>
+                <c:order val="1"/>
+                <c:dPt>
+                  <c:idx val="0"/>
+                  <c:bubble3D val="0"/>
+                  <c:spPr>
+                    <a:solidFill>
+                      <a:schemeClr val="accent1"/>
+                    </a:solidFill>
+                    <a:ln>
+                      <a:noFill/>
+                    </a:ln>
+                    <a:effectLst>
+                      <a:outerShdw blurRad="317500" algn="ctr" rotWithShape="0">
+                        <a:prstClr val="black">
+                          <a:alpha val="25000"/>
+                        </a:prstClr>
+                      </a:outerShdw>
+                    </a:effectLst>
+                  </c:spPr>
+                  <c:extLst xmlns:c15="http://schemas.microsoft.com/office/drawing/2012/chart">
+                    <c:ext xmlns:c16="http://schemas.microsoft.com/office/drawing/2014/chart" uri="{C3380CC4-5D6E-409C-BE32-E72D297353CC}">
+                      <c16:uniqueId val="{0000000B-B88F-4E12-9BB5-899A17D7C23E}"/>
+                    </c:ext>
+                  </c:extLst>
+                </c:dPt>
+                <c:dPt>
+                  <c:idx val="1"/>
+                  <c:bubble3D val="0"/>
+                  <c:spPr>
+                    <a:solidFill>
+                      <a:schemeClr val="accent3"/>
+                    </a:solidFill>
+                    <a:ln>
+                      <a:noFill/>
+                    </a:ln>
+                    <a:effectLst>
+                      <a:outerShdw blurRad="317500" algn="ctr" rotWithShape="0">
+                        <a:prstClr val="black">
+                          <a:alpha val="25000"/>
+                        </a:prstClr>
+                      </a:outerShdw>
+                    </a:effectLst>
+                  </c:spPr>
+                  <c:extLst xmlns:c15="http://schemas.microsoft.com/office/drawing/2012/chart">
+                    <c:ext xmlns:c16="http://schemas.microsoft.com/office/drawing/2014/chart" uri="{C3380CC4-5D6E-409C-BE32-E72D297353CC}">
+                      <c16:uniqueId val="{0000000D-B88F-4E12-9BB5-899A17D7C23E}"/>
+                    </c:ext>
+                  </c:extLst>
+                </c:dPt>
+                <c:dLbls>
+                  <c:spPr>
+                    <a:noFill/>
+                    <a:ln>
+                      <a:noFill/>
+                    </a:ln>
+                    <a:effectLst/>
+                  </c:spPr>
+                  <c:txPr>
+                    <a:bodyPr rot="0" spcFirstLastPara="1" vertOverflow="ellipsis" vert="horz" wrap="square" lIns="38100" tIns="19050" rIns="38100" bIns="19050" anchor="ctr" anchorCtr="1">
+                      <a:spAutoFit/>
+                    </a:bodyPr>
+                    <a:lstStyle/>
+                    <a:p>
+                      <a:pPr>
+                        <a:defRPr sz="900" b="1" i="0" u="none" strike="noStrike" kern="1200" baseline="0">
+                          <a:solidFill>
+                            <a:schemeClr val="lt1"/>
+                          </a:solidFill>
+                          <a:latin typeface="+mn-lt"/>
+                          <a:ea typeface="+mn-ea"/>
+                          <a:cs typeface="+mn-cs"/>
+                        </a:defRPr>
+                      </a:pPr>
+                      <a:endParaRPr lang="ko-KR"/>
+                    </a:p>
+                  </c:txPr>
+                  <c:dLblPos val="inEnd"/>
+                  <c:showLegendKey val="0"/>
+                  <c:showVal val="0"/>
+                  <c:showCatName val="0"/>
+                  <c:showSerName val="0"/>
+                  <c:showPercent val="1"/>
+                  <c:showBubbleSize val="0"/>
+                  <c:showLeaderLines val="1"/>
+                  <c:leaderLines>
+                    <c:spPr>
+                      <a:ln w="9525" cap="flat" cmpd="sng" algn="ctr">
+                        <a:solidFill>
+                          <a:schemeClr val="dk1">
+                            <a:lumMod val="35000"/>
+                            <a:lumOff val="65000"/>
+                          </a:schemeClr>
+                        </a:solidFill>
+                        <a:round/>
+                      </a:ln>
+                      <a:effectLst/>
+                    </c:spPr>
+                  </c:leaderLines>
+                  <c:extLst xmlns:c15="http://schemas.microsoft.com/office/drawing/2012/chart">
+                    <c:ext xmlns:c15="http://schemas.microsoft.com/office/drawing/2012/chart" uri="{CE6537A1-D6FC-4f65-9D91-7224C49458BB}"/>
+                  </c:extLst>
+                </c:dLbls>
+                <c:cat>
+                  <c:strRef>
+                    <c:extLst xmlns:c15="http://schemas.microsoft.com/office/drawing/2012/chart">
+                      <c:ext xmlns:c15="http://schemas.microsoft.com/office/drawing/2012/chart" uri="{02D57815-91ED-43cb-92C2-25804820EDAC}">
+                        <c15:formulaRef>
+                          <c15:sqref>Sheet2!$B$1:$C$1</c15:sqref>
+                        </c15:formulaRef>
+                      </c:ext>
+                    </c:extLst>
+                    <c:strCache>
+                      <c:ptCount val="2"/>
+                      <c:pt idx="0">
+                        <c:v>중국</c:v>
+                      </c:pt>
+                      <c:pt idx="1">
+                        <c:v>중국 외 국가</c:v>
+                      </c:pt>
+                    </c:strCache>
+                  </c:strRef>
+                </c:cat>
+                <c:val>
+                  <c:numRef>
+                    <c:extLst xmlns:c15="http://schemas.microsoft.com/office/drawing/2012/chart">
+                      <c:ext xmlns:c15="http://schemas.microsoft.com/office/drawing/2012/chart" uri="{02D57815-91ED-43cb-92C2-25804820EDAC}">
+                        <c15:formulaRef>
+                          <c15:sqref>Sheet2!$B$3:$C$3</c15:sqref>
+                        </c15:formulaRef>
+                      </c:ext>
+                    </c:extLst>
+                    <c:numCache>
+                      <c:formatCode>General</c:formatCode>
+                      <c:ptCount val="2"/>
+                      <c:pt idx="0">
+                        <c:v>3061522</c:v>
+                      </c:pt>
+                      <c:pt idx="1">
+                        <c:v>929304</c:v>
+                      </c:pt>
+                    </c:numCache>
+                  </c:numRef>
+                </c:val>
+                <c:extLst xmlns:c15="http://schemas.microsoft.com/office/drawing/2012/chart">
+                  <c:ext xmlns:c16="http://schemas.microsoft.com/office/drawing/2014/chart" uri="{C3380CC4-5D6E-409C-BE32-E72D297353CC}">
+                    <c16:uniqueId val="{0000000E-B88F-4E12-9BB5-899A17D7C23E}"/>
+                  </c:ext>
+                </c:extLst>
+              </c15:ser>
+            </c15:filteredPieSeries>
+            <c15:filteredPieSeries>
+              <c15:ser>
+                <c:idx val="2"/>
+                <c:order val="2"/>
+                <c:dPt>
+                  <c:idx val="0"/>
+                  <c:bubble3D val="0"/>
+                  <c:spPr>
+                    <a:solidFill>
+                      <a:schemeClr val="accent1"/>
+                    </a:solidFill>
+                    <a:ln>
+                      <a:noFill/>
+                    </a:ln>
+                    <a:effectLst>
+                      <a:outerShdw blurRad="317500" algn="ctr" rotWithShape="0">
+                        <a:prstClr val="black">
+                          <a:alpha val="25000"/>
+                        </a:prstClr>
+                      </a:outerShdw>
+                    </a:effectLst>
+                  </c:spPr>
+                  <c:extLst xmlns:c15="http://schemas.microsoft.com/office/drawing/2012/chart">
+                    <c:ext xmlns:c16="http://schemas.microsoft.com/office/drawing/2014/chart" uri="{C3380CC4-5D6E-409C-BE32-E72D297353CC}">
+                      <c16:uniqueId val="{00000010-B88F-4E12-9BB5-899A17D7C23E}"/>
+                    </c:ext>
+                  </c:extLst>
+                </c:dPt>
+                <c:dPt>
+                  <c:idx val="1"/>
+                  <c:bubble3D val="0"/>
+                  <c:spPr>
+                    <a:solidFill>
+                      <a:schemeClr val="accent3"/>
+                    </a:solidFill>
+                    <a:ln>
+                      <a:noFill/>
+                    </a:ln>
+                    <a:effectLst>
+                      <a:outerShdw blurRad="317500" algn="ctr" rotWithShape="0">
+                        <a:prstClr val="black">
+                          <a:alpha val="25000"/>
+                        </a:prstClr>
+                      </a:outerShdw>
+                    </a:effectLst>
+                  </c:spPr>
+                  <c:extLst xmlns:c15="http://schemas.microsoft.com/office/drawing/2012/chart">
+                    <c:ext xmlns:c16="http://schemas.microsoft.com/office/drawing/2014/chart" uri="{C3380CC4-5D6E-409C-BE32-E72D297353CC}">
+                      <c16:uniqueId val="{00000012-B88F-4E12-9BB5-899A17D7C23E}"/>
+                    </c:ext>
+                  </c:extLst>
+                </c:dPt>
+                <c:dLbls>
+                  <c:spPr>
+                    <a:noFill/>
+                    <a:ln>
+                      <a:noFill/>
+                    </a:ln>
+                    <a:effectLst/>
+                  </c:spPr>
+                  <c:txPr>
+                    <a:bodyPr rot="0" spcFirstLastPara="1" vertOverflow="ellipsis" vert="horz" wrap="square" lIns="38100" tIns="19050" rIns="38100" bIns="19050" anchor="ctr" anchorCtr="1">
+                      <a:spAutoFit/>
+                    </a:bodyPr>
+                    <a:lstStyle/>
+                    <a:p>
+                      <a:pPr>
+                        <a:defRPr sz="900" b="1" i="0" u="none" strike="noStrike" kern="1200" baseline="0">
+                          <a:solidFill>
+                            <a:schemeClr val="lt1"/>
+                          </a:solidFill>
+                          <a:latin typeface="+mn-lt"/>
+                          <a:ea typeface="+mn-ea"/>
+                          <a:cs typeface="+mn-cs"/>
+                        </a:defRPr>
+                      </a:pPr>
+                      <a:endParaRPr lang="ko-KR"/>
+                    </a:p>
+                  </c:txPr>
+                  <c:dLblPos val="inEnd"/>
+                  <c:showLegendKey val="0"/>
+                  <c:showVal val="0"/>
+                  <c:showCatName val="0"/>
+                  <c:showSerName val="0"/>
+                  <c:showPercent val="1"/>
+                  <c:showBubbleSize val="0"/>
+                  <c:showLeaderLines val="1"/>
+                  <c:leaderLines>
+                    <c:spPr>
+                      <a:ln w="9525" cap="flat" cmpd="sng" algn="ctr">
+                        <a:solidFill>
+                          <a:schemeClr val="dk1">
+                            <a:lumMod val="35000"/>
+                            <a:lumOff val="65000"/>
+                          </a:schemeClr>
+                        </a:solidFill>
+                        <a:round/>
+                      </a:ln>
+                      <a:effectLst/>
+                    </c:spPr>
+                  </c:leaderLines>
+                  <c:extLst xmlns:c15="http://schemas.microsoft.com/office/drawing/2012/chart">
+                    <c:ext xmlns:c15="http://schemas.microsoft.com/office/drawing/2012/chart" uri="{CE6537A1-D6FC-4f65-9D91-7224C49458BB}"/>
+                  </c:extLst>
+                </c:dLbls>
+                <c:cat>
+                  <c:strRef>
+                    <c:extLst xmlns:c15="http://schemas.microsoft.com/office/drawing/2012/chart">
+                      <c:ext xmlns:c15="http://schemas.microsoft.com/office/drawing/2012/chart" uri="{02D57815-91ED-43cb-92C2-25804820EDAC}">
+                        <c15:formulaRef>
+                          <c15:sqref>Sheet2!$B$1:$C$1</c15:sqref>
+                        </c15:formulaRef>
+                      </c:ext>
+                    </c:extLst>
+                    <c:strCache>
+                      <c:ptCount val="2"/>
+                      <c:pt idx="0">
+                        <c:v>중국</c:v>
+                      </c:pt>
+                      <c:pt idx="1">
+                        <c:v>중국 외 국가</c:v>
+                      </c:pt>
+                    </c:strCache>
+                  </c:strRef>
+                </c:cat>
+                <c:val>
+                  <c:numRef>
+                    <c:extLst xmlns:c15="http://schemas.microsoft.com/office/drawing/2012/chart">
+                      <c:ext xmlns:c15="http://schemas.microsoft.com/office/drawing/2012/chart" uri="{02D57815-91ED-43cb-92C2-25804820EDAC}">
+                        <c15:formulaRef>
+                          <c15:sqref>Sheet2!$B$4:$C$4</c15:sqref>
+                        </c15:formulaRef>
+                      </c:ext>
+                    </c:extLst>
+                    <c:numCache>
+                      <c:formatCode>General</c:formatCode>
+                      <c:ptCount val="2"/>
+                      <c:pt idx="0">
+                        <c:v>747315</c:v>
+                      </c:pt>
+                      <c:pt idx="1">
+                        <c:v>459499</c:v>
+                      </c:pt>
+                    </c:numCache>
+                  </c:numRef>
+                </c:val>
+                <c:extLst xmlns:c15="http://schemas.microsoft.com/office/drawing/2012/chart">
+                  <c:ext xmlns:c16="http://schemas.microsoft.com/office/drawing/2014/chart" uri="{C3380CC4-5D6E-409C-BE32-E72D297353CC}">
+                    <c16:uniqueId val="{00000013-B88F-4E12-9BB5-899A17D7C23E}"/>
+                  </c:ext>
+                </c:extLst>
+              </c15:ser>
+            </c15:filteredPieSeries>
+          </c:ext>
+        </c:extLst>
+      </c:pieChart>
+      <c:spPr>
+        <a:noFill/>
+        <a:ln>
+          <a:noFill/>
+        </a:ln>
+        <a:effectLst/>
+      </c:spPr>
+    </c:plotArea>
+    <c:legend>
+      <c:legendPos val="b"/>
+      <c:overlay val="0"/>
+      <c:spPr>
+        <a:solidFill>
+          <a:schemeClr val="lt1">
+            <a:alpha val="78000"/>
+          </a:schemeClr>
+        </a:solidFill>
+        <a:ln>
+          <a:noFill/>
+        </a:ln>
+        <a:effectLst/>
+      </c:spPr>
+      <c:txPr>
+        <a:bodyPr rot="0" spcFirstLastPara="1" vertOverflow="ellipsis" vert="horz" wrap="square" anchor="ctr" anchorCtr="1"/>
+        <a:lstStyle/>
+        <a:p>
+          <a:pPr>
+            <a:defRPr sz="900" b="0" i="0" u="none" strike="noStrike" kern="1200" baseline="0">
+              <a:solidFill>
+                <a:schemeClr val="dk1">
+                  <a:lumMod val="65000"/>
+                  <a:lumOff val="35000"/>
+                </a:schemeClr>
+              </a:solidFill>
+              <a:latin typeface="+mn-lt"/>
+              <a:ea typeface="+mn-ea"/>
+              <a:cs typeface="+mn-cs"/>
+            </a:defRPr>
+          </a:pPr>
+          <a:endParaRPr lang="ko-KR"/>
+        </a:p>
+      </c:txPr>
+    </c:legend>
+    <c:plotVisOnly val="1"/>
+    <c:dispBlanksAs val="gap"/>
+    <c:extLst>
+      <c:ext xmlns:c16r3="http://schemas.microsoft.com/office/drawing/2017/03/chart" uri="{56B9EC1D-385E-4148-901F-78D8002777C0}">
+        <c16r3:dataDisplayOptions16>
+          <c16r3:dispNaAsBlank val="1"/>
+        </c16r3:dataDisplayOptions16>
+      </c:ext>
+    </c:extLst>
+    <c:showDLblsOverMax val="0"/>
+  </c:chart>
+  <c:spPr>
+    <a:pattFill prst="dkDnDiag">
+      <a:fgClr>
+        <a:schemeClr val="lt1">
+          <a:lumMod val="95000"/>
+        </a:schemeClr>
+      </a:fgClr>
+      <a:bgClr>
+        <a:schemeClr val="lt1"/>
+      </a:bgClr>
+    </a:pattFill>
+    <a:ln w="9525" cap="flat" cmpd="sng" algn="ctr">
+      <a:solidFill>
+        <a:schemeClr val="dk1">
+          <a:lumMod val="15000"/>
+          <a:lumOff val="85000"/>
+        </a:schemeClr>
+      </a:solidFill>
+      <a:round/>
+    </a:ln>
+    <a:effectLst/>
+  </c:spPr>
+  <c:txPr>
+    <a:bodyPr/>
+    <a:lstStyle/>
+    <a:p>
+      <a:pPr>
+        <a:defRPr/>
+      </a:pPr>
+      <a:endParaRPr lang="ko-KR"/>
+    </a:p>
+  </c:txPr>
+  <c:externalData r:id="rId3">
+    <c:autoUpdate val="0"/>
+  </c:externalData>
+</c:chartSpace>
+</file>
+
+<file path=ppt/charts/colors1.xml><?xml version="1.0" encoding="utf-8"?>
+<cs:colorStyle xmlns:cs="http://schemas.microsoft.com/office/drawing/2012/chartStyle" xmlns:a="http://schemas.openxmlformats.org/drawingml/2006/main" meth="cycle" id="11">
+  <a:schemeClr val="accent1"/>
+  <a:schemeClr val="accent3"/>
+  <a:schemeClr val="accent5"/>
+  <cs:variation/>
+  <cs:variation>
+    <a:lumMod val="60000"/>
+  </cs:variation>
+  <cs:variation>
+    <a:lumMod val="80000"/>
+    <a:lumOff val="20000"/>
+  </cs:variation>
+  <cs:variation>
+    <a:lumMod val="80000"/>
+  </cs:variation>
+  <cs:variation>
+    <a:lumMod val="60000"/>
+    <a:lumOff val="40000"/>
+  </cs:variation>
+  <cs:variation>
+    <a:lumMod val="50000"/>
+  </cs:variation>
+  <cs:variation>
+    <a:lumMod val="70000"/>
+    <a:lumOff val="30000"/>
+  </cs:variation>
+  <cs:variation>
+    <a:lumMod val="70000"/>
+  </cs:variation>
+  <cs:variation>
+    <a:lumMod val="50000"/>
+    <a:lumOff val="50000"/>
+  </cs:variation>
+</cs:colorStyle>
+</file>
+
+<file path=ppt/charts/colors2.xml><?xml version="1.0" encoding="utf-8"?>
+<cs:colorStyle xmlns:cs="http://schemas.microsoft.com/office/drawing/2012/chartStyle" xmlns:a="http://schemas.openxmlformats.org/drawingml/2006/main" meth="cycle" id="11">
+  <a:schemeClr val="accent1"/>
+  <a:schemeClr val="accent3"/>
+  <a:schemeClr val="accent5"/>
+  <cs:variation/>
+  <cs:variation>
+    <a:lumMod val="60000"/>
+  </cs:variation>
+  <cs:variation>
+    <a:lumMod val="80000"/>
+    <a:lumOff val="20000"/>
+  </cs:variation>
+  <cs:variation>
+    <a:lumMod val="80000"/>
+  </cs:variation>
+  <cs:variation>
+    <a:lumMod val="60000"/>
+    <a:lumOff val="40000"/>
+  </cs:variation>
+  <cs:variation>
+    <a:lumMod val="50000"/>
+  </cs:variation>
+  <cs:variation>
+    <a:lumMod val="70000"/>
+    <a:lumOff val="30000"/>
+  </cs:variation>
+  <cs:variation>
+    <a:lumMod val="70000"/>
+  </cs:variation>
+  <cs:variation>
+    <a:lumMod val="50000"/>
+    <a:lumOff val="50000"/>
+  </cs:variation>
+</cs:colorStyle>
+</file>
+
+<file path=ppt/charts/colors3.xml><?xml version="1.0" encoding="utf-8"?>
+<cs:colorStyle xmlns:cs="http://schemas.microsoft.com/office/drawing/2012/chartStyle" xmlns:a="http://schemas.openxmlformats.org/drawingml/2006/main" meth="cycle" id="11">
+  <a:schemeClr val="accent1"/>
+  <a:schemeClr val="accent3"/>
+  <a:schemeClr val="accent5"/>
+  <cs:variation/>
+  <cs:variation>
+    <a:lumMod val="60000"/>
+  </cs:variation>
+  <cs:variation>
+    <a:lumMod val="80000"/>
+    <a:lumOff val="20000"/>
+  </cs:variation>
+  <cs:variation>
+    <a:lumMod val="80000"/>
+  </cs:variation>
+  <cs:variation>
+    <a:lumMod val="60000"/>
+    <a:lumOff val="40000"/>
+  </cs:variation>
+  <cs:variation>
+    <a:lumMod val="50000"/>
+  </cs:variation>
+  <cs:variation>
+    <a:lumMod val="70000"/>
+    <a:lumOff val="30000"/>
+  </cs:variation>
+  <cs:variation>
+    <a:lumMod val="70000"/>
+  </cs:variation>
+  <cs:variation>
+    <a:lumMod val="50000"/>
+    <a:lumOff val="50000"/>
+  </cs:variation>
+</cs:colorStyle>
+</file>
+
+<file path=ppt/charts/colors4.xml><?xml version="1.0" encoding="utf-8"?>
+<cs:colorStyle xmlns:cs="http://schemas.microsoft.com/office/drawing/2012/chartStyle" xmlns:a="http://schemas.openxmlformats.org/drawingml/2006/main" meth="cycle" id="11">
+  <a:schemeClr val="accent1"/>
+  <a:schemeClr val="accent3"/>
+  <a:schemeClr val="accent5"/>
+  <cs:variation/>
+  <cs:variation>
+    <a:lumMod val="60000"/>
+  </cs:variation>
+  <cs:variation>
+    <a:lumMod val="80000"/>
+    <a:lumOff val="20000"/>
+  </cs:variation>
+  <cs:variation>
+    <a:lumMod val="80000"/>
+  </cs:variation>
+  <cs:variation>
+    <a:lumMod val="60000"/>
+    <a:lumOff val="40000"/>
+  </cs:variation>
+  <cs:variation>
+    <a:lumMod val="50000"/>
+  </cs:variation>
+  <cs:variation>
+    <a:lumMod val="70000"/>
+    <a:lumOff val="30000"/>
+  </cs:variation>
+  <cs:variation>
+    <a:lumMod val="70000"/>
+  </cs:variation>
+  <cs:variation>
+    <a:lumMod val="50000"/>
+    <a:lumOff val="50000"/>
+  </cs:variation>
+</cs:colorStyle>
+</file>
+
+<file path=ppt/charts/style1.xml><?xml version="1.0" encoding="utf-8"?>
+<cs:chartStyle xmlns:cs="http://schemas.microsoft.com/office/drawing/2012/chartStyle" xmlns:a="http://schemas.openxmlformats.org/drawingml/2006/main" id="261">
+  <cs:axisTitle>
+    <cs:lnRef idx="0"/>
+    <cs:fillRef idx="0"/>
+    <cs:effectRef idx="0"/>
+    <cs:fontRef idx="minor">
+      <a:schemeClr val="dk1">
+        <a:lumMod val="65000"/>
+        <a:lumOff val="35000"/>
+      </a:schemeClr>
+    </cs:fontRef>
+    <cs:defRPr sz="900" kern="1200"/>
+  </cs:axisTitle>
+  <cs:categoryAxis>
+    <cs:lnRef idx="0"/>
+    <cs:fillRef idx="0"/>
+    <cs:effectRef idx="0"/>
+    <cs:fontRef idx="minor">
+      <a:schemeClr val="dk1">
+        <a:lumMod val="65000"/>
+        <a:lumOff val="35000"/>
+      </a:schemeClr>
+    </cs:fontRef>
+    <cs:defRPr sz="900" kern="1200"/>
+  </cs:categoryAxis>
+  <cs:chartArea>
+    <cs:lnRef idx="0"/>
+    <cs:fillRef idx="0"/>
+    <cs:effectRef idx="0"/>
+    <cs:fontRef idx="minor">
+      <a:schemeClr val="dk1"/>
+    </cs:fontRef>
+    <cs:spPr>
+      <a:pattFill prst="dkDnDiag">
+        <a:fgClr>
+          <a:schemeClr val="lt1">
+            <a:lumMod val="95000"/>
+          </a:schemeClr>
+        </a:fgClr>
+        <a:bgClr>
+          <a:schemeClr val="lt1"/>
+        </a:bgClr>
+      </a:pattFill>
+      <a:ln w="9525" cap="flat" cmpd="sng" algn="ctr">
+        <a:solidFill>
+          <a:schemeClr val="dk1">
+            <a:lumMod val="15000"/>
+            <a:lumOff val="85000"/>
+          </a:schemeClr>
+        </a:solidFill>
+        <a:round/>
+      </a:ln>
+    </cs:spPr>
+    <cs:defRPr sz="900" kern="1200"/>
+  </cs:chartArea>
+  <cs:dataLabel>
+    <cs:lnRef idx="0"/>
+    <cs:fillRef idx="0"/>
+    <cs:effectRef idx="0"/>
+    <cs:fontRef idx="minor">
+      <a:schemeClr val="lt1"/>
+    </cs:fontRef>
+    <cs:defRPr sz="900" b="1" i="0" u="none" strike="noStrike" kern="1200" baseline="0"/>
+  </cs:dataLabel>
+  <cs:dataLabelCallout>
+    <cs:lnRef idx="0"/>
+    <cs:fillRef idx="0"/>
+    <cs:effectRef idx="0"/>
+    <cs:fontRef idx="minor">
+      <a:schemeClr val="dk1">
+        <a:lumMod val="65000"/>
+        <a:lumOff val="35000"/>
+      </a:schemeClr>
+    </cs:fontRef>
+    <cs:spPr>
+      <a:solidFill>
+        <a:schemeClr val="lt1">
+          <a:alpha val="75000"/>
+        </a:schemeClr>
+      </a:solidFill>
+      <a:ln w="9525">
+        <a:solidFill>
+          <a:schemeClr val="dk1">
+            <a:lumMod val="25000"/>
+            <a:lumOff val="75000"/>
+          </a:schemeClr>
+        </a:solidFill>
+      </a:ln>
+    </cs:spPr>
+    <cs:defRPr sz="900" kern="1200"/>
+    <cs:bodyPr rot="0" spcFirstLastPara="1" vertOverflow="clip" horzOverflow="clip" vert="horz" wrap="square" lIns="36576" tIns="18288" rIns="36576" bIns="18288" anchor="ctr" anchorCtr="1">
+      <a:spAutoFit/>
+    </cs:bodyPr>
+  </cs:dataLabelCallout>
+  <cs:dataPoint>
+    <cs:lnRef idx="0"/>
+    <cs:fillRef idx="0">
+      <cs:styleClr val="auto"/>
+    </cs:fillRef>
+    <cs:effectRef idx="0"/>
+    <cs:fontRef idx="minor">
+      <a:schemeClr val="dk1"/>
+    </cs:fontRef>
+    <cs:spPr>
+      <a:solidFill>
+        <a:schemeClr val="phClr"/>
+      </a:solidFill>
+      <a:effectLst>
+        <a:outerShdw blurRad="317500" algn="ctr" rotWithShape="0">
+          <a:prstClr val="black">
+            <a:alpha val="25000"/>
+          </a:prstClr>
+        </a:outerShdw>
+      </a:effectLst>
+    </cs:spPr>
+  </cs:dataPoint>
+  <cs:dataPoint3D>
+    <cs:lnRef idx="0"/>
+    <cs:fillRef idx="0">
+      <cs:styleClr val="auto"/>
+    </cs:fillRef>
+    <cs:effectRef idx="0"/>
+    <cs:fontRef idx="minor">
+      <a:schemeClr val="dk1"/>
+    </cs:fontRef>
+    <cs:spPr>
+      <a:solidFill>
+        <a:schemeClr val="phClr"/>
+      </a:solidFill>
+      <a:effectLst>
+        <a:outerShdw blurRad="88900" sx="102000" sy="102000" algn="ctr" rotWithShape="0">
+          <a:prstClr val="black">
+            <a:alpha val="20000"/>
+          </a:prstClr>
+        </a:outerShdw>
+      </a:effectLst>
+      <a:scene3d>
+        <a:camera prst="orthographicFront"/>
+        <a:lightRig rig="threePt" dir="t"/>
+      </a:scene3d>
+      <a:sp3d prstMaterial="matte"/>
+    </cs:spPr>
+  </cs:dataPoint3D>
+  <cs:dataPointLine>
+    <cs:lnRef idx="0">
+      <cs:styleClr val="auto"/>
+    </cs:lnRef>
+    <cs:fillRef idx="0"/>
+    <cs:effectRef idx="0"/>
+    <cs:fontRef idx="minor">
+      <a:schemeClr val="dk1"/>
+    </cs:fontRef>
+    <cs:spPr>
+      <a:ln w="28575" cap="rnd">
+        <a:solidFill>
+          <a:schemeClr val="phClr"/>
+        </a:solidFill>
+        <a:round/>
+      </a:ln>
+    </cs:spPr>
+  </cs:dataPointLine>
+  <cs:dataPointMarker>
+    <cs:lnRef idx="0"/>
+    <cs:fillRef idx="0">
+      <cs:styleClr val="auto"/>
+    </cs:fillRef>
+    <cs:effectRef idx="0"/>
+    <cs:fontRef idx="minor">
+      <a:schemeClr val="dk1"/>
+    </cs:fontRef>
+    <cs:spPr>
+      <a:solidFill>
+        <a:schemeClr val="phClr"/>
+      </a:solidFill>
+      <a:ln w="9525">
+        <a:solidFill>
+          <a:schemeClr val="lt1"/>
+        </a:solidFill>
+      </a:ln>
+    </cs:spPr>
+  </cs:dataPointMarker>
+  <cs:dataPointMarkerLayout symbol="circle" size="6"/>
+  <cs:dataPointWireframe>
+    <cs:lnRef idx="0">
+      <cs:styleClr val="auto"/>
+    </cs:lnRef>
+    <cs:fillRef idx="0"/>
+    <cs:effectRef idx="0"/>
+    <cs:fontRef idx="minor">
+      <a:schemeClr val="dk1"/>
+    </cs:fontRef>
+    <cs:spPr>
+      <a:ln w="9525" cap="rnd">
+        <a:solidFill>
+          <a:schemeClr val="phClr"/>
+        </a:solidFill>
+        <a:round/>
+      </a:ln>
+    </cs:spPr>
+  </cs:dataPointWireframe>
+  <cs:dataTable>
+    <cs:lnRef idx="0"/>
+    <cs:fillRef idx="0"/>
+    <cs:effectRef idx="0"/>
+    <cs:fontRef idx="minor">
+      <a:schemeClr val="dk1">
+        <a:lumMod val="65000"/>
+        <a:lumOff val="35000"/>
+      </a:schemeClr>
+    </cs:fontRef>
+    <cs:spPr>
+      <a:noFill/>
+      <a:ln w="9525" cap="flat" cmpd="sng" algn="ctr">
+        <a:solidFill>
+          <a:schemeClr val="dk1">
+            <a:lumMod val="15000"/>
+            <a:lumOff val="85000"/>
+          </a:schemeClr>
+        </a:solidFill>
+        <a:round/>
+      </a:ln>
+    </cs:spPr>
+    <cs:defRPr sz="900" kern="1200"/>
+  </cs:dataTable>
+  <cs:downBar>
+    <cs:lnRef idx="0"/>
+    <cs:fillRef idx="0"/>
+    <cs:effectRef idx="0"/>
+    <cs:fontRef idx="minor">
+      <a:schemeClr val="dk1"/>
+    </cs:fontRef>
+    <cs:spPr>
+      <a:solidFill>
+        <a:schemeClr val="dk1">
+          <a:lumMod val="75000"/>
+          <a:lumOff val="25000"/>
+        </a:schemeClr>
+      </a:solidFill>
+      <a:ln w="9525" cap="flat" cmpd="sng" algn="ctr">
+        <a:solidFill>
+          <a:schemeClr val="dk1">
+            <a:lumMod val="65000"/>
+            <a:lumOff val="35000"/>
+          </a:schemeClr>
+        </a:solidFill>
+        <a:round/>
+      </a:ln>
+    </cs:spPr>
+  </cs:downBar>
+  <cs:dropLine>
+    <cs:lnRef idx="0"/>
+    <cs:fillRef idx="0"/>
+    <cs:effectRef idx="0"/>
+    <cs:fontRef idx="minor">
+      <a:schemeClr val="dk1"/>
+    </cs:fontRef>
+    <cs:spPr>
+      <a:ln w="9525" cap="flat" cmpd="sng" algn="ctr">
+        <a:solidFill>
+          <a:schemeClr val="dk1">
+            <a:lumMod val="35000"/>
+            <a:lumOff val="65000"/>
+          </a:schemeClr>
+        </a:solidFill>
+        <a:round/>
+      </a:ln>
+    </cs:spPr>
+  </cs:dropLine>
+  <cs:errorBar>
+    <cs:lnRef idx="0"/>
+    <cs:fillRef idx="0"/>
+    <cs:effectRef idx="0"/>
+    <cs:fontRef idx="minor">
+      <a:schemeClr val="dk1"/>
+    </cs:fontRef>
+    <cs:spPr>
+      <a:ln w="9525" cap="flat" cmpd="sng" algn="ctr">
+        <a:solidFill>
+          <a:schemeClr val="dk1">
+            <a:lumMod val="65000"/>
+            <a:lumOff val="35000"/>
+          </a:schemeClr>
+        </a:solidFill>
+        <a:round/>
+      </a:ln>
+    </cs:spPr>
+  </cs:errorBar>
+  <cs:floor>
+    <cs:lnRef idx="0"/>
+    <cs:fillRef idx="0"/>
+    <cs:effectRef idx="0"/>
+    <cs:fontRef idx="minor">
+      <a:schemeClr val="dk1"/>
+    </cs:fontRef>
+    <cs:spPr>
+      <a:noFill/>
+      <a:ln>
+        <a:noFill/>
+      </a:ln>
+    </cs:spPr>
+  </cs:floor>
+  <cs:gridlineMajor>
+    <cs:lnRef idx="0"/>
+    <cs:fillRef idx="0"/>
+    <cs:effectRef idx="0"/>
+    <cs:fontRef idx="minor">
+      <a:schemeClr val="dk1"/>
+    </cs:fontRef>
+    <cs:spPr>
+      <a:ln w="9525" cap="flat" cmpd="sng" algn="ctr">
+        <a:solidFill>
+          <a:schemeClr val="dk1">
+            <a:lumMod val="15000"/>
+            <a:lumOff val="85000"/>
+          </a:schemeClr>
+        </a:solidFill>
+        <a:round/>
+      </a:ln>
+    </cs:spPr>
+  </cs:gridlineMajor>
+  <cs:gridlineMinor>
+    <cs:lnRef idx="0"/>
+    <cs:fillRef idx="0"/>
+    <cs:effectRef idx="0"/>
+    <cs:fontRef idx="minor">
+      <a:schemeClr val="dk1"/>
+    </cs:fontRef>
+    <cs:spPr>
+      <a:ln w="9525" cap="flat" cmpd="sng" algn="ctr">
+        <a:solidFill>
+          <a:schemeClr val="dk1">
+            <a:lumMod val="5000"/>
+            <a:lumOff val="95000"/>
+          </a:schemeClr>
+        </a:solidFill>
+        <a:round/>
+      </a:ln>
+    </cs:spPr>
+  </cs:gridlineMinor>
+  <cs:hiLoLine>
+    <cs:lnRef idx="0"/>
+    <cs:fillRef idx="0"/>
+    <cs:effectRef idx="0"/>
+    <cs:fontRef idx="minor">
+      <a:schemeClr val="dk1"/>
+    </cs:fontRef>
+    <cs:spPr>
+      <a:ln w="9525" cap="flat" cmpd="sng" algn="ctr">
+        <a:solidFill>
+          <a:schemeClr val="dk1">
+            <a:lumMod val="50000"/>
+            <a:lumOff val="50000"/>
+          </a:schemeClr>
+        </a:solidFill>
+        <a:round/>
+      </a:ln>
+    </cs:spPr>
+  </cs:hiLoLine>
+  <cs:leaderLine>
+    <cs:lnRef idx="0"/>
+    <cs:fillRef idx="0"/>
+    <cs:effectRef idx="0"/>
+    <cs:fontRef idx="minor">
+      <a:schemeClr val="dk1"/>
+    </cs:fontRef>
+    <cs:spPr>
+      <a:ln w="9525" cap="flat" cmpd="sng" algn="ctr">
+        <a:solidFill>
+          <a:schemeClr val="dk1">
+            <a:lumMod val="35000"/>
+            <a:lumOff val="65000"/>
+          </a:schemeClr>
+        </a:solidFill>
+        <a:round/>
+      </a:ln>
+    </cs:spPr>
+  </cs:leaderLine>
+  <cs:legend>
+    <cs:lnRef idx="0"/>
+    <cs:fillRef idx="0"/>
+    <cs:effectRef idx="0"/>
+    <cs:fontRef idx="minor">
+      <a:schemeClr val="dk1">
+        <a:lumMod val="65000"/>
+        <a:lumOff val="35000"/>
+      </a:schemeClr>
+    </cs:fontRef>
+    <cs:spPr>
+      <a:solidFill>
+        <a:schemeClr val="lt1">
+          <a:alpha val="78000"/>
+        </a:schemeClr>
+      </a:solidFill>
+    </cs:spPr>
+    <cs:defRPr sz="900" kern="1200"/>
+  </cs:legend>
+  <cs:plotArea mods="allowNoFillOverride allowNoLineOverride">
+    <cs:lnRef idx="0"/>
+    <cs:fillRef idx="0"/>
+    <cs:effectRef idx="0"/>
+    <cs:fontRef idx="minor">
+      <a:schemeClr val="dk1"/>
+    </cs:fontRef>
+  </cs:plotArea>
+  <cs:plotArea3D mods="allowNoFillOverride allowNoLineOverride">
+    <cs:lnRef idx="0"/>
+    <cs:fillRef idx="0"/>
+    <cs:effectRef idx="0"/>
+    <cs:fontRef idx="minor">
+      <a:schemeClr val="dk1"/>
+    </cs:fontRef>
+  </cs:plotArea3D>
+  <cs:seriesAxis>
+    <cs:lnRef idx="0"/>
+    <cs:fillRef idx="0"/>
+    <cs:effectRef idx="0"/>
+    <cs:fontRef idx="minor">
+      <a:schemeClr val="dk1">
+        <a:lumMod val="65000"/>
+        <a:lumOff val="35000"/>
+      </a:schemeClr>
+    </cs:fontRef>
+    <cs:defRPr sz="900" kern="1200"/>
+  </cs:seriesAxis>
+  <cs:seriesLine>
+    <cs:lnRef idx="0"/>
+    <cs:fillRef idx="0"/>
+    <cs:effectRef idx="0"/>
+    <cs:fontRef idx="minor">
+      <a:schemeClr val="dk1"/>
+    </cs:fontRef>
+    <cs:spPr>
+      <a:ln w="9525" cap="flat" cmpd="sng" algn="ctr">
+        <a:solidFill>
+          <a:schemeClr val="dk1">
+            <a:lumMod val="35000"/>
+            <a:lumOff val="65000"/>
+          </a:schemeClr>
+        </a:solidFill>
+        <a:round/>
+      </a:ln>
+    </cs:spPr>
+  </cs:seriesLine>
+  <cs:title>
+    <cs:lnRef idx="0"/>
+    <cs:fillRef idx="0"/>
+    <cs:effectRef idx="0"/>
+    <cs:fontRef idx="minor">
+      <a:schemeClr val="dk1">
+        <a:lumMod val="65000"/>
+        <a:lumOff val="35000"/>
+      </a:schemeClr>
+    </cs:fontRef>
+    <cs:defRPr sz="1800" b="1" kern="1200" baseline="0"/>
+  </cs:title>
+  <cs:trendline>
+    <cs:lnRef idx="0">
+      <cs:styleClr val="auto"/>
+    </cs:lnRef>
+    <cs:fillRef idx="0"/>
+    <cs:effectRef idx="0"/>
+    <cs:fontRef idx="minor">
+      <a:schemeClr val="dk1"/>
+    </cs:fontRef>
+    <cs:spPr>
+      <a:ln w="19050" cap="rnd">
+        <a:solidFill>
+          <a:schemeClr val="phClr"/>
+        </a:solidFill>
+        <a:prstDash val="sysDash"/>
+      </a:ln>
+    </cs:spPr>
+  </cs:trendline>
+  <cs:trendlineLabel>
+    <cs:lnRef idx="0"/>
+    <cs:fillRef idx="0"/>
+    <cs:effectRef idx="0"/>
+    <cs:fontRef idx="minor">
+      <a:schemeClr val="dk1">
+        <a:lumMod val="65000"/>
+        <a:lumOff val="35000"/>
+      </a:schemeClr>
+    </cs:fontRef>
+    <cs:defRPr sz="900" kern="1200"/>
+  </cs:trendlineLabel>
+  <cs:upBar>
+    <cs:lnRef idx="0"/>
+    <cs:fillRef idx="0"/>
+    <cs:effectRef idx="0"/>
+    <cs:fontRef idx="minor">
+      <a:schemeClr val="dk1"/>
+    </cs:fontRef>
+    <cs:spPr>
+      <a:solidFill>
+        <a:schemeClr val="lt1"/>
+      </a:solidFill>
+      <a:ln w="9525" cap="flat" cmpd="sng" algn="ctr">
+        <a:solidFill>
+          <a:schemeClr val="dk1">
+            <a:lumMod val="65000"/>
+            <a:lumOff val="35000"/>
+          </a:schemeClr>
+        </a:solidFill>
+        <a:round/>
+      </a:ln>
+    </cs:spPr>
+  </cs:upBar>
+  <cs:valueAxis>
+    <cs:lnRef idx="0"/>
+    <cs:fillRef idx="0"/>
+    <cs:effectRef idx="0"/>
+    <cs:fontRef idx="minor">
+      <a:schemeClr val="dk1">
+        <a:lumMod val="65000"/>
+        <a:lumOff val="35000"/>
+      </a:schemeClr>
+    </cs:fontRef>
+    <cs:defRPr sz="900" kern="1200"/>
+  </cs:valueAxis>
+  <cs:wall>
+    <cs:lnRef idx="0"/>
+    <cs:fillRef idx="0"/>
+    <cs:effectRef idx="0"/>
+    <cs:fontRef idx="minor">
+      <a:schemeClr val="dk1"/>
+    </cs:fontRef>
+  </cs:wall>
+</cs:chartStyle>
+</file>
+
+<file path=ppt/charts/style2.xml><?xml version="1.0" encoding="utf-8"?>
+<cs:chartStyle xmlns:cs="http://schemas.microsoft.com/office/drawing/2012/chartStyle" xmlns:a="http://schemas.openxmlformats.org/drawingml/2006/main" id="261">
+  <cs:axisTitle>
+    <cs:lnRef idx="0"/>
+    <cs:fillRef idx="0"/>
+    <cs:effectRef idx="0"/>
+    <cs:fontRef idx="minor">
+      <a:schemeClr val="dk1">
+        <a:lumMod val="65000"/>
+        <a:lumOff val="35000"/>
+      </a:schemeClr>
+    </cs:fontRef>
+    <cs:defRPr sz="900" kern="1200"/>
+  </cs:axisTitle>
+  <cs:categoryAxis>
+    <cs:lnRef idx="0"/>
+    <cs:fillRef idx="0"/>
+    <cs:effectRef idx="0"/>
+    <cs:fontRef idx="minor">
+      <a:schemeClr val="dk1">
+        <a:lumMod val="65000"/>
+        <a:lumOff val="35000"/>
+      </a:schemeClr>
+    </cs:fontRef>
+    <cs:defRPr sz="900" kern="1200"/>
+  </cs:categoryAxis>
+  <cs:chartArea>
+    <cs:lnRef idx="0"/>
+    <cs:fillRef idx="0"/>
+    <cs:effectRef idx="0"/>
+    <cs:fontRef idx="minor">
+      <a:schemeClr val="dk1"/>
+    </cs:fontRef>
+    <cs:spPr>
+      <a:pattFill prst="dkDnDiag">
+        <a:fgClr>
+          <a:schemeClr val="lt1">
+            <a:lumMod val="95000"/>
+          </a:schemeClr>
+        </a:fgClr>
+        <a:bgClr>
+          <a:schemeClr val="lt1"/>
+        </a:bgClr>
+      </a:pattFill>
+      <a:ln w="9525" cap="flat" cmpd="sng" algn="ctr">
+        <a:solidFill>
+          <a:schemeClr val="dk1">
+            <a:lumMod val="15000"/>
+            <a:lumOff val="85000"/>
+          </a:schemeClr>
+        </a:solidFill>
+        <a:round/>
+      </a:ln>
+    </cs:spPr>
+    <cs:defRPr sz="900" kern="1200"/>
+  </cs:chartArea>
+  <cs:dataLabel>
+    <cs:lnRef idx="0"/>
+    <cs:fillRef idx="0"/>
+    <cs:effectRef idx="0"/>
+    <cs:fontRef idx="minor">
+      <a:schemeClr val="lt1"/>
+    </cs:fontRef>
+    <cs:defRPr sz="900" b="1" i="0" u="none" strike="noStrike" kern="1200" baseline="0"/>
+  </cs:dataLabel>
+  <cs:dataLabelCallout>
+    <cs:lnRef idx="0"/>
+    <cs:fillRef idx="0"/>
+    <cs:effectRef idx="0"/>
+    <cs:fontRef idx="minor">
+      <a:schemeClr val="dk1">
+        <a:lumMod val="65000"/>
+        <a:lumOff val="35000"/>
+      </a:schemeClr>
+    </cs:fontRef>
+    <cs:spPr>
+      <a:solidFill>
+        <a:schemeClr val="lt1">
+          <a:alpha val="75000"/>
+        </a:schemeClr>
+      </a:solidFill>
+      <a:ln w="9525">
+        <a:solidFill>
+          <a:schemeClr val="dk1">
+            <a:lumMod val="25000"/>
+            <a:lumOff val="75000"/>
+          </a:schemeClr>
+        </a:solidFill>
+      </a:ln>
+    </cs:spPr>
+    <cs:defRPr sz="900" kern="1200"/>
+    <cs:bodyPr rot="0" spcFirstLastPara="1" vertOverflow="clip" horzOverflow="clip" vert="horz" wrap="square" lIns="36576" tIns="18288" rIns="36576" bIns="18288" anchor="ctr" anchorCtr="1">
+      <a:spAutoFit/>
+    </cs:bodyPr>
+  </cs:dataLabelCallout>
+  <cs:dataPoint>
+    <cs:lnRef idx="0"/>
+    <cs:fillRef idx="0">
+      <cs:styleClr val="auto"/>
+    </cs:fillRef>
+    <cs:effectRef idx="0"/>
+    <cs:fontRef idx="minor">
+      <a:schemeClr val="dk1"/>
+    </cs:fontRef>
+    <cs:spPr>
+      <a:solidFill>
+        <a:schemeClr val="phClr"/>
+      </a:solidFill>
+      <a:effectLst>
+        <a:outerShdw blurRad="317500" algn="ctr" rotWithShape="0">
+          <a:prstClr val="black">
+            <a:alpha val="25000"/>
+          </a:prstClr>
+        </a:outerShdw>
+      </a:effectLst>
+    </cs:spPr>
+  </cs:dataPoint>
+  <cs:dataPoint3D>
+    <cs:lnRef idx="0"/>
+    <cs:fillRef idx="0">
+      <cs:styleClr val="auto"/>
+    </cs:fillRef>
+    <cs:effectRef idx="0"/>
+    <cs:fontRef idx="minor">
+      <a:schemeClr val="dk1"/>
+    </cs:fontRef>
+    <cs:spPr>
+      <a:solidFill>
+        <a:schemeClr val="phClr"/>
+      </a:solidFill>
+      <a:effectLst>
+        <a:outerShdw blurRad="88900" sx="102000" sy="102000" algn="ctr" rotWithShape="0">
+          <a:prstClr val="black">
+            <a:alpha val="20000"/>
+          </a:prstClr>
+        </a:outerShdw>
+      </a:effectLst>
+      <a:scene3d>
+        <a:camera prst="orthographicFront"/>
+        <a:lightRig rig="threePt" dir="t"/>
+      </a:scene3d>
+      <a:sp3d prstMaterial="matte"/>
+    </cs:spPr>
+  </cs:dataPoint3D>
+  <cs:dataPointLine>
+    <cs:lnRef idx="0">
+      <cs:styleClr val="auto"/>
+    </cs:lnRef>
+    <cs:fillRef idx="0"/>
+    <cs:effectRef idx="0"/>
+    <cs:fontRef idx="minor">
+      <a:schemeClr val="dk1"/>
+    </cs:fontRef>
+    <cs:spPr>
+      <a:ln w="28575" cap="rnd">
+        <a:solidFill>
+          <a:schemeClr val="phClr"/>
+        </a:solidFill>
+        <a:round/>
+      </a:ln>
+    </cs:spPr>
+  </cs:dataPointLine>
+  <cs:dataPointMarker>
+    <cs:lnRef idx="0"/>
+    <cs:fillRef idx="0">
+      <cs:styleClr val="auto"/>
+    </cs:fillRef>
+    <cs:effectRef idx="0"/>
+    <cs:fontRef idx="minor">
+      <a:schemeClr val="dk1"/>
+    </cs:fontRef>
+    <cs:spPr>
+      <a:solidFill>
+        <a:schemeClr val="phClr"/>
+      </a:solidFill>
+      <a:ln w="9525">
+        <a:solidFill>
+          <a:schemeClr val="lt1"/>
+        </a:solidFill>
+      </a:ln>
+    </cs:spPr>
+  </cs:dataPointMarker>
+  <cs:dataPointMarkerLayout symbol="circle" size="6"/>
+  <cs:dataPointWireframe>
+    <cs:lnRef idx="0">
+      <cs:styleClr val="auto"/>
+    </cs:lnRef>
+    <cs:fillRef idx="0"/>
+    <cs:effectRef idx="0"/>
+    <cs:fontRef idx="minor">
+      <a:schemeClr val="dk1"/>
+    </cs:fontRef>
+    <cs:spPr>
+      <a:ln w="9525" cap="rnd">
+        <a:solidFill>
+          <a:schemeClr val="phClr"/>
+        </a:solidFill>
+        <a:round/>
+      </a:ln>
+    </cs:spPr>
+  </cs:dataPointWireframe>
+  <cs:dataTable>
+    <cs:lnRef idx="0"/>
+    <cs:fillRef idx="0"/>
+    <cs:effectRef idx="0"/>
+    <cs:fontRef idx="minor">
+      <a:schemeClr val="dk1">
+        <a:lumMod val="65000"/>
+        <a:lumOff val="35000"/>
+      </a:schemeClr>
+    </cs:fontRef>
+    <cs:spPr>
+      <a:noFill/>
+      <a:ln w="9525" cap="flat" cmpd="sng" algn="ctr">
+        <a:solidFill>
+          <a:schemeClr val="dk1">
+            <a:lumMod val="15000"/>
+            <a:lumOff val="85000"/>
+          </a:schemeClr>
+        </a:solidFill>
+        <a:round/>
+      </a:ln>
+    </cs:spPr>
+    <cs:defRPr sz="900" kern="1200"/>
+  </cs:dataTable>
+  <cs:downBar>
+    <cs:lnRef idx="0"/>
+    <cs:fillRef idx="0"/>
+    <cs:effectRef idx="0"/>
+    <cs:fontRef idx="minor">
+      <a:schemeClr val="dk1"/>
+    </cs:fontRef>
+    <cs:spPr>
+      <a:solidFill>
+        <a:schemeClr val="dk1">
+          <a:lumMod val="75000"/>
+          <a:lumOff val="25000"/>
+        </a:schemeClr>
+      </a:solidFill>
+      <a:ln w="9525" cap="flat" cmpd="sng" algn="ctr">
+        <a:solidFill>
+          <a:schemeClr val="dk1">
+            <a:lumMod val="65000"/>
+            <a:lumOff val="35000"/>
+          </a:schemeClr>
+        </a:solidFill>
+        <a:round/>
+      </a:ln>
+    </cs:spPr>
+  </cs:downBar>
+  <cs:dropLine>
+    <cs:lnRef idx="0"/>
+    <cs:fillRef idx="0"/>
+    <cs:effectRef idx="0"/>
+    <cs:fontRef idx="minor">
+      <a:schemeClr val="dk1"/>
+    </cs:fontRef>
+    <cs:spPr>
+      <a:ln w="9525" cap="flat" cmpd="sng" algn="ctr">
+        <a:solidFill>
+          <a:schemeClr val="dk1">
+            <a:lumMod val="35000"/>
+            <a:lumOff val="65000"/>
+          </a:schemeClr>
+        </a:solidFill>
+        <a:round/>
+      </a:ln>
+    </cs:spPr>
+  </cs:dropLine>
+  <cs:errorBar>
+    <cs:lnRef idx="0"/>
+    <cs:fillRef idx="0"/>
+    <cs:effectRef idx="0"/>
+    <cs:fontRef idx="minor">
+      <a:schemeClr val="dk1"/>
+    </cs:fontRef>
+    <cs:spPr>
+      <a:ln w="9525" cap="flat" cmpd="sng" algn="ctr">
+        <a:solidFill>
+          <a:schemeClr val="dk1">
+            <a:lumMod val="65000"/>
+            <a:lumOff val="35000"/>
+          </a:schemeClr>
+        </a:solidFill>
+        <a:round/>
+      </a:ln>
+    </cs:spPr>
+  </cs:errorBar>
+  <cs:floor>
+    <cs:lnRef idx="0"/>
+    <cs:fillRef idx="0"/>
+    <cs:effectRef idx="0"/>
+    <cs:fontRef idx="minor">
+      <a:schemeClr val="dk1"/>
+    </cs:fontRef>
+    <cs:spPr>
+      <a:noFill/>
+      <a:ln>
+        <a:noFill/>
+      </a:ln>
+    </cs:spPr>
+  </cs:floor>
+  <cs:gridlineMajor>
+    <cs:lnRef idx="0"/>
+    <cs:fillRef idx="0"/>
+    <cs:effectRef idx="0"/>
+    <cs:fontRef idx="minor">
+      <a:schemeClr val="dk1"/>
+    </cs:fontRef>
+    <cs:spPr>
+      <a:ln w="9525" cap="flat" cmpd="sng" algn="ctr">
+        <a:solidFill>
+          <a:schemeClr val="dk1">
+            <a:lumMod val="15000"/>
+            <a:lumOff val="85000"/>
+          </a:schemeClr>
+        </a:solidFill>
+        <a:round/>
+      </a:ln>
+    </cs:spPr>
+  </cs:gridlineMajor>
+  <cs:gridlineMinor>
+    <cs:lnRef idx="0"/>
+    <cs:fillRef idx="0"/>
+    <cs:effectRef idx="0"/>
+    <cs:fontRef idx="minor">
+      <a:schemeClr val="dk1"/>
+    </cs:fontRef>
+    <cs:spPr>
+      <a:ln w="9525" cap="flat" cmpd="sng" algn="ctr">
+        <a:solidFill>
+          <a:schemeClr val="dk1">
+            <a:lumMod val="5000"/>
+            <a:lumOff val="95000"/>
+          </a:schemeClr>
+        </a:solidFill>
+        <a:round/>
+      </a:ln>
+    </cs:spPr>
+  </cs:gridlineMinor>
+  <cs:hiLoLine>
+    <cs:lnRef idx="0"/>
+    <cs:fillRef idx="0"/>
+    <cs:effectRef idx="0"/>
+    <cs:fontRef idx="minor">
+      <a:schemeClr val="dk1"/>
+    </cs:fontRef>
+    <cs:spPr>
+      <a:ln w="9525" cap="flat" cmpd="sng" algn="ctr">
+        <a:solidFill>
+          <a:schemeClr val="dk1">
+            <a:lumMod val="50000"/>
+            <a:lumOff val="50000"/>
+          </a:schemeClr>
+        </a:solidFill>
+        <a:round/>
+      </a:ln>
+    </cs:spPr>
+  </cs:hiLoLine>
+  <cs:leaderLine>
+    <cs:lnRef idx="0"/>
+    <cs:fillRef idx="0"/>
+    <cs:effectRef idx="0"/>
+    <cs:fontRef idx="minor">
+      <a:schemeClr val="dk1"/>
+    </cs:fontRef>
+    <cs:spPr>
+      <a:ln w="9525" cap="flat" cmpd="sng" algn="ctr">
+        <a:solidFill>
+          <a:schemeClr val="dk1">
+            <a:lumMod val="35000"/>
+            <a:lumOff val="65000"/>
+          </a:schemeClr>
+        </a:solidFill>
+        <a:round/>
+      </a:ln>
+    </cs:spPr>
+  </cs:leaderLine>
+  <cs:legend>
+    <cs:lnRef idx="0"/>
+    <cs:fillRef idx="0"/>
+    <cs:effectRef idx="0"/>
+    <cs:fontRef idx="minor">
+      <a:schemeClr val="dk1">
+        <a:lumMod val="65000"/>
+        <a:lumOff val="35000"/>
+      </a:schemeClr>
+    </cs:fontRef>
+    <cs:spPr>
+      <a:solidFill>
+        <a:schemeClr val="lt1">
+          <a:alpha val="78000"/>
+        </a:schemeClr>
+      </a:solidFill>
+    </cs:spPr>
+    <cs:defRPr sz="900" kern="1200"/>
+  </cs:legend>
+  <cs:plotArea mods="allowNoFillOverride allowNoLineOverride">
+    <cs:lnRef idx="0"/>
+    <cs:fillRef idx="0"/>
+    <cs:effectRef idx="0"/>
+    <cs:fontRef idx="minor">
+      <a:schemeClr val="dk1"/>
+    </cs:fontRef>
+  </cs:plotArea>
+  <cs:plotArea3D mods="allowNoFillOverride allowNoLineOverride">
+    <cs:lnRef idx="0"/>
+    <cs:fillRef idx="0"/>
+    <cs:effectRef idx="0"/>
+    <cs:fontRef idx="minor">
+      <a:schemeClr val="dk1"/>
+    </cs:fontRef>
+  </cs:plotArea3D>
+  <cs:seriesAxis>
+    <cs:lnRef idx="0"/>
+    <cs:fillRef idx="0"/>
+    <cs:effectRef idx="0"/>
+    <cs:fontRef idx="minor">
+      <a:schemeClr val="dk1">
+        <a:lumMod val="65000"/>
+        <a:lumOff val="35000"/>
+      </a:schemeClr>
+    </cs:fontRef>
+    <cs:defRPr sz="900" kern="1200"/>
+  </cs:seriesAxis>
+  <cs:seriesLine>
+    <cs:lnRef idx="0"/>
+    <cs:fillRef idx="0"/>
+    <cs:effectRef idx="0"/>
+    <cs:fontRef idx="minor">
+      <a:schemeClr val="dk1"/>
+    </cs:fontRef>
+    <cs:spPr>
+      <a:ln w="9525" cap="flat" cmpd="sng" algn="ctr">
+        <a:solidFill>
+          <a:schemeClr val="dk1">
+            <a:lumMod val="35000"/>
+            <a:lumOff val="65000"/>
+          </a:schemeClr>
+        </a:solidFill>
+        <a:round/>
+      </a:ln>
+    </cs:spPr>
+  </cs:seriesLine>
+  <cs:title>
+    <cs:lnRef idx="0"/>
+    <cs:fillRef idx="0"/>
+    <cs:effectRef idx="0"/>
+    <cs:fontRef idx="minor">
+      <a:schemeClr val="dk1">
+        <a:lumMod val="65000"/>
+        <a:lumOff val="35000"/>
+      </a:schemeClr>
+    </cs:fontRef>
+    <cs:defRPr sz="1800" b="1" kern="1200" baseline="0"/>
+  </cs:title>
+  <cs:trendline>
+    <cs:lnRef idx="0">
+      <cs:styleClr val="auto"/>
+    </cs:lnRef>
+    <cs:fillRef idx="0"/>
+    <cs:effectRef idx="0"/>
+    <cs:fontRef idx="minor">
+      <a:schemeClr val="dk1"/>
+    </cs:fontRef>
+    <cs:spPr>
+      <a:ln w="19050" cap="rnd">
+        <a:solidFill>
+          <a:schemeClr val="phClr"/>
+        </a:solidFill>
+        <a:prstDash val="sysDash"/>
+      </a:ln>
+    </cs:spPr>
+  </cs:trendline>
+  <cs:trendlineLabel>
+    <cs:lnRef idx="0"/>
+    <cs:fillRef idx="0"/>
+    <cs:effectRef idx="0"/>
+    <cs:fontRef idx="minor">
+      <a:schemeClr val="dk1">
+        <a:lumMod val="65000"/>
+        <a:lumOff val="35000"/>
+      </a:schemeClr>
+    </cs:fontRef>
+    <cs:defRPr sz="900" kern="1200"/>
+  </cs:trendlineLabel>
+  <cs:upBar>
+    <cs:lnRef idx="0"/>
+    <cs:fillRef idx="0"/>
+    <cs:effectRef idx="0"/>
+    <cs:fontRef idx="minor">
+      <a:schemeClr val="dk1"/>
+    </cs:fontRef>
+    <cs:spPr>
+      <a:solidFill>
+        <a:schemeClr val="lt1"/>
+      </a:solidFill>
+      <a:ln w="9525" cap="flat" cmpd="sng" algn="ctr">
+        <a:solidFill>
+          <a:schemeClr val="dk1">
+            <a:lumMod val="65000"/>
+            <a:lumOff val="35000"/>
+          </a:schemeClr>
+        </a:solidFill>
+        <a:round/>
+      </a:ln>
+    </cs:spPr>
+  </cs:upBar>
+  <cs:valueAxis>
+    <cs:lnRef idx="0"/>
+    <cs:fillRef idx="0"/>
+    <cs:effectRef idx="0"/>
+    <cs:fontRef idx="minor">
+      <a:schemeClr val="dk1">
+        <a:lumMod val="65000"/>
+        <a:lumOff val="35000"/>
+      </a:schemeClr>
+    </cs:fontRef>
+    <cs:defRPr sz="900" kern="1200"/>
+  </cs:valueAxis>
+  <cs:wall>
+    <cs:lnRef idx="0"/>
+    <cs:fillRef idx="0"/>
+    <cs:effectRef idx="0"/>
+    <cs:fontRef idx="minor">
+      <a:schemeClr val="dk1"/>
+    </cs:fontRef>
+  </cs:wall>
+</cs:chartStyle>
+</file>
+
+<file path=ppt/charts/style3.xml><?xml version="1.0" encoding="utf-8"?>
+<cs:chartStyle xmlns:cs="http://schemas.microsoft.com/office/drawing/2012/chartStyle" xmlns:a="http://schemas.openxmlformats.org/drawingml/2006/main" id="261">
+  <cs:axisTitle>
+    <cs:lnRef idx="0"/>
+    <cs:fillRef idx="0"/>
+    <cs:effectRef idx="0"/>
+    <cs:fontRef idx="minor">
+      <a:schemeClr val="dk1">
+        <a:lumMod val="65000"/>
+        <a:lumOff val="35000"/>
+      </a:schemeClr>
+    </cs:fontRef>
+    <cs:defRPr sz="900" kern="1200"/>
+  </cs:axisTitle>
+  <cs:categoryAxis>
+    <cs:lnRef idx="0"/>
+    <cs:fillRef idx="0"/>
+    <cs:effectRef idx="0"/>
+    <cs:fontRef idx="minor">
+      <a:schemeClr val="dk1">
+        <a:lumMod val="65000"/>
+        <a:lumOff val="35000"/>
+      </a:schemeClr>
+    </cs:fontRef>
+    <cs:defRPr sz="900" kern="1200"/>
+  </cs:categoryAxis>
+  <cs:chartArea>
+    <cs:lnRef idx="0"/>
+    <cs:fillRef idx="0"/>
+    <cs:effectRef idx="0"/>
+    <cs:fontRef idx="minor">
+      <a:schemeClr val="dk1"/>
+    </cs:fontRef>
+    <cs:spPr>
+      <a:pattFill prst="dkDnDiag">
+        <a:fgClr>
+          <a:schemeClr val="lt1">
+            <a:lumMod val="95000"/>
+          </a:schemeClr>
+        </a:fgClr>
+        <a:bgClr>
+          <a:schemeClr val="lt1"/>
+        </a:bgClr>
+      </a:pattFill>
+      <a:ln w="9525" cap="flat" cmpd="sng" algn="ctr">
+        <a:solidFill>
+          <a:schemeClr val="dk1">
+            <a:lumMod val="15000"/>
+            <a:lumOff val="85000"/>
+          </a:schemeClr>
+        </a:solidFill>
+        <a:round/>
+      </a:ln>
+    </cs:spPr>
+    <cs:defRPr sz="900" kern="1200"/>
+  </cs:chartArea>
+  <cs:dataLabel>
+    <cs:lnRef idx="0"/>
+    <cs:fillRef idx="0"/>
+    <cs:effectRef idx="0"/>
+    <cs:fontRef idx="minor">
+      <a:schemeClr val="lt1"/>
+    </cs:fontRef>
+    <cs:defRPr sz="900" b="1" i="0" u="none" strike="noStrike" kern="1200" baseline="0"/>
+  </cs:dataLabel>
+  <cs:dataLabelCallout>
+    <cs:lnRef idx="0"/>
+    <cs:fillRef idx="0"/>
+    <cs:effectRef idx="0"/>
+    <cs:fontRef idx="minor">
+      <a:schemeClr val="dk1">
+        <a:lumMod val="65000"/>
+        <a:lumOff val="35000"/>
+      </a:schemeClr>
+    </cs:fontRef>
+    <cs:spPr>
+      <a:solidFill>
+        <a:schemeClr val="lt1">
+          <a:alpha val="75000"/>
+        </a:schemeClr>
+      </a:solidFill>
+      <a:ln w="9525">
+        <a:solidFill>
+          <a:schemeClr val="dk1">
+            <a:lumMod val="25000"/>
+            <a:lumOff val="75000"/>
+          </a:schemeClr>
+        </a:solidFill>
+      </a:ln>
+    </cs:spPr>
+    <cs:defRPr sz="900" kern="1200"/>
+    <cs:bodyPr rot="0" spcFirstLastPara="1" vertOverflow="clip" horzOverflow="clip" vert="horz" wrap="square" lIns="36576" tIns="18288" rIns="36576" bIns="18288" anchor="ctr" anchorCtr="1">
+      <a:spAutoFit/>
+    </cs:bodyPr>
+  </cs:dataLabelCallout>
+  <cs:dataPoint>
+    <cs:lnRef idx="0"/>
+    <cs:fillRef idx="0">
+      <cs:styleClr val="auto"/>
+    </cs:fillRef>
+    <cs:effectRef idx="0"/>
+    <cs:fontRef idx="minor">
+      <a:schemeClr val="dk1"/>
+    </cs:fontRef>
+    <cs:spPr>
+      <a:solidFill>
+        <a:schemeClr val="phClr"/>
+      </a:solidFill>
+      <a:effectLst>
+        <a:outerShdw blurRad="317500" algn="ctr" rotWithShape="0">
+          <a:prstClr val="black">
+            <a:alpha val="25000"/>
+          </a:prstClr>
+        </a:outerShdw>
+      </a:effectLst>
+    </cs:spPr>
+  </cs:dataPoint>
+  <cs:dataPoint3D>
+    <cs:lnRef idx="0"/>
+    <cs:fillRef idx="0">
+      <cs:styleClr val="auto"/>
+    </cs:fillRef>
+    <cs:effectRef idx="0"/>
+    <cs:fontRef idx="minor">
+      <a:schemeClr val="dk1"/>
+    </cs:fontRef>
+    <cs:spPr>
+      <a:solidFill>
+        <a:schemeClr val="phClr"/>
+      </a:solidFill>
+      <a:effectLst>
+        <a:outerShdw blurRad="88900" sx="102000" sy="102000" algn="ctr" rotWithShape="0">
+          <a:prstClr val="black">
+            <a:alpha val="20000"/>
+          </a:prstClr>
+        </a:outerShdw>
+      </a:effectLst>
+      <a:scene3d>
+        <a:camera prst="orthographicFront"/>
+        <a:lightRig rig="threePt" dir="t"/>
+      </a:scene3d>
+      <a:sp3d prstMaterial="matte"/>
+    </cs:spPr>
+  </cs:dataPoint3D>
+  <cs:dataPointLine>
+    <cs:lnRef idx="0">
+      <cs:styleClr val="auto"/>
+    </cs:lnRef>
+    <cs:fillRef idx="0"/>
+    <cs:effectRef idx="0"/>
+    <cs:fontRef idx="minor">
+      <a:schemeClr val="dk1"/>
+    </cs:fontRef>
+    <cs:spPr>
+      <a:ln w="28575" cap="rnd">
+        <a:solidFill>
+          <a:schemeClr val="phClr"/>
+        </a:solidFill>
+        <a:round/>
+      </a:ln>
+    </cs:spPr>
+  </cs:dataPointLine>
+  <cs:dataPointMarker>
+    <cs:lnRef idx="0"/>
+    <cs:fillRef idx="0">
+      <cs:styleClr val="auto"/>
+    </cs:fillRef>
+    <cs:effectRef idx="0"/>
+    <cs:fontRef idx="minor">
+      <a:schemeClr val="dk1"/>
+    </cs:fontRef>
+    <cs:spPr>
+      <a:solidFill>
+        <a:schemeClr val="phClr"/>
+      </a:solidFill>
+      <a:ln w="9525">
+        <a:solidFill>
+          <a:schemeClr val="lt1"/>
+        </a:solidFill>
+      </a:ln>
+    </cs:spPr>
+  </cs:dataPointMarker>
+  <cs:dataPointMarkerLayout symbol="circle" size="6"/>
+  <cs:dataPointWireframe>
+    <cs:lnRef idx="0">
+      <cs:styleClr val="auto"/>
+    </cs:lnRef>
+    <cs:fillRef idx="0"/>
+    <cs:effectRef idx="0"/>
+    <cs:fontRef idx="minor">
+      <a:schemeClr val="dk1"/>
+    </cs:fontRef>
+    <cs:spPr>
+      <a:ln w="9525" cap="rnd">
+        <a:solidFill>
+          <a:schemeClr val="phClr"/>
+        </a:solidFill>
+        <a:round/>
+      </a:ln>
+    </cs:spPr>
+  </cs:dataPointWireframe>
+  <cs:dataTable>
+    <cs:lnRef idx="0"/>
+    <cs:fillRef idx="0"/>
+    <cs:effectRef idx="0"/>
+    <cs:fontRef idx="minor">
+      <a:schemeClr val="dk1">
+        <a:lumMod val="65000"/>
+        <a:lumOff val="35000"/>
+      </a:schemeClr>
+    </cs:fontRef>
+    <cs:spPr>
+      <a:noFill/>
+      <a:ln w="9525" cap="flat" cmpd="sng" algn="ctr">
+        <a:solidFill>
+          <a:schemeClr val="dk1">
+            <a:lumMod val="15000"/>
+            <a:lumOff val="85000"/>
+          </a:schemeClr>
+        </a:solidFill>
+        <a:round/>
+      </a:ln>
+    </cs:spPr>
+    <cs:defRPr sz="900" kern="1200"/>
+  </cs:dataTable>
+  <cs:downBar>
+    <cs:lnRef idx="0"/>
+    <cs:fillRef idx="0"/>
+    <cs:effectRef idx="0"/>
+    <cs:fontRef idx="minor">
+      <a:schemeClr val="dk1"/>
+    </cs:fontRef>
+    <cs:spPr>
+      <a:solidFill>
+        <a:schemeClr val="dk1">
+          <a:lumMod val="75000"/>
+          <a:lumOff val="25000"/>
+        </a:schemeClr>
+      </a:solidFill>
+      <a:ln w="9525" cap="flat" cmpd="sng" algn="ctr">
+        <a:solidFill>
+          <a:schemeClr val="dk1">
+            <a:lumMod val="65000"/>
+            <a:lumOff val="35000"/>
+          </a:schemeClr>
+        </a:solidFill>
+        <a:round/>
+      </a:ln>
+    </cs:spPr>
+  </cs:downBar>
+  <cs:dropLine>
+    <cs:lnRef idx="0"/>
+    <cs:fillRef idx="0"/>
+    <cs:effectRef idx="0"/>
+    <cs:fontRef idx="minor">
+      <a:schemeClr val="dk1"/>
+    </cs:fontRef>
+    <cs:spPr>
+      <a:ln w="9525" cap="flat" cmpd="sng" algn="ctr">
+        <a:solidFill>
+          <a:schemeClr val="dk1">
+            <a:lumMod val="35000"/>
+            <a:lumOff val="65000"/>
+          </a:schemeClr>
+        </a:solidFill>
+        <a:round/>
+      </a:ln>
+    </cs:spPr>
+  </cs:dropLine>
+  <cs:errorBar>
+    <cs:lnRef idx="0"/>
+    <cs:fillRef idx="0"/>
+    <cs:effectRef idx="0"/>
+    <cs:fontRef idx="minor">
+      <a:schemeClr val="dk1"/>
+    </cs:fontRef>
+    <cs:spPr>
+      <a:ln w="9525" cap="flat" cmpd="sng" algn="ctr">
+        <a:solidFill>
+          <a:schemeClr val="dk1">
+            <a:lumMod val="65000"/>
+            <a:lumOff val="35000"/>
+          </a:schemeClr>
+        </a:solidFill>
+        <a:round/>
+      </a:ln>
+    </cs:spPr>
+  </cs:errorBar>
+  <cs:floor>
+    <cs:lnRef idx="0"/>
+    <cs:fillRef idx="0"/>
+    <cs:effectRef idx="0"/>
+    <cs:fontRef idx="minor">
+      <a:schemeClr val="dk1"/>
+    </cs:fontRef>
+    <cs:spPr>
+      <a:noFill/>
+      <a:ln>
+        <a:noFill/>
+      </a:ln>
+    </cs:spPr>
+  </cs:floor>
+  <cs:gridlineMajor>
+    <cs:lnRef idx="0"/>
+    <cs:fillRef idx="0"/>
+    <cs:effectRef idx="0"/>
+    <cs:fontRef idx="minor">
+      <a:schemeClr val="dk1"/>
+    </cs:fontRef>
+    <cs:spPr>
+      <a:ln w="9525" cap="flat" cmpd="sng" algn="ctr">
+        <a:solidFill>
+          <a:schemeClr val="dk1">
+            <a:lumMod val="15000"/>
+            <a:lumOff val="85000"/>
+          </a:schemeClr>
+        </a:solidFill>
+        <a:round/>
+      </a:ln>
+    </cs:spPr>
+  </cs:gridlineMajor>
+  <cs:gridlineMinor>
+    <cs:lnRef idx="0"/>
+    <cs:fillRef idx="0"/>
+    <cs:effectRef idx="0"/>
+    <cs:fontRef idx="minor">
+      <a:schemeClr val="dk1"/>
+    </cs:fontRef>
+    <cs:spPr>
+      <a:ln w="9525" cap="flat" cmpd="sng" algn="ctr">
+        <a:solidFill>
+          <a:schemeClr val="dk1">
+            <a:lumMod val="5000"/>
+            <a:lumOff val="95000"/>
+          </a:schemeClr>
+        </a:solidFill>
+        <a:round/>
+      </a:ln>
+    </cs:spPr>
+  </cs:gridlineMinor>
+  <cs:hiLoLine>
+    <cs:lnRef idx="0"/>
+    <cs:fillRef idx="0"/>
+    <cs:effectRef idx="0"/>
+    <cs:fontRef idx="minor">
+      <a:schemeClr val="dk1"/>
+    </cs:fontRef>
+    <cs:spPr>
+      <a:ln w="9525" cap="flat" cmpd="sng" algn="ctr">
+        <a:solidFill>
+          <a:schemeClr val="dk1">
+            <a:lumMod val="50000"/>
+            <a:lumOff val="50000"/>
+          </a:schemeClr>
+        </a:solidFill>
+        <a:round/>
+      </a:ln>
+    </cs:spPr>
+  </cs:hiLoLine>
+  <cs:leaderLine>
+    <cs:lnRef idx="0"/>
+    <cs:fillRef idx="0"/>
+    <cs:effectRef idx="0"/>
+    <cs:fontRef idx="minor">
+      <a:schemeClr val="dk1"/>
+    </cs:fontRef>
+    <cs:spPr>
+      <a:ln w="9525" cap="flat" cmpd="sng" algn="ctr">
+        <a:solidFill>
+          <a:schemeClr val="dk1">
+            <a:lumMod val="35000"/>
+            <a:lumOff val="65000"/>
+          </a:schemeClr>
+        </a:solidFill>
+        <a:round/>
+      </a:ln>
+    </cs:spPr>
+  </cs:leaderLine>
+  <cs:legend>
+    <cs:lnRef idx="0"/>
+    <cs:fillRef idx="0"/>
+    <cs:effectRef idx="0"/>
+    <cs:fontRef idx="minor">
+      <a:schemeClr val="dk1">
+        <a:lumMod val="65000"/>
+        <a:lumOff val="35000"/>
+      </a:schemeClr>
+    </cs:fontRef>
+    <cs:spPr>
+      <a:solidFill>
+        <a:schemeClr val="lt1">
+          <a:alpha val="78000"/>
+        </a:schemeClr>
+      </a:solidFill>
+    </cs:spPr>
+    <cs:defRPr sz="900" kern="1200"/>
+  </cs:legend>
+  <cs:plotArea mods="allowNoFillOverride allowNoLineOverride">
+    <cs:lnRef idx="0"/>
+    <cs:fillRef idx="0"/>
+    <cs:effectRef idx="0"/>
+    <cs:fontRef idx="minor">
+      <a:schemeClr val="dk1"/>
+    </cs:fontRef>
+  </cs:plotArea>
+  <cs:plotArea3D mods="allowNoFillOverride allowNoLineOverride">
+    <cs:lnRef idx="0"/>
+    <cs:fillRef idx="0"/>
+    <cs:effectRef idx="0"/>
+    <cs:fontRef idx="minor">
+      <a:schemeClr val="dk1"/>
+    </cs:fontRef>
+  </cs:plotArea3D>
+  <cs:seriesAxis>
+    <cs:lnRef idx="0"/>
+    <cs:fillRef idx="0"/>
+    <cs:effectRef idx="0"/>
+    <cs:fontRef idx="minor">
+      <a:schemeClr val="dk1">
+        <a:lumMod val="65000"/>
+        <a:lumOff val="35000"/>
+      </a:schemeClr>
+    </cs:fontRef>
+    <cs:defRPr sz="900" kern="1200"/>
+  </cs:seriesAxis>
+  <cs:seriesLine>
+    <cs:lnRef idx="0"/>
+    <cs:fillRef idx="0"/>
+    <cs:effectRef idx="0"/>
+    <cs:fontRef idx="minor">
+      <a:schemeClr val="dk1"/>
+    </cs:fontRef>
+    <cs:spPr>
+      <a:ln w="9525" cap="flat" cmpd="sng" algn="ctr">
+        <a:solidFill>
+          <a:schemeClr val="dk1">
+            <a:lumMod val="35000"/>
+            <a:lumOff val="65000"/>
+          </a:schemeClr>
+        </a:solidFill>
+        <a:round/>
+      </a:ln>
+    </cs:spPr>
+  </cs:seriesLine>
+  <cs:title>
+    <cs:lnRef idx="0"/>
+    <cs:fillRef idx="0"/>
+    <cs:effectRef idx="0"/>
+    <cs:fontRef idx="minor">
+      <a:schemeClr val="dk1">
+        <a:lumMod val="65000"/>
+        <a:lumOff val="35000"/>
+      </a:schemeClr>
+    </cs:fontRef>
+    <cs:defRPr sz="1800" b="1" kern="1200" baseline="0"/>
+  </cs:title>
+  <cs:trendline>
+    <cs:lnRef idx="0">
+      <cs:styleClr val="auto"/>
+    </cs:lnRef>
+    <cs:fillRef idx="0"/>
+    <cs:effectRef idx="0"/>
+    <cs:fontRef idx="minor">
+      <a:schemeClr val="dk1"/>
+    </cs:fontRef>
+    <cs:spPr>
+      <a:ln w="19050" cap="rnd">
+        <a:solidFill>
+          <a:schemeClr val="phClr"/>
+        </a:solidFill>
+        <a:prstDash val="sysDash"/>
+      </a:ln>
+    </cs:spPr>
+  </cs:trendline>
+  <cs:trendlineLabel>
+    <cs:lnRef idx="0"/>
+    <cs:fillRef idx="0"/>
+    <cs:effectRef idx="0"/>
+    <cs:fontRef idx="minor">
+      <a:schemeClr val="dk1">
+        <a:lumMod val="65000"/>
+        <a:lumOff val="35000"/>
+      </a:schemeClr>
+    </cs:fontRef>
+    <cs:defRPr sz="900" kern="1200"/>
+  </cs:trendlineLabel>
+  <cs:upBar>
+    <cs:lnRef idx="0"/>
+    <cs:fillRef idx="0"/>
+    <cs:effectRef idx="0"/>
+    <cs:fontRef idx="minor">
+      <a:schemeClr val="dk1"/>
+    </cs:fontRef>
+    <cs:spPr>
+      <a:solidFill>
+        <a:schemeClr val="lt1"/>
+      </a:solidFill>
+      <a:ln w="9525" cap="flat" cmpd="sng" algn="ctr">
+        <a:solidFill>
+          <a:schemeClr val="dk1">
+            <a:lumMod val="65000"/>
+            <a:lumOff val="35000"/>
+          </a:schemeClr>
+        </a:solidFill>
+        <a:round/>
+      </a:ln>
+    </cs:spPr>
+  </cs:upBar>
+  <cs:valueAxis>
+    <cs:lnRef idx="0"/>
+    <cs:fillRef idx="0"/>
+    <cs:effectRef idx="0"/>
+    <cs:fontRef idx="minor">
+      <a:schemeClr val="dk1">
+        <a:lumMod val="65000"/>
+        <a:lumOff val="35000"/>
+      </a:schemeClr>
+    </cs:fontRef>
+    <cs:defRPr sz="900" kern="1200"/>
+  </cs:valueAxis>
+  <cs:wall>
+    <cs:lnRef idx="0"/>
+    <cs:fillRef idx="0"/>
+    <cs:effectRef idx="0"/>
+    <cs:fontRef idx="minor">
+      <a:schemeClr val="dk1"/>
+    </cs:fontRef>
+  </cs:wall>
+</cs:chartStyle>
+</file>
+
+<file path=ppt/charts/style4.xml><?xml version="1.0" encoding="utf-8"?>
+<cs:chartStyle xmlns:cs="http://schemas.microsoft.com/office/drawing/2012/chartStyle" xmlns:a="http://schemas.openxmlformats.org/drawingml/2006/main" id="261">
+  <cs:axisTitle>
+    <cs:lnRef idx="0"/>
+    <cs:fillRef idx="0"/>
+    <cs:effectRef idx="0"/>
+    <cs:fontRef idx="minor">
+      <a:schemeClr val="dk1">
+        <a:lumMod val="65000"/>
+        <a:lumOff val="35000"/>
+      </a:schemeClr>
+    </cs:fontRef>
+    <cs:defRPr sz="900" kern="1200"/>
+  </cs:axisTitle>
+  <cs:categoryAxis>
+    <cs:lnRef idx="0"/>
+    <cs:fillRef idx="0"/>
+    <cs:effectRef idx="0"/>
+    <cs:fontRef idx="minor">
+      <a:schemeClr val="dk1">
+        <a:lumMod val="65000"/>
+        <a:lumOff val="35000"/>
+      </a:schemeClr>
+    </cs:fontRef>
+    <cs:defRPr sz="900" kern="1200"/>
+  </cs:categoryAxis>
+  <cs:chartArea>
+    <cs:lnRef idx="0"/>
+    <cs:fillRef idx="0"/>
+    <cs:effectRef idx="0"/>
+    <cs:fontRef idx="minor">
+      <a:schemeClr val="dk1"/>
+    </cs:fontRef>
+    <cs:spPr>
+      <a:pattFill prst="dkDnDiag">
+        <a:fgClr>
+          <a:schemeClr val="lt1">
+            <a:lumMod val="95000"/>
+          </a:schemeClr>
+        </a:fgClr>
+        <a:bgClr>
+          <a:schemeClr val="lt1"/>
+        </a:bgClr>
+      </a:pattFill>
+      <a:ln w="9525" cap="flat" cmpd="sng" algn="ctr">
+        <a:solidFill>
+          <a:schemeClr val="dk1">
+            <a:lumMod val="15000"/>
+            <a:lumOff val="85000"/>
+          </a:schemeClr>
+        </a:solidFill>
+        <a:round/>
+      </a:ln>
+    </cs:spPr>
+    <cs:defRPr sz="900" kern="1200"/>
+  </cs:chartArea>
+  <cs:dataLabel>
+    <cs:lnRef idx="0"/>
+    <cs:fillRef idx="0"/>
+    <cs:effectRef idx="0"/>
+    <cs:fontRef idx="minor">
+      <a:schemeClr val="lt1"/>
+    </cs:fontRef>
+    <cs:defRPr sz="900" b="1" i="0" u="none" strike="noStrike" kern="1200" baseline="0"/>
+  </cs:dataLabel>
+  <cs:dataLabelCallout>
+    <cs:lnRef idx="0"/>
+    <cs:fillRef idx="0"/>
+    <cs:effectRef idx="0"/>
+    <cs:fontRef idx="minor">
+      <a:schemeClr val="dk1">
+        <a:lumMod val="65000"/>
+        <a:lumOff val="35000"/>
+      </a:schemeClr>
+    </cs:fontRef>
+    <cs:spPr>
+      <a:solidFill>
+        <a:schemeClr val="lt1">
+          <a:alpha val="75000"/>
+        </a:schemeClr>
+      </a:solidFill>
+      <a:ln w="9525">
+        <a:solidFill>
+          <a:schemeClr val="dk1">
+            <a:lumMod val="25000"/>
+            <a:lumOff val="75000"/>
+          </a:schemeClr>
+        </a:solidFill>
+      </a:ln>
+    </cs:spPr>
+    <cs:defRPr sz="900" kern="1200"/>
+    <cs:bodyPr rot="0" spcFirstLastPara="1" vertOverflow="clip" horzOverflow="clip" vert="horz" wrap="square" lIns="36576" tIns="18288" rIns="36576" bIns="18288" anchor="ctr" anchorCtr="1">
+      <a:spAutoFit/>
+    </cs:bodyPr>
+  </cs:dataLabelCallout>
+  <cs:dataPoint>
+    <cs:lnRef idx="0"/>
+    <cs:fillRef idx="0">
+      <cs:styleClr val="auto"/>
+    </cs:fillRef>
+    <cs:effectRef idx="0"/>
+    <cs:fontRef idx="minor">
+      <a:schemeClr val="dk1"/>
+    </cs:fontRef>
+    <cs:spPr>
+      <a:solidFill>
+        <a:schemeClr val="phClr"/>
+      </a:solidFill>
+      <a:effectLst>
+        <a:outerShdw blurRad="317500" algn="ctr" rotWithShape="0">
+          <a:prstClr val="black">
+            <a:alpha val="25000"/>
+          </a:prstClr>
+        </a:outerShdw>
+      </a:effectLst>
+    </cs:spPr>
+  </cs:dataPoint>
+  <cs:dataPoint3D>
+    <cs:lnRef idx="0"/>
+    <cs:fillRef idx="0">
+      <cs:styleClr val="auto"/>
+    </cs:fillRef>
+    <cs:effectRef idx="0"/>
+    <cs:fontRef idx="minor">
+      <a:schemeClr val="dk1"/>
+    </cs:fontRef>
+    <cs:spPr>
+      <a:solidFill>
+        <a:schemeClr val="phClr"/>
+      </a:solidFill>
+      <a:effectLst>
+        <a:outerShdw blurRad="88900" sx="102000" sy="102000" algn="ctr" rotWithShape="0">
+          <a:prstClr val="black">
+            <a:alpha val="20000"/>
+          </a:prstClr>
+        </a:outerShdw>
+      </a:effectLst>
+      <a:scene3d>
+        <a:camera prst="orthographicFront"/>
+        <a:lightRig rig="threePt" dir="t"/>
+      </a:scene3d>
+      <a:sp3d prstMaterial="matte"/>
+    </cs:spPr>
+  </cs:dataPoint3D>
+  <cs:dataPointLine>
+    <cs:lnRef idx="0">
+      <cs:styleClr val="auto"/>
+    </cs:lnRef>
+    <cs:fillRef idx="0"/>
+    <cs:effectRef idx="0"/>
+    <cs:fontRef idx="minor">
+      <a:schemeClr val="dk1"/>
+    </cs:fontRef>
+    <cs:spPr>
+      <a:ln w="28575" cap="rnd">
+        <a:solidFill>
+          <a:schemeClr val="phClr"/>
+        </a:solidFill>
+        <a:round/>
+      </a:ln>
+    </cs:spPr>
+  </cs:dataPointLine>
+  <cs:dataPointMarker>
+    <cs:lnRef idx="0"/>
+    <cs:fillRef idx="0">
+      <cs:styleClr val="auto"/>
+    </cs:fillRef>
+    <cs:effectRef idx="0"/>
+    <cs:fontRef idx="minor">
+      <a:schemeClr val="dk1"/>
+    </cs:fontRef>
+    <cs:spPr>
+      <a:solidFill>
+        <a:schemeClr val="phClr"/>
+      </a:solidFill>
+      <a:ln w="9525">
+        <a:solidFill>
+          <a:schemeClr val="lt1"/>
+        </a:solidFill>
+      </a:ln>
+    </cs:spPr>
+  </cs:dataPointMarker>
+  <cs:dataPointMarkerLayout symbol="circle" size="6"/>
+  <cs:dataPointWireframe>
+    <cs:lnRef idx="0">
+      <cs:styleClr val="auto"/>
+    </cs:lnRef>
+    <cs:fillRef idx="0"/>
+    <cs:effectRef idx="0"/>
+    <cs:fontRef idx="minor">
+      <a:schemeClr val="dk1"/>
+    </cs:fontRef>
+    <cs:spPr>
+      <a:ln w="9525" cap="rnd">
+        <a:solidFill>
+          <a:schemeClr val="phClr"/>
+        </a:solidFill>
+        <a:round/>
+      </a:ln>
+    </cs:spPr>
+  </cs:dataPointWireframe>
+  <cs:dataTable>
+    <cs:lnRef idx="0"/>
+    <cs:fillRef idx="0"/>
+    <cs:effectRef idx="0"/>
+    <cs:fontRef idx="minor">
+      <a:schemeClr val="dk1">
+        <a:lumMod val="65000"/>
+        <a:lumOff val="35000"/>
+      </a:schemeClr>
+    </cs:fontRef>
+    <cs:spPr>
+      <a:noFill/>
+      <a:ln w="9525" cap="flat" cmpd="sng" algn="ctr">
+        <a:solidFill>
+          <a:schemeClr val="dk1">
+            <a:lumMod val="15000"/>
+            <a:lumOff val="85000"/>
+          </a:schemeClr>
+        </a:solidFill>
+        <a:round/>
+      </a:ln>
+    </cs:spPr>
+    <cs:defRPr sz="900" kern="1200"/>
+  </cs:dataTable>
+  <cs:downBar>
+    <cs:lnRef idx="0"/>
+    <cs:fillRef idx="0"/>
+    <cs:effectRef idx="0"/>
+    <cs:fontRef idx="minor">
+      <a:schemeClr val="dk1"/>
+    </cs:fontRef>
+    <cs:spPr>
+      <a:solidFill>
+        <a:schemeClr val="dk1">
+          <a:lumMod val="75000"/>
+          <a:lumOff val="25000"/>
+        </a:schemeClr>
+      </a:solidFill>
+      <a:ln w="9525" cap="flat" cmpd="sng" algn="ctr">
+        <a:solidFill>
+          <a:schemeClr val="dk1">
+            <a:lumMod val="65000"/>
+            <a:lumOff val="35000"/>
+          </a:schemeClr>
+        </a:solidFill>
+        <a:round/>
+      </a:ln>
+    </cs:spPr>
+  </cs:downBar>
+  <cs:dropLine>
+    <cs:lnRef idx="0"/>
+    <cs:fillRef idx="0"/>
+    <cs:effectRef idx="0"/>
+    <cs:fontRef idx="minor">
+      <a:schemeClr val="dk1"/>
+    </cs:fontRef>
+    <cs:spPr>
+      <a:ln w="9525" cap="flat" cmpd="sng" algn="ctr">
+        <a:solidFill>
+          <a:schemeClr val="dk1">
+            <a:lumMod val="35000"/>
+            <a:lumOff val="65000"/>
+          </a:schemeClr>
+        </a:solidFill>
+        <a:round/>
+      </a:ln>
+    </cs:spPr>
+  </cs:dropLine>
+  <cs:errorBar>
+    <cs:lnRef idx="0"/>
+    <cs:fillRef idx="0"/>
+    <cs:effectRef idx="0"/>
+    <cs:fontRef idx="minor">
+      <a:schemeClr val="dk1"/>
+    </cs:fontRef>
+    <cs:spPr>
+      <a:ln w="9525" cap="flat" cmpd="sng" algn="ctr">
+        <a:solidFill>
+          <a:schemeClr val="dk1">
+            <a:lumMod val="65000"/>
+            <a:lumOff val="35000"/>
+          </a:schemeClr>
+        </a:solidFill>
+        <a:round/>
+      </a:ln>
+    </cs:spPr>
+  </cs:errorBar>
+  <cs:floor>
+    <cs:lnRef idx="0"/>
+    <cs:fillRef idx="0"/>
+    <cs:effectRef idx="0"/>
+    <cs:fontRef idx="minor">
+      <a:schemeClr val="dk1"/>
+    </cs:fontRef>
+    <cs:spPr>
+      <a:noFill/>
+      <a:ln>
+        <a:noFill/>
+      </a:ln>
+    </cs:spPr>
+  </cs:floor>
+  <cs:gridlineMajor>
+    <cs:lnRef idx="0"/>
+    <cs:fillRef idx="0"/>
+    <cs:effectRef idx="0"/>
+    <cs:fontRef idx="minor">
+      <a:schemeClr val="dk1"/>
+    </cs:fontRef>
+    <cs:spPr>
+      <a:ln w="9525" cap="flat" cmpd="sng" algn="ctr">
+        <a:solidFill>
+          <a:schemeClr val="dk1">
+            <a:lumMod val="15000"/>
+            <a:lumOff val="85000"/>
+          </a:schemeClr>
+        </a:solidFill>
+        <a:round/>
+      </a:ln>
+    </cs:spPr>
+  </cs:gridlineMajor>
+  <cs:gridlineMinor>
+    <cs:lnRef idx="0"/>
+    <cs:fillRef idx="0"/>
+    <cs:effectRef idx="0"/>
+    <cs:fontRef idx="minor">
+      <a:schemeClr val="dk1"/>
+    </cs:fontRef>
+    <cs:spPr>
+      <a:ln w="9525" cap="flat" cmpd="sng" algn="ctr">
+        <a:solidFill>
+          <a:schemeClr val="dk1">
+            <a:lumMod val="5000"/>
+            <a:lumOff val="95000"/>
+          </a:schemeClr>
+        </a:solidFill>
+        <a:round/>
+      </a:ln>
+    </cs:spPr>
+  </cs:gridlineMinor>
+  <cs:hiLoLine>
+    <cs:lnRef idx="0"/>
+    <cs:fillRef idx="0"/>
+    <cs:effectRef idx="0"/>
+    <cs:fontRef idx="minor">
+      <a:schemeClr val="dk1"/>
+    </cs:fontRef>
+    <cs:spPr>
+      <a:ln w="9525" cap="flat" cmpd="sng" algn="ctr">
+        <a:solidFill>
+          <a:schemeClr val="dk1">
+            <a:lumMod val="50000"/>
+            <a:lumOff val="50000"/>
+          </a:schemeClr>
+        </a:solidFill>
+        <a:round/>
+      </a:ln>
+    </cs:spPr>
+  </cs:hiLoLine>
+  <cs:leaderLine>
+    <cs:lnRef idx="0"/>
+    <cs:fillRef idx="0"/>
+    <cs:effectRef idx="0"/>
+    <cs:fontRef idx="minor">
+      <a:schemeClr val="dk1"/>
+    </cs:fontRef>
+    <cs:spPr>
+      <a:ln w="9525" cap="flat" cmpd="sng" algn="ctr">
+        <a:solidFill>
+          <a:schemeClr val="dk1">
+            <a:lumMod val="35000"/>
+            <a:lumOff val="65000"/>
+          </a:schemeClr>
+        </a:solidFill>
+        <a:round/>
+      </a:ln>
+    </cs:spPr>
+  </cs:leaderLine>
+  <cs:legend>
+    <cs:lnRef idx="0"/>
+    <cs:fillRef idx="0"/>
+    <cs:effectRef idx="0"/>
+    <cs:fontRef idx="minor">
+      <a:schemeClr val="dk1">
+        <a:lumMod val="65000"/>
+        <a:lumOff val="35000"/>
+      </a:schemeClr>
+    </cs:fontRef>
+    <cs:spPr>
+      <a:solidFill>
+        <a:schemeClr val="lt1">
+          <a:alpha val="78000"/>
+        </a:schemeClr>
+      </a:solidFill>
+    </cs:spPr>
+    <cs:defRPr sz="900" kern="1200"/>
+  </cs:legend>
+  <cs:plotArea mods="allowNoFillOverride allowNoLineOverride">
+    <cs:lnRef idx="0"/>
+    <cs:fillRef idx="0"/>
+    <cs:effectRef idx="0"/>
+    <cs:fontRef idx="minor">
+      <a:schemeClr val="dk1"/>
+    </cs:fontRef>
+  </cs:plotArea>
+  <cs:plotArea3D mods="allowNoFillOverride allowNoLineOverride">
+    <cs:lnRef idx="0"/>
+    <cs:fillRef idx="0"/>
+    <cs:effectRef idx="0"/>
+    <cs:fontRef idx="minor">
+      <a:schemeClr val="dk1"/>
+    </cs:fontRef>
+  </cs:plotArea3D>
+  <cs:seriesAxis>
+    <cs:lnRef idx="0"/>
+    <cs:fillRef idx="0"/>
+    <cs:effectRef idx="0"/>
+    <cs:fontRef idx="minor">
+      <a:schemeClr val="dk1">
+        <a:lumMod val="65000"/>
+        <a:lumOff val="35000"/>
+      </a:schemeClr>
+    </cs:fontRef>
+    <cs:defRPr sz="900" kern="1200"/>
+  </cs:seriesAxis>
+  <cs:seriesLine>
+    <cs:lnRef idx="0"/>
+    <cs:fillRef idx="0"/>
+    <cs:effectRef idx="0"/>
+    <cs:fontRef idx="minor">
+      <a:schemeClr val="dk1"/>
+    </cs:fontRef>
+    <cs:spPr>
+      <a:ln w="9525" cap="flat" cmpd="sng" algn="ctr">
+        <a:solidFill>
+          <a:schemeClr val="dk1">
+            <a:lumMod val="35000"/>
+            <a:lumOff val="65000"/>
+          </a:schemeClr>
+        </a:solidFill>
+        <a:round/>
+      </a:ln>
+    </cs:spPr>
+  </cs:seriesLine>
+  <cs:title>
+    <cs:lnRef idx="0"/>
+    <cs:fillRef idx="0"/>
+    <cs:effectRef idx="0"/>
+    <cs:fontRef idx="minor">
+      <a:schemeClr val="dk1">
+        <a:lumMod val="65000"/>
+        <a:lumOff val="35000"/>
+      </a:schemeClr>
+    </cs:fontRef>
+    <cs:defRPr sz="1800" b="1" kern="1200" baseline="0"/>
+  </cs:title>
+  <cs:trendline>
+    <cs:lnRef idx="0">
+      <cs:styleClr val="auto"/>
+    </cs:lnRef>
+    <cs:fillRef idx="0"/>
+    <cs:effectRef idx="0"/>
+    <cs:fontRef idx="minor">
+      <a:schemeClr val="dk1"/>
+    </cs:fontRef>
+    <cs:spPr>
+      <a:ln w="19050" cap="rnd">
+        <a:solidFill>
+          <a:schemeClr val="phClr"/>
+        </a:solidFill>
+        <a:prstDash val="sysDash"/>
+      </a:ln>
+    </cs:spPr>
+  </cs:trendline>
+  <cs:trendlineLabel>
+    <cs:lnRef idx="0"/>
+    <cs:fillRef idx="0"/>
+    <cs:effectRef idx="0"/>
+    <cs:fontRef idx="minor">
+      <a:schemeClr val="dk1">
+        <a:lumMod val="65000"/>
+        <a:lumOff val="35000"/>
+      </a:schemeClr>
+    </cs:fontRef>
+    <cs:defRPr sz="900" kern="1200"/>
+  </cs:trendlineLabel>
+  <cs:upBar>
+    <cs:lnRef idx="0"/>
+    <cs:fillRef idx="0"/>
+    <cs:effectRef idx="0"/>
+    <cs:fontRef idx="minor">
+      <a:schemeClr val="dk1"/>
+    </cs:fontRef>
+    <cs:spPr>
+      <a:solidFill>
+        <a:schemeClr val="lt1"/>
+      </a:solidFill>
+      <a:ln w="9525" cap="flat" cmpd="sng" algn="ctr">
+        <a:solidFill>
+          <a:schemeClr val="dk1">
+            <a:lumMod val="65000"/>
+            <a:lumOff val="35000"/>
+          </a:schemeClr>
+        </a:solidFill>
+        <a:round/>
+      </a:ln>
+    </cs:spPr>
+  </cs:upBar>
+  <cs:valueAxis>
+    <cs:lnRef idx="0"/>
+    <cs:fillRef idx="0"/>
+    <cs:effectRef idx="0"/>
+    <cs:fontRef idx="minor">
+      <a:schemeClr val="dk1">
+        <a:lumMod val="65000"/>
+        <a:lumOff val="35000"/>
+      </a:schemeClr>
+    </cs:fontRef>
+    <cs:defRPr sz="900" kern="1200"/>
+  </cs:valueAxis>
+  <cs:wall>
+    <cs:lnRef idx="0"/>
+    <cs:fillRef idx="0"/>
+    <cs:effectRef idx="0"/>
+    <cs:fontRef idx="minor">
+      <a:schemeClr val="dk1"/>
+    </cs:fontRef>
+  </cs:wall>
+</cs:chartStyle>
 </file>
 
 <file path=ppt/notesMasters/notesMaster1.xml><?xml version="1.0" encoding="utf-8"?>
@@ -5005,8 +10493,8 @@
         </p:nvSpPr>
         <p:spPr>
           <a:xfrm>
-            <a:off x="413592" y="6240716"/>
-            <a:ext cx="4919937" cy="584775"/>
+            <a:off x="455532" y="6128219"/>
+            <a:ext cx="4919938" cy="584775"/>
           </a:xfrm>
           <a:prstGeom prst="rect">
             <a:avLst/>
@@ -5028,7 +10516,7 @@
                 <a:latin typeface="나눔스퀘어 ExtraBold" panose="020B0600000101010101" pitchFamily="50" charset="-127"/>
                 <a:ea typeface="나눔스퀘어 ExtraBold" panose="020B0600000101010101" pitchFamily="50" charset="-127"/>
               </a:rPr>
-              <a:t>중국인 </a:t>
+              <a:t>외국인 </a:t>
             </a:r>
             <a:r>
               <a:rPr lang="en-US" altLang="ko-KR" sz="3200" spc="-150" dirty="0">
@@ -5060,12 +10548,2376 @@
           </a:p>
         </p:txBody>
       </p:sp>
+      <p:sp>
+        <p:nvSpPr>
+          <p:cNvPr id="27" name="TextBox 26">
+            <a:extLst>
+              <a:ext uri="{FF2B5EF4-FFF2-40B4-BE49-F238E27FC236}">
+                <a16:creationId xmlns:a16="http://schemas.microsoft.com/office/drawing/2014/main" id="{76227788-EC9B-4E62-AD36-2329D754C02B}"/>
+              </a:ext>
+            </a:extLst>
+          </p:cNvPr>
+          <p:cNvSpPr txBox="1"/>
+          <p:nvPr/>
+        </p:nvSpPr>
+        <p:spPr>
+          <a:xfrm>
+            <a:off x="6311346" y="5809829"/>
+            <a:ext cx="4907113" cy="1077218"/>
+          </a:xfrm>
+          <a:prstGeom prst="rect">
+            <a:avLst/>
+          </a:prstGeom>
+          <a:noFill/>
+        </p:spPr>
+        <p:txBody>
+          <a:bodyPr wrap="none" rtlCol="0">
+            <a:spAutoFit/>
+          </a:bodyPr>
+          <a:lstStyle/>
+          <a:p>
+            <a:pPr algn="ctr"/>
+            <a:r>
+              <a:rPr lang="ko-KR" altLang="en-US" sz="3200" spc="-150" dirty="0">
+                <a:solidFill>
+                  <a:srgbClr val="8DBABD"/>
+                </a:solidFill>
+                <a:latin typeface="나눔스퀘어 ExtraBold" panose="020B0600000101010101" pitchFamily="50" charset="-127"/>
+                <a:ea typeface="나눔스퀘어 ExtraBold" panose="020B0600000101010101" pitchFamily="50" charset="-127"/>
+              </a:rPr>
+              <a:t>내국인 </a:t>
+            </a:r>
+            <a:r>
+              <a:rPr lang="en-US" altLang="ko-KR" sz="3200" spc="-150" dirty="0">
+                <a:solidFill>
+                  <a:srgbClr val="8DBABD"/>
+                </a:solidFill>
+                <a:latin typeface="나눔스퀘어 ExtraBold" panose="020B0600000101010101" pitchFamily="50" charset="-127"/>
+                <a:ea typeface="나눔스퀘어 ExtraBold" panose="020B0600000101010101" pitchFamily="50" charset="-127"/>
+              </a:rPr>
+              <a:t>2017</a:t>
+            </a:r>
+            <a:r>
+              <a:rPr lang="ko-KR" altLang="en-US" sz="3200" spc="-150" dirty="0">
+                <a:solidFill>
+                  <a:srgbClr val="8DBABD"/>
+                </a:solidFill>
+                <a:latin typeface="나눔스퀘어 ExtraBold" panose="020B0600000101010101" pitchFamily="50" charset="-127"/>
+                <a:ea typeface="나눔스퀘어 ExtraBold" panose="020B0600000101010101" pitchFamily="50" charset="-127"/>
+              </a:rPr>
+              <a:t>이후 약간 하락</a:t>
+            </a:r>
+            <a:endParaRPr lang="en-US" altLang="ko-KR" sz="3200" spc="-150" dirty="0">
+              <a:solidFill>
+                <a:srgbClr val="8DBABD"/>
+              </a:solidFill>
+              <a:latin typeface="나눔스퀘어 ExtraBold" panose="020B0600000101010101" pitchFamily="50" charset="-127"/>
+              <a:ea typeface="나눔스퀘어 ExtraBold" panose="020B0600000101010101" pitchFamily="50" charset="-127"/>
+            </a:endParaRPr>
+          </a:p>
+          <a:p>
+            <a:pPr algn="ctr"/>
+            <a:r>
+              <a:rPr lang="en-US" altLang="ko-KR" sz="3200" spc="-150" dirty="0">
+                <a:solidFill>
+                  <a:srgbClr val="8DBABD"/>
+                </a:solidFill>
+                <a:latin typeface="나눔스퀘어 ExtraBold" panose="020B0600000101010101" pitchFamily="50" charset="-127"/>
+                <a:ea typeface="나눔스퀘어 ExtraBold" panose="020B0600000101010101" pitchFamily="50" charset="-127"/>
+              </a:rPr>
+              <a:t>But </a:t>
+            </a:r>
+            <a:r>
+              <a:rPr lang="ko-KR" altLang="en-US" sz="3200" spc="-150" dirty="0">
+                <a:solidFill>
+                  <a:srgbClr val="8DBABD"/>
+                </a:solidFill>
+                <a:latin typeface="나눔스퀘어 ExtraBold" panose="020B0600000101010101" pitchFamily="50" charset="-127"/>
+                <a:ea typeface="나눔스퀘어 ExtraBold" panose="020B0600000101010101" pitchFamily="50" charset="-127"/>
+              </a:rPr>
+              <a:t>큰 영향</a:t>
+            </a:r>
+            <a:r>
+              <a:rPr lang="en-US" altLang="ko-KR" sz="3200" spc="-150" dirty="0">
+                <a:solidFill>
+                  <a:srgbClr val="8DBABD"/>
+                </a:solidFill>
+                <a:latin typeface="나눔스퀘어 ExtraBold" panose="020B0600000101010101" pitchFamily="50" charset="-127"/>
+                <a:ea typeface="나눔스퀘어 ExtraBold" panose="020B0600000101010101" pitchFamily="50" charset="-127"/>
+              </a:rPr>
+              <a:t>X</a:t>
+            </a:r>
+            <a:endParaRPr lang="ko-KR" altLang="en-US" sz="3200" spc="-150" dirty="0">
+              <a:solidFill>
+                <a:srgbClr val="8DBABD"/>
+              </a:solidFill>
+              <a:latin typeface="나눔스퀘어 ExtraBold" panose="020B0600000101010101" pitchFamily="50" charset="-127"/>
+              <a:ea typeface="나눔스퀘어 ExtraBold" panose="020B0600000101010101" pitchFamily="50" charset="-127"/>
+            </a:endParaRPr>
+          </a:p>
+        </p:txBody>
+      </p:sp>
+      <p:pic>
+        <p:nvPicPr>
+          <p:cNvPr id="29" name="그림 28">
+            <a:extLst>
+              <a:ext uri="{FF2B5EF4-FFF2-40B4-BE49-F238E27FC236}">
+                <a16:creationId xmlns:a16="http://schemas.microsoft.com/office/drawing/2014/main" id="{040F7451-77E0-477D-B6B6-AF87D2C23D20}"/>
+              </a:ext>
+            </a:extLst>
+          </p:cNvPr>
+          <p:cNvPicPr>
+            <a:picLocks noChangeAspect="1"/>
+          </p:cNvPicPr>
+          <p:nvPr/>
+        </p:nvPicPr>
+        <p:blipFill>
+          <a:blip r:embed="rId2">
+            <a:extLst>
+              <a:ext uri="{28A0092B-C50C-407E-A947-70E740481C1C}">
+                <a14:useLocalDpi xmlns:a14="http://schemas.microsoft.com/office/drawing/2010/main" val="0"/>
+              </a:ext>
+            </a:extLst>
+          </a:blip>
+          <a:stretch>
+            <a:fillRect/>
+          </a:stretch>
+        </p:blipFill>
+        <p:spPr>
+          <a:xfrm>
+            <a:off x="6519014" y="1743651"/>
+            <a:ext cx="4134427" cy="3467584"/>
+          </a:xfrm>
+          <a:prstGeom prst="rect">
+            <a:avLst/>
+          </a:prstGeom>
+        </p:spPr>
+      </p:pic>
+      <p:pic>
+        <p:nvPicPr>
+          <p:cNvPr id="3" name="그림 2">
+            <a:extLst>
+              <a:ext uri="{FF2B5EF4-FFF2-40B4-BE49-F238E27FC236}">
+                <a16:creationId xmlns:a16="http://schemas.microsoft.com/office/drawing/2014/main" id="{B89786B5-002E-4B2A-BA24-50B5449013A0}"/>
+              </a:ext>
+            </a:extLst>
+          </p:cNvPr>
+          <p:cNvPicPr>
+            <a:picLocks noChangeAspect="1"/>
+          </p:cNvPicPr>
+          <p:nvPr/>
+        </p:nvPicPr>
+        <p:blipFill>
+          <a:blip r:embed="rId3">
+            <a:extLst>
+              <a:ext uri="{28A0092B-C50C-407E-A947-70E740481C1C}">
+                <a14:useLocalDpi xmlns:a14="http://schemas.microsoft.com/office/drawing/2010/main" val="0"/>
+              </a:ext>
+            </a:extLst>
+          </a:blip>
+          <a:stretch>
+            <a:fillRect/>
+          </a:stretch>
+        </p:blipFill>
+        <p:spPr>
+          <a:xfrm>
+            <a:off x="589049" y="2180223"/>
+            <a:ext cx="4134428" cy="3688629"/>
+          </a:xfrm>
+          <a:prstGeom prst="rect">
+            <a:avLst/>
+          </a:prstGeom>
+        </p:spPr>
+      </p:pic>
+      <p:sp>
+        <p:nvSpPr>
+          <p:cNvPr id="6" name="TextBox 5">
+            <a:extLst>
+              <a:ext uri="{FF2B5EF4-FFF2-40B4-BE49-F238E27FC236}">
+                <a16:creationId xmlns:a16="http://schemas.microsoft.com/office/drawing/2014/main" id="{F778906F-0C52-4C38-96C6-3F42A9F1BAA1}"/>
+              </a:ext>
+            </a:extLst>
+          </p:cNvPr>
+          <p:cNvSpPr txBox="1"/>
+          <p:nvPr/>
+        </p:nvSpPr>
+        <p:spPr>
+          <a:xfrm>
+            <a:off x="1107903" y="1784162"/>
+            <a:ext cx="3406702" cy="369332"/>
+          </a:xfrm>
+          <a:prstGeom prst="rect">
+            <a:avLst/>
+          </a:prstGeom>
+          <a:noFill/>
+        </p:spPr>
+        <p:txBody>
+          <a:bodyPr wrap="none" rtlCol="0">
+            <a:spAutoFit/>
+          </a:bodyPr>
+          <a:lstStyle/>
+          <a:p>
+            <a:r>
+              <a:rPr lang="en-US" altLang="ko-KR" dirty="0"/>
+              <a:t>15</a:t>
+            </a:r>
+            <a:r>
+              <a:rPr lang="ko-KR" altLang="en-US" dirty="0"/>
+              <a:t>년</a:t>
+            </a:r>
+            <a:r>
+              <a:rPr lang="en-US" altLang="ko-KR" dirty="0"/>
+              <a:t>~18</a:t>
+            </a:r>
+            <a:r>
+              <a:rPr lang="ko-KR" altLang="en-US" dirty="0"/>
+              <a:t>년 외국인 관광객 현황</a:t>
+            </a:r>
+          </a:p>
+        </p:txBody>
+      </p:sp>
+      <p:sp>
+        <p:nvSpPr>
+          <p:cNvPr id="11" name="TextBox 10">
+            <a:extLst>
+              <a:ext uri="{FF2B5EF4-FFF2-40B4-BE49-F238E27FC236}">
+                <a16:creationId xmlns:a16="http://schemas.microsoft.com/office/drawing/2014/main" id="{33D5C004-401D-4FB8-A59D-50EDA9B03463}"/>
+              </a:ext>
+            </a:extLst>
+          </p:cNvPr>
+          <p:cNvSpPr txBox="1"/>
+          <p:nvPr/>
+        </p:nvSpPr>
+        <p:spPr>
+          <a:xfrm>
+            <a:off x="3758148" y="2241779"/>
+            <a:ext cx="965329" cy="261610"/>
+          </a:xfrm>
+          <a:prstGeom prst="rect">
+            <a:avLst/>
+          </a:prstGeom>
+          <a:noFill/>
+        </p:spPr>
+        <p:txBody>
+          <a:bodyPr wrap="none" rtlCol="0">
+            <a:spAutoFit/>
+          </a:bodyPr>
+          <a:lstStyle/>
+          <a:p>
+            <a:r>
+              <a:rPr lang="en-US" altLang="ko-KR" sz="1100" dirty="0"/>
+              <a:t>[</a:t>
+            </a:r>
+            <a:r>
+              <a:rPr lang="ko-KR" altLang="en-US" sz="1100" dirty="0"/>
+              <a:t>단위 </a:t>
+            </a:r>
+            <a:r>
+              <a:rPr lang="en-US" altLang="ko-KR" sz="1100" dirty="0"/>
+              <a:t>: </a:t>
+            </a:r>
+            <a:r>
+              <a:rPr lang="ko-KR" altLang="en-US" sz="1100" dirty="0"/>
+              <a:t>천명</a:t>
+            </a:r>
+            <a:r>
+              <a:rPr lang="en-US" altLang="ko-KR" sz="1100" dirty="0"/>
+              <a:t>]</a:t>
+            </a:r>
+            <a:endParaRPr lang="ko-KR" altLang="en-US" sz="1100" dirty="0"/>
+          </a:p>
+        </p:txBody>
+      </p:sp>
+    </p:spTree>
+    <p:extLst>
+      <p:ext uri="{BB962C8B-B14F-4D97-AF65-F5344CB8AC3E}">
+        <p14:creationId xmlns:p14="http://schemas.microsoft.com/office/powerpoint/2010/main" val="1489070648"/>
+      </p:ext>
+    </p:extLst>
+  </p:cSld>
+  <p:clrMapOvr>
+    <a:masterClrMapping/>
+  </p:clrMapOvr>
+</p:sld>
+</file>
+
+<file path=ppt/slides/slide5.xml><?xml version="1.0" encoding="utf-8"?>
+<p:sld xmlns:a="http://schemas.openxmlformats.org/drawingml/2006/main" xmlns:r="http://schemas.openxmlformats.org/officeDocument/2006/relationships" xmlns:p="http://schemas.openxmlformats.org/presentationml/2006/main">
+  <p:cSld>
+    <p:spTree>
+      <p:nvGrpSpPr>
+        <p:cNvPr id="1" name=""/>
+        <p:cNvGrpSpPr/>
+        <p:nvPr/>
+      </p:nvGrpSpPr>
+      <p:grpSpPr>
+        <a:xfrm>
+          <a:off x="0" y="0"/>
+          <a:ext cx="0" cy="0"/>
+          <a:chOff x="0" y="0"/>
+          <a:chExt cx="0" cy="0"/>
+        </a:xfrm>
+      </p:grpSpPr>
+      <p:graphicFrame>
+        <p:nvGraphicFramePr>
+          <p:cNvPr id="2" name="차트 1">
+            <a:extLst>
+              <a:ext uri="{FF2B5EF4-FFF2-40B4-BE49-F238E27FC236}">
+                <a16:creationId xmlns:a16="http://schemas.microsoft.com/office/drawing/2014/main" id="{E4C3A305-0641-4D21-8553-6824ECA982FA}"/>
+              </a:ext>
+            </a:extLst>
+          </p:cNvPr>
+          <p:cNvGraphicFramePr>
+            <a:graphicFrameLocks/>
+          </p:cNvGraphicFramePr>
+          <p:nvPr>
+            <p:extLst>
+              <p:ext uri="{D42A27DB-BD31-4B8C-83A1-F6EECF244321}">
+                <p14:modId xmlns:p14="http://schemas.microsoft.com/office/powerpoint/2010/main" val="433229064"/>
+              </p:ext>
+            </p:extLst>
+          </p:nvPr>
+        </p:nvGraphicFramePr>
+        <p:xfrm>
+          <a:off x="175419" y="2209800"/>
+          <a:ext cx="2758282" cy="2743200"/>
+        </p:xfrm>
+        <a:graphic>
+          <a:graphicData uri="http://schemas.openxmlformats.org/drawingml/2006/chart">
+            <c:chart xmlns:c="http://schemas.openxmlformats.org/drawingml/2006/chart" xmlns:r="http://schemas.openxmlformats.org/officeDocument/2006/relationships" r:id="rId2"/>
+          </a:graphicData>
+        </a:graphic>
+      </p:graphicFrame>
+      <p:graphicFrame>
+        <p:nvGraphicFramePr>
+          <p:cNvPr id="3" name="차트 2">
+            <a:extLst>
+              <a:ext uri="{FF2B5EF4-FFF2-40B4-BE49-F238E27FC236}">
+                <a16:creationId xmlns:a16="http://schemas.microsoft.com/office/drawing/2014/main" id="{F8CD871B-FCED-415A-8529-6E329FE746FA}"/>
+              </a:ext>
+            </a:extLst>
+          </p:cNvPr>
+          <p:cNvGraphicFramePr>
+            <a:graphicFrameLocks/>
+          </p:cNvGraphicFramePr>
+          <p:nvPr>
+            <p:extLst>
+              <p:ext uri="{D42A27DB-BD31-4B8C-83A1-F6EECF244321}">
+                <p14:modId xmlns:p14="http://schemas.microsoft.com/office/powerpoint/2010/main" val="3505620478"/>
+              </p:ext>
+            </p:extLst>
+          </p:nvPr>
+        </p:nvGraphicFramePr>
+        <p:xfrm>
+          <a:off x="3026569" y="2209800"/>
+          <a:ext cx="2624932" cy="2743200"/>
+        </p:xfrm>
+        <a:graphic>
+          <a:graphicData uri="http://schemas.openxmlformats.org/drawingml/2006/chart">
+            <c:chart xmlns:c="http://schemas.openxmlformats.org/drawingml/2006/chart" xmlns:r="http://schemas.openxmlformats.org/officeDocument/2006/relationships" r:id="rId3"/>
+          </a:graphicData>
+        </a:graphic>
+      </p:graphicFrame>
+      <p:graphicFrame>
+        <p:nvGraphicFramePr>
+          <p:cNvPr id="4" name="차트 3">
+            <a:extLst>
+              <a:ext uri="{FF2B5EF4-FFF2-40B4-BE49-F238E27FC236}">
+                <a16:creationId xmlns:a16="http://schemas.microsoft.com/office/drawing/2014/main" id="{1B858A2B-5697-4EFD-B886-F2A6DFC3B635}"/>
+              </a:ext>
+            </a:extLst>
+          </p:cNvPr>
+          <p:cNvGraphicFramePr>
+            <a:graphicFrameLocks/>
+          </p:cNvGraphicFramePr>
+          <p:nvPr>
+            <p:extLst>
+              <p:ext uri="{D42A27DB-BD31-4B8C-83A1-F6EECF244321}">
+                <p14:modId xmlns:p14="http://schemas.microsoft.com/office/powerpoint/2010/main" val="3983822197"/>
+              </p:ext>
+            </p:extLst>
+          </p:nvPr>
+        </p:nvGraphicFramePr>
+        <p:xfrm>
+          <a:off x="5651501" y="2209800"/>
+          <a:ext cx="2624933" cy="2743200"/>
+        </p:xfrm>
+        <a:graphic>
+          <a:graphicData uri="http://schemas.openxmlformats.org/drawingml/2006/chart">
+            <c:chart xmlns:c="http://schemas.openxmlformats.org/drawingml/2006/chart" xmlns:r="http://schemas.openxmlformats.org/officeDocument/2006/relationships" r:id="rId4"/>
+          </a:graphicData>
+        </a:graphic>
+      </p:graphicFrame>
+      <p:graphicFrame>
+        <p:nvGraphicFramePr>
+          <p:cNvPr id="5" name="차트 4">
+            <a:extLst>
+              <a:ext uri="{FF2B5EF4-FFF2-40B4-BE49-F238E27FC236}">
+                <a16:creationId xmlns:a16="http://schemas.microsoft.com/office/drawing/2014/main" id="{5D51B734-FE5D-4DB7-A99E-C113FEE4EE3A}"/>
+              </a:ext>
+            </a:extLst>
+          </p:cNvPr>
+          <p:cNvGraphicFramePr>
+            <a:graphicFrameLocks/>
+          </p:cNvGraphicFramePr>
+          <p:nvPr>
+            <p:extLst>
+              <p:ext uri="{D42A27DB-BD31-4B8C-83A1-F6EECF244321}">
+                <p14:modId xmlns:p14="http://schemas.microsoft.com/office/powerpoint/2010/main" val="1424112526"/>
+              </p:ext>
+            </p:extLst>
+          </p:nvPr>
+        </p:nvGraphicFramePr>
+        <p:xfrm>
+          <a:off x="8348665" y="2209800"/>
+          <a:ext cx="2552702" cy="2743200"/>
+        </p:xfrm>
+        <a:graphic>
+          <a:graphicData uri="http://schemas.openxmlformats.org/drawingml/2006/chart">
+            <c:chart xmlns:c="http://schemas.openxmlformats.org/drawingml/2006/chart" xmlns:r="http://schemas.openxmlformats.org/officeDocument/2006/relationships" r:id="rId5"/>
+          </a:graphicData>
+        </a:graphic>
+      </p:graphicFrame>
+    </p:spTree>
+    <p:extLst>
+      <p:ext uri="{BB962C8B-B14F-4D97-AF65-F5344CB8AC3E}">
+        <p14:creationId xmlns:p14="http://schemas.microsoft.com/office/powerpoint/2010/main" val="4281573521"/>
+      </p:ext>
+    </p:extLst>
+  </p:cSld>
+  <p:clrMapOvr>
+    <a:masterClrMapping/>
+  </p:clrMapOvr>
+</p:sld>
+</file>
+
+<file path=ppt/slides/slide6.xml><?xml version="1.0" encoding="utf-8"?>
+<p:sld xmlns:a="http://schemas.openxmlformats.org/drawingml/2006/main" xmlns:r="http://schemas.openxmlformats.org/officeDocument/2006/relationships" xmlns:p="http://schemas.openxmlformats.org/presentationml/2006/main">
+  <p:cSld>
+    <p:spTree>
+      <p:nvGrpSpPr>
+        <p:cNvPr id="1" name=""/>
+        <p:cNvGrpSpPr/>
+        <p:nvPr/>
+      </p:nvGrpSpPr>
+      <p:grpSpPr>
+        <a:xfrm>
+          <a:off x="0" y="0"/>
+          <a:ext cx="0" cy="0"/>
+          <a:chOff x="0" y="0"/>
+          <a:chExt cx="0" cy="0"/>
+        </a:xfrm>
+      </p:grpSpPr>
+      <p:cxnSp>
+        <p:nvCxnSpPr>
+          <p:cNvPr id="4" name="직선 연결선 3"/>
+          <p:cNvCxnSpPr>
+            <a:cxnSpLocks/>
+          </p:cNvCxnSpPr>
+          <p:nvPr/>
+        </p:nvCxnSpPr>
+        <p:spPr>
+          <a:xfrm>
+            <a:off x="1242422" y="989148"/>
+            <a:ext cx="2618378" cy="0"/>
+          </a:xfrm>
+          <a:prstGeom prst="line">
+            <a:avLst/>
+          </a:prstGeom>
+          <a:ln>
+            <a:solidFill>
+              <a:schemeClr val="bg1">
+                <a:lumMod val="50000"/>
+              </a:schemeClr>
+            </a:solidFill>
+          </a:ln>
+        </p:spPr>
+        <p:style>
+          <a:lnRef idx="1">
+            <a:schemeClr val="accent1"/>
+          </a:lnRef>
+          <a:fillRef idx="0">
+            <a:schemeClr val="accent1"/>
+          </a:fillRef>
+          <a:effectRef idx="0">
+            <a:schemeClr val="accent1"/>
+          </a:effectRef>
+          <a:fontRef idx="minor">
+            <a:schemeClr val="tx1"/>
+          </a:fontRef>
+        </p:style>
+      </p:cxnSp>
+      <p:sp>
+        <p:nvSpPr>
+          <p:cNvPr id="5" name="TextBox 4"/>
+          <p:cNvSpPr txBox="1"/>
+          <p:nvPr/>
+        </p:nvSpPr>
+        <p:spPr>
+          <a:xfrm>
+            <a:off x="1028595" y="437393"/>
+            <a:ext cx="3047629" cy="584775"/>
+          </a:xfrm>
+          <a:prstGeom prst="rect">
+            <a:avLst/>
+          </a:prstGeom>
+          <a:noFill/>
+        </p:spPr>
+        <p:txBody>
+          <a:bodyPr wrap="none" rtlCol="0">
+            <a:spAutoFit/>
+          </a:bodyPr>
+          <a:lstStyle/>
+          <a:p>
+            <a:pPr algn="ctr"/>
+            <a:r>
+              <a:rPr lang="ko-KR" altLang="en-US" sz="3200" spc="-150" dirty="0">
+                <a:solidFill>
+                  <a:srgbClr val="00002F"/>
+                </a:solidFill>
+                <a:latin typeface="나눔스퀘어 ExtraBold" panose="020B0600000101010101" pitchFamily="50" charset="-127"/>
+                <a:ea typeface="나눔스퀘어 ExtraBold" panose="020B0600000101010101" pitchFamily="50" charset="-127"/>
+              </a:rPr>
+              <a:t>제주도 관광객수</a:t>
+            </a:r>
+          </a:p>
+        </p:txBody>
+      </p:sp>
+      <p:sp>
+        <p:nvSpPr>
+          <p:cNvPr id="12" name="TextBox 11"/>
+          <p:cNvSpPr txBox="1"/>
+          <p:nvPr/>
+        </p:nvSpPr>
+        <p:spPr>
+          <a:xfrm>
+            <a:off x="455532" y="498947"/>
+            <a:ext cx="614271" cy="461665"/>
+          </a:xfrm>
+          <a:prstGeom prst="rect">
+            <a:avLst/>
+          </a:prstGeom>
+          <a:noFill/>
+        </p:spPr>
+        <p:txBody>
+          <a:bodyPr wrap="none" rtlCol="0">
+            <a:spAutoFit/>
+          </a:bodyPr>
+          <a:lstStyle/>
+          <a:p>
+            <a:pPr algn="ctr"/>
+            <a:r>
+              <a:rPr lang="en-US" altLang="ko-KR" sz="2400" spc="-150" dirty="0">
+                <a:solidFill>
+                  <a:srgbClr val="00002F"/>
+                </a:solidFill>
+                <a:latin typeface="나눔스퀘어 ExtraBold" panose="020B0600000101010101" pitchFamily="50" charset="-127"/>
+                <a:ea typeface="나눔스퀘어 ExtraBold" panose="020B0600000101010101" pitchFamily="50" charset="-127"/>
+              </a:rPr>
+              <a:t>01.</a:t>
+            </a:r>
+            <a:endParaRPr lang="ko-KR" altLang="en-US" sz="2400" spc="-150" dirty="0">
+              <a:solidFill>
+                <a:srgbClr val="00002F"/>
+              </a:solidFill>
+              <a:latin typeface="나눔스퀘어 ExtraBold" panose="020B0600000101010101" pitchFamily="50" charset="-127"/>
+              <a:ea typeface="나눔스퀘어 ExtraBold" panose="020B0600000101010101" pitchFamily="50" charset="-127"/>
+            </a:endParaRPr>
+          </a:p>
+        </p:txBody>
+      </p:sp>
+      <p:cxnSp>
+        <p:nvCxnSpPr>
+          <p:cNvPr id="7" name="직선 연결선 6"/>
+          <p:cNvCxnSpPr/>
+          <p:nvPr/>
+        </p:nvCxnSpPr>
+        <p:spPr>
+          <a:xfrm>
+            <a:off x="10430892" y="144941"/>
+            <a:ext cx="360000" cy="0"/>
+          </a:xfrm>
+          <a:prstGeom prst="line">
+            <a:avLst/>
+          </a:prstGeom>
+          <a:ln w="44450" cap="rnd">
+            <a:solidFill>
+              <a:srgbClr val="8DBABD"/>
+            </a:solidFill>
+          </a:ln>
+          <a:effectLst>
+            <a:outerShdw blurRad="50800" dist="38100" dir="5400000" algn="t" rotWithShape="0">
+              <a:prstClr val="black">
+                <a:alpha val="40000"/>
+              </a:prstClr>
+            </a:outerShdw>
+          </a:effectLst>
+        </p:spPr>
+        <p:style>
+          <a:lnRef idx="1">
+            <a:schemeClr val="accent1"/>
+          </a:lnRef>
+          <a:fillRef idx="0">
+            <a:schemeClr val="accent1"/>
+          </a:fillRef>
+          <a:effectRef idx="0">
+            <a:schemeClr val="accent1"/>
+          </a:effectRef>
+          <a:fontRef idx="minor">
+            <a:schemeClr val="tx1"/>
+          </a:fontRef>
+        </p:style>
+      </p:cxnSp>
+      <p:cxnSp>
+        <p:nvCxnSpPr>
+          <p:cNvPr id="8" name="직선 연결선 7"/>
+          <p:cNvCxnSpPr/>
+          <p:nvPr/>
+        </p:nvCxnSpPr>
+        <p:spPr>
+          <a:xfrm>
+            <a:off x="10858459" y="144941"/>
+            <a:ext cx="360000" cy="0"/>
+          </a:xfrm>
+          <a:prstGeom prst="line">
+            <a:avLst/>
+          </a:prstGeom>
+          <a:ln w="44450" cap="rnd">
+            <a:solidFill>
+              <a:schemeClr val="bg2">
+                <a:lumMod val="90000"/>
+              </a:schemeClr>
+            </a:solidFill>
+          </a:ln>
+          <a:effectLst>
+            <a:outerShdw blurRad="50800" dist="38100" dir="5400000" algn="t" rotWithShape="0">
+              <a:prstClr val="black">
+                <a:alpha val="40000"/>
+              </a:prstClr>
+            </a:outerShdw>
+          </a:effectLst>
+        </p:spPr>
+        <p:style>
+          <a:lnRef idx="1">
+            <a:schemeClr val="accent1"/>
+          </a:lnRef>
+          <a:fillRef idx="0">
+            <a:schemeClr val="accent1"/>
+          </a:fillRef>
+          <a:effectRef idx="0">
+            <a:schemeClr val="accent1"/>
+          </a:effectRef>
+          <a:fontRef idx="minor">
+            <a:schemeClr val="tx1"/>
+          </a:fontRef>
+        </p:style>
+      </p:cxnSp>
+      <p:cxnSp>
+        <p:nvCxnSpPr>
+          <p:cNvPr id="9" name="직선 연결선 8"/>
+          <p:cNvCxnSpPr/>
+          <p:nvPr/>
+        </p:nvCxnSpPr>
+        <p:spPr>
+          <a:xfrm>
+            <a:off x="11286026" y="144941"/>
+            <a:ext cx="360000" cy="0"/>
+          </a:xfrm>
+          <a:prstGeom prst="line">
+            <a:avLst/>
+          </a:prstGeom>
+          <a:ln w="44450" cap="rnd">
+            <a:solidFill>
+              <a:schemeClr val="bg2">
+                <a:lumMod val="90000"/>
+              </a:schemeClr>
+            </a:solidFill>
+          </a:ln>
+          <a:effectLst>
+            <a:outerShdw blurRad="50800" dist="38100" dir="5400000" algn="t" rotWithShape="0">
+              <a:prstClr val="black">
+                <a:alpha val="40000"/>
+              </a:prstClr>
+            </a:outerShdw>
+          </a:effectLst>
+        </p:spPr>
+        <p:style>
+          <a:lnRef idx="1">
+            <a:schemeClr val="accent1"/>
+          </a:lnRef>
+          <a:fillRef idx="0">
+            <a:schemeClr val="accent1"/>
+          </a:fillRef>
+          <a:effectRef idx="0">
+            <a:schemeClr val="accent1"/>
+          </a:effectRef>
+          <a:fontRef idx="minor">
+            <a:schemeClr val="tx1"/>
+          </a:fontRef>
+        </p:style>
+      </p:cxnSp>
+      <p:cxnSp>
+        <p:nvCxnSpPr>
+          <p:cNvPr id="10" name="직선 연결선 9"/>
+          <p:cNvCxnSpPr/>
+          <p:nvPr/>
+        </p:nvCxnSpPr>
+        <p:spPr>
+          <a:xfrm>
+            <a:off x="11713592" y="144941"/>
+            <a:ext cx="360000" cy="0"/>
+          </a:xfrm>
+          <a:prstGeom prst="line">
+            <a:avLst/>
+          </a:prstGeom>
+          <a:ln w="44450" cap="rnd">
+            <a:solidFill>
+              <a:schemeClr val="bg2">
+                <a:lumMod val="90000"/>
+              </a:schemeClr>
+            </a:solidFill>
+          </a:ln>
+          <a:effectLst>
+            <a:outerShdw blurRad="50800" dist="38100" dir="5400000" algn="t" rotWithShape="0">
+              <a:prstClr val="black">
+                <a:alpha val="40000"/>
+              </a:prstClr>
+            </a:outerShdw>
+          </a:effectLst>
+        </p:spPr>
+        <p:style>
+          <a:lnRef idx="1">
+            <a:schemeClr val="accent1"/>
+          </a:lnRef>
+          <a:fillRef idx="0">
+            <a:schemeClr val="accent1"/>
+          </a:fillRef>
+          <a:effectRef idx="0">
+            <a:schemeClr val="accent1"/>
+          </a:effectRef>
+          <a:fontRef idx="minor">
+            <a:schemeClr val="tx1"/>
+          </a:fontRef>
+        </p:style>
+      </p:cxnSp>
+      <p:sp>
+        <p:nvSpPr>
+          <p:cNvPr id="11" name="TextBox 10"/>
+          <p:cNvSpPr txBox="1"/>
+          <p:nvPr/>
+        </p:nvSpPr>
+        <p:spPr>
+          <a:xfrm>
+            <a:off x="4472612" y="1395477"/>
+            <a:ext cx="2799164" cy="1077218"/>
+          </a:xfrm>
+          <a:prstGeom prst="rect">
+            <a:avLst/>
+          </a:prstGeom>
+          <a:noFill/>
+        </p:spPr>
+        <p:txBody>
+          <a:bodyPr wrap="none" rtlCol="0">
+            <a:spAutoFit/>
+          </a:bodyPr>
+          <a:lstStyle/>
+          <a:p>
+            <a:pPr algn="ctr"/>
+            <a:r>
+              <a:rPr lang="ko-KR" altLang="en-US" sz="3200" spc="-150" dirty="0">
+                <a:solidFill>
+                  <a:srgbClr val="8DBABD"/>
+                </a:solidFill>
+                <a:latin typeface="나눔스퀘어 ExtraBold" panose="020B0600000101010101" pitchFamily="50" charset="-127"/>
+                <a:ea typeface="나눔스퀘어 ExtraBold" panose="020B0600000101010101" pitchFamily="50" charset="-127"/>
+              </a:rPr>
+              <a:t>방문자 수</a:t>
+            </a:r>
+            <a:endParaRPr lang="en-US" altLang="ko-KR" sz="3200" spc="-150" dirty="0">
+              <a:solidFill>
+                <a:srgbClr val="8DBABD"/>
+              </a:solidFill>
+              <a:latin typeface="나눔스퀘어 ExtraBold" panose="020B0600000101010101" pitchFamily="50" charset="-127"/>
+              <a:ea typeface="나눔스퀘어 ExtraBold" panose="020B0600000101010101" pitchFamily="50" charset="-127"/>
+            </a:endParaRPr>
+          </a:p>
+          <a:p>
+            <a:pPr algn="ctr"/>
+            <a:r>
+              <a:rPr lang="ko-KR" altLang="en-US" sz="3200" spc="-150" dirty="0">
+                <a:solidFill>
+                  <a:srgbClr val="8DBABD"/>
+                </a:solidFill>
+                <a:latin typeface="나눔스퀘어 ExtraBold" panose="020B0600000101010101" pitchFamily="50" charset="-127"/>
+                <a:ea typeface="나눔스퀘어 ExtraBold" panose="020B0600000101010101" pitchFamily="50" charset="-127"/>
+              </a:rPr>
+              <a:t>내국인</a:t>
+            </a:r>
+            <a:r>
+              <a:rPr lang="en-US" altLang="ko-KR" sz="3200" spc="-150" dirty="0">
+                <a:solidFill>
+                  <a:srgbClr val="8DBABD"/>
+                </a:solidFill>
+                <a:latin typeface="나눔스퀘어 ExtraBold" panose="020B0600000101010101" pitchFamily="50" charset="-127"/>
+                <a:ea typeface="나눔스퀘어 ExtraBold" panose="020B0600000101010101" pitchFamily="50" charset="-127"/>
+              </a:rPr>
+              <a:t>&gt;</a:t>
+            </a:r>
+            <a:r>
+              <a:rPr lang="ko-KR" altLang="en-US" sz="3200" spc="-150" dirty="0">
+                <a:solidFill>
+                  <a:srgbClr val="8DBABD"/>
+                </a:solidFill>
+                <a:latin typeface="나눔스퀘어 ExtraBold" panose="020B0600000101010101" pitchFamily="50" charset="-127"/>
+                <a:ea typeface="나눔스퀘어 ExtraBold" panose="020B0600000101010101" pitchFamily="50" charset="-127"/>
+              </a:rPr>
+              <a:t>외국인</a:t>
+            </a:r>
+          </a:p>
+        </p:txBody>
+      </p:sp>
+      <p:sp>
+        <p:nvSpPr>
+          <p:cNvPr id="13" name="TextBox 12"/>
+          <p:cNvSpPr txBox="1"/>
+          <p:nvPr/>
+        </p:nvSpPr>
+        <p:spPr>
+          <a:xfrm>
+            <a:off x="1110894" y="1006929"/>
+            <a:ext cx="1588897" cy="369332"/>
+          </a:xfrm>
+          <a:prstGeom prst="rect">
+            <a:avLst/>
+          </a:prstGeom>
+          <a:noFill/>
+        </p:spPr>
+        <p:txBody>
+          <a:bodyPr wrap="none" rtlCol="0">
+            <a:spAutoFit/>
+          </a:bodyPr>
+          <a:lstStyle/>
+          <a:p>
+            <a:pPr algn="ctr"/>
+            <a:r>
+              <a:rPr lang="ko-KR" altLang="en-US" spc="-150" dirty="0">
+                <a:solidFill>
+                  <a:srgbClr val="00002F"/>
+                </a:solidFill>
+                <a:latin typeface="나눔스퀘어 ExtraBold" panose="020B0600000101010101" pitchFamily="50" charset="-127"/>
+                <a:ea typeface="나눔스퀘어 ExtraBold" panose="020B0600000101010101" pitchFamily="50" charset="-127"/>
+              </a:rPr>
+              <a:t>내</a:t>
+            </a:r>
+            <a:r>
+              <a:rPr lang="en-US" altLang="ko-KR" spc="-150" dirty="0">
+                <a:solidFill>
+                  <a:srgbClr val="00002F"/>
+                </a:solidFill>
+                <a:latin typeface="나눔스퀘어 ExtraBold" panose="020B0600000101010101" pitchFamily="50" charset="-127"/>
+                <a:ea typeface="나눔스퀘어 ExtraBold" panose="020B0600000101010101" pitchFamily="50" charset="-127"/>
+              </a:rPr>
+              <a:t>/</a:t>
+            </a:r>
+            <a:r>
+              <a:rPr lang="ko-KR" altLang="en-US" spc="-150" dirty="0">
+                <a:solidFill>
+                  <a:srgbClr val="00002F"/>
+                </a:solidFill>
+                <a:latin typeface="나눔스퀘어 ExtraBold" panose="020B0600000101010101" pitchFamily="50" charset="-127"/>
+                <a:ea typeface="나눔스퀘어 ExtraBold" panose="020B0600000101010101" pitchFamily="50" charset="-127"/>
+              </a:rPr>
+              <a:t>외국인 비교</a:t>
+            </a:r>
+          </a:p>
+        </p:txBody>
+      </p:sp>
+      <p:pic>
+        <p:nvPicPr>
+          <p:cNvPr id="18" name="그림 17">
+            <a:extLst>
+              <a:ext uri="{FF2B5EF4-FFF2-40B4-BE49-F238E27FC236}">
+                <a16:creationId xmlns:a16="http://schemas.microsoft.com/office/drawing/2014/main" id="{5D078AAE-E090-4DC0-8534-A2D59F2959A1}"/>
+              </a:ext>
+            </a:extLst>
+          </p:cNvPr>
+          <p:cNvPicPr>
+            <a:picLocks noChangeAspect="1"/>
+          </p:cNvPicPr>
+          <p:nvPr/>
+        </p:nvPicPr>
+        <p:blipFill>
+          <a:blip r:embed="rId2">
+            <a:extLst>
+              <a:ext uri="{28A0092B-C50C-407E-A947-70E740481C1C}">
+                <a14:useLocalDpi xmlns:a14="http://schemas.microsoft.com/office/drawing/2010/main" val="0"/>
+              </a:ext>
+            </a:extLst>
+          </a:blip>
+          <a:stretch>
+            <a:fillRect/>
+          </a:stretch>
+        </p:blipFill>
+        <p:spPr>
+          <a:xfrm>
+            <a:off x="1386368" y="2472694"/>
+            <a:ext cx="2460060" cy="3467063"/>
+          </a:xfrm>
+          <a:prstGeom prst="rect">
+            <a:avLst/>
+          </a:prstGeom>
+        </p:spPr>
+      </p:pic>
+      <p:pic>
+        <p:nvPicPr>
+          <p:cNvPr id="20" name="그림 19">
+            <a:extLst>
+              <a:ext uri="{FF2B5EF4-FFF2-40B4-BE49-F238E27FC236}">
+                <a16:creationId xmlns:a16="http://schemas.microsoft.com/office/drawing/2014/main" id="{A46B75E5-5A42-4295-AE96-D0A8BB98C95C}"/>
+              </a:ext>
+            </a:extLst>
+          </p:cNvPr>
+          <p:cNvPicPr>
+            <a:picLocks noChangeAspect="1"/>
+          </p:cNvPicPr>
+          <p:nvPr/>
+        </p:nvPicPr>
+        <p:blipFill>
+          <a:blip r:embed="rId3">
+            <a:extLst>
+              <a:ext uri="{28A0092B-C50C-407E-A947-70E740481C1C}">
+                <a14:useLocalDpi xmlns:a14="http://schemas.microsoft.com/office/drawing/2010/main" val="0"/>
+              </a:ext>
+            </a:extLst>
+          </a:blip>
+          <a:stretch>
+            <a:fillRect/>
+          </a:stretch>
+        </p:blipFill>
+        <p:spPr>
+          <a:xfrm>
+            <a:off x="4865970" y="2472695"/>
+            <a:ext cx="2460060" cy="3467063"/>
+          </a:xfrm>
+          <a:prstGeom prst="rect">
+            <a:avLst/>
+          </a:prstGeom>
+        </p:spPr>
+      </p:pic>
+      <p:pic>
+        <p:nvPicPr>
+          <p:cNvPr id="22" name="그림 21">
+            <a:extLst>
+              <a:ext uri="{FF2B5EF4-FFF2-40B4-BE49-F238E27FC236}">
+                <a16:creationId xmlns:a16="http://schemas.microsoft.com/office/drawing/2014/main" id="{87EC3D12-F349-4295-BB75-1AA9D97F976D}"/>
+              </a:ext>
+            </a:extLst>
+          </p:cNvPr>
+          <p:cNvPicPr>
+            <a:picLocks noChangeAspect="1"/>
+          </p:cNvPicPr>
+          <p:nvPr/>
+        </p:nvPicPr>
+        <p:blipFill>
+          <a:blip r:embed="rId4">
+            <a:extLst>
+              <a:ext uri="{28A0092B-C50C-407E-A947-70E740481C1C}">
+                <a14:useLocalDpi xmlns:a14="http://schemas.microsoft.com/office/drawing/2010/main" val="0"/>
+              </a:ext>
+            </a:extLst>
+          </a:blip>
+          <a:stretch>
+            <a:fillRect/>
+          </a:stretch>
+        </p:blipFill>
+        <p:spPr>
+          <a:xfrm>
+            <a:off x="8578399" y="2472695"/>
+            <a:ext cx="2460060" cy="3467063"/>
+          </a:xfrm>
+          <a:prstGeom prst="rect">
+            <a:avLst/>
+          </a:prstGeom>
+        </p:spPr>
+      </p:pic>
+      <p:sp>
+        <p:nvSpPr>
+          <p:cNvPr id="23" name="TextBox 22">
+            <a:extLst>
+              <a:ext uri="{FF2B5EF4-FFF2-40B4-BE49-F238E27FC236}">
+                <a16:creationId xmlns:a16="http://schemas.microsoft.com/office/drawing/2014/main" id="{BF758E8B-C844-48E3-813E-D33CD261D27E}"/>
+              </a:ext>
+            </a:extLst>
+          </p:cNvPr>
+          <p:cNvSpPr txBox="1"/>
+          <p:nvPr/>
+        </p:nvSpPr>
+        <p:spPr>
+          <a:xfrm>
+            <a:off x="1589175" y="2826787"/>
+            <a:ext cx="1468672" cy="430887"/>
+          </a:xfrm>
+          <a:prstGeom prst="rect">
+            <a:avLst/>
+          </a:prstGeom>
+          <a:noFill/>
+        </p:spPr>
+        <p:txBody>
+          <a:bodyPr wrap="none" rtlCol="0">
+            <a:spAutoFit/>
+          </a:bodyPr>
+          <a:lstStyle/>
+          <a:p>
+            <a:pPr algn="ctr"/>
+            <a:r>
+              <a:rPr lang="en-US" altLang="ko-KR" sz="1100" dirty="0"/>
+              <a:t>2016 </a:t>
+            </a:r>
+            <a:r>
+              <a:rPr lang="ko-KR" altLang="en-US" sz="1100" dirty="0"/>
+              <a:t>제주 내</a:t>
+            </a:r>
+            <a:r>
+              <a:rPr lang="en-US" altLang="ko-KR" sz="1100" dirty="0"/>
+              <a:t>,</a:t>
+            </a:r>
+            <a:r>
+              <a:rPr lang="ko-KR" altLang="en-US" sz="1100" dirty="0"/>
+              <a:t>외국인</a:t>
+            </a:r>
+            <a:endParaRPr lang="en-US" altLang="ko-KR" sz="1100" dirty="0"/>
+          </a:p>
+          <a:p>
+            <a:pPr algn="ctr"/>
+            <a:r>
+              <a:rPr lang="ko-KR" altLang="en-US" sz="1100" dirty="0"/>
+              <a:t>관광객 비율</a:t>
+            </a:r>
+          </a:p>
+        </p:txBody>
+      </p:sp>
+      <p:sp>
+        <p:nvSpPr>
+          <p:cNvPr id="25" name="TextBox 24">
+            <a:extLst>
+              <a:ext uri="{FF2B5EF4-FFF2-40B4-BE49-F238E27FC236}">
+                <a16:creationId xmlns:a16="http://schemas.microsoft.com/office/drawing/2014/main" id="{28FF4B07-8DB3-40DF-9859-21EDCCF8622E}"/>
+              </a:ext>
+            </a:extLst>
+          </p:cNvPr>
+          <p:cNvSpPr txBox="1"/>
+          <p:nvPr/>
+        </p:nvSpPr>
+        <p:spPr>
+          <a:xfrm>
+            <a:off x="5098797" y="2826786"/>
+            <a:ext cx="1468672" cy="430887"/>
+          </a:xfrm>
+          <a:prstGeom prst="rect">
+            <a:avLst/>
+          </a:prstGeom>
+          <a:noFill/>
+        </p:spPr>
+        <p:txBody>
+          <a:bodyPr wrap="none" rtlCol="0">
+            <a:spAutoFit/>
+          </a:bodyPr>
+          <a:lstStyle/>
+          <a:p>
+            <a:pPr algn="ctr"/>
+            <a:r>
+              <a:rPr lang="en-US" altLang="ko-KR" sz="1100" dirty="0"/>
+              <a:t>2017 </a:t>
+            </a:r>
+            <a:r>
+              <a:rPr lang="ko-KR" altLang="en-US" sz="1100" dirty="0"/>
+              <a:t>제주 내</a:t>
+            </a:r>
+            <a:r>
+              <a:rPr lang="en-US" altLang="ko-KR" sz="1100" dirty="0"/>
+              <a:t>,</a:t>
+            </a:r>
+            <a:r>
+              <a:rPr lang="ko-KR" altLang="en-US" sz="1100" dirty="0"/>
+              <a:t>외국인</a:t>
+            </a:r>
+            <a:endParaRPr lang="en-US" altLang="ko-KR" sz="1100" dirty="0"/>
+          </a:p>
+          <a:p>
+            <a:pPr algn="ctr"/>
+            <a:r>
+              <a:rPr lang="ko-KR" altLang="en-US" sz="1100" dirty="0"/>
+              <a:t>관광객 비율</a:t>
+            </a:r>
+          </a:p>
+        </p:txBody>
+      </p:sp>
+      <p:sp>
+        <p:nvSpPr>
+          <p:cNvPr id="26" name="TextBox 25">
+            <a:extLst>
+              <a:ext uri="{FF2B5EF4-FFF2-40B4-BE49-F238E27FC236}">
+                <a16:creationId xmlns:a16="http://schemas.microsoft.com/office/drawing/2014/main" id="{54D58962-0935-493C-9E88-E9D17BEF03D9}"/>
+              </a:ext>
+            </a:extLst>
+          </p:cNvPr>
+          <p:cNvSpPr txBox="1"/>
+          <p:nvPr/>
+        </p:nvSpPr>
+        <p:spPr>
+          <a:xfrm>
+            <a:off x="8752495" y="2826786"/>
+            <a:ext cx="1468672" cy="430887"/>
+          </a:xfrm>
+          <a:prstGeom prst="rect">
+            <a:avLst/>
+          </a:prstGeom>
+          <a:noFill/>
+        </p:spPr>
+        <p:txBody>
+          <a:bodyPr wrap="none" rtlCol="0">
+            <a:spAutoFit/>
+          </a:bodyPr>
+          <a:lstStyle/>
+          <a:p>
+            <a:pPr algn="ctr"/>
+            <a:r>
+              <a:rPr lang="en-US" altLang="ko-KR" sz="1100" dirty="0"/>
+              <a:t>2018 </a:t>
+            </a:r>
+            <a:r>
+              <a:rPr lang="ko-KR" altLang="en-US" sz="1100" dirty="0"/>
+              <a:t>제주 내</a:t>
+            </a:r>
+            <a:r>
+              <a:rPr lang="en-US" altLang="ko-KR" sz="1100" dirty="0"/>
+              <a:t>,</a:t>
+            </a:r>
+            <a:r>
+              <a:rPr lang="ko-KR" altLang="en-US" sz="1100" dirty="0"/>
+              <a:t>외국인</a:t>
+            </a:r>
+            <a:endParaRPr lang="en-US" altLang="ko-KR" sz="1100" dirty="0"/>
+          </a:p>
+          <a:p>
+            <a:pPr algn="ctr"/>
+            <a:r>
+              <a:rPr lang="ko-KR" altLang="en-US" sz="1100" dirty="0"/>
+              <a:t>관광객 비율</a:t>
+            </a:r>
+          </a:p>
+        </p:txBody>
+      </p:sp>
+      <p:sp>
+        <p:nvSpPr>
+          <p:cNvPr id="27" name="TextBox 26">
+            <a:extLst>
+              <a:ext uri="{FF2B5EF4-FFF2-40B4-BE49-F238E27FC236}">
+                <a16:creationId xmlns:a16="http://schemas.microsoft.com/office/drawing/2014/main" id="{3A85DABF-F16B-4096-86D9-AA5B166CA5CC}"/>
+              </a:ext>
+            </a:extLst>
+          </p:cNvPr>
+          <p:cNvSpPr txBox="1"/>
+          <p:nvPr/>
+        </p:nvSpPr>
+        <p:spPr>
+          <a:xfrm>
+            <a:off x="1840674" y="4253725"/>
+            <a:ext cx="457176" cy="261610"/>
+          </a:xfrm>
+          <a:prstGeom prst="rect">
+            <a:avLst/>
+          </a:prstGeom>
+          <a:noFill/>
+        </p:spPr>
+        <p:txBody>
+          <a:bodyPr wrap="none" rtlCol="0">
+            <a:spAutoFit/>
+          </a:bodyPr>
+          <a:lstStyle/>
+          <a:p>
+            <a:r>
+              <a:rPr lang="en-US" altLang="ko-KR" sz="1100" dirty="0">
+                <a:solidFill>
+                  <a:schemeClr val="bg1"/>
+                </a:solidFill>
+              </a:rPr>
+              <a:t>75%</a:t>
+            </a:r>
+            <a:endParaRPr lang="ko-KR" altLang="en-US" sz="1100" dirty="0">
+              <a:solidFill>
+                <a:schemeClr val="bg1"/>
+              </a:solidFill>
+            </a:endParaRPr>
+          </a:p>
+        </p:txBody>
+      </p:sp>
+      <p:sp>
+        <p:nvSpPr>
+          <p:cNvPr id="28" name="TextBox 27">
+            <a:extLst>
+              <a:ext uri="{FF2B5EF4-FFF2-40B4-BE49-F238E27FC236}">
+                <a16:creationId xmlns:a16="http://schemas.microsoft.com/office/drawing/2014/main" id="{7A893394-F9DB-4E46-99CF-045BA011F6AE}"/>
+              </a:ext>
+            </a:extLst>
+          </p:cNvPr>
+          <p:cNvSpPr txBox="1"/>
+          <p:nvPr/>
+        </p:nvSpPr>
+        <p:spPr>
+          <a:xfrm>
+            <a:off x="2459328" y="3778713"/>
+            <a:ext cx="457176" cy="261610"/>
+          </a:xfrm>
+          <a:prstGeom prst="rect">
+            <a:avLst/>
+          </a:prstGeom>
+          <a:noFill/>
+        </p:spPr>
+        <p:txBody>
+          <a:bodyPr wrap="none" rtlCol="0">
+            <a:spAutoFit/>
+          </a:bodyPr>
+          <a:lstStyle/>
+          <a:p>
+            <a:r>
+              <a:rPr lang="en-US" altLang="ko-KR" sz="1100" dirty="0">
+                <a:solidFill>
+                  <a:schemeClr val="bg1"/>
+                </a:solidFill>
+              </a:rPr>
+              <a:t>25%</a:t>
+            </a:r>
+            <a:endParaRPr lang="ko-KR" altLang="en-US" sz="1100" dirty="0">
+              <a:solidFill>
+                <a:schemeClr val="bg1"/>
+              </a:solidFill>
+            </a:endParaRPr>
+          </a:p>
+        </p:txBody>
+      </p:sp>
+      <p:sp>
+        <p:nvSpPr>
+          <p:cNvPr id="29" name="TextBox 28">
+            <a:extLst>
+              <a:ext uri="{FF2B5EF4-FFF2-40B4-BE49-F238E27FC236}">
+                <a16:creationId xmlns:a16="http://schemas.microsoft.com/office/drawing/2014/main" id="{A037BD3A-287A-435E-BE19-E48C02E98699}"/>
+              </a:ext>
+            </a:extLst>
+          </p:cNvPr>
+          <p:cNvSpPr txBox="1"/>
+          <p:nvPr/>
+        </p:nvSpPr>
+        <p:spPr>
+          <a:xfrm>
+            <a:off x="5308269" y="4253725"/>
+            <a:ext cx="457176" cy="261610"/>
+          </a:xfrm>
+          <a:prstGeom prst="rect">
+            <a:avLst/>
+          </a:prstGeom>
+          <a:noFill/>
+        </p:spPr>
+        <p:txBody>
+          <a:bodyPr wrap="none" rtlCol="0">
+            <a:spAutoFit/>
+          </a:bodyPr>
+          <a:lstStyle/>
+          <a:p>
+            <a:r>
+              <a:rPr lang="en-US" altLang="ko-KR" sz="1100" dirty="0">
+                <a:solidFill>
+                  <a:schemeClr val="bg1"/>
+                </a:solidFill>
+              </a:rPr>
+              <a:t>92%</a:t>
+            </a:r>
+            <a:endParaRPr lang="ko-KR" altLang="en-US" sz="1100" dirty="0">
+              <a:solidFill>
+                <a:schemeClr val="bg1"/>
+              </a:solidFill>
+            </a:endParaRPr>
+          </a:p>
+        </p:txBody>
+      </p:sp>
+      <p:sp>
+        <p:nvSpPr>
+          <p:cNvPr id="30" name="TextBox 29">
+            <a:extLst>
+              <a:ext uri="{FF2B5EF4-FFF2-40B4-BE49-F238E27FC236}">
+                <a16:creationId xmlns:a16="http://schemas.microsoft.com/office/drawing/2014/main" id="{1D88E6C9-F51A-4459-A826-5B3A0D700027}"/>
+              </a:ext>
+            </a:extLst>
+          </p:cNvPr>
+          <p:cNvSpPr txBox="1"/>
+          <p:nvPr/>
+        </p:nvSpPr>
+        <p:spPr>
+          <a:xfrm>
+            <a:off x="5753570" y="3552728"/>
+            <a:ext cx="380232" cy="261610"/>
+          </a:xfrm>
+          <a:prstGeom prst="rect">
+            <a:avLst/>
+          </a:prstGeom>
+          <a:noFill/>
+        </p:spPr>
+        <p:txBody>
+          <a:bodyPr wrap="none" rtlCol="0">
+            <a:spAutoFit/>
+          </a:bodyPr>
+          <a:lstStyle/>
+          <a:p>
+            <a:r>
+              <a:rPr lang="en-US" altLang="ko-KR" sz="1100" dirty="0">
+                <a:solidFill>
+                  <a:schemeClr val="bg1"/>
+                </a:solidFill>
+              </a:rPr>
+              <a:t>8%</a:t>
+            </a:r>
+            <a:endParaRPr lang="ko-KR" altLang="en-US" sz="1100" dirty="0">
+              <a:solidFill>
+                <a:schemeClr val="bg1"/>
+              </a:solidFill>
+            </a:endParaRPr>
+          </a:p>
+        </p:txBody>
+      </p:sp>
+      <p:sp>
+        <p:nvSpPr>
+          <p:cNvPr id="31" name="TextBox 30">
+            <a:extLst>
+              <a:ext uri="{FF2B5EF4-FFF2-40B4-BE49-F238E27FC236}">
+                <a16:creationId xmlns:a16="http://schemas.microsoft.com/office/drawing/2014/main" id="{8D83452B-3CD9-4F5C-9995-E2A7205A4C79}"/>
+              </a:ext>
+            </a:extLst>
+          </p:cNvPr>
+          <p:cNvSpPr txBox="1"/>
+          <p:nvPr/>
+        </p:nvSpPr>
+        <p:spPr>
+          <a:xfrm>
+            <a:off x="9037121" y="4253725"/>
+            <a:ext cx="457176" cy="261610"/>
+          </a:xfrm>
+          <a:prstGeom prst="rect">
+            <a:avLst/>
+          </a:prstGeom>
+          <a:noFill/>
+        </p:spPr>
+        <p:txBody>
+          <a:bodyPr wrap="none" rtlCol="0">
+            <a:spAutoFit/>
+          </a:bodyPr>
+          <a:lstStyle/>
+          <a:p>
+            <a:r>
+              <a:rPr lang="en-US" altLang="ko-KR" sz="1100" dirty="0">
+                <a:solidFill>
+                  <a:schemeClr val="bg1"/>
+                </a:solidFill>
+              </a:rPr>
+              <a:t>92%</a:t>
+            </a:r>
+            <a:endParaRPr lang="ko-KR" altLang="en-US" sz="1100" dirty="0">
+              <a:solidFill>
+                <a:schemeClr val="bg1"/>
+              </a:solidFill>
+            </a:endParaRPr>
+          </a:p>
+        </p:txBody>
+      </p:sp>
+      <p:sp>
+        <p:nvSpPr>
+          <p:cNvPr id="32" name="TextBox 31">
+            <a:extLst>
+              <a:ext uri="{FF2B5EF4-FFF2-40B4-BE49-F238E27FC236}">
+                <a16:creationId xmlns:a16="http://schemas.microsoft.com/office/drawing/2014/main" id="{A029F89F-1FAE-4989-8907-8DB9FD840672}"/>
+              </a:ext>
+            </a:extLst>
+          </p:cNvPr>
+          <p:cNvSpPr txBox="1"/>
+          <p:nvPr/>
+        </p:nvSpPr>
+        <p:spPr>
+          <a:xfrm>
+            <a:off x="9482422" y="3552728"/>
+            <a:ext cx="380232" cy="261610"/>
+          </a:xfrm>
+          <a:prstGeom prst="rect">
+            <a:avLst/>
+          </a:prstGeom>
+          <a:noFill/>
+        </p:spPr>
+        <p:txBody>
+          <a:bodyPr wrap="none" rtlCol="0">
+            <a:spAutoFit/>
+          </a:bodyPr>
+          <a:lstStyle/>
+          <a:p>
+            <a:r>
+              <a:rPr lang="en-US" altLang="ko-KR" sz="1100" dirty="0">
+                <a:solidFill>
+                  <a:schemeClr val="bg1"/>
+                </a:solidFill>
+              </a:rPr>
+              <a:t>8%</a:t>
+            </a:r>
+            <a:endParaRPr lang="ko-KR" altLang="en-US" sz="1100" dirty="0">
+              <a:solidFill>
+                <a:schemeClr val="bg1"/>
+              </a:solidFill>
+            </a:endParaRPr>
+          </a:p>
+        </p:txBody>
+      </p:sp>
+    </p:spTree>
+    <p:extLst>
+      <p:ext uri="{BB962C8B-B14F-4D97-AF65-F5344CB8AC3E}">
+        <p14:creationId xmlns:p14="http://schemas.microsoft.com/office/powerpoint/2010/main" val="3415853645"/>
+      </p:ext>
+    </p:extLst>
+  </p:cSld>
+  <p:clrMapOvr>
+    <a:masterClrMapping/>
+  </p:clrMapOvr>
+</p:sld>
+</file>
+
+<file path=ppt/slides/slide7.xml><?xml version="1.0" encoding="utf-8"?>
+<p:sld xmlns:a="http://schemas.openxmlformats.org/drawingml/2006/main" xmlns:r="http://schemas.openxmlformats.org/officeDocument/2006/relationships" xmlns:p="http://schemas.openxmlformats.org/presentationml/2006/main">
+  <p:cSld>
+    <p:spTree>
+      <p:nvGrpSpPr>
+        <p:cNvPr id="1" name=""/>
+        <p:cNvGrpSpPr/>
+        <p:nvPr/>
+      </p:nvGrpSpPr>
+      <p:grpSpPr>
+        <a:xfrm>
+          <a:off x="0" y="0"/>
+          <a:ext cx="0" cy="0"/>
+          <a:chOff x="0" y="0"/>
+          <a:chExt cx="0" cy="0"/>
+        </a:xfrm>
+      </p:grpSpPr>
+      <p:cxnSp>
+        <p:nvCxnSpPr>
+          <p:cNvPr id="4" name="직선 연결선 3"/>
+          <p:cNvCxnSpPr>
+            <a:cxnSpLocks/>
+          </p:cNvCxnSpPr>
+          <p:nvPr/>
+        </p:nvCxnSpPr>
+        <p:spPr>
+          <a:xfrm>
+            <a:off x="1242422" y="989148"/>
+            <a:ext cx="2618378" cy="0"/>
+          </a:xfrm>
+          <a:prstGeom prst="line">
+            <a:avLst/>
+          </a:prstGeom>
+          <a:ln>
+            <a:solidFill>
+              <a:schemeClr val="bg1">
+                <a:lumMod val="50000"/>
+              </a:schemeClr>
+            </a:solidFill>
+          </a:ln>
+        </p:spPr>
+        <p:style>
+          <a:lnRef idx="1">
+            <a:schemeClr val="accent1"/>
+          </a:lnRef>
+          <a:fillRef idx="0">
+            <a:schemeClr val="accent1"/>
+          </a:fillRef>
+          <a:effectRef idx="0">
+            <a:schemeClr val="accent1"/>
+          </a:effectRef>
+          <a:fontRef idx="minor">
+            <a:schemeClr val="tx1"/>
+          </a:fontRef>
+        </p:style>
+      </p:cxnSp>
+      <p:sp>
+        <p:nvSpPr>
+          <p:cNvPr id="5" name="TextBox 4"/>
+          <p:cNvSpPr txBox="1"/>
+          <p:nvPr/>
+        </p:nvSpPr>
+        <p:spPr>
+          <a:xfrm>
+            <a:off x="1028595" y="437393"/>
+            <a:ext cx="3047629" cy="584775"/>
+          </a:xfrm>
+          <a:prstGeom prst="rect">
+            <a:avLst/>
+          </a:prstGeom>
+          <a:noFill/>
+        </p:spPr>
+        <p:txBody>
+          <a:bodyPr wrap="none" rtlCol="0">
+            <a:spAutoFit/>
+          </a:bodyPr>
+          <a:lstStyle/>
+          <a:p>
+            <a:pPr algn="ctr"/>
+            <a:r>
+              <a:rPr lang="ko-KR" altLang="en-US" sz="3200" spc="-150" dirty="0">
+                <a:solidFill>
+                  <a:srgbClr val="00002F"/>
+                </a:solidFill>
+                <a:latin typeface="나눔스퀘어 ExtraBold" panose="020B0600000101010101" pitchFamily="50" charset="-127"/>
+                <a:ea typeface="나눔스퀘어 ExtraBold" panose="020B0600000101010101" pitchFamily="50" charset="-127"/>
+              </a:rPr>
+              <a:t>제주도 관광객수</a:t>
+            </a:r>
+          </a:p>
+        </p:txBody>
+      </p:sp>
+      <p:sp>
+        <p:nvSpPr>
+          <p:cNvPr id="12" name="TextBox 11"/>
+          <p:cNvSpPr txBox="1"/>
+          <p:nvPr/>
+        </p:nvSpPr>
+        <p:spPr>
+          <a:xfrm>
+            <a:off x="455532" y="498947"/>
+            <a:ext cx="614271" cy="461665"/>
+          </a:xfrm>
+          <a:prstGeom prst="rect">
+            <a:avLst/>
+          </a:prstGeom>
+          <a:noFill/>
+        </p:spPr>
+        <p:txBody>
+          <a:bodyPr wrap="none" rtlCol="0">
+            <a:spAutoFit/>
+          </a:bodyPr>
+          <a:lstStyle/>
+          <a:p>
+            <a:pPr algn="ctr"/>
+            <a:r>
+              <a:rPr lang="en-US" altLang="ko-KR" sz="2400" spc="-150" dirty="0">
+                <a:solidFill>
+                  <a:srgbClr val="00002F"/>
+                </a:solidFill>
+                <a:latin typeface="나눔스퀘어 ExtraBold" panose="020B0600000101010101" pitchFamily="50" charset="-127"/>
+                <a:ea typeface="나눔스퀘어 ExtraBold" panose="020B0600000101010101" pitchFamily="50" charset="-127"/>
+              </a:rPr>
+              <a:t>01.</a:t>
+            </a:r>
+            <a:endParaRPr lang="ko-KR" altLang="en-US" sz="2400" spc="-150" dirty="0">
+              <a:solidFill>
+                <a:srgbClr val="00002F"/>
+              </a:solidFill>
+              <a:latin typeface="나눔스퀘어 ExtraBold" panose="020B0600000101010101" pitchFamily="50" charset="-127"/>
+              <a:ea typeface="나눔스퀘어 ExtraBold" panose="020B0600000101010101" pitchFamily="50" charset="-127"/>
+            </a:endParaRPr>
+          </a:p>
+        </p:txBody>
+      </p:sp>
+      <p:cxnSp>
+        <p:nvCxnSpPr>
+          <p:cNvPr id="7" name="직선 연결선 6"/>
+          <p:cNvCxnSpPr/>
+          <p:nvPr/>
+        </p:nvCxnSpPr>
+        <p:spPr>
+          <a:xfrm>
+            <a:off x="10430892" y="144941"/>
+            <a:ext cx="360000" cy="0"/>
+          </a:xfrm>
+          <a:prstGeom prst="line">
+            <a:avLst/>
+          </a:prstGeom>
+          <a:ln w="44450" cap="rnd">
+            <a:solidFill>
+              <a:srgbClr val="8DBABD"/>
+            </a:solidFill>
+          </a:ln>
+          <a:effectLst>
+            <a:outerShdw blurRad="50800" dist="38100" dir="5400000" algn="t" rotWithShape="0">
+              <a:prstClr val="black">
+                <a:alpha val="40000"/>
+              </a:prstClr>
+            </a:outerShdw>
+          </a:effectLst>
+        </p:spPr>
+        <p:style>
+          <a:lnRef idx="1">
+            <a:schemeClr val="accent1"/>
+          </a:lnRef>
+          <a:fillRef idx="0">
+            <a:schemeClr val="accent1"/>
+          </a:fillRef>
+          <a:effectRef idx="0">
+            <a:schemeClr val="accent1"/>
+          </a:effectRef>
+          <a:fontRef idx="minor">
+            <a:schemeClr val="tx1"/>
+          </a:fontRef>
+        </p:style>
+      </p:cxnSp>
+      <p:cxnSp>
+        <p:nvCxnSpPr>
+          <p:cNvPr id="8" name="직선 연결선 7"/>
+          <p:cNvCxnSpPr/>
+          <p:nvPr/>
+        </p:nvCxnSpPr>
+        <p:spPr>
+          <a:xfrm>
+            <a:off x="10858459" y="144941"/>
+            <a:ext cx="360000" cy="0"/>
+          </a:xfrm>
+          <a:prstGeom prst="line">
+            <a:avLst/>
+          </a:prstGeom>
+          <a:ln w="44450" cap="rnd">
+            <a:solidFill>
+              <a:schemeClr val="bg2">
+                <a:lumMod val="90000"/>
+              </a:schemeClr>
+            </a:solidFill>
+          </a:ln>
+          <a:effectLst>
+            <a:outerShdw blurRad="50800" dist="38100" dir="5400000" algn="t" rotWithShape="0">
+              <a:prstClr val="black">
+                <a:alpha val="40000"/>
+              </a:prstClr>
+            </a:outerShdw>
+          </a:effectLst>
+        </p:spPr>
+        <p:style>
+          <a:lnRef idx="1">
+            <a:schemeClr val="accent1"/>
+          </a:lnRef>
+          <a:fillRef idx="0">
+            <a:schemeClr val="accent1"/>
+          </a:fillRef>
+          <a:effectRef idx="0">
+            <a:schemeClr val="accent1"/>
+          </a:effectRef>
+          <a:fontRef idx="minor">
+            <a:schemeClr val="tx1"/>
+          </a:fontRef>
+        </p:style>
+      </p:cxnSp>
+      <p:cxnSp>
+        <p:nvCxnSpPr>
+          <p:cNvPr id="9" name="직선 연결선 8"/>
+          <p:cNvCxnSpPr/>
+          <p:nvPr/>
+        </p:nvCxnSpPr>
+        <p:spPr>
+          <a:xfrm>
+            <a:off x="11286026" y="144941"/>
+            <a:ext cx="360000" cy="0"/>
+          </a:xfrm>
+          <a:prstGeom prst="line">
+            <a:avLst/>
+          </a:prstGeom>
+          <a:ln w="44450" cap="rnd">
+            <a:solidFill>
+              <a:schemeClr val="bg2">
+                <a:lumMod val="90000"/>
+              </a:schemeClr>
+            </a:solidFill>
+          </a:ln>
+          <a:effectLst>
+            <a:outerShdw blurRad="50800" dist="38100" dir="5400000" algn="t" rotWithShape="0">
+              <a:prstClr val="black">
+                <a:alpha val="40000"/>
+              </a:prstClr>
+            </a:outerShdw>
+          </a:effectLst>
+        </p:spPr>
+        <p:style>
+          <a:lnRef idx="1">
+            <a:schemeClr val="accent1"/>
+          </a:lnRef>
+          <a:fillRef idx="0">
+            <a:schemeClr val="accent1"/>
+          </a:fillRef>
+          <a:effectRef idx="0">
+            <a:schemeClr val="accent1"/>
+          </a:effectRef>
+          <a:fontRef idx="minor">
+            <a:schemeClr val="tx1"/>
+          </a:fontRef>
+        </p:style>
+      </p:cxnSp>
+      <p:cxnSp>
+        <p:nvCxnSpPr>
+          <p:cNvPr id="10" name="직선 연결선 9"/>
+          <p:cNvCxnSpPr/>
+          <p:nvPr/>
+        </p:nvCxnSpPr>
+        <p:spPr>
+          <a:xfrm>
+            <a:off x="11713592" y="144941"/>
+            <a:ext cx="360000" cy="0"/>
+          </a:xfrm>
+          <a:prstGeom prst="line">
+            <a:avLst/>
+          </a:prstGeom>
+          <a:ln w="44450" cap="rnd">
+            <a:solidFill>
+              <a:schemeClr val="bg2">
+                <a:lumMod val="90000"/>
+              </a:schemeClr>
+            </a:solidFill>
+          </a:ln>
+          <a:effectLst>
+            <a:outerShdw blurRad="50800" dist="38100" dir="5400000" algn="t" rotWithShape="0">
+              <a:prstClr val="black">
+                <a:alpha val="40000"/>
+              </a:prstClr>
+            </a:outerShdw>
+          </a:effectLst>
+        </p:spPr>
+        <p:style>
+          <a:lnRef idx="1">
+            <a:schemeClr val="accent1"/>
+          </a:lnRef>
+          <a:fillRef idx="0">
+            <a:schemeClr val="accent1"/>
+          </a:fillRef>
+          <a:effectRef idx="0">
+            <a:schemeClr val="accent1"/>
+          </a:effectRef>
+          <a:fontRef idx="minor">
+            <a:schemeClr val="tx1"/>
+          </a:fontRef>
+        </p:style>
+      </p:cxnSp>
+      <p:sp>
+        <p:nvSpPr>
+          <p:cNvPr id="11" name="TextBox 10"/>
+          <p:cNvSpPr txBox="1"/>
+          <p:nvPr/>
+        </p:nvSpPr>
+        <p:spPr>
+          <a:xfrm>
+            <a:off x="1001272" y="2091297"/>
+            <a:ext cx="4331635" cy="1077218"/>
+          </a:xfrm>
+          <a:prstGeom prst="rect">
+            <a:avLst/>
+          </a:prstGeom>
+          <a:noFill/>
+        </p:spPr>
+        <p:txBody>
+          <a:bodyPr wrap="none" rtlCol="0">
+            <a:spAutoFit/>
+          </a:bodyPr>
+          <a:lstStyle/>
+          <a:p>
+            <a:pPr algn="ctr"/>
+            <a:r>
+              <a:rPr lang="ko-KR" altLang="en-US" sz="3200" spc="-150" dirty="0">
+                <a:solidFill>
+                  <a:srgbClr val="8DBABD"/>
+                </a:solidFill>
+                <a:latin typeface="나눔스퀘어 ExtraBold" panose="020B0600000101010101" pitchFamily="50" charset="-127"/>
+                <a:ea typeface="나눔스퀘어 ExtraBold" panose="020B0600000101010101" pitchFamily="50" charset="-127"/>
+              </a:rPr>
+              <a:t>제주도 방문 외국인 관광객</a:t>
+            </a:r>
+            <a:endParaRPr lang="en-US" altLang="ko-KR" sz="3200" spc="-150" dirty="0">
+              <a:solidFill>
+                <a:srgbClr val="8DBABD"/>
+              </a:solidFill>
+              <a:latin typeface="나눔스퀘어 ExtraBold" panose="020B0600000101010101" pitchFamily="50" charset="-127"/>
+              <a:ea typeface="나눔스퀘어 ExtraBold" panose="020B0600000101010101" pitchFamily="50" charset="-127"/>
+            </a:endParaRPr>
+          </a:p>
+          <a:p>
+            <a:pPr algn="ctr"/>
+            <a:r>
+              <a:rPr lang="en-US" altLang="ko-KR" sz="3200" spc="-150" dirty="0">
+                <a:solidFill>
+                  <a:srgbClr val="8DBABD"/>
+                </a:solidFill>
+                <a:latin typeface="나눔스퀘어 ExtraBold" panose="020B0600000101010101" pitchFamily="50" charset="-127"/>
+                <a:ea typeface="나눔스퀘어 ExtraBold" panose="020B0600000101010101" pitchFamily="50" charset="-127"/>
+              </a:rPr>
+              <a:t>-&gt; </a:t>
+            </a:r>
+            <a:r>
+              <a:rPr lang="ko-KR" altLang="en-US" sz="3200" spc="-150" dirty="0">
+                <a:solidFill>
+                  <a:srgbClr val="8DBABD"/>
+                </a:solidFill>
+                <a:latin typeface="나눔스퀘어 ExtraBold" panose="020B0600000101010101" pitchFamily="50" charset="-127"/>
+                <a:ea typeface="나눔스퀘어 ExtraBold" panose="020B0600000101010101" pitchFamily="50" charset="-127"/>
+              </a:rPr>
+              <a:t>중국이 압도적</a:t>
+            </a:r>
+          </a:p>
+        </p:txBody>
+      </p:sp>
+      <p:sp>
+        <p:nvSpPr>
+          <p:cNvPr id="13" name="TextBox 12"/>
+          <p:cNvSpPr txBox="1"/>
+          <p:nvPr/>
+        </p:nvSpPr>
+        <p:spPr>
+          <a:xfrm>
+            <a:off x="1065009" y="1006929"/>
+            <a:ext cx="2214068" cy="369332"/>
+          </a:xfrm>
+          <a:prstGeom prst="rect">
+            <a:avLst/>
+          </a:prstGeom>
+          <a:noFill/>
+        </p:spPr>
+        <p:txBody>
+          <a:bodyPr wrap="none" rtlCol="0">
+            <a:spAutoFit/>
+          </a:bodyPr>
+          <a:lstStyle/>
+          <a:p>
+            <a:pPr algn="ctr"/>
+            <a:r>
+              <a:rPr lang="ko-KR" altLang="en-US" spc="-150" dirty="0">
+                <a:solidFill>
+                  <a:srgbClr val="00002F"/>
+                </a:solidFill>
+                <a:latin typeface="나눔스퀘어 ExtraBold" panose="020B0600000101010101" pitchFamily="50" charset="-127"/>
+                <a:ea typeface="나눔스퀘어 ExtraBold" panose="020B0600000101010101" pitchFamily="50" charset="-127"/>
+              </a:rPr>
+              <a:t>외국인 관광객 세분화</a:t>
+            </a:r>
+          </a:p>
+        </p:txBody>
+      </p:sp>
+    </p:spTree>
+    <p:extLst>
+      <p:ext uri="{BB962C8B-B14F-4D97-AF65-F5344CB8AC3E}">
+        <p14:creationId xmlns:p14="http://schemas.microsoft.com/office/powerpoint/2010/main" val="3338470855"/>
+      </p:ext>
+    </p:extLst>
+  </p:cSld>
+  <p:clrMapOvr>
+    <a:masterClrMapping/>
+  </p:clrMapOvr>
+</p:sld>
+</file>
+
+<file path=ppt/slides/slide8.xml><?xml version="1.0" encoding="utf-8"?>
+<p:sld xmlns:a="http://schemas.openxmlformats.org/drawingml/2006/main" xmlns:r="http://schemas.openxmlformats.org/officeDocument/2006/relationships" xmlns:p="http://schemas.openxmlformats.org/presentationml/2006/main">
+  <p:cSld>
+    <p:spTree>
+      <p:nvGrpSpPr>
+        <p:cNvPr id="1" name=""/>
+        <p:cNvGrpSpPr/>
+        <p:nvPr/>
+      </p:nvGrpSpPr>
+      <p:grpSpPr>
+        <a:xfrm>
+          <a:off x="0" y="0"/>
+          <a:ext cx="0" cy="0"/>
+          <a:chOff x="0" y="0"/>
+          <a:chExt cx="0" cy="0"/>
+        </a:xfrm>
+      </p:grpSpPr>
+      <p:sp>
+        <p:nvSpPr>
+          <p:cNvPr id="2" name="TextBox 1"/>
+          <p:cNvSpPr txBox="1"/>
+          <p:nvPr/>
+        </p:nvSpPr>
+        <p:spPr>
+          <a:xfrm>
+            <a:off x="4000500" y="2472873"/>
+            <a:ext cx="797013" cy="769441"/>
+          </a:xfrm>
+          <a:prstGeom prst="rect">
+            <a:avLst/>
+          </a:prstGeom>
+          <a:noFill/>
+        </p:spPr>
+        <p:txBody>
+          <a:bodyPr wrap="none" rtlCol="0">
+            <a:spAutoFit/>
+          </a:bodyPr>
+          <a:lstStyle/>
+          <a:p>
+            <a:r>
+              <a:rPr lang="en-US" altLang="ko-KR" sz="4400" spc="-300" dirty="0">
+                <a:solidFill>
+                  <a:srgbClr val="00002F"/>
+                </a:solidFill>
+                <a:latin typeface="나눔스퀘어 Bold" panose="020B0600000101010101" pitchFamily="50" charset="-127"/>
+                <a:ea typeface="나눔스퀘어 Bold" panose="020B0600000101010101" pitchFamily="50" charset="-127"/>
+              </a:rPr>
+              <a:t>02</a:t>
+            </a:r>
+            <a:endParaRPr lang="ko-KR" altLang="en-US" sz="4400" spc="-300" dirty="0">
+              <a:solidFill>
+                <a:srgbClr val="00002F"/>
+              </a:solidFill>
+              <a:latin typeface="나눔스퀘어 Bold" panose="020B0600000101010101" pitchFamily="50" charset="-127"/>
+              <a:ea typeface="나눔스퀘어 Bold" panose="020B0600000101010101" pitchFamily="50" charset="-127"/>
+            </a:endParaRPr>
+          </a:p>
+        </p:txBody>
+      </p:sp>
+      <p:sp>
+        <p:nvSpPr>
+          <p:cNvPr id="3" name="직사각형 2"/>
+          <p:cNvSpPr/>
+          <p:nvPr/>
+        </p:nvSpPr>
+        <p:spPr>
+          <a:xfrm>
+            <a:off x="4000499" y="3169741"/>
+            <a:ext cx="4200071" cy="473345"/>
+          </a:xfrm>
+          <a:prstGeom prst="rect">
+            <a:avLst/>
+          </a:prstGeom>
+          <a:solidFill>
+            <a:srgbClr val="8DBABD"/>
+          </a:solidFill>
+          <a:ln>
+            <a:solidFill>
+              <a:srgbClr val="8DBABD"/>
+            </a:solidFill>
+          </a:ln>
+        </p:spPr>
+        <p:style>
+          <a:lnRef idx="2">
+            <a:schemeClr val="accent1">
+              <a:shade val="50000"/>
+            </a:schemeClr>
+          </a:lnRef>
+          <a:fillRef idx="1">
+            <a:schemeClr val="accent1"/>
+          </a:fillRef>
+          <a:effectRef idx="0">
+            <a:schemeClr val="accent1"/>
+          </a:effectRef>
+          <a:fontRef idx="minor">
+            <a:schemeClr val="lt1"/>
+          </a:fontRef>
+        </p:style>
+        <p:txBody>
+          <a:bodyPr rtlCol="0" anchor="ctr"/>
+          <a:lstStyle/>
+          <a:p>
+            <a:pPr algn="ctr"/>
+            <a:r>
+              <a:rPr lang="ko-KR" altLang="en-US" dirty="0">
+                <a:latin typeface="나눔스퀘어 Bold" panose="020B0600000101010101" pitchFamily="50" charset="-127"/>
+                <a:ea typeface="나눔스퀘어 Bold" panose="020B0600000101010101" pitchFamily="50" charset="-127"/>
+              </a:rPr>
+              <a:t>외부요인</a:t>
+            </a:r>
+          </a:p>
+        </p:txBody>
+      </p:sp>
+    </p:spTree>
+    <p:extLst>
+      <p:ext uri="{BB962C8B-B14F-4D97-AF65-F5344CB8AC3E}">
+        <p14:creationId xmlns:p14="http://schemas.microsoft.com/office/powerpoint/2010/main" val="2963228856"/>
+      </p:ext>
+    </p:extLst>
+  </p:cSld>
+  <p:clrMapOvr>
+    <a:masterClrMapping/>
+  </p:clrMapOvr>
+</p:sld>
+</file>
+
+<file path=ppt/slides/slide9.xml><?xml version="1.0" encoding="utf-8"?>
+<p:sld xmlns:a="http://schemas.openxmlformats.org/drawingml/2006/main" xmlns:r="http://schemas.openxmlformats.org/officeDocument/2006/relationships" xmlns:p="http://schemas.openxmlformats.org/presentationml/2006/main">
+  <p:cSld>
+    <p:spTree>
+      <p:nvGrpSpPr>
+        <p:cNvPr id="1" name=""/>
+        <p:cNvGrpSpPr/>
+        <p:nvPr/>
+      </p:nvGrpSpPr>
+      <p:grpSpPr>
+        <a:xfrm>
+          <a:off x="0" y="0"/>
+          <a:ext cx="0" cy="0"/>
+          <a:chOff x="0" y="0"/>
+          <a:chExt cx="0" cy="0"/>
+        </a:xfrm>
+      </p:grpSpPr>
+      <p:sp>
+        <p:nvSpPr>
+          <p:cNvPr id="11" name="TextBox 10"/>
+          <p:cNvSpPr txBox="1"/>
+          <p:nvPr/>
+        </p:nvSpPr>
+        <p:spPr>
+          <a:xfrm>
+            <a:off x="3696489" y="1226870"/>
+            <a:ext cx="4799021" cy="584775"/>
+          </a:xfrm>
+          <a:prstGeom prst="rect">
+            <a:avLst/>
+          </a:prstGeom>
+          <a:noFill/>
+        </p:spPr>
+        <p:txBody>
+          <a:bodyPr wrap="square" rtlCol="0">
+            <a:spAutoFit/>
+          </a:bodyPr>
+          <a:lstStyle/>
+          <a:p>
+            <a:pPr algn="ctr"/>
+            <a:r>
+              <a:rPr lang="ko-KR" altLang="en-US" sz="3200" spc="-150" dirty="0">
+                <a:solidFill>
+                  <a:srgbClr val="8DBABD"/>
+                </a:solidFill>
+                <a:latin typeface="나눔스퀘어 ExtraBold" panose="020B0600000101010101" pitchFamily="50" charset="-127"/>
+                <a:ea typeface="나눔스퀘어 ExtraBold" panose="020B0600000101010101" pitchFamily="50" charset="-127"/>
+              </a:rPr>
+              <a:t>사드의 영향으로 큰 변화</a:t>
+            </a:r>
+          </a:p>
+        </p:txBody>
+      </p:sp>
+      <p:cxnSp>
+        <p:nvCxnSpPr>
+          <p:cNvPr id="14" name="직선 연결선 13"/>
+          <p:cNvCxnSpPr/>
+          <p:nvPr/>
+        </p:nvCxnSpPr>
+        <p:spPr>
+          <a:xfrm>
+            <a:off x="10430892" y="144941"/>
+            <a:ext cx="360000" cy="0"/>
+          </a:xfrm>
+          <a:prstGeom prst="line">
+            <a:avLst/>
+          </a:prstGeom>
+          <a:ln w="44450" cap="rnd">
+            <a:solidFill>
+              <a:srgbClr val="D0CECE"/>
+            </a:solidFill>
+          </a:ln>
+          <a:effectLst>
+            <a:outerShdw blurRad="50800" dist="38100" dir="5400000" algn="t" rotWithShape="0">
+              <a:prstClr val="black">
+                <a:alpha val="40000"/>
+              </a:prstClr>
+            </a:outerShdw>
+          </a:effectLst>
+        </p:spPr>
+        <p:style>
+          <a:lnRef idx="1">
+            <a:schemeClr val="accent1"/>
+          </a:lnRef>
+          <a:fillRef idx="0">
+            <a:schemeClr val="accent1"/>
+          </a:fillRef>
+          <a:effectRef idx="0">
+            <a:schemeClr val="accent1"/>
+          </a:effectRef>
+          <a:fontRef idx="minor">
+            <a:schemeClr val="tx1"/>
+          </a:fontRef>
+        </p:style>
+      </p:cxnSp>
+      <p:cxnSp>
+        <p:nvCxnSpPr>
+          <p:cNvPr id="15" name="직선 연결선 14"/>
+          <p:cNvCxnSpPr/>
+          <p:nvPr/>
+        </p:nvCxnSpPr>
+        <p:spPr>
+          <a:xfrm>
+            <a:off x="10858459" y="144941"/>
+            <a:ext cx="360000" cy="0"/>
+          </a:xfrm>
+          <a:prstGeom prst="line">
+            <a:avLst/>
+          </a:prstGeom>
+          <a:ln w="44450" cap="rnd">
+            <a:solidFill>
+              <a:srgbClr val="8DBABD"/>
+            </a:solidFill>
+          </a:ln>
+          <a:effectLst>
+            <a:outerShdw blurRad="50800" dist="38100" dir="5400000" algn="t" rotWithShape="0">
+              <a:prstClr val="black">
+                <a:alpha val="40000"/>
+              </a:prstClr>
+            </a:outerShdw>
+          </a:effectLst>
+        </p:spPr>
+        <p:style>
+          <a:lnRef idx="1">
+            <a:schemeClr val="accent1"/>
+          </a:lnRef>
+          <a:fillRef idx="0">
+            <a:schemeClr val="accent1"/>
+          </a:fillRef>
+          <a:effectRef idx="0">
+            <a:schemeClr val="accent1"/>
+          </a:effectRef>
+          <a:fontRef idx="minor">
+            <a:schemeClr val="tx1"/>
+          </a:fontRef>
+        </p:style>
+      </p:cxnSp>
+      <p:cxnSp>
+        <p:nvCxnSpPr>
+          <p:cNvPr id="16" name="직선 연결선 15"/>
+          <p:cNvCxnSpPr/>
+          <p:nvPr/>
+        </p:nvCxnSpPr>
+        <p:spPr>
+          <a:xfrm>
+            <a:off x="11286026" y="144941"/>
+            <a:ext cx="360000" cy="0"/>
+          </a:xfrm>
+          <a:prstGeom prst="line">
+            <a:avLst/>
+          </a:prstGeom>
+          <a:ln w="44450" cap="rnd">
+            <a:solidFill>
+              <a:schemeClr val="bg2">
+                <a:lumMod val="90000"/>
+              </a:schemeClr>
+            </a:solidFill>
+          </a:ln>
+          <a:effectLst>
+            <a:outerShdw blurRad="50800" dist="38100" dir="5400000" algn="t" rotWithShape="0">
+              <a:prstClr val="black">
+                <a:alpha val="40000"/>
+              </a:prstClr>
+            </a:outerShdw>
+          </a:effectLst>
+        </p:spPr>
+        <p:style>
+          <a:lnRef idx="1">
+            <a:schemeClr val="accent1"/>
+          </a:lnRef>
+          <a:fillRef idx="0">
+            <a:schemeClr val="accent1"/>
+          </a:fillRef>
+          <a:effectRef idx="0">
+            <a:schemeClr val="accent1"/>
+          </a:effectRef>
+          <a:fontRef idx="minor">
+            <a:schemeClr val="tx1"/>
+          </a:fontRef>
+        </p:style>
+      </p:cxnSp>
+      <p:cxnSp>
+        <p:nvCxnSpPr>
+          <p:cNvPr id="17" name="직선 연결선 16"/>
+          <p:cNvCxnSpPr/>
+          <p:nvPr/>
+        </p:nvCxnSpPr>
+        <p:spPr>
+          <a:xfrm>
+            <a:off x="11713592" y="144941"/>
+            <a:ext cx="360000" cy="0"/>
+          </a:xfrm>
+          <a:prstGeom prst="line">
+            <a:avLst/>
+          </a:prstGeom>
+          <a:ln w="44450" cap="rnd">
+            <a:solidFill>
+              <a:schemeClr val="bg2">
+                <a:lumMod val="90000"/>
+              </a:schemeClr>
+            </a:solidFill>
+          </a:ln>
+          <a:effectLst>
+            <a:outerShdw blurRad="50800" dist="38100" dir="5400000" algn="t" rotWithShape="0">
+              <a:prstClr val="black">
+                <a:alpha val="40000"/>
+              </a:prstClr>
+            </a:outerShdw>
+          </a:effectLst>
+        </p:spPr>
+        <p:style>
+          <a:lnRef idx="1">
+            <a:schemeClr val="accent1"/>
+          </a:lnRef>
+          <a:fillRef idx="0">
+            <a:schemeClr val="accent1"/>
+          </a:fillRef>
+          <a:effectRef idx="0">
+            <a:schemeClr val="accent1"/>
+          </a:effectRef>
+          <a:fontRef idx="minor">
+            <a:schemeClr val="tx1"/>
+          </a:fontRef>
+        </p:style>
+      </p:cxnSp>
+      <p:cxnSp>
+        <p:nvCxnSpPr>
+          <p:cNvPr id="18" name="직선 연결선 17"/>
+          <p:cNvCxnSpPr/>
+          <p:nvPr/>
+        </p:nvCxnSpPr>
+        <p:spPr>
+          <a:xfrm>
+            <a:off x="1026522" y="989148"/>
+            <a:ext cx="2160000" cy="0"/>
+          </a:xfrm>
+          <a:prstGeom prst="line">
+            <a:avLst/>
+          </a:prstGeom>
+          <a:ln>
+            <a:solidFill>
+              <a:schemeClr val="bg1">
+                <a:lumMod val="50000"/>
+              </a:schemeClr>
+            </a:solidFill>
+          </a:ln>
+        </p:spPr>
+        <p:style>
+          <a:lnRef idx="1">
+            <a:schemeClr val="accent1"/>
+          </a:lnRef>
+          <a:fillRef idx="0">
+            <a:schemeClr val="accent1"/>
+          </a:fillRef>
+          <a:effectRef idx="0">
+            <a:schemeClr val="accent1"/>
+          </a:effectRef>
+          <a:fontRef idx="minor">
+            <a:schemeClr val="tx1"/>
+          </a:fontRef>
+        </p:style>
+      </p:cxnSp>
+      <p:sp>
+        <p:nvSpPr>
+          <p:cNvPr id="19" name="TextBox 18"/>
+          <p:cNvSpPr txBox="1"/>
+          <p:nvPr/>
+        </p:nvSpPr>
+        <p:spPr>
+          <a:xfrm>
+            <a:off x="1233310" y="437393"/>
+            <a:ext cx="1749197" cy="584775"/>
+          </a:xfrm>
+          <a:prstGeom prst="rect">
+            <a:avLst/>
+          </a:prstGeom>
+          <a:noFill/>
+        </p:spPr>
+        <p:txBody>
+          <a:bodyPr wrap="none" rtlCol="0">
+            <a:spAutoFit/>
+          </a:bodyPr>
+          <a:lstStyle/>
+          <a:p>
+            <a:pPr algn="ctr"/>
+            <a:r>
+              <a:rPr lang="ko-KR" altLang="en-US" sz="3200" spc="-150" dirty="0">
+                <a:solidFill>
+                  <a:srgbClr val="00002F"/>
+                </a:solidFill>
+                <a:latin typeface="나눔스퀘어 ExtraBold" panose="020B0600000101010101" pitchFamily="50" charset="-127"/>
+                <a:ea typeface="나눔스퀘어 ExtraBold" panose="020B0600000101010101" pitchFamily="50" charset="-127"/>
+              </a:rPr>
+              <a:t>외부요인</a:t>
+            </a:r>
+          </a:p>
+        </p:txBody>
+      </p:sp>
+      <p:sp>
+        <p:nvSpPr>
+          <p:cNvPr id="20" name="TextBox 19"/>
+          <p:cNvSpPr txBox="1"/>
+          <p:nvPr/>
+        </p:nvSpPr>
+        <p:spPr>
+          <a:xfrm>
+            <a:off x="455532" y="498947"/>
+            <a:ext cx="614271" cy="461665"/>
+          </a:xfrm>
+          <a:prstGeom prst="rect">
+            <a:avLst/>
+          </a:prstGeom>
+          <a:noFill/>
+        </p:spPr>
+        <p:txBody>
+          <a:bodyPr wrap="none" rtlCol="0">
+            <a:spAutoFit/>
+          </a:bodyPr>
+          <a:lstStyle/>
+          <a:p>
+            <a:pPr algn="ctr"/>
+            <a:r>
+              <a:rPr lang="en-US" altLang="ko-KR" sz="2400" spc="-150" dirty="0">
+                <a:solidFill>
+                  <a:srgbClr val="00002F"/>
+                </a:solidFill>
+                <a:latin typeface="나눔스퀘어 ExtraBold" panose="020B0600000101010101" pitchFamily="50" charset="-127"/>
+                <a:ea typeface="나눔스퀘어 ExtraBold" panose="020B0600000101010101" pitchFamily="50" charset="-127"/>
+              </a:rPr>
+              <a:t>02.</a:t>
+            </a:r>
+            <a:endParaRPr lang="ko-KR" altLang="en-US" sz="2400" spc="-150" dirty="0">
+              <a:solidFill>
+                <a:srgbClr val="00002F"/>
+              </a:solidFill>
+              <a:latin typeface="나눔스퀘어 ExtraBold" panose="020B0600000101010101" pitchFamily="50" charset="-127"/>
+              <a:ea typeface="나눔스퀘어 ExtraBold" panose="020B0600000101010101" pitchFamily="50" charset="-127"/>
+            </a:endParaRPr>
+          </a:p>
+        </p:txBody>
+      </p:sp>
+      <p:sp>
+        <p:nvSpPr>
+          <p:cNvPr id="21" name="TextBox 20"/>
+          <p:cNvSpPr txBox="1"/>
+          <p:nvPr/>
+        </p:nvSpPr>
+        <p:spPr>
+          <a:xfrm>
+            <a:off x="1043807" y="1006929"/>
+            <a:ext cx="2002472" cy="369332"/>
+          </a:xfrm>
+          <a:prstGeom prst="rect">
+            <a:avLst/>
+          </a:prstGeom>
+          <a:noFill/>
+        </p:spPr>
+        <p:txBody>
+          <a:bodyPr wrap="none" rtlCol="0">
+            <a:spAutoFit/>
+          </a:bodyPr>
+          <a:lstStyle/>
+          <a:p>
+            <a:pPr algn="ctr"/>
+            <a:r>
+              <a:rPr lang="ko-KR" altLang="en-US" spc="-150" dirty="0">
+                <a:solidFill>
+                  <a:srgbClr val="00002F"/>
+                </a:solidFill>
+                <a:latin typeface="나눔스퀘어 ExtraBold" panose="020B0600000101010101" pitchFamily="50" charset="-127"/>
+                <a:ea typeface="나눔스퀘어 ExtraBold" panose="020B0600000101010101" pitchFamily="50" charset="-127"/>
+              </a:rPr>
+              <a:t>외국인 관광객 영향</a:t>
+            </a:r>
+          </a:p>
+        </p:txBody>
+      </p:sp>
       <p:grpSp>
         <p:nvGrpSpPr>
-          <p:cNvPr id="31" name="그룹 30">
+          <p:cNvPr id="12" name="그룹 11">
             <a:extLst>
               <a:ext uri="{FF2B5EF4-FFF2-40B4-BE49-F238E27FC236}">
-                <a16:creationId xmlns:a16="http://schemas.microsoft.com/office/drawing/2014/main" id="{D7196987-1174-4641-8CC1-59B807AE8E97}"/>
+                <a16:creationId xmlns:a16="http://schemas.microsoft.com/office/drawing/2014/main" id="{44ADE658-6C45-4F11-9959-6C9D4781E7CA}"/>
               </a:ext>
             </a:extLst>
           </p:cNvPr>
@@ -5074,7 +12926,7 @@
         </p:nvGrpSpPr>
         <p:grpSpPr>
           <a:xfrm>
-            <a:off x="455532" y="1353709"/>
+            <a:off x="3696489" y="1721647"/>
             <a:ext cx="5319756" cy="4887007"/>
             <a:chOff x="6441562" y="312396"/>
             <a:chExt cx="5319756" cy="4887007"/>
@@ -5082,10 +12934,10 @@
         </p:grpSpPr>
         <p:pic>
           <p:nvPicPr>
-            <p:cNvPr id="15" name="그림 14">
+            <p:cNvPr id="13" name="그림 12">
               <a:extLst>
                 <a:ext uri="{FF2B5EF4-FFF2-40B4-BE49-F238E27FC236}">
-                  <a16:creationId xmlns:a16="http://schemas.microsoft.com/office/drawing/2014/main" id="{57C129B2-3C9E-44B3-9649-D078E9F62A21}"/>
+                  <a16:creationId xmlns:a16="http://schemas.microsoft.com/office/drawing/2014/main" id="{DA6286BA-8684-4230-B80B-E2DD7CB20BB6}"/>
                 </a:ext>
               </a:extLst>
             </p:cNvPr>
@@ -5118,10 +12970,10 @@
         </p:pic>
         <p:grpSp>
           <p:nvGrpSpPr>
-            <p:cNvPr id="21" name="그룹 20">
+            <p:cNvPr id="22" name="그룹 21">
               <a:extLst>
                 <a:ext uri="{FF2B5EF4-FFF2-40B4-BE49-F238E27FC236}">
-                  <a16:creationId xmlns:a16="http://schemas.microsoft.com/office/drawing/2014/main" id="{FD4CE69F-0A94-410D-835F-96AB00913CDB}"/>
+                  <a16:creationId xmlns:a16="http://schemas.microsoft.com/office/drawing/2014/main" id="{FEDEADEB-2832-481D-A79E-8DB4B625F491}"/>
                 </a:ext>
               </a:extLst>
             </p:cNvPr>
@@ -5138,10 +12990,10 @@
           </p:grpSpPr>
           <p:sp>
             <p:nvSpPr>
-              <p:cNvPr id="16" name="직사각형 15">
+              <p:cNvPr id="27" name="직사각형 26">
                 <a:extLst>
                   <a:ext uri="{FF2B5EF4-FFF2-40B4-BE49-F238E27FC236}">
-                    <a16:creationId xmlns:a16="http://schemas.microsoft.com/office/drawing/2014/main" id="{93F959DB-933D-41F2-95C1-CF400F7269E6}"/>
+                    <a16:creationId xmlns:a16="http://schemas.microsoft.com/office/drawing/2014/main" id="{482622C1-7362-41B7-85A2-86091B1A0BE2}"/>
                   </a:ext>
                 </a:extLst>
               </p:cNvPr>
@@ -5190,10 +13042,10 @@
           </p:sp>
           <p:sp>
             <p:nvSpPr>
-              <p:cNvPr id="17" name="TextBox 16">
+              <p:cNvPr id="28" name="TextBox 27">
                 <a:extLst>
                   <a:ext uri="{FF2B5EF4-FFF2-40B4-BE49-F238E27FC236}">
-                    <a16:creationId xmlns:a16="http://schemas.microsoft.com/office/drawing/2014/main" id="{25A1C6CF-D685-4EC0-A477-5A22FCCDF697}"/>
+                    <a16:creationId xmlns:a16="http://schemas.microsoft.com/office/drawing/2014/main" id="{D3533F80-B339-42DD-801C-887222828A63}"/>
                   </a:ext>
                 </a:extLst>
               </p:cNvPr>
@@ -5225,10 +13077,10 @@
           </p:sp>
           <p:sp>
             <p:nvSpPr>
-              <p:cNvPr id="18" name="TextBox 17">
+              <p:cNvPr id="29" name="TextBox 28">
                 <a:extLst>
                   <a:ext uri="{FF2B5EF4-FFF2-40B4-BE49-F238E27FC236}">
-                    <a16:creationId xmlns:a16="http://schemas.microsoft.com/office/drawing/2014/main" id="{266745AE-07D1-4163-8AD8-C08EA679F730}"/>
+                    <a16:creationId xmlns:a16="http://schemas.microsoft.com/office/drawing/2014/main" id="{3F3F3C87-6CB1-4BAD-BD13-512420CF6AEF}"/>
                   </a:ext>
                 </a:extLst>
               </p:cNvPr>
@@ -5260,10 +13112,10 @@
           </p:sp>
           <p:sp>
             <p:nvSpPr>
-              <p:cNvPr id="19" name="직사각형 18">
+              <p:cNvPr id="30" name="직사각형 29">
                 <a:extLst>
                   <a:ext uri="{FF2B5EF4-FFF2-40B4-BE49-F238E27FC236}">
-                    <a16:creationId xmlns:a16="http://schemas.microsoft.com/office/drawing/2014/main" id="{1383781B-C879-441E-B871-8537CB8F5297}"/>
+                    <a16:creationId xmlns:a16="http://schemas.microsoft.com/office/drawing/2014/main" id="{48294F90-0B94-4CAC-8ABF-E907D94B479C}"/>
                   </a:ext>
                 </a:extLst>
               </p:cNvPr>
@@ -5312,10 +13164,10 @@
           </p:sp>
           <p:sp>
             <p:nvSpPr>
-              <p:cNvPr id="20" name="직사각형 19">
+              <p:cNvPr id="31" name="직사각형 30">
                 <a:extLst>
                   <a:ext uri="{FF2B5EF4-FFF2-40B4-BE49-F238E27FC236}">
-                    <a16:creationId xmlns:a16="http://schemas.microsoft.com/office/drawing/2014/main" id="{77C01B72-DA10-43F2-9C07-52E21EE15BDB}"/>
+                    <a16:creationId xmlns:a16="http://schemas.microsoft.com/office/drawing/2014/main" id="{C2188ACF-167D-43BB-9D85-DAF85882AD65}"/>
                   </a:ext>
                 </a:extLst>
               </p:cNvPr>
@@ -5365,10 +13217,10 @@
         </p:grpSp>
         <p:sp>
           <p:nvSpPr>
-            <p:cNvPr id="24" name="TextBox 23">
+            <p:cNvPr id="23" name="TextBox 22">
               <a:extLst>
                 <a:ext uri="{FF2B5EF4-FFF2-40B4-BE49-F238E27FC236}">
-                  <a16:creationId xmlns:a16="http://schemas.microsoft.com/office/drawing/2014/main" id="{DD717677-4607-44C3-A647-0A613BF6E545}"/>
+                  <a16:creationId xmlns:a16="http://schemas.microsoft.com/office/drawing/2014/main" id="{1C39D724-850B-4A33-887A-BA2130456A50}"/>
                 </a:ext>
               </a:extLst>
             </p:cNvPr>
@@ -5417,10 +13269,10 @@
         </p:sp>
         <p:sp>
           <p:nvSpPr>
-            <p:cNvPr id="26" name="화살표: 오른쪽 25">
+            <p:cNvPr id="24" name="화살표: 오른쪽 23">
               <a:extLst>
                 <a:ext uri="{FF2B5EF4-FFF2-40B4-BE49-F238E27FC236}">
-                  <a16:creationId xmlns:a16="http://schemas.microsoft.com/office/drawing/2014/main" id="{2FB0428F-EBE0-430A-ACF8-A6D68CAA45ED}"/>
+                  <a16:creationId xmlns:a16="http://schemas.microsoft.com/office/drawing/2014/main" id="{38B73159-03C5-4BAA-956C-A38CBC162A89}"/>
                 </a:ext>
               </a:extLst>
             </p:cNvPr>
@@ -5483,7 +13335,7 @@
             <p:cNvPr id="25" name="TextBox 24">
               <a:extLst>
                 <a:ext uri="{FF2B5EF4-FFF2-40B4-BE49-F238E27FC236}">
-                  <a16:creationId xmlns:a16="http://schemas.microsoft.com/office/drawing/2014/main" id="{323E4836-76AC-4F74-8961-9A8EDE8E7533}"/>
+                  <a16:creationId xmlns:a16="http://schemas.microsoft.com/office/drawing/2014/main" id="{4FDE643C-A15B-409F-A172-D99D8C9B29E6}"/>
                 </a:ext>
               </a:extLst>
             </p:cNvPr>
@@ -5527,10 +13379,10 @@
         </p:sp>
         <p:sp>
           <p:nvSpPr>
-            <p:cNvPr id="22" name="TextBox 21">
+            <p:cNvPr id="26" name="TextBox 25">
               <a:extLst>
                 <a:ext uri="{FF2B5EF4-FFF2-40B4-BE49-F238E27FC236}">
-                  <a16:creationId xmlns:a16="http://schemas.microsoft.com/office/drawing/2014/main" id="{405D554C-B93F-4332-AC19-3443D8DD2F57}"/>
+                  <a16:creationId xmlns:a16="http://schemas.microsoft.com/office/drawing/2014/main" id="{3C63959B-A2CF-4E30-BF55-C579E106378C}"/>
                 </a:ext>
               </a:extLst>
             </p:cNvPr>
@@ -5562,1582 +13414,6 @@
           </p:txBody>
         </p:sp>
       </p:grpSp>
-      <p:sp>
-        <p:nvSpPr>
-          <p:cNvPr id="27" name="TextBox 26">
-            <a:extLst>
-              <a:ext uri="{FF2B5EF4-FFF2-40B4-BE49-F238E27FC236}">
-                <a16:creationId xmlns:a16="http://schemas.microsoft.com/office/drawing/2014/main" id="{76227788-EC9B-4E62-AD36-2329D754C02B}"/>
-              </a:ext>
-            </a:extLst>
-          </p:cNvPr>
-          <p:cNvSpPr txBox="1"/>
-          <p:nvPr/>
-        </p:nvSpPr>
-        <p:spPr>
-          <a:xfrm>
-            <a:off x="6311346" y="5809829"/>
-            <a:ext cx="4907113" cy="1077218"/>
-          </a:xfrm>
-          <a:prstGeom prst="rect">
-            <a:avLst/>
-          </a:prstGeom>
-          <a:noFill/>
-        </p:spPr>
-        <p:txBody>
-          <a:bodyPr wrap="none" rtlCol="0">
-            <a:spAutoFit/>
-          </a:bodyPr>
-          <a:lstStyle/>
-          <a:p>
-            <a:pPr algn="ctr"/>
-            <a:r>
-              <a:rPr lang="ko-KR" altLang="en-US" sz="3200" spc="-150" dirty="0">
-                <a:solidFill>
-                  <a:srgbClr val="8DBABD"/>
-                </a:solidFill>
-                <a:latin typeface="나눔스퀘어 ExtraBold" panose="020B0600000101010101" pitchFamily="50" charset="-127"/>
-                <a:ea typeface="나눔스퀘어 ExtraBold" panose="020B0600000101010101" pitchFamily="50" charset="-127"/>
-              </a:rPr>
-              <a:t>내국인 </a:t>
-            </a:r>
-            <a:r>
-              <a:rPr lang="en-US" altLang="ko-KR" sz="3200" spc="-150" dirty="0">
-                <a:solidFill>
-                  <a:srgbClr val="8DBABD"/>
-                </a:solidFill>
-                <a:latin typeface="나눔스퀘어 ExtraBold" panose="020B0600000101010101" pitchFamily="50" charset="-127"/>
-                <a:ea typeface="나눔스퀘어 ExtraBold" panose="020B0600000101010101" pitchFamily="50" charset="-127"/>
-              </a:rPr>
-              <a:t>2017</a:t>
-            </a:r>
-            <a:r>
-              <a:rPr lang="ko-KR" altLang="en-US" sz="3200" spc="-150" dirty="0">
-                <a:solidFill>
-                  <a:srgbClr val="8DBABD"/>
-                </a:solidFill>
-                <a:latin typeface="나눔스퀘어 ExtraBold" panose="020B0600000101010101" pitchFamily="50" charset="-127"/>
-                <a:ea typeface="나눔스퀘어 ExtraBold" panose="020B0600000101010101" pitchFamily="50" charset="-127"/>
-              </a:rPr>
-              <a:t>이후 약간 하락</a:t>
-            </a:r>
-            <a:endParaRPr lang="en-US" altLang="ko-KR" sz="3200" spc="-150" dirty="0">
-              <a:solidFill>
-                <a:srgbClr val="8DBABD"/>
-              </a:solidFill>
-              <a:latin typeface="나눔스퀘어 ExtraBold" panose="020B0600000101010101" pitchFamily="50" charset="-127"/>
-              <a:ea typeface="나눔스퀘어 ExtraBold" panose="020B0600000101010101" pitchFamily="50" charset="-127"/>
-            </a:endParaRPr>
-          </a:p>
-          <a:p>
-            <a:pPr algn="ctr"/>
-            <a:r>
-              <a:rPr lang="en-US" altLang="ko-KR" sz="3200" spc="-150" dirty="0">
-                <a:solidFill>
-                  <a:srgbClr val="8DBABD"/>
-                </a:solidFill>
-                <a:latin typeface="나눔스퀘어 ExtraBold" panose="020B0600000101010101" pitchFamily="50" charset="-127"/>
-                <a:ea typeface="나눔스퀘어 ExtraBold" panose="020B0600000101010101" pitchFamily="50" charset="-127"/>
-              </a:rPr>
-              <a:t>But </a:t>
-            </a:r>
-            <a:r>
-              <a:rPr lang="ko-KR" altLang="en-US" sz="3200" spc="-150" dirty="0">
-                <a:solidFill>
-                  <a:srgbClr val="8DBABD"/>
-                </a:solidFill>
-                <a:latin typeface="나눔스퀘어 ExtraBold" panose="020B0600000101010101" pitchFamily="50" charset="-127"/>
-                <a:ea typeface="나눔스퀘어 ExtraBold" panose="020B0600000101010101" pitchFamily="50" charset="-127"/>
-              </a:rPr>
-              <a:t>큰 영향</a:t>
-            </a:r>
-            <a:r>
-              <a:rPr lang="en-US" altLang="ko-KR" sz="3200" spc="-150" dirty="0">
-                <a:solidFill>
-                  <a:srgbClr val="8DBABD"/>
-                </a:solidFill>
-                <a:latin typeface="나눔스퀘어 ExtraBold" panose="020B0600000101010101" pitchFamily="50" charset="-127"/>
-                <a:ea typeface="나눔스퀘어 ExtraBold" panose="020B0600000101010101" pitchFamily="50" charset="-127"/>
-              </a:rPr>
-              <a:t>X</a:t>
-            </a:r>
-            <a:endParaRPr lang="ko-KR" altLang="en-US" sz="3200" spc="-150" dirty="0">
-              <a:solidFill>
-                <a:srgbClr val="8DBABD"/>
-              </a:solidFill>
-              <a:latin typeface="나눔스퀘어 ExtraBold" panose="020B0600000101010101" pitchFamily="50" charset="-127"/>
-              <a:ea typeface="나눔스퀘어 ExtraBold" panose="020B0600000101010101" pitchFamily="50" charset="-127"/>
-            </a:endParaRPr>
-          </a:p>
-        </p:txBody>
-      </p:sp>
-      <p:pic>
-        <p:nvPicPr>
-          <p:cNvPr id="29" name="그림 28">
-            <a:extLst>
-              <a:ext uri="{FF2B5EF4-FFF2-40B4-BE49-F238E27FC236}">
-                <a16:creationId xmlns:a16="http://schemas.microsoft.com/office/drawing/2014/main" id="{040F7451-77E0-477D-B6B6-AF87D2C23D20}"/>
-              </a:ext>
-            </a:extLst>
-          </p:cNvPr>
-          <p:cNvPicPr>
-            <a:picLocks noChangeAspect="1"/>
-          </p:cNvPicPr>
-          <p:nvPr/>
-        </p:nvPicPr>
-        <p:blipFill>
-          <a:blip r:embed="rId3">
-            <a:extLst>
-              <a:ext uri="{28A0092B-C50C-407E-A947-70E740481C1C}">
-                <a14:useLocalDpi xmlns:a14="http://schemas.microsoft.com/office/drawing/2010/main" val="0"/>
-              </a:ext>
-            </a:extLst>
-          </a:blip>
-          <a:stretch>
-            <a:fillRect/>
-          </a:stretch>
-        </p:blipFill>
-        <p:spPr>
-          <a:xfrm>
-            <a:off x="6519014" y="1743651"/>
-            <a:ext cx="4134427" cy="3467584"/>
-          </a:xfrm>
-          <a:prstGeom prst="rect">
-            <a:avLst/>
-          </a:prstGeom>
-        </p:spPr>
-      </p:pic>
-    </p:spTree>
-    <p:extLst>
-      <p:ext uri="{BB962C8B-B14F-4D97-AF65-F5344CB8AC3E}">
-        <p14:creationId xmlns:p14="http://schemas.microsoft.com/office/powerpoint/2010/main" val="1489070648"/>
-      </p:ext>
-    </p:extLst>
-  </p:cSld>
-  <p:clrMapOvr>
-    <a:masterClrMapping/>
-  </p:clrMapOvr>
-</p:sld>
-</file>
-
-<file path=ppt/slides/slide5.xml><?xml version="1.0" encoding="utf-8"?>
-<p:sld xmlns:a="http://schemas.openxmlformats.org/drawingml/2006/main" xmlns:r="http://schemas.openxmlformats.org/officeDocument/2006/relationships" xmlns:p="http://schemas.openxmlformats.org/presentationml/2006/main">
-  <p:cSld>
-    <p:spTree>
-      <p:nvGrpSpPr>
-        <p:cNvPr id="1" name=""/>
-        <p:cNvGrpSpPr/>
-        <p:nvPr/>
-      </p:nvGrpSpPr>
-      <p:grpSpPr>
-        <a:xfrm>
-          <a:off x="0" y="0"/>
-          <a:ext cx="0" cy="0"/>
-          <a:chOff x="0" y="0"/>
-          <a:chExt cx="0" cy="0"/>
-        </a:xfrm>
-      </p:grpSpPr>
-    </p:spTree>
-    <p:extLst>
-      <p:ext uri="{BB962C8B-B14F-4D97-AF65-F5344CB8AC3E}">
-        <p14:creationId xmlns:p14="http://schemas.microsoft.com/office/powerpoint/2010/main" val="4281573521"/>
-      </p:ext>
-    </p:extLst>
-  </p:cSld>
-  <p:clrMapOvr>
-    <a:masterClrMapping/>
-  </p:clrMapOvr>
-</p:sld>
-</file>
-
-<file path=ppt/slides/slide6.xml><?xml version="1.0" encoding="utf-8"?>
-<p:sld xmlns:a="http://schemas.openxmlformats.org/drawingml/2006/main" xmlns:r="http://schemas.openxmlformats.org/officeDocument/2006/relationships" xmlns:p="http://schemas.openxmlformats.org/presentationml/2006/main">
-  <p:cSld>
-    <p:spTree>
-      <p:nvGrpSpPr>
-        <p:cNvPr id="1" name=""/>
-        <p:cNvGrpSpPr/>
-        <p:nvPr/>
-      </p:nvGrpSpPr>
-      <p:grpSpPr>
-        <a:xfrm>
-          <a:off x="0" y="0"/>
-          <a:ext cx="0" cy="0"/>
-          <a:chOff x="0" y="0"/>
-          <a:chExt cx="0" cy="0"/>
-        </a:xfrm>
-      </p:grpSpPr>
-      <p:cxnSp>
-        <p:nvCxnSpPr>
-          <p:cNvPr id="4" name="직선 연결선 3"/>
-          <p:cNvCxnSpPr>
-            <a:cxnSpLocks/>
-          </p:cNvCxnSpPr>
-          <p:nvPr/>
-        </p:nvCxnSpPr>
-        <p:spPr>
-          <a:xfrm>
-            <a:off x="1242422" y="989148"/>
-            <a:ext cx="2618378" cy="0"/>
-          </a:xfrm>
-          <a:prstGeom prst="line">
-            <a:avLst/>
-          </a:prstGeom>
-          <a:ln>
-            <a:solidFill>
-              <a:schemeClr val="bg1">
-                <a:lumMod val="50000"/>
-              </a:schemeClr>
-            </a:solidFill>
-          </a:ln>
-        </p:spPr>
-        <p:style>
-          <a:lnRef idx="1">
-            <a:schemeClr val="accent1"/>
-          </a:lnRef>
-          <a:fillRef idx="0">
-            <a:schemeClr val="accent1"/>
-          </a:fillRef>
-          <a:effectRef idx="0">
-            <a:schemeClr val="accent1"/>
-          </a:effectRef>
-          <a:fontRef idx="minor">
-            <a:schemeClr val="tx1"/>
-          </a:fontRef>
-        </p:style>
-      </p:cxnSp>
-      <p:sp>
-        <p:nvSpPr>
-          <p:cNvPr id="5" name="TextBox 4"/>
-          <p:cNvSpPr txBox="1"/>
-          <p:nvPr/>
-        </p:nvSpPr>
-        <p:spPr>
-          <a:xfrm>
-            <a:off x="1028595" y="437393"/>
-            <a:ext cx="3047629" cy="584775"/>
-          </a:xfrm>
-          <a:prstGeom prst="rect">
-            <a:avLst/>
-          </a:prstGeom>
-          <a:noFill/>
-        </p:spPr>
-        <p:txBody>
-          <a:bodyPr wrap="none" rtlCol="0">
-            <a:spAutoFit/>
-          </a:bodyPr>
-          <a:lstStyle/>
-          <a:p>
-            <a:pPr algn="ctr"/>
-            <a:r>
-              <a:rPr lang="ko-KR" altLang="en-US" sz="3200" spc="-150" dirty="0">
-                <a:solidFill>
-                  <a:srgbClr val="00002F"/>
-                </a:solidFill>
-                <a:latin typeface="나눔스퀘어 ExtraBold" panose="020B0600000101010101" pitchFamily="50" charset="-127"/>
-                <a:ea typeface="나눔스퀘어 ExtraBold" panose="020B0600000101010101" pitchFamily="50" charset="-127"/>
-              </a:rPr>
-              <a:t>제주도 관광객수</a:t>
-            </a:r>
-          </a:p>
-        </p:txBody>
-      </p:sp>
-      <p:sp>
-        <p:nvSpPr>
-          <p:cNvPr id="12" name="TextBox 11"/>
-          <p:cNvSpPr txBox="1"/>
-          <p:nvPr/>
-        </p:nvSpPr>
-        <p:spPr>
-          <a:xfrm>
-            <a:off x="455532" y="498947"/>
-            <a:ext cx="614271" cy="461665"/>
-          </a:xfrm>
-          <a:prstGeom prst="rect">
-            <a:avLst/>
-          </a:prstGeom>
-          <a:noFill/>
-        </p:spPr>
-        <p:txBody>
-          <a:bodyPr wrap="none" rtlCol="0">
-            <a:spAutoFit/>
-          </a:bodyPr>
-          <a:lstStyle/>
-          <a:p>
-            <a:pPr algn="ctr"/>
-            <a:r>
-              <a:rPr lang="en-US" altLang="ko-KR" sz="2400" spc="-150" dirty="0">
-                <a:solidFill>
-                  <a:srgbClr val="00002F"/>
-                </a:solidFill>
-                <a:latin typeface="나눔스퀘어 ExtraBold" panose="020B0600000101010101" pitchFamily="50" charset="-127"/>
-                <a:ea typeface="나눔스퀘어 ExtraBold" panose="020B0600000101010101" pitchFamily="50" charset="-127"/>
-              </a:rPr>
-              <a:t>01.</a:t>
-            </a:r>
-            <a:endParaRPr lang="ko-KR" altLang="en-US" sz="2400" spc="-150" dirty="0">
-              <a:solidFill>
-                <a:srgbClr val="00002F"/>
-              </a:solidFill>
-              <a:latin typeface="나눔스퀘어 ExtraBold" panose="020B0600000101010101" pitchFamily="50" charset="-127"/>
-              <a:ea typeface="나눔스퀘어 ExtraBold" panose="020B0600000101010101" pitchFamily="50" charset="-127"/>
-            </a:endParaRPr>
-          </a:p>
-        </p:txBody>
-      </p:sp>
-      <p:cxnSp>
-        <p:nvCxnSpPr>
-          <p:cNvPr id="7" name="직선 연결선 6"/>
-          <p:cNvCxnSpPr/>
-          <p:nvPr/>
-        </p:nvCxnSpPr>
-        <p:spPr>
-          <a:xfrm>
-            <a:off x="10430892" y="144941"/>
-            <a:ext cx="360000" cy="0"/>
-          </a:xfrm>
-          <a:prstGeom prst="line">
-            <a:avLst/>
-          </a:prstGeom>
-          <a:ln w="44450" cap="rnd">
-            <a:solidFill>
-              <a:srgbClr val="8DBABD"/>
-            </a:solidFill>
-          </a:ln>
-          <a:effectLst>
-            <a:outerShdw blurRad="50800" dist="38100" dir="5400000" algn="t" rotWithShape="0">
-              <a:prstClr val="black">
-                <a:alpha val="40000"/>
-              </a:prstClr>
-            </a:outerShdw>
-          </a:effectLst>
-        </p:spPr>
-        <p:style>
-          <a:lnRef idx="1">
-            <a:schemeClr val="accent1"/>
-          </a:lnRef>
-          <a:fillRef idx="0">
-            <a:schemeClr val="accent1"/>
-          </a:fillRef>
-          <a:effectRef idx="0">
-            <a:schemeClr val="accent1"/>
-          </a:effectRef>
-          <a:fontRef idx="minor">
-            <a:schemeClr val="tx1"/>
-          </a:fontRef>
-        </p:style>
-      </p:cxnSp>
-      <p:cxnSp>
-        <p:nvCxnSpPr>
-          <p:cNvPr id="8" name="직선 연결선 7"/>
-          <p:cNvCxnSpPr/>
-          <p:nvPr/>
-        </p:nvCxnSpPr>
-        <p:spPr>
-          <a:xfrm>
-            <a:off x="10858459" y="144941"/>
-            <a:ext cx="360000" cy="0"/>
-          </a:xfrm>
-          <a:prstGeom prst="line">
-            <a:avLst/>
-          </a:prstGeom>
-          <a:ln w="44450" cap="rnd">
-            <a:solidFill>
-              <a:schemeClr val="bg2">
-                <a:lumMod val="90000"/>
-              </a:schemeClr>
-            </a:solidFill>
-          </a:ln>
-          <a:effectLst>
-            <a:outerShdw blurRad="50800" dist="38100" dir="5400000" algn="t" rotWithShape="0">
-              <a:prstClr val="black">
-                <a:alpha val="40000"/>
-              </a:prstClr>
-            </a:outerShdw>
-          </a:effectLst>
-        </p:spPr>
-        <p:style>
-          <a:lnRef idx="1">
-            <a:schemeClr val="accent1"/>
-          </a:lnRef>
-          <a:fillRef idx="0">
-            <a:schemeClr val="accent1"/>
-          </a:fillRef>
-          <a:effectRef idx="0">
-            <a:schemeClr val="accent1"/>
-          </a:effectRef>
-          <a:fontRef idx="minor">
-            <a:schemeClr val="tx1"/>
-          </a:fontRef>
-        </p:style>
-      </p:cxnSp>
-      <p:cxnSp>
-        <p:nvCxnSpPr>
-          <p:cNvPr id="9" name="직선 연결선 8"/>
-          <p:cNvCxnSpPr/>
-          <p:nvPr/>
-        </p:nvCxnSpPr>
-        <p:spPr>
-          <a:xfrm>
-            <a:off x="11286026" y="144941"/>
-            <a:ext cx="360000" cy="0"/>
-          </a:xfrm>
-          <a:prstGeom prst="line">
-            <a:avLst/>
-          </a:prstGeom>
-          <a:ln w="44450" cap="rnd">
-            <a:solidFill>
-              <a:schemeClr val="bg2">
-                <a:lumMod val="90000"/>
-              </a:schemeClr>
-            </a:solidFill>
-          </a:ln>
-          <a:effectLst>
-            <a:outerShdw blurRad="50800" dist="38100" dir="5400000" algn="t" rotWithShape="0">
-              <a:prstClr val="black">
-                <a:alpha val="40000"/>
-              </a:prstClr>
-            </a:outerShdw>
-          </a:effectLst>
-        </p:spPr>
-        <p:style>
-          <a:lnRef idx="1">
-            <a:schemeClr val="accent1"/>
-          </a:lnRef>
-          <a:fillRef idx="0">
-            <a:schemeClr val="accent1"/>
-          </a:fillRef>
-          <a:effectRef idx="0">
-            <a:schemeClr val="accent1"/>
-          </a:effectRef>
-          <a:fontRef idx="minor">
-            <a:schemeClr val="tx1"/>
-          </a:fontRef>
-        </p:style>
-      </p:cxnSp>
-      <p:cxnSp>
-        <p:nvCxnSpPr>
-          <p:cNvPr id="10" name="직선 연결선 9"/>
-          <p:cNvCxnSpPr/>
-          <p:nvPr/>
-        </p:nvCxnSpPr>
-        <p:spPr>
-          <a:xfrm>
-            <a:off x="11713592" y="144941"/>
-            <a:ext cx="360000" cy="0"/>
-          </a:xfrm>
-          <a:prstGeom prst="line">
-            <a:avLst/>
-          </a:prstGeom>
-          <a:ln w="44450" cap="rnd">
-            <a:solidFill>
-              <a:schemeClr val="bg2">
-                <a:lumMod val="90000"/>
-              </a:schemeClr>
-            </a:solidFill>
-          </a:ln>
-          <a:effectLst>
-            <a:outerShdw blurRad="50800" dist="38100" dir="5400000" algn="t" rotWithShape="0">
-              <a:prstClr val="black">
-                <a:alpha val="40000"/>
-              </a:prstClr>
-            </a:outerShdw>
-          </a:effectLst>
-        </p:spPr>
-        <p:style>
-          <a:lnRef idx="1">
-            <a:schemeClr val="accent1"/>
-          </a:lnRef>
-          <a:fillRef idx="0">
-            <a:schemeClr val="accent1"/>
-          </a:fillRef>
-          <a:effectRef idx="0">
-            <a:schemeClr val="accent1"/>
-          </a:effectRef>
-          <a:fontRef idx="minor">
-            <a:schemeClr val="tx1"/>
-          </a:fontRef>
-        </p:style>
-      </p:cxnSp>
-      <p:sp>
-        <p:nvSpPr>
-          <p:cNvPr id="11" name="TextBox 10"/>
-          <p:cNvSpPr txBox="1"/>
-          <p:nvPr/>
-        </p:nvSpPr>
-        <p:spPr>
-          <a:xfrm>
-            <a:off x="4472612" y="2091297"/>
-            <a:ext cx="2799164" cy="1077218"/>
-          </a:xfrm>
-          <a:prstGeom prst="rect">
-            <a:avLst/>
-          </a:prstGeom>
-          <a:noFill/>
-        </p:spPr>
-        <p:txBody>
-          <a:bodyPr wrap="none" rtlCol="0">
-            <a:spAutoFit/>
-          </a:bodyPr>
-          <a:lstStyle/>
-          <a:p>
-            <a:pPr algn="ctr"/>
-            <a:r>
-              <a:rPr lang="ko-KR" altLang="en-US" sz="3200" spc="-150" dirty="0">
-                <a:solidFill>
-                  <a:srgbClr val="8DBABD"/>
-                </a:solidFill>
-                <a:latin typeface="나눔스퀘어 ExtraBold" panose="020B0600000101010101" pitchFamily="50" charset="-127"/>
-                <a:ea typeface="나눔스퀘어 ExtraBold" panose="020B0600000101010101" pitchFamily="50" charset="-127"/>
-              </a:rPr>
-              <a:t>방문자 수</a:t>
-            </a:r>
-            <a:endParaRPr lang="en-US" altLang="ko-KR" sz="3200" spc="-150" dirty="0">
-              <a:solidFill>
-                <a:srgbClr val="8DBABD"/>
-              </a:solidFill>
-              <a:latin typeface="나눔스퀘어 ExtraBold" panose="020B0600000101010101" pitchFamily="50" charset="-127"/>
-              <a:ea typeface="나눔스퀘어 ExtraBold" panose="020B0600000101010101" pitchFamily="50" charset="-127"/>
-            </a:endParaRPr>
-          </a:p>
-          <a:p>
-            <a:pPr algn="ctr"/>
-            <a:r>
-              <a:rPr lang="ko-KR" altLang="en-US" sz="3200" spc="-150" dirty="0">
-                <a:solidFill>
-                  <a:srgbClr val="8DBABD"/>
-                </a:solidFill>
-                <a:latin typeface="나눔스퀘어 ExtraBold" panose="020B0600000101010101" pitchFamily="50" charset="-127"/>
-                <a:ea typeface="나눔스퀘어 ExtraBold" panose="020B0600000101010101" pitchFamily="50" charset="-127"/>
-              </a:rPr>
-              <a:t>내국인</a:t>
-            </a:r>
-            <a:r>
-              <a:rPr lang="en-US" altLang="ko-KR" sz="3200" spc="-150" dirty="0">
-                <a:solidFill>
-                  <a:srgbClr val="8DBABD"/>
-                </a:solidFill>
-                <a:latin typeface="나눔스퀘어 ExtraBold" panose="020B0600000101010101" pitchFamily="50" charset="-127"/>
-                <a:ea typeface="나눔스퀘어 ExtraBold" panose="020B0600000101010101" pitchFamily="50" charset="-127"/>
-              </a:rPr>
-              <a:t>&gt;</a:t>
-            </a:r>
-            <a:r>
-              <a:rPr lang="ko-KR" altLang="en-US" sz="3200" spc="-150" dirty="0">
-                <a:solidFill>
-                  <a:srgbClr val="8DBABD"/>
-                </a:solidFill>
-                <a:latin typeface="나눔스퀘어 ExtraBold" panose="020B0600000101010101" pitchFamily="50" charset="-127"/>
-                <a:ea typeface="나눔스퀘어 ExtraBold" panose="020B0600000101010101" pitchFamily="50" charset="-127"/>
-              </a:rPr>
-              <a:t>외국인</a:t>
-            </a:r>
-          </a:p>
-        </p:txBody>
-      </p:sp>
-      <p:sp>
-        <p:nvSpPr>
-          <p:cNvPr id="13" name="TextBox 12"/>
-          <p:cNvSpPr txBox="1"/>
-          <p:nvPr/>
-        </p:nvSpPr>
-        <p:spPr>
-          <a:xfrm>
-            <a:off x="1110894" y="1006929"/>
-            <a:ext cx="1588897" cy="369332"/>
-          </a:xfrm>
-          <a:prstGeom prst="rect">
-            <a:avLst/>
-          </a:prstGeom>
-          <a:noFill/>
-        </p:spPr>
-        <p:txBody>
-          <a:bodyPr wrap="none" rtlCol="0">
-            <a:spAutoFit/>
-          </a:bodyPr>
-          <a:lstStyle/>
-          <a:p>
-            <a:pPr algn="ctr"/>
-            <a:r>
-              <a:rPr lang="ko-KR" altLang="en-US" spc="-150" dirty="0">
-                <a:solidFill>
-                  <a:srgbClr val="00002F"/>
-                </a:solidFill>
-                <a:latin typeface="나눔스퀘어 ExtraBold" panose="020B0600000101010101" pitchFamily="50" charset="-127"/>
-                <a:ea typeface="나눔스퀘어 ExtraBold" panose="020B0600000101010101" pitchFamily="50" charset="-127"/>
-              </a:rPr>
-              <a:t>내</a:t>
-            </a:r>
-            <a:r>
-              <a:rPr lang="en-US" altLang="ko-KR" spc="-150" dirty="0">
-                <a:solidFill>
-                  <a:srgbClr val="00002F"/>
-                </a:solidFill>
-                <a:latin typeface="나눔스퀘어 ExtraBold" panose="020B0600000101010101" pitchFamily="50" charset="-127"/>
-                <a:ea typeface="나눔스퀘어 ExtraBold" panose="020B0600000101010101" pitchFamily="50" charset="-127"/>
-              </a:rPr>
-              <a:t>/</a:t>
-            </a:r>
-            <a:r>
-              <a:rPr lang="ko-KR" altLang="en-US" spc="-150" dirty="0">
-                <a:solidFill>
-                  <a:srgbClr val="00002F"/>
-                </a:solidFill>
-                <a:latin typeface="나눔스퀘어 ExtraBold" panose="020B0600000101010101" pitchFamily="50" charset="-127"/>
-                <a:ea typeface="나눔스퀘어 ExtraBold" panose="020B0600000101010101" pitchFamily="50" charset="-127"/>
-              </a:rPr>
-              <a:t>외국인 비교</a:t>
-            </a:r>
-          </a:p>
-        </p:txBody>
-      </p:sp>
-    </p:spTree>
-    <p:extLst>
-      <p:ext uri="{BB962C8B-B14F-4D97-AF65-F5344CB8AC3E}">
-        <p14:creationId xmlns:p14="http://schemas.microsoft.com/office/powerpoint/2010/main" val="3415853645"/>
-      </p:ext>
-    </p:extLst>
-  </p:cSld>
-  <p:clrMapOvr>
-    <a:masterClrMapping/>
-  </p:clrMapOvr>
-</p:sld>
-</file>
-
-<file path=ppt/slides/slide7.xml><?xml version="1.0" encoding="utf-8"?>
-<p:sld xmlns:a="http://schemas.openxmlformats.org/drawingml/2006/main" xmlns:r="http://schemas.openxmlformats.org/officeDocument/2006/relationships" xmlns:p="http://schemas.openxmlformats.org/presentationml/2006/main">
-  <p:cSld>
-    <p:spTree>
-      <p:nvGrpSpPr>
-        <p:cNvPr id="1" name=""/>
-        <p:cNvGrpSpPr/>
-        <p:nvPr/>
-      </p:nvGrpSpPr>
-      <p:grpSpPr>
-        <a:xfrm>
-          <a:off x="0" y="0"/>
-          <a:ext cx="0" cy="0"/>
-          <a:chOff x="0" y="0"/>
-          <a:chExt cx="0" cy="0"/>
-        </a:xfrm>
-      </p:grpSpPr>
-      <p:cxnSp>
-        <p:nvCxnSpPr>
-          <p:cNvPr id="4" name="직선 연결선 3"/>
-          <p:cNvCxnSpPr>
-            <a:cxnSpLocks/>
-          </p:cNvCxnSpPr>
-          <p:nvPr/>
-        </p:nvCxnSpPr>
-        <p:spPr>
-          <a:xfrm>
-            <a:off x="1242422" y="989148"/>
-            <a:ext cx="2618378" cy="0"/>
-          </a:xfrm>
-          <a:prstGeom prst="line">
-            <a:avLst/>
-          </a:prstGeom>
-          <a:ln>
-            <a:solidFill>
-              <a:schemeClr val="bg1">
-                <a:lumMod val="50000"/>
-              </a:schemeClr>
-            </a:solidFill>
-          </a:ln>
-        </p:spPr>
-        <p:style>
-          <a:lnRef idx="1">
-            <a:schemeClr val="accent1"/>
-          </a:lnRef>
-          <a:fillRef idx="0">
-            <a:schemeClr val="accent1"/>
-          </a:fillRef>
-          <a:effectRef idx="0">
-            <a:schemeClr val="accent1"/>
-          </a:effectRef>
-          <a:fontRef idx="minor">
-            <a:schemeClr val="tx1"/>
-          </a:fontRef>
-        </p:style>
-      </p:cxnSp>
-      <p:sp>
-        <p:nvSpPr>
-          <p:cNvPr id="5" name="TextBox 4"/>
-          <p:cNvSpPr txBox="1"/>
-          <p:nvPr/>
-        </p:nvSpPr>
-        <p:spPr>
-          <a:xfrm>
-            <a:off x="1028595" y="437393"/>
-            <a:ext cx="3047629" cy="584775"/>
-          </a:xfrm>
-          <a:prstGeom prst="rect">
-            <a:avLst/>
-          </a:prstGeom>
-          <a:noFill/>
-        </p:spPr>
-        <p:txBody>
-          <a:bodyPr wrap="none" rtlCol="0">
-            <a:spAutoFit/>
-          </a:bodyPr>
-          <a:lstStyle/>
-          <a:p>
-            <a:pPr algn="ctr"/>
-            <a:r>
-              <a:rPr lang="ko-KR" altLang="en-US" sz="3200" spc="-150" dirty="0">
-                <a:solidFill>
-                  <a:srgbClr val="00002F"/>
-                </a:solidFill>
-                <a:latin typeface="나눔스퀘어 ExtraBold" panose="020B0600000101010101" pitchFamily="50" charset="-127"/>
-                <a:ea typeface="나눔스퀘어 ExtraBold" panose="020B0600000101010101" pitchFamily="50" charset="-127"/>
-              </a:rPr>
-              <a:t>제주도 관광객수</a:t>
-            </a:r>
-          </a:p>
-        </p:txBody>
-      </p:sp>
-      <p:sp>
-        <p:nvSpPr>
-          <p:cNvPr id="12" name="TextBox 11"/>
-          <p:cNvSpPr txBox="1"/>
-          <p:nvPr/>
-        </p:nvSpPr>
-        <p:spPr>
-          <a:xfrm>
-            <a:off x="455532" y="498947"/>
-            <a:ext cx="614271" cy="461665"/>
-          </a:xfrm>
-          <a:prstGeom prst="rect">
-            <a:avLst/>
-          </a:prstGeom>
-          <a:noFill/>
-        </p:spPr>
-        <p:txBody>
-          <a:bodyPr wrap="none" rtlCol="0">
-            <a:spAutoFit/>
-          </a:bodyPr>
-          <a:lstStyle/>
-          <a:p>
-            <a:pPr algn="ctr"/>
-            <a:r>
-              <a:rPr lang="en-US" altLang="ko-KR" sz="2400" spc="-150" dirty="0">
-                <a:solidFill>
-                  <a:srgbClr val="00002F"/>
-                </a:solidFill>
-                <a:latin typeface="나눔스퀘어 ExtraBold" panose="020B0600000101010101" pitchFamily="50" charset="-127"/>
-                <a:ea typeface="나눔스퀘어 ExtraBold" panose="020B0600000101010101" pitchFamily="50" charset="-127"/>
-              </a:rPr>
-              <a:t>01.</a:t>
-            </a:r>
-            <a:endParaRPr lang="ko-KR" altLang="en-US" sz="2400" spc="-150" dirty="0">
-              <a:solidFill>
-                <a:srgbClr val="00002F"/>
-              </a:solidFill>
-              <a:latin typeface="나눔스퀘어 ExtraBold" panose="020B0600000101010101" pitchFamily="50" charset="-127"/>
-              <a:ea typeface="나눔스퀘어 ExtraBold" panose="020B0600000101010101" pitchFamily="50" charset="-127"/>
-            </a:endParaRPr>
-          </a:p>
-        </p:txBody>
-      </p:sp>
-      <p:cxnSp>
-        <p:nvCxnSpPr>
-          <p:cNvPr id="7" name="직선 연결선 6"/>
-          <p:cNvCxnSpPr/>
-          <p:nvPr/>
-        </p:nvCxnSpPr>
-        <p:spPr>
-          <a:xfrm>
-            <a:off x="10430892" y="144941"/>
-            <a:ext cx="360000" cy="0"/>
-          </a:xfrm>
-          <a:prstGeom prst="line">
-            <a:avLst/>
-          </a:prstGeom>
-          <a:ln w="44450" cap="rnd">
-            <a:solidFill>
-              <a:srgbClr val="8DBABD"/>
-            </a:solidFill>
-          </a:ln>
-          <a:effectLst>
-            <a:outerShdw blurRad="50800" dist="38100" dir="5400000" algn="t" rotWithShape="0">
-              <a:prstClr val="black">
-                <a:alpha val="40000"/>
-              </a:prstClr>
-            </a:outerShdw>
-          </a:effectLst>
-        </p:spPr>
-        <p:style>
-          <a:lnRef idx="1">
-            <a:schemeClr val="accent1"/>
-          </a:lnRef>
-          <a:fillRef idx="0">
-            <a:schemeClr val="accent1"/>
-          </a:fillRef>
-          <a:effectRef idx="0">
-            <a:schemeClr val="accent1"/>
-          </a:effectRef>
-          <a:fontRef idx="minor">
-            <a:schemeClr val="tx1"/>
-          </a:fontRef>
-        </p:style>
-      </p:cxnSp>
-      <p:cxnSp>
-        <p:nvCxnSpPr>
-          <p:cNvPr id="8" name="직선 연결선 7"/>
-          <p:cNvCxnSpPr/>
-          <p:nvPr/>
-        </p:nvCxnSpPr>
-        <p:spPr>
-          <a:xfrm>
-            <a:off x="10858459" y="144941"/>
-            <a:ext cx="360000" cy="0"/>
-          </a:xfrm>
-          <a:prstGeom prst="line">
-            <a:avLst/>
-          </a:prstGeom>
-          <a:ln w="44450" cap="rnd">
-            <a:solidFill>
-              <a:schemeClr val="bg2">
-                <a:lumMod val="90000"/>
-              </a:schemeClr>
-            </a:solidFill>
-          </a:ln>
-          <a:effectLst>
-            <a:outerShdw blurRad="50800" dist="38100" dir="5400000" algn="t" rotWithShape="0">
-              <a:prstClr val="black">
-                <a:alpha val="40000"/>
-              </a:prstClr>
-            </a:outerShdw>
-          </a:effectLst>
-        </p:spPr>
-        <p:style>
-          <a:lnRef idx="1">
-            <a:schemeClr val="accent1"/>
-          </a:lnRef>
-          <a:fillRef idx="0">
-            <a:schemeClr val="accent1"/>
-          </a:fillRef>
-          <a:effectRef idx="0">
-            <a:schemeClr val="accent1"/>
-          </a:effectRef>
-          <a:fontRef idx="minor">
-            <a:schemeClr val="tx1"/>
-          </a:fontRef>
-        </p:style>
-      </p:cxnSp>
-      <p:cxnSp>
-        <p:nvCxnSpPr>
-          <p:cNvPr id="9" name="직선 연결선 8"/>
-          <p:cNvCxnSpPr/>
-          <p:nvPr/>
-        </p:nvCxnSpPr>
-        <p:spPr>
-          <a:xfrm>
-            <a:off x="11286026" y="144941"/>
-            <a:ext cx="360000" cy="0"/>
-          </a:xfrm>
-          <a:prstGeom prst="line">
-            <a:avLst/>
-          </a:prstGeom>
-          <a:ln w="44450" cap="rnd">
-            <a:solidFill>
-              <a:schemeClr val="bg2">
-                <a:lumMod val="90000"/>
-              </a:schemeClr>
-            </a:solidFill>
-          </a:ln>
-          <a:effectLst>
-            <a:outerShdw blurRad="50800" dist="38100" dir="5400000" algn="t" rotWithShape="0">
-              <a:prstClr val="black">
-                <a:alpha val="40000"/>
-              </a:prstClr>
-            </a:outerShdw>
-          </a:effectLst>
-        </p:spPr>
-        <p:style>
-          <a:lnRef idx="1">
-            <a:schemeClr val="accent1"/>
-          </a:lnRef>
-          <a:fillRef idx="0">
-            <a:schemeClr val="accent1"/>
-          </a:fillRef>
-          <a:effectRef idx="0">
-            <a:schemeClr val="accent1"/>
-          </a:effectRef>
-          <a:fontRef idx="minor">
-            <a:schemeClr val="tx1"/>
-          </a:fontRef>
-        </p:style>
-      </p:cxnSp>
-      <p:cxnSp>
-        <p:nvCxnSpPr>
-          <p:cNvPr id="10" name="직선 연결선 9"/>
-          <p:cNvCxnSpPr/>
-          <p:nvPr/>
-        </p:nvCxnSpPr>
-        <p:spPr>
-          <a:xfrm>
-            <a:off x="11713592" y="144941"/>
-            <a:ext cx="360000" cy="0"/>
-          </a:xfrm>
-          <a:prstGeom prst="line">
-            <a:avLst/>
-          </a:prstGeom>
-          <a:ln w="44450" cap="rnd">
-            <a:solidFill>
-              <a:schemeClr val="bg2">
-                <a:lumMod val="90000"/>
-              </a:schemeClr>
-            </a:solidFill>
-          </a:ln>
-          <a:effectLst>
-            <a:outerShdw blurRad="50800" dist="38100" dir="5400000" algn="t" rotWithShape="0">
-              <a:prstClr val="black">
-                <a:alpha val="40000"/>
-              </a:prstClr>
-            </a:outerShdw>
-          </a:effectLst>
-        </p:spPr>
-        <p:style>
-          <a:lnRef idx="1">
-            <a:schemeClr val="accent1"/>
-          </a:lnRef>
-          <a:fillRef idx="0">
-            <a:schemeClr val="accent1"/>
-          </a:fillRef>
-          <a:effectRef idx="0">
-            <a:schemeClr val="accent1"/>
-          </a:effectRef>
-          <a:fontRef idx="minor">
-            <a:schemeClr val="tx1"/>
-          </a:fontRef>
-        </p:style>
-      </p:cxnSp>
-      <p:sp>
-        <p:nvSpPr>
-          <p:cNvPr id="11" name="TextBox 10"/>
-          <p:cNvSpPr txBox="1"/>
-          <p:nvPr/>
-        </p:nvSpPr>
-        <p:spPr>
-          <a:xfrm>
-            <a:off x="1001272" y="2091297"/>
-            <a:ext cx="4331635" cy="1077218"/>
-          </a:xfrm>
-          <a:prstGeom prst="rect">
-            <a:avLst/>
-          </a:prstGeom>
-          <a:noFill/>
-        </p:spPr>
-        <p:txBody>
-          <a:bodyPr wrap="none" rtlCol="0">
-            <a:spAutoFit/>
-          </a:bodyPr>
-          <a:lstStyle/>
-          <a:p>
-            <a:pPr algn="ctr"/>
-            <a:r>
-              <a:rPr lang="ko-KR" altLang="en-US" sz="3200" spc="-150" dirty="0">
-                <a:solidFill>
-                  <a:srgbClr val="8DBABD"/>
-                </a:solidFill>
-                <a:latin typeface="나눔스퀘어 ExtraBold" panose="020B0600000101010101" pitchFamily="50" charset="-127"/>
-                <a:ea typeface="나눔스퀘어 ExtraBold" panose="020B0600000101010101" pitchFamily="50" charset="-127"/>
-              </a:rPr>
-              <a:t>제주도 방문 외국인 관광객</a:t>
-            </a:r>
-            <a:endParaRPr lang="en-US" altLang="ko-KR" sz="3200" spc="-150" dirty="0">
-              <a:solidFill>
-                <a:srgbClr val="8DBABD"/>
-              </a:solidFill>
-              <a:latin typeface="나눔스퀘어 ExtraBold" panose="020B0600000101010101" pitchFamily="50" charset="-127"/>
-              <a:ea typeface="나눔스퀘어 ExtraBold" panose="020B0600000101010101" pitchFamily="50" charset="-127"/>
-            </a:endParaRPr>
-          </a:p>
-          <a:p>
-            <a:pPr algn="ctr"/>
-            <a:r>
-              <a:rPr lang="en-US" altLang="ko-KR" sz="3200" spc="-150" dirty="0">
-                <a:solidFill>
-                  <a:srgbClr val="8DBABD"/>
-                </a:solidFill>
-                <a:latin typeface="나눔스퀘어 ExtraBold" panose="020B0600000101010101" pitchFamily="50" charset="-127"/>
-                <a:ea typeface="나눔스퀘어 ExtraBold" panose="020B0600000101010101" pitchFamily="50" charset="-127"/>
-              </a:rPr>
-              <a:t>-&gt; </a:t>
-            </a:r>
-            <a:r>
-              <a:rPr lang="ko-KR" altLang="en-US" sz="3200" spc="-150" dirty="0">
-                <a:solidFill>
-                  <a:srgbClr val="8DBABD"/>
-                </a:solidFill>
-                <a:latin typeface="나눔스퀘어 ExtraBold" panose="020B0600000101010101" pitchFamily="50" charset="-127"/>
-                <a:ea typeface="나눔스퀘어 ExtraBold" panose="020B0600000101010101" pitchFamily="50" charset="-127"/>
-              </a:rPr>
-              <a:t>중국이 압도적</a:t>
-            </a:r>
-          </a:p>
-        </p:txBody>
-      </p:sp>
-      <p:sp>
-        <p:nvSpPr>
-          <p:cNvPr id="13" name="TextBox 12"/>
-          <p:cNvSpPr txBox="1"/>
-          <p:nvPr/>
-        </p:nvSpPr>
-        <p:spPr>
-          <a:xfrm>
-            <a:off x="1065009" y="1006929"/>
-            <a:ext cx="2214068" cy="369332"/>
-          </a:xfrm>
-          <a:prstGeom prst="rect">
-            <a:avLst/>
-          </a:prstGeom>
-          <a:noFill/>
-        </p:spPr>
-        <p:txBody>
-          <a:bodyPr wrap="none" rtlCol="0">
-            <a:spAutoFit/>
-          </a:bodyPr>
-          <a:lstStyle/>
-          <a:p>
-            <a:pPr algn="ctr"/>
-            <a:r>
-              <a:rPr lang="ko-KR" altLang="en-US" spc="-150" dirty="0">
-                <a:solidFill>
-                  <a:srgbClr val="00002F"/>
-                </a:solidFill>
-                <a:latin typeface="나눔스퀘어 ExtraBold" panose="020B0600000101010101" pitchFamily="50" charset="-127"/>
-                <a:ea typeface="나눔스퀘어 ExtraBold" panose="020B0600000101010101" pitchFamily="50" charset="-127"/>
-              </a:rPr>
-              <a:t>외국인 관광객 세분화</a:t>
-            </a:r>
-          </a:p>
-        </p:txBody>
-      </p:sp>
-    </p:spTree>
-    <p:extLst>
-      <p:ext uri="{BB962C8B-B14F-4D97-AF65-F5344CB8AC3E}">
-        <p14:creationId xmlns:p14="http://schemas.microsoft.com/office/powerpoint/2010/main" val="3338470855"/>
-      </p:ext>
-    </p:extLst>
-  </p:cSld>
-  <p:clrMapOvr>
-    <a:masterClrMapping/>
-  </p:clrMapOvr>
-</p:sld>
-</file>
-
-<file path=ppt/slides/slide8.xml><?xml version="1.0" encoding="utf-8"?>
-<p:sld xmlns:a="http://schemas.openxmlformats.org/drawingml/2006/main" xmlns:r="http://schemas.openxmlformats.org/officeDocument/2006/relationships" xmlns:p="http://schemas.openxmlformats.org/presentationml/2006/main">
-  <p:cSld>
-    <p:spTree>
-      <p:nvGrpSpPr>
-        <p:cNvPr id="1" name=""/>
-        <p:cNvGrpSpPr/>
-        <p:nvPr/>
-      </p:nvGrpSpPr>
-      <p:grpSpPr>
-        <a:xfrm>
-          <a:off x="0" y="0"/>
-          <a:ext cx="0" cy="0"/>
-          <a:chOff x="0" y="0"/>
-          <a:chExt cx="0" cy="0"/>
-        </a:xfrm>
-      </p:grpSpPr>
-      <p:sp>
-        <p:nvSpPr>
-          <p:cNvPr id="2" name="TextBox 1"/>
-          <p:cNvSpPr txBox="1"/>
-          <p:nvPr/>
-        </p:nvSpPr>
-        <p:spPr>
-          <a:xfrm>
-            <a:off x="4000500" y="2472873"/>
-            <a:ext cx="797013" cy="769441"/>
-          </a:xfrm>
-          <a:prstGeom prst="rect">
-            <a:avLst/>
-          </a:prstGeom>
-          <a:noFill/>
-        </p:spPr>
-        <p:txBody>
-          <a:bodyPr wrap="none" rtlCol="0">
-            <a:spAutoFit/>
-          </a:bodyPr>
-          <a:lstStyle/>
-          <a:p>
-            <a:r>
-              <a:rPr lang="en-US" altLang="ko-KR" sz="4400" spc="-300" dirty="0">
-                <a:solidFill>
-                  <a:srgbClr val="00002F"/>
-                </a:solidFill>
-                <a:latin typeface="나눔스퀘어 Bold" panose="020B0600000101010101" pitchFamily="50" charset="-127"/>
-                <a:ea typeface="나눔스퀘어 Bold" panose="020B0600000101010101" pitchFamily="50" charset="-127"/>
-              </a:rPr>
-              <a:t>02</a:t>
-            </a:r>
-            <a:endParaRPr lang="ko-KR" altLang="en-US" sz="4400" spc="-300" dirty="0">
-              <a:solidFill>
-                <a:srgbClr val="00002F"/>
-              </a:solidFill>
-              <a:latin typeface="나눔스퀘어 Bold" panose="020B0600000101010101" pitchFamily="50" charset="-127"/>
-              <a:ea typeface="나눔스퀘어 Bold" panose="020B0600000101010101" pitchFamily="50" charset="-127"/>
-            </a:endParaRPr>
-          </a:p>
-        </p:txBody>
-      </p:sp>
-      <p:sp>
-        <p:nvSpPr>
-          <p:cNvPr id="3" name="직사각형 2"/>
-          <p:cNvSpPr/>
-          <p:nvPr/>
-        </p:nvSpPr>
-        <p:spPr>
-          <a:xfrm>
-            <a:off x="4000499" y="3169741"/>
-            <a:ext cx="4200071" cy="473345"/>
-          </a:xfrm>
-          <a:prstGeom prst="rect">
-            <a:avLst/>
-          </a:prstGeom>
-          <a:solidFill>
-            <a:srgbClr val="8DBABD"/>
-          </a:solidFill>
-          <a:ln>
-            <a:solidFill>
-              <a:srgbClr val="8DBABD"/>
-            </a:solidFill>
-          </a:ln>
-        </p:spPr>
-        <p:style>
-          <a:lnRef idx="2">
-            <a:schemeClr val="accent1">
-              <a:shade val="50000"/>
-            </a:schemeClr>
-          </a:lnRef>
-          <a:fillRef idx="1">
-            <a:schemeClr val="accent1"/>
-          </a:fillRef>
-          <a:effectRef idx="0">
-            <a:schemeClr val="accent1"/>
-          </a:effectRef>
-          <a:fontRef idx="minor">
-            <a:schemeClr val="lt1"/>
-          </a:fontRef>
-        </p:style>
-        <p:txBody>
-          <a:bodyPr rtlCol="0" anchor="ctr"/>
-          <a:lstStyle/>
-          <a:p>
-            <a:pPr algn="ctr"/>
-            <a:r>
-              <a:rPr lang="ko-KR" altLang="en-US" dirty="0">
-                <a:latin typeface="나눔스퀘어 Bold" panose="020B0600000101010101" pitchFamily="50" charset="-127"/>
-                <a:ea typeface="나눔스퀘어 Bold" panose="020B0600000101010101" pitchFamily="50" charset="-127"/>
-              </a:rPr>
-              <a:t>외부요인</a:t>
-            </a:r>
-          </a:p>
-        </p:txBody>
-      </p:sp>
-    </p:spTree>
-    <p:extLst>
-      <p:ext uri="{BB962C8B-B14F-4D97-AF65-F5344CB8AC3E}">
-        <p14:creationId xmlns:p14="http://schemas.microsoft.com/office/powerpoint/2010/main" val="2963228856"/>
-      </p:ext>
-    </p:extLst>
-  </p:cSld>
-  <p:clrMapOvr>
-    <a:masterClrMapping/>
-  </p:clrMapOvr>
-</p:sld>
-</file>
-
-<file path=ppt/slides/slide9.xml><?xml version="1.0" encoding="utf-8"?>
-<p:sld xmlns:a="http://schemas.openxmlformats.org/drawingml/2006/main" xmlns:r="http://schemas.openxmlformats.org/officeDocument/2006/relationships" xmlns:p="http://schemas.openxmlformats.org/presentationml/2006/main">
-  <p:cSld>
-    <p:spTree>
-      <p:nvGrpSpPr>
-        <p:cNvPr id="1" name=""/>
-        <p:cNvGrpSpPr/>
-        <p:nvPr/>
-      </p:nvGrpSpPr>
-      <p:grpSpPr>
-        <a:xfrm>
-          <a:off x="0" y="0"/>
-          <a:ext cx="0" cy="0"/>
-          <a:chOff x="0" y="0"/>
-          <a:chExt cx="0" cy="0"/>
-        </a:xfrm>
-      </p:grpSpPr>
-      <p:sp>
-        <p:nvSpPr>
-          <p:cNvPr id="11" name="TextBox 10"/>
-          <p:cNvSpPr txBox="1"/>
-          <p:nvPr/>
-        </p:nvSpPr>
-        <p:spPr>
-          <a:xfrm>
-            <a:off x="2693979" y="2091297"/>
-            <a:ext cx="4799021" cy="584775"/>
-          </a:xfrm>
-          <a:prstGeom prst="rect">
-            <a:avLst/>
-          </a:prstGeom>
-          <a:noFill/>
-        </p:spPr>
-        <p:txBody>
-          <a:bodyPr wrap="square" rtlCol="0">
-            <a:spAutoFit/>
-          </a:bodyPr>
-          <a:lstStyle/>
-          <a:p>
-            <a:pPr algn="ctr"/>
-            <a:r>
-              <a:rPr lang="ko-KR" altLang="en-US" sz="3200" spc="-150">
-                <a:solidFill>
-                  <a:srgbClr val="8DBABD"/>
-                </a:solidFill>
-                <a:latin typeface="나눔스퀘어 ExtraBold" panose="020B0600000101010101" pitchFamily="50" charset="-127"/>
-                <a:ea typeface="나눔스퀘어 ExtraBold" panose="020B0600000101010101" pitchFamily="50" charset="-127"/>
-              </a:rPr>
-              <a:t>사드의 영향으로 큰 변화</a:t>
-            </a:r>
-            <a:endParaRPr lang="ko-KR" altLang="en-US" sz="3200" spc="-150" dirty="0">
-              <a:solidFill>
-                <a:srgbClr val="8DBABD"/>
-              </a:solidFill>
-              <a:latin typeface="나눔스퀘어 ExtraBold" panose="020B0600000101010101" pitchFamily="50" charset="-127"/>
-              <a:ea typeface="나눔스퀘어 ExtraBold" panose="020B0600000101010101" pitchFamily="50" charset="-127"/>
-            </a:endParaRPr>
-          </a:p>
-        </p:txBody>
-      </p:sp>
-      <p:cxnSp>
-        <p:nvCxnSpPr>
-          <p:cNvPr id="14" name="직선 연결선 13"/>
-          <p:cNvCxnSpPr/>
-          <p:nvPr/>
-        </p:nvCxnSpPr>
-        <p:spPr>
-          <a:xfrm>
-            <a:off x="10430892" y="144941"/>
-            <a:ext cx="360000" cy="0"/>
-          </a:xfrm>
-          <a:prstGeom prst="line">
-            <a:avLst/>
-          </a:prstGeom>
-          <a:ln w="44450" cap="rnd">
-            <a:solidFill>
-              <a:srgbClr val="D0CECE"/>
-            </a:solidFill>
-          </a:ln>
-          <a:effectLst>
-            <a:outerShdw blurRad="50800" dist="38100" dir="5400000" algn="t" rotWithShape="0">
-              <a:prstClr val="black">
-                <a:alpha val="40000"/>
-              </a:prstClr>
-            </a:outerShdw>
-          </a:effectLst>
-        </p:spPr>
-        <p:style>
-          <a:lnRef idx="1">
-            <a:schemeClr val="accent1"/>
-          </a:lnRef>
-          <a:fillRef idx="0">
-            <a:schemeClr val="accent1"/>
-          </a:fillRef>
-          <a:effectRef idx="0">
-            <a:schemeClr val="accent1"/>
-          </a:effectRef>
-          <a:fontRef idx="minor">
-            <a:schemeClr val="tx1"/>
-          </a:fontRef>
-        </p:style>
-      </p:cxnSp>
-      <p:cxnSp>
-        <p:nvCxnSpPr>
-          <p:cNvPr id="15" name="직선 연결선 14"/>
-          <p:cNvCxnSpPr/>
-          <p:nvPr/>
-        </p:nvCxnSpPr>
-        <p:spPr>
-          <a:xfrm>
-            <a:off x="10858459" y="144941"/>
-            <a:ext cx="360000" cy="0"/>
-          </a:xfrm>
-          <a:prstGeom prst="line">
-            <a:avLst/>
-          </a:prstGeom>
-          <a:ln w="44450" cap="rnd">
-            <a:solidFill>
-              <a:srgbClr val="8DBABD"/>
-            </a:solidFill>
-          </a:ln>
-          <a:effectLst>
-            <a:outerShdw blurRad="50800" dist="38100" dir="5400000" algn="t" rotWithShape="0">
-              <a:prstClr val="black">
-                <a:alpha val="40000"/>
-              </a:prstClr>
-            </a:outerShdw>
-          </a:effectLst>
-        </p:spPr>
-        <p:style>
-          <a:lnRef idx="1">
-            <a:schemeClr val="accent1"/>
-          </a:lnRef>
-          <a:fillRef idx="0">
-            <a:schemeClr val="accent1"/>
-          </a:fillRef>
-          <a:effectRef idx="0">
-            <a:schemeClr val="accent1"/>
-          </a:effectRef>
-          <a:fontRef idx="minor">
-            <a:schemeClr val="tx1"/>
-          </a:fontRef>
-        </p:style>
-      </p:cxnSp>
-      <p:cxnSp>
-        <p:nvCxnSpPr>
-          <p:cNvPr id="16" name="직선 연결선 15"/>
-          <p:cNvCxnSpPr/>
-          <p:nvPr/>
-        </p:nvCxnSpPr>
-        <p:spPr>
-          <a:xfrm>
-            <a:off x="11286026" y="144941"/>
-            <a:ext cx="360000" cy="0"/>
-          </a:xfrm>
-          <a:prstGeom prst="line">
-            <a:avLst/>
-          </a:prstGeom>
-          <a:ln w="44450" cap="rnd">
-            <a:solidFill>
-              <a:schemeClr val="bg2">
-                <a:lumMod val="90000"/>
-              </a:schemeClr>
-            </a:solidFill>
-          </a:ln>
-          <a:effectLst>
-            <a:outerShdw blurRad="50800" dist="38100" dir="5400000" algn="t" rotWithShape="0">
-              <a:prstClr val="black">
-                <a:alpha val="40000"/>
-              </a:prstClr>
-            </a:outerShdw>
-          </a:effectLst>
-        </p:spPr>
-        <p:style>
-          <a:lnRef idx="1">
-            <a:schemeClr val="accent1"/>
-          </a:lnRef>
-          <a:fillRef idx="0">
-            <a:schemeClr val="accent1"/>
-          </a:fillRef>
-          <a:effectRef idx="0">
-            <a:schemeClr val="accent1"/>
-          </a:effectRef>
-          <a:fontRef idx="minor">
-            <a:schemeClr val="tx1"/>
-          </a:fontRef>
-        </p:style>
-      </p:cxnSp>
-      <p:cxnSp>
-        <p:nvCxnSpPr>
-          <p:cNvPr id="17" name="직선 연결선 16"/>
-          <p:cNvCxnSpPr/>
-          <p:nvPr/>
-        </p:nvCxnSpPr>
-        <p:spPr>
-          <a:xfrm>
-            <a:off x="11713592" y="144941"/>
-            <a:ext cx="360000" cy="0"/>
-          </a:xfrm>
-          <a:prstGeom prst="line">
-            <a:avLst/>
-          </a:prstGeom>
-          <a:ln w="44450" cap="rnd">
-            <a:solidFill>
-              <a:schemeClr val="bg2">
-                <a:lumMod val="90000"/>
-              </a:schemeClr>
-            </a:solidFill>
-          </a:ln>
-          <a:effectLst>
-            <a:outerShdw blurRad="50800" dist="38100" dir="5400000" algn="t" rotWithShape="0">
-              <a:prstClr val="black">
-                <a:alpha val="40000"/>
-              </a:prstClr>
-            </a:outerShdw>
-          </a:effectLst>
-        </p:spPr>
-        <p:style>
-          <a:lnRef idx="1">
-            <a:schemeClr val="accent1"/>
-          </a:lnRef>
-          <a:fillRef idx="0">
-            <a:schemeClr val="accent1"/>
-          </a:fillRef>
-          <a:effectRef idx="0">
-            <a:schemeClr val="accent1"/>
-          </a:effectRef>
-          <a:fontRef idx="minor">
-            <a:schemeClr val="tx1"/>
-          </a:fontRef>
-        </p:style>
-      </p:cxnSp>
-      <p:cxnSp>
-        <p:nvCxnSpPr>
-          <p:cNvPr id="18" name="직선 연결선 17"/>
-          <p:cNvCxnSpPr/>
-          <p:nvPr/>
-        </p:nvCxnSpPr>
-        <p:spPr>
-          <a:xfrm>
-            <a:off x="1026522" y="989148"/>
-            <a:ext cx="2160000" cy="0"/>
-          </a:xfrm>
-          <a:prstGeom prst="line">
-            <a:avLst/>
-          </a:prstGeom>
-          <a:ln>
-            <a:solidFill>
-              <a:schemeClr val="bg1">
-                <a:lumMod val="50000"/>
-              </a:schemeClr>
-            </a:solidFill>
-          </a:ln>
-        </p:spPr>
-        <p:style>
-          <a:lnRef idx="1">
-            <a:schemeClr val="accent1"/>
-          </a:lnRef>
-          <a:fillRef idx="0">
-            <a:schemeClr val="accent1"/>
-          </a:fillRef>
-          <a:effectRef idx="0">
-            <a:schemeClr val="accent1"/>
-          </a:effectRef>
-          <a:fontRef idx="minor">
-            <a:schemeClr val="tx1"/>
-          </a:fontRef>
-        </p:style>
-      </p:cxnSp>
-      <p:sp>
-        <p:nvSpPr>
-          <p:cNvPr id="19" name="TextBox 18"/>
-          <p:cNvSpPr txBox="1"/>
-          <p:nvPr/>
-        </p:nvSpPr>
-        <p:spPr>
-          <a:xfrm>
-            <a:off x="1233310" y="437393"/>
-            <a:ext cx="1749197" cy="584775"/>
-          </a:xfrm>
-          <a:prstGeom prst="rect">
-            <a:avLst/>
-          </a:prstGeom>
-          <a:noFill/>
-        </p:spPr>
-        <p:txBody>
-          <a:bodyPr wrap="none" rtlCol="0">
-            <a:spAutoFit/>
-          </a:bodyPr>
-          <a:lstStyle/>
-          <a:p>
-            <a:pPr algn="ctr"/>
-            <a:r>
-              <a:rPr lang="ko-KR" altLang="en-US" sz="3200" spc="-150" dirty="0">
-                <a:solidFill>
-                  <a:srgbClr val="00002F"/>
-                </a:solidFill>
-                <a:latin typeface="나눔스퀘어 ExtraBold" panose="020B0600000101010101" pitchFamily="50" charset="-127"/>
-                <a:ea typeface="나눔스퀘어 ExtraBold" panose="020B0600000101010101" pitchFamily="50" charset="-127"/>
-              </a:rPr>
-              <a:t>외부요인</a:t>
-            </a:r>
-          </a:p>
-        </p:txBody>
-      </p:sp>
-      <p:sp>
-        <p:nvSpPr>
-          <p:cNvPr id="20" name="TextBox 19"/>
-          <p:cNvSpPr txBox="1"/>
-          <p:nvPr/>
-        </p:nvSpPr>
-        <p:spPr>
-          <a:xfrm>
-            <a:off x="455532" y="498947"/>
-            <a:ext cx="614271" cy="461665"/>
-          </a:xfrm>
-          <a:prstGeom prst="rect">
-            <a:avLst/>
-          </a:prstGeom>
-          <a:noFill/>
-        </p:spPr>
-        <p:txBody>
-          <a:bodyPr wrap="none" rtlCol="0">
-            <a:spAutoFit/>
-          </a:bodyPr>
-          <a:lstStyle/>
-          <a:p>
-            <a:pPr algn="ctr"/>
-            <a:r>
-              <a:rPr lang="en-US" altLang="ko-KR" sz="2400" spc="-150" dirty="0">
-                <a:solidFill>
-                  <a:srgbClr val="00002F"/>
-                </a:solidFill>
-                <a:latin typeface="나눔스퀘어 ExtraBold" panose="020B0600000101010101" pitchFamily="50" charset="-127"/>
-                <a:ea typeface="나눔스퀘어 ExtraBold" panose="020B0600000101010101" pitchFamily="50" charset="-127"/>
-              </a:rPr>
-              <a:t>02.</a:t>
-            </a:r>
-            <a:endParaRPr lang="ko-KR" altLang="en-US" sz="2400" spc="-150" dirty="0">
-              <a:solidFill>
-                <a:srgbClr val="00002F"/>
-              </a:solidFill>
-              <a:latin typeface="나눔스퀘어 ExtraBold" panose="020B0600000101010101" pitchFamily="50" charset="-127"/>
-              <a:ea typeface="나눔스퀘어 ExtraBold" panose="020B0600000101010101" pitchFamily="50" charset="-127"/>
-            </a:endParaRPr>
-          </a:p>
-        </p:txBody>
-      </p:sp>
-      <p:sp>
-        <p:nvSpPr>
-          <p:cNvPr id="21" name="TextBox 20"/>
-          <p:cNvSpPr txBox="1"/>
-          <p:nvPr/>
-        </p:nvSpPr>
-        <p:spPr>
-          <a:xfrm>
-            <a:off x="1043807" y="1006929"/>
-            <a:ext cx="2002472" cy="369332"/>
-          </a:xfrm>
-          <a:prstGeom prst="rect">
-            <a:avLst/>
-          </a:prstGeom>
-          <a:noFill/>
-        </p:spPr>
-        <p:txBody>
-          <a:bodyPr wrap="none" rtlCol="0">
-            <a:spAutoFit/>
-          </a:bodyPr>
-          <a:lstStyle/>
-          <a:p>
-            <a:pPr algn="ctr"/>
-            <a:r>
-              <a:rPr lang="ko-KR" altLang="en-US" spc="-150" dirty="0">
-                <a:solidFill>
-                  <a:srgbClr val="00002F"/>
-                </a:solidFill>
-                <a:latin typeface="나눔스퀘어 ExtraBold" panose="020B0600000101010101" pitchFamily="50" charset="-127"/>
-                <a:ea typeface="나눔스퀘어 ExtraBold" panose="020B0600000101010101" pitchFamily="50" charset="-127"/>
-              </a:rPr>
-              <a:t>외국인 관광객 영향</a:t>
-            </a:r>
-          </a:p>
-        </p:txBody>
-      </p:sp>
     </p:spTree>
     <p:extLst>
       <p:ext uri="{BB962C8B-B14F-4D97-AF65-F5344CB8AC3E}">

--- a/6조_외부환경영향.pptx
+++ b/6조_외부환경영향.pptx
@@ -5,43 +5,42 @@
     <p:sldMasterId id="2147483663" r:id="rId1"/>
   </p:sldMasterIdLst>
   <p:notesMasterIdLst>
-    <p:notesMasterId r:id="rId20"/>
+    <p:notesMasterId r:id="rId19"/>
   </p:notesMasterIdLst>
   <p:sldIdLst>
     <p:sldId id="256" r:id="rId2"/>
     <p:sldId id="257" r:id="rId3"/>
     <p:sldId id="258" r:id="rId4"/>
     <p:sldId id="259" r:id="rId5"/>
-    <p:sldId id="273" r:id="rId6"/>
+    <p:sldId id="261" r:id="rId6"/>
     <p:sldId id="260" r:id="rId7"/>
-    <p:sldId id="261" r:id="rId8"/>
-    <p:sldId id="262" r:id="rId9"/>
-    <p:sldId id="263" r:id="rId10"/>
-    <p:sldId id="264" r:id="rId11"/>
-    <p:sldId id="265" r:id="rId12"/>
-    <p:sldId id="266" r:id="rId13"/>
-    <p:sldId id="267" r:id="rId14"/>
-    <p:sldId id="268" r:id="rId15"/>
-    <p:sldId id="269" r:id="rId16"/>
-    <p:sldId id="270" r:id="rId17"/>
-    <p:sldId id="271" r:id="rId18"/>
-    <p:sldId id="272" r:id="rId19"/>
+    <p:sldId id="262" r:id="rId8"/>
+    <p:sldId id="263" r:id="rId9"/>
+    <p:sldId id="264" r:id="rId10"/>
+    <p:sldId id="265" r:id="rId11"/>
+    <p:sldId id="266" r:id="rId12"/>
+    <p:sldId id="267" r:id="rId13"/>
+    <p:sldId id="269" r:id="rId14"/>
+    <p:sldId id="270" r:id="rId15"/>
+    <p:sldId id="268" r:id="rId16"/>
+    <p:sldId id="271" r:id="rId17"/>
+    <p:sldId id="272" r:id="rId18"/>
   </p:sldIdLst>
   <p:sldSz cx="12192000" cy="6858000"/>
   <p:notesSz cx="6858000" cy="9144000"/>
   <p:embeddedFontLst>
     <p:embeddedFont>
       <p:font typeface="나눔스퀘어 Bold" panose="020B0600000101010101" pitchFamily="50" charset="-127"/>
+      <p:bold r:id="rId20"/>
+    </p:embeddedFont>
+    <p:embeddedFont>
+      <p:font typeface="나눔스퀘어 ExtraBold" panose="020B0600000101010101" pitchFamily="50" charset="-127"/>
       <p:bold r:id="rId21"/>
     </p:embeddedFont>
     <p:embeddedFont>
-      <p:font typeface="나눔스퀘어 ExtraBold" panose="020B0600000101010101" pitchFamily="50" charset="-127"/>
-      <p:bold r:id="rId22"/>
-    </p:embeddedFont>
-    <p:embeddedFont>
       <p:font typeface="맑은 고딕" panose="020B0503020000020004" pitchFamily="50" charset="-127"/>
-      <p:regular r:id="rId23"/>
-      <p:bold r:id="rId24"/>
+      <p:regular r:id="rId22"/>
+      <p:bold r:id="rId23"/>
     </p:embeddedFont>
   </p:embeddedFontLst>
   <p:defaultTextStyle>
@@ -241,6 +240,7 @@
               <a:srgbClr val="FF0000"/>
             </a:solidFill>
           </c:spPr>
+          <c:explosion val="20"/>
           <c:dPt>
             <c:idx val="0"/>
             <c:bubble3D val="0"/>
@@ -261,7 +261,7 @@
             </c:spPr>
             <c:extLst>
               <c:ext xmlns:c16="http://schemas.microsoft.com/office/drawing/2014/chart" uri="{C3380CC4-5D6E-409C-BE32-E72D297353CC}">
-                <c16:uniqueId val="{00000001-0B09-4138-A841-45F1BF33B1E0}"/>
+                <c16:uniqueId val="{00000001-82A7-40D2-84CE-267E60C60605}"/>
               </c:ext>
             </c:extLst>
           </c:dPt>
@@ -287,7 +287,7 @@
             </c:spPr>
             <c:extLst>
               <c:ext xmlns:c16="http://schemas.microsoft.com/office/drawing/2014/chart" uri="{C3380CC4-5D6E-409C-BE32-E72D297353CC}">
-                <c16:uniqueId val="{00000003-0B09-4138-A841-45F1BF33B1E0}"/>
+                <c16:uniqueId val="{00000003-82A7-40D2-84CE-267E60C60605}"/>
               </c:ext>
             </c:extLst>
           </c:dPt>
@@ -375,7 +375,7 @@
           </c:val>
           <c:extLst>
             <c:ext xmlns:c16="http://schemas.microsoft.com/office/drawing/2014/chart" uri="{C3380CC4-5D6E-409C-BE32-E72D297353CC}">
-              <c16:uniqueId val="{00000004-0B09-4138-A841-45F1BF33B1E0}"/>
+              <c16:uniqueId val="{00000004-82A7-40D2-84CE-267E60C60605}"/>
             </c:ext>
           </c:extLst>
         </c:ser>
@@ -416,7 +416,7 @@
                   </c:spPr>
                   <c:extLst>
                     <c:ext xmlns:c16="http://schemas.microsoft.com/office/drawing/2014/chart" uri="{C3380CC4-5D6E-409C-BE32-E72D297353CC}">
-                      <c16:uniqueId val="{00000006-0B09-4138-A841-45F1BF33B1E0}"/>
+                      <c16:uniqueId val="{00000006-82A7-40D2-84CE-267E60C60605}"/>
                     </c:ext>
                   </c:extLst>
                 </c:dPt>
@@ -440,7 +440,7 @@
                   </c:spPr>
                   <c:extLst>
                     <c:ext xmlns:c16="http://schemas.microsoft.com/office/drawing/2014/chart" uri="{C3380CC4-5D6E-409C-BE32-E72D297353CC}">
-                      <c16:uniqueId val="{00000008-0B09-4138-A841-45F1BF33B1E0}"/>
+                      <c16:uniqueId val="{00000008-82A7-40D2-84CE-267E60C60605}"/>
                     </c:ext>
                   </c:extLst>
                 </c:dPt>
@@ -540,7 +540,7 @@
                 </c:val>
                 <c:extLst>
                   <c:ext xmlns:c16="http://schemas.microsoft.com/office/drawing/2014/chart" uri="{C3380CC4-5D6E-409C-BE32-E72D297353CC}">
-                    <c16:uniqueId val="{00000009-0B09-4138-A841-45F1BF33B1E0}"/>
+                    <c16:uniqueId val="{00000009-82A7-40D2-84CE-267E60C60605}"/>
                   </c:ext>
                 </c:extLst>
               </c15:ser>
@@ -567,9 +567,9 @@
                       </a:outerShdw>
                     </a:effectLst>
                   </c:spPr>
-                  <c:extLst>
+                  <c:extLst xmlns:c15="http://schemas.microsoft.com/office/drawing/2012/chart">
                     <c:ext xmlns:c16="http://schemas.microsoft.com/office/drawing/2014/chart" uri="{C3380CC4-5D6E-409C-BE32-E72D297353CC}">
-                      <c16:uniqueId val="{0000000B-0B09-4138-A841-45F1BF33B1E0}"/>
+                      <c16:uniqueId val="{0000000B-82A7-40D2-84CE-267E60C60605}"/>
                     </c:ext>
                   </c:extLst>
                 </c:dPt>
@@ -591,9 +591,9 @@
                       </a:outerShdw>
                     </a:effectLst>
                   </c:spPr>
-                  <c:extLst>
+                  <c:extLst xmlns:c15="http://schemas.microsoft.com/office/drawing/2012/chart">
                     <c:ext xmlns:c16="http://schemas.microsoft.com/office/drawing/2014/chart" uri="{C3380CC4-5D6E-409C-BE32-E72D297353CC}">
-                      <c16:uniqueId val="{0000000D-0B09-4138-A841-45F1BF33B1E0}"/>
+                      <c16:uniqueId val="{0000000D-82A7-40D2-84CE-267E60C60605}"/>
                     </c:ext>
                   </c:extLst>
                 </c:dPt>
@@ -691,9 +691,9 @@
                     </c:numCache>
                   </c:numRef>
                 </c:val>
-                <c:extLst>
+                <c:extLst xmlns:c15="http://schemas.microsoft.com/office/drawing/2012/chart">
                   <c:ext xmlns:c16="http://schemas.microsoft.com/office/drawing/2014/chart" uri="{C3380CC4-5D6E-409C-BE32-E72D297353CC}">
-                    <c16:uniqueId val="{0000000E-0B09-4138-A841-45F1BF33B1E0}"/>
+                    <c16:uniqueId val="{0000000E-82A7-40D2-84CE-267E60C60605}"/>
                   </c:ext>
                 </c:extLst>
               </c15:ser>
@@ -720,9 +720,9 @@
                       </a:outerShdw>
                     </a:effectLst>
                   </c:spPr>
-                  <c:extLst>
+                  <c:extLst xmlns:c15="http://schemas.microsoft.com/office/drawing/2012/chart">
                     <c:ext xmlns:c16="http://schemas.microsoft.com/office/drawing/2014/chart" uri="{C3380CC4-5D6E-409C-BE32-E72D297353CC}">
-                      <c16:uniqueId val="{00000010-0B09-4138-A841-45F1BF33B1E0}"/>
+                      <c16:uniqueId val="{00000010-82A7-40D2-84CE-267E60C60605}"/>
                     </c:ext>
                   </c:extLst>
                 </c:dPt>
@@ -744,9 +744,9 @@
                       </a:outerShdw>
                     </a:effectLst>
                   </c:spPr>
-                  <c:extLst>
+                  <c:extLst xmlns:c15="http://schemas.microsoft.com/office/drawing/2012/chart">
                     <c:ext xmlns:c16="http://schemas.microsoft.com/office/drawing/2014/chart" uri="{C3380CC4-5D6E-409C-BE32-E72D297353CC}">
-                      <c16:uniqueId val="{00000012-0B09-4138-A841-45F1BF33B1E0}"/>
+                      <c16:uniqueId val="{00000012-82A7-40D2-84CE-267E60C60605}"/>
                     </c:ext>
                   </c:extLst>
                 </c:dPt>
@@ -844,9 +844,9 @@
                     </c:numCache>
                   </c:numRef>
                 </c:val>
-                <c:extLst>
+                <c:extLst xmlns:c15="http://schemas.microsoft.com/office/drawing/2012/chart">
                   <c:ext xmlns:c16="http://schemas.microsoft.com/office/drawing/2014/chart" uri="{C3380CC4-5D6E-409C-BE32-E72D297353CC}">
-                    <c16:uniqueId val="{00000013-0B09-4138-A841-45F1BF33B1E0}"/>
+                    <c16:uniqueId val="{00000013-82A7-40D2-84CE-267E60C60605}"/>
                   </c:ext>
                 </c:extLst>
               </c15:ser>
@@ -1060,7 +1060,7 @@
             </c:spPr>
             <c:extLst>
               <c:ext xmlns:c16="http://schemas.microsoft.com/office/drawing/2014/chart" uri="{C3380CC4-5D6E-409C-BE32-E72D297353CC}">
-                <c16:uniqueId val="{00000001-FD90-4203-8F9B-86E80D105410}"/>
+                <c16:uniqueId val="{00000001-E8B2-4AC5-9B2E-146CF6C6ADF4}"/>
               </c:ext>
             </c:extLst>
           </c:dPt>
@@ -1086,7 +1086,7 @@
             </c:spPr>
             <c:extLst>
               <c:ext xmlns:c16="http://schemas.microsoft.com/office/drawing/2014/chart" uri="{C3380CC4-5D6E-409C-BE32-E72D297353CC}">
-                <c16:uniqueId val="{00000003-FD90-4203-8F9B-86E80D105410}"/>
+                <c16:uniqueId val="{00000003-E8B2-4AC5-9B2E-146CF6C6ADF4}"/>
               </c:ext>
             </c:extLst>
           </c:dPt>
@@ -1176,7 +1176,7 @@
           </c:val>
           <c:extLst xmlns:c15="http://schemas.microsoft.com/office/drawing/2012/chart">
             <c:ext xmlns:c16="http://schemas.microsoft.com/office/drawing/2014/chart" uri="{C3380CC4-5D6E-409C-BE32-E72D297353CC}">
-              <c16:uniqueId val="{00000004-FD90-4203-8F9B-86E80D105410}"/>
+              <c16:uniqueId val="{00000004-E8B2-4AC5-9B2E-146CF6C6ADF4}"/>
             </c:ext>
           </c:extLst>
         </c:ser>
@@ -1222,7 +1222,7 @@
                   </c:spPr>
                   <c:extLst>
                     <c:ext xmlns:c16="http://schemas.microsoft.com/office/drawing/2014/chart" uri="{C3380CC4-5D6E-409C-BE32-E72D297353CC}">
-                      <c16:uniqueId val="{00000006-FD90-4203-8F9B-86E80D105410}"/>
+                      <c16:uniqueId val="{00000006-E8B2-4AC5-9B2E-146CF6C6ADF4}"/>
                     </c:ext>
                   </c:extLst>
                 </c:dPt>
@@ -1248,7 +1248,7 @@
                   </c:spPr>
                   <c:extLst>
                     <c:ext xmlns:c16="http://schemas.microsoft.com/office/drawing/2014/chart" uri="{C3380CC4-5D6E-409C-BE32-E72D297353CC}">
-                      <c16:uniqueId val="{00000008-FD90-4203-8F9B-86E80D105410}"/>
+                      <c16:uniqueId val="{00000008-E8B2-4AC5-9B2E-146CF6C6ADF4}"/>
                     </c:ext>
                   </c:extLst>
                 </c:dPt>
@@ -1348,7 +1348,7 @@
                 </c:val>
                 <c:extLst>
                   <c:ext xmlns:c16="http://schemas.microsoft.com/office/drawing/2014/chart" uri="{C3380CC4-5D6E-409C-BE32-E72D297353CC}">
-                    <c16:uniqueId val="{00000009-FD90-4203-8F9B-86E80D105410}"/>
+                    <c16:uniqueId val="{00000009-E8B2-4AC5-9B2E-146CF6C6ADF4}"/>
                   </c:ext>
                 </c:extLst>
               </c15:ser>
@@ -1375,9 +1375,9 @@
                       </a:outerShdw>
                     </a:effectLst>
                   </c:spPr>
-                  <c:extLst>
+                  <c:extLst xmlns:c15="http://schemas.microsoft.com/office/drawing/2012/chart">
                     <c:ext xmlns:c16="http://schemas.microsoft.com/office/drawing/2014/chart" uri="{C3380CC4-5D6E-409C-BE32-E72D297353CC}">
-                      <c16:uniqueId val="{0000000B-FD90-4203-8F9B-86E80D105410}"/>
+                      <c16:uniqueId val="{0000000B-E8B2-4AC5-9B2E-146CF6C6ADF4}"/>
                     </c:ext>
                   </c:extLst>
                 </c:dPt>
@@ -1399,9 +1399,9 @@
                       </a:outerShdw>
                     </a:effectLst>
                   </c:spPr>
-                  <c:extLst>
+                  <c:extLst xmlns:c15="http://schemas.microsoft.com/office/drawing/2012/chart">
                     <c:ext xmlns:c16="http://schemas.microsoft.com/office/drawing/2014/chart" uri="{C3380CC4-5D6E-409C-BE32-E72D297353CC}">
-                      <c16:uniqueId val="{0000000D-FD90-4203-8F9B-86E80D105410}"/>
+                      <c16:uniqueId val="{0000000D-E8B2-4AC5-9B2E-146CF6C6ADF4}"/>
                     </c:ext>
                   </c:extLst>
                 </c:dPt>
@@ -1501,7 +1501,7 @@
                 </c:val>
                 <c:extLst xmlns:c15="http://schemas.microsoft.com/office/drawing/2012/chart">
                   <c:ext xmlns:c16="http://schemas.microsoft.com/office/drawing/2014/chart" uri="{C3380CC4-5D6E-409C-BE32-E72D297353CC}">
-                    <c16:uniqueId val="{0000000E-FD90-4203-8F9B-86E80D105410}"/>
+                    <c16:uniqueId val="{0000000E-E8B2-4AC5-9B2E-146CF6C6ADF4}"/>
                   </c:ext>
                 </c:extLst>
               </c15:ser>
@@ -1528,9 +1528,9 @@
                       </a:outerShdw>
                     </a:effectLst>
                   </c:spPr>
-                  <c:extLst>
+                  <c:extLst xmlns:c15="http://schemas.microsoft.com/office/drawing/2012/chart">
                     <c:ext xmlns:c16="http://schemas.microsoft.com/office/drawing/2014/chart" uri="{C3380CC4-5D6E-409C-BE32-E72D297353CC}">
-                      <c16:uniqueId val="{00000010-FD90-4203-8F9B-86E80D105410}"/>
+                      <c16:uniqueId val="{00000010-E8B2-4AC5-9B2E-146CF6C6ADF4}"/>
                     </c:ext>
                   </c:extLst>
                 </c:dPt>
@@ -1552,9 +1552,9 @@
                       </a:outerShdw>
                     </a:effectLst>
                   </c:spPr>
-                  <c:extLst>
+                  <c:extLst xmlns:c15="http://schemas.microsoft.com/office/drawing/2012/chart">
                     <c:ext xmlns:c16="http://schemas.microsoft.com/office/drawing/2014/chart" uri="{C3380CC4-5D6E-409C-BE32-E72D297353CC}">
-                      <c16:uniqueId val="{00000012-FD90-4203-8F9B-86E80D105410}"/>
+                      <c16:uniqueId val="{00000012-E8B2-4AC5-9B2E-146CF6C6ADF4}"/>
                     </c:ext>
                   </c:extLst>
                 </c:dPt>
@@ -1654,7 +1654,7 @@
                 </c:val>
                 <c:extLst xmlns:c15="http://schemas.microsoft.com/office/drawing/2012/chart">
                   <c:ext xmlns:c16="http://schemas.microsoft.com/office/drawing/2014/chart" uri="{C3380CC4-5D6E-409C-BE32-E72D297353CC}">
-                    <c16:uniqueId val="{00000013-FD90-4203-8F9B-86E80D105410}"/>
+                    <c16:uniqueId val="{00000013-E8B2-4AC5-9B2E-146CF6C6ADF4}"/>
                   </c:ext>
                 </c:extLst>
               </c15:ser>
@@ -1868,7 +1868,7 @@
             </c:spPr>
             <c:extLst xmlns:c15="http://schemas.microsoft.com/office/drawing/2012/chart">
               <c:ext xmlns:c16="http://schemas.microsoft.com/office/drawing/2014/chart" uri="{C3380CC4-5D6E-409C-BE32-E72D297353CC}">
-                <c16:uniqueId val="{00000001-DBDA-46EC-A686-C07FA62FA6EB}"/>
+                <c16:uniqueId val="{00000001-A157-40C4-B7A0-4944EFD0330C}"/>
               </c:ext>
             </c:extLst>
           </c:dPt>
@@ -1894,7 +1894,7 @@
             </c:spPr>
             <c:extLst xmlns:c15="http://schemas.microsoft.com/office/drawing/2012/chart">
               <c:ext xmlns:c16="http://schemas.microsoft.com/office/drawing/2014/chart" uri="{C3380CC4-5D6E-409C-BE32-E72D297353CC}">
-                <c16:uniqueId val="{00000003-DBDA-46EC-A686-C07FA62FA6EB}"/>
+                <c16:uniqueId val="{00000003-A157-40C4-B7A0-4944EFD0330C}"/>
               </c:ext>
             </c:extLst>
           </c:dPt>
@@ -1984,7 +1984,7 @@
           </c:val>
           <c:extLst xmlns:c15="http://schemas.microsoft.com/office/drawing/2012/chart">
             <c:ext xmlns:c16="http://schemas.microsoft.com/office/drawing/2014/chart" uri="{C3380CC4-5D6E-409C-BE32-E72D297353CC}">
-              <c16:uniqueId val="{00000004-DBDA-46EC-A686-C07FA62FA6EB}"/>
+              <c16:uniqueId val="{00000004-A157-40C4-B7A0-4944EFD0330C}"/>
             </c:ext>
           </c:extLst>
         </c:ser>
@@ -2030,7 +2030,7 @@
                   </c:spPr>
                   <c:extLst>
                     <c:ext xmlns:c16="http://schemas.microsoft.com/office/drawing/2014/chart" uri="{C3380CC4-5D6E-409C-BE32-E72D297353CC}">
-                      <c16:uniqueId val="{00000006-DBDA-46EC-A686-C07FA62FA6EB}"/>
+                      <c16:uniqueId val="{00000006-A157-40C4-B7A0-4944EFD0330C}"/>
                     </c:ext>
                   </c:extLst>
                 </c:dPt>
@@ -2056,7 +2056,7 @@
                   </c:spPr>
                   <c:extLst>
                     <c:ext xmlns:c16="http://schemas.microsoft.com/office/drawing/2014/chart" uri="{C3380CC4-5D6E-409C-BE32-E72D297353CC}">
-                      <c16:uniqueId val="{00000008-DBDA-46EC-A686-C07FA62FA6EB}"/>
+                      <c16:uniqueId val="{00000008-A157-40C4-B7A0-4944EFD0330C}"/>
                     </c:ext>
                   </c:extLst>
                 </c:dPt>
@@ -2156,7 +2156,7 @@
                 </c:val>
                 <c:extLst>
                   <c:ext xmlns:c16="http://schemas.microsoft.com/office/drawing/2014/chart" uri="{C3380CC4-5D6E-409C-BE32-E72D297353CC}">
-                    <c16:uniqueId val="{00000009-DBDA-46EC-A686-C07FA62FA6EB}"/>
+                    <c16:uniqueId val="{00000009-A157-40C4-B7A0-4944EFD0330C}"/>
                   </c:ext>
                 </c:extLst>
               </c15:ser>
@@ -2185,7 +2185,7 @@
                   </c:spPr>
                   <c:extLst xmlns:c15="http://schemas.microsoft.com/office/drawing/2012/chart">
                     <c:ext xmlns:c16="http://schemas.microsoft.com/office/drawing/2014/chart" uri="{C3380CC4-5D6E-409C-BE32-E72D297353CC}">
-                      <c16:uniqueId val="{0000000B-DBDA-46EC-A686-C07FA62FA6EB}"/>
+                      <c16:uniqueId val="{0000000B-A157-40C4-B7A0-4944EFD0330C}"/>
                     </c:ext>
                   </c:extLst>
                 </c:dPt>
@@ -2209,7 +2209,7 @@
                   </c:spPr>
                   <c:extLst xmlns:c15="http://schemas.microsoft.com/office/drawing/2012/chart">
                     <c:ext xmlns:c16="http://schemas.microsoft.com/office/drawing/2014/chart" uri="{C3380CC4-5D6E-409C-BE32-E72D297353CC}">
-                      <c16:uniqueId val="{0000000D-DBDA-46EC-A686-C07FA62FA6EB}"/>
+                      <c16:uniqueId val="{0000000D-A157-40C4-B7A0-4944EFD0330C}"/>
                     </c:ext>
                   </c:extLst>
                 </c:dPt>
@@ -2309,7 +2309,7 @@
                 </c:val>
                 <c:extLst xmlns:c15="http://schemas.microsoft.com/office/drawing/2012/chart">
                   <c:ext xmlns:c16="http://schemas.microsoft.com/office/drawing/2014/chart" uri="{C3380CC4-5D6E-409C-BE32-E72D297353CC}">
-                    <c16:uniqueId val="{0000000E-DBDA-46EC-A686-C07FA62FA6EB}"/>
+                    <c16:uniqueId val="{0000000E-A157-40C4-B7A0-4944EFD0330C}"/>
                   </c:ext>
                 </c:extLst>
               </c15:ser>
@@ -2338,7 +2338,7 @@
                   </c:spPr>
                   <c:extLst xmlns:c15="http://schemas.microsoft.com/office/drawing/2012/chart">
                     <c:ext xmlns:c16="http://schemas.microsoft.com/office/drawing/2014/chart" uri="{C3380CC4-5D6E-409C-BE32-E72D297353CC}">
-                      <c16:uniqueId val="{00000010-DBDA-46EC-A686-C07FA62FA6EB}"/>
+                      <c16:uniqueId val="{00000010-A157-40C4-B7A0-4944EFD0330C}"/>
                     </c:ext>
                   </c:extLst>
                 </c:dPt>
@@ -2362,7 +2362,7 @@
                   </c:spPr>
                   <c:extLst xmlns:c15="http://schemas.microsoft.com/office/drawing/2012/chart">
                     <c:ext xmlns:c16="http://schemas.microsoft.com/office/drawing/2014/chart" uri="{C3380CC4-5D6E-409C-BE32-E72D297353CC}">
-                      <c16:uniqueId val="{00000012-DBDA-46EC-A686-C07FA62FA6EB}"/>
+                      <c16:uniqueId val="{00000012-A157-40C4-B7A0-4944EFD0330C}"/>
                     </c:ext>
                   </c:extLst>
                 </c:dPt>
@@ -2462,7 +2462,7 @@
                 </c:val>
                 <c:extLst xmlns:c15="http://schemas.microsoft.com/office/drawing/2012/chart">
                   <c:ext xmlns:c16="http://schemas.microsoft.com/office/drawing/2014/chart" uri="{C3380CC4-5D6E-409C-BE32-E72D297353CC}">
-                    <c16:uniqueId val="{00000013-DBDA-46EC-A686-C07FA62FA6EB}"/>
+                    <c16:uniqueId val="{00000013-A157-40C4-B7A0-4944EFD0330C}"/>
                   </c:ext>
                 </c:extLst>
               </c15:ser>
@@ -2671,7 +2671,7 @@
             </c:spPr>
             <c:extLst xmlns:c15="http://schemas.microsoft.com/office/drawing/2012/chart">
               <c:ext xmlns:c16="http://schemas.microsoft.com/office/drawing/2014/chart" uri="{C3380CC4-5D6E-409C-BE32-E72D297353CC}">
-                <c16:uniqueId val="{00000001-B88F-4E12-9BB5-899A17D7C23E}"/>
+                <c16:uniqueId val="{00000001-B266-40BE-A1D6-7EDBAF2E4B91}"/>
               </c:ext>
             </c:extLst>
           </c:dPt>
@@ -2695,7 +2695,7 @@
             </c:spPr>
             <c:extLst xmlns:c15="http://schemas.microsoft.com/office/drawing/2012/chart">
               <c:ext xmlns:c16="http://schemas.microsoft.com/office/drawing/2014/chart" uri="{C3380CC4-5D6E-409C-BE32-E72D297353CC}">
-                <c16:uniqueId val="{00000003-B88F-4E12-9BB5-899A17D7C23E}"/>
+                <c16:uniqueId val="{00000003-B266-40BE-A1D6-7EDBAF2E4B91}"/>
               </c:ext>
             </c:extLst>
           </c:dPt>
@@ -2785,7 +2785,7 @@
           </c:val>
           <c:extLst xmlns:c15="http://schemas.microsoft.com/office/drawing/2012/chart">
             <c:ext xmlns:c16="http://schemas.microsoft.com/office/drawing/2014/chart" uri="{C3380CC4-5D6E-409C-BE32-E72D297353CC}">
-              <c16:uniqueId val="{00000004-B88F-4E12-9BB5-899A17D7C23E}"/>
+              <c16:uniqueId val="{00000004-B266-40BE-A1D6-7EDBAF2E4B91}"/>
             </c:ext>
           </c:extLst>
         </c:ser>
@@ -2831,7 +2831,7 @@
                   </c:spPr>
                   <c:extLst>
                     <c:ext xmlns:c16="http://schemas.microsoft.com/office/drawing/2014/chart" uri="{C3380CC4-5D6E-409C-BE32-E72D297353CC}">
-                      <c16:uniqueId val="{00000006-B88F-4E12-9BB5-899A17D7C23E}"/>
+                      <c16:uniqueId val="{00000006-B266-40BE-A1D6-7EDBAF2E4B91}"/>
                     </c:ext>
                   </c:extLst>
                 </c:dPt>
@@ -2857,7 +2857,7 @@
                   </c:spPr>
                   <c:extLst>
                     <c:ext xmlns:c16="http://schemas.microsoft.com/office/drawing/2014/chart" uri="{C3380CC4-5D6E-409C-BE32-E72D297353CC}">
-                      <c16:uniqueId val="{00000008-B88F-4E12-9BB5-899A17D7C23E}"/>
+                      <c16:uniqueId val="{00000008-B266-40BE-A1D6-7EDBAF2E4B91}"/>
                     </c:ext>
                   </c:extLst>
                 </c:dPt>
@@ -2957,7 +2957,7 @@
                 </c:val>
                 <c:extLst>
                   <c:ext xmlns:c16="http://schemas.microsoft.com/office/drawing/2014/chart" uri="{C3380CC4-5D6E-409C-BE32-E72D297353CC}">
-                    <c16:uniqueId val="{00000009-B88F-4E12-9BB5-899A17D7C23E}"/>
+                    <c16:uniqueId val="{00000009-B266-40BE-A1D6-7EDBAF2E4B91}"/>
                   </c:ext>
                 </c:extLst>
               </c15:ser>
@@ -2986,7 +2986,7 @@
                   </c:spPr>
                   <c:extLst xmlns:c15="http://schemas.microsoft.com/office/drawing/2012/chart">
                     <c:ext xmlns:c16="http://schemas.microsoft.com/office/drawing/2014/chart" uri="{C3380CC4-5D6E-409C-BE32-E72D297353CC}">
-                      <c16:uniqueId val="{0000000B-B88F-4E12-9BB5-899A17D7C23E}"/>
+                      <c16:uniqueId val="{0000000B-B266-40BE-A1D6-7EDBAF2E4B91}"/>
                     </c:ext>
                   </c:extLst>
                 </c:dPt>
@@ -3010,7 +3010,7 @@
                   </c:spPr>
                   <c:extLst xmlns:c15="http://schemas.microsoft.com/office/drawing/2012/chart">
                     <c:ext xmlns:c16="http://schemas.microsoft.com/office/drawing/2014/chart" uri="{C3380CC4-5D6E-409C-BE32-E72D297353CC}">
-                      <c16:uniqueId val="{0000000D-B88F-4E12-9BB5-899A17D7C23E}"/>
+                      <c16:uniqueId val="{0000000D-B266-40BE-A1D6-7EDBAF2E4B91}"/>
                     </c:ext>
                   </c:extLst>
                 </c:dPt>
@@ -3110,7 +3110,7 @@
                 </c:val>
                 <c:extLst xmlns:c15="http://schemas.microsoft.com/office/drawing/2012/chart">
                   <c:ext xmlns:c16="http://schemas.microsoft.com/office/drawing/2014/chart" uri="{C3380CC4-5D6E-409C-BE32-E72D297353CC}">
-                    <c16:uniqueId val="{0000000E-B88F-4E12-9BB5-899A17D7C23E}"/>
+                    <c16:uniqueId val="{0000000E-B266-40BE-A1D6-7EDBAF2E4B91}"/>
                   </c:ext>
                 </c:extLst>
               </c15:ser>
@@ -3139,7 +3139,7 @@
                   </c:spPr>
                   <c:extLst xmlns:c15="http://schemas.microsoft.com/office/drawing/2012/chart">
                     <c:ext xmlns:c16="http://schemas.microsoft.com/office/drawing/2014/chart" uri="{C3380CC4-5D6E-409C-BE32-E72D297353CC}">
-                      <c16:uniqueId val="{00000010-B88F-4E12-9BB5-899A17D7C23E}"/>
+                      <c16:uniqueId val="{00000010-B266-40BE-A1D6-7EDBAF2E4B91}"/>
                     </c:ext>
                   </c:extLst>
                 </c:dPt>
@@ -3163,7 +3163,7 @@
                   </c:spPr>
                   <c:extLst xmlns:c15="http://schemas.microsoft.com/office/drawing/2012/chart">
                     <c:ext xmlns:c16="http://schemas.microsoft.com/office/drawing/2014/chart" uri="{C3380CC4-5D6E-409C-BE32-E72D297353CC}">
-                      <c16:uniqueId val="{00000012-B88F-4E12-9BB5-899A17D7C23E}"/>
+                      <c16:uniqueId val="{00000012-B266-40BE-A1D6-7EDBAF2E4B91}"/>
                     </c:ext>
                   </c:extLst>
                 </c:dPt>
@@ -3263,7 +3263,7 @@
                 </c:val>
                 <c:extLst xmlns:c15="http://schemas.microsoft.com/office/drawing/2012/chart">
                   <c:ext xmlns:c16="http://schemas.microsoft.com/office/drawing/2014/chart" uri="{C3380CC4-5D6E-409C-BE32-E72D297353CC}">
-                    <c16:uniqueId val="{00000013-B88F-4E12-9BB5-899A17D7C23E}"/>
+                    <c16:uniqueId val="{00000013-B266-40BE-A1D6-7EDBAF2E4B91}"/>
                   </c:ext>
                 </c:extLst>
               </c15:ser>
@@ -6666,499 +6666,6 @@
       </p:grpSpPr>
       <p:sp>
         <p:nvSpPr>
-          <p:cNvPr id="11" name="TextBox 10"/>
-          <p:cNvSpPr txBox="1"/>
-          <p:nvPr/>
-        </p:nvSpPr>
-        <p:spPr>
-          <a:xfrm>
-            <a:off x="756015" y="2091297"/>
-            <a:ext cx="4822154" cy="1077218"/>
-          </a:xfrm>
-          <a:prstGeom prst="rect">
-            <a:avLst/>
-          </a:prstGeom>
-          <a:noFill/>
-        </p:spPr>
-        <p:txBody>
-          <a:bodyPr wrap="none" rtlCol="0">
-            <a:spAutoFit/>
-          </a:bodyPr>
-          <a:lstStyle/>
-          <a:p>
-            <a:pPr algn="ctr"/>
-            <a:r>
-              <a:rPr lang="en-US" altLang="ko-KR" sz="3200" spc="-150" dirty="0">
-                <a:solidFill>
-                  <a:srgbClr val="8DBABD"/>
-                </a:solidFill>
-                <a:latin typeface="나눔스퀘어 ExtraBold" panose="020B0600000101010101" pitchFamily="50" charset="-127"/>
-                <a:ea typeface="나눔스퀘어 ExtraBold" panose="020B0600000101010101" pitchFamily="50" charset="-127"/>
-              </a:rPr>
-              <a:t>GNI(</a:t>
-            </a:r>
-            <a:r>
-              <a:rPr lang="ko-KR" altLang="en-US" sz="3200" spc="-150" dirty="0">
-                <a:solidFill>
-                  <a:srgbClr val="8DBABD"/>
-                </a:solidFill>
-                <a:latin typeface="나눔스퀘어 ExtraBold" panose="020B0600000101010101" pitchFamily="50" charset="-127"/>
-                <a:ea typeface="나눔스퀘어 ExtraBold" panose="020B0600000101010101" pitchFamily="50" charset="-127"/>
-              </a:rPr>
-              <a:t>국내총소득</a:t>
-            </a:r>
-            <a:r>
-              <a:rPr lang="en-US" altLang="ko-KR" sz="3200" spc="-150" dirty="0">
-                <a:solidFill>
-                  <a:srgbClr val="8DBABD"/>
-                </a:solidFill>
-                <a:latin typeface="나눔스퀘어 ExtraBold" panose="020B0600000101010101" pitchFamily="50" charset="-127"/>
-                <a:ea typeface="나눔스퀘어 ExtraBold" panose="020B0600000101010101" pitchFamily="50" charset="-127"/>
-              </a:rPr>
-              <a:t>)</a:t>
-            </a:r>
-            <a:r>
-              <a:rPr lang="ko-KR" altLang="en-US" sz="3200" spc="-150" dirty="0">
-                <a:solidFill>
-                  <a:srgbClr val="8DBABD"/>
-                </a:solidFill>
-                <a:latin typeface="나눔스퀘어 ExtraBold" panose="020B0600000101010101" pitchFamily="50" charset="-127"/>
-                <a:ea typeface="나눔스퀘어 ExtraBold" panose="020B0600000101010101" pitchFamily="50" charset="-127"/>
-              </a:rPr>
-              <a:t>과 비교 시</a:t>
-            </a:r>
-            <a:endParaRPr lang="en-US" altLang="ko-KR" sz="3200" spc="-150" dirty="0">
-              <a:solidFill>
-                <a:srgbClr val="8DBABD"/>
-              </a:solidFill>
-              <a:latin typeface="나눔스퀘어 ExtraBold" panose="020B0600000101010101" pitchFamily="50" charset="-127"/>
-              <a:ea typeface="나눔스퀘어 ExtraBold" panose="020B0600000101010101" pitchFamily="50" charset="-127"/>
-            </a:endParaRPr>
-          </a:p>
-          <a:p>
-            <a:pPr algn="ctr"/>
-            <a:r>
-              <a:rPr lang="ko-KR" altLang="en-US" sz="3200" spc="-150" dirty="0">
-                <a:solidFill>
-                  <a:srgbClr val="8DBABD"/>
-                </a:solidFill>
-                <a:latin typeface="나눔스퀘어 ExtraBold" panose="020B0600000101010101" pitchFamily="50" charset="-127"/>
-                <a:ea typeface="나눔스퀘어 ExtraBold" panose="020B0600000101010101" pitchFamily="50" charset="-127"/>
-              </a:rPr>
-              <a:t>상관관계 없음 </a:t>
-            </a:r>
-            <a:r>
-              <a:rPr lang="en-US" altLang="ko-KR" sz="3200" spc="-150" dirty="0">
-                <a:solidFill>
-                  <a:srgbClr val="8DBABD"/>
-                </a:solidFill>
-                <a:latin typeface="나눔스퀘어 ExtraBold" panose="020B0600000101010101" pitchFamily="50" charset="-127"/>
-                <a:ea typeface="나눔스퀘어 ExtraBold" panose="020B0600000101010101" pitchFamily="50" charset="-127"/>
-              </a:rPr>
-              <a:t>0.3xxxx</a:t>
-            </a:r>
-          </a:p>
-        </p:txBody>
-      </p:sp>
-      <p:cxnSp>
-        <p:nvCxnSpPr>
-          <p:cNvPr id="14" name="직선 연결선 13"/>
-          <p:cNvCxnSpPr/>
-          <p:nvPr/>
-        </p:nvCxnSpPr>
-        <p:spPr>
-          <a:xfrm>
-            <a:off x="10430892" y="144941"/>
-            <a:ext cx="360000" cy="0"/>
-          </a:xfrm>
-          <a:prstGeom prst="line">
-            <a:avLst/>
-          </a:prstGeom>
-          <a:ln w="44450" cap="rnd">
-            <a:solidFill>
-              <a:srgbClr val="D0CECE"/>
-            </a:solidFill>
-          </a:ln>
-          <a:effectLst>
-            <a:outerShdw blurRad="50800" dist="38100" dir="5400000" algn="t" rotWithShape="0">
-              <a:prstClr val="black">
-                <a:alpha val="40000"/>
-              </a:prstClr>
-            </a:outerShdw>
-          </a:effectLst>
-        </p:spPr>
-        <p:style>
-          <a:lnRef idx="1">
-            <a:schemeClr val="accent1"/>
-          </a:lnRef>
-          <a:fillRef idx="0">
-            <a:schemeClr val="accent1"/>
-          </a:fillRef>
-          <a:effectRef idx="0">
-            <a:schemeClr val="accent1"/>
-          </a:effectRef>
-          <a:fontRef idx="minor">
-            <a:schemeClr val="tx1"/>
-          </a:fontRef>
-        </p:style>
-      </p:cxnSp>
-      <p:cxnSp>
-        <p:nvCxnSpPr>
-          <p:cNvPr id="15" name="직선 연결선 14"/>
-          <p:cNvCxnSpPr/>
-          <p:nvPr/>
-        </p:nvCxnSpPr>
-        <p:spPr>
-          <a:xfrm>
-            <a:off x="10858459" y="144941"/>
-            <a:ext cx="360000" cy="0"/>
-          </a:xfrm>
-          <a:prstGeom prst="line">
-            <a:avLst/>
-          </a:prstGeom>
-          <a:ln w="44450" cap="rnd">
-            <a:solidFill>
-              <a:srgbClr val="8DBABD"/>
-            </a:solidFill>
-          </a:ln>
-          <a:effectLst>
-            <a:outerShdw blurRad="50800" dist="38100" dir="5400000" algn="t" rotWithShape="0">
-              <a:prstClr val="black">
-                <a:alpha val="40000"/>
-              </a:prstClr>
-            </a:outerShdw>
-          </a:effectLst>
-        </p:spPr>
-        <p:style>
-          <a:lnRef idx="1">
-            <a:schemeClr val="accent1"/>
-          </a:lnRef>
-          <a:fillRef idx="0">
-            <a:schemeClr val="accent1"/>
-          </a:fillRef>
-          <a:effectRef idx="0">
-            <a:schemeClr val="accent1"/>
-          </a:effectRef>
-          <a:fontRef idx="minor">
-            <a:schemeClr val="tx1"/>
-          </a:fontRef>
-        </p:style>
-      </p:cxnSp>
-      <p:cxnSp>
-        <p:nvCxnSpPr>
-          <p:cNvPr id="16" name="직선 연결선 15"/>
-          <p:cNvCxnSpPr/>
-          <p:nvPr/>
-        </p:nvCxnSpPr>
-        <p:spPr>
-          <a:xfrm>
-            <a:off x="11286026" y="144941"/>
-            <a:ext cx="360000" cy="0"/>
-          </a:xfrm>
-          <a:prstGeom prst="line">
-            <a:avLst/>
-          </a:prstGeom>
-          <a:ln w="44450" cap="rnd">
-            <a:solidFill>
-              <a:schemeClr val="bg2">
-                <a:lumMod val="90000"/>
-              </a:schemeClr>
-            </a:solidFill>
-          </a:ln>
-          <a:effectLst>
-            <a:outerShdw blurRad="50800" dist="38100" dir="5400000" algn="t" rotWithShape="0">
-              <a:prstClr val="black">
-                <a:alpha val="40000"/>
-              </a:prstClr>
-            </a:outerShdw>
-          </a:effectLst>
-        </p:spPr>
-        <p:style>
-          <a:lnRef idx="1">
-            <a:schemeClr val="accent1"/>
-          </a:lnRef>
-          <a:fillRef idx="0">
-            <a:schemeClr val="accent1"/>
-          </a:fillRef>
-          <a:effectRef idx="0">
-            <a:schemeClr val="accent1"/>
-          </a:effectRef>
-          <a:fontRef idx="minor">
-            <a:schemeClr val="tx1"/>
-          </a:fontRef>
-        </p:style>
-      </p:cxnSp>
-      <p:cxnSp>
-        <p:nvCxnSpPr>
-          <p:cNvPr id="17" name="직선 연결선 16"/>
-          <p:cNvCxnSpPr/>
-          <p:nvPr/>
-        </p:nvCxnSpPr>
-        <p:spPr>
-          <a:xfrm>
-            <a:off x="11713592" y="144941"/>
-            <a:ext cx="360000" cy="0"/>
-          </a:xfrm>
-          <a:prstGeom prst="line">
-            <a:avLst/>
-          </a:prstGeom>
-          <a:ln w="44450" cap="rnd">
-            <a:solidFill>
-              <a:schemeClr val="bg2">
-                <a:lumMod val="90000"/>
-              </a:schemeClr>
-            </a:solidFill>
-          </a:ln>
-          <a:effectLst>
-            <a:outerShdw blurRad="50800" dist="38100" dir="5400000" algn="t" rotWithShape="0">
-              <a:prstClr val="black">
-                <a:alpha val="40000"/>
-              </a:prstClr>
-            </a:outerShdw>
-          </a:effectLst>
-        </p:spPr>
-        <p:style>
-          <a:lnRef idx="1">
-            <a:schemeClr val="accent1"/>
-          </a:lnRef>
-          <a:fillRef idx="0">
-            <a:schemeClr val="accent1"/>
-          </a:fillRef>
-          <a:effectRef idx="0">
-            <a:schemeClr val="accent1"/>
-          </a:effectRef>
-          <a:fontRef idx="minor">
-            <a:schemeClr val="tx1"/>
-          </a:fontRef>
-        </p:style>
-      </p:cxnSp>
-      <p:cxnSp>
-        <p:nvCxnSpPr>
-          <p:cNvPr id="18" name="직선 연결선 17"/>
-          <p:cNvCxnSpPr/>
-          <p:nvPr/>
-        </p:nvCxnSpPr>
-        <p:spPr>
-          <a:xfrm>
-            <a:off x="1026522" y="989148"/>
-            <a:ext cx="2160000" cy="0"/>
-          </a:xfrm>
-          <a:prstGeom prst="line">
-            <a:avLst/>
-          </a:prstGeom>
-          <a:ln>
-            <a:solidFill>
-              <a:schemeClr val="bg1">
-                <a:lumMod val="50000"/>
-              </a:schemeClr>
-            </a:solidFill>
-          </a:ln>
-        </p:spPr>
-        <p:style>
-          <a:lnRef idx="1">
-            <a:schemeClr val="accent1"/>
-          </a:lnRef>
-          <a:fillRef idx="0">
-            <a:schemeClr val="accent1"/>
-          </a:fillRef>
-          <a:effectRef idx="0">
-            <a:schemeClr val="accent1"/>
-          </a:effectRef>
-          <a:fontRef idx="minor">
-            <a:schemeClr val="tx1"/>
-          </a:fontRef>
-        </p:style>
-      </p:cxnSp>
-      <p:sp>
-        <p:nvSpPr>
-          <p:cNvPr id="19" name="TextBox 18"/>
-          <p:cNvSpPr txBox="1"/>
-          <p:nvPr/>
-        </p:nvSpPr>
-        <p:spPr>
-          <a:xfrm>
-            <a:off x="1233310" y="437393"/>
-            <a:ext cx="1749197" cy="584775"/>
-          </a:xfrm>
-          <a:prstGeom prst="rect">
-            <a:avLst/>
-          </a:prstGeom>
-          <a:noFill/>
-        </p:spPr>
-        <p:txBody>
-          <a:bodyPr wrap="none" rtlCol="0">
-            <a:spAutoFit/>
-          </a:bodyPr>
-          <a:lstStyle/>
-          <a:p>
-            <a:pPr algn="ctr"/>
-            <a:r>
-              <a:rPr lang="ko-KR" altLang="en-US" sz="3200" spc="-150">
-                <a:solidFill>
-                  <a:srgbClr val="00002F"/>
-                </a:solidFill>
-                <a:latin typeface="나눔스퀘어 ExtraBold" panose="020B0600000101010101" pitchFamily="50" charset="-127"/>
-                <a:ea typeface="나눔스퀘어 ExtraBold" panose="020B0600000101010101" pitchFamily="50" charset="-127"/>
-              </a:rPr>
-              <a:t>외부요인</a:t>
-            </a:r>
-            <a:endParaRPr lang="ko-KR" altLang="en-US" sz="3200" spc="-150" dirty="0">
-              <a:solidFill>
-                <a:srgbClr val="00002F"/>
-              </a:solidFill>
-              <a:latin typeface="나눔스퀘어 ExtraBold" panose="020B0600000101010101" pitchFamily="50" charset="-127"/>
-              <a:ea typeface="나눔스퀘어 ExtraBold" panose="020B0600000101010101" pitchFamily="50" charset="-127"/>
-            </a:endParaRPr>
-          </a:p>
-        </p:txBody>
-      </p:sp>
-      <p:sp>
-        <p:nvSpPr>
-          <p:cNvPr id="20" name="TextBox 19"/>
-          <p:cNvSpPr txBox="1"/>
-          <p:nvPr/>
-        </p:nvSpPr>
-        <p:spPr>
-          <a:xfrm>
-            <a:off x="455532" y="498947"/>
-            <a:ext cx="614271" cy="461665"/>
-          </a:xfrm>
-          <a:prstGeom prst="rect">
-            <a:avLst/>
-          </a:prstGeom>
-          <a:noFill/>
-        </p:spPr>
-        <p:txBody>
-          <a:bodyPr wrap="none" rtlCol="0">
-            <a:spAutoFit/>
-          </a:bodyPr>
-          <a:lstStyle/>
-          <a:p>
-            <a:pPr algn="ctr"/>
-            <a:r>
-              <a:rPr lang="en-US" altLang="ko-KR" sz="2400" spc="-150" dirty="0">
-                <a:solidFill>
-                  <a:srgbClr val="00002F"/>
-                </a:solidFill>
-                <a:latin typeface="나눔스퀘어 ExtraBold" panose="020B0600000101010101" pitchFamily="50" charset="-127"/>
-                <a:ea typeface="나눔스퀘어 ExtraBold" panose="020B0600000101010101" pitchFamily="50" charset="-127"/>
-              </a:rPr>
-              <a:t>02.</a:t>
-            </a:r>
-            <a:endParaRPr lang="ko-KR" altLang="en-US" sz="2400" spc="-150" dirty="0">
-              <a:solidFill>
-                <a:srgbClr val="00002F"/>
-              </a:solidFill>
-              <a:latin typeface="나눔스퀘어 ExtraBold" panose="020B0600000101010101" pitchFamily="50" charset="-127"/>
-              <a:ea typeface="나눔스퀘어 ExtraBold" panose="020B0600000101010101" pitchFamily="50" charset="-127"/>
-            </a:endParaRPr>
-          </a:p>
-        </p:txBody>
-      </p:sp>
-      <p:sp>
-        <p:nvSpPr>
-          <p:cNvPr id="21" name="TextBox 20"/>
-          <p:cNvSpPr txBox="1"/>
-          <p:nvPr/>
-        </p:nvSpPr>
-        <p:spPr>
-          <a:xfrm>
-            <a:off x="1043807" y="1006929"/>
-            <a:ext cx="2002472" cy="369332"/>
-          </a:xfrm>
-          <a:prstGeom prst="rect">
-            <a:avLst/>
-          </a:prstGeom>
-          <a:noFill/>
-        </p:spPr>
-        <p:txBody>
-          <a:bodyPr wrap="none" rtlCol="0">
-            <a:spAutoFit/>
-          </a:bodyPr>
-          <a:lstStyle/>
-          <a:p>
-            <a:pPr algn="ctr"/>
-            <a:r>
-              <a:rPr lang="ko-KR" altLang="en-US" spc="-150" dirty="0">
-                <a:solidFill>
-                  <a:srgbClr val="00002F"/>
-                </a:solidFill>
-                <a:latin typeface="나눔스퀘어 ExtraBold" panose="020B0600000101010101" pitchFamily="50" charset="-127"/>
-                <a:ea typeface="나눔스퀘어 ExtraBold" panose="020B0600000101010101" pitchFamily="50" charset="-127"/>
-              </a:rPr>
-              <a:t>내국인 관광객 요인</a:t>
-            </a:r>
-          </a:p>
-        </p:txBody>
-      </p:sp>
-      <p:pic>
-        <p:nvPicPr>
-          <p:cNvPr id="12" name="그림 11">
-            <a:extLst>
-              <a:ext uri="{FF2B5EF4-FFF2-40B4-BE49-F238E27FC236}">
-                <a16:creationId xmlns:a16="http://schemas.microsoft.com/office/drawing/2014/main" id="{81F3AF4D-A2E4-4211-88F7-E1D880317713}"/>
-              </a:ext>
-            </a:extLst>
-          </p:cNvPr>
-          <p:cNvPicPr>
-            <a:picLocks noChangeAspect="1"/>
-          </p:cNvPicPr>
-          <p:nvPr/>
-        </p:nvPicPr>
-        <p:blipFill>
-          <a:blip r:embed="rId2">
-            <a:extLst>
-              <a:ext uri="{28A0092B-C50C-407E-A947-70E740481C1C}">
-                <a14:useLocalDpi xmlns:a14="http://schemas.microsoft.com/office/drawing/2010/main" val="0"/>
-              </a:ext>
-            </a:extLst>
-          </a:blip>
-          <a:stretch>
-            <a:fillRect/>
-          </a:stretch>
-        </p:blipFill>
-        <p:spPr>
-          <a:xfrm>
-            <a:off x="5492063" y="956917"/>
-            <a:ext cx="5201376" cy="4944165"/>
-          </a:xfrm>
-          <a:prstGeom prst="rect">
-            <a:avLst/>
-          </a:prstGeom>
-        </p:spPr>
-      </p:pic>
-    </p:spTree>
-    <p:extLst>
-      <p:ext uri="{BB962C8B-B14F-4D97-AF65-F5344CB8AC3E}">
-        <p14:creationId xmlns:p14="http://schemas.microsoft.com/office/powerpoint/2010/main" val="2356050672"/>
-      </p:ext>
-    </p:extLst>
-  </p:cSld>
-  <p:clrMapOvr>
-    <a:masterClrMapping/>
-  </p:clrMapOvr>
-</p:sld>
-</file>
-
-<file path=ppt/slides/slide11.xml><?xml version="1.0" encoding="utf-8"?>
-<p:sld xmlns:a="http://schemas.openxmlformats.org/drawingml/2006/main" xmlns:r="http://schemas.openxmlformats.org/officeDocument/2006/relationships" xmlns:p="http://schemas.openxmlformats.org/presentationml/2006/main">
-  <p:cSld>
-    <p:spTree>
-      <p:nvGrpSpPr>
-        <p:cNvPr id="1" name=""/>
-        <p:cNvGrpSpPr/>
-        <p:nvPr/>
-      </p:nvGrpSpPr>
-      <p:grpSpPr>
-        <a:xfrm>
-          <a:off x="0" y="0"/>
-          <a:ext cx="0" cy="0"/>
-          <a:chOff x="0" y="0"/>
-          <a:chExt cx="0" cy="0"/>
-        </a:xfrm>
-      </p:grpSpPr>
-      <p:sp>
-        <p:nvSpPr>
           <p:cNvPr id="2" name="TextBox 1"/>
           <p:cNvSpPr txBox="1"/>
           <p:nvPr/>
@@ -7266,7 +6773,7 @@
 </p:sld>
 </file>
 
-<file path=ppt/slides/slide12.xml><?xml version="1.0" encoding="utf-8"?>
+<file path=ppt/slides/slide11.xml><?xml version="1.0" encoding="utf-8"?>
 <p:sld xmlns:a="http://schemas.openxmlformats.org/drawingml/2006/main" xmlns:r="http://schemas.openxmlformats.org/officeDocument/2006/relationships" xmlns:p="http://schemas.openxmlformats.org/presentationml/2006/main">
   <p:cSld>
     <p:spTree>
@@ -7291,8 +6798,8 @@
         </p:nvSpPr>
         <p:spPr>
           <a:xfrm>
-            <a:off x="4339915" y="635265"/>
-            <a:ext cx="6526530" cy="572505"/>
+            <a:off x="808796" y="1566792"/>
+            <a:ext cx="1287532" cy="461665"/>
           </a:xfrm>
           <a:prstGeom prst="rect">
             <a:avLst/>
@@ -7309,14 +6816,14 @@
               <a:defRPr/>
             </a:pPr>
             <a:r>
-              <a:rPr lang="ko-KR" altLang="en-US" sz="3200" spc="-150">
+              <a:rPr lang="ko-KR" altLang="en-US" sz="2400" spc="-150" dirty="0">
                 <a:solidFill>
                   <a:srgbClr val="8DBABD"/>
                 </a:solidFill>
                 <a:latin typeface="나눔스퀘어 ExtraBold"/>
                 <a:ea typeface="나눔스퀘어 ExtraBold"/>
               </a:rPr>
-              <a:t>사드 이후 대폭 상승한 것을 볼 수 있음</a:t>
+              <a:t>사드 이후</a:t>
             </a:r>
           </a:p>
         </p:txBody>
@@ -7667,8 +7174,8 @@
         </p:blipFill>
         <p:spPr>
           <a:xfrm>
-            <a:off x="301130" y="1369098"/>
-            <a:ext cx="11441123" cy="5193900"/>
+            <a:off x="667208" y="2237109"/>
+            <a:ext cx="8422818" cy="3823687"/>
           </a:xfrm>
           <a:prstGeom prst="rect">
             <a:avLst/>
@@ -7683,8 +7190,8 @@
         </p:nvSpPr>
         <p:spPr>
           <a:xfrm>
-            <a:off x="3667463" y="6195303"/>
-            <a:ext cx="391808" cy="216170"/>
+            <a:off x="2776755" y="5566854"/>
+            <a:ext cx="351337" cy="162827"/>
           </a:xfrm>
           <a:prstGeom prst="rect">
             <a:avLst/>
@@ -7723,6 +7230,51 @@
           </a:p>
         </p:txBody>
       </p:sp>
+      <p:sp>
+        <p:nvSpPr>
+          <p:cNvPr id="2" name="직사각형 1">
+            <a:extLst>
+              <a:ext uri="{FF2B5EF4-FFF2-40B4-BE49-F238E27FC236}">
+                <a16:creationId xmlns:a16="http://schemas.microsoft.com/office/drawing/2014/main" id="{0D06EA59-F3B4-4840-8A9B-0F149D7D123A}"/>
+              </a:ext>
+            </a:extLst>
+          </p:cNvPr>
+          <p:cNvSpPr/>
+          <p:nvPr/>
+        </p:nvSpPr>
+        <p:spPr>
+          <a:xfrm>
+            <a:off x="9450026" y="3564177"/>
+            <a:ext cx="1768433" cy="584775"/>
+          </a:xfrm>
+          <a:prstGeom prst="rect">
+            <a:avLst/>
+          </a:prstGeom>
+        </p:spPr>
+        <p:txBody>
+          <a:bodyPr wrap="none">
+            <a:spAutoFit/>
+          </a:bodyPr>
+          <a:lstStyle/>
+          <a:p>
+            <a:r>
+              <a:rPr lang="ko-KR" altLang="en-US" sz="3200" spc="-150" dirty="0">
+                <a:solidFill>
+                  <a:srgbClr val="FF0000"/>
+                </a:solidFill>
+                <a:latin typeface="나눔스퀘어 ExtraBold"/>
+                <a:ea typeface="나눔스퀘어 ExtraBold"/>
+              </a:rPr>
+              <a:t> 대폭 상승</a:t>
+            </a:r>
+            <a:endParaRPr lang="ko-KR" altLang="en-US" sz="3200" dirty="0">
+              <a:solidFill>
+                <a:srgbClr val="FF0000"/>
+              </a:solidFill>
+            </a:endParaRPr>
+          </a:p>
+        </p:txBody>
+      </p:sp>
     </p:spTree>
   </p:cSld>
   <p:clrMapOvr>
@@ -7732,14 +7284,138 @@
     <mc:Choice Requires="p14">
       <p:transition/>
     </mc:Choice>
-    <mc:Fallback xmlns:dsp="http://schemas.microsoft.com/office/drawing/2008/diagram" xmlns:dgm="http://schemas.openxmlformats.org/drawingml/2006/diagram" xmlns:c="http://schemas.openxmlformats.org/drawingml/2006/chart" xmlns="">
+    <mc:Fallback xmlns="" xmlns:c="http://schemas.openxmlformats.org/drawingml/2006/chart" xmlns:dgm="http://schemas.openxmlformats.org/drawingml/2006/diagram" xmlns:dsp="http://schemas.microsoft.com/office/drawing/2008/diagram">
       <p:transition/>
     </mc:Fallback>
   </mc:AlternateContent>
+  <p:timing>
+    <p:tnLst>
+      <p:par>
+        <p:cTn id="1" dur="indefinite" restart="never" nodeType="tmRoot">
+          <p:childTnLst>
+            <p:seq concurrent="1" nextAc="seek">
+              <p:cTn id="2" dur="indefinite" nodeType="mainSeq">
+                <p:childTnLst>
+                  <p:par>
+                    <p:cTn id="3" fill="hold">
+                      <p:stCondLst>
+                        <p:cond delay="indefinite"/>
+                      </p:stCondLst>
+                      <p:childTnLst>
+                        <p:par>
+                          <p:cTn id="4" fill="hold">
+                            <p:stCondLst>
+                              <p:cond delay="0"/>
+                            </p:stCondLst>
+                            <p:childTnLst>
+                              <p:par>
+                                <p:cTn id="5" presetID="2" presetClass="entr" presetSubtype="4" fill="hold" grpId="0" nodeType="clickEffect">
+                                  <p:stCondLst>
+                                    <p:cond delay="0"/>
+                                  </p:stCondLst>
+                                  <p:childTnLst>
+                                    <p:set>
+                                      <p:cBhvr>
+                                        <p:cTn id="6" dur="1" fill="hold">
+                                          <p:stCondLst>
+                                            <p:cond delay="0"/>
+                                          </p:stCondLst>
+                                        </p:cTn>
+                                        <p:tgtEl>
+                                          <p:spTgt spid="2"/>
+                                        </p:tgtEl>
+                                        <p:attrNameLst>
+                                          <p:attrName>style.visibility</p:attrName>
+                                        </p:attrNameLst>
+                                      </p:cBhvr>
+                                      <p:to>
+                                        <p:strVal val="visible"/>
+                                      </p:to>
+                                    </p:set>
+                                    <p:anim calcmode="lin" valueType="num">
+                                      <p:cBhvr additive="base">
+                                        <p:cTn id="7" dur="500" fill="hold"/>
+                                        <p:tgtEl>
+                                          <p:spTgt spid="2"/>
+                                        </p:tgtEl>
+                                        <p:attrNameLst>
+                                          <p:attrName>ppt_x</p:attrName>
+                                        </p:attrNameLst>
+                                      </p:cBhvr>
+                                      <p:tavLst>
+                                        <p:tav tm="0">
+                                          <p:val>
+                                            <p:strVal val="#ppt_x"/>
+                                          </p:val>
+                                        </p:tav>
+                                        <p:tav tm="100000">
+                                          <p:val>
+                                            <p:strVal val="#ppt_x"/>
+                                          </p:val>
+                                        </p:tav>
+                                      </p:tavLst>
+                                    </p:anim>
+                                    <p:anim calcmode="lin" valueType="num">
+                                      <p:cBhvr additive="base">
+                                        <p:cTn id="8" dur="500" fill="hold"/>
+                                        <p:tgtEl>
+                                          <p:spTgt spid="2"/>
+                                        </p:tgtEl>
+                                        <p:attrNameLst>
+                                          <p:attrName>ppt_y</p:attrName>
+                                        </p:attrNameLst>
+                                      </p:cBhvr>
+                                      <p:tavLst>
+                                        <p:tav tm="0">
+                                          <p:val>
+                                            <p:strVal val="1+#ppt_h/2"/>
+                                          </p:val>
+                                        </p:tav>
+                                        <p:tav tm="100000">
+                                          <p:val>
+                                            <p:strVal val="#ppt_y"/>
+                                          </p:val>
+                                        </p:tav>
+                                      </p:tavLst>
+                                    </p:anim>
+                                  </p:childTnLst>
+                                </p:cTn>
+                              </p:par>
+                            </p:childTnLst>
+                          </p:cTn>
+                        </p:par>
+                      </p:childTnLst>
+                    </p:cTn>
+                  </p:par>
+                </p:childTnLst>
+              </p:cTn>
+              <p:prevCondLst>
+                <p:cond evt="onPrev" delay="0">
+                  <p:tgtEl>
+                    <p:sldTgt/>
+                  </p:tgtEl>
+                </p:cond>
+              </p:prevCondLst>
+              <p:nextCondLst>
+                <p:cond evt="onNext" delay="0">
+                  <p:tgtEl>
+                    <p:sldTgt/>
+                  </p:tgtEl>
+                </p:cond>
+              </p:nextCondLst>
+            </p:seq>
+          </p:childTnLst>
+        </p:cTn>
+      </p:par>
+    </p:tnLst>
+    <p:bldLst>
+      <p:bldP spid="2" grpId="0"/>
+    </p:bldLst>
+  </p:timing>
 </p:sld>
 </file>
 
-<file path=ppt/slides/slide13.xml><?xml version="1.0" encoding="utf-8"?>
+<file path=ppt/slides/slide12.xml><?xml version="1.0" encoding="utf-8"?>
 <p:sld xmlns:a="http://schemas.openxmlformats.org/drawingml/2006/main" xmlns:r="http://schemas.openxmlformats.org/officeDocument/2006/relationships" xmlns:p="http://schemas.openxmlformats.org/presentationml/2006/main">
   <p:cSld>
     <p:spTree>
@@ -7764,8 +7440,8 @@
         </p:nvSpPr>
         <p:spPr>
           <a:xfrm>
-            <a:off x="84467" y="3429000"/>
-            <a:ext cx="3764282" cy="573798"/>
+            <a:off x="480060" y="1691385"/>
+            <a:ext cx="3539751" cy="584775"/>
           </a:xfrm>
           <a:prstGeom prst="rect">
             <a:avLst/>
@@ -7782,12 +7458,12 @@
               <a:defRPr/>
             </a:pPr>
             <a:r>
-              <a:rPr lang="ko-KR" altLang="en-US" sz="3200" spc="-150">
+              <a:rPr lang="ko-KR" altLang="en-US" sz="3200" spc="-150" dirty="0">
                 <a:solidFill>
                   <a:srgbClr val="8DBABD"/>
                 </a:solidFill>
-                <a:latin typeface="나눔스퀘어 ExtraBold"/>
-                <a:ea typeface="나눔스퀘어 ExtraBold"/>
+                <a:latin typeface="나눔스퀘어 Bold" panose="020B0600000101010101" pitchFamily="50" charset="-127"/>
+                <a:ea typeface="나눔스퀘어 Bold" panose="020B0600000101010101" pitchFamily="50" charset="-127"/>
               </a:rPr>
               <a:t>전분야 지원금액 증가</a:t>
             </a:r>
@@ -8126,97 +7802,14 @@
       </p:sp>
       <p:sp>
         <p:nvSpPr>
-          <p:cNvPr id="13" name="TextBox 12"/>
-          <p:cNvSpPr txBox="1"/>
-          <p:nvPr/>
-        </p:nvSpPr>
-        <p:spPr>
-          <a:xfrm>
-            <a:off x="495933" y="5726353"/>
-            <a:ext cx="6736080" cy="974978"/>
-          </a:xfrm>
-          <a:prstGeom prst="rect">
-            <a:avLst/>
-          </a:prstGeom>
-          <a:noFill/>
-        </p:spPr>
-        <p:txBody>
-          <a:bodyPr wrap="square">
-            <a:spAutoFit/>
-          </a:bodyPr>
-          <a:lstStyle/>
-          <a:p>
-            <a:pPr algn="ctr">
-              <a:defRPr/>
-            </a:pPr>
-            <a:r>
-              <a:rPr lang="ko-KR" altLang="en-US" sz="2900" spc="-150">
-                <a:solidFill>
-                  <a:srgbClr val="8DBABD"/>
-                </a:solidFill>
-                <a:latin typeface="나눔스퀘어 ExtraBold"/>
-                <a:ea typeface="나눔스퀘어 ExtraBold"/>
-              </a:rPr>
-              <a:t>중국에 의지하여 수익을 창출하는 것이 아닌</a:t>
-            </a:r>
-          </a:p>
-          <a:p>
-            <a:pPr algn="ctr">
-              <a:defRPr/>
-            </a:pPr>
-            <a:r>
-              <a:rPr lang="ko-KR" altLang="en-US" sz="2900" spc="-150">
-                <a:solidFill>
-                  <a:srgbClr val="FF0000"/>
-                </a:solidFill>
-                <a:latin typeface="나눔스퀘어 ExtraBold"/>
-                <a:ea typeface="나눔스퀘어 ExtraBold"/>
-              </a:rPr>
-              <a:t>다른 발전 방향</a:t>
-            </a:r>
-            <a:r>
-              <a:rPr lang="ko-KR" altLang="en-US" sz="2900" spc="-150">
-                <a:solidFill>
-                  <a:srgbClr val="8DBABD"/>
-                </a:solidFill>
-                <a:latin typeface="나눔스퀘어 ExtraBold"/>
-                <a:ea typeface="나눔스퀘어 ExtraBold"/>
-              </a:rPr>
-              <a:t>을</a:t>
-            </a:r>
-            <a:r>
-              <a:rPr lang="ko-KR" altLang="en-US" sz="2900" spc="-150">
-                <a:solidFill>
-                  <a:srgbClr val="FF0000"/>
-                </a:solidFill>
-                <a:latin typeface="나눔스퀘어 ExtraBold"/>
-                <a:ea typeface="나눔스퀘어 ExtraBold"/>
-              </a:rPr>
-              <a:t> </a:t>
-            </a:r>
-            <a:r>
-              <a:rPr lang="ko-KR" altLang="en-US" sz="2900" spc="-150">
-                <a:solidFill>
-                  <a:srgbClr val="8DBABD"/>
-                </a:solidFill>
-                <a:latin typeface="나눔스퀘어 ExtraBold"/>
-                <a:ea typeface="나눔스퀘어 ExtraBold"/>
-              </a:rPr>
-              <a:t>탐색 지원하겠다는 의미</a:t>
-            </a:r>
-          </a:p>
-        </p:txBody>
-      </p:sp>
-      <p:sp>
-        <p:nvSpPr>
           <p:cNvPr id="2" name="화살표: 아래쪽 1"/>
           <p:cNvSpPr/>
           <p:nvPr/>
         </p:nvSpPr>
         <p:spPr>
           <a:xfrm>
-            <a:off x="1752870" y="4332437"/>
-            <a:ext cx="355600" cy="1130300"/>
+            <a:off x="2018170" y="2683999"/>
+            <a:ext cx="463529" cy="418127"/>
           </a:xfrm>
           <a:prstGeom prst="downArrow">
             <a:avLst>
@@ -8251,7 +7844,7 @@
             <a:pPr algn="ctr">
               <a:defRPr/>
             </a:pPr>
-            <a:endParaRPr lang="ko-KR" altLang="en-US"/>
+            <a:endParaRPr lang="ko-KR" altLang="en-US" dirty="0"/>
           </a:p>
         </p:txBody>
       </p:sp>
@@ -8271,14 +7864,199 @@
         </p:blipFill>
         <p:spPr>
           <a:xfrm>
-            <a:off x="3859518" y="269858"/>
-            <a:ext cx="7942114" cy="5494133"/>
+            <a:off x="4433444" y="1691385"/>
+            <a:ext cx="7145742" cy="4177467"/>
           </a:xfrm>
           <a:prstGeom prst="rect">
             <a:avLst/>
           </a:prstGeom>
         </p:spPr>
       </p:pic>
+      <p:sp>
+        <p:nvSpPr>
+          <p:cNvPr id="4" name="직사각형 3">
+            <a:extLst>
+              <a:ext uri="{FF2B5EF4-FFF2-40B4-BE49-F238E27FC236}">
+                <a16:creationId xmlns:a16="http://schemas.microsoft.com/office/drawing/2014/main" id="{662983B7-D4CD-4E64-B7D9-2D27FBBA5B21}"/>
+              </a:ext>
+            </a:extLst>
+          </p:cNvPr>
+          <p:cNvSpPr/>
+          <p:nvPr/>
+        </p:nvSpPr>
+        <p:spPr>
+          <a:xfrm>
+            <a:off x="1452562" y="3350856"/>
+            <a:ext cx="2027238" cy="584775"/>
+          </a:xfrm>
+          <a:prstGeom prst="rect">
+            <a:avLst/>
+          </a:prstGeom>
+        </p:spPr>
+        <p:txBody>
+          <a:bodyPr wrap="square">
+            <a:spAutoFit/>
+          </a:bodyPr>
+          <a:lstStyle/>
+          <a:p>
+            <a:r>
+              <a:rPr lang="ko-KR" altLang="en-US" sz="3200" spc="-150" dirty="0">
+                <a:solidFill>
+                  <a:srgbClr val="8DBABD"/>
+                </a:solidFill>
+                <a:latin typeface="나눔스퀘어 Bold" panose="020B0600000101010101" pitchFamily="50" charset="-127"/>
+                <a:ea typeface="나눔스퀘어 Bold" panose="020B0600000101010101" pitchFamily="50" charset="-127"/>
+              </a:rPr>
+              <a:t>중국 의지</a:t>
+            </a:r>
+            <a:endParaRPr lang="ko-KR" altLang="en-US" sz="3200" dirty="0"/>
+          </a:p>
+        </p:txBody>
+      </p:sp>
+      <p:sp>
+        <p:nvSpPr>
+          <p:cNvPr id="5" name="곱하기 기호 4">
+            <a:extLst>
+              <a:ext uri="{FF2B5EF4-FFF2-40B4-BE49-F238E27FC236}">
+                <a16:creationId xmlns:a16="http://schemas.microsoft.com/office/drawing/2014/main" id="{0A3A7395-F57B-48CF-B6A0-DC6430E837C2}"/>
+              </a:ext>
+            </a:extLst>
+          </p:cNvPr>
+          <p:cNvSpPr/>
+          <p:nvPr/>
+        </p:nvSpPr>
+        <p:spPr>
+          <a:xfrm>
+            <a:off x="1384183" y="2741407"/>
+            <a:ext cx="1803633" cy="1843116"/>
+          </a:xfrm>
+          <a:prstGeom prst="mathMultiply">
+            <a:avLst/>
+          </a:prstGeom>
+          <a:solidFill>
+            <a:srgbClr val="FF0000"/>
+          </a:solidFill>
+        </p:spPr>
+        <p:style>
+          <a:lnRef idx="2">
+            <a:schemeClr val="accent1">
+              <a:shade val="50000"/>
+            </a:schemeClr>
+          </a:lnRef>
+          <a:fillRef idx="1">
+            <a:schemeClr val="accent1"/>
+          </a:fillRef>
+          <a:effectRef idx="0">
+            <a:schemeClr val="accent1"/>
+          </a:effectRef>
+          <a:fontRef idx="minor">
+            <a:schemeClr val="lt1"/>
+          </a:fontRef>
+        </p:style>
+        <p:txBody>
+          <a:bodyPr rtlCol="0" anchor="ctr"/>
+          <a:lstStyle/>
+          <a:p>
+            <a:pPr algn="ctr"/>
+            <a:endParaRPr lang="ko-KR" altLang="en-US"/>
+          </a:p>
+        </p:txBody>
+      </p:sp>
+      <p:sp>
+        <p:nvSpPr>
+          <p:cNvPr id="6" name="직사각형 5">
+            <a:extLst>
+              <a:ext uri="{FF2B5EF4-FFF2-40B4-BE49-F238E27FC236}">
+                <a16:creationId xmlns:a16="http://schemas.microsoft.com/office/drawing/2014/main" id="{3DB0E4DF-6C7F-4B13-94D5-5A042482B475}"/>
+              </a:ext>
+            </a:extLst>
+          </p:cNvPr>
+          <p:cNvSpPr/>
+          <p:nvPr/>
+        </p:nvSpPr>
+        <p:spPr>
+          <a:xfrm>
+            <a:off x="1047518" y="5007784"/>
+            <a:ext cx="2476960" cy="584775"/>
+          </a:xfrm>
+          <a:prstGeom prst="rect">
+            <a:avLst/>
+          </a:prstGeom>
+        </p:spPr>
+        <p:txBody>
+          <a:bodyPr wrap="none">
+            <a:spAutoFit/>
+          </a:bodyPr>
+          <a:lstStyle/>
+          <a:p>
+            <a:r>
+              <a:rPr lang="ko-KR" altLang="en-US" sz="3200" spc="-150" dirty="0">
+                <a:solidFill>
+                  <a:srgbClr val="FF0000"/>
+                </a:solidFill>
+                <a:latin typeface="나눔스퀘어 ExtraBold"/>
+                <a:ea typeface="나눔스퀘어 ExtraBold"/>
+              </a:rPr>
+              <a:t>다른 발전 방향</a:t>
+            </a:r>
+            <a:endParaRPr lang="ko-KR" altLang="en-US" sz="3200" dirty="0"/>
+          </a:p>
+        </p:txBody>
+      </p:sp>
+      <p:sp>
+        <p:nvSpPr>
+          <p:cNvPr id="23" name="화살표: 아래쪽 22">
+            <a:extLst>
+              <a:ext uri="{FF2B5EF4-FFF2-40B4-BE49-F238E27FC236}">
+                <a16:creationId xmlns:a16="http://schemas.microsoft.com/office/drawing/2014/main" id="{F8B15BF7-26C8-4139-8143-B058BD27DF42}"/>
+              </a:ext>
+            </a:extLst>
+          </p:cNvPr>
+          <p:cNvSpPr/>
+          <p:nvPr/>
+        </p:nvSpPr>
+        <p:spPr>
+          <a:xfrm>
+            <a:off x="2054234" y="4432867"/>
+            <a:ext cx="463529" cy="418127"/>
+          </a:xfrm>
+          <a:prstGeom prst="downArrow">
+            <a:avLst>
+              <a:gd name="adj1" fmla="val 50000"/>
+              <a:gd name="adj2" fmla="val 50000"/>
+            </a:avLst>
+          </a:prstGeom>
+          <a:solidFill>
+            <a:srgbClr val="8DBABD"/>
+          </a:solidFill>
+        </p:spPr>
+        <p:style>
+          <a:lnRef idx="2">
+            <a:schemeClr val="accent1">
+              <a:shade val="50000"/>
+            </a:schemeClr>
+          </a:lnRef>
+          <a:fillRef idx="1">
+            <a:schemeClr val="accent1"/>
+          </a:fillRef>
+          <a:effectRef idx="0">
+            <a:schemeClr val="accent1"/>
+          </a:effectRef>
+          <a:fontRef idx="minor">
+            <a:schemeClr val="lt1"/>
+          </a:fontRef>
+        </p:style>
+        <p:txBody>
+          <a:bodyPr anchor="ctr"/>
+          <a:lstStyle/>
+          <a:p>
+            <a:pPr algn="ctr">
+              <a:defRPr/>
+            </a:pPr>
+            <a:endParaRPr lang="ko-KR" altLang="en-US" dirty="0"/>
+          </a:p>
+        </p:txBody>
+      </p:sp>
     </p:spTree>
   </p:cSld>
   <p:clrMapOvr>
@@ -8288,47 +8066,470 @@
     <mc:Choice Requires="p14">
       <p:transition/>
     </mc:Choice>
-    <mc:Fallback xmlns:dsp="http://schemas.microsoft.com/office/drawing/2008/diagram" xmlns:dgm="http://schemas.openxmlformats.org/drawingml/2006/diagram" xmlns:c="http://schemas.openxmlformats.org/drawingml/2006/chart" xmlns="">
+    <mc:Fallback xmlns="" xmlns:c="http://schemas.openxmlformats.org/drawingml/2006/chart" xmlns:dgm="http://schemas.openxmlformats.org/drawingml/2006/diagram" xmlns:dsp="http://schemas.microsoft.com/office/drawing/2008/diagram">
       <p:transition/>
     </mc:Fallback>
   </mc:AlternateContent>
+  <p:timing>
+    <p:tnLst>
+      <p:par>
+        <p:cTn id="1" dur="indefinite" restart="never" nodeType="tmRoot">
+          <p:childTnLst>
+            <p:seq concurrent="1" nextAc="seek">
+              <p:cTn id="2" dur="indefinite" nodeType="mainSeq">
+                <p:childTnLst>
+                  <p:par>
+                    <p:cTn id="3" fill="hold">
+                      <p:stCondLst>
+                        <p:cond delay="indefinite"/>
+                      </p:stCondLst>
+                      <p:childTnLst>
+                        <p:par>
+                          <p:cTn id="4" fill="hold">
+                            <p:stCondLst>
+                              <p:cond delay="0"/>
+                            </p:stCondLst>
+                            <p:childTnLst>
+                              <p:par>
+                                <p:cTn id="5" presetID="2" presetClass="entr" presetSubtype="4" fill="hold" grpId="0" nodeType="clickEffect">
+                                  <p:stCondLst>
+                                    <p:cond delay="0"/>
+                                  </p:stCondLst>
+                                  <p:childTnLst>
+                                    <p:set>
+                                      <p:cBhvr>
+                                        <p:cTn id="6" dur="1" fill="hold">
+                                          <p:stCondLst>
+                                            <p:cond delay="0"/>
+                                          </p:stCondLst>
+                                        </p:cTn>
+                                        <p:tgtEl>
+                                          <p:spTgt spid="2"/>
+                                        </p:tgtEl>
+                                        <p:attrNameLst>
+                                          <p:attrName>style.visibility</p:attrName>
+                                        </p:attrNameLst>
+                                      </p:cBhvr>
+                                      <p:to>
+                                        <p:strVal val="visible"/>
+                                      </p:to>
+                                    </p:set>
+                                    <p:anim calcmode="lin" valueType="num">
+                                      <p:cBhvr additive="base">
+                                        <p:cTn id="7" dur="500" fill="hold"/>
+                                        <p:tgtEl>
+                                          <p:spTgt spid="2"/>
+                                        </p:tgtEl>
+                                        <p:attrNameLst>
+                                          <p:attrName>ppt_x</p:attrName>
+                                        </p:attrNameLst>
+                                      </p:cBhvr>
+                                      <p:tavLst>
+                                        <p:tav tm="0">
+                                          <p:val>
+                                            <p:strVal val="#ppt_x"/>
+                                          </p:val>
+                                        </p:tav>
+                                        <p:tav tm="100000">
+                                          <p:val>
+                                            <p:strVal val="#ppt_x"/>
+                                          </p:val>
+                                        </p:tav>
+                                      </p:tavLst>
+                                    </p:anim>
+                                    <p:anim calcmode="lin" valueType="num">
+                                      <p:cBhvr additive="base">
+                                        <p:cTn id="8" dur="500" fill="hold"/>
+                                        <p:tgtEl>
+                                          <p:spTgt spid="2"/>
+                                        </p:tgtEl>
+                                        <p:attrNameLst>
+                                          <p:attrName>ppt_y</p:attrName>
+                                        </p:attrNameLst>
+                                      </p:cBhvr>
+                                      <p:tavLst>
+                                        <p:tav tm="0">
+                                          <p:val>
+                                            <p:strVal val="1+#ppt_h/2"/>
+                                          </p:val>
+                                        </p:tav>
+                                        <p:tav tm="100000">
+                                          <p:val>
+                                            <p:strVal val="#ppt_y"/>
+                                          </p:val>
+                                        </p:tav>
+                                      </p:tavLst>
+                                    </p:anim>
+                                  </p:childTnLst>
+                                </p:cTn>
+                              </p:par>
+                              <p:par>
+                                <p:cTn id="9" presetID="2" presetClass="entr" presetSubtype="4" fill="hold" grpId="0" nodeType="withEffect">
+                                  <p:stCondLst>
+                                    <p:cond delay="0"/>
+                                  </p:stCondLst>
+                                  <p:childTnLst>
+                                    <p:set>
+                                      <p:cBhvr>
+                                        <p:cTn id="10" dur="1" fill="hold">
+                                          <p:stCondLst>
+                                            <p:cond delay="0"/>
+                                          </p:stCondLst>
+                                        </p:cTn>
+                                        <p:tgtEl>
+                                          <p:spTgt spid="4"/>
+                                        </p:tgtEl>
+                                        <p:attrNameLst>
+                                          <p:attrName>style.visibility</p:attrName>
+                                        </p:attrNameLst>
+                                      </p:cBhvr>
+                                      <p:to>
+                                        <p:strVal val="visible"/>
+                                      </p:to>
+                                    </p:set>
+                                    <p:anim calcmode="lin" valueType="num">
+                                      <p:cBhvr additive="base">
+                                        <p:cTn id="11" dur="500" fill="hold"/>
+                                        <p:tgtEl>
+                                          <p:spTgt spid="4"/>
+                                        </p:tgtEl>
+                                        <p:attrNameLst>
+                                          <p:attrName>ppt_x</p:attrName>
+                                        </p:attrNameLst>
+                                      </p:cBhvr>
+                                      <p:tavLst>
+                                        <p:tav tm="0">
+                                          <p:val>
+                                            <p:strVal val="#ppt_x"/>
+                                          </p:val>
+                                        </p:tav>
+                                        <p:tav tm="100000">
+                                          <p:val>
+                                            <p:strVal val="#ppt_x"/>
+                                          </p:val>
+                                        </p:tav>
+                                      </p:tavLst>
+                                    </p:anim>
+                                    <p:anim calcmode="lin" valueType="num">
+                                      <p:cBhvr additive="base">
+                                        <p:cTn id="12" dur="500" fill="hold"/>
+                                        <p:tgtEl>
+                                          <p:spTgt spid="4"/>
+                                        </p:tgtEl>
+                                        <p:attrNameLst>
+                                          <p:attrName>ppt_y</p:attrName>
+                                        </p:attrNameLst>
+                                      </p:cBhvr>
+                                      <p:tavLst>
+                                        <p:tav tm="0">
+                                          <p:val>
+                                            <p:strVal val="1+#ppt_h/2"/>
+                                          </p:val>
+                                        </p:tav>
+                                        <p:tav tm="100000">
+                                          <p:val>
+                                            <p:strVal val="#ppt_y"/>
+                                          </p:val>
+                                        </p:tav>
+                                      </p:tavLst>
+                                    </p:anim>
+                                  </p:childTnLst>
+                                </p:cTn>
+                              </p:par>
+                            </p:childTnLst>
+                          </p:cTn>
+                        </p:par>
+                      </p:childTnLst>
+                    </p:cTn>
+                  </p:par>
+                  <p:par>
+                    <p:cTn id="13" fill="hold">
+                      <p:stCondLst>
+                        <p:cond delay="indefinite"/>
+                      </p:stCondLst>
+                      <p:childTnLst>
+                        <p:par>
+                          <p:cTn id="14" fill="hold">
+                            <p:stCondLst>
+                              <p:cond delay="0"/>
+                            </p:stCondLst>
+                            <p:childTnLst>
+                              <p:par>
+                                <p:cTn id="15" presetID="2" presetClass="entr" presetSubtype="4" fill="hold" grpId="0" nodeType="clickEffect">
+                                  <p:stCondLst>
+                                    <p:cond delay="0"/>
+                                  </p:stCondLst>
+                                  <p:childTnLst>
+                                    <p:set>
+                                      <p:cBhvr>
+                                        <p:cTn id="16" dur="1" fill="hold">
+                                          <p:stCondLst>
+                                            <p:cond delay="0"/>
+                                          </p:stCondLst>
+                                        </p:cTn>
+                                        <p:tgtEl>
+                                          <p:spTgt spid="5"/>
+                                        </p:tgtEl>
+                                        <p:attrNameLst>
+                                          <p:attrName>style.visibility</p:attrName>
+                                        </p:attrNameLst>
+                                      </p:cBhvr>
+                                      <p:to>
+                                        <p:strVal val="visible"/>
+                                      </p:to>
+                                    </p:set>
+                                    <p:anim calcmode="lin" valueType="num">
+                                      <p:cBhvr additive="base">
+                                        <p:cTn id="17" dur="500" fill="hold"/>
+                                        <p:tgtEl>
+                                          <p:spTgt spid="5"/>
+                                        </p:tgtEl>
+                                        <p:attrNameLst>
+                                          <p:attrName>ppt_x</p:attrName>
+                                        </p:attrNameLst>
+                                      </p:cBhvr>
+                                      <p:tavLst>
+                                        <p:tav tm="0">
+                                          <p:val>
+                                            <p:strVal val="#ppt_x"/>
+                                          </p:val>
+                                        </p:tav>
+                                        <p:tav tm="100000">
+                                          <p:val>
+                                            <p:strVal val="#ppt_x"/>
+                                          </p:val>
+                                        </p:tav>
+                                      </p:tavLst>
+                                    </p:anim>
+                                    <p:anim calcmode="lin" valueType="num">
+                                      <p:cBhvr additive="base">
+                                        <p:cTn id="18" dur="500" fill="hold"/>
+                                        <p:tgtEl>
+                                          <p:spTgt spid="5"/>
+                                        </p:tgtEl>
+                                        <p:attrNameLst>
+                                          <p:attrName>ppt_y</p:attrName>
+                                        </p:attrNameLst>
+                                      </p:cBhvr>
+                                      <p:tavLst>
+                                        <p:tav tm="0">
+                                          <p:val>
+                                            <p:strVal val="1+#ppt_h/2"/>
+                                          </p:val>
+                                        </p:tav>
+                                        <p:tav tm="100000">
+                                          <p:val>
+                                            <p:strVal val="#ppt_y"/>
+                                          </p:val>
+                                        </p:tav>
+                                      </p:tavLst>
+                                    </p:anim>
+                                  </p:childTnLst>
+                                </p:cTn>
+                              </p:par>
+                            </p:childTnLst>
+                          </p:cTn>
+                        </p:par>
+                      </p:childTnLst>
+                    </p:cTn>
+                  </p:par>
+                  <p:par>
+                    <p:cTn id="19" fill="hold">
+                      <p:stCondLst>
+                        <p:cond delay="indefinite"/>
+                      </p:stCondLst>
+                      <p:childTnLst>
+                        <p:par>
+                          <p:cTn id="20" fill="hold">
+                            <p:stCondLst>
+                              <p:cond delay="0"/>
+                            </p:stCondLst>
+                            <p:childTnLst>
+                              <p:par>
+                                <p:cTn id="21" presetID="2" presetClass="entr" presetSubtype="4" fill="hold" grpId="0" nodeType="clickEffect">
+                                  <p:stCondLst>
+                                    <p:cond delay="0"/>
+                                  </p:stCondLst>
+                                  <p:childTnLst>
+                                    <p:set>
+                                      <p:cBhvr>
+                                        <p:cTn id="22" dur="1" fill="hold">
+                                          <p:stCondLst>
+                                            <p:cond delay="0"/>
+                                          </p:stCondLst>
+                                        </p:cTn>
+                                        <p:tgtEl>
+                                          <p:spTgt spid="23"/>
+                                        </p:tgtEl>
+                                        <p:attrNameLst>
+                                          <p:attrName>style.visibility</p:attrName>
+                                        </p:attrNameLst>
+                                      </p:cBhvr>
+                                      <p:to>
+                                        <p:strVal val="visible"/>
+                                      </p:to>
+                                    </p:set>
+                                    <p:anim calcmode="lin" valueType="num">
+                                      <p:cBhvr additive="base">
+                                        <p:cTn id="23" dur="500" fill="hold"/>
+                                        <p:tgtEl>
+                                          <p:spTgt spid="23"/>
+                                        </p:tgtEl>
+                                        <p:attrNameLst>
+                                          <p:attrName>ppt_x</p:attrName>
+                                        </p:attrNameLst>
+                                      </p:cBhvr>
+                                      <p:tavLst>
+                                        <p:tav tm="0">
+                                          <p:val>
+                                            <p:strVal val="#ppt_x"/>
+                                          </p:val>
+                                        </p:tav>
+                                        <p:tav tm="100000">
+                                          <p:val>
+                                            <p:strVal val="#ppt_x"/>
+                                          </p:val>
+                                        </p:tav>
+                                      </p:tavLst>
+                                    </p:anim>
+                                    <p:anim calcmode="lin" valueType="num">
+                                      <p:cBhvr additive="base">
+                                        <p:cTn id="24" dur="500" fill="hold"/>
+                                        <p:tgtEl>
+                                          <p:spTgt spid="23"/>
+                                        </p:tgtEl>
+                                        <p:attrNameLst>
+                                          <p:attrName>ppt_y</p:attrName>
+                                        </p:attrNameLst>
+                                      </p:cBhvr>
+                                      <p:tavLst>
+                                        <p:tav tm="0">
+                                          <p:val>
+                                            <p:strVal val="1+#ppt_h/2"/>
+                                          </p:val>
+                                        </p:tav>
+                                        <p:tav tm="100000">
+                                          <p:val>
+                                            <p:strVal val="#ppt_y"/>
+                                          </p:val>
+                                        </p:tav>
+                                      </p:tavLst>
+                                    </p:anim>
+                                  </p:childTnLst>
+                                </p:cTn>
+                              </p:par>
+                              <p:par>
+                                <p:cTn id="25" presetID="2" presetClass="entr" presetSubtype="4" fill="hold" grpId="0" nodeType="withEffect">
+                                  <p:stCondLst>
+                                    <p:cond delay="0"/>
+                                  </p:stCondLst>
+                                  <p:childTnLst>
+                                    <p:set>
+                                      <p:cBhvr>
+                                        <p:cTn id="26" dur="1" fill="hold">
+                                          <p:stCondLst>
+                                            <p:cond delay="0"/>
+                                          </p:stCondLst>
+                                        </p:cTn>
+                                        <p:tgtEl>
+                                          <p:spTgt spid="6"/>
+                                        </p:tgtEl>
+                                        <p:attrNameLst>
+                                          <p:attrName>style.visibility</p:attrName>
+                                        </p:attrNameLst>
+                                      </p:cBhvr>
+                                      <p:to>
+                                        <p:strVal val="visible"/>
+                                      </p:to>
+                                    </p:set>
+                                    <p:anim calcmode="lin" valueType="num">
+                                      <p:cBhvr additive="base">
+                                        <p:cTn id="27" dur="500" fill="hold"/>
+                                        <p:tgtEl>
+                                          <p:spTgt spid="6"/>
+                                        </p:tgtEl>
+                                        <p:attrNameLst>
+                                          <p:attrName>ppt_x</p:attrName>
+                                        </p:attrNameLst>
+                                      </p:cBhvr>
+                                      <p:tavLst>
+                                        <p:tav tm="0">
+                                          <p:val>
+                                            <p:strVal val="#ppt_x"/>
+                                          </p:val>
+                                        </p:tav>
+                                        <p:tav tm="100000">
+                                          <p:val>
+                                            <p:strVal val="#ppt_x"/>
+                                          </p:val>
+                                        </p:tav>
+                                      </p:tavLst>
+                                    </p:anim>
+                                    <p:anim calcmode="lin" valueType="num">
+                                      <p:cBhvr additive="base">
+                                        <p:cTn id="28" dur="500" fill="hold"/>
+                                        <p:tgtEl>
+                                          <p:spTgt spid="6"/>
+                                        </p:tgtEl>
+                                        <p:attrNameLst>
+                                          <p:attrName>ppt_y</p:attrName>
+                                        </p:attrNameLst>
+                                      </p:cBhvr>
+                                      <p:tavLst>
+                                        <p:tav tm="0">
+                                          <p:val>
+                                            <p:strVal val="1+#ppt_h/2"/>
+                                          </p:val>
+                                        </p:tav>
+                                        <p:tav tm="100000">
+                                          <p:val>
+                                            <p:strVal val="#ppt_y"/>
+                                          </p:val>
+                                        </p:tav>
+                                      </p:tavLst>
+                                    </p:anim>
+                                  </p:childTnLst>
+                                </p:cTn>
+                              </p:par>
+                            </p:childTnLst>
+                          </p:cTn>
+                        </p:par>
+                      </p:childTnLst>
+                    </p:cTn>
+                  </p:par>
+                </p:childTnLst>
+              </p:cTn>
+              <p:prevCondLst>
+                <p:cond evt="onPrev" delay="0">
+                  <p:tgtEl>
+                    <p:sldTgt/>
+                  </p:tgtEl>
+                </p:cond>
+              </p:prevCondLst>
+              <p:nextCondLst>
+                <p:cond evt="onNext" delay="0">
+                  <p:tgtEl>
+                    <p:sldTgt/>
+                  </p:tgtEl>
+                </p:cond>
+              </p:nextCondLst>
+            </p:seq>
+          </p:childTnLst>
+        </p:cTn>
+      </p:par>
+    </p:tnLst>
+    <p:bldLst>
+      <p:bldP spid="2" grpId="0" animBg="1"/>
+      <p:bldP spid="4" grpId="0"/>
+      <p:bldP spid="5" grpId="0" animBg="1"/>
+      <p:bldP spid="6" grpId="0"/>
+      <p:bldP spid="23" grpId="0" animBg="1"/>
+    </p:bldLst>
+  </p:timing>
 </p:sld>
 </file>
 
-<file path=ppt/slides/slide14.xml><?xml version="1.0" encoding="utf-8"?>
-<p:sld xmlns:a="http://schemas.openxmlformats.org/drawingml/2006/main" xmlns:r="http://schemas.openxmlformats.org/officeDocument/2006/relationships" xmlns:p="http://schemas.openxmlformats.org/presentationml/2006/main">
-  <p:cSld>
-    <p:spTree>
-      <p:nvGrpSpPr>
-        <p:cNvPr id="1" name=""/>
-        <p:cNvGrpSpPr/>
-        <p:nvPr/>
-      </p:nvGrpSpPr>
-      <p:grpSpPr>
-        <a:xfrm>
-          <a:off x="0" y="0"/>
-          <a:ext cx="0" cy="0"/>
-          <a:chOff x="0" y="0"/>
-          <a:chExt cx="0" cy="0"/>
-        </a:xfrm>
-      </p:grpSpPr>
-    </p:spTree>
-  </p:cSld>
-  <p:clrMapOvr>
-    <a:masterClrMapping/>
-  </p:clrMapOvr>
-  <mc:AlternateContent xmlns:mc="http://schemas.openxmlformats.org/markup-compatibility/2006" xmlns:p14="http://schemas.microsoft.com/office/powerpoint/2010/main">
-    <mc:Choice Requires="p14">
-      <p:transition/>
-    </mc:Choice>
-    <mc:Fallback xmlns:dsp="http://schemas.microsoft.com/office/drawing/2008/diagram" xmlns:dgm="http://schemas.openxmlformats.org/drawingml/2006/diagram" xmlns:c="http://schemas.openxmlformats.org/drawingml/2006/chart" xmlns="">
-      <p:transition/>
-    </mc:Fallback>
-  </mc:AlternateContent>
-</p:sld>
-</file>
-
-<file path=ppt/slides/slide15.xml><?xml version="1.0" encoding="utf-8"?>
+<file path=ppt/slides/slide13.xml><?xml version="1.0" encoding="utf-8"?>
 <p:sld xmlns:a="http://schemas.openxmlformats.org/drawingml/2006/main" xmlns:r="http://schemas.openxmlformats.org/officeDocument/2006/relationships" xmlns:p="http://schemas.openxmlformats.org/presentationml/2006/main">
   <p:cSld>
     <p:spTree>
@@ -8455,14 +8656,14 @@
     <mc:Choice Requires="p14">
       <p:transition/>
     </mc:Choice>
-    <mc:Fallback xmlns:dsp="http://schemas.microsoft.com/office/drawing/2008/diagram" xmlns:dgm="http://schemas.openxmlformats.org/drawingml/2006/diagram" xmlns:c="http://schemas.openxmlformats.org/drawingml/2006/chart" xmlns="">
+    <mc:Fallback xmlns="" xmlns:c="http://schemas.openxmlformats.org/drawingml/2006/chart" xmlns:dgm="http://schemas.openxmlformats.org/drawingml/2006/diagram" xmlns:dsp="http://schemas.microsoft.com/office/drawing/2008/diagram">
       <p:transition/>
     </mc:Fallback>
   </mc:AlternateContent>
 </p:sld>
 </file>
 
-<file path=ppt/slides/slide16.xml><?xml version="1.0" encoding="utf-8"?>
+<file path=ppt/slides/slide14.xml><?xml version="1.0" encoding="utf-8"?>
 <p:sld xmlns:a="http://schemas.openxmlformats.org/drawingml/2006/main" xmlns:r="http://schemas.openxmlformats.org/officeDocument/2006/relationships" xmlns:p="http://schemas.openxmlformats.org/presentationml/2006/main">
   <p:cSld>
     <p:spTree>
@@ -8487,7 +8688,7 @@
         </p:nvSpPr>
         <p:spPr>
           <a:xfrm>
-            <a:off x="2827120" y="1573923"/>
+            <a:off x="3187847" y="1917872"/>
             <a:ext cx="5769528" cy="1569660"/>
           </a:xfrm>
           <a:prstGeom prst="rect">
@@ -8874,49 +9075,6 @@
       </p:sp>
       <p:sp>
         <p:nvSpPr>
-          <p:cNvPr id="21" name="TextBox 20"/>
-          <p:cNvSpPr txBox="1"/>
-          <p:nvPr/>
-        </p:nvSpPr>
-        <p:spPr>
-          <a:xfrm>
-            <a:off x="1069803" y="1006929"/>
-            <a:ext cx="578876" cy="369332"/>
-          </a:xfrm>
-          <a:prstGeom prst="rect">
-            <a:avLst/>
-          </a:prstGeom>
-          <a:noFill/>
-        </p:spPr>
-        <p:txBody>
-          <a:bodyPr wrap="none" rtlCol="0">
-            <a:spAutoFit/>
-          </a:bodyPr>
-          <a:lstStyle/>
-          <a:p>
-            <a:pPr algn="ctr"/>
-            <a:r>
-              <a:rPr lang="en-US" altLang="ko-KR" spc="-150" dirty="0">
-                <a:solidFill>
-                  <a:srgbClr val="00002F"/>
-                </a:solidFill>
-                <a:latin typeface="나눔스퀘어 ExtraBold" panose="020B0600000101010101" pitchFamily="50" charset="-127"/>
-                <a:ea typeface="나눔스퀘어 ExtraBold" panose="020B0600000101010101" pitchFamily="50" charset="-127"/>
-              </a:rPr>
-              <a:t>Text</a:t>
-            </a:r>
-            <a:endParaRPr lang="ko-KR" altLang="en-US" spc="-150" dirty="0">
-              <a:solidFill>
-                <a:srgbClr val="00002F"/>
-              </a:solidFill>
-              <a:latin typeface="나눔스퀘어 ExtraBold" panose="020B0600000101010101" pitchFamily="50" charset="-127"/>
-              <a:ea typeface="나눔스퀘어 ExtraBold" panose="020B0600000101010101" pitchFamily="50" charset="-127"/>
-            </a:endParaRPr>
-          </a:p>
-        </p:txBody>
-      </p:sp>
-      <p:sp>
-        <p:nvSpPr>
           <p:cNvPr id="12" name="TextBox 11">
             <a:extLst>
               <a:ext uri="{FF2B5EF4-FFF2-40B4-BE49-F238E27FC236}">
@@ -8929,8 +9087,8 @@
         </p:nvSpPr>
         <p:spPr>
           <a:xfrm>
-            <a:off x="1075042" y="4041170"/>
-            <a:ext cx="9273694" cy="584775"/>
+            <a:off x="2439249" y="4385119"/>
+            <a:ext cx="7266733" cy="584775"/>
           </a:xfrm>
           <a:prstGeom prst="rect">
             <a:avLst/>
@@ -8952,25 +9110,8 @@
                 <a:latin typeface="나눔스퀘어 ExtraBold" panose="020B0600000101010101" pitchFamily="50" charset="-127"/>
                 <a:ea typeface="나눔스퀘어 ExtraBold" panose="020B0600000101010101" pitchFamily="50" charset="-127"/>
               </a:rPr>
-              <a:t>내국인을 유치 할 수 있는 관광 아이템을 제시하겠다</a:t>
+              <a:t>내국인을 유치 할 수 있는 관광 아이템을 제시</a:t>
             </a:r>
-            <a:r>
-              <a:rPr lang="en-US" altLang="ko-KR" sz="3200" spc="-150" dirty="0">
-                <a:solidFill>
-                  <a:srgbClr val="8DBABD"/>
-                </a:solidFill>
-                <a:latin typeface="나눔스퀘어 ExtraBold" panose="020B0600000101010101" pitchFamily="50" charset="-127"/>
-                <a:ea typeface="나눔스퀘어 ExtraBold" panose="020B0600000101010101" pitchFamily="50" charset="-127"/>
-              </a:rPr>
-              <a:t>.</a:t>
-            </a:r>
-            <a:endParaRPr lang="ko-KR" altLang="en-US" sz="3200" spc="-150" dirty="0">
-              <a:solidFill>
-                <a:srgbClr val="8DBABD"/>
-              </a:solidFill>
-              <a:latin typeface="나눔스퀘어 ExtraBold" panose="020B0600000101010101" pitchFamily="50" charset="-127"/>
-              <a:ea typeface="나눔스퀘어 ExtraBold" panose="020B0600000101010101" pitchFamily="50" charset="-127"/>
-            </a:endParaRPr>
           </a:p>
         </p:txBody>
       </p:sp>
@@ -8988,7 +9129,7 @@
         </p:nvSpPr>
         <p:spPr>
           <a:xfrm>
-            <a:off x="5156200" y="3302000"/>
+            <a:off x="5516927" y="3645949"/>
             <a:ext cx="939800" cy="584775"/>
           </a:xfrm>
           <a:prstGeom prst="downArrow">
@@ -9036,7 +9177,82 @@
 </p:sld>
 </file>
 
-<file path=ppt/slides/slide17.xml><?xml version="1.0" encoding="utf-8"?>
+<file path=ppt/slides/slide15.xml><?xml version="1.0" encoding="utf-8"?>
+<p:sld xmlns:a="http://schemas.openxmlformats.org/drawingml/2006/main" xmlns:r="http://schemas.openxmlformats.org/officeDocument/2006/relationships" xmlns:p="http://schemas.openxmlformats.org/presentationml/2006/main">
+  <p:cSld>
+    <p:spTree>
+      <p:nvGrpSpPr>
+        <p:cNvPr id="1" name=""/>
+        <p:cNvGrpSpPr/>
+        <p:nvPr/>
+      </p:nvGrpSpPr>
+      <p:grpSpPr>
+        <a:xfrm>
+          <a:off x="0" y="0"/>
+          <a:ext cx="0" cy="0"/>
+          <a:chOff x="0" y="0"/>
+          <a:chExt cx="0" cy="0"/>
+        </a:xfrm>
+      </p:grpSpPr>
+      <p:sp>
+        <p:nvSpPr>
+          <p:cNvPr id="2" name="TextBox 1">
+            <a:extLst>
+              <a:ext uri="{FF2B5EF4-FFF2-40B4-BE49-F238E27FC236}">
+                <a16:creationId xmlns:a16="http://schemas.microsoft.com/office/drawing/2014/main" id="{E29DB3CD-BAFE-48C0-A071-93A9D8907FFC}"/>
+              </a:ext>
+            </a:extLst>
+          </p:cNvPr>
+          <p:cNvSpPr txBox="1"/>
+          <p:nvPr/>
+        </p:nvSpPr>
+        <p:spPr>
+          <a:xfrm>
+            <a:off x="1076151" y="1006929"/>
+            <a:ext cx="566181" cy="369332"/>
+          </a:xfrm>
+          <a:prstGeom prst="rect">
+            <a:avLst/>
+          </a:prstGeom>
+          <a:noFill/>
+        </p:spPr>
+        <p:txBody>
+          <a:bodyPr wrap="none" rtlCol="0">
+            <a:spAutoFit/>
+          </a:bodyPr>
+          <a:lstStyle/>
+          <a:p>
+            <a:pPr algn="ctr"/>
+            <a:r>
+              <a:rPr lang="ko-KR" altLang="en-US" spc="-150" dirty="0">
+                <a:solidFill>
+                  <a:srgbClr val="00002F"/>
+                </a:solidFill>
+                <a:latin typeface="나눔스퀘어 ExtraBold" panose="020B0600000101010101" pitchFamily="50" charset="-127"/>
+                <a:ea typeface="나눔스퀘어 ExtraBold" panose="020B0600000101010101" pitchFamily="50" charset="-127"/>
+              </a:rPr>
+              <a:t>출처</a:t>
+            </a:r>
+          </a:p>
+        </p:txBody>
+      </p:sp>
+    </p:spTree>
+  </p:cSld>
+  <p:clrMapOvr>
+    <a:masterClrMapping/>
+  </p:clrMapOvr>
+  <mc:AlternateContent xmlns:mc="http://schemas.openxmlformats.org/markup-compatibility/2006" xmlns:p14="http://schemas.microsoft.com/office/powerpoint/2010/main">
+    <mc:Choice Requires="p14">
+      <p:transition/>
+    </mc:Choice>
+    <mc:Fallback xmlns="" xmlns:c="http://schemas.openxmlformats.org/drawingml/2006/chart" xmlns:dgm="http://schemas.openxmlformats.org/drawingml/2006/diagram" xmlns:dsp="http://schemas.microsoft.com/office/drawing/2008/diagram">
+      <p:transition/>
+    </mc:Fallback>
+  </mc:AlternateContent>
+</p:sld>
+</file>
+
+<file path=ppt/slides/slide16.xml><?xml version="1.0" encoding="utf-8"?>
 <p:sld xmlns:a="http://schemas.openxmlformats.org/drawingml/2006/main" xmlns:r="http://schemas.openxmlformats.org/officeDocument/2006/relationships" xmlns:p="http://schemas.openxmlformats.org/presentationml/2006/main">
   <p:cSld>
     <p:spTree>
@@ -9109,7 +9325,7 @@
 </p:sld>
 </file>
 
-<file path=ppt/slides/slide18.xml><?xml version="1.0" encoding="utf-8"?>
+<file path=ppt/slides/slide17.xml><?xml version="1.0" encoding="utf-8"?>
 <p:sld xmlns:a="http://schemas.openxmlformats.org/drawingml/2006/main" xmlns:r="http://schemas.openxmlformats.org/officeDocument/2006/relationships" xmlns:p="http://schemas.openxmlformats.org/presentationml/2006/main">
   <p:cSld>
     <p:spTree>
@@ -9361,7 +9577,7 @@
                 <a:latin typeface="나눔스퀘어 ExtraBold" panose="020B0600000101010101" pitchFamily="50" charset="-127"/>
                 <a:ea typeface="나눔스퀘어 ExtraBold" panose="020B0600000101010101" pitchFamily="50" charset="-127"/>
               </a:rPr>
-              <a:t>제주도 관광객 수</a:t>
+              <a:t>제주도 관광객</a:t>
             </a:r>
           </a:p>
         </p:txBody>
@@ -9739,8 +9955,8 @@
         </p:nvSpPr>
         <p:spPr>
           <a:xfrm>
-            <a:off x="158768" y="5022850"/>
-            <a:ext cx="2425665" cy="923330"/>
+            <a:off x="276589" y="5022850"/>
+            <a:ext cx="2190023" cy="923330"/>
           </a:xfrm>
           <a:prstGeom prst="rect">
             <a:avLst/>
@@ -9786,6 +10002,20 @@
                 <a:latin typeface="나눔스퀘어 Bold" panose="020B0600000101010101" pitchFamily="50" charset="-127"/>
                 <a:ea typeface="나눔스퀘어 Bold" panose="020B0600000101010101" pitchFamily="50" charset="-127"/>
               </a:rPr>
+              <a:t>외국인 관광객 세분화</a:t>
+            </a:r>
+            <a:endParaRPr lang="en-US" altLang="ko-KR" dirty="0">
+              <a:latin typeface="나눔스퀘어 Bold" panose="020B0600000101010101" pitchFamily="50" charset="-127"/>
+              <a:ea typeface="나눔스퀘어 Bold" panose="020B0600000101010101" pitchFamily="50" charset="-127"/>
+            </a:endParaRPr>
+          </a:p>
+          <a:p>
+            <a:pPr algn="ctr"/>
+            <a:r>
+              <a:rPr lang="ko-KR" altLang="en-US" dirty="0">
+                <a:latin typeface="나눔스퀘어 Bold" panose="020B0600000101010101" pitchFamily="50" charset="-127"/>
+                <a:ea typeface="나눔스퀘어 Bold" panose="020B0600000101010101" pitchFamily="50" charset="-127"/>
+              </a:rPr>
               <a:t>내</a:t>
             </a:r>
             <a:r>
@@ -9801,20 +10031,6 @@
                 <a:ea typeface="나눔스퀘어 Bold" panose="020B0600000101010101" pitchFamily="50" charset="-127"/>
               </a:rPr>
               <a:t>외국인 비교</a:t>
-            </a:r>
-            <a:endParaRPr lang="en-US" altLang="ko-KR" dirty="0">
-              <a:latin typeface="나눔스퀘어 Bold" panose="020B0600000101010101" pitchFamily="50" charset="-127"/>
-              <a:ea typeface="나눔스퀘어 Bold" panose="020B0600000101010101" pitchFamily="50" charset="-127"/>
-            </a:endParaRPr>
-          </a:p>
-          <a:p>
-            <a:pPr algn="ctr"/>
-            <a:r>
-              <a:rPr lang="ko-KR" altLang="en-US" dirty="0">
-                <a:latin typeface="나눔스퀘어 Bold" panose="020B0600000101010101" pitchFamily="50" charset="-127"/>
-                <a:ea typeface="나눔스퀘어 Bold" panose="020B0600000101010101" pitchFamily="50" charset="-127"/>
-              </a:rPr>
-              <a:t>외국인 관광객 세분화</a:t>
             </a:r>
           </a:p>
         </p:txBody>
@@ -10493,8 +10709,8 @@
         </p:nvSpPr>
         <p:spPr>
           <a:xfrm>
-            <a:off x="455532" y="6128219"/>
-            <a:ext cx="4919938" cy="584775"/>
+            <a:off x="1212150" y="5699574"/>
+            <a:ext cx="2541080" cy="461665"/>
           </a:xfrm>
           <a:prstGeom prst="rect">
             <a:avLst/>
@@ -10509,39 +10725,46 @@
           <a:p>
             <a:pPr algn="ctr"/>
             <a:r>
-              <a:rPr lang="ko-KR" altLang="en-US" sz="3200" spc="-150" dirty="0">
+              <a:rPr lang="ko-KR" altLang="en-US" sz="2400" spc="-150" dirty="0">
                 <a:solidFill>
                   <a:srgbClr val="8DBABD"/>
                 </a:solidFill>
-                <a:latin typeface="나눔스퀘어 ExtraBold" panose="020B0600000101010101" pitchFamily="50" charset="-127"/>
-                <a:ea typeface="나눔스퀘어 ExtraBold" panose="020B0600000101010101" pitchFamily="50" charset="-127"/>
+                <a:latin typeface="나눔스퀘어 Bold" panose="020B0600000101010101" pitchFamily="50" charset="-127"/>
+                <a:ea typeface="나눔스퀘어 Bold" panose="020B0600000101010101" pitchFamily="50" charset="-127"/>
               </a:rPr>
               <a:t>외국인 </a:t>
             </a:r>
             <a:r>
-              <a:rPr lang="en-US" altLang="ko-KR" sz="3200" spc="-150" dirty="0">
+              <a:rPr lang="en-US" altLang="ko-KR" sz="2400" spc="-150" dirty="0">
                 <a:solidFill>
                   <a:srgbClr val="8DBABD"/>
                 </a:solidFill>
-                <a:latin typeface="나눔스퀘어 ExtraBold" panose="020B0600000101010101" pitchFamily="50" charset="-127"/>
-                <a:ea typeface="나눔스퀘어 ExtraBold" panose="020B0600000101010101" pitchFamily="50" charset="-127"/>
+                <a:latin typeface="나눔스퀘어 Bold" panose="020B0600000101010101" pitchFamily="50" charset="-127"/>
+                <a:ea typeface="나눔스퀘어 Bold" panose="020B0600000101010101" pitchFamily="50" charset="-127"/>
               </a:rPr>
               <a:t>2017</a:t>
             </a:r>
             <a:r>
-              <a:rPr lang="ko-KR" altLang="en-US" sz="3200" spc="-150" dirty="0">
+              <a:rPr lang="ko-KR" altLang="en-US" sz="2400" spc="-150" dirty="0">
                 <a:solidFill>
                   <a:srgbClr val="8DBABD"/>
                 </a:solidFill>
-                <a:latin typeface="나눔스퀘어 ExtraBold" panose="020B0600000101010101" pitchFamily="50" charset="-127"/>
-                <a:ea typeface="나눔스퀘어 ExtraBold" panose="020B0600000101010101" pitchFamily="50" charset="-127"/>
+                <a:latin typeface="나눔스퀘어 Bold" panose="020B0600000101010101" pitchFamily="50" charset="-127"/>
+                <a:ea typeface="나눔스퀘어 Bold" panose="020B0600000101010101" pitchFamily="50" charset="-127"/>
               </a:rPr>
-              <a:t>년 이후 대폭하락</a:t>
+              <a:t>년 이후</a:t>
             </a:r>
             <a:endParaRPr lang="en-US" altLang="ko-KR" sz="3200" spc="-150" dirty="0">
               <a:solidFill>
                 <a:srgbClr val="8DBABD"/>
               </a:solidFill>
+              <a:effectLst>
+                <a:outerShdw blurRad="38100" dist="38100" dir="2700000" algn="tl">
+                  <a:srgbClr val="000000">
+                    <a:alpha val="43137"/>
+                  </a:srgbClr>
+                </a:outerShdw>
+              </a:effectLst>
               <a:latin typeface="나눔스퀘어 ExtraBold" panose="020B0600000101010101" pitchFamily="50" charset="-127"/>
               <a:ea typeface="나눔스퀘어 ExtraBold" panose="020B0600000101010101" pitchFamily="50" charset="-127"/>
             </a:endParaRPr>
@@ -10562,8 +10785,8 @@
         </p:nvSpPr>
         <p:spPr>
           <a:xfrm>
-            <a:off x="6311346" y="5809829"/>
-            <a:ext cx="4907113" cy="1077218"/>
+            <a:off x="6967857" y="4976300"/>
+            <a:ext cx="3382657" cy="461665"/>
           </a:xfrm>
           <a:prstGeom prst="rect">
             <a:avLst/>
@@ -10578,91 +10801,51 @@
           <a:p>
             <a:pPr algn="ctr"/>
             <a:r>
-              <a:rPr lang="ko-KR" altLang="en-US" sz="3200" spc="-150" dirty="0">
+              <a:rPr lang="ko-KR" altLang="en-US" sz="2400" spc="-150" dirty="0">
                 <a:solidFill>
                   <a:srgbClr val="8DBABD"/>
                 </a:solidFill>
-                <a:latin typeface="나눔스퀘어 ExtraBold" panose="020B0600000101010101" pitchFamily="50" charset="-127"/>
-                <a:ea typeface="나눔스퀘어 ExtraBold" panose="020B0600000101010101" pitchFamily="50" charset="-127"/>
+                <a:latin typeface="나눔스퀘어 Bold" panose="020B0600000101010101" pitchFamily="50" charset="-127"/>
+                <a:ea typeface="나눔스퀘어 Bold" panose="020B0600000101010101" pitchFamily="50" charset="-127"/>
               </a:rPr>
               <a:t>내국인 </a:t>
             </a:r>
             <a:r>
-              <a:rPr lang="en-US" altLang="ko-KR" sz="3200" spc="-150" dirty="0">
+              <a:rPr lang="en-US" altLang="ko-KR" sz="2400" spc="-150" dirty="0">
                 <a:solidFill>
                   <a:srgbClr val="8DBABD"/>
                 </a:solidFill>
-                <a:latin typeface="나눔스퀘어 ExtraBold" panose="020B0600000101010101" pitchFamily="50" charset="-127"/>
-                <a:ea typeface="나눔스퀘어 ExtraBold" panose="020B0600000101010101" pitchFamily="50" charset="-127"/>
+                <a:latin typeface="나눔스퀘어 Bold" panose="020B0600000101010101" pitchFamily="50" charset="-127"/>
+                <a:ea typeface="나눔스퀘어 Bold" panose="020B0600000101010101" pitchFamily="50" charset="-127"/>
               </a:rPr>
               <a:t>2017</a:t>
             </a:r>
             <a:r>
-              <a:rPr lang="ko-KR" altLang="en-US" sz="3200" spc="-150" dirty="0">
+              <a:rPr lang="ko-KR" altLang="en-US" sz="2400" spc="-150" dirty="0">
                 <a:solidFill>
                   <a:srgbClr val="8DBABD"/>
                 </a:solidFill>
-                <a:latin typeface="나눔스퀘어 ExtraBold" panose="020B0600000101010101" pitchFamily="50" charset="-127"/>
-                <a:ea typeface="나눔스퀘어 ExtraBold" panose="020B0600000101010101" pitchFamily="50" charset="-127"/>
+                <a:latin typeface="나눔스퀘어 Bold" panose="020B0600000101010101" pitchFamily="50" charset="-127"/>
+                <a:ea typeface="나눔스퀘어 Bold" panose="020B0600000101010101" pitchFamily="50" charset="-127"/>
               </a:rPr>
               <a:t>이후 약간 하락</a:t>
             </a:r>
-            <a:endParaRPr lang="en-US" altLang="ko-KR" sz="3200" spc="-150" dirty="0">
+            <a:endParaRPr lang="en-US" altLang="ko-KR" sz="2400" spc="-150" dirty="0">
               <a:solidFill>
                 <a:srgbClr val="8DBABD"/>
               </a:solidFill>
-              <a:latin typeface="나눔스퀘어 ExtraBold" panose="020B0600000101010101" pitchFamily="50" charset="-127"/>
-              <a:ea typeface="나눔스퀘어 ExtraBold" panose="020B0600000101010101" pitchFamily="50" charset="-127"/>
-            </a:endParaRPr>
-          </a:p>
-          <a:p>
-            <a:pPr algn="ctr"/>
-            <a:r>
-              <a:rPr lang="en-US" altLang="ko-KR" sz="3200" spc="-150" dirty="0">
-                <a:solidFill>
-                  <a:srgbClr val="8DBABD"/>
-                </a:solidFill>
-                <a:latin typeface="나눔스퀘어 ExtraBold" panose="020B0600000101010101" pitchFamily="50" charset="-127"/>
-                <a:ea typeface="나눔스퀘어 ExtraBold" panose="020B0600000101010101" pitchFamily="50" charset="-127"/>
-              </a:rPr>
-              <a:t>But </a:t>
-            </a:r>
-            <a:r>
-              <a:rPr lang="ko-KR" altLang="en-US" sz="3200" spc="-150" dirty="0">
-                <a:solidFill>
-                  <a:srgbClr val="8DBABD"/>
-                </a:solidFill>
-                <a:latin typeface="나눔스퀘어 ExtraBold" panose="020B0600000101010101" pitchFamily="50" charset="-127"/>
-                <a:ea typeface="나눔스퀘어 ExtraBold" panose="020B0600000101010101" pitchFamily="50" charset="-127"/>
-              </a:rPr>
-              <a:t>큰 영향</a:t>
-            </a:r>
-            <a:r>
-              <a:rPr lang="en-US" altLang="ko-KR" sz="3200" spc="-150" dirty="0">
-                <a:solidFill>
-                  <a:srgbClr val="8DBABD"/>
-                </a:solidFill>
-                <a:latin typeface="나눔스퀘어 ExtraBold" panose="020B0600000101010101" pitchFamily="50" charset="-127"/>
-                <a:ea typeface="나눔스퀘어 ExtraBold" panose="020B0600000101010101" pitchFamily="50" charset="-127"/>
-              </a:rPr>
-              <a:t>X</a:t>
-            </a:r>
-            <a:endParaRPr lang="ko-KR" altLang="en-US" sz="3200" spc="-150" dirty="0">
-              <a:solidFill>
-                <a:srgbClr val="8DBABD"/>
-              </a:solidFill>
-              <a:latin typeface="나눔스퀘어 ExtraBold" panose="020B0600000101010101" pitchFamily="50" charset="-127"/>
-              <a:ea typeface="나눔스퀘어 ExtraBold" panose="020B0600000101010101" pitchFamily="50" charset="-127"/>
+              <a:latin typeface="나눔스퀘어 Bold" panose="020B0600000101010101" pitchFamily="50" charset="-127"/>
+              <a:ea typeface="나눔스퀘어 Bold" panose="020B0600000101010101" pitchFamily="50" charset="-127"/>
             </a:endParaRPr>
           </a:p>
         </p:txBody>
       </p:sp>
       <p:pic>
         <p:nvPicPr>
-          <p:cNvPr id="29" name="그림 28">
+          <p:cNvPr id="3" name="그림 2">
             <a:extLst>
               <a:ext uri="{FF2B5EF4-FFF2-40B4-BE49-F238E27FC236}">
-                <a16:creationId xmlns:a16="http://schemas.microsoft.com/office/drawing/2014/main" id="{040F7451-77E0-477D-B6B6-AF87D2C23D20}"/>
+                <a16:creationId xmlns:a16="http://schemas.microsoft.com/office/drawing/2014/main" id="{B89786B5-002E-4B2A-BA24-50B5449013A0}"/>
               </a:ext>
             </a:extLst>
           </p:cNvPr>
@@ -10685,43 +10868,7 @@
         </p:blipFill>
         <p:spPr>
           <a:xfrm>
-            <a:off x="6519014" y="1743651"/>
-            <a:ext cx="4134427" cy="3467584"/>
-          </a:xfrm>
-          <a:prstGeom prst="rect">
-            <a:avLst/>
-          </a:prstGeom>
-        </p:spPr>
-      </p:pic>
-      <p:pic>
-        <p:nvPicPr>
-          <p:cNvPr id="3" name="그림 2">
-            <a:extLst>
-              <a:ext uri="{FF2B5EF4-FFF2-40B4-BE49-F238E27FC236}">
-                <a16:creationId xmlns:a16="http://schemas.microsoft.com/office/drawing/2014/main" id="{B89786B5-002E-4B2A-BA24-50B5449013A0}"/>
-              </a:ext>
-            </a:extLst>
-          </p:cNvPr>
-          <p:cNvPicPr>
-            <a:picLocks noChangeAspect="1"/>
-          </p:cNvPicPr>
-          <p:nvPr/>
-        </p:nvPicPr>
-        <p:blipFill>
-          <a:blip r:embed="rId3">
-            <a:extLst>
-              <a:ext uri="{28A0092B-C50C-407E-A947-70E740481C1C}">
-                <a14:useLocalDpi xmlns:a14="http://schemas.microsoft.com/office/drawing/2010/main" val="0"/>
-              </a:ext>
-            </a:extLst>
-          </a:blip>
-          <a:stretch>
-            <a:fillRect/>
-          </a:stretch>
-        </p:blipFill>
-        <p:spPr>
-          <a:xfrm>
-            <a:off x="589049" y="2180223"/>
+            <a:off x="762667" y="1907925"/>
             <a:ext cx="4134428" cy="3688629"/>
           </a:xfrm>
           <a:prstGeom prst="rect">
@@ -10743,7 +10890,7 @@
         </p:nvSpPr>
         <p:spPr>
           <a:xfrm>
-            <a:off x="1107903" y="1784162"/>
+            <a:off x="1212150" y="1591110"/>
             <a:ext cx="3406702" cy="369332"/>
           </a:xfrm>
           <a:prstGeom prst="rect">
@@ -10828,6 +10975,186 @@
           </a:p>
         </p:txBody>
       </p:sp>
+      <p:pic>
+        <p:nvPicPr>
+          <p:cNvPr id="15" name="그림 14">
+            <a:extLst>
+              <a:ext uri="{FF2B5EF4-FFF2-40B4-BE49-F238E27FC236}">
+                <a16:creationId xmlns:a16="http://schemas.microsoft.com/office/drawing/2014/main" id="{0C7174F7-6860-4FE1-AD08-ECE9FFAFC4FB}"/>
+              </a:ext>
+            </a:extLst>
+          </p:cNvPr>
+          <p:cNvPicPr>
+            <a:picLocks noChangeAspect="1"/>
+          </p:cNvPicPr>
+          <p:nvPr/>
+        </p:nvPicPr>
+        <p:blipFill>
+          <a:blip r:embed="rId3">
+            <a:extLst>
+              <a:ext uri="{28A0092B-C50C-407E-A947-70E740481C1C}">
+                <a14:useLocalDpi xmlns:a14="http://schemas.microsoft.com/office/drawing/2010/main" val="0"/>
+              </a:ext>
+            </a:extLst>
+          </a:blip>
+          <a:stretch>
+            <a:fillRect/>
+          </a:stretch>
+        </p:blipFill>
+        <p:spPr>
+          <a:xfrm>
+            <a:off x="6096000" y="1591110"/>
+            <a:ext cx="4322976" cy="3311563"/>
+          </a:xfrm>
+          <a:prstGeom prst="rect">
+            <a:avLst/>
+          </a:prstGeom>
+        </p:spPr>
+      </p:pic>
+      <p:sp>
+        <p:nvSpPr>
+          <p:cNvPr id="18" name="직사각형 17">
+            <a:extLst>
+              <a:ext uri="{FF2B5EF4-FFF2-40B4-BE49-F238E27FC236}">
+                <a16:creationId xmlns:a16="http://schemas.microsoft.com/office/drawing/2014/main" id="{77189DFE-0AB4-4BC8-A0DA-95E186922F52}"/>
+              </a:ext>
+            </a:extLst>
+          </p:cNvPr>
+          <p:cNvSpPr/>
+          <p:nvPr/>
+        </p:nvSpPr>
+        <p:spPr>
+          <a:xfrm>
+            <a:off x="3628835" y="5638018"/>
+            <a:ext cx="1601721" cy="584775"/>
+          </a:xfrm>
+          <a:prstGeom prst="rect">
+            <a:avLst/>
+          </a:prstGeom>
+        </p:spPr>
+        <p:txBody>
+          <a:bodyPr wrap="none">
+            <a:spAutoFit/>
+          </a:bodyPr>
+          <a:lstStyle/>
+          <a:p>
+            <a:r>
+              <a:rPr lang="ko-KR" altLang="en-US" sz="3200" spc="-150" dirty="0">
+                <a:solidFill>
+                  <a:srgbClr val="8DBABD"/>
+                </a:solidFill>
+                <a:effectLst>
+                  <a:outerShdw blurRad="38100" dist="38100" dir="2700000" algn="tl">
+                    <a:srgbClr val="000000">
+                      <a:alpha val="43137"/>
+                    </a:srgbClr>
+                  </a:outerShdw>
+                </a:effectLst>
+                <a:latin typeface="나눔스퀘어 ExtraBold" panose="020B0600000101010101" pitchFamily="50" charset="-127"/>
+                <a:ea typeface="나눔스퀘어 ExtraBold" panose="020B0600000101010101" pitchFamily="50" charset="-127"/>
+              </a:rPr>
+              <a:t>대폭하락</a:t>
+            </a:r>
+            <a:endParaRPr lang="ko-KR" altLang="en-US" sz="3200" dirty="0"/>
+          </a:p>
+        </p:txBody>
+      </p:sp>
+      <p:sp>
+        <p:nvSpPr>
+          <p:cNvPr id="19" name="직사각형 18">
+            <a:extLst>
+              <a:ext uri="{FF2B5EF4-FFF2-40B4-BE49-F238E27FC236}">
+                <a16:creationId xmlns:a16="http://schemas.microsoft.com/office/drawing/2014/main" id="{E6B4DC02-11DB-41DC-9E1D-83BF53E21B48}"/>
+              </a:ext>
+            </a:extLst>
+          </p:cNvPr>
+          <p:cNvSpPr/>
+          <p:nvPr/>
+        </p:nvSpPr>
+        <p:spPr>
+          <a:xfrm>
+            <a:off x="7506465" y="5437965"/>
+            <a:ext cx="2305439" cy="584775"/>
+          </a:xfrm>
+          <a:prstGeom prst="rect">
+            <a:avLst/>
+          </a:prstGeom>
+        </p:spPr>
+        <p:txBody>
+          <a:bodyPr wrap="none">
+            <a:spAutoFit/>
+          </a:bodyPr>
+          <a:lstStyle/>
+          <a:p>
+            <a:pPr algn="ctr"/>
+            <a:r>
+              <a:rPr lang="en-US" altLang="ko-KR" sz="3200" spc="-150" dirty="0">
+                <a:solidFill>
+                  <a:srgbClr val="8DBABD"/>
+                </a:solidFill>
+                <a:effectLst>
+                  <a:outerShdw blurRad="38100" dist="38100" dir="2700000" algn="tl">
+                    <a:srgbClr val="000000">
+                      <a:alpha val="43137"/>
+                    </a:srgbClr>
+                  </a:outerShdw>
+                </a:effectLst>
+                <a:latin typeface="나눔스퀘어 ExtraBold" panose="020B0600000101010101" pitchFamily="50" charset="-127"/>
+                <a:ea typeface="나눔스퀘어 ExtraBold" panose="020B0600000101010101" pitchFamily="50" charset="-127"/>
+              </a:rPr>
+              <a:t>But </a:t>
+            </a:r>
+            <a:r>
+              <a:rPr lang="ko-KR" altLang="en-US" sz="3200" spc="-150" dirty="0">
+                <a:solidFill>
+                  <a:srgbClr val="8DBABD"/>
+                </a:solidFill>
+                <a:effectLst>
+                  <a:outerShdw blurRad="38100" dist="38100" dir="2700000" algn="tl">
+                    <a:srgbClr val="000000">
+                      <a:alpha val="43137"/>
+                    </a:srgbClr>
+                  </a:outerShdw>
+                </a:effectLst>
+                <a:latin typeface="나눔스퀘어 ExtraBold" panose="020B0600000101010101" pitchFamily="50" charset="-127"/>
+                <a:ea typeface="나눔스퀘어 ExtraBold" panose="020B0600000101010101" pitchFamily="50" charset="-127"/>
+              </a:rPr>
+              <a:t>큰 영향</a:t>
+            </a:r>
+            <a:r>
+              <a:rPr lang="en-US" altLang="ko-KR" sz="3200" spc="-150" dirty="0">
+                <a:solidFill>
+                  <a:srgbClr val="8DBABD"/>
+                </a:solidFill>
+                <a:effectLst>
+                  <a:outerShdw blurRad="38100" dist="38100" dir="2700000" algn="tl">
+                    <a:srgbClr val="000000">
+                      <a:alpha val="43137"/>
+                    </a:srgbClr>
+                  </a:outerShdw>
+                </a:effectLst>
+                <a:latin typeface="나눔스퀘어 ExtraBold" panose="020B0600000101010101" pitchFamily="50" charset="-127"/>
+                <a:ea typeface="나눔스퀘어 ExtraBold" panose="020B0600000101010101" pitchFamily="50" charset="-127"/>
+              </a:rPr>
+              <a:t>X</a:t>
+            </a:r>
+            <a:endParaRPr lang="ko-KR" altLang="en-US" sz="3200" spc="-150" dirty="0">
+              <a:solidFill>
+                <a:srgbClr val="8DBABD"/>
+              </a:solidFill>
+              <a:effectLst>
+                <a:outerShdw blurRad="38100" dist="38100" dir="2700000" algn="tl">
+                  <a:srgbClr val="000000">
+                    <a:alpha val="43137"/>
+                  </a:srgbClr>
+                </a:outerShdw>
+              </a:effectLst>
+              <a:latin typeface="나눔스퀘어 ExtraBold" panose="020B0600000101010101" pitchFamily="50" charset="-127"/>
+              <a:ea typeface="나눔스퀘어 ExtraBold" panose="020B0600000101010101" pitchFamily="50" charset="-127"/>
+            </a:endParaRPr>
+          </a:p>
+        </p:txBody>
+      </p:sp>
     </p:spTree>
     <p:extLst>
       <p:ext uri="{BB962C8B-B14F-4D97-AF65-F5344CB8AC3E}">
@@ -10838,160 +11165,226 @@
   <p:clrMapOvr>
     <a:masterClrMapping/>
   </p:clrMapOvr>
+  <p:timing>
+    <p:tnLst>
+      <p:par>
+        <p:cTn id="1" dur="indefinite" restart="never" nodeType="tmRoot">
+          <p:childTnLst>
+            <p:seq concurrent="1" nextAc="seek">
+              <p:cTn id="2" dur="indefinite" nodeType="mainSeq">
+                <p:childTnLst>
+                  <p:par>
+                    <p:cTn id="3" fill="hold">
+                      <p:stCondLst>
+                        <p:cond delay="indefinite"/>
+                      </p:stCondLst>
+                      <p:childTnLst>
+                        <p:par>
+                          <p:cTn id="4" fill="hold">
+                            <p:stCondLst>
+                              <p:cond delay="0"/>
+                            </p:stCondLst>
+                            <p:childTnLst>
+                              <p:par>
+                                <p:cTn id="5" presetID="2" presetClass="entr" presetSubtype="4" fill="hold" grpId="0" nodeType="clickEffect">
+                                  <p:stCondLst>
+                                    <p:cond delay="0"/>
+                                  </p:stCondLst>
+                                  <p:childTnLst>
+                                    <p:set>
+                                      <p:cBhvr>
+                                        <p:cTn id="6" dur="1" fill="hold">
+                                          <p:stCondLst>
+                                            <p:cond delay="0"/>
+                                          </p:stCondLst>
+                                        </p:cTn>
+                                        <p:tgtEl>
+                                          <p:spTgt spid="18"/>
+                                        </p:tgtEl>
+                                        <p:attrNameLst>
+                                          <p:attrName>style.visibility</p:attrName>
+                                        </p:attrNameLst>
+                                      </p:cBhvr>
+                                      <p:to>
+                                        <p:strVal val="visible"/>
+                                      </p:to>
+                                    </p:set>
+                                    <p:anim calcmode="lin" valueType="num">
+                                      <p:cBhvr additive="base">
+                                        <p:cTn id="7" dur="500" fill="hold"/>
+                                        <p:tgtEl>
+                                          <p:spTgt spid="18"/>
+                                        </p:tgtEl>
+                                        <p:attrNameLst>
+                                          <p:attrName>ppt_x</p:attrName>
+                                        </p:attrNameLst>
+                                      </p:cBhvr>
+                                      <p:tavLst>
+                                        <p:tav tm="0">
+                                          <p:val>
+                                            <p:strVal val="#ppt_x"/>
+                                          </p:val>
+                                        </p:tav>
+                                        <p:tav tm="100000">
+                                          <p:val>
+                                            <p:strVal val="#ppt_x"/>
+                                          </p:val>
+                                        </p:tav>
+                                      </p:tavLst>
+                                    </p:anim>
+                                    <p:anim calcmode="lin" valueType="num">
+                                      <p:cBhvr additive="base">
+                                        <p:cTn id="8" dur="500" fill="hold"/>
+                                        <p:tgtEl>
+                                          <p:spTgt spid="18"/>
+                                        </p:tgtEl>
+                                        <p:attrNameLst>
+                                          <p:attrName>ppt_y</p:attrName>
+                                        </p:attrNameLst>
+                                      </p:cBhvr>
+                                      <p:tavLst>
+                                        <p:tav tm="0">
+                                          <p:val>
+                                            <p:strVal val="1+#ppt_h/2"/>
+                                          </p:val>
+                                        </p:tav>
+                                        <p:tav tm="100000">
+                                          <p:val>
+                                            <p:strVal val="#ppt_y"/>
+                                          </p:val>
+                                        </p:tav>
+                                      </p:tavLst>
+                                    </p:anim>
+                                  </p:childTnLst>
+                                </p:cTn>
+                              </p:par>
+                            </p:childTnLst>
+                          </p:cTn>
+                        </p:par>
+                      </p:childTnLst>
+                    </p:cTn>
+                  </p:par>
+                  <p:par>
+                    <p:cTn id="9" fill="hold">
+                      <p:stCondLst>
+                        <p:cond delay="indefinite"/>
+                      </p:stCondLst>
+                      <p:childTnLst>
+                        <p:par>
+                          <p:cTn id="10" fill="hold">
+                            <p:stCondLst>
+                              <p:cond delay="0"/>
+                            </p:stCondLst>
+                            <p:childTnLst>
+                              <p:par>
+                                <p:cTn id="11" presetID="2" presetClass="entr" presetSubtype="4" fill="hold" grpId="0" nodeType="clickEffect">
+                                  <p:stCondLst>
+                                    <p:cond delay="0"/>
+                                  </p:stCondLst>
+                                  <p:childTnLst>
+                                    <p:set>
+                                      <p:cBhvr>
+                                        <p:cTn id="12" dur="1" fill="hold">
+                                          <p:stCondLst>
+                                            <p:cond delay="0"/>
+                                          </p:stCondLst>
+                                        </p:cTn>
+                                        <p:tgtEl>
+                                          <p:spTgt spid="19"/>
+                                        </p:tgtEl>
+                                        <p:attrNameLst>
+                                          <p:attrName>style.visibility</p:attrName>
+                                        </p:attrNameLst>
+                                      </p:cBhvr>
+                                      <p:to>
+                                        <p:strVal val="visible"/>
+                                      </p:to>
+                                    </p:set>
+                                    <p:anim calcmode="lin" valueType="num">
+                                      <p:cBhvr additive="base">
+                                        <p:cTn id="13" dur="500" fill="hold"/>
+                                        <p:tgtEl>
+                                          <p:spTgt spid="19"/>
+                                        </p:tgtEl>
+                                        <p:attrNameLst>
+                                          <p:attrName>ppt_x</p:attrName>
+                                        </p:attrNameLst>
+                                      </p:cBhvr>
+                                      <p:tavLst>
+                                        <p:tav tm="0">
+                                          <p:val>
+                                            <p:strVal val="#ppt_x"/>
+                                          </p:val>
+                                        </p:tav>
+                                        <p:tav tm="100000">
+                                          <p:val>
+                                            <p:strVal val="#ppt_x"/>
+                                          </p:val>
+                                        </p:tav>
+                                      </p:tavLst>
+                                    </p:anim>
+                                    <p:anim calcmode="lin" valueType="num">
+                                      <p:cBhvr additive="base">
+                                        <p:cTn id="14" dur="500" fill="hold"/>
+                                        <p:tgtEl>
+                                          <p:spTgt spid="19"/>
+                                        </p:tgtEl>
+                                        <p:attrNameLst>
+                                          <p:attrName>ppt_y</p:attrName>
+                                        </p:attrNameLst>
+                                      </p:cBhvr>
+                                      <p:tavLst>
+                                        <p:tav tm="0">
+                                          <p:val>
+                                            <p:strVal val="1+#ppt_h/2"/>
+                                          </p:val>
+                                        </p:tav>
+                                        <p:tav tm="100000">
+                                          <p:val>
+                                            <p:strVal val="#ppt_y"/>
+                                          </p:val>
+                                        </p:tav>
+                                      </p:tavLst>
+                                    </p:anim>
+                                  </p:childTnLst>
+                                </p:cTn>
+                              </p:par>
+                            </p:childTnLst>
+                          </p:cTn>
+                        </p:par>
+                      </p:childTnLst>
+                    </p:cTn>
+                  </p:par>
+                </p:childTnLst>
+              </p:cTn>
+              <p:prevCondLst>
+                <p:cond evt="onPrev" delay="0">
+                  <p:tgtEl>
+                    <p:sldTgt/>
+                  </p:tgtEl>
+                </p:cond>
+              </p:prevCondLst>
+              <p:nextCondLst>
+                <p:cond evt="onNext" delay="0">
+                  <p:tgtEl>
+                    <p:sldTgt/>
+                  </p:tgtEl>
+                </p:cond>
+              </p:nextCondLst>
+            </p:seq>
+          </p:childTnLst>
+        </p:cTn>
+      </p:par>
+    </p:tnLst>
+    <p:bldLst>
+      <p:bldP spid="18" grpId="0"/>
+      <p:bldP spid="19" grpId="0"/>
+    </p:bldLst>
+  </p:timing>
 </p:sld>
 </file>
 
 <file path=ppt/slides/slide5.xml><?xml version="1.0" encoding="utf-8"?>
-<p:sld xmlns:a="http://schemas.openxmlformats.org/drawingml/2006/main" xmlns:r="http://schemas.openxmlformats.org/officeDocument/2006/relationships" xmlns:p="http://schemas.openxmlformats.org/presentationml/2006/main">
-  <p:cSld>
-    <p:spTree>
-      <p:nvGrpSpPr>
-        <p:cNvPr id="1" name=""/>
-        <p:cNvGrpSpPr/>
-        <p:nvPr/>
-      </p:nvGrpSpPr>
-      <p:grpSpPr>
-        <a:xfrm>
-          <a:off x="0" y="0"/>
-          <a:ext cx="0" cy="0"/>
-          <a:chOff x="0" y="0"/>
-          <a:chExt cx="0" cy="0"/>
-        </a:xfrm>
-      </p:grpSpPr>
-      <p:graphicFrame>
-        <p:nvGraphicFramePr>
-          <p:cNvPr id="2" name="차트 1">
-            <a:extLst>
-              <a:ext uri="{FF2B5EF4-FFF2-40B4-BE49-F238E27FC236}">
-                <a16:creationId xmlns:a16="http://schemas.microsoft.com/office/drawing/2014/main" id="{E4C3A305-0641-4D21-8553-6824ECA982FA}"/>
-              </a:ext>
-            </a:extLst>
-          </p:cNvPr>
-          <p:cNvGraphicFramePr>
-            <a:graphicFrameLocks/>
-          </p:cNvGraphicFramePr>
-          <p:nvPr>
-            <p:extLst>
-              <p:ext uri="{D42A27DB-BD31-4B8C-83A1-F6EECF244321}">
-                <p14:modId xmlns:p14="http://schemas.microsoft.com/office/powerpoint/2010/main" val="433229064"/>
-              </p:ext>
-            </p:extLst>
-          </p:nvPr>
-        </p:nvGraphicFramePr>
-        <p:xfrm>
-          <a:off x="175419" y="2209800"/>
-          <a:ext cx="2758282" cy="2743200"/>
-        </p:xfrm>
-        <a:graphic>
-          <a:graphicData uri="http://schemas.openxmlformats.org/drawingml/2006/chart">
-            <c:chart xmlns:c="http://schemas.openxmlformats.org/drawingml/2006/chart" xmlns:r="http://schemas.openxmlformats.org/officeDocument/2006/relationships" r:id="rId2"/>
-          </a:graphicData>
-        </a:graphic>
-      </p:graphicFrame>
-      <p:graphicFrame>
-        <p:nvGraphicFramePr>
-          <p:cNvPr id="3" name="차트 2">
-            <a:extLst>
-              <a:ext uri="{FF2B5EF4-FFF2-40B4-BE49-F238E27FC236}">
-                <a16:creationId xmlns:a16="http://schemas.microsoft.com/office/drawing/2014/main" id="{F8CD871B-FCED-415A-8529-6E329FE746FA}"/>
-              </a:ext>
-            </a:extLst>
-          </p:cNvPr>
-          <p:cNvGraphicFramePr>
-            <a:graphicFrameLocks/>
-          </p:cNvGraphicFramePr>
-          <p:nvPr>
-            <p:extLst>
-              <p:ext uri="{D42A27DB-BD31-4B8C-83A1-F6EECF244321}">
-                <p14:modId xmlns:p14="http://schemas.microsoft.com/office/powerpoint/2010/main" val="3505620478"/>
-              </p:ext>
-            </p:extLst>
-          </p:nvPr>
-        </p:nvGraphicFramePr>
-        <p:xfrm>
-          <a:off x="3026569" y="2209800"/>
-          <a:ext cx="2624932" cy="2743200"/>
-        </p:xfrm>
-        <a:graphic>
-          <a:graphicData uri="http://schemas.openxmlformats.org/drawingml/2006/chart">
-            <c:chart xmlns:c="http://schemas.openxmlformats.org/drawingml/2006/chart" xmlns:r="http://schemas.openxmlformats.org/officeDocument/2006/relationships" r:id="rId3"/>
-          </a:graphicData>
-        </a:graphic>
-      </p:graphicFrame>
-      <p:graphicFrame>
-        <p:nvGraphicFramePr>
-          <p:cNvPr id="4" name="차트 3">
-            <a:extLst>
-              <a:ext uri="{FF2B5EF4-FFF2-40B4-BE49-F238E27FC236}">
-                <a16:creationId xmlns:a16="http://schemas.microsoft.com/office/drawing/2014/main" id="{1B858A2B-5697-4EFD-B886-F2A6DFC3B635}"/>
-              </a:ext>
-            </a:extLst>
-          </p:cNvPr>
-          <p:cNvGraphicFramePr>
-            <a:graphicFrameLocks/>
-          </p:cNvGraphicFramePr>
-          <p:nvPr>
-            <p:extLst>
-              <p:ext uri="{D42A27DB-BD31-4B8C-83A1-F6EECF244321}">
-                <p14:modId xmlns:p14="http://schemas.microsoft.com/office/powerpoint/2010/main" val="3983822197"/>
-              </p:ext>
-            </p:extLst>
-          </p:nvPr>
-        </p:nvGraphicFramePr>
-        <p:xfrm>
-          <a:off x="5651501" y="2209800"/>
-          <a:ext cx="2624933" cy="2743200"/>
-        </p:xfrm>
-        <a:graphic>
-          <a:graphicData uri="http://schemas.openxmlformats.org/drawingml/2006/chart">
-            <c:chart xmlns:c="http://schemas.openxmlformats.org/drawingml/2006/chart" xmlns:r="http://schemas.openxmlformats.org/officeDocument/2006/relationships" r:id="rId4"/>
-          </a:graphicData>
-        </a:graphic>
-      </p:graphicFrame>
-      <p:graphicFrame>
-        <p:nvGraphicFramePr>
-          <p:cNvPr id="5" name="차트 4">
-            <a:extLst>
-              <a:ext uri="{FF2B5EF4-FFF2-40B4-BE49-F238E27FC236}">
-                <a16:creationId xmlns:a16="http://schemas.microsoft.com/office/drawing/2014/main" id="{5D51B734-FE5D-4DB7-A99E-C113FEE4EE3A}"/>
-              </a:ext>
-            </a:extLst>
-          </p:cNvPr>
-          <p:cNvGraphicFramePr>
-            <a:graphicFrameLocks/>
-          </p:cNvGraphicFramePr>
-          <p:nvPr>
-            <p:extLst>
-              <p:ext uri="{D42A27DB-BD31-4B8C-83A1-F6EECF244321}">
-                <p14:modId xmlns:p14="http://schemas.microsoft.com/office/powerpoint/2010/main" val="1424112526"/>
-              </p:ext>
-            </p:extLst>
-          </p:nvPr>
-        </p:nvGraphicFramePr>
-        <p:xfrm>
-          <a:off x="8348665" y="2209800"/>
-          <a:ext cx="2552702" cy="2743200"/>
-        </p:xfrm>
-        <a:graphic>
-          <a:graphicData uri="http://schemas.openxmlformats.org/drawingml/2006/chart">
-            <c:chart xmlns:c="http://schemas.openxmlformats.org/drawingml/2006/chart" xmlns:r="http://schemas.openxmlformats.org/officeDocument/2006/relationships" r:id="rId5"/>
-          </a:graphicData>
-        </a:graphic>
-      </p:graphicFrame>
-    </p:spTree>
-    <p:extLst>
-      <p:ext uri="{BB962C8B-B14F-4D97-AF65-F5344CB8AC3E}">
-        <p14:creationId xmlns:p14="http://schemas.microsoft.com/office/powerpoint/2010/main" val="4281573521"/>
-      </p:ext>
-    </p:extLst>
-  </p:cSld>
-  <p:clrMapOvr>
-    <a:masterClrMapping/>
-  </p:clrMapOvr>
-</p:sld>
-</file>
-
-<file path=ppt/slides/slide6.xml><?xml version="1.0" encoding="utf-8"?>
 <p:sld xmlns:a="http://schemas.openxmlformats.org/drawingml/2006/main" xmlns:r="http://schemas.openxmlformats.org/officeDocument/2006/relationships" xmlns:p="http://schemas.openxmlformats.org/presentationml/2006/main">
   <p:cSld>
     <p:spTree>
@@ -11308,8 +11701,8 @@
         </p:nvSpPr>
         <p:spPr>
           <a:xfrm>
-            <a:off x="4472612" y="1395477"/>
-            <a:ext cx="2799164" cy="1077218"/>
+            <a:off x="1242422" y="1669139"/>
+            <a:ext cx="3231975" cy="461665"/>
           </a:xfrm>
           <a:prstGeom prst="rect">
             <a:avLst/>
@@ -11324,55 +11717,22 @@
           <a:p>
             <a:pPr algn="ctr"/>
             <a:r>
-              <a:rPr lang="ko-KR" altLang="en-US" sz="3200" spc="-150" dirty="0">
+              <a:rPr lang="ko-KR" altLang="en-US" sz="2400" spc="-150" dirty="0">
                 <a:solidFill>
                   <a:srgbClr val="8DBABD"/>
                 </a:solidFill>
-                <a:latin typeface="나눔스퀘어 ExtraBold" panose="020B0600000101010101" pitchFamily="50" charset="-127"/>
-                <a:ea typeface="나눔스퀘어 ExtraBold" panose="020B0600000101010101" pitchFamily="50" charset="-127"/>
+                <a:latin typeface="나눔스퀘어 Bold" panose="020B0600000101010101" pitchFamily="50" charset="-127"/>
+                <a:ea typeface="나눔스퀘어 Bold" panose="020B0600000101010101" pitchFamily="50" charset="-127"/>
               </a:rPr>
-              <a:t>방문자 수</a:t>
+              <a:t>제주도 방문 외국인 관광객</a:t>
             </a:r>
-            <a:endParaRPr lang="en-US" altLang="ko-KR" sz="3200" spc="-150" dirty="0">
+            <a:endParaRPr lang="en-US" altLang="ko-KR" sz="2400" spc="-150" dirty="0">
               <a:solidFill>
                 <a:srgbClr val="8DBABD"/>
               </a:solidFill>
-              <a:latin typeface="나눔스퀘어 ExtraBold" panose="020B0600000101010101" pitchFamily="50" charset="-127"/>
-              <a:ea typeface="나눔스퀘어 ExtraBold" panose="020B0600000101010101" pitchFamily="50" charset="-127"/>
+              <a:latin typeface="나눔스퀘어 Bold" panose="020B0600000101010101" pitchFamily="50" charset="-127"/>
+              <a:ea typeface="나눔스퀘어 Bold" panose="020B0600000101010101" pitchFamily="50" charset="-127"/>
             </a:endParaRPr>
-          </a:p>
-          <a:p>
-            <a:pPr algn="ctr"/>
-            <a:r>
-              <a:rPr lang="ko-KR" altLang="en-US" sz="3200" spc="-150" dirty="0">
-                <a:solidFill>
-                  <a:srgbClr val="8DBABD"/>
-                </a:solidFill>
-                <a:latin typeface="나눔스퀘어 ExtraBold" panose="020B0600000101010101" pitchFamily="50" charset="-127"/>
-                <a:ea typeface="나눔스퀘어 ExtraBold" panose="020B0600000101010101" pitchFamily="50" charset="-127"/>
-              </a:rPr>
-              <a:t>내국인</a:t>
-            </a:r>
-            <a:r>
-              <a:rPr lang="en-US" altLang="ko-KR" sz="3200" spc="-150" dirty="0">
-                <a:solidFill>
-                  <a:srgbClr val="8DBABD"/>
-                </a:solidFill>
-                <a:latin typeface="나눔스퀘어 ExtraBold" panose="020B0600000101010101" pitchFamily="50" charset="-127"/>
-                <a:ea typeface="나눔스퀘어 ExtraBold" panose="020B0600000101010101" pitchFamily="50" charset="-127"/>
-              </a:rPr>
-              <a:t>&gt;</a:t>
-            </a:r>
-            <a:r>
-              <a:rPr lang="ko-KR" altLang="en-US" sz="3200" spc="-150" dirty="0">
-                <a:solidFill>
-                  <a:srgbClr val="8DBABD"/>
-                </a:solidFill>
-                <a:latin typeface="나눔스퀘어 ExtraBold" panose="020B0600000101010101" pitchFamily="50" charset="-127"/>
-                <a:ea typeface="나눔스퀘어 ExtraBold" panose="020B0600000101010101" pitchFamily="50" charset="-127"/>
-              </a:rPr>
-              <a:t>외국인</a:t>
-            </a:r>
           </a:p>
         </p:txBody>
       </p:sp>
@@ -11384,8 +11744,8 @@
         </p:nvSpPr>
         <p:spPr>
           <a:xfrm>
-            <a:off x="1110894" y="1006929"/>
-            <a:ext cx="1588897" cy="369332"/>
+            <a:off x="1065009" y="1006929"/>
+            <a:ext cx="2214068" cy="369332"/>
           </a:xfrm>
           <a:prstGeom prst="rect">
             <a:avLst/>
@@ -11407,145 +11767,137 @@
                 <a:latin typeface="나눔스퀘어 ExtraBold" panose="020B0600000101010101" pitchFamily="50" charset="-127"/>
                 <a:ea typeface="나눔스퀘어 ExtraBold" panose="020B0600000101010101" pitchFamily="50" charset="-127"/>
               </a:rPr>
-              <a:t>내</a:t>
-            </a:r>
-            <a:r>
-              <a:rPr lang="en-US" altLang="ko-KR" spc="-150" dirty="0">
-                <a:solidFill>
-                  <a:srgbClr val="00002F"/>
-                </a:solidFill>
-                <a:latin typeface="나눔스퀘어 ExtraBold" panose="020B0600000101010101" pitchFamily="50" charset="-127"/>
-                <a:ea typeface="나눔스퀘어 ExtraBold" panose="020B0600000101010101" pitchFamily="50" charset="-127"/>
-              </a:rPr>
-              <a:t>/</a:t>
-            </a:r>
-            <a:r>
-              <a:rPr lang="ko-KR" altLang="en-US" spc="-150" dirty="0">
-                <a:solidFill>
-                  <a:srgbClr val="00002F"/>
-                </a:solidFill>
-                <a:latin typeface="나눔스퀘어 ExtraBold" panose="020B0600000101010101" pitchFamily="50" charset="-127"/>
-                <a:ea typeface="나눔스퀘어 ExtraBold" panose="020B0600000101010101" pitchFamily="50" charset="-127"/>
-              </a:rPr>
-              <a:t>외국인 비교</a:t>
+              <a:t>외국인 관광객 세분화</a:t>
             </a:r>
           </a:p>
         </p:txBody>
       </p:sp>
-      <p:pic>
-        <p:nvPicPr>
-          <p:cNvPr id="18" name="그림 17">
+      <p:graphicFrame>
+        <p:nvGraphicFramePr>
+          <p:cNvPr id="14" name="차트 13">
             <a:extLst>
               <a:ext uri="{FF2B5EF4-FFF2-40B4-BE49-F238E27FC236}">
-                <a16:creationId xmlns:a16="http://schemas.microsoft.com/office/drawing/2014/main" id="{5D078AAE-E090-4DC0-8534-A2D59F2959A1}"/>
+                <a16:creationId xmlns:a16="http://schemas.microsoft.com/office/drawing/2014/main" id="{4FCF31BB-07C4-4330-B1B0-231968AA32F5}"/>
               </a:ext>
             </a:extLst>
           </p:cNvPr>
-          <p:cNvPicPr>
-            <a:picLocks noChangeAspect="1"/>
-          </p:cNvPicPr>
-          <p:nvPr/>
-        </p:nvPicPr>
-        <p:blipFill>
-          <a:blip r:embed="rId2">
-            <a:extLst>
-              <a:ext uri="{28A0092B-C50C-407E-A947-70E740481C1C}">
-                <a14:useLocalDpi xmlns:a14="http://schemas.microsoft.com/office/drawing/2010/main" val="0"/>
-              </a:ext>
-            </a:extLst>
-          </a:blip>
-          <a:stretch>
-            <a:fillRect/>
-          </a:stretch>
-        </p:blipFill>
-        <p:spPr>
-          <a:xfrm>
-            <a:off x="1386368" y="2472694"/>
-            <a:ext cx="2460060" cy="3467063"/>
-          </a:xfrm>
-          <a:prstGeom prst="rect">
-            <a:avLst/>
-          </a:prstGeom>
-        </p:spPr>
-      </p:pic>
-      <p:pic>
-        <p:nvPicPr>
-          <p:cNvPr id="20" name="그림 19">
+          <p:cNvGraphicFramePr>
+            <a:graphicFrameLocks/>
+          </p:cNvGraphicFramePr>
+          <p:nvPr>
+            <p:extLst>
+              <p:ext uri="{D42A27DB-BD31-4B8C-83A1-F6EECF244321}">
+                <p14:modId xmlns:p14="http://schemas.microsoft.com/office/powerpoint/2010/main" val="2921822950"/>
+              </p:ext>
+            </p:extLst>
+          </p:nvPr>
+        </p:nvGraphicFramePr>
+        <p:xfrm>
+          <a:off x="762667" y="2344024"/>
+          <a:ext cx="2758282" cy="2743200"/>
+        </p:xfrm>
+        <a:graphic>
+          <a:graphicData uri="http://schemas.openxmlformats.org/drawingml/2006/chart">
+            <c:chart xmlns:c="http://schemas.openxmlformats.org/drawingml/2006/chart" xmlns:r="http://schemas.openxmlformats.org/officeDocument/2006/relationships" r:id="rId2"/>
+          </a:graphicData>
+        </a:graphic>
+      </p:graphicFrame>
+      <p:graphicFrame>
+        <p:nvGraphicFramePr>
+          <p:cNvPr id="15" name="차트 14">
             <a:extLst>
               <a:ext uri="{FF2B5EF4-FFF2-40B4-BE49-F238E27FC236}">
-                <a16:creationId xmlns:a16="http://schemas.microsoft.com/office/drawing/2014/main" id="{A46B75E5-5A42-4295-AE96-D0A8BB98C95C}"/>
+                <a16:creationId xmlns:a16="http://schemas.microsoft.com/office/drawing/2014/main" id="{11A41B65-8082-4EA0-B499-9216215EE5E1}"/>
               </a:ext>
             </a:extLst>
           </p:cNvPr>
-          <p:cNvPicPr>
-            <a:picLocks noChangeAspect="1"/>
-          </p:cNvPicPr>
-          <p:nvPr/>
-        </p:nvPicPr>
-        <p:blipFill>
-          <a:blip r:embed="rId3">
-            <a:extLst>
-              <a:ext uri="{28A0092B-C50C-407E-A947-70E740481C1C}">
-                <a14:useLocalDpi xmlns:a14="http://schemas.microsoft.com/office/drawing/2010/main" val="0"/>
-              </a:ext>
-            </a:extLst>
-          </a:blip>
-          <a:stretch>
-            <a:fillRect/>
-          </a:stretch>
-        </p:blipFill>
-        <p:spPr>
-          <a:xfrm>
-            <a:off x="4865970" y="2472695"/>
-            <a:ext cx="2460060" cy="3467063"/>
-          </a:xfrm>
-          <a:prstGeom prst="rect">
-            <a:avLst/>
-          </a:prstGeom>
-        </p:spPr>
-      </p:pic>
-      <p:pic>
-        <p:nvPicPr>
-          <p:cNvPr id="22" name="그림 21">
+          <p:cNvGraphicFramePr>
+            <a:graphicFrameLocks/>
+          </p:cNvGraphicFramePr>
+          <p:nvPr>
+            <p:extLst>
+              <p:ext uri="{D42A27DB-BD31-4B8C-83A1-F6EECF244321}">
+                <p14:modId xmlns:p14="http://schemas.microsoft.com/office/powerpoint/2010/main" val="1423018948"/>
+              </p:ext>
+            </p:extLst>
+          </p:nvPr>
+        </p:nvGraphicFramePr>
+        <p:xfrm>
+          <a:off x="3613817" y="2344024"/>
+          <a:ext cx="2624932" cy="2743200"/>
+        </p:xfrm>
+        <a:graphic>
+          <a:graphicData uri="http://schemas.openxmlformats.org/drawingml/2006/chart">
+            <c:chart xmlns:c="http://schemas.openxmlformats.org/drawingml/2006/chart" xmlns:r="http://schemas.openxmlformats.org/officeDocument/2006/relationships" r:id="rId3"/>
+          </a:graphicData>
+        </a:graphic>
+      </p:graphicFrame>
+      <p:graphicFrame>
+        <p:nvGraphicFramePr>
+          <p:cNvPr id="16" name="차트 15">
             <a:extLst>
               <a:ext uri="{FF2B5EF4-FFF2-40B4-BE49-F238E27FC236}">
-                <a16:creationId xmlns:a16="http://schemas.microsoft.com/office/drawing/2014/main" id="{87EC3D12-F349-4295-BB75-1AA9D97F976D}"/>
+                <a16:creationId xmlns:a16="http://schemas.microsoft.com/office/drawing/2014/main" id="{1820BC85-375E-4A3E-9716-302750FC7DF5}"/>
               </a:ext>
             </a:extLst>
           </p:cNvPr>
-          <p:cNvPicPr>
-            <a:picLocks noChangeAspect="1"/>
-          </p:cNvPicPr>
-          <p:nvPr/>
-        </p:nvPicPr>
-        <p:blipFill>
-          <a:blip r:embed="rId4">
+          <p:cNvGraphicFramePr>
+            <a:graphicFrameLocks/>
+          </p:cNvGraphicFramePr>
+          <p:nvPr>
+            <p:extLst>
+              <p:ext uri="{D42A27DB-BD31-4B8C-83A1-F6EECF244321}">
+                <p14:modId xmlns:p14="http://schemas.microsoft.com/office/powerpoint/2010/main" val="431950912"/>
+              </p:ext>
+            </p:extLst>
+          </p:nvPr>
+        </p:nvGraphicFramePr>
+        <p:xfrm>
+          <a:off x="6238749" y="2344024"/>
+          <a:ext cx="2624933" cy="2743200"/>
+        </p:xfrm>
+        <a:graphic>
+          <a:graphicData uri="http://schemas.openxmlformats.org/drawingml/2006/chart">
+            <c:chart xmlns:c="http://schemas.openxmlformats.org/drawingml/2006/chart" xmlns:r="http://schemas.openxmlformats.org/officeDocument/2006/relationships" r:id="rId4"/>
+          </a:graphicData>
+        </a:graphic>
+      </p:graphicFrame>
+      <p:graphicFrame>
+        <p:nvGraphicFramePr>
+          <p:cNvPr id="17" name="차트 16">
             <a:extLst>
-              <a:ext uri="{28A0092B-C50C-407E-A947-70E740481C1C}">
-                <a14:useLocalDpi xmlns:a14="http://schemas.microsoft.com/office/drawing/2010/main" val="0"/>
+              <a:ext uri="{FF2B5EF4-FFF2-40B4-BE49-F238E27FC236}">
+                <a16:creationId xmlns:a16="http://schemas.microsoft.com/office/drawing/2014/main" id="{EBE5EF5C-B39B-4D7E-9C93-9BE383660C3E}"/>
               </a:ext>
             </a:extLst>
-          </a:blip>
-          <a:stretch>
-            <a:fillRect/>
-          </a:stretch>
-        </p:blipFill>
-        <p:spPr>
-          <a:xfrm>
-            <a:off x="8578399" y="2472695"/>
-            <a:ext cx="2460060" cy="3467063"/>
-          </a:xfrm>
-          <a:prstGeom prst="rect">
-            <a:avLst/>
-          </a:prstGeom>
-        </p:spPr>
-      </p:pic>
+          </p:cNvPr>
+          <p:cNvGraphicFramePr>
+            <a:graphicFrameLocks/>
+          </p:cNvGraphicFramePr>
+          <p:nvPr>
+            <p:extLst>
+              <p:ext uri="{D42A27DB-BD31-4B8C-83A1-F6EECF244321}">
+                <p14:modId xmlns:p14="http://schemas.microsoft.com/office/powerpoint/2010/main" val="537497339"/>
+              </p:ext>
+            </p:extLst>
+          </p:nvPr>
+        </p:nvGraphicFramePr>
+        <p:xfrm>
+          <a:off x="8935913" y="2344024"/>
+          <a:ext cx="2552702" cy="2743200"/>
+        </p:xfrm>
+        <a:graphic>
+          <a:graphicData uri="http://schemas.openxmlformats.org/drawingml/2006/chart">
+            <c:chart xmlns:c="http://schemas.openxmlformats.org/drawingml/2006/chart" xmlns:r="http://schemas.openxmlformats.org/officeDocument/2006/relationships" r:id="rId5"/>
+          </a:graphicData>
+        </a:graphic>
+      </p:graphicFrame>
       <p:sp>
         <p:nvSpPr>
-          <p:cNvPr id="23" name="TextBox 22">
+          <p:cNvPr id="2" name="TextBox 1">
             <a:extLst>
               <a:ext uri="{FF2B5EF4-FFF2-40B4-BE49-F238E27FC236}">
-                <a16:creationId xmlns:a16="http://schemas.microsoft.com/office/drawing/2014/main" id="{BF758E8B-C844-48E3-813E-D33CD261D27E}"/>
+                <a16:creationId xmlns:a16="http://schemas.microsoft.com/office/drawing/2014/main" id="{FE17CFCA-207C-4B01-BB48-20D62718CDDA}"/>
               </a:ext>
             </a:extLst>
           </p:cNvPr>
@@ -11554,8 +11906,8 @@
         </p:nvSpPr>
         <p:spPr>
           <a:xfrm>
-            <a:off x="1589175" y="2826787"/>
-            <a:ext cx="1468672" cy="430887"/>
+            <a:off x="3520949" y="5188861"/>
+            <a:ext cx="5249865" cy="646331"/>
           </a:xfrm>
           <a:prstGeom prst="rect">
             <a:avLst/>
@@ -11563,429 +11915,183 @@
           <a:noFill/>
         </p:spPr>
         <p:txBody>
-          <a:bodyPr wrap="none" rtlCol="0">
+          <a:bodyPr wrap="square" rtlCol="0">
             <a:spAutoFit/>
           </a:bodyPr>
           <a:lstStyle/>
           <a:p>
             <a:pPr algn="ctr"/>
             <a:r>
-              <a:rPr lang="en-US" altLang="ko-KR" sz="1100" dirty="0"/>
-              <a:t>2016 </a:t>
+              <a:rPr lang="en-US" altLang="ko-KR" sz="3600" spc="-150" dirty="0">
+                <a:solidFill>
+                  <a:srgbClr val="002060"/>
+                </a:solidFill>
+                <a:latin typeface="나눔스퀘어 ExtraBold" panose="020B0600000101010101" pitchFamily="50" charset="-127"/>
+                <a:ea typeface="나눔스퀘어 ExtraBold" panose="020B0600000101010101" pitchFamily="50" charset="-127"/>
+              </a:rPr>
+              <a:t>-&gt; </a:t>
             </a:r>
             <a:r>
-              <a:rPr lang="ko-KR" altLang="en-US" sz="1100" dirty="0"/>
-              <a:t>제주 내</a:t>
+              <a:rPr lang="ko-KR" altLang="en-US" sz="3600" spc="-150" dirty="0">
+                <a:solidFill>
+                  <a:srgbClr val="F26464"/>
+                </a:solidFill>
+                <a:latin typeface="나눔스퀘어 ExtraBold" panose="020B0600000101010101" pitchFamily="50" charset="-127"/>
+                <a:ea typeface="나눔스퀘어 ExtraBold" panose="020B0600000101010101" pitchFamily="50" charset="-127"/>
+              </a:rPr>
+              <a:t>중국</a:t>
             </a:r>
             <a:r>
-              <a:rPr lang="en-US" altLang="ko-KR" sz="1100" dirty="0"/>
-              <a:t>,</a:t>
+              <a:rPr lang="ko-KR" altLang="en-US" sz="3600" spc="-150" dirty="0">
+                <a:solidFill>
+                  <a:srgbClr val="002060"/>
+                </a:solidFill>
+                <a:latin typeface="나눔스퀘어 ExtraBold" panose="020B0600000101010101" pitchFamily="50" charset="-127"/>
+                <a:ea typeface="나눔스퀘어 ExtraBold" panose="020B0600000101010101" pitchFamily="50" charset="-127"/>
+              </a:rPr>
+              <a:t>이 압도적</a:t>
             </a:r>
-            <a:r>
-              <a:rPr lang="ko-KR" altLang="en-US" sz="1100" dirty="0"/>
-              <a:t>외국인</a:t>
-            </a:r>
-            <a:endParaRPr lang="en-US" altLang="ko-KR" sz="1100" dirty="0"/>
-          </a:p>
-          <a:p>
-            <a:pPr algn="ctr"/>
-            <a:r>
-              <a:rPr lang="ko-KR" altLang="en-US" sz="1100" dirty="0"/>
-              <a:t>관광객 비율</a:t>
-            </a:r>
-          </a:p>
-        </p:txBody>
-      </p:sp>
-      <p:sp>
-        <p:nvSpPr>
-          <p:cNvPr id="25" name="TextBox 24">
-            <a:extLst>
-              <a:ext uri="{FF2B5EF4-FFF2-40B4-BE49-F238E27FC236}">
-                <a16:creationId xmlns:a16="http://schemas.microsoft.com/office/drawing/2014/main" id="{28FF4B07-8DB3-40DF-9859-21EDCCF8622E}"/>
-              </a:ext>
-            </a:extLst>
-          </p:cNvPr>
-          <p:cNvSpPr txBox="1"/>
-          <p:nvPr/>
-        </p:nvSpPr>
-        <p:spPr>
-          <a:xfrm>
-            <a:off x="5098797" y="2826786"/>
-            <a:ext cx="1468672" cy="430887"/>
-          </a:xfrm>
-          <a:prstGeom prst="rect">
-            <a:avLst/>
-          </a:prstGeom>
-          <a:noFill/>
-        </p:spPr>
-        <p:txBody>
-          <a:bodyPr wrap="none" rtlCol="0">
-            <a:spAutoFit/>
-          </a:bodyPr>
-          <a:lstStyle/>
-          <a:p>
-            <a:pPr algn="ctr"/>
-            <a:r>
-              <a:rPr lang="en-US" altLang="ko-KR" sz="1100" dirty="0"/>
-              <a:t>2017 </a:t>
-            </a:r>
-            <a:r>
-              <a:rPr lang="ko-KR" altLang="en-US" sz="1100" dirty="0"/>
-              <a:t>제주 내</a:t>
-            </a:r>
-            <a:r>
-              <a:rPr lang="en-US" altLang="ko-KR" sz="1100" dirty="0"/>
-              <a:t>,</a:t>
-            </a:r>
-            <a:r>
-              <a:rPr lang="ko-KR" altLang="en-US" sz="1100" dirty="0"/>
-              <a:t>외국인</a:t>
-            </a:r>
-            <a:endParaRPr lang="en-US" altLang="ko-KR" sz="1100" dirty="0"/>
-          </a:p>
-          <a:p>
-            <a:pPr algn="ctr"/>
-            <a:r>
-              <a:rPr lang="ko-KR" altLang="en-US" sz="1100" dirty="0"/>
-              <a:t>관광객 비율</a:t>
-            </a:r>
-          </a:p>
-        </p:txBody>
-      </p:sp>
-      <p:sp>
-        <p:nvSpPr>
-          <p:cNvPr id="26" name="TextBox 25">
-            <a:extLst>
-              <a:ext uri="{FF2B5EF4-FFF2-40B4-BE49-F238E27FC236}">
-                <a16:creationId xmlns:a16="http://schemas.microsoft.com/office/drawing/2014/main" id="{54D58962-0935-493C-9E88-E9D17BEF03D9}"/>
-              </a:ext>
-            </a:extLst>
-          </p:cNvPr>
-          <p:cNvSpPr txBox="1"/>
-          <p:nvPr/>
-        </p:nvSpPr>
-        <p:spPr>
-          <a:xfrm>
-            <a:off x="8752495" y="2826786"/>
-            <a:ext cx="1468672" cy="430887"/>
-          </a:xfrm>
-          <a:prstGeom prst="rect">
-            <a:avLst/>
-          </a:prstGeom>
-          <a:noFill/>
-        </p:spPr>
-        <p:txBody>
-          <a:bodyPr wrap="none" rtlCol="0">
-            <a:spAutoFit/>
-          </a:bodyPr>
-          <a:lstStyle/>
-          <a:p>
-            <a:pPr algn="ctr"/>
-            <a:r>
-              <a:rPr lang="en-US" altLang="ko-KR" sz="1100" dirty="0"/>
-              <a:t>2018 </a:t>
-            </a:r>
-            <a:r>
-              <a:rPr lang="ko-KR" altLang="en-US" sz="1100" dirty="0"/>
-              <a:t>제주 내</a:t>
-            </a:r>
-            <a:r>
-              <a:rPr lang="en-US" altLang="ko-KR" sz="1100" dirty="0"/>
-              <a:t>,</a:t>
-            </a:r>
-            <a:r>
-              <a:rPr lang="ko-KR" altLang="en-US" sz="1100" dirty="0"/>
-              <a:t>외국인</a:t>
-            </a:r>
-            <a:endParaRPr lang="en-US" altLang="ko-KR" sz="1100" dirty="0"/>
-          </a:p>
-          <a:p>
-            <a:pPr algn="ctr"/>
-            <a:r>
-              <a:rPr lang="ko-KR" altLang="en-US" sz="1100" dirty="0"/>
-              <a:t>관광객 비율</a:t>
-            </a:r>
-          </a:p>
-        </p:txBody>
-      </p:sp>
-      <p:sp>
-        <p:nvSpPr>
-          <p:cNvPr id="27" name="TextBox 26">
-            <a:extLst>
-              <a:ext uri="{FF2B5EF4-FFF2-40B4-BE49-F238E27FC236}">
-                <a16:creationId xmlns:a16="http://schemas.microsoft.com/office/drawing/2014/main" id="{3A85DABF-F16B-4096-86D9-AA5B166CA5CC}"/>
-              </a:ext>
-            </a:extLst>
-          </p:cNvPr>
-          <p:cNvSpPr txBox="1"/>
-          <p:nvPr/>
-        </p:nvSpPr>
-        <p:spPr>
-          <a:xfrm>
-            <a:off x="1840674" y="4253725"/>
-            <a:ext cx="457176" cy="261610"/>
-          </a:xfrm>
-          <a:prstGeom prst="rect">
-            <a:avLst/>
-          </a:prstGeom>
-          <a:noFill/>
-        </p:spPr>
-        <p:txBody>
-          <a:bodyPr wrap="none" rtlCol="0">
-            <a:spAutoFit/>
-          </a:bodyPr>
-          <a:lstStyle/>
-          <a:p>
-            <a:r>
-              <a:rPr lang="en-US" altLang="ko-KR" sz="1100" dirty="0">
-                <a:solidFill>
-                  <a:schemeClr val="bg1"/>
-                </a:solidFill>
-              </a:rPr>
-              <a:t>75%</a:t>
-            </a:r>
-            <a:endParaRPr lang="ko-KR" altLang="en-US" sz="1100" dirty="0">
-              <a:solidFill>
-                <a:schemeClr val="bg1"/>
-              </a:solidFill>
-            </a:endParaRPr>
-          </a:p>
-        </p:txBody>
-      </p:sp>
-      <p:sp>
-        <p:nvSpPr>
-          <p:cNvPr id="28" name="TextBox 27">
-            <a:extLst>
-              <a:ext uri="{FF2B5EF4-FFF2-40B4-BE49-F238E27FC236}">
-                <a16:creationId xmlns:a16="http://schemas.microsoft.com/office/drawing/2014/main" id="{7A893394-F9DB-4E46-99CF-045BA011F6AE}"/>
-              </a:ext>
-            </a:extLst>
-          </p:cNvPr>
-          <p:cNvSpPr txBox="1"/>
-          <p:nvPr/>
-        </p:nvSpPr>
-        <p:spPr>
-          <a:xfrm>
-            <a:off x="2459328" y="3778713"/>
-            <a:ext cx="457176" cy="261610"/>
-          </a:xfrm>
-          <a:prstGeom prst="rect">
-            <a:avLst/>
-          </a:prstGeom>
-          <a:noFill/>
-        </p:spPr>
-        <p:txBody>
-          <a:bodyPr wrap="none" rtlCol="0">
-            <a:spAutoFit/>
-          </a:bodyPr>
-          <a:lstStyle/>
-          <a:p>
-            <a:r>
-              <a:rPr lang="en-US" altLang="ko-KR" sz="1100" dirty="0">
-                <a:solidFill>
-                  <a:schemeClr val="bg1"/>
-                </a:solidFill>
-              </a:rPr>
-              <a:t>25%</a:t>
-            </a:r>
-            <a:endParaRPr lang="ko-KR" altLang="en-US" sz="1100" dirty="0">
-              <a:solidFill>
-                <a:schemeClr val="bg1"/>
-              </a:solidFill>
-            </a:endParaRPr>
-          </a:p>
-        </p:txBody>
-      </p:sp>
-      <p:sp>
-        <p:nvSpPr>
-          <p:cNvPr id="29" name="TextBox 28">
-            <a:extLst>
-              <a:ext uri="{FF2B5EF4-FFF2-40B4-BE49-F238E27FC236}">
-                <a16:creationId xmlns:a16="http://schemas.microsoft.com/office/drawing/2014/main" id="{A037BD3A-287A-435E-BE19-E48C02E98699}"/>
-              </a:ext>
-            </a:extLst>
-          </p:cNvPr>
-          <p:cNvSpPr txBox="1"/>
-          <p:nvPr/>
-        </p:nvSpPr>
-        <p:spPr>
-          <a:xfrm>
-            <a:off x="5308269" y="4253725"/>
-            <a:ext cx="457176" cy="261610"/>
-          </a:xfrm>
-          <a:prstGeom prst="rect">
-            <a:avLst/>
-          </a:prstGeom>
-          <a:noFill/>
-        </p:spPr>
-        <p:txBody>
-          <a:bodyPr wrap="none" rtlCol="0">
-            <a:spAutoFit/>
-          </a:bodyPr>
-          <a:lstStyle/>
-          <a:p>
-            <a:r>
-              <a:rPr lang="en-US" altLang="ko-KR" sz="1100" dirty="0">
-                <a:solidFill>
-                  <a:schemeClr val="bg1"/>
-                </a:solidFill>
-              </a:rPr>
-              <a:t>92%</a:t>
-            </a:r>
-            <a:endParaRPr lang="ko-KR" altLang="en-US" sz="1100" dirty="0">
-              <a:solidFill>
-                <a:schemeClr val="bg1"/>
-              </a:solidFill>
-            </a:endParaRPr>
-          </a:p>
-        </p:txBody>
-      </p:sp>
-      <p:sp>
-        <p:nvSpPr>
-          <p:cNvPr id="30" name="TextBox 29">
-            <a:extLst>
-              <a:ext uri="{FF2B5EF4-FFF2-40B4-BE49-F238E27FC236}">
-                <a16:creationId xmlns:a16="http://schemas.microsoft.com/office/drawing/2014/main" id="{1D88E6C9-F51A-4459-A826-5B3A0D700027}"/>
-              </a:ext>
-            </a:extLst>
-          </p:cNvPr>
-          <p:cNvSpPr txBox="1"/>
-          <p:nvPr/>
-        </p:nvSpPr>
-        <p:spPr>
-          <a:xfrm>
-            <a:off x="5753570" y="3552728"/>
-            <a:ext cx="380232" cy="261610"/>
-          </a:xfrm>
-          <a:prstGeom prst="rect">
-            <a:avLst/>
-          </a:prstGeom>
-          <a:noFill/>
-        </p:spPr>
-        <p:txBody>
-          <a:bodyPr wrap="none" rtlCol="0">
-            <a:spAutoFit/>
-          </a:bodyPr>
-          <a:lstStyle/>
-          <a:p>
-            <a:r>
-              <a:rPr lang="en-US" altLang="ko-KR" sz="1100" dirty="0">
-                <a:solidFill>
-                  <a:schemeClr val="bg1"/>
-                </a:solidFill>
-              </a:rPr>
-              <a:t>8%</a:t>
-            </a:r>
-            <a:endParaRPr lang="ko-KR" altLang="en-US" sz="1100" dirty="0">
-              <a:solidFill>
-                <a:schemeClr val="bg1"/>
-              </a:solidFill>
-            </a:endParaRPr>
-          </a:p>
-        </p:txBody>
-      </p:sp>
-      <p:sp>
-        <p:nvSpPr>
-          <p:cNvPr id="31" name="TextBox 30">
-            <a:extLst>
-              <a:ext uri="{FF2B5EF4-FFF2-40B4-BE49-F238E27FC236}">
-                <a16:creationId xmlns:a16="http://schemas.microsoft.com/office/drawing/2014/main" id="{8D83452B-3CD9-4F5C-9995-E2A7205A4C79}"/>
-              </a:ext>
-            </a:extLst>
-          </p:cNvPr>
-          <p:cNvSpPr txBox="1"/>
-          <p:nvPr/>
-        </p:nvSpPr>
-        <p:spPr>
-          <a:xfrm>
-            <a:off x="9037121" y="4253725"/>
-            <a:ext cx="457176" cy="261610"/>
-          </a:xfrm>
-          <a:prstGeom prst="rect">
-            <a:avLst/>
-          </a:prstGeom>
-          <a:noFill/>
-        </p:spPr>
-        <p:txBody>
-          <a:bodyPr wrap="none" rtlCol="0">
-            <a:spAutoFit/>
-          </a:bodyPr>
-          <a:lstStyle/>
-          <a:p>
-            <a:r>
-              <a:rPr lang="en-US" altLang="ko-KR" sz="1100" dirty="0">
-                <a:solidFill>
-                  <a:schemeClr val="bg1"/>
-                </a:solidFill>
-              </a:rPr>
-              <a:t>92%</a:t>
-            </a:r>
-            <a:endParaRPr lang="ko-KR" altLang="en-US" sz="1100" dirty="0">
-              <a:solidFill>
-                <a:schemeClr val="bg1"/>
-              </a:solidFill>
-            </a:endParaRPr>
-          </a:p>
-        </p:txBody>
-      </p:sp>
-      <p:sp>
-        <p:nvSpPr>
-          <p:cNvPr id="32" name="TextBox 31">
-            <a:extLst>
-              <a:ext uri="{FF2B5EF4-FFF2-40B4-BE49-F238E27FC236}">
-                <a16:creationId xmlns:a16="http://schemas.microsoft.com/office/drawing/2014/main" id="{A029F89F-1FAE-4989-8907-8DB9FD840672}"/>
-              </a:ext>
-            </a:extLst>
-          </p:cNvPr>
-          <p:cNvSpPr txBox="1"/>
-          <p:nvPr/>
-        </p:nvSpPr>
-        <p:spPr>
-          <a:xfrm>
-            <a:off x="9482422" y="3552728"/>
-            <a:ext cx="380232" cy="261610"/>
-          </a:xfrm>
-          <a:prstGeom prst="rect">
-            <a:avLst/>
-          </a:prstGeom>
-          <a:noFill/>
-        </p:spPr>
-        <p:txBody>
-          <a:bodyPr wrap="none" rtlCol="0">
-            <a:spAutoFit/>
-          </a:bodyPr>
-          <a:lstStyle/>
-          <a:p>
-            <a:r>
-              <a:rPr lang="en-US" altLang="ko-KR" sz="1100" dirty="0">
-                <a:solidFill>
-                  <a:schemeClr val="bg1"/>
-                </a:solidFill>
-              </a:rPr>
-              <a:t>8%</a:t>
-            </a:r>
-            <a:endParaRPr lang="ko-KR" altLang="en-US" sz="1100" dirty="0">
-              <a:solidFill>
-                <a:schemeClr val="bg1"/>
-              </a:solidFill>
-            </a:endParaRPr>
           </a:p>
         </p:txBody>
       </p:sp>
     </p:spTree>
     <p:extLst>
       <p:ext uri="{BB962C8B-B14F-4D97-AF65-F5344CB8AC3E}">
-        <p14:creationId xmlns:p14="http://schemas.microsoft.com/office/powerpoint/2010/main" val="3415853645"/>
+        <p14:creationId xmlns:p14="http://schemas.microsoft.com/office/powerpoint/2010/main" val="3338470855"/>
       </p:ext>
     </p:extLst>
   </p:cSld>
   <p:clrMapOvr>
     <a:masterClrMapping/>
   </p:clrMapOvr>
+  <p:timing>
+    <p:tnLst>
+      <p:par>
+        <p:cTn id="1" dur="indefinite" restart="never" nodeType="tmRoot">
+          <p:childTnLst>
+            <p:seq concurrent="1" nextAc="seek">
+              <p:cTn id="2" dur="indefinite" nodeType="mainSeq">
+                <p:childTnLst>
+                  <p:par>
+                    <p:cTn id="3" fill="hold">
+                      <p:stCondLst>
+                        <p:cond delay="indefinite"/>
+                      </p:stCondLst>
+                      <p:childTnLst>
+                        <p:par>
+                          <p:cTn id="4" fill="hold">
+                            <p:stCondLst>
+                              <p:cond delay="0"/>
+                            </p:stCondLst>
+                            <p:childTnLst>
+                              <p:par>
+                                <p:cTn id="5" presetID="2" presetClass="entr" presetSubtype="4" fill="hold" grpId="0" nodeType="clickEffect">
+                                  <p:stCondLst>
+                                    <p:cond delay="0"/>
+                                  </p:stCondLst>
+                                  <p:childTnLst>
+                                    <p:set>
+                                      <p:cBhvr>
+                                        <p:cTn id="6" dur="1" fill="hold">
+                                          <p:stCondLst>
+                                            <p:cond delay="0"/>
+                                          </p:stCondLst>
+                                        </p:cTn>
+                                        <p:tgtEl>
+                                          <p:spTgt spid="2"/>
+                                        </p:tgtEl>
+                                        <p:attrNameLst>
+                                          <p:attrName>style.visibility</p:attrName>
+                                        </p:attrNameLst>
+                                      </p:cBhvr>
+                                      <p:to>
+                                        <p:strVal val="visible"/>
+                                      </p:to>
+                                    </p:set>
+                                    <p:anim calcmode="lin" valueType="num">
+                                      <p:cBhvr additive="base">
+                                        <p:cTn id="7" dur="500" fill="hold"/>
+                                        <p:tgtEl>
+                                          <p:spTgt spid="2"/>
+                                        </p:tgtEl>
+                                        <p:attrNameLst>
+                                          <p:attrName>ppt_x</p:attrName>
+                                        </p:attrNameLst>
+                                      </p:cBhvr>
+                                      <p:tavLst>
+                                        <p:tav tm="0">
+                                          <p:val>
+                                            <p:strVal val="#ppt_x"/>
+                                          </p:val>
+                                        </p:tav>
+                                        <p:tav tm="100000">
+                                          <p:val>
+                                            <p:strVal val="#ppt_x"/>
+                                          </p:val>
+                                        </p:tav>
+                                      </p:tavLst>
+                                    </p:anim>
+                                    <p:anim calcmode="lin" valueType="num">
+                                      <p:cBhvr additive="base">
+                                        <p:cTn id="8" dur="500" fill="hold"/>
+                                        <p:tgtEl>
+                                          <p:spTgt spid="2"/>
+                                        </p:tgtEl>
+                                        <p:attrNameLst>
+                                          <p:attrName>ppt_y</p:attrName>
+                                        </p:attrNameLst>
+                                      </p:cBhvr>
+                                      <p:tavLst>
+                                        <p:tav tm="0">
+                                          <p:val>
+                                            <p:strVal val="1+#ppt_h/2"/>
+                                          </p:val>
+                                        </p:tav>
+                                        <p:tav tm="100000">
+                                          <p:val>
+                                            <p:strVal val="#ppt_y"/>
+                                          </p:val>
+                                        </p:tav>
+                                      </p:tavLst>
+                                    </p:anim>
+                                  </p:childTnLst>
+                                </p:cTn>
+                              </p:par>
+                            </p:childTnLst>
+                          </p:cTn>
+                        </p:par>
+                      </p:childTnLst>
+                    </p:cTn>
+                  </p:par>
+                </p:childTnLst>
+              </p:cTn>
+              <p:prevCondLst>
+                <p:cond evt="onPrev" delay="0">
+                  <p:tgtEl>
+                    <p:sldTgt/>
+                  </p:tgtEl>
+                </p:cond>
+              </p:prevCondLst>
+              <p:nextCondLst>
+                <p:cond evt="onNext" delay="0">
+                  <p:tgtEl>
+                    <p:sldTgt/>
+                  </p:tgtEl>
+                </p:cond>
+              </p:nextCondLst>
+            </p:seq>
+          </p:childTnLst>
+        </p:cTn>
+      </p:par>
+    </p:tnLst>
+    <p:bldLst>
+      <p:bldP spid="2" grpId="0"/>
+    </p:bldLst>
+  </p:timing>
 </p:sld>
 </file>
 
-<file path=ppt/slides/slide7.xml><?xml version="1.0" encoding="utf-8"?>
+<file path=ppt/slides/slide6.xml><?xml version="1.0" encoding="utf-8"?>
 <p:sld xmlns:a="http://schemas.openxmlformats.org/drawingml/2006/main" xmlns:r="http://schemas.openxmlformats.org/officeDocument/2006/relationships" xmlns:p="http://schemas.openxmlformats.org/presentationml/2006/main">
   <p:cSld>
     <p:spTree>
@@ -12302,8 +12408,8 @@
         </p:nvSpPr>
         <p:spPr>
           <a:xfrm>
-            <a:off x="1001272" y="2091297"/>
-            <a:ext cx="4331635" cy="1077218"/>
+            <a:off x="4922906" y="1250821"/>
+            <a:ext cx="1685077" cy="584775"/>
           </a:xfrm>
           <a:prstGeom prst="rect">
             <a:avLst/>
@@ -12322,41 +12428,18 @@
                 <a:solidFill>
                   <a:srgbClr val="8DBABD"/>
                 </a:solidFill>
-                <a:latin typeface="나눔스퀘어 ExtraBold" panose="020B0600000101010101" pitchFamily="50" charset="-127"/>
-                <a:ea typeface="나눔스퀘어 ExtraBold" panose="020B0600000101010101" pitchFamily="50" charset="-127"/>
+                <a:latin typeface="나눔스퀘어 Bold" panose="020B0600000101010101" pitchFamily="50" charset="-127"/>
+                <a:ea typeface="나눔스퀘어 Bold" panose="020B0600000101010101" pitchFamily="50" charset="-127"/>
               </a:rPr>
-              <a:t>제주도 방문 외국인 관광객</a:t>
+              <a:t>방문자 수</a:t>
             </a:r>
             <a:endParaRPr lang="en-US" altLang="ko-KR" sz="3200" spc="-150" dirty="0">
               <a:solidFill>
                 <a:srgbClr val="8DBABD"/>
               </a:solidFill>
-              <a:latin typeface="나눔스퀘어 ExtraBold" panose="020B0600000101010101" pitchFamily="50" charset="-127"/>
-              <a:ea typeface="나눔스퀘어 ExtraBold" panose="020B0600000101010101" pitchFamily="50" charset="-127"/>
+              <a:latin typeface="나눔스퀘어 Bold" panose="020B0600000101010101" pitchFamily="50" charset="-127"/>
+              <a:ea typeface="나눔스퀘어 Bold" panose="020B0600000101010101" pitchFamily="50" charset="-127"/>
             </a:endParaRPr>
-          </a:p>
-          <a:p>
-            <a:pPr algn="ctr"/>
-            <a:r>
-              <a:rPr lang="en-US" altLang="ko-KR" sz="3200" spc="-150" dirty="0">
-                <a:solidFill>
-                  <a:srgbClr val="8DBABD"/>
-                </a:solidFill>
-                <a:latin typeface="나눔스퀘어 ExtraBold" panose="020B0600000101010101" pitchFamily="50" charset="-127"/>
-                <a:ea typeface="나눔스퀘어 ExtraBold" panose="020B0600000101010101" pitchFamily="50" charset="-127"/>
-              </a:rPr>
-              <a:t>-&gt; </a:t>
-            </a:r>
-            <a:r>
-              <a:rPr lang="ko-KR" altLang="en-US" sz="3200" spc="-150" dirty="0">
-                <a:solidFill>
-                  <a:srgbClr val="8DBABD"/>
-                </a:solidFill>
-                <a:latin typeface="나눔스퀘어 ExtraBold" panose="020B0600000101010101" pitchFamily="50" charset="-127"/>
-                <a:ea typeface="나눔스퀘어 ExtraBold" panose="020B0600000101010101" pitchFamily="50" charset="-127"/>
-              </a:rPr>
-              <a:t>중국이 압도적</a:t>
-            </a:r>
           </a:p>
         </p:txBody>
       </p:sp>
@@ -12368,8 +12451,8 @@
         </p:nvSpPr>
         <p:spPr>
           <a:xfrm>
-            <a:off x="1065009" y="1006929"/>
-            <a:ext cx="2214068" cy="369332"/>
+            <a:off x="1110894" y="1006929"/>
+            <a:ext cx="1588897" cy="369332"/>
           </a:xfrm>
           <a:prstGeom prst="rect">
             <a:avLst/>
@@ -12391,7 +12474,629 @@
                 <a:latin typeface="나눔스퀘어 ExtraBold" panose="020B0600000101010101" pitchFamily="50" charset="-127"/>
                 <a:ea typeface="나눔스퀘어 ExtraBold" panose="020B0600000101010101" pitchFamily="50" charset="-127"/>
               </a:rPr>
-              <a:t>외국인 관광객 세분화</a:t>
+              <a:t>내</a:t>
+            </a:r>
+            <a:r>
+              <a:rPr lang="en-US" altLang="ko-KR" spc="-150" dirty="0">
+                <a:solidFill>
+                  <a:srgbClr val="00002F"/>
+                </a:solidFill>
+                <a:latin typeface="나눔스퀘어 ExtraBold" panose="020B0600000101010101" pitchFamily="50" charset="-127"/>
+                <a:ea typeface="나눔스퀘어 ExtraBold" panose="020B0600000101010101" pitchFamily="50" charset="-127"/>
+              </a:rPr>
+              <a:t>/</a:t>
+            </a:r>
+            <a:r>
+              <a:rPr lang="ko-KR" altLang="en-US" spc="-150" dirty="0">
+                <a:solidFill>
+                  <a:srgbClr val="00002F"/>
+                </a:solidFill>
+                <a:latin typeface="나눔스퀘어 ExtraBold" panose="020B0600000101010101" pitchFamily="50" charset="-127"/>
+                <a:ea typeface="나눔스퀘어 ExtraBold" panose="020B0600000101010101" pitchFamily="50" charset="-127"/>
+              </a:rPr>
+              <a:t>외국인 비교</a:t>
+            </a:r>
+          </a:p>
+        </p:txBody>
+      </p:sp>
+      <p:pic>
+        <p:nvPicPr>
+          <p:cNvPr id="18" name="그림 17">
+            <a:extLst>
+              <a:ext uri="{FF2B5EF4-FFF2-40B4-BE49-F238E27FC236}">
+                <a16:creationId xmlns:a16="http://schemas.microsoft.com/office/drawing/2014/main" id="{5D078AAE-E090-4DC0-8534-A2D59F2959A1}"/>
+              </a:ext>
+            </a:extLst>
+          </p:cNvPr>
+          <p:cNvPicPr>
+            <a:picLocks noChangeAspect="1"/>
+          </p:cNvPicPr>
+          <p:nvPr/>
+        </p:nvPicPr>
+        <p:blipFill>
+          <a:blip r:embed="rId2">
+            <a:extLst>
+              <a:ext uri="{28A0092B-C50C-407E-A947-70E740481C1C}">
+                <a14:useLocalDpi xmlns:a14="http://schemas.microsoft.com/office/drawing/2010/main" val="0"/>
+              </a:ext>
+            </a:extLst>
+          </a:blip>
+          <a:stretch>
+            <a:fillRect/>
+          </a:stretch>
+        </p:blipFill>
+        <p:spPr>
+          <a:xfrm>
+            <a:off x="1431177" y="1910631"/>
+            <a:ext cx="2460060" cy="3467063"/>
+          </a:xfrm>
+          <a:prstGeom prst="rect">
+            <a:avLst/>
+          </a:prstGeom>
+        </p:spPr>
+      </p:pic>
+      <p:pic>
+        <p:nvPicPr>
+          <p:cNvPr id="20" name="그림 19">
+            <a:extLst>
+              <a:ext uri="{FF2B5EF4-FFF2-40B4-BE49-F238E27FC236}">
+                <a16:creationId xmlns:a16="http://schemas.microsoft.com/office/drawing/2014/main" id="{A46B75E5-5A42-4295-AE96-D0A8BB98C95C}"/>
+              </a:ext>
+            </a:extLst>
+          </p:cNvPr>
+          <p:cNvPicPr>
+            <a:picLocks noChangeAspect="1"/>
+          </p:cNvPicPr>
+          <p:nvPr/>
+        </p:nvPicPr>
+        <p:blipFill>
+          <a:blip r:embed="rId3">
+            <a:extLst>
+              <a:ext uri="{28A0092B-C50C-407E-A947-70E740481C1C}">
+                <a14:useLocalDpi xmlns:a14="http://schemas.microsoft.com/office/drawing/2010/main" val="0"/>
+              </a:ext>
+            </a:extLst>
+          </a:blip>
+          <a:stretch>
+            <a:fillRect/>
+          </a:stretch>
+        </p:blipFill>
+        <p:spPr>
+          <a:xfrm>
+            <a:off x="4865970" y="1910632"/>
+            <a:ext cx="2460060" cy="3467063"/>
+          </a:xfrm>
+          <a:prstGeom prst="rect">
+            <a:avLst/>
+          </a:prstGeom>
+        </p:spPr>
+      </p:pic>
+      <p:pic>
+        <p:nvPicPr>
+          <p:cNvPr id="22" name="그림 21">
+            <a:extLst>
+              <a:ext uri="{FF2B5EF4-FFF2-40B4-BE49-F238E27FC236}">
+                <a16:creationId xmlns:a16="http://schemas.microsoft.com/office/drawing/2014/main" id="{87EC3D12-F349-4295-BB75-1AA9D97F976D}"/>
+              </a:ext>
+            </a:extLst>
+          </p:cNvPr>
+          <p:cNvPicPr>
+            <a:picLocks noChangeAspect="1"/>
+          </p:cNvPicPr>
+          <p:nvPr/>
+        </p:nvPicPr>
+        <p:blipFill>
+          <a:blip r:embed="rId4">
+            <a:extLst>
+              <a:ext uri="{28A0092B-C50C-407E-A947-70E740481C1C}">
+                <a14:useLocalDpi xmlns:a14="http://schemas.microsoft.com/office/drawing/2010/main" val="0"/>
+              </a:ext>
+            </a:extLst>
+          </a:blip>
+          <a:stretch>
+            <a:fillRect/>
+          </a:stretch>
+        </p:blipFill>
+        <p:spPr>
+          <a:xfrm>
+            <a:off x="8578399" y="1910632"/>
+            <a:ext cx="2460060" cy="3467063"/>
+          </a:xfrm>
+          <a:prstGeom prst="rect">
+            <a:avLst/>
+          </a:prstGeom>
+        </p:spPr>
+      </p:pic>
+      <p:sp>
+        <p:nvSpPr>
+          <p:cNvPr id="23" name="TextBox 22">
+            <a:extLst>
+              <a:ext uri="{FF2B5EF4-FFF2-40B4-BE49-F238E27FC236}">
+                <a16:creationId xmlns:a16="http://schemas.microsoft.com/office/drawing/2014/main" id="{BF758E8B-C844-48E3-813E-D33CD261D27E}"/>
+              </a:ext>
+            </a:extLst>
+          </p:cNvPr>
+          <p:cNvSpPr txBox="1"/>
+          <p:nvPr/>
+        </p:nvSpPr>
+        <p:spPr>
+          <a:xfrm>
+            <a:off x="1589175" y="2264724"/>
+            <a:ext cx="1468672" cy="430887"/>
+          </a:xfrm>
+          <a:prstGeom prst="rect">
+            <a:avLst/>
+          </a:prstGeom>
+          <a:noFill/>
+        </p:spPr>
+        <p:txBody>
+          <a:bodyPr wrap="none" rtlCol="0">
+            <a:spAutoFit/>
+          </a:bodyPr>
+          <a:lstStyle/>
+          <a:p>
+            <a:pPr algn="ctr"/>
+            <a:r>
+              <a:rPr lang="en-US" altLang="ko-KR" sz="1100" dirty="0"/>
+              <a:t>2016 </a:t>
+            </a:r>
+            <a:r>
+              <a:rPr lang="ko-KR" altLang="en-US" sz="1100" dirty="0"/>
+              <a:t>제주 내</a:t>
+            </a:r>
+            <a:r>
+              <a:rPr lang="en-US" altLang="ko-KR" sz="1100" dirty="0"/>
+              <a:t>,</a:t>
+            </a:r>
+            <a:r>
+              <a:rPr lang="ko-KR" altLang="en-US" sz="1100" dirty="0"/>
+              <a:t>외국인</a:t>
+            </a:r>
+            <a:endParaRPr lang="en-US" altLang="ko-KR" sz="1100" dirty="0"/>
+          </a:p>
+          <a:p>
+            <a:pPr algn="ctr"/>
+            <a:r>
+              <a:rPr lang="ko-KR" altLang="en-US" sz="1100" dirty="0"/>
+              <a:t>관광객 비율</a:t>
+            </a:r>
+          </a:p>
+        </p:txBody>
+      </p:sp>
+      <p:sp>
+        <p:nvSpPr>
+          <p:cNvPr id="25" name="TextBox 24">
+            <a:extLst>
+              <a:ext uri="{FF2B5EF4-FFF2-40B4-BE49-F238E27FC236}">
+                <a16:creationId xmlns:a16="http://schemas.microsoft.com/office/drawing/2014/main" id="{28FF4B07-8DB3-40DF-9859-21EDCCF8622E}"/>
+              </a:ext>
+            </a:extLst>
+          </p:cNvPr>
+          <p:cNvSpPr txBox="1"/>
+          <p:nvPr/>
+        </p:nvSpPr>
+        <p:spPr>
+          <a:xfrm>
+            <a:off x="5098797" y="2264723"/>
+            <a:ext cx="1468672" cy="430887"/>
+          </a:xfrm>
+          <a:prstGeom prst="rect">
+            <a:avLst/>
+          </a:prstGeom>
+          <a:noFill/>
+        </p:spPr>
+        <p:txBody>
+          <a:bodyPr wrap="none" rtlCol="0">
+            <a:spAutoFit/>
+          </a:bodyPr>
+          <a:lstStyle/>
+          <a:p>
+            <a:pPr algn="ctr"/>
+            <a:r>
+              <a:rPr lang="en-US" altLang="ko-KR" sz="1100" dirty="0"/>
+              <a:t>2017 </a:t>
+            </a:r>
+            <a:r>
+              <a:rPr lang="ko-KR" altLang="en-US" sz="1100" dirty="0"/>
+              <a:t>제주 내</a:t>
+            </a:r>
+            <a:r>
+              <a:rPr lang="en-US" altLang="ko-KR" sz="1100" dirty="0"/>
+              <a:t>,</a:t>
+            </a:r>
+            <a:r>
+              <a:rPr lang="ko-KR" altLang="en-US" sz="1100" dirty="0"/>
+              <a:t>외국인</a:t>
+            </a:r>
+            <a:endParaRPr lang="en-US" altLang="ko-KR" sz="1100" dirty="0"/>
+          </a:p>
+          <a:p>
+            <a:pPr algn="ctr"/>
+            <a:r>
+              <a:rPr lang="ko-KR" altLang="en-US" sz="1100" dirty="0"/>
+              <a:t>관광객 비율</a:t>
+            </a:r>
+          </a:p>
+        </p:txBody>
+      </p:sp>
+      <p:sp>
+        <p:nvSpPr>
+          <p:cNvPr id="26" name="TextBox 25">
+            <a:extLst>
+              <a:ext uri="{FF2B5EF4-FFF2-40B4-BE49-F238E27FC236}">
+                <a16:creationId xmlns:a16="http://schemas.microsoft.com/office/drawing/2014/main" id="{54D58962-0935-493C-9E88-E9D17BEF03D9}"/>
+              </a:ext>
+            </a:extLst>
+          </p:cNvPr>
+          <p:cNvSpPr txBox="1"/>
+          <p:nvPr/>
+        </p:nvSpPr>
+        <p:spPr>
+          <a:xfrm>
+            <a:off x="8752495" y="2264723"/>
+            <a:ext cx="1468672" cy="430887"/>
+          </a:xfrm>
+          <a:prstGeom prst="rect">
+            <a:avLst/>
+          </a:prstGeom>
+          <a:noFill/>
+        </p:spPr>
+        <p:txBody>
+          <a:bodyPr wrap="none" rtlCol="0">
+            <a:spAutoFit/>
+          </a:bodyPr>
+          <a:lstStyle/>
+          <a:p>
+            <a:pPr algn="ctr"/>
+            <a:r>
+              <a:rPr lang="en-US" altLang="ko-KR" sz="1100" dirty="0"/>
+              <a:t>2018 </a:t>
+            </a:r>
+            <a:r>
+              <a:rPr lang="ko-KR" altLang="en-US" sz="1100" dirty="0"/>
+              <a:t>제주 내</a:t>
+            </a:r>
+            <a:r>
+              <a:rPr lang="en-US" altLang="ko-KR" sz="1100" dirty="0"/>
+              <a:t>,</a:t>
+            </a:r>
+            <a:r>
+              <a:rPr lang="ko-KR" altLang="en-US" sz="1100" dirty="0"/>
+              <a:t>외국인</a:t>
+            </a:r>
+            <a:endParaRPr lang="en-US" altLang="ko-KR" sz="1100" dirty="0"/>
+          </a:p>
+          <a:p>
+            <a:pPr algn="ctr"/>
+            <a:r>
+              <a:rPr lang="ko-KR" altLang="en-US" sz="1100" dirty="0"/>
+              <a:t>관광객 비율</a:t>
+            </a:r>
+          </a:p>
+        </p:txBody>
+      </p:sp>
+      <p:sp>
+        <p:nvSpPr>
+          <p:cNvPr id="27" name="TextBox 26">
+            <a:extLst>
+              <a:ext uri="{FF2B5EF4-FFF2-40B4-BE49-F238E27FC236}">
+                <a16:creationId xmlns:a16="http://schemas.microsoft.com/office/drawing/2014/main" id="{3A85DABF-F16B-4096-86D9-AA5B166CA5CC}"/>
+              </a:ext>
+            </a:extLst>
+          </p:cNvPr>
+          <p:cNvSpPr txBox="1"/>
+          <p:nvPr/>
+        </p:nvSpPr>
+        <p:spPr>
+          <a:xfrm>
+            <a:off x="1840674" y="3691662"/>
+            <a:ext cx="457176" cy="261610"/>
+          </a:xfrm>
+          <a:prstGeom prst="rect">
+            <a:avLst/>
+          </a:prstGeom>
+          <a:noFill/>
+        </p:spPr>
+        <p:txBody>
+          <a:bodyPr wrap="none" rtlCol="0">
+            <a:spAutoFit/>
+          </a:bodyPr>
+          <a:lstStyle/>
+          <a:p>
+            <a:r>
+              <a:rPr lang="en-US" altLang="ko-KR" sz="1100" dirty="0">
+                <a:solidFill>
+                  <a:schemeClr val="bg1"/>
+                </a:solidFill>
+              </a:rPr>
+              <a:t>75%</a:t>
+            </a:r>
+            <a:endParaRPr lang="ko-KR" altLang="en-US" sz="1100" dirty="0">
+              <a:solidFill>
+                <a:schemeClr val="bg1"/>
+              </a:solidFill>
+            </a:endParaRPr>
+          </a:p>
+        </p:txBody>
+      </p:sp>
+      <p:sp>
+        <p:nvSpPr>
+          <p:cNvPr id="28" name="TextBox 27">
+            <a:extLst>
+              <a:ext uri="{FF2B5EF4-FFF2-40B4-BE49-F238E27FC236}">
+                <a16:creationId xmlns:a16="http://schemas.microsoft.com/office/drawing/2014/main" id="{7A893394-F9DB-4E46-99CF-045BA011F6AE}"/>
+              </a:ext>
+            </a:extLst>
+          </p:cNvPr>
+          <p:cNvSpPr txBox="1"/>
+          <p:nvPr/>
+        </p:nvSpPr>
+        <p:spPr>
+          <a:xfrm>
+            <a:off x="2459328" y="3216650"/>
+            <a:ext cx="457176" cy="261610"/>
+          </a:xfrm>
+          <a:prstGeom prst="rect">
+            <a:avLst/>
+          </a:prstGeom>
+          <a:noFill/>
+        </p:spPr>
+        <p:txBody>
+          <a:bodyPr wrap="none" rtlCol="0">
+            <a:spAutoFit/>
+          </a:bodyPr>
+          <a:lstStyle/>
+          <a:p>
+            <a:r>
+              <a:rPr lang="en-US" altLang="ko-KR" sz="1100" dirty="0">
+                <a:solidFill>
+                  <a:schemeClr val="bg1"/>
+                </a:solidFill>
+              </a:rPr>
+              <a:t>25%</a:t>
+            </a:r>
+            <a:endParaRPr lang="ko-KR" altLang="en-US" sz="1100" dirty="0">
+              <a:solidFill>
+                <a:schemeClr val="bg1"/>
+              </a:solidFill>
+            </a:endParaRPr>
+          </a:p>
+        </p:txBody>
+      </p:sp>
+      <p:sp>
+        <p:nvSpPr>
+          <p:cNvPr id="29" name="TextBox 28">
+            <a:extLst>
+              <a:ext uri="{FF2B5EF4-FFF2-40B4-BE49-F238E27FC236}">
+                <a16:creationId xmlns:a16="http://schemas.microsoft.com/office/drawing/2014/main" id="{A037BD3A-287A-435E-BE19-E48C02E98699}"/>
+              </a:ext>
+            </a:extLst>
+          </p:cNvPr>
+          <p:cNvSpPr txBox="1"/>
+          <p:nvPr/>
+        </p:nvSpPr>
+        <p:spPr>
+          <a:xfrm>
+            <a:off x="5308269" y="3691662"/>
+            <a:ext cx="457176" cy="261610"/>
+          </a:xfrm>
+          <a:prstGeom prst="rect">
+            <a:avLst/>
+          </a:prstGeom>
+          <a:noFill/>
+        </p:spPr>
+        <p:txBody>
+          <a:bodyPr wrap="none" rtlCol="0">
+            <a:spAutoFit/>
+          </a:bodyPr>
+          <a:lstStyle/>
+          <a:p>
+            <a:r>
+              <a:rPr lang="en-US" altLang="ko-KR" sz="1100" dirty="0">
+                <a:solidFill>
+                  <a:schemeClr val="bg1"/>
+                </a:solidFill>
+              </a:rPr>
+              <a:t>92%</a:t>
+            </a:r>
+            <a:endParaRPr lang="ko-KR" altLang="en-US" sz="1100" dirty="0">
+              <a:solidFill>
+                <a:schemeClr val="bg1"/>
+              </a:solidFill>
+            </a:endParaRPr>
+          </a:p>
+        </p:txBody>
+      </p:sp>
+      <p:sp>
+        <p:nvSpPr>
+          <p:cNvPr id="30" name="TextBox 29">
+            <a:extLst>
+              <a:ext uri="{FF2B5EF4-FFF2-40B4-BE49-F238E27FC236}">
+                <a16:creationId xmlns:a16="http://schemas.microsoft.com/office/drawing/2014/main" id="{1D88E6C9-F51A-4459-A826-5B3A0D700027}"/>
+              </a:ext>
+            </a:extLst>
+          </p:cNvPr>
+          <p:cNvSpPr txBox="1"/>
+          <p:nvPr/>
+        </p:nvSpPr>
+        <p:spPr>
+          <a:xfrm>
+            <a:off x="5753570" y="2990665"/>
+            <a:ext cx="380232" cy="261610"/>
+          </a:xfrm>
+          <a:prstGeom prst="rect">
+            <a:avLst/>
+          </a:prstGeom>
+          <a:noFill/>
+        </p:spPr>
+        <p:txBody>
+          <a:bodyPr wrap="none" rtlCol="0">
+            <a:spAutoFit/>
+          </a:bodyPr>
+          <a:lstStyle/>
+          <a:p>
+            <a:r>
+              <a:rPr lang="en-US" altLang="ko-KR" sz="1100" dirty="0">
+                <a:solidFill>
+                  <a:schemeClr val="bg1"/>
+                </a:solidFill>
+              </a:rPr>
+              <a:t>8%</a:t>
+            </a:r>
+            <a:endParaRPr lang="ko-KR" altLang="en-US" sz="1100" dirty="0">
+              <a:solidFill>
+                <a:schemeClr val="bg1"/>
+              </a:solidFill>
+            </a:endParaRPr>
+          </a:p>
+        </p:txBody>
+      </p:sp>
+      <p:sp>
+        <p:nvSpPr>
+          <p:cNvPr id="31" name="TextBox 30">
+            <a:extLst>
+              <a:ext uri="{FF2B5EF4-FFF2-40B4-BE49-F238E27FC236}">
+                <a16:creationId xmlns:a16="http://schemas.microsoft.com/office/drawing/2014/main" id="{8D83452B-3CD9-4F5C-9995-E2A7205A4C79}"/>
+              </a:ext>
+            </a:extLst>
+          </p:cNvPr>
+          <p:cNvSpPr txBox="1"/>
+          <p:nvPr/>
+        </p:nvSpPr>
+        <p:spPr>
+          <a:xfrm>
+            <a:off x="9037121" y="3691662"/>
+            <a:ext cx="457176" cy="261610"/>
+          </a:xfrm>
+          <a:prstGeom prst="rect">
+            <a:avLst/>
+          </a:prstGeom>
+          <a:noFill/>
+        </p:spPr>
+        <p:txBody>
+          <a:bodyPr wrap="none" rtlCol="0">
+            <a:spAutoFit/>
+          </a:bodyPr>
+          <a:lstStyle/>
+          <a:p>
+            <a:r>
+              <a:rPr lang="en-US" altLang="ko-KR" sz="1100" dirty="0">
+                <a:solidFill>
+                  <a:schemeClr val="bg1"/>
+                </a:solidFill>
+              </a:rPr>
+              <a:t>92%</a:t>
+            </a:r>
+            <a:endParaRPr lang="ko-KR" altLang="en-US" sz="1100" dirty="0">
+              <a:solidFill>
+                <a:schemeClr val="bg1"/>
+              </a:solidFill>
+            </a:endParaRPr>
+          </a:p>
+        </p:txBody>
+      </p:sp>
+      <p:sp>
+        <p:nvSpPr>
+          <p:cNvPr id="32" name="TextBox 31">
+            <a:extLst>
+              <a:ext uri="{FF2B5EF4-FFF2-40B4-BE49-F238E27FC236}">
+                <a16:creationId xmlns:a16="http://schemas.microsoft.com/office/drawing/2014/main" id="{A029F89F-1FAE-4989-8907-8DB9FD840672}"/>
+              </a:ext>
+            </a:extLst>
+          </p:cNvPr>
+          <p:cNvSpPr txBox="1"/>
+          <p:nvPr/>
+        </p:nvSpPr>
+        <p:spPr>
+          <a:xfrm>
+            <a:off x="9482422" y="2990665"/>
+            <a:ext cx="380232" cy="261610"/>
+          </a:xfrm>
+          <a:prstGeom prst="rect">
+            <a:avLst/>
+          </a:prstGeom>
+          <a:noFill/>
+        </p:spPr>
+        <p:txBody>
+          <a:bodyPr wrap="none" rtlCol="0">
+            <a:spAutoFit/>
+          </a:bodyPr>
+          <a:lstStyle/>
+          <a:p>
+            <a:r>
+              <a:rPr lang="en-US" altLang="ko-KR" sz="1100" dirty="0">
+                <a:solidFill>
+                  <a:schemeClr val="bg1"/>
+                </a:solidFill>
+              </a:rPr>
+              <a:t>8%</a:t>
+            </a:r>
+            <a:endParaRPr lang="ko-KR" altLang="en-US" sz="1100" dirty="0">
+              <a:solidFill>
+                <a:schemeClr val="bg1"/>
+              </a:solidFill>
+            </a:endParaRPr>
+          </a:p>
+        </p:txBody>
+      </p:sp>
+      <p:sp>
+        <p:nvSpPr>
+          <p:cNvPr id="2" name="TextBox 1">
+            <a:extLst>
+              <a:ext uri="{FF2B5EF4-FFF2-40B4-BE49-F238E27FC236}">
+                <a16:creationId xmlns:a16="http://schemas.microsoft.com/office/drawing/2014/main" id="{707153C4-0A28-4DEA-9033-625550D769E4}"/>
+              </a:ext>
+            </a:extLst>
+          </p:cNvPr>
+          <p:cNvSpPr txBox="1"/>
+          <p:nvPr/>
+        </p:nvSpPr>
+        <p:spPr>
+          <a:xfrm>
+            <a:off x="4118666" y="5135723"/>
+            <a:ext cx="3428932" cy="461665"/>
+          </a:xfrm>
+          <a:prstGeom prst="rect">
+            <a:avLst/>
+          </a:prstGeom>
+          <a:noFill/>
+        </p:spPr>
+        <p:txBody>
+          <a:bodyPr wrap="square" rtlCol="0">
+            <a:spAutoFit/>
+          </a:bodyPr>
+          <a:lstStyle/>
+          <a:p>
+            <a:pPr algn="ctr"/>
+            <a:r>
+              <a:rPr lang="ko-KR" altLang="en-US" sz="2400" spc="-150" dirty="0">
+                <a:solidFill>
+                  <a:srgbClr val="F8766D"/>
+                </a:solidFill>
+                <a:latin typeface="나눔스퀘어 ExtraBold" panose="020B0600000101010101" pitchFamily="50" charset="-127"/>
+                <a:ea typeface="나눔스퀘어 ExtraBold" panose="020B0600000101010101" pitchFamily="50" charset="-127"/>
+              </a:rPr>
+              <a:t>내국인</a:t>
+            </a:r>
+            <a:r>
+              <a:rPr lang="en-US" altLang="ko-KR" sz="2400" spc="-150" dirty="0">
+                <a:solidFill>
+                  <a:srgbClr val="002060"/>
+                </a:solidFill>
+                <a:latin typeface="나눔스퀘어 ExtraBold" panose="020B0600000101010101" pitchFamily="50" charset="-127"/>
+                <a:ea typeface="나눔스퀘어 ExtraBold" panose="020B0600000101010101" pitchFamily="50" charset="-127"/>
+              </a:rPr>
+              <a:t>&gt;</a:t>
+            </a:r>
+            <a:r>
+              <a:rPr lang="ko-KR" altLang="en-US" sz="2400" spc="-150" dirty="0">
+                <a:solidFill>
+                  <a:srgbClr val="00BFC4"/>
+                </a:solidFill>
+                <a:latin typeface="나눔스퀘어 ExtraBold" panose="020B0600000101010101" pitchFamily="50" charset="-127"/>
+                <a:ea typeface="나눔스퀘어 ExtraBold" panose="020B0600000101010101" pitchFamily="50" charset="-127"/>
+              </a:rPr>
+              <a:t>외국인</a:t>
             </a:r>
           </a:p>
         </p:txBody>
@@ -12399,17 +13104,141 @@
     </p:spTree>
     <p:extLst>
       <p:ext uri="{BB962C8B-B14F-4D97-AF65-F5344CB8AC3E}">
-        <p14:creationId xmlns:p14="http://schemas.microsoft.com/office/powerpoint/2010/main" val="3338470855"/>
+        <p14:creationId xmlns:p14="http://schemas.microsoft.com/office/powerpoint/2010/main" val="3415853645"/>
       </p:ext>
     </p:extLst>
   </p:cSld>
   <p:clrMapOvr>
     <a:masterClrMapping/>
   </p:clrMapOvr>
+  <p:timing>
+    <p:tnLst>
+      <p:par>
+        <p:cTn id="1" dur="indefinite" restart="never" nodeType="tmRoot">
+          <p:childTnLst>
+            <p:seq concurrent="1" nextAc="seek">
+              <p:cTn id="2" dur="indefinite" nodeType="mainSeq">
+                <p:childTnLst>
+                  <p:par>
+                    <p:cTn id="3" fill="hold">
+                      <p:stCondLst>
+                        <p:cond delay="indefinite"/>
+                      </p:stCondLst>
+                      <p:childTnLst>
+                        <p:par>
+                          <p:cTn id="4" fill="hold">
+                            <p:stCondLst>
+                              <p:cond delay="0"/>
+                            </p:stCondLst>
+                            <p:childTnLst>
+                              <p:par>
+                                <p:cTn id="5" presetID="2" presetClass="entr" presetSubtype="4" fill="hold" grpId="0" nodeType="clickEffect">
+                                  <p:stCondLst>
+                                    <p:cond delay="0"/>
+                                  </p:stCondLst>
+                                  <p:childTnLst>
+                                    <p:set>
+                                      <p:cBhvr>
+                                        <p:cTn id="6" dur="1" fill="hold">
+                                          <p:stCondLst>
+                                            <p:cond delay="0"/>
+                                          </p:stCondLst>
+                                        </p:cTn>
+                                        <p:tgtEl>
+                                          <p:spTgt spid="2"/>
+                                        </p:tgtEl>
+                                        <p:attrNameLst>
+                                          <p:attrName>style.visibility</p:attrName>
+                                        </p:attrNameLst>
+                                      </p:cBhvr>
+                                      <p:to>
+                                        <p:strVal val="visible"/>
+                                      </p:to>
+                                    </p:set>
+                                    <p:anim calcmode="lin" valueType="num">
+                                      <p:cBhvr additive="base">
+                                        <p:cTn id="7" dur="500" fill="hold"/>
+                                        <p:tgtEl>
+                                          <p:spTgt spid="2"/>
+                                        </p:tgtEl>
+                                        <p:attrNameLst>
+                                          <p:attrName>ppt_x</p:attrName>
+                                        </p:attrNameLst>
+                                      </p:cBhvr>
+                                      <p:tavLst>
+                                        <p:tav tm="0">
+                                          <p:val>
+                                            <p:strVal val="#ppt_x"/>
+                                          </p:val>
+                                        </p:tav>
+                                        <p:tav tm="100000">
+                                          <p:val>
+                                            <p:strVal val="#ppt_x"/>
+                                          </p:val>
+                                        </p:tav>
+                                      </p:tavLst>
+                                    </p:anim>
+                                    <p:anim calcmode="lin" valueType="num">
+                                      <p:cBhvr additive="base">
+                                        <p:cTn id="8" dur="500" fill="hold"/>
+                                        <p:tgtEl>
+                                          <p:spTgt spid="2"/>
+                                        </p:tgtEl>
+                                        <p:attrNameLst>
+                                          <p:attrName>ppt_y</p:attrName>
+                                        </p:attrNameLst>
+                                      </p:cBhvr>
+                                      <p:tavLst>
+                                        <p:tav tm="0">
+                                          <p:val>
+                                            <p:strVal val="1+#ppt_h/2"/>
+                                          </p:val>
+                                        </p:tav>
+                                        <p:tav tm="100000">
+                                          <p:val>
+                                            <p:strVal val="#ppt_y"/>
+                                          </p:val>
+                                        </p:tav>
+                                      </p:tavLst>
+                                    </p:anim>
+                                  </p:childTnLst>
+                                </p:cTn>
+                              </p:par>
+                            </p:childTnLst>
+                          </p:cTn>
+                        </p:par>
+                      </p:childTnLst>
+                    </p:cTn>
+                  </p:par>
+                </p:childTnLst>
+              </p:cTn>
+              <p:prevCondLst>
+                <p:cond evt="onPrev" delay="0">
+                  <p:tgtEl>
+                    <p:sldTgt/>
+                  </p:tgtEl>
+                </p:cond>
+              </p:prevCondLst>
+              <p:nextCondLst>
+                <p:cond evt="onNext" delay="0">
+                  <p:tgtEl>
+                    <p:sldTgt/>
+                  </p:tgtEl>
+                </p:cond>
+              </p:nextCondLst>
+            </p:seq>
+          </p:childTnLst>
+        </p:cTn>
+      </p:par>
+    </p:tnLst>
+    <p:bldLst>
+      <p:bldP spid="2" grpId="0"/>
+    </p:bldLst>
+  </p:timing>
 </p:sld>
 </file>
 
-<file path=ppt/slides/slide8.xml><?xml version="1.0" encoding="utf-8"?>
+<file path=ppt/slides/slide7.xml><?xml version="1.0" encoding="utf-8"?>
 <p:sld xmlns:a="http://schemas.openxmlformats.org/drawingml/2006/main" xmlns:r="http://schemas.openxmlformats.org/officeDocument/2006/relationships" xmlns:p="http://schemas.openxmlformats.org/presentationml/2006/main">
   <p:cSld>
     <p:spTree>
@@ -12535,7 +13364,7 @@
 </p:sld>
 </file>
 
-<file path=ppt/slides/slide9.xml><?xml version="1.0" encoding="utf-8"?>
+<file path=ppt/slides/slide8.xml><?xml version="1.0" encoding="utf-8"?>
 <p:sld xmlns:a="http://schemas.openxmlformats.org/drawingml/2006/main" xmlns:r="http://schemas.openxmlformats.org/officeDocument/2006/relationships" xmlns:p="http://schemas.openxmlformats.org/presentationml/2006/main">
   <p:cSld>
     <p:spTree>
@@ -12560,7 +13389,7 @@
         </p:nvSpPr>
         <p:spPr>
           <a:xfrm>
-            <a:off x="3696489" y="1226870"/>
+            <a:off x="455532" y="2735349"/>
             <a:ext cx="4799021" cy="584775"/>
           </a:xfrm>
           <a:prstGeom prst="rect">
@@ -12583,7 +13412,7 @@
                 <a:latin typeface="나눔스퀘어 ExtraBold" panose="020B0600000101010101" pitchFamily="50" charset="-127"/>
                 <a:ea typeface="나눔스퀘어 ExtraBold" panose="020B0600000101010101" pitchFamily="50" charset="-127"/>
               </a:rPr>
-              <a:t>사드의 영향으로 큰 변화</a:t>
+              <a:t>사드의 영향 큰 변화</a:t>
             </a:r>
           </a:p>
         </p:txBody>
@@ -12926,7 +13755,7 @@
         </p:nvGrpSpPr>
         <p:grpSpPr>
           <a:xfrm>
-            <a:off x="3696489" y="1721647"/>
+            <a:off x="5030339" y="1376261"/>
             <a:ext cx="5319756" cy="4887007"/>
             <a:chOff x="6441562" y="312396"/>
             <a:chExt cx="5319756" cy="4887007"/>
@@ -13424,6 +14253,798 @@
   <p:clrMapOvr>
     <a:masterClrMapping/>
   </p:clrMapOvr>
+</p:sld>
+</file>
+
+<file path=ppt/slides/slide9.xml><?xml version="1.0" encoding="utf-8"?>
+<p:sld xmlns:a="http://schemas.openxmlformats.org/drawingml/2006/main" xmlns:r="http://schemas.openxmlformats.org/officeDocument/2006/relationships" xmlns:p="http://schemas.openxmlformats.org/presentationml/2006/main">
+  <p:cSld>
+    <p:spTree>
+      <p:nvGrpSpPr>
+        <p:cNvPr id="1" name=""/>
+        <p:cNvGrpSpPr/>
+        <p:nvPr/>
+      </p:nvGrpSpPr>
+      <p:grpSpPr>
+        <a:xfrm>
+          <a:off x="0" y="0"/>
+          <a:ext cx="0" cy="0"/>
+          <a:chOff x="0" y="0"/>
+          <a:chExt cx="0" cy="0"/>
+        </a:xfrm>
+      </p:grpSpPr>
+      <p:sp>
+        <p:nvSpPr>
+          <p:cNvPr id="11" name="TextBox 10"/>
+          <p:cNvSpPr txBox="1"/>
+          <p:nvPr/>
+        </p:nvSpPr>
+        <p:spPr>
+          <a:xfrm>
+            <a:off x="983400" y="2073747"/>
+            <a:ext cx="3998209" cy="584775"/>
+          </a:xfrm>
+          <a:prstGeom prst="rect">
+            <a:avLst/>
+          </a:prstGeom>
+          <a:noFill/>
+        </p:spPr>
+        <p:txBody>
+          <a:bodyPr wrap="none" rtlCol="0">
+            <a:spAutoFit/>
+          </a:bodyPr>
+          <a:lstStyle/>
+          <a:p>
+            <a:pPr algn="ctr"/>
+            <a:r>
+              <a:rPr lang="en-US" altLang="ko-KR" sz="3200" spc="-150" dirty="0">
+                <a:solidFill>
+                  <a:srgbClr val="8DBABD"/>
+                </a:solidFill>
+                <a:latin typeface="나눔스퀘어 ExtraBold" panose="020B0600000101010101" pitchFamily="50" charset="-127"/>
+                <a:ea typeface="나눔스퀘어 ExtraBold" panose="020B0600000101010101" pitchFamily="50" charset="-127"/>
+              </a:rPr>
+              <a:t>GNI(</a:t>
+            </a:r>
+            <a:r>
+              <a:rPr lang="ko-KR" altLang="en-US" sz="3200" spc="-150" dirty="0">
+                <a:solidFill>
+                  <a:srgbClr val="8DBABD"/>
+                </a:solidFill>
+                <a:latin typeface="나눔스퀘어 ExtraBold" panose="020B0600000101010101" pitchFamily="50" charset="-127"/>
+                <a:ea typeface="나눔스퀘어 ExtraBold" panose="020B0600000101010101" pitchFamily="50" charset="-127"/>
+              </a:rPr>
+              <a:t>국내총소득</a:t>
+            </a:r>
+            <a:r>
+              <a:rPr lang="en-US" altLang="ko-KR" sz="3200" spc="-150" dirty="0">
+                <a:solidFill>
+                  <a:srgbClr val="8DBABD"/>
+                </a:solidFill>
+                <a:latin typeface="나눔스퀘어 ExtraBold" panose="020B0600000101010101" pitchFamily="50" charset="-127"/>
+                <a:ea typeface="나눔스퀘어 ExtraBold" panose="020B0600000101010101" pitchFamily="50" charset="-127"/>
+              </a:rPr>
+              <a:t>)</a:t>
+            </a:r>
+            <a:r>
+              <a:rPr lang="ko-KR" altLang="en-US" sz="3200" spc="-150" dirty="0">
+                <a:solidFill>
+                  <a:srgbClr val="8DBABD"/>
+                </a:solidFill>
+                <a:latin typeface="나눔스퀘어 ExtraBold" panose="020B0600000101010101" pitchFamily="50" charset="-127"/>
+                <a:ea typeface="나눔스퀘어 ExtraBold" panose="020B0600000101010101" pitchFamily="50" charset="-127"/>
+              </a:rPr>
+              <a:t>과 비교</a:t>
+            </a:r>
+            <a:endParaRPr lang="en-US" altLang="ko-KR" sz="3200" spc="-150" dirty="0">
+              <a:solidFill>
+                <a:srgbClr val="8DBABD"/>
+              </a:solidFill>
+              <a:latin typeface="나눔스퀘어 ExtraBold" panose="020B0600000101010101" pitchFamily="50" charset="-127"/>
+              <a:ea typeface="나눔스퀘어 ExtraBold" panose="020B0600000101010101" pitchFamily="50" charset="-127"/>
+            </a:endParaRPr>
+          </a:p>
+        </p:txBody>
+      </p:sp>
+      <p:cxnSp>
+        <p:nvCxnSpPr>
+          <p:cNvPr id="14" name="직선 연결선 13"/>
+          <p:cNvCxnSpPr/>
+          <p:nvPr/>
+        </p:nvCxnSpPr>
+        <p:spPr>
+          <a:xfrm>
+            <a:off x="10430892" y="144941"/>
+            <a:ext cx="360000" cy="0"/>
+          </a:xfrm>
+          <a:prstGeom prst="line">
+            <a:avLst/>
+          </a:prstGeom>
+          <a:ln w="44450" cap="rnd">
+            <a:solidFill>
+              <a:srgbClr val="D0CECE"/>
+            </a:solidFill>
+          </a:ln>
+          <a:effectLst>
+            <a:outerShdw blurRad="50800" dist="38100" dir="5400000" algn="t" rotWithShape="0">
+              <a:prstClr val="black">
+                <a:alpha val="40000"/>
+              </a:prstClr>
+            </a:outerShdw>
+          </a:effectLst>
+        </p:spPr>
+        <p:style>
+          <a:lnRef idx="1">
+            <a:schemeClr val="accent1"/>
+          </a:lnRef>
+          <a:fillRef idx="0">
+            <a:schemeClr val="accent1"/>
+          </a:fillRef>
+          <a:effectRef idx="0">
+            <a:schemeClr val="accent1"/>
+          </a:effectRef>
+          <a:fontRef idx="minor">
+            <a:schemeClr val="tx1"/>
+          </a:fontRef>
+        </p:style>
+      </p:cxnSp>
+      <p:cxnSp>
+        <p:nvCxnSpPr>
+          <p:cNvPr id="15" name="직선 연결선 14"/>
+          <p:cNvCxnSpPr/>
+          <p:nvPr/>
+        </p:nvCxnSpPr>
+        <p:spPr>
+          <a:xfrm>
+            <a:off x="10858459" y="144941"/>
+            <a:ext cx="360000" cy="0"/>
+          </a:xfrm>
+          <a:prstGeom prst="line">
+            <a:avLst/>
+          </a:prstGeom>
+          <a:ln w="44450" cap="rnd">
+            <a:solidFill>
+              <a:srgbClr val="8DBABD"/>
+            </a:solidFill>
+          </a:ln>
+          <a:effectLst>
+            <a:outerShdw blurRad="50800" dist="38100" dir="5400000" algn="t" rotWithShape="0">
+              <a:prstClr val="black">
+                <a:alpha val="40000"/>
+              </a:prstClr>
+            </a:outerShdw>
+          </a:effectLst>
+        </p:spPr>
+        <p:style>
+          <a:lnRef idx="1">
+            <a:schemeClr val="accent1"/>
+          </a:lnRef>
+          <a:fillRef idx="0">
+            <a:schemeClr val="accent1"/>
+          </a:fillRef>
+          <a:effectRef idx="0">
+            <a:schemeClr val="accent1"/>
+          </a:effectRef>
+          <a:fontRef idx="minor">
+            <a:schemeClr val="tx1"/>
+          </a:fontRef>
+        </p:style>
+      </p:cxnSp>
+      <p:cxnSp>
+        <p:nvCxnSpPr>
+          <p:cNvPr id="16" name="직선 연결선 15"/>
+          <p:cNvCxnSpPr/>
+          <p:nvPr/>
+        </p:nvCxnSpPr>
+        <p:spPr>
+          <a:xfrm>
+            <a:off x="11286026" y="144941"/>
+            <a:ext cx="360000" cy="0"/>
+          </a:xfrm>
+          <a:prstGeom prst="line">
+            <a:avLst/>
+          </a:prstGeom>
+          <a:ln w="44450" cap="rnd">
+            <a:solidFill>
+              <a:schemeClr val="bg2">
+                <a:lumMod val="90000"/>
+              </a:schemeClr>
+            </a:solidFill>
+          </a:ln>
+          <a:effectLst>
+            <a:outerShdw blurRad="50800" dist="38100" dir="5400000" algn="t" rotWithShape="0">
+              <a:prstClr val="black">
+                <a:alpha val="40000"/>
+              </a:prstClr>
+            </a:outerShdw>
+          </a:effectLst>
+        </p:spPr>
+        <p:style>
+          <a:lnRef idx="1">
+            <a:schemeClr val="accent1"/>
+          </a:lnRef>
+          <a:fillRef idx="0">
+            <a:schemeClr val="accent1"/>
+          </a:fillRef>
+          <a:effectRef idx="0">
+            <a:schemeClr val="accent1"/>
+          </a:effectRef>
+          <a:fontRef idx="minor">
+            <a:schemeClr val="tx1"/>
+          </a:fontRef>
+        </p:style>
+      </p:cxnSp>
+      <p:cxnSp>
+        <p:nvCxnSpPr>
+          <p:cNvPr id="17" name="직선 연결선 16"/>
+          <p:cNvCxnSpPr/>
+          <p:nvPr/>
+        </p:nvCxnSpPr>
+        <p:spPr>
+          <a:xfrm>
+            <a:off x="11713592" y="144941"/>
+            <a:ext cx="360000" cy="0"/>
+          </a:xfrm>
+          <a:prstGeom prst="line">
+            <a:avLst/>
+          </a:prstGeom>
+          <a:ln w="44450" cap="rnd">
+            <a:solidFill>
+              <a:schemeClr val="bg2">
+                <a:lumMod val="90000"/>
+              </a:schemeClr>
+            </a:solidFill>
+          </a:ln>
+          <a:effectLst>
+            <a:outerShdw blurRad="50800" dist="38100" dir="5400000" algn="t" rotWithShape="0">
+              <a:prstClr val="black">
+                <a:alpha val="40000"/>
+              </a:prstClr>
+            </a:outerShdw>
+          </a:effectLst>
+        </p:spPr>
+        <p:style>
+          <a:lnRef idx="1">
+            <a:schemeClr val="accent1"/>
+          </a:lnRef>
+          <a:fillRef idx="0">
+            <a:schemeClr val="accent1"/>
+          </a:fillRef>
+          <a:effectRef idx="0">
+            <a:schemeClr val="accent1"/>
+          </a:effectRef>
+          <a:fontRef idx="minor">
+            <a:schemeClr val="tx1"/>
+          </a:fontRef>
+        </p:style>
+      </p:cxnSp>
+      <p:cxnSp>
+        <p:nvCxnSpPr>
+          <p:cNvPr id="18" name="직선 연결선 17"/>
+          <p:cNvCxnSpPr/>
+          <p:nvPr/>
+        </p:nvCxnSpPr>
+        <p:spPr>
+          <a:xfrm>
+            <a:off x="1026522" y="989148"/>
+            <a:ext cx="2160000" cy="0"/>
+          </a:xfrm>
+          <a:prstGeom prst="line">
+            <a:avLst/>
+          </a:prstGeom>
+          <a:ln>
+            <a:solidFill>
+              <a:schemeClr val="bg1">
+                <a:lumMod val="50000"/>
+              </a:schemeClr>
+            </a:solidFill>
+          </a:ln>
+        </p:spPr>
+        <p:style>
+          <a:lnRef idx="1">
+            <a:schemeClr val="accent1"/>
+          </a:lnRef>
+          <a:fillRef idx="0">
+            <a:schemeClr val="accent1"/>
+          </a:fillRef>
+          <a:effectRef idx="0">
+            <a:schemeClr val="accent1"/>
+          </a:effectRef>
+          <a:fontRef idx="minor">
+            <a:schemeClr val="tx1"/>
+          </a:fontRef>
+        </p:style>
+      </p:cxnSp>
+      <p:sp>
+        <p:nvSpPr>
+          <p:cNvPr id="19" name="TextBox 18"/>
+          <p:cNvSpPr txBox="1"/>
+          <p:nvPr/>
+        </p:nvSpPr>
+        <p:spPr>
+          <a:xfrm>
+            <a:off x="1233310" y="437393"/>
+            <a:ext cx="1749197" cy="584775"/>
+          </a:xfrm>
+          <a:prstGeom prst="rect">
+            <a:avLst/>
+          </a:prstGeom>
+          <a:noFill/>
+        </p:spPr>
+        <p:txBody>
+          <a:bodyPr wrap="none" rtlCol="0">
+            <a:spAutoFit/>
+          </a:bodyPr>
+          <a:lstStyle/>
+          <a:p>
+            <a:pPr algn="ctr"/>
+            <a:r>
+              <a:rPr lang="ko-KR" altLang="en-US" sz="3200" spc="-150">
+                <a:solidFill>
+                  <a:srgbClr val="00002F"/>
+                </a:solidFill>
+                <a:latin typeface="나눔스퀘어 ExtraBold" panose="020B0600000101010101" pitchFamily="50" charset="-127"/>
+                <a:ea typeface="나눔스퀘어 ExtraBold" panose="020B0600000101010101" pitchFamily="50" charset="-127"/>
+              </a:rPr>
+              <a:t>외부요인</a:t>
+            </a:r>
+            <a:endParaRPr lang="ko-KR" altLang="en-US" sz="3200" spc="-150" dirty="0">
+              <a:solidFill>
+                <a:srgbClr val="00002F"/>
+              </a:solidFill>
+              <a:latin typeface="나눔스퀘어 ExtraBold" panose="020B0600000101010101" pitchFamily="50" charset="-127"/>
+              <a:ea typeface="나눔스퀘어 ExtraBold" panose="020B0600000101010101" pitchFamily="50" charset="-127"/>
+            </a:endParaRPr>
+          </a:p>
+        </p:txBody>
+      </p:sp>
+      <p:sp>
+        <p:nvSpPr>
+          <p:cNvPr id="20" name="TextBox 19"/>
+          <p:cNvSpPr txBox="1"/>
+          <p:nvPr/>
+        </p:nvSpPr>
+        <p:spPr>
+          <a:xfrm>
+            <a:off x="455532" y="498947"/>
+            <a:ext cx="614271" cy="461665"/>
+          </a:xfrm>
+          <a:prstGeom prst="rect">
+            <a:avLst/>
+          </a:prstGeom>
+          <a:noFill/>
+        </p:spPr>
+        <p:txBody>
+          <a:bodyPr wrap="none" rtlCol="0">
+            <a:spAutoFit/>
+          </a:bodyPr>
+          <a:lstStyle/>
+          <a:p>
+            <a:pPr algn="ctr"/>
+            <a:r>
+              <a:rPr lang="en-US" altLang="ko-KR" sz="2400" spc="-150" dirty="0">
+                <a:solidFill>
+                  <a:srgbClr val="00002F"/>
+                </a:solidFill>
+                <a:latin typeface="나눔스퀘어 ExtraBold" panose="020B0600000101010101" pitchFamily="50" charset="-127"/>
+                <a:ea typeface="나눔스퀘어 ExtraBold" panose="020B0600000101010101" pitchFamily="50" charset="-127"/>
+              </a:rPr>
+              <a:t>02.</a:t>
+            </a:r>
+            <a:endParaRPr lang="ko-KR" altLang="en-US" sz="2400" spc="-150" dirty="0">
+              <a:solidFill>
+                <a:srgbClr val="00002F"/>
+              </a:solidFill>
+              <a:latin typeface="나눔스퀘어 ExtraBold" panose="020B0600000101010101" pitchFamily="50" charset="-127"/>
+              <a:ea typeface="나눔스퀘어 ExtraBold" panose="020B0600000101010101" pitchFamily="50" charset="-127"/>
+            </a:endParaRPr>
+          </a:p>
+        </p:txBody>
+      </p:sp>
+      <p:sp>
+        <p:nvSpPr>
+          <p:cNvPr id="21" name="TextBox 20"/>
+          <p:cNvSpPr txBox="1"/>
+          <p:nvPr/>
+        </p:nvSpPr>
+        <p:spPr>
+          <a:xfrm>
+            <a:off x="1043807" y="1006929"/>
+            <a:ext cx="2002472" cy="369332"/>
+          </a:xfrm>
+          <a:prstGeom prst="rect">
+            <a:avLst/>
+          </a:prstGeom>
+          <a:noFill/>
+        </p:spPr>
+        <p:txBody>
+          <a:bodyPr wrap="none" rtlCol="0">
+            <a:spAutoFit/>
+          </a:bodyPr>
+          <a:lstStyle/>
+          <a:p>
+            <a:pPr algn="ctr"/>
+            <a:r>
+              <a:rPr lang="ko-KR" altLang="en-US" spc="-150" dirty="0">
+                <a:solidFill>
+                  <a:srgbClr val="00002F"/>
+                </a:solidFill>
+                <a:latin typeface="나눔스퀘어 ExtraBold" panose="020B0600000101010101" pitchFamily="50" charset="-127"/>
+                <a:ea typeface="나눔스퀘어 ExtraBold" panose="020B0600000101010101" pitchFamily="50" charset="-127"/>
+              </a:rPr>
+              <a:t>내국인 관광객 요인</a:t>
+            </a:r>
+          </a:p>
+        </p:txBody>
+      </p:sp>
+      <p:pic>
+        <p:nvPicPr>
+          <p:cNvPr id="12" name="그림 11">
+            <a:extLst>
+              <a:ext uri="{FF2B5EF4-FFF2-40B4-BE49-F238E27FC236}">
+                <a16:creationId xmlns:a16="http://schemas.microsoft.com/office/drawing/2014/main" id="{81F3AF4D-A2E4-4211-88F7-E1D880317713}"/>
+              </a:ext>
+            </a:extLst>
+          </p:cNvPr>
+          <p:cNvPicPr>
+            <a:picLocks noChangeAspect="1"/>
+          </p:cNvPicPr>
+          <p:nvPr/>
+        </p:nvPicPr>
+        <p:blipFill>
+          <a:blip r:embed="rId2">
+            <a:extLst>
+              <a:ext uri="{28A0092B-C50C-407E-A947-70E740481C1C}">
+                <a14:useLocalDpi xmlns:a14="http://schemas.microsoft.com/office/drawing/2010/main" val="0"/>
+              </a:ext>
+            </a:extLst>
+          </a:blip>
+          <a:stretch>
+            <a:fillRect/>
+          </a:stretch>
+        </p:blipFill>
+        <p:spPr>
+          <a:xfrm>
+            <a:off x="5463821" y="1191595"/>
+            <a:ext cx="5201376" cy="4944165"/>
+          </a:xfrm>
+          <a:prstGeom prst="rect">
+            <a:avLst/>
+          </a:prstGeom>
+        </p:spPr>
+      </p:pic>
+      <p:sp>
+        <p:nvSpPr>
+          <p:cNvPr id="2" name="TextBox 1">
+            <a:extLst>
+              <a:ext uri="{FF2B5EF4-FFF2-40B4-BE49-F238E27FC236}">
+                <a16:creationId xmlns:a16="http://schemas.microsoft.com/office/drawing/2014/main" id="{84C77E64-3407-4760-BA5A-29CACCFD7888}"/>
+              </a:ext>
+            </a:extLst>
+          </p:cNvPr>
+          <p:cNvSpPr txBox="1"/>
+          <p:nvPr/>
+        </p:nvSpPr>
+        <p:spPr>
+          <a:xfrm>
+            <a:off x="1837517" y="3940785"/>
+            <a:ext cx="2289976" cy="830997"/>
+          </a:xfrm>
+          <a:prstGeom prst="rect">
+            <a:avLst/>
+          </a:prstGeom>
+          <a:noFill/>
+        </p:spPr>
+        <p:txBody>
+          <a:bodyPr wrap="square" rtlCol="0">
+            <a:spAutoFit/>
+          </a:bodyPr>
+          <a:lstStyle/>
+          <a:p>
+            <a:pPr algn="ctr"/>
+            <a:r>
+              <a:rPr lang="ko-KR" altLang="en-US" sz="2400" spc="-150" dirty="0">
+                <a:solidFill>
+                  <a:srgbClr val="8DBABD"/>
+                </a:solidFill>
+                <a:latin typeface="나눔스퀘어 ExtraBold" panose="020B0600000101010101" pitchFamily="50" charset="-127"/>
+                <a:ea typeface="나눔스퀘어 ExtraBold" panose="020B0600000101010101" pitchFamily="50" charset="-127"/>
+              </a:rPr>
+              <a:t>상관계수</a:t>
+            </a:r>
+            <a:endParaRPr lang="en-US" altLang="ko-KR" sz="2400" spc="-150" dirty="0">
+              <a:solidFill>
+                <a:srgbClr val="8DBABD"/>
+              </a:solidFill>
+              <a:latin typeface="나눔스퀘어 ExtraBold" panose="020B0600000101010101" pitchFamily="50" charset="-127"/>
+              <a:ea typeface="나눔스퀘어 ExtraBold" panose="020B0600000101010101" pitchFamily="50" charset="-127"/>
+            </a:endParaRPr>
+          </a:p>
+          <a:p>
+            <a:pPr algn="ctr"/>
+            <a:r>
+              <a:rPr lang="ko-KR" altLang="en-US" sz="2400" spc="-150" dirty="0">
+                <a:solidFill>
+                  <a:srgbClr val="8DBABD"/>
+                </a:solidFill>
+                <a:latin typeface="나눔스퀘어 ExtraBold" panose="020B0600000101010101" pitchFamily="50" charset="-127"/>
+                <a:ea typeface="나눔스퀘어 ExtraBold" panose="020B0600000101010101" pitchFamily="50" charset="-127"/>
+              </a:rPr>
+              <a:t> </a:t>
+            </a:r>
+            <a:r>
+              <a:rPr lang="en-US" altLang="ko-KR" sz="2400" spc="-150" dirty="0">
+                <a:solidFill>
+                  <a:srgbClr val="8DBABD"/>
+                </a:solidFill>
+                <a:latin typeface="나눔스퀘어 ExtraBold" panose="020B0600000101010101" pitchFamily="50" charset="-127"/>
+                <a:ea typeface="나눔스퀘어 ExtraBold" panose="020B0600000101010101" pitchFamily="50" charset="-127"/>
+              </a:rPr>
+              <a:t>0.3535972</a:t>
+            </a:r>
+          </a:p>
+        </p:txBody>
+      </p:sp>
+      <p:sp>
+        <p:nvSpPr>
+          <p:cNvPr id="3" name="화살표: 아래쪽 2">
+            <a:extLst>
+              <a:ext uri="{FF2B5EF4-FFF2-40B4-BE49-F238E27FC236}">
+                <a16:creationId xmlns:a16="http://schemas.microsoft.com/office/drawing/2014/main" id="{2E39B4CD-6502-43AB-A787-96332370B670}"/>
+              </a:ext>
+            </a:extLst>
+          </p:cNvPr>
+          <p:cNvSpPr/>
+          <p:nvPr/>
+        </p:nvSpPr>
+        <p:spPr>
+          <a:xfrm>
+            <a:off x="2802789" y="3121306"/>
+            <a:ext cx="359432" cy="564018"/>
+          </a:xfrm>
+          <a:prstGeom prst="downArrow">
+            <a:avLst/>
+          </a:prstGeom>
+          <a:noFill/>
+          <a:ln>
+            <a:solidFill>
+              <a:srgbClr val="A3C8CA"/>
+            </a:solidFill>
+          </a:ln>
+        </p:spPr>
+        <p:style>
+          <a:lnRef idx="2">
+            <a:schemeClr val="accent1">
+              <a:shade val="50000"/>
+            </a:schemeClr>
+          </a:lnRef>
+          <a:fillRef idx="1">
+            <a:schemeClr val="accent1"/>
+          </a:fillRef>
+          <a:effectRef idx="0">
+            <a:schemeClr val="accent1"/>
+          </a:effectRef>
+          <a:fontRef idx="minor">
+            <a:schemeClr val="lt1"/>
+          </a:fontRef>
+        </p:style>
+        <p:txBody>
+          <a:bodyPr rtlCol="0" anchor="ctr"/>
+          <a:lstStyle/>
+          <a:p>
+            <a:pPr algn="ctr"/>
+            <a:endParaRPr lang="ko-KR" altLang="en-US"/>
+          </a:p>
+        </p:txBody>
+      </p:sp>
+    </p:spTree>
+    <p:extLst>
+      <p:ext uri="{BB962C8B-B14F-4D97-AF65-F5344CB8AC3E}">
+        <p14:creationId xmlns:p14="http://schemas.microsoft.com/office/powerpoint/2010/main" val="2356050672"/>
+      </p:ext>
+    </p:extLst>
+  </p:cSld>
+  <p:clrMapOvr>
+    <a:masterClrMapping/>
+  </p:clrMapOvr>
+  <p:timing>
+    <p:tnLst>
+      <p:par>
+        <p:cTn id="1" dur="indefinite" restart="never" nodeType="tmRoot">
+          <p:childTnLst>
+            <p:seq concurrent="1" nextAc="seek">
+              <p:cTn id="2" dur="indefinite" nodeType="mainSeq">
+                <p:childTnLst>
+                  <p:par>
+                    <p:cTn id="3" fill="hold">
+                      <p:stCondLst>
+                        <p:cond delay="indefinite"/>
+                      </p:stCondLst>
+                      <p:childTnLst>
+                        <p:par>
+                          <p:cTn id="4" fill="hold">
+                            <p:stCondLst>
+                              <p:cond delay="0"/>
+                            </p:stCondLst>
+                            <p:childTnLst>
+                              <p:par>
+                                <p:cTn id="5" presetID="2" presetClass="entr" presetSubtype="4" fill="hold" grpId="0" nodeType="clickEffect">
+                                  <p:stCondLst>
+                                    <p:cond delay="0"/>
+                                  </p:stCondLst>
+                                  <p:childTnLst>
+                                    <p:set>
+                                      <p:cBhvr>
+                                        <p:cTn id="6" dur="1" fill="hold">
+                                          <p:stCondLst>
+                                            <p:cond delay="0"/>
+                                          </p:stCondLst>
+                                        </p:cTn>
+                                        <p:tgtEl>
+                                          <p:spTgt spid="2"/>
+                                        </p:tgtEl>
+                                        <p:attrNameLst>
+                                          <p:attrName>style.visibility</p:attrName>
+                                        </p:attrNameLst>
+                                      </p:cBhvr>
+                                      <p:to>
+                                        <p:strVal val="visible"/>
+                                      </p:to>
+                                    </p:set>
+                                    <p:anim calcmode="lin" valueType="num">
+                                      <p:cBhvr additive="base">
+                                        <p:cTn id="7" dur="500" fill="hold"/>
+                                        <p:tgtEl>
+                                          <p:spTgt spid="2"/>
+                                        </p:tgtEl>
+                                        <p:attrNameLst>
+                                          <p:attrName>ppt_x</p:attrName>
+                                        </p:attrNameLst>
+                                      </p:cBhvr>
+                                      <p:tavLst>
+                                        <p:tav tm="0">
+                                          <p:val>
+                                            <p:strVal val="#ppt_x"/>
+                                          </p:val>
+                                        </p:tav>
+                                        <p:tav tm="100000">
+                                          <p:val>
+                                            <p:strVal val="#ppt_x"/>
+                                          </p:val>
+                                        </p:tav>
+                                      </p:tavLst>
+                                    </p:anim>
+                                    <p:anim calcmode="lin" valueType="num">
+                                      <p:cBhvr additive="base">
+                                        <p:cTn id="8" dur="500" fill="hold"/>
+                                        <p:tgtEl>
+                                          <p:spTgt spid="2"/>
+                                        </p:tgtEl>
+                                        <p:attrNameLst>
+                                          <p:attrName>ppt_y</p:attrName>
+                                        </p:attrNameLst>
+                                      </p:cBhvr>
+                                      <p:tavLst>
+                                        <p:tav tm="0">
+                                          <p:val>
+                                            <p:strVal val="1+#ppt_h/2"/>
+                                          </p:val>
+                                        </p:tav>
+                                        <p:tav tm="100000">
+                                          <p:val>
+                                            <p:strVal val="#ppt_y"/>
+                                          </p:val>
+                                        </p:tav>
+                                      </p:tavLst>
+                                    </p:anim>
+                                  </p:childTnLst>
+                                </p:cTn>
+                              </p:par>
+                              <p:par>
+                                <p:cTn id="9" presetID="2" presetClass="entr" presetSubtype="4" fill="hold" grpId="0" nodeType="withEffect">
+                                  <p:stCondLst>
+                                    <p:cond delay="0"/>
+                                  </p:stCondLst>
+                                  <p:childTnLst>
+                                    <p:set>
+                                      <p:cBhvr>
+                                        <p:cTn id="10" dur="1" fill="hold">
+                                          <p:stCondLst>
+                                            <p:cond delay="0"/>
+                                          </p:stCondLst>
+                                        </p:cTn>
+                                        <p:tgtEl>
+                                          <p:spTgt spid="3"/>
+                                        </p:tgtEl>
+                                        <p:attrNameLst>
+                                          <p:attrName>style.visibility</p:attrName>
+                                        </p:attrNameLst>
+                                      </p:cBhvr>
+                                      <p:to>
+                                        <p:strVal val="visible"/>
+                                      </p:to>
+                                    </p:set>
+                                    <p:anim calcmode="lin" valueType="num">
+                                      <p:cBhvr additive="base">
+                                        <p:cTn id="11" dur="500" fill="hold"/>
+                                        <p:tgtEl>
+                                          <p:spTgt spid="3"/>
+                                        </p:tgtEl>
+                                        <p:attrNameLst>
+                                          <p:attrName>ppt_x</p:attrName>
+                                        </p:attrNameLst>
+                                      </p:cBhvr>
+                                      <p:tavLst>
+                                        <p:tav tm="0">
+                                          <p:val>
+                                            <p:strVal val="#ppt_x"/>
+                                          </p:val>
+                                        </p:tav>
+                                        <p:tav tm="100000">
+                                          <p:val>
+                                            <p:strVal val="#ppt_x"/>
+                                          </p:val>
+                                        </p:tav>
+                                      </p:tavLst>
+                                    </p:anim>
+                                    <p:anim calcmode="lin" valueType="num">
+                                      <p:cBhvr additive="base">
+                                        <p:cTn id="12" dur="500" fill="hold"/>
+                                        <p:tgtEl>
+                                          <p:spTgt spid="3"/>
+                                        </p:tgtEl>
+                                        <p:attrNameLst>
+                                          <p:attrName>ppt_y</p:attrName>
+                                        </p:attrNameLst>
+                                      </p:cBhvr>
+                                      <p:tavLst>
+                                        <p:tav tm="0">
+                                          <p:val>
+                                            <p:strVal val="1+#ppt_h/2"/>
+                                          </p:val>
+                                        </p:tav>
+                                        <p:tav tm="100000">
+                                          <p:val>
+                                            <p:strVal val="#ppt_y"/>
+                                          </p:val>
+                                        </p:tav>
+                                      </p:tavLst>
+                                    </p:anim>
+                                  </p:childTnLst>
+                                </p:cTn>
+                              </p:par>
+                            </p:childTnLst>
+                          </p:cTn>
+                        </p:par>
+                      </p:childTnLst>
+                    </p:cTn>
+                  </p:par>
+                </p:childTnLst>
+              </p:cTn>
+              <p:prevCondLst>
+                <p:cond evt="onPrev" delay="0">
+                  <p:tgtEl>
+                    <p:sldTgt/>
+                  </p:tgtEl>
+                </p:cond>
+              </p:prevCondLst>
+              <p:nextCondLst>
+                <p:cond evt="onNext" delay="0">
+                  <p:tgtEl>
+                    <p:sldTgt/>
+                  </p:tgtEl>
+                </p:cond>
+              </p:nextCondLst>
+            </p:seq>
+          </p:childTnLst>
+        </p:cTn>
+      </p:par>
+    </p:tnLst>
+    <p:bldLst>
+      <p:bldP spid="2" grpId="0"/>
+      <p:bldP spid="3" grpId="0" animBg="1"/>
+    </p:bldLst>
+  </p:timing>
 </p:sld>
 </file>
 

--- a/6조_외부환경영향.pptx
+++ b/6조_외부환경영향.pptx
@@ -240,7 +240,6 @@
               <a:srgbClr val="FF0000"/>
             </a:solidFill>
           </c:spPr>
-          <c:explosion val="20"/>
           <c:dPt>
             <c:idx val="0"/>
             <c:bubble3D val="0"/>
@@ -7284,7 +7283,7 @@
     <mc:Choice Requires="p14">
       <p:transition/>
     </mc:Choice>
-    <mc:Fallback xmlns="" xmlns:c="http://schemas.openxmlformats.org/drawingml/2006/chart" xmlns:dgm="http://schemas.openxmlformats.org/drawingml/2006/diagram" xmlns:dsp="http://schemas.microsoft.com/office/drawing/2008/diagram">
+    <mc:Fallback xmlns:dsp="http://schemas.microsoft.com/office/drawing/2008/diagram" xmlns:dgm="http://schemas.openxmlformats.org/drawingml/2006/diagram" xmlns:c="http://schemas.openxmlformats.org/drawingml/2006/chart" xmlns="">
       <p:transition/>
     </mc:Fallback>
   </mc:AlternateContent>
@@ -8066,7 +8065,7 @@
     <mc:Choice Requires="p14">
       <p:transition/>
     </mc:Choice>
-    <mc:Fallback xmlns="" xmlns:c="http://schemas.openxmlformats.org/drawingml/2006/chart" xmlns:dgm="http://schemas.openxmlformats.org/drawingml/2006/diagram" xmlns:dsp="http://schemas.microsoft.com/office/drawing/2008/diagram">
+    <mc:Fallback xmlns:dsp="http://schemas.microsoft.com/office/drawing/2008/diagram" xmlns:dgm="http://schemas.openxmlformats.org/drawingml/2006/diagram" xmlns:c="http://schemas.openxmlformats.org/drawingml/2006/chart" xmlns="">
       <p:transition/>
     </mc:Fallback>
   </mc:AlternateContent>
@@ -8656,7 +8655,7 @@
     <mc:Choice Requires="p14">
       <p:transition/>
     </mc:Choice>
-    <mc:Fallback xmlns="" xmlns:c="http://schemas.openxmlformats.org/drawingml/2006/chart" xmlns:dgm="http://schemas.openxmlformats.org/drawingml/2006/diagram" xmlns:dsp="http://schemas.microsoft.com/office/drawing/2008/diagram">
+    <mc:Fallback xmlns:dsp="http://schemas.microsoft.com/office/drawing/2008/diagram" xmlns:dgm="http://schemas.openxmlformats.org/drawingml/2006/diagram" xmlns:c="http://schemas.openxmlformats.org/drawingml/2006/chart" xmlns="">
       <p:transition/>
     </mc:Fallback>
   </mc:AlternateContent>
@@ -9245,7 +9244,7 @@
     <mc:Choice Requires="p14">
       <p:transition/>
     </mc:Choice>
-    <mc:Fallback xmlns="" xmlns:c="http://schemas.openxmlformats.org/drawingml/2006/chart" xmlns:dgm="http://schemas.openxmlformats.org/drawingml/2006/diagram" xmlns:dsp="http://schemas.microsoft.com/office/drawing/2008/diagram">
+    <mc:Fallback xmlns:dsp="http://schemas.microsoft.com/office/drawing/2008/diagram" xmlns:dgm="http://schemas.openxmlformats.org/drawingml/2006/diagram" xmlns:c="http://schemas.openxmlformats.org/drawingml/2006/chart" xmlns="">
       <p:transition/>
     </mc:Fallback>
   </mc:AlternateContent>
@@ -11787,7 +11786,7 @@
           <p:nvPr>
             <p:extLst>
               <p:ext uri="{D42A27DB-BD31-4B8C-83A1-F6EECF244321}">
-                <p14:modId xmlns:p14="http://schemas.microsoft.com/office/powerpoint/2010/main" val="2921822950"/>
+                <p14:modId xmlns:p14="http://schemas.microsoft.com/office/powerpoint/2010/main" val="1869673708"/>
               </p:ext>
             </p:extLst>
           </p:nvPr>

--- a/6조_외부환경영향.pptx
+++ b/6조_외부환경영향.pptx
@@ -6589,14 +6589,14 @@
                 <a:latin typeface="나눔스퀘어 Bold" panose="020B0600000101010101" pitchFamily="50" charset="-127"/>
                 <a:ea typeface="나눔스퀘어 Bold" panose="020B0600000101010101" pitchFamily="50" charset="-127"/>
               </a:rPr>
-              <a:t>6</a:t>
+              <a:t>4</a:t>
             </a:r>
             <a:r>
               <a:rPr lang="ko-KR" altLang="en-US" dirty="0">
                 <a:latin typeface="나눔스퀘어 Bold" panose="020B0600000101010101" pitchFamily="50" charset="-127"/>
                 <a:ea typeface="나눔스퀘어 Bold" panose="020B0600000101010101" pitchFamily="50" charset="-127"/>
               </a:rPr>
-              <a:t>조</a:t>
+              <a:t>피스</a:t>
             </a:r>
             <a:r>
               <a:rPr lang="en-US" altLang="ko-KR" dirty="0">
@@ -7283,7 +7283,7 @@
     <mc:Choice Requires="p14">
       <p:transition/>
     </mc:Choice>
-    <mc:Fallback xmlns:dsp="http://schemas.microsoft.com/office/drawing/2008/diagram" xmlns:dgm="http://schemas.openxmlformats.org/drawingml/2006/diagram" xmlns:c="http://schemas.openxmlformats.org/drawingml/2006/chart" xmlns="">
+    <mc:Fallback xmlns="" xmlns:c="http://schemas.openxmlformats.org/drawingml/2006/chart" xmlns:dgm="http://schemas.openxmlformats.org/drawingml/2006/diagram" xmlns:dsp="http://schemas.microsoft.com/office/drawing/2008/diagram">
       <p:transition/>
     </mc:Fallback>
   </mc:AlternateContent>
@@ -8065,7 +8065,7 @@
     <mc:Choice Requires="p14">
       <p:transition/>
     </mc:Choice>
-    <mc:Fallback xmlns:dsp="http://schemas.microsoft.com/office/drawing/2008/diagram" xmlns:dgm="http://schemas.openxmlformats.org/drawingml/2006/diagram" xmlns:c="http://schemas.openxmlformats.org/drawingml/2006/chart" xmlns="">
+    <mc:Fallback xmlns="" xmlns:c="http://schemas.openxmlformats.org/drawingml/2006/chart" xmlns:dgm="http://schemas.openxmlformats.org/drawingml/2006/diagram" xmlns:dsp="http://schemas.microsoft.com/office/drawing/2008/diagram">
       <p:transition/>
     </mc:Fallback>
   </mc:AlternateContent>
@@ -8655,7 +8655,7 @@
     <mc:Choice Requires="p14">
       <p:transition/>
     </mc:Choice>
-    <mc:Fallback xmlns:dsp="http://schemas.microsoft.com/office/drawing/2008/diagram" xmlns:dgm="http://schemas.openxmlformats.org/drawingml/2006/diagram" xmlns:c="http://schemas.openxmlformats.org/drawingml/2006/chart" xmlns="">
+    <mc:Fallback xmlns="" xmlns:c="http://schemas.openxmlformats.org/drawingml/2006/chart" xmlns:dgm="http://schemas.openxmlformats.org/drawingml/2006/diagram" xmlns:dsp="http://schemas.microsoft.com/office/drawing/2008/diagram">
       <p:transition/>
     </mc:Fallback>
   </mc:AlternateContent>
@@ -9244,7 +9244,7 @@
     <mc:Choice Requires="p14">
       <p:transition/>
     </mc:Choice>
-    <mc:Fallback xmlns:dsp="http://schemas.microsoft.com/office/drawing/2008/diagram" xmlns:dgm="http://schemas.openxmlformats.org/drawingml/2006/diagram" xmlns:c="http://schemas.openxmlformats.org/drawingml/2006/chart" xmlns="">
+    <mc:Fallback xmlns="" xmlns:c="http://schemas.openxmlformats.org/drawingml/2006/chart" xmlns:dgm="http://schemas.openxmlformats.org/drawingml/2006/diagram" xmlns:dsp="http://schemas.microsoft.com/office/drawing/2008/diagram">
       <p:transition/>
     </mc:Fallback>
   </mc:AlternateContent>

--- a/6조_외부환경영향.pptx
+++ b/6조_외부환경영향.pptx
@@ -30,17 +30,25 @@
   <p:notesSz cx="6858000" cy="9144000"/>
   <p:embeddedFontLst>
     <p:embeddedFont>
-      <p:font typeface="나눔스퀘어 Bold" panose="020B0600000101010101" pitchFamily="50" charset="-127"/>
+      <p:font typeface="나눔고딕 ExtraBold" panose="020D0904000000000000" pitchFamily="50" charset="-127"/>
       <p:bold r:id="rId20"/>
     </p:embeddedFont>
     <p:embeddedFont>
+      <p:font typeface="나눔스퀘어라운드 Regular" panose="020B0600000101010101" pitchFamily="50" charset="-127"/>
+      <p:regular r:id="rId21"/>
+    </p:embeddedFont>
+    <p:embeddedFont>
+      <p:font typeface="나눔스퀘어 Bold" panose="020B0600000101010101" pitchFamily="50" charset="-127"/>
+      <p:bold r:id="rId22"/>
+    </p:embeddedFont>
+    <p:embeddedFont>
       <p:font typeface="나눔스퀘어 ExtraBold" panose="020B0600000101010101" pitchFamily="50" charset="-127"/>
-      <p:bold r:id="rId21"/>
+      <p:bold r:id="rId23"/>
     </p:embeddedFont>
     <p:embeddedFont>
       <p:font typeface="맑은 고딕" panose="020B0503020000020004" pitchFamily="50" charset="-127"/>
-      <p:regular r:id="rId22"/>
-      <p:bold r:id="rId23"/>
+      <p:regular r:id="rId24"/>
+      <p:bold r:id="rId25"/>
     </p:embeddedFont>
   </p:embeddedFontLst>
   <p:defaultTextStyle>
@@ -144,6 +152,18 @@
     </p:ext>
   </p:extLst>
 </p:presentation>
+</file>
+
+<file path=ppt/commentAuthors.xml><?xml version="1.0" encoding="utf-8"?>
+<p:cmAuthorLst xmlns:a="http://schemas.openxmlformats.org/drawingml/2006/main" xmlns:r="http://schemas.openxmlformats.org/officeDocument/2006/relationships" xmlns:p="http://schemas.openxmlformats.org/presentationml/2006/main">
+  <p:cmAuthor id="1" name="ICT01_12" initials="I" lastIdx="1" clrIdx="0">
+    <p:extLst>
+      <p:ext uri="{19B8F6BF-5375-455C-9EA6-DF929625EA0E}">
+        <p15:presenceInfo xmlns:p15="http://schemas.microsoft.com/office/powerpoint/2012/main" userId="ICT01_12" providerId="None"/>
+      </p:ext>
+    </p:extLst>
+  </p:cmAuthor>
+</p:cmAuthorLst>
 </file>
 
 <file path=ppt/charts/chart1.xml><?xml version="1.0" encoding="utf-8"?>
@@ -5634,6 +5654,20 @@
 </cs:chartStyle>
 </file>
 
+<file path=ppt/comments/comment1.xml><?xml version="1.0" encoding="utf-8"?>
+<p:cmLst xmlns:a="http://schemas.openxmlformats.org/drawingml/2006/main" xmlns:r="http://schemas.openxmlformats.org/officeDocument/2006/relationships" xmlns:p="http://schemas.openxmlformats.org/presentationml/2006/main">
+  <p:cm authorId="1" dt="2019-12-13T10:57:33.615" idx="1">
+    <p:pos x="10" y="10"/>
+    <p:text/>
+    <p:extLst>
+      <p:ext uri="{C676402C-5697-4E1C-873F-D02D1690AC5C}">
+        <p15:threadingInfo xmlns:p15="http://schemas.microsoft.com/office/powerpoint/2012/main" timeZoneBias="-540"/>
+      </p:ext>
+    </p:extLst>
+  </p:cm>
+</p:cmLst>
+</file>
+
 <file path=ppt/notesMasters/notesMaster1.xml><?xml version="1.0" encoding="utf-8"?>
 <p:notesMaster xmlns:a="http://schemas.openxmlformats.org/drawingml/2006/main" xmlns:r="http://schemas.openxmlformats.org/officeDocument/2006/relationships" xmlns:p="http://schemas.openxmlformats.org/presentationml/2006/main">
   <p:cSld>
@@ -6548,8 +6582,8 @@
         </p:nvSpPr>
         <p:spPr>
           <a:xfrm>
-            <a:off x="4191411" y="3591816"/>
-            <a:ext cx="3818246" cy="391195"/>
+            <a:off x="3302000" y="3591816"/>
+            <a:ext cx="5461000" cy="688084"/>
           </a:xfrm>
           <a:prstGeom prst="rect">
             <a:avLst/>
@@ -6586,50 +6620,161 @@
             <a:pPr algn="ctr"/>
             <a:r>
               <a:rPr lang="en-US" altLang="ko-KR" dirty="0">
+                <a:latin typeface="나눔고딕 ExtraBold" panose="020D0904000000000000" pitchFamily="50" charset="-127"/>
+                <a:ea typeface="나눔고딕 ExtraBold" panose="020D0904000000000000" pitchFamily="50" charset="-127"/>
+              </a:rPr>
+              <a:t>Four. Piece</a:t>
+            </a:r>
+            <a:endParaRPr lang="ko-KR" altLang="en-US" dirty="0">
+              <a:latin typeface="나눔고딕 ExtraBold" panose="020D0904000000000000" pitchFamily="50" charset="-127"/>
+              <a:ea typeface="나눔고딕 ExtraBold" panose="020D0904000000000000" pitchFamily="50" charset="-127"/>
+            </a:endParaRPr>
+          </a:p>
+          <a:p>
+            <a:pPr algn="ctr"/>
+            <a:r>
+              <a:rPr lang="en-US" altLang="ko-KR" dirty="0">
                 <a:latin typeface="나눔스퀘어 Bold" panose="020B0600000101010101" pitchFamily="50" charset="-127"/>
                 <a:ea typeface="나눔스퀘어 Bold" panose="020B0600000101010101" pitchFamily="50" charset="-127"/>
               </a:rPr>
-              <a:t>4</a:t>
+              <a:t> </a:t>
             </a:r>
             <a:r>
               <a:rPr lang="ko-KR" altLang="en-US" dirty="0">
                 <a:latin typeface="나눔스퀘어 Bold" panose="020B0600000101010101" pitchFamily="50" charset="-127"/>
                 <a:ea typeface="나눔스퀘어 Bold" panose="020B0600000101010101" pitchFamily="50" charset="-127"/>
               </a:rPr>
-              <a:t>피스</a:t>
+              <a:t>김 신혁</a:t>
             </a:r>
             <a:r>
               <a:rPr lang="en-US" altLang="ko-KR" dirty="0">
                 <a:latin typeface="나눔스퀘어 Bold" panose="020B0600000101010101" pitchFamily="50" charset="-127"/>
                 <a:ea typeface="나눔스퀘어 Bold" panose="020B0600000101010101" pitchFamily="50" charset="-127"/>
               </a:rPr>
-              <a:t>. </a:t>
-            </a:r>
-            <a:r>
-              <a:rPr lang="ko-KR" altLang="en-US" dirty="0" err="1">
-                <a:latin typeface="나눔스퀘어 Bold" panose="020B0600000101010101" pitchFamily="50" charset="-127"/>
-                <a:ea typeface="나눔스퀘어 Bold" panose="020B0600000101010101" pitchFamily="50" charset="-127"/>
-              </a:rPr>
-              <a:t>김신혁</a:t>
+              <a:t>,</a:t>
             </a:r>
             <a:r>
               <a:rPr lang="ko-KR" altLang="en-US" dirty="0">
                 <a:latin typeface="나눔스퀘어 Bold" panose="020B0600000101010101" pitchFamily="50" charset="-127"/>
                 <a:ea typeface="나눔스퀘어 Bold" panose="020B0600000101010101" pitchFamily="50" charset="-127"/>
               </a:rPr>
-              <a:t> 김대현 이소정 </a:t>
-            </a:r>
-            <a:r>
-              <a:rPr lang="ko-KR" altLang="en-US" dirty="0" err="1">
+              <a:t> 김 대현</a:t>
+            </a:r>
+            <a:r>
+              <a:rPr lang="en-US" altLang="ko-KR" dirty="0">
                 <a:latin typeface="나눔스퀘어 Bold" panose="020B0600000101010101" pitchFamily="50" charset="-127"/>
                 <a:ea typeface="나눔스퀘어 Bold" panose="020B0600000101010101" pitchFamily="50" charset="-127"/>
               </a:rPr>
-              <a:t>임영택</a:t>
+              <a:t>,</a:t>
+            </a:r>
+            <a:r>
+              <a:rPr lang="ko-KR" altLang="en-US" dirty="0">
+                <a:latin typeface="나눔스퀘어 Bold" panose="020B0600000101010101" pitchFamily="50" charset="-127"/>
+                <a:ea typeface="나눔스퀘어 Bold" panose="020B0600000101010101" pitchFamily="50" charset="-127"/>
+              </a:rPr>
+              <a:t> 이 소정</a:t>
+            </a:r>
+            <a:r>
+              <a:rPr lang="en-US" altLang="ko-KR" dirty="0">
+                <a:latin typeface="나눔스퀘어 Bold" panose="020B0600000101010101" pitchFamily="50" charset="-127"/>
+                <a:ea typeface="나눔스퀘어 Bold" panose="020B0600000101010101" pitchFamily="50" charset="-127"/>
+              </a:rPr>
+              <a:t>,</a:t>
+            </a:r>
+            <a:r>
+              <a:rPr lang="ko-KR" altLang="en-US" dirty="0">
+                <a:latin typeface="나눔스퀘어 Bold" panose="020B0600000101010101" pitchFamily="50" charset="-127"/>
+                <a:ea typeface="나눔스퀘어 Bold" panose="020B0600000101010101" pitchFamily="50" charset="-127"/>
+              </a:rPr>
+              <a:t> 임 영택</a:t>
+            </a:r>
+          </a:p>
+        </p:txBody>
+      </p:sp>
+      <p:sp>
+        <p:nvSpPr>
+          <p:cNvPr id="6" name="TextBox 5">
+            <a:extLst>
+              <a:ext uri="{FF2B5EF4-FFF2-40B4-BE49-F238E27FC236}">
+                <a16:creationId xmlns:a16="http://schemas.microsoft.com/office/drawing/2014/main" id="{BA0C51B8-D6AC-4DD3-929A-510FF9C0A50E}"/>
+              </a:ext>
+            </a:extLst>
+          </p:cNvPr>
+          <p:cNvSpPr txBox="1"/>
+          <p:nvPr/>
+        </p:nvSpPr>
+        <p:spPr>
+          <a:xfrm>
+            <a:off x="3531011" y="6488668"/>
+            <a:ext cx="1447389" cy="369332"/>
+          </a:xfrm>
+          <a:prstGeom prst="rect">
+            <a:avLst/>
+          </a:prstGeom>
+          <a:noFill/>
+        </p:spPr>
+        <p:txBody>
+          <a:bodyPr wrap="square" rtlCol="0">
+            <a:spAutoFit/>
+          </a:bodyPr>
+          <a:lstStyle/>
+          <a:p>
+            <a:r>
+              <a:rPr lang="en-US" altLang="ko-KR" dirty="0">
+                <a:latin typeface="나눔고딕 ExtraBold" panose="020D0904000000000000" pitchFamily="50" charset="-127"/>
+                <a:ea typeface="나눔고딕 ExtraBold" panose="020D0904000000000000" pitchFamily="50" charset="-127"/>
+              </a:rPr>
+              <a:t>Four. Piece</a:t>
             </a:r>
             <a:endParaRPr lang="ko-KR" altLang="en-US" dirty="0">
-              <a:latin typeface="나눔스퀘어 Bold" panose="020B0600000101010101" pitchFamily="50" charset="-127"/>
-              <a:ea typeface="나눔스퀘어 Bold" panose="020B0600000101010101" pitchFamily="50" charset="-127"/>
+              <a:latin typeface="나눔고딕 ExtraBold" panose="020D0904000000000000" pitchFamily="50" charset="-127"/>
+              <a:ea typeface="나눔고딕 ExtraBold" panose="020D0904000000000000" pitchFamily="50" charset="-127"/>
             </a:endParaRPr>
+          </a:p>
+        </p:txBody>
+      </p:sp>
+      <p:sp>
+        <p:nvSpPr>
+          <p:cNvPr id="7" name="TextBox 6">
+            <a:extLst>
+              <a:ext uri="{FF2B5EF4-FFF2-40B4-BE49-F238E27FC236}">
+                <a16:creationId xmlns:a16="http://schemas.microsoft.com/office/drawing/2014/main" id="{ABBCF6F3-BF41-4BC7-B615-F0169CEBF0DF}"/>
+              </a:ext>
+            </a:extLst>
+          </p:cNvPr>
+          <p:cNvSpPr txBox="1"/>
+          <p:nvPr/>
+        </p:nvSpPr>
+        <p:spPr>
+          <a:xfrm>
+            <a:off x="4978400" y="6488668"/>
+            <a:ext cx="3818246" cy="369332"/>
+          </a:xfrm>
+          <a:prstGeom prst="rect">
+            <a:avLst/>
+          </a:prstGeom>
+          <a:noFill/>
+        </p:spPr>
+        <p:txBody>
+          <a:bodyPr wrap="square" rtlCol="0">
+            <a:spAutoFit/>
+          </a:bodyPr>
+          <a:lstStyle/>
+          <a:p>
+            <a:r>
+              <a:rPr lang="ko-KR" altLang="en-US" dirty="0">
+                <a:latin typeface="나눔스퀘어라운드 Regular" panose="020B0600000101010101" pitchFamily="50" charset="-127"/>
+                <a:ea typeface="나눔스퀘어라운드 Regular" panose="020B0600000101010101" pitchFamily="50" charset="-127"/>
+              </a:rPr>
+              <a:t>네 개의 조각이 모여 하나의 별이 되다</a:t>
+            </a:r>
+            <a:r>
+              <a:rPr lang="en-US" altLang="ko-KR" dirty="0">
+                <a:latin typeface="나눔스퀘어라운드 Regular" panose="020B0600000101010101" pitchFamily="50" charset="-127"/>
+                <a:ea typeface="나눔스퀘어라운드 Regular" panose="020B0600000101010101" pitchFamily="50" charset="-127"/>
+              </a:rPr>
+              <a:t>.</a:t>
+            </a:r>
           </a:p>
         </p:txBody>
       </p:sp>
@@ -7283,7 +7428,7 @@
     <mc:Choice Requires="p14">
       <p:transition/>
     </mc:Choice>
-    <mc:Fallback xmlns="" xmlns:c="http://schemas.openxmlformats.org/drawingml/2006/chart" xmlns:dgm="http://schemas.openxmlformats.org/drawingml/2006/diagram" xmlns:dsp="http://schemas.microsoft.com/office/drawing/2008/diagram">
+    <mc:Fallback xmlns:dsp="http://schemas.microsoft.com/office/drawing/2008/diagram" xmlns:dgm="http://schemas.openxmlformats.org/drawingml/2006/diagram" xmlns:c="http://schemas.openxmlformats.org/drawingml/2006/chart" xmlns="">
       <p:transition/>
     </mc:Fallback>
   </mc:AlternateContent>
@@ -7926,7 +8071,7 @@
         </p:nvSpPr>
         <p:spPr>
           <a:xfrm>
-            <a:off x="1384183" y="2741407"/>
+            <a:off x="1348117" y="2713325"/>
             <a:ext cx="1803633" cy="1843116"/>
           </a:xfrm>
           <a:prstGeom prst="mathMultiply">
@@ -8065,7 +8210,7 @@
     <mc:Choice Requires="p14">
       <p:transition/>
     </mc:Choice>
-    <mc:Fallback xmlns="" xmlns:c="http://schemas.openxmlformats.org/drawingml/2006/chart" xmlns:dgm="http://schemas.openxmlformats.org/drawingml/2006/diagram" xmlns:dsp="http://schemas.microsoft.com/office/drawing/2008/diagram">
+    <mc:Fallback xmlns:dsp="http://schemas.microsoft.com/office/drawing/2008/diagram" xmlns:dgm="http://schemas.openxmlformats.org/drawingml/2006/diagram" xmlns:c="http://schemas.openxmlformats.org/drawingml/2006/chart" xmlns="">
       <p:transition/>
     </mc:Fallback>
   </mc:AlternateContent>
@@ -8655,7 +8800,7 @@
     <mc:Choice Requires="p14">
       <p:transition/>
     </mc:Choice>
-    <mc:Fallback xmlns="" xmlns:c="http://schemas.openxmlformats.org/drawingml/2006/chart" xmlns:dgm="http://schemas.openxmlformats.org/drawingml/2006/diagram" xmlns:dsp="http://schemas.microsoft.com/office/drawing/2008/diagram">
+    <mc:Fallback xmlns:dsp="http://schemas.microsoft.com/office/drawing/2008/diagram" xmlns:dgm="http://schemas.openxmlformats.org/drawingml/2006/diagram" xmlns:c="http://schemas.openxmlformats.org/drawingml/2006/chart" xmlns="">
       <p:transition/>
     </mc:Fallback>
   </mc:AlternateContent>
@@ -9235,6 +9380,48 @@
           </a:p>
         </p:txBody>
       </p:sp>
+      <p:sp>
+        <p:nvSpPr>
+          <p:cNvPr id="3" name="TextBox 2">
+            <a:extLst>
+              <a:ext uri="{FF2B5EF4-FFF2-40B4-BE49-F238E27FC236}">
+                <a16:creationId xmlns:a16="http://schemas.microsoft.com/office/drawing/2014/main" id="{8AC8637C-64DC-44F3-9E25-3D6070A98358}"/>
+              </a:ext>
+            </a:extLst>
+          </p:cNvPr>
+          <p:cNvSpPr txBox="1"/>
+          <p:nvPr/>
+        </p:nvSpPr>
+        <p:spPr>
+          <a:xfrm>
+            <a:off x="7908752" y="1006929"/>
+            <a:ext cx="566181" cy="369332"/>
+          </a:xfrm>
+          <a:prstGeom prst="rect">
+            <a:avLst/>
+          </a:prstGeom>
+          <a:noFill/>
+        </p:spPr>
+        <p:txBody>
+          <a:bodyPr wrap="none" rtlCol="0">
+            <a:spAutoFit/>
+          </a:bodyPr>
+          <a:lstStyle/>
+          <a:p>
+            <a:pPr algn="ctr"/>
+            <a:r>
+              <a:rPr lang="ko-KR" altLang="en-US" spc="-150" dirty="0">
+                <a:solidFill>
+                  <a:srgbClr val="00002F"/>
+                </a:solidFill>
+                <a:latin typeface="나눔스퀘어 ExtraBold" panose="020B0600000101010101" pitchFamily="50" charset="-127"/>
+                <a:ea typeface="나눔스퀘어 ExtraBold" panose="020B0600000101010101" pitchFamily="50" charset="-127"/>
+              </a:rPr>
+              <a:t>도구</a:t>
+            </a:r>
+          </a:p>
+        </p:txBody>
+      </p:sp>
     </p:spTree>
   </p:cSld>
   <p:clrMapOvr>
@@ -9244,7 +9431,7 @@
     <mc:Choice Requires="p14">
       <p:transition/>
     </mc:Choice>
-    <mc:Fallback xmlns="" xmlns:c="http://schemas.openxmlformats.org/drawingml/2006/chart" xmlns:dgm="http://schemas.openxmlformats.org/drawingml/2006/diagram" xmlns:dsp="http://schemas.microsoft.com/office/drawing/2008/diagram">
+    <mc:Fallback xmlns:dsp="http://schemas.microsoft.com/office/drawing/2008/diagram" xmlns:dgm="http://schemas.openxmlformats.org/drawingml/2006/diagram" xmlns:c="http://schemas.openxmlformats.org/drawingml/2006/chart" xmlns="">
       <p:transition/>
     </mc:Fallback>
   </mc:AlternateContent>
@@ -9393,7 +9580,7 @@
         <p:spPr>
           <a:xfrm>
             <a:off x="4000499" y="3591816"/>
-            <a:ext cx="4200071" cy="391195"/>
+            <a:ext cx="4200071" cy="776984"/>
           </a:xfrm>
           <a:prstGeom prst="rect">
             <a:avLst/>
@@ -9430,28 +9617,28 @@
             <a:pPr algn="ctr"/>
             <a:r>
               <a:rPr lang="en-US" altLang="ko-KR" dirty="0">
-                <a:latin typeface="나눔스퀘어 Bold" panose="020B0600000101010101" pitchFamily="50" charset="-127"/>
-                <a:ea typeface="나눔스퀘어 Bold" panose="020B0600000101010101" pitchFamily="50" charset="-127"/>
+                <a:latin typeface="나눔고딕 ExtraBold" panose="020D0904000000000000" pitchFamily="50" charset="-127"/>
+                <a:ea typeface="나눔고딕 ExtraBold" panose="020D0904000000000000" pitchFamily="50" charset="-127"/>
               </a:rPr>
-              <a:t>6</a:t>
+              <a:t>Four. Piece </a:t>
             </a:r>
             <a:r>
               <a:rPr lang="ko-KR" altLang="en-US" dirty="0">
-                <a:latin typeface="나눔스퀘어 Bold" panose="020B0600000101010101" pitchFamily="50" charset="-127"/>
-                <a:ea typeface="나눔스퀘어 Bold" panose="020B0600000101010101" pitchFamily="50" charset="-127"/>
+                <a:latin typeface="나눔고딕 ExtraBold" panose="020D0904000000000000" pitchFamily="50" charset="-127"/>
+                <a:ea typeface="나눔고딕 ExtraBold" panose="020D0904000000000000" pitchFamily="50" charset="-127"/>
               </a:rPr>
-              <a:t>조였습니다</a:t>
+              <a:t>였습니다</a:t>
             </a:r>
             <a:r>
               <a:rPr lang="en-US" altLang="ko-KR" dirty="0">
-                <a:latin typeface="나눔스퀘어 Bold" panose="020B0600000101010101" pitchFamily="50" charset="-127"/>
-                <a:ea typeface="나눔스퀘어 Bold" panose="020B0600000101010101" pitchFamily="50" charset="-127"/>
+                <a:latin typeface="나눔고딕 ExtraBold" panose="020D0904000000000000" pitchFamily="50" charset="-127"/>
+                <a:ea typeface="나눔고딕 ExtraBold" panose="020D0904000000000000" pitchFamily="50" charset="-127"/>
               </a:rPr>
               <a:t>.</a:t>
             </a:r>
             <a:endParaRPr lang="ko-KR" altLang="en-US" dirty="0">
-              <a:latin typeface="나눔스퀘어 Bold" panose="020B0600000101010101" pitchFamily="50" charset="-127"/>
-              <a:ea typeface="나눔스퀘어 Bold" panose="020B0600000101010101" pitchFamily="50" charset="-127"/>
+              <a:latin typeface="나눔고딕 ExtraBold" panose="020D0904000000000000" pitchFamily="50" charset="-127"/>
+              <a:ea typeface="나눔고딕 ExtraBold" panose="020D0904000000000000" pitchFamily="50" charset="-127"/>
             </a:endParaRPr>
           </a:p>
         </p:txBody>
@@ -9537,7 +9724,7 @@
         <p:spPr>
           <a:xfrm>
             <a:off x="270814" y="4438650"/>
-            <a:ext cx="2201573" cy="469900"/>
+            <a:ext cx="2190023" cy="469900"/>
           </a:xfrm>
           <a:prstGeom prst="rect">
             <a:avLst/>
@@ -9576,7 +9763,7 @@
                 <a:latin typeface="나눔스퀘어 ExtraBold" panose="020B0600000101010101" pitchFamily="50" charset="-127"/>
                 <a:ea typeface="나눔스퀘어 ExtraBold" panose="020B0600000101010101" pitchFamily="50" charset="-127"/>
               </a:rPr>
-              <a:t>제주도 관광객</a:t>
+              <a:t>제주도 관광객 현황</a:t>
             </a:r>
           </a:p>
         </p:txBody>
@@ -10311,7 +10498,7 @@
                 <a:latin typeface="나눔스퀘어 Bold" panose="020B0600000101010101" pitchFamily="50" charset="-127"/>
                 <a:ea typeface="나눔스퀘어 Bold" panose="020B0600000101010101" pitchFamily="50" charset="-127"/>
               </a:rPr>
-              <a:t>제주도 관광객 수</a:t>
+              <a:t>제주도 관광객 현황조사</a:t>
             </a:r>
           </a:p>
         </p:txBody>
@@ -10708,7 +10895,7 @@
         </p:nvSpPr>
         <p:spPr>
           <a:xfrm>
-            <a:off x="1212150" y="5699574"/>
+            <a:off x="1237550" y="5788474"/>
             <a:ext cx="2541080" cy="461665"/>
           </a:xfrm>
           <a:prstGeom prst="rect">
@@ -10784,7 +10971,7 @@
         </p:nvSpPr>
         <p:spPr>
           <a:xfrm>
-            <a:off x="6967857" y="4976300"/>
+            <a:off x="6999546" y="5736254"/>
             <a:ext cx="3382657" cy="461665"/>
           </a:xfrm>
           <a:prstGeom prst="rect">
@@ -10867,7 +11054,7 @@
         </p:blipFill>
         <p:spPr>
           <a:xfrm>
-            <a:off x="762667" y="1907925"/>
+            <a:off x="915067" y="1907925"/>
             <a:ext cx="4134428" cy="3688629"/>
           </a:xfrm>
           <a:prstGeom prst="rect">
@@ -10889,8 +11076,8 @@
         </p:nvSpPr>
         <p:spPr>
           <a:xfrm>
-            <a:off x="1212150" y="1591110"/>
-            <a:ext cx="3406702" cy="369332"/>
+            <a:off x="1364550" y="1591110"/>
+            <a:ext cx="3511327" cy="369332"/>
           </a:xfrm>
           <a:prstGeom prst="rect">
             <a:avLst/>
@@ -10898,25 +11085,37 @@
           <a:noFill/>
         </p:spPr>
         <p:txBody>
-          <a:bodyPr wrap="none" rtlCol="0">
+          <a:bodyPr wrap="square" rtlCol="0">
             <a:spAutoFit/>
           </a:bodyPr>
           <a:lstStyle/>
           <a:p>
             <a:r>
-              <a:rPr lang="en-US" altLang="ko-KR" dirty="0"/>
-              <a:t>15</a:t>
-            </a:r>
-            <a:r>
-              <a:rPr lang="ko-KR" altLang="en-US" dirty="0"/>
+              <a:rPr lang="en-US" altLang="ko-KR" dirty="0">
+                <a:latin typeface="나눔고딕 ExtraBold" panose="020D0904000000000000" pitchFamily="50" charset="-127"/>
+                <a:ea typeface="나눔고딕 ExtraBold" panose="020D0904000000000000" pitchFamily="50" charset="-127"/>
+              </a:rPr>
+              <a:t> 15</a:t>
+            </a:r>
+            <a:r>
+              <a:rPr lang="ko-KR" altLang="en-US" dirty="0">
+                <a:latin typeface="나눔고딕 ExtraBold" panose="020D0904000000000000" pitchFamily="50" charset="-127"/>
+                <a:ea typeface="나눔고딕 ExtraBold" panose="020D0904000000000000" pitchFamily="50" charset="-127"/>
+              </a:rPr>
               <a:t>년</a:t>
             </a:r>
             <a:r>
-              <a:rPr lang="en-US" altLang="ko-KR" dirty="0"/>
+              <a:rPr lang="en-US" altLang="ko-KR" dirty="0">
+                <a:latin typeface="나눔고딕 ExtraBold" panose="020D0904000000000000" pitchFamily="50" charset="-127"/>
+                <a:ea typeface="나눔고딕 ExtraBold" panose="020D0904000000000000" pitchFamily="50" charset="-127"/>
+              </a:rPr>
               <a:t>~18</a:t>
             </a:r>
             <a:r>
-              <a:rPr lang="ko-KR" altLang="en-US" dirty="0"/>
+              <a:rPr lang="ko-KR" altLang="en-US" dirty="0">
+                <a:latin typeface="나눔고딕 ExtraBold" panose="020D0904000000000000" pitchFamily="50" charset="-127"/>
+                <a:ea typeface="나눔고딕 ExtraBold" panose="020D0904000000000000" pitchFamily="50" charset="-127"/>
+              </a:rPr>
               <a:t>년 외국인 관광객 현황</a:t>
             </a:r>
           </a:p>
@@ -10936,7 +11135,7 @@
         </p:nvSpPr>
         <p:spPr>
           <a:xfrm>
-            <a:off x="3758148" y="2241779"/>
+            <a:off x="3910548" y="2241779"/>
             <a:ext cx="965329" cy="261610"/>
           </a:xfrm>
           <a:prstGeom prst="rect">
@@ -11002,8 +11201,8 @@
         </p:blipFill>
         <p:spPr>
           <a:xfrm>
-            <a:off x="6096000" y="1591110"/>
-            <a:ext cx="4322976" cy="3311563"/>
+            <a:off x="5885281" y="1591109"/>
+            <a:ext cx="4698011" cy="4200087"/>
           </a:xfrm>
           <a:prstGeom prst="rect">
             <a:avLst/>
@@ -11024,7 +11223,7 @@
         </p:nvSpPr>
         <p:spPr>
           <a:xfrm>
-            <a:off x="3628835" y="5638018"/>
+            <a:off x="3654235" y="5726918"/>
             <a:ext cx="1601721" cy="584775"/>
           </a:xfrm>
           <a:prstGeom prst="rect">
@@ -11072,7 +11271,7 @@
         </p:nvSpPr>
         <p:spPr>
           <a:xfrm>
-            <a:off x="7506465" y="5437965"/>
+            <a:off x="7538154" y="6147119"/>
             <a:ext cx="2305439" cy="584775"/>
           </a:xfrm>
           <a:prstGeom prst="rect">
@@ -12407,8 +12606,8 @@
         </p:nvSpPr>
         <p:spPr>
           <a:xfrm>
-            <a:off x="4922906" y="1250821"/>
-            <a:ext cx="1685077" cy="584775"/>
+            <a:off x="5036710" y="1238121"/>
+            <a:ext cx="1787670" cy="615553"/>
           </a:xfrm>
           <a:prstGeom prst="rect">
             <a:avLst/>
@@ -12423,7 +12622,7 @@
           <a:p>
             <a:pPr algn="ctr"/>
             <a:r>
-              <a:rPr lang="ko-KR" altLang="en-US" sz="3200" spc="-150" dirty="0">
+              <a:rPr lang="ko-KR" altLang="en-US" sz="3400" spc="-150" dirty="0">
                 <a:solidFill>
                   <a:srgbClr val="8DBABD"/>
                 </a:solidFill>
@@ -12432,7 +12631,7 @@
               </a:rPr>
               <a:t>방문자 수</a:t>
             </a:r>
-            <a:endParaRPr lang="en-US" altLang="ko-KR" sz="3200" spc="-150" dirty="0">
+            <a:endParaRPr lang="en-US" altLang="ko-KR" sz="3400" spc="-150" dirty="0">
               <a:solidFill>
                 <a:srgbClr val="8DBABD"/>
               </a:solidFill>
@@ -12526,8 +12725,8 @@
         </p:blipFill>
         <p:spPr>
           <a:xfrm>
-            <a:off x="1431177" y="1910631"/>
-            <a:ext cx="2460060" cy="3467063"/>
+            <a:off x="1431177" y="1910630"/>
+            <a:ext cx="2880000" cy="4058902"/>
           </a:xfrm>
           <a:prstGeom prst="rect">
             <a:avLst/>
@@ -12562,8 +12761,8 @@
         </p:blipFill>
         <p:spPr>
           <a:xfrm>
-            <a:off x="4865970" y="1910632"/>
-            <a:ext cx="2460060" cy="3467063"/>
+            <a:off x="4865970" y="1910631"/>
+            <a:ext cx="2880000" cy="4058902"/>
           </a:xfrm>
           <a:prstGeom prst="rect">
             <a:avLst/>
@@ -12598,8 +12797,8 @@
         </p:blipFill>
         <p:spPr>
           <a:xfrm>
-            <a:off x="8578399" y="1910632"/>
-            <a:ext cx="2460060" cy="3467063"/>
+            <a:off x="8578399" y="1910631"/>
+            <a:ext cx="2880000" cy="4058902"/>
           </a:xfrm>
           <a:prstGeom prst="rect">
             <a:avLst/>
@@ -12788,7 +12987,7 @@
         </p:nvSpPr>
         <p:spPr>
           <a:xfrm>
-            <a:off x="1840674" y="3691662"/>
+            <a:off x="1866335" y="3674433"/>
             <a:ext cx="457176" cy="261610"/>
           </a:xfrm>
           <a:prstGeom prst="rect">
@@ -12832,7 +13031,7 @@
         </p:nvSpPr>
         <p:spPr>
           <a:xfrm>
-            <a:off x="2459328" y="3216650"/>
+            <a:off x="2595362" y="3105111"/>
             <a:ext cx="457176" cy="261610"/>
           </a:xfrm>
           <a:prstGeom prst="rect">
@@ -12876,7 +13075,7 @@
         </p:nvSpPr>
         <p:spPr>
           <a:xfrm>
-            <a:off x="5308269" y="3691662"/>
+            <a:off x="5375957" y="3674924"/>
             <a:ext cx="457176" cy="261610"/>
           </a:xfrm>
           <a:prstGeom prst="rect">
@@ -12920,7 +13119,7 @@
         </p:nvSpPr>
         <p:spPr>
           <a:xfrm>
-            <a:off x="5753570" y="2990665"/>
+            <a:off x="5968731" y="3110901"/>
             <a:ext cx="380232" cy="261610"/>
           </a:xfrm>
           <a:prstGeom prst="rect">
@@ -12964,7 +13163,7 @@
         </p:nvSpPr>
         <p:spPr>
           <a:xfrm>
-            <a:off x="9037121" y="3691662"/>
+            <a:off x="9118486" y="3674433"/>
             <a:ext cx="457176" cy="261610"/>
           </a:xfrm>
           <a:prstGeom prst="rect">
@@ -13008,7 +13207,7 @@
         </p:nvSpPr>
         <p:spPr>
           <a:xfrm>
-            <a:off x="9482422" y="2990665"/>
+            <a:off x="9653696" y="3110901"/>
             <a:ext cx="380232" cy="261610"/>
           </a:xfrm>
           <a:prstGeom prst="rect">
@@ -13052,8 +13251,8 @@
         </p:nvSpPr>
         <p:spPr>
           <a:xfrm>
-            <a:off x="4118666" y="5135723"/>
-            <a:ext cx="3428932" cy="461665"/>
+            <a:off x="4229220" y="5274643"/>
+            <a:ext cx="3428932" cy="646331"/>
           </a:xfrm>
           <a:prstGeom prst="rect">
             <a:avLst/>
@@ -13068,7 +13267,7 @@
           <a:p>
             <a:pPr algn="ctr"/>
             <a:r>
-              <a:rPr lang="ko-KR" altLang="en-US" sz="2400" spc="-150" dirty="0">
+              <a:rPr lang="ko-KR" altLang="en-US" sz="3600" spc="-150" dirty="0">
                 <a:solidFill>
                   <a:srgbClr val="F8766D"/>
                 </a:solidFill>
@@ -13078,7 +13277,7 @@
               <a:t>내국인</a:t>
             </a:r>
             <a:r>
-              <a:rPr lang="en-US" altLang="ko-KR" sz="2400" spc="-150" dirty="0">
+              <a:rPr lang="en-US" altLang="ko-KR" sz="3600" spc="-150" dirty="0">
                 <a:solidFill>
                   <a:srgbClr val="002060"/>
                 </a:solidFill>
@@ -13088,7 +13287,7 @@
               <a:t>&gt;</a:t>
             </a:r>
             <a:r>
-              <a:rPr lang="ko-KR" altLang="en-US" sz="2400" spc="-150" dirty="0">
+              <a:rPr lang="ko-KR" altLang="en-US" sz="3600" spc="-150" dirty="0">
                 <a:solidFill>
                   <a:srgbClr val="00BFC4"/>
                 </a:solidFill>
@@ -13388,7 +13587,7 @@
         </p:nvSpPr>
         <p:spPr>
           <a:xfrm>
-            <a:off x="455532" y="2735349"/>
+            <a:off x="698363" y="2139207"/>
             <a:ext cx="4799021" cy="584775"/>
           </a:xfrm>
           <a:prstGeom prst="rect">
@@ -13411,7 +13610,7 @@
                 <a:latin typeface="나눔스퀘어 ExtraBold" panose="020B0600000101010101" pitchFamily="50" charset="-127"/>
                 <a:ea typeface="나눔스퀘어 ExtraBold" panose="020B0600000101010101" pitchFamily="50" charset="-127"/>
               </a:rPr>
-              <a:t>사드의 영향 큰 변화</a:t>
+              <a:t>사드의 영향으로 큰 변화</a:t>
             </a:r>
           </a:p>
         </p:txBody>
@@ -13754,7 +13953,7 @@
         </p:nvGrpSpPr>
         <p:grpSpPr>
           <a:xfrm>
-            <a:off x="5030339" y="1376261"/>
+            <a:off x="5779639" y="1376261"/>
             <a:ext cx="5319756" cy="4887007"/>
             <a:chOff x="6441562" y="312396"/>
             <a:chExt cx="5319756" cy="4887007"/>
@@ -14242,6 +14441,142 @@
           </p:txBody>
         </p:sp>
       </p:grpSp>
+      <p:sp>
+        <p:nvSpPr>
+          <p:cNvPr id="32" name="TextBox 31">
+            <a:extLst>
+              <a:ext uri="{FF2B5EF4-FFF2-40B4-BE49-F238E27FC236}">
+                <a16:creationId xmlns:a16="http://schemas.microsoft.com/office/drawing/2014/main" id="{1617634C-4ADA-4680-8FA0-09E788AF650A}"/>
+              </a:ext>
+            </a:extLst>
+          </p:cNvPr>
+          <p:cNvSpPr txBox="1"/>
+          <p:nvPr/>
+        </p:nvSpPr>
+        <p:spPr>
+          <a:xfrm>
+            <a:off x="666689" y="3294721"/>
+            <a:ext cx="4799021" cy="1246495"/>
+          </a:xfrm>
+          <a:prstGeom prst="rect">
+            <a:avLst/>
+          </a:prstGeom>
+          <a:noFill/>
+        </p:spPr>
+        <p:txBody>
+          <a:bodyPr wrap="square" rtlCol="0">
+            <a:spAutoFit/>
+          </a:bodyPr>
+          <a:lstStyle/>
+          <a:p>
+            <a:pPr algn="ctr"/>
+            <a:r>
+              <a:rPr lang="ko-KR" altLang="en-US" sz="2500" spc="-150" dirty="0">
+                <a:solidFill>
+                  <a:schemeClr val="tx1">
+                    <a:lumMod val="65000"/>
+                    <a:lumOff val="35000"/>
+                  </a:schemeClr>
+                </a:solidFill>
+                <a:latin typeface="나눔스퀘어 ExtraBold" panose="020B0600000101010101" pitchFamily="50" charset="-127"/>
+                <a:ea typeface="나눔스퀘어 ExtraBold" panose="020B0600000101010101" pitchFamily="50" charset="-127"/>
+              </a:rPr>
+              <a:t>사드의 영향으로 </a:t>
+            </a:r>
+            <a:r>
+              <a:rPr lang="en-US" altLang="ko-KR" sz="2500" spc="-150" dirty="0">
+                <a:solidFill>
+                  <a:schemeClr val="tx1">
+                    <a:lumMod val="65000"/>
+                    <a:lumOff val="35000"/>
+                  </a:schemeClr>
+                </a:solidFill>
+                <a:latin typeface="나눔스퀘어 ExtraBold" panose="020B0600000101010101" pitchFamily="50" charset="-127"/>
+                <a:ea typeface="나눔스퀘어 ExtraBold" panose="020B0600000101010101" pitchFamily="50" charset="-127"/>
+              </a:rPr>
+              <a:t> 17</a:t>
+            </a:r>
+            <a:r>
+              <a:rPr lang="ko-KR" altLang="en-US" sz="2500" spc="-150" dirty="0">
+                <a:solidFill>
+                  <a:schemeClr val="tx1">
+                    <a:lumMod val="65000"/>
+                    <a:lumOff val="35000"/>
+                  </a:schemeClr>
+                </a:solidFill>
+                <a:latin typeface="나눔스퀘어 ExtraBold" panose="020B0600000101010101" pitchFamily="50" charset="-127"/>
+                <a:ea typeface="나눔스퀘어 ExtraBold" panose="020B0600000101010101" pitchFamily="50" charset="-127"/>
+              </a:rPr>
+              <a:t>년도 부터</a:t>
+            </a:r>
+            <a:endParaRPr lang="en-US" altLang="ko-KR" sz="2500" spc="-150" dirty="0">
+              <a:solidFill>
+                <a:schemeClr val="tx1">
+                  <a:lumMod val="65000"/>
+                  <a:lumOff val="35000"/>
+                </a:schemeClr>
+              </a:solidFill>
+              <a:latin typeface="나눔스퀘어 ExtraBold" panose="020B0600000101010101" pitchFamily="50" charset="-127"/>
+              <a:ea typeface="나눔스퀘어 ExtraBold" panose="020B0600000101010101" pitchFamily="50" charset="-127"/>
+            </a:endParaRPr>
+          </a:p>
+          <a:p>
+            <a:pPr algn="ctr"/>
+            <a:r>
+              <a:rPr lang="ko-KR" altLang="en-US" sz="2500" spc="-150" dirty="0">
+                <a:solidFill>
+                  <a:schemeClr val="tx1">
+                    <a:lumMod val="65000"/>
+                    <a:lumOff val="35000"/>
+                  </a:schemeClr>
+                </a:solidFill>
+                <a:latin typeface="나눔스퀘어 ExtraBold" panose="020B0600000101010101" pitchFamily="50" charset="-127"/>
+                <a:ea typeface="나눔스퀘어 ExtraBold" panose="020B0600000101010101" pitchFamily="50" charset="-127"/>
+              </a:rPr>
+              <a:t>제주 방문 중국인 관광객수가 </a:t>
+            </a:r>
+            <a:endParaRPr lang="en-US" altLang="ko-KR" sz="2500" spc="-150" dirty="0">
+              <a:solidFill>
+                <a:schemeClr val="tx1">
+                  <a:lumMod val="65000"/>
+                  <a:lumOff val="35000"/>
+                </a:schemeClr>
+              </a:solidFill>
+              <a:latin typeface="나눔스퀘어 ExtraBold" panose="020B0600000101010101" pitchFamily="50" charset="-127"/>
+              <a:ea typeface="나눔스퀘어 ExtraBold" panose="020B0600000101010101" pitchFamily="50" charset="-127"/>
+            </a:endParaRPr>
+          </a:p>
+          <a:p>
+            <a:pPr algn="ctr"/>
+            <a:r>
+              <a:rPr lang="ko-KR" altLang="en-US" sz="2500" spc="-150" dirty="0">
+                <a:solidFill>
+                  <a:schemeClr val="tx1">
+                    <a:lumMod val="65000"/>
+                    <a:lumOff val="35000"/>
+                  </a:schemeClr>
+                </a:solidFill>
+                <a:latin typeface="나눔스퀘어 ExtraBold" panose="020B0600000101010101" pitchFamily="50" charset="-127"/>
+                <a:ea typeface="나눔스퀘어 ExtraBold" panose="020B0600000101010101" pitchFamily="50" charset="-127"/>
+              </a:rPr>
+              <a:t>급격하게 감소 되었습니다</a:t>
+            </a:r>
+            <a:r>
+              <a:rPr lang="en-US" altLang="ko-KR" sz="2500" spc="-150" dirty="0">
+                <a:solidFill>
+                  <a:schemeClr val="tx1">
+                    <a:lumMod val="65000"/>
+                    <a:lumOff val="35000"/>
+                  </a:schemeClr>
+                </a:solidFill>
+                <a:latin typeface="나눔스퀘어 ExtraBold" panose="020B0600000101010101" pitchFamily="50" charset="-127"/>
+                <a:ea typeface="나눔스퀘어 ExtraBold" panose="020B0600000101010101" pitchFamily="50" charset="-127"/>
+              </a:rPr>
+              <a:t>.</a:t>
+            </a:r>
+          </a:p>
+        </p:txBody>
+      </p:sp>
     </p:spTree>
     <p:extLst>
       <p:ext uri="{BB962C8B-B14F-4D97-AF65-F5344CB8AC3E}">

--- a/6조_외부환경영향.pptx
+++ b/6조_외부환경영향.pptx
@@ -5,7 +5,7 @@
     <p:sldMasterId id="2147483663" r:id="rId1"/>
   </p:sldMasterIdLst>
   <p:notesMasterIdLst>
-    <p:notesMasterId r:id="rId19"/>
+    <p:notesMasterId r:id="rId20"/>
   </p:notesMasterIdLst>
   <p:sldIdLst>
     <p:sldId id="256" r:id="rId2"/>
@@ -15,40 +15,46 @@
     <p:sldId id="261" r:id="rId6"/>
     <p:sldId id="260" r:id="rId7"/>
     <p:sldId id="262" r:id="rId8"/>
-    <p:sldId id="263" r:id="rId9"/>
-    <p:sldId id="264" r:id="rId10"/>
-    <p:sldId id="265" r:id="rId11"/>
-    <p:sldId id="266" r:id="rId12"/>
-    <p:sldId id="267" r:id="rId13"/>
-    <p:sldId id="269" r:id="rId14"/>
-    <p:sldId id="270" r:id="rId15"/>
-    <p:sldId id="268" r:id="rId16"/>
-    <p:sldId id="271" r:id="rId17"/>
-    <p:sldId id="272" r:id="rId18"/>
+    <p:sldId id="273" r:id="rId9"/>
+    <p:sldId id="263" r:id="rId10"/>
+    <p:sldId id="264" r:id="rId11"/>
+    <p:sldId id="265" r:id="rId12"/>
+    <p:sldId id="266" r:id="rId13"/>
+    <p:sldId id="267" r:id="rId14"/>
+    <p:sldId id="269" r:id="rId15"/>
+    <p:sldId id="270" r:id="rId16"/>
+    <p:sldId id="268" r:id="rId17"/>
+    <p:sldId id="271" r:id="rId18"/>
+    <p:sldId id="272" r:id="rId19"/>
   </p:sldIdLst>
   <p:sldSz cx="12192000" cy="6858000"/>
   <p:notesSz cx="6858000" cy="9144000"/>
   <p:embeddedFontLst>
     <p:embeddedFont>
+      <p:font typeface="나눔바른고딕" panose="020B0603020101020101" pitchFamily="50" charset="-127"/>
+      <p:regular r:id="rId21"/>
+      <p:bold r:id="rId22"/>
+    </p:embeddedFont>
+    <p:embeddedFont>
       <p:font typeface="나눔고딕 ExtraBold" panose="020D0904000000000000" pitchFamily="50" charset="-127"/>
-      <p:bold r:id="rId20"/>
+      <p:bold r:id="rId23"/>
+    </p:embeddedFont>
+    <p:embeddedFont>
+      <p:font typeface="나눔스퀘어 Bold" panose="020B0600000101010101" pitchFamily="50" charset="-127"/>
+      <p:bold r:id="rId24"/>
+    </p:embeddedFont>
+    <p:embeddedFont>
+      <p:font typeface="나눔스퀘어 ExtraBold" panose="020B0600000101010101" pitchFamily="50" charset="-127"/>
+      <p:bold r:id="rId25"/>
     </p:embeddedFont>
     <p:embeddedFont>
       <p:font typeface="나눔스퀘어라운드 Regular" panose="020B0600000101010101" pitchFamily="50" charset="-127"/>
-      <p:regular r:id="rId21"/>
-    </p:embeddedFont>
-    <p:embeddedFont>
-      <p:font typeface="나눔스퀘어 Bold" panose="020B0600000101010101" pitchFamily="50" charset="-127"/>
-      <p:bold r:id="rId22"/>
-    </p:embeddedFont>
-    <p:embeddedFont>
-      <p:font typeface="나눔스퀘어 ExtraBold" panose="020B0600000101010101" pitchFamily="50" charset="-127"/>
-      <p:bold r:id="rId23"/>
+      <p:regular r:id="rId26"/>
     </p:embeddedFont>
     <p:embeddedFont>
       <p:font typeface="맑은 고딕" panose="020B0503020000020004" pitchFamily="50" charset="-127"/>
-      <p:regular r:id="rId24"/>
-      <p:bold r:id="rId25"/>
+      <p:regular r:id="rId27"/>
+      <p:bold r:id="rId28"/>
     </p:embeddedFont>
   </p:embeddedFontLst>
   <p:defaultTextStyle>
@@ -6810,6 +6816,798 @@
       </p:grpSpPr>
       <p:sp>
         <p:nvSpPr>
+          <p:cNvPr id="11" name="TextBox 10"/>
+          <p:cNvSpPr txBox="1"/>
+          <p:nvPr/>
+        </p:nvSpPr>
+        <p:spPr>
+          <a:xfrm>
+            <a:off x="983400" y="2073747"/>
+            <a:ext cx="3998209" cy="584775"/>
+          </a:xfrm>
+          <a:prstGeom prst="rect">
+            <a:avLst/>
+          </a:prstGeom>
+          <a:noFill/>
+        </p:spPr>
+        <p:txBody>
+          <a:bodyPr wrap="none" rtlCol="0">
+            <a:spAutoFit/>
+          </a:bodyPr>
+          <a:lstStyle/>
+          <a:p>
+            <a:pPr algn="ctr"/>
+            <a:r>
+              <a:rPr lang="en-US" altLang="ko-KR" sz="3200" spc="-150" dirty="0">
+                <a:solidFill>
+                  <a:srgbClr val="8DBABD"/>
+                </a:solidFill>
+                <a:latin typeface="나눔스퀘어 ExtraBold" panose="020B0600000101010101" pitchFamily="50" charset="-127"/>
+                <a:ea typeface="나눔스퀘어 ExtraBold" panose="020B0600000101010101" pitchFamily="50" charset="-127"/>
+              </a:rPr>
+              <a:t>GNI(</a:t>
+            </a:r>
+            <a:r>
+              <a:rPr lang="ko-KR" altLang="en-US" sz="3200" spc="-150" dirty="0">
+                <a:solidFill>
+                  <a:srgbClr val="8DBABD"/>
+                </a:solidFill>
+                <a:latin typeface="나눔스퀘어 ExtraBold" panose="020B0600000101010101" pitchFamily="50" charset="-127"/>
+                <a:ea typeface="나눔스퀘어 ExtraBold" panose="020B0600000101010101" pitchFamily="50" charset="-127"/>
+              </a:rPr>
+              <a:t>국내총소득</a:t>
+            </a:r>
+            <a:r>
+              <a:rPr lang="en-US" altLang="ko-KR" sz="3200" spc="-150" dirty="0">
+                <a:solidFill>
+                  <a:srgbClr val="8DBABD"/>
+                </a:solidFill>
+                <a:latin typeface="나눔스퀘어 ExtraBold" panose="020B0600000101010101" pitchFamily="50" charset="-127"/>
+                <a:ea typeface="나눔스퀘어 ExtraBold" panose="020B0600000101010101" pitchFamily="50" charset="-127"/>
+              </a:rPr>
+              <a:t>)</a:t>
+            </a:r>
+            <a:r>
+              <a:rPr lang="ko-KR" altLang="en-US" sz="3200" spc="-150" dirty="0">
+                <a:solidFill>
+                  <a:srgbClr val="8DBABD"/>
+                </a:solidFill>
+                <a:latin typeface="나눔스퀘어 ExtraBold" panose="020B0600000101010101" pitchFamily="50" charset="-127"/>
+                <a:ea typeface="나눔스퀘어 ExtraBold" panose="020B0600000101010101" pitchFamily="50" charset="-127"/>
+              </a:rPr>
+              <a:t>과 비교</a:t>
+            </a:r>
+            <a:endParaRPr lang="en-US" altLang="ko-KR" sz="3200" spc="-150" dirty="0">
+              <a:solidFill>
+                <a:srgbClr val="8DBABD"/>
+              </a:solidFill>
+              <a:latin typeface="나눔스퀘어 ExtraBold" panose="020B0600000101010101" pitchFamily="50" charset="-127"/>
+              <a:ea typeface="나눔스퀘어 ExtraBold" panose="020B0600000101010101" pitchFamily="50" charset="-127"/>
+            </a:endParaRPr>
+          </a:p>
+        </p:txBody>
+      </p:sp>
+      <p:cxnSp>
+        <p:nvCxnSpPr>
+          <p:cNvPr id="14" name="직선 연결선 13"/>
+          <p:cNvCxnSpPr/>
+          <p:nvPr/>
+        </p:nvCxnSpPr>
+        <p:spPr>
+          <a:xfrm>
+            <a:off x="10430892" y="144941"/>
+            <a:ext cx="360000" cy="0"/>
+          </a:xfrm>
+          <a:prstGeom prst="line">
+            <a:avLst/>
+          </a:prstGeom>
+          <a:ln w="44450" cap="rnd">
+            <a:solidFill>
+              <a:srgbClr val="D0CECE"/>
+            </a:solidFill>
+          </a:ln>
+          <a:effectLst>
+            <a:outerShdw blurRad="50800" dist="38100" dir="5400000" algn="t" rotWithShape="0">
+              <a:prstClr val="black">
+                <a:alpha val="40000"/>
+              </a:prstClr>
+            </a:outerShdw>
+          </a:effectLst>
+        </p:spPr>
+        <p:style>
+          <a:lnRef idx="1">
+            <a:schemeClr val="accent1"/>
+          </a:lnRef>
+          <a:fillRef idx="0">
+            <a:schemeClr val="accent1"/>
+          </a:fillRef>
+          <a:effectRef idx="0">
+            <a:schemeClr val="accent1"/>
+          </a:effectRef>
+          <a:fontRef idx="minor">
+            <a:schemeClr val="tx1"/>
+          </a:fontRef>
+        </p:style>
+      </p:cxnSp>
+      <p:cxnSp>
+        <p:nvCxnSpPr>
+          <p:cNvPr id="15" name="직선 연결선 14"/>
+          <p:cNvCxnSpPr/>
+          <p:nvPr/>
+        </p:nvCxnSpPr>
+        <p:spPr>
+          <a:xfrm>
+            <a:off x="10858459" y="144941"/>
+            <a:ext cx="360000" cy="0"/>
+          </a:xfrm>
+          <a:prstGeom prst="line">
+            <a:avLst/>
+          </a:prstGeom>
+          <a:ln w="44450" cap="rnd">
+            <a:solidFill>
+              <a:srgbClr val="8DBABD"/>
+            </a:solidFill>
+          </a:ln>
+          <a:effectLst>
+            <a:outerShdw blurRad="50800" dist="38100" dir="5400000" algn="t" rotWithShape="0">
+              <a:prstClr val="black">
+                <a:alpha val="40000"/>
+              </a:prstClr>
+            </a:outerShdw>
+          </a:effectLst>
+        </p:spPr>
+        <p:style>
+          <a:lnRef idx="1">
+            <a:schemeClr val="accent1"/>
+          </a:lnRef>
+          <a:fillRef idx="0">
+            <a:schemeClr val="accent1"/>
+          </a:fillRef>
+          <a:effectRef idx="0">
+            <a:schemeClr val="accent1"/>
+          </a:effectRef>
+          <a:fontRef idx="minor">
+            <a:schemeClr val="tx1"/>
+          </a:fontRef>
+        </p:style>
+      </p:cxnSp>
+      <p:cxnSp>
+        <p:nvCxnSpPr>
+          <p:cNvPr id="16" name="직선 연결선 15"/>
+          <p:cNvCxnSpPr/>
+          <p:nvPr/>
+        </p:nvCxnSpPr>
+        <p:spPr>
+          <a:xfrm>
+            <a:off x="11286026" y="144941"/>
+            <a:ext cx="360000" cy="0"/>
+          </a:xfrm>
+          <a:prstGeom prst="line">
+            <a:avLst/>
+          </a:prstGeom>
+          <a:ln w="44450" cap="rnd">
+            <a:solidFill>
+              <a:schemeClr val="bg2">
+                <a:lumMod val="90000"/>
+              </a:schemeClr>
+            </a:solidFill>
+          </a:ln>
+          <a:effectLst>
+            <a:outerShdw blurRad="50800" dist="38100" dir="5400000" algn="t" rotWithShape="0">
+              <a:prstClr val="black">
+                <a:alpha val="40000"/>
+              </a:prstClr>
+            </a:outerShdw>
+          </a:effectLst>
+        </p:spPr>
+        <p:style>
+          <a:lnRef idx="1">
+            <a:schemeClr val="accent1"/>
+          </a:lnRef>
+          <a:fillRef idx="0">
+            <a:schemeClr val="accent1"/>
+          </a:fillRef>
+          <a:effectRef idx="0">
+            <a:schemeClr val="accent1"/>
+          </a:effectRef>
+          <a:fontRef idx="minor">
+            <a:schemeClr val="tx1"/>
+          </a:fontRef>
+        </p:style>
+      </p:cxnSp>
+      <p:cxnSp>
+        <p:nvCxnSpPr>
+          <p:cNvPr id="17" name="직선 연결선 16"/>
+          <p:cNvCxnSpPr/>
+          <p:nvPr/>
+        </p:nvCxnSpPr>
+        <p:spPr>
+          <a:xfrm>
+            <a:off x="11713592" y="144941"/>
+            <a:ext cx="360000" cy="0"/>
+          </a:xfrm>
+          <a:prstGeom prst="line">
+            <a:avLst/>
+          </a:prstGeom>
+          <a:ln w="44450" cap="rnd">
+            <a:solidFill>
+              <a:schemeClr val="bg2">
+                <a:lumMod val="90000"/>
+              </a:schemeClr>
+            </a:solidFill>
+          </a:ln>
+          <a:effectLst>
+            <a:outerShdw blurRad="50800" dist="38100" dir="5400000" algn="t" rotWithShape="0">
+              <a:prstClr val="black">
+                <a:alpha val="40000"/>
+              </a:prstClr>
+            </a:outerShdw>
+          </a:effectLst>
+        </p:spPr>
+        <p:style>
+          <a:lnRef idx="1">
+            <a:schemeClr val="accent1"/>
+          </a:lnRef>
+          <a:fillRef idx="0">
+            <a:schemeClr val="accent1"/>
+          </a:fillRef>
+          <a:effectRef idx="0">
+            <a:schemeClr val="accent1"/>
+          </a:effectRef>
+          <a:fontRef idx="minor">
+            <a:schemeClr val="tx1"/>
+          </a:fontRef>
+        </p:style>
+      </p:cxnSp>
+      <p:cxnSp>
+        <p:nvCxnSpPr>
+          <p:cNvPr id="18" name="직선 연결선 17"/>
+          <p:cNvCxnSpPr/>
+          <p:nvPr/>
+        </p:nvCxnSpPr>
+        <p:spPr>
+          <a:xfrm>
+            <a:off x="1026522" y="989148"/>
+            <a:ext cx="2160000" cy="0"/>
+          </a:xfrm>
+          <a:prstGeom prst="line">
+            <a:avLst/>
+          </a:prstGeom>
+          <a:ln>
+            <a:solidFill>
+              <a:schemeClr val="bg1">
+                <a:lumMod val="50000"/>
+              </a:schemeClr>
+            </a:solidFill>
+          </a:ln>
+        </p:spPr>
+        <p:style>
+          <a:lnRef idx="1">
+            <a:schemeClr val="accent1"/>
+          </a:lnRef>
+          <a:fillRef idx="0">
+            <a:schemeClr val="accent1"/>
+          </a:fillRef>
+          <a:effectRef idx="0">
+            <a:schemeClr val="accent1"/>
+          </a:effectRef>
+          <a:fontRef idx="minor">
+            <a:schemeClr val="tx1"/>
+          </a:fontRef>
+        </p:style>
+      </p:cxnSp>
+      <p:sp>
+        <p:nvSpPr>
+          <p:cNvPr id="19" name="TextBox 18"/>
+          <p:cNvSpPr txBox="1"/>
+          <p:nvPr/>
+        </p:nvSpPr>
+        <p:spPr>
+          <a:xfrm>
+            <a:off x="1233310" y="437393"/>
+            <a:ext cx="1749197" cy="584775"/>
+          </a:xfrm>
+          <a:prstGeom prst="rect">
+            <a:avLst/>
+          </a:prstGeom>
+          <a:noFill/>
+        </p:spPr>
+        <p:txBody>
+          <a:bodyPr wrap="none" rtlCol="0">
+            <a:spAutoFit/>
+          </a:bodyPr>
+          <a:lstStyle/>
+          <a:p>
+            <a:pPr algn="ctr"/>
+            <a:r>
+              <a:rPr lang="ko-KR" altLang="en-US" sz="3200" spc="-150">
+                <a:solidFill>
+                  <a:srgbClr val="00002F"/>
+                </a:solidFill>
+                <a:latin typeface="나눔스퀘어 ExtraBold" panose="020B0600000101010101" pitchFamily="50" charset="-127"/>
+                <a:ea typeface="나눔스퀘어 ExtraBold" panose="020B0600000101010101" pitchFamily="50" charset="-127"/>
+              </a:rPr>
+              <a:t>외부요인</a:t>
+            </a:r>
+            <a:endParaRPr lang="ko-KR" altLang="en-US" sz="3200" spc="-150" dirty="0">
+              <a:solidFill>
+                <a:srgbClr val="00002F"/>
+              </a:solidFill>
+              <a:latin typeface="나눔스퀘어 ExtraBold" panose="020B0600000101010101" pitchFamily="50" charset="-127"/>
+              <a:ea typeface="나눔스퀘어 ExtraBold" panose="020B0600000101010101" pitchFamily="50" charset="-127"/>
+            </a:endParaRPr>
+          </a:p>
+        </p:txBody>
+      </p:sp>
+      <p:sp>
+        <p:nvSpPr>
+          <p:cNvPr id="20" name="TextBox 19"/>
+          <p:cNvSpPr txBox="1"/>
+          <p:nvPr/>
+        </p:nvSpPr>
+        <p:spPr>
+          <a:xfrm>
+            <a:off x="455532" y="498947"/>
+            <a:ext cx="614271" cy="461665"/>
+          </a:xfrm>
+          <a:prstGeom prst="rect">
+            <a:avLst/>
+          </a:prstGeom>
+          <a:noFill/>
+        </p:spPr>
+        <p:txBody>
+          <a:bodyPr wrap="none" rtlCol="0">
+            <a:spAutoFit/>
+          </a:bodyPr>
+          <a:lstStyle/>
+          <a:p>
+            <a:pPr algn="ctr"/>
+            <a:r>
+              <a:rPr lang="en-US" altLang="ko-KR" sz="2400" spc="-150" dirty="0">
+                <a:solidFill>
+                  <a:srgbClr val="00002F"/>
+                </a:solidFill>
+                <a:latin typeface="나눔스퀘어 ExtraBold" panose="020B0600000101010101" pitchFamily="50" charset="-127"/>
+                <a:ea typeface="나눔스퀘어 ExtraBold" panose="020B0600000101010101" pitchFamily="50" charset="-127"/>
+              </a:rPr>
+              <a:t>02.</a:t>
+            </a:r>
+            <a:endParaRPr lang="ko-KR" altLang="en-US" sz="2400" spc="-150" dirty="0">
+              <a:solidFill>
+                <a:srgbClr val="00002F"/>
+              </a:solidFill>
+              <a:latin typeface="나눔스퀘어 ExtraBold" panose="020B0600000101010101" pitchFamily="50" charset="-127"/>
+              <a:ea typeface="나눔스퀘어 ExtraBold" panose="020B0600000101010101" pitchFamily="50" charset="-127"/>
+            </a:endParaRPr>
+          </a:p>
+        </p:txBody>
+      </p:sp>
+      <p:sp>
+        <p:nvSpPr>
+          <p:cNvPr id="21" name="TextBox 20"/>
+          <p:cNvSpPr txBox="1"/>
+          <p:nvPr/>
+        </p:nvSpPr>
+        <p:spPr>
+          <a:xfrm>
+            <a:off x="1043807" y="1006929"/>
+            <a:ext cx="2002472" cy="369332"/>
+          </a:xfrm>
+          <a:prstGeom prst="rect">
+            <a:avLst/>
+          </a:prstGeom>
+          <a:noFill/>
+        </p:spPr>
+        <p:txBody>
+          <a:bodyPr wrap="none" rtlCol="0">
+            <a:spAutoFit/>
+          </a:bodyPr>
+          <a:lstStyle/>
+          <a:p>
+            <a:pPr algn="ctr"/>
+            <a:r>
+              <a:rPr lang="ko-KR" altLang="en-US" spc="-150" dirty="0">
+                <a:solidFill>
+                  <a:srgbClr val="00002F"/>
+                </a:solidFill>
+                <a:latin typeface="나눔스퀘어 ExtraBold" panose="020B0600000101010101" pitchFamily="50" charset="-127"/>
+                <a:ea typeface="나눔스퀘어 ExtraBold" panose="020B0600000101010101" pitchFamily="50" charset="-127"/>
+              </a:rPr>
+              <a:t>내국인 관광객 요인</a:t>
+            </a:r>
+          </a:p>
+        </p:txBody>
+      </p:sp>
+      <p:pic>
+        <p:nvPicPr>
+          <p:cNvPr id="12" name="그림 11">
+            <a:extLst>
+              <a:ext uri="{FF2B5EF4-FFF2-40B4-BE49-F238E27FC236}">
+                <a16:creationId xmlns:a16="http://schemas.microsoft.com/office/drawing/2014/main" id="{81F3AF4D-A2E4-4211-88F7-E1D880317713}"/>
+              </a:ext>
+            </a:extLst>
+          </p:cNvPr>
+          <p:cNvPicPr>
+            <a:picLocks noChangeAspect="1"/>
+          </p:cNvPicPr>
+          <p:nvPr/>
+        </p:nvPicPr>
+        <p:blipFill>
+          <a:blip r:embed="rId2">
+            <a:extLst>
+              <a:ext uri="{28A0092B-C50C-407E-A947-70E740481C1C}">
+                <a14:useLocalDpi xmlns:a14="http://schemas.microsoft.com/office/drawing/2010/main" val="0"/>
+              </a:ext>
+            </a:extLst>
+          </a:blip>
+          <a:stretch>
+            <a:fillRect/>
+          </a:stretch>
+        </p:blipFill>
+        <p:spPr>
+          <a:xfrm>
+            <a:off x="5463821" y="1191595"/>
+            <a:ext cx="5201376" cy="4944165"/>
+          </a:xfrm>
+          <a:prstGeom prst="rect">
+            <a:avLst/>
+          </a:prstGeom>
+        </p:spPr>
+      </p:pic>
+      <p:sp>
+        <p:nvSpPr>
+          <p:cNvPr id="2" name="TextBox 1">
+            <a:extLst>
+              <a:ext uri="{FF2B5EF4-FFF2-40B4-BE49-F238E27FC236}">
+                <a16:creationId xmlns:a16="http://schemas.microsoft.com/office/drawing/2014/main" id="{84C77E64-3407-4760-BA5A-29CACCFD7888}"/>
+              </a:ext>
+            </a:extLst>
+          </p:cNvPr>
+          <p:cNvSpPr txBox="1"/>
+          <p:nvPr/>
+        </p:nvSpPr>
+        <p:spPr>
+          <a:xfrm>
+            <a:off x="1837517" y="3940785"/>
+            <a:ext cx="2289976" cy="830997"/>
+          </a:xfrm>
+          <a:prstGeom prst="rect">
+            <a:avLst/>
+          </a:prstGeom>
+          <a:noFill/>
+        </p:spPr>
+        <p:txBody>
+          <a:bodyPr wrap="square" rtlCol="0">
+            <a:spAutoFit/>
+          </a:bodyPr>
+          <a:lstStyle/>
+          <a:p>
+            <a:pPr algn="ctr"/>
+            <a:r>
+              <a:rPr lang="ko-KR" altLang="en-US" sz="2400" spc="-150" dirty="0">
+                <a:solidFill>
+                  <a:srgbClr val="8DBABD"/>
+                </a:solidFill>
+                <a:latin typeface="나눔스퀘어 ExtraBold" panose="020B0600000101010101" pitchFamily="50" charset="-127"/>
+                <a:ea typeface="나눔스퀘어 ExtraBold" panose="020B0600000101010101" pitchFamily="50" charset="-127"/>
+              </a:rPr>
+              <a:t>상관계수</a:t>
+            </a:r>
+            <a:endParaRPr lang="en-US" altLang="ko-KR" sz="2400" spc="-150" dirty="0">
+              <a:solidFill>
+                <a:srgbClr val="8DBABD"/>
+              </a:solidFill>
+              <a:latin typeface="나눔스퀘어 ExtraBold" panose="020B0600000101010101" pitchFamily="50" charset="-127"/>
+              <a:ea typeface="나눔스퀘어 ExtraBold" panose="020B0600000101010101" pitchFamily="50" charset="-127"/>
+            </a:endParaRPr>
+          </a:p>
+          <a:p>
+            <a:pPr algn="ctr"/>
+            <a:r>
+              <a:rPr lang="ko-KR" altLang="en-US" sz="2400" spc="-150" dirty="0">
+                <a:solidFill>
+                  <a:srgbClr val="8DBABD"/>
+                </a:solidFill>
+                <a:latin typeface="나눔스퀘어 ExtraBold" panose="020B0600000101010101" pitchFamily="50" charset="-127"/>
+                <a:ea typeface="나눔스퀘어 ExtraBold" panose="020B0600000101010101" pitchFamily="50" charset="-127"/>
+              </a:rPr>
+              <a:t> </a:t>
+            </a:r>
+            <a:r>
+              <a:rPr lang="en-US" altLang="ko-KR" sz="2400" spc="-150" dirty="0">
+                <a:solidFill>
+                  <a:srgbClr val="8DBABD"/>
+                </a:solidFill>
+                <a:latin typeface="나눔스퀘어 ExtraBold" panose="020B0600000101010101" pitchFamily="50" charset="-127"/>
+                <a:ea typeface="나눔스퀘어 ExtraBold" panose="020B0600000101010101" pitchFamily="50" charset="-127"/>
+              </a:rPr>
+              <a:t>0.3535972</a:t>
+            </a:r>
+          </a:p>
+        </p:txBody>
+      </p:sp>
+      <p:sp>
+        <p:nvSpPr>
+          <p:cNvPr id="3" name="화살표: 아래쪽 2">
+            <a:extLst>
+              <a:ext uri="{FF2B5EF4-FFF2-40B4-BE49-F238E27FC236}">
+                <a16:creationId xmlns:a16="http://schemas.microsoft.com/office/drawing/2014/main" id="{2E39B4CD-6502-43AB-A787-96332370B670}"/>
+              </a:ext>
+            </a:extLst>
+          </p:cNvPr>
+          <p:cNvSpPr/>
+          <p:nvPr/>
+        </p:nvSpPr>
+        <p:spPr>
+          <a:xfrm>
+            <a:off x="2802789" y="3121306"/>
+            <a:ext cx="359432" cy="564018"/>
+          </a:xfrm>
+          <a:prstGeom prst="downArrow">
+            <a:avLst/>
+          </a:prstGeom>
+          <a:noFill/>
+          <a:ln>
+            <a:solidFill>
+              <a:srgbClr val="A3C8CA"/>
+            </a:solidFill>
+          </a:ln>
+        </p:spPr>
+        <p:style>
+          <a:lnRef idx="2">
+            <a:schemeClr val="accent1">
+              <a:shade val="50000"/>
+            </a:schemeClr>
+          </a:lnRef>
+          <a:fillRef idx="1">
+            <a:schemeClr val="accent1"/>
+          </a:fillRef>
+          <a:effectRef idx="0">
+            <a:schemeClr val="accent1"/>
+          </a:effectRef>
+          <a:fontRef idx="minor">
+            <a:schemeClr val="lt1"/>
+          </a:fontRef>
+        </p:style>
+        <p:txBody>
+          <a:bodyPr rtlCol="0" anchor="ctr"/>
+          <a:lstStyle/>
+          <a:p>
+            <a:pPr algn="ctr"/>
+            <a:endParaRPr lang="ko-KR" altLang="en-US"/>
+          </a:p>
+        </p:txBody>
+      </p:sp>
+    </p:spTree>
+    <p:extLst>
+      <p:ext uri="{BB962C8B-B14F-4D97-AF65-F5344CB8AC3E}">
+        <p14:creationId xmlns:p14="http://schemas.microsoft.com/office/powerpoint/2010/main" val="2356050672"/>
+      </p:ext>
+    </p:extLst>
+  </p:cSld>
+  <p:clrMapOvr>
+    <a:masterClrMapping/>
+  </p:clrMapOvr>
+  <p:timing>
+    <p:tnLst>
+      <p:par>
+        <p:cTn id="1" dur="indefinite" restart="never" nodeType="tmRoot">
+          <p:childTnLst>
+            <p:seq concurrent="1" nextAc="seek">
+              <p:cTn id="2" dur="indefinite" nodeType="mainSeq">
+                <p:childTnLst>
+                  <p:par>
+                    <p:cTn id="3" fill="hold">
+                      <p:stCondLst>
+                        <p:cond delay="indefinite"/>
+                      </p:stCondLst>
+                      <p:childTnLst>
+                        <p:par>
+                          <p:cTn id="4" fill="hold">
+                            <p:stCondLst>
+                              <p:cond delay="0"/>
+                            </p:stCondLst>
+                            <p:childTnLst>
+                              <p:par>
+                                <p:cTn id="5" presetID="2" presetClass="entr" presetSubtype="4" fill="hold" grpId="0" nodeType="clickEffect">
+                                  <p:stCondLst>
+                                    <p:cond delay="0"/>
+                                  </p:stCondLst>
+                                  <p:childTnLst>
+                                    <p:set>
+                                      <p:cBhvr>
+                                        <p:cTn id="6" dur="1" fill="hold">
+                                          <p:stCondLst>
+                                            <p:cond delay="0"/>
+                                          </p:stCondLst>
+                                        </p:cTn>
+                                        <p:tgtEl>
+                                          <p:spTgt spid="2"/>
+                                        </p:tgtEl>
+                                        <p:attrNameLst>
+                                          <p:attrName>style.visibility</p:attrName>
+                                        </p:attrNameLst>
+                                      </p:cBhvr>
+                                      <p:to>
+                                        <p:strVal val="visible"/>
+                                      </p:to>
+                                    </p:set>
+                                    <p:anim calcmode="lin" valueType="num">
+                                      <p:cBhvr additive="base">
+                                        <p:cTn id="7" dur="500" fill="hold"/>
+                                        <p:tgtEl>
+                                          <p:spTgt spid="2"/>
+                                        </p:tgtEl>
+                                        <p:attrNameLst>
+                                          <p:attrName>ppt_x</p:attrName>
+                                        </p:attrNameLst>
+                                      </p:cBhvr>
+                                      <p:tavLst>
+                                        <p:tav tm="0">
+                                          <p:val>
+                                            <p:strVal val="#ppt_x"/>
+                                          </p:val>
+                                        </p:tav>
+                                        <p:tav tm="100000">
+                                          <p:val>
+                                            <p:strVal val="#ppt_x"/>
+                                          </p:val>
+                                        </p:tav>
+                                      </p:tavLst>
+                                    </p:anim>
+                                    <p:anim calcmode="lin" valueType="num">
+                                      <p:cBhvr additive="base">
+                                        <p:cTn id="8" dur="500" fill="hold"/>
+                                        <p:tgtEl>
+                                          <p:spTgt spid="2"/>
+                                        </p:tgtEl>
+                                        <p:attrNameLst>
+                                          <p:attrName>ppt_y</p:attrName>
+                                        </p:attrNameLst>
+                                      </p:cBhvr>
+                                      <p:tavLst>
+                                        <p:tav tm="0">
+                                          <p:val>
+                                            <p:strVal val="1+#ppt_h/2"/>
+                                          </p:val>
+                                        </p:tav>
+                                        <p:tav tm="100000">
+                                          <p:val>
+                                            <p:strVal val="#ppt_y"/>
+                                          </p:val>
+                                        </p:tav>
+                                      </p:tavLst>
+                                    </p:anim>
+                                  </p:childTnLst>
+                                </p:cTn>
+                              </p:par>
+                              <p:par>
+                                <p:cTn id="9" presetID="2" presetClass="entr" presetSubtype="4" fill="hold" grpId="0" nodeType="withEffect">
+                                  <p:stCondLst>
+                                    <p:cond delay="0"/>
+                                  </p:stCondLst>
+                                  <p:childTnLst>
+                                    <p:set>
+                                      <p:cBhvr>
+                                        <p:cTn id="10" dur="1" fill="hold">
+                                          <p:stCondLst>
+                                            <p:cond delay="0"/>
+                                          </p:stCondLst>
+                                        </p:cTn>
+                                        <p:tgtEl>
+                                          <p:spTgt spid="3"/>
+                                        </p:tgtEl>
+                                        <p:attrNameLst>
+                                          <p:attrName>style.visibility</p:attrName>
+                                        </p:attrNameLst>
+                                      </p:cBhvr>
+                                      <p:to>
+                                        <p:strVal val="visible"/>
+                                      </p:to>
+                                    </p:set>
+                                    <p:anim calcmode="lin" valueType="num">
+                                      <p:cBhvr additive="base">
+                                        <p:cTn id="11" dur="500" fill="hold"/>
+                                        <p:tgtEl>
+                                          <p:spTgt spid="3"/>
+                                        </p:tgtEl>
+                                        <p:attrNameLst>
+                                          <p:attrName>ppt_x</p:attrName>
+                                        </p:attrNameLst>
+                                      </p:cBhvr>
+                                      <p:tavLst>
+                                        <p:tav tm="0">
+                                          <p:val>
+                                            <p:strVal val="#ppt_x"/>
+                                          </p:val>
+                                        </p:tav>
+                                        <p:tav tm="100000">
+                                          <p:val>
+                                            <p:strVal val="#ppt_x"/>
+                                          </p:val>
+                                        </p:tav>
+                                      </p:tavLst>
+                                    </p:anim>
+                                    <p:anim calcmode="lin" valueType="num">
+                                      <p:cBhvr additive="base">
+                                        <p:cTn id="12" dur="500" fill="hold"/>
+                                        <p:tgtEl>
+                                          <p:spTgt spid="3"/>
+                                        </p:tgtEl>
+                                        <p:attrNameLst>
+                                          <p:attrName>ppt_y</p:attrName>
+                                        </p:attrNameLst>
+                                      </p:cBhvr>
+                                      <p:tavLst>
+                                        <p:tav tm="0">
+                                          <p:val>
+                                            <p:strVal val="1+#ppt_h/2"/>
+                                          </p:val>
+                                        </p:tav>
+                                        <p:tav tm="100000">
+                                          <p:val>
+                                            <p:strVal val="#ppt_y"/>
+                                          </p:val>
+                                        </p:tav>
+                                      </p:tavLst>
+                                    </p:anim>
+                                  </p:childTnLst>
+                                </p:cTn>
+                              </p:par>
+                            </p:childTnLst>
+                          </p:cTn>
+                        </p:par>
+                      </p:childTnLst>
+                    </p:cTn>
+                  </p:par>
+                </p:childTnLst>
+              </p:cTn>
+              <p:prevCondLst>
+                <p:cond evt="onPrev" delay="0">
+                  <p:tgtEl>
+                    <p:sldTgt/>
+                  </p:tgtEl>
+                </p:cond>
+              </p:prevCondLst>
+              <p:nextCondLst>
+                <p:cond evt="onNext" delay="0">
+                  <p:tgtEl>
+                    <p:sldTgt/>
+                  </p:tgtEl>
+                </p:cond>
+              </p:nextCondLst>
+            </p:seq>
+          </p:childTnLst>
+        </p:cTn>
+      </p:par>
+    </p:tnLst>
+    <p:bldLst>
+      <p:bldP spid="2" grpId="0"/>
+      <p:bldP spid="3" grpId="0" animBg="1"/>
+    </p:bldLst>
+  </p:timing>
+</p:sld>
+</file>
+
+<file path=ppt/slides/slide11.xml><?xml version="1.0" encoding="utf-8"?>
+<p:sld xmlns:a="http://schemas.openxmlformats.org/drawingml/2006/main" xmlns:r="http://schemas.openxmlformats.org/officeDocument/2006/relationships" xmlns:p="http://schemas.openxmlformats.org/presentationml/2006/main">
+  <p:cSld>
+    <p:spTree>
+      <p:nvGrpSpPr>
+        <p:cNvPr id="1" name=""/>
+        <p:cNvGrpSpPr/>
+        <p:nvPr/>
+      </p:nvGrpSpPr>
+      <p:grpSpPr>
+        <a:xfrm>
+          <a:off x="0" y="0"/>
+          <a:ext cx="0" cy="0"/>
+          <a:chOff x="0" y="0"/>
+          <a:chExt cx="0" cy="0"/>
+        </a:xfrm>
+      </p:grpSpPr>
+      <p:sp>
+        <p:nvSpPr>
           <p:cNvPr id="2" name="TextBox 1"/>
           <p:cNvSpPr txBox="1"/>
           <p:nvPr/>
@@ -6917,7 +7715,7 @@
 </p:sld>
 </file>
 
-<file path=ppt/slides/slide11.xml><?xml version="1.0" encoding="utf-8"?>
+<file path=ppt/slides/slide12.xml><?xml version="1.0" encoding="utf-8"?>
 <p:sld xmlns:a="http://schemas.openxmlformats.org/drawingml/2006/main" xmlns:r="http://schemas.openxmlformats.org/officeDocument/2006/relationships" xmlns:p="http://schemas.openxmlformats.org/presentationml/2006/main">
   <p:cSld>
     <p:spTree>
@@ -7428,7 +8226,7 @@
     <mc:Choice Requires="p14">
       <p:transition/>
     </mc:Choice>
-    <mc:Fallback xmlns:dsp="http://schemas.microsoft.com/office/drawing/2008/diagram" xmlns:dgm="http://schemas.openxmlformats.org/drawingml/2006/diagram" xmlns:c="http://schemas.openxmlformats.org/drawingml/2006/chart" xmlns="">
+    <mc:Fallback xmlns="" xmlns:c="http://schemas.openxmlformats.org/drawingml/2006/chart" xmlns:dgm="http://schemas.openxmlformats.org/drawingml/2006/diagram" xmlns:dsp="http://schemas.microsoft.com/office/drawing/2008/diagram">
       <p:transition/>
     </mc:Fallback>
   </mc:AlternateContent>
@@ -7559,7 +8357,7 @@
 </p:sld>
 </file>
 
-<file path=ppt/slides/slide12.xml><?xml version="1.0" encoding="utf-8"?>
+<file path=ppt/slides/slide13.xml><?xml version="1.0" encoding="utf-8"?>
 <p:sld xmlns:a="http://schemas.openxmlformats.org/drawingml/2006/main" xmlns:r="http://schemas.openxmlformats.org/officeDocument/2006/relationships" xmlns:p="http://schemas.openxmlformats.org/presentationml/2006/main">
   <p:cSld>
     <p:spTree>
@@ -8210,7 +9008,7 @@
     <mc:Choice Requires="p14">
       <p:transition/>
     </mc:Choice>
-    <mc:Fallback xmlns:dsp="http://schemas.microsoft.com/office/drawing/2008/diagram" xmlns:dgm="http://schemas.openxmlformats.org/drawingml/2006/diagram" xmlns:c="http://schemas.openxmlformats.org/drawingml/2006/chart" xmlns="">
+    <mc:Fallback xmlns="" xmlns:c="http://schemas.openxmlformats.org/drawingml/2006/chart" xmlns:dgm="http://schemas.openxmlformats.org/drawingml/2006/diagram" xmlns:dsp="http://schemas.microsoft.com/office/drawing/2008/diagram">
       <p:transition/>
     </mc:Fallback>
   </mc:AlternateContent>
@@ -8673,7 +9471,7 @@
 </p:sld>
 </file>
 
-<file path=ppt/slides/slide13.xml><?xml version="1.0" encoding="utf-8"?>
+<file path=ppt/slides/slide14.xml><?xml version="1.0" encoding="utf-8"?>
 <p:sld xmlns:a="http://schemas.openxmlformats.org/drawingml/2006/main" xmlns:r="http://schemas.openxmlformats.org/officeDocument/2006/relationships" xmlns:p="http://schemas.openxmlformats.org/presentationml/2006/main">
   <p:cSld>
     <p:spTree>
@@ -8800,14 +9598,14 @@
     <mc:Choice Requires="p14">
       <p:transition/>
     </mc:Choice>
-    <mc:Fallback xmlns:dsp="http://schemas.microsoft.com/office/drawing/2008/diagram" xmlns:dgm="http://schemas.openxmlformats.org/drawingml/2006/diagram" xmlns:c="http://schemas.openxmlformats.org/drawingml/2006/chart" xmlns="">
+    <mc:Fallback xmlns="" xmlns:c="http://schemas.openxmlformats.org/drawingml/2006/chart" xmlns:dgm="http://schemas.openxmlformats.org/drawingml/2006/diagram" xmlns:dsp="http://schemas.microsoft.com/office/drawing/2008/diagram">
       <p:transition/>
     </mc:Fallback>
   </mc:AlternateContent>
 </p:sld>
 </file>
 
-<file path=ppt/slides/slide14.xml><?xml version="1.0" encoding="utf-8"?>
+<file path=ppt/slides/slide15.xml><?xml version="1.0" encoding="utf-8"?>
 <p:sld xmlns:a="http://schemas.openxmlformats.org/drawingml/2006/main" xmlns:r="http://schemas.openxmlformats.org/officeDocument/2006/relationships" xmlns:p="http://schemas.openxmlformats.org/presentationml/2006/main">
   <p:cSld>
     <p:spTree>
@@ -9321,7 +10119,7 @@
 </p:sld>
 </file>
 
-<file path=ppt/slides/slide15.xml><?xml version="1.0" encoding="utf-8"?>
+<file path=ppt/slides/slide16.xml><?xml version="1.0" encoding="utf-8"?>
 <p:sld xmlns:a="http://schemas.openxmlformats.org/drawingml/2006/main" xmlns:r="http://schemas.openxmlformats.org/officeDocument/2006/relationships" xmlns:p="http://schemas.openxmlformats.org/presentationml/2006/main">
   <p:cSld>
     <p:spTree>
@@ -9431,14 +10229,14 @@
     <mc:Choice Requires="p14">
       <p:transition/>
     </mc:Choice>
-    <mc:Fallback xmlns:dsp="http://schemas.microsoft.com/office/drawing/2008/diagram" xmlns:dgm="http://schemas.openxmlformats.org/drawingml/2006/diagram" xmlns:c="http://schemas.openxmlformats.org/drawingml/2006/chart" xmlns="">
+    <mc:Fallback xmlns="" xmlns:c="http://schemas.openxmlformats.org/drawingml/2006/chart" xmlns:dgm="http://schemas.openxmlformats.org/drawingml/2006/diagram" xmlns:dsp="http://schemas.microsoft.com/office/drawing/2008/diagram">
       <p:transition/>
     </mc:Fallback>
   </mc:AlternateContent>
 </p:sld>
 </file>
 
-<file path=ppt/slides/slide16.xml><?xml version="1.0" encoding="utf-8"?>
+<file path=ppt/slides/slide17.xml><?xml version="1.0" encoding="utf-8"?>
 <p:sld xmlns:a="http://schemas.openxmlformats.org/drawingml/2006/main" xmlns:r="http://schemas.openxmlformats.org/officeDocument/2006/relationships" xmlns:p="http://schemas.openxmlformats.org/presentationml/2006/main">
   <p:cSld>
     <p:spTree>
@@ -9511,7 +10309,7 @@
 </p:sld>
 </file>
 
-<file path=ppt/slides/slide17.xml><?xml version="1.0" encoding="utf-8"?>
+<file path=ppt/slides/slide18.xml><?xml version="1.0" encoding="utf-8"?>
 <p:sld xmlns:a="http://schemas.openxmlformats.org/drawingml/2006/main" xmlns:r="http://schemas.openxmlformats.org/officeDocument/2006/relationships" xmlns:p="http://schemas.openxmlformats.org/presentationml/2006/main">
   <p:cSld>
     <p:spTree>
@@ -13251,7 +14049,7 @@
         </p:nvSpPr>
         <p:spPr>
           <a:xfrm>
-            <a:off x="4229220" y="5274643"/>
+            <a:off x="4381534" y="5287613"/>
             <a:ext cx="3428932" cy="646331"/>
           </a:xfrm>
           <a:prstGeom prst="rect">
@@ -13563,6 +14361,1336 @@
 </file>
 
 <file path=ppt/slides/slide8.xml><?xml version="1.0" encoding="utf-8"?>
+<p:sld xmlns:a="http://schemas.openxmlformats.org/drawingml/2006/main" xmlns:r="http://schemas.openxmlformats.org/officeDocument/2006/relationships" xmlns:p="http://schemas.openxmlformats.org/presentationml/2006/main">
+  <p:cSld>
+    <p:spTree>
+      <p:nvGrpSpPr>
+        <p:cNvPr id="1" name=""/>
+        <p:cNvGrpSpPr/>
+        <p:nvPr/>
+      </p:nvGrpSpPr>
+      <p:grpSpPr>
+        <a:xfrm>
+          <a:off x="0" y="0"/>
+          <a:ext cx="0" cy="0"/>
+          <a:chOff x="0" y="0"/>
+          <a:chExt cx="0" cy="0"/>
+        </a:xfrm>
+      </p:grpSpPr>
+      <p:sp>
+        <p:nvSpPr>
+          <p:cNvPr id="2" name="Freeform 5">
+            <a:extLst>
+              <a:ext uri="{FF2B5EF4-FFF2-40B4-BE49-F238E27FC236}">
+                <a16:creationId xmlns:a16="http://schemas.microsoft.com/office/drawing/2014/main" id="{28A0E66E-A46E-4CB8-BC89-E38F8203596B}"/>
+              </a:ext>
+            </a:extLst>
+          </p:cNvPr>
+          <p:cNvSpPr>
+            <a:spLocks/>
+          </p:cNvSpPr>
+          <p:nvPr/>
+        </p:nvSpPr>
+        <p:spPr bwMode="auto">
+          <a:xfrm>
+            <a:off x="5946424" y="3337976"/>
+            <a:ext cx="117231" cy="197827"/>
+          </a:xfrm>
+          <a:custGeom>
+            <a:avLst/>
+            <a:gdLst>
+              <a:gd name="T0" fmla="*/ 0 w 80"/>
+              <a:gd name="T1" fmla="*/ 0 h 135"/>
+              <a:gd name="T2" fmla="*/ 80 w 80"/>
+              <a:gd name="T3" fmla="*/ 68 h 135"/>
+              <a:gd name="T4" fmla="*/ 0 w 80"/>
+              <a:gd name="T5" fmla="*/ 135 h 135"/>
+              <a:gd name="T6" fmla="*/ 0 w 80"/>
+              <a:gd name="T7" fmla="*/ 0 h 135"/>
+            </a:gdLst>
+            <a:ahLst/>
+            <a:cxnLst>
+              <a:cxn ang="0">
+                <a:pos x="T0" y="T1"/>
+              </a:cxn>
+              <a:cxn ang="0">
+                <a:pos x="T2" y="T3"/>
+              </a:cxn>
+              <a:cxn ang="0">
+                <a:pos x="T4" y="T5"/>
+              </a:cxn>
+              <a:cxn ang="0">
+                <a:pos x="T6" y="T7"/>
+              </a:cxn>
+            </a:cxnLst>
+            <a:rect l="0" t="0" r="r" b="b"/>
+            <a:pathLst>
+              <a:path w="80" h="135">
+                <a:moveTo>
+                  <a:pt x="0" y="0"/>
+                </a:moveTo>
+                <a:lnTo>
+                  <a:pt x="80" y="68"/>
+                </a:lnTo>
+                <a:lnTo>
+                  <a:pt x="0" y="135"/>
+                </a:lnTo>
+                <a:lnTo>
+                  <a:pt x="0" y="0"/>
+                </a:lnTo>
+                <a:close/>
+              </a:path>
+            </a:pathLst>
+          </a:custGeom>
+          <a:solidFill>
+            <a:srgbClr val="3F3F3F"/>
+          </a:solidFill>
+          <a:ln>
+            <a:noFill/>
+          </a:ln>
+          <a:extLst>
+            <a:ext uri="{91240B29-F687-4F45-9708-019B960494DF}">
+              <a14:hiddenLine xmlns:a14="http://schemas.microsoft.com/office/drawing/2010/main" w="9525">
+                <a:solidFill>
+                  <a:srgbClr val="000000"/>
+                </a:solidFill>
+                <a:round/>
+                <a:headEnd/>
+                <a:tailEnd/>
+              </a14:hiddenLine>
+            </a:ext>
+          </a:extLst>
+        </p:spPr>
+        <p:txBody>
+          <a:bodyPr vert="horz" wrap="square" lIns="84406" tIns="42203" rIns="84406" bIns="42203" numCol="1" anchor="t" anchorCtr="0" compatLnSpc="1">
+            <a:prstTxWarp prst="textNoShape">
+              <a:avLst/>
+            </a:prstTxWarp>
+          </a:bodyPr>
+          <a:lstStyle/>
+          <a:p>
+            <a:endParaRPr lang="ko-KR" altLang="en-US" sz="1662"/>
+          </a:p>
+        </p:txBody>
+      </p:sp>
+      <p:sp>
+        <p:nvSpPr>
+          <p:cNvPr id="4" name="Freeform 7">
+            <a:extLst>
+              <a:ext uri="{FF2B5EF4-FFF2-40B4-BE49-F238E27FC236}">
+                <a16:creationId xmlns:a16="http://schemas.microsoft.com/office/drawing/2014/main" id="{C9AF960F-14FF-4F6A-8A30-7F489B8A0F02}"/>
+              </a:ext>
+            </a:extLst>
+          </p:cNvPr>
+          <p:cNvSpPr>
+            <a:spLocks/>
+          </p:cNvSpPr>
+          <p:nvPr/>
+        </p:nvSpPr>
+        <p:spPr bwMode="auto">
+          <a:xfrm>
+            <a:off x="3343901" y="3650102"/>
+            <a:ext cx="2785697" cy="1251438"/>
+          </a:xfrm>
+          <a:custGeom>
+            <a:avLst/>
+            <a:gdLst>
+              <a:gd name="T0" fmla="*/ 402 w 804"/>
+              <a:gd name="T1" fmla="*/ 282 h 360"/>
+              <a:gd name="T2" fmla="*/ 79 w 804"/>
+              <a:gd name="T3" fmla="*/ 0 h 360"/>
+              <a:gd name="T4" fmla="*/ 0 w 804"/>
+              <a:gd name="T5" fmla="*/ 0 h 360"/>
+              <a:gd name="T6" fmla="*/ 402 w 804"/>
+              <a:gd name="T7" fmla="*/ 360 h 360"/>
+              <a:gd name="T8" fmla="*/ 804 w 804"/>
+              <a:gd name="T9" fmla="*/ 0 h 360"/>
+              <a:gd name="T10" fmla="*/ 726 w 804"/>
+              <a:gd name="T11" fmla="*/ 0 h 360"/>
+              <a:gd name="T12" fmla="*/ 402 w 804"/>
+              <a:gd name="T13" fmla="*/ 282 h 360"/>
+            </a:gdLst>
+            <a:ahLst/>
+            <a:cxnLst>
+              <a:cxn ang="0">
+                <a:pos x="T0" y="T1"/>
+              </a:cxn>
+              <a:cxn ang="0">
+                <a:pos x="T2" y="T3"/>
+              </a:cxn>
+              <a:cxn ang="0">
+                <a:pos x="T4" y="T5"/>
+              </a:cxn>
+              <a:cxn ang="0">
+                <a:pos x="T6" y="T7"/>
+              </a:cxn>
+              <a:cxn ang="0">
+                <a:pos x="T8" y="T9"/>
+              </a:cxn>
+              <a:cxn ang="0">
+                <a:pos x="T10" y="T11"/>
+              </a:cxn>
+              <a:cxn ang="0">
+                <a:pos x="T12" y="T13"/>
+              </a:cxn>
+            </a:cxnLst>
+            <a:rect l="0" t="0" r="r" b="b"/>
+            <a:pathLst>
+              <a:path w="804" h="360">
+                <a:moveTo>
+                  <a:pt x="402" y="282"/>
+                </a:moveTo>
+                <a:cubicBezTo>
+                  <a:pt x="237" y="282"/>
+                  <a:pt x="100" y="159"/>
+                  <a:pt x="79" y="0"/>
+                </a:cubicBezTo>
+                <a:cubicBezTo>
+                  <a:pt x="0" y="0"/>
+                  <a:pt x="0" y="0"/>
+                  <a:pt x="0" y="0"/>
+                </a:cubicBezTo>
+                <a:cubicBezTo>
+                  <a:pt x="22" y="202"/>
+                  <a:pt x="194" y="360"/>
+                  <a:pt x="402" y="360"/>
+                </a:cubicBezTo>
+                <a:cubicBezTo>
+                  <a:pt x="610" y="360"/>
+                  <a:pt x="782" y="202"/>
+                  <a:pt x="804" y="0"/>
+                </a:cubicBezTo>
+                <a:cubicBezTo>
+                  <a:pt x="726" y="0"/>
+                  <a:pt x="726" y="0"/>
+                  <a:pt x="726" y="0"/>
+                </a:cubicBezTo>
+                <a:cubicBezTo>
+                  <a:pt x="704" y="159"/>
+                  <a:pt x="567" y="282"/>
+                  <a:pt x="402" y="282"/>
+                </a:cubicBezTo>
+                <a:close/>
+              </a:path>
+            </a:pathLst>
+          </a:custGeom>
+          <a:solidFill>
+            <a:srgbClr val="63616B"/>
+          </a:solidFill>
+          <a:ln>
+            <a:noFill/>
+          </a:ln>
+        </p:spPr>
+        <p:style>
+          <a:lnRef idx="2">
+            <a:schemeClr val="accent1">
+              <a:shade val="50000"/>
+            </a:schemeClr>
+          </a:lnRef>
+          <a:fillRef idx="1">
+            <a:schemeClr val="accent1"/>
+          </a:fillRef>
+          <a:effectRef idx="0">
+            <a:schemeClr val="accent1"/>
+          </a:effectRef>
+          <a:fontRef idx="minor">
+            <a:schemeClr val="lt1"/>
+          </a:fontRef>
+        </p:style>
+        <p:txBody>
+          <a:bodyPr wrap="none" rtlCol="0" anchor="ctr"/>
+          <a:lstStyle/>
+          <a:p>
+            <a:pPr algn="ctr" latinLnBrk="0">
+              <a:spcBef>
+                <a:spcPts val="171"/>
+              </a:spcBef>
+              <a:tabLst>
+                <a:tab pos="60873" algn="l"/>
+                <a:tab pos="97396" algn="l"/>
+              </a:tabLst>
+            </a:pPr>
+            <a:endParaRPr lang="ko-KR" altLang="en-US" sz="1704" b="1">
+              <a:ln>
+                <a:solidFill>
+                  <a:schemeClr val="accent1">
+                    <a:shade val="50000"/>
+                    <a:alpha val="0"/>
+                  </a:schemeClr>
+                </a:solidFill>
+              </a:ln>
+              <a:solidFill>
+                <a:schemeClr val="bg1"/>
+              </a:solidFill>
+              <a:latin typeface="나눔바른고딕" panose="020B0603020101020101" pitchFamily="50" charset="-127"/>
+              <a:ea typeface="나눔바른고딕" panose="020B0603020101020101" pitchFamily="50" charset="-127"/>
+            </a:endParaRPr>
+          </a:p>
+        </p:txBody>
+      </p:sp>
+      <p:sp>
+        <p:nvSpPr>
+          <p:cNvPr id="5" name="Freeform 8">
+            <a:extLst>
+              <a:ext uri="{FF2B5EF4-FFF2-40B4-BE49-F238E27FC236}">
+                <a16:creationId xmlns:a16="http://schemas.microsoft.com/office/drawing/2014/main" id="{378149DD-64A5-4957-B9E1-4151ED606D63}"/>
+              </a:ext>
+            </a:extLst>
+          </p:cNvPr>
+          <p:cNvSpPr>
+            <a:spLocks/>
+          </p:cNvSpPr>
+          <p:nvPr/>
+        </p:nvSpPr>
+        <p:spPr bwMode="auto">
+          <a:xfrm>
+            <a:off x="3346832" y="2000079"/>
+            <a:ext cx="2782766" cy="1239715"/>
+          </a:xfrm>
+          <a:custGeom>
+            <a:avLst/>
+            <a:gdLst>
+              <a:gd name="T0" fmla="*/ 401 w 803"/>
+              <a:gd name="T1" fmla="*/ 78 h 357"/>
+              <a:gd name="T2" fmla="*/ 724 w 803"/>
+              <a:gd name="T3" fmla="*/ 357 h 357"/>
+              <a:gd name="T4" fmla="*/ 803 w 803"/>
+              <a:gd name="T5" fmla="*/ 357 h 357"/>
+              <a:gd name="T6" fmla="*/ 401 w 803"/>
+              <a:gd name="T7" fmla="*/ 0 h 357"/>
+              <a:gd name="T8" fmla="*/ 0 w 803"/>
+              <a:gd name="T9" fmla="*/ 357 h 357"/>
+              <a:gd name="T10" fmla="*/ 78 w 803"/>
+              <a:gd name="T11" fmla="*/ 357 h 357"/>
+              <a:gd name="T12" fmla="*/ 401 w 803"/>
+              <a:gd name="T13" fmla="*/ 78 h 357"/>
+            </a:gdLst>
+            <a:ahLst/>
+            <a:cxnLst>
+              <a:cxn ang="0">
+                <a:pos x="T0" y="T1"/>
+              </a:cxn>
+              <a:cxn ang="0">
+                <a:pos x="T2" y="T3"/>
+              </a:cxn>
+              <a:cxn ang="0">
+                <a:pos x="T4" y="T5"/>
+              </a:cxn>
+              <a:cxn ang="0">
+                <a:pos x="T6" y="T7"/>
+              </a:cxn>
+              <a:cxn ang="0">
+                <a:pos x="T8" y="T9"/>
+              </a:cxn>
+              <a:cxn ang="0">
+                <a:pos x="T10" y="T11"/>
+              </a:cxn>
+              <a:cxn ang="0">
+                <a:pos x="T12" y="T13"/>
+              </a:cxn>
+            </a:cxnLst>
+            <a:rect l="0" t="0" r="r" b="b"/>
+            <a:pathLst>
+              <a:path w="803" h="357">
+                <a:moveTo>
+                  <a:pt x="401" y="78"/>
+                </a:moveTo>
+                <a:cubicBezTo>
+                  <a:pt x="565" y="78"/>
+                  <a:pt x="701" y="200"/>
+                  <a:pt x="724" y="357"/>
+                </a:cubicBezTo>
+                <a:cubicBezTo>
+                  <a:pt x="803" y="357"/>
+                  <a:pt x="803" y="357"/>
+                  <a:pt x="803" y="357"/>
+                </a:cubicBezTo>
+                <a:cubicBezTo>
+                  <a:pt x="779" y="157"/>
+                  <a:pt x="608" y="0"/>
+                  <a:pt x="401" y="0"/>
+                </a:cubicBezTo>
+                <a:cubicBezTo>
+                  <a:pt x="194" y="0"/>
+                  <a:pt x="23" y="157"/>
+                  <a:pt x="0" y="357"/>
+                </a:cubicBezTo>
+                <a:cubicBezTo>
+                  <a:pt x="78" y="357"/>
+                  <a:pt x="78" y="357"/>
+                  <a:pt x="78" y="357"/>
+                </a:cubicBezTo>
+                <a:cubicBezTo>
+                  <a:pt x="101" y="200"/>
+                  <a:pt x="237" y="78"/>
+                  <a:pt x="401" y="78"/>
+                </a:cubicBezTo>
+                <a:close/>
+              </a:path>
+            </a:pathLst>
+          </a:custGeom>
+          <a:solidFill>
+            <a:srgbClr val="63616B"/>
+          </a:solidFill>
+          <a:ln>
+            <a:noFill/>
+          </a:ln>
+        </p:spPr>
+        <p:style>
+          <a:lnRef idx="2">
+            <a:schemeClr val="accent1">
+              <a:shade val="50000"/>
+            </a:schemeClr>
+          </a:lnRef>
+          <a:fillRef idx="1">
+            <a:schemeClr val="accent1"/>
+          </a:fillRef>
+          <a:effectRef idx="0">
+            <a:schemeClr val="accent1"/>
+          </a:effectRef>
+          <a:fontRef idx="minor">
+            <a:schemeClr val="lt1"/>
+          </a:fontRef>
+        </p:style>
+        <p:txBody>
+          <a:bodyPr wrap="none" rtlCol="0" anchor="ctr"/>
+          <a:lstStyle/>
+          <a:p>
+            <a:pPr algn="ctr" latinLnBrk="0">
+              <a:spcBef>
+                <a:spcPts val="171"/>
+              </a:spcBef>
+              <a:tabLst>
+                <a:tab pos="60873" algn="l"/>
+                <a:tab pos="97396" algn="l"/>
+              </a:tabLst>
+            </a:pPr>
+            <a:endParaRPr lang="ko-KR" altLang="en-US" sz="1704" b="1">
+              <a:ln>
+                <a:solidFill>
+                  <a:schemeClr val="accent1">
+                    <a:shade val="50000"/>
+                    <a:alpha val="0"/>
+                  </a:schemeClr>
+                </a:solidFill>
+              </a:ln>
+              <a:solidFill>
+                <a:schemeClr val="bg1"/>
+              </a:solidFill>
+              <a:latin typeface="나눔바른고딕" panose="020B0603020101020101" pitchFamily="50" charset="-127"/>
+              <a:ea typeface="나눔바른고딕" panose="020B0603020101020101" pitchFamily="50" charset="-127"/>
+            </a:endParaRPr>
+          </a:p>
+        </p:txBody>
+      </p:sp>
+      <p:sp>
+        <p:nvSpPr>
+          <p:cNvPr id="6" name="Freeform 9">
+            <a:extLst>
+              <a:ext uri="{FF2B5EF4-FFF2-40B4-BE49-F238E27FC236}">
+                <a16:creationId xmlns:a16="http://schemas.microsoft.com/office/drawing/2014/main" id="{EFF8E5C3-B003-4E34-8FA6-14DB8B0DCF43}"/>
+              </a:ext>
+            </a:extLst>
+          </p:cNvPr>
+          <p:cNvSpPr>
+            <a:spLocks/>
+          </p:cNvSpPr>
+          <p:nvPr/>
+        </p:nvSpPr>
+        <p:spPr bwMode="auto">
+          <a:xfrm>
+            <a:off x="5859967" y="3650102"/>
+            <a:ext cx="2785697" cy="1251438"/>
+          </a:xfrm>
+          <a:custGeom>
+            <a:avLst/>
+            <a:gdLst>
+              <a:gd name="T0" fmla="*/ 402 w 804"/>
+              <a:gd name="T1" fmla="*/ 282 h 360"/>
+              <a:gd name="T2" fmla="*/ 78 w 804"/>
+              <a:gd name="T3" fmla="*/ 0 h 360"/>
+              <a:gd name="T4" fmla="*/ 0 w 804"/>
+              <a:gd name="T5" fmla="*/ 0 h 360"/>
+              <a:gd name="T6" fmla="*/ 402 w 804"/>
+              <a:gd name="T7" fmla="*/ 360 h 360"/>
+              <a:gd name="T8" fmla="*/ 804 w 804"/>
+              <a:gd name="T9" fmla="*/ 0 h 360"/>
+              <a:gd name="T10" fmla="*/ 726 w 804"/>
+              <a:gd name="T11" fmla="*/ 0 h 360"/>
+              <a:gd name="T12" fmla="*/ 402 w 804"/>
+              <a:gd name="T13" fmla="*/ 282 h 360"/>
+            </a:gdLst>
+            <a:ahLst/>
+            <a:cxnLst>
+              <a:cxn ang="0">
+                <a:pos x="T0" y="T1"/>
+              </a:cxn>
+              <a:cxn ang="0">
+                <a:pos x="T2" y="T3"/>
+              </a:cxn>
+              <a:cxn ang="0">
+                <a:pos x="T4" y="T5"/>
+              </a:cxn>
+              <a:cxn ang="0">
+                <a:pos x="T6" y="T7"/>
+              </a:cxn>
+              <a:cxn ang="0">
+                <a:pos x="T8" y="T9"/>
+              </a:cxn>
+              <a:cxn ang="0">
+                <a:pos x="T10" y="T11"/>
+              </a:cxn>
+              <a:cxn ang="0">
+                <a:pos x="T12" y="T13"/>
+              </a:cxn>
+            </a:cxnLst>
+            <a:rect l="0" t="0" r="r" b="b"/>
+            <a:pathLst>
+              <a:path w="804" h="360">
+                <a:moveTo>
+                  <a:pt x="402" y="282"/>
+                </a:moveTo>
+                <a:cubicBezTo>
+                  <a:pt x="237" y="282"/>
+                  <a:pt x="100" y="159"/>
+                  <a:pt x="78" y="0"/>
+                </a:cubicBezTo>
+                <a:cubicBezTo>
+                  <a:pt x="0" y="0"/>
+                  <a:pt x="0" y="0"/>
+                  <a:pt x="0" y="0"/>
+                </a:cubicBezTo>
+                <a:cubicBezTo>
+                  <a:pt x="22" y="202"/>
+                  <a:pt x="194" y="360"/>
+                  <a:pt x="402" y="360"/>
+                </a:cubicBezTo>
+                <a:cubicBezTo>
+                  <a:pt x="610" y="360"/>
+                  <a:pt x="782" y="202"/>
+                  <a:pt x="804" y="0"/>
+                </a:cubicBezTo>
+                <a:cubicBezTo>
+                  <a:pt x="726" y="0"/>
+                  <a:pt x="726" y="0"/>
+                  <a:pt x="726" y="0"/>
+                </a:cubicBezTo>
+                <a:cubicBezTo>
+                  <a:pt x="704" y="159"/>
+                  <a:pt x="567" y="282"/>
+                  <a:pt x="402" y="282"/>
+                </a:cubicBezTo>
+                <a:close/>
+              </a:path>
+            </a:pathLst>
+          </a:custGeom>
+          <a:solidFill>
+            <a:srgbClr val="3E3D43"/>
+          </a:solidFill>
+          <a:ln>
+            <a:noFill/>
+          </a:ln>
+        </p:spPr>
+        <p:style>
+          <a:lnRef idx="2">
+            <a:schemeClr val="accent1">
+              <a:shade val="50000"/>
+            </a:schemeClr>
+          </a:lnRef>
+          <a:fillRef idx="1">
+            <a:schemeClr val="accent1"/>
+          </a:fillRef>
+          <a:effectRef idx="0">
+            <a:schemeClr val="accent1"/>
+          </a:effectRef>
+          <a:fontRef idx="minor">
+            <a:schemeClr val="lt1"/>
+          </a:fontRef>
+        </p:style>
+        <p:txBody>
+          <a:bodyPr wrap="none" rtlCol="0" anchor="ctr"/>
+          <a:lstStyle/>
+          <a:p>
+            <a:pPr algn="ctr" latinLnBrk="0">
+              <a:spcBef>
+                <a:spcPts val="171"/>
+              </a:spcBef>
+              <a:tabLst>
+                <a:tab pos="60873" algn="l"/>
+                <a:tab pos="97396" algn="l"/>
+              </a:tabLst>
+            </a:pPr>
+            <a:endParaRPr lang="ko-KR" altLang="en-US" sz="1704" b="1">
+              <a:ln>
+                <a:solidFill>
+                  <a:schemeClr val="accent1">
+                    <a:shade val="50000"/>
+                    <a:alpha val="0"/>
+                  </a:schemeClr>
+                </a:solidFill>
+              </a:ln>
+              <a:solidFill>
+                <a:schemeClr val="bg1"/>
+              </a:solidFill>
+              <a:latin typeface="나눔바른고딕" panose="020B0603020101020101" pitchFamily="50" charset="-127"/>
+              <a:ea typeface="나눔바른고딕" panose="020B0603020101020101" pitchFamily="50" charset="-127"/>
+            </a:endParaRPr>
+          </a:p>
+        </p:txBody>
+      </p:sp>
+      <p:sp>
+        <p:nvSpPr>
+          <p:cNvPr id="7" name="Freeform 10">
+            <a:extLst>
+              <a:ext uri="{FF2B5EF4-FFF2-40B4-BE49-F238E27FC236}">
+                <a16:creationId xmlns:a16="http://schemas.microsoft.com/office/drawing/2014/main" id="{5776B526-34C3-47A0-8FAB-A82A9743556B}"/>
+              </a:ext>
+            </a:extLst>
+          </p:cNvPr>
+          <p:cNvSpPr>
+            <a:spLocks/>
+          </p:cNvSpPr>
+          <p:nvPr/>
+        </p:nvSpPr>
+        <p:spPr bwMode="auto">
+          <a:xfrm>
+            <a:off x="5859967" y="2000079"/>
+            <a:ext cx="2785697" cy="1239715"/>
+          </a:xfrm>
+          <a:custGeom>
+            <a:avLst/>
+            <a:gdLst>
+              <a:gd name="T0" fmla="*/ 402 w 804"/>
+              <a:gd name="T1" fmla="*/ 78 h 357"/>
+              <a:gd name="T2" fmla="*/ 725 w 804"/>
+              <a:gd name="T3" fmla="*/ 357 h 357"/>
+              <a:gd name="T4" fmla="*/ 804 w 804"/>
+              <a:gd name="T5" fmla="*/ 357 h 357"/>
+              <a:gd name="T6" fmla="*/ 402 w 804"/>
+              <a:gd name="T7" fmla="*/ 0 h 357"/>
+              <a:gd name="T8" fmla="*/ 0 w 804"/>
+              <a:gd name="T9" fmla="*/ 357 h 357"/>
+              <a:gd name="T10" fmla="*/ 79 w 804"/>
+              <a:gd name="T11" fmla="*/ 357 h 357"/>
+              <a:gd name="T12" fmla="*/ 402 w 804"/>
+              <a:gd name="T13" fmla="*/ 78 h 357"/>
+            </a:gdLst>
+            <a:ahLst/>
+            <a:cxnLst>
+              <a:cxn ang="0">
+                <a:pos x="T0" y="T1"/>
+              </a:cxn>
+              <a:cxn ang="0">
+                <a:pos x="T2" y="T3"/>
+              </a:cxn>
+              <a:cxn ang="0">
+                <a:pos x="T4" y="T5"/>
+              </a:cxn>
+              <a:cxn ang="0">
+                <a:pos x="T6" y="T7"/>
+              </a:cxn>
+              <a:cxn ang="0">
+                <a:pos x="T8" y="T9"/>
+              </a:cxn>
+              <a:cxn ang="0">
+                <a:pos x="T10" y="T11"/>
+              </a:cxn>
+              <a:cxn ang="0">
+                <a:pos x="T12" y="T13"/>
+              </a:cxn>
+            </a:cxnLst>
+            <a:rect l="0" t="0" r="r" b="b"/>
+            <a:pathLst>
+              <a:path w="804" h="357">
+                <a:moveTo>
+                  <a:pt x="402" y="78"/>
+                </a:moveTo>
+                <a:cubicBezTo>
+                  <a:pt x="566" y="78"/>
+                  <a:pt x="702" y="200"/>
+                  <a:pt x="725" y="357"/>
+                </a:cubicBezTo>
+                <a:cubicBezTo>
+                  <a:pt x="804" y="357"/>
+                  <a:pt x="804" y="357"/>
+                  <a:pt x="804" y="357"/>
+                </a:cubicBezTo>
+                <a:cubicBezTo>
+                  <a:pt x="780" y="157"/>
+                  <a:pt x="609" y="0"/>
+                  <a:pt x="402" y="0"/>
+                </a:cubicBezTo>
+                <a:cubicBezTo>
+                  <a:pt x="195" y="0"/>
+                  <a:pt x="24" y="157"/>
+                  <a:pt x="0" y="357"/>
+                </a:cubicBezTo>
+                <a:cubicBezTo>
+                  <a:pt x="79" y="357"/>
+                  <a:pt x="79" y="357"/>
+                  <a:pt x="79" y="357"/>
+                </a:cubicBezTo>
+                <a:cubicBezTo>
+                  <a:pt x="102" y="200"/>
+                  <a:pt x="238" y="78"/>
+                  <a:pt x="402" y="78"/>
+                </a:cubicBezTo>
+                <a:close/>
+              </a:path>
+            </a:pathLst>
+          </a:custGeom>
+          <a:solidFill>
+            <a:srgbClr val="3E3D43"/>
+          </a:solidFill>
+          <a:ln>
+            <a:noFill/>
+          </a:ln>
+        </p:spPr>
+        <p:style>
+          <a:lnRef idx="2">
+            <a:schemeClr val="accent1">
+              <a:shade val="50000"/>
+            </a:schemeClr>
+          </a:lnRef>
+          <a:fillRef idx="1">
+            <a:schemeClr val="accent1"/>
+          </a:fillRef>
+          <a:effectRef idx="0">
+            <a:schemeClr val="accent1"/>
+          </a:effectRef>
+          <a:fontRef idx="minor">
+            <a:schemeClr val="lt1"/>
+          </a:fontRef>
+        </p:style>
+        <p:txBody>
+          <a:bodyPr wrap="none" rtlCol="0" anchor="ctr"/>
+          <a:lstStyle/>
+          <a:p>
+            <a:pPr algn="ctr" latinLnBrk="0">
+              <a:spcBef>
+                <a:spcPts val="171"/>
+              </a:spcBef>
+              <a:tabLst>
+                <a:tab pos="60873" algn="l"/>
+                <a:tab pos="97396" algn="l"/>
+              </a:tabLst>
+            </a:pPr>
+            <a:endParaRPr lang="ko-KR" altLang="en-US" sz="1704" b="1">
+              <a:ln>
+                <a:solidFill>
+                  <a:schemeClr val="accent1">
+                    <a:shade val="50000"/>
+                    <a:alpha val="0"/>
+                  </a:schemeClr>
+                </a:solidFill>
+              </a:ln>
+              <a:solidFill>
+                <a:schemeClr val="bg1"/>
+              </a:solidFill>
+              <a:latin typeface="나눔바른고딕" panose="020B0603020101020101" pitchFamily="50" charset="-127"/>
+              <a:ea typeface="나눔바른고딕" panose="020B0603020101020101" pitchFamily="50" charset="-127"/>
+            </a:endParaRPr>
+          </a:p>
+        </p:txBody>
+      </p:sp>
+      <p:sp>
+        <p:nvSpPr>
+          <p:cNvPr id="10" name="Oval 13">
+            <a:extLst>
+              <a:ext uri="{FF2B5EF4-FFF2-40B4-BE49-F238E27FC236}">
+                <a16:creationId xmlns:a16="http://schemas.microsoft.com/office/drawing/2014/main" id="{CBAF4131-EDFA-4130-8425-846952974E98}"/>
+              </a:ext>
+            </a:extLst>
+          </p:cNvPr>
+          <p:cNvSpPr>
+            <a:spLocks noChangeArrowheads="1"/>
+          </p:cNvSpPr>
+          <p:nvPr/>
+        </p:nvSpPr>
+        <p:spPr bwMode="auto">
+          <a:xfrm>
+            <a:off x="3842132" y="2425944"/>
+            <a:ext cx="2000250" cy="2006112"/>
+          </a:xfrm>
+          <a:prstGeom prst="ellipse">
+            <a:avLst/>
+          </a:prstGeom>
+          <a:solidFill>
+            <a:srgbClr val="FFFFFF"/>
+          </a:solidFill>
+          <a:ln>
+            <a:noFill/>
+          </a:ln>
+          <a:extLst>
+            <a:ext uri="{91240B29-F687-4F45-9708-019B960494DF}">
+              <a14:hiddenLine xmlns:a14="http://schemas.microsoft.com/office/drawing/2010/main" w="9525">
+                <a:solidFill>
+                  <a:srgbClr val="000000"/>
+                </a:solidFill>
+                <a:round/>
+                <a:headEnd/>
+                <a:tailEnd/>
+              </a14:hiddenLine>
+            </a:ext>
+          </a:extLst>
+        </p:spPr>
+        <p:txBody>
+          <a:bodyPr vert="horz" wrap="square" lIns="84406" tIns="42203" rIns="84406" bIns="42203" numCol="1" anchor="t" anchorCtr="0" compatLnSpc="1">
+            <a:prstTxWarp prst="textNoShape">
+              <a:avLst/>
+            </a:prstTxWarp>
+          </a:bodyPr>
+          <a:lstStyle/>
+          <a:p>
+            <a:endParaRPr lang="ko-KR" altLang="en-US" sz="1662"/>
+          </a:p>
+        </p:txBody>
+      </p:sp>
+      <p:sp>
+        <p:nvSpPr>
+          <p:cNvPr id="11" name="Oval 14">
+            <a:extLst>
+              <a:ext uri="{FF2B5EF4-FFF2-40B4-BE49-F238E27FC236}">
+                <a16:creationId xmlns:a16="http://schemas.microsoft.com/office/drawing/2014/main" id="{2AABE226-CBF3-4AF4-8C30-4AA989B37882}"/>
+              </a:ext>
+            </a:extLst>
+          </p:cNvPr>
+          <p:cNvSpPr>
+            <a:spLocks noChangeArrowheads="1"/>
+          </p:cNvSpPr>
+          <p:nvPr/>
+        </p:nvSpPr>
+        <p:spPr bwMode="auto">
+          <a:xfrm>
+            <a:off x="6271740" y="2461675"/>
+            <a:ext cx="2000250" cy="2006112"/>
+          </a:xfrm>
+          <a:prstGeom prst="ellipse">
+            <a:avLst/>
+          </a:prstGeom>
+          <a:solidFill>
+            <a:srgbClr val="FFFFFF"/>
+          </a:solidFill>
+          <a:ln>
+            <a:noFill/>
+          </a:ln>
+          <a:extLst>
+            <a:ext uri="{91240B29-F687-4F45-9708-019B960494DF}">
+              <a14:hiddenLine xmlns:a14="http://schemas.microsoft.com/office/drawing/2010/main" w="9525">
+                <a:solidFill>
+                  <a:srgbClr val="000000"/>
+                </a:solidFill>
+                <a:round/>
+                <a:headEnd/>
+                <a:tailEnd/>
+              </a14:hiddenLine>
+            </a:ext>
+          </a:extLst>
+        </p:spPr>
+        <p:txBody>
+          <a:bodyPr vert="horz" wrap="square" lIns="84406" tIns="42203" rIns="84406" bIns="42203" numCol="1" anchor="t" anchorCtr="0" compatLnSpc="1">
+            <a:prstTxWarp prst="textNoShape">
+              <a:avLst/>
+            </a:prstTxWarp>
+          </a:bodyPr>
+          <a:lstStyle/>
+          <a:p>
+            <a:endParaRPr lang="ko-KR" altLang="en-US" sz="1662"/>
+          </a:p>
+        </p:txBody>
+      </p:sp>
+      <p:sp>
+        <p:nvSpPr>
+          <p:cNvPr id="13" name="Rectangle 16">
+            <a:extLst>
+              <a:ext uri="{FF2B5EF4-FFF2-40B4-BE49-F238E27FC236}">
+                <a16:creationId xmlns:a16="http://schemas.microsoft.com/office/drawing/2014/main" id="{1A18AEE3-8F1B-4744-AC6B-4DF6FFEB0070}"/>
+              </a:ext>
+            </a:extLst>
+          </p:cNvPr>
+          <p:cNvSpPr>
+            <a:spLocks noChangeArrowheads="1"/>
+          </p:cNvSpPr>
+          <p:nvPr/>
+        </p:nvSpPr>
+        <p:spPr bwMode="auto">
+          <a:xfrm>
+            <a:off x="4655421" y="3292548"/>
+            <a:ext cx="194897" cy="27843"/>
+          </a:xfrm>
+          <a:prstGeom prst="rect">
+            <a:avLst/>
+          </a:prstGeom>
+          <a:solidFill>
+            <a:srgbClr val="3F3F3F"/>
+          </a:solidFill>
+          <a:ln>
+            <a:noFill/>
+          </a:ln>
+          <a:extLst>
+            <a:ext uri="{91240B29-F687-4F45-9708-019B960494DF}">
+              <a14:hiddenLine xmlns:a14="http://schemas.microsoft.com/office/drawing/2010/main" w="9525">
+                <a:solidFill>
+                  <a:srgbClr val="000000"/>
+                </a:solidFill>
+                <a:miter lim="800000"/>
+                <a:headEnd/>
+                <a:tailEnd/>
+              </a14:hiddenLine>
+            </a:ext>
+          </a:extLst>
+        </p:spPr>
+        <p:txBody>
+          <a:bodyPr vert="horz" wrap="square" lIns="84406" tIns="42203" rIns="84406" bIns="42203" numCol="1" anchor="t" anchorCtr="0" compatLnSpc="1">
+            <a:prstTxWarp prst="textNoShape">
+              <a:avLst/>
+            </a:prstTxWarp>
+          </a:bodyPr>
+          <a:lstStyle/>
+          <a:p>
+            <a:endParaRPr lang="ko-KR" altLang="en-US" sz="1662"/>
+          </a:p>
+        </p:txBody>
+      </p:sp>
+      <p:sp>
+        <p:nvSpPr>
+          <p:cNvPr id="14" name="Rectangle 17">
+            <a:extLst>
+              <a:ext uri="{FF2B5EF4-FFF2-40B4-BE49-F238E27FC236}">
+                <a16:creationId xmlns:a16="http://schemas.microsoft.com/office/drawing/2014/main" id="{3FC2D781-BBAB-4A38-B384-12F212C42BAF}"/>
+              </a:ext>
+            </a:extLst>
+          </p:cNvPr>
+          <p:cNvSpPr>
+            <a:spLocks noChangeArrowheads="1"/>
+          </p:cNvSpPr>
+          <p:nvPr/>
+        </p:nvSpPr>
+        <p:spPr bwMode="auto">
+          <a:xfrm>
+            <a:off x="7175149" y="3292548"/>
+            <a:ext cx="193431" cy="27843"/>
+          </a:xfrm>
+          <a:prstGeom prst="rect">
+            <a:avLst/>
+          </a:prstGeom>
+          <a:solidFill>
+            <a:srgbClr val="3F3F3F"/>
+          </a:solidFill>
+          <a:ln>
+            <a:noFill/>
+          </a:ln>
+          <a:extLst>
+            <a:ext uri="{91240B29-F687-4F45-9708-019B960494DF}">
+              <a14:hiddenLine xmlns:a14="http://schemas.microsoft.com/office/drawing/2010/main" w="9525">
+                <a:solidFill>
+                  <a:srgbClr val="000000"/>
+                </a:solidFill>
+                <a:miter lim="800000"/>
+                <a:headEnd/>
+                <a:tailEnd/>
+              </a14:hiddenLine>
+            </a:ext>
+          </a:extLst>
+        </p:spPr>
+        <p:txBody>
+          <a:bodyPr vert="horz" wrap="square" lIns="84406" tIns="42203" rIns="84406" bIns="42203" numCol="1" anchor="t" anchorCtr="0" compatLnSpc="1">
+            <a:prstTxWarp prst="textNoShape">
+              <a:avLst/>
+            </a:prstTxWarp>
+          </a:bodyPr>
+          <a:lstStyle/>
+          <a:p>
+            <a:endParaRPr lang="ko-KR" altLang="en-US" sz="1662"/>
+          </a:p>
+        </p:txBody>
+      </p:sp>
+      <p:sp>
+        <p:nvSpPr>
+          <p:cNvPr id="16" name="TextBox 15">
+            <a:extLst>
+              <a:ext uri="{FF2B5EF4-FFF2-40B4-BE49-F238E27FC236}">
+                <a16:creationId xmlns:a16="http://schemas.microsoft.com/office/drawing/2014/main" id="{3D71D3D8-33B5-476C-A96D-291205A54870}"/>
+              </a:ext>
+            </a:extLst>
+          </p:cNvPr>
+          <p:cNvSpPr txBox="1"/>
+          <p:nvPr/>
+        </p:nvSpPr>
+        <p:spPr>
+          <a:xfrm>
+            <a:off x="3906234" y="3499067"/>
+            <a:ext cx="1661031" cy="511807"/>
+          </a:xfrm>
+          <a:prstGeom prst="rect">
+            <a:avLst/>
+          </a:prstGeom>
+          <a:noFill/>
+        </p:spPr>
+        <p:txBody>
+          <a:bodyPr wrap="none" rtlCol="0">
+            <a:spAutoFit/>
+          </a:bodyPr>
+          <a:lstStyle/>
+          <a:p>
+            <a:pPr algn="ctr"/>
+            <a:r>
+              <a:rPr lang="ko-KR" altLang="en-US" sz="1363" dirty="0">
+                <a:ln>
+                  <a:solidFill>
+                    <a:schemeClr val="accent1">
+                      <a:shade val="50000"/>
+                      <a:alpha val="0"/>
+                    </a:schemeClr>
+                  </a:solidFill>
+                </a:ln>
+                <a:solidFill>
+                  <a:srgbClr val="3E3D43"/>
+                </a:solidFill>
+                <a:latin typeface="나눔바른고딕" panose="020B0603020101020101" pitchFamily="50" charset="-127"/>
+                <a:ea typeface="나눔바른고딕" panose="020B0603020101020101" pitchFamily="50" charset="-127"/>
+              </a:rPr>
+              <a:t>정치적 외부요인 작용</a:t>
+            </a:r>
+            <a:endParaRPr lang="en-US" altLang="ko-KR" sz="1363" dirty="0">
+              <a:ln>
+                <a:solidFill>
+                  <a:schemeClr val="accent1">
+                    <a:shade val="50000"/>
+                    <a:alpha val="0"/>
+                  </a:schemeClr>
+                </a:solidFill>
+              </a:ln>
+              <a:solidFill>
+                <a:srgbClr val="3E3D43"/>
+              </a:solidFill>
+              <a:latin typeface="나눔바른고딕" panose="020B0603020101020101" pitchFamily="50" charset="-127"/>
+              <a:ea typeface="나눔바른고딕" panose="020B0603020101020101" pitchFamily="50" charset="-127"/>
+            </a:endParaRPr>
+          </a:p>
+          <a:p>
+            <a:pPr algn="ctr"/>
+            <a:r>
+              <a:rPr lang="en-US" altLang="ko-KR" sz="1363" dirty="0">
+                <a:ln>
+                  <a:solidFill>
+                    <a:schemeClr val="accent1">
+                      <a:shade val="50000"/>
+                      <a:alpha val="0"/>
+                    </a:schemeClr>
+                  </a:solidFill>
+                </a:ln>
+                <a:solidFill>
+                  <a:srgbClr val="3E3D43"/>
+                </a:solidFill>
+                <a:latin typeface="나눔바른고딕" panose="020B0603020101020101" pitchFamily="50" charset="-127"/>
+                <a:ea typeface="나눔바른고딕" panose="020B0603020101020101" pitchFamily="50" charset="-127"/>
+              </a:rPr>
+              <a:t>-&gt; 2017</a:t>
+            </a:r>
+            <a:r>
+              <a:rPr lang="ko-KR" altLang="en-US" sz="1363" dirty="0">
+                <a:ln>
+                  <a:solidFill>
+                    <a:schemeClr val="accent1">
+                      <a:shade val="50000"/>
+                      <a:alpha val="0"/>
+                    </a:schemeClr>
+                  </a:solidFill>
+                </a:ln>
+                <a:solidFill>
+                  <a:srgbClr val="3E3D43"/>
+                </a:solidFill>
+                <a:latin typeface="나눔바른고딕" panose="020B0603020101020101" pitchFamily="50" charset="-127"/>
+                <a:ea typeface="나눔바른고딕" panose="020B0603020101020101" pitchFamily="50" charset="-127"/>
+              </a:rPr>
+              <a:t>년 사드 사태</a:t>
+            </a:r>
+          </a:p>
+        </p:txBody>
+      </p:sp>
+      <p:sp>
+        <p:nvSpPr>
+          <p:cNvPr id="17" name="TextBox 16">
+            <a:extLst>
+              <a:ext uri="{FF2B5EF4-FFF2-40B4-BE49-F238E27FC236}">
+                <a16:creationId xmlns:a16="http://schemas.microsoft.com/office/drawing/2014/main" id="{0048FE40-004C-40DE-8BA5-7669523EB1C7}"/>
+              </a:ext>
+            </a:extLst>
+          </p:cNvPr>
+          <p:cNvSpPr txBox="1"/>
+          <p:nvPr/>
+        </p:nvSpPr>
+        <p:spPr>
+          <a:xfrm>
+            <a:off x="6647348" y="3526083"/>
+            <a:ext cx="1297150" cy="511807"/>
+          </a:xfrm>
+          <a:prstGeom prst="rect">
+            <a:avLst/>
+          </a:prstGeom>
+          <a:noFill/>
+        </p:spPr>
+        <p:txBody>
+          <a:bodyPr wrap="none" rtlCol="0">
+            <a:spAutoFit/>
+          </a:bodyPr>
+          <a:lstStyle/>
+          <a:p>
+            <a:pPr algn="ctr"/>
+            <a:r>
+              <a:rPr lang="ko-KR" altLang="en-US" sz="1363" dirty="0">
+                <a:ln>
+                  <a:solidFill>
+                    <a:schemeClr val="accent1">
+                      <a:shade val="50000"/>
+                      <a:alpha val="0"/>
+                    </a:schemeClr>
+                  </a:solidFill>
+                </a:ln>
+                <a:solidFill>
+                  <a:srgbClr val="3E3D43"/>
+                </a:solidFill>
+                <a:latin typeface="나눔바른고딕" panose="020B0603020101020101" pitchFamily="50" charset="-127"/>
+                <a:ea typeface="나눔바른고딕" panose="020B0603020101020101" pitchFamily="50" charset="-127"/>
+              </a:rPr>
+              <a:t>경제적 요인</a:t>
+            </a:r>
+            <a:endParaRPr lang="en-US" altLang="ko-KR" sz="1363" dirty="0">
+              <a:ln>
+                <a:solidFill>
+                  <a:schemeClr val="accent1">
+                    <a:shade val="50000"/>
+                    <a:alpha val="0"/>
+                  </a:schemeClr>
+                </a:solidFill>
+              </a:ln>
+              <a:solidFill>
+                <a:srgbClr val="3E3D43"/>
+              </a:solidFill>
+              <a:latin typeface="나눔바른고딕" panose="020B0603020101020101" pitchFamily="50" charset="-127"/>
+              <a:ea typeface="나눔바른고딕" panose="020B0603020101020101" pitchFamily="50" charset="-127"/>
+            </a:endParaRPr>
+          </a:p>
+          <a:p>
+            <a:pPr algn="ctr"/>
+            <a:r>
+              <a:rPr lang="en-US" altLang="ko-KR" sz="1363" dirty="0">
+                <a:ln>
+                  <a:solidFill>
+                    <a:schemeClr val="accent1">
+                      <a:shade val="50000"/>
+                      <a:alpha val="0"/>
+                    </a:schemeClr>
+                  </a:solidFill>
+                </a:ln>
+                <a:solidFill>
+                  <a:srgbClr val="3E3D43"/>
+                </a:solidFill>
+                <a:latin typeface="나눔바른고딕" panose="020B0603020101020101" pitchFamily="50" charset="-127"/>
+                <a:ea typeface="나눔바른고딕" panose="020B0603020101020101" pitchFamily="50" charset="-127"/>
+              </a:rPr>
+              <a:t>-&gt; </a:t>
+            </a:r>
+            <a:r>
+              <a:rPr lang="ko-KR" altLang="en-US" sz="1363" dirty="0">
+                <a:ln>
+                  <a:solidFill>
+                    <a:schemeClr val="accent1">
+                      <a:shade val="50000"/>
+                      <a:alpha val="0"/>
+                    </a:schemeClr>
+                  </a:solidFill>
+                </a:ln>
+                <a:solidFill>
+                  <a:srgbClr val="3E3D43"/>
+                </a:solidFill>
+                <a:latin typeface="나눔바른고딕" panose="020B0603020101020101" pitchFamily="50" charset="-127"/>
+                <a:ea typeface="나눔바른고딕" panose="020B0603020101020101" pitchFamily="50" charset="-127"/>
+              </a:rPr>
+              <a:t>국내 총 소득 </a:t>
+            </a:r>
+          </a:p>
+        </p:txBody>
+      </p:sp>
+      <p:sp>
+        <p:nvSpPr>
+          <p:cNvPr id="19" name="TextBox 18">
+            <a:extLst>
+              <a:ext uri="{FF2B5EF4-FFF2-40B4-BE49-F238E27FC236}">
+                <a16:creationId xmlns:a16="http://schemas.microsoft.com/office/drawing/2014/main" id="{3EC01178-99E2-4C13-B9E0-41E17EEB509D}"/>
+              </a:ext>
+            </a:extLst>
+          </p:cNvPr>
+          <p:cNvSpPr txBox="1"/>
+          <p:nvPr/>
+        </p:nvSpPr>
+        <p:spPr>
+          <a:xfrm>
+            <a:off x="4280625" y="2780075"/>
+            <a:ext cx="944489" cy="433196"/>
+          </a:xfrm>
+          <a:prstGeom prst="rect">
+            <a:avLst/>
+          </a:prstGeom>
+          <a:noFill/>
+        </p:spPr>
+        <p:txBody>
+          <a:bodyPr wrap="none" rtlCol="0">
+            <a:spAutoFit/>
+          </a:bodyPr>
+          <a:lstStyle/>
+          <a:p>
+            <a:pPr algn="ctr" latinLnBrk="0">
+              <a:spcBef>
+                <a:spcPts val="171"/>
+              </a:spcBef>
+              <a:tabLst>
+                <a:tab pos="60873" algn="l"/>
+                <a:tab pos="97396" algn="l"/>
+              </a:tabLst>
+            </a:pPr>
+            <a:r>
+              <a:rPr lang="ko-KR" altLang="en-US" sz="2215" b="1" dirty="0">
+                <a:ln>
+                  <a:solidFill>
+                    <a:schemeClr val="accent1">
+                      <a:shade val="50000"/>
+                      <a:alpha val="0"/>
+                    </a:schemeClr>
+                  </a:solidFill>
+                </a:ln>
+                <a:solidFill>
+                  <a:schemeClr val="tx1">
+                    <a:lumMod val="75000"/>
+                    <a:lumOff val="25000"/>
+                  </a:schemeClr>
+                </a:solidFill>
+                <a:latin typeface="나눔바른고딕" panose="020B0603020101020101" pitchFamily="50" charset="-127"/>
+                <a:ea typeface="나눔바른고딕" panose="020B0603020101020101" pitchFamily="50" charset="-127"/>
+              </a:rPr>
+              <a:t>외국인</a:t>
+            </a:r>
+          </a:p>
+        </p:txBody>
+      </p:sp>
+      <p:sp>
+        <p:nvSpPr>
+          <p:cNvPr id="20" name="TextBox 19">
+            <a:extLst>
+              <a:ext uri="{FF2B5EF4-FFF2-40B4-BE49-F238E27FC236}">
+                <a16:creationId xmlns:a16="http://schemas.microsoft.com/office/drawing/2014/main" id="{C30D9121-5791-4745-A729-94E15A4AFDF3}"/>
+              </a:ext>
+            </a:extLst>
+          </p:cNvPr>
+          <p:cNvSpPr txBox="1"/>
+          <p:nvPr/>
+        </p:nvSpPr>
+        <p:spPr>
+          <a:xfrm>
+            <a:off x="6799622" y="2780075"/>
+            <a:ext cx="944490" cy="433196"/>
+          </a:xfrm>
+          <a:prstGeom prst="rect">
+            <a:avLst/>
+          </a:prstGeom>
+          <a:noFill/>
+        </p:spPr>
+        <p:txBody>
+          <a:bodyPr wrap="none" rtlCol="0">
+            <a:spAutoFit/>
+          </a:bodyPr>
+          <a:lstStyle/>
+          <a:p>
+            <a:pPr algn="ctr" latinLnBrk="0">
+              <a:spcBef>
+                <a:spcPts val="171"/>
+              </a:spcBef>
+              <a:tabLst>
+                <a:tab pos="60873" algn="l"/>
+                <a:tab pos="97396" algn="l"/>
+              </a:tabLst>
+            </a:pPr>
+            <a:r>
+              <a:rPr lang="ko-KR" altLang="en-US" sz="2215" b="1" dirty="0">
+                <a:ln>
+                  <a:solidFill>
+                    <a:schemeClr val="accent1">
+                      <a:shade val="50000"/>
+                      <a:alpha val="0"/>
+                    </a:schemeClr>
+                  </a:solidFill>
+                </a:ln>
+                <a:solidFill>
+                  <a:schemeClr val="tx1">
+                    <a:lumMod val="75000"/>
+                    <a:lumOff val="25000"/>
+                  </a:schemeClr>
+                </a:solidFill>
+                <a:latin typeface="나눔바른고딕" panose="020B0603020101020101" pitchFamily="50" charset="-127"/>
+                <a:ea typeface="나눔바른고딕" panose="020B0603020101020101" pitchFamily="50" charset="-127"/>
+              </a:rPr>
+              <a:t>내국인</a:t>
+            </a:r>
+          </a:p>
+        </p:txBody>
+      </p:sp>
+      <p:sp>
+        <p:nvSpPr>
+          <p:cNvPr id="22" name="TextBox 21">
+            <a:extLst>
+              <a:ext uri="{FF2B5EF4-FFF2-40B4-BE49-F238E27FC236}">
+                <a16:creationId xmlns:a16="http://schemas.microsoft.com/office/drawing/2014/main" id="{5C1890CB-E0B6-4A5C-9021-65725FF82C1A}"/>
+              </a:ext>
+            </a:extLst>
+          </p:cNvPr>
+          <p:cNvSpPr txBox="1"/>
+          <p:nvPr/>
+        </p:nvSpPr>
+        <p:spPr>
+          <a:xfrm>
+            <a:off x="5390127" y="1161263"/>
+            <a:ext cx="1229825" cy="461665"/>
+          </a:xfrm>
+          <a:prstGeom prst="rect">
+            <a:avLst/>
+          </a:prstGeom>
+          <a:noFill/>
+        </p:spPr>
+        <p:txBody>
+          <a:bodyPr wrap="none" rtlCol="0">
+            <a:spAutoFit/>
+          </a:bodyPr>
+          <a:lstStyle/>
+          <a:p>
+            <a:pPr algn="ctr"/>
+            <a:r>
+              <a:rPr lang="ko-KR" altLang="en-US" sz="2400" spc="-150" dirty="0">
+                <a:solidFill>
+                  <a:srgbClr val="00002F"/>
+                </a:solidFill>
+                <a:latin typeface="나눔스퀘어 ExtraBold" panose="020B0600000101010101" pitchFamily="50" charset="-127"/>
+                <a:ea typeface="나눔스퀘어 ExtraBold" panose="020B0600000101010101" pitchFamily="50" charset="-127"/>
+              </a:rPr>
+              <a:t>외부요인</a:t>
+            </a:r>
+          </a:p>
+        </p:txBody>
+      </p:sp>
+    </p:spTree>
+    <p:extLst>
+      <p:ext uri="{BB962C8B-B14F-4D97-AF65-F5344CB8AC3E}">
+        <p14:creationId xmlns:p14="http://schemas.microsoft.com/office/powerpoint/2010/main" val="3835249555"/>
+      </p:ext>
+    </p:extLst>
+  </p:cSld>
+  <p:clrMapOvr>
+    <a:masterClrMapping/>
+  </p:clrMapOvr>
+</p:sld>
+</file>
+
+<file path=ppt/slides/slide9.xml><?xml version="1.0" encoding="utf-8"?>
 <p:sld xmlns:a="http://schemas.openxmlformats.org/drawingml/2006/main" xmlns:r="http://schemas.openxmlformats.org/officeDocument/2006/relationships" xmlns:p="http://schemas.openxmlformats.org/presentationml/2006/main">
   <p:cSld>
     <p:spTree>
@@ -14590,798 +16718,6 @@
 </p:sld>
 </file>
 
-<file path=ppt/slides/slide9.xml><?xml version="1.0" encoding="utf-8"?>
-<p:sld xmlns:a="http://schemas.openxmlformats.org/drawingml/2006/main" xmlns:r="http://schemas.openxmlformats.org/officeDocument/2006/relationships" xmlns:p="http://schemas.openxmlformats.org/presentationml/2006/main">
-  <p:cSld>
-    <p:spTree>
-      <p:nvGrpSpPr>
-        <p:cNvPr id="1" name=""/>
-        <p:cNvGrpSpPr/>
-        <p:nvPr/>
-      </p:nvGrpSpPr>
-      <p:grpSpPr>
-        <a:xfrm>
-          <a:off x="0" y="0"/>
-          <a:ext cx="0" cy="0"/>
-          <a:chOff x="0" y="0"/>
-          <a:chExt cx="0" cy="0"/>
-        </a:xfrm>
-      </p:grpSpPr>
-      <p:sp>
-        <p:nvSpPr>
-          <p:cNvPr id="11" name="TextBox 10"/>
-          <p:cNvSpPr txBox="1"/>
-          <p:nvPr/>
-        </p:nvSpPr>
-        <p:spPr>
-          <a:xfrm>
-            <a:off x="983400" y="2073747"/>
-            <a:ext cx="3998209" cy="584775"/>
-          </a:xfrm>
-          <a:prstGeom prst="rect">
-            <a:avLst/>
-          </a:prstGeom>
-          <a:noFill/>
-        </p:spPr>
-        <p:txBody>
-          <a:bodyPr wrap="none" rtlCol="0">
-            <a:spAutoFit/>
-          </a:bodyPr>
-          <a:lstStyle/>
-          <a:p>
-            <a:pPr algn="ctr"/>
-            <a:r>
-              <a:rPr lang="en-US" altLang="ko-KR" sz="3200" spc="-150" dirty="0">
-                <a:solidFill>
-                  <a:srgbClr val="8DBABD"/>
-                </a:solidFill>
-                <a:latin typeface="나눔스퀘어 ExtraBold" panose="020B0600000101010101" pitchFamily="50" charset="-127"/>
-                <a:ea typeface="나눔스퀘어 ExtraBold" panose="020B0600000101010101" pitchFamily="50" charset="-127"/>
-              </a:rPr>
-              <a:t>GNI(</a:t>
-            </a:r>
-            <a:r>
-              <a:rPr lang="ko-KR" altLang="en-US" sz="3200" spc="-150" dirty="0">
-                <a:solidFill>
-                  <a:srgbClr val="8DBABD"/>
-                </a:solidFill>
-                <a:latin typeface="나눔스퀘어 ExtraBold" panose="020B0600000101010101" pitchFamily="50" charset="-127"/>
-                <a:ea typeface="나눔스퀘어 ExtraBold" panose="020B0600000101010101" pitchFamily="50" charset="-127"/>
-              </a:rPr>
-              <a:t>국내총소득</a:t>
-            </a:r>
-            <a:r>
-              <a:rPr lang="en-US" altLang="ko-KR" sz="3200" spc="-150" dirty="0">
-                <a:solidFill>
-                  <a:srgbClr val="8DBABD"/>
-                </a:solidFill>
-                <a:latin typeface="나눔스퀘어 ExtraBold" panose="020B0600000101010101" pitchFamily="50" charset="-127"/>
-                <a:ea typeface="나눔스퀘어 ExtraBold" panose="020B0600000101010101" pitchFamily="50" charset="-127"/>
-              </a:rPr>
-              <a:t>)</a:t>
-            </a:r>
-            <a:r>
-              <a:rPr lang="ko-KR" altLang="en-US" sz="3200" spc="-150" dirty="0">
-                <a:solidFill>
-                  <a:srgbClr val="8DBABD"/>
-                </a:solidFill>
-                <a:latin typeface="나눔스퀘어 ExtraBold" panose="020B0600000101010101" pitchFamily="50" charset="-127"/>
-                <a:ea typeface="나눔스퀘어 ExtraBold" panose="020B0600000101010101" pitchFamily="50" charset="-127"/>
-              </a:rPr>
-              <a:t>과 비교</a:t>
-            </a:r>
-            <a:endParaRPr lang="en-US" altLang="ko-KR" sz="3200" spc="-150" dirty="0">
-              <a:solidFill>
-                <a:srgbClr val="8DBABD"/>
-              </a:solidFill>
-              <a:latin typeface="나눔스퀘어 ExtraBold" panose="020B0600000101010101" pitchFamily="50" charset="-127"/>
-              <a:ea typeface="나눔스퀘어 ExtraBold" panose="020B0600000101010101" pitchFamily="50" charset="-127"/>
-            </a:endParaRPr>
-          </a:p>
-        </p:txBody>
-      </p:sp>
-      <p:cxnSp>
-        <p:nvCxnSpPr>
-          <p:cNvPr id="14" name="직선 연결선 13"/>
-          <p:cNvCxnSpPr/>
-          <p:nvPr/>
-        </p:nvCxnSpPr>
-        <p:spPr>
-          <a:xfrm>
-            <a:off x="10430892" y="144941"/>
-            <a:ext cx="360000" cy="0"/>
-          </a:xfrm>
-          <a:prstGeom prst="line">
-            <a:avLst/>
-          </a:prstGeom>
-          <a:ln w="44450" cap="rnd">
-            <a:solidFill>
-              <a:srgbClr val="D0CECE"/>
-            </a:solidFill>
-          </a:ln>
-          <a:effectLst>
-            <a:outerShdw blurRad="50800" dist="38100" dir="5400000" algn="t" rotWithShape="0">
-              <a:prstClr val="black">
-                <a:alpha val="40000"/>
-              </a:prstClr>
-            </a:outerShdw>
-          </a:effectLst>
-        </p:spPr>
-        <p:style>
-          <a:lnRef idx="1">
-            <a:schemeClr val="accent1"/>
-          </a:lnRef>
-          <a:fillRef idx="0">
-            <a:schemeClr val="accent1"/>
-          </a:fillRef>
-          <a:effectRef idx="0">
-            <a:schemeClr val="accent1"/>
-          </a:effectRef>
-          <a:fontRef idx="minor">
-            <a:schemeClr val="tx1"/>
-          </a:fontRef>
-        </p:style>
-      </p:cxnSp>
-      <p:cxnSp>
-        <p:nvCxnSpPr>
-          <p:cNvPr id="15" name="직선 연결선 14"/>
-          <p:cNvCxnSpPr/>
-          <p:nvPr/>
-        </p:nvCxnSpPr>
-        <p:spPr>
-          <a:xfrm>
-            <a:off x="10858459" y="144941"/>
-            <a:ext cx="360000" cy="0"/>
-          </a:xfrm>
-          <a:prstGeom prst="line">
-            <a:avLst/>
-          </a:prstGeom>
-          <a:ln w="44450" cap="rnd">
-            <a:solidFill>
-              <a:srgbClr val="8DBABD"/>
-            </a:solidFill>
-          </a:ln>
-          <a:effectLst>
-            <a:outerShdw blurRad="50800" dist="38100" dir="5400000" algn="t" rotWithShape="0">
-              <a:prstClr val="black">
-                <a:alpha val="40000"/>
-              </a:prstClr>
-            </a:outerShdw>
-          </a:effectLst>
-        </p:spPr>
-        <p:style>
-          <a:lnRef idx="1">
-            <a:schemeClr val="accent1"/>
-          </a:lnRef>
-          <a:fillRef idx="0">
-            <a:schemeClr val="accent1"/>
-          </a:fillRef>
-          <a:effectRef idx="0">
-            <a:schemeClr val="accent1"/>
-          </a:effectRef>
-          <a:fontRef idx="minor">
-            <a:schemeClr val="tx1"/>
-          </a:fontRef>
-        </p:style>
-      </p:cxnSp>
-      <p:cxnSp>
-        <p:nvCxnSpPr>
-          <p:cNvPr id="16" name="직선 연결선 15"/>
-          <p:cNvCxnSpPr/>
-          <p:nvPr/>
-        </p:nvCxnSpPr>
-        <p:spPr>
-          <a:xfrm>
-            <a:off x="11286026" y="144941"/>
-            <a:ext cx="360000" cy="0"/>
-          </a:xfrm>
-          <a:prstGeom prst="line">
-            <a:avLst/>
-          </a:prstGeom>
-          <a:ln w="44450" cap="rnd">
-            <a:solidFill>
-              <a:schemeClr val="bg2">
-                <a:lumMod val="90000"/>
-              </a:schemeClr>
-            </a:solidFill>
-          </a:ln>
-          <a:effectLst>
-            <a:outerShdw blurRad="50800" dist="38100" dir="5400000" algn="t" rotWithShape="0">
-              <a:prstClr val="black">
-                <a:alpha val="40000"/>
-              </a:prstClr>
-            </a:outerShdw>
-          </a:effectLst>
-        </p:spPr>
-        <p:style>
-          <a:lnRef idx="1">
-            <a:schemeClr val="accent1"/>
-          </a:lnRef>
-          <a:fillRef idx="0">
-            <a:schemeClr val="accent1"/>
-          </a:fillRef>
-          <a:effectRef idx="0">
-            <a:schemeClr val="accent1"/>
-          </a:effectRef>
-          <a:fontRef idx="minor">
-            <a:schemeClr val="tx1"/>
-          </a:fontRef>
-        </p:style>
-      </p:cxnSp>
-      <p:cxnSp>
-        <p:nvCxnSpPr>
-          <p:cNvPr id="17" name="직선 연결선 16"/>
-          <p:cNvCxnSpPr/>
-          <p:nvPr/>
-        </p:nvCxnSpPr>
-        <p:spPr>
-          <a:xfrm>
-            <a:off x="11713592" y="144941"/>
-            <a:ext cx="360000" cy="0"/>
-          </a:xfrm>
-          <a:prstGeom prst="line">
-            <a:avLst/>
-          </a:prstGeom>
-          <a:ln w="44450" cap="rnd">
-            <a:solidFill>
-              <a:schemeClr val="bg2">
-                <a:lumMod val="90000"/>
-              </a:schemeClr>
-            </a:solidFill>
-          </a:ln>
-          <a:effectLst>
-            <a:outerShdw blurRad="50800" dist="38100" dir="5400000" algn="t" rotWithShape="0">
-              <a:prstClr val="black">
-                <a:alpha val="40000"/>
-              </a:prstClr>
-            </a:outerShdw>
-          </a:effectLst>
-        </p:spPr>
-        <p:style>
-          <a:lnRef idx="1">
-            <a:schemeClr val="accent1"/>
-          </a:lnRef>
-          <a:fillRef idx="0">
-            <a:schemeClr val="accent1"/>
-          </a:fillRef>
-          <a:effectRef idx="0">
-            <a:schemeClr val="accent1"/>
-          </a:effectRef>
-          <a:fontRef idx="minor">
-            <a:schemeClr val="tx1"/>
-          </a:fontRef>
-        </p:style>
-      </p:cxnSp>
-      <p:cxnSp>
-        <p:nvCxnSpPr>
-          <p:cNvPr id="18" name="직선 연결선 17"/>
-          <p:cNvCxnSpPr/>
-          <p:nvPr/>
-        </p:nvCxnSpPr>
-        <p:spPr>
-          <a:xfrm>
-            <a:off x="1026522" y="989148"/>
-            <a:ext cx="2160000" cy="0"/>
-          </a:xfrm>
-          <a:prstGeom prst="line">
-            <a:avLst/>
-          </a:prstGeom>
-          <a:ln>
-            <a:solidFill>
-              <a:schemeClr val="bg1">
-                <a:lumMod val="50000"/>
-              </a:schemeClr>
-            </a:solidFill>
-          </a:ln>
-        </p:spPr>
-        <p:style>
-          <a:lnRef idx="1">
-            <a:schemeClr val="accent1"/>
-          </a:lnRef>
-          <a:fillRef idx="0">
-            <a:schemeClr val="accent1"/>
-          </a:fillRef>
-          <a:effectRef idx="0">
-            <a:schemeClr val="accent1"/>
-          </a:effectRef>
-          <a:fontRef idx="minor">
-            <a:schemeClr val="tx1"/>
-          </a:fontRef>
-        </p:style>
-      </p:cxnSp>
-      <p:sp>
-        <p:nvSpPr>
-          <p:cNvPr id="19" name="TextBox 18"/>
-          <p:cNvSpPr txBox="1"/>
-          <p:nvPr/>
-        </p:nvSpPr>
-        <p:spPr>
-          <a:xfrm>
-            <a:off x="1233310" y="437393"/>
-            <a:ext cx="1749197" cy="584775"/>
-          </a:xfrm>
-          <a:prstGeom prst="rect">
-            <a:avLst/>
-          </a:prstGeom>
-          <a:noFill/>
-        </p:spPr>
-        <p:txBody>
-          <a:bodyPr wrap="none" rtlCol="0">
-            <a:spAutoFit/>
-          </a:bodyPr>
-          <a:lstStyle/>
-          <a:p>
-            <a:pPr algn="ctr"/>
-            <a:r>
-              <a:rPr lang="ko-KR" altLang="en-US" sz="3200" spc="-150">
-                <a:solidFill>
-                  <a:srgbClr val="00002F"/>
-                </a:solidFill>
-                <a:latin typeface="나눔스퀘어 ExtraBold" panose="020B0600000101010101" pitchFamily="50" charset="-127"/>
-                <a:ea typeface="나눔스퀘어 ExtraBold" panose="020B0600000101010101" pitchFamily="50" charset="-127"/>
-              </a:rPr>
-              <a:t>외부요인</a:t>
-            </a:r>
-            <a:endParaRPr lang="ko-KR" altLang="en-US" sz="3200" spc="-150" dirty="0">
-              <a:solidFill>
-                <a:srgbClr val="00002F"/>
-              </a:solidFill>
-              <a:latin typeface="나눔스퀘어 ExtraBold" panose="020B0600000101010101" pitchFamily="50" charset="-127"/>
-              <a:ea typeface="나눔스퀘어 ExtraBold" panose="020B0600000101010101" pitchFamily="50" charset="-127"/>
-            </a:endParaRPr>
-          </a:p>
-        </p:txBody>
-      </p:sp>
-      <p:sp>
-        <p:nvSpPr>
-          <p:cNvPr id="20" name="TextBox 19"/>
-          <p:cNvSpPr txBox="1"/>
-          <p:nvPr/>
-        </p:nvSpPr>
-        <p:spPr>
-          <a:xfrm>
-            <a:off x="455532" y="498947"/>
-            <a:ext cx="614271" cy="461665"/>
-          </a:xfrm>
-          <a:prstGeom prst="rect">
-            <a:avLst/>
-          </a:prstGeom>
-          <a:noFill/>
-        </p:spPr>
-        <p:txBody>
-          <a:bodyPr wrap="none" rtlCol="0">
-            <a:spAutoFit/>
-          </a:bodyPr>
-          <a:lstStyle/>
-          <a:p>
-            <a:pPr algn="ctr"/>
-            <a:r>
-              <a:rPr lang="en-US" altLang="ko-KR" sz="2400" spc="-150" dirty="0">
-                <a:solidFill>
-                  <a:srgbClr val="00002F"/>
-                </a:solidFill>
-                <a:latin typeface="나눔스퀘어 ExtraBold" panose="020B0600000101010101" pitchFamily="50" charset="-127"/>
-                <a:ea typeface="나눔스퀘어 ExtraBold" panose="020B0600000101010101" pitchFamily="50" charset="-127"/>
-              </a:rPr>
-              <a:t>02.</a:t>
-            </a:r>
-            <a:endParaRPr lang="ko-KR" altLang="en-US" sz="2400" spc="-150" dirty="0">
-              <a:solidFill>
-                <a:srgbClr val="00002F"/>
-              </a:solidFill>
-              <a:latin typeface="나눔스퀘어 ExtraBold" panose="020B0600000101010101" pitchFamily="50" charset="-127"/>
-              <a:ea typeface="나눔스퀘어 ExtraBold" panose="020B0600000101010101" pitchFamily="50" charset="-127"/>
-            </a:endParaRPr>
-          </a:p>
-        </p:txBody>
-      </p:sp>
-      <p:sp>
-        <p:nvSpPr>
-          <p:cNvPr id="21" name="TextBox 20"/>
-          <p:cNvSpPr txBox="1"/>
-          <p:nvPr/>
-        </p:nvSpPr>
-        <p:spPr>
-          <a:xfrm>
-            <a:off x="1043807" y="1006929"/>
-            <a:ext cx="2002472" cy="369332"/>
-          </a:xfrm>
-          <a:prstGeom prst="rect">
-            <a:avLst/>
-          </a:prstGeom>
-          <a:noFill/>
-        </p:spPr>
-        <p:txBody>
-          <a:bodyPr wrap="none" rtlCol="0">
-            <a:spAutoFit/>
-          </a:bodyPr>
-          <a:lstStyle/>
-          <a:p>
-            <a:pPr algn="ctr"/>
-            <a:r>
-              <a:rPr lang="ko-KR" altLang="en-US" spc="-150" dirty="0">
-                <a:solidFill>
-                  <a:srgbClr val="00002F"/>
-                </a:solidFill>
-                <a:latin typeface="나눔스퀘어 ExtraBold" panose="020B0600000101010101" pitchFamily="50" charset="-127"/>
-                <a:ea typeface="나눔스퀘어 ExtraBold" panose="020B0600000101010101" pitchFamily="50" charset="-127"/>
-              </a:rPr>
-              <a:t>내국인 관광객 요인</a:t>
-            </a:r>
-          </a:p>
-        </p:txBody>
-      </p:sp>
-      <p:pic>
-        <p:nvPicPr>
-          <p:cNvPr id="12" name="그림 11">
-            <a:extLst>
-              <a:ext uri="{FF2B5EF4-FFF2-40B4-BE49-F238E27FC236}">
-                <a16:creationId xmlns:a16="http://schemas.microsoft.com/office/drawing/2014/main" id="{81F3AF4D-A2E4-4211-88F7-E1D880317713}"/>
-              </a:ext>
-            </a:extLst>
-          </p:cNvPr>
-          <p:cNvPicPr>
-            <a:picLocks noChangeAspect="1"/>
-          </p:cNvPicPr>
-          <p:nvPr/>
-        </p:nvPicPr>
-        <p:blipFill>
-          <a:blip r:embed="rId2">
-            <a:extLst>
-              <a:ext uri="{28A0092B-C50C-407E-A947-70E740481C1C}">
-                <a14:useLocalDpi xmlns:a14="http://schemas.microsoft.com/office/drawing/2010/main" val="0"/>
-              </a:ext>
-            </a:extLst>
-          </a:blip>
-          <a:stretch>
-            <a:fillRect/>
-          </a:stretch>
-        </p:blipFill>
-        <p:spPr>
-          <a:xfrm>
-            <a:off x="5463821" y="1191595"/>
-            <a:ext cx="5201376" cy="4944165"/>
-          </a:xfrm>
-          <a:prstGeom prst="rect">
-            <a:avLst/>
-          </a:prstGeom>
-        </p:spPr>
-      </p:pic>
-      <p:sp>
-        <p:nvSpPr>
-          <p:cNvPr id="2" name="TextBox 1">
-            <a:extLst>
-              <a:ext uri="{FF2B5EF4-FFF2-40B4-BE49-F238E27FC236}">
-                <a16:creationId xmlns:a16="http://schemas.microsoft.com/office/drawing/2014/main" id="{84C77E64-3407-4760-BA5A-29CACCFD7888}"/>
-              </a:ext>
-            </a:extLst>
-          </p:cNvPr>
-          <p:cNvSpPr txBox="1"/>
-          <p:nvPr/>
-        </p:nvSpPr>
-        <p:spPr>
-          <a:xfrm>
-            <a:off x="1837517" y="3940785"/>
-            <a:ext cx="2289976" cy="830997"/>
-          </a:xfrm>
-          <a:prstGeom prst="rect">
-            <a:avLst/>
-          </a:prstGeom>
-          <a:noFill/>
-        </p:spPr>
-        <p:txBody>
-          <a:bodyPr wrap="square" rtlCol="0">
-            <a:spAutoFit/>
-          </a:bodyPr>
-          <a:lstStyle/>
-          <a:p>
-            <a:pPr algn="ctr"/>
-            <a:r>
-              <a:rPr lang="ko-KR" altLang="en-US" sz="2400" spc="-150" dirty="0">
-                <a:solidFill>
-                  <a:srgbClr val="8DBABD"/>
-                </a:solidFill>
-                <a:latin typeface="나눔스퀘어 ExtraBold" panose="020B0600000101010101" pitchFamily="50" charset="-127"/>
-                <a:ea typeface="나눔스퀘어 ExtraBold" panose="020B0600000101010101" pitchFamily="50" charset="-127"/>
-              </a:rPr>
-              <a:t>상관계수</a:t>
-            </a:r>
-            <a:endParaRPr lang="en-US" altLang="ko-KR" sz="2400" spc="-150" dirty="0">
-              <a:solidFill>
-                <a:srgbClr val="8DBABD"/>
-              </a:solidFill>
-              <a:latin typeface="나눔스퀘어 ExtraBold" panose="020B0600000101010101" pitchFamily="50" charset="-127"/>
-              <a:ea typeface="나눔스퀘어 ExtraBold" panose="020B0600000101010101" pitchFamily="50" charset="-127"/>
-            </a:endParaRPr>
-          </a:p>
-          <a:p>
-            <a:pPr algn="ctr"/>
-            <a:r>
-              <a:rPr lang="ko-KR" altLang="en-US" sz="2400" spc="-150" dirty="0">
-                <a:solidFill>
-                  <a:srgbClr val="8DBABD"/>
-                </a:solidFill>
-                <a:latin typeface="나눔스퀘어 ExtraBold" panose="020B0600000101010101" pitchFamily="50" charset="-127"/>
-                <a:ea typeface="나눔스퀘어 ExtraBold" panose="020B0600000101010101" pitchFamily="50" charset="-127"/>
-              </a:rPr>
-              <a:t> </a:t>
-            </a:r>
-            <a:r>
-              <a:rPr lang="en-US" altLang="ko-KR" sz="2400" spc="-150" dirty="0">
-                <a:solidFill>
-                  <a:srgbClr val="8DBABD"/>
-                </a:solidFill>
-                <a:latin typeface="나눔스퀘어 ExtraBold" panose="020B0600000101010101" pitchFamily="50" charset="-127"/>
-                <a:ea typeface="나눔스퀘어 ExtraBold" panose="020B0600000101010101" pitchFamily="50" charset="-127"/>
-              </a:rPr>
-              <a:t>0.3535972</a:t>
-            </a:r>
-          </a:p>
-        </p:txBody>
-      </p:sp>
-      <p:sp>
-        <p:nvSpPr>
-          <p:cNvPr id="3" name="화살표: 아래쪽 2">
-            <a:extLst>
-              <a:ext uri="{FF2B5EF4-FFF2-40B4-BE49-F238E27FC236}">
-                <a16:creationId xmlns:a16="http://schemas.microsoft.com/office/drawing/2014/main" id="{2E39B4CD-6502-43AB-A787-96332370B670}"/>
-              </a:ext>
-            </a:extLst>
-          </p:cNvPr>
-          <p:cNvSpPr/>
-          <p:nvPr/>
-        </p:nvSpPr>
-        <p:spPr>
-          <a:xfrm>
-            <a:off x="2802789" y="3121306"/>
-            <a:ext cx="359432" cy="564018"/>
-          </a:xfrm>
-          <a:prstGeom prst="downArrow">
-            <a:avLst/>
-          </a:prstGeom>
-          <a:noFill/>
-          <a:ln>
-            <a:solidFill>
-              <a:srgbClr val="A3C8CA"/>
-            </a:solidFill>
-          </a:ln>
-        </p:spPr>
-        <p:style>
-          <a:lnRef idx="2">
-            <a:schemeClr val="accent1">
-              <a:shade val="50000"/>
-            </a:schemeClr>
-          </a:lnRef>
-          <a:fillRef idx="1">
-            <a:schemeClr val="accent1"/>
-          </a:fillRef>
-          <a:effectRef idx="0">
-            <a:schemeClr val="accent1"/>
-          </a:effectRef>
-          <a:fontRef idx="minor">
-            <a:schemeClr val="lt1"/>
-          </a:fontRef>
-        </p:style>
-        <p:txBody>
-          <a:bodyPr rtlCol="0" anchor="ctr"/>
-          <a:lstStyle/>
-          <a:p>
-            <a:pPr algn="ctr"/>
-            <a:endParaRPr lang="ko-KR" altLang="en-US"/>
-          </a:p>
-        </p:txBody>
-      </p:sp>
-    </p:spTree>
-    <p:extLst>
-      <p:ext uri="{BB962C8B-B14F-4D97-AF65-F5344CB8AC3E}">
-        <p14:creationId xmlns:p14="http://schemas.microsoft.com/office/powerpoint/2010/main" val="2356050672"/>
-      </p:ext>
-    </p:extLst>
-  </p:cSld>
-  <p:clrMapOvr>
-    <a:masterClrMapping/>
-  </p:clrMapOvr>
-  <p:timing>
-    <p:tnLst>
-      <p:par>
-        <p:cTn id="1" dur="indefinite" restart="never" nodeType="tmRoot">
-          <p:childTnLst>
-            <p:seq concurrent="1" nextAc="seek">
-              <p:cTn id="2" dur="indefinite" nodeType="mainSeq">
-                <p:childTnLst>
-                  <p:par>
-                    <p:cTn id="3" fill="hold">
-                      <p:stCondLst>
-                        <p:cond delay="indefinite"/>
-                      </p:stCondLst>
-                      <p:childTnLst>
-                        <p:par>
-                          <p:cTn id="4" fill="hold">
-                            <p:stCondLst>
-                              <p:cond delay="0"/>
-                            </p:stCondLst>
-                            <p:childTnLst>
-                              <p:par>
-                                <p:cTn id="5" presetID="2" presetClass="entr" presetSubtype="4" fill="hold" grpId="0" nodeType="clickEffect">
-                                  <p:stCondLst>
-                                    <p:cond delay="0"/>
-                                  </p:stCondLst>
-                                  <p:childTnLst>
-                                    <p:set>
-                                      <p:cBhvr>
-                                        <p:cTn id="6" dur="1" fill="hold">
-                                          <p:stCondLst>
-                                            <p:cond delay="0"/>
-                                          </p:stCondLst>
-                                        </p:cTn>
-                                        <p:tgtEl>
-                                          <p:spTgt spid="2"/>
-                                        </p:tgtEl>
-                                        <p:attrNameLst>
-                                          <p:attrName>style.visibility</p:attrName>
-                                        </p:attrNameLst>
-                                      </p:cBhvr>
-                                      <p:to>
-                                        <p:strVal val="visible"/>
-                                      </p:to>
-                                    </p:set>
-                                    <p:anim calcmode="lin" valueType="num">
-                                      <p:cBhvr additive="base">
-                                        <p:cTn id="7" dur="500" fill="hold"/>
-                                        <p:tgtEl>
-                                          <p:spTgt spid="2"/>
-                                        </p:tgtEl>
-                                        <p:attrNameLst>
-                                          <p:attrName>ppt_x</p:attrName>
-                                        </p:attrNameLst>
-                                      </p:cBhvr>
-                                      <p:tavLst>
-                                        <p:tav tm="0">
-                                          <p:val>
-                                            <p:strVal val="#ppt_x"/>
-                                          </p:val>
-                                        </p:tav>
-                                        <p:tav tm="100000">
-                                          <p:val>
-                                            <p:strVal val="#ppt_x"/>
-                                          </p:val>
-                                        </p:tav>
-                                      </p:tavLst>
-                                    </p:anim>
-                                    <p:anim calcmode="lin" valueType="num">
-                                      <p:cBhvr additive="base">
-                                        <p:cTn id="8" dur="500" fill="hold"/>
-                                        <p:tgtEl>
-                                          <p:spTgt spid="2"/>
-                                        </p:tgtEl>
-                                        <p:attrNameLst>
-                                          <p:attrName>ppt_y</p:attrName>
-                                        </p:attrNameLst>
-                                      </p:cBhvr>
-                                      <p:tavLst>
-                                        <p:tav tm="0">
-                                          <p:val>
-                                            <p:strVal val="1+#ppt_h/2"/>
-                                          </p:val>
-                                        </p:tav>
-                                        <p:tav tm="100000">
-                                          <p:val>
-                                            <p:strVal val="#ppt_y"/>
-                                          </p:val>
-                                        </p:tav>
-                                      </p:tavLst>
-                                    </p:anim>
-                                  </p:childTnLst>
-                                </p:cTn>
-                              </p:par>
-                              <p:par>
-                                <p:cTn id="9" presetID="2" presetClass="entr" presetSubtype="4" fill="hold" grpId="0" nodeType="withEffect">
-                                  <p:stCondLst>
-                                    <p:cond delay="0"/>
-                                  </p:stCondLst>
-                                  <p:childTnLst>
-                                    <p:set>
-                                      <p:cBhvr>
-                                        <p:cTn id="10" dur="1" fill="hold">
-                                          <p:stCondLst>
-                                            <p:cond delay="0"/>
-                                          </p:stCondLst>
-                                        </p:cTn>
-                                        <p:tgtEl>
-                                          <p:spTgt spid="3"/>
-                                        </p:tgtEl>
-                                        <p:attrNameLst>
-                                          <p:attrName>style.visibility</p:attrName>
-                                        </p:attrNameLst>
-                                      </p:cBhvr>
-                                      <p:to>
-                                        <p:strVal val="visible"/>
-                                      </p:to>
-                                    </p:set>
-                                    <p:anim calcmode="lin" valueType="num">
-                                      <p:cBhvr additive="base">
-                                        <p:cTn id="11" dur="500" fill="hold"/>
-                                        <p:tgtEl>
-                                          <p:spTgt spid="3"/>
-                                        </p:tgtEl>
-                                        <p:attrNameLst>
-                                          <p:attrName>ppt_x</p:attrName>
-                                        </p:attrNameLst>
-                                      </p:cBhvr>
-                                      <p:tavLst>
-                                        <p:tav tm="0">
-                                          <p:val>
-                                            <p:strVal val="#ppt_x"/>
-                                          </p:val>
-                                        </p:tav>
-                                        <p:tav tm="100000">
-                                          <p:val>
-                                            <p:strVal val="#ppt_x"/>
-                                          </p:val>
-                                        </p:tav>
-                                      </p:tavLst>
-                                    </p:anim>
-                                    <p:anim calcmode="lin" valueType="num">
-                                      <p:cBhvr additive="base">
-                                        <p:cTn id="12" dur="500" fill="hold"/>
-                                        <p:tgtEl>
-                                          <p:spTgt spid="3"/>
-                                        </p:tgtEl>
-                                        <p:attrNameLst>
-                                          <p:attrName>ppt_y</p:attrName>
-                                        </p:attrNameLst>
-                                      </p:cBhvr>
-                                      <p:tavLst>
-                                        <p:tav tm="0">
-                                          <p:val>
-                                            <p:strVal val="1+#ppt_h/2"/>
-                                          </p:val>
-                                        </p:tav>
-                                        <p:tav tm="100000">
-                                          <p:val>
-                                            <p:strVal val="#ppt_y"/>
-                                          </p:val>
-                                        </p:tav>
-                                      </p:tavLst>
-                                    </p:anim>
-                                  </p:childTnLst>
-                                </p:cTn>
-                              </p:par>
-                            </p:childTnLst>
-                          </p:cTn>
-                        </p:par>
-                      </p:childTnLst>
-                    </p:cTn>
-                  </p:par>
-                </p:childTnLst>
-              </p:cTn>
-              <p:prevCondLst>
-                <p:cond evt="onPrev" delay="0">
-                  <p:tgtEl>
-                    <p:sldTgt/>
-                  </p:tgtEl>
-                </p:cond>
-              </p:prevCondLst>
-              <p:nextCondLst>
-                <p:cond evt="onNext" delay="0">
-                  <p:tgtEl>
-                    <p:sldTgt/>
-                  </p:tgtEl>
-                </p:cond>
-              </p:nextCondLst>
-            </p:seq>
-          </p:childTnLst>
-        </p:cTn>
-      </p:par>
-    </p:tnLst>
-    <p:bldLst>
-      <p:bldP spid="2" grpId="0"/>
-      <p:bldP spid="3" grpId="0" animBg="1"/>
-    </p:bldLst>
-  </p:timing>
-</p:sld>
-</file>
-
 <file path=ppt/theme/theme1.xml><?xml version="1.0" encoding="utf-8"?>
 <a:theme xmlns:a="http://schemas.openxmlformats.org/drawingml/2006/main" name="1_Office 테마">
   <a:themeElements>

--- a/6조_외부환경영향.pptx
+++ b/6조_외부환경영향.pptx
@@ -5,7 +5,7 @@
     <p:sldMasterId id="2147483663" r:id="rId1"/>
   </p:sldMasterIdLst>
   <p:notesMasterIdLst>
-    <p:notesMasterId r:id="rId20"/>
+    <p:notesMasterId r:id="rId21"/>
   </p:notesMasterIdLst>
   <p:sldIdLst>
     <p:sldId id="256" r:id="rId2"/>
@@ -18,43 +18,49 @@
     <p:sldId id="273" r:id="rId9"/>
     <p:sldId id="263" r:id="rId10"/>
     <p:sldId id="264" r:id="rId11"/>
-    <p:sldId id="265" r:id="rId12"/>
-    <p:sldId id="266" r:id="rId13"/>
-    <p:sldId id="267" r:id="rId14"/>
-    <p:sldId id="269" r:id="rId15"/>
-    <p:sldId id="270" r:id="rId16"/>
-    <p:sldId id="268" r:id="rId17"/>
-    <p:sldId id="271" r:id="rId18"/>
-    <p:sldId id="272" r:id="rId19"/>
+    <p:sldId id="274" r:id="rId12"/>
+    <p:sldId id="265" r:id="rId13"/>
+    <p:sldId id="266" r:id="rId14"/>
+    <p:sldId id="267" r:id="rId15"/>
+    <p:sldId id="269" r:id="rId16"/>
+    <p:sldId id="270" r:id="rId17"/>
+    <p:sldId id="268" r:id="rId18"/>
+    <p:sldId id="271" r:id="rId19"/>
+    <p:sldId id="272" r:id="rId20"/>
   </p:sldIdLst>
   <p:sldSz cx="12192000" cy="6858000"/>
   <p:notesSz cx="6858000" cy="9144000"/>
   <p:embeddedFontLst>
     <p:embeddedFont>
-      <p:font typeface="나눔바른고딕" panose="020B0603020101020101" pitchFamily="50" charset="-127"/>
-      <p:regular r:id="rId21"/>
-      <p:bold r:id="rId22"/>
+      <p:font typeface="나눔고딕" panose="020D0604000000000000" pitchFamily="50" charset="-127"/>
+      <p:regular r:id="rId22"/>
+      <p:bold r:id="rId23"/>
     </p:embeddedFont>
     <p:embeddedFont>
       <p:font typeface="나눔고딕 ExtraBold" panose="020D0904000000000000" pitchFamily="50" charset="-127"/>
-      <p:bold r:id="rId23"/>
+      <p:bold r:id="rId24"/>
+    </p:embeddedFont>
+    <p:embeddedFont>
+      <p:font typeface="나눔바른고딕" panose="020B0603020101020101" pitchFamily="50" charset="-127"/>
+      <p:regular r:id="rId25"/>
+      <p:bold r:id="rId26"/>
     </p:embeddedFont>
     <p:embeddedFont>
       <p:font typeface="나눔스퀘어 Bold" panose="020B0600000101010101" pitchFamily="50" charset="-127"/>
-      <p:bold r:id="rId24"/>
+      <p:bold r:id="rId27"/>
     </p:embeddedFont>
     <p:embeddedFont>
       <p:font typeface="나눔스퀘어 ExtraBold" panose="020B0600000101010101" pitchFamily="50" charset="-127"/>
-      <p:bold r:id="rId25"/>
+      <p:bold r:id="rId28"/>
     </p:embeddedFont>
     <p:embeddedFont>
       <p:font typeface="나눔스퀘어라운드 Regular" panose="020B0600000101010101" pitchFamily="50" charset="-127"/>
-      <p:regular r:id="rId26"/>
+      <p:regular r:id="rId29"/>
     </p:embeddedFont>
     <p:embeddedFont>
       <p:font typeface="맑은 고딕" panose="020B0503020000020004" pitchFamily="50" charset="-127"/>
-      <p:regular r:id="rId27"/>
-      <p:bold r:id="rId28"/>
+      <p:regular r:id="rId30"/>
+      <p:bold r:id="rId31"/>
     </p:embeddedFont>
   </p:embeddedFontLst>
   <p:defaultTextStyle>
@@ -6822,8 +6828,8 @@
         </p:nvSpPr>
         <p:spPr>
           <a:xfrm>
-            <a:off x="983400" y="2073747"/>
-            <a:ext cx="3998209" cy="584775"/>
+            <a:off x="1455541" y="1680047"/>
+            <a:ext cx="3206326" cy="1077218"/>
           </a:xfrm>
           <a:prstGeom prst="rect">
             <a:avLst/>
@@ -6875,7 +6881,27 @@
                 <a:latin typeface="나눔스퀘어 ExtraBold" panose="020B0600000101010101" pitchFamily="50" charset="-127"/>
                 <a:ea typeface="나눔스퀘어 ExtraBold" panose="020B0600000101010101" pitchFamily="50" charset="-127"/>
               </a:rPr>
-              <a:t>과 비교</a:t>
+              <a:t>과</a:t>
+            </a:r>
+            <a:endParaRPr lang="en-US" altLang="ko-KR" sz="3200" spc="-150" dirty="0">
+              <a:solidFill>
+                <a:srgbClr val="8DBABD"/>
+              </a:solidFill>
+              <a:latin typeface="나눔스퀘어 ExtraBold" panose="020B0600000101010101" pitchFamily="50" charset="-127"/>
+              <a:ea typeface="나눔스퀘어 ExtraBold" panose="020B0600000101010101" pitchFamily="50" charset="-127"/>
+            </a:endParaRPr>
+          </a:p>
+          <a:p>
+            <a:pPr algn="ctr"/>
+            <a:r>
+              <a:rPr lang="ko-KR" altLang="en-US" sz="3200" spc="-150" dirty="0">
+                <a:solidFill>
+                  <a:srgbClr val="8DBABD"/>
+                </a:solidFill>
+                <a:latin typeface="나눔스퀘어 ExtraBold" panose="020B0600000101010101" pitchFamily="50" charset="-127"/>
+                <a:ea typeface="나눔스퀘어 ExtraBold" panose="020B0600000101010101" pitchFamily="50" charset="-127"/>
+              </a:rPr>
+              <a:t>방문자 비교</a:t>
             </a:r>
             <a:endParaRPr lang="en-US" altLang="ko-KR" sz="3200" spc="-150" dirty="0">
               <a:solidFill>
@@ -7246,7 +7272,7 @@
         </p:blipFill>
         <p:spPr>
           <a:xfrm>
-            <a:off x="5463821" y="1191595"/>
+            <a:off x="5540021" y="797895"/>
             <a:ext cx="5201376" cy="4944165"/>
           </a:xfrm>
           <a:prstGeom prst="rect">
@@ -7268,7 +7294,7 @@
         </p:nvSpPr>
         <p:spPr>
           <a:xfrm>
-            <a:off x="1837517" y="3940785"/>
+            <a:off x="1913717" y="3547085"/>
             <a:ext cx="2289976" cy="830997"/>
           </a:xfrm>
           <a:prstGeom prst="rect">
@@ -7340,7 +7366,7 @@
         </p:nvSpPr>
         <p:spPr>
           <a:xfrm>
-            <a:off x="2802789" y="3121306"/>
+            <a:off x="2878989" y="2727606"/>
             <a:ext cx="359432" cy="564018"/>
           </a:xfrm>
           <a:prstGeom prst="downArrow">
@@ -7375,6 +7401,235 @@
           <a:p>
             <a:pPr algn="ctr"/>
             <a:endParaRPr lang="ko-KR" altLang="en-US"/>
+          </a:p>
+        </p:txBody>
+      </p:sp>
+      <p:sp>
+        <p:nvSpPr>
+          <p:cNvPr id="22" name="TextBox 21">
+            <a:extLst>
+              <a:ext uri="{FF2B5EF4-FFF2-40B4-BE49-F238E27FC236}">
+                <a16:creationId xmlns:a16="http://schemas.microsoft.com/office/drawing/2014/main" id="{07C7E5D6-F8B9-43FF-84C4-90D38EBD09D8}"/>
+              </a:ext>
+            </a:extLst>
+          </p:cNvPr>
+          <p:cNvSpPr txBox="1"/>
+          <p:nvPr/>
+        </p:nvSpPr>
+        <p:spPr>
+          <a:xfrm>
+            <a:off x="367432" y="4821344"/>
+            <a:ext cx="2289976" cy="369332"/>
+          </a:xfrm>
+          <a:prstGeom prst="rect">
+            <a:avLst/>
+          </a:prstGeom>
+          <a:noFill/>
+        </p:spPr>
+        <p:txBody>
+          <a:bodyPr wrap="square" rtlCol="0">
+            <a:spAutoFit/>
+          </a:bodyPr>
+          <a:lstStyle/>
+          <a:p>
+            <a:pPr algn="ctr"/>
+            <a:r>
+              <a:rPr lang="en-US" altLang="ko-KR" b="1" dirty="0">
+                <a:latin typeface="나눔고딕" panose="020D0604000000000000" pitchFamily="50" charset="-127"/>
+                <a:ea typeface="나눔고딕" panose="020D0604000000000000" pitchFamily="50" charset="-127"/>
+              </a:rPr>
+              <a:t>GNI(</a:t>
+            </a:r>
+            <a:r>
+              <a:rPr lang="ko-KR" altLang="en-US" b="1" dirty="0">
+                <a:latin typeface="나눔고딕" panose="020D0604000000000000" pitchFamily="50" charset="-127"/>
+                <a:ea typeface="나눔고딕" panose="020D0604000000000000" pitchFamily="50" charset="-127"/>
+              </a:rPr>
+              <a:t>국민총소득</a:t>
+            </a:r>
+            <a:r>
+              <a:rPr lang="en-US" altLang="ko-KR" b="1" dirty="0">
+                <a:latin typeface="나눔고딕" panose="020D0604000000000000" pitchFamily="50" charset="-127"/>
+                <a:ea typeface="나눔고딕" panose="020D0604000000000000" pitchFamily="50" charset="-127"/>
+              </a:rPr>
+              <a:t>)</a:t>
+            </a:r>
+            <a:r>
+              <a:rPr lang="ko-KR" altLang="en-US" b="1" dirty="0">
+                <a:latin typeface="나눔고딕" panose="020D0604000000000000" pitchFamily="50" charset="-127"/>
+                <a:ea typeface="나눔고딕" panose="020D0604000000000000" pitchFamily="50" charset="-127"/>
+              </a:rPr>
+              <a:t>란</a:t>
+            </a:r>
+            <a:r>
+              <a:rPr lang="en-US" altLang="ko-KR" b="1" dirty="0">
+                <a:latin typeface="나눔고딕" panose="020D0604000000000000" pitchFamily="50" charset="-127"/>
+                <a:ea typeface="나눔고딕" panose="020D0604000000000000" pitchFamily="50" charset="-127"/>
+              </a:rPr>
+              <a:t>?</a:t>
+            </a:r>
+            <a:endParaRPr lang="en-US" altLang="ko-KR" sz="1500" spc="-150" dirty="0">
+              <a:solidFill>
+                <a:srgbClr val="8DBABD"/>
+              </a:solidFill>
+              <a:latin typeface="나눔고딕" panose="020D0604000000000000" pitchFamily="50" charset="-127"/>
+              <a:ea typeface="나눔고딕" panose="020D0604000000000000" pitchFamily="50" charset="-127"/>
+            </a:endParaRPr>
+          </a:p>
+        </p:txBody>
+      </p:sp>
+      <p:sp>
+        <p:nvSpPr>
+          <p:cNvPr id="4" name="TextBox 3">
+            <a:extLst>
+              <a:ext uri="{FF2B5EF4-FFF2-40B4-BE49-F238E27FC236}">
+                <a16:creationId xmlns:a16="http://schemas.microsoft.com/office/drawing/2014/main" id="{FF71158E-D943-4808-A1A8-D19D53C445A1}"/>
+              </a:ext>
+            </a:extLst>
+          </p:cNvPr>
+          <p:cNvSpPr txBox="1"/>
+          <p:nvPr/>
+        </p:nvSpPr>
+        <p:spPr>
+          <a:xfrm flipH="1">
+            <a:off x="367432" y="5236993"/>
+            <a:ext cx="5372967" cy="507831"/>
+          </a:xfrm>
+          <a:prstGeom prst="rect">
+            <a:avLst/>
+          </a:prstGeom>
+          <a:noFill/>
+        </p:spPr>
+        <p:txBody>
+          <a:bodyPr wrap="square" rtlCol="0">
+            <a:spAutoFit/>
+          </a:bodyPr>
+          <a:lstStyle/>
+          <a:p>
+            <a:r>
+              <a:rPr lang="ko-KR" altLang="en-US" sz="1350" dirty="0">
+                <a:latin typeface="나눔고딕" panose="020D0604000000000000" pitchFamily="50" charset="-127"/>
+                <a:ea typeface="나눔고딕" panose="020D0604000000000000" pitchFamily="50" charset="-127"/>
+              </a:rPr>
+              <a:t>국민총소득</a:t>
+            </a:r>
+            <a:r>
+              <a:rPr lang="en-US" altLang="ko-KR" sz="1350" dirty="0">
+                <a:latin typeface="나눔고딕" panose="020D0604000000000000" pitchFamily="50" charset="-127"/>
+                <a:ea typeface="나눔고딕" panose="020D0604000000000000" pitchFamily="50" charset="-127"/>
+              </a:rPr>
+              <a:t>(GNI)</a:t>
+            </a:r>
+            <a:r>
+              <a:rPr lang="ko-KR" altLang="en-US" sz="1350" dirty="0">
+                <a:latin typeface="나눔고딕" panose="020D0604000000000000" pitchFamily="50" charset="-127"/>
+                <a:ea typeface="나눔고딕" panose="020D0604000000000000" pitchFamily="50" charset="-127"/>
+              </a:rPr>
+              <a:t>은 한나라의 국민이 국내외 생산 활동에 참가하거나 </a:t>
+            </a:r>
+            <a:endParaRPr lang="en-US" altLang="ko-KR" sz="1350" dirty="0">
+              <a:latin typeface="나눔고딕" panose="020D0604000000000000" pitchFamily="50" charset="-127"/>
+              <a:ea typeface="나눔고딕" panose="020D0604000000000000" pitchFamily="50" charset="-127"/>
+            </a:endParaRPr>
+          </a:p>
+          <a:p>
+            <a:r>
+              <a:rPr lang="ko-KR" altLang="en-US" sz="1350" dirty="0">
+                <a:latin typeface="나눔고딕" panose="020D0604000000000000" pitchFamily="50" charset="-127"/>
+                <a:ea typeface="나눔고딕" panose="020D0604000000000000" pitchFamily="50" charset="-127"/>
+              </a:rPr>
+              <a:t>생산에 필요한 자산을 제공한 대가로 받은 소득의 합계</a:t>
+            </a:r>
+          </a:p>
+        </p:txBody>
+      </p:sp>
+      <p:sp>
+        <p:nvSpPr>
+          <p:cNvPr id="5" name="TextBox 4">
+            <a:extLst>
+              <a:ext uri="{FF2B5EF4-FFF2-40B4-BE49-F238E27FC236}">
+                <a16:creationId xmlns:a16="http://schemas.microsoft.com/office/drawing/2014/main" id="{117D7A47-D310-42C9-B366-C9244307DB0B}"/>
+              </a:ext>
+            </a:extLst>
+          </p:cNvPr>
+          <p:cNvSpPr txBox="1"/>
+          <p:nvPr/>
+        </p:nvSpPr>
+        <p:spPr>
+          <a:xfrm>
+            <a:off x="8314128" y="5483214"/>
+            <a:ext cx="2192964" cy="646331"/>
+          </a:xfrm>
+          <a:prstGeom prst="rect">
+            <a:avLst/>
+          </a:prstGeom>
+          <a:noFill/>
+        </p:spPr>
+        <p:txBody>
+          <a:bodyPr wrap="square" rtlCol="0">
+            <a:spAutoFit/>
+          </a:bodyPr>
+          <a:lstStyle/>
+          <a:p>
+            <a:r>
+              <a:rPr lang="en-US" altLang="ko-KR" dirty="0">
+                <a:latin typeface="나눔고딕" panose="020D0604000000000000" pitchFamily="50" charset="-127"/>
+                <a:ea typeface="나눔고딕" panose="020D0604000000000000" pitchFamily="50" charset="-127"/>
+              </a:rPr>
+              <a:t>X = </a:t>
+            </a:r>
+            <a:r>
+              <a:rPr lang="ko-KR" altLang="en-US" dirty="0">
+                <a:latin typeface="나눔고딕" panose="020D0604000000000000" pitchFamily="50" charset="-127"/>
+                <a:ea typeface="나눔고딕" panose="020D0604000000000000" pitchFamily="50" charset="-127"/>
+              </a:rPr>
+              <a:t>제주</a:t>
+            </a:r>
+            <a:r>
+              <a:rPr lang="en-US" altLang="ko-KR" dirty="0">
+                <a:latin typeface="나눔고딕" panose="020D0604000000000000" pitchFamily="50" charset="-127"/>
+                <a:ea typeface="나눔고딕" panose="020D0604000000000000" pitchFamily="50" charset="-127"/>
+              </a:rPr>
+              <a:t> </a:t>
+            </a:r>
+            <a:r>
+              <a:rPr lang="ko-KR" altLang="en-US" dirty="0">
+                <a:latin typeface="나눔고딕" panose="020D0604000000000000" pitchFamily="50" charset="-127"/>
+                <a:ea typeface="나눔고딕" panose="020D0604000000000000" pitchFamily="50" charset="-127"/>
+              </a:rPr>
+              <a:t>방문자 수</a:t>
+            </a:r>
+            <a:endParaRPr lang="en-US" altLang="ko-KR" dirty="0">
+              <a:latin typeface="나눔고딕" panose="020D0604000000000000" pitchFamily="50" charset="-127"/>
+              <a:ea typeface="나눔고딕" panose="020D0604000000000000" pitchFamily="50" charset="-127"/>
+            </a:endParaRPr>
+          </a:p>
+          <a:p>
+            <a:r>
+              <a:rPr lang="en-US" altLang="ko-KR" dirty="0">
+                <a:latin typeface="나눔고딕" panose="020D0604000000000000" pitchFamily="50" charset="-127"/>
+                <a:ea typeface="나눔고딕" panose="020D0604000000000000" pitchFamily="50" charset="-127"/>
+              </a:rPr>
+              <a:t>Y = </a:t>
+            </a:r>
+            <a:r>
+              <a:rPr lang="ko-KR" altLang="en-US" dirty="0">
+                <a:latin typeface="나눔고딕" panose="020D0604000000000000" pitchFamily="50" charset="-127"/>
+                <a:ea typeface="나눔고딕" panose="020D0604000000000000" pitchFamily="50" charset="-127"/>
+              </a:rPr>
+              <a:t>한국</a:t>
+            </a:r>
+            <a:r>
+              <a:rPr lang="en-US" altLang="ko-KR" dirty="0">
+                <a:latin typeface="나눔고딕" panose="020D0604000000000000" pitchFamily="50" charset="-127"/>
+                <a:ea typeface="나눔고딕" panose="020D0604000000000000" pitchFamily="50" charset="-127"/>
+              </a:rPr>
+              <a:t> GNI</a:t>
+            </a:r>
+            <a:endParaRPr lang="ko-KR" altLang="en-US" dirty="0">
+              <a:latin typeface="나눔고딕" panose="020D0604000000000000" pitchFamily="50" charset="-127"/>
+              <a:ea typeface="나눔고딕" panose="020D0604000000000000" pitchFamily="50" charset="-127"/>
+            </a:endParaRPr>
           </a:p>
         </p:txBody>
       </p:sp>
@@ -7560,6 +7815,97 @@
                       </p:childTnLst>
                     </p:cTn>
                   </p:par>
+                  <p:par>
+                    <p:cTn id="13" fill="hold">
+                      <p:stCondLst>
+                        <p:cond delay="indefinite"/>
+                      </p:stCondLst>
+                      <p:childTnLst>
+                        <p:par>
+                          <p:cTn id="14" fill="hold">
+                            <p:stCondLst>
+                              <p:cond delay="0"/>
+                            </p:stCondLst>
+                            <p:childTnLst>
+                              <p:par>
+                                <p:cTn id="15" presetID="2" presetClass="entr" presetSubtype="4" fill="hold" grpId="0" nodeType="clickEffect">
+                                  <p:stCondLst>
+                                    <p:cond delay="0"/>
+                                  </p:stCondLst>
+                                  <p:childTnLst>
+                                    <p:set>
+                                      <p:cBhvr>
+                                        <p:cTn id="16" dur="1" fill="hold">
+                                          <p:stCondLst>
+                                            <p:cond delay="0"/>
+                                          </p:stCondLst>
+                                        </p:cTn>
+                                        <p:tgtEl>
+                                          <p:spTgt spid="22"/>
+                                        </p:tgtEl>
+                                        <p:attrNameLst>
+                                          <p:attrName>style.visibility</p:attrName>
+                                        </p:attrNameLst>
+                                      </p:cBhvr>
+                                      <p:to>
+                                        <p:strVal val="visible"/>
+                                      </p:to>
+                                    </p:set>
+                                    <p:anim calcmode="lin" valueType="num">
+                                      <p:cBhvr additive="base">
+                                        <p:cTn id="17" dur="500" fill="hold"/>
+                                        <p:tgtEl>
+                                          <p:spTgt spid="22"/>
+                                        </p:tgtEl>
+                                        <p:attrNameLst>
+                                          <p:attrName>ppt_x</p:attrName>
+                                        </p:attrNameLst>
+                                      </p:cBhvr>
+                                      <p:tavLst>
+                                        <p:tav tm="0">
+                                          <p:val>
+                                            <p:strVal val="#ppt_x"/>
+                                          </p:val>
+                                        </p:tav>
+                                        <p:tav tm="100000">
+                                          <p:val>
+                                            <p:strVal val="#ppt_x"/>
+                                          </p:val>
+                                        </p:tav>
+                                      </p:tavLst>
+                                    </p:anim>
+                                    <p:anim calcmode="lin" valueType="num">
+                                      <p:cBhvr additive="base">
+                                        <p:cTn id="18" dur="500" fill="hold"/>
+                                        <p:tgtEl>
+                                          <p:spTgt spid="22"/>
+                                        </p:tgtEl>
+                                        <p:attrNameLst>
+                                          <p:attrName>ppt_y</p:attrName>
+                                        </p:attrNameLst>
+                                      </p:cBhvr>
+                                      <p:tavLst>
+                                        <p:tav tm="0">
+                                          <p:val>
+                                            <p:strVal val="1+#ppt_h/2"/>
+                                          </p:val>
+                                        </p:tav>
+                                        <p:tav tm="100000">
+                                          <p:val>
+                                            <p:strVal val="#ppt_y"/>
+                                          </p:val>
+                                        </p:tav>
+                                      </p:tavLst>
+                                    </p:anim>
+                                  </p:childTnLst>
+                                </p:cTn>
+                              </p:par>
+                            </p:childTnLst>
+                          </p:cTn>
+                        </p:par>
+                      </p:childTnLst>
+                    </p:cTn>
+                  </p:par>
                 </p:childTnLst>
               </p:cTn>
               <p:prevCondLst>
@@ -7584,12 +7930,549 @@
     <p:bldLst>
       <p:bldP spid="2" grpId="0"/>
       <p:bldP spid="3" grpId="0" animBg="1"/>
+      <p:bldP spid="22" grpId="0"/>
     </p:bldLst>
   </p:timing>
 </p:sld>
 </file>
 
 <file path=ppt/slides/slide11.xml><?xml version="1.0" encoding="utf-8"?>
+<p:sld xmlns:a="http://schemas.openxmlformats.org/drawingml/2006/main" xmlns:r="http://schemas.openxmlformats.org/officeDocument/2006/relationships" xmlns:p="http://schemas.openxmlformats.org/presentationml/2006/main">
+  <p:cSld>
+    <p:spTree>
+      <p:nvGrpSpPr>
+        <p:cNvPr id="1" name=""/>
+        <p:cNvGrpSpPr/>
+        <p:nvPr/>
+      </p:nvGrpSpPr>
+      <p:grpSpPr>
+        <a:xfrm>
+          <a:off x="0" y="0"/>
+          <a:ext cx="0" cy="0"/>
+          <a:chOff x="0" y="0"/>
+          <a:chExt cx="0" cy="0"/>
+        </a:xfrm>
+      </p:grpSpPr>
+      <p:cxnSp>
+        <p:nvCxnSpPr>
+          <p:cNvPr id="14" name="직선 연결선 13"/>
+          <p:cNvCxnSpPr/>
+          <p:nvPr/>
+        </p:nvCxnSpPr>
+        <p:spPr>
+          <a:xfrm>
+            <a:off x="10430892" y="144941"/>
+            <a:ext cx="360000" cy="0"/>
+          </a:xfrm>
+          <a:prstGeom prst="line">
+            <a:avLst/>
+          </a:prstGeom>
+          <a:ln w="44450" cap="rnd">
+            <a:solidFill>
+              <a:srgbClr val="D0CECE"/>
+            </a:solidFill>
+          </a:ln>
+          <a:effectLst>
+            <a:outerShdw blurRad="50800" dist="38100" dir="5400000" algn="t" rotWithShape="0">
+              <a:prstClr val="black">
+                <a:alpha val="40000"/>
+              </a:prstClr>
+            </a:outerShdw>
+          </a:effectLst>
+        </p:spPr>
+        <p:style>
+          <a:lnRef idx="1">
+            <a:schemeClr val="accent1"/>
+          </a:lnRef>
+          <a:fillRef idx="0">
+            <a:schemeClr val="accent1"/>
+          </a:fillRef>
+          <a:effectRef idx="0">
+            <a:schemeClr val="accent1"/>
+          </a:effectRef>
+          <a:fontRef idx="minor">
+            <a:schemeClr val="tx1"/>
+          </a:fontRef>
+        </p:style>
+      </p:cxnSp>
+      <p:cxnSp>
+        <p:nvCxnSpPr>
+          <p:cNvPr id="15" name="직선 연결선 14"/>
+          <p:cNvCxnSpPr/>
+          <p:nvPr/>
+        </p:nvCxnSpPr>
+        <p:spPr>
+          <a:xfrm>
+            <a:off x="10858459" y="144941"/>
+            <a:ext cx="360000" cy="0"/>
+          </a:xfrm>
+          <a:prstGeom prst="line">
+            <a:avLst/>
+          </a:prstGeom>
+          <a:ln w="44450" cap="rnd">
+            <a:solidFill>
+              <a:srgbClr val="8DBABD"/>
+            </a:solidFill>
+          </a:ln>
+          <a:effectLst>
+            <a:outerShdw blurRad="50800" dist="38100" dir="5400000" algn="t" rotWithShape="0">
+              <a:prstClr val="black">
+                <a:alpha val="40000"/>
+              </a:prstClr>
+            </a:outerShdw>
+          </a:effectLst>
+        </p:spPr>
+        <p:style>
+          <a:lnRef idx="1">
+            <a:schemeClr val="accent1"/>
+          </a:lnRef>
+          <a:fillRef idx="0">
+            <a:schemeClr val="accent1"/>
+          </a:fillRef>
+          <a:effectRef idx="0">
+            <a:schemeClr val="accent1"/>
+          </a:effectRef>
+          <a:fontRef idx="minor">
+            <a:schemeClr val="tx1"/>
+          </a:fontRef>
+        </p:style>
+      </p:cxnSp>
+      <p:cxnSp>
+        <p:nvCxnSpPr>
+          <p:cNvPr id="16" name="직선 연결선 15"/>
+          <p:cNvCxnSpPr/>
+          <p:nvPr/>
+        </p:nvCxnSpPr>
+        <p:spPr>
+          <a:xfrm>
+            <a:off x="11286026" y="144941"/>
+            <a:ext cx="360000" cy="0"/>
+          </a:xfrm>
+          <a:prstGeom prst="line">
+            <a:avLst/>
+          </a:prstGeom>
+          <a:ln w="44450" cap="rnd">
+            <a:solidFill>
+              <a:schemeClr val="bg2">
+                <a:lumMod val="90000"/>
+              </a:schemeClr>
+            </a:solidFill>
+          </a:ln>
+          <a:effectLst>
+            <a:outerShdw blurRad="50800" dist="38100" dir="5400000" algn="t" rotWithShape="0">
+              <a:prstClr val="black">
+                <a:alpha val="40000"/>
+              </a:prstClr>
+            </a:outerShdw>
+          </a:effectLst>
+        </p:spPr>
+        <p:style>
+          <a:lnRef idx="1">
+            <a:schemeClr val="accent1"/>
+          </a:lnRef>
+          <a:fillRef idx="0">
+            <a:schemeClr val="accent1"/>
+          </a:fillRef>
+          <a:effectRef idx="0">
+            <a:schemeClr val="accent1"/>
+          </a:effectRef>
+          <a:fontRef idx="minor">
+            <a:schemeClr val="tx1"/>
+          </a:fontRef>
+        </p:style>
+      </p:cxnSp>
+      <p:cxnSp>
+        <p:nvCxnSpPr>
+          <p:cNvPr id="17" name="직선 연결선 16"/>
+          <p:cNvCxnSpPr/>
+          <p:nvPr/>
+        </p:nvCxnSpPr>
+        <p:spPr>
+          <a:xfrm>
+            <a:off x="11713592" y="144941"/>
+            <a:ext cx="360000" cy="0"/>
+          </a:xfrm>
+          <a:prstGeom prst="line">
+            <a:avLst/>
+          </a:prstGeom>
+          <a:ln w="44450" cap="rnd">
+            <a:solidFill>
+              <a:schemeClr val="bg2">
+                <a:lumMod val="90000"/>
+              </a:schemeClr>
+            </a:solidFill>
+          </a:ln>
+          <a:effectLst>
+            <a:outerShdw blurRad="50800" dist="38100" dir="5400000" algn="t" rotWithShape="0">
+              <a:prstClr val="black">
+                <a:alpha val="40000"/>
+              </a:prstClr>
+            </a:outerShdw>
+          </a:effectLst>
+        </p:spPr>
+        <p:style>
+          <a:lnRef idx="1">
+            <a:schemeClr val="accent1"/>
+          </a:lnRef>
+          <a:fillRef idx="0">
+            <a:schemeClr val="accent1"/>
+          </a:fillRef>
+          <a:effectRef idx="0">
+            <a:schemeClr val="accent1"/>
+          </a:effectRef>
+          <a:fontRef idx="minor">
+            <a:schemeClr val="tx1"/>
+          </a:fontRef>
+        </p:style>
+      </p:cxnSp>
+      <p:cxnSp>
+        <p:nvCxnSpPr>
+          <p:cNvPr id="18" name="직선 연결선 17"/>
+          <p:cNvCxnSpPr/>
+          <p:nvPr/>
+        </p:nvCxnSpPr>
+        <p:spPr>
+          <a:xfrm>
+            <a:off x="1026522" y="989148"/>
+            <a:ext cx="2160000" cy="0"/>
+          </a:xfrm>
+          <a:prstGeom prst="line">
+            <a:avLst/>
+          </a:prstGeom>
+          <a:ln>
+            <a:solidFill>
+              <a:schemeClr val="bg1">
+                <a:lumMod val="50000"/>
+              </a:schemeClr>
+            </a:solidFill>
+          </a:ln>
+        </p:spPr>
+        <p:style>
+          <a:lnRef idx="1">
+            <a:schemeClr val="accent1"/>
+          </a:lnRef>
+          <a:fillRef idx="0">
+            <a:schemeClr val="accent1"/>
+          </a:fillRef>
+          <a:effectRef idx="0">
+            <a:schemeClr val="accent1"/>
+          </a:effectRef>
+          <a:fontRef idx="minor">
+            <a:schemeClr val="tx1"/>
+          </a:fontRef>
+        </p:style>
+      </p:cxnSp>
+      <p:sp>
+        <p:nvSpPr>
+          <p:cNvPr id="19" name="TextBox 18"/>
+          <p:cNvSpPr txBox="1"/>
+          <p:nvPr/>
+        </p:nvSpPr>
+        <p:spPr>
+          <a:xfrm>
+            <a:off x="1233310" y="437393"/>
+            <a:ext cx="1749197" cy="584775"/>
+          </a:xfrm>
+          <a:prstGeom prst="rect">
+            <a:avLst/>
+          </a:prstGeom>
+          <a:noFill/>
+        </p:spPr>
+        <p:txBody>
+          <a:bodyPr wrap="none" rtlCol="0">
+            <a:spAutoFit/>
+          </a:bodyPr>
+          <a:lstStyle/>
+          <a:p>
+            <a:pPr algn="ctr"/>
+            <a:r>
+              <a:rPr lang="ko-KR" altLang="en-US" sz="3200" spc="-150">
+                <a:solidFill>
+                  <a:srgbClr val="00002F"/>
+                </a:solidFill>
+                <a:latin typeface="나눔스퀘어 ExtraBold" panose="020B0600000101010101" pitchFamily="50" charset="-127"/>
+                <a:ea typeface="나눔스퀘어 ExtraBold" panose="020B0600000101010101" pitchFamily="50" charset="-127"/>
+              </a:rPr>
+              <a:t>외부요인</a:t>
+            </a:r>
+            <a:endParaRPr lang="ko-KR" altLang="en-US" sz="3200" spc="-150" dirty="0">
+              <a:solidFill>
+                <a:srgbClr val="00002F"/>
+              </a:solidFill>
+              <a:latin typeface="나눔스퀘어 ExtraBold" panose="020B0600000101010101" pitchFamily="50" charset="-127"/>
+              <a:ea typeface="나눔스퀘어 ExtraBold" panose="020B0600000101010101" pitchFamily="50" charset="-127"/>
+            </a:endParaRPr>
+          </a:p>
+        </p:txBody>
+      </p:sp>
+      <p:sp>
+        <p:nvSpPr>
+          <p:cNvPr id="20" name="TextBox 19"/>
+          <p:cNvSpPr txBox="1"/>
+          <p:nvPr/>
+        </p:nvSpPr>
+        <p:spPr>
+          <a:xfrm>
+            <a:off x="455532" y="498947"/>
+            <a:ext cx="614271" cy="461665"/>
+          </a:xfrm>
+          <a:prstGeom prst="rect">
+            <a:avLst/>
+          </a:prstGeom>
+          <a:noFill/>
+        </p:spPr>
+        <p:txBody>
+          <a:bodyPr wrap="none" rtlCol="0">
+            <a:spAutoFit/>
+          </a:bodyPr>
+          <a:lstStyle/>
+          <a:p>
+            <a:pPr algn="ctr"/>
+            <a:r>
+              <a:rPr lang="en-US" altLang="ko-KR" sz="2400" spc="-150" dirty="0">
+                <a:solidFill>
+                  <a:srgbClr val="00002F"/>
+                </a:solidFill>
+                <a:latin typeface="나눔스퀘어 ExtraBold" panose="020B0600000101010101" pitchFamily="50" charset="-127"/>
+                <a:ea typeface="나눔스퀘어 ExtraBold" panose="020B0600000101010101" pitchFamily="50" charset="-127"/>
+              </a:rPr>
+              <a:t>02.</a:t>
+            </a:r>
+            <a:endParaRPr lang="ko-KR" altLang="en-US" sz="2400" spc="-150" dirty="0">
+              <a:solidFill>
+                <a:srgbClr val="00002F"/>
+              </a:solidFill>
+              <a:latin typeface="나눔스퀘어 ExtraBold" panose="020B0600000101010101" pitchFamily="50" charset="-127"/>
+              <a:ea typeface="나눔스퀘어 ExtraBold" panose="020B0600000101010101" pitchFamily="50" charset="-127"/>
+            </a:endParaRPr>
+          </a:p>
+        </p:txBody>
+      </p:sp>
+      <p:sp>
+        <p:nvSpPr>
+          <p:cNvPr id="21" name="TextBox 20"/>
+          <p:cNvSpPr txBox="1"/>
+          <p:nvPr/>
+        </p:nvSpPr>
+        <p:spPr>
+          <a:xfrm>
+            <a:off x="1043807" y="1006929"/>
+            <a:ext cx="2002472" cy="369332"/>
+          </a:xfrm>
+          <a:prstGeom prst="rect">
+            <a:avLst/>
+          </a:prstGeom>
+          <a:noFill/>
+        </p:spPr>
+        <p:txBody>
+          <a:bodyPr wrap="none" rtlCol="0">
+            <a:spAutoFit/>
+          </a:bodyPr>
+          <a:lstStyle/>
+          <a:p>
+            <a:pPr algn="ctr"/>
+            <a:r>
+              <a:rPr lang="ko-KR" altLang="en-US" spc="-150" dirty="0">
+                <a:solidFill>
+                  <a:srgbClr val="00002F"/>
+                </a:solidFill>
+                <a:latin typeface="나눔스퀘어 ExtraBold" panose="020B0600000101010101" pitchFamily="50" charset="-127"/>
+                <a:ea typeface="나눔스퀘어 ExtraBold" panose="020B0600000101010101" pitchFamily="50" charset="-127"/>
+              </a:rPr>
+              <a:t>내국인 관광객 요인</a:t>
+            </a:r>
+          </a:p>
+        </p:txBody>
+      </p:sp>
+      <p:pic>
+        <p:nvPicPr>
+          <p:cNvPr id="12" name="그림 11">
+            <a:extLst>
+              <a:ext uri="{FF2B5EF4-FFF2-40B4-BE49-F238E27FC236}">
+                <a16:creationId xmlns:a16="http://schemas.microsoft.com/office/drawing/2014/main" id="{81F3AF4D-A2E4-4211-88F7-E1D880317713}"/>
+              </a:ext>
+            </a:extLst>
+          </p:cNvPr>
+          <p:cNvPicPr>
+            <a:picLocks noChangeAspect="1"/>
+          </p:cNvPicPr>
+          <p:nvPr/>
+        </p:nvPicPr>
+        <p:blipFill>
+          <a:blip r:embed="rId2">
+            <a:extLst>
+              <a:ext uri="{28A0092B-C50C-407E-A947-70E740481C1C}">
+                <a14:useLocalDpi xmlns:a14="http://schemas.microsoft.com/office/drawing/2010/main" val="0"/>
+              </a:ext>
+            </a:extLst>
+          </a:blip>
+          <a:stretch>
+            <a:fillRect/>
+          </a:stretch>
+        </p:blipFill>
+        <p:spPr>
+          <a:xfrm>
+            <a:off x="5540021" y="797895"/>
+            <a:ext cx="5201376" cy="4944165"/>
+          </a:xfrm>
+          <a:prstGeom prst="rect">
+            <a:avLst/>
+          </a:prstGeom>
+        </p:spPr>
+      </p:pic>
+      <p:sp>
+        <p:nvSpPr>
+          <p:cNvPr id="4" name="TextBox 3">
+            <a:extLst>
+              <a:ext uri="{FF2B5EF4-FFF2-40B4-BE49-F238E27FC236}">
+                <a16:creationId xmlns:a16="http://schemas.microsoft.com/office/drawing/2014/main" id="{FF71158E-D943-4808-A1A8-D19D53C445A1}"/>
+              </a:ext>
+            </a:extLst>
+          </p:cNvPr>
+          <p:cNvSpPr txBox="1"/>
+          <p:nvPr/>
+        </p:nvSpPr>
+        <p:spPr>
+          <a:xfrm flipH="1">
+            <a:off x="359794" y="1782991"/>
+            <a:ext cx="3475605" cy="292388"/>
+          </a:xfrm>
+          <a:prstGeom prst="rect">
+            <a:avLst/>
+          </a:prstGeom>
+          <a:noFill/>
+        </p:spPr>
+        <p:txBody>
+          <a:bodyPr wrap="square" rtlCol="0">
+            <a:spAutoFit/>
+          </a:bodyPr>
+          <a:lstStyle/>
+          <a:p>
+            <a:r>
+              <a:rPr lang="ko-KR" altLang="en-US" sz="1300" dirty="0">
+                <a:latin typeface="나눔고딕" panose="020D0604000000000000" pitchFamily="50" charset="-127"/>
+                <a:ea typeface="나눔고딕" panose="020D0604000000000000" pitchFamily="50" charset="-127"/>
+              </a:rPr>
+              <a:t>실질적으로 </a:t>
+            </a:r>
+            <a:r>
+              <a:rPr lang="en-US" altLang="ko-KR" sz="1300" dirty="0">
+                <a:latin typeface="나눔고딕" panose="020D0604000000000000" pitchFamily="50" charset="-127"/>
+                <a:ea typeface="나눔고딕" panose="020D0604000000000000" pitchFamily="50" charset="-127"/>
+              </a:rPr>
+              <a:t>GNI</a:t>
+            </a:r>
+            <a:endParaRPr lang="ko-KR" altLang="en-US" sz="1300" dirty="0">
+              <a:latin typeface="나눔고딕" panose="020D0604000000000000" pitchFamily="50" charset="-127"/>
+              <a:ea typeface="나눔고딕" panose="020D0604000000000000" pitchFamily="50" charset="-127"/>
+            </a:endParaRPr>
+          </a:p>
+        </p:txBody>
+      </p:sp>
+      <p:sp>
+        <p:nvSpPr>
+          <p:cNvPr id="5" name="TextBox 4">
+            <a:extLst>
+              <a:ext uri="{FF2B5EF4-FFF2-40B4-BE49-F238E27FC236}">
+                <a16:creationId xmlns:a16="http://schemas.microsoft.com/office/drawing/2014/main" id="{117D7A47-D310-42C9-B366-C9244307DB0B}"/>
+              </a:ext>
+            </a:extLst>
+          </p:cNvPr>
+          <p:cNvSpPr txBox="1"/>
+          <p:nvPr/>
+        </p:nvSpPr>
+        <p:spPr>
+          <a:xfrm>
+            <a:off x="8314128" y="5483214"/>
+            <a:ext cx="2192964" cy="646331"/>
+          </a:xfrm>
+          <a:prstGeom prst="rect">
+            <a:avLst/>
+          </a:prstGeom>
+          <a:noFill/>
+        </p:spPr>
+        <p:txBody>
+          <a:bodyPr wrap="square" rtlCol="0">
+            <a:spAutoFit/>
+          </a:bodyPr>
+          <a:lstStyle/>
+          <a:p>
+            <a:r>
+              <a:rPr lang="en-US" altLang="ko-KR" dirty="0">
+                <a:latin typeface="나눔고딕" panose="020D0604000000000000" pitchFamily="50" charset="-127"/>
+                <a:ea typeface="나눔고딕" panose="020D0604000000000000" pitchFamily="50" charset="-127"/>
+              </a:rPr>
+              <a:t>X = </a:t>
+            </a:r>
+            <a:r>
+              <a:rPr lang="ko-KR" altLang="en-US" dirty="0">
+                <a:latin typeface="나눔고딕" panose="020D0604000000000000" pitchFamily="50" charset="-127"/>
+                <a:ea typeface="나눔고딕" panose="020D0604000000000000" pitchFamily="50" charset="-127"/>
+              </a:rPr>
+              <a:t>제주</a:t>
+            </a:r>
+            <a:r>
+              <a:rPr lang="en-US" altLang="ko-KR" dirty="0">
+                <a:latin typeface="나눔고딕" panose="020D0604000000000000" pitchFamily="50" charset="-127"/>
+                <a:ea typeface="나눔고딕" panose="020D0604000000000000" pitchFamily="50" charset="-127"/>
+              </a:rPr>
+              <a:t> </a:t>
+            </a:r>
+            <a:r>
+              <a:rPr lang="ko-KR" altLang="en-US" dirty="0">
+                <a:latin typeface="나눔고딕" panose="020D0604000000000000" pitchFamily="50" charset="-127"/>
+                <a:ea typeface="나눔고딕" panose="020D0604000000000000" pitchFamily="50" charset="-127"/>
+              </a:rPr>
+              <a:t>방문자 수</a:t>
+            </a:r>
+            <a:endParaRPr lang="en-US" altLang="ko-KR" dirty="0">
+              <a:latin typeface="나눔고딕" panose="020D0604000000000000" pitchFamily="50" charset="-127"/>
+              <a:ea typeface="나눔고딕" panose="020D0604000000000000" pitchFamily="50" charset="-127"/>
+            </a:endParaRPr>
+          </a:p>
+          <a:p>
+            <a:r>
+              <a:rPr lang="en-US" altLang="ko-KR" dirty="0">
+                <a:latin typeface="나눔고딕" panose="020D0604000000000000" pitchFamily="50" charset="-127"/>
+                <a:ea typeface="나눔고딕" panose="020D0604000000000000" pitchFamily="50" charset="-127"/>
+              </a:rPr>
+              <a:t>Y = </a:t>
+            </a:r>
+            <a:r>
+              <a:rPr lang="ko-KR" altLang="en-US" dirty="0">
+                <a:latin typeface="나눔고딕" panose="020D0604000000000000" pitchFamily="50" charset="-127"/>
+                <a:ea typeface="나눔고딕" panose="020D0604000000000000" pitchFamily="50" charset="-127"/>
+              </a:rPr>
+              <a:t>한국</a:t>
+            </a:r>
+            <a:r>
+              <a:rPr lang="en-US" altLang="ko-KR" dirty="0">
+                <a:latin typeface="나눔고딕" panose="020D0604000000000000" pitchFamily="50" charset="-127"/>
+                <a:ea typeface="나눔고딕" panose="020D0604000000000000" pitchFamily="50" charset="-127"/>
+              </a:rPr>
+              <a:t> GNI</a:t>
+            </a:r>
+            <a:endParaRPr lang="ko-KR" altLang="en-US" dirty="0">
+              <a:latin typeface="나눔고딕" panose="020D0604000000000000" pitchFamily="50" charset="-127"/>
+              <a:ea typeface="나눔고딕" panose="020D0604000000000000" pitchFamily="50" charset="-127"/>
+            </a:endParaRPr>
+          </a:p>
+        </p:txBody>
+      </p:sp>
+    </p:spTree>
+    <p:extLst>
+      <p:ext uri="{BB962C8B-B14F-4D97-AF65-F5344CB8AC3E}">
+        <p14:creationId xmlns:p14="http://schemas.microsoft.com/office/powerpoint/2010/main" val="3849719"/>
+      </p:ext>
+    </p:extLst>
+  </p:cSld>
+  <p:clrMapOvr>
+    <a:masterClrMapping/>
+  </p:clrMapOvr>
+</p:sld>
+</file>
+
+<file path=ppt/slides/slide12.xml><?xml version="1.0" encoding="utf-8"?>
 <p:sld xmlns:a="http://schemas.openxmlformats.org/drawingml/2006/main" xmlns:r="http://schemas.openxmlformats.org/officeDocument/2006/relationships" xmlns:p="http://schemas.openxmlformats.org/presentationml/2006/main">
   <p:cSld>
     <p:spTree>
@@ -7715,7 +8598,7 @@
 </p:sld>
 </file>
 
-<file path=ppt/slides/slide12.xml><?xml version="1.0" encoding="utf-8"?>
+<file path=ppt/slides/slide13.xml><?xml version="1.0" encoding="utf-8"?>
 <p:sld xmlns:a="http://schemas.openxmlformats.org/drawingml/2006/main" xmlns:r="http://schemas.openxmlformats.org/officeDocument/2006/relationships" xmlns:p="http://schemas.openxmlformats.org/presentationml/2006/main">
   <p:cSld>
     <p:spTree>
@@ -8226,7 +9109,7 @@
     <mc:Choice Requires="p14">
       <p:transition/>
     </mc:Choice>
-    <mc:Fallback xmlns="" xmlns:c="http://schemas.openxmlformats.org/drawingml/2006/chart" xmlns:dgm="http://schemas.openxmlformats.org/drawingml/2006/diagram" xmlns:dsp="http://schemas.microsoft.com/office/drawing/2008/diagram">
+    <mc:Fallback xmlns:dsp="http://schemas.microsoft.com/office/drawing/2008/diagram" xmlns:dgm="http://schemas.openxmlformats.org/drawingml/2006/diagram" xmlns:c="http://schemas.openxmlformats.org/drawingml/2006/chart" xmlns="">
       <p:transition/>
     </mc:Fallback>
   </mc:AlternateContent>
@@ -8357,7 +9240,7 @@
 </p:sld>
 </file>
 
-<file path=ppt/slides/slide13.xml><?xml version="1.0" encoding="utf-8"?>
+<file path=ppt/slides/slide14.xml><?xml version="1.0" encoding="utf-8"?>
 <p:sld xmlns:a="http://schemas.openxmlformats.org/drawingml/2006/main" xmlns:r="http://schemas.openxmlformats.org/officeDocument/2006/relationships" xmlns:p="http://schemas.openxmlformats.org/presentationml/2006/main">
   <p:cSld>
     <p:spTree>
@@ -9008,7 +9891,7 @@
     <mc:Choice Requires="p14">
       <p:transition/>
     </mc:Choice>
-    <mc:Fallback xmlns="" xmlns:c="http://schemas.openxmlformats.org/drawingml/2006/chart" xmlns:dgm="http://schemas.openxmlformats.org/drawingml/2006/diagram" xmlns:dsp="http://schemas.microsoft.com/office/drawing/2008/diagram">
+    <mc:Fallback xmlns:dsp="http://schemas.microsoft.com/office/drawing/2008/diagram" xmlns:dgm="http://schemas.openxmlformats.org/drawingml/2006/diagram" xmlns:c="http://schemas.openxmlformats.org/drawingml/2006/chart" xmlns="">
       <p:transition/>
     </mc:Fallback>
   </mc:AlternateContent>
@@ -9471,7 +10354,7 @@
 </p:sld>
 </file>
 
-<file path=ppt/slides/slide14.xml><?xml version="1.0" encoding="utf-8"?>
+<file path=ppt/slides/slide15.xml><?xml version="1.0" encoding="utf-8"?>
 <p:sld xmlns:a="http://schemas.openxmlformats.org/drawingml/2006/main" xmlns:r="http://schemas.openxmlformats.org/officeDocument/2006/relationships" xmlns:p="http://schemas.openxmlformats.org/presentationml/2006/main">
   <p:cSld>
     <p:spTree>
@@ -9598,14 +10481,14 @@
     <mc:Choice Requires="p14">
       <p:transition/>
     </mc:Choice>
-    <mc:Fallback xmlns="" xmlns:c="http://schemas.openxmlformats.org/drawingml/2006/chart" xmlns:dgm="http://schemas.openxmlformats.org/drawingml/2006/diagram" xmlns:dsp="http://schemas.microsoft.com/office/drawing/2008/diagram">
+    <mc:Fallback xmlns:dsp="http://schemas.microsoft.com/office/drawing/2008/diagram" xmlns:dgm="http://schemas.openxmlformats.org/drawingml/2006/diagram" xmlns:c="http://schemas.openxmlformats.org/drawingml/2006/chart" xmlns="">
       <p:transition/>
     </mc:Fallback>
   </mc:AlternateContent>
 </p:sld>
 </file>
 
-<file path=ppt/slides/slide15.xml><?xml version="1.0" encoding="utf-8"?>
+<file path=ppt/slides/slide16.xml><?xml version="1.0" encoding="utf-8"?>
 <p:sld xmlns:a="http://schemas.openxmlformats.org/drawingml/2006/main" xmlns:r="http://schemas.openxmlformats.org/officeDocument/2006/relationships" xmlns:p="http://schemas.openxmlformats.org/presentationml/2006/main">
   <p:cSld>
     <p:spTree>
@@ -10119,7 +11002,7 @@
 </p:sld>
 </file>
 
-<file path=ppt/slides/slide16.xml><?xml version="1.0" encoding="utf-8"?>
+<file path=ppt/slides/slide17.xml><?xml version="1.0" encoding="utf-8"?>
 <p:sld xmlns:a="http://schemas.openxmlformats.org/drawingml/2006/main" xmlns:r="http://schemas.openxmlformats.org/officeDocument/2006/relationships" xmlns:p="http://schemas.openxmlformats.org/presentationml/2006/main">
   <p:cSld>
     <p:spTree>
@@ -10229,14 +11112,14 @@
     <mc:Choice Requires="p14">
       <p:transition/>
     </mc:Choice>
-    <mc:Fallback xmlns="" xmlns:c="http://schemas.openxmlformats.org/drawingml/2006/chart" xmlns:dgm="http://schemas.openxmlformats.org/drawingml/2006/diagram" xmlns:dsp="http://schemas.microsoft.com/office/drawing/2008/diagram">
+    <mc:Fallback xmlns:dsp="http://schemas.microsoft.com/office/drawing/2008/diagram" xmlns:dgm="http://schemas.openxmlformats.org/drawingml/2006/diagram" xmlns:c="http://schemas.openxmlformats.org/drawingml/2006/chart" xmlns="">
       <p:transition/>
     </mc:Fallback>
   </mc:AlternateContent>
 </p:sld>
 </file>
 
-<file path=ppt/slides/slide17.xml><?xml version="1.0" encoding="utf-8"?>
+<file path=ppt/slides/slide18.xml><?xml version="1.0" encoding="utf-8"?>
 <p:sld xmlns:a="http://schemas.openxmlformats.org/drawingml/2006/main" xmlns:r="http://schemas.openxmlformats.org/officeDocument/2006/relationships" xmlns:p="http://schemas.openxmlformats.org/presentationml/2006/main">
   <p:cSld>
     <p:spTree>
@@ -10309,7 +11192,7 @@
 </p:sld>
 </file>
 
-<file path=ppt/slides/slide18.xml><?xml version="1.0" encoding="utf-8"?>
+<file path=ppt/slides/slide19.xml><?xml version="1.0" encoding="utf-8"?>
 <p:sld xmlns:a="http://schemas.openxmlformats.org/drawingml/2006/main" xmlns:r="http://schemas.openxmlformats.org/officeDocument/2006/relationships" xmlns:p="http://schemas.openxmlformats.org/presentationml/2006/main">
   <p:cSld>
     <p:spTree>

--- a/6조_외부환경영향.pptx
+++ b/6조_외부환경영향.pptx
@@ -17,8 +17,8 @@
     <p:sldId id="262" r:id="rId8"/>
     <p:sldId id="273" r:id="rId9"/>
     <p:sldId id="263" r:id="rId10"/>
-    <p:sldId id="264" r:id="rId11"/>
-    <p:sldId id="274" r:id="rId12"/>
+    <p:sldId id="274" r:id="rId11"/>
+    <p:sldId id="264" r:id="rId12"/>
     <p:sldId id="265" r:id="rId13"/>
     <p:sldId id="266" r:id="rId14"/>
     <p:sldId id="267" r:id="rId15"/>
@@ -3394,6 +3394,407 @@
 </c:chartSpace>
 </file>
 
+<file path=ppt/charts/chart5.xml><?xml version="1.0" encoding="utf-8"?>
+<c:chartSpace xmlns:c="http://schemas.openxmlformats.org/drawingml/2006/chart" xmlns:a="http://schemas.openxmlformats.org/drawingml/2006/main" xmlns:r="http://schemas.openxmlformats.org/officeDocument/2006/relationships" xmlns:c16r2="http://schemas.microsoft.com/office/drawing/2015/06/chart">
+  <c:date1904 val="0"/>
+  <c:lang val="ko-KR"/>
+  <c:roundedCorners val="0"/>
+  <mc:AlternateContent xmlns:mc="http://schemas.openxmlformats.org/markup-compatibility/2006">
+    <mc:Choice xmlns:c14="http://schemas.microsoft.com/office/drawing/2007/8/2/chart" Requires="c14">
+      <c14:style val="102"/>
+    </mc:Choice>
+    <mc:Fallback>
+      <c:style val="2"/>
+    </mc:Fallback>
+  </mc:AlternateContent>
+  <c:chart>
+    <c:title>
+      <c:tx>
+        <c:rich>
+          <a:bodyPr rot="0" spcFirstLastPara="1" vertOverflow="ellipsis" vert="horz" wrap="square" anchor="ctr" anchorCtr="1"/>
+          <a:lstStyle/>
+          <a:p>
+            <a:pPr>
+              <a:defRPr sz="1400" b="0" i="0" u="none" strike="noStrike" kern="1200" cap="none" spc="20" baseline="0">
+                <a:solidFill>
+                  <a:schemeClr val="dk1">
+                    <a:lumMod val="50000"/>
+                    <a:lumOff val="50000"/>
+                  </a:schemeClr>
+                </a:solidFill>
+                <a:latin typeface="+mn-lt"/>
+                <a:ea typeface="+mn-ea"/>
+                <a:cs typeface="+mn-cs"/>
+              </a:defRPr>
+            </a:pPr>
+            <a:r>
+              <a:rPr lang="en-US"/>
+              <a:t>GNI</a:t>
+            </a:r>
+            <a:r>
+              <a:rPr lang="en-US" baseline="0"/>
+              <a:t> </a:t>
+            </a:r>
+            <a:r>
+              <a:rPr lang="ko-KR" altLang="en-US" baseline="0"/>
+              <a:t>증가량</a:t>
+            </a:r>
+            <a:endParaRPr lang="en-US"/>
+          </a:p>
+        </c:rich>
+      </c:tx>
+      <c:overlay val="0"/>
+      <c:spPr>
+        <a:noFill/>
+        <a:ln>
+          <a:noFill/>
+        </a:ln>
+        <a:effectLst/>
+      </c:spPr>
+      <c:txPr>
+        <a:bodyPr rot="0" spcFirstLastPara="1" vertOverflow="ellipsis" vert="horz" wrap="square" anchor="ctr" anchorCtr="1"/>
+        <a:lstStyle/>
+        <a:p>
+          <a:pPr>
+            <a:defRPr sz="1400" b="0" i="0" u="none" strike="noStrike" kern="1200" cap="none" spc="20" baseline="0">
+              <a:solidFill>
+                <a:schemeClr val="dk1">
+                  <a:lumMod val="50000"/>
+                  <a:lumOff val="50000"/>
+                </a:schemeClr>
+              </a:solidFill>
+              <a:latin typeface="+mn-lt"/>
+              <a:ea typeface="+mn-ea"/>
+              <a:cs typeface="+mn-cs"/>
+            </a:defRPr>
+          </a:pPr>
+          <a:endParaRPr lang="ko-KR"/>
+        </a:p>
+      </c:txPr>
+    </c:title>
+    <c:autoTitleDeleted val="0"/>
+    <c:plotArea>
+      <c:layout/>
+      <c:lineChart>
+        <c:grouping val="standard"/>
+        <c:varyColors val="0"/>
+        <c:ser>
+          <c:idx val="0"/>
+          <c:order val="0"/>
+          <c:tx>
+            <c:strRef>
+              <c:f>gniaazzzz!$B$1</c:f>
+              <c:strCache>
+                <c:ptCount val="1"/>
+                <c:pt idx="0">
+                  <c:v>GNI</c:v>
+                </c:pt>
+              </c:strCache>
+            </c:strRef>
+          </c:tx>
+          <c:spPr>
+            <a:ln w="22225" cap="rnd" cmpd="sng" algn="ctr">
+              <a:solidFill>
+                <a:srgbClr val="ED675D"/>
+              </a:solidFill>
+              <a:round/>
+            </a:ln>
+            <a:effectLst/>
+          </c:spPr>
+          <c:marker>
+            <c:symbol val="none"/>
+          </c:marker>
+          <c:cat>
+            <c:strRef>
+              <c:f>gniaazzzz!$A$2:$A$13</c:f>
+              <c:strCache>
+                <c:ptCount val="12"/>
+                <c:pt idx="0">
+                  <c:v>2016년1분기</c:v>
+                </c:pt>
+                <c:pt idx="1">
+                  <c:v>2016년2분기</c:v>
+                </c:pt>
+                <c:pt idx="2">
+                  <c:v>2016년3분기</c:v>
+                </c:pt>
+                <c:pt idx="3">
+                  <c:v>2016년4분기</c:v>
+                </c:pt>
+                <c:pt idx="4">
+                  <c:v>2017년1분기</c:v>
+                </c:pt>
+                <c:pt idx="5">
+                  <c:v>2017년2분기</c:v>
+                </c:pt>
+                <c:pt idx="6">
+                  <c:v>2017년3분기</c:v>
+                </c:pt>
+                <c:pt idx="7">
+                  <c:v>2017년4분기</c:v>
+                </c:pt>
+                <c:pt idx="8">
+                  <c:v>2018년1분기</c:v>
+                </c:pt>
+                <c:pt idx="9">
+                  <c:v>2018년2분기</c:v>
+                </c:pt>
+                <c:pt idx="10">
+                  <c:v>2018년3분기</c:v>
+                </c:pt>
+                <c:pt idx="11">
+                  <c:v>2018년4분기</c:v>
+                </c:pt>
+              </c:strCache>
+            </c:strRef>
+          </c:cat>
+          <c:val>
+            <c:numRef>
+              <c:f>gniaazzzz!$B$2:$B$13</c:f>
+              <c:numCache>
+                <c:formatCode>#,##0_ </c:formatCode>
+                <c:ptCount val="12"/>
+                <c:pt idx="0">
+                  <c:v>393320.2</c:v>
+                </c:pt>
+                <c:pt idx="1">
+                  <c:v>391996</c:v>
+                </c:pt>
+                <c:pt idx="2">
+                  <c:v>390124.3</c:v>
+                </c:pt>
+                <c:pt idx="3">
+                  <c:v>394219.6</c:v>
+                </c:pt>
+                <c:pt idx="4">
+                  <c:v>403093.4</c:v>
+                </c:pt>
+                <c:pt idx="5">
+                  <c:v>403055.6</c:v>
+                </c:pt>
+                <c:pt idx="6">
+                  <c:v>410385.9</c:v>
+                </c:pt>
+                <c:pt idx="7">
+                  <c:v>405189.3</c:v>
+                </c:pt>
+                <c:pt idx="8">
+                  <c:v>412463</c:v>
+                </c:pt>
+                <c:pt idx="9">
+                  <c:v>408839.7</c:v>
+                </c:pt>
+                <c:pt idx="10">
+                  <c:v>409664.1</c:v>
+                </c:pt>
+                <c:pt idx="11">
+                  <c:v>409242.1</c:v>
+                </c:pt>
+              </c:numCache>
+            </c:numRef>
+          </c:val>
+          <c:smooth val="0"/>
+          <c:extLst>
+            <c:ext xmlns:c16="http://schemas.microsoft.com/office/drawing/2014/chart" uri="{C3380CC4-5D6E-409C-BE32-E72D297353CC}">
+              <c16:uniqueId val="{00000000-84DA-415C-B7AA-A923037BDD6C}"/>
+            </c:ext>
+          </c:extLst>
+        </c:ser>
+        <c:dLbls>
+          <c:showLegendKey val="0"/>
+          <c:showVal val="0"/>
+          <c:showCatName val="0"/>
+          <c:showSerName val="0"/>
+          <c:showPercent val="0"/>
+          <c:showBubbleSize val="0"/>
+        </c:dLbls>
+        <c:dropLines>
+          <c:spPr>
+            <a:ln w="9525" cap="flat" cmpd="sng" algn="ctr">
+              <a:solidFill>
+                <a:schemeClr val="dk1">
+                  <a:lumMod val="35000"/>
+                  <a:lumOff val="65000"/>
+                  <a:alpha val="33000"/>
+                </a:schemeClr>
+              </a:solidFill>
+              <a:round/>
+            </a:ln>
+            <a:effectLst/>
+          </c:spPr>
+        </c:dropLines>
+        <c:smooth val="0"/>
+        <c:axId val="1638266239"/>
+        <c:axId val="1636551727"/>
+      </c:lineChart>
+      <c:catAx>
+        <c:axId val="1638266239"/>
+        <c:scaling>
+          <c:orientation val="minMax"/>
+        </c:scaling>
+        <c:delete val="0"/>
+        <c:axPos val="b"/>
+        <c:numFmt formatCode="General" sourceLinked="1"/>
+        <c:majorTickMark val="none"/>
+        <c:minorTickMark val="none"/>
+        <c:tickLblPos val="nextTo"/>
+        <c:spPr>
+          <a:noFill/>
+          <a:ln w="9525" cap="flat" cmpd="sng" algn="ctr">
+            <a:solidFill>
+              <a:schemeClr val="dk1">
+                <a:lumMod val="15000"/>
+                <a:lumOff val="85000"/>
+              </a:schemeClr>
+            </a:solidFill>
+            <a:round/>
+          </a:ln>
+          <a:effectLst/>
+        </c:spPr>
+        <c:txPr>
+          <a:bodyPr rot="-60000000" spcFirstLastPara="1" vertOverflow="ellipsis" vert="horz" wrap="square" anchor="ctr" anchorCtr="1"/>
+          <a:lstStyle/>
+          <a:p>
+            <a:pPr>
+              <a:defRPr sz="900" b="0" i="0" u="none" strike="noStrike" kern="1200" spc="20" baseline="0">
+                <a:solidFill>
+                  <a:schemeClr val="dk1">
+                    <a:lumMod val="65000"/>
+                    <a:lumOff val="35000"/>
+                  </a:schemeClr>
+                </a:solidFill>
+                <a:latin typeface="+mn-lt"/>
+                <a:ea typeface="+mn-ea"/>
+                <a:cs typeface="+mn-cs"/>
+              </a:defRPr>
+            </a:pPr>
+            <a:endParaRPr lang="ko-KR"/>
+          </a:p>
+        </c:txPr>
+        <c:crossAx val="1636551727"/>
+        <c:crosses val="autoZero"/>
+        <c:auto val="1"/>
+        <c:lblAlgn val="ctr"/>
+        <c:lblOffset val="100"/>
+        <c:noMultiLvlLbl val="0"/>
+      </c:catAx>
+      <c:valAx>
+        <c:axId val="1636551727"/>
+        <c:scaling>
+          <c:orientation val="minMax"/>
+        </c:scaling>
+        <c:delete val="0"/>
+        <c:axPos val="l"/>
+        <c:majorGridlines>
+          <c:spPr>
+            <a:ln>
+              <a:solidFill>
+                <a:schemeClr val="dk1">
+                  <a:lumMod val="15000"/>
+                  <a:lumOff val="85000"/>
+                </a:schemeClr>
+              </a:solidFill>
+            </a:ln>
+            <a:effectLst/>
+          </c:spPr>
+        </c:majorGridlines>
+        <c:minorGridlines>
+          <c:spPr>
+            <a:ln>
+              <a:solidFill>
+                <a:schemeClr val="dk1">
+                  <a:lumMod val="5000"/>
+                  <a:lumOff val="95000"/>
+                </a:schemeClr>
+              </a:solidFill>
+            </a:ln>
+            <a:effectLst/>
+          </c:spPr>
+        </c:minorGridlines>
+        <c:numFmt formatCode="#,##0_ " sourceLinked="1"/>
+        <c:majorTickMark val="none"/>
+        <c:minorTickMark val="none"/>
+        <c:tickLblPos val="nextTo"/>
+        <c:spPr>
+          <a:noFill/>
+          <a:ln>
+            <a:noFill/>
+          </a:ln>
+          <a:effectLst/>
+        </c:spPr>
+        <c:txPr>
+          <a:bodyPr rot="-60000000" spcFirstLastPara="1" vertOverflow="ellipsis" vert="horz" wrap="square" anchor="ctr" anchorCtr="1"/>
+          <a:lstStyle/>
+          <a:p>
+            <a:pPr>
+              <a:defRPr sz="900" b="0" i="0" u="none" strike="noStrike" kern="1200" spc="20" baseline="0">
+                <a:solidFill>
+                  <a:schemeClr val="dk1">
+                    <a:lumMod val="65000"/>
+                    <a:lumOff val="35000"/>
+                  </a:schemeClr>
+                </a:solidFill>
+                <a:latin typeface="+mn-lt"/>
+                <a:ea typeface="+mn-ea"/>
+                <a:cs typeface="+mn-cs"/>
+              </a:defRPr>
+            </a:pPr>
+            <a:endParaRPr lang="ko-KR"/>
+          </a:p>
+        </c:txPr>
+        <c:crossAx val="1638266239"/>
+        <c:crosses val="autoZero"/>
+        <c:crossBetween val="between"/>
+      </c:valAx>
+      <c:spPr>
+        <a:gradFill>
+          <a:gsLst>
+            <a:gs pos="100000">
+              <a:schemeClr val="lt1">
+                <a:lumMod val="95000"/>
+              </a:schemeClr>
+            </a:gs>
+            <a:gs pos="0">
+              <a:schemeClr val="lt1"/>
+            </a:gs>
+          </a:gsLst>
+          <a:lin ang="5400000" scaled="0"/>
+        </a:gradFill>
+        <a:ln>
+          <a:noFill/>
+        </a:ln>
+        <a:effectLst/>
+      </c:spPr>
+    </c:plotArea>
+    <c:plotVisOnly val="1"/>
+    <c:dispBlanksAs val="gap"/>
+    <c:showDLblsOverMax val="0"/>
+  </c:chart>
+  <c:spPr>
+    <a:solidFill>
+      <a:schemeClr val="lt1"/>
+    </a:solidFill>
+    <a:ln>
+      <a:noFill/>
+    </a:ln>
+    <a:effectLst/>
+  </c:spPr>
+  <c:txPr>
+    <a:bodyPr/>
+    <a:lstStyle/>
+    <a:p>
+      <a:pPr>
+        <a:defRPr/>
+      </a:pPr>
+      <a:endParaRPr lang="ko-KR"/>
+    </a:p>
+  </c:txPr>
+  <c:externalData r:id="rId3">
+    <c:autoUpdate val="0"/>
+  </c:externalData>
+</c:chartSpace>
+</file>
+
 <file path=ppt/charts/colors1.xml><?xml version="1.0" encoding="utf-8"?>
 <cs:colorStyle xmlns:cs="http://schemas.microsoft.com/office/drawing/2012/chartStyle" xmlns:a="http://schemas.openxmlformats.org/drawingml/2006/main" meth="cycle" id="11">
   <a:schemeClr val="accent1"/>
@@ -3510,6 +3911,46 @@
   <a:schemeClr val="accent1"/>
   <a:schemeClr val="accent3"/>
   <a:schemeClr val="accent5"/>
+  <cs:variation/>
+  <cs:variation>
+    <a:lumMod val="60000"/>
+  </cs:variation>
+  <cs:variation>
+    <a:lumMod val="80000"/>
+    <a:lumOff val="20000"/>
+  </cs:variation>
+  <cs:variation>
+    <a:lumMod val="80000"/>
+  </cs:variation>
+  <cs:variation>
+    <a:lumMod val="60000"/>
+    <a:lumOff val="40000"/>
+  </cs:variation>
+  <cs:variation>
+    <a:lumMod val="50000"/>
+  </cs:variation>
+  <cs:variation>
+    <a:lumMod val="70000"/>
+    <a:lumOff val="30000"/>
+  </cs:variation>
+  <cs:variation>
+    <a:lumMod val="70000"/>
+  </cs:variation>
+  <cs:variation>
+    <a:lumMod val="50000"/>
+    <a:lumOff val="50000"/>
+  </cs:variation>
+</cs:colorStyle>
+</file>
+
+<file path=ppt/charts/colors5.xml><?xml version="1.0" encoding="utf-8"?>
+<cs:colorStyle xmlns:cs="http://schemas.microsoft.com/office/drawing/2012/chartStyle" xmlns:a="http://schemas.openxmlformats.org/drawingml/2006/main" meth="cycle" id="10">
+  <a:schemeClr val="accent1"/>
+  <a:schemeClr val="accent2"/>
+  <a:schemeClr val="accent3"/>
+  <a:schemeClr val="accent4"/>
+  <a:schemeClr val="accent5"/>
+  <a:schemeClr val="accent6"/>
   <cs:variation/>
   <cs:variation>
     <a:lumMod val="60000"/>
@@ -5666,6 +6107,544 @@
 </cs:chartStyle>
 </file>
 
+<file path=ppt/charts/style5.xml><?xml version="1.0" encoding="utf-8"?>
+<cs:chartStyle xmlns:cs="http://schemas.microsoft.com/office/drawing/2012/chartStyle" xmlns:a="http://schemas.openxmlformats.org/drawingml/2006/main" id="230">
+  <cs:axisTitle>
+    <cs:lnRef idx="0"/>
+    <cs:fillRef idx="0"/>
+    <cs:effectRef idx="0"/>
+    <cs:fontRef idx="minor">
+      <a:schemeClr val="dk1">
+        <a:lumMod val="65000"/>
+        <a:lumOff val="35000"/>
+      </a:schemeClr>
+    </cs:fontRef>
+    <cs:defRPr sz="900" kern="1200" cap="all"/>
+  </cs:axisTitle>
+  <cs:categoryAxis>
+    <cs:lnRef idx="0"/>
+    <cs:fillRef idx="0"/>
+    <cs:effectRef idx="0"/>
+    <cs:fontRef idx="minor">
+      <a:schemeClr val="dk1">
+        <a:lumMod val="65000"/>
+        <a:lumOff val="35000"/>
+      </a:schemeClr>
+    </cs:fontRef>
+    <cs:spPr>
+      <a:ln w="9525" cap="flat" cmpd="sng" algn="ctr">
+        <a:solidFill>
+          <a:schemeClr val="dk1">
+            <a:lumMod val="15000"/>
+            <a:lumOff val="85000"/>
+          </a:schemeClr>
+        </a:solidFill>
+        <a:round/>
+      </a:ln>
+    </cs:spPr>
+    <cs:defRPr sz="900" b="0" kern="1200" spc="20" baseline="0"/>
+  </cs:categoryAxis>
+  <cs:chartArea mods="allowNoLineOverride">
+    <cs:lnRef idx="0"/>
+    <cs:fillRef idx="0"/>
+    <cs:effectRef idx="0"/>
+    <cs:fontRef idx="minor">
+      <a:schemeClr val="dk1"/>
+    </cs:fontRef>
+    <cs:spPr>
+      <a:solidFill>
+        <a:schemeClr val="lt1"/>
+      </a:solidFill>
+      <a:ln w="9525" cap="flat" cmpd="sng" algn="ctr">
+        <a:solidFill>
+          <a:schemeClr val="dk1">
+            <a:lumMod val="15000"/>
+            <a:lumOff val="85000"/>
+          </a:schemeClr>
+        </a:solidFill>
+        <a:round/>
+      </a:ln>
+    </cs:spPr>
+    <cs:defRPr sz="900" kern="1200"/>
+  </cs:chartArea>
+  <cs:dataLabel>
+    <cs:lnRef idx="0"/>
+    <cs:fillRef idx="0"/>
+    <cs:effectRef idx="0"/>
+    <cs:fontRef idx="minor">
+      <a:schemeClr val="dk1">
+        <a:lumMod val="65000"/>
+        <a:lumOff val="35000"/>
+      </a:schemeClr>
+    </cs:fontRef>
+    <cs:defRPr sz="900" kern="1200"/>
+  </cs:dataLabel>
+  <cs:dataLabelCallout>
+    <cs:lnRef idx="0"/>
+    <cs:fillRef idx="0"/>
+    <cs:effectRef idx="0"/>
+    <cs:fontRef idx="minor">
+      <a:schemeClr val="dk1">
+        <a:lumMod val="65000"/>
+        <a:lumOff val="35000"/>
+      </a:schemeClr>
+    </cs:fontRef>
+    <cs:spPr>
+      <a:solidFill>
+        <a:schemeClr val="lt1"/>
+      </a:solidFill>
+      <a:ln>
+        <a:solidFill>
+          <a:schemeClr val="dk1">
+            <a:lumMod val="25000"/>
+            <a:lumOff val="75000"/>
+          </a:schemeClr>
+        </a:solidFill>
+      </a:ln>
+    </cs:spPr>
+    <cs:defRPr sz="900" kern="1200"/>
+    <cs:bodyPr rot="0" spcFirstLastPara="1" vertOverflow="clip" horzOverflow="clip" vert="horz" wrap="square" lIns="36576" tIns="18288" rIns="36576" bIns="18288" anchor="ctr" anchorCtr="1">
+      <a:spAutoFit/>
+    </cs:bodyPr>
+  </cs:dataLabelCallout>
+  <cs:dataPoint>
+    <cs:lnRef idx="0">
+      <cs:styleClr val="auto"/>
+    </cs:lnRef>
+    <cs:fillRef idx="2">
+      <cs:styleClr val="auto"/>
+    </cs:fillRef>
+    <cs:effectRef idx="1"/>
+    <cs:fontRef idx="minor">
+      <a:schemeClr val="dk1"/>
+    </cs:fontRef>
+    <cs:spPr>
+      <a:ln w="9525" cap="flat" cmpd="sng" algn="ctr">
+        <a:solidFill>
+          <a:schemeClr val="phClr">
+            <a:shade val="95000"/>
+          </a:schemeClr>
+        </a:solidFill>
+        <a:round/>
+      </a:ln>
+    </cs:spPr>
+  </cs:dataPoint>
+  <cs:dataPoint3D>
+    <cs:lnRef idx="0">
+      <cs:styleClr val="auto"/>
+    </cs:lnRef>
+    <cs:fillRef idx="2">
+      <cs:styleClr val="auto"/>
+    </cs:fillRef>
+    <cs:effectRef idx="1"/>
+    <cs:fontRef idx="minor">
+      <a:schemeClr val="dk1"/>
+    </cs:fontRef>
+    <cs:spPr>
+      <a:ln w="9525" cap="flat" cmpd="sng" algn="ctr">
+        <a:solidFill>
+          <a:schemeClr val="phClr">
+            <a:shade val="95000"/>
+          </a:schemeClr>
+        </a:solidFill>
+        <a:round/>
+      </a:ln>
+    </cs:spPr>
+  </cs:dataPoint3D>
+  <cs:dataPointLine>
+    <cs:lnRef idx="0">
+      <cs:styleClr val="auto"/>
+    </cs:lnRef>
+    <cs:fillRef idx="0"/>
+    <cs:effectRef idx="0"/>
+    <cs:fontRef idx="minor">
+      <a:schemeClr val="dk1"/>
+    </cs:fontRef>
+    <cs:spPr>
+      <a:ln w="22225" cap="rnd" cmpd="sng" algn="ctr">
+        <a:solidFill>
+          <a:schemeClr val="phClr"/>
+        </a:solidFill>
+        <a:round/>
+      </a:ln>
+    </cs:spPr>
+  </cs:dataPointLine>
+  <cs:dataPointMarker>
+    <cs:lnRef idx="0">
+      <cs:styleClr val="auto"/>
+    </cs:lnRef>
+    <cs:fillRef idx="0">
+      <cs:styleClr val="auto"/>
+    </cs:fillRef>
+    <cs:effectRef idx="0"/>
+    <cs:fontRef idx="minor">
+      <a:schemeClr val="dk1"/>
+    </cs:fontRef>
+    <cs:spPr>
+      <a:solidFill>
+        <a:schemeClr val="phClr"/>
+      </a:solidFill>
+      <a:ln w="9525" cap="flat" cmpd="sng" algn="ctr">
+        <a:solidFill>
+          <a:schemeClr val="phClr"/>
+        </a:solidFill>
+        <a:round/>
+      </a:ln>
+    </cs:spPr>
+  </cs:dataPointMarker>
+  <cs:dataPointMarkerLayout symbol="circle" size="4"/>
+  <cs:dataPointWireframe>
+    <cs:lnRef idx="0">
+      <cs:styleClr val="auto"/>
+    </cs:lnRef>
+    <cs:fillRef idx="0"/>
+    <cs:effectRef idx="0"/>
+    <cs:fontRef idx="minor">
+      <a:schemeClr val="dk1"/>
+    </cs:fontRef>
+    <cs:spPr>
+      <a:ln w="9525" cap="rnd">
+        <a:solidFill>
+          <a:schemeClr val="phClr"/>
+        </a:solidFill>
+        <a:round/>
+      </a:ln>
+    </cs:spPr>
+  </cs:dataPointWireframe>
+  <cs:dataTable>
+    <cs:lnRef idx="0"/>
+    <cs:fillRef idx="0"/>
+    <cs:effectRef idx="0"/>
+    <cs:fontRef idx="minor">
+      <a:schemeClr val="dk1">
+        <a:lumMod val="65000"/>
+        <a:lumOff val="35000"/>
+      </a:schemeClr>
+    </cs:fontRef>
+    <cs:spPr>
+      <a:ln w="9525">
+        <a:solidFill>
+          <a:schemeClr val="dk1">
+            <a:lumMod val="15000"/>
+            <a:lumOff val="85000"/>
+          </a:schemeClr>
+        </a:solidFill>
+      </a:ln>
+    </cs:spPr>
+    <cs:defRPr sz="900" kern="1200"/>
+  </cs:dataTable>
+  <cs:downBar>
+    <cs:lnRef idx="0"/>
+    <cs:fillRef idx="0"/>
+    <cs:effectRef idx="0"/>
+    <cs:fontRef idx="minor">
+      <a:schemeClr val="dk1"/>
+    </cs:fontRef>
+    <cs:spPr>
+      <a:solidFill>
+        <a:schemeClr val="dk1">
+          <a:lumMod val="75000"/>
+          <a:lumOff val="25000"/>
+        </a:schemeClr>
+      </a:solidFill>
+      <a:ln w="9525">
+        <a:solidFill>
+          <a:schemeClr val="dk1">
+            <a:lumMod val="65000"/>
+            <a:lumOff val="35000"/>
+          </a:schemeClr>
+        </a:solidFill>
+      </a:ln>
+    </cs:spPr>
+  </cs:downBar>
+  <cs:dropLine>
+    <cs:lnRef idx="0"/>
+    <cs:fillRef idx="0"/>
+    <cs:effectRef idx="0"/>
+    <cs:fontRef idx="minor">
+      <a:schemeClr val="dk1"/>
+    </cs:fontRef>
+    <cs:spPr>
+      <a:ln w="9525" cap="flat" cmpd="sng" algn="ctr">
+        <a:solidFill>
+          <a:schemeClr val="dk1">
+            <a:lumMod val="35000"/>
+            <a:lumOff val="65000"/>
+            <a:alpha val="33000"/>
+          </a:schemeClr>
+        </a:solidFill>
+        <a:round/>
+      </a:ln>
+    </cs:spPr>
+  </cs:dropLine>
+  <cs:errorBar>
+    <cs:lnRef idx="0"/>
+    <cs:fillRef idx="0"/>
+    <cs:effectRef idx="0"/>
+    <cs:fontRef idx="minor">
+      <a:schemeClr val="dk1"/>
+    </cs:fontRef>
+    <cs:spPr>
+      <a:ln w="9525">
+        <a:solidFill>
+          <a:schemeClr val="dk1">
+            <a:lumMod val="65000"/>
+            <a:lumOff val="35000"/>
+          </a:schemeClr>
+        </a:solidFill>
+      </a:ln>
+    </cs:spPr>
+  </cs:errorBar>
+  <cs:floor>
+    <cs:lnRef idx="0"/>
+    <cs:fillRef idx="0"/>
+    <cs:effectRef idx="0"/>
+    <cs:fontRef idx="minor">
+      <a:schemeClr val="dk1"/>
+    </cs:fontRef>
+  </cs:floor>
+  <cs:gridlineMajor>
+    <cs:lnRef idx="0"/>
+    <cs:fillRef idx="0"/>
+    <cs:effectRef idx="0"/>
+    <cs:fontRef idx="minor">
+      <a:schemeClr val="dk1"/>
+    </cs:fontRef>
+    <cs:spPr>
+      <a:ln>
+        <a:solidFill>
+          <a:schemeClr val="dk1">
+            <a:lumMod val="15000"/>
+            <a:lumOff val="85000"/>
+          </a:schemeClr>
+        </a:solidFill>
+      </a:ln>
+    </cs:spPr>
+  </cs:gridlineMajor>
+  <cs:gridlineMinor>
+    <cs:lnRef idx="0"/>
+    <cs:fillRef idx="0"/>
+    <cs:effectRef idx="0"/>
+    <cs:fontRef idx="minor">
+      <a:schemeClr val="dk1"/>
+    </cs:fontRef>
+    <cs:spPr>
+      <a:ln>
+        <a:solidFill>
+          <a:schemeClr val="dk1">
+            <a:lumMod val="5000"/>
+            <a:lumOff val="95000"/>
+          </a:schemeClr>
+        </a:solidFill>
+      </a:ln>
+    </cs:spPr>
+  </cs:gridlineMinor>
+  <cs:hiLoLine>
+    <cs:lnRef idx="0"/>
+    <cs:fillRef idx="0"/>
+    <cs:effectRef idx="0"/>
+    <cs:fontRef idx="minor">
+      <a:schemeClr val="dk1"/>
+    </cs:fontRef>
+    <cs:spPr>
+      <a:ln w="9525">
+        <a:solidFill>
+          <a:schemeClr val="dk1">
+            <a:lumMod val="35000"/>
+            <a:lumOff val="65000"/>
+          </a:schemeClr>
+        </a:solidFill>
+      </a:ln>
+    </cs:spPr>
+  </cs:hiLoLine>
+  <cs:leaderLine>
+    <cs:lnRef idx="0"/>
+    <cs:fillRef idx="0"/>
+    <cs:effectRef idx="0"/>
+    <cs:fontRef idx="minor">
+      <a:schemeClr val="dk1"/>
+    </cs:fontRef>
+    <cs:spPr>
+      <a:ln w="9525">
+        <a:solidFill>
+          <a:schemeClr val="dk1">
+            <a:lumMod val="35000"/>
+            <a:lumOff val="65000"/>
+          </a:schemeClr>
+        </a:solidFill>
+      </a:ln>
+    </cs:spPr>
+  </cs:leaderLine>
+  <cs:legend>
+    <cs:lnRef idx="0"/>
+    <cs:fillRef idx="0"/>
+    <cs:effectRef idx="0"/>
+    <cs:fontRef idx="minor">
+      <a:schemeClr val="dk1">
+        <a:lumMod val="65000"/>
+        <a:lumOff val="35000"/>
+      </a:schemeClr>
+    </cs:fontRef>
+    <cs:defRPr sz="900" kern="1200"/>
+  </cs:legend>
+  <cs:plotArea>
+    <cs:lnRef idx="0"/>
+    <cs:fillRef idx="0"/>
+    <cs:effectRef idx="0"/>
+    <cs:fontRef idx="minor">
+      <a:schemeClr val="dk1"/>
+    </cs:fontRef>
+    <cs:spPr>
+      <a:gradFill>
+        <a:gsLst>
+          <a:gs pos="100000">
+            <a:schemeClr val="lt1">
+              <a:lumMod val="95000"/>
+            </a:schemeClr>
+          </a:gs>
+          <a:gs pos="0">
+            <a:schemeClr val="lt1"/>
+          </a:gs>
+        </a:gsLst>
+        <a:lin ang="5400000" scaled="0"/>
+      </a:gradFill>
+    </cs:spPr>
+  </cs:plotArea>
+  <cs:plotArea3D>
+    <cs:lnRef idx="0"/>
+    <cs:fillRef idx="0"/>
+    <cs:effectRef idx="0"/>
+    <cs:fontRef idx="minor">
+      <a:schemeClr val="dk1"/>
+    </cs:fontRef>
+  </cs:plotArea3D>
+  <cs:seriesAxis>
+    <cs:lnRef idx="0"/>
+    <cs:fillRef idx="0"/>
+    <cs:effectRef idx="0"/>
+    <cs:fontRef idx="minor">
+      <a:schemeClr val="dk1">
+        <a:lumMod val="65000"/>
+        <a:lumOff val="35000"/>
+      </a:schemeClr>
+    </cs:fontRef>
+    <cs:spPr>
+      <a:ln w="9525" cap="flat" cmpd="sng" algn="ctr">
+        <a:solidFill>
+          <a:schemeClr val="dk1">
+            <a:lumMod val="15000"/>
+            <a:lumOff val="85000"/>
+          </a:schemeClr>
+        </a:solidFill>
+        <a:round/>
+      </a:ln>
+    </cs:spPr>
+    <cs:defRPr sz="900" kern="1200"/>
+  </cs:seriesAxis>
+  <cs:seriesLine>
+    <cs:lnRef idx="0"/>
+    <cs:fillRef idx="0"/>
+    <cs:effectRef idx="0"/>
+    <cs:fontRef idx="minor">
+      <a:schemeClr val="dk1"/>
+    </cs:fontRef>
+    <cs:spPr>
+      <a:ln w="9525">
+        <a:solidFill>
+          <a:schemeClr val="dk1">
+            <a:lumMod val="35000"/>
+            <a:lumOff val="65000"/>
+          </a:schemeClr>
+        </a:solidFill>
+        <a:prstDash val="dash"/>
+      </a:ln>
+    </cs:spPr>
+  </cs:seriesLine>
+  <cs:title>
+    <cs:lnRef idx="0"/>
+    <cs:fillRef idx="0"/>
+    <cs:effectRef idx="0"/>
+    <cs:fontRef idx="minor">
+      <a:schemeClr val="dk1">
+        <a:lumMod val="50000"/>
+        <a:lumOff val="50000"/>
+      </a:schemeClr>
+    </cs:fontRef>
+    <cs:defRPr sz="1400" kern="1200" cap="none" spc="20" baseline="0"/>
+  </cs:title>
+  <cs:trendline>
+    <cs:lnRef idx="0">
+      <cs:styleClr val="auto"/>
+    </cs:lnRef>
+    <cs:fillRef idx="0"/>
+    <cs:effectRef idx="0"/>
+    <cs:fontRef idx="minor">
+      <a:schemeClr val="dk1"/>
+    </cs:fontRef>
+    <cs:spPr>
+      <a:ln w="9525" cap="rnd">
+        <a:solidFill>
+          <a:schemeClr val="phClr"/>
+        </a:solidFill>
+      </a:ln>
+    </cs:spPr>
+  </cs:trendline>
+  <cs:trendlineLabel>
+    <cs:lnRef idx="0"/>
+    <cs:fillRef idx="0"/>
+    <cs:effectRef idx="0"/>
+    <cs:fontRef idx="minor">
+      <a:schemeClr val="dk1">
+        <a:lumMod val="65000"/>
+        <a:lumOff val="35000"/>
+      </a:schemeClr>
+    </cs:fontRef>
+    <cs:defRPr sz="900" kern="1200"/>
+  </cs:trendlineLabel>
+  <cs:upBar>
+    <cs:lnRef idx="0"/>
+    <cs:fillRef idx="0"/>
+    <cs:effectRef idx="0"/>
+    <cs:fontRef idx="minor">
+      <a:schemeClr val="dk1"/>
+    </cs:fontRef>
+    <cs:spPr>
+      <a:solidFill>
+        <a:schemeClr val="lt1"/>
+      </a:solidFill>
+      <a:ln w="9525">
+        <a:solidFill>
+          <a:schemeClr val="dk1">
+            <a:lumMod val="65000"/>
+            <a:lumOff val="35000"/>
+          </a:schemeClr>
+        </a:solidFill>
+      </a:ln>
+    </cs:spPr>
+  </cs:upBar>
+  <cs:valueAxis>
+    <cs:lnRef idx="0"/>
+    <cs:fillRef idx="0"/>
+    <cs:effectRef idx="0"/>
+    <cs:fontRef idx="minor">
+      <a:schemeClr val="dk1">
+        <a:lumMod val="65000"/>
+        <a:lumOff val="35000"/>
+      </a:schemeClr>
+    </cs:fontRef>
+    <cs:defRPr sz="900" kern="1200" spc="20" baseline="0"/>
+  </cs:valueAxis>
+  <cs:wall>
+    <cs:lnRef idx="0"/>
+    <cs:fillRef idx="0"/>
+    <cs:effectRef idx="0"/>
+    <cs:fontRef idx="minor">
+      <a:schemeClr val="dk1"/>
+    </cs:fontRef>
+  </cs:wall>
+</cs:chartStyle>
+</file>
+
 <file path=ppt/comments/comment1.xml><?xml version="1.0" encoding="utf-8"?>
 <p:cmLst xmlns:a="http://schemas.openxmlformats.org/drawingml/2006/main" xmlns:r="http://schemas.openxmlformats.org/officeDocument/2006/relationships" xmlns:p="http://schemas.openxmlformats.org/presentationml/2006/main">
   <p:cm authorId="1" dt="2019-12-13T10:57:33.615" idx="1">
@@ -6820,6 +7799,868 @@
           <a:chExt cx="0" cy="0"/>
         </a:xfrm>
       </p:grpSpPr>
+      <p:cxnSp>
+        <p:nvCxnSpPr>
+          <p:cNvPr id="14" name="직선 연결선 13"/>
+          <p:cNvCxnSpPr/>
+          <p:nvPr/>
+        </p:nvCxnSpPr>
+        <p:spPr>
+          <a:xfrm>
+            <a:off x="10430892" y="144941"/>
+            <a:ext cx="360000" cy="0"/>
+          </a:xfrm>
+          <a:prstGeom prst="line">
+            <a:avLst/>
+          </a:prstGeom>
+          <a:ln w="44450" cap="rnd">
+            <a:solidFill>
+              <a:srgbClr val="D0CECE"/>
+            </a:solidFill>
+          </a:ln>
+          <a:effectLst>
+            <a:outerShdw blurRad="50800" dist="38100" dir="5400000" algn="t" rotWithShape="0">
+              <a:prstClr val="black">
+                <a:alpha val="40000"/>
+              </a:prstClr>
+            </a:outerShdw>
+          </a:effectLst>
+        </p:spPr>
+        <p:style>
+          <a:lnRef idx="1">
+            <a:schemeClr val="accent1"/>
+          </a:lnRef>
+          <a:fillRef idx="0">
+            <a:schemeClr val="accent1"/>
+          </a:fillRef>
+          <a:effectRef idx="0">
+            <a:schemeClr val="accent1"/>
+          </a:effectRef>
+          <a:fontRef idx="minor">
+            <a:schemeClr val="tx1"/>
+          </a:fontRef>
+        </p:style>
+      </p:cxnSp>
+      <p:cxnSp>
+        <p:nvCxnSpPr>
+          <p:cNvPr id="15" name="직선 연결선 14"/>
+          <p:cNvCxnSpPr/>
+          <p:nvPr/>
+        </p:nvCxnSpPr>
+        <p:spPr>
+          <a:xfrm>
+            <a:off x="10858459" y="144941"/>
+            <a:ext cx="360000" cy="0"/>
+          </a:xfrm>
+          <a:prstGeom prst="line">
+            <a:avLst/>
+          </a:prstGeom>
+          <a:ln w="44450" cap="rnd">
+            <a:solidFill>
+              <a:srgbClr val="8DBABD"/>
+            </a:solidFill>
+          </a:ln>
+          <a:effectLst>
+            <a:outerShdw blurRad="50800" dist="38100" dir="5400000" algn="t" rotWithShape="0">
+              <a:prstClr val="black">
+                <a:alpha val="40000"/>
+              </a:prstClr>
+            </a:outerShdw>
+          </a:effectLst>
+        </p:spPr>
+        <p:style>
+          <a:lnRef idx="1">
+            <a:schemeClr val="accent1"/>
+          </a:lnRef>
+          <a:fillRef idx="0">
+            <a:schemeClr val="accent1"/>
+          </a:fillRef>
+          <a:effectRef idx="0">
+            <a:schemeClr val="accent1"/>
+          </a:effectRef>
+          <a:fontRef idx="minor">
+            <a:schemeClr val="tx1"/>
+          </a:fontRef>
+        </p:style>
+      </p:cxnSp>
+      <p:cxnSp>
+        <p:nvCxnSpPr>
+          <p:cNvPr id="16" name="직선 연결선 15"/>
+          <p:cNvCxnSpPr/>
+          <p:nvPr/>
+        </p:nvCxnSpPr>
+        <p:spPr>
+          <a:xfrm>
+            <a:off x="11286026" y="144941"/>
+            <a:ext cx="360000" cy="0"/>
+          </a:xfrm>
+          <a:prstGeom prst="line">
+            <a:avLst/>
+          </a:prstGeom>
+          <a:ln w="44450" cap="rnd">
+            <a:solidFill>
+              <a:schemeClr val="bg2">
+                <a:lumMod val="90000"/>
+              </a:schemeClr>
+            </a:solidFill>
+          </a:ln>
+          <a:effectLst>
+            <a:outerShdw blurRad="50800" dist="38100" dir="5400000" algn="t" rotWithShape="0">
+              <a:prstClr val="black">
+                <a:alpha val="40000"/>
+              </a:prstClr>
+            </a:outerShdw>
+          </a:effectLst>
+        </p:spPr>
+        <p:style>
+          <a:lnRef idx="1">
+            <a:schemeClr val="accent1"/>
+          </a:lnRef>
+          <a:fillRef idx="0">
+            <a:schemeClr val="accent1"/>
+          </a:fillRef>
+          <a:effectRef idx="0">
+            <a:schemeClr val="accent1"/>
+          </a:effectRef>
+          <a:fontRef idx="minor">
+            <a:schemeClr val="tx1"/>
+          </a:fontRef>
+        </p:style>
+      </p:cxnSp>
+      <p:cxnSp>
+        <p:nvCxnSpPr>
+          <p:cNvPr id="17" name="직선 연결선 16"/>
+          <p:cNvCxnSpPr/>
+          <p:nvPr/>
+        </p:nvCxnSpPr>
+        <p:spPr>
+          <a:xfrm>
+            <a:off x="11713592" y="144941"/>
+            <a:ext cx="360000" cy="0"/>
+          </a:xfrm>
+          <a:prstGeom prst="line">
+            <a:avLst/>
+          </a:prstGeom>
+          <a:ln w="44450" cap="rnd">
+            <a:solidFill>
+              <a:schemeClr val="bg2">
+                <a:lumMod val="90000"/>
+              </a:schemeClr>
+            </a:solidFill>
+          </a:ln>
+          <a:effectLst>
+            <a:outerShdw blurRad="50800" dist="38100" dir="5400000" algn="t" rotWithShape="0">
+              <a:prstClr val="black">
+                <a:alpha val="40000"/>
+              </a:prstClr>
+            </a:outerShdw>
+          </a:effectLst>
+        </p:spPr>
+        <p:style>
+          <a:lnRef idx="1">
+            <a:schemeClr val="accent1"/>
+          </a:lnRef>
+          <a:fillRef idx="0">
+            <a:schemeClr val="accent1"/>
+          </a:fillRef>
+          <a:effectRef idx="0">
+            <a:schemeClr val="accent1"/>
+          </a:effectRef>
+          <a:fontRef idx="minor">
+            <a:schemeClr val="tx1"/>
+          </a:fontRef>
+        </p:style>
+      </p:cxnSp>
+      <p:cxnSp>
+        <p:nvCxnSpPr>
+          <p:cNvPr id="18" name="직선 연결선 17"/>
+          <p:cNvCxnSpPr/>
+          <p:nvPr/>
+        </p:nvCxnSpPr>
+        <p:spPr>
+          <a:xfrm>
+            <a:off x="1026522" y="989148"/>
+            <a:ext cx="2160000" cy="0"/>
+          </a:xfrm>
+          <a:prstGeom prst="line">
+            <a:avLst/>
+          </a:prstGeom>
+          <a:ln>
+            <a:solidFill>
+              <a:schemeClr val="bg1">
+                <a:lumMod val="50000"/>
+              </a:schemeClr>
+            </a:solidFill>
+          </a:ln>
+        </p:spPr>
+        <p:style>
+          <a:lnRef idx="1">
+            <a:schemeClr val="accent1"/>
+          </a:lnRef>
+          <a:fillRef idx="0">
+            <a:schemeClr val="accent1"/>
+          </a:fillRef>
+          <a:effectRef idx="0">
+            <a:schemeClr val="accent1"/>
+          </a:effectRef>
+          <a:fontRef idx="minor">
+            <a:schemeClr val="tx1"/>
+          </a:fontRef>
+        </p:style>
+      </p:cxnSp>
+      <p:sp>
+        <p:nvSpPr>
+          <p:cNvPr id="19" name="TextBox 18"/>
+          <p:cNvSpPr txBox="1"/>
+          <p:nvPr/>
+        </p:nvSpPr>
+        <p:spPr>
+          <a:xfrm>
+            <a:off x="1233310" y="437393"/>
+            <a:ext cx="1749197" cy="584775"/>
+          </a:xfrm>
+          <a:prstGeom prst="rect">
+            <a:avLst/>
+          </a:prstGeom>
+          <a:noFill/>
+        </p:spPr>
+        <p:txBody>
+          <a:bodyPr wrap="none" rtlCol="0">
+            <a:spAutoFit/>
+          </a:bodyPr>
+          <a:lstStyle/>
+          <a:p>
+            <a:pPr algn="ctr"/>
+            <a:r>
+              <a:rPr lang="ko-KR" altLang="en-US" sz="3200" spc="-150">
+                <a:solidFill>
+                  <a:srgbClr val="00002F"/>
+                </a:solidFill>
+                <a:latin typeface="나눔스퀘어 ExtraBold" panose="020B0600000101010101" pitchFamily="50" charset="-127"/>
+                <a:ea typeface="나눔스퀘어 ExtraBold" panose="020B0600000101010101" pitchFamily="50" charset="-127"/>
+              </a:rPr>
+              <a:t>외부요인</a:t>
+            </a:r>
+            <a:endParaRPr lang="ko-KR" altLang="en-US" sz="3200" spc="-150" dirty="0">
+              <a:solidFill>
+                <a:srgbClr val="00002F"/>
+              </a:solidFill>
+              <a:latin typeface="나눔스퀘어 ExtraBold" panose="020B0600000101010101" pitchFamily="50" charset="-127"/>
+              <a:ea typeface="나눔스퀘어 ExtraBold" panose="020B0600000101010101" pitchFamily="50" charset="-127"/>
+            </a:endParaRPr>
+          </a:p>
+        </p:txBody>
+      </p:sp>
+      <p:sp>
+        <p:nvSpPr>
+          <p:cNvPr id="20" name="TextBox 19"/>
+          <p:cNvSpPr txBox="1"/>
+          <p:nvPr/>
+        </p:nvSpPr>
+        <p:spPr>
+          <a:xfrm>
+            <a:off x="455532" y="498947"/>
+            <a:ext cx="614271" cy="461665"/>
+          </a:xfrm>
+          <a:prstGeom prst="rect">
+            <a:avLst/>
+          </a:prstGeom>
+          <a:noFill/>
+        </p:spPr>
+        <p:txBody>
+          <a:bodyPr wrap="none" rtlCol="0">
+            <a:spAutoFit/>
+          </a:bodyPr>
+          <a:lstStyle/>
+          <a:p>
+            <a:pPr algn="ctr"/>
+            <a:r>
+              <a:rPr lang="en-US" altLang="ko-KR" sz="2400" spc="-150" dirty="0">
+                <a:solidFill>
+                  <a:srgbClr val="00002F"/>
+                </a:solidFill>
+                <a:latin typeface="나눔스퀘어 ExtraBold" panose="020B0600000101010101" pitchFamily="50" charset="-127"/>
+                <a:ea typeface="나눔스퀘어 ExtraBold" panose="020B0600000101010101" pitchFamily="50" charset="-127"/>
+              </a:rPr>
+              <a:t>02.</a:t>
+            </a:r>
+            <a:endParaRPr lang="ko-KR" altLang="en-US" sz="2400" spc="-150" dirty="0">
+              <a:solidFill>
+                <a:srgbClr val="00002F"/>
+              </a:solidFill>
+              <a:latin typeface="나눔스퀘어 ExtraBold" panose="020B0600000101010101" pitchFamily="50" charset="-127"/>
+              <a:ea typeface="나눔스퀘어 ExtraBold" panose="020B0600000101010101" pitchFamily="50" charset="-127"/>
+            </a:endParaRPr>
+          </a:p>
+        </p:txBody>
+      </p:sp>
+      <p:sp>
+        <p:nvSpPr>
+          <p:cNvPr id="21" name="TextBox 20"/>
+          <p:cNvSpPr txBox="1"/>
+          <p:nvPr/>
+        </p:nvSpPr>
+        <p:spPr>
+          <a:xfrm>
+            <a:off x="1043807" y="1006929"/>
+            <a:ext cx="2002472" cy="369332"/>
+          </a:xfrm>
+          <a:prstGeom prst="rect">
+            <a:avLst/>
+          </a:prstGeom>
+          <a:noFill/>
+        </p:spPr>
+        <p:txBody>
+          <a:bodyPr wrap="none" rtlCol="0">
+            <a:spAutoFit/>
+          </a:bodyPr>
+          <a:lstStyle/>
+          <a:p>
+            <a:pPr algn="ctr"/>
+            <a:r>
+              <a:rPr lang="ko-KR" altLang="en-US" spc="-150" dirty="0">
+                <a:solidFill>
+                  <a:srgbClr val="00002F"/>
+                </a:solidFill>
+                <a:latin typeface="나눔스퀘어 ExtraBold" panose="020B0600000101010101" pitchFamily="50" charset="-127"/>
+                <a:ea typeface="나눔스퀘어 ExtraBold" panose="020B0600000101010101" pitchFamily="50" charset="-127"/>
+              </a:rPr>
+              <a:t>내국인 관광객 요인</a:t>
+            </a:r>
+          </a:p>
+        </p:txBody>
+      </p:sp>
+      <p:sp>
+        <p:nvSpPr>
+          <p:cNvPr id="5" name="TextBox 4">
+            <a:extLst>
+              <a:ext uri="{FF2B5EF4-FFF2-40B4-BE49-F238E27FC236}">
+                <a16:creationId xmlns:a16="http://schemas.microsoft.com/office/drawing/2014/main" id="{117D7A47-D310-42C9-B366-C9244307DB0B}"/>
+              </a:ext>
+            </a:extLst>
+          </p:cNvPr>
+          <p:cNvSpPr txBox="1"/>
+          <p:nvPr/>
+        </p:nvSpPr>
+        <p:spPr>
+          <a:xfrm>
+            <a:off x="9453062" y="5481740"/>
+            <a:ext cx="2192964" cy="646331"/>
+          </a:xfrm>
+          <a:prstGeom prst="rect">
+            <a:avLst/>
+          </a:prstGeom>
+          <a:noFill/>
+        </p:spPr>
+        <p:txBody>
+          <a:bodyPr wrap="square" rtlCol="0">
+            <a:spAutoFit/>
+          </a:bodyPr>
+          <a:lstStyle/>
+          <a:p>
+            <a:r>
+              <a:rPr lang="en-US" altLang="ko-KR" dirty="0">
+                <a:latin typeface="나눔고딕" panose="020D0604000000000000" pitchFamily="50" charset="-127"/>
+                <a:ea typeface="나눔고딕" panose="020D0604000000000000" pitchFamily="50" charset="-127"/>
+              </a:rPr>
+              <a:t>X = </a:t>
+            </a:r>
+            <a:r>
+              <a:rPr lang="ko-KR" altLang="en-US" dirty="0">
+                <a:latin typeface="나눔고딕" panose="020D0604000000000000" pitchFamily="50" charset="-127"/>
+                <a:ea typeface="나눔고딕" panose="020D0604000000000000" pitchFamily="50" charset="-127"/>
+              </a:rPr>
+              <a:t>분기별</a:t>
+            </a:r>
+            <a:endParaRPr lang="en-US" altLang="ko-KR" dirty="0">
+              <a:latin typeface="나눔고딕" panose="020D0604000000000000" pitchFamily="50" charset="-127"/>
+              <a:ea typeface="나눔고딕" panose="020D0604000000000000" pitchFamily="50" charset="-127"/>
+            </a:endParaRPr>
+          </a:p>
+          <a:p>
+            <a:r>
+              <a:rPr lang="en-US" altLang="ko-KR" dirty="0">
+                <a:latin typeface="나눔고딕" panose="020D0604000000000000" pitchFamily="50" charset="-127"/>
+                <a:ea typeface="나눔고딕" panose="020D0604000000000000" pitchFamily="50" charset="-127"/>
+              </a:rPr>
+              <a:t>Y = </a:t>
+            </a:r>
+            <a:r>
+              <a:rPr lang="ko-KR" altLang="en-US" dirty="0">
+                <a:latin typeface="나눔고딕" panose="020D0604000000000000" pitchFamily="50" charset="-127"/>
+                <a:ea typeface="나눔고딕" panose="020D0604000000000000" pitchFamily="50" charset="-127"/>
+              </a:rPr>
+              <a:t>한국</a:t>
+            </a:r>
+            <a:r>
+              <a:rPr lang="en-US" altLang="ko-KR" dirty="0">
+                <a:latin typeface="나눔고딕" panose="020D0604000000000000" pitchFamily="50" charset="-127"/>
+                <a:ea typeface="나눔고딕" panose="020D0604000000000000" pitchFamily="50" charset="-127"/>
+              </a:rPr>
+              <a:t> GNI</a:t>
+            </a:r>
+            <a:endParaRPr lang="ko-KR" altLang="en-US" dirty="0">
+              <a:latin typeface="나눔고딕" panose="020D0604000000000000" pitchFamily="50" charset="-127"/>
+              <a:ea typeface="나눔고딕" panose="020D0604000000000000" pitchFamily="50" charset="-127"/>
+            </a:endParaRPr>
+          </a:p>
+        </p:txBody>
+      </p:sp>
+      <p:graphicFrame>
+        <p:nvGraphicFramePr>
+          <p:cNvPr id="13" name="차트 12">
+            <a:extLst>
+              <a:ext uri="{FF2B5EF4-FFF2-40B4-BE49-F238E27FC236}">
+                <a16:creationId xmlns:a16="http://schemas.microsoft.com/office/drawing/2014/main" id="{15C70028-D4C7-40BF-9D35-18ADE8B8E697}"/>
+              </a:ext>
+            </a:extLst>
+          </p:cNvPr>
+          <p:cNvGraphicFramePr>
+            <a:graphicFrameLocks/>
+          </p:cNvGraphicFramePr>
+          <p:nvPr>
+            <p:extLst>
+              <p:ext uri="{D42A27DB-BD31-4B8C-83A1-F6EECF244321}">
+                <p14:modId xmlns:p14="http://schemas.microsoft.com/office/powerpoint/2010/main" val="2713635590"/>
+              </p:ext>
+            </p:extLst>
+          </p:nvPr>
+        </p:nvGraphicFramePr>
+        <p:xfrm>
+          <a:off x="4267200" y="1376260"/>
+          <a:ext cx="6771260" cy="4021231"/>
+        </p:xfrm>
+        <a:graphic>
+          <a:graphicData uri="http://schemas.openxmlformats.org/drawingml/2006/chart">
+            <c:chart xmlns:c="http://schemas.openxmlformats.org/drawingml/2006/chart" xmlns:r="http://schemas.openxmlformats.org/officeDocument/2006/relationships" r:id="rId2"/>
+          </a:graphicData>
+        </a:graphic>
+      </p:graphicFrame>
+      <p:sp>
+        <p:nvSpPr>
+          <p:cNvPr id="22" name="TextBox 21">
+            <a:extLst>
+              <a:ext uri="{FF2B5EF4-FFF2-40B4-BE49-F238E27FC236}">
+                <a16:creationId xmlns:a16="http://schemas.microsoft.com/office/drawing/2014/main" id="{04EEC38D-4184-4162-AFFF-5F8EEE36469B}"/>
+              </a:ext>
+            </a:extLst>
+          </p:cNvPr>
+          <p:cNvSpPr txBox="1"/>
+          <p:nvPr/>
+        </p:nvSpPr>
+        <p:spPr>
+          <a:xfrm>
+            <a:off x="289133" y="4867661"/>
+            <a:ext cx="2289976" cy="369332"/>
+          </a:xfrm>
+          <a:prstGeom prst="rect">
+            <a:avLst/>
+          </a:prstGeom>
+          <a:noFill/>
+        </p:spPr>
+        <p:txBody>
+          <a:bodyPr wrap="square" rtlCol="0">
+            <a:spAutoFit/>
+          </a:bodyPr>
+          <a:lstStyle/>
+          <a:p>
+            <a:pPr algn="ctr"/>
+            <a:r>
+              <a:rPr lang="en-US" altLang="ko-KR" b="1" dirty="0">
+                <a:latin typeface="나눔고딕" panose="020D0604000000000000" pitchFamily="50" charset="-127"/>
+                <a:ea typeface="나눔고딕" panose="020D0604000000000000" pitchFamily="50" charset="-127"/>
+              </a:rPr>
+              <a:t>GNI(</a:t>
+            </a:r>
+            <a:r>
+              <a:rPr lang="ko-KR" altLang="en-US" b="1" dirty="0">
+                <a:latin typeface="나눔고딕" panose="020D0604000000000000" pitchFamily="50" charset="-127"/>
+                <a:ea typeface="나눔고딕" panose="020D0604000000000000" pitchFamily="50" charset="-127"/>
+              </a:rPr>
+              <a:t>국민총소득</a:t>
+            </a:r>
+            <a:r>
+              <a:rPr lang="en-US" altLang="ko-KR" b="1" dirty="0">
+                <a:latin typeface="나눔고딕" panose="020D0604000000000000" pitchFamily="50" charset="-127"/>
+                <a:ea typeface="나눔고딕" panose="020D0604000000000000" pitchFamily="50" charset="-127"/>
+              </a:rPr>
+              <a:t>)</a:t>
+            </a:r>
+            <a:r>
+              <a:rPr lang="ko-KR" altLang="en-US" b="1" dirty="0">
+                <a:latin typeface="나눔고딕" panose="020D0604000000000000" pitchFamily="50" charset="-127"/>
+                <a:ea typeface="나눔고딕" panose="020D0604000000000000" pitchFamily="50" charset="-127"/>
+              </a:rPr>
+              <a:t>란</a:t>
+            </a:r>
+            <a:r>
+              <a:rPr lang="en-US" altLang="ko-KR" b="1" dirty="0">
+                <a:latin typeface="나눔고딕" panose="020D0604000000000000" pitchFamily="50" charset="-127"/>
+                <a:ea typeface="나눔고딕" panose="020D0604000000000000" pitchFamily="50" charset="-127"/>
+              </a:rPr>
+              <a:t>?</a:t>
+            </a:r>
+            <a:endParaRPr lang="en-US" altLang="ko-KR" sz="1500" spc="-150" dirty="0">
+              <a:solidFill>
+                <a:srgbClr val="8DBABD"/>
+              </a:solidFill>
+              <a:latin typeface="나눔고딕" panose="020D0604000000000000" pitchFamily="50" charset="-127"/>
+              <a:ea typeface="나눔고딕" panose="020D0604000000000000" pitchFamily="50" charset="-127"/>
+            </a:endParaRPr>
+          </a:p>
+        </p:txBody>
+      </p:sp>
+      <p:sp>
+        <p:nvSpPr>
+          <p:cNvPr id="23" name="TextBox 22">
+            <a:extLst>
+              <a:ext uri="{FF2B5EF4-FFF2-40B4-BE49-F238E27FC236}">
+                <a16:creationId xmlns:a16="http://schemas.microsoft.com/office/drawing/2014/main" id="{228EA686-23C7-4246-89E0-657777702BEC}"/>
+              </a:ext>
+            </a:extLst>
+          </p:cNvPr>
+          <p:cNvSpPr txBox="1"/>
+          <p:nvPr/>
+        </p:nvSpPr>
+        <p:spPr>
+          <a:xfrm flipH="1">
+            <a:off x="367432" y="5236993"/>
+            <a:ext cx="5372967" cy="507831"/>
+          </a:xfrm>
+          <a:prstGeom prst="rect">
+            <a:avLst/>
+          </a:prstGeom>
+          <a:noFill/>
+        </p:spPr>
+        <p:txBody>
+          <a:bodyPr wrap="square" rtlCol="0">
+            <a:spAutoFit/>
+          </a:bodyPr>
+          <a:lstStyle/>
+          <a:p>
+            <a:r>
+              <a:rPr lang="ko-KR" altLang="en-US" sz="1350" dirty="0">
+                <a:latin typeface="나눔고딕" panose="020D0604000000000000" pitchFamily="50" charset="-127"/>
+                <a:ea typeface="나눔고딕" panose="020D0604000000000000" pitchFamily="50" charset="-127"/>
+              </a:rPr>
+              <a:t>국민총소득</a:t>
+            </a:r>
+            <a:r>
+              <a:rPr lang="en-US" altLang="ko-KR" sz="1350" dirty="0">
+                <a:latin typeface="나눔고딕" panose="020D0604000000000000" pitchFamily="50" charset="-127"/>
+                <a:ea typeface="나눔고딕" panose="020D0604000000000000" pitchFamily="50" charset="-127"/>
+              </a:rPr>
+              <a:t>(GNI)</a:t>
+            </a:r>
+            <a:r>
+              <a:rPr lang="ko-KR" altLang="en-US" sz="1350" dirty="0">
+                <a:latin typeface="나눔고딕" panose="020D0604000000000000" pitchFamily="50" charset="-127"/>
+                <a:ea typeface="나눔고딕" panose="020D0604000000000000" pitchFamily="50" charset="-127"/>
+              </a:rPr>
+              <a:t>은 한나라의 국민이 국내외 생산 활동에 참가하거나 </a:t>
+            </a:r>
+            <a:endParaRPr lang="en-US" altLang="ko-KR" sz="1350" dirty="0">
+              <a:latin typeface="나눔고딕" panose="020D0604000000000000" pitchFamily="50" charset="-127"/>
+              <a:ea typeface="나눔고딕" panose="020D0604000000000000" pitchFamily="50" charset="-127"/>
+            </a:endParaRPr>
+          </a:p>
+          <a:p>
+            <a:r>
+              <a:rPr lang="ko-KR" altLang="en-US" sz="1350" dirty="0">
+                <a:latin typeface="나눔고딕" panose="020D0604000000000000" pitchFamily="50" charset="-127"/>
+                <a:ea typeface="나눔고딕" panose="020D0604000000000000" pitchFamily="50" charset="-127"/>
+              </a:rPr>
+              <a:t>생산에 필요한 자산을 제공한 대가로 받은 소득의 합계</a:t>
+            </a:r>
+          </a:p>
+        </p:txBody>
+      </p:sp>
+      <p:sp>
+        <p:nvSpPr>
+          <p:cNvPr id="24" name="TextBox 23">
+            <a:extLst>
+              <a:ext uri="{FF2B5EF4-FFF2-40B4-BE49-F238E27FC236}">
+                <a16:creationId xmlns:a16="http://schemas.microsoft.com/office/drawing/2014/main" id="{EC816B64-0DB1-4201-A926-02F88E45F0F0}"/>
+              </a:ext>
+            </a:extLst>
+          </p:cNvPr>
+          <p:cNvSpPr txBox="1"/>
+          <p:nvPr/>
+        </p:nvSpPr>
+        <p:spPr>
+          <a:xfrm>
+            <a:off x="289133" y="1722916"/>
+            <a:ext cx="3312125" cy="2062103"/>
+          </a:xfrm>
+          <a:prstGeom prst="rect">
+            <a:avLst/>
+          </a:prstGeom>
+          <a:noFill/>
+        </p:spPr>
+        <p:txBody>
+          <a:bodyPr wrap="none" rtlCol="0">
+            <a:spAutoFit/>
+          </a:bodyPr>
+          <a:lstStyle/>
+          <a:p>
+            <a:pPr algn="ctr"/>
+            <a:r>
+              <a:rPr lang="en-US" altLang="ko-KR" sz="3200" spc="-150" dirty="0">
+                <a:solidFill>
+                  <a:srgbClr val="8DBABD"/>
+                </a:solidFill>
+                <a:latin typeface="나눔스퀘어 ExtraBold" panose="020B0600000101010101" pitchFamily="50" charset="-127"/>
+                <a:ea typeface="나눔스퀘어 ExtraBold" panose="020B0600000101010101" pitchFamily="50" charset="-127"/>
+              </a:rPr>
+              <a:t>GNI(</a:t>
+            </a:r>
+            <a:r>
+              <a:rPr lang="ko-KR" altLang="en-US" sz="3200" spc="-150" dirty="0">
+                <a:solidFill>
+                  <a:srgbClr val="8DBABD"/>
+                </a:solidFill>
+                <a:latin typeface="나눔스퀘어 ExtraBold" panose="020B0600000101010101" pitchFamily="50" charset="-127"/>
+                <a:ea typeface="나눔스퀘어 ExtraBold" panose="020B0600000101010101" pitchFamily="50" charset="-127"/>
+              </a:rPr>
+              <a:t>국민총소득</a:t>
+            </a:r>
+            <a:r>
+              <a:rPr lang="en-US" altLang="ko-KR" sz="3200" spc="-150" dirty="0">
+                <a:solidFill>
+                  <a:srgbClr val="8DBABD"/>
+                </a:solidFill>
+                <a:latin typeface="나눔스퀘어 ExtraBold" panose="020B0600000101010101" pitchFamily="50" charset="-127"/>
+                <a:ea typeface="나눔스퀘어 ExtraBold" panose="020B0600000101010101" pitchFamily="50" charset="-127"/>
+              </a:rPr>
+              <a:t>)</a:t>
+            </a:r>
+            <a:r>
+              <a:rPr lang="ko-KR" altLang="en-US" sz="3200" spc="-150" dirty="0">
+                <a:solidFill>
+                  <a:srgbClr val="8DBABD"/>
+                </a:solidFill>
+                <a:latin typeface="나눔스퀘어 ExtraBold" panose="020B0600000101010101" pitchFamily="50" charset="-127"/>
+                <a:ea typeface="나눔스퀘어 ExtraBold" panose="020B0600000101010101" pitchFamily="50" charset="-127"/>
+              </a:rPr>
+              <a:t>이</a:t>
+            </a:r>
+            <a:endParaRPr lang="en-US" altLang="ko-KR" sz="3200" spc="-150" dirty="0">
+              <a:solidFill>
+                <a:srgbClr val="8DBABD"/>
+              </a:solidFill>
+              <a:latin typeface="나눔스퀘어 ExtraBold" panose="020B0600000101010101" pitchFamily="50" charset="-127"/>
+              <a:ea typeface="나눔스퀘어 ExtraBold" panose="020B0600000101010101" pitchFamily="50" charset="-127"/>
+            </a:endParaRPr>
+          </a:p>
+          <a:p>
+            <a:pPr algn="ctr"/>
+            <a:r>
+              <a:rPr lang="ko-KR" altLang="en-US" sz="3200" spc="-150" dirty="0">
+                <a:solidFill>
+                  <a:srgbClr val="8DBABD"/>
+                </a:solidFill>
+                <a:latin typeface="나눔스퀘어 ExtraBold" panose="020B0600000101010101" pitchFamily="50" charset="-127"/>
+                <a:ea typeface="나눔스퀘어 ExtraBold" panose="020B0600000101010101" pitchFamily="50" charset="-127"/>
+              </a:rPr>
+              <a:t>증가하면</a:t>
+            </a:r>
+            <a:endParaRPr lang="en-US" altLang="ko-KR" sz="3200" spc="-150" dirty="0">
+              <a:solidFill>
+                <a:srgbClr val="8DBABD"/>
+              </a:solidFill>
+              <a:latin typeface="나눔스퀘어 ExtraBold" panose="020B0600000101010101" pitchFamily="50" charset="-127"/>
+              <a:ea typeface="나눔스퀘어 ExtraBold" panose="020B0600000101010101" pitchFamily="50" charset="-127"/>
+            </a:endParaRPr>
+          </a:p>
+          <a:p>
+            <a:pPr algn="ctr"/>
+            <a:endParaRPr lang="en-US" altLang="ko-KR" sz="3200" spc="-150" dirty="0">
+              <a:solidFill>
+                <a:srgbClr val="8DBABD"/>
+              </a:solidFill>
+              <a:latin typeface="나눔스퀘어 ExtraBold" panose="020B0600000101010101" pitchFamily="50" charset="-127"/>
+              <a:ea typeface="나눔스퀘어 ExtraBold" panose="020B0600000101010101" pitchFamily="50" charset="-127"/>
+            </a:endParaRPr>
+          </a:p>
+          <a:p>
+            <a:pPr algn="ctr"/>
+            <a:r>
+              <a:rPr lang="ko-KR" altLang="en-US" sz="3200" spc="-150" dirty="0">
+                <a:solidFill>
+                  <a:srgbClr val="8DBABD"/>
+                </a:solidFill>
+                <a:latin typeface="나눔스퀘어 ExtraBold" panose="020B0600000101010101" pitchFamily="50" charset="-127"/>
+                <a:ea typeface="나눔스퀘어 ExtraBold" panose="020B0600000101010101" pitchFamily="50" charset="-127"/>
+              </a:rPr>
+              <a:t>방문객이 증가할까</a:t>
+            </a:r>
+            <a:r>
+              <a:rPr lang="en-US" altLang="ko-KR" sz="3200" spc="-150" dirty="0">
+                <a:solidFill>
+                  <a:srgbClr val="8DBABD"/>
+                </a:solidFill>
+                <a:latin typeface="나눔스퀘어 ExtraBold" panose="020B0600000101010101" pitchFamily="50" charset="-127"/>
+                <a:ea typeface="나눔스퀘어 ExtraBold" panose="020B0600000101010101" pitchFamily="50" charset="-127"/>
+              </a:rPr>
+              <a:t>?</a:t>
+            </a:r>
+          </a:p>
+        </p:txBody>
+      </p:sp>
+    </p:spTree>
+    <p:extLst>
+      <p:ext uri="{BB962C8B-B14F-4D97-AF65-F5344CB8AC3E}">
+        <p14:creationId xmlns:p14="http://schemas.microsoft.com/office/powerpoint/2010/main" val="3849719"/>
+      </p:ext>
+    </p:extLst>
+  </p:cSld>
+  <p:clrMapOvr>
+    <a:masterClrMapping/>
+  </p:clrMapOvr>
+  <p:timing>
+    <p:tnLst>
+      <p:par>
+        <p:cTn id="1" dur="indefinite" restart="never" nodeType="tmRoot">
+          <p:childTnLst>
+            <p:seq concurrent="1" nextAc="seek">
+              <p:cTn id="2" dur="indefinite" nodeType="mainSeq">
+                <p:childTnLst>
+                  <p:par>
+                    <p:cTn id="3" fill="hold">
+                      <p:stCondLst>
+                        <p:cond delay="indefinite"/>
+                      </p:stCondLst>
+                      <p:childTnLst>
+                        <p:par>
+                          <p:cTn id="4" fill="hold">
+                            <p:stCondLst>
+                              <p:cond delay="0"/>
+                            </p:stCondLst>
+                            <p:childTnLst>
+                              <p:par>
+                                <p:cTn id="5" presetID="2" presetClass="entr" presetSubtype="4" fill="hold" grpId="0" nodeType="clickEffect">
+                                  <p:stCondLst>
+                                    <p:cond delay="0"/>
+                                  </p:stCondLst>
+                                  <p:childTnLst>
+                                    <p:set>
+                                      <p:cBhvr>
+                                        <p:cTn id="6" dur="1" fill="hold">
+                                          <p:stCondLst>
+                                            <p:cond delay="0"/>
+                                          </p:stCondLst>
+                                        </p:cTn>
+                                        <p:tgtEl>
+                                          <p:spTgt spid="22"/>
+                                        </p:tgtEl>
+                                        <p:attrNameLst>
+                                          <p:attrName>style.visibility</p:attrName>
+                                        </p:attrNameLst>
+                                      </p:cBhvr>
+                                      <p:to>
+                                        <p:strVal val="visible"/>
+                                      </p:to>
+                                    </p:set>
+                                    <p:anim calcmode="lin" valueType="num">
+                                      <p:cBhvr additive="base">
+                                        <p:cTn id="7" dur="500" fill="hold"/>
+                                        <p:tgtEl>
+                                          <p:spTgt spid="22"/>
+                                        </p:tgtEl>
+                                        <p:attrNameLst>
+                                          <p:attrName>ppt_x</p:attrName>
+                                        </p:attrNameLst>
+                                      </p:cBhvr>
+                                      <p:tavLst>
+                                        <p:tav tm="0">
+                                          <p:val>
+                                            <p:strVal val="#ppt_x"/>
+                                          </p:val>
+                                        </p:tav>
+                                        <p:tav tm="100000">
+                                          <p:val>
+                                            <p:strVal val="#ppt_x"/>
+                                          </p:val>
+                                        </p:tav>
+                                      </p:tavLst>
+                                    </p:anim>
+                                    <p:anim calcmode="lin" valueType="num">
+                                      <p:cBhvr additive="base">
+                                        <p:cTn id="8" dur="500" fill="hold"/>
+                                        <p:tgtEl>
+                                          <p:spTgt spid="22"/>
+                                        </p:tgtEl>
+                                        <p:attrNameLst>
+                                          <p:attrName>ppt_y</p:attrName>
+                                        </p:attrNameLst>
+                                      </p:cBhvr>
+                                      <p:tavLst>
+                                        <p:tav tm="0">
+                                          <p:val>
+                                            <p:strVal val="1+#ppt_h/2"/>
+                                          </p:val>
+                                        </p:tav>
+                                        <p:tav tm="100000">
+                                          <p:val>
+                                            <p:strVal val="#ppt_y"/>
+                                          </p:val>
+                                        </p:tav>
+                                      </p:tavLst>
+                                    </p:anim>
+                                  </p:childTnLst>
+                                </p:cTn>
+                              </p:par>
+                            </p:childTnLst>
+                          </p:cTn>
+                        </p:par>
+                      </p:childTnLst>
+                    </p:cTn>
+                  </p:par>
+                </p:childTnLst>
+              </p:cTn>
+              <p:prevCondLst>
+                <p:cond evt="onPrev" delay="0">
+                  <p:tgtEl>
+                    <p:sldTgt/>
+                  </p:tgtEl>
+                </p:cond>
+              </p:prevCondLst>
+              <p:nextCondLst>
+                <p:cond evt="onNext" delay="0">
+                  <p:tgtEl>
+                    <p:sldTgt/>
+                  </p:tgtEl>
+                </p:cond>
+              </p:nextCondLst>
+            </p:seq>
+          </p:childTnLst>
+        </p:cTn>
+      </p:par>
+    </p:tnLst>
+    <p:bldLst>
+      <p:bldP spid="22" grpId="0"/>
+    </p:bldLst>
+  </p:timing>
+</p:sld>
+</file>
+
+<file path=ppt/slides/slide11.xml><?xml version="1.0" encoding="utf-8"?>
+<p:sld xmlns:a="http://schemas.openxmlformats.org/drawingml/2006/main" xmlns:r="http://schemas.openxmlformats.org/officeDocument/2006/relationships" xmlns:p="http://schemas.openxmlformats.org/presentationml/2006/main">
+  <p:cSld>
+    <p:spTree>
+      <p:nvGrpSpPr>
+        <p:cNvPr id="1" name=""/>
+        <p:cNvGrpSpPr/>
+        <p:nvPr/>
+      </p:nvGrpSpPr>
+      <p:grpSpPr>
+        <a:xfrm>
+          <a:off x="0" y="0"/>
+          <a:ext cx="0" cy="0"/>
+          <a:chOff x="0" y="0"/>
+          <a:chExt cx="0" cy="0"/>
+        </a:xfrm>
+      </p:grpSpPr>
       <p:sp>
         <p:nvSpPr>
           <p:cNvPr id="11" name="TextBox 10"/>
@@ -6828,7 +8669,7 @@
         </p:nvSpPr>
         <p:spPr>
           <a:xfrm>
-            <a:off x="1455541" y="1680047"/>
+            <a:off x="350641" y="1718147"/>
             <a:ext cx="3206326" cy="1077218"/>
           </a:xfrm>
           <a:prstGeom prst="rect">
@@ -7272,8 +9113,8 @@
         </p:blipFill>
         <p:spPr>
           <a:xfrm>
-            <a:off x="5540021" y="797895"/>
-            <a:ext cx="5201376" cy="4944165"/>
+            <a:off x="4254500" y="728455"/>
+            <a:ext cx="6523701" cy="4944165"/>
           </a:xfrm>
           <a:prstGeom prst="rect">
             <a:avLst/>
@@ -7294,7 +9135,7 @@
         </p:nvSpPr>
         <p:spPr>
           <a:xfrm>
-            <a:off x="1913717" y="3547085"/>
+            <a:off x="808817" y="3547085"/>
             <a:ext cx="2289976" cy="830997"/>
           </a:xfrm>
           <a:prstGeom prst="rect">
@@ -7366,7 +9207,7 @@
         </p:nvSpPr>
         <p:spPr>
           <a:xfrm>
-            <a:off x="2878989" y="2727606"/>
+            <a:off x="1774089" y="2727606"/>
             <a:ext cx="359432" cy="564018"/>
           </a:xfrm>
           <a:prstGeom prst="downArrow">
@@ -7418,7 +9259,7 @@
         </p:nvSpPr>
         <p:spPr>
           <a:xfrm>
-            <a:off x="367432" y="4821344"/>
+            <a:off x="285547" y="4867661"/>
             <a:ext cx="2289976" cy="369332"/>
           </a:xfrm>
           <a:prstGeom prst="rect">
@@ -7936,542 +9777,6 @@
 </p:sld>
 </file>
 
-<file path=ppt/slides/slide11.xml><?xml version="1.0" encoding="utf-8"?>
-<p:sld xmlns:a="http://schemas.openxmlformats.org/drawingml/2006/main" xmlns:r="http://schemas.openxmlformats.org/officeDocument/2006/relationships" xmlns:p="http://schemas.openxmlformats.org/presentationml/2006/main">
-  <p:cSld>
-    <p:spTree>
-      <p:nvGrpSpPr>
-        <p:cNvPr id="1" name=""/>
-        <p:cNvGrpSpPr/>
-        <p:nvPr/>
-      </p:nvGrpSpPr>
-      <p:grpSpPr>
-        <a:xfrm>
-          <a:off x="0" y="0"/>
-          <a:ext cx="0" cy="0"/>
-          <a:chOff x="0" y="0"/>
-          <a:chExt cx="0" cy="0"/>
-        </a:xfrm>
-      </p:grpSpPr>
-      <p:cxnSp>
-        <p:nvCxnSpPr>
-          <p:cNvPr id="14" name="직선 연결선 13"/>
-          <p:cNvCxnSpPr/>
-          <p:nvPr/>
-        </p:nvCxnSpPr>
-        <p:spPr>
-          <a:xfrm>
-            <a:off x="10430892" y="144941"/>
-            <a:ext cx="360000" cy="0"/>
-          </a:xfrm>
-          <a:prstGeom prst="line">
-            <a:avLst/>
-          </a:prstGeom>
-          <a:ln w="44450" cap="rnd">
-            <a:solidFill>
-              <a:srgbClr val="D0CECE"/>
-            </a:solidFill>
-          </a:ln>
-          <a:effectLst>
-            <a:outerShdw blurRad="50800" dist="38100" dir="5400000" algn="t" rotWithShape="0">
-              <a:prstClr val="black">
-                <a:alpha val="40000"/>
-              </a:prstClr>
-            </a:outerShdw>
-          </a:effectLst>
-        </p:spPr>
-        <p:style>
-          <a:lnRef idx="1">
-            <a:schemeClr val="accent1"/>
-          </a:lnRef>
-          <a:fillRef idx="0">
-            <a:schemeClr val="accent1"/>
-          </a:fillRef>
-          <a:effectRef idx="0">
-            <a:schemeClr val="accent1"/>
-          </a:effectRef>
-          <a:fontRef idx="minor">
-            <a:schemeClr val="tx1"/>
-          </a:fontRef>
-        </p:style>
-      </p:cxnSp>
-      <p:cxnSp>
-        <p:nvCxnSpPr>
-          <p:cNvPr id="15" name="직선 연결선 14"/>
-          <p:cNvCxnSpPr/>
-          <p:nvPr/>
-        </p:nvCxnSpPr>
-        <p:spPr>
-          <a:xfrm>
-            <a:off x="10858459" y="144941"/>
-            <a:ext cx="360000" cy="0"/>
-          </a:xfrm>
-          <a:prstGeom prst="line">
-            <a:avLst/>
-          </a:prstGeom>
-          <a:ln w="44450" cap="rnd">
-            <a:solidFill>
-              <a:srgbClr val="8DBABD"/>
-            </a:solidFill>
-          </a:ln>
-          <a:effectLst>
-            <a:outerShdw blurRad="50800" dist="38100" dir="5400000" algn="t" rotWithShape="0">
-              <a:prstClr val="black">
-                <a:alpha val="40000"/>
-              </a:prstClr>
-            </a:outerShdw>
-          </a:effectLst>
-        </p:spPr>
-        <p:style>
-          <a:lnRef idx="1">
-            <a:schemeClr val="accent1"/>
-          </a:lnRef>
-          <a:fillRef idx="0">
-            <a:schemeClr val="accent1"/>
-          </a:fillRef>
-          <a:effectRef idx="0">
-            <a:schemeClr val="accent1"/>
-          </a:effectRef>
-          <a:fontRef idx="minor">
-            <a:schemeClr val="tx1"/>
-          </a:fontRef>
-        </p:style>
-      </p:cxnSp>
-      <p:cxnSp>
-        <p:nvCxnSpPr>
-          <p:cNvPr id="16" name="직선 연결선 15"/>
-          <p:cNvCxnSpPr/>
-          <p:nvPr/>
-        </p:nvCxnSpPr>
-        <p:spPr>
-          <a:xfrm>
-            <a:off x="11286026" y="144941"/>
-            <a:ext cx="360000" cy="0"/>
-          </a:xfrm>
-          <a:prstGeom prst="line">
-            <a:avLst/>
-          </a:prstGeom>
-          <a:ln w="44450" cap="rnd">
-            <a:solidFill>
-              <a:schemeClr val="bg2">
-                <a:lumMod val="90000"/>
-              </a:schemeClr>
-            </a:solidFill>
-          </a:ln>
-          <a:effectLst>
-            <a:outerShdw blurRad="50800" dist="38100" dir="5400000" algn="t" rotWithShape="0">
-              <a:prstClr val="black">
-                <a:alpha val="40000"/>
-              </a:prstClr>
-            </a:outerShdw>
-          </a:effectLst>
-        </p:spPr>
-        <p:style>
-          <a:lnRef idx="1">
-            <a:schemeClr val="accent1"/>
-          </a:lnRef>
-          <a:fillRef idx="0">
-            <a:schemeClr val="accent1"/>
-          </a:fillRef>
-          <a:effectRef idx="0">
-            <a:schemeClr val="accent1"/>
-          </a:effectRef>
-          <a:fontRef idx="minor">
-            <a:schemeClr val="tx1"/>
-          </a:fontRef>
-        </p:style>
-      </p:cxnSp>
-      <p:cxnSp>
-        <p:nvCxnSpPr>
-          <p:cNvPr id="17" name="직선 연결선 16"/>
-          <p:cNvCxnSpPr/>
-          <p:nvPr/>
-        </p:nvCxnSpPr>
-        <p:spPr>
-          <a:xfrm>
-            <a:off x="11713592" y="144941"/>
-            <a:ext cx="360000" cy="0"/>
-          </a:xfrm>
-          <a:prstGeom prst="line">
-            <a:avLst/>
-          </a:prstGeom>
-          <a:ln w="44450" cap="rnd">
-            <a:solidFill>
-              <a:schemeClr val="bg2">
-                <a:lumMod val="90000"/>
-              </a:schemeClr>
-            </a:solidFill>
-          </a:ln>
-          <a:effectLst>
-            <a:outerShdw blurRad="50800" dist="38100" dir="5400000" algn="t" rotWithShape="0">
-              <a:prstClr val="black">
-                <a:alpha val="40000"/>
-              </a:prstClr>
-            </a:outerShdw>
-          </a:effectLst>
-        </p:spPr>
-        <p:style>
-          <a:lnRef idx="1">
-            <a:schemeClr val="accent1"/>
-          </a:lnRef>
-          <a:fillRef idx="0">
-            <a:schemeClr val="accent1"/>
-          </a:fillRef>
-          <a:effectRef idx="0">
-            <a:schemeClr val="accent1"/>
-          </a:effectRef>
-          <a:fontRef idx="minor">
-            <a:schemeClr val="tx1"/>
-          </a:fontRef>
-        </p:style>
-      </p:cxnSp>
-      <p:cxnSp>
-        <p:nvCxnSpPr>
-          <p:cNvPr id="18" name="직선 연결선 17"/>
-          <p:cNvCxnSpPr/>
-          <p:nvPr/>
-        </p:nvCxnSpPr>
-        <p:spPr>
-          <a:xfrm>
-            <a:off x="1026522" y="989148"/>
-            <a:ext cx="2160000" cy="0"/>
-          </a:xfrm>
-          <a:prstGeom prst="line">
-            <a:avLst/>
-          </a:prstGeom>
-          <a:ln>
-            <a:solidFill>
-              <a:schemeClr val="bg1">
-                <a:lumMod val="50000"/>
-              </a:schemeClr>
-            </a:solidFill>
-          </a:ln>
-        </p:spPr>
-        <p:style>
-          <a:lnRef idx="1">
-            <a:schemeClr val="accent1"/>
-          </a:lnRef>
-          <a:fillRef idx="0">
-            <a:schemeClr val="accent1"/>
-          </a:fillRef>
-          <a:effectRef idx="0">
-            <a:schemeClr val="accent1"/>
-          </a:effectRef>
-          <a:fontRef idx="minor">
-            <a:schemeClr val="tx1"/>
-          </a:fontRef>
-        </p:style>
-      </p:cxnSp>
-      <p:sp>
-        <p:nvSpPr>
-          <p:cNvPr id="19" name="TextBox 18"/>
-          <p:cNvSpPr txBox="1"/>
-          <p:nvPr/>
-        </p:nvSpPr>
-        <p:spPr>
-          <a:xfrm>
-            <a:off x="1233310" y="437393"/>
-            <a:ext cx="1749197" cy="584775"/>
-          </a:xfrm>
-          <a:prstGeom prst="rect">
-            <a:avLst/>
-          </a:prstGeom>
-          <a:noFill/>
-        </p:spPr>
-        <p:txBody>
-          <a:bodyPr wrap="none" rtlCol="0">
-            <a:spAutoFit/>
-          </a:bodyPr>
-          <a:lstStyle/>
-          <a:p>
-            <a:pPr algn="ctr"/>
-            <a:r>
-              <a:rPr lang="ko-KR" altLang="en-US" sz="3200" spc="-150">
-                <a:solidFill>
-                  <a:srgbClr val="00002F"/>
-                </a:solidFill>
-                <a:latin typeface="나눔스퀘어 ExtraBold" panose="020B0600000101010101" pitchFamily="50" charset="-127"/>
-                <a:ea typeface="나눔스퀘어 ExtraBold" panose="020B0600000101010101" pitchFamily="50" charset="-127"/>
-              </a:rPr>
-              <a:t>외부요인</a:t>
-            </a:r>
-            <a:endParaRPr lang="ko-KR" altLang="en-US" sz="3200" spc="-150" dirty="0">
-              <a:solidFill>
-                <a:srgbClr val="00002F"/>
-              </a:solidFill>
-              <a:latin typeface="나눔스퀘어 ExtraBold" panose="020B0600000101010101" pitchFamily="50" charset="-127"/>
-              <a:ea typeface="나눔스퀘어 ExtraBold" panose="020B0600000101010101" pitchFamily="50" charset="-127"/>
-            </a:endParaRPr>
-          </a:p>
-        </p:txBody>
-      </p:sp>
-      <p:sp>
-        <p:nvSpPr>
-          <p:cNvPr id="20" name="TextBox 19"/>
-          <p:cNvSpPr txBox="1"/>
-          <p:nvPr/>
-        </p:nvSpPr>
-        <p:spPr>
-          <a:xfrm>
-            <a:off x="455532" y="498947"/>
-            <a:ext cx="614271" cy="461665"/>
-          </a:xfrm>
-          <a:prstGeom prst="rect">
-            <a:avLst/>
-          </a:prstGeom>
-          <a:noFill/>
-        </p:spPr>
-        <p:txBody>
-          <a:bodyPr wrap="none" rtlCol="0">
-            <a:spAutoFit/>
-          </a:bodyPr>
-          <a:lstStyle/>
-          <a:p>
-            <a:pPr algn="ctr"/>
-            <a:r>
-              <a:rPr lang="en-US" altLang="ko-KR" sz="2400" spc="-150" dirty="0">
-                <a:solidFill>
-                  <a:srgbClr val="00002F"/>
-                </a:solidFill>
-                <a:latin typeface="나눔스퀘어 ExtraBold" panose="020B0600000101010101" pitchFamily="50" charset="-127"/>
-                <a:ea typeface="나눔스퀘어 ExtraBold" panose="020B0600000101010101" pitchFamily="50" charset="-127"/>
-              </a:rPr>
-              <a:t>02.</a:t>
-            </a:r>
-            <a:endParaRPr lang="ko-KR" altLang="en-US" sz="2400" spc="-150" dirty="0">
-              <a:solidFill>
-                <a:srgbClr val="00002F"/>
-              </a:solidFill>
-              <a:latin typeface="나눔스퀘어 ExtraBold" panose="020B0600000101010101" pitchFamily="50" charset="-127"/>
-              <a:ea typeface="나눔스퀘어 ExtraBold" panose="020B0600000101010101" pitchFamily="50" charset="-127"/>
-            </a:endParaRPr>
-          </a:p>
-        </p:txBody>
-      </p:sp>
-      <p:sp>
-        <p:nvSpPr>
-          <p:cNvPr id="21" name="TextBox 20"/>
-          <p:cNvSpPr txBox="1"/>
-          <p:nvPr/>
-        </p:nvSpPr>
-        <p:spPr>
-          <a:xfrm>
-            <a:off x="1043807" y="1006929"/>
-            <a:ext cx="2002472" cy="369332"/>
-          </a:xfrm>
-          <a:prstGeom prst="rect">
-            <a:avLst/>
-          </a:prstGeom>
-          <a:noFill/>
-        </p:spPr>
-        <p:txBody>
-          <a:bodyPr wrap="none" rtlCol="0">
-            <a:spAutoFit/>
-          </a:bodyPr>
-          <a:lstStyle/>
-          <a:p>
-            <a:pPr algn="ctr"/>
-            <a:r>
-              <a:rPr lang="ko-KR" altLang="en-US" spc="-150" dirty="0">
-                <a:solidFill>
-                  <a:srgbClr val="00002F"/>
-                </a:solidFill>
-                <a:latin typeface="나눔스퀘어 ExtraBold" panose="020B0600000101010101" pitchFamily="50" charset="-127"/>
-                <a:ea typeface="나눔스퀘어 ExtraBold" panose="020B0600000101010101" pitchFamily="50" charset="-127"/>
-              </a:rPr>
-              <a:t>내국인 관광객 요인</a:t>
-            </a:r>
-          </a:p>
-        </p:txBody>
-      </p:sp>
-      <p:pic>
-        <p:nvPicPr>
-          <p:cNvPr id="12" name="그림 11">
-            <a:extLst>
-              <a:ext uri="{FF2B5EF4-FFF2-40B4-BE49-F238E27FC236}">
-                <a16:creationId xmlns:a16="http://schemas.microsoft.com/office/drawing/2014/main" id="{81F3AF4D-A2E4-4211-88F7-E1D880317713}"/>
-              </a:ext>
-            </a:extLst>
-          </p:cNvPr>
-          <p:cNvPicPr>
-            <a:picLocks noChangeAspect="1"/>
-          </p:cNvPicPr>
-          <p:nvPr/>
-        </p:nvPicPr>
-        <p:blipFill>
-          <a:blip r:embed="rId2">
-            <a:extLst>
-              <a:ext uri="{28A0092B-C50C-407E-A947-70E740481C1C}">
-                <a14:useLocalDpi xmlns:a14="http://schemas.microsoft.com/office/drawing/2010/main" val="0"/>
-              </a:ext>
-            </a:extLst>
-          </a:blip>
-          <a:stretch>
-            <a:fillRect/>
-          </a:stretch>
-        </p:blipFill>
-        <p:spPr>
-          <a:xfrm>
-            <a:off x="5540021" y="797895"/>
-            <a:ext cx="5201376" cy="4944165"/>
-          </a:xfrm>
-          <a:prstGeom prst="rect">
-            <a:avLst/>
-          </a:prstGeom>
-        </p:spPr>
-      </p:pic>
-      <p:sp>
-        <p:nvSpPr>
-          <p:cNvPr id="4" name="TextBox 3">
-            <a:extLst>
-              <a:ext uri="{FF2B5EF4-FFF2-40B4-BE49-F238E27FC236}">
-                <a16:creationId xmlns:a16="http://schemas.microsoft.com/office/drawing/2014/main" id="{FF71158E-D943-4808-A1A8-D19D53C445A1}"/>
-              </a:ext>
-            </a:extLst>
-          </p:cNvPr>
-          <p:cNvSpPr txBox="1"/>
-          <p:nvPr/>
-        </p:nvSpPr>
-        <p:spPr>
-          <a:xfrm flipH="1">
-            <a:off x="359794" y="1782991"/>
-            <a:ext cx="3475605" cy="292388"/>
-          </a:xfrm>
-          <a:prstGeom prst="rect">
-            <a:avLst/>
-          </a:prstGeom>
-          <a:noFill/>
-        </p:spPr>
-        <p:txBody>
-          <a:bodyPr wrap="square" rtlCol="0">
-            <a:spAutoFit/>
-          </a:bodyPr>
-          <a:lstStyle/>
-          <a:p>
-            <a:r>
-              <a:rPr lang="ko-KR" altLang="en-US" sz="1300" dirty="0">
-                <a:latin typeface="나눔고딕" panose="020D0604000000000000" pitchFamily="50" charset="-127"/>
-                <a:ea typeface="나눔고딕" panose="020D0604000000000000" pitchFamily="50" charset="-127"/>
-              </a:rPr>
-              <a:t>실질적으로 </a:t>
-            </a:r>
-            <a:r>
-              <a:rPr lang="en-US" altLang="ko-KR" sz="1300" dirty="0">
-                <a:latin typeface="나눔고딕" panose="020D0604000000000000" pitchFamily="50" charset="-127"/>
-                <a:ea typeface="나눔고딕" panose="020D0604000000000000" pitchFamily="50" charset="-127"/>
-              </a:rPr>
-              <a:t>GNI</a:t>
-            </a:r>
-            <a:endParaRPr lang="ko-KR" altLang="en-US" sz="1300" dirty="0">
-              <a:latin typeface="나눔고딕" panose="020D0604000000000000" pitchFamily="50" charset="-127"/>
-              <a:ea typeface="나눔고딕" panose="020D0604000000000000" pitchFamily="50" charset="-127"/>
-            </a:endParaRPr>
-          </a:p>
-        </p:txBody>
-      </p:sp>
-      <p:sp>
-        <p:nvSpPr>
-          <p:cNvPr id="5" name="TextBox 4">
-            <a:extLst>
-              <a:ext uri="{FF2B5EF4-FFF2-40B4-BE49-F238E27FC236}">
-                <a16:creationId xmlns:a16="http://schemas.microsoft.com/office/drawing/2014/main" id="{117D7A47-D310-42C9-B366-C9244307DB0B}"/>
-              </a:ext>
-            </a:extLst>
-          </p:cNvPr>
-          <p:cNvSpPr txBox="1"/>
-          <p:nvPr/>
-        </p:nvSpPr>
-        <p:spPr>
-          <a:xfrm>
-            <a:off x="8314128" y="5483214"/>
-            <a:ext cx="2192964" cy="646331"/>
-          </a:xfrm>
-          <a:prstGeom prst="rect">
-            <a:avLst/>
-          </a:prstGeom>
-          <a:noFill/>
-        </p:spPr>
-        <p:txBody>
-          <a:bodyPr wrap="square" rtlCol="0">
-            <a:spAutoFit/>
-          </a:bodyPr>
-          <a:lstStyle/>
-          <a:p>
-            <a:r>
-              <a:rPr lang="en-US" altLang="ko-KR" dirty="0">
-                <a:latin typeface="나눔고딕" panose="020D0604000000000000" pitchFamily="50" charset="-127"/>
-                <a:ea typeface="나눔고딕" panose="020D0604000000000000" pitchFamily="50" charset="-127"/>
-              </a:rPr>
-              <a:t>X = </a:t>
-            </a:r>
-            <a:r>
-              <a:rPr lang="ko-KR" altLang="en-US" dirty="0">
-                <a:latin typeface="나눔고딕" panose="020D0604000000000000" pitchFamily="50" charset="-127"/>
-                <a:ea typeface="나눔고딕" panose="020D0604000000000000" pitchFamily="50" charset="-127"/>
-              </a:rPr>
-              <a:t>제주</a:t>
-            </a:r>
-            <a:r>
-              <a:rPr lang="en-US" altLang="ko-KR" dirty="0">
-                <a:latin typeface="나눔고딕" panose="020D0604000000000000" pitchFamily="50" charset="-127"/>
-                <a:ea typeface="나눔고딕" panose="020D0604000000000000" pitchFamily="50" charset="-127"/>
-              </a:rPr>
-              <a:t> </a:t>
-            </a:r>
-            <a:r>
-              <a:rPr lang="ko-KR" altLang="en-US" dirty="0">
-                <a:latin typeface="나눔고딕" panose="020D0604000000000000" pitchFamily="50" charset="-127"/>
-                <a:ea typeface="나눔고딕" panose="020D0604000000000000" pitchFamily="50" charset="-127"/>
-              </a:rPr>
-              <a:t>방문자 수</a:t>
-            </a:r>
-            <a:endParaRPr lang="en-US" altLang="ko-KR" dirty="0">
-              <a:latin typeface="나눔고딕" panose="020D0604000000000000" pitchFamily="50" charset="-127"/>
-              <a:ea typeface="나눔고딕" panose="020D0604000000000000" pitchFamily="50" charset="-127"/>
-            </a:endParaRPr>
-          </a:p>
-          <a:p>
-            <a:r>
-              <a:rPr lang="en-US" altLang="ko-KR" dirty="0">
-                <a:latin typeface="나눔고딕" panose="020D0604000000000000" pitchFamily="50" charset="-127"/>
-                <a:ea typeface="나눔고딕" panose="020D0604000000000000" pitchFamily="50" charset="-127"/>
-              </a:rPr>
-              <a:t>Y = </a:t>
-            </a:r>
-            <a:r>
-              <a:rPr lang="ko-KR" altLang="en-US" dirty="0">
-                <a:latin typeface="나눔고딕" panose="020D0604000000000000" pitchFamily="50" charset="-127"/>
-                <a:ea typeface="나눔고딕" panose="020D0604000000000000" pitchFamily="50" charset="-127"/>
-              </a:rPr>
-              <a:t>한국</a:t>
-            </a:r>
-            <a:r>
-              <a:rPr lang="en-US" altLang="ko-KR" dirty="0">
-                <a:latin typeface="나눔고딕" panose="020D0604000000000000" pitchFamily="50" charset="-127"/>
-                <a:ea typeface="나눔고딕" panose="020D0604000000000000" pitchFamily="50" charset="-127"/>
-              </a:rPr>
-              <a:t> GNI</a:t>
-            </a:r>
-            <a:endParaRPr lang="ko-KR" altLang="en-US" dirty="0">
-              <a:latin typeface="나눔고딕" panose="020D0604000000000000" pitchFamily="50" charset="-127"/>
-              <a:ea typeface="나눔고딕" panose="020D0604000000000000" pitchFamily="50" charset="-127"/>
-            </a:endParaRPr>
-          </a:p>
-        </p:txBody>
-      </p:sp>
-    </p:spTree>
-    <p:extLst>
-      <p:ext uri="{BB962C8B-B14F-4D97-AF65-F5344CB8AC3E}">
-        <p14:creationId xmlns:p14="http://schemas.microsoft.com/office/powerpoint/2010/main" val="3849719"/>
-      </p:ext>
-    </p:extLst>
-  </p:cSld>
-  <p:clrMapOvr>
-    <a:masterClrMapping/>
-  </p:clrMapOvr>
-</p:sld>
-</file>
-
 <file path=ppt/slides/slide12.xml><?xml version="1.0" encoding="utf-8"?>
 <p:sld xmlns:a="http://schemas.openxmlformats.org/drawingml/2006/main" xmlns:r="http://schemas.openxmlformats.org/officeDocument/2006/relationships" xmlns:p="http://schemas.openxmlformats.org/presentationml/2006/main">
   <p:cSld>
@@ -9109,7 +10414,7 @@
     <mc:Choice Requires="p14">
       <p:transition/>
     </mc:Choice>
-    <mc:Fallback xmlns:dsp="http://schemas.microsoft.com/office/drawing/2008/diagram" xmlns:dgm="http://schemas.openxmlformats.org/drawingml/2006/diagram" xmlns:c="http://schemas.openxmlformats.org/drawingml/2006/chart" xmlns="">
+    <mc:Fallback xmlns="" xmlns:c="http://schemas.openxmlformats.org/drawingml/2006/chart" xmlns:dgm="http://schemas.openxmlformats.org/drawingml/2006/diagram" xmlns:dsp="http://schemas.microsoft.com/office/drawing/2008/diagram">
       <p:transition/>
     </mc:Fallback>
   </mc:AlternateContent>
@@ -9891,7 +11196,7 @@
     <mc:Choice Requires="p14">
       <p:transition/>
     </mc:Choice>
-    <mc:Fallback xmlns:dsp="http://schemas.microsoft.com/office/drawing/2008/diagram" xmlns:dgm="http://schemas.openxmlformats.org/drawingml/2006/diagram" xmlns:c="http://schemas.openxmlformats.org/drawingml/2006/chart" xmlns="">
+    <mc:Fallback xmlns="" xmlns:c="http://schemas.openxmlformats.org/drawingml/2006/chart" xmlns:dgm="http://schemas.openxmlformats.org/drawingml/2006/diagram" xmlns:dsp="http://schemas.microsoft.com/office/drawing/2008/diagram">
       <p:transition/>
     </mc:Fallback>
   </mc:AlternateContent>
@@ -10481,7 +11786,7 @@
     <mc:Choice Requires="p14">
       <p:transition/>
     </mc:Choice>
-    <mc:Fallback xmlns:dsp="http://schemas.microsoft.com/office/drawing/2008/diagram" xmlns:dgm="http://schemas.openxmlformats.org/drawingml/2006/diagram" xmlns:c="http://schemas.openxmlformats.org/drawingml/2006/chart" xmlns="">
+    <mc:Fallback xmlns="" xmlns:c="http://schemas.openxmlformats.org/drawingml/2006/chart" xmlns:dgm="http://schemas.openxmlformats.org/drawingml/2006/diagram" xmlns:dsp="http://schemas.microsoft.com/office/drawing/2008/diagram">
       <p:transition/>
     </mc:Fallback>
   </mc:AlternateContent>
@@ -11112,7 +12417,7 @@
     <mc:Choice Requires="p14">
       <p:transition/>
     </mc:Choice>
-    <mc:Fallback xmlns:dsp="http://schemas.microsoft.com/office/drawing/2008/diagram" xmlns:dgm="http://schemas.openxmlformats.org/drawingml/2006/diagram" xmlns:c="http://schemas.openxmlformats.org/drawingml/2006/chart" xmlns="">
+    <mc:Fallback xmlns="" xmlns:c="http://schemas.openxmlformats.org/drawingml/2006/chart" xmlns:dgm="http://schemas.openxmlformats.org/drawingml/2006/diagram" xmlns:dsp="http://schemas.microsoft.com/office/drawing/2008/diagram">
       <p:transition/>
     </mc:Fallback>
   </mc:AlternateContent>

--- a/6조_외부환경영향.pptx
+++ b/6조_외부환경영향.pptx
@@ -10414,7 +10414,7 @@
     <mc:Choice Requires="p14">
       <p:transition/>
     </mc:Choice>
-    <mc:Fallback xmlns="" xmlns:c="http://schemas.openxmlformats.org/drawingml/2006/chart" xmlns:dgm="http://schemas.openxmlformats.org/drawingml/2006/diagram" xmlns:dsp="http://schemas.microsoft.com/office/drawing/2008/diagram">
+    <mc:Fallback xmlns:dsp="http://schemas.microsoft.com/office/drawing/2008/diagram" xmlns:dgm="http://schemas.openxmlformats.org/drawingml/2006/diagram" xmlns:c="http://schemas.openxmlformats.org/drawingml/2006/chart" xmlns="">
       <p:transition/>
     </mc:Fallback>
   </mc:AlternateContent>
@@ -11196,7 +11196,7 @@
     <mc:Choice Requires="p14">
       <p:transition/>
     </mc:Choice>
-    <mc:Fallback xmlns="" xmlns:c="http://schemas.openxmlformats.org/drawingml/2006/chart" xmlns:dgm="http://schemas.openxmlformats.org/drawingml/2006/diagram" xmlns:dsp="http://schemas.microsoft.com/office/drawing/2008/diagram">
+    <mc:Fallback xmlns:dsp="http://schemas.microsoft.com/office/drawing/2008/diagram" xmlns:dgm="http://schemas.openxmlformats.org/drawingml/2006/diagram" xmlns:c="http://schemas.openxmlformats.org/drawingml/2006/chart" xmlns="">
       <p:transition/>
     </mc:Fallback>
   </mc:AlternateContent>
@@ -11786,7 +11786,7 @@
     <mc:Choice Requires="p14">
       <p:transition/>
     </mc:Choice>
-    <mc:Fallback xmlns="" xmlns:c="http://schemas.openxmlformats.org/drawingml/2006/chart" xmlns:dgm="http://schemas.openxmlformats.org/drawingml/2006/diagram" xmlns:dsp="http://schemas.microsoft.com/office/drawing/2008/diagram">
+    <mc:Fallback xmlns:dsp="http://schemas.microsoft.com/office/drawing/2008/diagram" xmlns:dgm="http://schemas.openxmlformats.org/drawingml/2006/diagram" xmlns:c="http://schemas.openxmlformats.org/drawingml/2006/chart" xmlns="">
       <p:transition/>
     </mc:Fallback>
   </mc:AlternateContent>
@@ -12338,8 +12338,8 @@
         </p:nvSpPr>
         <p:spPr>
           <a:xfrm>
-            <a:off x="1076151" y="1006929"/>
-            <a:ext cx="566181" cy="369332"/>
+            <a:off x="1076151" y="560653"/>
+            <a:ext cx="963726" cy="630942"/>
           </a:xfrm>
           <a:prstGeom prst="rect">
             <a:avLst/>
@@ -12354,7 +12354,7 @@
           <a:p>
             <a:pPr algn="ctr"/>
             <a:r>
-              <a:rPr lang="ko-KR" altLang="en-US" spc="-150" dirty="0">
+              <a:rPr lang="ko-KR" altLang="en-US" sz="3500" spc="-150" dirty="0">
                 <a:solidFill>
                   <a:srgbClr val="00002F"/>
                 </a:solidFill>
@@ -12380,8 +12380,8 @@
         </p:nvSpPr>
         <p:spPr>
           <a:xfrm>
-            <a:off x="7908752" y="1006929"/>
-            <a:ext cx="566181" cy="369332"/>
+            <a:off x="7811580" y="560653"/>
+            <a:ext cx="963725" cy="630942"/>
           </a:xfrm>
           <a:prstGeom prst="rect">
             <a:avLst/>
@@ -12396,7 +12396,7 @@
           <a:p>
             <a:pPr algn="ctr"/>
             <a:r>
-              <a:rPr lang="ko-KR" altLang="en-US" spc="-150" dirty="0">
+              <a:rPr lang="ko-KR" altLang="en-US" sz="3500" spc="-150" dirty="0">
                 <a:solidFill>
                   <a:srgbClr val="00002F"/>
                 </a:solidFill>
@@ -12408,6 +12408,271 @@
           </a:p>
         </p:txBody>
       </p:sp>
+      <p:sp>
+        <p:nvSpPr>
+          <p:cNvPr id="4" name="TextBox 3">
+            <a:extLst>
+              <a:ext uri="{FF2B5EF4-FFF2-40B4-BE49-F238E27FC236}">
+                <a16:creationId xmlns:a16="http://schemas.microsoft.com/office/drawing/2014/main" id="{8986940B-BDDF-4CC8-ABC2-6A7E8E266A00}"/>
+              </a:ext>
+            </a:extLst>
+          </p:cNvPr>
+          <p:cNvSpPr txBox="1"/>
+          <p:nvPr/>
+        </p:nvSpPr>
+        <p:spPr>
+          <a:xfrm>
+            <a:off x="1076151" y="3726489"/>
+            <a:ext cx="4104009" cy="1015663"/>
+          </a:xfrm>
+          <a:prstGeom prst="rect">
+            <a:avLst/>
+          </a:prstGeom>
+          <a:noFill/>
+        </p:spPr>
+        <p:txBody>
+          <a:bodyPr wrap="none" rtlCol="0">
+            <a:spAutoFit/>
+          </a:bodyPr>
+          <a:lstStyle/>
+          <a:p>
+            <a:r>
+              <a:rPr lang="en-US" altLang="ko-KR" sz="2000" dirty="0">
+                <a:latin typeface="나눔고딕" panose="020D0604000000000000" pitchFamily="50" charset="-127"/>
+                <a:ea typeface="나눔고딕" panose="020D0604000000000000" pitchFamily="50" charset="-127"/>
+              </a:rPr>
+              <a:t>3</a:t>
+            </a:r>
+            <a:r>
+              <a:rPr lang="ko-KR" altLang="en-US" sz="2000" dirty="0">
+                <a:latin typeface="나눔고딕" panose="020D0604000000000000" pitchFamily="50" charset="-127"/>
+                <a:ea typeface="나눔고딕" panose="020D0604000000000000" pitchFamily="50" charset="-127"/>
+              </a:rPr>
+              <a:t>번 예산관련</a:t>
+            </a:r>
+            <a:endParaRPr lang="en-US" altLang="ko-KR" sz="2000" dirty="0">
+              <a:latin typeface="나눔고딕" panose="020D0604000000000000" pitchFamily="50" charset="-127"/>
+              <a:ea typeface="나눔고딕" panose="020D0604000000000000" pitchFamily="50" charset="-127"/>
+            </a:endParaRPr>
+          </a:p>
+          <a:p>
+            <a:r>
+              <a:rPr lang="en-US" altLang="ko-KR" sz="2000" dirty="0">
+                <a:latin typeface="나눔고딕" panose="020D0604000000000000" pitchFamily="50" charset="-127"/>
+                <a:ea typeface="나눔고딕" panose="020D0604000000000000" pitchFamily="50" charset="-127"/>
+              </a:rPr>
+              <a:t>http://www.jeju.go.kr/index.htm</a:t>
+            </a:r>
+          </a:p>
+          <a:p>
+            <a:r>
+              <a:rPr lang="ko-KR" altLang="en-US" sz="2000" dirty="0">
+                <a:latin typeface="나눔고딕" panose="020D0604000000000000" pitchFamily="50" charset="-127"/>
+                <a:ea typeface="나눔고딕" panose="020D0604000000000000" pitchFamily="50" charset="-127"/>
+              </a:rPr>
+              <a:t>제주도청</a:t>
+            </a:r>
+          </a:p>
+        </p:txBody>
+      </p:sp>
+      <p:sp>
+        <p:nvSpPr>
+          <p:cNvPr id="5" name="TextBox 4">
+            <a:extLst>
+              <a:ext uri="{FF2B5EF4-FFF2-40B4-BE49-F238E27FC236}">
+                <a16:creationId xmlns:a16="http://schemas.microsoft.com/office/drawing/2014/main" id="{C8BB3F54-875B-4A5F-A5CD-EF6A3CC1BC83}"/>
+              </a:ext>
+            </a:extLst>
+          </p:cNvPr>
+          <p:cNvSpPr txBox="1"/>
+          <p:nvPr/>
+        </p:nvSpPr>
+        <p:spPr>
+          <a:xfrm>
+            <a:off x="1076151" y="1381649"/>
+            <a:ext cx="3009157" cy="1015663"/>
+          </a:xfrm>
+          <a:prstGeom prst="rect">
+            <a:avLst/>
+          </a:prstGeom>
+          <a:noFill/>
+        </p:spPr>
+        <p:txBody>
+          <a:bodyPr wrap="none" rtlCol="0">
+            <a:spAutoFit/>
+          </a:bodyPr>
+          <a:lstStyle/>
+          <a:p>
+            <a:r>
+              <a:rPr lang="en-US" altLang="ko-KR" sz="2000" dirty="0">
+                <a:latin typeface="나눔고딕" panose="020D0604000000000000" pitchFamily="50" charset="-127"/>
+                <a:ea typeface="나눔고딕" panose="020D0604000000000000" pitchFamily="50" charset="-127"/>
+              </a:rPr>
+              <a:t>1</a:t>
+            </a:r>
+            <a:r>
+              <a:rPr lang="ko-KR" altLang="en-US" sz="2000" dirty="0">
+                <a:latin typeface="나눔고딕" panose="020D0604000000000000" pitchFamily="50" charset="-127"/>
+                <a:ea typeface="나눔고딕" panose="020D0604000000000000" pitchFamily="50" charset="-127"/>
+              </a:rPr>
+              <a:t>번 관광객 관련</a:t>
+            </a:r>
+            <a:endParaRPr lang="en-US" altLang="ko-KR" sz="2000" dirty="0">
+              <a:latin typeface="나눔고딕" panose="020D0604000000000000" pitchFamily="50" charset="-127"/>
+              <a:ea typeface="나눔고딕" panose="020D0604000000000000" pitchFamily="50" charset="-127"/>
+            </a:endParaRPr>
+          </a:p>
+          <a:p>
+            <a:r>
+              <a:rPr lang="en-US" altLang="ko-KR" sz="2000" dirty="0">
+                <a:latin typeface="나눔고딕" panose="020D0604000000000000" pitchFamily="50" charset="-127"/>
+                <a:ea typeface="나눔고딕" panose="020D0604000000000000" pitchFamily="50" charset="-127"/>
+              </a:rPr>
+              <a:t>https://www.data.go.kr</a:t>
+            </a:r>
+          </a:p>
+          <a:p>
+            <a:r>
+              <a:rPr lang="ko-KR" altLang="en-US" sz="2000" dirty="0">
+                <a:latin typeface="나눔고딕" panose="020D0604000000000000" pitchFamily="50" charset="-127"/>
+                <a:ea typeface="나눔고딕" panose="020D0604000000000000" pitchFamily="50" charset="-127"/>
+              </a:rPr>
+              <a:t>공공 데이터 포털</a:t>
+            </a:r>
+          </a:p>
+        </p:txBody>
+      </p:sp>
+      <p:sp>
+        <p:nvSpPr>
+          <p:cNvPr id="6" name="TextBox 5">
+            <a:extLst>
+              <a:ext uri="{FF2B5EF4-FFF2-40B4-BE49-F238E27FC236}">
+                <a16:creationId xmlns:a16="http://schemas.microsoft.com/office/drawing/2014/main" id="{6122A2BB-A2CE-45A6-9652-1DDDAA9D8A04}"/>
+              </a:ext>
+            </a:extLst>
+          </p:cNvPr>
+          <p:cNvSpPr txBox="1"/>
+          <p:nvPr/>
+        </p:nvSpPr>
+        <p:spPr>
+          <a:xfrm>
+            <a:off x="1076151" y="2554069"/>
+            <a:ext cx="3397084" cy="1015663"/>
+          </a:xfrm>
+          <a:prstGeom prst="rect">
+            <a:avLst/>
+          </a:prstGeom>
+          <a:noFill/>
+        </p:spPr>
+        <p:txBody>
+          <a:bodyPr wrap="none" rtlCol="0">
+            <a:spAutoFit/>
+          </a:bodyPr>
+          <a:lstStyle/>
+          <a:p>
+            <a:r>
+              <a:rPr lang="en-US" altLang="ko-KR" sz="2000" dirty="0">
+                <a:latin typeface="나눔고딕" panose="020D0604000000000000" pitchFamily="50" charset="-127"/>
+                <a:ea typeface="나눔고딕" panose="020D0604000000000000" pitchFamily="50" charset="-127"/>
+              </a:rPr>
+              <a:t>2</a:t>
+            </a:r>
+            <a:r>
+              <a:rPr lang="ko-KR" altLang="en-US" sz="2000" dirty="0">
+                <a:latin typeface="나눔고딕" panose="020D0604000000000000" pitchFamily="50" charset="-127"/>
+                <a:ea typeface="나눔고딕" panose="020D0604000000000000" pitchFamily="50" charset="-127"/>
+              </a:rPr>
+              <a:t>번 외부요인 관련</a:t>
+            </a:r>
+            <a:endParaRPr lang="en-US" altLang="ko-KR" sz="2000" dirty="0">
+              <a:latin typeface="나눔고딕" panose="020D0604000000000000" pitchFamily="50" charset="-127"/>
+              <a:ea typeface="나눔고딕" panose="020D0604000000000000" pitchFamily="50" charset="-127"/>
+            </a:endParaRPr>
+          </a:p>
+          <a:p>
+            <a:r>
+              <a:rPr lang="en-US" altLang="ko-KR" sz="2000" dirty="0">
+                <a:latin typeface="나눔고딕" panose="020D0604000000000000" pitchFamily="50" charset="-127"/>
+                <a:ea typeface="나눔고딕" panose="020D0604000000000000" pitchFamily="50" charset="-127"/>
+              </a:rPr>
+              <a:t>http://kosis.kr/statisticsList/</a:t>
+            </a:r>
+          </a:p>
+          <a:p>
+            <a:r>
+              <a:rPr lang="ko-KR" altLang="en-US" sz="2000" dirty="0">
+                <a:latin typeface="나눔고딕" panose="020D0604000000000000" pitchFamily="50" charset="-127"/>
+                <a:ea typeface="나눔고딕" panose="020D0604000000000000" pitchFamily="50" charset="-127"/>
+              </a:rPr>
+              <a:t>통계청</a:t>
+            </a:r>
+            <a:endParaRPr lang="en-US" altLang="ko-KR" sz="2000" dirty="0">
+              <a:latin typeface="나눔고딕" panose="020D0604000000000000" pitchFamily="50" charset="-127"/>
+              <a:ea typeface="나눔고딕" panose="020D0604000000000000" pitchFamily="50" charset="-127"/>
+            </a:endParaRPr>
+          </a:p>
+        </p:txBody>
+      </p:sp>
+      <p:pic>
+        <p:nvPicPr>
+          <p:cNvPr id="7" name="그림 6">
+            <a:extLst>
+              <a:ext uri="{FF2B5EF4-FFF2-40B4-BE49-F238E27FC236}">
+                <a16:creationId xmlns:a16="http://schemas.microsoft.com/office/drawing/2014/main" id="{2EE7157D-0AFB-4EA1-8987-B0EAB999DA4D}"/>
+              </a:ext>
+            </a:extLst>
+          </p:cNvPr>
+          <p:cNvPicPr>
+            <a:picLocks noChangeAspect="1"/>
+          </p:cNvPicPr>
+          <p:nvPr/>
+        </p:nvPicPr>
+        <p:blipFill>
+          <a:blip r:embed="rId2"/>
+          <a:stretch>
+            <a:fillRect/>
+          </a:stretch>
+        </p:blipFill>
+        <p:spPr>
+          <a:xfrm>
+            <a:off x="7827435" y="1381649"/>
+            <a:ext cx="1895740" cy="770434"/>
+          </a:xfrm>
+          <a:prstGeom prst="rect">
+            <a:avLst/>
+          </a:prstGeom>
+        </p:spPr>
+      </p:pic>
+      <p:pic>
+        <p:nvPicPr>
+          <p:cNvPr id="8" name="그림 7">
+            <a:extLst>
+              <a:ext uri="{FF2B5EF4-FFF2-40B4-BE49-F238E27FC236}">
+                <a16:creationId xmlns:a16="http://schemas.microsoft.com/office/drawing/2014/main" id="{F734E28B-910F-4846-993E-DE2984EED69A}"/>
+              </a:ext>
+            </a:extLst>
+          </p:cNvPr>
+          <p:cNvPicPr>
+            <a:picLocks noChangeAspect="1"/>
+          </p:cNvPicPr>
+          <p:nvPr/>
+        </p:nvPicPr>
+        <p:blipFill>
+          <a:blip r:embed="rId3"/>
+          <a:stretch>
+            <a:fillRect/>
+          </a:stretch>
+        </p:blipFill>
+        <p:spPr>
+          <a:xfrm>
+            <a:off x="7827435" y="2464627"/>
+            <a:ext cx="1895740" cy="770434"/>
+          </a:xfrm>
+          <a:prstGeom prst="rect">
+            <a:avLst/>
+          </a:prstGeom>
+        </p:spPr>
+      </p:pic>
     </p:spTree>
   </p:cSld>
   <p:clrMapOvr>
@@ -12417,7 +12682,7 @@
     <mc:Choice Requires="p14">
       <p:transition/>
     </mc:Choice>
-    <mc:Fallback xmlns="" xmlns:c="http://schemas.openxmlformats.org/drawingml/2006/chart" xmlns:dgm="http://schemas.openxmlformats.org/drawingml/2006/diagram" xmlns:dsp="http://schemas.microsoft.com/office/drawing/2008/diagram">
+    <mc:Fallback xmlns:dsp="http://schemas.microsoft.com/office/drawing/2008/diagram" xmlns:dgm="http://schemas.openxmlformats.org/drawingml/2006/diagram" xmlns:c="http://schemas.openxmlformats.org/drawingml/2006/chart" xmlns="">
       <p:transition/>
     </mc:Fallback>
   </mc:AlternateContent>

--- a/6조_외부환경영향.pptx
+++ b/6조_외부환경영향.pptx
@@ -8517,130 +8517,6 @@
   <p:clrMapOvr>
     <a:masterClrMapping/>
   </p:clrMapOvr>
-  <p:timing>
-    <p:tnLst>
-      <p:par>
-        <p:cTn id="1" dur="indefinite" restart="never" nodeType="tmRoot">
-          <p:childTnLst>
-            <p:seq concurrent="1" nextAc="seek">
-              <p:cTn id="2" dur="indefinite" nodeType="mainSeq">
-                <p:childTnLst>
-                  <p:par>
-                    <p:cTn id="3" fill="hold">
-                      <p:stCondLst>
-                        <p:cond delay="indefinite"/>
-                      </p:stCondLst>
-                      <p:childTnLst>
-                        <p:par>
-                          <p:cTn id="4" fill="hold">
-                            <p:stCondLst>
-                              <p:cond delay="0"/>
-                            </p:stCondLst>
-                            <p:childTnLst>
-                              <p:par>
-                                <p:cTn id="5" presetID="2" presetClass="entr" presetSubtype="4" fill="hold" grpId="0" nodeType="clickEffect">
-                                  <p:stCondLst>
-                                    <p:cond delay="0"/>
-                                  </p:stCondLst>
-                                  <p:childTnLst>
-                                    <p:set>
-                                      <p:cBhvr>
-                                        <p:cTn id="6" dur="1" fill="hold">
-                                          <p:stCondLst>
-                                            <p:cond delay="0"/>
-                                          </p:stCondLst>
-                                        </p:cTn>
-                                        <p:tgtEl>
-                                          <p:spTgt spid="22"/>
-                                        </p:tgtEl>
-                                        <p:attrNameLst>
-                                          <p:attrName>style.visibility</p:attrName>
-                                        </p:attrNameLst>
-                                      </p:cBhvr>
-                                      <p:to>
-                                        <p:strVal val="visible"/>
-                                      </p:to>
-                                    </p:set>
-                                    <p:anim calcmode="lin" valueType="num">
-                                      <p:cBhvr additive="base">
-                                        <p:cTn id="7" dur="500" fill="hold"/>
-                                        <p:tgtEl>
-                                          <p:spTgt spid="22"/>
-                                        </p:tgtEl>
-                                        <p:attrNameLst>
-                                          <p:attrName>ppt_x</p:attrName>
-                                        </p:attrNameLst>
-                                      </p:cBhvr>
-                                      <p:tavLst>
-                                        <p:tav tm="0">
-                                          <p:val>
-                                            <p:strVal val="#ppt_x"/>
-                                          </p:val>
-                                        </p:tav>
-                                        <p:tav tm="100000">
-                                          <p:val>
-                                            <p:strVal val="#ppt_x"/>
-                                          </p:val>
-                                        </p:tav>
-                                      </p:tavLst>
-                                    </p:anim>
-                                    <p:anim calcmode="lin" valueType="num">
-                                      <p:cBhvr additive="base">
-                                        <p:cTn id="8" dur="500" fill="hold"/>
-                                        <p:tgtEl>
-                                          <p:spTgt spid="22"/>
-                                        </p:tgtEl>
-                                        <p:attrNameLst>
-                                          <p:attrName>ppt_y</p:attrName>
-                                        </p:attrNameLst>
-                                      </p:cBhvr>
-                                      <p:tavLst>
-                                        <p:tav tm="0">
-                                          <p:val>
-                                            <p:strVal val="1+#ppt_h/2"/>
-                                          </p:val>
-                                        </p:tav>
-                                        <p:tav tm="100000">
-                                          <p:val>
-                                            <p:strVal val="#ppt_y"/>
-                                          </p:val>
-                                        </p:tav>
-                                      </p:tavLst>
-                                    </p:anim>
-                                  </p:childTnLst>
-                                </p:cTn>
-                              </p:par>
-                            </p:childTnLst>
-                          </p:cTn>
-                        </p:par>
-                      </p:childTnLst>
-                    </p:cTn>
-                  </p:par>
-                </p:childTnLst>
-              </p:cTn>
-              <p:prevCondLst>
-                <p:cond evt="onPrev" delay="0">
-                  <p:tgtEl>
-                    <p:sldTgt/>
-                  </p:tgtEl>
-                </p:cond>
-              </p:prevCondLst>
-              <p:nextCondLst>
-                <p:cond evt="onNext" delay="0">
-                  <p:tgtEl>
-                    <p:sldTgt/>
-                  </p:tgtEl>
-                </p:cond>
-              </p:nextCondLst>
-            </p:seq>
-          </p:childTnLst>
-        </p:cTn>
-      </p:par>
-    </p:tnLst>
-    <p:bldLst>
-      <p:bldP spid="22" grpId="0"/>
-    </p:bldLst>
-  </p:timing>
 </p:sld>
 </file>
 
@@ -9656,97 +9532,6 @@
                       </p:childTnLst>
                     </p:cTn>
                   </p:par>
-                  <p:par>
-                    <p:cTn id="13" fill="hold">
-                      <p:stCondLst>
-                        <p:cond delay="indefinite"/>
-                      </p:stCondLst>
-                      <p:childTnLst>
-                        <p:par>
-                          <p:cTn id="14" fill="hold">
-                            <p:stCondLst>
-                              <p:cond delay="0"/>
-                            </p:stCondLst>
-                            <p:childTnLst>
-                              <p:par>
-                                <p:cTn id="15" presetID="2" presetClass="entr" presetSubtype="4" fill="hold" grpId="0" nodeType="clickEffect">
-                                  <p:stCondLst>
-                                    <p:cond delay="0"/>
-                                  </p:stCondLst>
-                                  <p:childTnLst>
-                                    <p:set>
-                                      <p:cBhvr>
-                                        <p:cTn id="16" dur="1" fill="hold">
-                                          <p:stCondLst>
-                                            <p:cond delay="0"/>
-                                          </p:stCondLst>
-                                        </p:cTn>
-                                        <p:tgtEl>
-                                          <p:spTgt spid="22"/>
-                                        </p:tgtEl>
-                                        <p:attrNameLst>
-                                          <p:attrName>style.visibility</p:attrName>
-                                        </p:attrNameLst>
-                                      </p:cBhvr>
-                                      <p:to>
-                                        <p:strVal val="visible"/>
-                                      </p:to>
-                                    </p:set>
-                                    <p:anim calcmode="lin" valueType="num">
-                                      <p:cBhvr additive="base">
-                                        <p:cTn id="17" dur="500" fill="hold"/>
-                                        <p:tgtEl>
-                                          <p:spTgt spid="22"/>
-                                        </p:tgtEl>
-                                        <p:attrNameLst>
-                                          <p:attrName>ppt_x</p:attrName>
-                                        </p:attrNameLst>
-                                      </p:cBhvr>
-                                      <p:tavLst>
-                                        <p:tav tm="0">
-                                          <p:val>
-                                            <p:strVal val="#ppt_x"/>
-                                          </p:val>
-                                        </p:tav>
-                                        <p:tav tm="100000">
-                                          <p:val>
-                                            <p:strVal val="#ppt_x"/>
-                                          </p:val>
-                                        </p:tav>
-                                      </p:tavLst>
-                                    </p:anim>
-                                    <p:anim calcmode="lin" valueType="num">
-                                      <p:cBhvr additive="base">
-                                        <p:cTn id="18" dur="500" fill="hold"/>
-                                        <p:tgtEl>
-                                          <p:spTgt spid="22"/>
-                                        </p:tgtEl>
-                                        <p:attrNameLst>
-                                          <p:attrName>ppt_y</p:attrName>
-                                        </p:attrNameLst>
-                                      </p:cBhvr>
-                                      <p:tavLst>
-                                        <p:tav tm="0">
-                                          <p:val>
-                                            <p:strVal val="1+#ppt_h/2"/>
-                                          </p:val>
-                                        </p:tav>
-                                        <p:tav tm="100000">
-                                          <p:val>
-                                            <p:strVal val="#ppt_y"/>
-                                          </p:val>
-                                        </p:tav>
-                                      </p:tavLst>
-                                    </p:anim>
-                                  </p:childTnLst>
-                                </p:cTn>
-                              </p:par>
-                            </p:childTnLst>
-                          </p:cTn>
-                        </p:par>
-                      </p:childTnLst>
-                    </p:cTn>
-                  </p:par>
                 </p:childTnLst>
               </p:cTn>
               <p:prevCondLst>
@@ -9771,7 +9556,6 @@
     <p:bldLst>
       <p:bldP spid="2" grpId="0"/>
       <p:bldP spid="3" grpId="0" animBg="1"/>
-      <p:bldP spid="22" grpId="0"/>
     </p:bldLst>
   </p:timing>
 </p:sld>
@@ -10320,7 +10104,7 @@
         </p:nvSpPr>
         <p:spPr>
           <a:xfrm>
-            <a:off x="2776755" y="5566854"/>
+            <a:off x="3128463" y="5787438"/>
             <a:ext cx="351337" cy="162827"/>
           </a:xfrm>
           <a:prstGeom prst="rect">
@@ -10414,7 +10198,7 @@
     <mc:Choice Requires="p14">
       <p:transition/>
     </mc:Choice>
-    <mc:Fallback xmlns:dsp="http://schemas.microsoft.com/office/drawing/2008/diagram" xmlns:dgm="http://schemas.openxmlformats.org/drawingml/2006/diagram" xmlns:c="http://schemas.openxmlformats.org/drawingml/2006/chart" xmlns="">
+    <mc:Fallback xmlns="" xmlns:c="http://schemas.openxmlformats.org/drawingml/2006/chart" xmlns:dgm="http://schemas.openxmlformats.org/drawingml/2006/diagram" xmlns:dsp="http://schemas.microsoft.com/office/drawing/2008/diagram">
       <p:transition/>
     </mc:Fallback>
   </mc:AlternateContent>
@@ -11196,7 +10980,7 @@
     <mc:Choice Requires="p14">
       <p:transition/>
     </mc:Choice>
-    <mc:Fallback xmlns:dsp="http://schemas.microsoft.com/office/drawing/2008/diagram" xmlns:dgm="http://schemas.openxmlformats.org/drawingml/2006/diagram" xmlns:c="http://schemas.openxmlformats.org/drawingml/2006/chart" xmlns="">
+    <mc:Fallback xmlns="" xmlns:c="http://schemas.openxmlformats.org/drawingml/2006/chart" xmlns:dgm="http://schemas.openxmlformats.org/drawingml/2006/diagram" xmlns:dsp="http://schemas.microsoft.com/office/drawing/2008/diagram">
       <p:transition/>
     </mc:Fallback>
   </mc:AlternateContent>
@@ -11786,7 +11570,7 @@
     <mc:Choice Requires="p14">
       <p:transition/>
     </mc:Choice>
-    <mc:Fallback xmlns:dsp="http://schemas.microsoft.com/office/drawing/2008/diagram" xmlns:dgm="http://schemas.openxmlformats.org/drawingml/2006/diagram" xmlns:c="http://schemas.openxmlformats.org/drawingml/2006/chart" xmlns="">
+    <mc:Fallback xmlns="" xmlns:c="http://schemas.openxmlformats.org/drawingml/2006/chart" xmlns:dgm="http://schemas.openxmlformats.org/drawingml/2006/diagram" xmlns:dsp="http://schemas.microsoft.com/office/drawing/2008/diagram">
       <p:transition/>
     </mc:Fallback>
   </mc:AlternateContent>
@@ -12682,7 +12466,7 @@
     <mc:Choice Requires="p14">
       <p:transition/>
     </mc:Choice>
-    <mc:Fallback xmlns:dsp="http://schemas.microsoft.com/office/drawing/2008/diagram" xmlns:dgm="http://schemas.openxmlformats.org/drawingml/2006/diagram" xmlns:c="http://schemas.openxmlformats.org/drawingml/2006/chart" xmlns="">
+    <mc:Fallback xmlns="" xmlns:c="http://schemas.openxmlformats.org/drawingml/2006/chart" xmlns:dgm="http://schemas.openxmlformats.org/drawingml/2006/diagram" xmlns:dsp="http://schemas.microsoft.com/office/drawing/2008/diagram">
       <p:transition/>
     </mc:Fallback>
   </mc:AlternateContent>

--- a/6조_외부환경영향.pptx
+++ b/6조_외부환경영향.pptx
@@ -9350,6 +9350,91 @@
           </a:p>
         </p:txBody>
       </p:sp>
+      <p:sp>
+        <p:nvSpPr>
+          <p:cNvPr id="6" name="TextBox 5">
+            <a:extLst>
+              <a:ext uri="{FF2B5EF4-FFF2-40B4-BE49-F238E27FC236}">
+                <a16:creationId xmlns:a16="http://schemas.microsoft.com/office/drawing/2014/main" id="{D8BA6C54-BC7A-434F-B1BB-1BCCDC739FA6}"/>
+              </a:ext>
+            </a:extLst>
+          </p:cNvPr>
+          <p:cNvSpPr txBox="1"/>
+          <p:nvPr/>
+        </p:nvSpPr>
+        <p:spPr>
+          <a:xfrm>
+            <a:off x="2894574" y="3693013"/>
+            <a:ext cx="1266693" cy="646331"/>
+          </a:xfrm>
+          <a:prstGeom prst="rect">
+            <a:avLst/>
+          </a:prstGeom>
+          <a:noFill/>
+          <a:ln w="9525" cap="flat" cmpd="sng" algn="ctr">
+            <a:solidFill>
+              <a:schemeClr val="accent2"/>
+            </a:solidFill>
+            <a:prstDash val="solid"/>
+            <a:round/>
+            <a:headEnd type="none" w="med" len="med"/>
+            <a:tailEnd type="none" w="med" len="med"/>
+          </a:ln>
+        </p:spPr>
+        <p:style>
+          <a:lnRef idx="0">
+            <a:scrgbClr r="0" g="0" b="0"/>
+          </a:lnRef>
+          <a:fillRef idx="0">
+            <a:scrgbClr r="0" g="0" b="0"/>
+          </a:fillRef>
+          <a:effectRef idx="0">
+            <a:scrgbClr r="0" g="0" b="0"/>
+          </a:effectRef>
+          <a:fontRef idx="minor">
+            <a:schemeClr val="accent2"/>
+          </a:fontRef>
+        </p:style>
+        <p:txBody>
+          <a:bodyPr wrap="none" rtlCol="0">
+            <a:spAutoFit/>
+          </a:bodyPr>
+          <a:lstStyle/>
+          <a:p>
+            <a:pPr algn="ctr"/>
+            <a:r>
+              <a:rPr lang="ko-KR" altLang="en-US" b="1" dirty="0">
+                <a:solidFill>
+                  <a:srgbClr val="FF0000"/>
+                </a:solidFill>
+                <a:latin typeface="나눔고딕" panose="020D0604000000000000" pitchFamily="50" charset="-127"/>
+                <a:ea typeface="나눔고딕" panose="020D0604000000000000" pitchFamily="50" charset="-127"/>
+              </a:rPr>
+              <a:t>결론적으로</a:t>
+            </a:r>
+            <a:endParaRPr lang="en-US" altLang="ko-KR" b="1" dirty="0">
+              <a:solidFill>
+                <a:srgbClr val="FF0000"/>
+              </a:solidFill>
+              <a:latin typeface="나눔고딕" panose="020D0604000000000000" pitchFamily="50" charset="-127"/>
+              <a:ea typeface="나눔고딕" panose="020D0604000000000000" pitchFamily="50" charset="-127"/>
+            </a:endParaRPr>
+          </a:p>
+          <a:p>
+            <a:pPr algn="ctr"/>
+            <a:r>
+              <a:rPr lang="ko-KR" altLang="en-US" b="1" dirty="0">
+                <a:solidFill>
+                  <a:srgbClr val="FF0000"/>
+                </a:solidFill>
+                <a:latin typeface="나눔고딕" panose="020D0604000000000000" pitchFamily="50" charset="-127"/>
+                <a:ea typeface="나눔고딕" panose="020D0604000000000000" pitchFamily="50" charset="-127"/>
+              </a:rPr>
+              <a:t>관계없음</a:t>
+            </a:r>
+          </a:p>
+        </p:txBody>
+      </p:sp>
     </p:spTree>
     <p:extLst>
       <p:ext uri="{BB962C8B-B14F-4D97-AF65-F5344CB8AC3E}">
@@ -9532,6 +9617,59 @@
                       </p:childTnLst>
                     </p:cTn>
                   </p:par>
+                  <p:par>
+                    <p:cTn id="13" fill="hold">
+                      <p:stCondLst>
+                        <p:cond delay="indefinite"/>
+                      </p:stCondLst>
+                      <p:childTnLst>
+                        <p:par>
+                          <p:cTn id="14" fill="hold">
+                            <p:stCondLst>
+                              <p:cond delay="0"/>
+                            </p:stCondLst>
+                            <p:childTnLst>
+                              <p:par>
+                                <p:cTn id="15" presetID="16" presetClass="entr" presetSubtype="21" fill="hold" grpId="0" nodeType="clickEffect">
+                                  <p:stCondLst>
+                                    <p:cond delay="0"/>
+                                  </p:stCondLst>
+                                  <p:childTnLst>
+                                    <p:set>
+                                      <p:cBhvr>
+                                        <p:cTn id="16" dur="1" fill="hold">
+                                          <p:stCondLst>
+                                            <p:cond delay="0"/>
+                                          </p:stCondLst>
+                                        </p:cTn>
+                                        <p:tgtEl>
+                                          <p:spTgt spid="6"/>
+                                        </p:tgtEl>
+                                        <p:attrNameLst>
+                                          <p:attrName>style.visibility</p:attrName>
+                                        </p:attrNameLst>
+                                      </p:cBhvr>
+                                      <p:to>
+                                        <p:strVal val="visible"/>
+                                      </p:to>
+                                    </p:set>
+                                    <p:animEffect transition="in" filter="barn(inVertical)">
+                                      <p:cBhvr>
+                                        <p:cTn id="17" dur="500"/>
+                                        <p:tgtEl>
+                                          <p:spTgt spid="6"/>
+                                        </p:tgtEl>
+                                      </p:cBhvr>
+                                    </p:animEffect>
+                                  </p:childTnLst>
+                                </p:cTn>
+                              </p:par>
+                            </p:childTnLst>
+                          </p:cTn>
+                        </p:par>
+                      </p:childTnLst>
+                    </p:cTn>
+                  </p:par>
                 </p:childTnLst>
               </p:cTn>
               <p:prevCondLst>
@@ -9556,6 +9694,7 @@
     <p:bldLst>
       <p:bldP spid="2" grpId="0"/>
       <p:bldP spid="3" grpId="0" animBg="1"/>
+      <p:bldP spid="6" grpId="0" animBg="1"/>
     </p:bldLst>
   </p:timing>
 </p:sld>
@@ -10198,7 +10337,7 @@
     <mc:Choice Requires="p14">
       <p:transition/>
     </mc:Choice>
-    <mc:Fallback xmlns="" xmlns:c="http://schemas.openxmlformats.org/drawingml/2006/chart" xmlns:dgm="http://schemas.openxmlformats.org/drawingml/2006/diagram" xmlns:dsp="http://schemas.microsoft.com/office/drawing/2008/diagram">
+    <mc:Fallback xmlns:dsp="http://schemas.microsoft.com/office/drawing/2008/diagram" xmlns:dgm="http://schemas.openxmlformats.org/drawingml/2006/diagram" xmlns:c="http://schemas.openxmlformats.org/drawingml/2006/chart" xmlns="">
       <p:transition/>
     </mc:Fallback>
   </mc:AlternateContent>
@@ -10980,7 +11119,7 @@
     <mc:Choice Requires="p14">
       <p:transition/>
     </mc:Choice>
-    <mc:Fallback xmlns="" xmlns:c="http://schemas.openxmlformats.org/drawingml/2006/chart" xmlns:dgm="http://schemas.openxmlformats.org/drawingml/2006/diagram" xmlns:dsp="http://schemas.microsoft.com/office/drawing/2008/diagram">
+    <mc:Fallback xmlns:dsp="http://schemas.microsoft.com/office/drawing/2008/diagram" xmlns:dgm="http://schemas.openxmlformats.org/drawingml/2006/diagram" xmlns:c="http://schemas.openxmlformats.org/drawingml/2006/chart" xmlns="">
       <p:transition/>
     </mc:Fallback>
   </mc:AlternateContent>
@@ -11570,7 +11709,7 @@
     <mc:Choice Requires="p14">
       <p:transition/>
     </mc:Choice>
-    <mc:Fallback xmlns="" xmlns:c="http://schemas.openxmlformats.org/drawingml/2006/chart" xmlns:dgm="http://schemas.openxmlformats.org/drawingml/2006/diagram" xmlns:dsp="http://schemas.microsoft.com/office/drawing/2008/diagram">
+    <mc:Fallback xmlns:dsp="http://schemas.microsoft.com/office/drawing/2008/diagram" xmlns:dgm="http://schemas.openxmlformats.org/drawingml/2006/diagram" xmlns:c="http://schemas.openxmlformats.org/drawingml/2006/chart" xmlns="">
       <p:transition/>
     </mc:Fallback>
   </mc:AlternateContent>
@@ -12466,7 +12605,7 @@
     <mc:Choice Requires="p14">
       <p:transition/>
     </mc:Choice>
-    <mc:Fallback xmlns="" xmlns:c="http://schemas.openxmlformats.org/drawingml/2006/chart" xmlns:dgm="http://schemas.openxmlformats.org/drawingml/2006/diagram" xmlns:dsp="http://schemas.microsoft.com/office/drawing/2008/diagram">
+    <mc:Fallback xmlns:dsp="http://schemas.microsoft.com/office/drawing/2008/diagram" xmlns:dgm="http://schemas.openxmlformats.org/drawingml/2006/diagram" xmlns:c="http://schemas.openxmlformats.org/drawingml/2006/chart" xmlns="">
       <p:transition/>
     </mc:Fallback>
   </mc:AlternateContent>

--- a/6조_외부환경영향.pptx
+++ b/6조_외부환경영향.pptx
@@ -9364,7 +9364,7 @@
         </p:nvSpPr>
         <p:spPr>
           <a:xfrm>
-            <a:off x="2894574" y="3693013"/>
+            <a:off x="2900078" y="3639417"/>
             <a:ext cx="1266693" cy="646331"/>
           </a:xfrm>
           <a:prstGeom prst="rect">
@@ -9630,7 +9630,7 @@
                             </p:stCondLst>
                             <p:childTnLst>
                               <p:par>
-                                <p:cTn id="15" presetID="16" presetClass="entr" presetSubtype="21" fill="hold" grpId="0" nodeType="clickEffect">
+                                <p:cTn id="15" presetID="10" presetClass="entr" presetSubtype="0" fill="hold" grpId="0" nodeType="clickEffect">
                                   <p:stCondLst>
                                     <p:cond delay="0"/>
                                   </p:stCondLst>
@@ -9653,7 +9653,7 @@
                                         <p:strVal val="visible"/>
                                       </p:to>
                                     </p:set>
-                                    <p:animEffect transition="in" filter="barn(inVertical)">
+                                    <p:animEffect transition="in" filter="fade">
                                       <p:cBhvr>
                                         <p:cTn id="17" dur="500"/>
                                         <p:tgtEl>
@@ -9851,8 +9851,8 @@
         </p:nvSpPr>
         <p:spPr>
           <a:xfrm>
-            <a:off x="808796" y="1566792"/>
-            <a:ext cx="1287532" cy="461665"/>
+            <a:off x="510638" y="1566792"/>
+            <a:ext cx="1883849" cy="646331"/>
           </a:xfrm>
           <a:prstGeom prst="rect">
             <a:avLst/>
@@ -9869,7 +9869,7 @@
               <a:defRPr/>
             </a:pPr>
             <a:r>
-              <a:rPr lang="ko-KR" altLang="en-US" sz="2400" spc="-150" dirty="0">
+              <a:rPr lang="ko-KR" altLang="en-US" sz="3600" spc="-150" dirty="0">
                 <a:solidFill>
                   <a:srgbClr val="8DBABD"/>
                 </a:solidFill>
@@ -10227,62 +10227,14 @@
         </p:blipFill>
         <p:spPr>
           <a:xfrm>
-            <a:off x="667208" y="2237109"/>
-            <a:ext cx="8422818" cy="3823687"/>
+            <a:off x="2394487" y="1413346"/>
+            <a:ext cx="8823972" cy="4464514"/>
           </a:xfrm>
           <a:prstGeom prst="rect">
             <a:avLst/>
           </a:prstGeom>
         </p:spPr>
       </p:pic>
-      <p:sp>
-        <p:nvSpPr>
-          <p:cNvPr id="23" name="직사각형 22"/>
-          <p:cNvSpPr/>
-          <p:nvPr/>
-        </p:nvSpPr>
-        <p:spPr>
-          <a:xfrm>
-            <a:off x="3128463" y="5787438"/>
-            <a:ext cx="351337" cy="162827"/>
-          </a:xfrm>
-          <a:prstGeom prst="rect">
-            <a:avLst/>
-          </a:prstGeom>
-          <a:noFill/>
-          <a:ln>
-            <a:solidFill>
-              <a:srgbClr val="FF0000"/>
-            </a:solidFill>
-          </a:ln>
-        </p:spPr>
-        <p:style>
-          <a:lnRef idx="2">
-            <a:schemeClr val="accent1">
-              <a:shade val="20000"/>
-            </a:schemeClr>
-          </a:lnRef>
-          <a:fillRef idx="1">
-            <a:schemeClr val="accent1"/>
-          </a:fillRef>
-          <a:effectRef idx="0">
-            <a:schemeClr val="accent1"/>
-          </a:effectRef>
-          <a:fontRef idx="minor">
-            <a:schemeClr val="lt1"/>
-          </a:fontRef>
-        </p:style>
-        <p:txBody>
-          <a:bodyPr anchor="ctr"/>
-          <a:lstStyle/>
-          <a:p>
-            <a:pPr algn="ctr">
-              <a:defRPr/>
-            </a:pPr>
-            <a:endParaRPr lang="ko-KR" altLang="en-US"/>
-          </a:p>
-        </p:txBody>
-      </p:sp>
       <p:sp>
         <p:nvSpPr>
           <p:cNvPr id="2" name="직사각형 1">
@@ -10297,8 +10249,8 @@
         </p:nvSpPr>
         <p:spPr>
           <a:xfrm>
-            <a:off x="9450026" y="3564177"/>
-            <a:ext cx="1768433" cy="584775"/>
+            <a:off x="610022" y="3529190"/>
+            <a:ext cx="1685077" cy="1077218"/>
           </a:xfrm>
           <a:prstGeom prst="rect">
             <a:avLst/>
@@ -10310,6 +10262,17 @@
           </a:bodyPr>
           <a:lstStyle/>
           <a:p>
+            <a:pPr algn="ctr"/>
+            <a:r>
+              <a:rPr lang="ko-KR" altLang="en-US" sz="3200" spc="-150" dirty="0" err="1">
+                <a:solidFill>
+                  <a:srgbClr val="FF0000"/>
+                </a:solidFill>
+                <a:latin typeface="나눔스퀘어 ExtraBold"/>
+                <a:ea typeface="나눔스퀘어 ExtraBold"/>
+              </a:rPr>
+              <a:t>예산량</a:t>
+            </a:r>
             <a:r>
               <a:rPr lang="ko-KR" altLang="en-US" sz="3200" spc="-150" dirty="0">
                 <a:solidFill>
@@ -10318,13 +10281,134 @@
                 <a:latin typeface="나눔스퀘어 ExtraBold"/>
                 <a:ea typeface="나눔스퀘어 ExtraBold"/>
               </a:rPr>
-              <a:t> 대폭 상승</a:t>
+              <a:t> </a:t>
+            </a:r>
+            <a:endParaRPr lang="en-US" altLang="ko-KR" sz="3200" spc="-150" dirty="0">
+              <a:solidFill>
+                <a:srgbClr val="FF0000"/>
+              </a:solidFill>
+              <a:latin typeface="나눔스퀘어 ExtraBold"/>
+              <a:ea typeface="나눔스퀘어 ExtraBold"/>
+            </a:endParaRPr>
+          </a:p>
+          <a:p>
+            <a:pPr algn="ctr"/>
+            <a:r>
+              <a:rPr lang="ko-KR" altLang="en-US" sz="3200" spc="-150" dirty="0">
+                <a:solidFill>
+                  <a:srgbClr val="FF0000"/>
+                </a:solidFill>
+                <a:latin typeface="나눔스퀘어 ExtraBold"/>
+                <a:ea typeface="나눔스퀘어 ExtraBold"/>
+              </a:rPr>
+              <a:t>대폭 상승</a:t>
             </a:r>
             <a:endParaRPr lang="ko-KR" altLang="en-US" sz="3200" dirty="0">
               <a:solidFill>
                 <a:srgbClr val="FF0000"/>
               </a:solidFill>
             </a:endParaRPr>
+          </a:p>
+        </p:txBody>
+      </p:sp>
+      <p:sp>
+        <p:nvSpPr>
+          <p:cNvPr id="24" name="화살표: 아래쪽 23">
+            <a:extLst>
+              <a:ext uri="{FF2B5EF4-FFF2-40B4-BE49-F238E27FC236}">
+                <a16:creationId xmlns:a16="http://schemas.microsoft.com/office/drawing/2014/main" id="{189FF4A1-8489-4DA7-963D-F6FE4AC8E93E}"/>
+              </a:ext>
+            </a:extLst>
+          </p:cNvPr>
+          <p:cNvSpPr/>
+          <p:nvPr/>
+        </p:nvSpPr>
+        <p:spPr>
+          <a:xfrm>
+            <a:off x="1220797" y="2501900"/>
+            <a:ext cx="463529" cy="738513"/>
+          </a:xfrm>
+          <a:prstGeom prst="downArrow">
+            <a:avLst>
+              <a:gd name="adj1" fmla="val 50000"/>
+              <a:gd name="adj2" fmla="val 50000"/>
+            </a:avLst>
+          </a:prstGeom>
+        </p:spPr>
+        <p:style>
+          <a:lnRef idx="1">
+            <a:schemeClr val="accent2"/>
+          </a:lnRef>
+          <a:fillRef idx="2">
+            <a:schemeClr val="accent2"/>
+          </a:fillRef>
+          <a:effectRef idx="1">
+            <a:schemeClr val="accent2"/>
+          </a:effectRef>
+          <a:fontRef idx="minor">
+            <a:schemeClr val="dk1"/>
+          </a:fontRef>
+        </p:style>
+        <p:txBody>
+          <a:bodyPr anchor="ctr"/>
+          <a:lstStyle/>
+          <a:p>
+            <a:pPr algn="ctr">
+              <a:defRPr/>
+            </a:pPr>
+            <a:endParaRPr lang="ko-KR" altLang="en-US" dirty="0"/>
+          </a:p>
+        </p:txBody>
+      </p:sp>
+      <p:sp>
+        <p:nvSpPr>
+          <p:cNvPr id="25" name="화살표: 아래쪽 24">
+            <a:extLst>
+              <a:ext uri="{FF2B5EF4-FFF2-40B4-BE49-F238E27FC236}">
+                <a16:creationId xmlns:a16="http://schemas.microsoft.com/office/drawing/2014/main" id="{E0BD146F-671B-4D01-90D0-88C547966B71}"/>
+              </a:ext>
+            </a:extLst>
+          </p:cNvPr>
+          <p:cNvSpPr/>
+          <p:nvPr/>
+        </p:nvSpPr>
+        <p:spPr>
+          <a:xfrm rot="10800000">
+            <a:off x="163016" y="3645603"/>
+            <a:ext cx="463529" cy="837496"/>
+          </a:xfrm>
+          <a:prstGeom prst="downArrow">
+            <a:avLst>
+              <a:gd name="adj1" fmla="val 50000"/>
+              <a:gd name="adj2" fmla="val 50000"/>
+            </a:avLst>
+          </a:prstGeom>
+          <a:solidFill>
+            <a:srgbClr val="FF0000"/>
+          </a:solidFill>
+        </p:spPr>
+        <p:style>
+          <a:lnRef idx="1">
+            <a:schemeClr val="accent2"/>
+          </a:lnRef>
+          <a:fillRef idx="2">
+            <a:schemeClr val="accent2"/>
+          </a:fillRef>
+          <a:effectRef idx="1">
+            <a:schemeClr val="accent2"/>
+          </a:effectRef>
+          <a:fontRef idx="minor">
+            <a:schemeClr val="dk1"/>
+          </a:fontRef>
+        </p:style>
+        <p:txBody>
+          <a:bodyPr anchor="ctr"/>
+          <a:lstStyle/>
+          <a:p>
+            <a:pPr algn="ctr">
+              <a:defRPr/>
+            </a:pPr>
+            <a:endParaRPr lang="ko-KR" altLang="en-US" dirty="0"/>
           </a:p>
         </p:txBody>
       </p:sp>
@@ -10337,7 +10421,7 @@
     <mc:Choice Requires="p14">
       <p:transition/>
     </mc:Choice>
-    <mc:Fallback xmlns:dsp="http://schemas.microsoft.com/office/drawing/2008/diagram" xmlns:dgm="http://schemas.openxmlformats.org/drawingml/2006/diagram" xmlns:c="http://schemas.openxmlformats.org/drawingml/2006/chart" xmlns="">
+    <mc:Fallback xmlns="" xmlns:c="http://schemas.openxmlformats.org/drawingml/2006/chart" xmlns:dgm="http://schemas.openxmlformats.org/drawingml/2006/diagram" xmlns:dsp="http://schemas.microsoft.com/office/drawing/2008/diagram">
       <p:transition/>
     </mc:Fallback>
   </mc:AlternateContent>
@@ -10362,7 +10446,7 @@
                             </p:stCondLst>
                             <p:childTnLst>
                               <p:par>
-                                <p:cTn id="5" presetID="2" presetClass="entr" presetSubtype="4" fill="hold" grpId="0" nodeType="clickEffect">
+                                <p:cTn id="5" presetID="10" presetClass="entr" presetSubtype="0" fill="hold" grpId="0" nodeType="clickEffect">
                                   <p:stCondLst>
                                     <p:cond delay="0"/>
                                   </p:stCondLst>
@@ -10370,6 +10454,59 @@
                                     <p:set>
                                       <p:cBhvr>
                                         <p:cTn id="6" dur="1" fill="hold">
+                                          <p:stCondLst>
+                                            <p:cond delay="0"/>
+                                          </p:stCondLst>
+                                        </p:cTn>
+                                        <p:tgtEl>
+                                          <p:spTgt spid="24"/>
+                                        </p:tgtEl>
+                                        <p:attrNameLst>
+                                          <p:attrName>style.visibility</p:attrName>
+                                        </p:attrNameLst>
+                                      </p:cBhvr>
+                                      <p:to>
+                                        <p:strVal val="visible"/>
+                                      </p:to>
+                                    </p:set>
+                                    <p:animEffect transition="in" filter="fade">
+                                      <p:cBhvr>
+                                        <p:cTn id="7" dur="500"/>
+                                        <p:tgtEl>
+                                          <p:spTgt spid="24"/>
+                                        </p:tgtEl>
+                                      </p:cBhvr>
+                                    </p:animEffect>
+                                  </p:childTnLst>
+                                </p:cTn>
+                              </p:par>
+                            </p:childTnLst>
+                          </p:cTn>
+                        </p:par>
+                      </p:childTnLst>
+                    </p:cTn>
+                  </p:par>
+                  <p:par>
+                    <p:cTn id="8" fill="hold">
+                      <p:stCondLst>
+                        <p:cond delay="indefinite"/>
+                      </p:stCondLst>
+                      <p:childTnLst>
+                        <p:par>
+                          <p:cTn id="9" fill="hold">
+                            <p:stCondLst>
+                              <p:cond delay="0"/>
+                            </p:stCondLst>
+                            <p:childTnLst>
+                              <p:par>
+                                <p:cTn id="10" presetID="10" presetClass="entr" presetSubtype="0" fill="hold" grpId="0" nodeType="clickEffect">
+                                  <p:stCondLst>
+                                    <p:cond delay="0"/>
+                                  </p:stCondLst>
+                                  <p:childTnLst>
+                                    <p:set>
+                                      <p:cBhvr>
+                                        <p:cTn id="11" dur="1" fill="hold">
                                           <p:stCondLst>
                                             <p:cond delay="0"/>
                                           </p:stCondLst>
@@ -10385,52 +10522,67 @@
                                         <p:strVal val="visible"/>
                                       </p:to>
                                     </p:set>
-                                    <p:anim calcmode="lin" valueType="num">
-                                      <p:cBhvr additive="base">
-                                        <p:cTn id="7" dur="500" fill="hold"/>
+                                    <p:animEffect transition="in" filter="fade">
+                                      <p:cBhvr>
+                                        <p:cTn id="12" dur="500"/>
                                         <p:tgtEl>
                                           <p:spTgt spid="2"/>
                                         </p:tgtEl>
+                                      </p:cBhvr>
+                                    </p:animEffect>
+                                  </p:childTnLst>
+                                </p:cTn>
+                              </p:par>
+                            </p:childTnLst>
+                          </p:cTn>
+                        </p:par>
+                      </p:childTnLst>
+                    </p:cTn>
+                  </p:par>
+                  <p:par>
+                    <p:cTn id="13" fill="hold">
+                      <p:stCondLst>
+                        <p:cond delay="indefinite"/>
+                      </p:stCondLst>
+                      <p:childTnLst>
+                        <p:par>
+                          <p:cTn id="14" fill="hold">
+                            <p:stCondLst>
+                              <p:cond delay="0"/>
+                            </p:stCondLst>
+                            <p:childTnLst>
+                              <p:par>
+                                <p:cTn id="15" presetID="10" presetClass="entr" presetSubtype="0" fill="hold" grpId="0" nodeType="clickEffect">
+                                  <p:stCondLst>
+                                    <p:cond delay="0"/>
+                                  </p:stCondLst>
+                                  <p:childTnLst>
+                                    <p:set>
+                                      <p:cBhvr>
+                                        <p:cTn id="16" dur="1" fill="hold">
+                                          <p:stCondLst>
+                                            <p:cond delay="0"/>
+                                          </p:stCondLst>
+                                        </p:cTn>
+                                        <p:tgtEl>
+                                          <p:spTgt spid="25"/>
+                                        </p:tgtEl>
                                         <p:attrNameLst>
-                                          <p:attrName>ppt_x</p:attrName>
+                                          <p:attrName>style.visibility</p:attrName>
                                         </p:attrNameLst>
                                       </p:cBhvr>
-                                      <p:tavLst>
-                                        <p:tav tm="0">
-                                          <p:val>
-                                            <p:strVal val="#ppt_x"/>
-                                          </p:val>
-                                        </p:tav>
-                                        <p:tav tm="100000">
-                                          <p:val>
-                                            <p:strVal val="#ppt_x"/>
-                                          </p:val>
-                                        </p:tav>
-                                      </p:tavLst>
-                                    </p:anim>
-                                    <p:anim calcmode="lin" valueType="num">
-                                      <p:cBhvr additive="base">
-                                        <p:cTn id="8" dur="500" fill="hold"/>
+                                      <p:to>
+                                        <p:strVal val="visible"/>
+                                      </p:to>
+                                    </p:set>
+                                    <p:animEffect transition="in" filter="fade">
+                                      <p:cBhvr>
+                                        <p:cTn id="17" dur="500"/>
                                         <p:tgtEl>
-                                          <p:spTgt spid="2"/>
+                                          <p:spTgt spid="25"/>
                                         </p:tgtEl>
-                                        <p:attrNameLst>
-                                          <p:attrName>ppt_y</p:attrName>
-                                        </p:attrNameLst>
                                       </p:cBhvr>
-                                      <p:tavLst>
-                                        <p:tav tm="0">
-                                          <p:val>
-                                            <p:strVal val="1+#ppt_h/2"/>
-                                          </p:val>
-                                        </p:tav>
-                                        <p:tav tm="100000">
-                                          <p:val>
-                                            <p:strVal val="#ppt_y"/>
-                                          </p:val>
-                                        </p:tav>
-                                      </p:tavLst>
-                                    </p:anim>
+                                    </p:animEffect>
                                   </p:childTnLst>
                                 </p:cTn>
                               </p:par>
@@ -10463,6 +10615,8 @@
     </p:tnLst>
     <p:bldLst>
       <p:bldP spid="2" grpId="0"/>
+      <p:bldP spid="24" grpId="0" animBg="1"/>
+      <p:bldP spid="25" grpId="0" animBg="1"/>
     </p:bldLst>
   </p:timing>
 </p:sld>
@@ -10960,7 +11114,7 @@
                 <a:latin typeface="나눔스퀘어 Bold" panose="020B0600000101010101" pitchFamily="50" charset="-127"/>
                 <a:ea typeface="나눔스퀘어 Bold" panose="020B0600000101010101" pitchFamily="50" charset="-127"/>
               </a:rPr>
-              <a:t>중국 의지</a:t>
+              <a:t>중국 의존</a:t>
             </a:r>
             <a:endParaRPr lang="ko-KR" altLang="en-US" sz="3200" dirty="0"/>
           </a:p>
@@ -10980,7 +11134,7 @@
         </p:nvSpPr>
         <p:spPr>
           <a:xfrm>
-            <a:off x="1348117" y="2713325"/>
+            <a:off x="1348117" y="2683999"/>
             <a:ext cx="1803633" cy="1843116"/>
           </a:xfrm>
           <a:prstGeom prst="mathMultiply">
@@ -11119,7 +11273,7 @@
     <mc:Choice Requires="p14">
       <p:transition/>
     </mc:Choice>
-    <mc:Fallback xmlns:dsp="http://schemas.microsoft.com/office/drawing/2008/diagram" xmlns:dgm="http://schemas.openxmlformats.org/drawingml/2006/diagram" xmlns:c="http://schemas.openxmlformats.org/drawingml/2006/chart" xmlns="">
+    <mc:Fallback xmlns="" xmlns:c="http://schemas.openxmlformats.org/drawingml/2006/chart" xmlns:dgm="http://schemas.openxmlformats.org/drawingml/2006/diagram" xmlns:dsp="http://schemas.microsoft.com/office/drawing/2008/diagram">
       <p:transition/>
     </mc:Fallback>
   </mc:AlternateContent>
@@ -11308,7 +11462,7 @@
                             </p:stCondLst>
                             <p:childTnLst>
                               <p:par>
-                                <p:cTn id="15" presetID="2" presetClass="entr" presetSubtype="4" fill="hold" grpId="0" nodeType="clickEffect">
+                                <p:cTn id="15" presetID="1" presetClass="entr" presetSubtype="0" fill="hold" grpId="0" nodeType="clickEffect">
                                   <p:stCondLst>
                                     <p:cond delay="0"/>
                                   </p:stCondLst>
@@ -11317,7 +11471,7 @@
                                       <p:cBhvr>
                                         <p:cTn id="16" dur="1" fill="hold">
                                           <p:stCondLst>
-                                            <p:cond delay="0"/>
+                                            <p:cond delay="499"/>
                                           </p:stCondLst>
                                         </p:cTn>
                                         <p:tgtEl>
@@ -11331,52 +11485,6 @@
                                         <p:strVal val="visible"/>
                                       </p:to>
                                     </p:set>
-                                    <p:anim calcmode="lin" valueType="num">
-                                      <p:cBhvr additive="base">
-                                        <p:cTn id="17" dur="500" fill="hold"/>
-                                        <p:tgtEl>
-                                          <p:spTgt spid="5"/>
-                                        </p:tgtEl>
-                                        <p:attrNameLst>
-                                          <p:attrName>ppt_x</p:attrName>
-                                        </p:attrNameLst>
-                                      </p:cBhvr>
-                                      <p:tavLst>
-                                        <p:tav tm="0">
-                                          <p:val>
-                                            <p:strVal val="#ppt_x"/>
-                                          </p:val>
-                                        </p:tav>
-                                        <p:tav tm="100000">
-                                          <p:val>
-                                            <p:strVal val="#ppt_x"/>
-                                          </p:val>
-                                        </p:tav>
-                                      </p:tavLst>
-                                    </p:anim>
-                                    <p:anim calcmode="lin" valueType="num">
-                                      <p:cBhvr additive="base">
-                                        <p:cTn id="18" dur="500" fill="hold"/>
-                                        <p:tgtEl>
-                                          <p:spTgt spid="5"/>
-                                        </p:tgtEl>
-                                        <p:attrNameLst>
-                                          <p:attrName>ppt_y</p:attrName>
-                                        </p:attrNameLst>
-                                      </p:cBhvr>
-                                      <p:tavLst>
-                                        <p:tav tm="0">
-                                          <p:val>
-                                            <p:strVal val="1+#ppt_h/2"/>
-                                          </p:val>
-                                        </p:tav>
-                                        <p:tav tm="100000">
-                                          <p:val>
-                                            <p:strVal val="#ppt_y"/>
-                                          </p:val>
-                                        </p:tav>
-                                      </p:tavLst>
-                                    </p:anim>
                                   </p:childTnLst>
                                 </p:cTn>
                               </p:par>
@@ -11387,26 +11495,26 @@
                     </p:cTn>
                   </p:par>
                   <p:par>
-                    <p:cTn id="19" fill="hold">
+                    <p:cTn id="17" fill="hold">
                       <p:stCondLst>
                         <p:cond delay="indefinite"/>
                       </p:stCondLst>
                       <p:childTnLst>
                         <p:par>
-                          <p:cTn id="20" fill="hold">
+                          <p:cTn id="18" fill="hold">
                             <p:stCondLst>
                               <p:cond delay="0"/>
                             </p:stCondLst>
                             <p:childTnLst>
                               <p:par>
-                                <p:cTn id="21" presetID="2" presetClass="entr" presetSubtype="4" fill="hold" grpId="0" nodeType="clickEffect">
+                                <p:cTn id="19" presetID="2" presetClass="entr" presetSubtype="4" fill="hold" grpId="0" nodeType="clickEffect">
                                   <p:stCondLst>
                                     <p:cond delay="0"/>
                                   </p:stCondLst>
                                   <p:childTnLst>
                                     <p:set>
                                       <p:cBhvr>
-                                        <p:cTn id="22" dur="1" fill="hold">
+                                        <p:cTn id="20" dur="1" fill="hold">
                                           <p:stCondLst>
                                             <p:cond delay="0"/>
                                           </p:stCondLst>
@@ -11424,7 +11532,7 @@
                                     </p:set>
                                     <p:anim calcmode="lin" valueType="num">
                                       <p:cBhvr additive="base">
-                                        <p:cTn id="23" dur="500" fill="hold"/>
+                                        <p:cTn id="21" dur="500" fill="hold"/>
                                         <p:tgtEl>
                                           <p:spTgt spid="23"/>
                                         </p:tgtEl>
@@ -11447,7 +11555,7 @@
                                     </p:anim>
                                     <p:anim calcmode="lin" valueType="num">
                                       <p:cBhvr additive="base">
-                                        <p:cTn id="24" dur="500" fill="hold"/>
+                                        <p:cTn id="22" dur="500" fill="hold"/>
                                         <p:tgtEl>
                                           <p:spTgt spid="23"/>
                                         </p:tgtEl>
@@ -11472,14 +11580,14 @@
                                 </p:cTn>
                               </p:par>
                               <p:par>
-                                <p:cTn id="25" presetID="2" presetClass="entr" presetSubtype="4" fill="hold" grpId="0" nodeType="withEffect">
+                                <p:cTn id="23" presetID="2" presetClass="entr" presetSubtype="4" fill="hold" grpId="0" nodeType="withEffect">
                                   <p:stCondLst>
                                     <p:cond delay="0"/>
                                   </p:stCondLst>
                                   <p:childTnLst>
                                     <p:set>
                                       <p:cBhvr>
-                                        <p:cTn id="26" dur="1" fill="hold">
+                                        <p:cTn id="24" dur="1" fill="hold">
                                           <p:stCondLst>
                                             <p:cond delay="0"/>
                                           </p:stCondLst>
@@ -11497,7 +11605,7 @@
                                     </p:set>
                                     <p:anim calcmode="lin" valueType="num">
                                       <p:cBhvr additive="base">
-                                        <p:cTn id="27" dur="500" fill="hold"/>
+                                        <p:cTn id="25" dur="500" fill="hold"/>
                                         <p:tgtEl>
                                           <p:spTgt spid="6"/>
                                         </p:tgtEl>
@@ -11520,7 +11628,7 @@
                                     </p:anim>
                                     <p:anim calcmode="lin" valueType="num">
                                       <p:cBhvr additive="base">
-                                        <p:cTn id="28" dur="500" fill="hold"/>
+                                        <p:cTn id="26" dur="500" fill="hold"/>
                                         <p:tgtEl>
                                           <p:spTgt spid="6"/>
                                         </p:tgtEl>
@@ -11709,7 +11817,7 @@
     <mc:Choice Requires="p14">
       <p:transition/>
     </mc:Choice>
-    <mc:Fallback xmlns:dsp="http://schemas.microsoft.com/office/drawing/2008/diagram" xmlns:dgm="http://schemas.openxmlformats.org/drawingml/2006/diagram" xmlns:c="http://schemas.openxmlformats.org/drawingml/2006/chart" xmlns="">
+    <mc:Fallback xmlns="" xmlns:c="http://schemas.openxmlformats.org/drawingml/2006/chart" xmlns:dgm="http://schemas.openxmlformats.org/drawingml/2006/diagram" xmlns:dsp="http://schemas.microsoft.com/office/drawing/2008/diagram">
       <p:transition/>
     </mc:Fallback>
   </mc:AlternateContent>
@@ -12605,7 +12713,7 @@
     <mc:Choice Requires="p14">
       <p:transition/>
     </mc:Choice>
-    <mc:Fallback xmlns:dsp="http://schemas.microsoft.com/office/drawing/2008/diagram" xmlns:dgm="http://schemas.openxmlformats.org/drawingml/2006/diagram" xmlns:c="http://schemas.openxmlformats.org/drawingml/2006/chart" xmlns="">
+    <mc:Fallback xmlns="" xmlns:c="http://schemas.openxmlformats.org/drawingml/2006/chart" xmlns:dgm="http://schemas.openxmlformats.org/drawingml/2006/diagram" xmlns:dsp="http://schemas.microsoft.com/office/drawing/2008/diagram">
       <p:transition/>
     </mc:Fallback>
   </mc:AlternateContent>
